--- a/IDENTICAZIONE SISTEMA DI CARICHE PUNTIFORMI DA MISURE DI.pptx
+++ b/IDENTICAZIONE SISTEMA DI CARICHE PUNTIFORMI DA MISURE DI.pptx
@@ -2,8 +2,11 @@
 <file path=ppt/presentation.xml><?xml version="1.0" encoding="utf-8"?>
 <p:presentation xmlns:a="http://schemas.openxmlformats.org/drawingml/2006/main" xmlns:r="http://schemas.openxmlformats.org/officeDocument/2006/relationships" xmlns:p="http://schemas.openxmlformats.org/presentationml/2006/main" saveSubsetFonts="1">
   <p:sldMasterIdLst>
-    <p:sldMasterId id="2147483648" r:id="rId1"/>
+    <p:sldMasterId id="2147484292" r:id="rId1"/>
   </p:sldMasterIdLst>
+  <p:notesMasterIdLst>
+    <p:notesMasterId r:id="rId13"/>
+  </p:notesMasterIdLst>
   <p:sldIdLst>
     <p:sldId id="256" r:id="rId2"/>
     <p:sldId id="257" r:id="rId3"/>
@@ -114,12 +117,22 @@
       </a:defRPr>
     </a:lvl9pPr>
   </p:defaultTextStyle>
+  <p:extLst>
+    <p:ext uri="{EFAFB233-063F-42B5-8137-9DF3F51BA10A}">
+      <p15:sldGuideLst xmlns:p15="http://schemas.microsoft.com/office/powerpoint/2012/main"/>
+    </p:ext>
+  </p:extLst>
 </p:presentation>
 </file>
 
-<file path=ppt/slideLayouts/slideLayout1.xml><?xml version="1.0" encoding="utf-8"?>
-<p:sldLayout xmlns:a="http://schemas.openxmlformats.org/drawingml/2006/main" xmlns:r="http://schemas.openxmlformats.org/officeDocument/2006/relationships" xmlns:p="http://schemas.openxmlformats.org/presentationml/2006/main" type="title" preserve="1">
-  <p:cSld name="Diapositiva titolo">
+<file path=ppt/notesMasters/notesMaster1.xml><?xml version="1.0" encoding="utf-8"?>
+<p:notesMaster xmlns:a="http://schemas.openxmlformats.org/drawingml/2006/main" xmlns:r="http://schemas.openxmlformats.org/officeDocument/2006/relationships" xmlns:p="http://schemas.openxmlformats.org/presentationml/2006/main">
+  <p:cSld>
+    <p:bg>
+      <p:bgRef idx="1001">
+        <a:schemeClr val="bg1"/>
+      </p:bgRef>
+    </p:bg>
     <p:spTree>
       <p:nvGrpSpPr>
         <p:cNvPr id="1" name=""/>
@@ -136,182 +149,335 @@
       </p:grpSpPr>
       <p:sp>
         <p:nvSpPr>
-          <p:cNvPr id="2" name="Titolo 1"/>
-          <p:cNvSpPr>
-            <a:spLocks noGrp="1"/>
-          </p:cNvSpPr>
-          <p:nvPr>
-            <p:ph type="ctrTitle"/>
+          <p:cNvPr id="2" name="Header Placeholder 1"/>
+          <p:cNvSpPr>
+            <a:spLocks noGrp="1"/>
+          </p:cNvSpPr>
+          <p:nvPr>
+            <p:ph type="hdr" sz="quarter"/>
           </p:nvPr>
         </p:nvSpPr>
         <p:spPr>
           <a:xfrm>
-            <a:off x="1524000" y="1122363"/>
-            <a:ext cx="9144000" cy="2387600"/>
+            <a:off x="0" y="0"/>
+            <a:ext cx="2971800" cy="458788"/>
           </a:xfrm>
+          <a:prstGeom prst="rect">
+            <a:avLst/>
+          </a:prstGeom>
         </p:spPr>
         <p:txBody>
-          <a:bodyPr anchor="b"/>
+          <a:bodyPr vert="horz" lIns="91440" tIns="45720" rIns="91440" bIns="45720" rtlCol="0"/>
           <a:lstStyle>
-            <a:lvl1pPr algn="ctr">
-              <a:defRPr sz="6000"/>
+            <a:lvl1pPr algn="l">
+              <a:defRPr sz="1200"/>
             </a:lvl1pPr>
           </a:lstStyle>
           <a:p>
-            <a:r>
-              <a:rPr lang="it-IT" smtClean="0"/>
-              <a:t>Fare clic per modificare lo stile del titolo</a:t>
-            </a:r>
-            <a:endParaRPr lang="it-IT"/>
-          </a:p>
-        </p:txBody>
-      </p:sp>
-      <p:sp>
-        <p:nvSpPr>
-          <p:cNvPr id="3" name="Sottotitolo 2"/>
-          <p:cNvSpPr>
-            <a:spLocks noGrp="1"/>
-          </p:cNvSpPr>
-          <p:nvPr>
-            <p:ph type="subTitle" idx="1"/>
+            <a:endParaRPr lang="en-US"/>
+          </a:p>
+        </p:txBody>
+      </p:sp>
+      <p:sp>
+        <p:nvSpPr>
+          <p:cNvPr id="3" name="Date Placeholder 2"/>
+          <p:cNvSpPr>
+            <a:spLocks noGrp="1"/>
+          </p:cNvSpPr>
+          <p:nvPr>
+            <p:ph type="dt" idx="1"/>
           </p:nvPr>
         </p:nvSpPr>
         <p:spPr>
           <a:xfrm>
-            <a:off x="1524000" y="3602038"/>
-            <a:ext cx="9144000" cy="1655762"/>
+            <a:off x="3884613" y="0"/>
+            <a:ext cx="2971800" cy="458788"/>
           </a:xfrm>
+          <a:prstGeom prst="rect">
+            <a:avLst/>
+          </a:prstGeom>
         </p:spPr>
         <p:txBody>
-          <a:bodyPr/>
+          <a:bodyPr vert="horz" lIns="91440" tIns="45720" rIns="91440" bIns="45720" rtlCol="0"/>
           <a:lstStyle>
-            <a:lvl1pPr marL="0" indent="0" algn="ctr">
-              <a:buNone/>
-              <a:defRPr sz="2400"/>
+            <a:lvl1pPr algn="r">
+              <a:defRPr sz="1200"/>
             </a:lvl1pPr>
-            <a:lvl2pPr marL="457200" indent="0" algn="ctr">
-              <a:buNone/>
-              <a:defRPr sz="2000"/>
-            </a:lvl2pPr>
-            <a:lvl3pPr marL="914400" indent="0" algn="ctr">
-              <a:buNone/>
-              <a:defRPr sz="1800"/>
-            </a:lvl3pPr>
-            <a:lvl4pPr marL="1371600" indent="0" algn="ctr">
-              <a:buNone/>
-              <a:defRPr sz="1600"/>
-            </a:lvl4pPr>
-            <a:lvl5pPr marL="1828800" indent="0" algn="ctr">
-              <a:buNone/>
-              <a:defRPr sz="1600"/>
-            </a:lvl5pPr>
-            <a:lvl6pPr marL="2286000" indent="0" algn="ctr">
-              <a:buNone/>
-              <a:defRPr sz="1600"/>
-            </a:lvl6pPr>
-            <a:lvl7pPr marL="2743200" indent="0" algn="ctr">
-              <a:buNone/>
-              <a:defRPr sz="1600"/>
-            </a:lvl7pPr>
-            <a:lvl8pPr marL="3200400" indent="0" algn="ctr">
-              <a:buNone/>
-              <a:defRPr sz="1600"/>
-            </a:lvl8pPr>
-            <a:lvl9pPr marL="3657600" indent="0" algn="ctr">
-              <a:buNone/>
-              <a:defRPr sz="1600"/>
-            </a:lvl9pPr>
           </a:lstStyle>
           <a:p>
-            <a:r>
-              <a:rPr lang="it-IT" smtClean="0"/>
-              <a:t>Fare clic per modificare lo stile del sottotitolo dello schema</a:t>
-            </a:r>
-            <a:endParaRPr lang="it-IT"/>
-          </a:p>
-        </p:txBody>
-      </p:sp>
-      <p:sp>
-        <p:nvSpPr>
-          <p:cNvPr id="4" name="Segnaposto data 3"/>
-          <p:cNvSpPr>
-            <a:spLocks noGrp="1"/>
-          </p:cNvSpPr>
-          <p:nvPr>
-            <p:ph type="dt" sz="half" idx="10"/>
-          </p:nvPr>
-        </p:nvSpPr>
-        <p:spPr/>
-        <p:txBody>
-          <a:bodyPr/>
+            <a:fld id="{0B626E60-15AC-294D-A4F1-F70323F0F9DF}" type="datetimeFigureOut">
+              <a:rPr lang="en-US" smtClean="0"/>
+              <a:t>12/1/17</a:t>
+            </a:fld>
+            <a:endParaRPr lang="en-US"/>
+          </a:p>
+        </p:txBody>
+      </p:sp>
+      <p:sp>
+        <p:nvSpPr>
+          <p:cNvPr id="4" name="Slide Image Placeholder 3"/>
+          <p:cNvSpPr>
+            <a:spLocks noGrp="1" noRot="1" noChangeAspect="1"/>
+          </p:cNvSpPr>
+          <p:nvPr>
+            <p:ph type="sldImg" idx="2"/>
+          </p:nvPr>
+        </p:nvSpPr>
+        <p:spPr>
+          <a:xfrm>
+            <a:off x="685800" y="1143000"/>
+            <a:ext cx="5486400" cy="3086100"/>
+          </a:xfrm>
+          <a:prstGeom prst="rect">
+            <a:avLst/>
+          </a:prstGeom>
+          <a:noFill/>
+          <a:ln w="12700">
+            <a:solidFill>
+              <a:prstClr val="black"/>
+            </a:solidFill>
+          </a:ln>
+        </p:spPr>
+        <p:txBody>
+          <a:bodyPr vert="horz" lIns="91440" tIns="45720" rIns="91440" bIns="45720" rtlCol="0" anchor="ctr"/>
           <a:lstStyle/>
           <a:p>
-            <a:fld id="{D400A843-E78D-45FE-BBE0-0DFBB922583B}" type="datetimeFigureOut">
-              <a:rPr lang="it-IT" smtClean="0"/>
-              <a:t>28/11/2017</a:t>
+            <a:endParaRPr lang="en-US"/>
+          </a:p>
+        </p:txBody>
+      </p:sp>
+      <p:sp>
+        <p:nvSpPr>
+          <p:cNvPr id="5" name="Notes Placeholder 4"/>
+          <p:cNvSpPr>
+            <a:spLocks noGrp="1"/>
+          </p:cNvSpPr>
+          <p:nvPr>
+            <p:ph type="body" sz="quarter" idx="3"/>
+          </p:nvPr>
+        </p:nvSpPr>
+        <p:spPr>
+          <a:xfrm>
+            <a:off x="685800" y="4400550"/>
+            <a:ext cx="5486400" cy="3600450"/>
+          </a:xfrm>
+          <a:prstGeom prst="rect">
+            <a:avLst/>
+          </a:prstGeom>
+        </p:spPr>
+        <p:txBody>
+          <a:bodyPr vert="horz" lIns="91440" tIns="45720" rIns="91440" bIns="45720" rtlCol="0"/>
+          <a:lstStyle/>
+          <a:p>
+            <a:pPr lvl="0"/>
+            <a:r>
+              <a:rPr lang="en-US" smtClean="0"/>
+              <a:t>Click to edit Master text styles</a:t>
+            </a:r>
+          </a:p>
+          <a:p>
+            <a:pPr lvl="1"/>
+            <a:r>
+              <a:rPr lang="en-US" smtClean="0"/>
+              <a:t>Second level</a:t>
+            </a:r>
+          </a:p>
+          <a:p>
+            <a:pPr lvl="2"/>
+            <a:r>
+              <a:rPr lang="en-US" smtClean="0"/>
+              <a:t>Third level</a:t>
+            </a:r>
+          </a:p>
+          <a:p>
+            <a:pPr lvl="3"/>
+            <a:r>
+              <a:rPr lang="en-US" smtClean="0"/>
+              <a:t>Fourth level</a:t>
+            </a:r>
+          </a:p>
+          <a:p>
+            <a:pPr lvl="4"/>
+            <a:r>
+              <a:rPr lang="en-US" smtClean="0"/>
+              <a:t>Fifth level</a:t>
+            </a:r>
+            <a:endParaRPr lang="en-US"/>
+          </a:p>
+        </p:txBody>
+      </p:sp>
+      <p:sp>
+        <p:nvSpPr>
+          <p:cNvPr id="6" name="Footer Placeholder 5"/>
+          <p:cNvSpPr>
+            <a:spLocks noGrp="1"/>
+          </p:cNvSpPr>
+          <p:nvPr>
+            <p:ph type="ftr" sz="quarter" idx="4"/>
+          </p:nvPr>
+        </p:nvSpPr>
+        <p:spPr>
+          <a:xfrm>
+            <a:off x="0" y="8685213"/>
+            <a:ext cx="2971800" cy="458787"/>
+          </a:xfrm>
+          <a:prstGeom prst="rect">
+            <a:avLst/>
+          </a:prstGeom>
+        </p:spPr>
+        <p:txBody>
+          <a:bodyPr vert="horz" lIns="91440" tIns="45720" rIns="91440" bIns="45720" rtlCol="0" anchor="b"/>
+          <a:lstStyle>
+            <a:lvl1pPr algn="l">
+              <a:defRPr sz="1200"/>
+            </a:lvl1pPr>
+          </a:lstStyle>
+          <a:p>
+            <a:endParaRPr lang="en-US"/>
+          </a:p>
+        </p:txBody>
+      </p:sp>
+      <p:sp>
+        <p:nvSpPr>
+          <p:cNvPr id="7" name="Slide Number Placeholder 6"/>
+          <p:cNvSpPr>
+            <a:spLocks noGrp="1"/>
+          </p:cNvSpPr>
+          <p:nvPr>
+            <p:ph type="sldNum" sz="quarter" idx="5"/>
+          </p:nvPr>
+        </p:nvSpPr>
+        <p:spPr>
+          <a:xfrm>
+            <a:off x="3884613" y="8685213"/>
+            <a:ext cx="2971800" cy="458787"/>
+          </a:xfrm>
+          <a:prstGeom prst="rect">
+            <a:avLst/>
+          </a:prstGeom>
+        </p:spPr>
+        <p:txBody>
+          <a:bodyPr vert="horz" lIns="91440" tIns="45720" rIns="91440" bIns="45720" rtlCol="0" anchor="b"/>
+          <a:lstStyle>
+            <a:lvl1pPr algn="r">
+              <a:defRPr sz="1200"/>
+            </a:lvl1pPr>
+          </a:lstStyle>
+          <a:p>
+            <a:fld id="{B84B1DCE-DD70-5840-A766-ADE0E79E6240}" type="slidenum">
+              <a:rPr lang="en-US" smtClean="0"/>
+              <a:t>‹#›</a:t>
             </a:fld>
-            <a:endParaRPr lang="it-IT"/>
-          </a:p>
-        </p:txBody>
-      </p:sp>
-      <p:sp>
-        <p:nvSpPr>
-          <p:cNvPr id="5" name="Segnaposto piè di pagina 4"/>
-          <p:cNvSpPr>
-            <a:spLocks noGrp="1"/>
-          </p:cNvSpPr>
-          <p:nvPr>
-            <p:ph type="ftr" sz="quarter" idx="11"/>
-          </p:nvPr>
-        </p:nvSpPr>
-        <p:spPr/>
-        <p:txBody>
-          <a:bodyPr/>
-          <a:lstStyle/>
-          <a:p>
-            <a:endParaRPr lang="it-IT"/>
-          </a:p>
-        </p:txBody>
-      </p:sp>
-      <p:sp>
-        <p:nvSpPr>
-          <p:cNvPr id="6" name="Segnaposto numero diapositiva 5"/>
-          <p:cNvSpPr>
-            <a:spLocks noGrp="1"/>
-          </p:cNvSpPr>
-          <p:nvPr>
-            <p:ph type="sldNum" sz="quarter" idx="12"/>
-          </p:nvPr>
-        </p:nvSpPr>
-        <p:spPr/>
-        <p:txBody>
-          <a:bodyPr/>
-          <a:lstStyle/>
-          <a:p>
-            <a:fld id="{1B29E90A-79A6-4357-BA0E-73A707E87A6D}" type="slidenum">
-              <a:rPr lang="it-IT" smtClean="0"/>
-              <a:t>‹N›</a:t>
-            </a:fld>
-            <a:endParaRPr lang="it-IT"/>
+            <a:endParaRPr lang="en-US"/>
           </a:p>
         </p:txBody>
       </p:sp>
     </p:spTree>
     <p:extLst>
       <p:ext uri="{BB962C8B-B14F-4D97-AF65-F5344CB8AC3E}">
-        <p14:creationId xmlns:p14="http://schemas.microsoft.com/office/powerpoint/2010/main" val="3734116894"/>
+        <p14:creationId xmlns:p14="http://schemas.microsoft.com/office/powerpoint/2010/main" val="24973586"/>
       </p:ext>
     </p:extLst>
   </p:cSld>
-  <p:clrMapOvr>
-    <a:masterClrMapping/>
-  </p:clrMapOvr>
-</p:sldLayout>
+  <p:clrMap bg1="lt1" tx1="dk1" bg2="lt2" tx2="dk2" accent1="accent1" accent2="accent2" accent3="accent3" accent4="accent4" accent5="accent5" accent6="accent6" hlink="hlink" folHlink="folHlink"/>
+  <p:notesStyle>
+    <a:lvl1pPr marL="0" algn="l" defTabSz="914400" rtl="0" eaLnBrk="1" latinLnBrk="0" hangingPunct="1">
+      <a:defRPr sz="1200" kern="1200">
+        <a:solidFill>
+          <a:schemeClr val="tx1"/>
+        </a:solidFill>
+        <a:latin typeface="+mn-lt"/>
+        <a:ea typeface="+mn-ea"/>
+        <a:cs typeface="+mn-cs"/>
+      </a:defRPr>
+    </a:lvl1pPr>
+    <a:lvl2pPr marL="457200" algn="l" defTabSz="914400" rtl="0" eaLnBrk="1" latinLnBrk="0" hangingPunct="1">
+      <a:defRPr sz="1200" kern="1200">
+        <a:solidFill>
+          <a:schemeClr val="tx1"/>
+        </a:solidFill>
+        <a:latin typeface="+mn-lt"/>
+        <a:ea typeface="+mn-ea"/>
+        <a:cs typeface="+mn-cs"/>
+      </a:defRPr>
+    </a:lvl2pPr>
+    <a:lvl3pPr marL="914400" algn="l" defTabSz="914400" rtl="0" eaLnBrk="1" latinLnBrk="0" hangingPunct="1">
+      <a:defRPr sz="1200" kern="1200">
+        <a:solidFill>
+          <a:schemeClr val="tx1"/>
+        </a:solidFill>
+        <a:latin typeface="+mn-lt"/>
+        <a:ea typeface="+mn-ea"/>
+        <a:cs typeface="+mn-cs"/>
+      </a:defRPr>
+    </a:lvl3pPr>
+    <a:lvl4pPr marL="1371600" algn="l" defTabSz="914400" rtl="0" eaLnBrk="1" latinLnBrk="0" hangingPunct="1">
+      <a:defRPr sz="1200" kern="1200">
+        <a:solidFill>
+          <a:schemeClr val="tx1"/>
+        </a:solidFill>
+        <a:latin typeface="+mn-lt"/>
+        <a:ea typeface="+mn-ea"/>
+        <a:cs typeface="+mn-cs"/>
+      </a:defRPr>
+    </a:lvl4pPr>
+    <a:lvl5pPr marL="1828800" algn="l" defTabSz="914400" rtl="0" eaLnBrk="1" latinLnBrk="0" hangingPunct="1">
+      <a:defRPr sz="1200" kern="1200">
+        <a:solidFill>
+          <a:schemeClr val="tx1"/>
+        </a:solidFill>
+        <a:latin typeface="+mn-lt"/>
+        <a:ea typeface="+mn-ea"/>
+        <a:cs typeface="+mn-cs"/>
+      </a:defRPr>
+    </a:lvl5pPr>
+    <a:lvl6pPr marL="2286000" algn="l" defTabSz="914400" rtl="0" eaLnBrk="1" latinLnBrk="0" hangingPunct="1">
+      <a:defRPr sz="1200" kern="1200">
+        <a:solidFill>
+          <a:schemeClr val="tx1"/>
+        </a:solidFill>
+        <a:latin typeface="+mn-lt"/>
+        <a:ea typeface="+mn-ea"/>
+        <a:cs typeface="+mn-cs"/>
+      </a:defRPr>
+    </a:lvl6pPr>
+    <a:lvl7pPr marL="2743200" algn="l" defTabSz="914400" rtl="0" eaLnBrk="1" latinLnBrk="0" hangingPunct="1">
+      <a:defRPr sz="1200" kern="1200">
+        <a:solidFill>
+          <a:schemeClr val="tx1"/>
+        </a:solidFill>
+        <a:latin typeface="+mn-lt"/>
+        <a:ea typeface="+mn-ea"/>
+        <a:cs typeface="+mn-cs"/>
+      </a:defRPr>
+    </a:lvl7pPr>
+    <a:lvl8pPr marL="3200400" algn="l" defTabSz="914400" rtl="0" eaLnBrk="1" latinLnBrk="0" hangingPunct="1">
+      <a:defRPr sz="1200" kern="1200">
+        <a:solidFill>
+          <a:schemeClr val="tx1"/>
+        </a:solidFill>
+        <a:latin typeface="+mn-lt"/>
+        <a:ea typeface="+mn-ea"/>
+        <a:cs typeface="+mn-cs"/>
+      </a:defRPr>
+    </a:lvl8pPr>
+    <a:lvl9pPr marL="3657600" algn="l" defTabSz="914400" rtl="0" eaLnBrk="1" latinLnBrk="0" hangingPunct="1">
+      <a:defRPr sz="1200" kern="1200">
+        <a:solidFill>
+          <a:schemeClr val="tx1"/>
+        </a:solidFill>
+        <a:latin typeface="+mn-lt"/>
+        <a:ea typeface="+mn-ea"/>
+        <a:cs typeface="+mn-cs"/>
+      </a:defRPr>
+    </a:lvl9pPr>
+  </p:notesStyle>
+</p:notesMaster>
 </file>
 
-<file path=ppt/slideLayouts/slideLayout10.xml><?xml version="1.0" encoding="utf-8"?>
-<p:sldLayout xmlns:a="http://schemas.openxmlformats.org/drawingml/2006/main" xmlns:r="http://schemas.openxmlformats.org/officeDocument/2006/relationships" xmlns:p="http://schemas.openxmlformats.org/presentationml/2006/main" type="vertTx" preserve="1">
-  <p:cSld name="Titolo e testo verticale">
+<file path=ppt/notesSlides/notesSlide1.xml><?xml version="1.0" encoding="utf-8"?>
+<p:notes xmlns:a="http://schemas.openxmlformats.org/drawingml/2006/main" xmlns:r="http://schemas.openxmlformats.org/officeDocument/2006/relationships" xmlns:p="http://schemas.openxmlformats.org/presentationml/2006/main">
+  <p:cSld>
     <p:spTree>
       <p:nvGrpSpPr>
         <p:cNvPr id="1" name=""/>
@@ -328,12 +494,24 @@
       </p:grpSpPr>
       <p:sp>
         <p:nvSpPr>
-          <p:cNvPr id="2" name="Titolo 1"/>
-          <p:cNvSpPr>
-            <a:spLocks noGrp="1"/>
-          </p:cNvSpPr>
-          <p:nvPr>
-            <p:ph type="title"/>
+          <p:cNvPr id="2" name="Slide Image Placeholder 1"/>
+          <p:cNvSpPr>
+            <a:spLocks noGrp="1" noRot="1" noChangeAspect="1"/>
+          </p:cNvSpPr>
+          <p:nvPr>
+            <p:ph type="sldImg"/>
+          </p:nvPr>
+        </p:nvSpPr>
+        <p:spPr/>
+      </p:sp>
+      <p:sp>
+        <p:nvSpPr>
+          <p:cNvPr id="3" name="Notes Placeholder 2"/>
+          <p:cNvSpPr>
+            <a:spLocks noGrp="1"/>
+          </p:cNvSpPr>
+          <p:nvPr>
+            <p:ph type="body" idx="1"/>
           </p:nvPr>
         </p:nvSpPr>
         <p:spPr/>
@@ -342,73 +520,85 @@
           <a:lstStyle/>
           <a:p>
             <a:r>
-              <a:rPr lang="it-IT" smtClean="0"/>
-              <a:t>Fare clic per modificare lo stile del titolo</a:t>
-            </a:r>
-            <a:endParaRPr lang="it-IT"/>
-          </a:p>
-        </p:txBody>
-      </p:sp>
-      <p:sp>
-        <p:nvSpPr>
-          <p:cNvPr id="3" name="Segnaposto testo verticale 2"/>
-          <p:cNvSpPr>
-            <a:spLocks noGrp="1"/>
-          </p:cNvSpPr>
-          <p:nvPr>
-            <p:ph type="body" orient="vert" idx="1"/>
-          </p:nvPr>
-        </p:nvSpPr>
-        <p:spPr/>
-        <p:txBody>
-          <a:bodyPr vert="eaVert"/>
-          <a:lstStyle/>
-          <a:p>
-            <a:pPr lvl="0"/>
-            <a:r>
-              <a:rPr lang="it-IT" smtClean="0"/>
-              <a:t>Modifica gli stili del testo dello schema</a:t>
-            </a:r>
-          </a:p>
-          <a:p>
-            <a:pPr lvl="1"/>
-            <a:r>
-              <a:rPr lang="it-IT" smtClean="0"/>
-              <a:t>Secondo livello</a:t>
-            </a:r>
-          </a:p>
-          <a:p>
-            <a:pPr lvl="2"/>
-            <a:r>
-              <a:rPr lang="it-IT" smtClean="0"/>
-              <a:t>Terzo livello</a:t>
-            </a:r>
-          </a:p>
-          <a:p>
-            <a:pPr lvl="3"/>
-            <a:r>
-              <a:rPr lang="it-IT" smtClean="0"/>
-              <a:t>Quarto livello</a:t>
-            </a:r>
-          </a:p>
-          <a:p>
-            <a:pPr lvl="4"/>
-            <a:r>
-              <a:rPr lang="it-IT" smtClean="0"/>
-              <a:t>Quinto livello</a:t>
-            </a:r>
-            <a:endParaRPr lang="it-IT"/>
-          </a:p>
-        </p:txBody>
-      </p:sp>
-      <p:sp>
-        <p:nvSpPr>
-          <p:cNvPr id="4" name="Segnaposto data 3"/>
-          <p:cNvSpPr>
-            <a:spLocks noGrp="1"/>
-          </p:cNvSpPr>
-          <p:nvPr>
-            <p:ph type="dt" sz="half" idx="10"/>
+              <a:rPr lang="en-US" dirty="0" smtClean="0"/>
+              <a:t>Da </a:t>
+            </a:r>
+            <a:r>
+              <a:rPr lang="en-US" dirty="0" err="1" smtClean="0"/>
+              <a:t>cambiare</a:t>
+            </a:r>
+            <a:r>
+              <a:rPr lang="en-US" dirty="0" smtClean="0"/>
+              <a:t> </a:t>
+            </a:r>
+            <a:r>
+              <a:rPr lang="en-US" dirty="0" err="1" smtClean="0"/>
+              <a:t>l’immagine</a:t>
+            </a:r>
+            <a:r>
+              <a:rPr lang="en-US" dirty="0" smtClean="0"/>
+              <a:t> con </a:t>
+            </a:r>
+            <a:r>
+              <a:rPr lang="en-US" dirty="0" err="1" smtClean="0"/>
+              <a:t>quella</a:t>
+            </a:r>
+            <a:r>
+              <a:rPr lang="en-US" baseline="0" dirty="0" smtClean="0"/>
+              <a:t> di word, </a:t>
+            </a:r>
+            <a:r>
+              <a:rPr lang="en-US" baseline="0" dirty="0" err="1" smtClean="0"/>
+              <a:t>così</a:t>
+            </a:r>
+            <a:r>
+              <a:rPr lang="en-US" baseline="0" dirty="0" smtClean="0"/>
+              <a:t> </a:t>
+            </a:r>
+            <a:r>
+              <a:rPr lang="en-US" baseline="0" dirty="0" err="1" smtClean="0"/>
+              <a:t>è</a:t>
+            </a:r>
+            <a:r>
+              <a:rPr lang="en-US" baseline="0" dirty="0" smtClean="0"/>
+              <a:t> </a:t>
+            </a:r>
+            <a:r>
+              <a:rPr lang="en-US" baseline="0" dirty="0" err="1" smtClean="0"/>
+              <a:t>possibile</a:t>
+            </a:r>
+            <a:r>
+              <a:rPr lang="en-US" baseline="0" dirty="0" smtClean="0"/>
+              <a:t> fare </a:t>
+            </a:r>
+            <a:r>
+              <a:rPr lang="en-US" baseline="0" dirty="0" err="1" smtClean="0"/>
+              <a:t>un’animazione</a:t>
+            </a:r>
+            <a:r>
+              <a:rPr lang="en-US" baseline="0" dirty="0" smtClean="0"/>
+              <a:t> </a:t>
+            </a:r>
+            <a:r>
+              <a:rPr lang="en-US" baseline="0" dirty="0" err="1" smtClean="0"/>
+              <a:t>sul</a:t>
+            </a:r>
+            <a:r>
+              <a:rPr lang="en-US" baseline="0" dirty="0" smtClean="0"/>
+              <a:t> secondo brick</a:t>
+            </a:r>
+            <a:endParaRPr lang="en-US" dirty="0"/>
+          </a:p>
+        </p:txBody>
+      </p:sp>
+      <p:sp>
+        <p:nvSpPr>
+          <p:cNvPr id="4" name="Slide Number Placeholder 3"/>
+          <p:cNvSpPr>
+            <a:spLocks noGrp="1"/>
+          </p:cNvSpPr>
+          <p:nvPr>
+            <p:ph type="sldNum" sz="quarter" idx="10"/>
           </p:nvPr>
         </p:nvSpPr>
         <p:spPr/>
@@ -416,72 +606,30 @@
           <a:bodyPr/>
           <a:lstStyle/>
           <a:p>
-            <a:fld id="{D400A843-E78D-45FE-BBE0-0DFBB922583B}" type="datetimeFigureOut">
-              <a:rPr lang="it-IT" smtClean="0"/>
-              <a:t>28/11/2017</a:t>
+            <a:fld id="{B84B1DCE-DD70-5840-A766-ADE0E79E6240}" type="slidenum">
+              <a:rPr lang="en-US" smtClean="0"/>
+              <a:t>2</a:t>
             </a:fld>
-            <a:endParaRPr lang="it-IT"/>
-          </a:p>
-        </p:txBody>
-      </p:sp>
-      <p:sp>
-        <p:nvSpPr>
-          <p:cNvPr id="5" name="Segnaposto piè di pagina 4"/>
-          <p:cNvSpPr>
-            <a:spLocks noGrp="1"/>
-          </p:cNvSpPr>
-          <p:nvPr>
-            <p:ph type="ftr" sz="quarter" idx="11"/>
-          </p:nvPr>
-        </p:nvSpPr>
-        <p:spPr/>
-        <p:txBody>
-          <a:bodyPr/>
-          <a:lstStyle/>
-          <a:p>
-            <a:endParaRPr lang="it-IT"/>
-          </a:p>
-        </p:txBody>
-      </p:sp>
-      <p:sp>
-        <p:nvSpPr>
-          <p:cNvPr id="6" name="Segnaposto numero diapositiva 5"/>
-          <p:cNvSpPr>
-            <a:spLocks noGrp="1"/>
-          </p:cNvSpPr>
-          <p:nvPr>
-            <p:ph type="sldNum" sz="quarter" idx="12"/>
-          </p:nvPr>
-        </p:nvSpPr>
-        <p:spPr/>
-        <p:txBody>
-          <a:bodyPr/>
-          <a:lstStyle/>
-          <a:p>
-            <a:fld id="{1B29E90A-79A6-4357-BA0E-73A707E87A6D}" type="slidenum">
-              <a:rPr lang="it-IT" smtClean="0"/>
-              <a:t>‹N›</a:t>
-            </a:fld>
-            <a:endParaRPr lang="it-IT"/>
+            <a:endParaRPr lang="en-US"/>
           </a:p>
         </p:txBody>
       </p:sp>
     </p:spTree>
     <p:extLst>
       <p:ext uri="{BB962C8B-B14F-4D97-AF65-F5344CB8AC3E}">
-        <p14:creationId xmlns:p14="http://schemas.microsoft.com/office/powerpoint/2010/main" val="2842032720"/>
+        <p14:creationId xmlns:p14="http://schemas.microsoft.com/office/powerpoint/2010/main" val="218800734"/>
       </p:ext>
     </p:extLst>
   </p:cSld>
   <p:clrMapOvr>
     <a:masterClrMapping/>
   </p:clrMapOvr>
-</p:sldLayout>
+</p:notes>
 </file>
 
-<file path=ppt/slideLayouts/slideLayout11.xml><?xml version="1.0" encoding="utf-8"?>
-<p:sldLayout xmlns:a="http://schemas.openxmlformats.org/drawingml/2006/main" xmlns:r="http://schemas.openxmlformats.org/officeDocument/2006/relationships" xmlns:p="http://schemas.openxmlformats.org/presentationml/2006/main" type="vertTitleAndTx" preserve="1">
-  <p:cSld name="1_Titolo e testo verticale">
+<file path=ppt/slideLayouts/slideLayout1.xml><?xml version="1.0" encoding="utf-8"?>
+<p:sldLayout xmlns:a="http://schemas.openxmlformats.org/drawingml/2006/main" xmlns:r="http://schemas.openxmlformats.org/officeDocument/2006/relationships" xmlns:p="http://schemas.openxmlformats.org/presentationml/2006/main" showMasterSp="0" type="title" preserve="1">
+  <p:cSld name="Title Slide">
     <p:spTree>
       <p:nvGrpSpPr>
         <p:cNvPr id="1" name=""/>
@@ -498,92 +646,199 @@
       </p:grpSpPr>
       <p:sp>
         <p:nvSpPr>
-          <p:cNvPr id="2" name="Titolo verticale 1"/>
-          <p:cNvSpPr>
-            <a:spLocks noGrp="1"/>
-          </p:cNvSpPr>
-          <p:nvPr>
-            <p:ph type="title" orient="vert"/>
-          </p:nvPr>
+          <p:cNvPr id="7" name="Rectangle 6"/>
+          <p:cNvSpPr/>
+          <p:nvPr/>
         </p:nvSpPr>
         <p:spPr>
           <a:xfrm>
-            <a:off x="8724900" y="365125"/>
-            <a:ext cx="2628900" cy="5811838"/>
+            <a:off x="3175" y="6400800"/>
+            <a:ext cx="12188825" cy="457200"/>
+          </a:xfrm>
+          <a:prstGeom prst="rect">
+            <a:avLst/>
+          </a:prstGeom>
+          <a:solidFill>
+            <a:schemeClr val="accent2"/>
+          </a:solidFill>
+          <a:ln>
+            <a:noFill/>
+          </a:ln>
+        </p:spPr>
+        <p:style>
+          <a:lnRef idx="2">
+            <a:schemeClr val="accent1">
+              <a:shade val="50000"/>
+            </a:schemeClr>
+          </a:lnRef>
+          <a:fillRef idx="1">
+            <a:schemeClr val="accent1"/>
+          </a:fillRef>
+          <a:effectRef idx="0">
+            <a:schemeClr val="accent1"/>
+          </a:effectRef>
+          <a:fontRef idx="minor">
+            <a:schemeClr val="lt1"/>
+          </a:fontRef>
+        </p:style>
+      </p:sp>
+      <p:sp>
+        <p:nvSpPr>
+          <p:cNvPr id="8" name="Rectangle 7"/>
+          <p:cNvSpPr/>
+          <p:nvPr/>
+        </p:nvSpPr>
+        <p:spPr>
+          <a:xfrm>
+            <a:off x="15" y="6334316"/>
+            <a:ext cx="12188825" cy="64008"/>
+          </a:xfrm>
+          <a:prstGeom prst="rect">
+            <a:avLst/>
+          </a:prstGeom>
+          <a:solidFill>
+            <a:schemeClr val="accent1"/>
+          </a:solidFill>
+          <a:ln>
+            <a:noFill/>
+          </a:ln>
+        </p:spPr>
+        <p:style>
+          <a:lnRef idx="2">
+            <a:schemeClr val="accent1">
+              <a:shade val="50000"/>
+            </a:schemeClr>
+          </a:lnRef>
+          <a:fillRef idx="1">
+            <a:schemeClr val="accent1"/>
+          </a:fillRef>
+          <a:effectRef idx="0">
+            <a:schemeClr val="accent1"/>
+          </a:effectRef>
+          <a:fontRef idx="minor">
+            <a:schemeClr val="lt1"/>
+          </a:fontRef>
+        </p:style>
+      </p:sp>
+      <p:sp>
+        <p:nvSpPr>
+          <p:cNvPr id="2" name="Title 1"/>
+          <p:cNvSpPr>
+            <a:spLocks noGrp="1"/>
+          </p:cNvSpPr>
+          <p:nvPr>
+            <p:ph type="ctrTitle"/>
+          </p:nvPr>
+        </p:nvSpPr>
+        <p:spPr>
+          <a:xfrm>
+            <a:off x="1097280" y="758952"/>
+            <a:ext cx="10058400" cy="3566160"/>
           </a:xfrm>
         </p:spPr>
         <p:txBody>
-          <a:bodyPr vert="eaVert"/>
-          <a:lstStyle/>
-          <a:p>
-            <a:r>
-              <a:rPr lang="it-IT" smtClean="0"/>
-              <a:t>Fare clic per modificare lo stile del titolo</a:t>
-            </a:r>
-            <a:endParaRPr lang="it-IT"/>
-          </a:p>
-        </p:txBody>
-      </p:sp>
-      <p:sp>
-        <p:nvSpPr>
-          <p:cNvPr id="3" name="Segnaposto testo verticale 2"/>
-          <p:cNvSpPr>
-            <a:spLocks noGrp="1"/>
-          </p:cNvSpPr>
-          <p:nvPr>
-            <p:ph type="body" orient="vert" idx="1"/>
+          <a:bodyPr anchor="b">
+            <a:normAutofit/>
+          </a:bodyPr>
+          <a:lstStyle>
+            <a:lvl1pPr algn="l">
+              <a:lnSpc>
+                <a:spcPct val="85000"/>
+              </a:lnSpc>
+              <a:defRPr sz="8000" spc="-50" baseline="0">
+                <a:solidFill>
+                  <a:schemeClr val="tx1">
+                    <a:lumMod val="85000"/>
+                    <a:lumOff val="15000"/>
+                  </a:schemeClr>
+                </a:solidFill>
+              </a:defRPr>
+            </a:lvl1pPr>
+          </a:lstStyle>
+          <a:p>
+            <a:r>
+              <a:rPr lang="en-US" smtClean="0"/>
+              <a:t>Click to edit Master title style</a:t>
+            </a:r>
+            <a:endParaRPr lang="en-US" dirty="0"/>
+          </a:p>
+        </p:txBody>
+      </p:sp>
+      <p:sp>
+        <p:nvSpPr>
+          <p:cNvPr id="3" name="Subtitle 2"/>
+          <p:cNvSpPr>
+            <a:spLocks noGrp="1"/>
+          </p:cNvSpPr>
+          <p:nvPr>
+            <p:ph type="subTitle" idx="1"/>
           </p:nvPr>
         </p:nvSpPr>
         <p:spPr>
           <a:xfrm>
-            <a:off x="838200" y="365125"/>
-            <a:ext cx="7734300" cy="5811838"/>
+            <a:off x="1100051" y="4455620"/>
+            <a:ext cx="10058400" cy="1143000"/>
           </a:xfrm>
         </p:spPr>
         <p:txBody>
-          <a:bodyPr vert="eaVert"/>
-          <a:lstStyle/>
-          <a:p>
-            <a:pPr lvl="0"/>
-            <a:r>
-              <a:rPr lang="it-IT" smtClean="0"/>
-              <a:t>Modifica gli stili del testo dello schema</a:t>
-            </a:r>
-          </a:p>
-          <a:p>
-            <a:pPr lvl="1"/>
-            <a:r>
-              <a:rPr lang="it-IT" smtClean="0"/>
-              <a:t>Secondo livello</a:t>
-            </a:r>
-          </a:p>
-          <a:p>
-            <a:pPr lvl="2"/>
-            <a:r>
-              <a:rPr lang="it-IT" smtClean="0"/>
-              <a:t>Terzo livello</a:t>
-            </a:r>
-          </a:p>
-          <a:p>
-            <a:pPr lvl="3"/>
-            <a:r>
-              <a:rPr lang="it-IT" smtClean="0"/>
-              <a:t>Quarto livello</a:t>
-            </a:r>
-          </a:p>
-          <a:p>
-            <a:pPr lvl="4"/>
-            <a:r>
-              <a:rPr lang="it-IT" smtClean="0"/>
-              <a:t>Quinto livello</a:t>
-            </a:r>
-            <a:endParaRPr lang="it-IT"/>
-          </a:p>
-        </p:txBody>
-      </p:sp>
-      <p:sp>
-        <p:nvSpPr>
-          <p:cNvPr id="4" name="Segnaposto data 3"/>
+          <a:bodyPr lIns="91440" rIns="91440">
+            <a:normAutofit/>
+          </a:bodyPr>
+          <a:lstStyle>
+            <a:lvl1pPr marL="0" indent="0" algn="l">
+              <a:buNone/>
+              <a:defRPr sz="2400" cap="all" spc="200" baseline="0">
+                <a:solidFill>
+                  <a:schemeClr val="tx2"/>
+                </a:solidFill>
+                <a:latin typeface="+mj-lt"/>
+              </a:defRPr>
+            </a:lvl1pPr>
+            <a:lvl2pPr marL="457200" indent="0" algn="ctr">
+              <a:buNone/>
+              <a:defRPr sz="2400"/>
+            </a:lvl2pPr>
+            <a:lvl3pPr marL="914400" indent="0" algn="ctr">
+              <a:buNone/>
+              <a:defRPr sz="2400"/>
+            </a:lvl3pPr>
+            <a:lvl4pPr marL="1371600" indent="0" algn="ctr">
+              <a:buNone/>
+              <a:defRPr sz="2000"/>
+            </a:lvl4pPr>
+            <a:lvl5pPr marL="1828800" indent="0" algn="ctr">
+              <a:buNone/>
+              <a:defRPr sz="2000"/>
+            </a:lvl5pPr>
+            <a:lvl6pPr marL="2286000" indent="0" algn="ctr">
+              <a:buNone/>
+              <a:defRPr sz="2000"/>
+            </a:lvl6pPr>
+            <a:lvl7pPr marL="2743200" indent="0" algn="ctr">
+              <a:buNone/>
+              <a:defRPr sz="2000"/>
+            </a:lvl7pPr>
+            <a:lvl8pPr marL="3200400" indent="0" algn="ctr">
+              <a:buNone/>
+              <a:defRPr sz="2000"/>
+            </a:lvl8pPr>
+            <a:lvl9pPr marL="3657600" indent="0" algn="ctr">
+              <a:buNone/>
+              <a:defRPr sz="2000"/>
+            </a:lvl9pPr>
+          </a:lstStyle>
+          <a:p>
+            <a:r>
+              <a:rPr lang="en-US" smtClean="0"/>
+              <a:t>Click to edit Master subtitle style</a:t>
+            </a:r>
+            <a:endParaRPr lang="en-US" dirty="0"/>
+          </a:p>
+        </p:txBody>
+      </p:sp>
+      <p:sp>
+        <p:nvSpPr>
+          <p:cNvPr id="4" name="Date Placeholder 3"/>
           <p:cNvSpPr>
             <a:spLocks noGrp="1"/>
           </p:cNvSpPr>
@@ -598,7 +853,7 @@
           <a:p>
             <a:fld id="{D400A843-E78D-45FE-BBE0-0DFBB922583B}" type="datetimeFigureOut">
               <a:rPr lang="it-IT" smtClean="0"/>
-              <a:t>28/11/2017</a:t>
+              <a:t>01/12/17</a:t>
             </a:fld>
             <a:endParaRPr lang="it-IT"/>
           </a:p>
@@ -606,7 +861,7 @@
       </p:sp>
       <p:sp>
         <p:nvSpPr>
-          <p:cNvPr id="5" name="Segnaposto piè di pagina 4"/>
+          <p:cNvPr id="5" name="Footer Placeholder 4"/>
           <p:cNvSpPr>
             <a:spLocks noGrp="1"/>
           </p:cNvSpPr>
@@ -625,7 +880,7 @@
       </p:sp>
       <p:sp>
         <p:nvSpPr>
-          <p:cNvPr id="6" name="Segnaposto numero diapositiva 5"/>
+          <p:cNvPr id="6" name="Slide Number Placeholder 5"/>
           <p:cNvSpPr>
             <a:spLocks noGrp="1"/>
           </p:cNvSpPr>
@@ -640,18 +895,51 @@
           <a:p>
             <a:fld id="{1B29E90A-79A6-4357-BA0E-73A707E87A6D}" type="slidenum">
               <a:rPr lang="it-IT" smtClean="0"/>
-              <a:t>‹N›</a:t>
+              <a:t>‹#›</a:t>
             </a:fld>
             <a:endParaRPr lang="it-IT"/>
           </a:p>
         </p:txBody>
       </p:sp>
+      <p:cxnSp>
+        <p:nvCxnSpPr>
+          <p:cNvPr id="9" name="Straight Connector 8"/>
+          <p:cNvCxnSpPr/>
+          <p:nvPr/>
+        </p:nvCxnSpPr>
+        <p:spPr>
+          <a:xfrm>
+            <a:off x="1207658" y="4343400"/>
+            <a:ext cx="9875520" cy="0"/>
+          </a:xfrm>
+          <a:prstGeom prst="line">
+            <a:avLst/>
+          </a:prstGeom>
+          <a:ln w="6350">
+            <a:solidFill>
+              <a:schemeClr val="tx1">
+                <a:lumMod val="50000"/>
+                <a:lumOff val="50000"/>
+              </a:schemeClr>
+            </a:solidFill>
+          </a:ln>
+        </p:spPr>
+        <p:style>
+          <a:lnRef idx="1">
+            <a:schemeClr val="accent1"/>
+          </a:lnRef>
+          <a:fillRef idx="0">
+            <a:schemeClr val="accent1"/>
+          </a:fillRef>
+          <a:effectRef idx="0">
+            <a:schemeClr val="accent1"/>
+          </a:effectRef>
+          <a:fontRef idx="minor">
+            <a:schemeClr val="tx1"/>
+          </a:fontRef>
+        </p:style>
+      </p:cxnSp>
     </p:spTree>
-    <p:extLst>
-      <p:ext uri="{BB962C8B-B14F-4D97-AF65-F5344CB8AC3E}">
-        <p14:creationId xmlns:p14="http://schemas.microsoft.com/office/powerpoint/2010/main" val="4094432505"/>
-      </p:ext>
-    </p:extLst>
   </p:cSld>
   <p:clrMapOvr>
     <a:masterClrMapping/>
@@ -659,9 +947,9 @@
 </p:sldLayout>
 </file>
 
-<file path=ppt/slideLayouts/slideLayout2.xml><?xml version="1.0" encoding="utf-8"?>
-<p:sldLayout xmlns:a="http://schemas.openxmlformats.org/drawingml/2006/main" xmlns:r="http://schemas.openxmlformats.org/officeDocument/2006/relationships" xmlns:p="http://schemas.openxmlformats.org/presentationml/2006/main" type="obj" preserve="1">
-  <p:cSld name="Titolo e contenuto">
+<file path=ppt/slideLayouts/slideLayout10.xml><?xml version="1.0" encoding="utf-8"?>
+<p:sldLayout xmlns:a="http://schemas.openxmlformats.org/drawingml/2006/main" xmlns:r="http://schemas.openxmlformats.org/officeDocument/2006/relationships" xmlns:p="http://schemas.openxmlformats.org/presentationml/2006/main" type="vertTx" preserve="1">
+  <p:cSld name="Title and Vertical Text">
     <p:spTree>
       <p:nvGrpSpPr>
         <p:cNvPr id="1" name=""/>
@@ -678,7 +966,7 @@
       </p:grpSpPr>
       <p:sp>
         <p:nvSpPr>
-          <p:cNvPr id="2" name="Titolo 1"/>
+          <p:cNvPr id="2" name="Title 1"/>
           <p:cNvSpPr>
             <a:spLocks noGrp="1"/>
           </p:cNvSpPr>
@@ -692,21 +980,73 @@
           <a:lstStyle/>
           <a:p>
             <a:r>
-              <a:rPr lang="it-IT" smtClean="0"/>
-              <a:t>Fare clic per modificare lo stile del titolo</a:t>
-            </a:r>
-            <a:endParaRPr lang="it-IT"/>
-          </a:p>
-        </p:txBody>
-      </p:sp>
-      <p:sp>
-        <p:nvSpPr>
-          <p:cNvPr id="3" name="Segnaposto contenuto 2"/>
-          <p:cNvSpPr>
-            <a:spLocks noGrp="1"/>
-          </p:cNvSpPr>
-          <p:nvPr>
-            <p:ph idx="1"/>
+              <a:rPr lang="en-US" smtClean="0"/>
+              <a:t>Click to edit Master title style</a:t>
+            </a:r>
+            <a:endParaRPr lang="en-US" dirty="0"/>
+          </a:p>
+        </p:txBody>
+      </p:sp>
+      <p:sp>
+        <p:nvSpPr>
+          <p:cNvPr id="3" name="Vertical Text Placeholder 2"/>
+          <p:cNvSpPr>
+            <a:spLocks noGrp="1"/>
+          </p:cNvSpPr>
+          <p:nvPr>
+            <p:ph type="body" orient="vert" idx="1"/>
+          </p:nvPr>
+        </p:nvSpPr>
+        <p:spPr/>
+        <p:txBody>
+          <a:bodyPr vert="eaVert" lIns="45720" tIns="0" rIns="45720" bIns="0"/>
+          <a:lstStyle/>
+          <a:p>
+            <a:pPr lvl="0"/>
+            <a:r>
+              <a:rPr lang="en-US" smtClean="0"/>
+              <a:t>Click to edit Master text styles</a:t>
+            </a:r>
+          </a:p>
+          <a:p>
+            <a:pPr lvl="1"/>
+            <a:r>
+              <a:rPr lang="en-US" smtClean="0"/>
+              <a:t>Second level</a:t>
+            </a:r>
+          </a:p>
+          <a:p>
+            <a:pPr lvl="2"/>
+            <a:r>
+              <a:rPr lang="en-US" smtClean="0"/>
+              <a:t>Third level</a:t>
+            </a:r>
+          </a:p>
+          <a:p>
+            <a:pPr lvl="3"/>
+            <a:r>
+              <a:rPr lang="en-US" smtClean="0"/>
+              <a:t>Fourth level</a:t>
+            </a:r>
+          </a:p>
+          <a:p>
+            <a:pPr lvl="4"/>
+            <a:r>
+              <a:rPr lang="en-US" smtClean="0"/>
+              <a:t>Fifth level</a:t>
+            </a:r>
+            <a:endParaRPr lang="en-US" dirty="0"/>
+          </a:p>
+        </p:txBody>
+      </p:sp>
+      <p:sp>
+        <p:nvSpPr>
+          <p:cNvPr id="4" name="Date Placeholder 3"/>
+          <p:cNvSpPr>
+            <a:spLocks noGrp="1"/>
+          </p:cNvSpPr>
+          <p:nvPr>
+            <p:ph type="dt" sz="half" idx="10"/>
           </p:nvPr>
         </p:nvSpPr>
         <p:spPr/>
@@ -714,51 +1054,22 @@
           <a:bodyPr/>
           <a:lstStyle/>
           <a:p>
-            <a:pPr lvl="0"/>
-            <a:r>
+            <a:fld id="{D400A843-E78D-45FE-BBE0-0DFBB922583B}" type="datetimeFigureOut">
               <a:rPr lang="it-IT" smtClean="0"/>
-              <a:t>Modifica gli stili del testo dello schema</a:t>
-            </a:r>
-          </a:p>
-          <a:p>
-            <a:pPr lvl="1"/>
-            <a:r>
-              <a:rPr lang="it-IT" smtClean="0"/>
-              <a:t>Secondo livello</a:t>
-            </a:r>
-          </a:p>
-          <a:p>
-            <a:pPr lvl="2"/>
-            <a:r>
-              <a:rPr lang="it-IT" smtClean="0"/>
-              <a:t>Terzo livello</a:t>
-            </a:r>
-          </a:p>
-          <a:p>
-            <a:pPr lvl="3"/>
-            <a:r>
-              <a:rPr lang="it-IT" smtClean="0"/>
-              <a:t>Quarto livello</a:t>
-            </a:r>
-          </a:p>
-          <a:p>
-            <a:pPr lvl="4"/>
-            <a:r>
-              <a:rPr lang="it-IT" smtClean="0"/>
-              <a:t>Quinto livello</a:t>
-            </a:r>
+              <a:t>01/12/17</a:t>
+            </a:fld>
             <a:endParaRPr lang="it-IT"/>
           </a:p>
         </p:txBody>
       </p:sp>
       <p:sp>
         <p:nvSpPr>
-          <p:cNvPr id="4" name="Segnaposto data 3"/>
-          <p:cNvSpPr>
-            <a:spLocks noGrp="1"/>
-          </p:cNvSpPr>
-          <p:nvPr>
-            <p:ph type="dt" sz="half" idx="10"/>
+          <p:cNvPr id="5" name="Footer Placeholder 4"/>
+          <p:cNvSpPr>
+            <a:spLocks noGrp="1"/>
+          </p:cNvSpPr>
+          <p:nvPr>
+            <p:ph type="ftr" sz="quarter" idx="11"/>
           </p:nvPr>
         </p:nvSpPr>
         <p:spPr/>
@@ -766,62 +1077,34 @@
           <a:bodyPr/>
           <a:lstStyle/>
           <a:p>
-            <a:fld id="{D400A843-E78D-45FE-BBE0-0DFBB922583B}" type="datetimeFigureOut">
+            <a:endParaRPr lang="it-IT"/>
+          </a:p>
+        </p:txBody>
+      </p:sp>
+      <p:sp>
+        <p:nvSpPr>
+          <p:cNvPr id="6" name="Slide Number Placeholder 5"/>
+          <p:cNvSpPr>
+            <a:spLocks noGrp="1"/>
+          </p:cNvSpPr>
+          <p:nvPr>
+            <p:ph type="sldNum" sz="quarter" idx="12"/>
+          </p:nvPr>
+        </p:nvSpPr>
+        <p:spPr/>
+        <p:txBody>
+          <a:bodyPr/>
+          <a:lstStyle/>
+          <a:p>
+            <a:fld id="{1B29E90A-79A6-4357-BA0E-73A707E87A6D}" type="slidenum">
               <a:rPr lang="it-IT" smtClean="0"/>
-              <a:t>28/11/2017</a:t>
+              <a:t>‹#›</a:t>
             </a:fld>
             <a:endParaRPr lang="it-IT"/>
           </a:p>
         </p:txBody>
       </p:sp>
-      <p:sp>
-        <p:nvSpPr>
-          <p:cNvPr id="5" name="Segnaposto piè di pagina 4"/>
-          <p:cNvSpPr>
-            <a:spLocks noGrp="1"/>
-          </p:cNvSpPr>
-          <p:nvPr>
-            <p:ph type="ftr" sz="quarter" idx="11"/>
-          </p:nvPr>
-        </p:nvSpPr>
-        <p:spPr/>
-        <p:txBody>
-          <a:bodyPr/>
-          <a:lstStyle/>
-          <a:p>
-            <a:endParaRPr lang="it-IT"/>
-          </a:p>
-        </p:txBody>
-      </p:sp>
-      <p:sp>
-        <p:nvSpPr>
-          <p:cNvPr id="6" name="Segnaposto numero diapositiva 5"/>
-          <p:cNvSpPr>
-            <a:spLocks noGrp="1"/>
-          </p:cNvSpPr>
-          <p:nvPr>
-            <p:ph type="sldNum" sz="quarter" idx="12"/>
-          </p:nvPr>
-        </p:nvSpPr>
-        <p:spPr/>
-        <p:txBody>
-          <a:bodyPr/>
-          <a:lstStyle/>
-          <a:p>
-            <a:fld id="{1B29E90A-79A6-4357-BA0E-73A707E87A6D}" type="slidenum">
-              <a:rPr lang="it-IT" smtClean="0"/>
-              <a:t>‹N›</a:t>
-            </a:fld>
-            <a:endParaRPr lang="it-IT"/>
-          </a:p>
-        </p:txBody>
-      </p:sp>
     </p:spTree>
-    <p:extLst>
-      <p:ext uri="{BB962C8B-B14F-4D97-AF65-F5344CB8AC3E}">
-        <p14:creationId xmlns:p14="http://schemas.microsoft.com/office/powerpoint/2010/main" val="1492426264"/>
-      </p:ext>
-    </p:extLst>
   </p:cSld>
   <p:clrMapOvr>
     <a:masterClrMapping/>
@@ -829,9 +1112,9 @@
 </p:sldLayout>
 </file>
 
-<file path=ppt/slideLayouts/slideLayout3.xml><?xml version="1.0" encoding="utf-8"?>
-<p:sldLayout xmlns:a="http://schemas.openxmlformats.org/drawingml/2006/main" xmlns:r="http://schemas.openxmlformats.org/officeDocument/2006/relationships" xmlns:p="http://schemas.openxmlformats.org/presentationml/2006/main" type="secHead" preserve="1">
-  <p:cSld name="Intestazione sezione">
+<file path=ppt/slideLayouts/slideLayout11.xml><?xml version="1.0" encoding="utf-8"?>
+<p:sldLayout xmlns:a="http://schemas.openxmlformats.org/drawingml/2006/main" xmlns:r="http://schemas.openxmlformats.org/officeDocument/2006/relationships" xmlns:p="http://schemas.openxmlformats.org/presentationml/2006/main" showMasterSp="0" type="vertTitleAndTx" preserve="1">
+  <p:cSld name="Vertical Title and Text">
     <p:spTree>
       <p:nvGrpSpPr>
         <p:cNvPr id="1" name=""/>
@@ -848,158 +1131,168 @@
       </p:grpSpPr>
       <p:sp>
         <p:nvSpPr>
-          <p:cNvPr id="2" name="Titolo 1"/>
-          <p:cNvSpPr>
-            <a:spLocks noGrp="1"/>
-          </p:cNvSpPr>
-          <p:nvPr>
-            <p:ph type="title"/>
-          </p:nvPr>
+          <p:cNvPr id="7" name="Rectangle 6"/>
+          <p:cNvSpPr/>
+          <p:nvPr/>
         </p:nvSpPr>
         <p:spPr>
           <a:xfrm>
-            <a:off x="831850" y="1709738"/>
-            <a:ext cx="10515600" cy="2852737"/>
+            <a:off x="3175" y="6400800"/>
+            <a:ext cx="12188825" cy="457200"/>
+          </a:xfrm>
+          <a:prstGeom prst="rect">
+            <a:avLst/>
+          </a:prstGeom>
+          <a:solidFill>
+            <a:schemeClr val="accent2"/>
+          </a:solidFill>
+          <a:ln>
+            <a:noFill/>
+          </a:ln>
+        </p:spPr>
+        <p:style>
+          <a:lnRef idx="2">
+            <a:schemeClr val="accent1">
+              <a:shade val="50000"/>
+            </a:schemeClr>
+          </a:lnRef>
+          <a:fillRef idx="1">
+            <a:schemeClr val="accent1"/>
+          </a:fillRef>
+          <a:effectRef idx="0">
+            <a:schemeClr val="accent1"/>
+          </a:effectRef>
+          <a:fontRef idx="minor">
+            <a:schemeClr val="lt1"/>
+          </a:fontRef>
+        </p:style>
+      </p:sp>
+      <p:sp>
+        <p:nvSpPr>
+          <p:cNvPr id="8" name="Rectangle 7"/>
+          <p:cNvSpPr/>
+          <p:nvPr/>
+        </p:nvSpPr>
+        <p:spPr>
+          <a:xfrm>
+            <a:off x="15" y="6334316"/>
+            <a:ext cx="12188825" cy="64008"/>
+          </a:xfrm>
+          <a:prstGeom prst="rect">
+            <a:avLst/>
+          </a:prstGeom>
+          <a:solidFill>
+            <a:schemeClr val="accent1"/>
+          </a:solidFill>
+          <a:ln>
+            <a:noFill/>
+          </a:ln>
+        </p:spPr>
+        <p:style>
+          <a:lnRef idx="2">
+            <a:schemeClr val="accent1">
+              <a:shade val="50000"/>
+            </a:schemeClr>
+          </a:lnRef>
+          <a:fillRef idx="1">
+            <a:schemeClr val="accent1"/>
+          </a:fillRef>
+          <a:effectRef idx="0">
+            <a:schemeClr val="accent1"/>
+          </a:effectRef>
+          <a:fontRef idx="minor">
+            <a:schemeClr val="lt1"/>
+          </a:fontRef>
+        </p:style>
+      </p:sp>
+      <p:sp>
+        <p:nvSpPr>
+          <p:cNvPr id="2" name="Vertical Title 1"/>
+          <p:cNvSpPr>
+            <a:spLocks noGrp="1"/>
+          </p:cNvSpPr>
+          <p:nvPr>
+            <p:ph type="title" orient="vert"/>
+          </p:nvPr>
+        </p:nvSpPr>
+        <p:spPr>
+          <a:xfrm>
+            <a:off x="8724900" y="414778"/>
+            <a:ext cx="2628900" cy="5757421"/>
           </a:xfrm>
         </p:spPr>
         <p:txBody>
-          <a:bodyPr anchor="b"/>
-          <a:lstStyle>
-            <a:lvl1pPr>
-              <a:defRPr sz="6000"/>
-            </a:lvl1pPr>
-          </a:lstStyle>
-          <a:p>
-            <a:r>
-              <a:rPr lang="it-IT" smtClean="0"/>
-              <a:t>Fare clic per modificare lo stile del titolo</a:t>
-            </a:r>
-            <a:endParaRPr lang="it-IT"/>
-          </a:p>
-        </p:txBody>
-      </p:sp>
-      <p:sp>
-        <p:nvSpPr>
-          <p:cNvPr id="3" name="Segnaposto testo 2"/>
-          <p:cNvSpPr>
-            <a:spLocks noGrp="1"/>
-          </p:cNvSpPr>
-          <p:nvPr>
-            <p:ph type="body" idx="1"/>
+          <a:bodyPr vert="eaVert"/>
+          <a:lstStyle/>
+          <a:p>
+            <a:r>
+              <a:rPr lang="en-US" smtClean="0"/>
+              <a:t>Click to edit Master title style</a:t>
+            </a:r>
+            <a:endParaRPr lang="en-US" dirty="0"/>
+          </a:p>
+        </p:txBody>
+      </p:sp>
+      <p:sp>
+        <p:nvSpPr>
+          <p:cNvPr id="3" name="Vertical Text Placeholder 2"/>
+          <p:cNvSpPr>
+            <a:spLocks noGrp="1"/>
+          </p:cNvSpPr>
+          <p:nvPr>
+            <p:ph type="body" orient="vert" idx="1"/>
           </p:nvPr>
         </p:nvSpPr>
         <p:spPr>
           <a:xfrm>
-            <a:off x="831850" y="4589463"/>
-            <a:ext cx="10515600" cy="1500187"/>
+            <a:off x="838200" y="414778"/>
+            <a:ext cx="7734300" cy="5757422"/>
           </a:xfrm>
         </p:spPr>
         <p:txBody>
-          <a:bodyPr/>
-          <a:lstStyle>
-            <a:lvl1pPr marL="0" indent="0">
-              <a:buNone/>
-              <a:defRPr sz="2400">
-                <a:solidFill>
-                  <a:schemeClr val="tx1">
-                    <a:tint val="75000"/>
-                  </a:schemeClr>
-                </a:solidFill>
-              </a:defRPr>
-            </a:lvl1pPr>
-            <a:lvl2pPr marL="457200" indent="0">
-              <a:buNone/>
-              <a:defRPr sz="2000">
-                <a:solidFill>
-                  <a:schemeClr val="tx1">
-                    <a:tint val="75000"/>
-                  </a:schemeClr>
-                </a:solidFill>
-              </a:defRPr>
-            </a:lvl2pPr>
-            <a:lvl3pPr marL="914400" indent="0">
-              <a:buNone/>
-              <a:defRPr sz="1800">
-                <a:solidFill>
-                  <a:schemeClr val="tx1">
-                    <a:tint val="75000"/>
-                  </a:schemeClr>
-                </a:solidFill>
-              </a:defRPr>
-            </a:lvl3pPr>
-            <a:lvl4pPr marL="1371600" indent="0">
-              <a:buNone/>
-              <a:defRPr sz="1600">
-                <a:solidFill>
-                  <a:schemeClr val="tx1">
-                    <a:tint val="75000"/>
-                  </a:schemeClr>
-                </a:solidFill>
-              </a:defRPr>
-            </a:lvl4pPr>
-            <a:lvl5pPr marL="1828800" indent="0">
-              <a:buNone/>
-              <a:defRPr sz="1600">
-                <a:solidFill>
-                  <a:schemeClr val="tx1">
-                    <a:tint val="75000"/>
-                  </a:schemeClr>
-                </a:solidFill>
-              </a:defRPr>
-            </a:lvl5pPr>
-            <a:lvl6pPr marL="2286000" indent="0">
-              <a:buNone/>
-              <a:defRPr sz="1600">
-                <a:solidFill>
-                  <a:schemeClr val="tx1">
-                    <a:tint val="75000"/>
-                  </a:schemeClr>
-                </a:solidFill>
-              </a:defRPr>
-            </a:lvl6pPr>
-            <a:lvl7pPr marL="2743200" indent="0">
-              <a:buNone/>
-              <a:defRPr sz="1600">
-                <a:solidFill>
-                  <a:schemeClr val="tx1">
-                    <a:tint val="75000"/>
-                  </a:schemeClr>
-                </a:solidFill>
-              </a:defRPr>
-            </a:lvl7pPr>
-            <a:lvl8pPr marL="3200400" indent="0">
-              <a:buNone/>
-              <a:defRPr sz="1600">
-                <a:solidFill>
-                  <a:schemeClr val="tx1">
-                    <a:tint val="75000"/>
-                  </a:schemeClr>
-                </a:solidFill>
-              </a:defRPr>
-            </a:lvl8pPr>
-            <a:lvl9pPr marL="3657600" indent="0">
-              <a:buNone/>
-              <a:defRPr sz="1600">
-                <a:solidFill>
-                  <a:schemeClr val="tx1">
-                    <a:tint val="75000"/>
-                  </a:schemeClr>
-                </a:solidFill>
-              </a:defRPr>
-            </a:lvl9pPr>
-          </a:lstStyle>
+          <a:bodyPr vert="eaVert" lIns="45720" tIns="0" rIns="45720" bIns="0"/>
+          <a:lstStyle/>
           <a:p>
             <a:pPr lvl="0"/>
             <a:r>
-              <a:rPr lang="it-IT" smtClean="0"/>
-              <a:t>Modifica gli stili del testo dello schema</a:t>
-            </a:r>
-          </a:p>
-        </p:txBody>
-      </p:sp>
-      <p:sp>
-        <p:nvSpPr>
-          <p:cNvPr id="4" name="Segnaposto data 3"/>
+              <a:rPr lang="en-US" smtClean="0"/>
+              <a:t>Click to edit Master text styles</a:t>
+            </a:r>
+          </a:p>
+          <a:p>
+            <a:pPr lvl="1"/>
+            <a:r>
+              <a:rPr lang="en-US" smtClean="0"/>
+              <a:t>Second level</a:t>
+            </a:r>
+          </a:p>
+          <a:p>
+            <a:pPr lvl="2"/>
+            <a:r>
+              <a:rPr lang="en-US" smtClean="0"/>
+              <a:t>Third level</a:t>
+            </a:r>
+          </a:p>
+          <a:p>
+            <a:pPr lvl="3"/>
+            <a:r>
+              <a:rPr lang="en-US" smtClean="0"/>
+              <a:t>Fourth level</a:t>
+            </a:r>
+          </a:p>
+          <a:p>
+            <a:pPr lvl="4"/>
+            <a:r>
+              <a:rPr lang="en-US" smtClean="0"/>
+              <a:t>Fifth level</a:t>
+            </a:r>
+            <a:endParaRPr lang="en-US" dirty="0"/>
+          </a:p>
+        </p:txBody>
+      </p:sp>
+      <p:sp>
+        <p:nvSpPr>
+          <p:cNvPr id="4" name="Date Placeholder 3"/>
           <p:cNvSpPr>
             <a:spLocks noGrp="1"/>
           </p:cNvSpPr>
@@ -1014,7 +1307,7 @@
           <a:p>
             <a:fld id="{D400A843-E78D-45FE-BBE0-0DFBB922583B}" type="datetimeFigureOut">
               <a:rPr lang="it-IT" smtClean="0"/>
-              <a:t>28/11/2017</a:t>
+              <a:t>01/12/17</a:t>
             </a:fld>
             <a:endParaRPr lang="it-IT"/>
           </a:p>
@@ -1022,7 +1315,7 @@
       </p:sp>
       <p:sp>
         <p:nvSpPr>
-          <p:cNvPr id="5" name="Segnaposto piè di pagina 4"/>
+          <p:cNvPr id="5" name="Footer Placeholder 4"/>
           <p:cNvSpPr>
             <a:spLocks noGrp="1"/>
           </p:cNvSpPr>
@@ -1041,7 +1334,7 @@
       </p:sp>
       <p:sp>
         <p:nvSpPr>
-          <p:cNvPr id="6" name="Segnaposto numero diapositiva 5"/>
+          <p:cNvPr id="6" name="Slide Number Placeholder 5"/>
           <p:cNvSpPr>
             <a:spLocks noGrp="1"/>
           </p:cNvSpPr>
@@ -1056,18 +1349,13 @@
           <a:p>
             <a:fld id="{1B29E90A-79A6-4357-BA0E-73A707E87A6D}" type="slidenum">
               <a:rPr lang="it-IT" smtClean="0"/>
-              <a:t>‹N›</a:t>
+              <a:t>‹#›</a:t>
             </a:fld>
             <a:endParaRPr lang="it-IT"/>
           </a:p>
         </p:txBody>
       </p:sp>
     </p:spTree>
-    <p:extLst>
-      <p:ext uri="{BB962C8B-B14F-4D97-AF65-F5344CB8AC3E}">
-        <p14:creationId xmlns:p14="http://schemas.microsoft.com/office/powerpoint/2010/main" val="2485509572"/>
-      </p:ext>
-    </p:extLst>
   </p:cSld>
   <p:clrMapOvr>
     <a:masterClrMapping/>
@@ -1075,9 +1363,9 @@
 </p:sldLayout>
 </file>
 
-<file path=ppt/slideLayouts/slideLayout4.xml><?xml version="1.0" encoding="utf-8"?>
-<p:sldLayout xmlns:a="http://schemas.openxmlformats.org/drawingml/2006/main" xmlns:r="http://schemas.openxmlformats.org/officeDocument/2006/relationships" xmlns:p="http://schemas.openxmlformats.org/presentationml/2006/main" type="twoObj" preserve="1">
-  <p:cSld name="Due contenuti">
+<file path=ppt/slideLayouts/slideLayout2.xml><?xml version="1.0" encoding="utf-8"?>
+<p:sldLayout xmlns:a="http://schemas.openxmlformats.org/drawingml/2006/main" xmlns:r="http://schemas.openxmlformats.org/officeDocument/2006/relationships" xmlns:p="http://schemas.openxmlformats.org/presentationml/2006/main" type="obj" preserve="1">
+  <p:cSld name="Title and Content">
     <p:spTree>
       <p:nvGrpSpPr>
         <p:cNvPr id="1" name=""/>
@@ -1094,12 +1382,39 @@
       </p:grpSpPr>
       <p:sp>
         <p:nvSpPr>
-          <p:cNvPr id="2" name="Titolo 1"/>
+          <p:cNvPr id="2" name="Title 1"/>
           <p:cNvSpPr>
             <a:spLocks noGrp="1"/>
           </p:cNvSpPr>
           <p:nvPr>
             <p:ph type="title"/>
+          </p:nvPr>
+        </p:nvSpPr>
+        <p:spPr/>
+        <p:txBody>
+          <a:bodyPr/>
+          <a:lstStyle>
+            <a:lvl1pPr marL="0">
+              <a:defRPr/>
+            </a:lvl1pPr>
+          </a:lstStyle>
+          <a:p>
+            <a:r>
+              <a:rPr lang="en-US" smtClean="0"/>
+              <a:t>Click to edit Master title style</a:t>
+            </a:r>
+            <a:endParaRPr lang="en-US" dirty="0"/>
+          </a:p>
+        </p:txBody>
+      </p:sp>
+      <p:sp>
+        <p:nvSpPr>
+          <p:cNvPr id="3" name="Content Placeholder 2"/>
+          <p:cNvSpPr>
+            <a:spLocks noGrp="1"/>
+          </p:cNvSpPr>
+          <p:nvPr>
+            <p:ph idx="1"/>
           </p:nvPr>
         </p:nvSpPr>
         <p:spPr/>
@@ -1107,136 +1422,93 @@
           <a:bodyPr/>
           <a:lstStyle/>
           <a:p>
-            <a:r>
-              <a:rPr lang="it-IT" smtClean="0"/>
-              <a:t>Fare clic per modificare lo stile del titolo</a:t>
-            </a:r>
-            <a:endParaRPr lang="it-IT"/>
-          </a:p>
-        </p:txBody>
-      </p:sp>
-      <p:sp>
-        <p:nvSpPr>
-          <p:cNvPr id="3" name="Segnaposto contenuto 2"/>
-          <p:cNvSpPr>
-            <a:spLocks noGrp="1"/>
-          </p:cNvSpPr>
-          <p:nvPr>
-            <p:ph sz="half" idx="1"/>
-          </p:nvPr>
-        </p:nvSpPr>
-        <p:spPr>
-          <a:xfrm>
-            <a:off x="838200" y="1825625"/>
-            <a:ext cx="5181600" cy="4351338"/>
-          </a:xfrm>
-        </p:spPr>
+            <a:pPr lvl="0"/>
+            <a:r>
+              <a:rPr lang="en-US" smtClean="0"/>
+              <a:t>Click to edit Master text styles</a:t>
+            </a:r>
+          </a:p>
+          <a:p>
+            <a:pPr lvl="1"/>
+            <a:r>
+              <a:rPr lang="en-US" smtClean="0"/>
+              <a:t>Second level</a:t>
+            </a:r>
+          </a:p>
+          <a:p>
+            <a:pPr lvl="2"/>
+            <a:r>
+              <a:rPr lang="en-US" smtClean="0"/>
+              <a:t>Third level</a:t>
+            </a:r>
+          </a:p>
+          <a:p>
+            <a:pPr lvl="3"/>
+            <a:r>
+              <a:rPr lang="en-US" smtClean="0"/>
+              <a:t>Fourth level</a:t>
+            </a:r>
+          </a:p>
+          <a:p>
+            <a:pPr lvl="4"/>
+            <a:r>
+              <a:rPr lang="en-US" smtClean="0"/>
+              <a:t>Fifth level</a:t>
+            </a:r>
+            <a:endParaRPr lang="en-US" dirty="0"/>
+          </a:p>
+        </p:txBody>
+      </p:sp>
+      <p:sp>
+        <p:nvSpPr>
+          <p:cNvPr id="4" name="Date Placeholder 3"/>
+          <p:cNvSpPr>
+            <a:spLocks noGrp="1"/>
+          </p:cNvSpPr>
+          <p:nvPr>
+            <p:ph type="dt" sz="half" idx="10"/>
+          </p:nvPr>
+        </p:nvSpPr>
+        <p:spPr/>
         <p:txBody>
           <a:bodyPr/>
           <a:lstStyle/>
           <a:p>
-            <a:pPr lvl="0"/>
-            <a:r>
+            <a:fld id="{D400A843-E78D-45FE-BBE0-0DFBB922583B}" type="datetimeFigureOut">
               <a:rPr lang="it-IT" smtClean="0"/>
-              <a:t>Modifica gli stili del testo dello schema</a:t>
-            </a:r>
-          </a:p>
-          <a:p>
-            <a:pPr lvl="1"/>
-            <a:r>
-              <a:rPr lang="it-IT" smtClean="0"/>
-              <a:t>Secondo livello</a:t>
-            </a:r>
-          </a:p>
-          <a:p>
-            <a:pPr lvl="2"/>
-            <a:r>
-              <a:rPr lang="it-IT" smtClean="0"/>
-              <a:t>Terzo livello</a:t>
-            </a:r>
-          </a:p>
-          <a:p>
-            <a:pPr lvl="3"/>
-            <a:r>
-              <a:rPr lang="it-IT" smtClean="0"/>
-              <a:t>Quarto livello</a:t>
-            </a:r>
-          </a:p>
-          <a:p>
-            <a:pPr lvl="4"/>
-            <a:r>
-              <a:rPr lang="it-IT" smtClean="0"/>
-              <a:t>Quinto livello</a:t>
-            </a:r>
+              <a:t>01/12/17</a:t>
+            </a:fld>
             <a:endParaRPr lang="it-IT"/>
           </a:p>
         </p:txBody>
       </p:sp>
       <p:sp>
         <p:nvSpPr>
-          <p:cNvPr id="4" name="Segnaposto contenuto 3"/>
-          <p:cNvSpPr>
-            <a:spLocks noGrp="1"/>
-          </p:cNvSpPr>
-          <p:nvPr>
-            <p:ph sz="half" idx="2"/>
-          </p:nvPr>
-        </p:nvSpPr>
-        <p:spPr>
-          <a:xfrm>
-            <a:off x="6172200" y="1825625"/>
-            <a:ext cx="5181600" cy="4351338"/>
-          </a:xfrm>
-        </p:spPr>
+          <p:cNvPr id="5" name="Footer Placeholder 4"/>
+          <p:cNvSpPr>
+            <a:spLocks noGrp="1"/>
+          </p:cNvSpPr>
+          <p:nvPr>
+            <p:ph type="ftr" sz="quarter" idx="11"/>
+          </p:nvPr>
+        </p:nvSpPr>
+        <p:spPr/>
         <p:txBody>
           <a:bodyPr/>
           <a:lstStyle/>
           <a:p>
-            <a:pPr lvl="0"/>
-            <a:r>
-              <a:rPr lang="it-IT" smtClean="0"/>
-              <a:t>Modifica gli stili del testo dello schema</a:t>
-            </a:r>
-          </a:p>
-          <a:p>
-            <a:pPr lvl="1"/>
-            <a:r>
-              <a:rPr lang="it-IT" smtClean="0"/>
-              <a:t>Secondo livello</a:t>
-            </a:r>
-          </a:p>
-          <a:p>
-            <a:pPr lvl="2"/>
-            <a:r>
-              <a:rPr lang="it-IT" smtClean="0"/>
-              <a:t>Terzo livello</a:t>
-            </a:r>
-          </a:p>
-          <a:p>
-            <a:pPr lvl="3"/>
-            <a:r>
-              <a:rPr lang="it-IT" smtClean="0"/>
-              <a:t>Quarto livello</a:t>
-            </a:r>
-          </a:p>
-          <a:p>
-            <a:pPr lvl="4"/>
-            <a:r>
-              <a:rPr lang="it-IT" smtClean="0"/>
-              <a:t>Quinto livello</a:t>
-            </a:r>
             <a:endParaRPr lang="it-IT"/>
           </a:p>
         </p:txBody>
       </p:sp>
       <p:sp>
         <p:nvSpPr>
-          <p:cNvPr id="5" name="Segnaposto data 4"/>
-          <p:cNvSpPr>
-            <a:spLocks noGrp="1"/>
-          </p:cNvSpPr>
-          <p:nvPr>
-            <p:ph type="dt" sz="half" idx="10"/>
+          <p:cNvPr id="6" name="Slide Number Placeholder 5"/>
+          <p:cNvSpPr>
+            <a:spLocks noGrp="1"/>
+          </p:cNvSpPr>
+          <p:nvPr>
+            <p:ph type="sldNum" sz="quarter" idx="12"/>
           </p:nvPr>
         </p:nvSpPr>
         <p:spPr/>
@@ -1244,62 +1516,15 @@
           <a:bodyPr/>
           <a:lstStyle/>
           <a:p>
-            <a:fld id="{D400A843-E78D-45FE-BBE0-0DFBB922583B}" type="datetimeFigureOut">
+            <a:fld id="{1B29E90A-79A6-4357-BA0E-73A707E87A6D}" type="slidenum">
               <a:rPr lang="it-IT" smtClean="0"/>
-              <a:t>28/11/2017</a:t>
+              <a:t>‹#›</a:t>
             </a:fld>
             <a:endParaRPr lang="it-IT"/>
           </a:p>
         </p:txBody>
       </p:sp>
-      <p:sp>
-        <p:nvSpPr>
-          <p:cNvPr id="6" name="Segnaposto piè di pagina 5"/>
-          <p:cNvSpPr>
-            <a:spLocks noGrp="1"/>
-          </p:cNvSpPr>
-          <p:nvPr>
-            <p:ph type="ftr" sz="quarter" idx="11"/>
-          </p:nvPr>
-        </p:nvSpPr>
-        <p:spPr/>
-        <p:txBody>
-          <a:bodyPr/>
-          <a:lstStyle/>
-          <a:p>
-            <a:endParaRPr lang="it-IT"/>
-          </a:p>
-        </p:txBody>
-      </p:sp>
-      <p:sp>
-        <p:nvSpPr>
-          <p:cNvPr id="7" name="Segnaposto numero diapositiva 6"/>
-          <p:cNvSpPr>
-            <a:spLocks noGrp="1"/>
-          </p:cNvSpPr>
-          <p:nvPr>
-            <p:ph type="sldNum" sz="quarter" idx="12"/>
-          </p:nvPr>
-        </p:nvSpPr>
-        <p:spPr/>
-        <p:txBody>
-          <a:bodyPr/>
-          <a:lstStyle/>
-          <a:p>
-            <a:fld id="{1B29E90A-79A6-4357-BA0E-73A707E87A6D}" type="slidenum">
-              <a:rPr lang="it-IT" smtClean="0"/>
-              <a:t>‹N›</a:t>
-            </a:fld>
-            <a:endParaRPr lang="it-IT"/>
-          </a:p>
-        </p:txBody>
-      </p:sp>
     </p:spTree>
-    <p:extLst>
-      <p:ext uri="{BB962C8B-B14F-4D97-AF65-F5344CB8AC3E}">
-        <p14:creationId xmlns:p14="http://schemas.microsoft.com/office/powerpoint/2010/main" val="1777814824"/>
-      </p:ext>
-    </p:extLst>
   </p:cSld>
   <p:clrMapOvr>
     <a:masterClrMapping/>
@@ -1307,9 +1532,17 @@
 </p:sldLayout>
 </file>
 
-<file path=ppt/slideLayouts/slideLayout5.xml><?xml version="1.0" encoding="utf-8"?>
-<p:sldLayout xmlns:a="http://schemas.openxmlformats.org/drawingml/2006/main" xmlns:r="http://schemas.openxmlformats.org/officeDocument/2006/relationships" xmlns:p="http://schemas.openxmlformats.org/presentationml/2006/main" type="twoTxTwoObj" preserve="1">
-  <p:cSld name="Confronto">
+<file path=ppt/slideLayouts/slideLayout3.xml><?xml version="1.0" encoding="utf-8"?>
+<p:sldLayout xmlns:a="http://schemas.openxmlformats.org/drawingml/2006/main" xmlns:r="http://schemas.openxmlformats.org/officeDocument/2006/relationships" xmlns:p="http://schemas.openxmlformats.org/presentationml/2006/main" showMasterSp="0" type="secHead" preserve="1">
+  <p:cSld name="Section Header">
+    <p:bg>
+      <p:bgPr>
+        <a:solidFill>
+          <a:schemeClr val="bg1"/>
+        </a:solidFill>
+        <a:effectLst/>
+      </p:bgPr>
+    </p:bg>
     <p:spTree>
       <p:nvGrpSpPr>
         <p:cNvPr id="1" name=""/>
@@ -1326,35 +1559,127 @@
       </p:grpSpPr>
       <p:sp>
         <p:nvSpPr>
-          <p:cNvPr id="2" name="Titolo 1"/>
-          <p:cNvSpPr>
-            <a:spLocks noGrp="1"/>
-          </p:cNvSpPr>
-          <p:nvPr>
-            <p:ph type="title"/>
-          </p:nvPr>
+          <p:cNvPr id="7" name="Rectangle 6"/>
+          <p:cNvSpPr/>
+          <p:nvPr/>
         </p:nvSpPr>
         <p:spPr>
           <a:xfrm>
-            <a:off x="839788" y="365125"/>
-            <a:ext cx="10515600" cy="1325563"/>
+            <a:off x="3175" y="6400800"/>
+            <a:ext cx="12188825" cy="457200"/>
+          </a:xfrm>
+          <a:prstGeom prst="rect">
+            <a:avLst/>
+          </a:prstGeom>
+          <a:solidFill>
+            <a:schemeClr val="accent2"/>
+          </a:solidFill>
+          <a:ln>
+            <a:noFill/>
+          </a:ln>
+        </p:spPr>
+        <p:style>
+          <a:lnRef idx="2">
+            <a:schemeClr val="accent1">
+              <a:shade val="50000"/>
+            </a:schemeClr>
+          </a:lnRef>
+          <a:fillRef idx="1">
+            <a:schemeClr val="accent1"/>
+          </a:fillRef>
+          <a:effectRef idx="0">
+            <a:schemeClr val="accent1"/>
+          </a:effectRef>
+          <a:fontRef idx="minor">
+            <a:schemeClr val="lt1"/>
+          </a:fontRef>
+        </p:style>
+      </p:sp>
+      <p:sp>
+        <p:nvSpPr>
+          <p:cNvPr id="8" name="Rectangle 7"/>
+          <p:cNvSpPr/>
+          <p:nvPr/>
+        </p:nvSpPr>
+        <p:spPr>
+          <a:xfrm>
+            <a:off x="15" y="6334316"/>
+            <a:ext cx="12188825" cy="64008"/>
+          </a:xfrm>
+          <a:prstGeom prst="rect">
+            <a:avLst/>
+          </a:prstGeom>
+          <a:solidFill>
+            <a:schemeClr val="accent1"/>
+          </a:solidFill>
+          <a:ln>
+            <a:noFill/>
+          </a:ln>
+        </p:spPr>
+        <p:style>
+          <a:lnRef idx="2">
+            <a:schemeClr val="accent1">
+              <a:shade val="50000"/>
+            </a:schemeClr>
+          </a:lnRef>
+          <a:fillRef idx="1">
+            <a:schemeClr val="accent1"/>
+          </a:fillRef>
+          <a:effectRef idx="0">
+            <a:schemeClr val="accent1"/>
+          </a:effectRef>
+          <a:fontRef idx="minor">
+            <a:schemeClr val="lt1"/>
+          </a:fontRef>
+        </p:style>
+      </p:sp>
+      <p:sp>
+        <p:nvSpPr>
+          <p:cNvPr id="2" name="Title 1"/>
+          <p:cNvSpPr>
+            <a:spLocks noGrp="1"/>
+          </p:cNvSpPr>
+          <p:nvPr>
+            <p:ph type="title"/>
+          </p:nvPr>
+        </p:nvSpPr>
+        <p:spPr>
+          <a:xfrm>
+            <a:off x="1097280" y="758952"/>
+            <a:ext cx="10058400" cy="3566160"/>
           </a:xfrm>
         </p:spPr>
         <p:txBody>
-          <a:bodyPr/>
-          <a:lstStyle/>
-          <a:p>
-            <a:r>
-              <a:rPr lang="it-IT" smtClean="0"/>
-              <a:t>Fare clic per modificare lo stile del titolo</a:t>
-            </a:r>
-            <a:endParaRPr lang="it-IT"/>
-          </a:p>
-        </p:txBody>
-      </p:sp>
-      <p:sp>
-        <p:nvSpPr>
-          <p:cNvPr id="3" name="Segnaposto testo 2"/>
+          <a:bodyPr anchor="b" anchorCtr="0">
+            <a:normAutofit/>
+          </a:bodyPr>
+          <a:lstStyle>
+            <a:lvl1pPr>
+              <a:lnSpc>
+                <a:spcPct val="85000"/>
+              </a:lnSpc>
+              <a:defRPr sz="8000" b="0">
+                <a:solidFill>
+                  <a:schemeClr val="tx1">
+                    <a:lumMod val="85000"/>
+                    <a:lumOff val="15000"/>
+                  </a:schemeClr>
+                </a:solidFill>
+              </a:defRPr>
+            </a:lvl1pPr>
+          </a:lstStyle>
+          <a:p>
+            <a:r>
+              <a:rPr lang="en-US" smtClean="0"/>
+              <a:t>Click to edit Master title style</a:t>
+            </a:r>
+            <a:endParaRPr lang="en-US" dirty="0"/>
+          </a:p>
+        </p:txBody>
+      </p:sp>
+      <p:sp>
+        <p:nvSpPr>
+          <p:cNvPr id="3" name="Text Placeholder 2"/>
           <p:cNvSpPr>
             <a:spLocks noGrp="1"/>
           </p:cNvSpPr>
@@ -1364,16 +1689,530 @@
         </p:nvSpPr>
         <p:spPr>
           <a:xfrm>
-            <a:off x="839788" y="1681163"/>
-            <a:ext cx="5157787" cy="823912"/>
+            <a:off x="1097280" y="4453128"/>
+            <a:ext cx="10058400" cy="1143000"/>
           </a:xfrm>
         </p:spPr>
         <p:txBody>
-          <a:bodyPr anchor="b"/>
+          <a:bodyPr lIns="91440" rIns="91440" anchor="t" anchorCtr="0">
+            <a:normAutofit/>
+          </a:bodyPr>
           <a:lstStyle>
             <a:lvl1pPr marL="0" indent="0">
               <a:buNone/>
-              <a:defRPr sz="2400" b="1"/>
+              <a:defRPr sz="2400" cap="all" spc="200" baseline="0">
+                <a:solidFill>
+                  <a:schemeClr val="tx2"/>
+                </a:solidFill>
+                <a:latin typeface="+mj-lt"/>
+              </a:defRPr>
+            </a:lvl1pPr>
+            <a:lvl2pPr marL="457200" indent="0">
+              <a:buNone/>
+              <a:defRPr sz="1800">
+                <a:solidFill>
+                  <a:schemeClr val="tx1">
+                    <a:tint val="75000"/>
+                  </a:schemeClr>
+                </a:solidFill>
+              </a:defRPr>
+            </a:lvl2pPr>
+            <a:lvl3pPr marL="914400" indent="0">
+              <a:buNone/>
+              <a:defRPr sz="1600">
+                <a:solidFill>
+                  <a:schemeClr val="tx1">
+                    <a:tint val="75000"/>
+                  </a:schemeClr>
+                </a:solidFill>
+              </a:defRPr>
+            </a:lvl3pPr>
+            <a:lvl4pPr marL="1371600" indent="0">
+              <a:buNone/>
+              <a:defRPr sz="1400">
+                <a:solidFill>
+                  <a:schemeClr val="tx1">
+                    <a:tint val="75000"/>
+                  </a:schemeClr>
+                </a:solidFill>
+              </a:defRPr>
+            </a:lvl4pPr>
+            <a:lvl5pPr marL="1828800" indent="0">
+              <a:buNone/>
+              <a:defRPr sz="1400">
+                <a:solidFill>
+                  <a:schemeClr val="tx1">
+                    <a:tint val="75000"/>
+                  </a:schemeClr>
+                </a:solidFill>
+              </a:defRPr>
+            </a:lvl5pPr>
+            <a:lvl6pPr marL="2286000" indent="0">
+              <a:buNone/>
+              <a:defRPr sz="1400">
+                <a:solidFill>
+                  <a:schemeClr val="tx1">
+                    <a:tint val="75000"/>
+                  </a:schemeClr>
+                </a:solidFill>
+              </a:defRPr>
+            </a:lvl6pPr>
+            <a:lvl7pPr marL="2743200" indent="0">
+              <a:buNone/>
+              <a:defRPr sz="1400">
+                <a:solidFill>
+                  <a:schemeClr val="tx1">
+                    <a:tint val="75000"/>
+                  </a:schemeClr>
+                </a:solidFill>
+              </a:defRPr>
+            </a:lvl7pPr>
+            <a:lvl8pPr marL="3200400" indent="0">
+              <a:buNone/>
+              <a:defRPr sz="1400">
+                <a:solidFill>
+                  <a:schemeClr val="tx1">
+                    <a:tint val="75000"/>
+                  </a:schemeClr>
+                </a:solidFill>
+              </a:defRPr>
+            </a:lvl8pPr>
+            <a:lvl9pPr marL="3657600" indent="0">
+              <a:buNone/>
+              <a:defRPr sz="1400">
+                <a:solidFill>
+                  <a:schemeClr val="tx1">
+                    <a:tint val="75000"/>
+                  </a:schemeClr>
+                </a:solidFill>
+              </a:defRPr>
+            </a:lvl9pPr>
+          </a:lstStyle>
+          <a:p>
+            <a:pPr lvl="0"/>
+            <a:r>
+              <a:rPr lang="en-US" smtClean="0"/>
+              <a:t>Click to edit Master text styles</a:t>
+            </a:r>
+          </a:p>
+        </p:txBody>
+      </p:sp>
+      <p:sp>
+        <p:nvSpPr>
+          <p:cNvPr id="4" name="Date Placeholder 3"/>
+          <p:cNvSpPr>
+            <a:spLocks noGrp="1"/>
+          </p:cNvSpPr>
+          <p:nvPr>
+            <p:ph type="dt" sz="half" idx="10"/>
+          </p:nvPr>
+        </p:nvSpPr>
+        <p:spPr/>
+        <p:txBody>
+          <a:bodyPr/>
+          <a:lstStyle/>
+          <a:p>
+            <a:fld id="{D400A843-E78D-45FE-BBE0-0DFBB922583B}" type="datetimeFigureOut">
+              <a:rPr lang="it-IT" smtClean="0"/>
+              <a:t>01/12/17</a:t>
+            </a:fld>
+            <a:endParaRPr lang="it-IT"/>
+          </a:p>
+        </p:txBody>
+      </p:sp>
+      <p:sp>
+        <p:nvSpPr>
+          <p:cNvPr id="5" name="Footer Placeholder 4"/>
+          <p:cNvSpPr>
+            <a:spLocks noGrp="1"/>
+          </p:cNvSpPr>
+          <p:nvPr>
+            <p:ph type="ftr" sz="quarter" idx="11"/>
+          </p:nvPr>
+        </p:nvSpPr>
+        <p:spPr/>
+        <p:txBody>
+          <a:bodyPr/>
+          <a:lstStyle/>
+          <a:p>
+            <a:endParaRPr lang="it-IT"/>
+          </a:p>
+        </p:txBody>
+      </p:sp>
+      <p:sp>
+        <p:nvSpPr>
+          <p:cNvPr id="6" name="Slide Number Placeholder 5"/>
+          <p:cNvSpPr>
+            <a:spLocks noGrp="1"/>
+          </p:cNvSpPr>
+          <p:nvPr>
+            <p:ph type="sldNum" sz="quarter" idx="12"/>
+          </p:nvPr>
+        </p:nvSpPr>
+        <p:spPr/>
+        <p:txBody>
+          <a:bodyPr/>
+          <a:lstStyle/>
+          <a:p>
+            <a:fld id="{1B29E90A-79A6-4357-BA0E-73A707E87A6D}" type="slidenum">
+              <a:rPr lang="it-IT" smtClean="0"/>
+              <a:t>‹#›</a:t>
+            </a:fld>
+            <a:endParaRPr lang="it-IT"/>
+          </a:p>
+        </p:txBody>
+      </p:sp>
+      <p:cxnSp>
+        <p:nvCxnSpPr>
+          <p:cNvPr id="9" name="Straight Connector 8"/>
+          <p:cNvCxnSpPr/>
+          <p:nvPr/>
+        </p:nvCxnSpPr>
+        <p:spPr>
+          <a:xfrm>
+            <a:off x="1207658" y="4343400"/>
+            <a:ext cx="9875520" cy="0"/>
+          </a:xfrm>
+          <a:prstGeom prst="line">
+            <a:avLst/>
+          </a:prstGeom>
+          <a:ln w="6350">
+            <a:solidFill>
+              <a:schemeClr val="tx1">
+                <a:lumMod val="50000"/>
+                <a:lumOff val="50000"/>
+              </a:schemeClr>
+            </a:solidFill>
+          </a:ln>
+        </p:spPr>
+        <p:style>
+          <a:lnRef idx="1">
+            <a:schemeClr val="accent1"/>
+          </a:lnRef>
+          <a:fillRef idx="0">
+            <a:schemeClr val="accent1"/>
+          </a:fillRef>
+          <a:effectRef idx="0">
+            <a:schemeClr val="accent1"/>
+          </a:effectRef>
+          <a:fontRef idx="minor">
+            <a:schemeClr val="tx1"/>
+          </a:fontRef>
+        </p:style>
+      </p:cxnSp>
+    </p:spTree>
+  </p:cSld>
+  <p:clrMapOvr>
+    <a:masterClrMapping/>
+  </p:clrMapOvr>
+</p:sldLayout>
+</file>
+
+<file path=ppt/slideLayouts/slideLayout4.xml><?xml version="1.0" encoding="utf-8"?>
+<p:sldLayout xmlns:a="http://schemas.openxmlformats.org/drawingml/2006/main" xmlns:r="http://schemas.openxmlformats.org/officeDocument/2006/relationships" xmlns:p="http://schemas.openxmlformats.org/presentationml/2006/main" type="twoObj" preserve="1">
+  <p:cSld name="Two Content">
+    <p:spTree>
+      <p:nvGrpSpPr>
+        <p:cNvPr id="1" name=""/>
+        <p:cNvGrpSpPr/>
+        <p:nvPr/>
+      </p:nvGrpSpPr>
+      <p:grpSpPr>
+        <a:xfrm>
+          <a:off x="0" y="0"/>
+          <a:ext cx="0" cy="0"/>
+          <a:chOff x="0" y="0"/>
+          <a:chExt cx="0" cy="0"/>
+        </a:xfrm>
+      </p:grpSpPr>
+      <p:sp>
+        <p:nvSpPr>
+          <p:cNvPr id="8" name="Title 7"/>
+          <p:cNvSpPr>
+            <a:spLocks noGrp="1"/>
+          </p:cNvSpPr>
+          <p:nvPr>
+            <p:ph type="title"/>
+          </p:nvPr>
+        </p:nvSpPr>
+        <p:spPr>
+          <a:xfrm>
+            <a:off x="1097280" y="286603"/>
+            <a:ext cx="10058400" cy="1450757"/>
+          </a:xfrm>
+        </p:spPr>
+        <p:txBody>
+          <a:bodyPr/>
+          <a:lstStyle/>
+          <a:p>
+            <a:r>
+              <a:rPr lang="en-US" smtClean="0"/>
+              <a:t>Click to edit Master title style</a:t>
+            </a:r>
+            <a:endParaRPr lang="en-US" dirty="0"/>
+          </a:p>
+        </p:txBody>
+      </p:sp>
+      <p:sp>
+        <p:nvSpPr>
+          <p:cNvPr id="3" name="Content Placeholder 2"/>
+          <p:cNvSpPr>
+            <a:spLocks noGrp="1"/>
+          </p:cNvSpPr>
+          <p:nvPr>
+            <p:ph sz="half" idx="1"/>
+          </p:nvPr>
+        </p:nvSpPr>
+        <p:spPr>
+          <a:xfrm>
+            <a:off x="1097279" y="1845734"/>
+            <a:ext cx="4937760" cy="4023360"/>
+          </a:xfrm>
+        </p:spPr>
+        <p:txBody>
+          <a:bodyPr/>
+          <a:lstStyle/>
+          <a:p>
+            <a:pPr lvl="0"/>
+            <a:r>
+              <a:rPr lang="en-US" smtClean="0"/>
+              <a:t>Click to edit Master text styles</a:t>
+            </a:r>
+          </a:p>
+          <a:p>
+            <a:pPr lvl="1"/>
+            <a:r>
+              <a:rPr lang="en-US" smtClean="0"/>
+              <a:t>Second level</a:t>
+            </a:r>
+          </a:p>
+          <a:p>
+            <a:pPr lvl="2"/>
+            <a:r>
+              <a:rPr lang="en-US" smtClean="0"/>
+              <a:t>Third level</a:t>
+            </a:r>
+          </a:p>
+          <a:p>
+            <a:pPr lvl="3"/>
+            <a:r>
+              <a:rPr lang="en-US" smtClean="0"/>
+              <a:t>Fourth level</a:t>
+            </a:r>
+          </a:p>
+          <a:p>
+            <a:pPr lvl="4"/>
+            <a:r>
+              <a:rPr lang="en-US" smtClean="0"/>
+              <a:t>Fifth level</a:t>
+            </a:r>
+            <a:endParaRPr lang="en-US" dirty="0"/>
+          </a:p>
+        </p:txBody>
+      </p:sp>
+      <p:sp>
+        <p:nvSpPr>
+          <p:cNvPr id="4" name="Content Placeholder 3"/>
+          <p:cNvSpPr>
+            <a:spLocks noGrp="1"/>
+          </p:cNvSpPr>
+          <p:nvPr>
+            <p:ph sz="half" idx="2"/>
+          </p:nvPr>
+        </p:nvSpPr>
+        <p:spPr>
+          <a:xfrm>
+            <a:off x="6217920" y="1845735"/>
+            <a:ext cx="4937760" cy="4023360"/>
+          </a:xfrm>
+        </p:spPr>
+        <p:txBody>
+          <a:bodyPr/>
+          <a:lstStyle/>
+          <a:p>
+            <a:pPr lvl="0"/>
+            <a:r>
+              <a:rPr lang="en-US" smtClean="0"/>
+              <a:t>Click to edit Master text styles</a:t>
+            </a:r>
+          </a:p>
+          <a:p>
+            <a:pPr lvl="1"/>
+            <a:r>
+              <a:rPr lang="en-US" smtClean="0"/>
+              <a:t>Second level</a:t>
+            </a:r>
+          </a:p>
+          <a:p>
+            <a:pPr lvl="2"/>
+            <a:r>
+              <a:rPr lang="en-US" smtClean="0"/>
+              <a:t>Third level</a:t>
+            </a:r>
+          </a:p>
+          <a:p>
+            <a:pPr lvl="3"/>
+            <a:r>
+              <a:rPr lang="en-US" smtClean="0"/>
+              <a:t>Fourth level</a:t>
+            </a:r>
+          </a:p>
+          <a:p>
+            <a:pPr lvl="4"/>
+            <a:r>
+              <a:rPr lang="en-US" smtClean="0"/>
+              <a:t>Fifth level</a:t>
+            </a:r>
+            <a:endParaRPr lang="en-US" dirty="0"/>
+          </a:p>
+        </p:txBody>
+      </p:sp>
+      <p:sp>
+        <p:nvSpPr>
+          <p:cNvPr id="5" name="Date Placeholder 4"/>
+          <p:cNvSpPr>
+            <a:spLocks noGrp="1"/>
+          </p:cNvSpPr>
+          <p:nvPr>
+            <p:ph type="dt" sz="half" idx="10"/>
+          </p:nvPr>
+        </p:nvSpPr>
+        <p:spPr/>
+        <p:txBody>
+          <a:bodyPr/>
+          <a:lstStyle/>
+          <a:p>
+            <a:fld id="{D400A843-E78D-45FE-BBE0-0DFBB922583B}" type="datetimeFigureOut">
+              <a:rPr lang="it-IT" smtClean="0"/>
+              <a:t>01/12/17</a:t>
+            </a:fld>
+            <a:endParaRPr lang="it-IT"/>
+          </a:p>
+        </p:txBody>
+      </p:sp>
+      <p:sp>
+        <p:nvSpPr>
+          <p:cNvPr id="6" name="Footer Placeholder 5"/>
+          <p:cNvSpPr>
+            <a:spLocks noGrp="1"/>
+          </p:cNvSpPr>
+          <p:nvPr>
+            <p:ph type="ftr" sz="quarter" idx="11"/>
+          </p:nvPr>
+        </p:nvSpPr>
+        <p:spPr/>
+        <p:txBody>
+          <a:bodyPr/>
+          <a:lstStyle/>
+          <a:p>
+            <a:endParaRPr lang="it-IT"/>
+          </a:p>
+        </p:txBody>
+      </p:sp>
+      <p:sp>
+        <p:nvSpPr>
+          <p:cNvPr id="7" name="Slide Number Placeholder 6"/>
+          <p:cNvSpPr>
+            <a:spLocks noGrp="1"/>
+          </p:cNvSpPr>
+          <p:nvPr>
+            <p:ph type="sldNum" sz="quarter" idx="12"/>
+          </p:nvPr>
+        </p:nvSpPr>
+        <p:spPr/>
+        <p:txBody>
+          <a:bodyPr/>
+          <a:lstStyle/>
+          <a:p>
+            <a:fld id="{1B29E90A-79A6-4357-BA0E-73A707E87A6D}" type="slidenum">
+              <a:rPr lang="it-IT" smtClean="0"/>
+              <a:t>‹#›</a:t>
+            </a:fld>
+            <a:endParaRPr lang="it-IT"/>
+          </a:p>
+        </p:txBody>
+      </p:sp>
+    </p:spTree>
+  </p:cSld>
+  <p:clrMapOvr>
+    <a:masterClrMapping/>
+  </p:clrMapOvr>
+</p:sldLayout>
+</file>
+
+<file path=ppt/slideLayouts/slideLayout5.xml><?xml version="1.0" encoding="utf-8"?>
+<p:sldLayout xmlns:a="http://schemas.openxmlformats.org/drawingml/2006/main" xmlns:r="http://schemas.openxmlformats.org/officeDocument/2006/relationships" xmlns:p="http://schemas.openxmlformats.org/presentationml/2006/main" type="twoTxTwoObj" preserve="1">
+  <p:cSld name="Comparison">
+    <p:spTree>
+      <p:nvGrpSpPr>
+        <p:cNvPr id="1" name=""/>
+        <p:cNvGrpSpPr/>
+        <p:nvPr/>
+      </p:nvGrpSpPr>
+      <p:grpSpPr>
+        <a:xfrm>
+          <a:off x="0" y="0"/>
+          <a:ext cx="0" cy="0"/>
+          <a:chOff x="0" y="0"/>
+          <a:chExt cx="0" cy="0"/>
+        </a:xfrm>
+      </p:grpSpPr>
+      <p:sp>
+        <p:nvSpPr>
+          <p:cNvPr id="10" name="Title 9"/>
+          <p:cNvSpPr>
+            <a:spLocks noGrp="1"/>
+          </p:cNvSpPr>
+          <p:nvPr>
+            <p:ph type="title"/>
+          </p:nvPr>
+        </p:nvSpPr>
+        <p:spPr>
+          <a:xfrm>
+            <a:off x="1097280" y="286603"/>
+            <a:ext cx="10058400" cy="1450757"/>
+          </a:xfrm>
+        </p:spPr>
+        <p:txBody>
+          <a:bodyPr/>
+          <a:lstStyle/>
+          <a:p>
+            <a:r>
+              <a:rPr lang="en-US" smtClean="0"/>
+              <a:t>Click to edit Master title style</a:t>
+            </a:r>
+            <a:endParaRPr lang="en-US" dirty="0"/>
+          </a:p>
+        </p:txBody>
+      </p:sp>
+      <p:sp>
+        <p:nvSpPr>
+          <p:cNvPr id="3" name="Text Placeholder 2"/>
+          <p:cNvSpPr>
+            <a:spLocks noGrp="1"/>
+          </p:cNvSpPr>
+          <p:nvPr>
+            <p:ph type="body" idx="1"/>
+          </p:nvPr>
+        </p:nvSpPr>
+        <p:spPr>
+          <a:xfrm>
+            <a:off x="1097280" y="1846052"/>
+            <a:ext cx="4937760" cy="736282"/>
+          </a:xfrm>
+        </p:spPr>
+        <p:txBody>
+          <a:bodyPr lIns="91440" rIns="91440" anchor="ctr">
+            <a:normAutofit/>
+          </a:bodyPr>
+          <a:lstStyle>
+            <a:lvl1pPr marL="0" indent="0">
+              <a:buNone/>
+              <a:defRPr sz="2000" b="0" cap="all" baseline="0">
+                <a:solidFill>
+                  <a:schemeClr val="tx2"/>
+                </a:solidFill>
+              </a:defRPr>
             </a:lvl1pPr>
             <a:lvl2pPr marL="457200" indent="0">
               <a:buNone/>
@@ -1411,15 +2250,15 @@
           <a:p>
             <a:pPr lvl="0"/>
             <a:r>
-              <a:rPr lang="it-IT" smtClean="0"/>
-              <a:t>Modifica gli stili del testo dello schema</a:t>
-            </a:r>
-          </a:p>
-        </p:txBody>
-      </p:sp>
-      <p:sp>
-        <p:nvSpPr>
-          <p:cNvPr id="4" name="Segnaposto contenuto 3"/>
+              <a:rPr lang="en-US" smtClean="0"/>
+              <a:t>Click to edit Master text styles</a:t>
+            </a:r>
+          </a:p>
+        </p:txBody>
+      </p:sp>
+      <p:sp>
+        <p:nvSpPr>
+          <p:cNvPr id="4" name="Content Placeholder 3"/>
           <p:cNvSpPr>
             <a:spLocks noGrp="1"/>
           </p:cNvSpPr>
@@ -1429,8 +2268,8 @@
         </p:nvSpPr>
         <p:spPr>
           <a:xfrm>
-            <a:off x="839788" y="2505075"/>
-            <a:ext cx="5157787" cy="3684588"/>
+            <a:off x="1097280" y="2582334"/>
+            <a:ext cx="4937760" cy="3378200"/>
           </a:xfrm>
         </p:spPr>
         <p:txBody>
@@ -1439,44 +2278,44 @@
           <a:p>
             <a:pPr lvl="0"/>
             <a:r>
-              <a:rPr lang="it-IT" smtClean="0"/>
-              <a:t>Modifica gli stili del testo dello schema</a:t>
+              <a:rPr lang="en-US" smtClean="0"/>
+              <a:t>Click to edit Master text styles</a:t>
             </a:r>
           </a:p>
           <a:p>
             <a:pPr lvl="1"/>
             <a:r>
-              <a:rPr lang="it-IT" smtClean="0"/>
-              <a:t>Secondo livello</a:t>
+              <a:rPr lang="en-US" smtClean="0"/>
+              <a:t>Second level</a:t>
             </a:r>
           </a:p>
           <a:p>
             <a:pPr lvl="2"/>
             <a:r>
-              <a:rPr lang="it-IT" smtClean="0"/>
-              <a:t>Terzo livello</a:t>
+              <a:rPr lang="en-US" smtClean="0"/>
+              <a:t>Third level</a:t>
             </a:r>
           </a:p>
           <a:p>
             <a:pPr lvl="3"/>
             <a:r>
-              <a:rPr lang="it-IT" smtClean="0"/>
-              <a:t>Quarto livello</a:t>
+              <a:rPr lang="en-US" smtClean="0"/>
+              <a:t>Fourth level</a:t>
             </a:r>
           </a:p>
           <a:p>
             <a:pPr lvl="4"/>
             <a:r>
-              <a:rPr lang="it-IT" smtClean="0"/>
-              <a:t>Quinto livello</a:t>
-            </a:r>
-            <a:endParaRPr lang="it-IT"/>
-          </a:p>
-        </p:txBody>
-      </p:sp>
-      <p:sp>
-        <p:nvSpPr>
-          <p:cNvPr id="5" name="Segnaposto testo 4"/>
+              <a:rPr lang="en-US" smtClean="0"/>
+              <a:t>Fifth level</a:t>
+            </a:r>
+            <a:endParaRPr lang="en-US" dirty="0"/>
+          </a:p>
+        </p:txBody>
+      </p:sp>
+      <p:sp>
+        <p:nvSpPr>
+          <p:cNvPr id="5" name="Text Placeholder 4"/>
           <p:cNvSpPr>
             <a:spLocks noGrp="1"/>
           </p:cNvSpPr>
@@ -1486,16 +2325,22 @@
         </p:nvSpPr>
         <p:spPr>
           <a:xfrm>
-            <a:off x="6172200" y="1681163"/>
-            <a:ext cx="5183188" cy="823912"/>
+            <a:off x="6217920" y="1846052"/>
+            <a:ext cx="4937760" cy="736282"/>
           </a:xfrm>
         </p:spPr>
         <p:txBody>
-          <a:bodyPr anchor="b"/>
+          <a:bodyPr lIns="91440" rIns="91440" anchor="ctr">
+            <a:normAutofit/>
+          </a:bodyPr>
           <a:lstStyle>
             <a:lvl1pPr marL="0" indent="0">
               <a:buNone/>
-              <a:defRPr sz="2400" b="1"/>
+              <a:defRPr sz="2000" b="0" cap="all" baseline="0">
+                <a:solidFill>
+                  <a:schemeClr val="tx2"/>
+                </a:solidFill>
+              </a:defRPr>
             </a:lvl1pPr>
             <a:lvl2pPr marL="457200" indent="0">
               <a:buNone/>
@@ -1533,15 +2378,15 @@
           <a:p>
             <a:pPr lvl="0"/>
             <a:r>
-              <a:rPr lang="it-IT" smtClean="0"/>
-              <a:t>Modifica gli stili del testo dello schema</a:t>
-            </a:r>
-          </a:p>
-        </p:txBody>
-      </p:sp>
-      <p:sp>
-        <p:nvSpPr>
-          <p:cNvPr id="6" name="Segnaposto contenuto 5"/>
+              <a:rPr lang="en-US" smtClean="0"/>
+              <a:t>Click to edit Master text styles</a:t>
+            </a:r>
+          </a:p>
+        </p:txBody>
+      </p:sp>
+      <p:sp>
+        <p:nvSpPr>
+          <p:cNvPr id="6" name="Content Placeholder 5"/>
           <p:cNvSpPr>
             <a:spLocks noGrp="1"/>
           </p:cNvSpPr>
@@ -1551,8 +2396,8 @@
         </p:nvSpPr>
         <p:spPr>
           <a:xfrm>
-            <a:off x="6172200" y="2505075"/>
-            <a:ext cx="5183188" cy="3684588"/>
+            <a:off x="6217920" y="2582334"/>
+            <a:ext cx="4937760" cy="3378200"/>
           </a:xfrm>
         </p:spPr>
         <p:txBody>
@@ -1561,44 +2406,44 @@
           <a:p>
             <a:pPr lvl="0"/>
             <a:r>
-              <a:rPr lang="it-IT" smtClean="0"/>
-              <a:t>Modifica gli stili del testo dello schema</a:t>
+              <a:rPr lang="en-US" smtClean="0"/>
+              <a:t>Click to edit Master text styles</a:t>
             </a:r>
           </a:p>
           <a:p>
             <a:pPr lvl="1"/>
             <a:r>
-              <a:rPr lang="it-IT" smtClean="0"/>
-              <a:t>Secondo livello</a:t>
+              <a:rPr lang="en-US" smtClean="0"/>
+              <a:t>Second level</a:t>
             </a:r>
           </a:p>
           <a:p>
             <a:pPr lvl="2"/>
             <a:r>
-              <a:rPr lang="it-IT" smtClean="0"/>
-              <a:t>Terzo livello</a:t>
+              <a:rPr lang="en-US" smtClean="0"/>
+              <a:t>Third level</a:t>
             </a:r>
           </a:p>
           <a:p>
             <a:pPr lvl="3"/>
             <a:r>
-              <a:rPr lang="it-IT" smtClean="0"/>
-              <a:t>Quarto livello</a:t>
+              <a:rPr lang="en-US" smtClean="0"/>
+              <a:t>Fourth level</a:t>
             </a:r>
           </a:p>
           <a:p>
             <a:pPr lvl="4"/>
             <a:r>
-              <a:rPr lang="it-IT" smtClean="0"/>
-              <a:t>Quinto livello</a:t>
-            </a:r>
-            <a:endParaRPr lang="it-IT"/>
-          </a:p>
-        </p:txBody>
-      </p:sp>
-      <p:sp>
-        <p:nvSpPr>
-          <p:cNvPr id="7" name="Segnaposto data 6"/>
+              <a:rPr lang="en-US" smtClean="0"/>
+              <a:t>Fifth level</a:t>
+            </a:r>
+            <a:endParaRPr lang="en-US" dirty="0"/>
+          </a:p>
+        </p:txBody>
+      </p:sp>
+      <p:sp>
+        <p:nvSpPr>
+          <p:cNvPr id="7" name="Date Placeholder 6"/>
           <p:cNvSpPr>
             <a:spLocks noGrp="1"/>
           </p:cNvSpPr>
@@ -1613,7 +2458,7 @@
           <a:p>
             <a:fld id="{D400A843-E78D-45FE-BBE0-0DFBB922583B}" type="datetimeFigureOut">
               <a:rPr lang="it-IT" smtClean="0"/>
-              <a:t>28/11/2017</a:t>
+              <a:t>01/12/17</a:t>
             </a:fld>
             <a:endParaRPr lang="it-IT"/>
           </a:p>
@@ -1621,7 +2466,7 @@
       </p:sp>
       <p:sp>
         <p:nvSpPr>
-          <p:cNvPr id="8" name="Segnaposto piè di pagina 7"/>
+          <p:cNvPr id="8" name="Footer Placeholder 7"/>
           <p:cNvSpPr>
             <a:spLocks noGrp="1"/>
           </p:cNvSpPr>
@@ -1640,7 +2485,7 @@
       </p:sp>
       <p:sp>
         <p:nvSpPr>
-          <p:cNvPr id="9" name="Segnaposto numero diapositiva 8"/>
+          <p:cNvPr id="9" name="Slide Number Placeholder 8"/>
           <p:cNvSpPr>
             <a:spLocks noGrp="1"/>
           </p:cNvSpPr>
@@ -1655,18 +2500,13 @@
           <a:p>
             <a:fld id="{1B29E90A-79A6-4357-BA0E-73A707E87A6D}" type="slidenum">
               <a:rPr lang="it-IT" smtClean="0"/>
-              <a:t>‹N›</a:t>
+              <a:t>‹#›</a:t>
             </a:fld>
             <a:endParaRPr lang="it-IT"/>
           </a:p>
         </p:txBody>
       </p:sp>
     </p:spTree>
-    <p:extLst>
-      <p:ext uri="{BB962C8B-B14F-4D97-AF65-F5344CB8AC3E}">
-        <p14:creationId xmlns:p14="http://schemas.microsoft.com/office/powerpoint/2010/main" val="1535053023"/>
-      </p:ext>
-    </p:extLst>
   </p:cSld>
   <p:clrMapOvr>
     <a:masterClrMapping/>
@@ -1676,7 +2516,7 @@
 
 <file path=ppt/slideLayouts/slideLayout6.xml><?xml version="1.0" encoding="utf-8"?>
 <p:sldLayout xmlns:a="http://schemas.openxmlformats.org/drawingml/2006/main" xmlns:r="http://schemas.openxmlformats.org/officeDocument/2006/relationships" xmlns:p="http://schemas.openxmlformats.org/presentationml/2006/main" type="titleOnly" preserve="1">
-  <p:cSld name="Solo titolo">
+  <p:cSld name="Title Only">
     <p:spTree>
       <p:nvGrpSpPr>
         <p:cNvPr id="1" name=""/>
@@ -1693,7 +2533,7 @@
       </p:grpSpPr>
       <p:sp>
         <p:nvSpPr>
-          <p:cNvPr id="2" name="Titolo 1"/>
+          <p:cNvPr id="2" name="Title 1"/>
           <p:cNvSpPr>
             <a:spLocks noGrp="1"/>
           </p:cNvSpPr>
@@ -1707,16 +2547,16 @@
           <a:lstStyle/>
           <a:p>
             <a:r>
-              <a:rPr lang="it-IT" smtClean="0"/>
-              <a:t>Fare clic per modificare lo stile del titolo</a:t>
-            </a:r>
-            <a:endParaRPr lang="it-IT"/>
-          </a:p>
-        </p:txBody>
-      </p:sp>
-      <p:sp>
-        <p:nvSpPr>
-          <p:cNvPr id="3" name="Segnaposto data 2"/>
+              <a:rPr lang="en-US" smtClean="0"/>
+              <a:t>Click to edit Master title style</a:t>
+            </a:r>
+            <a:endParaRPr lang="en-US" dirty="0"/>
+          </a:p>
+        </p:txBody>
+      </p:sp>
+      <p:sp>
+        <p:nvSpPr>
+          <p:cNvPr id="3" name="Date Placeholder 2"/>
           <p:cNvSpPr>
             <a:spLocks noGrp="1"/>
           </p:cNvSpPr>
@@ -1731,7 +2571,7 @@
           <a:p>
             <a:fld id="{D400A843-E78D-45FE-BBE0-0DFBB922583B}" type="datetimeFigureOut">
               <a:rPr lang="it-IT" smtClean="0"/>
-              <a:t>28/11/2017</a:t>
+              <a:t>01/12/17</a:t>
             </a:fld>
             <a:endParaRPr lang="it-IT"/>
           </a:p>
@@ -1739,7 +2579,7 @@
       </p:sp>
       <p:sp>
         <p:nvSpPr>
-          <p:cNvPr id="4" name="Segnaposto piè di pagina 3"/>
+          <p:cNvPr id="4" name="Footer Placeholder 3"/>
           <p:cNvSpPr>
             <a:spLocks noGrp="1"/>
           </p:cNvSpPr>
@@ -1758,7 +2598,7 @@
       </p:sp>
       <p:sp>
         <p:nvSpPr>
-          <p:cNvPr id="5" name="Segnaposto numero diapositiva 4"/>
+          <p:cNvPr id="5" name="Slide Number Placeholder 4"/>
           <p:cNvSpPr>
             <a:spLocks noGrp="1"/>
           </p:cNvSpPr>
@@ -1773,18 +2613,13 @@
           <a:p>
             <a:fld id="{1B29E90A-79A6-4357-BA0E-73A707E87A6D}" type="slidenum">
               <a:rPr lang="it-IT" smtClean="0"/>
-              <a:t>‹N›</a:t>
+              <a:t>‹#›</a:t>
             </a:fld>
             <a:endParaRPr lang="it-IT"/>
           </a:p>
         </p:txBody>
       </p:sp>
     </p:spTree>
-    <p:extLst>
-      <p:ext uri="{BB962C8B-B14F-4D97-AF65-F5344CB8AC3E}">
-        <p14:creationId xmlns:p14="http://schemas.microsoft.com/office/powerpoint/2010/main" val="1839652493"/>
-      </p:ext>
-    </p:extLst>
   </p:cSld>
   <p:clrMapOvr>
     <a:masterClrMapping/>
@@ -1793,8 +2628,8 @@
 </file>
 
 <file path=ppt/slideLayouts/slideLayout7.xml><?xml version="1.0" encoding="utf-8"?>
-<p:sldLayout xmlns:a="http://schemas.openxmlformats.org/drawingml/2006/main" xmlns:r="http://schemas.openxmlformats.org/officeDocument/2006/relationships" xmlns:p="http://schemas.openxmlformats.org/presentationml/2006/main" type="blank" preserve="1">
-  <p:cSld name="Vuota">
+<p:sldLayout xmlns:a="http://schemas.openxmlformats.org/drawingml/2006/main" xmlns:r="http://schemas.openxmlformats.org/officeDocument/2006/relationships" xmlns:p="http://schemas.openxmlformats.org/presentationml/2006/main" showMasterSp="0" type="blank" preserve="1">
+  <p:cSld name="Blank">
     <p:spTree>
       <p:nvGrpSpPr>
         <p:cNvPr id="1" name=""/>
@@ -1811,7 +2646,83 @@
       </p:grpSpPr>
       <p:sp>
         <p:nvSpPr>
-          <p:cNvPr id="2" name="Segnaposto data 1"/>
+          <p:cNvPr id="5" name="Rectangle 4"/>
+          <p:cNvSpPr/>
+          <p:nvPr/>
+        </p:nvSpPr>
+        <p:spPr>
+          <a:xfrm>
+            <a:off x="3175" y="6400800"/>
+            <a:ext cx="12188825" cy="457200"/>
+          </a:xfrm>
+          <a:prstGeom prst="rect">
+            <a:avLst/>
+          </a:prstGeom>
+          <a:solidFill>
+            <a:schemeClr val="accent2"/>
+          </a:solidFill>
+          <a:ln>
+            <a:noFill/>
+          </a:ln>
+        </p:spPr>
+        <p:style>
+          <a:lnRef idx="2">
+            <a:schemeClr val="accent1">
+              <a:shade val="50000"/>
+            </a:schemeClr>
+          </a:lnRef>
+          <a:fillRef idx="1">
+            <a:schemeClr val="accent1"/>
+          </a:fillRef>
+          <a:effectRef idx="0">
+            <a:schemeClr val="accent1"/>
+          </a:effectRef>
+          <a:fontRef idx="minor">
+            <a:schemeClr val="lt1"/>
+          </a:fontRef>
+        </p:style>
+      </p:sp>
+      <p:sp>
+        <p:nvSpPr>
+          <p:cNvPr id="6" name="Rectangle 5"/>
+          <p:cNvSpPr/>
+          <p:nvPr/>
+        </p:nvSpPr>
+        <p:spPr>
+          <a:xfrm>
+            <a:off x="15" y="6334316"/>
+            <a:ext cx="12188825" cy="64008"/>
+          </a:xfrm>
+          <a:prstGeom prst="rect">
+            <a:avLst/>
+          </a:prstGeom>
+          <a:solidFill>
+            <a:schemeClr val="accent1"/>
+          </a:solidFill>
+          <a:ln>
+            <a:noFill/>
+          </a:ln>
+        </p:spPr>
+        <p:style>
+          <a:lnRef idx="2">
+            <a:schemeClr val="accent1">
+              <a:shade val="50000"/>
+            </a:schemeClr>
+          </a:lnRef>
+          <a:fillRef idx="1">
+            <a:schemeClr val="accent1"/>
+          </a:fillRef>
+          <a:effectRef idx="0">
+            <a:schemeClr val="accent1"/>
+          </a:effectRef>
+          <a:fontRef idx="minor">
+            <a:schemeClr val="lt1"/>
+          </a:fontRef>
+        </p:style>
+      </p:sp>
+      <p:sp>
+        <p:nvSpPr>
+          <p:cNvPr id="7" name="Date Placeholder 6"/>
           <p:cNvSpPr>
             <a:spLocks noGrp="1"/>
           </p:cNvSpPr>
@@ -1826,7 +2737,7 @@
           <a:p>
             <a:fld id="{D400A843-E78D-45FE-BBE0-0DFBB922583B}" type="datetimeFigureOut">
               <a:rPr lang="it-IT" smtClean="0"/>
-              <a:t>28/11/2017</a:t>
+              <a:t>01/12/17</a:t>
             </a:fld>
             <a:endParaRPr lang="it-IT"/>
           </a:p>
@@ -1834,12 +2745,39 @@
       </p:sp>
       <p:sp>
         <p:nvSpPr>
-          <p:cNvPr id="3" name="Segnaposto piè di pagina 2"/>
+          <p:cNvPr id="8" name="Footer Placeholder 7"/>
           <p:cNvSpPr>
             <a:spLocks noGrp="1"/>
           </p:cNvSpPr>
           <p:nvPr>
             <p:ph type="ftr" sz="quarter" idx="11"/>
+          </p:nvPr>
+        </p:nvSpPr>
+        <p:spPr/>
+        <p:txBody>
+          <a:bodyPr/>
+          <a:lstStyle>
+            <a:lvl1pPr>
+              <a:defRPr>
+                <a:solidFill>
+                  <a:srgbClr val="FFFFFF"/>
+                </a:solidFill>
+              </a:defRPr>
+            </a:lvl1pPr>
+          </a:lstStyle>
+          <a:p>
+            <a:endParaRPr lang="it-IT"/>
+          </a:p>
+        </p:txBody>
+      </p:sp>
+      <p:sp>
+        <p:nvSpPr>
+          <p:cNvPr id="9" name="Slide Number Placeholder 8"/>
+          <p:cNvSpPr>
+            <a:spLocks noGrp="1"/>
+          </p:cNvSpPr>
+          <p:nvPr>
+            <p:ph type="sldNum" sz="quarter" idx="12"/>
           </p:nvPr>
         </p:nvSpPr>
         <p:spPr/>
@@ -1847,39 +2785,15 @@
           <a:bodyPr/>
           <a:lstStyle/>
           <a:p>
-            <a:endParaRPr lang="it-IT"/>
-          </a:p>
-        </p:txBody>
-      </p:sp>
-      <p:sp>
-        <p:nvSpPr>
-          <p:cNvPr id="4" name="Segnaposto numero diapositiva 3"/>
-          <p:cNvSpPr>
-            <a:spLocks noGrp="1"/>
-          </p:cNvSpPr>
-          <p:nvPr>
-            <p:ph type="sldNum" sz="quarter" idx="12"/>
-          </p:nvPr>
-        </p:nvSpPr>
-        <p:spPr/>
-        <p:txBody>
-          <a:bodyPr/>
-          <a:lstStyle/>
-          <a:p>
             <a:fld id="{1B29E90A-79A6-4357-BA0E-73A707E87A6D}" type="slidenum">
               <a:rPr lang="it-IT" smtClean="0"/>
-              <a:t>‹N›</a:t>
+              <a:t>‹#›</a:t>
             </a:fld>
             <a:endParaRPr lang="it-IT"/>
           </a:p>
         </p:txBody>
       </p:sp>
     </p:spTree>
-    <p:extLst>
-      <p:ext uri="{BB962C8B-B14F-4D97-AF65-F5344CB8AC3E}">
-        <p14:creationId xmlns:p14="http://schemas.microsoft.com/office/powerpoint/2010/main" val="848671653"/>
-      </p:ext>
-    </p:extLst>
   </p:cSld>
   <p:clrMapOvr>
     <a:masterClrMapping/>
@@ -1888,8 +2802,8 @@
 </file>
 
 <file path=ppt/slideLayouts/slideLayout8.xml><?xml version="1.0" encoding="utf-8"?>
-<p:sldLayout xmlns:a="http://schemas.openxmlformats.org/drawingml/2006/main" xmlns:r="http://schemas.openxmlformats.org/officeDocument/2006/relationships" xmlns:p="http://schemas.openxmlformats.org/presentationml/2006/main" type="objTx" preserve="1">
-  <p:cSld name="Contenuto con didascalia">
+<p:sldLayout xmlns:a="http://schemas.openxmlformats.org/drawingml/2006/main" xmlns:r="http://schemas.openxmlformats.org/officeDocument/2006/relationships" xmlns:p="http://schemas.openxmlformats.org/presentationml/2006/main" showMasterSp="0" type="objTx" preserve="1">
+  <p:cSld name="Content with Caption">
     <p:spTree>
       <p:nvGrpSpPr>
         <p:cNvPr id="1" name=""/>
@@ -1906,39 +2820,121 @@
       </p:grpSpPr>
       <p:sp>
         <p:nvSpPr>
-          <p:cNvPr id="2" name="Titolo 1"/>
-          <p:cNvSpPr>
-            <a:spLocks noGrp="1"/>
-          </p:cNvSpPr>
-          <p:nvPr>
-            <p:ph type="title"/>
-          </p:nvPr>
+          <p:cNvPr id="8" name="Rectangle 7"/>
+          <p:cNvSpPr/>
+          <p:nvPr/>
         </p:nvSpPr>
         <p:spPr>
           <a:xfrm>
-            <a:off x="839788" y="457200"/>
-            <a:ext cx="3932237" cy="1600200"/>
+            <a:off x="16" y="0"/>
+            <a:ext cx="4050791" cy="6858000"/>
+          </a:xfrm>
+          <a:prstGeom prst="rect">
+            <a:avLst/>
+          </a:prstGeom>
+          <a:solidFill>
+            <a:schemeClr val="accent2"/>
+          </a:solidFill>
+          <a:ln>
+            <a:noFill/>
+          </a:ln>
+        </p:spPr>
+        <p:style>
+          <a:lnRef idx="2">
+            <a:schemeClr val="accent1">
+              <a:shade val="50000"/>
+            </a:schemeClr>
+          </a:lnRef>
+          <a:fillRef idx="1">
+            <a:schemeClr val="accent1"/>
+          </a:fillRef>
+          <a:effectRef idx="0">
+            <a:schemeClr val="accent1"/>
+          </a:effectRef>
+          <a:fontRef idx="minor">
+            <a:schemeClr val="lt1"/>
+          </a:fontRef>
+        </p:style>
+      </p:sp>
+      <p:sp>
+        <p:nvSpPr>
+          <p:cNvPr id="9" name="Rectangle 8"/>
+          <p:cNvSpPr/>
+          <p:nvPr/>
+        </p:nvSpPr>
+        <p:spPr>
+          <a:xfrm>
+            <a:off x="4040071" y="0"/>
+            <a:ext cx="64008" cy="6858000"/>
+          </a:xfrm>
+          <a:prstGeom prst="rect">
+            <a:avLst/>
+          </a:prstGeom>
+          <a:solidFill>
+            <a:schemeClr val="accent1"/>
+          </a:solidFill>
+          <a:ln>
+            <a:noFill/>
+          </a:ln>
+        </p:spPr>
+        <p:style>
+          <a:lnRef idx="2">
+            <a:schemeClr val="accent1">
+              <a:shade val="50000"/>
+            </a:schemeClr>
+          </a:lnRef>
+          <a:fillRef idx="1">
+            <a:schemeClr val="accent1"/>
+          </a:fillRef>
+          <a:effectRef idx="0">
+            <a:schemeClr val="accent1"/>
+          </a:effectRef>
+          <a:fontRef idx="minor">
+            <a:schemeClr val="lt1"/>
+          </a:fontRef>
+        </p:style>
+      </p:sp>
+      <p:sp>
+        <p:nvSpPr>
+          <p:cNvPr id="2" name="Title 1"/>
+          <p:cNvSpPr>
+            <a:spLocks noGrp="1"/>
+          </p:cNvSpPr>
+          <p:nvPr>
+            <p:ph type="title"/>
+          </p:nvPr>
+        </p:nvSpPr>
+        <p:spPr>
+          <a:xfrm>
+            <a:off x="457200" y="594359"/>
+            <a:ext cx="3200400" cy="2286000"/>
           </a:xfrm>
         </p:spPr>
         <p:txBody>
-          <a:bodyPr anchor="b"/>
+          <a:bodyPr anchor="b">
+            <a:normAutofit/>
+          </a:bodyPr>
           <a:lstStyle>
             <a:lvl1pPr>
-              <a:defRPr sz="3200"/>
+              <a:defRPr sz="3600" b="0">
+                <a:solidFill>
+                  <a:srgbClr val="FFFFFF"/>
+                </a:solidFill>
+              </a:defRPr>
             </a:lvl1pPr>
           </a:lstStyle>
           <a:p>
             <a:r>
-              <a:rPr lang="it-IT" smtClean="0"/>
-              <a:t>Fare clic per modificare lo stile del titolo</a:t>
-            </a:r>
-            <a:endParaRPr lang="it-IT"/>
-          </a:p>
-        </p:txBody>
-      </p:sp>
-      <p:sp>
-        <p:nvSpPr>
-          <p:cNvPr id="3" name="Segnaposto contenuto 2"/>
+              <a:rPr lang="en-US" smtClean="0"/>
+              <a:t>Click to edit Master title style</a:t>
+            </a:r>
+            <a:endParaRPr lang="en-US" dirty="0"/>
+          </a:p>
+        </p:txBody>
+      </p:sp>
+      <p:sp>
+        <p:nvSpPr>
+          <p:cNvPr id="3" name="Content Placeholder 2"/>
           <p:cNvSpPr>
             <a:spLocks noGrp="1"/>
           </p:cNvSpPr>
@@ -1948,215 +2944,218 @@
         </p:nvSpPr>
         <p:spPr>
           <a:xfrm>
-            <a:off x="5183188" y="987425"/>
-            <a:ext cx="6172200" cy="4873625"/>
+            <a:off x="4800600" y="731520"/>
+            <a:ext cx="6492240" cy="5257800"/>
           </a:xfrm>
         </p:spPr>
+        <p:txBody>
+          <a:bodyPr/>
+          <a:lstStyle/>
+          <a:p>
+            <a:pPr lvl="0"/>
+            <a:r>
+              <a:rPr lang="en-US" smtClean="0"/>
+              <a:t>Click to edit Master text styles</a:t>
+            </a:r>
+          </a:p>
+          <a:p>
+            <a:pPr lvl="1"/>
+            <a:r>
+              <a:rPr lang="en-US" smtClean="0"/>
+              <a:t>Second level</a:t>
+            </a:r>
+          </a:p>
+          <a:p>
+            <a:pPr lvl="2"/>
+            <a:r>
+              <a:rPr lang="en-US" smtClean="0"/>
+              <a:t>Third level</a:t>
+            </a:r>
+          </a:p>
+          <a:p>
+            <a:pPr lvl="3"/>
+            <a:r>
+              <a:rPr lang="en-US" smtClean="0"/>
+              <a:t>Fourth level</a:t>
+            </a:r>
+          </a:p>
+          <a:p>
+            <a:pPr lvl="4"/>
+            <a:r>
+              <a:rPr lang="en-US" smtClean="0"/>
+              <a:t>Fifth level</a:t>
+            </a:r>
+            <a:endParaRPr lang="en-US" dirty="0"/>
+          </a:p>
+        </p:txBody>
+      </p:sp>
+      <p:sp>
+        <p:nvSpPr>
+          <p:cNvPr id="4" name="Text Placeholder 3"/>
+          <p:cNvSpPr>
+            <a:spLocks noGrp="1"/>
+          </p:cNvSpPr>
+          <p:nvPr>
+            <p:ph type="body" sz="half" idx="2"/>
+          </p:nvPr>
+        </p:nvSpPr>
+        <p:spPr>
+          <a:xfrm>
+            <a:off x="457200" y="2926080"/>
+            <a:ext cx="3200400" cy="3379124"/>
+          </a:xfrm>
+        </p:spPr>
+        <p:txBody>
+          <a:bodyPr lIns="91440" rIns="91440">
+            <a:normAutofit/>
+          </a:bodyPr>
+          <a:lstStyle>
+            <a:lvl1pPr marL="0" indent="0">
+              <a:buNone/>
+              <a:defRPr sz="1500">
+                <a:solidFill>
+                  <a:srgbClr val="FFFFFF"/>
+                </a:solidFill>
+              </a:defRPr>
+            </a:lvl1pPr>
+            <a:lvl2pPr marL="457200" indent="0">
+              <a:buNone/>
+              <a:defRPr sz="1200"/>
+            </a:lvl2pPr>
+            <a:lvl3pPr marL="914400" indent="0">
+              <a:buNone/>
+              <a:defRPr sz="1000"/>
+            </a:lvl3pPr>
+            <a:lvl4pPr marL="1371600" indent="0">
+              <a:buNone/>
+              <a:defRPr sz="900"/>
+            </a:lvl4pPr>
+            <a:lvl5pPr marL="1828800" indent="0">
+              <a:buNone/>
+              <a:defRPr sz="900"/>
+            </a:lvl5pPr>
+            <a:lvl6pPr marL="2286000" indent="0">
+              <a:buNone/>
+              <a:defRPr sz="900"/>
+            </a:lvl6pPr>
+            <a:lvl7pPr marL="2743200" indent="0">
+              <a:buNone/>
+              <a:defRPr sz="900"/>
+            </a:lvl7pPr>
+            <a:lvl8pPr marL="3200400" indent="0">
+              <a:buNone/>
+              <a:defRPr sz="900"/>
+            </a:lvl8pPr>
+            <a:lvl9pPr marL="3657600" indent="0">
+              <a:buNone/>
+              <a:defRPr sz="900"/>
+            </a:lvl9pPr>
+          </a:lstStyle>
+          <a:p>
+            <a:pPr lvl="0"/>
+            <a:r>
+              <a:rPr lang="en-US" smtClean="0"/>
+              <a:t>Click to edit Master text styles</a:t>
+            </a:r>
+          </a:p>
+        </p:txBody>
+      </p:sp>
+      <p:sp>
+        <p:nvSpPr>
+          <p:cNvPr id="5" name="Date Placeholder 4"/>
+          <p:cNvSpPr>
+            <a:spLocks noGrp="1"/>
+          </p:cNvSpPr>
+          <p:nvPr>
+            <p:ph type="dt" sz="half" idx="10"/>
+          </p:nvPr>
+        </p:nvSpPr>
+        <p:spPr>
+          <a:xfrm>
+            <a:off x="465512" y="6459785"/>
+            <a:ext cx="2618510" cy="365125"/>
+          </a:xfrm>
+        </p:spPr>
+        <p:txBody>
+          <a:bodyPr/>
+          <a:lstStyle>
+            <a:lvl1pPr algn="l">
+              <a:defRPr/>
+            </a:lvl1pPr>
+          </a:lstStyle>
+          <a:p>
+            <a:fld id="{D400A843-E78D-45FE-BBE0-0DFBB922583B}" type="datetimeFigureOut">
+              <a:rPr lang="it-IT" smtClean="0"/>
+              <a:t>01/12/17</a:t>
+            </a:fld>
+            <a:endParaRPr lang="it-IT"/>
+          </a:p>
+        </p:txBody>
+      </p:sp>
+      <p:sp>
+        <p:nvSpPr>
+          <p:cNvPr id="6" name="Footer Placeholder 5"/>
+          <p:cNvSpPr>
+            <a:spLocks noGrp="1"/>
+          </p:cNvSpPr>
+          <p:nvPr>
+            <p:ph type="ftr" sz="quarter" idx="11"/>
+          </p:nvPr>
+        </p:nvSpPr>
+        <p:spPr>
+          <a:xfrm>
+            <a:off x="4800600" y="6459785"/>
+            <a:ext cx="4648200" cy="365125"/>
+          </a:xfrm>
+        </p:spPr>
+        <p:txBody>
+          <a:bodyPr/>
+          <a:lstStyle>
+            <a:lvl1pPr algn="l">
+              <a:defRPr>
+                <a:solidFill>
+                  <a:schemeClr val="tx2"/>
+                </a:solidFill>
+              </a:defRPr>
+            </a:lvl1pPr>
+          </a:lstStyle>
+          <a:p>
+            <a:endParaRPr lang="it-IT"/>
+          </a:p>
+        </p:txBody>
+      </p:sp>
+      <p:sp>
+        <p:nvSpPr>
+          <p:cNvPr id="7" name="Slide Number Placeholder 6"/>
+          <p:cNvSpPr>
+            <a:spLocks noGrp="1"/>
+          </p:cNvSpPr>
+          <p:nvPr>
+            <p:ph type="sldNum" sz="quarter" idx="12"/>
+          </p:nvPr>
+        </p:nvSpPr>
+        <p:spPr/>
         <p:txBody>
           <a:bodyPr/>
           <a:lstStyle>
             <a:lvl1pPr>
-              <a:defRPr sz="3200"/>
+              <a:defRPr>
+                <a:solidFill>
+                  <a:schemeClr val="tx2"/>
+                </a:solidFill>
+              </a:defRPr>
             </a:lvl1pPr>
-            <a:lvl2pPr>
-              <a:defRPr sz="2800"/>
-            </a:lvl2pPr>
-            <a:lvl3pPr>
-              <a:defRPr sz="2400"/>
-            </a:lvl3pPr>
-            <a:lvl4pPr>
-              <a:defRPr sz="2000"/>
-            </a:lvl4pPr>
-            <a:lvl5pPr>
-              <a:defRPr sz="2000"/>
-            </a:lvl5pPr>
-            <a:lvl6pPr>
-              <a:defRPr sz="2000"/>
-            </a:lvl6pPr>
-            <a:lvl7pPr>
-              <a:defRPr sz="2000"/>
-            </a:lvl7pPr>
-            <a:lvl8pPr>
-              <a:defRPr sz="2000"/>
-            </a:lvl8pPr>
-            <a:lvl9pPr>
-              <a:defRPr sz="2000"/>
-            </a:lvl9pPr>
           </a:lstStyle>
           <a:p>
-            <a:pPr lvl="0"/>
-            <a:r>
+            <a:fld id="{1B29E90A-79A6-4357-BA0E-73A707E87A6D}" type="slidenum">
               <a:rPr lang="it-IT" smtClean="0"/>
-              <a:t>Modifica gli stili del testo dello schema</a:t>
-            </a:r>
-          </a:p>
-          <a:p>
-            <a:pPr lvl="1"/>
-            <a:r>
-              <a:rPr lang="it-IT" smtClean="0"/>
-              <a:t>Secondo livello</a:t>
-            </a:r>
-          </a:p>
-          <a:p>
-            <a:pPr lvl="2"/>
-            <a:r>
-              <a:rPr lang="it-IT" smtClean="0"/>
-              <a:t>Terzo livello</a:t>
-            </a:r>
-          </a:p>
-          <a:p>
-            <a:pPr lvl="3"/>
-            <a:r>
-              <a:rPr lang="it-IT" smtClean="0"/>
-              <a:t>Quarto livello</a:t>
-            </a:r>
-          </a:p>
-          <a:p>
-            <a:pPr lvl="4"/>
-            <a:r>
-              <a:rPr lang="it-IT" smtClean="0"/>
-              <a:t>Quinto livello</a:t>
-            </a:r>
-            <a:endParaRPr lang="it-IT"/>
-          </a:p>
-        </p:txBody>
-      </p:sp>
-      <p:sp>
-        <p:nvSpPr>
-          <p:cNvPr id="4" name="Segnaposto testo 3"/>
-          <p:cNvSpPr>
-            <a:spLocks noGrp="1"/>
-          </p:cNvSpPr>
-          <p:nvPr>
-            <p:ph type="body" sz="half" idx="2"/>
-          </p:nvPr>
-        </p:nvSpPr>
-        <p:spPr>
-          <a:xfrm>
-            <a:off x="839788" y="2057400"/>
-            <a:ext cx="3932237" cy="3811588"/>
-          </a:xfrm>
-        </p:spPr>
-        <p:txBody>
-          <a:bodyPr/>
-          <a:lstStyle>
-            <a:lvl1pPr marL="0" indent="0">
-              <a:buNone/>
-              <a:defRPr sz="1600"/>
-            </a:lvl1pPr>
-            <a:lvl2pPr marL="457200" indent="0">
-              <a:buNone/>
-              <a:defRPr sz="1400"/>
-            </a:lvl2pPr>
-            <a:lvl3pPr marL="914400" indent="0">
-              <a:buNone/>
-              <a:defRPr sz="1200"/>
-            </a:lvl3pPr>
-            <a:lvl4pPr marL="1371600" indent="0">
-              <a:buNone/>
-              <a:defRPr sz="1000"/>
-            </a:lvl4pPr>
-            <a:lvl5pPr marL="1828800" indent="0">
-              <a:buNone/>
-              <a:defRPr sz="1000"/>
-            </a:lvl5pPr>
-            <a:lvl6pPr marL="2286000" indent="0">
-              <a:buNone/>
-              <a:defRPr sz="1000"/>
-            </a:lvl6pPr>
-            <a:lvl7pPr marL="2743200" indent="0">
-              <a:buNone/>
-              <a:defRPr sz="1000"/>
-            </a:lvl7pPr>
-            <a:lvl8pPr marL="3200400" indent="0">
-              <a:buNone/>
-              <a:defRPr sz="1000"/>
-            </a:lvl8pPr>
-            <a:lvl9pPr marL="3657600" indent="0">
-              <a:buNone/>
-              <a:defRPr sz="1000"/>
-            </a:lvl9pPr>
-          </a:lstStyle>
-          <a:p>
-            <a:pPr lvl="0"/>
-            <a:r>
-              <a:rPr lang="it-IT" smtClean="0"/>
-              <a:t>Modifica gli stili del testo dello schema</a:t>
-            </a:r>
-          </a:p>
-        </p:txBody>
-      </p:sp>
-      <p:sp>
-        <p:nvSpPr>
-          <p:cNvPr id="5" name="Segnaposto data 4"/>
-          <p:cNvSpPr>
-            <a:spLocks noGrp="1"/>
-          </p:cNvSpPr>
-          <p:nvPr>
-            <p:ph type="dt" sz="half" idx="10"/>
-          </p:nvPr>
-        </p:nvSpPr>
-        <p:spPr/>
-        <p:txBody>
-          <a:bodyPr/>
-          <a:lstStyle/>
-          <a:p>
-            <a:fld id="{D400A843-E78D-45FE-BBE0-0DFBB922583B}" type="datetimeFigureOut">
-              <a:rPr lang="it-IT" smtClean="0"/>
-              <a:t>28/11/2017</a:t>
+              <a:t>‹#›</a:t>
             </a:fld>
             <a:endParaRPr lang="it-IT"/>
           </a:p>
         </p:txBody>
       </p:sp>
-      <p:sp>
-        <p:nvSpPr>
-          <p:cNvPr id="6" name="Segnaposto piè di pagina 5"/>
-          <p:cNvSpPr>
-            <a:spLocks noGrp="1"/>
-          </p:cNvSpPr>
-          <p:nvPr>
-            <p:ph type="ftr" sz="quarter" idx="11"/>
-          </p:nvPr>
-        </p:nvSpPr>
-        <p:spPr/>
-        <p:txBody>
-          <a:bodyPr/>
-          <a:lstStyle/>
-          <a:p>
-            <a:endParaRPr lang="it-IT"/>
-          </a:p>
-        </p:txBody>
-      </p:sp>
-      <p:sp>
-        <p:nvSpPr>
-          <p:cNvPr id="7" name="Segnaposto numero diapositiva 6"/>
-          <p:cNvSpPr>
-            <a:spLocks noGrp="1"/>
-          </p:cNvSpPr>
-          <p:nvPr>
-            <p:ph type="sldNum" sz="quarter" idx="12"/>
-          </p:nvPr>
-        </p:nvSpPr>
-        <p:spPr/>
-        <p:txBody>
-          <a:bodyPr/>
-          <a:lstStyle/>
-          <a:p>
-            <a:fld id="{1B29E90A-79A6-4357-BA0E-73A707E87A6D}" type="slidenum">
-              <a:rPr lang="it-IT" smtClean="0"/>
-              <a:t>‹N›</a:t>
-            </a:fld>
-            <a:endParaRPr lang="it-IT"/>
-          </a:p>
-        </p:txBody>
-      </p:sp>
     </p:spTree>
-    <p:extLst>
-      <p:ext uri="{BB962C8B-B14F-4D97-AF65-F5344CB8AC3E}">
-        <p14:creationId xmlns:p14="http://schemas.microsoft.com/office/powerpoint/2010/main" val="1646411069"/>
-      </p:ext>
-    </p:extLst>
   </p:cSld>
   <p:clrMapOvr>
     <a:masterClrMapping/>
@@ -2165,8 +3164,8 @@
 </file>
 
 <file path=ppt/slideLayouts/slideLayout9.xml><?xml version="1.0" encoding="utf-8"?>
-<p:sldLayout xmlns:a="http://schemas.openxmlformats.org/drawingml/2006/main" xmlns:r="http://schemas.openxmlformats.org/officeDocument/2006/relationships" xmlns:p="http://schemas.openxmlformats.org/presentationml/2006/main" type="picTx" preserve="1">
-  <p:cSld name="Immagine con didascalia">
+<p:sldLayout xmlns:a="http://schemas.openxmlformats.org/drawingml/2006/main" xmlns:r="http://schemas.openxmlformats.org/officeDocument/2006/relationships" xmlns:p="http://schemas.openxmlformats.org/presentationml/2006/main" showMasterSp="0" type="picTx" preserve="1">
+  <p:cSld name="Picture with Caption">
     <p:spTree>
       <p:nvGrpSpPr>
         <p:cNvPr id="1" name=""/>
@@ -2183,41 +3182,123 @@
       </p:grpSpPr>
       <p:sp>
         <p:nvSpPr>
-          <p:cNvPr id="2" name="Titolo 1"/>
-          <p:cNvSpPr>
-            <a:spLocks noGrp="1"/>
-          </p:cNvSpPr>
-          <p:nvPr>
-            <p:ph type="title"/>
-          </p:nvPr>
+          <p:cNvPr id="8" name="Rectangle 7"/>
+          <p:cNvSpPr/>
+          <p:nvPr/>
         </p:nvSpPr>
         <p:spPr>
           <a:xfrm>
-            <a:off x="839788" y="457200"/>
-            <a:ext cx="3932237" cy="1600200"/>
+            <a:off x="0" y="4953000"/>
+            <a:ext cx="12188825" cy="1905000"/>
+          </a:xfrm>
+          <a:prstGeom prst="rect">
+            <a:avLst/>
+          </a:prstGeom>
+          <a:solidFill>
+            <a:schemeClr val="accent2"/>
+          </a:solidFill>
+          <a:ln>
+            <a:noFill/>
+          </a:ln>
+        </p:spPr>
+        <p:style>
+          <a:lnRef idx="2">
+            <a:schemeClr val="accent1">
+              <a:shade val="50000"/>
+            </a:schemeClr>
+          </a:lnRef>
+          <a:fillRef idx="1">
+            <a:schemeClr val="accent1"/>
+          </a:fillRef>
+          <a:effectRef idx="0">
+            <a:schemeClr val="accent1"/>
+          </a:effectRef>
+          <a:fontRef idx="minor">
+            <a:schemeClr val="lt1"/>
+          </a:fontRef>
+        </p:style>
+      </p:sp>
+      <p:sp>
+        <p:nvSpPr>
+          <p:cNvPr id="9" name="Rectangle 8"/>
+          <p:cNvSpPr/>
+          <p:nvPr/>
+        </p:nvSpPr>
+        <p:spPr>
+          <a:xfrm>
+            <a:off x="15" y="4915076"/>
+            <a:ext cx="12188825" cy="64008"/>
+          </a:xfrm>
+          <a:prstGeom prst="rect">
+            <a:avLst/>
+          </a:prstGeom>
+          <a:solidFill>
+            <a:schemeClr val="accent1"/>
+          </a:solidFill>
+          <a:ln>
+            <a:noFill/>
+          </a:ln>
+        </p:spPr>
+        <p:style>
+          <a:lnRef idx="2">
+            <a:schemeClr val="accent1">
+              <a:shade val="50000"/>
+            </a:schemeClr>
+          </a:lnRef>
+          <a:fillRef idx="1">
+            <a:schemeClr val="accent1"/>
+          </a:fillRef>
+          <a:effectRef idx="0">
+            <a:schemeClr val="accent1"/>
+          </a:effectRef>
+          <a:fontRef idx="minor">
+            <a:schemeClr val="lt1"/>
+          </a:fontRef>
+        </p:style>
+      </p:sp>
+      <p:sp>
+        <p:nvSpPr>
+          <p:cNvPr id="2" name="Title 1"/>
+          <p:cNvSpPr>
+            <a:spLocks noGrp="1"/>
+          </p:cNvSpPr>
+          <p:nvPr>
+            <p:ph type="title"/>
+          </p:nvPr>
+        </p:nvSpPr>
+        <p:spPr>
+          <a:xfrm>
+            <a:off x="1097280" y="5074920"/>
+            <a:ext cx="10113264" cy="822960"/>
           </a:xfrm>
         </p:spPr>
         <p:txBody>
-          <a:bodyPr anchor="b"/>
+          <a:bodyPr lIns="91440" tIns="0" rIns="91440" bIns="0" anchor="b">
+            <a:noAutofit/>
+          </a:bodyPr>
           <a:lstStyle>
             <a:lvl1pPr>
-              <a:defRPr sz="3200"/>
+              <a:defRPr sz="3600" b="0">
+                <a:solidFill>
+                  <a:srgbClr val="FFFFFF"/>
+                </a:solidFill>
+              </a:defRPr>
             </a:lvl1pPr>
           </a:lstStyle>
           <a:p>
             <a:r>
-              <a:rPr lang="it-IT" smtClean="0"/>
-              <a:t>Fare clic per modificare lo stile del titolo</a:t>
-            </a:r>
-            <a:endParaRPr lang="it-IT"/>
-          </a:p>
-        </p:txBody>
-      </p:sp>
-      <p:sp>
-        <p:nvSpPr>
-          <p:cNvPr id="3" name="Segnaposto immagine 2"/>
-          <p:cNvSpPr>
-            <a:spLocks noGrp="1"/>
+              <a:rPr lang="en-US" smtClean="0"/>
+              <a:t>Click to edit Master title style</a:t>
+            </a:r>
+            <a:endParaRPr lang="en-US" dirty="0"/>
+          </a:p>
+        </p:txBody>
+      </p:sp>
+      <p:sp>
+        <p:nvSpPr>
+          <p:cNvPr id="3" name="Picture Placeholder 2"/>
+          <p:cNvSpPr>
+            <a:spLocks noGrp="1" noChangeAspect="1"/>
           </p:cNvSpPr>
           <p:nvPr>
             <p:ph type="pic" idx="1"/>
@@ -2225,16 +3306,23 @@
         </p:nvSpPr>
         <p:spPr>
           <a:xfrm>
-            <a:off x="5183188" y="987425"/>
-            <a:ext cx="6172200" cy="4873625"/>
+            <a:off x="15" y="0"/>
+            <a:ext cx="12191985" cy="4915076"/>
           </a:xfrm>
+          <a:solidFill>
+            <a:schemeClr val="accent2"/>
+          </a:solidFill>
         </p:spPr>
         <p:txBody>
-          <a:bodyPr/>
+          <a:bodyPr lIns="457200" tIns="457200" anchor="t"/>
           <a:lstStyle>
             <a:lvl1pPr marL="0" indent="0">
               <a:buNone/>
-              <a:defRPr sz="3200"/>
+              <a:defRPr sz="3200">
+                <a:solidFill>
+                  <a:schemeClr val="bg1"/>
+                </a:solidFill>
+              </a:defRPr>
             </a:lvl1pPr>
             <a:lvl2pPr marL="457200" indent="0">
               <a:buNone/>
@@ -2270,13 +3358,17 @@
             </a:lvl9pPr>
           </a:lstStyle>
           <a:p>
-            <a:endParaRPr lang="it-IT"/>
-          </a:p>
-        </p:txBody>
-      </p:sp>
-      <p:sp>
-        <p:nvSpPr>
-          <p:cNvPr id="4" name="Segnaposto testo 3"/>
+            <a:r>
+              <a:rPr lang="en-US" smtClean="0"/>
+              <a:t>Drag picture to placeholder or click icon to add</a:t>
+            </a:r>
+            <a:endParaRPr lang="en-US" dirty="0"/>
+          </a:p>
+        </p:txBody>
+      </p:sp>
+      <p:sp>
+        <p:nvSpPr>
+          <p:cNvPr id="4" name="Text Placeholder 3"/>
           <p:cNvSpPr>
             <a:spLocks noGrp="1"/>
           </p:cNvSpPr>
@@ -2286,62 +3378,74 @@
         </p:nvSpPr>
         <p:spPr>
           <a:xfrm>
-            <a:off x="839788" y="2057400"/>
-            <a:ext cx="3932237" cy="3811588"/>
+            <a:off x="1097280" y="5907023"/>
+            <a:ext cx="10113264" cy="594360"/>
           </a:xfrm>
         </p:spPr>
         <p:txBody>
-          <a:bodyPr/>
+          <a:bodyPr lIns="91440" tIns="0" rIns="91440" bIns="0">
+            <a:normAutofit/>
+          </a:bodyPr>
           <a:lstStyle>
             <a:lvl1pPr marL="0" indent="0">
+              <a:spcBef>
+                <a:spcPts val="0"/>
+              </a:spcBef>
+              <a:spcAft>
+                <a:spcPts val="600"/>
+              </a:spcAft>
               <a:buNone/>
-              <a:defRPr sz="1600"/>
+              <a:defRPr sz="1500">
+                <a:solidFill>
+                  <a:srgbClr val="FFFFFF"/>
+                </a:solidFill>
+              </a:defRPr>
             </a:lvl1pPr>
             <a:lvl2pPr marL="457200" indent="0">
               <a:buNone/>
-              <a:defRPr sz="1400"/>
+              <a:defRPr sz="1200"/>
             </a:lvl2pPr>
             <a:lvl3pPr marL="914400" indent="0">
               <a:buNone/>
-              <a:defRPr sz="1200"/>
+              <a:defRPr sz="1000"/>
             </a:lvl3pPr>
             <a:lvl4pPr marL="1371600" indent="0">
               <a:buNone/>
-              <a:defRPr sz="1000"/>
+              <a:defRPr sz="900"/>
             </a:lvl4pPr>
             <a:lvl5pPr marL="1828800" indent="0">
               <a:buNone/>
-              <a:defRPr sz="1000"/>
+              <a:defRPr sz="900"/>
             </a:lvl5pPr>
             <a:lvl6pPr marL="2286000" indent="0">
               <a:buNone/>
-              <a:defRPr sz="1000"/>
+              <a:defRPr sz="900"/>
             </a:lvl6pPr>
             <a:lvl7pPr marL="2743200" indent="0">
               <a:buNone/>
-              <a:defRPr sz="1000"/>
+              <a:defRPr sz="900"/>
             </a:lvl7pPr>
             <a:lvl8pPr marL="3200400" indent="0">
               <a:buNone/>
-              <a:defRPr sz="1000"/>
+              <a:defRPr sz="900"/>
             </a:lvl8pPr>
             <a:lvl9pPr marL="3657600" indent="0">
               <a:buNone/>
-              <a:defRPr sz="1000"/>
+              <a:defRPr sz="900"/>
             </a:lvl9pPr>
           </a:lstStyle>
           <a:p>
             <a:pPr lvl="0"/>
             <a:r>
-              <a:rPr lang="it-IT" smtClean="0"/>
-              <a:t>Modifica gli stili del testo dello schema</a:t>
-            </a:r>
-          </a:p>
-        </p:txBody>
-      </p:sp>
-      <p:sp>
-        <p:nvSpPr>
-          <p:cNvPr id="5" name="Segnaposto data 4"/>
+              <a:rPr lang="en-US" smtClean="0"/>
+              <a:t>Click to edit Master text styles</a:t>
+            </a:r>
+          </a:p>
+        </p:txBody>
+      </p:sp>
+      <p:sp>
+        <p:nvSpPr>
+          <p:cNvPr id="5" name="Date Placeholder 4"/>
           <p:cNvSpPr>
             <a:spLocks noGrp="1"/>
           </p:cNvSpPr>
@@ -2356,7 +3460,7 @@
           <a:p>
             <a:fld id="{D400A843-E78D-45FE-BBE0-0DFBB922583B}" type="datetimeFigureOut">
               <a:rPr lang="it-IT" smtClean="0"/>
-              <a:t>28/11/2017</a:t>
+              <a:t>01/12/17</a:t>
             </a:fld>
             <a:endParaRPr lang="it-IT"/>
           </a:p>
@@ -2364,7 +3468,7 @@
       </p:sp>
       <p:sp>
         <p:nvSpPr>
-          <p:cNvPr id="6" name="Segnaposto piè di pagina 5"/>
+          <p:cNvPr id="6" name="Footer Placeholder 5"/>
           <p:cNvSpPr>
             <a:spLocks noGrp="1"/>
           </p:cNvSpPr>
@@ -2377,13 +3481,13 @@
           <a:bodyPr/>
           <a:lstStyle/>
           <a:p>
-            <a:endParaRPr lang="it-IT"/>
-          </a:p>
-        </p:txBody>
-      </p:sp>
-      <p:sp>
-        <p:nvSpPr>
-          <p:cNvPr id="7" name="Segnaposto numero diapositiva 6"/>
+            <a:endParaRPr lang="en-US" dirty="0"/>
+          </a:p>
+        </p:txBody>
+      </p:sp>
+      <p:sp>
+        <p:nvSpPr>
+          <p:cNvPr id="7" name="Slide Number Placeholder 6"/>
           <p:cNvSpPr>
             <a:spLocks noGrp="1"/>
           </p:cNvSpPr>
@@ -2398,18 +3502,13 @@
           <a:p>
             <a:fld id="{1B29E90A-79A6-4357-BA0E-73A707E87A6D}" type="slidenum">
               <a:rPr lang="it-IT" smtClean="0"/>
-              <a:t>‹N›</a:t>
+              <a:t>‹#›</a:t>
             </a:fld>
             <a:endParaRPr lang="it-IT"/>
           </a:p>
         </p:txBody>
       </p:sp>
     </p:spTree>
-    <p:extLst>
-      <p:ext uri="{BB962C8B-B14F-4D97-AF65-F5344CB8AC3E}">
-        <p14:creationId xmlns:p14="http://schemas.microsoft.com/office/powerpoint/2010/main" val="4190086556"/>
-      </p:ext>
-    </p:extLst>
   </p:cSld>
   <p:clrMapOvr>
     <a:masterClrMapping/>
@@ -2441,40 +3540,116 @@
       </p:grpSpPr>
       <p:sp>
         <p:nvSpPr>
-          <p:cNvPr id="2" name="Segnaposto titolo 1"/>
-          <p:cNvSpPr>
-            <a:spLocks noGrp="1"/>
-          </p:cNvSpPr>
-          <p:nvPr>
-            <p:ph type="title"/>
-          </p:nvPr>
+          <p:cNvPr id="7" name="Rectangle 6"/>
+          <p:cNvSpPr/>
+          <p:nvPr/>
         </p:nvSpPr>
         <p:spPr>
           <a:xfrm>
-            <a:off x="838200" y="365125"/>
-            <a:ext cx="10515600" cy="1325563"/>
+            <a:off x="1" y="6400800"/>
+            <a:ext cx="12192000" cy="457200"/>
+          </a:xfrm>
+          <a:prstGeom prst="rect">
+            <a:avLst/>
+          </a:prstGeom>
+          <a:solidFill>
+            <a:schemeClr val="accent2"/>
+          </a:solidFill>
+          <a:ln>
+            <a:noFill/>
+          </a:ln>
+        </p:spPr>
+        <p:style>
+          <a:lnRef idx="2">
+            <a:schemeClr val="accent1">
+              <a:shade val="50000"/>
+            </a:schemeClr>
+          </a:lnRef>
+          <a:fillRef idx="1">
+            <a:schemeClr val="accent1"/>
+          </a:fillRef>
+          <a:effectRef idx="0">
+            <a:schemeClr val="accent1"/>
+          </a:effectRef>
+          <a:fontRef idx="minor">
+            <a:schemeClr val="lt1"/>
+          </a:fontRef>
+        </p:style>
+      </p:sp>
+      <p:sp>
+        <p:nvSpPr>
+          <p:cNvPr id="9" name="Rectangle 8"/>
+          <p:cNvSpPr/>
+          <p:nvPr/>
+        </p:nvSpPr>
+        <p:spPr>
+          <a:xfrm>
+            <a:off x="0" y="6334316"/>
+            <a:ext cx="12192001" cy="65998"/>
+          </a:xfrm>
+          <a:prstGeom prst="rect">
+            <a:avLst/>
+          </a:prstGeom>
+          <a:solidFill>
+            <a:schemeClr val="accent1"/>
+          </a:solidFill>
+          <a:ln>
+            <a:noFill/>
+          </a:ln>
+        </p:spPr>
+        <p:style>
+          <a:lnRef idx="2">
+            <a:schemeClr val="accent1">
+              <a:shade val="50000"/>
+            </a:schemeClr>
+          </a:lnRef>
+          <a:fillRef idx="1">
+            <a:schemeClr val="accent1"/>
+          </a:fillRef>
+          <a:effectRef idx="0">
+            <a:schemeClr val="accent1"/>
+          </a:effectRef>
+          <a:fontRef idx="minor">
+            <a:schemeClr val="lt1"/>
+          </a:fontRef>
+        </p:style>
+      </p:sp>
+      <p:sp>
+        <p:nvSpPr>
+          <p:cNvPr id="2" name="Title Placeholder 1"/>
+          <p:cNvSpPr>
+            <a:spLocks noGrp="1"/>
+          </p:cNvSpPr>
+          <p:nvPr>
+            <p:ph type="title"/>
+          </p:nvPr>
+        </p:nvSpPr>
+        <p:spPr>
+          <a:xfrm>
+            <a:off x="1097280" y="286603"/>
+            <a:ext cx="10058400" cy="1450757"/>
           </a:xfrm>
           <a:prstGeom prst="rect">
             <a:avLst/>
           </a:prstGeom>
         </p:spPr>
         <p:txBody>
-          <a:bodyPr vert="horz" lIns="91440" tIns="45720" rIns="91440" bIns="45720" rtlCol="0" anchor="ctr">
+          <a:bodyPr vert="horz" lIns="91440" tIns="45720" rIns="91440" bIns="45720" rtlCol="0" anchor="b">
             <a:normAutofit/>
           </a:bodyPr>
           <a:lstStyle/>
           <a:p>
             <a:r>
-              <a:rPr lang="it-IT" smtClean="0"/>
-              <a:t>Fare clic per modificare lo stile del titolo</a:t>
-            </a:r>
-            <a:endParaRPr lang="it-IT"/>
-          </a:p>
-        </p:txBody>
-      </p:sp>
-      <p:sp>
-        <p:nvSpPr>
-          <p:cNvPr id="3" name="Segnaposto testo 2"/>
+              <a:rPr lang="en-US" smtClean="0"/>
+              <a:t>Click to edit Master title style</a:t>
+            </a:r>
+            <a:endParaRPr lang="en-US" dirty="0"/>
+          </a:p>
+        </p:txBody>
+      </p:sp>
+      <p:sp>
+        <p:nvSpPr>
+          <p:cNvPr id="3" name="Text Placeholder 2"/>
           <p:cNvSpPr>
             <a:spLocks noGrp="1"/>
           </p:cNvSpPr>
@@ -2484,59 +3659,59 @@
         </p:nvSpPr>
         <p:spPr>
           <a:xfrm>
-            <a:off x="838200" y="1825625"/>
-            <a:ext cx="10515600" cy="4351338"/>
+            <a:off x="1097280" y="1845734"/>
+            <a:ext cx="10058400" cy="4023360"/>
           </a:xfrm>
           <a:prstGeom prst="rect">
             <a:avLst/>
           </a:prstGeom>
         </p:spPr>
         <p:txBody>
-          <a:bodyPr vert="horz" lIns="91440" tIns="45720" rIns="91440" bIns="45720" rtlCol="0">
+          <a:bodyPr vert="horz" lIns="0" tIns="45720" rIns="0" bIns="45720" rtlCol="0">
             <a:normAutofit/>
           </a:bodyPr>
           <a:lstStyle/>
           <a:p>
             <a:pPr lvl="0"/>
             <a:r>
-              <a:rPr lang="it-IT" smtClean="0"/>
-              <a:t>Modifica gli stili del testo dello schema</a:t>
+              <a:rPr lang="en-US" smtClean="0"/>
+              <a:t>Click to edit Master text styles</a:t>
             </a:r>
           </a:p>
           <a:p>
             <a:pPr lvl="1"/>
             <a:r>
-              <a:rPr lang="it-IT" smtClean="0"/>
-              <a:t>Secondo livello</a:t>
+              <a:rPr lang="en-US" smtClean="0"/>
+              <a:t>Second level</a:t>
             </a:r>
           </a:p>
           <a:p>
             <a:pPr lvl="2"/>
             <a:r>
-              <a:rPr lang="it-IT" smtClean="0"/>
-              <a:t>Terzo livello</a:t>
+              <a:rPr lang="en-US" smtClean="0"/>
+              <a:t>Third level</a:t>
             </a:r>
           </a:p>
           <a:p>
             <a:pPr lvl="3"/>
             <a:r>
-              <a:rPr lang="it-IT" smtClean="0"/>
-              <a:t>Quarto livello</a:t>
+              <a:rPr lang="en-US" smtClean="0"/>
+              <a:t>Fourth level</a:t>
             </a:r>
           </a:p>
           <a:p>
             <a:pPr lvl="4"/>
             <a:r>
-              <a:rPr lang="it-IT" smtClean="0"/>
-              <a:t>Quinto livello</a:t>
-            </a:r>
-            <a:endParaRPr lang="it-IT"/>
-          </a:p>
-        </p:txBody>
-      </p:sp>
-      <p:sp>
-        <p:nvSpPr>
-          <p:cNvPr id="4" name="Segnaposto data 3"/>
+              <a:rPr lang="en-US" smtClean="0"/>
+              <a:t>Fifth level</a:t>
+            </a:r>
+            <a:endParaRPr lang="en-US" dirty="0"/>
+          </a:p>
+        </p:txBody>
+      </p:sp>
+      <p:sp>
+        <p:nvSpPr>
+          <p:cNvPr id="4" name="Date Placeholder 3"/>
           <p:cNvSpPr>
             <a:spLocks noGrp="1"/>
           </p:cNvSpPr>
@@ -2546,8 +3721,8 @@
         </p:nvSpPr>
         <p:spPr>
           <a:xfrm>
-            <a:off x="838200" y="6356350"/>
-            <a:ext cx="2743200" cy="365125"/>
+            <a:off x="1097280" y="6459785"/>
+            <a:ext cx="2472271" cy="365125"/>
           </a:xfrm>
           <a:prstGeom prst="rect">
             <a:avLst/>
@@ -2557,11 +3732,9 @@
           <a:bodyPr vert="horz" lIns="91440" tIns="45720" rIns="91440" bIns="45720" rtlCol="0" anchor="ctr"/>
           <a:lstStyle>
             <a:lvl1pPr algn="l">
-              <a:defRPr sz="1200">
+              <a:defRPr sz="900">
                 <a:solidFill>
-                  <a:schemeClr val="tx1">
-                    <a:tint val="75000"/>
-                  </a:schemeClr>
+                  <a:srgbClr val="FFFFFF"/>
                 </a:solidFill>
               </a:defRPr>
             </a:lvl1pPr>
@@ -2569,7 +3742,7 @@
           <a:p>
             <a:fld id="{D400A843-E78D-45FE-BBE0-0DFBB922583B}" type="datetimeFigureOut">
               <a:rPr lang="it-IT" smtClean="0"/>
-              <a:t>28/11/2017</a:t>
+              <a:t>01/12/17</a:t>
             </a:fld>
             <a:endParaRPr lang="it-IT"/>
           </a:p>
@@ -2577,7 +3750,7 @@
       </p:sp>
       <p:sp>
         <p:nvSpPr>
-          <p:cNvPr id="5" name="Segnaposto piè di pagina 4"/>
+          <p:cNvPr id="5" name="Footer Placeholder 4"/>
           <p:cNvSpPr>
             <a:spLocks noGrp="1"/>
           </p:cNvSpPr>
@@ -2587,8 +3760,8 @@
         </p:nvSpPr>
         <p:spPr>
           <a:xfrm>
-            <a:off x="4038600" y="6356350"/>
-            <a:ext cx="4114800" cy="365125"/>
+            <a:off x="3686185" y="6459785"/>
+            <a:ext cx="4822804" cy="365125"/>
           </a:xfrm>
           <a:prstGeom prst="rect">
             <a:avLst/>
@@ -2598,11 +3771,9 @@
           <a:bodyPr vert="horz" lIns="91440" tIns="45720" rIns="91440" bIns="45720" rtlCol="0" anchor="ctr"/>
           <a:lstStyle>
             <a:lvl1pPr algn="ctr">
-              <a:defRPr sz="1200">
+              <a:defRPr sz="900" cap="all" baseline="0">
                 <a:solidFill>
-                  <a:schemeClr val="tx1">
-                    <a:tint val="75000"/>
-                  </a:schemeClr>
+                  <a:srgbClr val="FFFFFF"/>
                 </a:solidFill>
               </a:defRPr>
             </a:lvl1pPr>
@@ -2614,7 +3785,7 @@
       </p:sp>
       <p:sp>
         <p:nvSpPr>
-          <p:cNvPr id="6" name="Segnaposto numero diapositiva 5"/>
+          <p:cNvPr id="6" name="Slide Number Placeholder 5"/>
           <p:cNvSpPr>
             <a:spLocks noGrp="1"/>
           </p:cNvSpPr>
@@ -2624,8 +3795,8 @@
         </p:nvSpPr>
         <p:spPr>
           <a:xfrm>
-            <a:off x="8610600" y="6356350"/>
-            <a:ext cx="2743200" cy="365125"/>
+            <a:off x="9900458" y="6459785"/>
+            <a:ext cx="1312025" cy="365125"/>
           </a:xfrm>
           <a:prstGeom prst="rect">
             <a:avLst/>
@@ -2635,11 +3806,9 @@
           <a:bodyPr vert="horz" lIns="91440" tIns="45720" rIns="91440" bIns="45720" rtlCol="0" anchor="ctr"/>
           <a:lstStyle>
             <a:lvl1pPr algn="r">
-              <a:defRPr sz="1200">
+              <a:defRPr sz="1050">
                 <a:solidFill>
-                  <a:schemeClr val="tx1">
-                    <a:tint val="75000"/>
-                  </a:schemeClr>
+                  <a:srgbClr val="FFFFFF"/>
                 </a:solidFill>
               </a:defRPr>
             </a:lvl1pPr>
@@ -2647,46 +3816,87 @@
           <a:p>
             <a:fld id="{1B29E90A-79A6-4357-BA0E-73A707E87A6D}" type="slidenum">
               <a:rPr lang="it-IT" smtClean="0"/>
-              <a:t>‹N›</a:t>
+              <a:t>‹#›</a:t>
             </a:fld>
             <a:endParaRPr lang="it-IT"/>
           </a:p>
         </p:txBody>
       </p:sp>
+      <p:cxnSp>
+        <p:nvCxnSpPr>
+          <p:cNvPr id="10" name="Straight Connector 9"/>
+          <p:cNvCxnSpPr/>
+          <p:nvPr/>
+        </p:nvCxnSpPr>
+        <p:spPr>
+          <a:xfrm>
+            <a:off x="1193532" y="1737845"/>
+            <a:ext cx="9966960" cy="0"/>
+          </a:xfrm>
+          <a:prstGeom prst="line">
+            <a:avLst/>
+          </a:prstGeom>
+          <a:ln w="6350">
+            <a:solidFill>
+              <a:schemeClr val="tx1">
+                <a:lumMod val="50000"/>
+                <a:lumOff val="50000"/>
+              </a:schemeClr>
+            </a:solidFill>
+          </a:ln>
+        </p:spPr>
+        <p:style>
+          <a:lnRef idx="1">
+            <a:schemeClr val="accent1"/>
+          </a:lnRef>
+          <a:fillRef idx="0">
+            <a:schemeClr val="accent1"/>
+          </a:fillRef>
+          <a:effectRef idx="0">
+            <a:schemeClr val="accent1"/>
+          </a:effectRef>
+          <a:fontRef idx="minor">
+            <a:schemeClr val="tx1"/>
+          </a:fontRef>
+        </p:style>
+      </p:cxnSp>
     </p:spTree>
     <p:extLst>
       <p:ext uri="{BB962C8B-B14F-4D97-AF65-F5344CB8AC3E}">
-        <p14:creationId xmlns:p14="http://schemas.microsoft.com/office/powerpoint/2010/main" val="211438569"/>
+        <p14:creationId xmlns:p14="http://schemas.microsoft.com/office/powerpoint/2010/main" val="407512139"/>
       </p:ext>
     </p:extLst>
   </p:cSld>
   <p:clrMap bg1="lt1" tx1="dk1" bg2="lt2" tx2="dk2" accent1="accent1" accent2="accent2" accent3="accent3" accent4="accent4" accent5="accent5" accent6="accent6" hlink="hlink" folHlink="folHlink"/>
   <p:sldLayoutIdLst>
-    <p:sldLayoutId id="2147483649" r:id="rId1"/>
-    <p:sldLayoutId id="2147483650" r:id="rId2"/>
-    <p:sldLayoutId id="2147483651" r:id="rId3"/>
-    <p:sldLayoutId id="2147483652" r:id="rId4"/>
-    <p:sldLayoutId id="2147483653" r:id="rId5"/>
-    <p:sldLayoutId id="2147483654" r:id="rId6"/>
-    <p:sldLayoutId id="2147483655" r:id="rId7"/>
-    <p:sldLayoutId id="2147483656" r:id="rId8"/>
-    <p:sldLayoutId id="2147483657" r:id="rId9"/>
-    <p:sldLayoutId id="2147483658" r:id="rId10"/>
-    <p:sldLayoutId id="2147483659" r:id="rId11"/>
+    <p:sldLayoutId id="2147484293" r:id="rId1"/>
+    <p:sldLayoutId id="2147484294" r:id="rId2"/>
+    <p:sldLayoutId id="2147484295" r:id="rId3"/>
+    <p:sldLayoutId id="2147484296" r:id="rId4"/>
+    <p:sldLayoutId id="2147484297" r:id="rId5"/>
+    <p:sldLayoutId id="2147484298" r:id="rId6"/>
+    <p:sldLayoutId id="2147484299" r:id="rId7"/>
+    <p:sldLayoutId id="2147484300" r:id="rId8"/>
+    <p:sldLayoutId id="2147484301" r:id="rId9"/>
+    <p:sldLayoutId id="2147484302" r:id="rId10"/>
+    <p:sldLayoutId id="2147484303" r:id="rId11"/>
   </p:sldLayoutIdLst>
   <p:txStyles>
     <p:titleStyle>
       <a:lvl1pPr algn="l" defTabSz="914400" rtl="0" eaLnBrk="1" latinLnBrk="0" hangingPunct="1">
         <a:lnSpc>
-          <a:spcPct val="90000"/>
+          <a:spcPct val="85000"/>
         </a:lnSpc>
         <a:spcBef>
           <a:spcPct val="0"/>
         </a:spcBef>
         <a:buNone/>
-        <a:defRPr sz="4400" kern="1200">
+        <a:defRPr sz="4800" kern="1200" spc="-50" baseline="0">
           <a:solidFill>
-            <a:schemeClr val="tx1"/>
+            <a:schemeClr val="tx1">
+              <a:lumMod val="75000"/>
+              <a:lumOff val="25000"/>
+            </a:schemeClr>
           </a:solidFill>
           <a:latin typeface="+mj-lt"/>
           <a:ea typeface="+mj-ea"/>
@@ -2695,162 +3905,244 @@
       </a:lvl1pPr>
     </p:titleStyle>
     <p:bodyStyle>
-      <a:lvl1pPr marL="228600" indent="-228600" algn="l" defTabSz="914400" rtl="0" eaLnBrk="1" latinLnBrk="0" hangingPunct="1">
+      <a:lvl1pPr marL="91440" indent="-91440" algn="l" defTabSz="914400" rtl="0" eaLnBrk="1" latinLnBrk="0" hangingPunct="1">
         <a:lnSpc>
           <a:spcPct val="90000"/>
         </a:lnSpc>
         <a:spcBef>
-          <a:spcPts val="1000"/>
+          <a:spcPts val="1200"/>
         </a:spcBef>
-        <a:buFont typeface="Arial" panose="020B0604020202020204" pitchFamily="34" charset="0"/>
-        <a:buChar char="•"/>
-        <a:defRPr sz="2800" kern="1200">
+        <a:spcAft>
+          <a:spcPts val="200"/>
+        </a:spcAft>
+        <a:buClr>
+          <a:schemeClr val="accent1"/>
+        </a:buClr>
+        <a:buSzPct val="100000"/>
+        <a:buFont typeface="Calibri" panose="020F0502020204030204" pitchFamily="34" charset="0"/>
+        <a:buChar char=" "/>
+        <a:defRPr sz="2000" kern="1200">
           <a:solidFill>
-            <a:schemeClr val="tx1"/>
+            <a:schemeClr val="tx1">
+              <a:lumMod val="75000"/>
+              <a:lumOff val="25000"/>
+            </a:schemeClr>
           </a:solidFill>
           <a:latin typeface="+mn-lt"/>
           <a:ea typeface="+mn-ea"/>
           <a:cs typeface="+mn-cs"/>
         </a:defRPr>
       </a:lvl1pPr>
-      <a:lvl2pPr marL="685800" indent="-228600" algn="l" defTabSz="914400" rtl="0" eaLnBrk="1" latinLnBrk="0" hangingPunct="1">
+      <a:lvl2pPr marL="384048" indent="-182880" algn="l" defTabSz="914400" rtl="0" eaLnBrk="1" latinLnBrk="0" hangingPunct="1">
         <a:lnSpc>
           <a:spcPct val="90000"/>
         </a:lnSpc>
         <a:spcBef>
-          <a:spcPts val="500"/>
+          <a:spcPts val="200"/>
         </a:spcBef>
-        <a:buFont typeface="Arial" panose="020B0604020202020204" pitchFamily="34" charset="0"/>
-        <a:buChar char="•"/>
-        <a:defRPr sz="2400" kern="1200">
+        <a:spcAft>
+          <a:spcPts val="400"/>
+        </a:spcAft>
+        <a:buClr>
+          <a:schemeClr val="accent1"/>
+        </a:buClr>
+        <a:buFont typeface="Calibri" pitchFamily="34" charset="0"/>
+        <a:buChar char="◦"/>
+        <a:defRPr sz="1800" kern="1200">
           <a:solidFill>
-            <a:schemeClr val="tx1"/>
+            <a:schemeClr val="tx1">
+              <a:lumMod val="75000"/>
+              <a:lumOff val="25000"/>
+            </a:schemeClr>
           </a:solidFill>
           <a:latin typeface="+mn-lt"/>
           <a:ea typeface="+mn-ea"/>
           <a:cs typeface="+mn-cs"/>
         </a:defRPr>
       </a:lvl2pPr>
-      <a:lvl3pPr marL="1143000" indent="-228600" algn="l" defTabSz="914400" rtl="0" eaLnBrk="1" latinLnBrk="0" hangingPunct="1">
+      <a:lvl3pPr marL="566928" indent="-182880" algn="l" defTabSz="914400" rtl="0" eaLnBrk="1" latinLnBrk="0" hangingPunct="1">
         <a:lnSpc>
           <a:spcPct val="90000"/>
         </a:lnSpc>
         <a:spcBef>
-          <a:spcPts val="500"/>
+          <a:spcPts val="200"/>
         </a:spcBef>
-        <a:buFont typeface="Arial" panose="020B0604020202020204" pitchFamily="34" charset="0"/>
-        <a:buChar char="•"/>
-        <a:defRPr sz="2000" kern="1200">
+        <a:spcAft>
+          <a:spcPts val="400"/>
+        </a:spcAft>
+        <a:buClr>
+          <a:schemeClr val="accent1"/>
+        </a:buClr>
+        <a:buFont typeface="Calibri" pitchFamily="34" charset="0"/>
+        <a:buChar char="◦"/>
+        <a:defRPr sz="1400" kern="1200">
           <a:solidFill>
-            <a:schemeClr val="tx1"/>
+            <a:schemeClr val="tx1">
+              <a:lumMod val="75000"/>
+              <a:lumOff val="25000"/>
+            </a:schemeClr>
           </a:solidFill>
           <a:latin typeface="+mn-lt"/>
           <a:ea typeface="+mn-ea"/>
           <a:cs typeface="+mn-cs"/>
         </a:defRPr>
       </a:lvl3pPr>
-      <a:lvl4pPr marL="1600200" indent="-228600" algn="l" defTabSz="914400" rtl="0" eaLnBrk="1" latinLnBrk="0" hangingPunct="1">
+      <a:lvl4pPr marL="749808" indent="-182880" algn="l" defTabSz="914400" rtl="0" eaLnBrk="1" latinLnBrk="0" hangingPunct="1">
         <a:lnSpc>
           <a:spcPct val="90000"/>
         </a:lnSpc>
         <a:spcBef>
-          <a:spcPts val="500"/>
+          <a:spcPts val="200"/>
         </a:spcBef>
-        <a:buFont typeface="Arial" panose="020B0604020202020204" pitchFamily="34" charset="0"/>
-        <a:buChar char="•"/>
-        <a:defRPr sz="1800" kern="1200">
+        <a:spcAft>
+          <a:spcPts val="400"/>
+        </a:spcAft>
+        <a:buClr>
+          <a:schemeClr val="accent1"/>
+        </a:buClr>
+        <a:buFont typeface="Calibri" pitchFamily="34" charset="0"/>
+        <a:buChar char="◦"/>
+        <a:defRPr sz="1400" kern="1200">
           <a:solidFill>
-            <a:schemeClr val="tx1"/>
+            <a:schemeClr val="tx1">
+              <a:lumMod val="75000"/>
+              <a:lumOff val="25000"/>
+            </a:schemeClr>
           </a:solidFill>
           <a:latin typeface="+mn-lt"/>
           <a:ea typeface="+mn-ea"/>
           <a:cs typeface="+mn-cs"/>
         </a:defRPr>
       </a:lvl4pPr>
-      <a:lvl5pPr marL="2057400" indent="-228600" algn="l" defTabSz="914400" rtl="0" eaLnBrk="1" latinLnBrk="0" hangingPunct="1">
+      <a:lvl5pPr marL="932688" indent="-182880" algn="l" defTabSz="914400" rtl="0" eaLnBrk="1" latinLnBrk="0" hangingPunct="1">
         <a:lnSpc>
           <a:spcPct val="90000"/>
         </a:lnSpc>
         <a:spcBef>
-          <a:spcPts val="500"/>
+          <a:spcPts val="200"/>
         </a:spcBef>
-        <a:buFont typeface="Arial" panose="020B0604020202020204" pitchFamily="34" charset="0"/>
-        <a:buChar char="•"/>
-        <a:defRPr sz="1800" kern="1200">
+        <a:spcAft>
+          <a:spcPts val="400"/>
+        </a:spcAft>
+        <a:buClr>
+          <a:schemeClr val="accent1"/>
+        </a:buClr>
+        <a:buFont typeface="Calibri" pitchFamily="34" charset="0"/>
+        <a:buChar char="◦"/>
+        <a:defRPr sz="1400" kern="1200">
           <a:solidFill>
-            <a:schemeClr val="tx1"/>
+            <a:schemeClr val="tx1">
+              <a:lumMod val="75000"/>
+              <a:lumOff val="25000"/>
+            </a:schemeClr>
           </a:solidFill>
           <a:latin typeface="+mn-lt"/>
           <a:ea typeface="+mn-ea"/>
           <a:cs typeface="+mn-cs"/>
         </a:defRPr>
       </a:lvl5pPr>
-      <a:lvl6pPr marL="2514600" indent="-228600" algn="l" defTabSz="914400" rtl="0" eaLnBrk="1" latinLnBrk="0" hangingPunct="1">
+      <a:lvl6pPr marL="1100000" indent="-228600" algn="l" defTabSz="914400" rtl="0" eaLnBrk="1" latinLnBrk="0" hangingPunct="1">
         <a:lnSpc>
           <a:spcPct val="90000"/>
         </a:lnSpc>
         <a:spcBef>
-          <a:spcPts val="500"/>
+          <a:spcPts val="200"/>
         </a:spcBef>
-        <a:buFont typeface="Arial" panose="020B0604020202020204" pitchFamily="34" charset="0"/>
-        <a:buChar char="•"/>
-        <a:defRPr sz="1800" kern="1200">
+        <a:spcAft>
+          <a:spcPts val="400"/>
+        </a:spcAft>
+        <a:buClr>
+          <a:schemeClr val="accent1"/>
+        </a:buClr>
+        <a:buFont typeface="Calibri" pitchFamily="34" charset="0"/>
+        <a:buChar char="◦"/>
+        <a:defRPr sz="1400" kern="1200">
           <a:solidFill>
-            <a:schemeClr val="tx1"/>
+            <a:schemeClr val="tx1">
+              <a:lumMod val="75000"/>
+              <a:lumOff val="25000"/>
+            </a:schemeClr>
           </a:solidFill>
           <a:latin typeface="+mn-lt"/>
           <a:ea typeface="+mn-ea"/>
           <a:cs typeface="+mn-cs"/>
         </a:defRPr>
       </a:lvl6pPr>
-      <a:lvl7pPr marL="2971800" indent="-228600" algn="l" defTabSz="914400" rtl="0" eaLnBrk="1" latinLnBrk="0" hangingPunct="1">
+      <a:lvl7pPr marL="1300000" indent="-228600" algn="l" defTabSz="914400" rtl="0" eaLnBrk="1" latinLnBrk="0" hangingPunct="1">
         <a:lnSpc>
           <a:spcPct val="90000"/>
         </a:lnSpc>
         <a:spcBef>
-          <a:spcPts val="500"/>
+          <a:spcPts val="200"/>
         </a:spcBef>
-        <a:buFont typeface="Arial" panose="020B0604020202020204" pitchFamily="34" charset="0"/>
-        <a:buChar char="•"/>
-        <a:defRPr sz="1800" kern="1200">
+        <a:spcAft>
+          <a:spcPts val="400"/>
+        </a:spcAft>
+        <a:buClr>
+          <a:schemeClr val="accent1"/>
+        </a:buClr>
+        <a:buFont typeface="Calibri" pitchFamily="34" charset="0"/>
+        <a:buChar char="◦"/>
+        <a:defRPr sz="1400" kern="1200">
           <a:solidFill>
-            <a:schemeClr val="tx1"/>
+            <a:schemeClr val="tx1">
+              <a:lumMod val="75000"/>
+              <a:lumOff val="25000"/>
+            </a:schemeClr>
           </a:solidFill>
           <a:latin typeface="+mn-lt"/>
           <a:ea typeface="+mn-ea"/>
           <a:cs typeface="+mn-cs"/>
         </a:defRPr>
       </a:lvl7pPr>
-      <a:lvl8pPr marL="3429000" indent="-228600" algn="l" defTabSz="914400" rtl="0" eaLnBrk="1" latinLnBrk="0" hangingPunct="1">
+      <a:lvl8pPr marL="1500000" indent="-228600" algn="l" defTabSz="914400" rtl="0" eaLnBrk="1" latinLnBrk="0" hangingPunct="1">
         <a:lnSpc>
           <a:spcPct val="90000"/>
         </a:lnSpc>
         <a:spcBef>
-          <a:spcPts val="500"/>
+          <a:spcPts val="200"/>
         </a:spcBef>
-        <a:buFont typeface="Arial" panose="020B0604020202020204" pitchFamily="34" charset="0"/>
-        <a:buChar char="•"/>
-        <a:defRPr sz="1800" kern="1200">
+        <a:spcAft>
+          <a:spcPts val="400"/>
+        </a:spcAft>
+        <a:buClr>
+          <a:schemeClr val="accent1"/>
+        </a:buClr>
+        <a:buFont typeface="Calibri" pitchFamily="34" charset="0"/>
+        <a:buChar char="◦"/>
+        <a:defRPr sz="1400" kern="1200">
           <a:solidFill>
-            <a:schemeClr val="tx1"/>
+            <a:schemeClr val="tx1">
+              <a:lumMod val="75000"/>
+              <a:lumOff val="25000"/>
+            </a:schemeClr>
           </a:solidFill>
           <a:latin typeface="+mn-lt"/>
           <a:ea typeface="+mn-ea"/>
           <a:cs typeface="+mn-cs"/>
         </a:defRPr>
       </a:lvl8pPr>
-      <a:lvl9pPr marL="3886200" indent="-228600" algn="l" defTabSz="914400" rtl="0" eaLnBrk="1" latinLnBrk="0" hangingPunct="1">
+      <a:lvl9pPr marL="1700000" indent="-228600" algn="l" defTabSz="914400" rtl="0" eaLnBrk="1" latinLnBrk="0" hangingPunct="1">
         <a:lnSpc>
           <a:spcPct val="90000"/>
         </a:lnSpc>
         <a:spcBef>
-          <a:spcPts val="500"/>
+          <a:spcPts val="200"/>
         </a:spcBef>
-        <a:buFont typeface="Arial" panose="020B0604020202020204" pitchFamily="34" charset="0"/>
-        <a:buChar char="•"/>
-        <a:defRPr sz="1800" kern="1200">
+        <a:spcAft>
+          <a:spcPts val="400"/>
+        </a:spcAft>
+        <a:buClr>
+          <a:schemeClr val="accent1"/>
+        </a:buClr>
+        <a:buFont typeface="Calibri" pitchFamily="34" charset="0"/>
+        <a:buChar char="◦"/>
+        <a:defRPr sz="1400" kern="1200">
           <a:solidFill>
-            <a:schemeClr val="tx1"/>
+            <a:schemeClr val="tx1">
+              <a:lumMod val="75000"/>
+              <a:lumOff val="25000"/>
+            </a:schemeClr>
           </a:solidFill>
           <a:latin typeface="+mn-lt"/>
           <a:ea typeface="+mn-ea"/>
@@ -2860,7 +4152,7 @@
     </p:bodyStyle>
     <p:otherStyle>
       <a:defPPr>
-        <a:defRPr lang="it-IT"/>
+        <a:defRPr lang="en-US"/>
       </a:defPPr>
       <a:lvl1pPr marL="0" algn="l" defTabSz="914400" rtl="0" eaLnBrk="1" latinLnBrk="0" hangingPunct="1">
         <a:defRPr sz="1800" kern="1200">
@@ -2954,6 +4246,11 @@
       </a:lvl9pPr>
     </p:otherStyle>
   </p:txStyles>
+  <p:extLst>
+    <p:ext uri="{27BBF7A9-308A-43DC-89C8-2F10F3537804}">
+      <p15:sldGuideLst xmlns:p15="http://schemas.microsoft.com/office/powerpoint/2012/main"/>
+    </p:ext>
+  </p:extLst>
 </p:sldMaster>
 </file>
 
@@ -2984,18 +4281,24 @@
             <p:ph type="ctrTitle"/>
           </p:nvPr>
         </p:nvSpPr>
-        <p:spPr/>
+        <p:spPr>
+          <a:xfrm>
+            <a:off x="1119582" y="1397246"/>
+            <a:ext cx="10058400" cy="2910516"/>
+          </a:xfrm>
+        </p:spPr>
         <p:txBody>
           <a:bodyPr>
-            <a:normAutofit fontScale="90000"/>
+            <a:normAutofit/>
           </a:bodyPr>
           <a:lstStyle/>
           <a:p>
-            <a:r>
-              <a:rPr lang="it-IT" dirty="0" smtClean="0"/>
+            <a:pPr algn="ctr"/>
+            <a:r>
+              <a:rPr lang="it-IT" sz="6600" dirty="0" smtClean="0"/>
               <a:t>IDENTICAZIONE SISTEMA DI CARICHE PUNTIFORMI DA MISURE DI POTENZIALE</a:t>
             </a:r>
-            <a:endParaRPr lang="it-IT" dirty="0"/>
+            <a:endParaRPr lang="it-IT" sz="6600" dirty="0"/>
           </a:p>
         </p:txBody>
       </p:sp>
@@ -3009,40 +4312,108 @@
             <p:ph type="subTitle" idx="1"/>
           </p:nvPr>
         </p:nvSpPr>
-        <p:spPr/>
+        <p:spPr>
+          <a:xfrm>
+            <a:off x="3179212" y="4451230"/>
+            <a:ext cx="5939140" cy="969856"/>
+          </a:xfrm>
+        </p:spPr>
         <p:txBody>
           <a:bodyPr>
-            <a:normAutofit fontScale="77500" lnSpcReduction="20000"/>
+            <a:normAutofit/>
           </a:bodyPr>
           <a:lstStyle/>
           <a:p>
             <a:r>
               <a:rPr lang="it-IT" dirty="0" smtClean="0"/>
-              <a:t>Corso di Metodi di Ottimizzazione</a:t>
-            </a:r>
-          </a:p>
-          <a:p>
-            <a:endParaRPr lang="it-IT" dirty="0"/>
-          </a:p>
-          <a:p>
+              <a:t>Corso di Metodi di </a:t>
+            </a:r>
+            <a:r>
+              <a:rPr lang="it-IT" dirty="0" smtClean="0"/>
+              <a:t>Ottimizzazione</a:t>
+            </a:r>
+          </a:p>
+          <a:p>
+            <a:pPr algn="ctr"/>
+            <a:r>
+              <a:rPr lang="it-IT" dirty="0" err="1" smtClean="0"/>
+              <a:t>A.a</a:t>
+            </a:r>
+            <a:r>
+              <a:rPr lang="it-IT" dirty="0" smtClean="0"/>
+              <a:t>. 2017/18</a:t>
+            </a:r>
             <a:endParaRPr lang="it-IT" dirty="0" smtClean="0"/>
           </a:p>
-          <a:p>
-            <a:r>
-              <a:rPr lang="it-IT" dirty="0" smtClean="0"/>
-              <a:t>AA 17/18</a:t>
-            </a:r>
-          </a:p>
-          <a:p>
-            <a:r>
-              <a:rPr lang="it-IT" dirty="0" smtClean="0"/>
-              <a:t>Mario Baldi, Luigi Previdente, Giuseppe </a:t>
-            </a:r>
-            <a:r>
-              <a:rPr lang="it-IT" dirty="0" err="1" smtClean="0"/>
+        </p:txBody>
+      </p:sp>
+      <p:sp>
+        <p:nvSpPr>
+          <p:cNvPr id="5" name="TextBox 4"/>
+          <p:cNvSpPr txBox="1"/>
+          <p:nvPr/>
+        </p:nvSpPr>
+        <p:spPr>
+          <a:xfrm>
+            <a:off x="241264" y="5285678"/>
+            <a:ext cx="1732141" cy="923330"/>
+          </a:xfrm>
+          <a:prstGeom prst="rect">
+            <a:avLst/>
+          </a:prstGeom>
+          <a:noFill/>
+        </p:spPr>
+        <p:txBody>
+          <a:bodyPr wrap="none" rtlCol="0">
+            <a:spAutoFit/>
+          </a:bodyPr>
+          <a:lstStyle/>
+          <a:p>
+            <a:r>
+              <a:rPr lang="it-IT" dirty="0">
+                <a:latin typeface="+mj-lt"/>
+              </a:rPr>
+              <a:t>Mario </a:t>
+            </a:r>
+            <a:r>
+              <a:rPr lang="it-IT" dirty="0" smtClean="0">
+                <a:latin typeface="+mj-lt"/>
+              </a:rPr>
+              <a:t>Baldi</a:t>
+            </a:r>
+          </a:p>
+          <a:p>
+            <a:r>
+              <a:rPr lang="it-IT" dirty="0" smtClean="0">
+                <a:latin typeface="+mj-lt"/>
+              </a:rPr>
+              <a:t>Luigi Previdente</a:t>
+            </a:r>
+          </a:p>
+          <a:p>
+            <a:r>
+              <a:rPr lang="it-IT" dirty="0" smtClean="0">
+                <a:latin typeface="+mj-lt"/>
+              </a:rPr>
+              <a:t>Giuseppe </a:t>
+            </a:r>
+            <a:r>
+              <a:rPr lang="it-IT" dirty="0" err="1" smtClean="0">
+                <a:latin typeface="+mj-lt"/>
+              </a:rPr>
               <a:t>Valleta</a:t>
             </a:r>
-            <a:endParaRPr lang="it-IT" dirty="0"/>
+            <a:endParaRPr lang="it-IT" sz="6600" spc="-50" dirty="0">
+              <a:solidFill>
+                <a:schemeClr val="tx1">
+                  <a:lumMod val="85000"/>
+                  <a:lumOff val="15000"/>
+                </a:schemeClr>
+              </a:solidFill>
+              <a:latin typeface="+mj-lt"/>
+              <a:ea typeface="+mj-ea"/>
+              <a:cs typeface="+mj-cs"/>
+            </a:endParaRPr>
           </a:p>
         </p:txBody>
       </p:sp>
@@ -3296,37 +4667,237 @@
         </p:nvSpPr>
         <p:spPr>
           <a:xfrm>
-            <a:off x="838200" y="1825625"/>
-            <a:ext cx="4498571" cy="4351338"/>
+            <a:off x="892629" y="1967137"/>
+            <a:ext cx="4433256" cy="1385663"/>
           </a:xfrm>
         </p:spPr>
         <p:txBody>
-          <a:bodyPr/>
+          <a:bodyPr>
+            <a:normAutofit/>
+          </a:bodyPr>
           <a:lstStyle/>
           <a:p>
             <a:r>
               <a:rPr lang="it-IT" dirty="0" smtClean="0"/>
-              <a:t>N cariche</a:t>
-            </a:r>
-          </a:p>
-          <a:p>
+              <a:t>Il sistema è composto da un </a:t>
+            </a:r>
+            <a:r>
+              <a:rPr lang="it-IT" dirty="0" err="1" smtClean="0"/>
+              <a:t>brick</a:t>
+            </a:r>
             <a:r>
               <a:rPr lang="it-IT" dirty="0" smtClean="0"/>
-              <a:t>N-1 cariche note</a:t>
-            </a:r>
-          </a:p>
-          <a:p>
+              <a:t> contente:</a:t>
+            </a:r>
+          </a:p>
+          <a:p>
+            <a:pPr lvl="1">
+              <a:buFont typeface="Arial" charset="0"/>
+              <a:buChar char="•"/>
+            </a:pPr>
             <a:r>
               <a:rPr lang="it-IT" dirty="0" smtClean="0"/>
-              <a:t>1 carica nota</a:t>
-            </a:r>
-          </a:p>
-          <a:p>
+              <a:t> N-1 </a:t>
+            </a:r>
             <a:r>
               <a:rPr lang="it-IT" dirty="0" smtClean="0"/>
-              <a:t>Incognite: coordinate della carica ignota</a:t>
+              <a:t>cariche </a:t>
+            </a:r>
+            <a:r>
+              <a:rPr lang="it-IT" dirty="0" smtClean="0"/>
+              <a:t>note, di valore </a:t>
+            </a:r>
+            <a:r>
+              <a:rPr lang="it-IT" dirty="0" smtClean="0"/>
+              <a:t>ugual valore</a:t>
+            </a:r>
+            <a:endParaRPr lang="it-IT" dirty="0" smtClean="0"/>
+          </a:p>
+          <a:p>
+            <a:pPr lvl="1">
+              <a:buFont typeface="Arial" charset="0"/>
+              <a:buChar char="•"/>
+            </a:pPr>
+            <a:r>
+              <a:rPr lang="it-IT" dirty="0" smtClean="0"/>
+              <a:t> 1 carica le cui coordinate sono incognite</a:t>
             </a:r>
             <a:endParaRPr lang="it-IT" dirty="0"/>
+          </a:p>
+        </p:txBody>
+      </p:sp>
+      <p:pic>
+        <p:nvPicPr>
+          <p:cNvPr id="5" name="Picture 4"/>
+          <p:cNvPicPr>
+            <a:picLocks noChangeAspect="1"/>
+          </p:cNvPicPr>
+          <p:nvPr/>
+        </p:nvPicPr>
+        <p:blipFill rotWithShape="1">
+          <a:blip r:embed="rId3">
+            <a:extLst>
+              <a:ext uri="{28A0092B-C50C-407E-A947-70E740481C1C}">
+                <a14:useLocalDpi xmlns:a14="http://schemas.microsoft.com/office/drawing/2010/main" val="0"/>
+              </a:ext>
+            </a:extLst>
+          </a:blip>
+          <a:srcRect r="4789" b="5084"/>
+          <a:stretch/>
+        </p:blipFill>
+        <p:spPr>
+          <a:xfrm>
+            <a:off x="6106887" y="1967138"/>
+            <a:ext cx="5235700" cy="3849463"/>
+          </a:xfrm>
+          <a:prstGeom prst="rect">
+            <a:avLst/>
+          </a:prstGeom>
+        </p:spPr>
+      </p:pic>
+      <p:sp>
+        <p:nvSpPr>
+          <p:cNvPr id="6" name="TextBox 5"/>
+          <p:cNvSpPr txBox="1"/>
+          <p:nvPr/>
+        </p:nvSpPr>
+        <p:spPr>
+          <a:xfrm>
+            <a:off x="892629" y="3430204"/>
+            <a:ext cx="4550228" cy="1292662"/>
+          </a:xfrm>
+          <a:prstGeom prst="rect">
+            <a:avLst/>
+          </a:prstGeom>
+          <a:noFill/>
+        </p:spPr>
+        <p:txBody>
+          <a:bodyPr wrap="square" rtlCol="0">
+            <a:spAutoFit/>
+          </a:bodyPr>
+          <a:lstStyle/>
+          <a:p>
+            <a:r>
+              <a:rPr lang="it-IT" sz="2000" dirty="0"/>
+              <a:t>Un secondo </a:t>
+            </a:r>
+            <a:r>
+              <a:rPr lang="it-IT" sz="2000" dirty="0" err="1"/>
+              <a:t>brick</a:t>
+            </a:r>
+            <a:r>
+              <a:rPr lang="it-IT" sz="2000" dirty="0"/>
+              <a:t> esterno su cui sono posti M misurati di </a:t>
+            </a:r>
+            <a:r>
+              <a:rPr lang="it-IT" sz="2000" dirty="0" smtClean="0"/>
+              <a:t>potenziale elettrico</a:t>
+            </a:r>
+            <a:r>
+              <a:rPr lang="it-IT" sz="2000" dirty="0"/>
+              <a:t> </a:t>
+            </a:r>
+            <a:r>
+              <a:rPr lang="it-IT" sz="2000" dirty="0" err="1"/>
+              <a:t>equidistanziati</a:t>
+            </a:r>
+            <a:r>
+              <a:rPr lang="it-IT" dirty="0"/>
+              <a:t>.</a:t>
+            </a:r>
+          </a:p>
+          <a:p>
+            <a:endParaRPr lang="en-US" dirty="0"/>
+          </a:p>
+        </p:txBody>
+      </p:sp>
+      <p:sp>
+        <p:nvSpPr>
+          <p:cNvPr id="7" name="TextBox 6"/>
+          <p:cNvSpPr txBox="1"/>
+          <p:nvPr/>
+        </p:nvSpPr>
+        <p:spPr>
+          <a:xfrm>
+            <a:off x="892629" y="4722478"/>
+            <a:ext cx="4415542" cy="707886"/>
+          </a:xfrm>
+          <a:prstGeom prst="rect">
+            <a:avLst/>
+          </a:prstGeom>
+          <a:noFill/>
+        </p:spPr>
+        <p:txBody>
+          <a:bodyPr wrap="square" rtlCol="0">
+            <a:spAutoFit/>
+          </a:bodyPr>
+          <a:lstStyle/>
+          <a:p>
+            <a:r>
+              <a:rPr lang="en-US" sz="2000" dirty="0" smtClean="0"/>
+              <a:t>Il </a:t>
+            </a:r>
+            <a:r>
+              <a:rPr lang="en-US" sz="2000" dirty="0" err="1" smtClean="0"/>
+              <a:t>nostro</a:t>
+            </a:r>
+            <a:r>
+              <a:rPr lang="en-US" sz="2000" dirty="0" smtClean="0"/>
+              <a:t> </a:t>
+            </a:r>
+            <a:r>
+              <a:rPr lang="en-US" sz="2000" dirty="0" err="1" smtClean="0"/>
+              <a:t>sistema</a:t>
+            </a:r>
+            <a:r>
+              <a:rPr lang="en-US" sz="2000" dirty="0" smtClean="0"/>
+              <a:t> di </a:t>
+            </a:r>
+            <a:r>
+              <a:rPr lang="en-US" sz="2000" dirty="0" err="1" smtClean="0"/>
+              <a:t>riferimento</a:t>
+            </a:r>
+            <a:r>
+              <a:rPr lang="en-US" sz="2000" dirty="0" smtClean="0"/>
+              <a:t> </a:t>
+            </a:r>
+            <a:r>
+              <a:rPr lang="en-US" sz="2000" dirty="0" err="1" smtClean="0"/>
+              <a:t>è</a:t>
+            </a:r>
+            <a:r>
+              <a:rPr lang="en-US" sz="2000" dirty="0" smtClean="0"/>
+              <a:t> </a:t>
+            </a:r>
+            <a:r>
+              <a:rPr lang="en-US" sz="2000" dirty="0" err="1" smtClean="0"/>
+              <a:t>posto</a:t>
+            </a:r>
+            <a:r>
+              <a:rPr lang="en-US" sz="2000" dirty="0" smtClean="0"/>
+              <a:t> al </a:t>
+            </a:r>
+            <a:r>
+              <a:rPr lang="en-US" sz="2000" dirty="0" err="1" smtClean="0"/>
+              <a:t>centro</a:t>
+            </a:r>
+            <a:r>
+              <a:rPr lang="en-US" sz="2000" dirty="0" smtClean="0"/>
+              <a:t> del </a:t>
+            </a:r>
+            <a:r>
+              <a:rPr lang="en-US" sz="2000" dirty="0" err="1" smtClean="0"/>
+              <a:t>nostro</a:t>
+            </a:r>
+            <a:r>
+              <a:rPr lang="en-US" sz="2000" dirty="0" smtClean="0"/>
+              <a:t> </a:t>
+            </a:r>
+            <a:r>
+              <a:rPr lang="en-US" sz="2000" dirty="0" err="1" smtClean="0"/>
+              <a:t>sistema</a:t>
+            </a:r>
+            <a:endParaRPr lang="en-US" sz="2000" dirty="0"/>
           </a:p>
         </p:txBody>
       </p:sp>
@@ -3377,14 +4948,19 @@
             <p:ph type="title"/>
           </p:nvPr>
         </p:nvSpPr>
-        <p:spPr/>
+        <p:spPr>
+          <a:xfrm>
+            <a:off x="1097280" y="729343"/>
+            <a:ext cx="10058400" cy="986246"/>
+          </a:xfrm>
+        </p:spPr>
         <p:txBody>
           <a:bodyPr/>
           <a:lstStyle/>
           <a:p>
             <a:r>
               <a:rPr lang="it-IT" dirty="0" smtClean="0"/>
-              <a:t>Approccio</a:t>
+              <a:t>APPROCCIO DEL PROBLEMA</a:t>
             </a:r>
             <a:endParaRPr lang="it-IT" dirty="0"/>
           </a:p>
@@ -3400,16 +4976,75 @@
             <p:ph idx="1"/>
           </p:nvPr>
         </p:nvSpPr>
-        <p:spPr/>
+        <p:spPr>
+          <a:xfrm>
+            <a:off x="1097280" y="1845733"/>
+            <a:ext cx="10058400" cy="4304695"/>
+          </a:xfrm>
+        </p:spPr>
         <p:txBody>
           <a:bodyPr>
-            <a:normAutofit lnSpcReduction="10000"/>
+            <a:normAutofit/>
           </a:bodyPr>
           <a:lstStyle/>
           <a:p>
             <a:r>
               <a:rPr lang="it-IT" dirty="0" smtClean="0"/>
-              <a:t>Le cariche sono posizionate all’interno di un </a:t>
+              <a:t>I </a:t>
+            </a:r>
+            <a:r>
+              <a:rPr lang="it-IT" dirty="0" smtClean="0"/>
+              <a:t>misuratori calcolano il potenziale elettrico totale nella loro </a:t>
+            </a:r>
+            <a:r>
+              <a:rPr lang="it-IT" dirty="0" smtClean="0"/>
+              <a:t>posizione</a:t>
+            </a:r>
+            <a:r>
+              <a:rPr lang="it-IT" dirty="0" smtClean="0"/>
+              <a:t>, quindi quello dato dalle </a:t>
+            </a:r>
+            <a:r>
+              <a:rPr lang="it-IT" dirty="0" err="1" smtClean="0"/>
+              <a:t>N</a:t>
+            </a:r>
+            <a:r>
+              <a:rPr lang="it-IT" dirty="0" smtClean="0"/>
+              <a:t> cariche.</a:t>
+            </a:r>
+          </a:p>
+          <a:p>
+            <a:endParaRPr lang="it-IT" dirty="0" smtClean="0"/>
+          </a:p>
+          <a:p>
+            <a:r>
+              <a:rPr lang="it-IT" dirty="0" smtClean="0"/>
+              <a:t>Sono posizionati </a:t>
+            </a:r>
+            <a:r>
+              <a:rPr lang="it-IT" dirty="0" smtClean="0"/>
+              <a:t>fuori per </a:t>
+            </a:r>
+            <a:r>
+              <a:rPr lang="it-IT" i="1" dirty="0" smtClean="0"/>
+              <a:t>evitare singolarità </a:t>
+            </a:r>
+            <a:r>
+              <a:rPr lang="it-IT" dirty="0" smtClean="0"/>
+              <a:t>dovute alle condizioni ideali delle cariche che permetterebbero di avere una distanza nulla tra carica e misuratore</a:t>
+            </a:r>
+            <a:r>
+              <a:rPr lang="it-IT" dirty="0" smtClean="0"/>
+              <a:t>.</a:t>
+            </a:r>
+          </a:p>
+          <a:p>
+            <a:endParaRPr lang="it-IT" dirty="0" smtClean="0"/>
+          </a:p>
+          <a:p>
+            <a:r>
+              <a:rPr lang="it-IT" dirty="0" smtClean="0"/>
+              <a:t>I misuratori sono collocati su un altro </a:t>
             </a:r>
             <a:r>
               <a:rPr lang="it-IT" dirty="0" err="1" smtClean="0"/>
@@ -3417,39 +5052,32 @@
             </a:r>
             <a:r>
               <a:rPr lang="it-IT" dirty="0" smtClean="0"/>
-              <a:t> immaginario fuori dal quale sono posizionati i misuratori</a:t>
-            </a:r>
-          </a:p>
-          <a:p>
+              <a:t> esterno per campionare il campo totale prodotto dalle cariche</a:t>
+            </a:r>
             <a:r>
               <a:rPr lang="it-IT" dirty="0" smtClean="0"/>
-              <a:t>I misuratori calcolano il potenziale elettrico totale nella loro posizione. </a:t>
-            </a:r>
+              <a:t>.</a:t>
+            </a:r>
+          </a:p>
+          <a:p>
+            <a:endParaRPr lang="it-IT" dirty="0" smtClean="0"/>
           </a:p>
           <a:p>
             <a:r>
               <a:rPr lang="it-IT" dirty="0" smtClean="0"/>
-              <a:t>I misuratori sono posizionati fuori per evitare singolarità dovute alle condizioni ideali delle cariche che permetterebbero di avere una distanza nulla tra carica e misuratore.</a:t>
-            </a:r>
-          </a:p>
-          <a:p>
+              <a:t>Il numero di misuratori sufficienti è pari a </a:t>
+            </a:r>
+            <a:r>
+              <a:rPr lang="it-IT" i="1" dirty="0" smtClean="0"/>
+              <a:t>tre </a:t>
+            </a:r>
             <a:r>
               <a:rPr lang="it-IT" dirty="0" smtClean="0"/>
-              <a:t>I misuratori sono collocati su un altro </a:t>
-            </a:r>
-            <a:r>
-              <a:rPr lang="it-IT" dirty="0" err="1" smtClean="0"/>
-              <a:t>brick</a:t>
+              <a:t>ma effettuiamo </a:t>
             </a:r>
             <a:r>
               <a:rPr lang="it-IT" dirty="0" smtClean="0"/>
-              <a:t> esterno per campionare il campo totale prodotto dalle cariche.</a:t>
-            </a:r>
-          </a:p>
-          <a:p>
-            <a:r>
-              <a:rPr lang="it-IT" dirty="0" smtClean="0"/>
-              <a:t>3 misuratori sarebbero sufficienti ma effettuiamo un campionamento massiccio al fine di ridurre l’errore sulla misura.</a:t>
+              <a:t>un campionamento massiccio al fine di ridurre l’errore sulla misura.</a:t>
             </a:r>
             <a:endParaRPr lang="it-IT" dirty="0"/>
           </a:p>
@@ -3465,6 +5093,13 @@
   <p:clrMapOvr>
     <a:masterClrMapping/>
   </p:clrMapOvr>
+  <p:timing>
+    <p:tnLst>
+      <p:par>
+        <p:cTn id="1" dur="indefinite" restart="never" nodeType="tmRoot"/>
+      </p:par>
+    </p:tnLst>
+  </p:timing>
 </p:sld>
 </file>
 
@@ -3502,104 +5137,415 @@
           <a:p>
             <a:r>
               <a:rPr lang="it-IT" dirty="0" smtClean="0"/>
-              <a:t>Modello</a:t>
+              <a:t>MODELLO MATEMATICA</a:t>
             </a:r>
             <a:endParaRPr lang="it-IT" dirty="0"/>
           </a:p>
         </p:txBody>
       </p:sp>
-      <p:sp>
-        <p:nvSpPr>
-          <p:cNvPr id="3" name="Segnaposto contenuto 2"/>
-          <p:cNvSpPr>
-            <a:spLocks noGrp="1"/>
-          </p:cNvSpPr>
-          <p:nvPr>
-            <p:ph idx="1"/>
-          </p:nvPr>
-        </p:nvSpPr>
-        <p:spPr/>
-        <p:txBody>
-          <a:bodyPr/>
-          <a:lstStyle/>
-          <a:p>
-            <a:r>
-              <a:rPr lang="it-IT" dirty="0" err="1" smtClean="0"/>
-              <a:t>Poteziale</a:t>
-            </a:r>
-            <a:r>
-              <a:rPr lang="it-IT" dirty="0" smtClean="0"/>
-              <a:t> in un punto di una generica carica: q/4piE0d</a:t>
-            </a:r>
-          </a:p>
-          <a:p>
-            <a:r>
-              <a:rPr lang="it-IT" dirty="0" smtClean="0"/>
-              <a:t>Potenziale in un punto di N cariche: sum(i=1-&gt;N)(</a:t>
-            </a:r>
-            <a:r>
-              <a:rPr lang="it-IT" dirty="0" err="1" smtClean="0"/>
-              <a:t>qi</a:t>
-            </a:r>
-            <a:r>
-              <a:rPr lang="it-IT" dirty="0" smtClean="0"/>
-              <a:t>/4piE0d)</a:t>
-            </a:r>
-          </a:p>
-          <a:p>
-            <a:r>
-              <a:rPr lang="it-IT" dirty="0" smtClean="0"/>
-              <a:t>Supposti M misuratori il potenziale totale </a:t>
-            </a:r>
-            <a:r>
-              <a:rPr lang="it-IT" dirty="0" err="1" smtClean="0"/>
-              <a:t>capionato</a:t>
-            </a:r>
-            <a:r>
-              <a:rPr lang="it-IT" dirty="0" smtClean="0"/>
-              <a:t> su tutto il </a:t>
-            </a:r>
-            <a:r>
-              <a:rPr lang="it-IT" dirty="0" err="1" smtClean="0"/>
-              <a:t>brick</a:t>
-            </a:r>
-            <a:r>
-              <a:rPr lang="it-IT" dirty="0" smtClean="0"/>
-              <a:t> esterno: sum(j=1-&gt;M)(</a:t>
-            </a:r>
-            <a:r>
-              <a:rPr lang="it-IT" dirty="0" smtClean="0"/>
-              <a:t>sum(i=1-&gt;N)(</a:t>
-            </a:r>
-            <a:r>
-              <a:rPr lang="it-IT" dirty="0" err="1" smtClean="0"/>
-              <a:t>qi</a:t>
-            </a:r>
-            <a:r>
-              <a:rPr lang="it-IT" dirty="0" smtClean="0"/>
-              <a:t>/4piE0dj))</a:t>
-            </a:r>
-          </a:p>
-          <a:p>
-            <a:r>
-              <a:rPr lang="it-IT" dirty="0" smtClean="0"/>
-              <a:t>Funzione di costo: considerate le N cariche totali ed il loro potenziale B, calcoliamo il potenziale B’ delle N-1 cariche note più la carica ignota nella posizione generica (x, y, z), la funzione di costo sarà </a:t>
-            </a:r>
-            <a:r>
-              <a:rPr lang="it-IT" dirty="0" err="1" smtClean="0"/>
-              <a:t>abs</a:t>
-            </a:r>
-            <a:r>
-              <a:rPr lang="it-IT" dirty="0" smtClean="0"/>
-              <a:t>(B-B’)^2</a:t>
-            </a:r>
-            <a:endParaRPr lang="it-IT" dirty="0" smtClean="0"/>
-          </a:p>
-          <a:p>
-            <a:endParaRPr lang="it-IT" dirty="0"/>
-          </a:p>
-        </p:txBody>
-      </p:sp>
+      <mc:AlternateContent xmlns:mc="http://schemas.openxmlformats.org/markup-compatibility/2006">
+        <mc:Choice xmlns:a14="http://schemas.microsoft.com/office/drawing/2010/main" Requires="a14">
+          <p:sp>
+            <p:nvSpPr>
+              <p:cNvPr id="3" name="Segnaposto contenuto 2"/>
+              <p:cNvSpPr>
+                <a:spLocks noGrp="1"/>
+              </p:cNvSpPr>
+              <p:nvPr>
+                <p:ph idx="1"/>
+              </p:nvPr>
+            </p:nvSpPr>
+            <p:spPr>
+              <a:xfrm>
+                <a:off x="1097280" y="1845733"/>
+                <a:ext cx="10058400" cy="4293809"/>
+              </a:xfrm>
+            </p:spPr>
+            <p:txBody>
+              <a:bodyPr>
+                <a:normAutofit fontScale="92500" lnSpcReduction="10000"/>
+              </a:bodyPr>
+              <a:lstStyle/>
+              <a:p>
+                <a:r>
+                  <a:rPr lang="it-IT" dirty="0" smtClean="0"/>
+                  <a:t>Potenziale elettrico </a:t>
+                </a:r>
+                <a:r>
+                  <a:rPr lang="it-IT" dirty="0" smtClean="0"/>
+                  <a:t>in un punto di una generica </a:t>
+                </a:r>
+                <a:r>
+                  <a:rPr lang="it-IT" dirty="0" smtClean="0"/>
+                  <a:t>carica</a:t>
+                </a:r>
+                <a:r>
+                  <a:rPr lang="en-US" dirty="0" smtClean="0"/>
+                  <a:t> q</a:t>
+                </a:r>
+              </a:p>
+              <a:p>
+                <a:pPr algn="ctr"/>
+                <a14:m>
+                  <m:oMath xmlns:m="http://schemas.openxmlformats.org/officeDocument/2006/math">
+                    <m:r>
+                      <a:rPr lang="it-IT" sz="2400" i="1"/>
+                      <m:t>𝑉</m:t>
+                    </m:r>
+                    <m:r>
+                      <a:rPr lang="it-IT" sz="2400" i="1"/>
+                      <m:t>=  </m:t>
+                    </m:r>
+                    <m:f>
+                      <m:fPr>
+                        <m:ctrlPr>
+                          <a:rPr lang="en-US" sz="2400" i="1"/>
+                        </m:ctrlPr>
+                      </m:fPr>
+                      <m:num>
+                        <m:r>
+                          <a:rPr lang="it-IT" sz="2400" i="1"/>
+                          <m:t>1</m:t>
+                        </m:r>
+                      </m:num>
+                      <m:den>
+                        <m:r>
+                          <a:rPr lang="it-IT" sz="2400" i="1"/>
+                          <m:t>4</m:t>
+                        </m:r>
+                        <m:r>
+                          <a:rPr lang="it-IT" sz="2400" i="1"/>
+                          <m:t>𝜋𝜀</m:t>
+                        </m:r>
+                      </m:den>
+                    </m:f>
+                    <m:r>
+                      <a:rPr lang="it-IT" sz="2400" i="1"/>
+                      <m:t> </m:t>
+                    </m:r>
+                    <m:f>
+                      <m:fPr>
+                        <m:ctrlPr>
+                          <a:rPr lang="en-US" sz="2400" i="1"/>
+                        </m:ctrlPr>
+                      </m:fPr>
+                      <m:num>
+                        <m:r>
+                          <a:rPr lang="it-IT" sz="2400" i="1"/>
+                          <m:t>𝑞</m:t>
+                        </m:r>
+                      </m:num>
+                      <m:den>
+                        <m:r>
+                          <a:rPr lang="it-IT" sz="2400" b="0" i="1"/>
+                          <m:t>𝑟</m:t>
+                        </m:r>
+                      </m:den>
+                    </m:f>
+                  </m:oMath>
+                </a14:m>
+                <a:r>
+                  <a:rPr lang="en-US" sz="2400" dirty="0">
+                    <a:effectLst/>
+                  </a:rPr>
+                  <a:t> </a:t>
+                </a:r>
+                <a:endParaRPr lang="en-US" sz="2400" dirty="0" smtClean="0">
+                  <a:effectLst/>
+                </a:endParaRPr>
+              </a:p>
+              <a:p>
+                <a:endParaRPr lang="it-IT" dirty="0" smtClean="0"/>
+              </a:p>
+              <a:p>
+                <a:r>
+                  <a:rPr lang="it-IT" dirty="0" smtClean="0"/>
+                  <a:t>In R</a:t>
+                </a:r>
+                <a:r>
+                  <a:rPr lang="it-IT" baseline="30000" dirty="0" smtClean="0"/>
+                  <a:t>3 </a:t>
+                </a:r>
+                <a:r>
+                  <a:rPr lang="it-IT" dirty="0" smtClean="0"/>
+                  <a:t>la distanza è pari a </a:t>
+                </a:r>
+              </a:p>
+              <a:p>
+                <a:pPr algn="ctr"/>
+                <a14:m>
+                  <m:oMath xmlns:m="http://schemas.openxmlformats.org/officeDocument/2006/math">
+                    <m:sSub>
+                      <m:sSubPr>
+                        <m:ctrlPr>
+                          <a:rPr lang="en-US" sz="2400" i="1"/>
+                        </m:ctrlPr>
+                      </m:sSubPr>
+                      <m:e>
+                        <m:r>
+                          <a:rPr lang="it-IT" sz="2400" i="1"/>
+                          <m:t>𝑟</m:t>
+                        </m:r>
+                      </m:e>
+                      <m:sub>
+                        <m:r>
+                          <a:rPr lang="it-IT" sz="2400" i="1"/>
+                          <m:t>𝑖𝑗</m:t>
+                        </m:r>
+                      </m:sub>
+                    </m:sSub>
+                    <m:r>
+                      <a:rPr lang="it-IT" sz="2400" i="1"/>
+                      <m:t>= ∥</m:t>
+                    </m:r>
+                    <m:sSub>
+                      <m:sSubPr>
+                        <m:ctrlPr>
+                          <a:rPr lang="en-US" sz="2400" i="1"/>
+                        </m:ctrlPr>
+                      </m:sSubPr>
+                      <m:e>
+                        <m:r>
+                          <a:rPr lang="it-IT" sz="2400" b="1" i="1"/>
+                          <m:t>𝒒</m:t>
+                        </m:r>
+                      </m:e>
+                      <m:sub>
+                        <m:r>
+                          <a:rPr lang="it-IT" sz="2400" i="1"/>
+                          <m:t>𝑖</m:t>
+                        </m:r>
+                      </m:sub>
+                    </m:sSub>
+                    <m:r>
+                      <a:rPr lang="it-IT" sz="2400" i="1"/>
+                      <m:t>−</m:t>
+                    </m:r>
+                    <m:sSub>
+                      <m:sSubPr>
+                        <m:ctrlPr>
+                          <a:rPr lang="en-US" sz="2400" i="1"/>
+                        </m:ctrlPr>
+                      </m:sSubPr>
+                      <m:e>
+                        <m:r>
+                          <a:rPr lang="it-IT" sz="2400" b="1" i="1"/>
+                          <m:t>𝒎</m:t>
+                        </m:r>
+                      </m:e>
+                      <m:sub>
+                        <m:r>
+                          <a:rPr lang="it-IT" sz="2400" i="1"/>
+                          <m:t>𝑗</m:t>
+                        </m:r>
+                      </m:sub>
+                    </m:sSub>
+                    <m:r>
+                      <a:rPr lang="it-IT" sz="2400" i="1"/>
+                      <m:t>∥ = </m:t>
+                    </m:r>
+                    <m:rad>
+                      <m:radPr>
+                        <m:degHide m:val="on"/>
+                        <m:ctrlPr>
+                          <a:rPr lang="en-US" sz="2400" i="1"/>
+                        </m:ctrlPr>
+                      </m:radPr>
+                      <m:deg/>
+                      <m:e>
+                        <m:nary>
+                          <m:naryPr>
+                            <m:chr m:val="∑"/>
+                            <m:limLoc m:val="undOvr"/>
+                            <m:ctrlPr>
+                              <a:rPr lang="en-US" sz="2400" i="1"/>
+                            </m:ctrlPr>
+                          </m:naryPr>
+                          <m:sub>
+                            <m:r>
+                              <a:rPr lang="it-IT" sz="2400" i="1"/>
+                              <m:t>𝑘</m:t>
+                            </m:r>
+                          </m:sub>
+                          <m:sup>
+                            <m:r>
+                              <a:rPr lang="it-IT" sz="2400" i="1"/>
+                              <m:t>3</m:t>
+                            </m:r>
+                          </m:sup>
+                          <m:e>
+                            <m:r>
+                              <a:rPr lang="it-IT" sz="2400" i="1"/>
+                              <m:t>(</m:t>
+                            </m:r>
+                            <m:sSub>
+                              <m:sSubPr>
+                                <m:ctrlPr>
+                                  <a:rPr lang="en-US" sz="2400" i="1"/>
+                                </m:ctrlPr>
+                              </m:sSubPr>
+                              <m:e>
+                                <m:r>
+                                  <a:rPr lang="it-IT" sz="2400" i="1"/>
+                                  <m:t>𝑞</m:t>
+                                </m:r>
+                              </m:e>
+                              <m:sub>
+                                <m:r>
+                                  <a:rPr lang="it-IT" sz="2400" i="1"/>
+                                  <m:t>𝑖</m:t>
+                                </m:r>
+                                <m:r>
+                                  <a:rPr lang="it-IT" sz="2400" i="1"/>
+                                  <m:t>,</m:t>
+                                </m:r>
+                                <m:r>
+                                  <a:rPr lang="it-IT" sz="2400" i="1"/>
+                                  <m:t>𝑘</m:t>
+                                </m:r>
+                              </m:sub>
+                            </m:sSub>
+                            <m:r>
+                              <a:rPr lang="it-IT" sz="2400" i="1"/>
+                              <m:t>−</m:t>
+                            </m:r>
+                            <m:sSub>
+                              <m:sSubPr>
+                                <m:ctrlPr>
+                                  <a:rPr lang="en-US" sz="2400" i="1"/>
+                                </m:ctrlPr>
+                              </m:sSubPr>
+                              <m:e>
+                                <m:r>
+                                  <a:rPr lang="it-IT" sz="2400" i="1"/>
+                                  <m:t>𝑚</m:t>
+                                </m:r>
+                              </m:e>
+                              <m:sub>
+                                <m:r>
+                                  <a:rPr lang="it-IT" sz="2400" i="1"/>
+                                  <m:t>𝑗</m:t>
+                                </m:r>
+                                <m:r>
+                                  <a:rPr lang="it-IT" sz="2400" i="1"/>
+                                  <m:t>,</m:t>
+                                </m:r>
+                                <m:r>
+                                  <a:rPr lang="it-IT" sz="2400" i="1"/>
+                                  <m:t>𝑘</m:t>
+                                </m:r>
+                              </m:sub>
+                            </m:sSub>
+                          </m:e>
+                        </m:nary>
+                        <m:r>
+                          <a:rPr lang="it-IT" sz="2400" i="1"/>
+                          <m:t>)</m:t>
+                        </m:r>
+                      </m:e>
+                    </m:rad>
+                  </m:oMath>
+                </a14:m>
+                <a:r>
+                  <a:rPr lang="it-IT" sz="2400" baseline="30000" dirty="0"/>
+                  <a:t>2</a:t>
+                </a:r>
+                <a:endParaRPr lang="it-IT" sz="2400" dirty="0"/>
+              </a:p>
+              <a:p>
+                <a:r>
+                  <a:rPr lang="it-IT" dirty="0" smtClean="0"/>
+                  <a:t>Quindi il potenziale visto dal generico misurato è pari a: </a:t>
+                </a:r>
+              </a:p>
+              <a:p>
+                <a:pPr marL="0" indent="0">
+                  <a:buNone/>
+                </a:pPr>
+                <a:endParaRPr lang="it-IT" dirty="0"/>
+              </a:p>
+              <a:p>
+                <a:r>
+                  <a:rPr lang="it-IT" b="1" dirty="0" smtClean="0"/>
+                  <a:t>Funzione </a:t>
+                </a:r>
+                <a:r>
+                  <a:rPr lang="it-IT" b="1" dirty="0" smtClean="0"/>
+                  <a:t>di costo</a:t>
+                </a:r>
+                <a:r>
+                  <a:rPr lang="it-IT" dirty="0" smtClean="0"/>
+                  <a:t>: considerate le N cariche totali ed il loro potenziale </a:t>
+                </a:r>
+                <a:r>
+                  <a:rPr lang="it-IT" dirty="0" smtClean="0"/>
+                  <a:t>V, </a:t>
+                </a:r>
+                <a:r>
+                  <a:rPr lang="it-IT" dirty="0" smtClean="0"/>
+                  <a:t>calcoliamo il potenziale </a:t>
+                </a:r>
+                <a:r>
+                  <a:rPr lang="it-IT" dirty="0" smtClean="0"/>
+                  <a:t>V’ </a:t>
+                </a:r>
+                <a:r>
+                  <a:rPr lang="it-IT" dirty="0" smtClean="0"/>
+                  <a:t>delle N-1 cariche note più la carica ignota nella posizione generica (x, y, z), la funzione di costo sarà </a:t>
+                </a:r>
+                <a:r>
+                  <a:rPr lang="it-IT" dirty="0" err="1" smtClean="0"/>
+                  <a:t>abs</a:t>
+                </a:r>
+                <a:r>
+                  <a:rPr lang="it-IT" dirty="0" smtClean="0"/>
+                  <a:t>(B-B’)^2</a:t>
+                </a:r>
+              </a:p>
+              <a:p>
+                <a:endParaRPr lang="it-IT" dirty="0"/>
+              </a:p>
+            </p:txBody>
+          </p:sp>
+        </mc:Choice>
+        <mc:Fallback>
+          <p:sp>
+            <p:nvSpPr>
+              <p:cNvPr id="3" name="Segnaposto contenuto 2"/>
+              <p:cNvSpPr>
+                <a:spLocks noGrp="1" noRot="1" noChangeAspect="1" noMove="1" noResize="1" noEditPoints="1" noAdjustHandles="1" noChangeArrowheads="1" noChangeShapeType="1" noTextEdit="1"/>
+              </p:cNvSpPr>
+              <p:nvPr>
+                <p:ph idx="1"/>
+              </p:nvPr>
+            </p:nvSpPr>
+            <p:spPr>
+              <a:xfrm>
+                <a:off x="1097280" y="1845733"/>
+                <a:ext cx="10058400" cy="4293809"/>
+              </a:xfrm>
+              <a:blipFill rotWithShape="0">
+                <a:blip r:embed="rId2"/>
+                <a:stretch>
+                  <a:fillRect l="-545" t="-1847"/>
+                </a:stretch>
+              </a:blipFill>
+            </p:spPr>
+            <p:txBody>
+              <a:bodyPr/>
+              <a:lstStyle/>
+              <a:p>
+                <a:r>
+                  <a:rPr lang="en-US">
+                    <a:noFill/>
+                  </a:rPr>
+                  <a:t> </a:t>
+                </a:r>
+              </a:p>
+            </p:txBody>
+          </p:sp>
+        </mc:Fallback>
+      </mc:AlternateContent>
     </p:spTree>
     <p:extLst>
       <p:ext uri="{BB962C8B-B14F-4D97-AF65-F5344CB8AC3E}">
@@ -3610,6 +5556,13 @@
   <p:clrMapOvr>
     <a:masterClrMapping/>
   </p:clrMapOvr>
+  <p:timing>
+    <p:tnLst>
+      <p:par>
+        <p:cTn id="1" dur="indefinite" restart="never" nodeType="tmRoot"/>
+      </p:par>
+    </p:tnLst>
+  </p:timing>
 </p:sld>
 </file>
 
@@ -3722,6 +5675,13 @@
   <p:clrMapOvr>
     <a:masterClrMapping/>
   </p:clrMapOvr>
+  <p:timing>
+    <p:tnLst>
+      <p:par>
+        <p:cTn id="1" dur="indefinite" restart="never" nodeType="tmRoot"/>
+      </p:par>
+    </p:tnLst>
+  </p:timing>
 </p:sld>
 </file>
 
@@ -3778,7 +5738,7 @@
         <p:spPr/>
         <p:txBody>
           <a:bodyPr>
-            <a:normAutofit lnSpcReduction="10000"/>
+            <a:normAutofit/>
           </a:bodyPr>
           <a:lstStyle/>
           <a:p>
@@ -3874,6 +5834,13 @@
   <p:clrMapOvr>
     <a:masterClrMapping/>
   </p:clrMapOvr>
+  <p:timing>
+    <p:tnLst>
+      <p:par>
+        <p:cTn id="1" dur="indefinite" restart="never" nodeType="tmRoot"/>
+      </p:par>
+    </p:tnLst>
+  </p:timing>
 </p:sld>
 </file>
 
@@ -3941,8 +5908,8 @@
         </p:blipFill>
         <p:spPr>
           <a:xfrm>
-            <a:off x="3707476" y="583602"/>
-            <a:ext cx="3909035" cy="5593361"/>
+            <a:off x="4720481" y="1846263"/>
+            <a:ext cx="2811364" cy="4022725"/>
           </a:xfrm>
         </p:spPr>
       </p:pic>
@@ -4012,7 +5979,7 @@
         <p:spPr/>
         <p:txBody>
           <a:bodyPr>
-            <a:normAutofit lnSpcReduction="10000"/>
+            <a:normAutofit/>
           </a:bodyPr>
           <a:lstStyle/>
           <a:p>
@@ -4577,54 +6544,54 @@
 </file>
 
 <file path=ppt/theme/theme1.xml><?xml version="1.0" encoding="utf-8"?>
-<a:theme xmlns:a="http://schemas.openxmlformats.org/drawingml/2006/main" name="Tema di Office">
+<a:theme xmlns:a="http://schemas.openxmlformats.org/drawingml/2006/main" name="Retrospect">
   <a:themeElements>
-    <a:clrScheme name="Office">
+    <a:clrScheme name="Retrospect">
       <a:dk1>
-        <a:sysClr val="windowText" lastClr="000000"/>
+        <a:srgbClr val="000000"/>
       </a:dk1>
       <a:lt1>
         <a:sysClr val="window" lastClr="FFFFFF"/>
       </a:lt1>
       <a:dk2>
-        <a:srgbClr val="44546A"/>
+        <a:srgbClr val="637052"/>
       </a:dk2>
       <a:lt2>
-        <a:srgbClr val="E7E6E6"/>
+        <a:srgbClr val="CCDDEA"/>
       </a:lt2>
       <a:accent1>
-        <a:srgbClr val="5B9BD5"/>
+        <a:srgbClr val="E48312"/>
       </a:accent1>
       <a:accent2>
-        <a:srgbClr val="ED7D31"/>
+        <a:srgbClr val="BD582C"/>
       </a:accent2>
       <a:accent3>
-        <a:srgbClr val="A5A5A5"/>
+        <a:srgbClr val="865640"/>
       </a:accent3>
       <a:accent4>
-        <a:srgbClr val="FFC000"/>
+        <a:srgbClr val="9B8357"/>
       </a:accent4>
       <a:accent5>
-        <a:srgbClr val="4472C4"/>
+        <a:srgbClr val="C2BC80"/>
       </a:accent5>
       <a:accent6>
-        <a:srgbClr val="70AD47"/>
+        <a:srgbClr val="94A088"/>
       </a:accent6>
       <a:hlink>
-        <a:srgbClr val="0563C1"/>
+        <a:srgbClr val="2998E3"/>
       </a:hlink>
       <a:folHlink>
-        <a:srgbClr val="954F72"/>
+        <a:srgbClr val="8C8C8C"/>
       </a:folHlink>
     </a:clrScheme>
-    <a:fontScheme name="Office">
+    <a:fontScheme name="Retrospect">
       <a:majorFont>
         <a:latin typeface="Calibri Light" panose="020F0302020204030204"/>
         <a:ea typeface=""/>
         <a:cs typeface=""/>
-        <a:font script="Jpan" typeface="游ゴシック Light"/>
+        <a:font script="Jpan" typeface="ＭＳ Ｐゴシック"/>
         <a:font script="Hang" typeface="맑은 고딕"/>
-        <a:font script="Hans" typeface="等线 Light"/>
+        <a:font script="Hans" typeface="宋体"/>
         <a:font script="Hant" typeface="新細明體"/>
         <a:font script="Arab" typeface="Times New Roman"/>
         <a:font script="Hebr" typeface="Times New Roman"/>
@@ -4657,9 +6624,292 @@
         <a:latin typeface="Calibri" panose="020F0502020204030204"/>
         <a:ea typeface=""/>
         <a:cs typeface=""/>
-        <a:font script="Jpan" typeface="游ゴシック"/>
+        <a:font script="Jpan" typeface="ＭＳ Ｐゴシック"/>
         <a:font script="Hang" typeface="맑은 고딕"/>
-        <a:font script="Hans" typeface="等线"/>
+        <a:font script="Hans" typeface="宋体"/>
+        <a:font script="Hant" typeface="新細明體"/>
+        <a:font script="Arab" typeface="Arial"/>
+        <a:font script="Hebr" typeface="Arial"/>
+        <a:font script="Thai" typeface="Cordia New"/>
+        <a:font script="Ethi" typeface="Nyala"/>
+        <a:font script="Beng" typeface="Vrinda"/>
+        <a:font script="Gujr" typeface="Shruti"/>
+        <a:font script="Khmr" typeface="DaunPenh"/>
+        <a:font script="Knda" typeface="Tunga"/>
+        <a:font script="Guru" typeface="Raavi"/>
+        <a:font script="Cans" typeface="Euphemia"/>
+        <a:font script="Cher" typeface="Plantagenet Cherokee"/>
+        <a:font script="Yiii" typeface="Microsoft Yi Baiti"/>
+        <a:font script="Tibt" typeface="Microsoft Himalaya"/>
+        <a:font script="Thaa" typeface="MV Boli"/>
+        <a:font script="Deva" typeface="Mangal"/>
+        <a:font script="Telu" typeface="Gautami"/>
+        <a:font script="Taml" typeface="Latha"/>
+        <a:font script="Syrc" typeface="Estrangelo Edessa"/>
+        <a:font script="Orya" typeface="Kalinga"/>
+        <a:font script="Mlym" typeface="Kartika"/>
+        <a:font script="Laoo" typeface="DokChampa"/>
+        <a:font script="Sinh" typeface="Iskoola Pota"/>
+        <a:font script="Mong" typeface="Mongolian Baiti"/>
+        <a:font script="Viet" typeface="Arial"/>
+        <a:font script="Uigh" typeface="Microsoft Uighur"/>
+        <a:font script="Geor" typeface="Sylfaen"/>
+      </a:minorFont>
+    </a:fontScheme>
+    <a:fmtScheme name="Retrospect">
+      <a:fillStyleLst>
+        <a:solidFill>
+          <a:schemeClr val="phClr"/>
+        </a:solidFill>
+        <a:gradFill rotWithShape="1">
+          <a:gsLst>
+            <a:gs pos="0">
+              <a:schemeClr val="phClr">
+                <a:tint val="65000"/>
+                <a:shade val="92000"/>
+                <a:satMod val="130000"/>
+              </a:schemeClr>
+            </a:gs>
+            <a:gs pos="45000">
+              <a:schemeClr val="phClr">
+                <a:tint val="60000"/>
+                <a:shade val="99000"/>
+                <a:satMod val="120000"/>
+              </a:schemeClr>
+            </a:gs>
+            <a:gs pos="100000">
+              <a:schemeClr val="phClr">
+                <a:tint val="55000"/>
+                <a:satMod val="140000"/>
+              </a:schemeClr>
+            </a:gs>
+          </a:gsLst>
+          <a:path path="circle">
+            <a:fillToRect l="100000" t="100000" r="100000" b="100000"/>
+          </a:path>
+        </a:gradFill>
+        <a:gradFill rotWithShape="1">
+          <a:gsLst>
+            <a:gs pos="0">
+              <a:schemeClr val="phClr">
+                <a:shade val="85000"/>
+                <a:satMod val="130000"/>
+              </a:schemeClr>
+            </a:gs>
+            <a:gs pos="34000">
+              <a:schemeClr val="phClr">
+                <a:shade val="87000"/>
+                <a:satMod val="125000"/>
+              </a:schemeClr>
+            </a:gs>
+            <a:gs pos="70000">
+              <a:schemeClr val="phClr">
+                <a:tint val="100000"/>
+                <a:shade val="90000"/>
+                <a:satMod val="130000"/>
+              </a:schemeClr>
+            </a:gs>
+            <a:gs pos="100000">
+              <a:schemeClr val="phClr">
+                <a:tint val="100000"/>
+                <a:shade val="100000"/>
+                <a:satMod val="110000"/>
+              </a:schemeClr>
+            </a:gs>
+          </a:gsLst>
+          <a:path path="circle">
+            <a:fillToRect l="100000" t="100000" r="100000" b="100000"/>
+          </a:path>
+        </a:gradFill>
+      </a:fillStyleLst>
+      <a:lnStyleLst>
+        <a:ln w="12700" cap="flat" cmpd="sng" algn="ctr">
+          <a:solidFill>
+            <a:schemeClr val="phClr"/>
+          </a:solidFill>
+          <a:prstDash val="solid"/>
+        </a:ln>
+        <a:ln w="15875" cap="flat" cmpd="sng" algn="ctr">
+          <a:solidFill>
+            <a:schemeClr val="phClr"/>
+          </a:solidFill>
+          <a:prstDash val="solid"/>
+        </a:ln>
+        <a:ln w="25400" cap="flat" cmpd="sng" algn="ctr">
+          <a:solidFill>
+            <a:schemeClr val="phClr"/>
+          </a:solidFill>
+          <a:prstDash val="solid"/>
+        </a:ln>
+      </a:lnStyleLst>
+      <a:effectStyleLst>
+        <a:effectStyle>
+          <a:effectLst/>
+        </a:effectStyle>
+        <a:effectStyle>
+          <a:effectLst>
+            <a:outerShdw blurRad="38100" dist="25400" dir="2700000" algn="br" rotWithShape="0">
+              <a:srgbClr val="000000">
+                <a:alpha val="60000"/>
+              </a:srgbClr>
+            </a:outerShdw>
+          </a:effectLst>
+        </a:effectStyle>
+        <a:effectStyle>
+          <a:effectLst>
+            <a:outerShdw blurRad="44450" dist="25400" dir="2700000" algn="br" rotWithShape="0">
+              <a:srgbClr val="000000">
+                <a:alpha val="60000"/>
+              </a:srgbClr>
+            </a:outerShdw>
+          </a:effectLst>
+          <a:scene3d>
+            <a:camera prst="orthographicFront">
+              <a:rot lat="0" lon="0" rev="0"/>
+            </a:camera>
+            <a:lightRig rig="threePt" dir="t">
+              <a:rot lat="0" lon="0" rev="19800000"/>
+            </a:lightRig>
+          </a:scene3d>
+          <a:sp3d prstMaterial="flat">
+            <a:bevelT w="25400" h="31750"/>
+          </a:sp3d>
+        </a:effectStyle>
+      </a:effectStyleLst>
+      <a:bgFillStyleLst>
+        <a:solidFill>
+          <a:schemeClr val="phClr"/>
+        </a:solidFill>
+        <a:solidFill>
+          <a:schemeClr val="phClr">
+            <a:tint val="90000"/>
+            <a:shade val="97000"/>
+            <a:satMod val="130000"/>
+          </a:schemeClr>
+        </a:solidFill>
+        <a:gradFill rotWithShape="1">
+          <a:gsLst>
+            <a:gs pos="0">
+              <a:schemeClr val="phClr">
+                <a:tint val="96000"/>
+                <a:shade val="99000"/>
+                <a:satMod val="140000"/>
+              </a:schemeClr>
+            </a:gs>
+            <a:gs pos="65000">
+              <a:schemeClr val="phClr">
+                <a:tint val="100000"/>
+                <a:shade val="80000"/>
+                <a:satMod val="130000"/>
+              </a:schemeClr>
+            </a:gs>
+            <a:gs pos="100000">
+              <a:schemeClr val="phClr">
+                <a:tint val="100000"/>
+                <a:shade val="48000"/>
+                <a:satMod val="120000"/>
+              </a:schemeClr>
+            </a:gs>
+          </a:gsLst>
+          <a:lin ang="16200000" scaled="0"/>
+        </a:gradFill>
+      </a:bgFillStyleLst>
+    </a:fmtScheme>
+  </a:themeElements>
+  <a:objectDefaults/>
+  <a:extraClrSchemeLst/>
+  <a:extLst>
+    <a:ext uri="{05A4C25C-085E-4340-85A3-A5531E510DB2}">
+      <thm15:themeFamily xmlns:thm15="http://schemas.microsoft.com/office/thememl/2012/main" name="Retrospect" id="{5F128B03-DCCA-4EEB-AB3B-CF2899314A46}" vid="{3F1AAB62-24C6-49D2-8E01-B56FAC9A3DCD}"/>
+    </a:ext>
+  </a:extLst>
+</a:theme>
+</file>
+
+<file path=ppt/theme/theme2.xml><?xml version="1.0" encoding="utf-8"?>
+<a:theme xmlns:a="http://schemas.openxmlformats.org/drawingml/2006/main" name="Office Theme">
+  <a:themeElements>
+    <a:clrScheme name="Office">
+      <a:dk1>
+        <a:sysClr val="windowText" lastClr="000000"/>
+      </a:dk1>
+      <a:lt1>
+        <a:sysClr val="window" lastClr="FFFFFF"/>
+      </a:lt1>
+      <a:dk2>
+        <a:srgbClr val="44546A"/>
+      </a:dk2>
+      <a:lt2>
+        <a:srgbClr val="E7E6E6"/>
+      </a:lt2>
+      <a:accent1>
+        <a:srgbClr val="4472C4"/>
+      </a:accent1>
+      <a:accent2>
+        <a:srgbClr val="ED7D31"/>
+      </a:accent2>
+      <a:accent3>
+        <a:srgbClr val="A5A5A5"/>
+      </a:accent3>
+      <a:accent4>
+        <a:srgbClr val="FFC000"/>
+      </a:accent4>
+      <a:accent5>
+        <a:srgbClr val="5B9BD5"/>
+      </a:accent5>
+      <a:accent6>
+        <a:srgbClr val="70AD47"/>
+      </a:accent6>
+      <a:hlink>
+        <a:srgbClr val="0563C1"/>
+      </a:hlink>
+      <a:folHlink>
+        <a:srgbClr val="954F72"/>
+      </a:folHlink>
+    </a:clrScheme>
+    <a:fontScheme name="Office">
+      <a:majorFont>
+        <a:latin typeface="Calibri Light" panose="020F0302020204030204"/>
+        <a:ea typeface=""/>
+        <a:cs typeface=""/>
+        <a:font script="Jpan" typeface="Yu Gothic Light"/>
+        <a:font script="Hang" typeface="맑은 고딕"/>
+        <a:font script="Hans" typeface="DengXian Light"/>
+        <a:font script="Hant" typeface="新細明體"/>
+        <a:font script="Arab" typeface="Times New Roman"/>
+        <a:font script="Hebr" typeface="Times New Roman"/>
+        <a:font script="Thai" typeface="Angsana New"/>
+        <a:font script="Ethi" typeface="Nyala"/>
+        <a:font script="Beng" typeface="Vrinda"/>
+        <a:font script="Gujr" typeface="Shruti"/>
+        <a:font script="Khmr" typeface="MoolBoran"/>
+        <a:font script="Knda" typeface="Tunga"/>
+        <a:font script="Guru" typeface="Raavi"/>
+        <a:font script="Cans" typeface="Euphemia"/>
+        <a:font script="Cher" typeface="Plantagenet Cherokee"/>
+        <a:font script="Yiii" typeface="Microsoft Yi Baiti"/>
+        <a:font script="Tibt" typeface="Microsoft Himalaya"/>
+        <a:font script="Thaa" typeface="MV Boli"/>
+        <a:font script="Deva" typeface="Mangal"/>
+        <a:font script="Telu" typeface="Gautami"/>
+        <a:font script="Taml" typeface="Latha"/>
+        <a:font script="Syrc" typeface="Estrangelo Edessa"/>
+        <a:font script="Orya" typeface="Kalinga"/>
+        <a:font script="Mlym" typeface="Kartika"/>
+        <a:font script="Laoo" typeface="DokChampa"/>
+        <a:font script="Sinh" typeface="Iskoola Pota"/>
+        <a:font script="Mong" typeface="Mongolian Baiti"/>
+        <a:font script="Viet" typeface="Times New Roman"/>
+        <a:font script="Uigh" typeface="Microsoft Uighur"/>
+        <a:font script="Geor" typeface="Sylfaen"/>
+      </a:majorFont>
+      <a:minorFont>
+        <a:latin typeface="Calibri" panose="020F0502020204030204"/>
+        <a:ea typeface=""/>
+        <a:cs typeface=""/>
+        <a:font script="Jpan" typeface="Yu Gothic"/>
+        <a:font script="Hang" typeface="맑은 고딕"/>
+        <a:font script="Hans" typeface="DengXian"/>
         <a:font script="Hant" typeface="新細明體"/>
         <a:font script="Arab" typeface="Arial"/>
         <a:font script="Hebr" typeface="Arial"/>

--- a/IDENTICAZIONE SISTEMA DI CARICHE PUNTIFORMI DA MISURE DI.pptx
+++ b/IDENTICAZIONE SISTEMA DI CARICHE PUNTIFORMI DA MISURE DI.pptx
@@ -5,7 +5,7 @@
     <p:sldMasterId id="2147484292" r:id="rId1"/>
   </p:sldMasterIdLst>
   <p:notesMasterIdLst>
-    <p:notesMasterId r:id="rId13"/>
+    <p:notesMasterId r:id="rId14"/>
   </p:notesMasterIdLst>
   <p:sldIdLst>
     <p:sldId id="256" r:id="rId2"/>
@@ -13,12 +13,13 @@
     <p:sldId id="258" r:id="rId4"/>
     <p:sldId id="259" r:id="rId5"/>
     <p:sldId id="260" r:id="rId6"/>
-    <p:sldId id="261" r:id="rId7"/>
-    <p:sldId id="262" r:id="rId8"/>
-    <p:sldId id="263" r:id="rId9"/>
-    <p:sldId id="264" r:id="rId10"/>
-    <p:sldId id="265" r:id="rId11"/>
-    <p:sldId id="266" r:id="rId12"/>
+    <p:sldId id="267" r:id="rId7"/>
+    <p:sldId id="261" r:id="rId8"/>
+    <p:sldId id="262" r:id="rId9"/>
+    <p:sldId id="263" r:id="rId10"/>
+    <p:sldId id="264" r:id="rId11"/>
+    <p:sldId id="265" r:id="rId12"/>
+    <p:sldId id="266" r:id="rId13"/>
   </p:sldIdLst>
   <p:sldSz cx="12192000" cy="6858000"/>
   <p:notesSz cx="6858000" cy="9144000"/>
@@ -618,6 +619,290 @@
     <p:extLst>
       <p:ext uri="{BB962C8B-B14F-4D97-AF65-F5344CB8AC3E}">
         <p14:creationId xmlns:p14="http://schemas.microsoft.com/office/powerpoint/2010/main" val="218800734"/>
+      </p:ext>
+    </p:extLst>
+  </p:cSld>
+  <p:clrMapOvr>
+    <a:masterClrMapping/>
+  </p:clrMapOvr>
+</p:notes>
+</file>
+
+<file path=ppt/notesSlides/notesSlide2.xml><?xml version="1.0" encoding="utf-8"?>
+<p:notes xmlns:a="http://schemas.openxmlformats.org/drawingml/2006/main" xmlns:r="http://schemas.openxmlformats.org/officeDocument/2006/relationships" xmlns:p="http://schemas.openxmlformats.org/presentationml/2006/main">
+  <p:cSld>
+    <p:spTree>
+      <p:nvGrpSpPr>
+        <p:cNvPr id="1" name=""/>
+        <p:cNvGrpSpPr/>
+        <p:nvPr/>
+      </p:nvGrpSpPr>
+      <p:grpSpPr>
+        <a:xfrm>
+          <a:off x="0" y="0"/>
+          <a:ext cx="0" cy="0"/>
+          <a:chOff x="0" y="0"/>
+          <a:chExt cx="0" cy="0"/>
+        </a:xfrm>
+      </p:grpSpPr>
+      <p:sp>
+        <p:nvSpPr>
+          <p:cNvPr id="2" name="Slide Image Placeholder 1"/>
+          <p:cNvSpPr>
+            <a:spLocks noGrp="1" noRot="1" noChangeAspect="1"/>
+          </p:cNvSpPr>
+          <p:nvPr>
+            <p:ph type="sldImg"/>
+          </p:nvPr>
+        </p:nvSpPr>
+        <p:spPr/>
+      </p:sp>
+      <p:sp>
+        <p:nvSpPr>
+          <p:cNvPr id="3" name="Notes Placeholder 2"/>
+          <p:cNvSpPr>
+            <a:spLocks noGrp="1"/>
+          </p:cNvSpPr>
+          <p:nvPr>
+            <p:ph type="body" idx="1"/>
+          </p:nvPr>
+        </p:nvSpPr>
+        <p:spPr/>
+        <p:txBody>
+          <a:bodyPr/>
+          <a:lstStyle/>
+          <a:p>
+            <a:r>
+              <a:rPr lang="it-IT" b="1" dirty="0" smtClean="0"/>
+              <a:t>Funzione di costo</a:t>
+            </a:r>
+            <a:r>
+              <a:rPr lang="it-IT" dirty="0" smtClean="0"/>
+              <a:t>: considerate le </a:t>
+            </a:r>
+            <a:r>
+              <a:rPr lang="it-IT" dirty="0" err="1" smtClean="0"/>
+              <a:t>N</a:t>
+            </a:r>
+            <a:r>
+              <a:rPr lang="it-IT" dirty="0" smtClean="0"/>
+              <a:t> cariche totali ed il loro potenziale V, calcoliamo il potenziale V’ delle N-1 cariche note più la carica ignota nella posizione generica (x, y, </a:t>
+            </a:r>
+            <a:r>
+              <a:rPr lang="it-IT" dirty="0" err="1" smtClean="0"/>
+              <a:t>z</a:t>
+            </a:r>
+            <a:r>
+              <a:rPr lang="it-IT" dirty="0" smtClean="0"/>
+              <a:t>), la funzione di costo sarà </a:t>
+            </a:r>
+            <a:r>
+              <a:rPr lang="it-IT" dirty="0" err="1" smtClean="0"/>
+              <a:t>abs</a:t>
+            </a:r>
+            <a:r>
+              <a:rPr lang="it-IT" dirty="0" smtClean="0"/>
+              <a:t>(B-B’)^2</a:t>
+            </a:r>
+            <a:endParaRPr lang="it-IT" dirty="0" smtClean="0"/>
+          </a:p>
+        </p:txBody>
+      </p:sp>
+      <p:sp>
+        <p:nvSpPr>
+          <p:cNvPr id="4" name="Slide Number Placeholder 3"/>
+          <p:cNvSpPr>
+            <a:spLocks noGrp="1"/>
+          </p:cNvSpPr>
+          <p:nvPr>
+            <p:ph type="sldNum" sz="quarter" idx="10"/>
+          </p:nvPr>
+        </p:nvSpPr>
+        <p:spPr/>
+        <p:txBody>
+          <a:bodyPr/>
+          <a:lstStyle/>
+          <a:p>
+            <a:fld id="{B84B1DCE-DD70-5840-A766-ADE0E79E6240}" type="slidenum">
+              <a:rPr lang="en-US" smtClean="0"/>
+              <a:t>4</a:t>
+            </a:fld>
+            <a:endParaRPr lang="en-US"/>
+          </a:p>
+        </p:txBody>
+      </p:sp>
+    </p:spTree>
+    <p:extLst>
+      <p:ext uri="{BB962C8B-B14F-4D97-AF65-F5344CB8AC3E}">
+        <p14:creationId xmlns:p14="http://schemas.microsoft.com/office/powerpoint/2010/main" val="1253712349"/>
+      </p:ext>
+    </p:extLst>
+  </p:cSld>
+  <p:clrMapOvr>
+    <a:masterClrMapping/>
+  </p:clrMapOvr>
+</p:notes>
+</file>
+
+<file path=ppt/notesSlides/notesSlide3.xml><?xml version="1.0" encoding="utf-8"?>
+<p:notes xmlns:a="http://schemas.openxmlformats.org/drawingml/2006/main" xmlns:r="http://schemas.openxmlformats.org/officeDocument/2006/relationships" xmlns:p="http://schemas.openxmlformats.org/presentationml/2006/main">
+  <p:cSld>
+    <p:spTree>
+      <p:nvGrpSpPr>
+        <p:cNvPr id="1" name=""/>
+        <p:cNvGrpSpPr/>
+        <p:nvPr/>
+      </p:nvGrpSpPr>
+      <p:grpSpPr>
+        <a:xfrm>
+          <a:off x="0" y="0"/>
+          <a:ext cx="0" cy="0"/>
+          <a:chOff x="0" y="0"/>
+          <a:chExt cx="0" cy="0"/>
+        </a:xfrm>
+      </p:grpSpPr>
+      <p:sp>
+        <p:nvSpPr>
+          <p:cNvPr id="2" name="Slide Image Placeholder 1"/>
+          <p:cNvSpPr>
+            <a:spLocks noGrp="1" noRot="1" noChangeAspect="1"/>
+          </p:cNvSpPr>
+          <p:nvPr>
+            <p:ph type="sldImg"/>
+          </p:nvPr>
+        </p:nvSpPr>
+        <p:spPr/>
+      </p:sp>
+      <p:sp>
+        <p:nvSpPr>
+          <p:cNvPr id="3" name="Notes Placeholder 2"/>
+          <p:cNvSpPr>
+            <a:spLocks noGrp="1"/>
+          </p:cNvSpPr>
+          <p:nvPr>
+            <p:ph type="body" idx="1"/>
+          </p:nvPr>
+        </p:nvSpPr>
+        <p:spPr/>
+        <p:txBody>
+          <a:bodyPr/>
+          <a:lstStyle/>
+          <a:p>
+            <a:endParaRPr lang="en-US" dirty="0"/>
+          </a:p>
+        </p:txBody>
+      </p:sp>
+      <p:sp>
+        <p:nvSpPr>
+          <p:cNvPr id="4" name="Slide Number Placeholder 3"/>
+          <p:cNvSpPr>
+            <a:spLocks noGrp="1"/>
+          </p:cNvSpPr>
+          <p:nvPr>
+            <p:ph type="sldNum" sz="quarter" idx="10"/>
+          </p:nvPr>
+        </p:nvSpPr>
+        <p:spPr/>
+        <p:txBody>
+          <a:bodyPr/>
+          <a:lstStyle/>
+          <a:p>
+            <a:fld id="{B84B1DCE-DD70-5840-A766-ADE0E79E6240}" type="slidenum">
+              <a:rPr lang="en-US" smtClean="0"/>
+              <a:t>7</a:t>
+            </a:fld>
+            <a:endParaRPr lang="en-US"/>
+          </a:p>
+        </p:txBody>
+      </p:sp>
+    </p:spTree>
+    <p:extLst>
+      <p:ext uri="{BB962C8B-B14F-4D97-AF65-F5344CB8AC3E}">
+        <p14:creationId xmlns:p14="http://schemas.microsoft.com/office/powerpoint/2010/main" val="336484280"/>
+      </p:ext>
+    </p:extLst>
+  </p:cSld>
+  <p:clrMapOvr>
+    <a:masterClrMapping/>
+  </p:clrMapOvr>
+</p:notes>
+</file>
+
+<file path=ppt/notesSlides/notesSlide4.xml><?xml version="1.0" encoding="utf-8"?>
+<p:notes xmlns:a="http://schemas.openxmlformats.org/drawingml/2006/main" xmlns:r="http://schemas.openxmlformats.org/officeDocument/2006/relationships" xmlns:p="http://schemas.openxmlformats.org/presentationml/2006/main">
+  <p:cSld>
+    <p:spTree>
+      <p:nvGrpSpPr>
+        <p:cNvPr id="1" name=""/>
+        <p:cNvGrpSpPr/>
+        <p:nvPr/>
+      </p:nvGrpSpPr>
+      <p:grpSpPr>
+        <a:xfrm>
+          <a:off x="0" y="0"/>
+          <a:ext cx="0" cy="0"/>
+          <a:chOff x="0" y="0"/>
+          <a:chExt cx="0" cy="0"/>
+        </a:xfrm>
+      </p:grpSpPr>
+      <p:sp>
+        <p:nvSpPr>
+          <p:cNvPr id="2" name="Slide Image Placeholder 1"/>
+          <p:cNvSpPr>
+            <a:spLocks noGrp="1" noRot="1" noChangeAspect="1"/>
+          </p:cNvSpPr>
+          <p:nvPr>
+            <p:ph type="sldImg"/>
+          </p:nvPr>
+        </p:nvSpPr>
+        <p:spPr/>
+      </p:sp>
+      <p:sp>
+        <p:nvSpPr>
+          <p:cNvPr id="3" name="Notes Placeholder 2"/>
+          <p:cNvSpPr>
+            <a:spLocks noGrp="1"/>
+          </p:cNvSpPr>
+          <p:nvPr>
+            <p:ph type="body" idx="1"/>
+          </p:nvPr>
+        </p:nvSpPr>
+        <p:spPr/>
+        <p:txBody>
+          <a:bodyPr/>
+          <a:lstStyle/>
+          <a:p>
+            <a:endParaRPr lang="en-US" dirty="0"/>
+          </a:p>
+        </p:txBody>
+      </p:sp>
+      <p:sp>
+        <p:nvSpPr>
+          <p:cNvPr id="4" name="Slide Number Placeholder 3"/>
+          <p:cNvSpPr>
+            <a:spLocks noGrp="1"/>
+          </p:cNvSpPr>
+          <p:nvPr>
+            <p:ph type="sldNum" sz="quarter" idx="10"/>
+          </p:nvPr>
+        </p:nvSpPr>
+        <p:spPr/>
+        <p:txBody>
+          <a:bodyPr/>
+          <a:lstStyle/>
+          <a:p>
+            <a:fld id="{B84B1DCE-DD70-5840-A766-ADE0E79E6240}" type="slidenum">
+              <a:rPr lang="en-US" smtClean="0"/>
+              <a:t>8</a:t>
+            </a:fld>
+            <a:endParaRPr lang="en-US"/>
+          </a:p>
+        </p:txBody>
+      </p:sp>
+    </p:spTree>
+    <p:extLst>
+      <p:ext uri="{BB962C8B-B14F-4D97-AF65-F5344CB8AC3E}">
+        <p14:creationId xmlns:p14="http://schemas.microsoft.com/office/powerpoint/2010/main" val="2108481439"/>
       </p:ext>
     </p:extLst>
   </p:cSld>
@@ -4326,11 +4611,7 @@
           <a:p>
             <a:r>
               <a:rPr lang="it-IT" dirty="0" smtClean="0"/>
-              <a:t>Corso di Metodi di </a:t>
-            </a:r>
-            <a:r>
-              <a:rPr lang="it-IT" dirty="0" smtClean="0"/>
-              <a:t>Ottimizzazione</a:t>
+              <a:t>Corso di Metodi di Ottimizzazione</a:t>
             </a:r>
           </a:p>
           <a:p>
@@ -4343,7 +4624,6 @@
               <a:rPr lang="it-IT" dirty="0" smtClean="0"/>
               <a:t>. 2017/18</a:t>
             </a:r>
-            <a:endParaRPr lang="it-IT" dirty="0" smtClean="0"/>
           </a:p>
         </p:txBody>
       </p:sp>
@@ -4471,56 +4751,353 @@
           <a:p>
             <a:r>
               <a:rPr lang="it-IT" dirty="0" smtClean="0"/>
-              <a:t>PROBLEMI</a:t>
+              <a:t>CONDIZIONI DI ARRESTO</a:t>
             </a:r>
             <a:endParaRPr lang="it-IT" dirty="0"/>
           </a:p>
         </p:txBody>
       </p:sp>
-      <p:sp>
-        <p:nvSpPr>
-          <p:cNvPr id="3" name="Segnaposto contenuto 2"/>
-          <p:cNvSpPr>
-            <a:spLocks noGrp="1"/>
-          </p:cNvSpPr>
-          <p:nvPr>
-            <p:ph idx="1"/>
-          </p:nvPr>
+      <mc:AlternateContent xmlns:mc="http://schemas.openxmlformats.org/markup-compatibility/2006">
+        <mc:Choice xmlns:a14="http://schemas.microsoft.com/office/drawing/2010/main" Requires="a14">
+          <p:sp>
+            <p:nvSpPr>
+              <p:cNvPr id="3" name="Segnaposto contenuto 2"/>
+              <p:cNvSpPr>
+                <a:spLocks noGrp="1"/>
+              </p:cNvSpPr>
+              <p:nvPr>
+                <p:ph idx="1"/>
+              </p:nvPr>
+            </p:nvSpPr>
+            <p:spPr>
+              <a:xfrm>
+                <a:off x="1097280" y="2640873"/>
+                <a:ext cx="10058400" cy="3280956"/>
+              </a:xfrm>
+            </p:spPr>
+            <p:txBody>
+              <a:bodyPr>
+                <a:normAutofit/>
+              </a:bodyPr>
+              <a:lstStyle/>
+              <a:p>
+                <a:pPr marL="457200" indent="-457200">
+                  <a:buFont typeface="+mj-lt"/>
+                  <a:buAutoNum type="arabicPeriod"/>
+                </a:pPr>
+                <a:r>
+                  <a:rPr lang="it-IT" dirty="0" smtClean="0"/>
+                  <a:t>Area </a:t>
+                </a:r>
+                <a:r>
+                  <a:rPr lang="it-IT" dirty="0" smtClean="0"/>
+                  <a:t>minima raggiunta dall’ultimo </a:t>
+                </a:r>
+                <a:r>
+                  <a:rPr lang="it-IT" dirty="0" smtClean="0"/>
+                  <a:t>politopo: tale parametro viene settato dall’utente</a:t>
+                </a:r>
+                <a14:m>
+                  <m:oMath xmlns:m="http://schemas.openxmlformats.org/officeDocument/2006/math">
+                    <m:r>
+                      <a:rPr lang="it-IT" b="0" i="0" smtClean="0">
+                        <a:latin typeface="Cambria Math" charset="0"/>
+                      </a:rPr>
+                      <m:t> </m:t>
+                    </m:r>
+                  </m:oMath>
+                </a14:m>
+                <a:endParaRPr lang="it-IT" b="0" i="0" dirty="0" smtClean="0">
+                  <a:latin typeface="Cambria Math" charset="0"/>
+                </a:endParaRPr>
+              </a:p>
+              <a:p>
+                <a:pPr marL="457200" indent="-457200">
+                  <a:buFont typeface="+mj-lt"/>
+                  <a:buAutoNum type="arabicPeriod"/>
+                </a:pPr>
+                <a:endParaRPr lang="it-IT" b="0" i="0" dirty="0" smtClean="0">
+                  <a:latin typeface="Cambria Math" charset="0"/>
+                </a:endParaRPr>
+              </a:p>
+              <a:p>
+                <a:pPr marL="0" indent="0">
+                  <a:buNone/>
+                </a:pPr>
+                <a14:m>
+                  <m:oMathPara xmlns:m="http://schemas.openxmlformats.org/officeDocument/2006/math">
+                    <m:oMathParaPr>
+                      <m:jc m:val="centerGroup"/>
+                    </m:oMathParaPr>
+                    <m:oMath xmlns:m="http://schemas.openxmlformats.org/officeDocument/2006/math">
+                      <m:r>
+                        <a:rPr lang="it-IT" b="0" i="0" smtClean="0">
+                          <a:latin typeface="Cambria Math" charset="0"/>
+                        </a:rPr>
+                        <m:t>4</m:t>
+                      </m:r>
+                      <m:f>
+                        <m:fPr>
+                          <m:ctrlPr>
+                            <a:rPr lang="mr-IN" i="1" smtClean="0">
+                              <a:latin typeface="Cambria Math" charset="0"/>
+                            </a:rPr>
+                          </m:ctrlPr>
+                        </m:fPr>
+                        <m:num>
+                          <m:rad>
+                            <m:radPr>
+                              <m:degHide m:val="on"/>
+                              <m:ctrlPr>
+                                <a:rPr lang="mr-IN" i="1" smtClean="0">
+                                  <a:latin typeface="Cambria Math" charset="0"/>
+                                </a:rPr>
+                              </m:ctrlPr>
+                            </m:radPr>
+                            <m:deg/>
+                            <m:e>
+                              <m:r>
+                                <a:rPr lang="it-IT" b="0" i="1" smtClean="0">
+                                  <a:latin typeface="Cambria Math" charset="0"/>
+                                </a:rPr>
+                                <m:t>3 </m:t>
+                              </m:r>
+                            </m:e>
+                          </m:rad>
+                          <m:r>
+                            <a:rPr lang="it-IT" b="0" i="1" smtClean="0">
+                              <a:latin typeface="Cambria Math" charset="0"/>
+                            </a:rPr>
+                            <m:t>𝑙</m:t>
+                          </m:r>
+                        </m:num>
+                        <m:den>
+                          <m:r>
+                            <a:rPr lang="it-IT" b="0" i="1" smtClean="0">
+                              <a:latin typeface="Cambria Math" charset="0"/>
+                            </a:rPr>
+                            <m:t>2</m:t>
+                          </m:r>
+                        </m:den>
+                      </m:f>
+                    </m:oMath>
+                  </m:oMathPara>
+                </a14:m>
+                <a:endParaRPr lang="it-IT" dirty="0" smtClean="0"/>
+              </a:p>
+              <a:p>
+                <a:pPr marL="0" indent="0">
+                  <a:buNone/>
+                </a:pPr>
+                <a:endParaRPr lang="it-IT" dirty="0" smtClean="0"/>
+              </a:p>
+              <a:p>
+                <a:pPr marL="457200" indent="-457200">
+                  <a:buFont typeface="+mj-lt"/>
+                  <a:buAutoNum type="arabicPeriod" startAt="2"/>
+                </a:pPr>
+                <a:r>
+                  <a:rPr lang="it-IT" dirty="0" smtClean="0"/>
+                  <a:t>Numero di </a:t>
+                </a:r>
+                <a:r>
+                  <a:rPr lang="it-IT" dirty="0" err="1" smtClean="0"/>
+                  <a:t>flip</a:t>
+                </a:r>
+                <a:r>
+                  <a:rPr lang="it-IT" dirty="0" smtClean="0"/>
+                  <a:t>, o meglio iterazioni</a:t>
+                </a:r>
+                <a:r>
+                  <a:rPr lang="it-IT" dirty="0" smtClean="0"/>
+                  <a:t> effettuate durante </a:t>
+                </a:r>
+                <a:r>
+                  <a:rPr lang="it-IT" dirty="0" smtClean="0"/>
+                  <a:t>l’esecuzione </a:t>
+                </a:r>
+                <a:r>
+                  <a:rPr lang="it-IT" dirty="0" smtClean="0"/>
+                  <a:t>dell’algoritmo. L’esistenza di tale condizione è stata resa necessaria in quanto, l’algoritmo potrebbe proseguire  per un numero molto grande di iterazioni</a:t>
+                </a:r>
+                <a:endParaRPr lang="it-IT" dirty="0"/>
+              </a:p>
+            </p:txBody>
+          </p:sp>
+        </mc:Choice>
+        <mc:Fallback>
+          <p:sp>
+            <p:nvSpPr>
+              <p:cNvPr id="3" name="Segnaposto contenuto 2"/>
+              <p:cNvSpPr>
+                <a:spLocks noGrp="1" noRot="1" noChangeAspect="1" noMove="1" noResize="1" noEditPoints="1" noAdjustHandles="1" noChangeArrowheads="1" noChangeShapeType="1" noTextEdit="1"/>
+              </p:cNvSpPr>
+              <p:nvPr>
+                <p:ph idx="1"/>
+              </p:nvPr>
+            </p:nvSpPr>
+            <p:spPr>
+              <a:xfrm>
+                <a:off x="1097280" y="2640873"/>
+                <a:ext cx="10058400" cy="3280956"/>
+              </a:xfrm>
+              <a:blipFill rotWithShape="0">
+                <a:blip r:embed="rId2"/>
+                <a:stretch>
+                  <a:fillRect l="-1576" t="-13011" r="-667"/>
+                </a:stretch>
+              </a:blipFill>
+            </p:spPr>
+            <p:txBody>
+              <a:bodyPr/>
+              <a:lstStyle/>
+              <a:p>
+                <a:r>
+                  <a:rPr lang="en-US">
+                    <a:noFill/>
+                  </a:rPr>
+                  <a:t> </a:t>
+                </a:r>
+              </a:p>
+            </p:txBody>
+          </p:sp>
+        </mc:Fallback>
+      </mc:AlternateContent>
+      <p:sp>
+        <p:nvSpPr>
+          <p:cNvPr id="4" name="TextBox 3"/>
+          <p:cNvSpPr txBox="1"/>
+          <p:nvPr/>
         </p:nvSpPr>
         <p:spPr>
           <a:xfrm>
-            <a:off x="838200" y="1825625"/>
-            <a:ext cx="4440382" cy="4351338"/>
+            <a:off x="1097281" y="2079171"/>
+            <a:ext cx="10058399" cy="400110"/>
           </a:xfrm>
+          <a:prstGeom prst="rect">
+            <a:avLst/>
+          </a:prstGeom>
+          <a:noFill/>
         </p:spPr>
         <p:txBody>
-          <a:bodyPr/>
+          <a:bodyPr wrap="square" rtlCol="0">
+            <a:spAutoFit/>
+          </a:bodyPr>
           <a:lstStyle/>
           <a:p>
             <a:r>
-              <a:rPr lang="it-IT" dirty="0" smtClean="0"/>
-              <a:t>Tutti i vertici del politopo sono fuori dal vincolo</a:t>
-            </a:r>
-          </a:p>
-          <a:p>
-            <a:r>
-              <a:rPr lang="it-IT" dirty="0" smtClean="0"/>
-              <a:t>Grafico quadridimensionale</a:t>
-            </a:r>
-            <a:endParaRPr lang="it-IT" dirty="0"/>
+              <a:rPr lang="en-US" sz="2000" dirty="0" smtClean="0"/>
+              <a:t>Le </a:t>
+            </a:r>
+            <a:r>
+              <a:rPr lang="en-US" sz="2000" dirty="0" err="1" smtClean="0"/>
+              <a:t>condizioni</a:t>
+            </a:r>
+            <a:r>
+              <a:rPr lang="en-US" sz="2000" dirty="0" smtClean="0"/>
+              <a:t> di </a:t>
+            </a:r>
+            <a:r>
+              <a:rPr lang="en-US" sz="2000" dirty="0" err="1" smtClean="0"/>
+              <a:t>arresto</a:t>
+            </a:r>
+            <a:r>
+              <a:rPr lang="en-US" sz="2000" dirty="0" smtClean="0"/>
+              <a:t>, </a:t>
+            </a:r>
+            <a:r>
+              <a:rPr lang="en-US" sz="2000" dirty="0" err="1" smtClean="0"/>
+              <a:t>ovvero</a:t>
+            </a:r>
+            <a:r>
+              <a:rPr lang="en-US" sz="2000" dirty="0" smtClean="0"/>
+              <a:t> </a:t>
+            </a:r>
+            <a:r>
+              <a:rPr lang="en-US" sz="2000" dirty="0" err="1" smtClean="0"/>
+              <a:t>i</a:t>
+            </a:r>
+            <a:r>
+              <a:rPr lang="en-US" sz="2000" dirty="0" smtClean="0"/>
+              <a:t> </a:t>
+            </a:r>
+            <a:r>
+              <a:rPr lang="en-US" sz="2000" dirty="0" err="1" smtClean="0"/>
+              <a:t>criteri</a:t>
+            </a:r>
+            <a:r>
+              <a:rPr lang="en-US" sz="2000" dirty="0" smtClean="0"/>
+              <a:t> </a:t>
+            </a:r>
+            <a:r>
+              <a:rPr lang="en-US" sz="2000" dirty="0" err="1" smtClean="0"/>
+              <a:t>che</a:t>
+            </a:r>
+            <a:r>
+              <a:rPr lang="en-US" sz="2000" dirty="0" smtClean="0"/>
+              <a:t> ci </a:t>
+            </a:r>
+            <a:r>
+              <a:rPr lang="en-US" sz="2000" dirty="0" err="1" smtClean="0"/>
+              <a:t>portano</a:t>
+            </a:r>
+            <a:r>
+              <a:rPr lang="en-US" sz="2000" dirty="0" smtClean="0"/>
+              <a:t> </a:t>
+            </a:r>
+            <a:r>
+              <a:rPr lang="en-US" sz="2000" dirty="0" err="1" smtClean="0"/>
+              <a:t>alla</a:t>
+            </a:r>
+            <a:r>
+              <a:rPr lang="en-US" sz="2000" dirty="0" smtClean="0"/>
+              <a:t> </a:t>
+            </a:r>
+            <a:r>
+              <a:rPr lang="en-US" sz="2000" dirty="0" err="1" smtClean="0"/>
+              <a:t>conclusione</a:t>
+            </a:r>
+            <a:r>
+              <a:rPr lang="en-US" sz="2000" dirty="0" smtClean="0"/>
+              <a:t> </a:t>
+            </a:r>
+            <a:r>
+              <a:rPr lang="en-US" sz="2000" dirty="0" err="1" smtClean="0"/>
+              <a:t>dell’algoritmo</a:t>
+            </a:r>
+            <a:r>
+              <a:rPr lang="en-US" sz="2000" dirty="0" smtClean="0"/>
+              <a:t> </a:t>
+            </a:r>
+            <a:r>
+              <a:rPr lang="en-US" sz="2000" dirty="0" err="1" smtClean="0"/>
+              <a:t>sono</a:t>
+            </a:r>
+            <a:r>
+              <a:rPr lang="en-US" sz="2000" dirty="0" smtClean="0"/>
+              <a:t> due: </a:t>
+            </a:r>
+            <a:endParaRPr lang="en-US" sz="2000" dirty="0"/>
           </a:p>
         </p:txBody>
       </p:sp>
     </p:spTree>
     <p:extLst>
       <p:ext uri="{BB962C8B-B14F-4D97-AF65-F5344CB8AC3E}">
-        <p14:creationId xmlns:p14="http://schemas.microsoft.com/office/powerpoint/2010/main" val="891156659"/>
+        <p14:creationId xmlns:p14="http://schemas.microsoft.com/office/powerpoint/2010/main" val="4037897198"/>
       </p:ext>
     </p:extLst>
   </p:cSld>
   <p:clrMapOvr>
     <a:masterClrMapping/>
   </p:clrMapOvr>
+  <p:timing>
+    <p:tnLst>
+      <p:par>
+        <p:cTn id="1" dur="indefinite" restart="never" nodeType="tmRoot"/>
+      </p:par>
+    </p:tnLst>
+  </p:timing>
 </p:sld>
 </file>
 
@@ -4558,7 +5135,7 @@
           <a:p>
             <a:r>
               <a:rPr lang="it-IT" dirty="0" smtClean="0"/>
-              <a:t>Soluzioni</a:t>
+              <a:t>PROBLEMI</a:t>
             </a:r>
             <a:endParaRPr lang="it-IT" dirty="0"/>
           </a:p>
@@ -4576,32 +5153,246 @@
         </p:nvSpPr>
         <p:spPr>
           <a:xfrm>
-            <a:off x="838200" y="1825625"/>
-            <a:ext cx="4548447" cy="4351338"/>
+            <a:off x="1149530" y="1858284"/>
+            <a:ext cx="10006149" cy="2060574"/>
           </a:xfrm>
         </p:spPr>
         <p:txBody>
+          <a:bodyPr>
+            <a:normAutofit/>
+          </a:bodyPr>
+          <a:lstStyle/>
+          <a:p>
+            <a:r>
+              <a:rPr lang="it-IT" dirty="0" smtClean="0"/>
+              <a:t>I problemi incontrati durante lo sviluppo dell’algoritmo, sono principalmente </a:t>
+            </a:r>
+            <a:r>
+              <a:rPr lang="it-IT" i="1" dirty="0" smtClean="0"/>
+              <a:t>due</a:t>
+            </a:r>
+            <a:r>
+              <a:rPr lang="it-IT" dirty="0" smtClean="0"/>
+              <a:t>:</a:t>
+            </a:r>
+          </a:p>
+          <a:p>
+            <a:endParaRPr lang="it-IT" dirty="0" smtClean="0"/>
+          </a:p>
+          <a:p>
+            <a:r>
+              <a:rPr lang="it-IT" dirty="0" smtClean="0"/>
+              <a:t>Quando parte del politopo esce fuori dal vincolo che è stato imposto, di conseguenza è stato reso necessario un metodo che porta il politopo, di nuovo, nella regione di nostro interesse</a:t>
+            </a:r>
+            <a:endParaRPr lang="it-IT" dirty="0" smtClean="0"/>
+          </a:p>
+        </p:txBody>
+      </p:sp>
+      <p:sp>
+        <p:nvSpPr>
+          <p:cNvPr id="4" name="Rectangle 3"/>
+          <p:cNvSpPr/>
+          <p:nvPr/>
+        </p:nvSpPr>
+        <p:spPr>
+          <a:xfrm>
+            <a:off x="1123405" y="4042007"/>
+            <a:ext cx="10006149" cy="707886"/>
+          </a:xfrm>
+          <a:prstGeom prst="rect">
+            <a:avLst/>
+          </a:prstGeom>
+        </p:spPr>
+        <p:txBody>
+          <a:bodyPr wrap="square">
+            <a:spAutoFit/>
+          </a:bodyPr>
+          <a:lstStyle/>
+          <a:p>
+            <a:r>
+              <a:rPr lang="it-IT" sz="2000" dirty="0"/>
+              <a:t>Il secondo problema è di natura grafica, in quanto, lavorando in 3 dimensioni si è avuti a che fare con grafici quadrimensionali</a:t>
+            </a:r>
+            <a:endParaRPr lang="it-IT" sz="2000" dirty="0"/>
+          </a:p>
+        </p:txBody>
+      </p:sp>
+    </p:spTree>
+    <p:extLst>
+      <p:ext uri="{BB962C8B-B14F-4D97-AF65-F5344CB8AC3E}">
+        <p14:creationId xmlns:p14="http://schemas.microsoft.com/office/powerpoint/2010/main" val="891156659"/>
+      </p:ext>
+    </p:extLst>
+  </p:cSld>
+  <p:clrMapOvr>
+    <a:masterClrMapping/>
+  </p:clrMapOvr>
+  <p:timing>
+    <p:tnLst>
+      <p:par>
+        <p:cTn id="1" dur="indefinite" restart="never" nodeType="tmRoot"/>
+      </p:par>
+    </p:tnLst>
+  </p:timing>
+</p:sld>
+</file>
+
+<file path=ppt/slides/slide12.xml><?xml version="1.0" encoding="utf-8"?>
+<p:sld xmlns:a="http://schemas.openxmlformats.org/drawingml/2006/main" xmlns:r="http://schemas.openxmlformats.org/officeDocument/2006/relationships" xmlns:p="http://schemas.openxmlformats.org/presentationml/2006/main">
+  <p:cSld>
+    <p:spTree>
+      <p:nvGrpSpPr>
+        <p:cNvPr id="1" name=""/>
+        <p:cNvGrpSpPr/>
+        <p:nvPr/>
+      </p:nvGrpSpPr>
+      <p:grpSpPr>
+        <a:xfrm>
+          <a:off x="0" y="0"/>
+          <a:ext cx="0" cy="0"/>
+          <a:chOff x="0" y="0"/>
+          <a:chExt cx="0" cy="0"/>
+        </a:xfrm>
+      </p:grpSpPr>
+      <p:sp>
+        <p:nvSpPr>
+          <p:cNvPr id="2" name="Titolo 1"/>
+          <p:cNvSpPr>
+            <a:spLocks noGrp="1"/>
+          </p:cNvSpPr>
+          <p:nvPr>
+            <p:ph type="title"/>
+          </p:nvPr>
+        </p:nvSpPr>
+        <p:spPr/>
+        <p:txBody>
           <a:bodyPr/>
           <a:lstStyle/>
           <a:p>
             <a:r>
               <a:rPr lang="it-IT" dirty="0" smtClean="0"/>
-              <a:t>Penalità</a:t>
-            </a:r>
-          </a:p>
-          <a:p>
-            <a:r>
-              <a:rPr lang="it-IT" dirty="0" smtClean="0"/>
-              <a:t>Piani con superfici </a:t>
-            </a:r>
-            <a:r>
-              <a:rPr lang="it-IT" dirty="0" err="1" smtClean="0"/>
+              <a:t>SOLUZIONI</a:t>
+            </a:r>
+            <a:endParaRPr lang="it-IT" dirty="0"/>
+          </a:p>
+        </p:txBody>
+      </p:sp>
+      <p:sp>
+        <p:nvSpPr>
+          <p:cNvPr id="3" name="Segnaposto contenuto 2"/>
+          <p:cNvSpPr>
+            <a:spLocks noGrp="1"/>
+          </p:cNvSpPr>
+          <p:nvPr>
+            <p:ph idx="1"/>
+          </p:nvPr>
+        </p:nvSpPr>
+        <p:spPr>
+          <a:xfrm>
+            <a:off x="1097280" y="1988896"/>
+            <a:ext cx="10058400" cy="950232"/>
+          </a:xfrm>
+        </p:spPr>
+        <p:txBody>
+          <a:bodyPr>
+            <a:normAutofit/>
+          </a:bodyPr>
+          <a:lstStyle/>
+          <a:p>
+            <a:r>
+              <a:rPr lang="it-IT" dirty="0" smtClean="0">
+                <a:solidFill>
+                  <a:schemeClr val="tx1"/>
+                </a:solidFill>
+              </a:rPr>
+              <a:t>Il primo problema è stato risolto utilizzando un sistema di penalità, che andasse ad aumentare drasticamente il valore della funzioni in punti al di fuori del vincolo </a:t>
+            </a:r>
+            <a:r>
+              <a:rPr lang="it-IT" dirty="0" err="1" smtClean="0">
+                <a:solidFill>
+                  <a:schemeClr val="tx1"/>
+                </a:solidFill>
+              </a:rPr>
+              <a:t>cosicchè</a:t>
+            </a:r>
+            <a:r>
+              <a:rPr lang="it-IT" dirty="0" smtClean="0">
+                <a:solidFill>
+                  <a:schemeClr val="tx1"/>
+                </a:solidFill>
+              </a:rPr>
+              <a:t> l’algoritmo stesso li portasse di nuovo dentro</a:t>
+            </a:r>
+            <a:endParaRPr lang="it-IT" dirty="0" smtClean="0">
+              <a:solidFill>
+                <a:schemeClr val="tx1"/>
+              </a:solidFill>
+            </a:endParaRPr>
+          </a:p>
+        </p:txBody>
+      </p:sp>
+      <p:sp>
+        <p:nvSpPr>
+          <p:cNvPr id="4" name="Rectangle 3"/>
+          <p:cNvSpPr/>
+          <p:nvPr/>
+        </p:nvSpPr>
+        <p:spPr>
+          <a:xfrm>
+            <a:off x="1097279" y="3502509"/>
+            <a:ext cx="10058401" cy="400110"/>
+          </a:xfrm>
+          <a:prstGeom prst="rect">
+            <a:avLst/>
+          </a:prstGeom>
+        </p:spPr>
+        <p:txBody>
+          <a:bodyPr wrap="square">
+            <a:spAutoFit/>
+          </a:bodyPr>
+          <a:lstStyle/>
+          <a:p>
+            <a:r>
+              <a:rPr lang="it-IT" sz="2000" dirty="0" smtClean="0"/>
+              <a:t>Per il secondo invece sono stati utilizzati delle superfici </a:t>
+            </a:r>
+            <a:r>
+              <a:rPr lang="it-IT" sz="2000" dirty="0" err="1" smtClean="0"/>
               <a:t>isolivello</a:t>
             </a:r>
-            <a:endParaRPr lang="it-IT" dirty="0"/>
+            <a:endParaRPr lang="it-IT" sz="2000" dirty="0"/>
           </a:p>
         </p:txBody>
       </p:sp>
+      <p:pic>
+        <p:nvPicPr>
+          <p:cNvPr id="8" name="Picture 7"/>
+          <p:cNvPicPr>
+            <a:picLocks noChangeAspect="1"/>
+          </p:cNvPicPr>
+          <p:nvPr/>
+        </p:nvPicPr>
+        <p:blipFill rotWithShape="1">
+          <a:blip r:embed="rId2">
+            <a:extLst>
+              <a:ext uri="{28A0092B-C50C-407E-A947-70E740481C1C}">
+                <a14:useLocalDpi xmlns:a14="http://schemas.microsoft.com/office/drawing/2010/main" val="0"/>
+              </a:ext>
+            </a:extLst>
+          </a:blip>
+          <a:srcRect l="7322" t="3905" r="7109" b="3667"/>
+          <a:stretch/>
+        </p:blipFill>
+        <p:spPr>
+          <a:xfrm>
+            <a:off x="8001000" y="2864122"/>
+            <a:ext cx="3907972" cy="3293366"/>
+          </a:xfrm>
+          <a:prstGeom prst="rect">
+            <a:avLst/>
+          </a:prstGeom>
+        </p:spPr>
+      </p:pic>
     </p:spTree>
     <p:extLst>
       <p:ext uri="{BB962C8B-B14F-4D97-AF65-F5344CB8AC3E}">
@@ -4612,6 +5403,13 @@
   <p:clrMapOvr>
     <a:masterClrMapping/>
   </p:clrMapOvr>
+  <p:timing>
+    <p:tnLst>
+      <p:par>
+        <p:cTn id="1" dur="indefinite" restart="never" nodeType="tmRoot"/>
+      </p:par>
+    </p:tnLst>
+  </p:timing>
 </p:sld>
 </file>
 
@@ -4678,15 +5476,27 @@
           <a:lstStyle/>
           <a:p>
             <a:r>
-              <a:rPr lang="it-IT" dirty="0" smtClean="0"/>
+              <a:rPr lang="it-IT" dirty="0">
+                <a:solidFill>
+                  <a:schemeClr val="tx1"/>
+                </a:solidFill>
+              </a:rPr>
               <a:t>Il sistema è composto da un </a:t>
             </a:r>
             <a:r>
-              <a:rPr lang="it-IT" dirty="0" err="1" smtClean="0"/>
+              <a:rPr lang="it-IT" dirty="0" err="1">
+                <a:solidFill>
+                  <a:schemeClr val="tx1"/>
+                </a:solidFill>
+              </a:rPr>
               <a:t>brick</a:t>
             </a:r>
             <a:r>
-              <a:rPr lang="it-IT" dirty="0" smtClean="0"/>
+              <a:rPr lang="it-IT" dirty="0">
+                <a:solidFill>
+                  <a:schemeClr val="tx1"/>
+                </a:solidFill>
+              </a:rPr>
               <a:t> contente:</a:t>
             </a:r>
           </a:p>
@@ -4696,22 +5506,13 @@
               <a:buChar char="•"/>
             </a:pPr>
             <a:r>
-              <a:rPr lang="it-IT" dirty="0" smtClean="0"/>
-              <a:t> N-1 </a:t>
-            </a:r>
-            <a:r>
-              <a:rPr lang="it-IT" dirty="0" smtClean="0"/>
-              <a:t>cariche </a:t>
-            </a:r>
-            <a:r>
-              <a:rPr lang="it-IT" dirty="0" smtClean="0"/>
-              <a:t>note, di valore </a:t>
-            </a:r>
-            <a:r>
-              <a:rPr lang="it-IT" dirty="0" smtClean="0"/>
-              <a:t>ugual valore</a:t>
-            </a:r>
-            <a:endParaRPr lang="it-IT" dirty="0" smtClean="0"/>
+              <a:rPr lang="it-IT" dirty="0" smtClean="0">
+                <a:solidFill>
+                  <a:schemeClr val="tx1"/>
+                </a:solidFill>
+              </a:rPr>
+              <a:t> N-1 cariche note, di valore ugual valore</a:t>
+            </a:r>
           </a:p>
           <a:p>
             <a:pPr lvl="1">
@@ -4719,42 +5520,21 @@
               <a:buChar char="•"/>
             </a:pPr>
             <a:r>
-              <a:rPr lang="it-IT" dirty="0" smtClean="0"/>
+              <a:rPr lang="it-IT" dirty="0" smtClean="0">
+                <a:solidFill>
+                  <a:schemeClr val="tx1"/>
+                </a:solidFill>
+              </a:rPr>
               <a:t> 1 carica le cui coordinate sono incognite</a:t>
             </a:r>
-            <a:endParaRPr lang="it-IT" dirty="0"/>
+            <a:endParaRPr lang="it-IT" dirty="0">
+              <a:solidFill>
+                <a:schemeClr val="tx1"/>
+              </a:solidFill>
+            </a:endParaRPr>
           </a:p>
         </p:txBody>
       </p:sp>
-      <p:pic>
-        <p:nvPicPr>
-          <p:cNvPr id="5" name="Picture 4"/>
-          <p:cNvPicPr>
-            <a:picLocks noChangeAspect="1"/>
-          </p:cNvPicPr>
-          <p:nvPr/>
-        </p:nvPicPr>
-        <p:blipFill rotWithShape="1">
-          <a:blip r:embed="rId3">
-            <a:extLst>
-              <a:ext uri="{28A0092B-C50C-407E-A947-70E740481C1C}">
-                <a14:useLocalDpi xmlns:a14="http://schemas.microsoft.com/office/drawing/2010/main" val="0"/>
-              </a:ext>
-            </a:extLst>
-          </a:blip>
-          <a:srcRect r="4789" b="5084"/>
-          <a:stretch/>
-        </p:blipFill>
-        <p:spPr>
-          <a:xfrm>
-            <a:off x="6106887" y="1967138"/>
-            <a:ext cx="5235700" cy="3849463"/>
-          </a:xfrm>
-          <a:prstGeom prst="rect">
-            <a:avLst/>
-          </a:prstGeom>
-        </p:spPr>
-      </p:pic>
       <p:sp>
         <p:nvSpPr>
           <p:cNvPr id="6" name="TextBox 5"/>
@@ -4763,8 +5543,8 @@
         </p:nvSpPr>
         <p:spPr>
           <a:xfrm>
-            <a:off x="892629" y="3430204"/>
-            <a:ext cx="4550228" cy="1292662"/>
+            <a:off x="892628" y="3424884"/>
+            <a:ext cx="4528391" cy="923330"/>
           </a:xfrm>
           <a:prstGeom prst="rect">
             <a:avLst/>
@@ -4777,6 +5557,23 @@
           </a:bodyPr>
           <a:lstStyle/>
           <a:p>
+            <a:pPr marL="91440" indent="-91440">
+              <a:lnSpc>
+                <a:spcPct val="90000"/>
+              </a:lnSpc>
+              <a:spcBef>
+                <a:spcPts val="1200"/>
+              </a:spcBef>
+              <a:spcAft>
+                <a:spcPts val="200"/>
+              </a:spcAft>
+              <a:buClr>
+                <a:schemeClr val="accent1"/>
+              </a:buClr>
+              <a:buSzPct val="100000"/>
+              <a:buFont typeface="Calibri" panose="020F0502020204030204" pitchFamily="34" charset="0"/>
+              <a:buChar char=" "/>
+            </a:pPr>
             <a:r>
               <a:rPr lang="it-IT" sz="2000" dirty="0"/>
               <a:t>Un secondo </a:t>
@@ -4790,7 +5587,7 @@
               <a:t> esterno su cui sono posti M misurati di </a:t>
             </a:r>
             <a:r>
-              <a:rPr lang="it-IT" sz="2000" dirty="0" smtClean="0"/>
+              <a:rPr lang="it-IT" sz="2000" dirty="0"/>
               <a:t>potenziale elettrico</a:t>
             </a:r>
             <a:r>
@@ -4798,16 +5595,10 @@
               <a:t> </a:t>
             </a:r>
             <a:r>
-              <a:rPr lang="it-IT" sz="2000" dirty="0" err="1"/>
+              <a:rPr lang="it-IT" sz="2000" dirty="0" err="1" smtClean="0"/>
               <a:t>equidistanziati</a:t>
             </a:r>
-            <a:r>
-              <a:rPr lang="it-IT" dirty="0"/>
-              <a:t>.</a:t>
-            </a:r>
-          </a:p>
-          <a:p>
-            <a:endParaRPr lang="en-US" dirty="0"/>
+            <a:endParaRPr lang="it-IT" sz="2000" dirty="0"/>
           </a:p>
         </p:txBody>
       </p:sp>
@@ -4819,8 +5610,8 @@
         </p:nvSpPr>
         <p:spPr>
           <a:xfrm>
-            <a:off x="892629" y="4722478"/>
-            <a:ext cx="4415542" cy="707886"/>
+            <a:off x="892628" y="4722478"/>
+            <a:ext cx="4415543" cy="707886"/>
           </a:xfrm>
           <a:prstGeom prst="rect">
             <a:avLst/>
@@ -4834,70 +5625,1094 @@
           <a:lstStyle/>
           <a:p>
             <a:r>
-              <a:rPr lang="en-US" sz="2000" dirty="0" smtClean="0"/>
+              <a:rPr lang="en-US" sz="2000" dirty="0"/>
               <a:t>Il </a:t>
             </a:r>
             <a:r>
-              <a:rPr lang="en-US" sz="2000" dirty="0" err="1" smtClean="0"/>
+              <a:rPr lang="en-US" sz="2000" dirty="0" err="1"/>
               <a:t>nostro</a:t>
             </a:r>
             <a:r>
-              <a:rPr lang="en-US" sz="2000" dirty="0" smtClean="0"/>
+              <a:rPr lang="en-US" sz="2000" dirty="0"/>
               <a:t> </a:t>
             </a:r>
             <a:r>
-              <a:rPr lang="en-US" sz="2000" dirty="0" err="1" smtClean="0"/>
+              <a:rPr lang="en-US" sz="2000" dirty="0" err="1"/>
               <a:t>sistema</a:t>
             </a:r>
             <a:r>
-              <a:rPr lang="en-US" sz="2000" dirty="0" smtClean="0"/>
+              <a:rPr lang="en-US" sz="2000" dirty="0"/>
               <a:t> di </a:t>
             </a:r>
             <a:r>
-              <a:rPr lang="en-US" sz="2000" dirty="0" err="1" smtClean="0"/>
+              <a:rPr lang="en-US" sz="2000" dirty="0" err="1"/>
               <a:t>riferimento</a:t>
             </a:r>
             <a:r>
-              <a:rPr lang="en-US" sz="2000" dirty="0" smtClean="0"/>
+              <a:rPr lang="en-US" sz="2000" dirty="0"/>
               <a:t> </a:t>
             </a:r>
             <a:r>
-              <a:rPr lang="en-US" sz="2000" dirty="0" err="1" smtClean="0"/>
+              <a:rPr lang="en-US" sz="2000" dirty="0" err="1"/>
               <a:t>è</a:t>
             </a:r>
             <a:r>
-              <a:rPr lang="en-US" sz="2000" dirty="0" smtClean="0"/>
+              <a:rPr lang="en-US" sz="2000" dirty="0"/>
               <a:t> </a:t>
             </a:r>
             <a:r>
-              <a:rPr lang="en-US" sz="2000" dirty="0" err="1" smtClean="0"/>
+              <a:rPr lang="en-US" sz="2000" dirty="0" err="1"/>
               <a:t>posto</a:t>
             </a:r>
             <a:r>
-              <a:rPr lang="en-US" sz="2000" dirty="0" smtClean="0"/>
+              <a:rPr lang="en-US" sz="2000" dirty="0"/>
               <a:t> al </a:t>
             </a:r>
             <a:r>
-              <a:rPr lang="en-US" sz="2000" dirty="0" err="1" smtClean="0"/>
+              <a:rPr lang="en-US" sz="2000" dirty="0" err="1"/>
               <a:t>centro</a:t>
             </a:r>
             <a:r>
-              <a:rPr lang="en-US" sz="2000" dirty="0" smtClean="0"/>
+              <a:rPr lang="en-US" sz="2000" dirty="0"/>
               <a:t> del </a:t>
             </a:r>
             <a:r>
-              <a:rPr lang="en-US" sz="2000" dirty="0" err="1" smtClean="0"/>
+              <a:rPr lang="en-US" sz="2000" dirty="0" err="1"/>
               <a:t>nostro</a:t>
             </a:r>
             <a:r>
-              <a:rPr lang="en-US" sz="2000" dirty="0" smtClean="0"/>
+              <a:rPr lang="en-US" sz="2000" dirty="0"/>
               <a:t> </a:t>
             </a:r>
             <a:r>
-              <a:rPr lang="en-US" sz="2000" dirty="0" err="1" smtClean="0"/>
+              <a:rPr lang="en-US" sz="2000" dirty="0" err="1"/>
               <a:t>sistema</a:t>
             </a:r>
             <a:endParaRPr lang="en-US" sz="2000" dirty="0"/>
+          </a:p>
+        </p:txBody>
+      </p:sp>
+      <p:sp>
+        <p:nvSpPr>
+          <p:cNvPr id="8" name="Cube 7"/>
+          <p:cNvSpPr/>
+          <p:nvPr/>
+        </p:nvSpPr>
+        <p:spPr>
+          <a:xfrm>
+            <a:off x="6959631" y="2823737"/>
+            <a:ext cx="3230270" cy="2055552"/>
+          </a:xfrm>
+          <a:prstGeom prst="cube">
+            <a:avLst>
+              <a:gd name="adj" fmla="val 28865"/>
+            </a:avLst>
+          </a:prstGeom>
+        </p:spPr>
+        <p:style>
+          <a:lnRef idx="2">
+            <a:schemeClr val="accent3"/>
+          </a:lnRef>
+          <a:fillRef idx="1">
+            <a:schemeClr val="lt1"/>
+          </a:fillRef>
+          <a:effectRef idx="0">
+            <a:schemeClr val="accent3"/>
+          </a:effectRef>
+          <a:fontRef idx="minor">
+            <a:schemeClr val="dk1"/>
+          </a:fontRef>
+        </p:style>
+        <p:txBody>
+          <a:bodyPr rot="0" spcFirstLastPara="0" vert="horz" wrap="square" lIns="91440" tIns="45720" rIns="91440" bIns="45720" numCol="1" spcCol="0" rtlCol="0" fromWordArt="0" anchor="ctr" anchorCtr="0" forceAA="0" compatLnSpc="1">
+            <a:prstTxWarp prst="textNoShape">
+              <a:avLst/>
+            </a:prstTxWarp>
+            <a:noAutofit/>
+          </a:bodyPr>
+          <a:lstStyle/>
+          <a:p>
+            <a:endParaRPr lang="en-US"/>
+          </a:p>
+        </p:txBody>
+      </p:sp>
+      <p:cxnSp>
+        <p:nvCxnSpPr>
+          <p:cNvPr id="9" name="Straight Arrow Connector 8"/>
+          <p:cNvCxnSpPr/>
+          <p:nvPr/>
+        </p:nvCxnSpPr>
+        <p:spPr>
+          <a:xfrm flipV="1">
+            <a:off x="8321048" y="3558909"/>
+            <a:ext cx="0" cy="571500"/>
+          </a:xfrm>
+          <a:prstGeom prst="straightConnector1">
+            <a:avLst/>
+          </a:prstGeom>
+          <a:ln>
+            <a:tailEnd type="triangle"/>
+          </a:ln>
+        </p:spPr>
+        <p:style>
+          <a:lnRef idx="1">
+            <a:schemeClr val="dk1"/>
+          </a:lnRef>
+          <a:fillRef idx="0">
+            <a:schemeClr val="dk1"/>
+          </a:fillRef>
+          <a:effectRef idx="0">
+            <a:schemeClr val="dk1"/>
+          </a:effectRef>
+          <a:fontRef idx="minor">
+            <a:schemeClr val="tx1"/>
+          </a:fontRef>
+        </p:style>
+      </p:cxnSp>
+      <p:cxnSp>
+        <p:nvCxnSpPr>
+          <p:cNvPr id="10" name="Straight Arrow Connector 9"/>
+          <p:cNvCxnSpPr/>
+          <p:nvPr/>
+        </p:nvCxnSpPr>
+        <p:spPr>
+          <a:xfrm>
+            <a:off x="8325493" y="4141204"/>
+            <a:ext cx="571500" cy="0"/>
+          </a:xfrm>
+          <a:prstGeom prst="straightConnector1">
+            <a:avLst/>
+          </a:prstGeom>
+          <a:ln>
+            <a:tailEnd type="triangle"/>
+          </a:ln>
+        </p:spPr>
+        <p:style>
+          <a:lnRef idx="1">
+            <a:schemeClr val="dk1"/>
+          </a:lnRef>
+          <a:fillRef idx="0">
+            <a:schemeClr val="dk1"/>
+          </a:fillRef>
+          <a:effectRef idx="0">
+            <a:schemeClr val="dk1"/>
+          </a:effectRef>
+          <a:fontRef idx="minor">
+            <a:schemeClr val="tx1"/>
+          </a:fontRef>
+        </p:style>
+      </p:cxnSp>
+      <p:cxnSp>
+        <p:nvCxnSpPr>
+          <p:cNvPr id="11" name="Straight Arrow Connector 10"/>
+          <p:cNvCxnSpPr/>
+          <p:nvPr/>
+        </p:nvCxnSpPr>
+        <p:spPr>
+          <a:xfrm flipV="1">
+            <a:off x="8328033" y="3771634"/>
+            <a:ext cx="342900" cy="342900"/>
+          </a:xfrm>
+          <a:prstGeom prst="straightConnector1">
+            <a:avLst/>
+          </a:prstGeom>
+          <a:ln>
+            <a:tailEnd type="triangle"/>
+          </a:ln>
+        </p:spPr>
+        <p:style>
+          <a:lnRef idx="1">
+            <a:schemeClr val="dk1"/>
+          </a:lnRef>
+          <a:fillRef idx="0">
+            <a:schemeClr val="dk1"/>
+          </a:fillRef>
+          <a:effectRef idx="0">
+            <a:schemeClr val="dk1"/>
+          </a:effectRef>
+          <a:fontRef idx="minor">
+            <a:schemeClr val="tx1"/>
+          </a:fontRef>
+        </p:style>
+      </p:cxnSp>
+      <p:sp>
+        <p:nvSpPr>
+          <p:cNvPr id="12" name="Text Box 6"/>
+          <p:cNvSpPr txBox="1"/>
+          <p:nvPr/>
+        </p:nvSpPr>
+        <p:spPr>
+          <a:xfrm>
+            <a:off x="8790948" y="4113899"/>
+            <a:ext cx="228600" cy="234315"/>
+          </a:xfrm>
+          <a:prstGeom prst="rect">
+            <a:avLst/>
+          </a:prstGeom>
+          <a:noFill/>
+          <a:ln>
+            <a:noFill/>
+          </a:ln>
+          <a:effectLst/>
+        </p:spPr>
+        <p:style>
+          <a:lnRef idx="0">
+            <a:schemeClr val="accent1"/>
+          </a:lnRef>
+          <a:fillRef idx="0">
+            <a:schemeClr val="accent1"/>
+          </a:fillRef>
+          <a:effectRef idx="0">
+            <a:schemeClr val="accent1"/>
+          </a:effectRef>
+          <a:fontRef idx="minor">
+            <a:schemeClr val="dk1"/>
+          </a:fontRef>
+        </p:style>
+        <p:txBody>
+          <a:bodyPr rot="0" spcFirstLastPara="0" vert="horz" wrap="square" lIns="91440" tIns="45720" rIns="91440" bIns="45720" numCol="1" spcCol="0" rtlCol="0" fromWordArt="0" anchor="t" anchorCtr="0" forceAA="0" compatLnSpc="1">
+            <a:prstTxWarp prst="textNoShape">
+              <a:avLst/>
+            </a:prstTxWarp>
+            <a:noAutofit/>
+          </a:bodyPr>
+          <a:lstStyle/>
+          <a:p>
+            <a:pPr marL="0" marR="0">
+              <a:lnSpc>
+                <a:spcPct val="107000"/>
+              </a:lnSpc>
+              <a:spcBef>
+                <a:spcPts val="0"/>
+              </a:spcBef>
+              <a:spcAft>
+                <a:spcPts val="800"/>
+              </a:spcAft>
+            </a:pPr>
+            <a:r>
+              <a:rPr lang="it-IT" sz="1100" dirty="0" smtClean="0">
+                <a:effectLst/>
+                <a:ea typeface="Calibri" charset="0"/>
+                <a:cs typeface="Times New Roman" charset="0"/>
+              </a:rPr>
+              <a:t>x</a:t>
+            </a:r>
+            <a:endParaRPr lang="en-US" sz="1100" dirty="0">
+              <a:effectLst/>
+              <a:ea typeface="Calibri" charset="0"/>
+              <a:cs typeface="Times New Roman" charset="0"/>
+            </a:endParaRPr>
+          </a:p>
+        </p:txBody>
+      </p:sp>
+      <p:sp>
+        <p:nvSpPr>
+          <p:cNvPr id="13" name="Text Box 7"/>
+          <p:cNvSpPr txBox="1"/>
+          <p:nvPr/>
+        </p:nvSpPr>
+        <p:spPr>
+          <a:xfrm>
+            <a:off x="8714748" y="3654159"/>
+            <a:ext cx="228600" cy="234315"/>
+          </a:xfrm>
+          <a:prstGeom prst="rect">
+            <a:avLst/>
+          </a:prstGeom>
+          <a:noFill/>
+          <a:ln>
+            <a:noFill/>
+          </a:ln>
+          <a:effectLst/>
+        </p:spPr>
+        <p:style>
+          <a:lnRef idx="0">
+            <a:schemeClr val="accent1"/>
+          </a:lnRef>
+          <a:fillRef idx="0">
+            <a:schemeClr val="accent1"/>
+          </a:fillRef>
+          <a:effectRef idx="0">
+            <a:schemeClr val="accent1"/>
+          </a:effectRef>
+          <a:fontRef idx="minor">
+            <a:schemeClr val="dk1"/>
+          </a:fontRef>
+        </p:style>
+        <p:txBody>
+          <a:bodyPr rot="0" spcFirstLastPara="0" vert="horz" wrap="square" lIns="91440" tIns="45720" rIns="91440" bIns="45720" numCol="1" spcCol="0" rtlCol="0" fromWordArt="0" anchor="t" anchorCtr="0" forceAA="0" compatLnSpc="1">
+            <a:prstTxWarp prst="textNoShape">
+              <a:avLst/>
+            </a:prstTxWarp>
+            <a:noAutofit/>
+          </a:bodyPr>
+          <a:lstStyle/>
+          <a:p>
+            <a:pPr marL="0" marR="0">
+              <a:lnSpc>
+                <a:spcPct val="107000"/>
+              </a:lnSpc>
+              <a:spcBef>
+                <a:spcPts val="0"/>
+              </a:spcBef>
+              <a:spcAft>
+                <a:spcPts val="800"/>
+              </a:spcAft>
+            </a:pPr>
+            <a:r>
+              <a:rPr lang="it-IT" sz="1100">
+                <a:effectLst/>
+                <a:ea typeface="Calibri" charset="0"/>
+                <a:cs typeface="Times New Roman" charset="0"/>
+              </a:rPr>
+              <a:t>y</a:t>
+            </a:r>
+            <a:endParaRPr lang="en-US" sz="1100">
+              <a:effectLst/>
+              <a:ea typeface="Calibri" charset="0"/>
+              <a:cs typeface="Times New Roman" charset="0"/>
+            </a:endParaRPr>
+          </a:p>
+        </p:txBody>
+      </p:sp>
+      <p:sp>
+        <p:nvSpPr>
+          <p:cNvPr id="14" name="Text Box 8"/>
+          <p:cNvSpPr txBox="1"/>
+          <p:nvPr/>
+        </p:nvSpPr>
+        <p:spPr>
+          <a:xfrm>
+            <a:off x="8308348" y="3356344"/>
+            <a:ext cx="228600" cy="234315"/>
+          </a:xfrm>
+          <a:prstGeom prst="rect">
+            <a:avLst/>
+          </a:prstGeom>
+          <a:noFill/>
+          <a:ln>
+            <a:noFill/>
+          </a:ln>
+          <a:effectLst/>
+        </p:spPr>
+        <p:style>
+          <a:lnRef idx="0">
+            <a:schemeClr val="accent1"/>
+          </a:lnRef>
+          <a:fillRef idx="0">
+            <a:schemeClr val="accent1"/>
+          </a:fillRef>
+          <a:effectRef idx="0">
+            <a:schemeClr val="accent1"/>
+          </a:effectRef>
+          <a:fontRef idx="minor">
+            <a:schemeClr val="dk1"/>
+          </a:fontRef>
+        </p:style>
+        <p:txBody>
+          <a:bodyPr rot="0" spcFirstLastPara="0" vert="horz" wrap="square" lIns="91440" tIns="45720" rIns="91440" bIns="45720" numCol="1" spcCol="0" rtlCol="0" fromWordArt="0" anchor="t" anchorCtr="0" forceAA="0" compatLnSpc="1">
+            <a:prstTxWarp prst="textNoShape">
+              <a:avLst/>
+            </a:prstTxWarp>
+            <a:noAutofit/>
+          </a:bodyPr>
+          <a:lstStyle/>
+          <a:p>
+            <a:pPr marL="0" marR="0">
+              <a:lnSpc>
+                <a:spcPct val="107000"/>
+              </a:lnSpc>
+              <a:spcBef>
+                <a:spcPts val="0"/>
+              </a:spcBef>
+              <a:spcAft>
+                <a:spcPts val="800"/>
+              </a:spcAft>
+            </a:pPr>
+            <a:r>
+              <a:rPr lang="it-IT" sz="1100">
+                <a:effectLst/>
+                <a:ea typeface="Calibri" charset="0"/>
+                <a:cs typeface="Times New Roman" charset="0"/>
+              </a:rPr>
+              <a:t>z</a:t>
+            </a:r>
+            <a:endParaRPr lang="en-US" sz="1100">
+              <a:effectLst/>
+              <a:ea typeface="Calibri" charset="0"/>
+              <a:cs typeface="Times New Roman" charset="0"/>
+            </a:endParaRPr>
+          </a:p>
+        </p:txBody>
+      </p:sp>
+      <p:sp>
+        <p:nvSpPr>
+          <p:cNvPr id="15" name="Oval 14"/>
+          <p:cNvSpPr/>
+          <p:nvPr/>
+        </p:nvSpPr>
+        <p:spPr>
+          <a:xfrm flipV="1">
+            <a:off x="8313536" y="4456033"/>
+            <a:ext cx="49530" cy="46990"/>
+          </a:xfrm>
+          <a:prstGeom prst="ellipse">
+            <a:avLst/>
+          </a:prstGeom>
+        </p:spPr>
+        <p:style>
+          <a:lnRef idx="2">
+            <a:schemeClr val="accent1">
+              <a:shade val="50000"/>
+            </a:schemeClr>
+          </a:lnRef>
+          <a:fillRef idx="1">
+            <a:schemeClr val="accent1"/>
+          </a:fillRef>
+          <a:effectRef idx="0">
+            <a:schemeClr val="accent1"/>
+          </a:effectRef>
+          <a:fontRef idx="minor">
+            <a:schemeClr val="lt1"/>
+          </a:fontRef>
+        </p:style>
+        <p:txBody>
+          <a:bodyPr rot="0" spcFirstLastPara="0" vert="horz" wrap="square" lIns="91440" tIns="45720" rIns="91440" bIns="45720" numCol="1" spcCol="0" rtlCol="0" fromWordArt="0" anchor="ctr" anchorCtr="0" forceAA="0" compatLnSpc="1">
+            <a:prstTxWarp prst="textNoShape">
+              <a:avLst/>
+            </a:prstTxWarp>
+            <a:noAutofit/>
+          </a:bodyPr>
+          <a:lstStyle/>
+          <a:p>
+            <a:endParaRPr lang="en-US"/>
+          </a:p>
+        </p:txBody>
+      </p:sp>
+      <p:sp>
+        <p:nvSpPr>
+          <p:cNvPr id="16" name="Text Box 11"/>
+          <p:cNvSpPr txBox="1"/>
+          <p:nvPr/>
+        </p:nvSpPr>
+        <p:spPr>
+          <a:xfrm>
+            <a:off x="8218921" y="4454763"/>
+            <a:ext cx="315479" cy="267715"/>
+          </a:xfrm>
+          <a:prstGeom prst="rect">
+            <a:avLst/>
+          </a:prstGeom>
+          <a:noFill/>
+          <a:ln>
+            <a:noFill/>
+          </a:ln>
+          <a:effectLst/>
+        </p:spPr>
+        <p:style>
+          <a:lnRef idx="0">
+            <a:schemeClr val="accent1"/>
+          </a:lnRef>
+          <a:fillRef idx="0">
+            <a:schemeClr val="accent1"/>
+          </a:fillRef>
+          <a:effectRef idx="0">
+            <a:schemeClr val="accent1"/>
+          </a:effectRef>
+          <a:fontRef idx="minor">
+            <a:schemeClr val="dk1"/>
+          </a:fontRef>
+        </p:style>
+        <p:txBody>
+          <a:bodyPr rot="0" spcFirstLastPara="0" vert="horz" wrap="square" lIns="91440" tIns="45720" rIns="91440" bIns="45720" numCol="1" spcCol="0" rtlCol="0" fromWordArt="0" anchor="t" anchorCtr="0" forceAA="0" compatLnSpc="1">
+            <a:prstTxWarp prst="textNoShape">
+              <a:avLst/>
+            </a:prstTxWarp>
+            <a:noAutofit/>
+          </a:bodyPr>
+          <a:lstStyle/>
+          <a:p>
+            <a:pPr marL="0" marR="0">
+              <a:lnSpc>
+                <a:spcPct val="107000"/>
+              </a:lnSpc>
+              <a:spcBef>
+                <a:spcPts val="0"/>
+              </a:spcBef>
+              <a:spcAft>
+                <a:spcPts val="800"/>
+              </a:spcAft>
+            </a:pPr>
+            <a:r>
+              <a:rPr lang="it-IT" sz="1100" dirty="0" err="1">
+                <a:effectLst/>
+                <a:ea typeface="Calibri" charset="0"/>
+                <a:cs typeface="Times New Roman" charset="0"/>
+              </a:rPr>
+              <a:t>q</a:t>
+            </a:r>
+            <a:r>
+              <a:rPr lang="it-IT" sz="1100" baseline="-25000" dirty="0" err="1">
+                <a:effectLst/>
+                <a:ea typeface="Calibri" charset="0"/>
+                <a:cs typeface="Times New Roman" charset="0"/>
+              </a:rPr>
+              <a:t>x</a:t>
+            </a:r>
+            <a:endParaRPr lang="en-US" sz="1100" dirty="0">
+              <a:effectLst/>
+              <a:ea typeface="Calibri" charset="0"/>
+              <a:cs typeface="Times New Roman" charset="0"/>
+            </a:endParaRPr>
+          </a:p>
+        </p:txBody>
+      </p:sp>
+      <p:sp>
+        <p:nvSpPr>
+          <p:cNvPr id="17" name="Rounded Rectangle 16"/>
+          <p:cNvSpPr/>
+          <p:nvPr/>
+        </p:nvSpPr>
+        <p:spPr>
+          <a:xfrm>
+            <a:off x="6651650" y="3722517"/>
+            <a:ext cx="153738" cy="128996"/>
+          </a:xfrm>
+          <a:prstGeom prst="roundRect">
+            <a:avLst/>
+          </a:prstGeom>
+        </p:spPr>
+        <p:style>
+          <a:lnRef idx="2">
+            <a:schemeClr val="dk1">
+              <a:shade val="50000"/>
+            </a:schemeClr>
+          </a:lnRef>
+          <a:fillRef idx="1">
+            <a:schemeClr val="dk1"/>
+          </a:fillRef>
+          <a:effectRef idx="0">
+            <a:schemeClr val="dk1"/>
+          </a:effectRef>
+          <a:fontRef idx="minor">
+            <a:schemeClr val="lt1"/>
+          </a:fontRef>
+        </p:style>
+        <p:txBody>
+          <a:bodyPr rot="0" spcFirstLastPara="0" vert="horz" wrap="square" lIns="91440" tIns="45720" rIns="91440" bIns="45720" numCol="1" spcCol="0" rtlCol="0" fromWordArt="0" anchor="ctr" anchorCtr="0" forceAA="0" compatLnSpc="1">
+            <a:prstTxWarp prst="textNoShape">
+              <a:avLst/>
+            </a:prstTxWarp>
+            <a:noAutofit/>
+          </a:bodyPr>
+          <a:lstStyle/>
+          <a:p>
+            <a:endParaRPr lang="en-US"/>
+          </a:p>
+        </p:txBody>
+      </p:sp>
+      <p:sp>
+        <p:nvSpPr>
+          <p:cNvPr id="18" name="Text Box 13"/>
+          <p:cNvSpPr txBox="1"/>
+          <p:nvPr/>
+        </p:nvSpPr>
+        <p:spPr>
+          <a:xfrm>
+            <a:off x="6608469" y="3479312"/>
+            <a:ext cx="302435" cy="265158"/>
+          </a:xfrm>
+          <a:prstGeom prst="rect">
+            <a:avLst/>
+          </a:prstGeom>
+          <a:noFill/>
+          <a:ln>
+            <a:noFill/>
+          </a:ln>
+          <a:effectLst/>
+        </p:spPr>
+        <p:style>
+          <a:lnRef idx="0">
+            <a:schemeClr val="accent1"/>
+          </a:lnRef>
+          <a:fillRef idx="0">
+            <a:schemeClr val="accent1"/>
+          </a:fillRef>
+          <a:effectRef idx="0">
+            <a:schemeClr val="accent1"/>
+          </a:effectRef>
+          <a:fontRef idx="minor">
+            <a:schemeClr val="dk1"/>
+          </a:fontRef>
+        </p:style>
+        <p:txBody>
+          <a:bodyPr rot="0" spcFirstLastPara="0" vert="horz" wrap="square" lIns="91440" tIns="45720" rIns="91440" bIns="45720" numCol="1" spcCol="0" rtlCol="0" fromWordArt="0" anchor="t" anchorCtr="0" forceAA="0" compatLnSpc="1">
+            <a:prstTxWarp prst="textNoShape">
+              <a:avLst/>
+            </a:prstTxWarp>
+            <a:noAutofit/>
+          </a:bodyPr>
+          <a:lstStyle/>
+          <a:p>
+            <a:pPr marL="0" marR="0">
+              <a:lnSpc>
+                <a:spcPct val="107000"/>
+              </a:lnSpc>
+              <a:spcBef>
+                <a:spcPts val="0"/>
+              </a:spcBef>
+              <a:spcAft>
+                <a:spcPts val="800"/>
+              </a:spcAft>
+            </a:pPr>
+            <a:r>
+              <a:rPr lang="it-IT" sz="1100">
+                <a:effectLst/>
+                <a:ea typeface="Calibri" charset="0"/>
+                <a:cs typeface="Times New Roman" charset="0"/>
+              </a:rPr>
+              <a:t>m</a:t>
+            </a:r>
+            <a:endParaRPr lang="en-US" sz="1100" dirty="0">
+              <a:effectLst/>
+              <a:ea typeface="Calibri" charset="0"/>
+              <a:cs typeface="Times New Roman" charset="0"/>
+            </a:endParaRPr>
+          </a:p>
+        </p:txBody>
+      </p:sp>
+      <p:sp>
+        <p:nvSpPr>
+          <p:cNvPr id="19" name="Cube 18"/>
+          <p:cNvSpPr/>
+          <p:nvPr/>
+        </p:nvSpPr>
+        <p:spPr>
+          <a:xfrm>
+            <a:off x="6403594" y="2188785"/>
+            <a:ext cx="4326117" cy="3065443"/>
+          </a:xfrm>
+          <a:prstGeom prst="cube">
+            <a:avLst>
+              <a:gd name="adj" fmla="val 28865"/>
+            </a:avLst>
+          </a:prstGeom>
+          <a:noFill/>
+        </p:spPr>
+        <p:style>
+          <a:lnRef idx="2">
+            <a:schemeClr val="accent3"/>
+          </a:lnRef>
+          <a:fillRef idx="1">
+            <a:schemeClr val="lt1"/>
+          </a:fillRef>
+          <a:effectRef idx="0">
+            <a:schemeClr val="accent3"/>
+          </a:effectRef>
+          <a:fontRef idx="minor">
+            <a:schemeClr val="dk1"/>
+          </a:fontRef>
+        </p:style>
+        <p:txBody>
+          <a:bodyPr rot="0" spcFirstLastPara="0" vert="horz" wrap="square" lIns="91440" tIns="45720" rIns="91440" bIns="45720" numCol="1" spcCol="0" rtlCol="0" fromWordArt="0" anchor="ctr" anchorCtr="0" forceAA="0" compatLnSpc="1">
+            <a:prstTxWarp prst="textNoShape">
+              <a:avLst/>
+            </a:prstTxWarp>
+            <a:noAutofit/>
+          </a:bodyPr>
+          <a:lstStyle/>
+          <a:p>
+            <a:endParaRPr lang="en-US"/>
+          </a:p>
+        </p:txBody>
+      </p:sp>
+      <p:sp>
+        <p:nvSpPr>
+          <p:cNvPr id="4" name="Rectangle 13"/>
+          <p:cNvSpPr>
+            <a:spLocks noChangeArrowheads="1"/>
+          </p:cNvSpPr>
+          <p:nvPr/>
+        </p:nvSpPr>
+        <p:spPr bwMode="auto">
+          <a:xfrm>
+            <a:off x="5308171" y="-3886325"/>
+            <a:ext cx="12192000" cy="457200"/>
+          </a:xfrm>
+          <a:prstGeom prst="rect">
+            <a:avLst/>
+          </a:prstGeom>
+          <a:noFill/>
+          <a:ln>
+            <a:noFill/>
+          </a:ln>
+          <a:effectLst/>
+          <a:extLst>
+            <a:ext uri="{909E8E84-426E-40DD-AFC4-6F175D3DCCD1}">
+              <a14:hiddenFill xmlns:a14="http://schemas.microsoft.com/office/drawing/2010/main">
+                <a:solidFill>
+                  <a:schemeClr val="accent1"/>
+                </a:solidFill>
+              </a14:hiddenFill>
+            </a:ext>
+            <a:ext uri="{91240B29-F687-4F45-9708-019B960494DF}">
+              <a14:hiddenLine xmlns:a14="http://schemas.microsoft.com/office/drawing/2010/main" w="9525">
+                <a:solidFill>
+                  <a:schemeClr val="tx1"/>
+                </a:solidFill>
+                <a:miter lim="800000"/>
+                <a:headEnd/>
+                <a:tailEnd/>
+              </a14:hiddenLine>
+            </a:ext>
+            <a:ext uri="{AF507438-7753-43E0-B8FC-AC1667EBCBE1}">
+              <a14:hiddenEffects xmlns:a14="http://schemas.microsoft.com/office/drawing/2010/main">
+                <a:effectLst>
+                  <a:outerShdw blurRad="63500" dist="38099" dir="2700000" algn="ctr" rotWithShape="0">
+                    <a:schemeClr val="bg2">
+                      <a:alpha val="74998"/>
+                    </a:schemeClr>
+                  </a:outerShdw>
+                </a:effectLst>
+              </a14:hiddenEffects>
+            </a:ext>
+          </a:extLst>
+        </p:spPr>
+        <p:txBody>
+          <a:bodyPr vert="horz" wrap="none" lIns="91440" tIns="45720" rIns="91440" bIns="45720" numCol="1" anchor="ctr" anchorCtr="0" compatLnSpc="1">
+            <a:prstTxWarp prst="textNoShape">
+              <a:avLst/>
+            </a:prstTxWarp>
+            <a:spAutoFit/>
+          </a:bodyPr>
+          <a:lstStyle/>
+          <a:p>
+            <a:endParaRPr lang="en-US"/>
+          </a:p>
+        </p:txBody>
+      </p:sp>
+      <p:sp>
+        <p:nvSpPr>
+          <p:cNvPr id="20" name="Rectangle 14"/>
+          <p:cNvSpPr>
+            <a:spLocks noChangeArrowheads="1"/>
+          </p:cNvSpPr>
+          <p:nvPr/>
+        </p:nvSpPr>
+        <p:spPr bwMode="auto">
+          <a:xfrm>
+            <a:off x="5308171" y="-3429125"/>
+            <a:ext cx="12192000" cy="0"/>
+          </a:xfrm>
+          <a:prstGeom prst="rect">
+            <a:avLst/>
+          </a:prstGeom>
+          <a:noFill/>
+          <a:ln>
+            <a:noFill/>
+          </a:ln>
+          <a:effectLst/>
+          <a:extLst>
+            <a:ext uri="{909E8E84-426E-40DD-AFC4-6F175D3DCCD1}">
+              <a14:hiddenFill xmlns:a14="http://schemas.microsoft.com/office/drawing/2010/main">
+                <a:solidFill>
+                  <a:schemeClr val="accent1"/>
+                </a:solidFill>
+              </a14:hiddenFill>
+            </a:ext>
+            <a:ext uri="{91240B29-F687-4F45-9708-019B960494DF}">
+              <a14:hiddenLine xmlns:a14="http://schemas.microsoft.com/office/drawing/2010/main" w="9525">
+                <a:solidFill>
+                  <a:schemeClr val="tx1"/>
+                </a:solidFill>
+                <a:miter lim="800000"/>
+                <a:headEnd/>
+                <a:tailEnd/>
+              </a14:hiddenLine>
+            </a:ext>
+            <a:ext uri="{AF507438-7753-43E0-B8FC-AC1667EBCBE1}">
+              <a14:hiddenEffects xmlns:a14="http://schemas.microsoft.com/office/drawing/2010/main">
+                <a:effectLst>
+                  <a:outerShdw blurRad="63500" dist="38099" dir="2700000" algn="ctr" rotWithShape="0">
+                    <a:schemeClr val="bg2">
+                      <a:alpha val="74998"/>
+                    </a:schemeClr>
+                  </a:outerShdw>
+                </a:effectLst>
+              </a14:hiddenEffects>
+            </a:ext>
+          </a:extLst>
+        </p:spPr>
+        <p:txBody>
+          <a:bodyPr vert="horz" wrap="none" lIns="91440" tIns="45720" rIns="91440" bIns="45720" numCol="1" anchor="ctr" anchorCtr="0" compatLnSpc="1">
+            <a:prstTxWarp prst="textNoShape">
+              <a:avLst/>
+            </a:prstTxWarp>
+            <a:spAutoFit/>
+          </a:bodyPr>
+          <a:lstStyle/>
+          <a:p>
+            <a:endParaRPr lang="en-US"/>
+          </a:p>
+        </p:txBody>
+      </p:sp>
+      <p:sp>
+        <p:nvSpPr>
+          <p:cNvPr id="21" name="Rectangle 16"/>
+          <p:cNvSpPr>
+            <a:spLocks noChangeArrowheads="1"/>
+          </p:cNvSpPr>
+          <p:nvPr/>
+        </p:nvSpPr>
+        <p:spPr bwMode="auto">
+          <a:xfrm>
+            <a:off x="5308171" y="-3429125"/>
+            <a:ext cx="12192000" cy="0"/>
+          </a:xfrm>
+          <a:prstGeom prst="rect">
+            <a:avLst/>
+          </a:prstGeom>
+          <a:noFill/>
+          <a:ln>
+            <a:noFill/>
+          </a:ln>
+          <a:effectLst/>
+          <a:extLst>
+            <a:ext uri="{909E8E84-426E-40DD-AFC4-6F175D3DCCD1}">
+              <a14:hiddenFill xmlns:a14="http://schemas.microsoft.com/office/drawing/2010/main">
+                <a:solidFill>
+                  <a:schemeClr val="accent1"/>
+                </a:solidFill>
+              </a14:hiddenFill>
+            </a:ext>
+            <a:ext uri="{91240B29-F687-4F45-9708-019B960494DF}">
+              <a14:hiddenLine xmlns:a14="http://schemas.microsoft.com/office/drawing/2010/main" w="9525">
+                <a:solidFill>
+                  <a:schemeClr val="tx1"/>
+                </a:solidFill>
+                <a:miter lim="800000"/>
+                <a:headEnd/>
+                <a:tailEnd/>
+              </a14:hiddenLine>
+            </a:ext>
+            <a:ext uri="{AF507438-7753-43E0-B8FC-AC1667EBCBE1}">
+              <a14:hiddenEffects xmlns:a14="http://schemas.microsoft.com/office/drawing/2010/main">
+                <a:effectLst>
+                  <a:outerShdw blurRad="63500" dist="38099" dir="2700000" algn="ctr" rotWithShape="0">
+                    <a:schemeClr val="bg2">
+                      <a:alpha val="74998"/>
+                    </a:schemeClr>
+                  </a:outerShdw>
+                </a:effectLst>
+              </a14:hiddenEffects>
+            </a:ext>
+          </a:extLst>
+        </p:spPr>
+        <p:txBody>
+          <a:bodyPr vert="horz" wrap="none" lIns="91440" tIns="45720" rIns="91440" bIns="45720" numCol="1" anchor="ctr" anchorCtr="0" compatLnSpc="1">
+            <a:prstTxWarp prst="textNoShape">
+              <a:avLst/>
+            </a:prstTxWarp>
+            <a:spAutoFit/>
+          </a:bodyPr>
+          <a:lstStyle/>
+          <a:p>
+            <a:endParaRPr lang="en-US"/>
+          </a:p>
+        </p:txBody>
+      </p:sp>
+      <p:sp>
+        <p:nvSpPr>
+          <p:cNvPr id="22" name="Rectangle 19"/>
+          <p:cNvSpPr>
+            <a:spLocks noChangeArrowheads="1"/>
+          </p:cNvSpPr>
+          <p:nvPr/>
+        </p:nvSpPr>
+        <p:spPr bwMode="auto">
+          <a:xfrm>
+            <a:off x="5308171" y="-3429125"/>
+            <a:ext cx="12192000" cy="0"/>
+          </a:xfrm>
+          <a:prstGeom prst="rect">
+            <a:avLst/>
+          </a:prstGeom>
+          <a:noFill/>
+          <a:ln>
+            <a:noFill/>
+          </a:ln>
+          <a:effectLst/>
+          <a:extLst>
+            <a:ext uri="{909E8E84-426E-40DD-AFC4-6F175D3DCCD1}">
+              <a14:hiddenFill xmlns:a14="http://schemas.microsoft.com/office/drawing/2010/main">
+                <a:solidFill>
+                  <a:schemeClr val="accent1"/>
+                </a:solidFill>
+              </a14:hiddenFill>
+            </a:ext>
+            <a:ext uri="{91240B29-F687-4F45-9708-019B960494DF}">
+              <a14:hiddenLine xmlns:a14="http://schemas.microsoft.com/office/drawing/2010/main" w="9525">
+                <a:solidFill>
+                  <a:schemeClr val="tx1"/>
+                </a:solidFill>
+                <a:miter lim="800000"/>
+                <a:headEnd/>
+                <a:tailEnd/>
+              </a14:hiddenLine>
+            </a:ext>
+            <a:ext uri="{AF507438-7753-43E0-B8FC-AC1667EBCBE1}">
+              <a14:hiddenEffects xmlns:a14="http://schemas.microsoft.com/office/drawing/2010/main">
+                <a:effectLst>
+                  <a:outerShdw blurRad="63500" dist="38099" dir="2700000" algn="ctr" rotWithShape="0">
+                    <a:schemeClr val="bg2">
+                      <a:alpha val="74998"/>
+                    </a:schemeClr>
+                  </a:outerShdw>
+                </a:effectLst>
+              </a14:hiddenEffects>
+            </a:ext>
+          </a:extLst>
+        </p:spPr>
+        <p:txBody>
+          <a:bodyPr vert="horz" wrap="none" lIns="91440" tIns="45720" rIns="91440" bIns="45720" numCol="1" anchor="ctr" anchorCtr="0" compatLnSpc="1">
+            <a:prstTxWarp prst="textNoShape">
+              <a:avLst/>
+            </a:prstTxWarp>
+            <a:spAutoFit/>
+          </a:bodyPr>
+          <a:lstStyle/>
+          <a:p>
+            <a:endParaRPr lang="en-US"/>
+          </a:p>
+        </p:txBody>
+      </p:sp>
+      <p:sp>
+        <p:nvSpPr>
+          <p:cNvPr id="23" name="Rectangle 21"/>
+          <p:cNvSpPr>
+            <a:spLocks noChangeArrowheads="1"/>
+          </p:cNvSpPr>
+          <p:nvPr/>
+        </p:nvSpPr>
+        <p:spPr bwMode="auto">
+          <a:xfrm>
+            <a:off x="5308171" y="-3429125"/>
+            <a:ext cx="12192000" cy="0"/>
+          </a:xfrm>
+          <a:prstGeom prst="rect">
+            <a:avLst/>
+          </a:prstGeom>
+          <a:noFill/>
+          <a:ln>
+            <a:noFill/>
+          </a:ln>
+          <a:effectLst/>
+          <a:extLst>
+            <a:ext uri="{909E8E84-426E-40DD-AFC4-6F175D3DCCD1}">
+              <a14:hiddenFill xmlns:a14="http://schemas.microsoft.com/office/drawing/2010/main">
+                <a:solidFill>
+                  <a:schemeClr val="accent1"/>
+                </a:solidFill>
+              </a14:hiddenFill>
+            </a:ext>
+            <a:ext uri="{91240B29-F687-4F45-9708-019B960494DF}">
+              <a14:hiddenLine xmlns:a14="http://schemas.microsoft.com/office/drawing/2010/main" w="9525">
+                <a:solidFill>
+                  <a:schemeClr val="tx1"/>
+                </a:solidFill>
+                <a:miter lim="800000"/>
+                <a:headEnd/>
+                <a:tailEnd/>
+              </a14:hiddenLine>
+            </a:ext>
+            <a:ext uri="{AF507438-7753-43E0-B8FC-AC1667EBCBE1}">
+              <a14:hiddenEffects xmlns:a14="http://schemas.microsoft.com/office/drawing/2010/main">
+                <a:effectLst>
+                  <a:outerShdw blurRad="63500" dist="38099" dir="2700000" algn="ctr" rotWithShape="0">
+                    <a:schemeClr val="bg2">
+                      <a:alpha val="74998"/>
+                    </a:schemeClr>
+                  </a:outerShdw>
+                </a:effectLst>
+              </a14:hiddenEffects>
+            </a:ext>
+          </a:extLst>
+        </p:spPr>
+        <p:txBody>
+          <a:bodyPr vert="horz" wrap="none" lIns="91440" tIns="45720" rIns="91440" bIns="45720" numCol="1" anchor="ctr" anchorCtr="0" compatLnSpc="1">
+            <a:prstTxWarp prst="textNoShape">
+              <a:avLst/>
+            </a:prstTxWarp>
+            <a:spAutoFit/>
+          </a:bodyPr>
+          <a:lstStyle/>
+          <a:p>
+            <a:endParaRPr lang="en-US"/>
+          </a:p>
+        </p:txBody>
+      </p:sp>
+      <p:sp>
+        <p:nvSpPr>
+          <p:cNvPr id="24" name="Rectangle 23"/>
+          <p:cNvSpPr>
+            <a:spLocks noChangeArrowheads="1"/>
+          </p:cNvSpPr>
+          <p:nvPr/>
+        </p:nvSpPr>
+        <p:spPr bwMode="auto">
+          <a:xfrm>
+            <a:off x="5308171" y="-3429125"/>
+            <a:ext cx="12192000" cy="0"/>
+          </a:xfrm>
+          <a:prstGeom prst="rect">
+            <a:avLst/>
+          </a:prstGeom>
+          <a:noFill/>
+          <a:ln>
+            <a:noFill/>
+          </a:ln>
+          <a:effectLst/>
+          <a:extLst>
+            <a:ext uri="{909E8E84-426E-40DD-AFC4-6F175D3DCCD1}">
+              <a14:hiddenFill xmlns:a14="http://schemas.microsoft.com/office/drawing/2010/main">
+                <a:solidFill>
+                  <a:schemeClr val="accent1"/>
+                </a:solidFill>
+              </a14:hiddenFill>
+            </a:ext>
+            <a:ext uri="{91240B29-F687-4F45-9708-019B960494DF}">
+              <a14:hiddenLine xmlns:a14="http://schemas.microsoft.com/office/drawing/2010/main" w="9525">
+                <a:solidFill>
+                  <a:schemeClr val="tx1"/>
+                </a:solidFill>
+                <a:miter lim="800000"/>
+                <a:headEnd/>
+                <a:tailEnd/>
+              </a14:hiddenLine>
+            </a:ext>
+            <a:ext uri="{AF507438-7753-43E0-B8FC-AC1667EBCBE1}">
+              <a14:hiddenEffects xmlns:a14="http://schemas.microsoft.com/office/drawing/2010/main">
+                <a:effectLst>
+                  <a:outerShdw blurRad="63500" dist="38099" dir="2700000" algn="ctr" rotWithShape="0">
+                    <a:schemeClr val="bg2">
+                      <a:alpha val="74998"/>
+                    </a:schemeClr>
+                  </a:outerShdw>
+                </a:effectLst>
+              </a14:hiddenEffects>
+            </a:ext>
+          </a:extLst>
+        </p:spPr>
+        <p:txBody>
+          <a:bodyPr vert="horz" wrap="none" lIns="91440" tIns="45720" rIns="91440" bIns="45720" numCol="1" anchor="ctr" anchorCtr="0" compatLnSpc="1">
+            <a:prstTxWarp prst="textNoShape">
+              <a:avLst/>
+            </a:prstTxWarp>
+            <a:spAutoFit/>
+          </a:bodyPr>
+          <a:lstStyle/>
+          <a:p>
+            <a:endParaRPr lang="en-US"/>
           </a:p>
         </p:txBody>
       </p:sp>
@@ -4989,97 +6804,133 @@
           <a:lstStyle/>
           <a:p>
             <a:r>
-              <a:rPr lang="it-IT" dirty="0" smtClean="0"/>
-              <a:t>I </a:t>
-            </a:r>
-            <a:r>
-              <a:rPr lang="it-IT" dirty="0" smtClean="0"/>
-              <a:t>misuratori calcolano il potenziale elettrico totale nella loro </a:t>
-            </a:r>
-            <a:r>
-              <a:rPr lang="it-IT" dirty="0" smtClean="0"/>
-              <a:t>posizione</a:t>
-            </a:r>
-            <a:r>
-              <a:rPr lang="it-IT" dirty="0" smtClean="0"/>
-              <a:t>, quindi quello dato dalle </a:t>
-            </a:r>
-            <a:r>
-              <a:rPr lang="it-IT" dirty="0" err="1" smtClean="0"/>
+              <a:rPr lang="it-IT" dirty="0" smtClean="0">
+                <a:solidFill>
+                  <a:schemeClr val="tx1"/>
+                </a:solidFill>
+              </a:rPr>
+              <a:t>I misuratori calcolano il potenziale elettrico totale nella loro posizione, quindi quello dato dalle </a:t>
+            </a:r>
+            <a:r>
+              <a:rPr lang="it-IT" dirty="0" err="1" smtClean="0">
+                <a:solidFill>
+                  <a:schemeClr val="tx1"/>
+                </a:solidFill>
+              </a:rPr>
               <a:t>N</a:t>
             </a:r>
             <a:r>
-              <a:rPr lang="it-IT" dirty="0" smtClean="0"/>
+              <a:rPr lang="it-IT" dirty="0" smtClean="0">
+                <a:solidFill>
+                  <a:schemeClr val="tx1"/>
+                </a:solidFill>
+              </a:rPr>
               <a:t> cariche.</a:t>
             </a:r>
           </a:p>
           <a:p>
-            <a:endParaRPr lang="it-IT" dirty="0" smtClean="0"/>
-          </a:p>
-          <a:p>
-            <a:r>
-              <a:rPr lang="it-IT" dirty="0" smtClean="0"/>
-              <a:t>Sono posizionati </a:t>
-            </a:r>
-            <a:r>
-              <a:rPr lang="it-IT" dirty="0" smtClean="0"/>
-              <a:t>fuori per </a:t>
-            </a:r>
-            <a:r>
-              <a:rPr lang="it-IT" i="1" dirty="0" smtClean="0"/>
+            <a:endParaRPr lang="it-IT" dirty="0" smtClean="0">
+              <a:solidFill>
+                <a:schemeClr val="tx1"/>
+              </a:solidFill>
+            </a:endParaRPr>
+          </a:p>
+          <a:p>
+            <a:r>
+              <a:rPr lang="it-IT" dirty="0" smtClean="0">
+                <a:solidFill>
+                  <a:schemeClr val="tx1"/>
+                </a:solidFill>
+              </a:rPr>
+              <a:t>Sono posizionati fuori per </a:t>
+            </a:r>
+            <a:r>
+              <a:rPr lang="it-IT" i="1" dirty="0" smtClean="0">
+                <a:solidFill>
+                  <a:schemeClr val="tx1"/>
+                </a:solidFill>
+              </a:rPr>
               <a:t>evitare singolarità </a:t>
             </a:r>
             <a:r>
-              <a:rPr lang="it-IT" dirty="0" smtClean="0"/>
-              <a:t>dovute alle condizioni ideali delle cariche che permetterebbero di avere una distanza nulla tra carica e misuratore</a:t>
-            </a:r>
-            <a:r>
-              <a:rPr lang="it-IT" dirty="0" smtClean="0"/>
-              <a:t>.</a:t>
-            </a:r>
-          </a:p>
-          <a:p>
-            <a:endParaRPr lang="it-IT" dirty="0" smtClean="0"/>
-          </a:p>
-          <a:p>
-            <a:r>
-              <a:rPr lang="it-IT" dirty="0" smtClean="0"/>
+              <a:rPr lang="it-IT" dirty="0" smtClean="0">
+                <a:solidFill>
+                  <a:schemeClr val="tx1"/>
+                </a:solidFill>
+              </a:rPr>
+              <a:t>dovute alle condizioni ideali delle cariche che permetterebbero di avere una distanza nulla tra carica e misuratore.</a:t>
+            </a:r>
+          </a:p>
+          <a:p>
+            <a:endParaRPr lang="it-IT" dirty="0" smtClean="0">
+              <a:solidFill>
+                <a:schemeClr val="tx1"/>
+              </a:solidFill>
+            </a:endParaRPr>
+          </a:p>
+          <a:p>
+            <a:r>
+              <a:rPr lang="it-IT" dirty="0" smtClean="0">
+                <a:solidFill>
+                  <a:schemeClr val="tx1"/>
+                </a:solidFill>
+              </a:rPr>
               <a:t>I misuratori sono collocati su un altro </a:t>
             </a:r>
             <a:r>
-              <a:rPr lang="it-IT" dirty="0" err="1" smtClean="0"/>
+              <a:rPr lang="it-IT" dirty="0" err="1" smtClean="0">
+                <a:solidFill>
+                  <a:schemeClr val="tx1"/>
+                </a:solidFill>
+              </a:rPr>
               <a:t>brick</a:t>
             </a:r>
             <a:r>
-              <a:rPr lang="it-IT" dirty="0" smtClean="0"/>
-              <a:t> esterno per campionare il campo totale prodotto dalle cariche</a:t>
-            </a:r>
-            <a:r>
-              <a:rPr lang="it-IT" dirty="0" smtClean="0"/>
-              <a:t>.</a:t>
-            </a:r>
-          </a:p>
-          <a:p>
-            <a:endParaRPr lang="it-IT" dirty="0" smtClean="0"/>
-          </a:p>
-          <a:p>
-            <a:r>
-              <a:rPr lang="it-IT" dirty="0" smtClean="0"/>
+              <a:rPr lang="it-IT" dirty="0" smtClean="0">
+                <a:solidFill>
+                  <a:schemeClr val="tx1"/>
+                </a:solidFill>
+              </a:rPr>
+              <a:t> esterno per campionare il campo totale prodotto dalle cariche.</a:t>
+            </a:r>
+          </a:p>
+          <a:p>
+            <a:endParaRPr lang="it-IT" dirty="0" smtClean="0">
+              <a:solidFill>
+                <a:schemeClr val="tx1"/>
+              </a:solidFill>
+            </a:endParaRPr>
+          </a:p>
+          <a:p>
+            <a:r>
+              <a:rPr lang="it-IT" dirty="0" smtClean="0">
+                <a:solidFill>
+                  <a:schemeClr val="tx1"/>
+                </a:solidFill>
+              </a:rPr>
               <a:t>Il numero di misuratori sufficienti è pari a </a:t>
             </a:r>
             <a:r>
-              <a:rPr lang="it-IT" i="1" dirty="0" smtClean="0"/>
+              <a:rPr lang="it-IT" i="1" dirty="0" smtClean="0">
+                <a:solidFill>
+                  <a:schemeClr val="tx1"/>
+                </a:solidFill>
+              </a:rPr>
               <a:t>tre </a:t>
             </a:r>
             <a:r>
-              <a:rPr lang="it-IT" dirty="0" smtClean="0"/>
-              <a:t>ma effettuiamo </a:t>
-            </a:r>
-            <a:r>
-              <a:rPr lang="it-IT" dirty="0" smtClean="0"/>
-              <a:t>un campionamento massiccio al fine di ridurre l’errore sulla misura.</a:t>
-            </a:r>
-            <a:endParaRPr lang="it-IT" dirty="0"/>
+              <a:rPr lang="it-IT" dirty="0" smtClean="0">
+                <a:solidFill>
+                  <a:schemeClr val="tx1"/>
+                </a:solidFill>
+              </a:rPr>
+              <a:t>ma effettuiamo un campionamento massiccio al fine di ridurre l’errore sulla misura.</a:t>
+            </a:r>
+            <a:endParaRPr lang="it-IT" dirty="0">
+              <a:solidFill>
+                <a:schemeClr val="tx1"/>
+              </a:solidFill>
+            </a:endParaRPr>
           </a:p>
         </p:txBody>
       </p:sp>
@@ -5137,7 +6988,11 @@
           <a:p>
             <a:r>
               <a:rPr lang="it-IT" dirty="0" smtClean="0"/>
-              <a:t>MODELLO MATEMATICA</a:t>
+              <a:t>MODELLO </a:t>
+            </a:r>
+            <a:r>
+              <a:rPr lang="it-IT" dirty="0" smtClean="0"/>
+              <a:t>MATEMATICO</a:t>
             </a:r>
             <a:endParaRPr lang="it-IT" dirty="0"/>
           </a:p>
@@ -5163,24 +7018,24 @@
             </p:spPr>
             <p:txBody>
               <a:bodyPr>
-                <a:normAutofit fontScale="92500" lnSpcReduction="10000"/>
+                <a:normAutofit lnSpcReduction="10000"/>
               </a:bodyPr>
               <a:lstStyle/>
               <a:p>
                 <a:r>
-                  <a:rPr lang="it-IT" dirty="0" smtClean="0"/>
-                  <a:t>Potenziale elettrico </a:t>
+                  <a:rPr lang="it-IT" dirty="0" smtClean="0">
+                    <a:solidFill>
+                      <a:schemeClr val="tx1"/>
+                    </a:solidFill>
+                  </a:rPr>
+                  <a:t>Potenziale elettrico in un punto di una generica carica</a:t>
                 </a:r>
                 <a:r>
-                  <a:rPr lang="it-IT" dirty="0" smtClean="0"/>
-                  <a:t>in un punto di una generica </a:t>
-                </a:r>
-                <a:r>
-                  <a:rPr lang="it-IT" dirty="0" smtClean="0"/>
-                  <a:t>carica</a:t>
-                </a:r>
-                <a:r>
-                  <a:rPr lang="en-US" dirty="0" smtClean="0"/>
+                  <a:rPr lang="en-US" dirty="0" smtClean="0">
+                    <a:solidFill>
+                      <a:schemeClr val="tx1"/>
+                    </a:solidFill>
+                  </a:rPr>
                   <a:t> q</a:t>
                 </a:r>
               </a:p>
@@ -5189,55 +7044,105 @@
                 <a14:m>
                   <m:oMath xmlns:m="http://schemas.openxmlformats.org/officeDocument/2006/math">
                     <m:r>
-                      <a:rPr lang="it-IT" sz="2400" i="1"/>
+                      <a:rPr lang="it-IT" sz="2200" i="1">
+                        <a:solidFill>
+                          <a:schemeClr val="tx1"/>
+                        </a:solidFill>
+                        <a:latin typeface="Cambria Math" charset="0"/>
+                      </a:rPr>
                       <m:t>𝑉</m:t>
                     </m:r>
                     <m:r>
-                      <a:rPr lang="it-IT" sz="2400" i="1"/>
+                      <a:rPr lang="it-IT" sz="2200" i="1">
+                        <a:solidFill>
+                          <a:schemeClr val="tx1"/>
+                        </a:solidFill>
+                        <a:latin typeface="Cambria Math" charset="0"/>
+                      </a:rPr>
                       <m:t>=  </m:t>
                     </m:r>
                     <m:f>
                       <m:fPr>
                         <m:ctrlPr>
-                          <a:rPr lang="en-US" sz="2400" i="1"/>
+                          <a:rPr lang="en-US" sz="2200" i="1">
+                            <a:solidFill>
+                              <a:schemeClr val="tx1"/>
+                            </a:solidFill>
+                            <a:latin typeface="Cambria Math" charset="0"/>
+                          </a:rPr>
                         </m:ctrlPr>
                       </m:fPr>
                       <m:num>
                         <m:r>
-                          <a:rPr lang="it-IT" sz="2400" i="1"/>
+                          <a:rPr lang="it-IT" sz="2200" i="1">
+                            <a:solidFill>
+                              <a:schemeClr val="tx1"/>
+                            </a:solidFill>
+                            <a:latin typeface="Cambria Math" charset="0"/>
+                          </a:rPr>
                           <m:t>1</m:t>
                         </m:r>
                       </m:num>
                       <m:den>
                         <m:r>
-                          <a:rPr lang="it-IT" sz="2400" i="1"/>
+                          <a:rPr lang="it-IT" sz="2200" i="1">
+                            <a:solidFill>
+                              <a:schemeClr val="tx1"/>
+                            </a:solidFill>
+                            <a:latin typeface="Cambria Math" charset="0"/>
+                          </a:rPr>
                           <m:t>4</m:t>
                         </m:r>
                         <m:r>
-                          <a:rPr lang="it-IT" sz="2400" i="1"/>
+                          <a:rPr lang="it-IT" sz="2200" i="1">
+                            <a:solidFill>
+                              <a:schemeClr val="tx1"/>
+                            </a:solidFill>
+                            <a:latin typeface="Cambria Math" charset="0"/>
+                          </a:rPr>
                           <m:t>𝜋𝜀</m:t>
                         </m:r>
                       </m:den>
                     </m:f>
                     <m:r>
-                      <a:rPr lang="it-IT" sz="2400" i="1"/>
+                      <a:rPr lang="it-IT" sz="2200" i="1">
+                        <a:solidFill>
+                          <a:schemeClr val="tx1"/>
+                        </a:solidFill>
+                        <a:latin typeface="Cambria Math" charset="0"/>
+                      </a:rPr>
                       <m:t> </m:t>
                     </m:r>
                     <m:f>
                       <m:fPr>
                         <m:ctrlPr>
-                          <a:rPr lang="en-US" sz="2400" i="1"/>
+                          <a:rPr lang="en-US" sz="2200" i="1">
+                            <a:solidFill>
+                              <a:schemeClr val="tx1"/>
+                            </a:solidFill>
+                            <a:latin typeface="Cambria Math" charset="0"/>
+                          </a:rPr>
                         </m:ctrlPr>
                       </m:fPr>
                       <m:num>
                         <m:r>
-                          <a:rPr lang="it-IT" sz="2400" i="1"/>
+                          <a:rPr lang="it-IT" sz="2200" i="1">
+                            <a:solidFill>
+                              <a:schemeClr val="tx1"/>
+                            </a:solidFill>
+                            <a:latin typeface="Cambria Math" charset="0"/>
+                          </a:rPr>
                           <m:t>𝑞</m:t>
                         </m:r>
                       </m:num>
                       <m:den>
                         <m:r>
-                          <a:rPr lang="it-IT" sz="2400" b="0" i="1"/>
+                          <a:rPr lang="it-IT" sz="2200" b="0" i="1">
+                            <a:solidFill>
+                              <a:schemeClr val="tx1"/>
+                            </a:solidFill>
+                            <a:latin typeface="Cambria Math" charset="0"/>
+                          </a:rPr>
                           <m:t>𝑟</m:t>
                         </m:r>
                       </m:den>
@@ -5245,29 +7150,51 @@
                   </m:oMath>
                 </a14:m>
                 <a:r>
-                  <a:rPr lang="en-US" sz="2400" dirty="0">
+                  <a:rPr lang="en-US" sz="2200" dirty="0">
+                    <a:solidFill>
+                      <a:schemeClr val="tx1"/>
+                    </a:solidFill>
                     <a:effectLst/>
                   </a:rPr>
                   <a:t> </a:t>
                 </a:r>
-                <a:endParaRPr lang="en-US" sz="2400" dirty="0" smtClean="0">
+                <a:endParaRPr lang="en-US" sz="2200" dirty="0" smtClean="0">
+                  <a:solidFill>
+                    <a:schemeClr val="tx1"/>
+                  </a:solidFill>
                   <a:effectLst/>
                 </a:endParaRPr>
               </a:p>
               <a:p>
-                <a:endParaRPr lang="it-IT" dirty="0" smtClean="0"/>
+                <a:endParaRPr lang="it-IT" dirty="0" smtClean="0">
+                  <a:solidFill>
+                    <a:schemeClr val="tx1"/>
+                  </a:solidFill>
+                </a:endParaRPr>
               </a:p>
               <a:p>
                 <a:r>
-                  <a:rPr lang="it-IT" dirty="0" smtClean="0"/>
+                  <a:rPr lang="it-IT" dirty="0" smtClean="0">
+                    <a:solidFill>
+                      <a:schemeClr val="tx1"/>
+                    </a:solidFill>
+                  </a:rPr>
                   <a:t>In R</a:t>
                 </a:r>
                 <a:r>
-                  <a:rPr lang="it-IT" baseline="30000" dirty="0" smtClean="0"/>
+                  <a:rPr lang="it-IT" baseline="30000" dirty="0" smtClean="0">
+                    <a:solidFill>
+                      <a:schemeClr val="tx1"/>
+                    </a:solidFill>
+                  </a:rPr>
                   <a:t>3 </a:t>
                 </a:r>
                 <a:r>
-                  <a:rPr lang="it-IT" dirty="0" smtClean="0"/>
+                  <a:rPr lang="it-IT" dirty="0" smtClean="0">
+                    <a:solidFill>
+                      <a:schemeClr val="tx1"/>
+                    </a:solidFill>
+                  </a:rPr>
                   <a:t>la distanza è pari a </a:t>
                 </a:r>
               </a:p>
@@ -5278,77 +7205,142 @@
                     <m:sSub>
                       <m:sSubPr>
                         <m:ctrlPr>
-                          <a:rPr lang="en-US" sz="2400" i="1"/>
+                          <a:rPr lang="en-US" sz="2200" i="1">
+                            <a:solidFill>
+                              <a:schemeClr val="tx1"/>
+                            </a:solidFill>
+                            <a:latin typeface="Cambria Math" charset="0"/>
+                          </a:rPr>
                         </m:ctrlPr>
                       </m:sSubPr>
                       <m:e>
                         <m:r>
-                          <a:rPr lang="it-IT" sz="2400" i="1"/>
+                          <a:rPr lang="it-IT" sz="2200" i="1">
+                            <a:solidFill>
+                              <a:schemeClr val="tx1"/>
+                            </a:solidFill>
+                            <a:latin typeface="Cambria Math" charset="0"/>
+                          </a:rPr>
                           <m:t>𝑟</m:t>
                         </m:r>
                       </m:e>
                       <m:sub>
                         <m:r>
-                          <a:rPr lang="it-IT" sz="2400" i="1"/>
+                          <a:rPr lang="it-IT" sz="2200" i="1">
+                            <a:solidFill>
+                              <a:schemeClr val="tx1"/>
+                            </a:solidFill>
+                            <a:latin typeface="Cambria Math" charset="0"/>
+                          </a:rPr>
                           <m:t>𝑖𝑗</m:t>
                         </m:r>
                       </m:sub>
                     </m:sSub>
                     <m:r>
-                      <a:rPr lang="it-IT" sz="2400" i="1"/>
+                      <a:rPr lang="it-IT" sz="2200" i="1">
+                        <a:solidFill>
+                          <a:schemeClr val="tx1"/>
+                        </a:solidFill>
+                        <a:latin typeface="Cambria Math" charset="0"/>
+                      </a:rPr>
                       <m:t>= ∥</m:t>
                     </m:r>
                     <m:sSub>
                       <m:sSubPr>
                         <m:ctrlPr>
-                          <a:rPr lang="en-US" sz="2400" i="1"/>
+                          <a:rPr lang="en-US" sz="2200" i="1">
+                            <a:solidFill>
+                              <a:schemeClr val="tx1"/>
+                            </a:solidFill>
+                            <a:latin typeface="Cambria Math" charset="0"/>
+                          </a:rPr>
                         </m:ctrlPr>
                       </m:sSubPr>
                       <m:e>
                         <m:r>
-                          <a:rPr lang="it-IT" sz="2400" b="1" i="1"/>
-                          <m:t>𝒒</m:t>
+                          <a:rPr lang="it-IT" sz="2200" i="1">
+                            <a:solidFill>
+                              <a:schemeClr val="tx1"/>
+                            </a:solidFill>
+                            <a:latin typeface="Cambria Math" charset="0"/>
+                          </a:rPr>
+                          <m:t>𝒑</m:t>
                         </m:r>
                       </m:e>
                       <m:sub>
                         <m:r>
-                          <a:rPr lang="it-IT" sz="2400" i="1"/>
+                          <a:rPr lang="it-IT" sz="2200" i="1">
+                            <a:solidFill>
+                              <a:schemeClr val="tx1"/>
+                            </a:solidFill>
+                            <a:latin typeface="Cambria Math" charset="0"/>
+                          </a:rPr>
                           <m:t>𝑖</m:t>
                         </m:r>
                       </m:sub>
                     </m:sSub>
                     <m:r>
-                      <a:rPr lang="it-IT" sz="2400" i="1"/>
+                      <a:rPr lang="it-IT" sz="2200" i="1">
+                        <a:solidFill>
+                          <a:schemeClr val="tx1"/>
+                        </a:solidFill>
+                        <a:latin typeface="Cambria Math" charset="0"/>
+                      </a:rPr>
                       <m:t>−</m:t>
                     </m:r>
                     <m:sSub>
                       <m:sSubPr>
                         <m:ctrlPr>
-                          <a:rPr lang="en-US" sz="2400" i="1"/>
+                          <a:rPr lang="en-US" sz="2200" i="1">
+                            <a:solidFill>
+                              <a:schemeClr val="tx1"/>
+                            </a:solidFill>
+                            <a:latin typeface="Cambria Math" charset="0"/>
+                          </a:rPr>
                         </m:ctrlPr>
                       </m:sSubPr>
                       <m:e>
                         <m:r>
-                          <a:rPr lang="it-IT" sz="2400" b="1" i="1"/>
+                          <a:rPr lang="it-IT" sz="2200" i="1">
+                            <a:solidFill>
+                              <a:schemeClr val="tx1"/>
+                            </a:solidFill>
+                            <a:latin typeface="Cambria Math" charset="0"/>
+                          </a:rPr>
                           <m:t>𝒎</m:t>
                         </m:r>
                       </m:e>
                       <m:sub>
                         <m:r>
-                          <a:rPr lang="it-IT" sz="2400" i="1"/>
+                          <a:rPr lang="it-IT" sz="2200" i="1">
+                            <a:solidFill>
+                              <a:schemeClr val="tx1"/>
+                            </a:solidFill>
+                            <a:latin typeface="Cambria Math" charset="0"/>
+                          </a:rPr>
                           <m:t>𝑗</m:t>
                         </m:r>
                       </m:sub>
                     </m:sSub>
                     <m:r>
-                      <a:rPr lang="it-IT" sz="2400" i="1"/>
+                      <a:rPr lang="it-IT" sz="2200" i="1">
+                        <a:solidFill>
+                          <a:schemeClr val="tx1"/>
+                        </a:solidFill>
+                        <a:latin typeface="Cambria Math" charset="0"/>
+                      </a:rPr>
                       <m:t>∥ = </m:t>
                     </m:r>
                     <m:rad>
                       <m:radPr>
                         <m:degHide m:val="on"/>
                         <m:ctrlPr>
-                          <a:rPr lang="en-US" sz="2400" i="1"/>
+                          <a:rPr lang="en-US" sz="2200" i="1">
+                            <a:solidFill>
+                              <a:schemeClr val="tx1"/>
+                            </a:solidFill>
+                            <a:latin typeface="Cambria Math" charset="0"/>
+                          </a:rPr>
                         </m:ctrlPr>
                       </m:radPr>
                       <m:deg/>
@@ -5358,80 +7350,155 @@
                             <m:chr m:val="∑"/>
                             <m:limLoc m:val="undOvr"/>
                             <m:ctrlPr>
-                              <a:rPr lang="en-US" sz="2400" i="1"/>
+                              <a:rPr lang="en-US" sz="2200" i="1">
+                                <a:solidFill>
+                                  <a:schemeClr val="tx1"/>
+                                </a:solidFill>
+                                <a:latin typeface="Cambria Math" charset="0"/>
+                              </a:rPr>
                             </m:ctrlPr>
                           </m:naryPr>
                           <m:sub>
                             <m:r>
-                              <a:rPr lang="it-IT" sz="2400" i="1"/>
+                              <a:rPr lang="it-IT" sz="2200" i="1">
+                                <a:solidFill>
+                                  <a:schemeClr val="tx1"/>
+                                </a:solidFill>
+                                <a:latin typeface="Cambria Math" charset="0"/>
+                              </a:rPr>
                               <m:t>𝑘</m:t>
                             </m:r>
                           </m:sub>
                           <m:sup>
                             <m:r>
-                              <a:rPr lang="it-IT" sz="2400" i="1"/>
+                              <a:rPr lang="it-IT" sz="2200" i="1">
+                                <a:solidFill>
+                                  <a:schemeClr val="tx1"/>
+                                </a:solidFill>
+                                <a:latin typeface="Cambria Math" charset="0"/>
+                              </a:rPr>
                               <m:t>3</m:t>
                             </m:r>
                           </m:sup>
                           <m:e>
                             <m:r>
-                              <a:rPr lang="it-IT" sz="2400" i="1"/>
+                              <a:rPr lang="it-IT" sz="2200" i="1">
+                                <a:solidFill>
+                                  <a:schemeClr val="tx1"/>
+                                </a:solidFill>
+                                <a:latin typeface="Cambria Math" charset="0"/>
+                              </a:rPr>
                               <m:t>(</m:t>
                             </m:r>
                             <m:sSub>
                               <m:sSubPr>
                                 <m:ctrlPr>
-                                  <a:rPr lang="en-US" sz="2400" i="1"/>
+                                  <a:rPr lang="en-US" sz="2200" i="1">
+                                    <a:solidFill>
+                                      <a:schemeClr val="tx1"/>
+                                    </a:solidFill>
+                                    <a:latin typeface="Cambria Math" charset="0"/>
+                                  </a:rPr>
                                 </m:ctrlPr>
                               </m:sSubPr>
                               <m:e>
                                 <m:r>
-                                  <a:rPr lang="it-IT" sz="2400" i="1"/>
-                                  <m:t>𝑞</m:t>
+                                  <a:rPr lang="it-IT" sz="2200" i="1">
+                                    <a:solidFill>
+                                      <a:schemeClr val="tx1"/>
+                                    </a:solidFill>
+                                    <a:latin typeface="Cambria Math" charset="0"/>
+                                  </a:rPr>
+                                  <m:t>𝑝</m:t>
                                 </m:r>
                               </m:e>
                               <m:sub>
                                 <m:r>
-                                  <a:rPr lang="it-IT" sz="2400" i="1"/>
+                                  <a:rPr lang="it-IT" sz="2200" i="1">
+                                    <a:solidFill>
+                                      <a:schemeClr val="tx1"/>
+                                    </a:solidFill>
+                                    <a:latin typeface="Cambria Math" charset="0"/>
+                                  </a:rPr>
                                   <m:t>𝑖</m:t>
                                 </m:r>
                                 <m:r>
-                                  <a:rPr lang="it-IT" sz="2400" i="1"/>
+                                  <a:rPr lang="it-IT" sz="2200" i="1">
+                                    <a:solidFill>
+                                      <a:schemeClr val="tx1"/>
+                                    </a:solidFill>
+                                    <a:latin typeface="Cambria Math" charset="0"/>
+                                  </a:rPr>
                                   <m:t>,</m:t>
                                 </m:r>
                                 <m:r>
-                                  <a:rPr lang="it-IT" sz="2400" i="1"/>
+                                  <a:rPr lang="it-IT" sz="2200" i="1">
+                                    <a:solidFill>
+                                      <a:schemeClr val="tx1"/>
+                                    </a:solidFill>
+                                    <a:latin typeface="Cambria Math" charset="0"/>
+                                  </a:rPr>
                                   <m:t>𝑘</m:t>
                                 </m:r>
                               </m:sub>
                             </m:sSub>
                             <m:r>
-                              <a:rPr lang="it-IT" sz="2400" i="1"/>
+                              <a:rPr lang="it-IT" sz="2200" i="1">
+                                <a:solidFill>
+                                  <a:schemeClr val="tx1"/>
+                                </a:solidFill>
+                                <a:latin typeface="Cambria Math" charset="0"/>
+                              </a:rPr>
                               <m:t>−</m:t>
                             </m:r>
                             <m:sSub>
                               <m:sSubPr>
                                 <m:ctrlPr>
-                                  <a:rPr lang="en-US" sz="2400" i="1"/>
+                                  <a:rPr lang="en-US" sz="2200" i="1">
+                                    <a:solidFill>
+                                      <a:schemeClr val="tx1"/>
+                                    </a:solidFill>
+                                    <a:latin typeface="Cambria Math" charset="0"/>
+                                  </a:rPr>
                                 </m:ctrlPr>
                               </m:sSubPr>
                               <m:e>
                                 <m:r>
-                                  <a:rPr lang="it-IT" sz="2400" i="1"/>
+                                  <a:rPr lang="it-IT" sz="2200" i="1">
+                                    <a:solidFill>
+                                      <a:schemeClr val="tx1"/>
+                                    </a:solidFill>
+                                    <a:latin typeface="Cambria Math" charset="0"/>
+                                  </a:rPr>
                                   <m:t>𝑚</m:t>
                                 </m:r>
                               </m:e>
                               <m:sub>
                                 <m:r>
-                                  <a:rPr lang="it-IT" sz="2400" i="1"/>
+                                  <a:rPr lang="it-IT" sz="2200" i="1">
+                                    <a:solidFill>
+                                      <a:schemeClr val="tx1"/>
+                                    </a:solidFill>
+                                    <a:latin typeface="Cambria Math" charset="0"/>
+                                  </a:rPr>
                                   <m:t>𝑗</m:t>
                                 </m:r>
                                 <m:r>
-                                  <a:rPr lang="it-IT" sz="2400" i="1"/>
+                                  <a:rPr lang="it-IT" sz="2200" i="1">
+                                    <a:solidFill>
+                                      <a:schemeClr val="tx1"/>
+                                    </a:solidFill>
+                                    <a:latin typeface="Cambria Math" charset="0"/>
+                                  </a:rPr>
                                   <m:t>,</m:t>
                                 </m:r>
                                 <m:r>
-                                  <a:rPr lang="it-IT" sz="2400" i="1"/>
+                                  <a:rPr lang="it-IT" sz="2200" i="1">
+                                    <a:solidFill>
+                                      <a:schemeClr val="tx1"/>
+                                    </a:solidFill>
+                                    <a:latin typeface="Cambria Math" charset="0"/>
+                                  </a:rPr>
                                   <m:t>𝑘</m:t>
                                 </m:r>
                               </m:sub>
@@ -5439,7 +7506,12 @@
                           </m:e>
                         </m:nary>
                         <m:r>
-                          <a:rPr lang="it-IT" sz="2400" i="1"/>
+                          <a:rPr lang="it-IT" sz="2200" i="1">
+                            <a:solidFill>
+                              <a:schemeClr val="tx1"/>
+                            </a:solidFill>
+                            <a:latin typeface="Cambria Math" charset="0"/>
+                          </a:rPr>
                           <m:t>)</m:t>
                         </m:r>
                       </m:e>
@@ -5447,63 +7519,491 @@
                   </m:oMath>
                 </a14:m>
                 <a:r>
-                  <a:rPr lang="it-IT" sz="2400" baseline="30000" dirty="0"/>
+                  <a:rPr lang="it-IT" sz="2200" i="1" dirty="0">
+                    <a:solidFill>
+                      <a:schemeClr val="tx1"/>
+                    </a:solidFill>
+                    <a:latin typeface="Cambria Math" charset="0"/>
+                  </a:rPr>
                   <a:t>2</a:t>
                 </a:r>
-                <a:endParaRPr lang="it-IT" sz="2400" dirty="0"/>
+              </a:p>
+              <a:p>
+                <a:pPr algn="ctr"/>
+                <a:endParaRPr lang="it-IT" sz="2400" dirty="0">
+                  <a:solidFill>
+                    <a:schemeClr val="tx1"/>
+                  </a:solidFill>
+                </a:endParaRPr>
               </a:p>
               <a:p>
                 <a:r>
-                  <a:rPr lang="it-IT" dirty="0" smtClean="0"/>
+                  <a:rPr lang="it-IT" dirty="0" smtClean="0">
+                    <a:solidFill>
+                      <a:schemeClr val="tx1"/>
+                    </a:solidFill>
+                  </a:rPr>
                   <a:t>Quindi il potenziale visto dal generico misurato è pari a: </a:t>
                 </a:r>
               </a:p>
               <a:p>
-                <a:pPr marL="0" indent="0">
+                <a:pPr marL="0" indent="0" algn="ctr">
                   <a:buNone/>
                 </a:pPr>
-                <a:endParaRPr lang="it-IT" dirty="0"/>
+                <a14:m>
+                  <m:oMath xmlns:m="http://schemas.openxmlformats.org/officeDocument/2006/math">
+                    <m:r>
+                      <a:rPr lang="it-IT" sz="2200" i="1">
+                        <a:solidFill>
+                          <a:schemeClr val="tx1"/>
+                        </a:solidFill>
+                        <a:latin typeface="Cambria Math" charset="0"/>
+                      </a:rPr>
+                      <m:t>𝑉</m:t>
+                    </m:r>
+                    <m:r>
+                      <a:rPr lang="it-IT" sz="2200" i="1">
+                        <a:solidFill>
+                          <a:schemeClr val="tx1"/>
+                        </a:solidFill>
+                        <a:latin typeface="Cambria Math" charset="0"/>
+                      </a:rPr>
+                      <m:t>=  </m:t>
+                    </m:r>
+                    <m:nary>
+                      <m:naryPr>
+                        <m:chr m:val="∑"/>
+                        <m:limLoc m:val="undOvr"/>
+                        <m:ctrlPr>
+                          <a:rPr lang="en-US" sz="2200" i="1">
+                            <a:solidFill>
+                              <a:schemeClr val="tx1"/>
+                            </a:solidFill>
+                            <a:latin typeface="Cambria Math" charset="0"/>
+                          </a:rPr>
+                        </m:ctrlPr>
+                      </m:naryPr>
+                      <m:sub>
+                        <m:r>
+                          <a:rPr lang="it-IT" sz="2200" i="1">
+                            <a:solidFill>
+                              <a:schemeClr val="tx1"/>
+                            </a:solidFill>
+                            <a:latin typeface="Cambria Math" charset="0"/>
+                          </a:rPr>
+                          <m:t>𝑖</m:t>
+                        </m:r>
+                        <m:r>
+                          <a:rPr lang="it-IT" sz="2200" i="1">
+                            <a:solidFill>
+                              <a:schemeClr val="tx1"/>
+                            </a:solidFill>
+                            <a:latin typeface="Cambria Math" charset="0"/>
+                          </a:rPr>
+                          <m:t>=1</m:t>
+                        </m:r>
+                      </m:sub>
+                      <m:sup>
+                        <m:r>
+                          <a:rPr lang="it-IT" sz="2200" i="1">
+                            <a:solidFill>
+                              <a:schemeClr val="tx1"/>
+                            </a:solidFill>
+                            <a:latin typeface="Cambria Math" charset="0"/>
+                          </a:rPr>
+                          <m:t>𝑁</m:t>
+                        </m:r>
+                      </m:sup>
+                      <m:e>
+                        <m:f>
+                          <m:fPr>
+                            <m:ctrlPr>
+                              <a:rPr lang="en-US" sz="2200" i="1">
+                                <a:solidFill>
+                                  <a:schemeClr val="tx1"/>
+                                </a:solidFill>
+                                <a:latin typeface="Cambria Math" charset="0"/>
+                              </a:rPr>
+                            </m:ctrlPr>
+                          </m:fPr>
+                          <m:num>
+                            <m:r>
+                              <a:rPr lang="it-IT" sz="2200" i="1">
+                                <a:solidFill>
+                                  <a:schemeClr val="tx1"/>
+                                </a:solidFill>
+                                <a:latin typeface="Cambria Math" charset="0"/>
+                              </a:rPr>
+                              <m:t>1</m:t>
+                            </m:r>
+                          </m:num>
+                          <m:den>
+                            <m:r>
+                              <a:rPr lang="it-IT" sz="2200" i="1">
+                                <a:solidFill>
+                                  <a:schemeClr val="tx1"/>
+                                </a:solidFill>
+                                <a:latin typeface="Cambria Math" charset="0"/>
+                              </a:rPr>
+                              <m:t>4</m:t>
+                            </m:r>
+                            <m:r>
+                              <a:rPr lang="it-IT" sz="2200" i="1">
+                                <a:solidFill>
+                                  <a:schemeClr val="tx1"/>
+                                </a:solidFill>
+                                <a:latin typeface="Cambria Math" charset="0"/>
+                              </a:rPr>
+                              <m:t>𝜋𝜀</m:t>
+                            </m:r>
+                          </m:den>
+                        </m:f>
+                        <m:r>
+                          <a:rPr lang="it-IT" sz="2200" i="1">
+                            <a:solidFill>
+                              <a:schemeClr val="tx1"/>
+                            </a:solidFill>
+                            <a:latin typeface="Cambria Math" charset="0"/>
+                          </a:rPr>
+                          <m:t> </m:t>
+                        </m:r>
+                        <m:f>
+                          <m:fPr>
+                            <m:ctrlPr>
+                              <a:rPr lang="en-US" sz="2200" i="1">
+                                <a:solidFill>
+                                  <a:schemeClr val="tx1"/>
+                                </a:solidFill>
+                                <a:latin typeface="Cambria Math" charset="0"/>
+                              </a:rPr>
+                            </m:ctrlPr>
+                          </m:fPr>
+                          <m:num>
+                            <m:sSub>
+                              <m:sSubPr>
+                                <m:ctrlPr>
+                                  <a:rPr lang="en-US" sz="2200" i="1">
+                                    <a:solidFill>
+                                      <a:schemeClr val="tx1"/>
+                                    </a:solidFill>
+                                    <a:latin typeface="Cambria Math" charset="0"/>
+                                  </a:rPr>
+                                </m:ctrlPr>
+                              </m:sSubPr>
+                              <m:e>
+                                <m:r>
+                                  <a:rPr lang="it-IT" sz="2200" i="1">
+                                    <a:solidFill>
+                                      <a:schemeClr val="tx1"/>
+                                    </a:solidFill>
+                                    <a:latin typeface="Cambria Math" charset="0"/>
+                                  </a:rPr>
+                                  <m:t>𝑞</m:t>
+                                </m:r>
+                              </m:e>
+                              <m:sub>
+                                <m:r>
+                                  <a:rPr lang="it-IT" sz="2200" i="1">
+                                    <a:solidFill>
+                                      <a:schemeClr val="tx1"/>
+                                    </a:solidFill>
+                                    <a:latin typeface="Cambria Math" charset="0"/>
+                                  </a:rPr>
+                                  <m:t>𝑖</m:t>
+                                </m:r>
+                              </m:sub>
+                            </m:sSub>
+                          </m:num>
+                          <m:den>
+                            <m:sSub>
+                              <m:sSubPr>
+                                <m:ctrlPr>
+                                  <a:rPr lang="en-US" sz="2200" i="1">
+                                    <a:solidFill>
+                                      <a:schemeClr val="tx1"/>
+                                    </a:solidFill>
+                                    <a:latin typeface="Cambria Math" charset="0"/>
+                                  </a:rPr>
+                                </m:ctrlPr>
+                              </m:sSubPr>
+                              <m:e>
+                                <m:r>
+                                  <a:rPr lang="it-IT" sz="2200" i="1">
+                                    <a:solidFill>
+                                      <a:schemeClr val="tx1"/>
+                                    </a:solidFill>
+                                    <a:latin typeface="Cambria Math" charset="0"/>
+                                  </a:rPr>
+                                  <m:t>𝑟</m:t>
+                                </m:r>
+                              </m:e>
+                              <m:sub>
+                                <m:r>
+                                  <a:rPr lang="it-IT" sz="2200" i="1">
+                                    <a:solidFill>
+                                      <a:schemeClr val="tx1"/>
+                                    </a:solidFill>
+                                    <a:latin typeface="Cambria Math" charset="0"/>
+                                  </a:rPr>
+                                  <m:t>𝑖</m:t>
+                                </m:r>
+                              </m:sub>
+                            </m:sSub>
+                          </m:den>
+                        </m:f>
+                      </m:e>
+                    </m:nary>
+                    <m:r>
+                      <a:rPr lang="it-IT" sz="2200" i="1">
+                        <a:solidFill>
+                          <a:schemeClr val="tx1"/>
+                        </a:solidFill>
+                        <a:latin typeface="Cambria Math" charset="0"/>
+                      </a:rPr>
+                      <m:t>= </m:t>
+                    </m:r>
+                    <m:nary>
+                      <m:naryPr>
+                        <m:chr m:val="∑"/>
+                        <m:limLoc m:val="undOvr"/>
+                        <m:ctrlPr>
+                          <a:rPr lang="en-US" sz="2200" i="1">
+                            <a:solidFill>
+                              <a:schemeClr val="tx1"/>
+                            </a:solidFill>
+                            <a:latin typeface="Cambria Math" charset="0"/>
+                          </a:rPr>
+                        </m:ctrlPr>
+                      </m:naryPr>
+                      <m:sub>
+                        <m:r>
+                          <a:rPr lang="it-IT" sz="2200" i="1">
+                            <a:solidFill>
+                              <a:schemeClr val="tx1"/>
+                            </a:solidFill>
+                            <a:latin typeface="Cambria Math" charset="0"/>
+                          </a:rPr>
+                          <m:t>𝑖</m:t>
+                        </m:r>
+                        <m:r>
+                          <a:rPr lang="it-IT" sz="2200" i="1">
+                            <a:solidFill>
+                              <a:schemeClr val="tx1"/>
+                            </a:solidFill>
+                            <a:latin typeface="Cambria Math" charset="0"/>
+                          </a:rPr>
+                          <m:t>=1</m:t>
+                        </m:r>
+                      </m:sub>
+                      <m:sup>
+                        <m:r>
+                          <a:rPr lang="it-IT" sz="2200" i="1">
+                            <a:solidFill>
+                              <a:schemeClr val="tx1"/>
+                            </a:solidFill>
+                            <a:latin typeface="Cambria Math" charset="0"/>
+                          </a:rPr>
+                          <m:t>𝑁</m:t>
+                        </m:r>
+                      </m:sup>
+                      <m:e>
+                        <m:f>
+                          <m:fPr>
+                            <m:ctrlPr>
+                              <a:rPr lang="en-US" sz="2200" i="1">
+                                <a:solidFill>
+                                  <a:schemeClr val="tx1"/>
+                                </a:solidFill>
+                                <a:latin typeface="Cambria Math" charset="0"/>
+                              </a:rPr>
+                            </m:ctrlPr>
+                          </m:fPr>
+                          <m:num>
+                            <m:r>
+                              <a:rPr lang="it-IT" sz="2200" i="1">
+                                <a:solidFill>
+                                  <a:schemeClr val="tx1"/>
+                                </a:solidFill>
+                                <a:latin typeface="Cambria Math" charset="0"/>
+                              </a:rPr>
+                              <m:t>1</m:t>
+                            </m:r>
+                          </m:num>
+                          <m:den>
+                            <m:r>
+                              <a:rPr lang="it-IT" sz="2200" i="1">
+                                <a:solidFill>
+                                  <a:schemeClr val="tx1"/>
+                                </a:solidFill>
+                                <a:latin typeface="Cambria Math" charset="0"/>
+                              </a:rPr>
+                              <m:t>4</m:t>
+                            </m:r>
+                            <m:r>
+                              <a:rPr lang="it-IT" sz="2200" i="1">
+                                <a:solidFill>
+                                  <a:schemeClr val="tx1"/>
+                                </a:solidFill>
+                                <a:latin typeface="Cambria Math" charset="0"/>
+                              </a:rPr>
+                              <m:t>𝜋𝜀</m:t>
+                            </m:r>
+                          </m:den>
+                        </m:f>
+                        <m:r>
+                          <a:rPr lang="it-IT" sz="2200" i="1">
+                            <a:solidFill>
+                              <a:schemeClr val="tx1"/>
+                            </a:solidFill>
+                            <a:latin typeface="Cambria Math" charset="0"/>
+                          </a:rPr>
+                          <m:t> </m:t>
+                        </m:r>
+                        <m:f>
+                          <m:fPr>
+                            <m:ctrlPr>
+                              <a:rPr lang="en-US" sz="2200" i="1">
+                                <a:solidFill>
+                                  <a:schemeClr val="tx1"/>
+                                </a:solidFill>
+                                <a:latin typeface="Cambria Math" charset="0"/>
+                              </a:rPr>
+                            </m:ctrlPr>
+                          </m:fPr>
+                          <m:num>
+                            <m:sSub>
+                              <m:sSubPr>
+                                <m:ctrlPr>
+                                  <a:rPr lang="en-US" sz="2200" i="1">
+                                    <a:solidFill>
+                                      <a:schemeClr val="tx1"/>
+                                    </a:solidFill>
+                                    <a:latin typeface="Cambria Math" charset="0"/>
+                                  </a:rPr>
+                                </m:ctrlPr>
+                              </m:sSubPr>
+                              <m:e>
+                                <m:r>
+                                  <a:rPr lang="it-IT" sz="2200" i="1">
+                                    <a:solidFill>
+                                      <a:schemeClr val="tx1"/>
+                                    </a:solidFill>
+                                    <a:latin typeface="Cambria Math" charset="0"/>
+                                  </a:rPr>
+                                  <m:t>𝑞</m:t>
+                                </m:r>
+                              </m:e>
+                              <m:sub>
+                                <m:r>
+                                  <a:rPr lang="it-IT" sz="2200" i="1">
+                                    <a:solidFill>
+                                      <a:schemeClr val="tx1"/>
+                                    </a:solidFill>
+                                    <a:latin typeface="Cambria Math" charset="0"/>
+                                  </a:rPr>
+                                  <m:t>𝑖</m:t>
+                                </m:r>
+                              </m:sub>
+                            </m:sSub>
+                          </m:num>
+                          <m:den>
+                            <m:sSub>
+                              <m:sSubPr>
+                                <m:ctrlPr>
+                                  <a:rPr lang="en-US" sz="2200" i="1">
+                                    <a:solidFill>
+                                      <a:schemeClr val="tx1"/>
+                                    </a:solidFill>
+                                    <a:latin typeface="Cambria Math" charset="0"/>
+                                  </a:rPr>
+                                </m:ctrlPr>
+                              </m:sSubPr>
+                              <m:e>
+                                <m:r>
+                                  <a:rPr lang="it-IT" sz="2200" i="1">
+                                    <a:solidFill>
+                                      <a:schemeClr val="tx1"/>
+                                    </a:solidFill>
+                                    <a:latin typeface="Cambria Math" charset="0"/>
+                                  </a:rPr>
+                                  <m:t>||</m:t>
+                                </m:r>
+                                <m:r>
+                                  <a:rPr lang="it-IT" sz="2200" i="1">
+                                    <a:solidFill>
+                                      <a:schemeClr val="tx1"/>
+                                    </a:solidFill>
+                                    <a:latin typeface="Cambria Math" charset="0"/>
+                                  </a:rPr>
+                                  <m:t>𝒑</m:t>
+                                </m:r>
+                              </m:e>
+                              <m:sub>
+                                <m:r>
+                                  <a:rPr lang="it-IT" sz="2200" i="1">
+                                    <a:solidFill>
+                                      <a:schemeClr val="tx1"/>
+                                    </a:solidFill>
+                                    <a:latin typeface="Cambria Math" charset="0"/>
+                                  </a:rPr>
+                                  <m:t>𝒊</m:t>
+                                </m:r>
+                              </m:sub>
+                            </m:sSub>
+                            <m:r>
+                              <a:rPr lang="it-IT" sz="2200" i="1">
+                                <a:solidFill>
+                                  <a:schemeClr val="tx1"/>
+                                </a:solidFill>
+                                <a:latin typeface="Cambria Math" charset="0"/>
+                              </a:rPr>
+                              <m:t>−</m:t>
+                            </m:r>
+                            <m:r>
+                              <a:rPr lang="it-IT" sz="2200" i="1">
+                                <a:solidFill>
+                                  <a:schemeClr val="tx1"/>
+                                </a:solidFill>
+                                <a:latin typeface="Cambria Math" charset="0"/>
+                              </a:rPr>
+                              <m:t>𝒎</m:t>
+                            </m:r>
+                            <m:r>
+                              <a:rPr lang="it-IT" sz="2200" i="1">
+                                <a:solidFill>
+                                  <a:schemeClr val="tx1"/>
+                                </a:solidFill>
+                                <a:latin typeface="Cambria Math" charset="0"/>
+                              </a:rPr>
+                              <m:t>||</m:t>
+                            </m:r>
+                          </m:den>
+                        </m:f>
+                      </m:e>
+                    </m:nary>
+                  </m:oMath>
+                </a14:m>
+                <a:r>
+                  <a:rPr lang="en-US" sz="2800" dirty="0">
+                    <a:solidFill>
+                      <a:schemeClr val="tx1"/>
+                    </a:solidFill>
+                    <a:effectLst/>
+                  </a:rPr>
+                  <a:t> </a:t>
+                </a:r>
+                <a:endParaRPr lang="it-IT" sz="2800" dirty="0">
+                  <a:solidFill>
+                    <a:schemeClr val="tx1"/>
+                  </a:solidFill>
+                </a:endParaRPr>
               </a:p>
               <a:p>
-                <a:r>
-                  <a:rPr lang="it-IT" b="1" dirty="0" smtClean="0"/>
-                  <a:t>Funzione </a:t>
-                </a:r>
-                <a:r>
-                  <a:rPr lang="it-IT" b="1" dirty="0" smtClean="0"/>
-                  <a:t>di costo</a:t>
-                </a:r>
-                <a:r>
-                  <a:rPr lang="it-IT" dirty="0" smtClean="0"/>
-                  <a:t>: considerate le N cariche totali ed il loro potenziale </a:t>
-                </a:r>
-                <a:r>
-                  <a:rPr lang="it-IT" dirty="0" smtClean="0"/>
-                  <a:t>V, </a:t>
-                </a:r>
-                <a:r>
-                  <a:rPr lang="it-IT" dirty="0" smtClean="0"/>
-                  <a:t>calcoliamo il potenziale </a:t>
-                </a:r>
-                <a:r>
-                  <a:rPr lang="it-IT" dirty="0" smtClean="0"/>
-                  <a:t>V’ </a:t>
-                </a:r>
-                <a:r>
-                  <a:rPr lang="it-IT" dirty="0" smtClean="0"/>
-                  <a:t>delle N-1 cariche note più la carica ignota nella posizione generica (x, y, z), la funzione di costo sarà </a:t>
-                </a:r>
-                <a:r>
-                  <a:rPr lang="it-IT" dirty="0" err="1" smtClean="0"/>
-                  <a:t>abs</a:t>
-                </a:r>
-                <a:r>
-                  <a:rPr lang="it-IT" dirty="0" smtClean="0"/>
-                  <a:t>(B-B’)^2</a:t>
-                </a:r>
-              </a:p>
-              <a:p>
-                <a:endParaRPr lang="it-IT" dirty="0"/>
+                <a:endParaRPr lang="it-IT" dirty="0">
+                  <a:solidFill>
+                    <a:schemeClr val="tx1"/>
+                  </a:solidFill>
+                </a:endParaRPr>
               </a:p>
             </p:txBody>
           </p:sp>
@@ -5525,9 +8025,9 @@
                 <a:ext cx="10058400" cy="4293809"/>
               </a:xfrm>
               <a:blipFill rotWithShape="0">
-                <a:blip r:embed="rId2"/>
+                <a:blip r:embed="rId3"/>
                 <a:stretch>
-                  <a:fillRect l="-545" t="-1847"/>
+                  <a:fillRect l="-606" t="-2131"/>
                 </a:stretch>
               </a:blipFill>
             </p:spPr>
@@ -5600,71 +8100,314 @@
           <a:p>
             <a:r>
               <a:rPr lang="it-IT" dirty="0" smtClean="0"/>
-              <a:t>Normalizzazioni</a:t>
+              <a:t>NORMALIZZAZIONI</a:t>
             </a:r>
             <a:endParaRPr lang="it-IT" dirty="0"/>
           </a:p>
         </p:txBody>
       </p:sp>
-      <p:sp>
-        <p:nvSpPr>
-          <p:cNvPr id="3" name="Segnaposto contenuto 2"/>
-          <p:cNvSpPr>
-            <a:spLocks noGrp="1"/>
-          </p:cNvSpPr>
-          <p:nvPr>
-            <p:ph idx="1"/>
-          </p:nvPr>
-        </p:nvSpPr>
-        <p:spPr/>
-        <p:txBody>
-          <a:bodyPr/>
-          <a:lstStyle/>
-          <a:p>
-            <a:r>
-              <a:rPr lang="it-IT" dirty="0" smtClean="0"/>
-              <a:t>Supposte tutte le cariche uguali di segno e valore possiamo effettuare una prima normalizzazione sul fattore q/4piE0</a:t>
-            </a:r>
-          </a:p>
-          <a:p>
-            <a:r>
-              <a:rPr lang="it-IT" dirty="0" smtClean="0"/>
-              <a:t>Una seconda normalizzazione è stata effettuata sulla distanza considerando la massima distanza tra carica e misuratore che risulta essere la diagonale del </a:t>
-            </a:r>
-            <a:r>
-              <a:rPr lang="it-IT" dirty="0" err="1" smtClean="0"/>
-              <a:t>brick</a:t>
-            </a:r>
-            <a:r>
-              <a:rPr lang="it-IT" dirty="0" smtClean="0"/>
-              <a:t> (cubico di lato 1): </a:t>
-            </a:r>
-            <a:r>
-              <a:rPr lang="it-IT" dirty="0" err="1" smtClean="0"/>
-              <a:t>sqrt</a:t>
-            </a:r>
-            <a:r>
-              <a:rPr lang="it-IT" dirty="0" smtClean="0"/>
-              <a:t>(3)</a:t>
-            </a:r>
-          </a:p>
-          <a:p>
-            <a:r>
-              <a:rPr lang="it-IT" dirty="0" smtClean="0"/>
-              <a:t>Dunque il potenziale di una carica calcolato in un punto risulta essere 1/(d*</a:t>
-            </a:r>
-            <a:r>
-              <a:rPr lang="it-IT" dirty="0" err="1" smtClean="0"/>
-              <a:t>sqrt</a:t>
-            </a:r>
-            <a:r>
-              <a:rPr lang="it-IT" dirty="0" smtClean="0"/>
-              <a:t>(3))</a:t>
-            </a:r>
-            <a:endParaRPr lang="it-IT" dirty="0"/>
-          </a:p>
-        </p:txBody>
-      </p:sp>
+      <mc:AlternateContent xmlns:mc="http://schemas.openxmlformats.org/markup-compatibility/2006">
+        <mc:Choice xmlns:a14="http://schemas.microsoft.com/office/drawing/2010/main" Requires="a14">
+          <p:sp>
+            <p:nvSpPr>
+              <p:cNvPr id="3" name="Segnaposto contenuto 2"/>
+              <p:cNvSpPr>
+                <a:spLocks noGrp="1"/>
+              </p:cNvSpPr>
+              <p:nvPr>
+                <p:ph idx="1"/>
+              </p:nvPr>
+            </p:nvSpPr>
+            <p:spPr>
+              <a:xfrm>
+                <a:off x="1097280" y="1845734"/>
+                <a:ext cx="10376263" cy="4023360"/>
+              </a:xfrm>
+            </p:spPr>
+            <p:txBody>
+              <a:bodyPr>
+                <a:normAutofit/>
+              </a:bodyPr>
+              <a:lstStyle/>
+              <a:p>
+                <a:r>
+                  <a:rPr lang="it-IT" dirty="0" smtClean="0">
+                    <a:solidFill>
+                      <a:schemeClr val="tx1"/>
+                    </a:solidFill>
+                  </a:rPr>
+                  <a:t>Possiamo effettuare 3 tipi di normalizzazioni: </a:t>
+                </a:r>
+              </a:p>
+              <a:p>
+                <a:pPr lvl="1">
+                  <a:buFont typeface="Arial" charset="0"/>
+                  <a:buChar char="•"/>
+                </a:pPr>
+                <a:r>
+                  <a:rPr lang="it-IT" sz="2000" dirty="0" smtClean="0">
+                    <a:solidFill>
+                      <a:schemeClr val="tx1"/>
+                    </a:solidFill>
+                  </a:rPr>
+                  <a:t>Supposte </a:t>
+                </a:r>
+                <a:r>
+                  <a:rPr lang="it-IT" sz="2000" dirty="0" smtClean="0">
+                    <a:solidFill>
+                      <a:schemeClr val="tx1"/>
+                    </a:solidFill>
+                  </a:rPr>
+                  <a:t>tutte le cariche uguali di segno e valore possiamo effettuare una prima normalizzazione sul fattore </a:t>
+                </a:r>
+                <a:endParaRPr lang="it-IT" sz="2000" dirty="0">
+                  <a:solidFill>
+                    <a:schemeClr val="tx1"/>
+                  </a:solidFill>
+                </a:endParaRPr>
+              </a:p>
+              <a:p>
+                <a:pPr marL="0" indent="0" algn="ctr">
+                  <a:buNone/>
+                </a:pPr>
+                <a14:m>
+                  <m:oMath xmlns:m="http://schemas.openxmlformats.org/officeDocument/2006/math">
+                    <m:f>
+                      <m:fPr>
+                        <m:ctrlPr>
+                          <a:rPr lang="en-US" sz="2400" i="1"/>
+                        </m:ctrlPr>
+                      </m:fPr>
+                      <m:num>
+                        <m:r>
+                          <a:rPr lang="it-IT" sz="2400"/>
+                          <m:t>1</m:t>
+                        </m:r>
+                      </m:num>
+                      <m:den>
+                        <m:r>
+                          <a:rPr lang="it-IT" sz="2400"/>
+                          <m:t>4</m:t>
+                        </m:r>
+                        <m:r>
+                          <m:rPr>
+                            <m:sty m:val="p"/>
+                          </m:rPr>
+                          <a:rPr lang="it-IT" sz="2400"/>
+                          <m:t>πε</m:t>
+                        </m:r>
+                      </m:den>
+                    </m:f>
+                    <m:r>
+                      <m:rPr>
+                        <m:sty m:val="p"/>
+                      </m:rPr>
+                      <a:rPr lang="it-IT" sz="2400"/>
+                      <m:t>q</m:t>
+                    </m:r>
+                  </m:oMath>
+                </a14:m>
+                <a:r>
+                  <a:rPr lang="en-US" sz="2400" dirty="0">
+                    <a:effectLst/>
+                  </a:rPr>
+                  <a:t> </a:t>
+                </a:r>
+                <a:endParaRPr lang="en-US" sz="2400" dirty="0" smtClean="0">
+                  <a:effectLst/>
+                </a:endParaRPr>
+              </a:p>
+              <a:p>
+                <a:pPr marL="0" indent="0" algn="ctr">
+                  <a:buNone/>
+                </a:pPr>
+                <a:endParaRPr lang="en-US" sz="2400" dirty="0" smtClean="0">
+                  <a:solidFill>
+                    <a:schemeClr val="tx1"/>
+                  </a:solidFill>
+                  <a:effectLst/>
+                </a:endParaRPr>
+              </a:p>
+              <a:p>
+                <a:pPr lvl="1">
+                  <a:buFont typeface="Arial" charset="0"/>
+                  <a:buChar char="•"/>
+                </a:pPr>
+                <a:r>
+                  <a:rPr lang="it-IT" sz="2000" dirty="0" smtClean="0">
+                    <a:solidFill>
+                      <a:schemeClr val="tx1"/>
+                    </a:solidFill>
+                  </a:rPr>
+                  <a:t>Una </a:t>
+                </a:r>
+                <a:r>
+                  <a:rPr lang="it-IT" sz="2000" dirty="0" smtClean="0">
+                    <a:solidFill>
+                      <a:schemeClr val="tx1"/>
+                    </a:solidFill>
+                  </a:rPr>
+                  <a:t>seconda normalizzazione è stata effettuata sulla distanza considerando la massima distanza tra carica e misuratore che risulta essere la diagonale del </a:t>
+                </a:r>
+                <a:r>
+                  <a:rPr lang="it-IT" sz="2000" dirty="0" err="1" smtClean="0">
+                    <a:solidFill>
+                      <a:schemeClr val="tx1"/>
+                    </a:solidFill>
+                  </a:rPr>
+                  <a:t>brick</a:t>
+                </a:r>
+                <a:r>
+                  <a:rPr lang="it-IT" sz="2000" dirty="0" smtClean="0">
+                    <a:solidFill>
+                      <a:schemeClr val="tx1"/>
+                    </a:solidFill>
+                  </a:rPr>
+                  <a:t> (cubico di lato </a:t>
+                </a:r>
+                <a:r>
+                  <a:rPr lang="it-IT" sz="2000" dirty="0" smtClean="0">
+                    <a:solidFill>
+                      <a:schemeClr val="tx1"/>
+                    </a:solidFill>
+                  </a:rPr>
+                  <a:t>2): </a:t>
+                </a:r>
+                <a14:m>
+                  <m:oMath xmlns:m="http://schemas.openxmlformats.org/officeDocument/2006/math">
+                    <m:rad>
+                      <m:radPr>
+                        <m:degHide m:val="on"/>
+                        <m:ctrlPr>
+                          <a:rPr lang="en-US" sz="2000" i="1">
+                            <a:solidFill>
+                              <a:schemeClr val="tx1"/>
+                            </a:solidFill>
+                          </a:rPr>
+                        </m:ctrlPr>
+                      </m:radPr>
+                      <m:deg/>
+                      <m:e>
+                        <m:r>
+                          <a:rPr lang="it-IT" sz="2000" b="0" i="1" smtClean="0">
+                            <a:solidFill>
+                              <a:schemeClr val="tx1"/>
+                            </a:solidFill>
+                            <a:latin typeface="Cambria Math" charset="0"/>
+                          </a:rPr>
+                          <m:t>12</m:t>
+                        </m:r>
+                      </m:e>
+                    </m:rad>
+                  </m:oMath>
+                </a14:m>
+                <a:r>
+                  <a:rPr lang="en-US" dirty="0">
+                    <a:solidFill>
+                      <a:schemeClr val="tx1"/>
+                    </a:solidFill>
+                    <a:effectLst/>
+                  </a:rPr>
+                  <a:t> </a:t>
+                </a:r>
+                <a:endParaRPr lang="en-US" dirty="0" smtClean="0">
+                  <a:solidFill>
+                    <a:schemeClr val="tx1"/>
+                  </a:solidFill>
+                  <a:effectLst/>
+                </a:endParaRPr>
+              </a:p>
+              <a:p>
+                <a:pPr lvl="1">
+                  <a:buFont typeface="Arial" charset="0"/>
+                  <a:buChar char="•"/>
+                </a:pPr>
+                <a:endParaRPr lang="it-IT" dirty="0" smtClean="0"/>
+              </a:p>
+              <a:p>
+                <a:pPr lvl="1">
+                  <a:buFont typeface="Arial" charset="0"/>
+                  <a:buChar char="•"/>
+                </a:pPr>
+                <a:r>
+                  <a:rPr lang="it-IT" sz="2000" dirty="0" smtClean="0">
+                    <a:solidFill>
+                      <a:schemeClr val="tx1"/>
+                    </a:solidFill>
+                  </a:rPr>
+                  <a:t>L’ultima normalizzazione invece è fatta sul numero di misuratori presenti sul </a:t>
+                </a:r>
+                <a:r>
+                  <a:rPr lang="it-IT" sz="2000" dirty="0" err="1" smtClean="0">
+                    <a:solidFill>
+                      <a:schemeClr val="tx1"/>
+                    </a:solidFill>
+                  </a:rPr>
+                  <a:t>brick</a:t>
+                </a:r>
+                <a:r>
+                  <a:rPr lang="it-IT" sz="2000" dirty="0" smtClean="0">
+                    <a:solidFill>
+                      <a:schemeClr val="tx1"/>
+                    </a:solidFill>
+                  </a:rPr>
+                  <a:t> più esterno, pari a </a:t>
+                </a:r>
+                <a:r>
+                  <a:rPr lang="it-IT" sz="2000" i="1" dirty="0">
+                    <a:solidFill>
+                      <a:schemeClr val="tx1"/>
+                    </a:solidFill>
+                  </a:rPr>
+                  <a:t>M</a:t>
+                </a:r>
+                <a:endParaRPr lang="it-IT" sz="2000" i="1" dirty="0">
+                  <a:solidFill>
+                    <a:schemeClr val="tx1"/>
+                  </a:solidFill>
+                </a:endParaRPr>
+              </a:p>
+            </p:txBody>
+          </p:sp>
+        </mc:Choice>
+        <mc:Fallback>
+          <p:sp>
+            <p:nvSpPr>
+              <p:cNvPr id="3" name="Segnaposto contenuto 2"/>
+              <p:cNvSpPr>
+                <a:spLocks noGrp="1" noRot="1" noChangeAspect="1" noMove="1" noResize="1" noEditPoints="1" noAdjustHandles="1" noChangeArrowheads="1" noChangeShapeType="1" noTextEdit="1"/>
+              </p:cNvSpPr>
+              <p:nvPr>
+                <p:ph idx="1"/>
+              </p:nvPr>
+            </p:nvSpPr>
+            <p:spPr>
+              <a:xfrm>
+                <a:off x="1097280" y="1845734"/>
+                <a:ext cx="10376263" cy="4023360"/>
+              </a:xfrm>
+              <a:blipFill rotWithShape="0">
+                <a:blip r:embed="rId2"/>
+                <a:stretch>
+                  <a:fillRect l="-588" t="-1667" r="-940"/>
+                </a:stretch>
+              </a:blipFill>
+            </p:spPr>
+            <p:txBody>
+              <a:bodyPr/>
+              <a:lstStyle/>
+              <a:p>
+                <a:r>
+                  <a:rPr lang="en-US">
+                    <a:noFill/>
+                  </a:rPr>
+                  <a:t> </a:t>
+                </a:r>
+              </a:p>
+            </p:txBody>
+          </p:sp>
+        </mc:Fallback>
+      </mc:AlternateContent>
     </p:spTree>
     <p:extLst>
       <p:ext uri="{BB962C8B-B14F-4D97-AF65-F5344CB8AC3E}">
@@ -5704,7 +8447,7 @@
       </p:grpSpPr>
       <p:sp>
         <p:nvSpPr>
-          <p:cNvPr id="2" name="Titolo 1"/>
+          <p:cNvPr id="2" name="Title 1"/>
           <p:cNvSpPr>
             <a:spLocks noGrp="1"/>
           </p:cNvSpPr>
@@ -5718,116 +8461,1789 @@
           <a:lstStyle/>
           <a:p>
             <a:r>
-              <a:rPr lang="it-IT" dirty="0" smtClean="0"/>
-              <a:t>Simplesso</a:t>
-            </a:r>
-            <a:endParaRPr lang="it-IT" dirty="0"/>
+              <a:rPr lang="en-US" dirty="0" smtClean="0"/>
+              <a:t>FUNZIONE DI COSTO</a:t>
+            </a:r>
+            <a:endParaRPr lang="en-US" dirty="0"/>
           </a:p>
         </p:txBody>
       </p:sp>
-      <p:sp>
-        <p:nvSpPr>
-          <p:cNvPr id="3" name="Segnaposto contenuto 2"/>
-          <p:cNvSpPr>
-            <a:spLocks noGrp="1"/>
-          </p:cNvSpPr>
-          <p:nvPr>
-            <p:ph idx="1"/>
-          </p:nvPr>
-        </p:nvSpPr>
-        <p:spPr/>
-        <p:txBody>
-          <a:bodyPr>
-            <a:normAutofit/>
-          </a:bodyPr>
-          <a:lstStyle/>
-          <a:p>
-            <a:r>
-              <a:rPr lang="it-IT" dirty="0" smtClean="0"/>
-              <a:t>Simplesso: </a:t>
-            </a:r>
-            <a:r>
-              <a:rPr lang="it-IT" dirty="0"/>
-              <a:t>L'algoritmo del simplesso, ideato </a:t>
-            </a:r>
-            <a:r>
-              <a:rPr lang="it-IT" dirty="0" smtClean="0"/>
-              <a:t>da</a:t>
-            </a:r>
-            <a:r>
-              <a:rPr lang="it-IT" dirty="0"/>
-              <a:t> George </a:t>
-            </a:r>
-            <a:r>
-              <a:rPr lang="it-IT" dirty="0" smtClean="0"/>
-              <a:t>Dantzig, </a:t>
-            </a:r>
-            <a:r>
-              <a:rPr lang="it-IT" dirty="0"/>
-              <a:t>è un metodo numerico per risolvere problemi di programmazione lineare. </a:t>
-            </a:r>
-          </a:p>
-          <a:p>
-            <a:r>
-              <a:rPr lang="it-IT" dirty="0"/>
-              <a:t>Questo algoritmo fa uso del concetto di simplesso, cioè un politopo di </a:t>
-            </a:r>
-            <a:r>
-              <a:rPr lang="it-IT" i="1" dirty="0"/>
-              <a:t>N+1</a:t>
-            </a:r>
-            <a:r>
-              <a:rPr lang="it-IT" dirty="0"/>
-              <a:t> vertici in </a:t>
-            </a:r>
-            <a:r>
-              <a:rPr lang="it-IT" i="1" dirty="0"/>
-              <a:t>N</a:t>
-            </a:r>
-            <a:r>
-              <a:rPr lang="it-IT" dirty="0"/>
-              <a:t> </a:t>
-            </a:r>
-            <a:r>
-              <a:rPr lang="it-IT" dirty="0" smtClean="0"/>
-              <a:t>dimensioni.</a:t>
-            </a:r>
-          </a:p>
-          <a:p>
-            <a:r>
-              <a:rPr lang="it-IT" dirty="0" smtClean="0"/>
-              <a:t>Politopo: figura geometrica</a:t>
-            </a:r>
-            <a:r>
-              <a:rPr lang="it-IT" dirty="0"/>
-              <a:t> </a:t>
-            </a:r>
-            <a:r>
-              <a:rPr lang="it-IT" i="1" dirty="0"/>
-              <a:t>n</a:t>
-            </a:r>
-            <a:r>
-              <a:rPr lang="it-IT" dirty="0"/>
-              <a:t>-dimensionale col minor numero di vertici. Il simplesso di dimensione zero è un singolo punto, il simplesso bidimensionale un triangolo e quello tridimensionale un tetraedro</a:t>
-            </a:r>
-            <a:r>
-              <a:rPr lang="it-IT" dirty="0" smtClean="0"/>
-              <a:t>.</a:t>
-            </a:r>
-          </a:p>
-          <a:p>
-            <a:r>
-              <a:rPr lang="it-IT" dirty="0" smtClean="0"/>
-              <a:t>Il vertice con valore più grande viene ribaltato e nella situazione in cui avvengono ribaltamenti ripetuti (indice di invecchiamento) si effettua l’operazione di contrazione conservando il vertice migliore.</a:t>
-            </a:r>
-            <a:endParaRPr lang="it-IT" dirty="0"/>
-          </a:p>
-        </p:txBody>
-      </p:sp>
+      <mc:AlternateContent xmlns:mc="http://schemas.openxmlformats.org/markup-compatibility/2006">
+        <mc:Choice xmlns:a14="http://schemas.microsoft.com/office/drawing/2010/main" Requires="a14">
+          <p:sp>
+            <p:nvSpPr>
+              <p:cNvPr id="4" name="TextBox 3"/>
+              <p:cNvSpPr txBox="1"/>
+              <p:nvPr/>
+            </p:nvSpPr>
+            <p:spPr>
+              <a:xfrm>
+                <a:off x="1097280" y="1894114"/>
+                <a:ext cx="10058400" cy="646331"/>
+              </a:xfrm>
+              <a:prstGeom prst="rect">
+                <a:avLst/>
+              </a:prstGeom>
+              <a:noFill/>
+            </p:spPr>
+            <p:txBody>
+              <a:bodyPr wrap="square" rtlCol="0">
+                <a:spAutoFit/>
+              </a:bodyPr>
+              <a:lstStyle/>
+              <a:p>
+                <a:r>
+                  <a:rPr lang="en-US" dirty="0" smtClean="0">
+                    <a:solidFill>
+                      <a:schemeClr val="tx1"/>
+                    </a:solidFill>
+                  </a:rPr>
+                  <a:t>Possiamo </a:t>
+                </a:r>
+                <a:r>
+                  <a:rPr lang="en-US" dirty="0" err="1" smtClean="0">
+                    <a:solidFill>
+                      <a:schemeClr val="tx1"/>
+                    </a:solidFill>
+                  </a:rPr>
+                  <a:t>definire</a:t>
+                </a:r>
+                <a:r>
+                  <a:rPr lang="en-US" dirty="0" smtClean="0">
+                    <a:solidFill>
+                      <a:schemeClr val="tx1"/>
+                    </a:solidFill>
+                  </a:rPr>
+                  <a:t> la </a:t>
+                </a:r>
+                <a:r>
+                  <a:rPr lang="en-US" dirty="0" err="1" smtClean="0">
+                    <a:solidFill>
+                      <a:schemeClr val="tx1"/>
+                    </a:solidFill>
+                  </a:rPr>
+                  <a:t>funzione</a:t>
+                </a:r>
+                <a:r>
+                  <a:rPr lang="en-US" dirty="0" smtClean="0">
+                    <a:solidFill>
+                      <a:schemeClr val="tx1"/>
+                    </a:solidFill>
+                  </a:rPr>
+                  <a:t>, per </a:t>
+                </a:r>
+                <a:r>
+                  <a:rPr lang="en-US" dirty="0" err="1" smtClean="0">
+                    <a:solidFill>
+                      <a:schemeClr val="tx1"/>
+                    </a:solidFill>
+                  </a:rPr>
+                  <a:t>il</a:t>
+                </a:r>
+                <a:r>
+                  <a:rPr lang="en-US" dirty="0" smtClean="0">
+                    <a:solidFill>
+                      <a:schemeClr val="tx1"/>
+                    </a:solidFill>
+                  </a:rPr>
+                  <a:t> </a:t>
+                </a:r>
+                <a:r>
+                  <a:rPr lang="en-US" dirty="0" err="1" smtClean="0">
+                    <a:solidFill>
+                      <a:schemeClr val="tx1"/>
+                    </a:solidFill>
+                  </a:rPr>
+                  <a:t>misuratore</a:t>
+                </a:r>
+                <a:r>
+                  <a:rPr lang="en-US" dirty="0" smtClean="0">
+                    <a:solidFill>
+                      <a:schemeClr val="tx1"/>
+                    </a:solidFill>
+                  </a:rPr>
+                  <a:t> m-</a:t>
+                </a:r>
+                <a:r>
+                  <a:rPr lang="en-US" dirty="0" err="1" smtClean="0">
+                    <a:solidFill>
+                      <a:schemeClr val="tx1"/>
+                    </a:solidFill>
+                  </a:rPr>
+                  <a:t>esimo</a:t>
+                </a:r>
+                <a:r>
+                  <a:rPr lang="en-US" dirty="0" smtClean="0">
+                    <a:solidFill>
+                      <a:schemeClr val="tx1"/>
+                    </a:solidFill>
+                  </a:rPr>
+                  <a:t>, come </a:t>
+                </a:r>
+                <a:r>
+                  <a:rPr lang="en-US" dirty="0" err="1" smtClean="0">
+                    <a:solidFill>
+                      <a:schemeClr val="tx1"/>
+                    </a:solidFill>
+                  </a:rPr>
+                  <a:t>differenza</a:t>
+                </a:r>
+                <a:r>
+                  <a:rPr lang="en-US" dirty="0" smtClean="0">
+                    <a:solidFill>
+                      <a:schemeClr val="tx1"/>
+                    </a:solidFill>
+                  </a:rPr>
+                  <a:t> </a:t>
+                </a:r>
+                <a:r>
+                  <a:rPr lang="en-US" dirty="0" err="1" smtClean="0">
+                    <a:solidFill>
+                      <a:schemeClr val="tx1"/>
+                    </a:solidFill>
+                  </a:rPr>
+                  <a:t>tra</a:t>
+                </a:r>
+                <a:r>
+                  <a:rPr lang="en-US" dirty="0" smtClean="0">
+                    <a:solidFill>
+                      <a:schemeClr val="tx1"/>
+                    </a:solidFill>
+                  </a:rPr>
+                  <a:t> </a:t>
+                </a:r>
+                <a:r>
+                  <a:rPr lang="en-US" dirty="0" err="1" smtClean="0">
+                    <a:solidFill>
+                      <a:schemeClr val="tx1"/>
+                    </a:solidFill>
+                  </a:rPr>
+                  <a:t>il</a:t>
+                </a:r>
+                <a:r>
+                  <a:rPr lang="en-US" dirty="0" smtClean="0">
+                    <a:solidFill>
+                      <a:schemeClr val="tx1"/>
+                    </a:solidFill>
+                  </a:rPr>
+                  <a:t> </a:t>
+                </a:r>
+                <a:r>
+                  <a:rPr lang="en-US" dirty="0" err="1" smtClean="0">
+                    <a:solidFill>
+                      <a:schemeClr val="tx1"/>
+                    </a:solidFill>
+                  </a:rPr>
+                  <a:t>potenziale</a:t>
+                </a:r>
+                <a:r>
+                  <a:rPr lang="en-US" dirty="0" smtClean="0">
+                    <a:solidFill>
+                      <a:schemeClr val="tx1"/>
+                    </a:solidFill>
+                  </a:rPr>
+                  <a:t> </a:t>
+                </a:r>
+                <a:r>
+                  <a:rPr lang="en-US" dirty="0" err="1" smtClean="0">
+                    <a:solidFill>
+                      <a:schemeClr val="tx1"/>
+                    </a:solidFill>
+                  </a:rPr>
+                  <a:t>misurato</a:t>
+                </a:r>
+                <a:r>
+                  <a:rPr lang="en-US" dirty="0" smtClean="0">
+                    <a:solidFill>
+                      <a:schemeClr val="tx1"/>
+                    </a:solidFill>
+                  </a:rPr>
+                  <a:t> e </a:t>
+                </a:r>
+                <a:r>
+                  <a:rPr lang="en-US" dirty="0" err="1" smtClean="0">
+                    <a:solidFill>
+                      <a:schemeClr val="tx1"/>
+                    </a:solidFill>
+                  </a:rPr>
+                  <a:t>quello</a:t>
+                </a:r>
+                <a:r>
+                  <a:rPr lang="en-US" dirty="0" smtClean="0">
+                    <a:solidFill>
+                      <a:schemeClr val="tx1"/>
+                    </a:solidFill>
+                  </a:rPr>
+                  <a:t> </a:t>
+                </a:r>
+                <a:r>
+                  <a:rPr lang="en-US" dirty="0" err="1" smtClean="0">
+                    <a:solidFill>
+                      <a:schemeClr val="tx1"/>
+                    </a:solidFill>
+                  </a:rPr>
+                  <a:t>calcolato</a:t>
+                </a:r>
+                <a:r>
+                  <a:rPr lang="en-US" dirty="0" smtClean="0">
+                    <a:solidFill>
+                      <a:schemeClr val="tx1"/>
+                    </a:solidFill>
+                  </a:rPr>
+                  <a:t>, </a:t>
+                </a:r>
+                <a:r>
+                  <a:rPr lang="en-US" dirty="0" err="1" smtClean="0">
+                    <a:solidFill>
+                      <a:schemeClr val="tx1"/>
+                    </a:solidFill>
+                  </a:rPr>
+                  <a:t>ipotizzando</a:t>
+                </a:r>
+                <a:r>
+                  <a:rPr lang="en-US" dirty="0" smtClean="0">
+                    <a:solidFill>
+                      <a:schemeClr val="tx1"/>
+                    </a:solidFill>
+                  </a:rPr>
+                  <a:t> </a:t>
+                </a:r>
+                <a:r>
+                  <a:rPr lang="en-US" dirty="0" err="1" smtClean="0">
+                    <a:solidFill>
+                      <a:schemeClr val="tx1"/>
+                    </a:solidFill>
+                  </a:rPr>
+                  <a:t>che</a:t>
+                </a:r>
+                <a:r>
+                  <a:rPr lang="en-US" dirty="0" smtClean="0">
+                    <a:solidFill>
+                      <a:schemeClr val="tx1"/>
+                    </a:solidFill>
+                  </a:rPr>
+                  <a:t> la </a:t>
+                </a:r>
+                <a:r>
+                  <a:rPr lang="en-US" dirty="0" err="1" smtClean="0">
+                    <a:solidFill>
+                      <a:schemeClr val="tx1"/>
+                    </a:solidFill>
+                  </a:rPr>
+                  <a:t>ricarica</a:t>
+                </a:r>
+                <a:r>
+                  <a:rPr lang="en-US" dirty="0" smtClean="0">
+                    <a:solidFill>
+                      <a:schemeClr val="tx1"/>
+                    </a:solidFill>
+                  </a:rPr>
+                  <a:t> </a:t>
+                </a:r>
+                <a:r>
+                  <a:rPr lang="en-US" dirty="0" err="1" smtClean="0">
+                    <a:solidFill>
+                      <a:schemeClr val="tx1"/>
+                    </a:solidFill>
+                  </a:rPr>
+                  <a:t>ignota</a:t>
+                </a:r>
+                <a:r>
+                  <a:rPr lang="en-US" dirty="0" smtClean="0">
+                    <a:solidFill>
+                      <a:schemeClr val="tx1"/>
+                    </a:solidFill>
+                  </a:rPr>
+                  <a:t> </a:t>
+                </a:r>
+                <a:r>
+                  <a:rPr lang="en-US" dirty="0" err="1" smtClean="0">
+                    <a:solidFill>
+                      <a:schemeClr val="tx1"/>
+                    </a:solidFill>
+                  </a:rPr>
+                  <a:t>si</a:t>
+                </a:r>
+                <a:r>
+                  <a:rPr lang="en-US" dirty="0" smtClean="0">
+                    <a:solidFill>
+                      <a:schemeClr val="tx1"/>
+                    </a:solidFill>
+                  </a:rPr>
+                  <a:t> </a:t>
+                </a:r>
+                <a:r>
+                  <a:rPr lang="en-US" dirty="0" err="1" smtClean="0">
+                    <a:solidFill>
+                      <a:schemeClr val="tx1"/>
+                    </a:solidFill>
+                  </a:rPr>
+                  <a:t>trovi</a:t>
+                </a:r>
+                <a:r>
+                  <a:rPr lang="en-US" dirty="0" smtClean="0">
+                    <a:solidFill>
+                      <a:schemeClr val="tx1"/>
+                    </a:solidFill>
+                  </a:rPr>
+                  <a:t> </a:t>
+                </a:r>
+                <a:r>
+                  <a:rPr lang="en-US" dirty="0" err="1" smtClean="0">
+                    <a:solidFill>
+                      <a:schemeClr val="tx1"/>
+                    </a:solidFill>
+                  </a:rPr>
+                  <a:t>nella</a:t>
+                </a:r>
+                <a:r>
+                  <a:rPr lang="en-US" dirty="0" smtClean="0">
+                    <a:solidFill>
+                      <a:schemeClr val="tx1"/>
+                    </a:solidFill>
+                  </a:rPr>
+                  <a:t> </a:t>
+                </a:r>
+                <a:r>
+                  <a:rPr lang="en-US" dirty="0" err="1" smtClean="0">
+                    <a:solidFill>
+                      <a:schemeClr val="tx1"/>
+                    </a:solidFill>
+                  </a:rPr>
+                  <a:t>posizione</a:t>
+                </a:r>
+                <a:r>
+                  <a:rPr lang="en-US" dirty="0" smtClean="0">
+                    <a:solidFill>
+                      <a:schemeClr val="tx1"/>
+                    </a:solidFill>
+                  </a:rPr>
+                  <a:t> </a:t>
+                </a:r>
+                <a14:m>
+                  <m:oMath xmlns:m="http://schemas.openxmlformats.org/officeDocument/2006/math">
+                    <m:sSub>
+                      <m:sSubPr>
+                        <m:ctrlPr>
+                          <a:rPr lang="en-US" i="1">
+                            <a:solidFill>
+                              <a:schemeClr val="tx1"/>
+                            </a:solidFill>
+                            <a:latin typeface="Cambria Math" charset="0"/>
+                          </a:rPr>
+                        </m:ctrlPr>
+                      </m:sSubPr>
+                      <m:e>
+                        <m:r>
+                          <a:rPr lang="en-US" b="1" i="1">
+                            <a:solidFill>
+                              <a:schemeClr val="tx1"/>
+                            </a:solidFill>
+                            <a:latin typeface="Cambria Math" charset="0"/>
+                          </a:rPr>
+                          <m:t>𝒑</m:t>
+                        </m:r>
+                      </m:e>
+                      <m:sub>
+                        <m:r>
+                          <a:rPr lang="en-US" b="1" i="1">
+                            <a:solidFill>
+                              <a:schemeClr val="tx1"/>
+                            </a:solidFill>
+                            <a:latin typeface="Cambria Math" charset="0"/>
+                          </a:rPr>
+                          <m:t>𝒙</m:t>
+                        </m:r>
+                      </m:sub>
+                    </m:sSub>
+                  </m:oMath>
+                </a14:m>
+                <a:endParaRPr lang="en-US" dirty="0"/>
+              </a:p>
+            </p:txBody>
+          </p:sp>
+        </mc:Choice>
+        <mc:Fallback>
+          <p:sp>
+            <p:nvSpPr>
+              <p:cNvPr id="4" name="TextBox 3"/>
+              <p:cNvSpPr txBox="1">
+                <a:spLocks noRot="1" noChangeAspect="1" noMove="1" noResize="1" noEditPoints="1" noAdjustHandles="1" noChangeArrowheads="1" noChangeShapeType="1" noTextEdit="1"/>
+              </p:cNvSpPr>
+              <p:nvPr/>
+            </p:nvSpPr>
+            <p:spPr>
+              <a:xfrm>
+                <a:off x="1097280" y="1894114"/>
+                <a:ext cx="10058400" cy="646331"/>
+              </a:xfrm>
+              <a:prstGeom prst="rect">
+                <a:avLst/>
+              </a:prstGeom>
+              <a:blipFill rotWithShape="0">
+                <a:blip r:embed="rId2"/>
+                <a:stretch>
+                  <a:fillRect l="-485" t="-5660" b="-14151"/>
+                </a:stretch>
+              </a:blipFill>
+            </p:spPr>
+            <p:txBody>
+              <a:bodyPr/>
+              <a:lstStyle/>
+              <a:p>
+                <a:r>
+                  <a:rPr lang="en-US">
+                    <a:noFill/>
+                  </a:rPr>
+                  <a:t> </a:t>
+                </a:r>
+              </a:p>
+            </p:txBody>
+          </p:sp>
+        </mc:Fallback>
+      </mc:AlternateContent>
+      <mc:AlternateContent xmlns:mc="http://schemas.openxmlformats.org/markup-compatibility/2006">
+        <mc:Choice xmlns:a14="http://schemas.microsoft.com/office/drawing/2010/main" Requires="a14">
+          <p:sp>
+            <p:nvSpPr>
+              <p:cNvPr id="5" name="Rectangle 4"/>
+              <p:cNvSpPr/>
+              <p:nvPr/>
+            </p:nvSpPr>
+            <p:spPr>
+              <a:xfrm>
+                <a:off x="2867094" y="2724683"/>
+                <a:ext cx="6518772" cy="474489"/>
+              </a:xfrm>
+              <a:prstGeom prst="rect">
+                <a:avLst/>
+              </a:prstGeom>
+            </p:spPr>
+            <p:txBody>
+              <a:bodyPr wrap="none">
+                <a:spAutoFit/>
+              </a:bodyPr>
+              <a:lstStyle/>
+              <a:p>
+                <a14:m>
+                  <m:oMathPara xmlns:m="http://schemas.openxmlformats.org/officeDocument/2006/math">
+                    <m:oMathParaPr>
+                      <m:jc m:val="centerGroup"/>
+                    </m:oMathParaPr>
+                    <m:oMath xmlns:m="http://schemas.openxmlformats.org/officeDocument/2006/math">
+                      <m:sSub>
+                        <m:sSubPr>
+                          <m:ctrlPr>
+                            <a:rPr lang="en-US" sz="2200">
+                              <a:latin typeface="Cambria Math" charset="0"/>
+                            </a:rPr>
+                          </m:ctrlPr>
+                        </m:sSubPr>
+                        <m:e>
+                          <m:r>
+                            <a:rPr lang="en-US" sz="2200" i="1">
+                              <a:latin typeface="Cambria Math" charset="0"/>
+                            </a:rPr>
+                            <m:t>𝜖</m:t>
+                          </m:r>
+                        </m:e>
+                        <m:sub>
+                          <m:r>
+                            <a:rPr lang="en-US" sz="2200" i="1">
+                              <a:latin typeface="Cambria Math" charset="0"/>
+                            </a:rPr>
+                            <m:t>𝑚</m:t>
+                          </m:r>
+                        </m:sub>
+                      </m:sSub>
+                      <m:d>
+                        <m:dPr>
+                          <m:ctrlPr>
+                            <a:rPr lang="en-US" sz="2200" i="1">
+                              <a:latin typeface="Cambria Math" charset="0"/>
+                            </a:rPr>
+                          </m:ctrlPr>
+                        </m:dPr>
+                        <m:e>
+                          <m:sSub>
+                            <m:sSubPr>
+                              <m:ctrlPr>
+                                <a:rPr lang="en-US" sz="2200" i="1">
+                                  <a:latin typeface="Cambria Math" charset="0"/>
+                                </a:rPr>
+                              </m:ctrlPr>
+                            </m:sSubPr>
+                            <m:e>
+                              <m:r>
+                                <a:rPr lang="en-US" sz="2200" b="1" i="1">
+                                  <a:latin typeface="Cambria Math" charset="0"/>
+                                </a:rPr>
+                                <m:t>𝒑</m:t>
+                              </m:r>
+                            </m:e>
+                            <m:sub>
+                              <m:r>
+                                <a:rPr lang="en-US" sz="2200" b="1" i="1">
+                                  <a:latin typeface="Cambria Math" charset="0"/>
+                                </a:rPr>
+                                <m:t>𝒙</m:t>
+                              </m:r>
+                            </m:sub>
+                          </m:sSub>
+                        </m:e>
+                      </m:d>
+                      <m:r>
+                        <a:rPr lang="en-US" sz="2200" b="0" i="0">
+                          <a:latin typeface="Cambria Math" charset="0"/>
+                        </a:rPr>
+                        <m:t>=</m:t>
+                      </m:r>
+                      <m:d>
+                        <m:dPr>
+                          <m:begChr m:val="|"/>
+                          <m:endChr m:val="|"/>
+                          <m:ctrlPr>
+                            <a:rPr lang="en-US" sz="2200" b="0" i="1">
+                              <a:latin typeface="Cambria Math" charset="0"/>
+                            </a:rPr>
+                          </m:ctrlPr>
+                        </m:dPr>
+                        <m:e>
+                          <m:sSub>
+                            <m:sSubPr>
+                              <m:ctrlPr>
+                                <a:rPr lang="en-US" sz="2200" b="0" i="1">
+                                  <a:latin typeface="Cambria Math" charset="0"/>
+                                </a:rPr>
+                              </m:ctrlPr>
+                            </m:sSubPr>
+                            <m:e>
+                              <m:r>
+                                <a:rPr lang="en-US" sz="2200" b="0" i="1">
+                                  <a:latin typeface="Cambria Math" charset="0"/>
+                                </a:rPr>
+                                <m:t>𝑉</m:t>
+                              </m:r>
+                            </m:e>
+                            <m:sub>
+                              <m:r>
+                                <a:rPr lang="en-US" sz="2200" b="0" i="0">
+                                  <a:latin typeface="Cambria Math" charset="0"/>
+                                </a:rPr>
+                                <m:t>1..</m:t>
+                              </m:r>
+                              <m:r>
+                                <a:rPr lang="en-US" sz="2200" b="0" i="1">
+                                  <a:latin typeface="Cambria Math" charset="0"/>
+                                </a:rPr>
+                                <m:t>𝑁</m:t>
+                              </m:r>
+                            </m:sub>
+                          </m:sSub>
+                          <m:r>
+                            <a:rPr lang="en-US" sz="2200" b="0" i="0">
+                              <a:latin typeface="Cambria Math" charset="0"/>
+                            </a:rPr>
+                            <m:t>−</m:t>
+                          </m:r>
+                          <m:d>
+                            <m:dPr>
+                              <m:ctrlPr>
+                                <a:rPr lang="en-US" sz="2200" b="0" i="1">
+                                  <a:latin typeface="Cambria Math" charset="0"/>
+                                </a:rPr>
+                              </m:ctrlPr>
+                            </m:dPr>
+                            <m:e>
+                              <m:sSub>
+                                <m:sSubPr>
+                                  <m:ctrlPr>
+                                    <a:rPr lang="en-US" sz="2200" b="0" i="1">
+                                      <a:latin typeface="Cambria Math" charset="0"/>
+                                    </a:rPr>
+                                  </m:ctrlPr>
+                                </m:sSubPr>
+                                <m:e>
+                                  <m:r>
+                                    <a:rPr lang="en-US" sz="2200" b="0" i="1">
+                                      <a:latin typeface="Cambria Math" charset="0"/>
+                                    </a:rPr>
+                                    <m:t>𝑉</m:t>
+                                  </m:r>
+                                </m:e>
+                                <m:sub>
+                                  <m:r>
+                                    <a:rPr lang="en-US" sz="2200" b="0" i="0">
+                                      <a:latin typeface="Cambria Math" charset="0"/>
+                                    </a:rPr>
+                                    <m:t>1..</m:t>
+                                  </m:r>
+                                  <m:r>
+                                    <a:rPr lang="en-US" sz="2200" b="0" i="1">
+                                      <a:latin typeface="Cambria Math" charset="0"/>
+                                    </a:rPr>
+                                    <m:t>𝑁</m:t>
+                                  </m:r>
+                                  <m:r>
+                                    <a:rPr lang="en-US" sz="2200" b="0" i="0">
+                                      <a:latin typeface="Cambria Math" charset="0"/>
+                                    </a:rPr>
+                                    <m:t>−1</m:t>
+                                  </m:r>
+                                </m:sub>
+                              </m:sSub>
+                              <m:r>
+                                <a:rPr lang="en-US" sz="2200" b="0" i="0">
+                                  <a:latin typeface="Cambria Math" charset="0"/>
+                                </a:rPr>
+                                <m:t>+</m:t>
+                              </m:r>
+                              <m:r>
+                                <a:rPr lang="en-US" sz="2200" b="0" i="1">
+                                  <a:latin typeface="Cambria Math" charset="0"/>
+                                </a:rPr>
+                                <m:t>𝑉</m:t>
+                              </m:r>
+                              <m:d>
+                                <m:dPr>
+                                  <m:ctrlPr>
+                                    <a:rPr lang="en-US" sz="2200" b="0" i="1">
+                                      <a:latin typeface="Cambria Math" charset="0"/>
+                                    </a:rPr>
+                                  </m:ctrlPr>
+                                </m:dPr>
+                                <m:e>
+                                  <m:sSub>
+                                    <m:sSubPr>
+                                      <m:ctrlPr>
+                                        <a:rPr lang="en-US" sz="2200" b="0" i="1">
+                                          <a:latin typeface="Cambria Math" charset="0"/>
+                                        </a:rPr>
+                                      </m:ctrlPr>
+                                    </m:sSubPr>
+                                    <m:e>
+                                      <m:r>
+                                        <a:rPr lang="en-US" sz="2200" b="1" i="1">
+                                          <a:latin typeface="Cambria Math" charset="0"/>
+                                        </a:rPr>
+                                        <m:t>𝒑</m:t>
+                                      </m:r>
+                                    </m:e>
+                                    <m:sub>
+                                      <m:r>
+                                        <a:rPr lang="en-US" sz="2200" b="1" i="1">
+                                          <a:latin typeface="Cambria Math" charset="0"/>
+                                        </a:rPr>
+                                        <m:t>𝒙</m:t>
+                                      </m:r>
+                                    </m:sub>
+                                  </m:sSub>
+                                </m:e>
+                              </m:d>
+                            </m:e>
+                          </m:d>
+                        </m:e>
+                      </m:d>
+                      <m:r>
+                        <a:rPr lang="en-US" sz="2200" b="0" i="0">
+                          <a:latin typeface="Cambria Math" charset="0"/>
+                        </a:rPr>
+                        <m:t>=|</m:t>
+                      </m:r>
+                      <m:sSub>
+                        <m:sSubPr>
+                          <m:ctrlPr>
+                            <a:rPr lang="en-US" sz="2200" b="0" i="1">
+                              <a:latin typeface="Cambria Math" charset="0"/>
+                            </a:rPr>
+                          </m:ctrlPr>
+                        </m:sSubPr>
+                        <m:e>
+                          <m:r>
+                            <a:rPr lang="en-US" sz="2200" b="0" i="1">
+                              <a:latin typeface="Cambria Math" charset="0"/>
+                            </a:rPr>
+                            <m:t>𝑉</m:t>
+                          </m:r>
+                        </m:e>
+                        <m:sub>
+                          <m:r>
+                            <a:rPr lang="en-US" sz="2200" b="0" i="1">
+                              <a:latin typeface="Cambria Math" charset="0"/>
+                            </a:rPr>
+                            <m:t>𝑁</m:t>
+                          </m:r>
+                        </m:sub>
+                      </m:sSub>
+                      <m:r>
+                        <a:rPr lang="en-US" sz="2200" b="0" i="0">
+                          <a:latin typeface="Cambria Math" charset="0"/>
+                        </a:rPr>
+                        <m:t>−</m:t>
+                      </m:r>
+                      <m:r>
+                        <a:rPr lang="en-US" sz="2200" b="0" i="1">
+                          <a:latin typeface="Cambria Math" charset="0"/>
+                        </a:rPr>
+                        <m:t>𝑉</m:t>
+                      </m:r>
+                      <m:d>
+                        <m:dPr>
+                          <m:ctrlPr>
+                            <a:rPr lang="en-US" sz="2200" b="0" i="1">
+                              <a:latin typeface="Cambria Math" charset="0"/>
+                            </a:rPr>
+                          </m:ctrlPr>
+                        </m:dPr>
+                        <m:e>
+                          <m:sSub>
+                            <m:sSubPr>
+                              <m:ctrlPr>
+                                <a:rPr lang="en-US" sz="2200" b="0" i="1">
+                                  <a:latin typeface="Cambria Math" charset="0"/>
+                                </a:rPr>
+                              </m:ctrlPr>
+                            </m:sSubPr>
+                            <m:e>
+                              <m:r>
+                                <a:rPr lang="en-US" sz="2200" b="1" i="1">
+                                  <a:latin typeface="Cambria Math" charset="0"/>
+                                </a:rPr>
+                                <m:t>𝒑</m:t>
+                              </m:r>
+                            </m:e>
+                            <m:sub>
+                              <m:r>
+                                <a:rPr lang="en-US" sz="2200" b="1" i="1">
+                                  <a:latin typeface="Cambria Math" charset="0"/>
+                                </a:rPr>
+                                <m:t>𝒙</m:t>
+                              </m:r>
+                            </m:sub>
+                          </m:sSub>
+                        </m:e>
+                      </m:d>
+                      <m:r>
+                        <a:rPr lang="en-US" sz="2200" b="0" i="0">
+                          <a:latin typeface="Cambria Math" charset="0"/>
+                        </a:rPr>
+                        <m:t>|</m:t>
+                      </m:r>
+                    </m:oMath>
+                  </m:oMathPara>
+                </a14:m>
+                <a:endParaRPr lang="en-US" sz="2200" dirty="0"/>
+              </a:p>
+            </p:txBody>
+          </p:sp>
+        </mc:Choice>
+        <mc:Fallback>
+          <p:sp>
+            <p:nvSpPr>
+              <p:cNvPr id="5" name="Rectangle 4"/>
+              <p:cNvSpPr>
+                <a:spLocks noRot="1" noChangeAspect="1" noMove="1" noResize="1" noEditPoints="1" noAdjustHandles="1" noChangeArrowheads="1" noChangeShapeType="1" noTextEdit="1"/>
+              </p:cNvSpPr>
+              <p:nvPr/>
+            </p:nvSpPr>
+            <p:spPr>
+              <a:xfrm>
+                <a:off x="2867094" y="2724683"/>
+                <a:ext cx="6518772" cy="474489"/>
+              </a:xfrm>
+              <a:prstGeom prst="rect">
+                <a:avLst/>
+              </a:prstGeom>
+              <a:blipFill rotWithShape="0">
+                <a:blip r:embed="rId3"/>
+                <a:stretch>
+                  <a:fillRect b="-10256"/>
+                </a:stretch>
+              </a:blipFill>
+            </p:spPr>
+            <p:txBody>
+              <a:bodyPr/>
+              <a:lstStyle/>
+              <a:p>
+                <a:r>
+                  <a:rPr lang="en-US">
+                    <a:noFill/>
+                  </a:rPr>
+                  <a:t> </a:t>
+                </a:r>
+              </a:p>
+            </p:txBody>
+          </p:sp>
+        </mc:Fallback>
+      </mc:AlternateContent>
+      <mc:AlternateContent xmlns:mc="http://schemas.openxmlformats.org/markup-compatibility/2006">
+        <mc:Choice xmlns:a14="http://schemas.microsoft.com/office/drawing/2010/main" Requires="a14">
+          <p:sp>
+            <p:nvSpPr>
+              <p:cNvPr id="6" name="Rectangle 5"/>
+              <p:cNvSpPr/>
+              <p:nvPr/>
+            </p:nvSpPr>
+            <p:spPr>
+              <a:xfrm>
+                <a:off x="3475562" y="3413966"/>
+                <a:ext cx="5301836" cy="875432"/>
+              </a:xfrm>
+              <a:prstGeom prst="rect">
+                <a:avLst/>
+              </a:prstGeom>
+            </p:spPr>
+            <p:txBody>
+              <a:bodyPr wrap="none">
+                <a:spAutoFit/>
+              </a:bodyPr>
+              <a:lstStyle/>
+              <a:p>
+                <a14:m>
+                  <m:oMathPara xmlns:m="http://schemas.openxmlformats.org/officeDocument/2006/math">
+                    <m:oMathParaPr>
+                      <m:jc m:val="centerGroup"/>
+                    </m:oMathParaPr>
+                    <m:oMath xmlns:m="http://schemas.openxmlformats.org/officeDocument/2006/math">
+                      <m:sSub>
+                        <m:sSubPr>
+                          <m:ctrlPr>
+                            <a:rPr lang="en-US" sz="2200">
+                              <a:latin typeface="Cambria Math" charset="0"/>
+                            </a:rPr>
+                          </m:ctrlPr>
+                        </m:sSubPr>
+                        <m:e>
+                          <m:r>
+                            <a:rPr lang="en-US" sz="2200" i="1">
+                              <a:latin typeface="Cambria Math" charset="0"/>
+                            </a:rPr>
+                            <m:t>𝜖</m:t>
+                          </m:r>
+                        </m:e>
+                        <m:sub>
+                          <m:r>
+                            <a:rPr lang="en-US" sz="2200" i="1">
+                              <a:latin typeface="Cambria Math" charset="0"/>
+                            </a:rPr>
+                            <m:t>𝑚</m:t>
+                          </m:r>
+                        </m:sub>
+                      </m:sSub>
+                      <m:d>
+                        <m:dPr>
+                          <m:ctrlPr>
+                            <a:rPr lang="en-US" sz="2200" i="1">
+                              <a:latin typeface="Cambria Math" charset="0"/>
+                            </a:rPr>
+                          </m:ctrlPr>
+                        </m:dPr>
+                        <m:e>
+                          <m:sSub>
+                            <m:sSubPr>
+                              <m:ctrlPr>
+                                <a:rPr lang="en-US" sz="2200" i="1">
+                                  <a:latin typeface="Cambria Math" charset="0"/>
+                                </a:rPr>
+                              </m:ctrlPr>
+                            </m:sSubPr>
+                            <m:e>
+                              <m:r>
+                                <a:rPr lang="en-US" sz="2200" b="1" i="1">
+                                  <a:latin typeface="Cambria Math" charset="0"/>
+                                </a:rPr>
+                                <m:t>𝒑</m:t>
+                              </m:r>
+                            </m:e>
+                            <m:sub>
+                              <m:r>
+                                <a:rPr lang="en-US" sz="2200" b="1" i="1">
+                                  <a:latin typeface="Cambria Math" charset="0"/>
+                                </a:rPr>
+                                <m:t>𝒙</m:t>
+                              </m:r>
+                            </m:sub>
+                          </m:sSub>
+                        </m:e>
+                      </m:d>
+                      <m:r>
+                        <a:rPr lang="en-US" sz="2200" b="0" i="0">
+                          <a:latin typeface="Cambria Math" charset="0"/>
+                        </a:rPr>
+                        <m:t>=</m:t>
+                      </m:r>
+                      <m:f>
+                        <m:fPr>
+                          <m:ctrlPr>
+                            <a:rPr lang="en-US" sz="2200" b="0" i="1">
+                              <a:latin typeface="Cambria Math" charset="0"/>
+                            </a:rPr>
+                          </m:ctrlPr>
+                        </m:fPr>
+                        <m:num>
+                          <m:r>
+                            <a:rPr lang="en-US" sz="2200" b="0" i="0">
+                              <a:latin typeface="Cambria Math" charset="0"/>
+                            </a:rPr>
+                            <m:t>1</m:t>
+                          </m:r>
+                        </m:num>
+                        <m:den>
+                          <m:rad>
+                            <m:radPr>
+                              <m:degHide m:val="on"/>
+                              <m:ctrlPr>
+                                <a:rPr lang="en-US" sz="2200" b="0" i="1">
+                                  <a:latin typeface="Cambria Math" charset="0"/>
+                                </a:rPr>
+                              </m:ctrlPr>
+                            </m:radPr>
+                            <m:deg/>
+                            <m:e>
+                              <m:r>
+                                <a:rPr lang="en-US" sz="2200" b="0" i="0">
+                                  <a:latin typeface="Cambria Math" charset="0"/>
+                                </a:rPr>
+                                <m:t>12</m:t>
+                              </m:r>
+                            </m:e>
+                          </m:rad>
+                        </m:den>
+                      </m:f>
+                      <m:d>
+                        <m:dPr>
+                          <m:begChr m:val="|"/>
+                          <m:endChr m:val="|"/>
+                          <m:ctrlPr>
+                            <a:rPr lang="en-US" sz="2200" b="0" i="1">
+                              <a:latin typeface="Cambria Math" charset="0"/>
+                            </a:rPr>
+                          </m:ctrlPr>
+                        </m:dPr>
+                        <m:e>
+                          <m:f>
+                            <m:fPr>
+                              <m:ctrlPr>
+                                <a:rPr lang="en-US" sz="2200" b="0" i="1">
+                                  <a:latin typeface="Cambria Math" charset="0"/>
+                                </a:rPr>
+                              </m:ctrlPr>
+                            </m:fPr>
+                            <m:num>
+                              <m:r>
+                                <a:rPr lang="en-US" sz="2200" b="0" i="0">
+                                  <a:latin typeface="Cambria Math" charset="0"/>
+                                </a:rPr>
+                                <m:t>1</m:t>
+                              </m:r>
+                            </m:num>
+                            <m:den>
+                              <m:r>
+                                <a:rPr lang="en-US" sz="2200" b="0" i="0">
+                                  <a:latin typeface="Cambria Math" charset="0"/>
+                                </a:rPr>
+                                <m:t> </m:t>
+                              </m:r>
+                              <m:d>
+                                <m:dPr>
+                                  <m:begChr m:val="|"/>
+                                  <m:endChr m:val="|"/>
+                                  <m:ctrlPr>
+                                    <a:rPr lang="en-US" sz="2200" b="0" i="1">
+                                      <a:latin typeface="Cambria Math" charset="0"/>
+                                    </a:rPr>
+                                  </m:ctrlPr>
+                                </m:dPr>
+                                <m:e>
+                                  <m:d>
+                                    <m:dPr>
+                                      <m:begChr m:val="|"/>
+                                      <m:endChr m:val="|"/>
+                                      <m:ctrlPr>
+                                        <a:rPr lang="en-US" sz="2200" b="0" i="1">
+                                          <a:latin typeface="Cambria Math" charset="0"/>
+                                        </a:rPr>
+                                      </m:ctrlPr>
+                                    </m:dPr>
+                                    <m:e>
+                                      <m:sSub>
+                                        <m:sSubPr>
+                                          <m:ctrlPr>
+                                            <a:rPr lang="en-US" sz="2200" b="0" i="1">
+                                              <a:latin typeface="Cambria Math" charset="0"/>
+                                            </a:rPr>
+                                          </m:ctrlPr>
+                                        </m:sSubPr>
+                                        <m:e>
+                                          <m:r>
+                                            <a:rPr lang="en-US" sz="2200" b="1" i="1">
+                                              <a:latin typeface="Cambria Math" charset="0"/>
+                                            </a:rPr>
+                                            <m:t>𝒑</m:t>
+                                          </m:r>
+                                        </m:e>
+                                        <m:sub>
+                                          <m:r>
+                                            <a:rPr lang="en-US" sz="2200" b="1" i="1">
+                                              <a:latin typeface="Cambria Math" charset="0"/>
+                                            </a:rPr>
+                                            <m:t>𝑵</m:t>
+                                          </m:r>
+                                        </m:sub>
+                                      </m:sSub>
+                                      <m:r>
+                                        <a:rPr lang="en-US" sz="2200" b="0" i="0">
+                                          <a:latin typeface="Cambria Math" charset="0"/>
+                                        </a:rPr>
+                                        <m:t>−</m:t>
+                                      </m:r>
+                                      <m:r>
+                                        <a:rPr lang="en-US" sz="2200" b="1" i="1">
+                                          <a:latin typeface="Cambria Math" charset="0"/>
+                                        </a:rPr>
+                                        <m:t>𝒎</m:t>
+                                      </m:r>
+                                    </m:e>
+                                  </m:d>
+                                </m:e>
+                              </m:d>
+                            </m:den>
+                          </m:f>
+                          <m:r>
+                            <a:rPr lang="en-US" sz="2200" b="0" i="0">
+                              <a:latin typeface="Cambria Math" charset="0"/>
+                            </a:rPr>
+                            <m:t>− </m:t>
+                          </m:r>
+                          <m:f>
+                            <m:fPr>
+                              <m:ctrlPr>
+                                <a:rPr lang="en-US" sz="2200" b="0" i="1">
+                                  <a:latin typeface="Cambria Math" charset="0"/>
+                                </a:rPr>
+                              </m:ctrlPr>
+                            </m:fPr>
+                            <m:num>
+                              <m:r>
+                                <a:rPr lang="en-US" sz="2200" b="0" i="0">
+                                  <a:latin typeface="Cambria Math" charset="0"/>
+                                </a:rPr>
+                                <m:t>1</m:t>
+                              </m:r>
+                            </m:num>
+                            <m:den>
+                              <m:r>
+                                <a:rPr lang="en-US" sz="2200" b="0" i="0">
+                                  <a:latin typeface="Cambria Math" charset="0"/>
+                                </a:rPr>
+                                <m:t> </m:t>
+                              </m:r>
+                              <m:d>
+                                <m:dPr>
+                                  <m:begChr m:val="|"/>
+                                  <m:endChr m:val="|"/>
+                                  <m:ctrlPr>
+                                    <a:rPr lang="en-US" sz="2200" b="0" i="1">
+                                      <a:latin typeface="Cambria Math" charset="0"/>
+                                    </a:rPr>
+                                  </m:ctrlPr>
+                                </m:dPr>
+                                <m:e>
+                                  <m:d>
+                                    <m:dPr>
+                                      <m:begChr m:val="|"/>
+                                      <m:endChr m:val="|"/>
+                                      <m:ctrlPr>
+                                        <a:rPr lang="en-US" sz="2200" b="0" i="1">
+                                          <a:latin typeface="Cambria Math" charset="0"/>
+                                        </a:rPr>
+                                      </m:ctrlPr>
+                                    </m:dPr>
+                                    <m:e>
+                                      <m:sSub>
+                                        <m:sSubPr>
+                                          <m:ctrlPr>
+                                            <a:rPr lang="en-US" sz="2200" b="0" i="1">
+                                              <a:latin typeface="Cambria Math" charset="0"/>
+                                            </a:rPr>
+                                          </m:ctrlPr>
+                                        </m:sSubPr>
+                                        <m:e>
+                                          <m:r>
+                                            <a:rPr lang="en-US" sz="2200" b="1" i="1">
+                                              <a:latin typeface="Cambria Math" charset="0"/>
+                                            </a:rPr>
+                                            <m:t>𝒑</m:t>
+                                          </m:r>
+                                        </m:e>
+                                        <m:sub>
+                                          <m:r>
+                                            <a:rPr lang="en-US" sz="2200" b="1" i="1">
+                                              <a:latin typeface="Cambria Math" charset="0"/>
+                                            </a:rPr>
+                                            <m:t>𝒙</m:t>
+                                          </m:r>
+                                        </m:sub>
+                                      </m:sSub>
+                                      <m:r>
+                                        <a:rPr lang="en-US" sz="2200" b="0" i="0">
+                                          <a:latin typeface="Cambria Math" charset="0"/>
+                                        </a:rPr>
+                                        <m:t>−</m:t>
+                                      </m:r>
+                                      <m:r>
+                                        <a:rPr lang="en-US" sz="2200" b="1" i="1">
+                                          <a:latin typeface="Cambria Math" charset="0"/>
+                                        </a:rPr>
+                                        <m:t>𝒎</m:t>
+                                      </m:r>
+                                    </m:e>
+                                  </m:d>
+                                </m:e>
+                              </m:d>
+                            </m:den>
+                          </m:f>
+                        </m:e>
+                      </m:d>
+                    </m:oMath>
+                  </m:oMathPara>
+                </a14:m>
+                <a:endParaRPr lang="en-US" sz="2200" dirty="0"/>
+              </a:p>
+            </p:txBody>
+          </p:sp>
+        </mc:Choice>
+        <mc:Fallback>
+          <p:sp>
+            <p:nvSpPr>
+              <p:cNvPr id="6" name="Rectangle 5"/>
+              <p:cNvSpPr>
+                <a:spLocks noRot="1" noChangeAspect="1" noMove="1" noResize="1" noEditPoints="1" noAdjustHandles="1" noChangeArrowheads="1" noChangeShapeType="1" noTextEdit="1"/>
+              </p:cNvSpPr>
+              <p:nvPr/>
+            </p:nvSpPr>
+            <p:spPr>
+              <a:xfrm>
+                <a:off x="3475562" y="3413966"/>
+                <a:ext cx="5301836" cy="875432"/>
+              </a:xfrm>
+              <a:prstGeom prst="rect">
+                <a:avLst/>
+              </a:prstGeom>
+              <a:blipFill rotWithShape="0">
+                <a:blip r:embed="rId4"/>
+                <a:stretch>
+                  <a:fillRect/>
+                </a:stretch>
+              </a:blipFill>
+            </p:spPr>
+            <p:txBody>
+              <a:bodyPr/>
+              <a:lstStyle/>
+              <a:p>
+                <a:r>
+                  <a:rPr lang="en-US">
+                    <a:noFill/>
+                  </a:rPr>
+                  <a:t> </a:t>
+                </a:r>
+              </a:p>
+            </p:txBody>
+          </p:sp>
+        </mc:Fallback>
+      </mc:AlternateContent>
+      <mc:AlternateContent xmlns:mc="http://schemas.openxmlformats.org/markup-compatibility/2006">
+        <mc:Choice xmlns:a14="http://schemas.microsoft.com/office/drawing/2010/main" Requires="a14">
+          <p:sp>
+            <p:nvSpPr>
+              <p:cNvPr id="7" name="TextBox 6"/>
+              <p:cNvSpPr txBox="1"/>
+              <p:nvPr/>
+            </p:nvSpPr>
+            <p:spPr>
+              <a:xfrm>
+                <a:off x="1097280" y="4519226"/>
+                <a:ext cx="9914709" cy="1671098"/>
+              </a:xfrm>
+              <a:prstGeom prst="rect">
+                <a:avLst/>
+              </a:prstGeom>
+              <a:noFill/>
+            </p:spPr>
+            <p:txBody>
+              <a:bodyPr wrap="square" rtlCol="0">
+                <a:spAutoFit/>
+              </a:bodyPr>
+              <a:lstStyle/>
+              <a:p>
+                <a:r>
+                  <a:rPr lang="en-US" dirty="0" err="1" smtClean="0"/>
+                  <a:t>Estendendo</a:t>
+                </a:r>
+                <a:r>
+                  <a:rPr lang="en-US" dirty="0" smtClean="0"/>
+                  <a:t> </a:t>
+                </a:r>
+                <a:r>
+                  <a:rPr lang="en-US" dirty="0" err="1" smtClean="0"/>
+                  <a:t>il</a:t>
+                </a:r>
+                <a:r>
+                  <a:rPr lang="en-US" dirty="0" smtClean="0"/>
+                  <a:t> </a:t>
+                </a:r>
+                <a:r>
+                  <a:rPr lang="en-US" dirty="0" err="1" smtClean="0"/>
+                  <a:t>concetto</a:t>
+                </a:r>
+                <a:r>
+                  <a:rPr lang="en-US" dirty="0" smtClean="0"/>
+                  <a:t> a </a:t>
+                </a:r>
+                <a:r>
+                  <a:rPr lang="en-US" dirty="0" err="1" smtClean="0"/>
+                  <a:t>più</a:t>
+                </a:r>
+                <a:r>
+                  <a:rPr lang="en-US" dirty="0" smtClean="0"/>
+                  <a:t> </a:t>
+                </a:r>
+                <a:r>
+                  <a:rPr lang="en-US" dirty="0" err="1" smtClean="0"/>
+                  <a:t>misuratori</a:t>
+                </a:r>
+                <a:r>
+                  <a:rPr lang="en-US" dirty="0" smtClean="0"/>
+                  <a:t>, la </a:t>
+                </a:r>
+                <a:r>
+                  <a:rPr lang="en-US" dirty="0" err="1" smtClean="0"/>
+                  <a:t>funzione</a:t>
+                </a:r>
+                <a:r>
+                  <a:rPr lang="en-US" dirty="0" smtClean="0"/>
+                  <a:t> di </a:t>
+                </a:r>
+                <a:r>
+                  <a:rPr lang="en-US" dirty="0" err="1" smtClean="0"/>
+                  <a:t>costo</a:t>
+                </a:r>
+                <a:r>
+                  <a:rPr lang="en-US" dirty="0" smtClean="0"/>
+                  <a:t> </a:t>
+                </a:r>
+                <a:r>
+                  <a:rPr lang="en-US" dirty="0" err="1" smtClean="0"/>
+                  <a:t>totale</a:t>
+                </a:r>
+                <a:r>
+                  <a:rPr lang="en-US" dirty="0" smtClean="0"/>
+                  <a:t> </a:t>
+                </a:r>
+                <a:r>
+                  <a:rPr lang="en-US" dirty="0" err="1" smtClean="0"/>
+                  <a:t>è</a:t>
+                </a:r>
+                <a:r>
+                  <a:rPr lang="en-US" dirty="0" smtClean="0"/>
+                  <a:t> </a:t>
+                </a:r>
+                <a:r>
+                  <a:rPr lang="en-US" dirty="0" err="1" smtClean="0"/>
+                  <a:t>pari</a:t>
+                </a:r>
+                <a:r>
+                  <a:rPr lang="en-US" dirty="0" smtClean="0"/>
+                  <a:t> a</a:t>
+                </a:r>
+              </a:p>
+              <a:p>
+                <a14:m>
+                  <m:oMathPara xmlns:m="http://schemas.openxmlformats.org/officeDocument/2006/math">
+                    <m:oMathParaPr>
+                      <m:jc m:val="centerGroup"/>
+                    </m:oMathParaPr>
+                    <m:oMath xmlns:m="http://schemas.openxmlformats.org/officeDocument/2006/math">
+                      <m:r>
+                        <a:rPr lang="it-IT" sz="2200" i="1"/>
+                        <m:t>𝐸</m:t>
+                      </m:r>
+                      <m:d>
+                        <m:dPr>
+                          <m:ctrlPr>
+                            <a:rPr lang="en-US" sz="2200" i="1"/>
+                          </m:ctrlPr>
+                        </m:dPr>
+                        <m:e>
+                          <m:sSub>
+                            <m:sSubPr>
+                              <m:ctrlPr>
+                                <a:rPr lang="en-US" sz="2200" b="1" i="1"/>
+                              </m:ctrlPr>
+                            </m:sSubPr>
+                            <m:e>
+                              <m:r>
+                                <a:rPr lang="it-IT" sz="2200" b="1" i="1"/>
+                                <m:t>𝒑</m:t>
+                              </m:r>
+                            </m:e>
+                            <m:sub>
+                              <m:r>
+                                <a:rPr lang="it-IT" sz="2200" b="1" i="1"/>
+                                <m:t>𝒙</m:t>
+                              </m:r>
+                            </m:sub>
+                          </m:sSub>
+                        </m:e>
+                      </m:d>
+                      <m:r>
+                        <a:rPr lang="it-IT" sz="2200" i="1"/>
+                        <m:t>=</m:t>
+                      </m:r>
+                      <m:f>
+                        <m:fPr>
+                          <m:ctrlPr>
+                            <a:rPr lang="en-US" sz="2200" i="1"/>
+                          </m:ctrlPr>
+                        </m:fPr>
+                        <m:num>
+                          <m:r>
+                            <a:rPr lang="it-IT" sz="2200" i="1"/>
+                            <m:t>1</m:t>
+                          </m:r>
+                        </m:num>
+                        <m:den>
+                          <m:r>
+                            <a:rPr lang="it-IT" sz="2200" i="1"/>
+                            <m:t>𝑀</m:t>
+                          </m:r>
+                        </m:den>
+                      </m:f>
+                      <m:r>
+                        <a:rPr lang="it-IT" sz="2200" i="1"/>
+                        <m:t> </m:t>
+                      </m:r>
+                      <m:nary>
+                        <m:naryPr>
+                          <m:chr m:val="∑"/>
+                          <m:limLoc m:val="undOvr"/>
+                          <m:ctrlPr>
+                            <a:rPr lang="en-US" sz="2200" i="1"/>
+                          </m:ctrlPr>
+                        </m:naryPr>
+                        <m:sub>
+                          <m:r>
+                            <a:rPr lang="it-IT" sz="2200" i="1"/>
+                            <m:t>𝑗</m:t>
+                          </m:r>
+                          <m:r>
+                            <a:rPr lang="it-IT" sz="2200" i="1"/>
+                            <m:t>=1</m:t>
+                          </m:r>
+                        </m:sub>
+                        <m:sup>
+                          <m:r>
+                            <a:rPr lang="it-IT" sz="2200" i="1"/>
+                            <m:t>𝑀</m:t>
+                          </m:r>
+                        </m:sup>
+                        <m:e>
+                          <m:sSup>
+                            <m:sSupPr>
+                              <m:ctrlPr>
+                                <a:rPr lang="en-US" sz="2200" i="1"/>
+                              </m:ctrlPr>
+                            </m:sSupPr>
+                            <m:e>
+                              <m:sSub>
+                                <m:sSubPr>
+                                  <m:ctrlPr>
+                                    <a:rPr lang="en-US" sz="2200" i="1"/>
+                                  </m:ctrlPr>
+                                </m:sSubPr>
+                                <m:e>
+                                  <m:r>
+                                    <a:rPr lang="it-IT" sz="2200" i="1"/>
+                                    <m:t>𝜖</m:t>
+                                  </m:r>
+                                </m:e>
+                                <m:sub>
+                                  <m:sSup>
+                                    <m:sSupPr>
+                                      <m:ctrlPr>
+                                        <a:rPr lang="en-US" sz="2200" i="1"/>
+                                      </m:ctrlPr>
+                                    </m:sSupPr>
+                                    <m:e>
+                                      <m:r>
+                                        <a:rPr lang="en-GB" sz="2200" i="1"/>
+                                        <m:t>𝑚</m:t>
+                                      </m:r>
+                                    </m:e>
+                                    <m:sup>
+                                      <m:r>
+                                        <a:rPr lang="en-GB" sz="2200" i="1"/>
+                                        <m:t>𝑗</m:t>
+                                      </m:r>
+                                    </m:sup>
+                                  </m:sSup>
+                                </m:sub>
+                              </m:sSub>
+                              <m:d>
+                                <m:dPr>
+                                  <m:ctrlPr>
+                                    <a:rPr lang="en-US" sz="2200" i="1"/>
+                                  </m:ctrlPr>
+                                </m:dPr>
+                                <m:e>
+                                  <m:sSub>
+                                    <m:sSubPr>
+                                      <m:ctrlPr>
+                                        <a:rPr lang="en-US" sz="2200" b="1" i="1"/>
+                                      </m:ctrlPr>
+                                    </m:sSubPr>
+                                    <m:e>
+                                      <m:r>
+                                        <a:rPr lang="it-IT" sz="2200" b="1" i="1"/>
+                                        <m:t>𝒑</m:t>
+                                      </m:r>
+                                    </m:e>
+                                    <m:sub>
+                                      <m:r>
+                                        <a:rPr lang="it-IT" sz="2200" b="1" i="1"/>
+                                        <m:t>𝒙</m:t>
+                                      </m:r>
+                                    </m:sub>
+                                  </m:sSub>
+                                </m:e>
+                              </m:d>
+                            </m:e>
+                            <m:sup>
+                              <m:r>
+                                <a:rPr lang="it-IT" sz="2200" i="1"/>
+                                <m:t>2</m:t>
+                              </m:r>
+                            </m:sup>
+                          </m:sSup>
+                        </m:e>
+                      </m:nary>
+                      <m:r>
+                        <a:rPr lang="it-IT" sz="2200" i="1"/>
+                        <m:t>=</m:t>
+                      </m:r>
+                      <m:f>
+                        <m:fPr>
+                          <m:ctrlPr>
+                            <a:rPr lang="en-US" sz="2200" i="1"/>
+                          </m:ctrlPr>
+                        </m:fPr>
+                        <m:num>
+                          <m:r>
+                            <a:rPr lang="it-IT" sz="2200" i="1"/>
+                            <m:t>1</m:t>
+                          </m:r>
+                        </m:num>
+                        <m:den>
+                          <m:r>
+                            <a:rPr lang="it-IT" sz="2200" i="1"/>
+                            <m:t>𝑀</m:t>
+                          </m:r>
+                          <m:rad>
+                            <m:radPr>
+                              <m:degHide m:val="on"/>
+                              <m:ctrlPr>
+                                <a:rPr lang="en-US" sz="2200" i="1"/>
+                              </m:ctrlPr>
+                            </m:radPr>
+                            <m:deg/>
+                            <m:e>
+                              <m:r>
+                                <a:rPr lang="it-IT" sz="2200" i="1"/>
+                                <m:t>3</m:t>
+                              </m:r>
+                            </m:e>
+                          </m:rad>
+                        </m:den>
+                      </m:f>
+                      <m:r>
+                        <a:rPr lang="it-IT" sz="2200" i="1"/>
+                        <m:t> </m:t>
+                      </m:r>
+                      <m:nary>
+                        <m:naryPr>
+                          <m:chr m:val="∑"/>
+                          <m:limLoc m:val="undOvr"/>
+                          <m:ctrlPr>
+                            <a:rPr lang="en-US" sz="2200" i="1"/>
+                          </m:ctrlPr>
+                        </m:naryPr>
+                        <m:sub>
+                          <m:r>
+                            <a:rPr lang="it-IT" sz="2200" i="1"/>
+                            <m:t>𝑗</m:t>
+                          </m:r>
+                          <m:r>
+                            <a:rPr lang="it-IT" sz="2200" i="1"/>
+                            <m:t>=1</m:t>
+                          </m:r>
+                        </m:sub>
+                        <m:sup>
+                          <m:r>
+                            <a:rPr lang="it-IT" sz="2200" i="1"/>
+                            <m:t>𝑀</m:t>
+                          </m:r>
+                        </m:sup>
+                        <m:e>
+                          <m:sSup>
+                            <m:sSupPr>
+                              <m:ctrlPr>
+                                <a:rPr lang="en-US" sz="2200" i="1"/>
+                              </m:ctrlPr>
+                            </m:sSupPr>
+                            <m:e>
+                              <m:d>
+                                <m:dPr>
+                                  <m:ctrlPr>
+                                    <a:rPr lang="en-US" sz="2200" i="1"/>
+                                  </m:ctrlPr>
+                                </m:dPr>
+                                <m:e>
+                                  <m:f>
+                                    <m:fPr>
+                                      <m:ctrlPr>
+                                        <a:rPr lang="en-US" sz="2200" i="1"/>
+                                      </m:ctrlPr>
+                                    </m:fPr>
+                                    <m:num>
+                                      <m:r>
+                                        <a:rPr lang="it-IT" sz="2200" i="1"/>
+                                        <m:t>1</m:t>
+                                      </m:r>
+                                    </m:num>
+                                    <m:den>
+                                      <m:r>
+                                        <a:rPr lang="it-IT" sz="2200" i="1"/>
+                                        <m:t> </m:t>
+                                      </m:r>
+                                      <m:d>
+                                        <m:dPr>
+                                          <m:begChr m:val="|"/>
+                                          <m:endChr m:val="|"/>
+                                          <m:ctrlPr>
+                                            <a:rPr lang="en-US" sz="2200" i="1"/>
+                                          </m:ctrlPr>
+                                        </m:dPr>
+                                        <m:e>
+                                          <m:d>
+                                            <m:dPr>
+                                              <m:begChr m:val="|"/>
+                                              <m:endChr m:val="|"/>
+                                              <m:ctrlPr>
+                                                <a:rPr lang="en-US" sz="2200" i="1"/>
+                                              </m:ctrlPr>
+                                            </m:dPr>
+                                            <m:e>
+                                              <m:sSub>
+                                                <m:sSubPr>
+                                                  <m:ctrlPr>
+                                                    <a:rPr lang="en-US" sz="2200" b="1" i="1"/>
+                                                  </m:ctrlPr>
+                                                </m:sSubPr>
+                                                <m:e>
+                                                  <m:r>
+                                                    <a:rPr lang="it-IT" sz="2200" b="1" i="1"/>
+                                                    <m:t>𝒑</m:t>
+                                                  </m:r>
+                                                </m:e>
+                                                <m:sub>
+                                                  <m:r>
+                                                    <a:rPr lang="it-IT" sz="2200" b="1" i="1"/>
+                                                    <m:t>𝑵</m:t>
+                                                  </m:r>
+                                                </m:sub>
+                                              </m:sSub>
+                                              <m:r>
+                                                <a:rPr lang="it-IT" sz="2200" i="1"/>
+                                                <m:t>−</m:t>
+                                              </m:r>
+                                              <m:sSub>
+                                                <m:sSubPr>
+                                                  <m:ctrlPr>
+                                                    <a:rPr lang="en-US" sz="2200" b="1" i="1"/>
+                                                  </m:ctrlPr>
+                                                </m:sSubPr>
+                                                <m:e>
+                                                  <m:r>
+                                                    <a:rPr lang="it-IT" sz="2200" b="1" i="1"/>
+                                                    <m:t>𝒎</m:t>
+                                                  </m:r>
+                                                </m:e>
+                                                <m:sub>
+                                                  <m:r>
+                                                    <a:rPr lang="it-IT" sz="2200" b="1" i="1"/>
+                                                    <m:t>𝒋</m:t>
+                                                  </m:r>
+                                                </m:sub>
+                                              </m:sSub>
+                                            </m:e>
+                                          </m:d>
+                                        </m:e>
+                                      </m:d>
+                                    </m:den>
+                                  </m:f>
+                                  <m:r>
+                                    <a:rPr lang="it-IT" sz="2200" i="1"/>
+                                    <m:t>− </m:t>
+                                  </m:r>
+                                  <m:f>
+                                    <m:fPr>
+                                      <m:ctrlPr>
+                                        <a:rPr lang="en-US" sz="2200" i="1"/>
+                                      </m:ctrlPr>
+                                    </m:fPr>
+                                    <m:num>
+                                      <m:r>
+                                        <a:rPr lang="it-IT" sz="2200" i="1"/>
+                                        <m:t>1</m:t>
+                                      </m:r>
+                                    </m:num>
+                                    <m:den>
+                                      <m:r>
+                                        <a:rPr lang="it-IT" sz="2200" i="1"/>
+                                        <m:t> </m:t>
+                                      </m:r>
+                                      <m:d>
+                                        <m:dPr>
+                                          <m:begChr m:val="|"/>
+                                          <m:endChr m:val="|"/>
+                                          <m:ctrlPr>
+                                            <a:rPr lang="en-US" sz="2200" i="1"/>
+                                          </m:ctrlPr>
+                                        </m:dPr>
+                                        <m:e>
+                                          <m:d>
+                                            <m:dPr>
+                                              <m:begChr m:val="|"/>
+                                              <m:endChr m:val="|"/>
+                                              <m:ctrlPr>
+                                                <a:rPr lang="en-US" sz="2200" i="1"/>
+                                              </m:ctrlPr>
+                                            </m:dPr>
+                                            <m:e>
+                                              <m:sSub>
+                                                <m:sSubPr>
+                                                  <m:ctrlPr>
+                                                    <a:rPr lang="en-US" sz="2200" b="1" i="1"/>
+                                                  </m:ctrlPr>
+                                                </m:sSubPr>
+                                                <m:e>
+                                                  <m:r>
+                                                    <a:rPr lang="it-IT" sz="2200" b="1" i="1"/>
+                                                    <m:t>𝒑</m:t>
+                                                  </m:r>
+                                                </m:e>
+                                                <m:sub>
+                                                  <m:r>
+                                                    <a:rPr lang="it-IT" sz="2200" b="1" i="1"/>
+                                                    <m:t>𝒙</m:t>
+                                                  </m:r>
+                                                </m:sub>
+                                              </m:sSub>
+                                              <m:r>
+                                                <a:rPr lang="it-IT" sz="2200" i="1"/>
+                                                <m:t>−</m:t>
+                                              </m:r>
+                                              <m:sSub>
+                                                <m:sSubPr>
+                                                  <m:ctrlPr>
+                                                    <a:rPr lang="en-US" sz="2200" b="1" i="1"/>
+                                                  </m:ctrlPr>
+                                                </m:sSubPr>
+                                                <m:e>
+                                                  <m:r>
+                                                    <a:rPr lang="it-IT" sz="2200" b="1" i="1"/>
+                                                    <m:t>𝒎</m:t>
+                                                  </m:r>
+                                                </m:e>
+                                                <m:sub>
+                                                  <m:r>
+                                                    <a:rPr lang="it-IT" sz="2200" b="1" i="1"/>
+                                                    <m:t>𝒋</m:t>
+                                                  </m:r>
+                                                </m:sub>
+                                              </m:sSub>
+                                            </m:e>
+                                          </m:d>
+                                        </m:e>
+                                      </m:d>
+                                    </m:den>
+                                  </m:f>
+                                </m:e>
+                              </m:d>
+                            </m:e>
+                            <m:sup>
+                              <m:r>
+                                <a:rPr lang="it-IT" sz="2200" i="1"/>
+                                <m:t>2</m:t>
+                              </m:r>
+                            </m:sup>
+                          </m:sSup>
+                        </m:e>
+                      </m:nary>
+                    </m:oMath>
+                  </m:oMathPara>
+                </a14:m>
+                <a:endParaRPr lang="en-US" sz="2200" dirty="0"/>
+              </a:p>
+              <a:p>
+                <a:endParaRPr lang="en-US" dirty="0"/>
+              </a:p>
+            </p:txBody>
+          </p:sp>
+        </mc:Choice>
+        <mc:Fallback>
+          <p:sp>
+            <p:nvSpPr>
+              <p:cNvPr id="7" name="TextBox 6"/>
+              <p:cNvSpPr txBox="1">
+                <a:spLocks noRot="1" noChangeAspect="1" noMove="1" noResize="1" noEditPoints="1" noAdjustHandles="1" noChangeArrowheads="1" noChangeShapeType="1" noTextEdit="1"/>
+              </p:cNvSpPr>
+              <p:nvPr/>
+            </p:nvSpPr>
+            <p:spPr>
+              <a:xfrm>
+                <a:off x="1097280" y="4519226"/>
+                <a:ext cx="9914709" cy="1671098"/>
+              </a:xfrm>
+              <a:prstGeom prst="rect">
+                <a:avLst/>
+              </a:prstGeom>
+              <a:blipFill rotWithShape="0">
+                <a:blip r:embed="rId5"/>
+                <a:stretch>
+                  <a:fillRect l="-492" t="-1825"/>
+                </a:stretch>
+              </a:blipFill>
+            </p:spPr>
+            <p:txBody>
+              <a:bodyPr/>
+              <a:lstStyle/>
+              <a:p>
+                <a:r>
+                  <a:rPr lang="en-US">
+                    <a:noFill/>
+                  </a:rPr>
+                  <a:t> </a:t>
+                </a:r>
+              </a:p>
+            </p:txBody>
+          </p:sp>
+        </mc:Fallback>
+      </mc:AlternateContent>
     </p:spTree>
     <p:extLst>
       <p:ext uri="{BB962C8B-B14F-4D97-AF65-F5344CB8AC3E}">
-        <p14:creationId xmlns:p14="http://schemas.microsoft.com/office/powerpoint/2010/main" val="2553655066"/>
+        <p14:creationId xmlns:p14="http://schemas.microsoft.com/office/powerpoint/2010/main" val="1657494358"/>
       </p:ext>
     </p:extLst>
   </p:cSld>
@@ -5871,64 +10287,294 @@
             <p:ph type="title"/>
           </p:nvPr>
         </p:nvSpPr>
-        <p:spPr/>
+        <p:spPr>
+          <a:xfrm>
+            <a:off x="1097280" y="1034143"/>
+            <a:ext cx="10058400" cy="703217"/>
+          </a:xfrm>
+        </p:spPr>
         <p:txBody>
-          <a:bodyPr/>
+          <a:bodyPr>
+            <a:normAutofit fontScale="90000"/>
+          </a:bodyPr>
           <a:lstStyle/>
           <a:p>
             <a:r>
               <a:rPr lang="it-IT" dirty="0" smtClean="0"/>
-              <a:t>UML</a:t>
+              <a:t>SIMPLESSO</a:t>
             </a:r>
             <a:endParaRPr lang="it-IT" dirty="0"/>
           </a:p>
         </p:txBody>
       </p:sp>
-      <p:pic>
-        <p:nvPicPr>
-          <p:cNvPr id="4" name="Segnaposto contenuto 3"/>
-          <p:cNvPicPr>
-            <a:picLocks noGrp="1" noChangeAspect="1"/>
-          </p:cNvPicPr>
+      <p:sp>
+        <p:nvSpPr>
+          <p:cNvPr id="3" name="Segnaposto contenuto 2"/>
+          <p:cNvSpPr>
+            <a:spLocks noGrp="1"/>
+          </p:cNvSpPr>
           <p:nvPr>
             <p:ph idx="1"/>
           </p:nvPr>
+        </p:nvSpPr>
+        <p:spPr>
+          <a:xfrm>
+            <a:off x="1097280" y="1845734"/>
+            <a:ext cx="10058400" cy="1376694"/>
+          </a:xfrm>
+        </p:spPr>
+        <p:txBody>
+          <a:bodyPr>
+            <a:normAutofit/>
+          </a:bodyPr>
+          <a:lstStyle/>
+          <a:p>
+            <a:r>
+              <a:rPr lang="it-IT" dirty="0" smtClean="0">
+                <a:solidFill>
+                  <a:schemeClr val="tx1"/>
+                </a:solidFill>
+              </a:rPr>
+              <a:t>L'algoritmo </a:t>
+            </a:r>
+            <a:r>
+              <a:rPr lang="it-IT" dirty="0">
+                <a:solidFill>
+                  <a:schemeClr val="tx1"/>
+                </a:solidFill>
+              </a:rPr>
+              <a:t>del simplesso, ideato </a:t>
+            </a:r>
+            <a:r>
+              <a:rPr lang="it-IT" dirty="0" smtClean="0">
+                <a:solidFill>
+                  <a:schemeClr val="tx1"/>
+                </a:solidFill>
+              </a:rPr>
+              <a:t>da</a:t>
+            </a:r>
+            <a:r>
+              <a:rPr lang="it-IT" dirty="0">
+                <a:solidFill>
+                  <a:schemeClr val="tx1"/>
+                </a:solidFill>
+              </a:rPr>
+              <a:t> </a:t>
+            </a:r>
+            <a:r>
+              <a:rPr lang="it-IT" i="1" dirty="0">
+                <a:solidFill>
+                  <a:schemeClr val="tx1"/>
+                </a:solidFill>
+              </a:rPr>
+              <a:t>George </a:t>
+            </a:r>
+            <a:r>
+              <a:rPr lang="it-IT" i="1" dirty="0" smtClean="0">
+                <a:solidFill>
+                  <a:schemeClr val="tx1"/>
+                </a:solidFill>
+              </a:rPr>
+              <a:t>Dantzig</a:t>
+            </a:r>
+            <a:r>
+              <a:rPr lang="it-IT" dirty="0" smtClean="0">
+                <a:solidFill>
+                  <a:schemeClr val="tx1"/>
+                </a:solidFill>
+              </a:rPr>
+              <a:t>, </a:t>
+            </a:r>
+            <a:r>
+              <a:rPr lang="it-IT" dirty="0">
+                <a:solidFill>
+                  <a:schemeClr val="tx1"/>
+                </a:solidFill>
+              </a:rPr>
+              <a:t>è un metodo numerico per risolvere problemi di programmazione lineare. </a:t>
+            </a:r>
+          </a:p>
+          <a:p>
+            <a:r>
+              <a:rPr lang="it-IT" dirty="0">
+                <a:solidFill>
+                  <a:schemeClr val="tx1"/>
+                </a:solidFill>
+              </a:rPr>
+              <a:t>Questo algoritmo fa uso del concetto di simplesso, cioè un politopo di N+1 vertici in N </a:t>
+            </a:r>
+            <a:r>
+              <a:rPr lang="it-IT" dirty="0">
+                <a:solidFill>
+                  <a:schemeClr val="tx1"/>
+                </a:solidFill>
+              </a:rPr>
+              <a:t>dimensioni</a:t>
+            </a:r>
+            <a:r>
+              <a:rPr lang="it-IT" dirty="0" smtClean="0"/>
+              <a:t>.</a:t>
+            </a:r>
+            <a:endParaRPr lang="it-IT" dirty="0" smtClean="0"/>
+          </a:p>
+        </p:txBody>
+      </p:sp>
+      <p:pic>
+        <p:nvPicPr>
+          <p:cNvPr id="4" name="Picture 3"/>
+          <p:cNvPicPr>
+            <a:picLocks noChangeAspect="1"/>
+          </p:cNvPicPr>
+          <p:nvPr/>
         </p:nvPicPr>
         <p:blipFill>
-          <a:blip r:embed="rId2">
-            <a:extLst>
-              <a:ext uri="{28A0092B-C50C-407E-A947-70E740481C1C}">
-                <a14:useLocalDpi xmlns:a14="http://schemas.microsoft.com/office/drawing/2010/main" val="0"/>
-              </a:ext>
-            </a:extLst>
-          </a:blip>
+          <a:blip r:embed="rId3"/>
           <a:stretch>
             <a:fillRect/>
           </a:stretch>
         </p:blipFill>
         <p:spPr>
           <a:xfrm>
-            <a:off x="4720481" y="1846263"/>
-            <a:ext cx="2811364" cy="4022725"/>
+            <a:off x="9165770" y="2966046"/>
+            <a:ext cx="2518319" cy="1682101"/>
           </a:xfrm>
+          <a:prstGeom prst="rect">
+            <a:avLst/>
+          </a:prstGeom>
         </p:spPr>
       </p:pic>
+      <p:sp>
+        <p:nvSpPr>
+          <p:cNvPr id="5" name="Rectangle 4"/>
+          <p:cNvSpPr/>
+          <p:nvPr/>
+        </p:nvSpPr>
+        <p:spPr>
+          <a:xfrm>
+            <a:off x="1097280" y="4668765"/>
+            <a:ext cx="10058400" cy="1015663"/>
+          </a:xfrm>
+          <a:prstGeom prst="rect">
+            <a:avLst/>
+          </a:prstGeom>
+        </p:spPr>
+        <p:txBody>
+          <a:bodyPr wrap="square">
+            <a:spAutoFit/>
+          </a:bodyPr>
+          <a:lstStyle/>
+          <a:p>
+            <a:r>
+              <a:rPr lang="it-IT" sz="2000" dirty="0"/>
+              <a:t>Il vertice con valore più grande viene ribaltato e nella situazione in cui avvengono ribaltamenti ripetuti (indice di invecchiamento) si effettua </a:t>
+            </a:r>
+            <a:r>
+              <a:rPr lang="it-IT" sz="2000" i="1" dirty="0"/>
+              <a:t>l’operazione di contrazione</a:t>
+            </a:r>
+            <a:r>
+              <a:rPr lang="it-IT" sz="2000" dirty="0"/>
+              <a:t> dove viene</a:t>
+            </a:r>
+            <a:r>
+              <a:rPr lang="it-IT" sz="2000" i="1" dirty="0"/>
+              <a:t> </a:t>
+            </a:r>
+            <a:r>
+              <a:rPr lang="it-IT" sz="2000" dirty="0"/>
+              <a:t>conservato il vertice migliore.</a:t>
+            </a:r>
+            <a:endParaRPr lang="it-IT" sz="2000" dirty="0"/>
+          </a:p>
+        </p:txBody>
+      </p:sp>
+      <p:sp>
+        <p:nvSpPr>
+          <p:cNvPr id="6" name="Rectangle 5"/>
+          <p:cNvSpPr/>
+          <p:nvPr/>
+        </p:nvSpPr>
+        <p:spPr>
+          <a:xfrm>
+            <a:off x="1097279" y="3351913"/>
+            <a:ext cx="8068491" cy="1015663"/>
+          </a:xfrm>
+          <a:prstGeom prst="rect">
+            <a:avLst/>
+          </a:prstGeom>
+        </p:spPr>
+        <p:txBody>
+          <a:bodyPr wrap="square">
+            <a:spAutoFit/>
+          </a:bodyPr>
+          <a:lstStyle/>
+          <a:p>
+            <a:r>
+              <a:rPr lang="it-IT" sz="2000" dirty="0" smtClean="0"/>
+              <a:t>Il </a:t>
+            </a:r>
+            <a:r>
+              <a:rPr lang="it-IT" sz="2000" i="1" dirty="0" smtClean="0"/>
+              <a:t>Politopo</a:t>
+            </a:r>
+            <a:r>
+              <a:rPr lang="it-IT" sz="2000" dirty="0" smtClean="0"/>
+              <a:t> è figura </a:t>
+            </a:r>
+            <a:r>
+              <a:rPr lang="it-IT" sz="2000" dirty="0"/>
+              <a:t>geometrica </a:t>
+            </a:r>
+            <a:r>
+              <a:rPr lang="it-IT" sz="2000" i="1" dirty="0" err="1"/>
+              <a:t>n</a:t>
+            </a:r>
+            <a:r>
+              <a:rPr lang="it-IT" sz="2000" dirty="0"/>
+              <a:t>-dimensionale col minor numero di vertici. Il simplesso di dimensione zero è un singolo punto, il simplesso bidimensionale un triangolo e quello tridimensionale un </a:t>
+            </a:r>
+            <a:r>
+              <a:rPr lang="it-IT" sz="2000" b="1" i="1" dirty="0"/>
+              <a:t>tetraedro</a:t>
+            </a:r>
+            <a:r>
+              <a:rPr lang="it-IT" sz="2000" dirty="0"/>
+              <a:t>.</a:t>
+            </a:r>
+          </a:p>
+        </p:txBody>
+      </p:sp>
     </p:spTree>
     <p:extLst>
       <p:ext uri="{BB962C8B-B14F-4D97-AF65-F5344CB8AC3E}">
-        <p14:creationId xmlns:p14="http://schemas.microsoft.com/office/powerpoint/2010/main" val="594327213"/>
+        <p14:creationId xmlns:p14="http://schemas.microsoft.com/office/powerpoint/2010/main" val="2553655066"/>
       </p:ext>
     </p:extLst>
   </p:cSld>
   <p:clrMapOvr>
     <a:masterClrMapping/>
   </p:clrMapOvr>
+  <p:timing>
+    <p:tnLst>
+      <p:par>
+        <p:cTn id="1" dur="indefinite" restart="never" nodeType="tmRoot"/>
+      </p:par>
+    </p:tnLst>
+  </p:timing>
 </p:sld>
 </file>
 
 <file path=ppt/slides/slide8.xml><?xml version="1.0" encoding="utf-8"?>
 <p:sld xmlns:a="http://schemas.openxmlformats.org/drawingml/2006/main" xmlns:r="http://schemas.openxmlformats.org/officeDocument/2006/relationships" xmlns:p="http://schemas.openxmlformats.org/presentationml/2006/main">
   <p:cSld>
+    <p:bg>
+      <p:bgPr>
+        <a:solidFill>
+          <a:schemeClr val="bg1"/>
+        </a:solidFill>
+        <a:effectLst/>
+      </p:bgPr>
+    </p:bg>
     <p:spTree>
       <p:nvGrpSpPr>
         <p:cNvPr id="1" name=""/>
@@ -5945,6 +10591,355 @@
       </p:grpSpPr>
       <p:sp>
         <p:nvSpPr>
+          <p:cNvPr id="9" name="Rectangle 8">
+            <a:extLst>
+              <a:ext uri="{FF2B5EF4-FFF2-40B4-BE49-F238E27FC236}">
+                <a16:creationId xmlns:a16="http://schemas.microsoft.com/office/drawing/2014/main" xmlns="" id="{4E4490D0-3672-446A-AC12-B4830333BDDD}"/>
+              </a:ext>
+            </a:extLst>
+          </p:cNvPr>
+          <p:cNvSpPr>
+            <a:spLocks noGrp="1" noRot="1" noChangeAspect="1" noMove="1" noResize="1" noEditPoints="1" noAdjustHandles="1" noChangeArrowheads="1" noChangeShapeType="1" noTextEdit="1"/>
+          </p:cNvSpPr>
+          <p:nvPr>
+            <p:extLst>
+              <p:ext uri="{386F3935-93C4-4BCD-93E2-E3B085C9AB24}">
+                <p16:designElem xmlns:p16="http://schemas.microsoft.com/office/powerpoint/2015/main" val="1"/>
+              </p:ext>
+            </p:extLst>
+          </p:nvPr>
+        </p:nvSpPr>
+        <p:spPr>
+          <a:xfrm>
+            <a:off x="3175" y="6400800"/>
+            <a:ext cx="12188825" cy="457200"/>
+          </a:xfrm>
+          <a:prstGeom prst="rect">
+            <a:avLst/>
+          </a:prstGeom>
+          <a:solidFill>
+            <a:schemeClr val="accent2"/>
+          </a:solidFill>
+          <a:ln>
+            <a:noFill/>
+          </a:ln>
+        </p:spPr>
+        <p:style>
+          <a:lnRef idx="2">
+            <a:schemeClr val="accent1">
+              <a:shade val="50000"/>
+            </a:schemeClr>
+          </a:lnRef>
+          <a:fillRef idx="1">
+            <a:schemeClr val="accent1"/>
+          </a:fillRef>
+          <a:effectRef idx="0">
+            <a:schemeClr val="accent1"/>
+          </a:effectRef>
+          <a:fontRef idx="minor">
+            <a:schemeClr val="lt1"/>
+          </a:fontRef>
+        </p:style>
+      </p:sp>
+      <p:sp>
+        <p:nvSpPr>
+          <p:cNvPr id="11" name="Rectangle 10">
+            <a:extLst>
+              <a:ext uri="{FF2B5EF4-FFF2-40B4-BE49-F238E27FC236}">
+                <a16:creationId xmlns:a16="http://schemas.microsoft.com/office/drawing/2014/main" xmlns="" id="{39CB82C2-DF65-4EC1-8280-F201D50F570B}"/>
+              </a:ext>
+            </a:extLst>
+          </p:cNvPr>
+          <p:cNvSpPr>
+            <a:spLocks noGrp="1" noRot="1" noChangeAspect="1" noMove="1" noResize="1" noEditPoints="1" noAdjustHandles="1" noChangeArrowheads="1" noChangeShapeType="1" noTextEdit="1"/>
+          </p:cNvSpPr>
+          <p:nvPr>
+            <p:extLst>
+              <p:ext uri="{386F3935-93C4-4BCD-93E2-E3B085C9AB24}">
+                <p16:designElem xmlns:p16="http://schemas.microsoft.com/office/powerpoint/2015/main" val="1"/>
+              </p:ext>
+            </p:extLst>
+          </p:nvPr>
+        </p:nvSpPr>
+        <p:spPr>
+          <a:xfrm>
+            <a:off x="15" y="6334316"/>
+            <a:ext cx="12188825" cy="64008"/>
+          </a:xfrm>
+          <a:prstGeom prst="rect">
+            <a:avLst/>
+          </a:prstGeom>
+          <a:solidFill>
+            <a:schemeClr val="accent1"/>
+          </a:solidFill>
+          <a:ln>
+            <a:noFill/>
+          </a:ln>
+        </p:spPr>
+        <p:style>
+          <a:lnRef idx="2">
+            <a:schemeClr val="accent1">
+              <a:shade val="50000"/>
+            </a:schemeClr>
+          </a:lnRef>
+          <a:fillRef idx="1">
+            <a:schemeClr val="accent1"/>
+          </a:fillRef>
+          <a:effectRef idx="0">
+            <a:schemeClr val="accent1"/>
+          </a:effectRef>
+          <a:fontRef idx="minor">
+            <a:schemeClr val="lt1"/>
+          </a:fontRef>
+        </p:style>
+      </p:sp>
+      <p:cxnSp>
+        <p:nvCxnSpPr>
+          <p:cNvPr id="13" name="Straight Connector 12">
+            <a:extLst>
+              <a:ext uri="{FF2B5EF4-FFF2-40B4-BE49-F238E27FC236}">
+                <a16:creationId xmlns:a16="http://schemas.microsoft.com/office/drawing/2014/main" xmlns="" id="{7E1D4427-852B-4B37-8E76-0E9F1810BA2A}"/>
+              </a:ext>
+            </a:extLst>
+          </p:cNvPr>
+          <p:cNvCxnSpPr>
+            <a:cxnSpLocks noGrp="1" noRot="1" noChangeAspect="1" noMove="1" noResize="1" noEditPoints="1" noAdjustHandles="1" noChangeArrowheads="1" noChangeShapeType="1"/>
+          </p:cNvCxnSpPr>
+          <p:nvPr>
+            <p:extLst>
+              <p:ext uri="{386F3935-93C4-4BCD-93E2-E3B085C9AB24}">
+                <p16:designElem xmlns:p16="http://schemas.microsoft.com/office/powerpoint/2015/main" val="1"/>
+              </p:ext>
+            </p:extLst>
+          </p:nvPr>
+        </p:nvCxnSpPr>
+        <p:spPr>
+          <a:xfrm>
+            <a:off x="1207658" y="4343400"/>
+            <a:ext cx="9875520" cy="0"/>
+          </a:xfrm>
+          <a:prstGeom prst="line">
+            <a:avLst/>
+          </a:prstGeom>
+          <a:ln w="6350">
+            <a:solidFill>
+              <a:schemeClr val="tx1">
+                <a:lumMod val="50000"/>
+                <a:lumOff val="50000"/>
+              </a:schemeClr>
+            </a:solidFill>
+          </a:ln>
+        </p:spPr>
+        <p:style>
+          <a:lnRef idx="1">
+            <a:schemeClr val="accent1"/>
+          </a:lnRef>
+          <a:fillRef idx="0">
+            <a:schemeClr val="accent1"/>
+          </a:fillRef>
+          <a:effectRef idx="0">
+            <a:schemeClr val="accent1"/>
+          </a:effectRef>
+          <a:fontRef idx="minor">
+            <a:schemeClr val="tx1"/>
+          </a:fontRef>
+        </p:style>
+      </p:cxnSp>
+      <p:sp useBgFill="1">
+        <p:nvSpPr>
+          <p:cNvPr id="15" name="Rectangle 14">
+            <a:extLst>
+              <a:ext uri="{FF2B5EF4-FFF2-40B4-BE49-F238E27FC236}">
+                <a16:creationId xmlns:a16="http://schemas.microsoft.com/office/drawing/2014/main" xmlns="" id="{5A1B47C8-47A0-4A88-8830-6DEA3B5DE392}"/>
+              </a:ext>
+            </a:extLst>
+          </p:cNvPr>
+          <p:cNvSpPr>
+            <a:spLocks noGrp="1" noRot="1" noChangeAspect="1" noMove="1" noResize="1" noEditPoints="1" noAdjustHandles="1" noChangeArrowheads="1" noChangeShapeType="1" noTextEdit="1"/>
+          </p:cNvSpPr>
+          <p:nvPr>
+            <p:extLst>
+              <p:ext uri="{386F3935-93C4-4BCD-93E2-E3B085C9AB24}">
+                <p16:designElem xmlns:p16="http://schemas.microsoft.com/office/powerpoint/2015/main" val="1"/>
+              </p:ext>
+            </p:extLst>
+          </p:nvPr>
+        </p:nvSpPr>
+        <p:spPr>
+          <a:xfrm>
+            <a:off x="0" y="0"/>
+            <a:ext cx="12192000" cy="6858000"/>
+          </a:xfrm>
+          <a:prstGeom prst="rect">
+            <a:avLst/>
+          </a:prstGeom>
+          <a:ln>
+            <a:noFill/>
+          </a:ln>
+        </p:spPr>
+        <p:style>
+          <a:lnRef idx="2">
+            <a:schemeClr val="accent1">
+              <a:shade val="50000"/>
+            </a:schemeClr>
+          </a:lnRef>
+          <a:fillRef idx="1001">
+            <a:schemeClr val="lt1"/>
+          </a:fillRef>
+          <a:effectRef idx="0">
+            <a:schemeClr val="accent1"/>
+          </a:effectRef>
+          <a:fontRef idx="minor">
+            <a:schemeClr val="lt1"/>
+          </a:fontRef>
+        </p:style>
+        <p:txBody>
+          <a:bodyPr rtlCol="0" anchor="ctr"/>
+          <a:lstStyle/>
+          <a:p>
+            <a:pPr algn="ctr"/>
+            <a:endParaRPr lang="en-US"/>
+          </a:p>
+        </p:txBody>
+      </p:sp>
+      <p:pic>
+        <p:nvPicPr>
+          <p:cNvPr id="4" name="Segnaposto contenuto 3"/>
+          <p:cNvPicPr>
+            <a:picLocks noGrp="1" noChangeAspect="1"/>
+          </p:cNvPicPr>
+          <p:nvPr>
+            <p:ph idx="1"/>
+          </p:nvPr>
+        </p:nvPicPr>
+        <p:blipFill>
+          <a:blip r:embed="rId3">
+            <a:extLst>
+              <a:ext uri="{28A0092B-C50C-407E-A947-70E740481C1C}">
+                <a14:useLocalDpi xmlns:a14="http://schemas.microsoft.com/office/drawing/2010/main" val="0"/>
+              </a:ext>
+            </a:extLst>
+          </a:blip>
+          <a:stretch>
+            <a:fillRect/>
+          </a:stretch>
+        </p:blipFill>
+        <p:spPr>
+          <a:xfrm>
+            <a:off x="1588296" y="25707"/>
+            <a:ext cx="4774888" cy="6832293"/>
+          </a:xfrm>
+          <a:prstGeom prst="rect">
+            <a:avLst/>
+          </a:prstGeom>
+        </p:spPr>
+      </p:pic>
+      <p:sp>
+        <p:nvSpPr>
+          <p:cNvPr id="17" name="Rectangle 16">
+            <a:extLst>
+              <a:ext uri="{FF2B5EF4-FFF2-40B4-BE49-F238E27FC236}">
+                <a16:creationId xmlns:a16="http://schemas.microsoft.com/office/drawing/2014/main" xmlns="" id="{984BBFDD-E720-4805-A9C8-129FBBF6DD70}"/>
+              </a:ext>
+            </a:extLst>
+          </p:cNvPr>
+          <p:cNvSpPr>
+            <a:spLocks noGrp="1" noRot="1" noChangeAspect="1" noMove="1" noResize="1" noEditPoints="1" noAdjustHandles="1" noChangeArrowheads="1" noChangeShapeType="1" noTextEdit="1"/>
+          </p:cNvSpPr>
+          <p:nvPr>
+            <p:extLst>
+              <p:ext uri="{386F3935-93C4-4BCD-93E2-E3B085C9AB24}">
+                <p16:designElem xmlns:p16="http://schemas.microsoft.com/office/powerpoint/2015/main" val="1"/>
+              </p:ext>
+            </p:extLst>
+          </p:nvPr>
+        </p:nvSpPr>
+        <p:spPr bwMode="white">
+          <a:xfrm>
+            <a:off x="7613486" y="0"/>
+            <a:ext cx="4584734" cy="6858000"/>
+          </a:xfrm>
+          <a:prstGeom prst="rect">
+            <a:avLst/>
+          </a:prstGeom>
+          <a:solidFill>
+            <a:schemeClr val="accent2"/>
+          </a:solidFill>
+          <a:ln>
+            <a:noFill/>
+          </a:ln>
+        </p:spPr>
+        <p:style>
+          <a:lnRef idx="2">
+            <a:schemeClr val="accent1">
+              <a:shade val="50000"/>
+            </a:schemeClr>
+          </a:lnRef>
+          <a:fillRef idx="1">
+            <a:schemeClr val="accent1"/>
+          </a:fillRef>
+          <a:effectRef idx="0">
+            <a:schemeClr val="accent1"/>
+          </a:effectRef>
+          <a:fontRef idx="minor">
+            <a:schemeClr val="lt1"/>
+          </a:fontRef>
+        </p:style>
+      </p:sp>
+      <p:sp>
+        <p:nvSpPr>
+          <p:cNvPr id="19" name="Rectangle 18">
+            <a:extLst>
+              <a:ext uri="{FF2B5EF4-FFF2-40B4-BE49-F238E27FC236}">
+                <a16:creationId xmlns:a16="http://schemas.microsoft.com/office/drawing/2014/main" xmlns="" id="{5AC4BE46-4A77-42FE-9D15-065CDB2F847C}"/>
+              </a:ext>
+            </a:extLst>
+          </p:cNvPr>
+          <p:cNvSpPr>
+            <a:spLocks noGrp="1" noRot="1" noChangeAspect="1" noMove="1" noResize="1" noEditPoints="1" noAdjustHandles="1" noChangeArrowheads="1" noChangeShapeType="1" noTextEdit="1"/>
+          </p:cNvSpPr>
+          <p:nvPr>
+            <p:extLst>
+              <p:ext uri="{386F3935-93C4-4BCD-93E2-E3B085C9AB24}">
+                <p16:designElem xmlns:p16="http://schemas.microsoft.com/office/powerpoint/2015/main" val="1"/>
+              </p:ext>
+            </p:extLst>
+          </p:nvPr>
+        </p:nvSpPr>
+        <p:spPr>
+          <a:xfrm>
+            <a:off x="7556906" y="0"/>
+            <a:ext cx="64008" cy="6858000"/>
+          </a:xfrm>
+          <a:prstGeom prst="rect">
+            <a:avLst/>
+          </a:prstGeom>
+          <a:solidFill>
+            <a:schemeClr val="accent1"/>
+          </a:solidFill>
+          <a:ln>
+            <a:noFill/>
+          </a:ln>
+        </p:spPr>
+        <p:style>
+          <a:lnRef idx="2">
+            <a:schemeClr val="accent1">
+              <a:shade val="50000"/>
+            </a:schemeClr>
+          </a:lnRef>
+          <a:fillRef idx="1">
+            <a:schemeClr val="accent1"/>
+          </a:fillRef>
+          <a:effectRef idx="0">
+            <a:schemeClr val="accent1"/>
+          </a:effectRef>
+          <a:fontRef idx="minor">
+            <a:schemeClr val="lt1"/>
+          </a:fontRef>
+        </p:style>
+      </p:sp>
+      <p:sp>
+        <p:nvSpPr>
           <p:cNvPr id="2" name="Titolo 1"/>
           <p:cNvSpPr>
             <a:spLocks noGrp="1"/>
@@ -5953,503 +10948,46 @@
             <p:ph type="title"/>
           </p:nvPr>
         </p:nvSpPr>
-        <p:spPr/>
+        <p:spPr>
+          <a:xfrm>
+            <a:off x="8096885" y="640080"/>
+            <a:ext cx="3659246" cy="2926080"/>
+          </a:xfrm>
+        </p:spPr>
         <p:txBody>
-          <a:bodyPr/>
-          <a:lstStyle/>
-          <a:p>
-            <a:r>
-              <a:rPr lang="it-IT" dirty="0" smtClean="0"/>
-              <a:t>Implementazione</a:t>
-            </a:r>
-            <a:endParaRPr lang="it-IT" dirty="0"/>
-          </a:p>
-        </p:txBody>
-      </p:sp>
-      <p:sp>
-        <p:nvSpPr>
-          <p:cNvPr id="3" name="Segnaposto contenuto 2"/>
-          <p:cNvSpPr>
-            <a:spLocks noGrp="1"/>
-          </p:cNvSpPr>
-          <p:nvPr>
-            <p:ph idx="1"/>
-          </p:nvPr>
-        </p:nvSpPr>
-        <p:spPr/>
-        <p:txBody>
-          <a:bodyPr>
+          <a:bodyPr vert="horz" lIns="91440" tIns="45720" rIns="91440" bIns="45720" rtlCol="0" anchor="b">
             <a:normAutofit/>
           </a:bodyPr>
           <a:lstStyle/>
           <a:p>
             <a:r>
-              <a:rPr lang="en-US" dirty="0" err="1" smtClean="0"/>
-              <a:t>get_first_triangle</a:t>
-            </a:r>
-            <a:r>
-              <a:rPr lang="en-US" dirty="0" smtClean="0"/>
-              <a:t>: genera </a:t>
-            </a:r>
-            <a:r>
-              <a:rPr lang="en-US" dirty="0" err="1" smtClean="0"/>
-              <a:t>il</a:t>
-            </a:r>
-            <a:r>
-              <a:rPr lang="en-US" dirty="0" smtClean="0"/>
-              <a:t> primo </a:t>
-            </a:r>
-            <a:r>
-              <a:rPr lang="en-US" dirty="0" err="1" smtClean="0"/>
-              <a:t>politopo</a:t>
-            </a:r>
-            <a:r>
-              <a:rPr lang="en-US" dirty="0" smtClean="0"/>
-              <a:t> in </a:t>
-            </a:r>
-            <a:r>
-              <a:rPr lang="en-US" dirty="0" err="1" smtClean="0"/>
-              <a:t>una</a:t>
-            </a:r>
-            <a:r>
-              <a:rPr lang="en-US" dirty="0" smtClean="0"/>
-              <a:t> </a:t>
-            </a:r>
-            <a:r>
-              <a:rPr lang="en-US" dirty="0" err="1" smtClean="0"/>
-              <a:t>posizione</a:t>
-            </a:r>
-            <a:r>
-              <a:rPr lang="en-US" dirty="0" smtClean="0"/>
-              <a:t> random</a:t>
-            </a:r>
-          </a:p>
-          <a:p>
-            <a:r>
-              <a:rPr lang="en-US" dirty="0"/>
-              <a:t>h</a:t>
-            </a:r>
-            <a:r>
-              <a:rPr lang="en-US" dirty="0" smtClean="0"/>
-              <a:t>alve: </a:t>
-            </a:r>
-            <a:r>
-              <a:rPr lang="en-US" dirty="0" err="1" smtClean="0"/>
-              <a:t>effettua</a:t>
-            </a:r>
-            <a:r>
-              <a:rPr lang="en-US" dirty="0" smtClean="0"/>
-              <a:t> la </a:t>
-            </a:r>
-            <a:r>
-              <a:rPr lang="en-US" dirty="0" err="1" smtClean="0"/>
-              <a:t>contrazione</a:t>
-            </a:r>
-            <a:r>
-              <a:rPr lang="en-US" dirty="0" smtClean="0"/>
-              <a:t> del </a:t>
-            </a:r>
-            <a:r>
-              <a:rPr lang="en-US" dirty="0" err="1" smtClean="0"/>
-              <a:t>tetraedro</a:t>
-            </a:r>
-            <a:endParaRPr lang="en-US" dirty="0" smtClean="0"/>
-          </a:p>
-          <a:p>
-            <a:r>
-              <a:rPr lang="en-US" dirty="0" err="1" smtClean="0"/>
-              <a:t>find_maximum</a:t>
-            </a:r>
-            <a:r>
-              <a:rPr lang="en-US" dirty="0" smtClean="0"/>
-              <a:t>: </a:t>
-            </a:r>
-            <a:r>
-              <a:rPr lang="en-US" dirty="0" err="1" smtClean="0"/>
-              <a:t>ritorna</a:t>
-            </a:r>
-            <a:r>
-              <a:rPr lang="en-US" dirty="0" smtClean="0"/>
-              <a:t> </a:t>
-            </a:r>
-            <a:r>
-              <a:rPr lang="en-US" dirty="0" err="1" smtClean="0"/>
-              <a:t>il</a:t>
-            </a:r>
-            <a:r>
-              <a:rPr lang="en-US" dirty="0" smtClean="0"/>
-              <a:t> </a:t>
-            </a:r>
-            <a:r>
-              <a:rPr lang="en-US" dirty="0" err="1" smtClean="0"/>
-              <a:t>vertice</a:t>
-            </a:r>
-            <a:r>
-              <a:rPr lang="en-US" dirty="0" smtClean="0"/>
-              <a:t> del </a:t>
-            </a:r>
-            <a:r>
-              <a:rPr lang="en-US" dirty="0" err="1" smtClean="0"/>
-              <a:t>politopo</a:t>
-            </a:r>
-            <a:r>
-              <a:rPr lang="en-US" dirty="0" smtClean="0"/>
-              <a:t> </a:t>
-            </a:r>
-            <a:r>
-              <a:rPr lang="en-US" dirty="0" err="1" smtClean="0"/>
-              <a:t>il</a:t>
-            </a:r>
-            <a:r>
-              <a:rPr lang="en-US" dirty="0" smtClean="0"/>
-              <a:t> cui </a:t>
-            </a:r>
-            <a:r>
-              <a:rPr lang="en-US" dirty="0" err="1" smtClean="0"/>
-              <a:t>valore</a:t>
-            </a:r>
-            <a:r>
-              <a:rPr lang="en-US" dirty="0" smtClean="0"/>
-              <a:t> </a:t>
-            </a:r>
-            <a:r>
-              <a:rPr lang="en-US" dirty="0" err="1" smtClean="0"/>
-              <a:t>della</a:t>
-            </a:r>
-            <a:r>
-              <a:rPr lang="en-US" dirty="0" smtClean="0"/>
-              <a:t> </a:t>
-            </a:r>
-            <a:r>
-              <a:rPr lang="en-US" dirty="0" err="1" smtClean="0"/>
-              <a:t>funzione</a:t>
-            </a:r>
-            <a:r>
-              <a:rPr lang="en-US" dirty="0" smtClean="0"/>
-              <a:t> di </a:t>
-            </a:r>
-            <a:r>
-              <a:rPr lang="en-US" dirty="0" err="1" smtClean="0"/>
-              <a:t>costo</a:t>
-            </a:r>
-            <a:r>
-              <a:rPr lang="en-US" dirty="0" smtClean="0"/>
-              <a:t> </a:t>
-            </a:r>
-            <a:r>
-              <a:rPr lang="en-US" dirty="0" err="1" smtClean="0"/>
-              <a:t>calcolato</a:t>
-            </a:r>
-            <a:r>
-              <a:rPr lang="en-US" dirty="0" smtClean="0"/>
-              <a:t> </a:t>
-            </a:r>
-            <a:r>
-              <a:rPr lang="en-US" dirty="0" err="1" smtClean="0"/>
-              <a:t>nelle</a:t>
-            </a:r>
-            <a:r>
-              <a:rPr lang="en-US" dirty="0" smtClean="0"/>
-              <a:t> sue coordinate è </a:t>
-            </a:r>
-            <a:r>
-              <a:rPr lang="en-US" dirty="0" err="1" smtClean="0"/>
-              <a:t>massimo</a:t>
-            </a:r>
-            <a:endParaRPr lang="en-US" dirty="0" smtClean="0"/>
-          </a:p>
-          <a:p>
-            <a:r>
-              <a:rPr lang="en-US" dirty="0"/>
-              <a:t>f</a:t>
-            </a:r>
-            <a:r>
-              <a:rPr lang="en-US" dirty="0" smtClean="0"/>
-              <a:t>lip: </a:t>
-            </a:r>
-            <a:r>
-              <a:rPr lang="en-US" dirty="0" err="1" smtClean="0"/>
-              <a:t>ribalta</a:t>
-            </a:r>
-            <a:r>
-              <a:rPr lang="en-US" dirty="0" smtClean="0"/>
-              <a:t> </a:t>
-            </a:r>
-            <a:r>
-              <a:rPr lang="en-US" dirty="0" err="1" smtClean="0"/>
-              <a:t>il</a:t>
-            </a:r>
-            <a:r>
-              <a:rPr lang="en-US" dirty="0" smtClean="0"/>
-              <a:t> </a:t>
-            </a:r>
-            <a:r>
-              <a:rPr lang="en-US" dirty="0" err="1" smtClean="0"/>
-              <a:t>vertice</a:t>
-            </a:r>
-            <a:r>
-              <a:rPr lang="en-US" dirty="0" smtClean="0"/>
-              <a:t> </a:t>
-            </a:r>
-            <a:r>
-              <a:rPr lang="en-US" dirty="0" err="1" smtClean="0"/>
-              <a:t>della</a:t>
-            </a:r>
-            <a:r>
-              <a:rPr lang="en-US" dirty="0" smtClean="0"/>
-              <a:t> </a:t>
-            </a:r>
-            <a:r>
-              <a:rPr lang="en-US" dirty="0" err="1" smtClean="0"/>
-              <a:t>figura</a:t>
-            </a:r>
-            <a:r>
-              <a:rPr lang="en-US" dirty="0" smtClean="0"/>
-              <a:t> </a:t>
-            </a:r>
-            <a:r>
-              <a:rPr lang="en-US" dirty="0" err="1" smtClean="0"/>
-              <a:t>trovato</a:t>
-            </a:r>
-            <a:r>
-              <a:rPr lang="en-US" dirty="0" smtClean="0"/>
-              <a:t> da </a:t>
-            </a:r>
-            <a:r>
-              <a:rPr lang="en-US" dirty="0" err="1" smtClean="0"/>
-              <a:t>find_maximum</a:t>
-            </a:r>
-            <a:r>
-              <a:rPr lang="en-US" dirty="0" smtClean="0"/>
-              <a:t> </a:t>
-            </a:r>
-            <a:r>
-              <a:rPr lang="en-US" dirty="0" err="1" smtClean="0"/>
-              <a:t>generandone</a:t>
-            </a:r>
-            <a:r>
-              <a:rPr lang="en-US" dirty="0" smtClean="0"/>
-              <a:t> </a:t>
-            </a:r>
-            <a:r>
-              <a:rPr lang="en-US" dirty="0" err="1" smtClean="0"/>
-              <a:t>una</a:t>
-            </a:r>
-            <a:r>
-              <a:rPr lang="en-US" dirty="0" smtClean="0"/>
-              <a:t> </a:t>
-            </a:r>
-            <a:r>
-              <a:rPr lang="en-US" dirty="0" err="1" smtClean="0"/>
-              <a:t>nuova</a:t>
-            </a:r>
-            <a:endParaRPr lang="en-US" dirty="0" smtClean="0"/>
-          </a:p>
-          <a:p>
-            <a:r>
-              <a:rPr lang="en-US" dirty="0" err="1" smtClean="0"/>
-              <a:t>get_area</a:t>
-            </a:r>
-            <a:r>
-              <a:rPr lang="en-US" dirty="0" smtClean="0"/>
-              <a:t>: </a:t>
-            </a:r>
-            <a:r>
-              <a:rPr lang="en-US" dirty="0" err="1" smtClean="0"/>
-              <a:t>calcola</a:t>
-            </a:r>
-            <a:r>
-              <a:rPr lang="en-US" dirty="0" smtClean="0"/>
-              <a:t> </a:t>
-            </a:r>
-            <a:r>
-              <a:rPr lang="en-US" dirty="0" err="1" smtClean="0"/>
-              <a:t>l’area</a:t>
-            </a:r>
-            <a:r>
-              <a:rPr lang="en-US" dirty="0" smtClean="0"/>
-              <a:t> </a:t>
-            </a:r>
-            <a:r>
-              <a:rPr lang="en-US" dirty="0" err="1" smtClean="0"/>
-              <a:t>della</a:t>
-            </a:r>
-            <a:r>
-              <a:rPr lang="en-US" dirty="0" smtClean="0"/>
-              <a:t> </a:t>
-            </a:r>
-            <a:r>
-              <a:rPr lang="en-US" dirty="0" err="1" smtClean="0"/>
-              <a:t>figura</a:t>
-            </a:r>
-            <a:r>
-              <a:rPr lang="en-US" dirty="0" smtClean="0"/>
-              <a:t> </a:t>
-            </a:r>
-            <a:r>
-              <a:rPr lang="en-US" dirty="0" err="1" smtClean="0"/>
-              <a:t>tridimensionale</a:t>
-            </a:r>
-            <a:endParaRPr lang="en-US" dirty="0" smtClean="0"/>
-          </a:p>
-          <a:p>
-            <a:r>
-              <a:rPr lang="en-US" dirty="0"/>
-              <a:t>w</a:t>
-            </a:r>
-            <a:r>
-              <a:rPr lang="en-US" dirty="0" smtClean="0"/>
-              <a:t>atchdog: </a:t>
-            </a:r>
-            <a:r>
-              <a:rPr lang="en-US" dirty="0" err="1" smtClean="0"/>
-              <a:t>controlla</a:t>
-            </a:r>
-            <a:r>
-              <a:rPr lang="en-US" dirty="0" smtClean="0"/>
-              <a:t> se </a:t>
-            </a:r>
-            <a:r>
-              <a:rPr lang="en-US" dirty="0" err="1" smtClean="0"/>
-              <a:t>avviene</a:t>
-            </a:r>
-            <a:r>
-              <a:rPr lang="en-US" dirty="0" smtClean="0"/>
-              <a:t> un </a:t>
-            </a:r>
-            <a:r>
-              <a:rPr lang="en-US" dirty="0" err="1" smtClean="0"/>
-              <a:t>ribaltamento</a:t>
-            </a:r>
-            <a:r>
-              <a:rPr lang="en-US" dirty="0" smtClean="0"/>
-              <a:t> </a:t>
-            </a:r>
-            <a:r>
-              <a:rPr lang="en-US" dirty="0" err="1" smtClean="0"/>
-              <a:t>ripetuto</a:t>
-            </a:r>
-            <a:endParaRPr lang="en-US" dirty="0" smtClean="0"/>
-          </a:p>
-          <a:p>
-            <a:r>
-              <a:rPr lang="en-US" dirty="0" err="1"/>
-              <a:t>p</a:t>
-            </a:r>
-            <a:r>
-              <a:rPr lang="en-US" dirty="0" err="1" smtClean="0"/>
-              <a:t>enality</a:t>
-            </a:r>
-            <a:r>
-              <a:rPr lang="en-US" dirty="0" smtClean="0"/>
-              <a:t>: </a:t>
-            </a:r>
-            <a:r>
-              <a:rPr lang="en-US" dirty="0" err="1" smtClean="0"/>
-              <a:t>assegna</a:t>
-            </a:r>
-            <a:r>
-              <a:rPr lang="en-US" dirty="0" smtClean="0"/>
-              <a:t> </a:t>
-            </a:r>
-            <a:r>
-              <a:rPr lang="en-US" dirty="0" err="1" smtClean="0"/>
-              <a:t>ai</a:t>
-            </a:r>
-            <a:r>
-              <a:rPr lang="en-US" dirty="0" smtClean="0"/>
-              <a:t> </a:t>
-            </a:r>
-            <a:r>
-              <a:rPr lang="en-US" dirty="0" err="1" smtClean="0"/>
-              <a:t>vertici</a:t>
-            </a:r>
-            <a:r>
-              <a:rPr lang="en-US" dirty="0" smtClean="0"/>
-              <a:t> </a:t>
-            </a:r>
-            <a:r>
-              <a:rPr lang="en-US" dirty="0" err="1" smtClean="0"/>
-              <a:t>una</a:t>
-            </a:r>
-            <a:r>
-              <a:rPr lang="en-US" dirty="0" smtClean="0"/>
-              <a:t> </a:t>
-            </a:r>
-            <a:r>
-              <a:rPr lang="en-US" dirty="0" err="1" smtClean="0"/>
-              <a:t>penalità</a:t>
-            </a:r>
-            <a:r>
-              <a:rPr lang="en-US" dirty="0" smtClean="0"/>
-              <a:t> </a:t>
-            </a:r>
-            <a:r>
-              <a:rPr lang="en-US" dirty="0" err="1" smtClean="0"/>
-              <a:t>nel</a:t>
-            </a:r>
-            <a:r>
-              <a:rPr lang="en-US" dirty="0" smtClean="0"/>
-              <a:t> </a:t>
-            </a:r>
-            <a:r>
-              <a:rPr lang="en-US" dirty="0" err="1" smtClean="0"/>
-              <a:t>caso</a:t>
-            </a:r>
-            <a:r>
-              <a:rPr lang="en-US" dirty="0" smtClean="0"/>
-              <a:t> in cui </a:t>
-            </a:r>
-            <a:r>
-              <a:rPr lang="en-US" dirty="0" err="1" smtClean="0"/>
-              <a:t>si</a:t>
-            </a:r>
-            <a:r>
-              <a:rPr lang="en-US" dirty="0" smtClean="0"/>
-              <a:t> </a:t>
-            </a:r>
-            <a:r>
-              <a:rPr lang="en-US" dirty="0" err="1" smtClean="0"/>
-              <a:t>trovino</a:t>
-            </a:r>
-            <a:r>
-              <a:rPr lang="en-US" dirty="0" smtClean="0"/>
-              <a:t> </a:t>
-            </a:r>
-            <a:r>
-              <a:rPr lang="en-US" dirty="0" err="1" smtClean="0"/>
-              <a:t>fuori</a:t>
-            </a:r>
-            <a:r>
-              <a:rPr lang="en-US" dirty="0" smtClean="0"/>
-              <a:t> dal volume del </a:t>
-            </a:r>
-            <a:r>
-              <a:rPr lang="en-US" dirty="0" err="1" smtClean="0"/>
-              <a:t>vincolo</a:t>
-            </a:r>
-            <a:r>
-              <a:rPr lang="en-US" dirty="0" smtClean="0"/>
-              <a:t> </a:t>
-            </a:r>
-            <a:r>
-              <a:rPr lang="en-US" dirty="0" err="1" smtClean="0"/>
-              <a:t>tridimensionale</a:t>
-            </a:r>
-            <a:endParaRPr lang="it-IT" dirty="0"/>
+              <a:rPr lang="en-US" sz="4400">
+                <a:solidFill>
+                  <a:srgbClr val="FFFFFF"/>
+                </a:solidFill>
+              </a:rPr>
+              <a:t>UML</a:t>
+            </a:r>
           </a:p>
         </p:txBody>
       </p:sp>
     </p:spTree>
     <p:extLst>
       <p:ext uri="{BB962C8B-B14F-4D97-AF65-F5344CB8AC3E}">
-        <p14:creationId xmlns:p14="http://schemas.microsoft.com/office/powerpoint/2010/main" val="666190858"/>
+        <p14:creationId xmlns:p14="http://schemas.microsoft.com/office/powerpoint/2010/main" val="3815382153"/>
       </p:ext>
     </p:extLst>
   </p:cSld>
   <p:clrMapOvr>
     <a:masterClrMapping/>
   </p:clrMapOvr>
+  <p:timing>
+    <p:tnLst>
+      <p:par>
+        <p:cTn id="1" dur="indefinite" restart="never" nodeType="tmRoot"/>
+      </p:par>
+    </p:tnLst>
+  </p:timing>
 </p:sld>
 </file>
 
@@ -6480,14 +11018,19 @@
             <p:ph type="title"/>
           </p:nvPr>
         </p:nvSpPr>
-        <p:spPr/>
+        <p:spPr>
+          <a:xfrm>
+            <a:off x="1097280" y="1001486"/>
+            <a:ext cx="10058400" cy="735874"/>
+          </a:xfrm>
+        </p:spPr>
         <p:txBody>
           <a:bodyPr/>
           <a:lstStyle/>
           <a:p>
             <a:r>
               <a:rPr lang="it-IT" dirty="0" smtClean="0"/>
-              <a:t>CONDIZIONI DI ARRESTO</a:t>
+              <a:t>IMPLEMENTAZIONE</a:t>
             </a:r>
             <a:endParaRPr lang="it-IT" dirty="0"/>
           </a:p>
@@ -6503,28 +11046,609 @@
             <p:ph idx="1"/>
           </p:nvPr>
         </p:nvSpPr>
-        <p:spPr/>
+        <p:spPr>
+          <a:xfrm>
+            <a:off x="1097280" y="1737360"/>
+            <a:ext cx="10058400" cy="4674419"/>
+          </a:xfrm>
+        </p:spPr>
         <p:txBody>
-          <a:bodyPr/>
+          <a:bodyPr>
+            <a:noAutofit/>
+          </a:bodyPr>
           <a:lstStyle/>
           <a:p>
-            <a:r>
-              <a:rPr lang="it-IT" dirty="0" smtClean="0"/>
-              <a:t>Area minima raggiunta dall’ultimo politopo</a:t>
-            </a:r>
-          </a:p>
-          <a:p>
-            <a:r>
-              <a:rPr lang="it-IT" dirty="0" smtClean="0"/>
-              <a:t>Numero di </a:t>
-            </a:r>
-            <a:r>
-              <a:rPr lang="it-IT" dirty="0" err="1" smtClean="0"/>
-              <a:t>flip</a:t>
-            </a:r>
-            <a:r>
-              <a:rPr lang="it-IT" dirty="0" smtClean="0"/>
-              <a:t> totali effettuati durante l’esecuzione dell’algoritmo</a:t>
+            <a:pPr marL="201168" lvl="1" indent="0">
+              <a:lnSpc>
+                <a:spcPct val="150000"/>
+              </a:lnSpc>
+              <a:spcAft>
+                <a:spcPts val="0"/>
+              </a:spcAft>
+              <a:buNone/>
+            </a:pPr>
+            <a:r>
+              <a:rPr lang="en-US" dirty="0" err="1" smtClean="0"/>
+              <a:t>Analizziamo</a:t>
+            </a:r>
+            <a:r>
+              <a:rPr lang="en-US" dirty="0" smtClean="0"/>
+              <a:t> </a:t>
+            </a:r>
+            <a:r>
+              <a:rPr lang="en-US" dirty="0" err="1" smtClean="0"/>
+              <a:t>più</a:t>
+            </a:r>
+            <a:r>
+              <a:rPr lang="en-US" dirty="0" smtClean="0"/>
+              <a:t> </a:t>
+            </a:r>
+            <a:r>
+              <a:rPr lang="en-US" dirty="0" err="1" smtClean="0"/>
+              <a:t>nel</a:t>
+            </a:r>
+            <a:r>
+              <a:rPr lang="en-US" dirty="0" smtClean="0"/>
+              <a:t> </a:t>
+            </a:r>
+            <a:r>
+              <a:rPr lang="en-US" dirty="0" err="1" smtClean="0"/>
+              <a:t>dettaglio</a:t>
+            </a:r>
+            <a:r>
+              <a:rPr lang="en-US" dirty="0" smtClean="0"/>
+              <a:t> </a:t>
+            </a:r>
+            <a:r>
+              <a:rPr lang="en-US" dirty="0" err="1" smtClean="0"/>
+              <a:t>i</a:t>
+            </a:r>
+            <a:r>
+              <a:rPr lang="en-US" dirty="0" smtClean="0"/>
+              <a:t> </a:t>
+            </a:r>
+            <a:r>
+              <a:rPr lang="en-US" dirty="0" err="1" smtClean="0"/>
+              <a:t>metodi</a:t>
+            </a:r>
+            <a:r>
+              <a:rPr lang="en-US" dirty="0" smtClean="0"/>
+              <a:t> </a:t>
+            </a:r>
+            <a:r>
+              <a:rPr lang="en-US" dirty="0" err="1" smtClean="0"/>
+              <a:t>necessari</a:t>
+            </a:r>
+            <a:r>
+              <a:rPr lang="en-US" dirty="0" smtClean="0"/>
+              <a:t>:</a:t>
+            </a:r>
+            <a:endParaRPr lang="en-US" dirty="0" smtClean="0"/>
+          </a:p>
+          <a:p>
+            <a:pPr marL="201168" lvl="1" indent="0">
+              <a:lnSpc>
+                <a:spcPct val="150000"/>
+              </a:lnSpc>
+              <a:spcAft>
+                <a:spcPts val="0"/>
+              </a:spcAft>
+              <a:buNone/>
+            </a:pPr>
+            <a:r>
+              <a:rPr lang="en-US" b="1" i="1" dirty="0" err="1" smtClean="0"/>
+              <a:t>get_first_triangle</a:t>
+            </a:r>
+            <a:r>
+              <a:rPr lang="en-US" dirty="0" smtClean="0"/>
+              <a:t>: genera </a:t>
+            </a:r>
+            <a:r>
+              <a:rPr lang="en-US" dirty="0" err="1" smtClean="0"/>
+              <a:t>il</a:t>
+            </a:r>
+            <a:r>
+              <a:rPr lang="en-US" dirty="0" smtClean="0"/>
+              <a:t> primo </a:t>
+            </a:r>
+            <a:r>
+              <a:rPr lang="en-US" dirty="0" err="1" smtClean="0"/>
+              <a:t>politopo</a:t>
+            </a:r>
+            <a:r>
+              <a:rPr lang="en-US" dirty="0" smtClean="0"/>
+              <a:t> in </a:t>
+            </a:r>
+            <a:r>
+              <a:rPr lang="en-US" dirty="0" err="1" smtClean="0"/>
+              <a:t>una</a:t>
+            </a:r>
+            <a:r>
+              <a:rPr lang="en-US" dirty="0" smtClean="0"/>
+              <a:t> </a:t>
+            </a:r>
+            <a:r>
+              <a:rPr lang="en-US" dirty="0" err="1" smtClean="0"/>
+              <a:t>posizione</a:t>
+            </a:r>
+            <a:r>
+              <a:rPr lang="en-US" dirty="0" smtClean="0"/>
+              <a:t> random</a:t>
+            </a:r>
+          </a:p>
+          <a:p>
+            <a:pPr marL="201168" lvl="1" indent="0">
+              <a:lnSpc>
+                <a:spcPct val="150000"/>
+              </a:lnSpc>
+              <a:spcAft>
+                <a:spcPts val="0"/>
+              </a:spcAft>
+              <a:buNone/>
+            </a:pPr>
+            <a:r>
+              <a:rPr lang="en-US" b="1" i="1" dirty="0"/>
+              <a:t>h</a:t>
+            </a:r>
+            <a:r>
+              <a:rPr lang="en-US" b="1" i="1" dirty="0" smtClean="0"/>
+              <a:t>alve</a:t>
+            </a:r>
+            <a:r>
+              <a:rPr lang="en-US" dirty="0" smtClean="0"/>
+              <a:t>: </a:t>
+            </a:r>
+            <a:r>
+              <a:rPr lang="en-US" dirty="0" err="1" smtClean="0"/>
+              <a:t>effettua</a:t>
+            </a:r>
+            <a:r>
+              <a:rPr lang="en-US" dirty="0" smtClean="0"/>
+              <a:t> la </a:t>
+            </a:r>
+            <a:r>
+              <a:rPr lang="en-US" dirty="0" err="1" smtClean="0"/>
+              <a:t>contrazione</a:t>
+            </a:r>
+            <a:r>
+              <a:rPr lang="en-US" dirty="0" smtClean="0"/>
+              <a:t> del </a:t>
+            </a:r>
+            <a:r>
+              <a:rPr lang="en-US" dirty="0" err="1" smtClean="0"/>
+              <a:t>tetraedro</a:t>
+            </a:r>
+            <a:endParaRPr lang="en-US" dirty="0" smtClean="0"/>
+          </a:p>
+          <a:p>
+            <a:pPr marL="201168" lvl="1" indent="0">
+              <a:lnSpc>
+                <a:spcPct val="150000"/>
+              </a:lnSpc>
+              <a:spcAft>
+                <a:spcPts val="0"/>
+              </a:spcAft>
+              <a:buNone/>
+            </a:pPr>
+            <a:r>
+              <a:rPr lang="en-US" b="1" i="1" dirty="0" err="1" smtClean="0"/>
+              <a:t>find_maximum</a:t>
+            </a:r>
+            <a:r>
+              <a:rPr lang="en-US" dirty="0" smtClean="0"/>
+              <a:t>: </a:t>
+            </a:r>
+            <a:r>
+              <a:rPr lang="en-US" dirty="0" err="1" smtClean="0"/>
+              <a:t>ritorna</a:t>
+            </a:r>
+            <a:r>
+              <a:rPr lang="en-US" dirty="0" smtClean="0"/>
+              <a:t> </a:t>
+            </a:r>
+            <a:r>
+              <a:rPr lang="en-US" dirty="0" err="1" smtClean="0"/>
+              <a:t>il</a:t>
+            </a:r>
+            <a:r>
+              <a:rPr lang="en-US" dirty="0" smtClean="0"/>
+              <a:t> </a:t>
+            </a:r>
+            <a:r>
+              <a:rPr lang="en-US" dirty="0" err="1" smtClean="0"/>
+              <a:t>vertice</a:t>
+            </a:r>
+            <a:r>
+              <a:rPr lang="en-US" dirty="0" smtClean="0"/>
+              <a:t> del </a:t>
+            </a:r>
+            <a:r>
+              <a:rPr lang="en-US" dirty="0" err="1" smtClean="0"/>
+              <a:t>politopo</a:t>
+            </a:r>
+            <a:r>
+              <a:rPr lang="en-US" dirty="0" smtClean="0"/>
+              <a:t> </a:t>
+            </a:r>
+            <a:r>
+              <a:rPr lang="en-US" dirty="0" err="1" smtClean="0"/>
+              <a:t>il</a:t>
+            </a:r>
+            <a:r>
+              <a:rPr lang="en-US" dirty="0" smtClean="0"/>
+              <a:t> cui </a:t>
+            </a:r>
+            <a:r>
+              <a:rPr lang="en-US" dirty="0" err="1" smtClean="0"/>
+              <a:t>valore</a:t>
+            </a:r>
+            <a:r>
+              <a:rPr lang="en-US" dirty="0" smtClean="0"/>
+              <a:t> </a:t>
+            </a:r>
+            <a:r>
+              <a:rPr lang="en-US" dirty="0" err="1" smtClean="0"/>
+              <a:t>della</a:t>
+            </a:r>
+            <a:r>
+              <a:rPr lang="en-US" dirty="0" smtClean="0"/>
+              <a:t> </a:t>
+            </a:r>
+            <a:r>
+              <a:rPr lang="en-US" dirty="0" err="1" smtClean="0"/>
+              <a:t>funzione</a:t>
+            </a:r>
+            <a:r>
+              <a:rPr lang="en-US" dirty="0" smtClean="0"/>
+              <a:t> di </a:t>
+            </a:r>
+            <a:r>
+              <a:rPr lang="en-US" dirty="0" err="1" smtClean="0"/>
+              <a:t>costo</a:t>
+            </a:r>
+            <a:r>
+              <a:rPr lang="en-US" dirty="0" smtClean="0"/>
+              <a:t> </a:t>
+            </a:r>
+            <a:r>
+              <a:rPr lang="en-US" dirty="0" err="1" smtClean="0"/>
+              <a:t>calcolato</a:t>
+            </a:r>
+            <a:r>
+              <a:rPr lang="en-US" dirty="0" smtClean="0"/>
+              <a:t> </a:t>
+            </a:r>
+            <a:r>
+              <a:rPr lang="en-US" dirty="0" err="1" smtClean="0"/>
+              <a:t>nelle</a:t>
+            </a:r>
+            <a:r>
+              <a:rPr lang="en-US" dirty="0" smtClean="0"/>
+              <a:t> sue coordinate è </a:t>
+            </a:r>
+            <a:r>
+              <a:rPr lang="en-US" dirty="0" err="1" smtClean="0"/>
+              <a:t>massimo</a:t>
+            </a:r>
+            <a:endParaRPr lang="en-US" dirty="0" smtClean="0"/>
+          </a:p>
+          <a:p>
+            <a:pPr marL="201168" lvl="1" indent="0">
+              <a:lnSpc>
+                <a:spcPct val="150000"/>
+              </a:lnSpc>
+              <a:spcAft>
+                <a:spcPts val="0"/>
+              </a:spcAft>
+              <a:buNone/>
+            </a:pPr>
+            <a:r>
+              <a:rPr lang="en-US" b="1" i="1" dirty="0"/>
+              <a:t>f</a:t>
+            </a:r>
+            <a:r>
+              <a:rPr lang="en-US" b="1" i="1" dirty="0" smtClean="0"/>
+              <a:t>lip</a:t>
+            </a:r>
+            <a:r>
+              <a:rPr lang="en-US" dirty="0" smtClean="0"/>
+              <a:t>: </a:t>
+            </a:r>
+            <a:r>
+              <a:rPr lang="en-US" dirty="0" err="1" smtClean="0"/>
+              <a:t>ribalta</a:t>
+            </a:r>
+            <a:r>
+              <a:rPr lang="en-US" dirty="0" smtClean="0"/>
+              <a:t> </a:t>
+            </a:r>
+            <a:r>
+              <a:rPr lang="en-US" dirty="0" err="1" smtClean="0"/>
+              <a:t>il</a:t>
+            </a:r>
+            <a:r>
+              <a:rPr lang="en-US" dirty="0" smtClean="0"/>
+              <a:t> </a:t>
+            </a:r>
+            <a:r>
+              <a:rPr lang="en-US" dirty="0" err="1" smtClean="0"/>
+              <a:t>vertice</a:t>
+            </a:r>
+            <a:r>
+              <a:rPr lang="en-US" dirty="0" smtClean="0"/>
+              <a:t> </a:t>
+            </a:r>
+            <a:r>
+              <a:rPr lang="en-US" dirty="0" err="1" smtClean="0"/>
+              <a:t>della</a:t>
+            </a:r>
+            <a:r>
+              <a:rPr lang="en-US" dirty="0" smtClean="0"/>
+              <a:t> </a:t>
+            </a:r>
+            <a:r>
+              <a:rPr lang="en-US" dirty="0" err="1" smtClean="0"/>
+              <a:t>figura</a:t>
+            </a:r>
+            <a:r>
+              <a:rPr lang="en-US" dirty="0" smtClean="0"/>
+              <a:t> </a:t>
+            </a:r>
+            <a:r>
+              <a:rPr lang="en-US" dirty="0" err="1" smtClean="0"/>
+              <a:t>trovato</a:t>
+            </a:r>
+            <a:r>
+              <a:rPr lang="en-US" dirty="0" smtClean="0"/>
+              <a:t> da </a:t>
+            </a:r>
+            <a:r>
+              <a:rPr lang="en-US" dirty="0" err="1" smtClean="0"/>
+              <a:t>find_maximum</a:t>
+            </a:r>
+            <a:r>
+              <a:rPr lang="en-US" dirty="0" smtClean="0"/>
+              <a:t> </a:t>
+            </a:r>
+            <a:r>
+              <a:rPr lang="en-US" dirty="0" err="1" smtClean="0"/>
+              <a:t>generandone</a:t>
+            </a:r>
+            <a:r>
+              <a:rPr lang="en-US" dirty="0" smtClean="0"/>
+              <a:t> </a:t>
+            </a:r>
+            <a:r>
+              <a:rPr lang="en-US" dirty="0" err="1" smtClean="0"/>
+              <a:t>una</a:t>
+            </a:r>
+            <a:r>
+              <a:rPr lang="en-US" dirty="0" smtClean="0"/>
+              <a:t> </a:t>
+            </a:r>
+            <a:r>
+              <a:rPr lang="en-US" dirty="0" err="1" smtClean="0"/>
+              <a:t>nuova</a:t>
+            </a:r>
+            <a:endParaRPr lang="en-US" dirty="0" smtClean="0"/>
+          </a:p>
+          <a:p>
+            <a:pPr marL="201168" lvl="1" indent="0">
+              <a:lnSpc>
+                <a:spcPct val="150000"/>
+              </a:lnSpc>
+              <a:spcAft>
+                <a:spcPts val="0"/>
+              </a:spcAft>
+              <a:buNone/>
+            </a:pPr>
+            <a:r>
+              <a:rPr lang="en-US" b="1" i="1" dirty="0" err="1" smtClean="0"/>
+              <a:t>get_area</a:t>
+            </a:r>
+            <a:r>
+              <a:rPr lang="en-US" dirty="0" smtClean="0"/>
+              <a:t>: </a:t>
+            </a:r>
+            <a:r>
+              <a:rPr lang="en-US" dirty="0" err="1" smtClean="0"/>
+              <a:t>calcola</a:t>
+            </a:r>
+            <a:r>
+              <a:rPr lang="en-US" dirty="0" smtClean="0"/>
+              <a:t> </a:t>
+            </a:r>
+            <a:r>
+              <a:rPr lang="en-US" dirty="0" err="1" smtClean="0"/>
+              <a:t>l’area</a:t>
+            </a:r>
+            <a:r>
+              <a:rPr lang="en-US" dirty="0" smtClean="0"/>
+              <a:t> </a:t>
+            </a:r>
+            <a:r>
+              <a:rPr lang="en-US" dirty="0" err="1" smtClean="0"/>
+              <a:t>della</a:t>
+            </a:r>
+            <a:r>
+              <a:rPr lang="en-US" dirty="0" smtClean="0"/>
+              <a:t> </a:t>
+            </a:r>
+            <a:r>
+              <a:rPr lang="en-US" dirty="0" err="1" smtClean="0"/>
+              <a:t>figura</a:t>
+            </a:r>
+            <a:r>
+              <a:rPr lang="en-US" dirty="0" smtClean="0"/>
+              <a:t> </a:t>
+            </a:r>
+            <a:r>
+              <a:rPr lang="en-US" dirty="0" err="1" smtClean="0"/>
+              <a:t>tridimensionale</a:t>
+            </a:r>
+            <a:endParaRPr lang="en-US" dirty="0" smtClean="0"/>
+          </a:p>
+          <a:p>
+            <a:pPr marL="201168" lvl="1" indent="0">
+              <a:lnSpc>
+                <a:spcPct val="150000"/>
+              </a:lnSpc>
+              <a:spcAft>
+                <a:spcPts val="0"/>
+              </a:spcAft>
+              <a:buNone/>
+            </a:pPr>
+            <a:r>
+              <a:rPr lang="en-US" b="1" i="1" dirty="0"/>
+              <a:t>w</a:t>
+            </a:r>
+            <a:r>
+              <a:rPr lang="en-US" b="1" i="1" dirty="0" smtClean="0"/>
+              <a:t>atchdog</a:t>
+            </a:r>
+            <a:r>
+              <a:rPr lang="en-US" dirty="0" smtClean="0"/>
+              <a:t>: </a:t>
+            </a:r>
+            <a:r>
+              <a:rPr lang="en-US" dirty="0" err="1" smtClean="0"/>
+              <a:t>controlla</a:t>
+            </a:r>
+            <a:r>
+              <a:rPr lang="en-US" dirty="0" smtClean="0"/>
+              <a:t> se </a:t>
+            </a:r>
+            <a:r>
+              <a:rPr lang="en-US" dirty="0" err="1" smtClean="0"/>
+              <a:t>avviene</a:t>
+            </a:r>
+            <a:r>
+              <a:rPr lang="en-US" dirty="0" smtClean="0"/>
+              <a:t> un </a:t>
+            </a:r>
+            <a:r>
+              <a:rPr lang="en-US" dirty="0" err="1" smtClean="0"/>
+              <a:t>ribaltamento</a:t>
+            </a:r>
+            <a:r>
+              <a:rPr lang="en-US" dirty="0" smtClean="0"/>
+              <a:t> </a:t>
+            </a:r>
+            <a:r>
+              <a:rPr lang="en-US" dirty="0" err="1" smtClean="0"/>
+              <a:t>ripetuto</a:t>
+            </a:r>
+            <a:endParaRPr lang="en-US" dirty="0" smtClean="0"/>
+          </a:p>
+          <a:p>
+            <a:pPr marL="201168" lvl="1" indent="0">
+              <a:lnSpc>
+                <a:spcPct val="150000"/>
+              </a:lnSpc>
+              <a:spcAft>
+                <a:spcPts val="0"/>
+              </a:spcAft>
+              <a:buNone/>
+            </a:pPr>
+            <a:r>
+              <a:rPr lang="en-US" b="1" i="1" dirty="0" err="1" smtClean="0"/>
+              <a:t>penality</a:t>
+            </a:r>
+            <a:r>
+              <a:rPr lang="en-US" dirty="0" smtClean="0"/>
+              <a:t>: </a:t>
+            </a:r>
+            <a:r>
+              <a:rPr lang="en-US" dirty="0" err="1" smtClean="0"/>
+              <a:t>assegna</a:t>
+            </a:r>
+            <a:r>
+              <a:rPr lang="en-US" dirty="0" smtClean="0"/>
+              <a:t> </a:t>
+            </a:r>
+            <a:r>
+              <a:rPr lang="en-US" dirty="0" err="1" smtClean="0"/>
+              <a:t>ai</a:t>
+            </a:r>
+            <a:r>
+              <a:rPr lang="en-US" dirty="0" smtClean="0"/>
+              <a:t> </a:t>
+            </a:r>
+            <a:r>
+              <a:rPr lang="en-US" dirty="0" err="1" smtClean="0"/>
+              <a:t>vertici</a:t>
+            </a:r>
+            <a:r>
+              <a:rPr lang="en-US" dirty="0" smtClean="0"/>
+              <a:t> </a:t>
+            </a:r>
+            <a:r>
+              <a:rPr lang="en-US" dirty="0" err="1" smtClean="0"/>
+              <a:t>una</a:t>
+            </a:r>
+            <a:r>
+              <a:rPr lang="en-US" dirty="0" smtClean="0"/>
+              <a:t> </a:t>
+            </a:r>
+            <a:r>
+              <a:rPr lang="en-US" dirty="0" err="1" smtClean="0"/>
+              <a:t>penalità</a:t>
+            </a:r>
+            <a:r>
+              <a:rPr lang="en-US" dirty="0" smtClean="0"/>
+              <a:t> </a:t>
+            </a:r>
+            <a:r>
+              <a:rPr lang="en-US" dirty="0" err="1" smtClean="0"/>
+              <a:t>nel</a:t>
+            </a:r>
+            <a:r>
+              <a:rPr lang="en-US" dirty="0" smtClean="0"/>
+              <a:t> </a:t>
+            </a:r>
+            <a:r>
+              <a:rPr lang="en-US" dirty="0" err="1" smtClean="0"/>
+              <a:t>caso</a:t>
+            </a:r>
+            <a:r>
+              <a:rPr lang="en-US" dirty="0" smtClean="0"/>
+              <a:t> in cui </a:t>
+            </a:r>
+            <a:r>
+              <a:rPr lang="en-US" dirty="0" err="1" smtClean="0"/>
+              <a:t>si</a:t>
+            </a:r>
+            <a:r>
+              <a:rPr lang="en-US" dirty="0" smtClean="0"/>
+              <a:t> </a:t>
+            </a:r>
+            <a:r>
+              <a:rPr lang="en-US" dirty="0" err="1" smtClean="0"/>
+              <a:t>trovino</a:t>
+            </a:r>
+            <a:r>
+              <a:rPr lang="en-US" dirty="0" smtClean="0"/>
+              <a:t> </a:t>
+            </a:r>
+            <a:r>
+              <a:rPr lang="en-US" dirty="0" err="1" smtClean="0"/>
+              <a:t>fuori</a:t>
+            </a:r>
+            <a:r>
+              <a:rPr lang="en-US" dirty="0" smtClean="0"/>
+              <a:t> dal volume del </a:t>
+            </a:r>
+            <a:r>
+              <a:rPr lang="en-US" dirty="0" err="1" smtClean="0"/>
+              <a:t>vincolo</a:t>
+            </a:r>
+            <a:r>
+              <a:rPr lang="en-US" dirty="0" smtClean="0"/>
+              <a:t> </a:t>
+            </a:r>
+            <a:r>
+              <a:rPr lang="en-US" dirty="0" err="1" smtClean="0"/>
+              <a:t>tridimensionale</a:t>
             </a:r>
             <a:endParaRPr lang="it-IT" dirty="0"/>
           </a:p>
@@ -6533,13 +11657,20 @@
     </p:spTree>
     <p:extLst>
       <p:ext uri="{BB962C8B-B14F-4D97-AF65-F5344CB8AC3E}">
-        <p14:creationId xmlns:p14="http://schemas.microsoft.com/office/powerpoint/2010/main" val="4037897198"/>
+        <p14:creationId xmlns:p14="http://schemas.microsoft.com/office/powerpoint/2010/main" val="666190858"/>
       </p:ext>
     </p:extLst>
   </p:cSld>
   <p:clrMapOvr>
     <a:masterClrMapping/>
   </p:clrMapOvr>
+  <p:timing>
+    <p:tnLst>
+      <p:par>
+        <p:cTn id="1" dur="indefinite" restart="never" nodeType="tmRoot"/>
+      </p:par>
+    </p:tnLst>
+  </p:timing>
 </p:sld>
 </file>
 

--- a/IDENTICAZIONE SISTEMA DI CARICHE PUNTIFORMI DA MISURE DI.pptx
+++ b/IDENTICAZIONE SISTEMA DI CARICHE PUNTIFORMI DA MISURE DI.pptx
@@ -208,7 +208,7 @@
           <a:p>
             <a:fld id="{0B626E60-15AC-294D-A4F1-F70323F0F9DF}" type="datetimeFigureOut">
               <a:rPr lang="en-US" smtClean="0"/>
-              <a:t>12/1/17</a:t>
+              <a:t>12/3/2017</a:t>
             </a:fld>
             <a:endParaRPr lang="en-US"/>
           </a:p>
@@ -367,7 +367,7 @@
           <a:p>
             <a:fld id="{B84B1DCE-DD70-5840-A766-ADE0E79E6240}" type="slidenum">
               <a:rPr lang="en-US" smtClean="0"/>
-              <a:t>‹#›</a:t>
+              <a:t>‹N›</a:t>
             </a:fld>
             <a:endParaRPr lang="en-US"/>
           </a:p>
@@ -704,7 +704,6 @@
               <a:rPr lang="it-IT" dirty="0" smtClean="0"/>
               <a:t>(B-B’)^2</a:t>
             </a:r>
-            <a:endParaRPr lang="it-IT" dirty="0" smtClean="0"/>
           </a:p>
         </p:txBody>
       </p:sp>
@@ -1138,7 +1137,7 @@
           <a:p>
             <a:fld id="{D400A843-E78D-45FE-BBE0-0DFBB922583B}" type="datetimeFigureOut">
               <a:rPr lang="it-IT" smtClean="0"/>
-              <a:t>01/12/17</a:t>
+              <a:t>03/12/2017</a:t>
             </a:fld>
             <a:endParaRPr lang="it-IT"/>
           </a:p>
@@ -1180,7 +1179,7 @@
           <a:p>
             <a:fld id="{1B29E90A-79A6-4357-BA0E-73A707E87A6D}" type="slidenum">
               <a:rPr lang="it-IT" smtClean="0"/>
-              <a:t>‹#›</a:t>
+              <a:t>‹N›</a:t>
             </a:fld>
             <a:endParaRPr lang="it-IT"/>
           </a:p>
@@ -1341,7 +1340,7 @@
           <a:p>
             <a:fld id="{D400A843-E78D-45FE-BBE0-0DFBB922583B}" type="datetimeFigureOut">
               <a:rPr lang="it-IT" smtClean="0"/>
-              <a:t>01/12/17</a:t>
+              <a:t>03/12/2017</a:t>
             </a:fld>
             <a:endParaRPr lang="it-IT"/>
           </a:p>
@@ -1383,7 +1382,7 @@
           <a:p>
             <a:fld id="{1B29E90A-79A6-4357-BA0E-73A707E87A6D}" type="slidenum">
               <a:rPr lang="it-IT" smtClean="0"/>
-              <a:t>‹#›</a:t>
+              <a:t>‹N›</a:t>
             </a:fld>
             <a:endParaRPr lang="it-IT"/>
           </a:p>
@@ -1592,7 +1591,7 @@
           <a:p>
             <a:fld id="{D400A843-E78D-45FE-BBE0-0DFBB922583B}" type="datetimeFigureOut">
               <a:rPr lang="it-IT" smtClean="0"/>
-              <a:t>01/12/17</a:t>
+              <a:t>03/12/2017</a:t>
             </a:fld>
             <a:endParaRPr lang="it-IT"/>
           </a:p>
@@ -1634,7 +1633,7 @@
           <a:p>
             <a:fld id="{1B29E90A-79A6-4357-BA0E-73A707E87A6D}" type="slidenum">
               <a:rPr lang="it-IT" smtClean="0"/>
-              <a:t>‹#›</a:t>
+              <a:t>‹N›</a:t>
             </a:fld>
             <a:endParaRPr lang="it-IT"/>
           </a:p>
@@ -1761,7 +1760,7 @@
           <a:p>
             <a:fld id="{D400A843-E78D-45FE-BBE0-0DFBB922583B}" type="datetimeFigureOut">
               <a:rPr lang="it-IT" smtClean="0"/>
-              <a:t>01/12/17</a:t>
+              <a:t>03/12/2017</a:t>
             </a:fld>
             <a:endParaRPr lang="it-IT"/>
           </a:p>
@@ -1803,7 +1802,7 @@
           <a:p>
             <a:fld id="{1B29E90A-79A6-4357-BA0E-73A707E87A6D}" type="slidenum">
               <a:rPr lang="it-IT" smtClean="0"/>
-              <a:t>‹#›</a:t>
+              <a:t>‹N›</a:t>
             </a:fld>
             <a:endParaRPr lang="it-IT"/>
           </a:p>
@@ -2099,7 +2098,7 @@
           <a:p>
             <a:fld id="{D400A843-E78D-45FE-BBE0-0DFBB922583B}" type="datetimeFigureOut">
               <a:rPr lang="it-IT" smtClean="0"/>
-              <a:t>01/12/17</a:t>
+              <a:t>03/12/2017</a:t>
             </a:fld>
             <a:endParaRPr lang="it-IT"/>
           </a:p>
@@ -2141,7 +2140,7 @@
           <a:p>
             <a:fld id="{1B29E90A-79A6-4357-BA0E-73A707E87A6D}" type="slidenum">
               <a:rPr lang="it-IT" smtClean="0"/>
-              <a:t>‹#›</a:t>
+              <a:t>‹N›</a:t>
             </a:fld>
             <a:endParaRPr lang="it-IT"/>
           </a:p>
@@ -2369,7 +2368,7 @@
           <a:p>
             <a:fld id="{D400A843-E78D-45FE-BBE0-0DFBB922583B}" type="datetimeFigureOut">
               <a:rPr lang="it-IT" smtClean="0"/>
-              <a:t>01/12/17</a:t>
+              <a:t>03/12/2017</a:t>
             </a:fld>
             <a:endParaRPr lang="it-IT"/>
           </a:p>
@@ -2411,7 +2410,7 @@
           <a:p>
             <a:fld id="{1B29E90A-79A6-4357-BA0E-73A707E87A6D}" type="slidenum">
               <a:rPr lang="it-IT" smtClean="0"/>
-              <a:t>‹#›</a:t>
+              <a:t>‹N›</a:t>
             </a:fld>
             <a:endParaRPr lang="it-IT"/>
           </a:p>
@@ -2743,7 +2742,7 @@
           <a:p>
             <a:fld id="{D400A843-E78D-45FE-BBE0-0DFBB922583B}" type="datetimeFigureOut">
               <a:rPr lang="it-IT" smtClean="0"/>
-              <a:t>01/12/17</a:t>
+              <a:t>03/12/2017</a:t>
             </a:fld>
             <a:endParaRPr lang="it-IT"/>
           </a:p>
@@ -2785,7 +2784,7 @@
           <a:p>
             <a:fld id="{1B29E90A-79A6-4357-BA0E-73A707E87A6D}" type="slidenum">
               <a:rPr lang="it-IT" smtClean="0"/>
-              <a:t>‹#›</a:t>
+              <a:t>‹N›</a:t>
             </a:fld>
             <a:endParaRPr lang="it-IT"/>
           </a:p>
@@ -2856,7 +2855,7 @@
           <a:p>
             <a:fld id="{D400A843-E78D-45FE-BBE0-0DFBB922583B}" type="datetimeFigureOut">
               <a:rPr lang="it-IT" smtClean="0"/>
-              <a:t>01/12/17</a:t>
+              <a:t>03/12/2017</a:t>
             </a:fld>
             <a:endParaRPr lang="it-IT"/>
           </a:p>
@@ -2898,7 +2897,7 @@
           <a:p>
             <a:fld id="{1B29E90A-79A6-4357-BA0E-73A707E87A6D}" type="slidenum">
               <a:rPr lang="it-IT" smtClean="0"/>
-              <a:t>‹#›</a:t>
+              <a:t>‹N›</a:t>
             </a:fld>
             <a:endParaRPr lang="it-IT"/>
           </a:p>
@@ -3022,7 +3021,7 @@
           <a:p>
             <a:fld id="{D400A843-E78D-45FE-BBE0-0DFBB922583B}" type="datetimeFigureOut">
               <a:rPr lang="it-IT" smtClean="0"/>
-              <a:t>01/12/17</a:t>
+              <a:t>03/12/2017</a:t>
             </a:fld>
             <a:endParaRPr lang="it-IT"/>
           </a:p>
@@ -3072,7 +3071,7 @@
           <a:p>
             <a:fld id="{1B29E90A-79A6-4357-BA0E-73A707E87A6D}" type="slidenum">
               <a:rPr lang="it-IT" smtClean="0"/>
-              <a:t>‹#›</a:t>
+              <a:t>‹N›</a:t>
             </a:fld>
             <a:endParaRPr lang="it-IT"/>
           </a:p>
@@ -3371,7 +3370,7 @@
           <a:p>
             <a:fld id="{D400A843-E78D-45FE-BBE0-0DFBB922583B}" type="datetimeFigureOut">
               <a:rPr lang="it-IT" smtClean="0"/>
-              <a:t>01/12/17</a:t>
+              <a:t>03/12/2017</a:t>
             </a:fld>
             <a:endParaRPr lang="it-IT"/>
           </a:p>
@@ -3434,7 +3433,7 @@
           <a:p>
             <a:fld id="{1B29E90A-79A6-4357-BA0E-73A707E87A6D}" type="slidenum">
               <a:rPr lang="it-IT" smtClean="0"/>
-              <a:t>‹#›</a:t>
+              <a:t>‹N›</a:t>
             </a:fld>
             <a:endParaRPr lang="it-IT"/>
           </a:p>
@@ -3745,7 +3744,7 @@
           <a:p>
             <a:fld id="{D400A843-E78D-45FE-BBE0-0DFBB922583B}" type="datetimeFigureOut">
               <a:rPr lang="it-IT" smtClean="0"/>
-              <a:t>01/12/17</a:t>
+              <a:t>03/12/2017</a:t>
             </a:fld>
             <a:endParaRPr lang="it-IT"/>
           </a:p>
@@ -3787,7 +3786,7 @@
           <a:p>
             <a:fld id="{1B29E90A-79A6-4357-BA0E-73A707E87A6D}" type="slidenum">
               <a:rPr lang="it-IT" smtClean="0"/>
-              <a:t>‹#›</a:t>
+              <a:t>‹N›</a:t>
             </a:fld>
             <a:endParaRPr lang="it-IT"/>
           </a:p>
@@ -4027,7 +4026,7 @@
           <a:p>
             <a:fld id="{D400A843-E78D-45FE-BBE0-0DFBB922583B}" type="datetimeFigureOut">
               <a:rPr lang="it-IT" smtClean="0"/>
-              <a:t>01/12/17</a:t>
+              <a:t>03/12/2017</a:t>
             </a:fld>
             <a:endParaRPr lang="it-IT"/>
           </a:p>
@@ -4101,7 +4100,7 @@
           <a:p>
             <a:fld id="{1B29E90A-79A6-4357-BA0E-73A707E87A6D}" type="slidenum">
               <a:rPr lang="it-IT" smtClean="0"/>
-              <a:t>‹#›</a:t>
+              <a:t>‹N›</a:t>
             </a:fld>
             <a:endParaRPr lang="it-IT"/>
           </a:p>
@@ -4636,7 +4635,7 @@
         <p:spPr>
           <a:xfrm>
             <a:off x="241264" y="5285678"/>
-            <a:ext cx="1732141" cy="923330"/>
+            <a:ext cx="1803635" cy="923330"/>
           </a:xfrm>
           <a:prstGeom prst="rect">
             <a:avLst/>
@@ -4678,10 +4677,10 @@
               <a:t>Giuseppe </a:t>
             </a:r>
             <a:r>
-              <a:rPr lang="it-IT" dirty="0" err="1" smtClean="0">
+              <a:rPr lang="it-IT" dirty="0" smtClean="0">
                 <a:latin typeface="+mj-lt"/>
               </a:rPr>
-              <a:t>Valleta</a:t>
+              <a:t>Valletta</a:t>
             </a:r>
             <a:endParaRPr lang="it-IT" sz="6600" spc="-50" dirty="0">
               <a:solidFill>
@@ -4757,8 +4756,8 @@
           </a:p>
         </p:txBody>
       </p:sp>
-      <mc:AlternateContent xmlns:mc="http://schemas.openxmlformats.org/markup-compatibility/2006">
-        <mc:Choice xmlns:a14="http://schemas.microsoft.com/office/drawing/2010/main" Requires="a14">
+      <mc:AlternateContent xmlns:mc="http://schemas.openxmlformats.org/markup-compatibility/2006" xmlns:a14="http://schemas.microsoft.com/office/drawing/2010/main">
+        <mc:Choice Requires="a14">
           <p:sp>
             <p:nvSpPr>
               <p:cNvPr id="3" name="Segnaposto contenuto 2"/>
@@ -4787,15 +4786,7 @@
                 </a:pPr>
                 <a:r>
                   <a:rPr lang="it-IT" dirty="0" smtClean="0"/>
-                  <a:t>Area </a:t>
-                </a:r>
-                <a:r>
-                  <a:rPr lang="it-IT" dirty="0" smtClean="0"/>
-                  <a:t>minima raggiunta dall’ultimo </a:t>
-                </a:r>
-                <a:r>
-                  <a:rPr lang="it-IT" dirty="0" smtClean="0"/>
-                  <a:t>politopo: tale parametro viene settato dall’utente</a:t>
+                  <a:t>Area minima raggiunta dall’ultimo politopo: tale parametro viene settato dall’utente</a:t>
                 </a:r>
                 <a14:m>
                   <m:oMath xmlns:m="http://schemas.openxmlformats.org/officeDocument/2006/math">
@@ -4840,7 +4831,7 @@
                         <m:fPr>
                           <m:ctrlPr>
                             <a:rPr lang="mr-IN" i="1" smtClean="0">
-                              <a:latin typeface="Cambria Math" charset="0"/>
+                              <a:latin typeface="Cambria Math" panose="02040503050406030204" pitchFamily="18" charset="0"/>
                             </a:rPr>
                           </m:ctrlPr>
                         </m:fPr>
@@ -4850,7 +4841,7 @@
                               <m:degHide m:val="on"/>
                               <m:ctrlPr>
                                 <a:rPr lang="mr-IN" i="1" smtClean="0">
-                                  <a:latin typeface="Cambria Math" charset="0"/>
+                                  <a:latin typeface="Cambria Math" panose="02040503050406030204" pitchFamily="18" charset="0"/>
                                 </a:rPr>
                               </m:ctrlPr>
                             </m:radPr>
@@ -4906,26 +4897,14 @@
                 </a:r>
                 <a:r>
                   <a:rPr lang="it-IT" dirty="0" smtClean="0"/>
-                  <a:t>, o meglio iterazioni</a:t>
-                </a:r>
-                <a:r>
-                  <a:rPr lang="it-IT" dirty="0" smtClean="0"/>
-                  <a:t> effettuate durante </a:t>
-                </a:r>
-                <a:r>
-                  <a:rPr lang="it-IT" dirty="0" smtClean="0"/>
-                  <a:t>l’esecuzione </a:t>
-                </a:r>
-                <a:r>
-                  <a:rPr lang="it-IT" dirty="0" smtClean="0"/>
-                  <a:t>dell’algoritmo. L’esistenza di tale condizione è stata resa necessaria in quanto, l’algoritmo potrebbe proseguire  per un numero molto grande di iterazioni</a:t>
+                  <a:t>, o meglio iterazioni effettuate durante l’esecuzione dell’algoritmo. L’esistenza di tale condizione è stata resa necessaria in quanto, l’algoritmo potrebbe proseguire  per un numero molto grande di iterazioni</a:t>
                 </a:r>
                 <a:endParaRPr lang="it-IT" dirty="0"/>
               </a:p>
             </p:txBody>
           </p:sp>
         </mc:Choice>
-        <mc:Fallback>
+        <mc:Fallback xmlns="">
           <p:sp>
             <p:nvSpPr>
               <p:cNvPr id="3" name="Segnaposto contenuto 2"/>
@@ -5182,7 +5161,27 @@
           <a:p>
             <a:r>
               <a:rPr lang="it-IT" dirty="0" smtClean="0"/>
-              <a:t>Quando parte del politopo esce fuori dal vincolo che è stato imposto, di conseguenza è stato reso necessario un metodo che porta il politopo, di nuovo, nella regione di nostro interesse</a:t>
+              <a:t>Quando parte del politopo esce fuori dal vincolo che è stato imposto, di conseguenza è stato </a:t>
+            </a:r>
+            <a:r>
+              <a:rPr lang="it-IT" dirty="0" smtClean="0"/>
+              <a:t>necessario trovare un approccio che riportasse </a:t>
+            </a:r>
+            <a:r>
+              <a:rPr lang="it-IT" dirty="0" smtClean="0"/>
+              <a:t>il </a:t>
+            </a:r>
+            <a:r>
+              <a:rPr lang="it-IT" dirty="0" smtClean="0"/>
+              <a:t>politopo nuovamente </a:t>
+            </a:r>
+            <a:r>
+              <a:rPr lang="it-IT" dirty="0" smtClean="0"/>
+              <a:t>nella </a:t>
+            </a:r>
+            <a:r>
+              <a:rPr lang="it-IT" dirty="0" smtClean="0"/>
+              <a:t>regione dei punti ammissibili.</a:t>
             </a:r>
             <a:endParaRPr lang="it-IT" dirty="0" smtClean="0"/>
           </a:p>
@@ -5197,7 +5196,7 @@
         <p:spPr>
           <a:xfrm>
             <a:off x="1123405" y="4042007"/>
-            <a:ext cx="10006149" cy="707886"/>
+            <a:ext cx="10006149" cy="1015663"/>
           </a:xfrm>
           <a:prstGeom prst="rect">
             <a:avLst/>
@@ -5211,7 +5210,19 @@
           <a:p>
             <a:r>
               <a:rPr lang="it-IT" sz="2000" dirty="0"/>
-              <a:t>Il secondo problema è di natura grafica, in quanto, lavorando in 3 dimensioni si è avuti a che fare con grafici quadrimensionali</a:t>
+              <a:t>Il secondo problema è di natura grafica, in quanto</a:t>
+            </a:r>
+            <a:r>
+              <a:rPr lang="it-IT" sz="2000" dirty="0" smtClean="0"/>
+              <a:t>, lavorando in uno spazio a </a:t>
+            </a:r>
+            <a:r>
+              <a:rPr lang="it-IT" sz="2000" dirty="0" smtClean="0"/>
+              <a:t>3 dimensioni nel quale ogni punto ha un valore, è stato necessario disegnare dei piani sui quali sono rappresentate con colori le linee </a:t>
+            </a:r>
+            <a:r>
+              <a:rPr lang="it-IT" sz="2000" dirty="0" err="1" smtClean="0"/>
+              <a:t>isolivello</a:t>
             </a:r>
             <a:endParaRPr lang="it-IT" sz="2000" dirty="0"/>
           </a:p>
@@ -5295,7 +5306,7 @@
         </p:spPr>
         <p:txBody>
           <a:bodyPr>
-            <a:normAutofit/>
+            <a:normAutofit fontScale="92500" lnSpcReduction="20000"/>
           </a:bodyPr>
           <a:lstStyle/>
           <a:p>
@@ -5305,15 +5316,7 @@
                   <a:schemeClr val="tx1"/>
                 </a:solidFill>
               </a:rPr>
-              <a:t>Il primo problema è stato risolto utilizzando un sistema di penalità, che andasse ad aumentare drasticamente il valore della funzioni in punti al di fuori del vincolo </a:t>
-            </a:r>
-            <a:r>
-              <a:rPr lang="it-IT" dirty="0" err="1" smtClean="0">
-                <a:solidFill>
-                  <a:schemeClr val="tx1"/>
-                </a:solidFill>
-              </a:rPr>
-              <a:t>cosicchè</a:t>
+              <a:t>Il primo problema è stato risolto </a:t>
             </a:r>
             <a:r>
               <a:rPr lang="it-IT" dirty="0" smtClean="0">
@@ -5321,7 +5324,47 @@
                   <a:schemeClr val="tx1"/>
                 </a:solidFill>
               </a:rPr>
-              <a:t> l’algoritmo stesso li portasse di nuovo dentro</a:t>
+              <a:t>utilizzando le </a:t>
+            </a:r>
+            <a:r>
+              <a:rPr lang="it-IT" dirty="0" smtClean="0">
+                <a:solidFill>
+                  <a:schemeClr val="tx1"/>
+                </a:solidFill>
+              </a:rPr>
+              <a:t>penalità, </a:t>
+            </a:r>
+            <a:r>
+              <a:rPr lang="it-IT" dirty="0" smtClean="0">
+                <a:solidFill>
+                  <a:schemeClr val="tx1"/>
+                </a:solidFill>
+              </a:rPr>
+              <a:t>il valore </a:t>
+            </a:r>
+            <a:r>
+              <a:rPr lang="it-IT" dirty="0" smtClean="0">
+                <a:solidFill>
+                  <a:schemeClr val="tx1"/>
+                </a:solidFill>
+              </a:rPr>
+              <a:t>della </a:t>
+            </a:r>
+            <a:r>
+              <a:rPr lang="it-IT" dirty="0" smtClean="0">
+                <a:solidFill>
+                  <a:schemeClr val="tx1"/>
+                </a:solidFill>
+              </a:rPr>
+              <a:t>funzione viene penalizzato e dunque aumentato drasticamente per i vertici del politopo che ricadono fuori dal vincolo in modo tale da forzare l’algoritmo alla prossima iterazione a ribaltare il politopo all’interno della regione dei </a:t>
+            </a:r>
+            <a:r>
+              <a:rPr lang="it-IT" smtClean="0">
+                <a:solidFill>
+                  <a:schemeClr val="tx1"/>
+                </a:solidFill>
+              </a:rPr>
+              <a:t>punti ammissibili.</a:t>
             </a:r>
             <a:endParaRPr lang="it-IT" dirty="0" smtClean="0">
               <a:solidFill>
@@ -5340,7 +5383,7 @@
         <p:spPr>
           <a:xfrm>
             <a:off x="1097279" y="3502509"/>
-            <a:ext cx="10058401" cy="400110"/>
+            <a:ext cx="10058401" cy="707886"/>
           </a:xfrm>
           <a:prstGeom prst="rect">
             <a:avLst/>
@@ -5360,6 +5403,20 @@
               <a:rPr lang="it-IT" sz="2000" dirty="0" err="1" smtClean="0"/>
               <a:t>isolivello</a:t>
             </a:r>
+            <a:r>
+              <a:rPr lang="it-IT" sz="2000" dirty="0" smtClean="0"/>
+              <a:t> </a:t>
+            </a:r>
+          </a:p>
+          <a:p>
+            <a:r>
+              <a:rPr lang="it-IT" sz="2000" dirty="0"/>
+              <a:t>s</a:t>
+            </a:r>
+            <a:r>
+              <a:rPr lang="it-IT" sz="2000" dirty="0" smtClean="0"/>
+              <a:t>u molteplici piani che tagliano in più parti la regione di interesse</a:t>
+            </a:r>
             <a:endParaRPr lang="it-IT" sz="2000" dirty="0"/>
           </a:p>
         </p:txBody>
@@ -5373,7 +5430,7 @@
           <p:nvPr/>
         </p:nvPicPr>
         <p:blipFill rotWithShape="1">
-          <a:blip r:embed="rId2">
+          <a:blip r:embed="rId2" cstate="print">
             <a:extLst>
               <a:ext uri="{28A0092B-C50C-407E-A947-70E740481C1C}">
                 <a14:useLocalDpi xmlns:a14="http://schemas.microsoft.com/office/drawing/2010/main" val="0"/>
@@ -5471,7 +5528,7 @@
         </p:spPr>
         <p:txBody>
           <a:bodyPr>
-            <a:normAutofit/>
+            <a:normAutofit lnSpcReduction="10000"/>
           </a:bodyPr>
           <a:lstStyle/>
           <a:p>
@@ -5525,7 +5582,23 @@
                   <a:schemeClr val="tx1"/>
                 </a:solidFill>
               </a:rPr>
-              <a:t> 1 carica le cui coordinate sono incognite</a:t>
+              <a:t> 1 carica le cui coordinate </a:t>
+            </a:r>
+            <a:r>
+              <a:rPr lang="it-IT" dirty="0" smtClean="0">
+                <a:solidFill>
+                  <a:schemeClr val="tx1"/>
+                </a:solidFill>
+              </a:rPr>
+              <a:t>x ed y ed il valore della carica sono </a:t>
+            </a:r>
+            <a:r>
+              <a:rPr lang="it-IT" dirty="0" smtClean="0">
+                <a:solidFill>
+                  <a:schemeClr val="tx1"/>
+                </a:solidFill>
+              </a:rPr>
+              <a:t>incognite</a:t>
             </a:r>
             <a:endParaRPr lang="it-IT" dirty="0">
               <a:solidFill>
@@ -5584,15 +5657,7 @@
             </a:r>
             <a:r>
               <a:rPr lang="it-IT" sz="2000" dirty="0"/>
-              <a:t> esterno su cui sono posti M misurati di </a:t>
-            </a:r>
-            <a:r>
-              <a:rPr lang="it-IT" sz="2000" dirty="0"/>
-              <a:t>potenziale elettrico</a:t>
-            </a:r>
-            <a:r>
-              <a:rPr lang="it-IT" sz="2000" dirty="0"/>
-              <a:t> </a:t>
+              <a:t> esterno su cui sono posti M misurati di potenziale elettrico </a:t>
             </a:r>
             <a:r>
               <a:rPr lang="it-IT" sz="2000" dirty="0" err="1" smtClean="0"/>
@@ -6799,7 +6864,7 @@
         </p:spPr>
         <p:txBody>
           <a:bodyPr>
-            <a:normAutofit/>
+            <a:normAutofit lnSpcReduction="10000"/>
           </a:bodyPr>
           <a:lstStyle/>
           <a:p>
@@ -6809,15 +6874,7 @@
                   <a:schemeClr val="tx1"/>
                 </a:solidFill>
               </a:rPr>
-              <a:t>I misuratori calcolano il potenziale elettrico totale nella loro posizione, quindi quello dato dalle </a:t>
-            </a:r>
-            <a:r>
-              <a:rPr lang="it-IT" dirty="0" err="1" smtClean="0">
-                <a:solidFill>
-                  <a:schemeClr val="tx1"/>
-                </a:solidFill>
-              </a:rPr>
-              <a:t>N</a:t>
+              <a:t>I misuratori calcolano il potenziale elettrico totale nella loro posizione, quindi quello dato dalle N </a:t>
             </a:r>
             <a:r>
               <a:rPr lang="it-IT" dirty="0" smtClean="0">
@@ -6825,8 +6882,13 @@
                   <a:schemeClr val="tx1"/>
                 </a:solidFill>
               </a:rPr>
-              <a:t> cariche.</a:t>
-            </a:r>
+              <a:t>cariche. Il potenziale delle N-1 cariche è calcolato analiticamente. Risulta semplice ottenere quindi il potenziale della carica ignota. </a:t>
+            </a:r>
+            <a:endParaRPr lang="it-IT" dirty="0" smtClean="0">
+              <a:solidFill>
+                <a:schemeClr val="tx1"/>
+              </a:solidFill>
+            </a:endParaRPr>
           </a:p>
           <a:p>
             <a:endParaRPr lang="it-IT" dirty="0" smtClean="0">
@@ -6988,11 +7050,7 @@
           <a:p>
             <a:r>
               <a:rPr lang="it-IT" dirty="0" smtClean="0"/>
-              <a:t>MODELLO </a:t>
-            </a:r>
-            <a:r>
-              <a:rPr lang="it-IT" dirty="0" smtClean="0"/>
-              <a:t>MATEMATICO</a:t>
+              <a:t>MODELLO MATEMATICO</a:t>
             </a:r>
             <a:endParaRPr lang="it-IT" dirty="0"/>
           </a:p>
@@ -7018,7 +7076,7 @@
             </p:spPr>
             <p:txBody>
               <a:bodyPr>
-                <a:normAutofit lnSpcReduction="10000"/>
+                <a:normAutofit/>
               </a:bodyPr>
               <a:lstStyle/>
               <a:p>
@@ -7068,7 +7126,7 @@
                             <a:solidFill>
                               <a:schemeClr val="tx1"/>
                             </a:solidFill>
-                            <a:latin typeface="Cambria Math" charset="0"/>
+                            <a:latin typeface="Cambria Math" panose="02040503050406030204" pitchFamily="18" charset="0"/>
                           </a:rPr>
                         </m:ctrlPr>
                       </m:fPr>
@@ -7120,7 +7178,7 @@
                             <a:solidFill>
                               <a:schemeClr val="tx1"/>
                             </a:solidFill>
-                            <a:latin typeface="Cambria Math" charset="0"/>
+                            <a:latin typeface="Cambria Math" panose="02040503050406030204" pitchFamily="18" charset="0"/>
                           </a:rPr>
                         </m:ctrlPr>
                       </m:fPr>
@@ -7166,11 +7224,8 @@
                 </a:endParaRPr>
               </a:p>
               <a:p>
-                <a:endParaRPr lang="it-IT" dirty="0" smtClean="0">
-                  <a:solidFill>
-                    <a:schemeClr val="tx1"/>
-                  </a:solidFill>
-                </a:endParaRPr>
+                <a:pPr algn="ctr"/>
+                <a:endParaRPr lang="it-IT" dirty="0"/>
               </a:p>
               <a:p>
                 <a:r>
@@ -7179,7 +7234,15 @@
                       <a:schemeClr val="tx1"/>
                     </a:solidFill>
                   </a:rPr>
-                  <a:t>In R</a:t>
+                  <a:t>In </a:t>
+                </a:r>
+                <a:r>
+                  <a:rPr lang="it-IT" dirty="0" smtClean="0">
+                    <a:solidFill>
+                      <a:schemeClr val="tx1"/>
+                    </a:solidFill>
+                  </a:rPr>
+                  <a:t>R</a:t>
                 </a:r>
                 <a:r>
                   <a:rPr lang="it-IT" baseline="30000" dirty="0" smtClean="0">
@@ -7195,338 +7258,310 @@
                       <a:schemeClr val="tx1"/>
                     </a:solidFill>
                   </a:rPr>
-                  <a:t>la distanza è pari a </a:t>
+                  <a:t>la distanza è </a:t>
                 </a:r>
+                <a:r>
+                  <a:rPr lang="it-IT" dirty="0" smtClean="0">
+                    <a:solidFill>
+                      <a:schemeClr val="tx1"/>
+                    </a:solidFill>
+                  </a:rPr>
+                  <a:t>pari </a:t>
+                </a:r>
+                <a:r>
+                  <a:rPr lang="it-IT" dirty="0" smtClean="0">
+                    <a:solidFill>
+                      <a:schemeClr val="tx1"/>
+                    </a:solidFill>
+                  </a:rPr>
+                  <a:t>a </a:t>
+                </a:r>
+                <a:r>
+                  <a:rPr lang="it-IT" dirty="0" smtClean="0">
+                    <a:solidFill>
+                      <a:schemeClr val="tx1"/>
+                    </a:solidFill>
+                  </a:rPr>
+                  <a:t>  	</a:t>
+                </a:r>
+                <a:endParaRPr lang="it-IT" dirty="0" smtClean="0">
+                  <a:solidFill>
+                    <a:schemeClr val="tx1"/>
+                  </a:solidFill>
+                </a:endParaRPr>
               </a:p>
               <a:p>
                 <a:pPr algn="ctr"/>
                 <a14:m>
                   <m:oMath xmlns:m="http://schemas.openxmlformats.org/officeDocument/2006/math">
-                    <m:sSub>
-                      <m:sSubPr>
+                    <m:r>
+                      <a:rPr lang="it-IT" i="1"/>
+                      <m:t>𝑟</m:t>
+                    </m:r>
+                    <m:r>
+                      <a:rPr lang="it-IT" i="1"/>
+                      <m:t>= ∥</m:t>
+                    </m:r>
+                    <m:acc>
+                      <m:accPr>
+                        <m:chr m:val="⃗"/>
                         <m:ctrlPr>
-                          <a:rPr lang="en-US" sz="2200" i="1">
-                            <a:solidFill>
-                              <a:schemeClr val="tx1"/>
-                            </a:solidFill>
-                            <a:latin typeface="Cambria Math" charset="0"/>
-                          </a:rPr>
+                          <a:rPr lang="it-IT" b="1" i="1"/>
                         </m:ctrlPr>
-                      </m:sSubPr>
+                      </m:accPr>
                       <m:e>
                         <m:r>
-                          <a:rPr lang="it-IT" sz="2200" i="1">
-                            <a:solidFill>
-                              <a:schemeClr val="tx1"/>
-                            </a:solidFill>
-                            <a:latin typeface="Cambria Math" charset="0"/>
-                          </a:rPr>
-                          <m:t>𝑟</m:t>
-                        </m:r>
-                      </m:e>
-                      <m:sub>
-                        <m:r>
-                          <a:rPr lang="it-IT" sz="2200" i="1">
-                            <a:solidFill>
-                              <a:schemeClr val="tx1"/>
-                            </a:solidFill>
-                            <a:latin typeface="Cambria Math" charset="0"/>
-                          </a:rPr>
-                          <m:t>𝑖𝑗</m:t>
-                        </m:r>
-                      </m:sub>
-                    </m:sSub>
-                    <m:r>
-                      <a:rPr lang="it-IT" sz="2200" i="1">
-                        <a:solidFill>
-                          <a:schemeClr val="tx1"/>
-                        </a:solidFill>
-                        <a:latin typeface="Cambria Math" charset="0"/>
-                      </a:rPr>
-                      <m:t>= ∥</m:t>
-                    </m:r>
-                    <m:sSub>
-                      <m:sSubPr>
-                        <m:ctrlPr>
-                          <a:rPr lang="en-US" sz="2200" i="1">
-                            <a:solidFill>
-                              <a:schemeClr val="tx1"/>
-                            </a:solidFill>
-                            <a:latin typeface="Cambria Math" charset="0"/>
-                          </a:rPr>
-                        </m:ctrlPr>
-                      </m:sSubPr>
-                      <m:e>
-                        <m:r>
-                          <a:rPr lang="it-IT" sz="2200" i="1">
-                            <a:solidFill>
-                              <a:schemeClr val="tx1"/>
-                            </a:solidFill>
-                            <a:latin typeface="Cambria Math" charset="0"/>
+                          <a:rPr lang="it-IT" b="1" i="1">
+                            <a:latin typeface="Cambria Math" panose="02040503050406030204" pitchFamily="18" charset="0"/>
                           </a:rPr>
                           <m:t>𝒑</m:t>
                         </m:r>
                       </m:e>
-                      <m:sub>
-                        <m:r>
-                          <a:rPr lang="it-IT" sz="2200" i="1">
-                            <a:solidFill>
-                              <a:schemeClr val="tx1"/>
-                            </a:solidFill>
-                            <a:latin typeface="Cambria Math" charset="0"/>
-                          </a:rPr>
-                          <m:t>𝑖</m:t>
-                        </m:r>
-                      </m:sub>
-                    </m:sSub>
+                    </m:acc>
                     <m:r>
-                      <a:rPr lang="it-IT" sz="2200" i="1">
-                        <a:solidFill>
-                          <a:schemeClr val="tx1"/>
-                        </a:solidFill>
-                        <a:latin typeface="Cambria Math" charset="0"/>
-                      </a:rPr>
+                      <a:rPr lang="it-IT" i="1"/>
                       <m:t>−</m:t>
                     </m:r>
-                    <m:sSub>
-                      <m:sSubPr>
+                    <m:acc>
+                      <m:accPr>
+                        <m:chr m:val="⃗"/>
                         <m:ctrlPr>
-                          <a:rPr lang="en-US" sz="2200" i="1">
-                            <a:solidFill>
-                              <a:schemeClr val="tx1"/>
-                            </a:solidFill>
-                            <a:latin typeface="Cambria Math" charset="0"/>
-                          </a:rPr>
+                          <a:rPr lang="it-IT" b="1" i="1"/>
                         </m:ctrlPr>
-                      </m:sSubPr>
+                      </m:accPr>
                       <m:e>
                         <m:r>
-                          <a:rPr lang="it-IT" sz="2200" i="1">
-                            <a:solidFill>
-                              <a:schemeClr val="tx1"/>
-                            </a:solidFill>
-                            <a:latin typeface="Cambria Math" charset="0"/>
+                          <a:rPr lang="it-IT" b="1" i="1">
+                            <a:latin typeface="Cambria Math" panose="02040503050406030204" pitchFamily="18" charset="0"/>
                           </a:rPr>
                           <m:t>𝒎</m:t>
                         </m:r>
                       </m:e>
-                      <m:sub>
-                        <m:r>
-                          <a:rPr lang="it-IT" sz="2200" i="1">
-                            <a:solidFill>
-                              <a:schemeClr val="tx1"/>
-                            </a:solidFill>
-                            <a:latin typeface="Cambria Math" charset="0"/>
-                          </a:rPr>
-                          <m:t>𝑗</m:t>
-                        </m:r>
-                      </m:sub>
-                    </m:sSub>
+                    </m:acc>
                     <m:r>
-                      <a:rPr lang="it-IT" sz="2200" i="1">
-                        <a:solidFill>
-                          <a:schemeClr val="tx1"/>
-                        </a:solidFill>
-                        <a:latin typeface="Cambria Math" charset="0"/>
-                      </a:rPr>
+                      <a:rPr lang="it-IT" i="1"/>
                       <m:t>∥ = </m:t>
                     </m:r>
                     <m:rad>
                       <m:radPr>
                         <m:degHide m:val="on"/>
                         <m:ctrlPr>
-                          <a:rPr lang="en-US" sz="2200" i="1">
-                            <a:solidFill>
-                              <a:schemeClr val="tx1"/>
-                            </a:solidFill>
-                            <a:latin typeface="Cambria Math" charset="0"/>
-                          </a:rPr>
+                          <a:rPr lang="it-IT" i="1"/>
                         </m:ctrlPr>
                       </m:radPr>
                       <m:deg/>
                       <m:e>
-                        <m:nary>
-                          <m:naryPr>
-                            <m:chr m:val="∑"/>
-                            <m:limLoc m:val="undOvr"/>
+                        <m:sSup>
+                          <m:sSupPr>
                             <m:ctrlPr>
-                              <a:rPr lang="en-US" sz="2200" i="1">
-                                <a:solidFill>
-                                  <a:schemeClr val="tx1"/>
-                                </a:solidFill>
-                                <a:latin typeface="Cambria Math" charset="0"/>
-                              </a:rPr>
+                              <a:rPr lang="it-IT" i="1"/>
                             </m:ctrlPr>
-                          </m:naryPr>
-                          <m:sub>
-                            <m:r>
-                              <a:rPr lang="it-IT" sz="2200" i="1">
-                                <a:solidFill>
-                                  <a:schemeClr val="tx1"/>
-                                </a:solidFill>
-                                <a:latin typeface="Cambria Math" charset="0"/>
-                              </a:rPr>
-                              <m:t>𝑘</m:t>
-                            </m:r>
-                          </m:sub>
+                          </m:sSupPr>
+                          <m:e>
+                            <m:d>
+                              <m:dPr>
+                                <m:ctrlPr>
+                                  <a:rPr lang="it-IT" i="1"/>
+                                </m:ctrlPr>
+                              </m:dPr>
+                              <m:e>
+                                <m:sSub>
+                                  <m:sSubPr>
+                                    <m:ctrlPr>
+                                      <a:rPr lang="it-IT" i="1"/>
+                                    </m:ctrlPr>
+                                  </m:sSubPr>
+                                  <m:e>
+                                    <m:r>
+                                      <a:rPr lang="it-IT" i="1"/>
+                                      <m:t>𝑞</m:t>
+                                    </m:r>
+                                  </m:e>
+                                  <m:sub>
+                                    <m:r>
+                                      <a:rPr lang="it-IT" i="1"/>
+                                      <m:t>𝑥</m:t>
+                                    </m:r>
+                                  </m:sub>
+                                </m:sSub>
+                                <m:r>
+                                  <a:rPr lang="it-IT" i="1"/>
+                                  <m:t>−</m:t>
+                                </m:r>
+                                <m:sSub>
+                                  <m:sSubPr>
+                                    <m:ctrlPr>
+                                      <a:rPr lang="it-IT" i="1"/>
+                                    </m:ctrlPr>
+                                  </m:sSubPr>
+                                  <m:e>
+                                    <m:r>
+                                      <a:rPr lang="it-IT" i="1"/>
+                                      <m:t>𝑚</m:t>
+                                    </m:r>
+                                  </m:e>
+                                  <m:sub>
+                                    <m:r>
+                                      <a:rPr lang="it-IT" i="1"/>
+                                      <m:t>𝑥</m:t>
+                                    </m:r>
+                                  </m:sub>
+                                </m:sSub>
+                              </m:e>
+                            </m:d>
+                          </m:e>
                           <m:sup>
                             <m:r>
-                              <a:rPr lang="it-IT" sz="2200" i="1">
-                                <a:solidFill>
-                                  <a:schemeClr val="tx1"/>
-                                </a:solidFill>
-                                <a:latin typeface="Cambria Math" charset="0"/>
-                              </a:rPr>
-                              <m:t>3</m:t>
+                              <a:rPr lang="it-IT" i="1"/>
+                              <m:t>2</m:t>
                             </m:r>
                           </m:sup>
+                        </m:sSup>
+                        <m:r>
+                          <a:rPr lang="it-IT" i="1"/>
+                          <m:t>+ </m:t>
+                        </m:r>
+                        <m:sSup>
+                          <m:sSupPr>
+                            <m:ctrlPr>
+                              <a:rPr lang="it-IT" i="1"/>
+                            </m:ctrlPr>
+                          </m:sSupPr>
                           <m:e>
+                            <m:d>
+                              <m:dPr>
+                                <m:ctrlPr>
+                                  <a:rPr lang="it-IT" i="1"/>
+                                </m:ctrlPr>
+                              </m:dPr>
+                              <m:e>
+                                <m:sSub>
+                                  <m:sSubPr>
+                                    <m:ctrlPr>
+                                      <a:rPr lang="it-IT" i="1"/>
+                                    </m:ctrlPr>
+                                  </m:sSubPr>
+                                  <m:e>
+                                    <m:r>
+                                      <a:rPr lang="it-IT" i="1"/>
+                                      <m:t>𝑞</m:t>
+                                    </m:r>
+                                  </m:e>
+                                  <m:sub>
+                                    <m:r>
+                                      <a:rPr lang="it-IT" i="1"/>
+                                      <m:t>𝑦</m:t>
+                                    </m:r>
+                                  </m:sub>
+                                </m:sSub>
+                                <m:r>
+                                  <a:rPr lang="it-IT" i="1"/>
+                                  <m:t>−</m:t>
+                                </m:r>
+                                <m:sSub>
+                                  <m:sSubPr>
+                                    <m:ctrlPr>
+                                      <a:rPr lang="it-IT" i="1"/>
+                                    </m:ctrlPr>
+                                  </m:sSubPr>
+                                  <m:e>
+                                    <m:r>
+                                      <a:rPr lang="it-IT" i="1"/>
+                                      <m:t>𝑚</m:t>
+                                    </m:r>
+                                  </m:e>
+                                  <m:sub>
+                                    <m:r>
+                                      <a:rPr lang="it-IT" i="1"/>
+                                      <m:t>𝑦</m:t>
+                                    </m:r>
+                                  </m:sub>
+                                </m:sSub>
+                              </m:e>
+                            </m:d>
+                          </m:e>
+                          <m:sup>
                             <m:r>
-                              <a:rPr lang="it-IT" sz="2200" i="1">
-                                <a:solidFill>
-                                  <a:schemeClr val="tx1"/>
-                                </a:solidFill>
-                                <a:latin typeface="Cambria Math" charset="0"/>
-                              </a:rPr>
-                              <m:t>(</m:t>
+                              <a:rPr lang="it-IT" i="1"/>
+                              <m:t>2</m:t>
                             </m:r>
-                            <m:sSub>
-                              <m:sSubPr>
+                          </m:sup>
+                        </m:sSup>
+                        <m:r>
+                          <a:rPr lang="it-IT" i="1"/>
+                          <m:t>+</m:t>
+                        </m:r>
+                        <m:sSup>
+                          <m:sSupPr>
+                            <m:ctrlPr>
+                              <a:rPr lang="it-IT" i="1"/>
+                            </m:ctrlPr>
+                          </m:sSupPr>
+                          <m:e>
+                            <m:d>
+                              <m:dPr>
                                 <m:ctrlPr>
-                                  <a:rPr lang="en-US" sz="2200" i="1">
-                                    <a:solidFill>
-                                      <a:schemeClr val="tx1"/>
-                                    </a:solidFill>
-                                    <a:latin typeface="Cambria Math" charset="0"/>
-                                  </a:rPr>
+                                  <a:rPr lang="it-IT" i="1"/>
                                 </m:ctrlPr>
-                              </m:sSubPr>
+                              </m:dPr>
                               <m:e>
+                                <m:sSub>
+                                  <m:sSubPr>
+                                    <m:ctrlPr>
+                                      <a:rPr lang="it-IT" i="1"/>
+                                    </m:ctrlPr>
+                                  </m:sSubPr>
+                                  <m:e>
+                                    <m:r>
+                                      <a:rPr lang="it-IT" i="1"/>
+                                      <m:t>𝑞</m:t>
+                                    </m:r>
+                                  </m:e>
+                                  <m:sub>
+                                    <m:r>
+                                      <a:rPr lang="it-IT" i="1"/>
+                                      <m:t>𝑧</m:t>
+                                    </m:r>
+                                  </m:sub>
+                                </m:sSub>
                                 <m:r>
-                                  <a:rPr lang="it-IT" sz="2200" i="1">
-                                    <a:solidFill>
-                                      <a:schemeClr val="tx1"/>
-                                    </a:solidFill>
-                                    <a:latin typeface="Cambria Math" charset="0"/>
-                                  </a:rPr>
-                                  <m:t>𝑝</m:t>
+                                  <a:rPr lang="it-IT" i="1"/>
+                                  <m:t>−</m:t>
                                 </m:r>
+                                <m:sSub>
+                                  <m:sSubPr>
+                                    <m:ctrlPr>
+                                      <a:rPr lang="it-IT" i="1"/>
+                                    </m:ctrlPr>
+                                  </m:sSubPr>
+                                  <m:e>
+                                    <m:r>
+                                      <a:rPr lang="it-IT" i="1"/>
+                                      <m:t>𝑚</m:t>
+                                    </m:r>
+                                  </m:e>
+                                  <m:sub>
+                                    <m:r>
+                                      <a:rPr lang="it-IT" i="1"/>
+                                      <m:t>𝑧</m:t>
+                                    </m:r>
+                                  </m:sub>
+                                </m:sSub>
                               </m:e>
-                              <m:sub>
-                                <m:r>
-                                  <a:rPr lang="it-IT" sz="2200" i="1">
-                                    <a:solidFill>
-                                      <a:schemeClr val="tx1"/>
-                                    </a:solidFill>
-                                    <a:latin typeface="Cambria Math" charset="0"/>
-                                  </a:rPr>
-                                  <m:t>𝑖</m:t>
-                                </m:r>
-                                <m:r>
-                                  <a:rPr lang="it-IT" sz="2200" i="1">
-                                    <a:solidFill>
-                                      <a:schemeClr val="tx1"/>
-                                    </a:solidFill>
-                                    <a:latin typeface="Cambria Math" charset="0"/>
-                                  </a:rPr>
-                                  <m:t>,</m:t>
-                                </m:r>
-                                <m:r>
-                                  <a:rPr lang="it-IT" sz="2200" i="1">
-                                    <a:solidFill>
-                                      <a:schemeClr val="tx1"/>
-                                    </a:solidFill>
-                                    <a:latin typeface="Cambria Math" charset="0"/>
-                                  </a:rPr>
-                                  <m:t>𝑘</m:t>
-                                </m:r>
-                              </m:sub>
-                            </m:sSub>
+                            </m:d>
+                          </m:e>
+                          <m:sup>
                             <m:r>
-                              <a:rPr lang="it-IT" sz="2200" i="1">
-                                <a:solidFill>
-                                  <a:schemeClr val="tx1"/>
-                                </a:solidFill>
-                                <a:latin typeface="Cambria Math" charset="0"/>
-                              </a:rPr>
-                              <m:t>−</m:t>
+                              <a:rPr lang="it-IT" i="1"/>
+                              <m:t>2</m:t>
                             </m:r>
-                            <m:sSub>
-                              <m:sSubPr>
-                                <m:ctrlPr>
-                                  <a:rPr lang="en-US" sz="2200" i="1">
-                                    <a:solidFill>
-                                      <a:schemeClr val="tx1"/>
-                                    </a:solidFill>
-                                    <a:latin typeface="Cambria Math" charset="0"/>
-                                  </a:rPr>
-                                </m:ctrlPr>
-                              </m:sSubPr>
-                              <m:e>
-                                <m:r>
-                                  <a:rPr lang="it-IT" sz="2200" i="1">
-                                    <a:solidFill>
-                                      <a:schemeClr val="tx1"/>
-                                    </a:solidFill>
-                                    <a:latin typeface="Cambria Math" charset="0"/>
-                                  </a:rPr>
-                                  <m:t>𝑚</m:t>
-                                </m:r>
-                              </m:e>
-                              <m:sub>
-                                <m:r>
-                                  <a:rPr lang="it-IT" sz="2200" i="1">
-                                    <a:solidFill>
-                                      <a:schemeClr val="tx1"/>
-                                    </a:solidFill>
-                                    <a:latin typeface="Cambria Math" charset="0"/>
-                                  </a:rPr>
-                                  <m:t>𝑗</m:t>
-                                </m:r>
-                                <m:r>
-                                  <a:rPr lang="it-IT" sz="2200" i="1">
-                                    <a:solidFill>
-                                      <a:schemeClr val="tx1"/>
-                                    </a:solidFill>
-                                    <a:latin typeface="Cambria Math" charset="0"/>
-                                  </a:rPr>
-                                  <m:t>,</m:t>
-                                </m:r>
-                                <m:r>
-                                  <a:rPr lang="it-IT" sz="2200" i="1">
-                                    <a:solidFill>
-                                      <a:schemeClr val="tx1"/>
-                                    </a:solidFill>
-                                    <a:latin typeface="Cambria Math" charset="0"/>
-                                  </a:rPr>
-                                  <m:t>𝑘</m:t>
-                                </m:r>
-                              </m:sub>
-                            </m:sSub>
-                          </m:e>
-                        </m:nary>
-                        <m:r>
-                          <a:rPr lang="it-IT" sz="2200" i="1">
-                            <a:solidFill>
-                              <a:schemeClr val="tx1"/>
-                            </a:solidFill>
-                            <a:latin typeface="Cambria Math" charset="0"/>
-                          </a:rPr>
-                          <m:t>)</m:t>
-                        </m:r>
+                          </m:sup>
+                        </m:sSup>
                       </m:e>
                     </m:rad>
                   </m:oMath>
                 </a14:m>
-                <a:r>
-                  <a:rPr lang="it-IT" sz="2200" i="1" dirty="0">
-                    <a:solidFill>
-                      <a:schemeClr val="tx1"/>
-                    </a:solidFill>
-                    <a:latin typeface="Cambria Math" charset="0"/>
-                  </a:rPr>
-                  <a:t>2</a:t>
-                </a:r>
+                <a:endParaRPr lang="it-IT" dirty="0" smtClean="0"/>
               </a:p>
               <a:p>
                 <a:pPr algn="ctr"/>
@@ -7538,35 +7573,59 @@
               </a:p>
               <a:p>
                 <a:r>
+                  <a:rPr lang="it-IT" dirty="0">
+                    <a:solidFill>
+                      <a:schemeClr val="tx1"/>
+                    </a:solidFill>
+                  </a:rPr>
+                  <a:t>Il potenziale di N </a:t>
+                </a:r>
+                <a:r>
                   <a:rPr lang="it-IT" dirty="0" smtClean="0">
                     <a:solidFill>
                       <a:schemeClr val="tx1"/>
                     </a:solidFill>
                   </a:rPr>
-                  <a:t>Quindi il potenziale visto dal generico misurato è pari a: </a:t>
+                  <a:t>cariche visto da un misuratore</a:t>
                 </a:r>
+                <a:endParaRPr lang="en-US" dirty="0">
+                  <a:solidFill>
+                    <a:schemeClr val="tx1"/>
+                  </a:solidFill>
+                </a:endParaRPr>
               </a:p>
               <a:p>
-                <a:pPr marL="0" indent="0" algn="ctr">
-                  <a:buNone/>
-                </a:pPr>
+                <a:pPr algn="ctr"/>
                 <a14:m>
                   <m:oMath xmlns:m="http://schemas.openxmlformats.org/officeDocument/2006/math">
+                    <m:sSub>
+                      <m:sSubPr>
+                        <m:ctrlPr>
+                          <a:rPr lang="it-IT" i="1">
+                            <a:latin typeface="Cambria Math" panose="02040503050406030204" pitchFamily="18" charset="0"/>
+                          </a:rPr>
+                        </m:ctrlPr>
+                      </m:sSubPr>
+                      <m:e>
+                        <m:r>
+                          <a:rPr lang="it-IT" i="1">
+                            <a:latin typeface="Cambria Math" panose="02040503050406030204" pitchFamily="18" charset="0"/>
+                          </a:rPr>
+                          <m:t>𝑉</m:t>
+                        </m:r>
+                      </m:e>
+                      <m:sub>
+                        <m:r>
+                          <a:rPr lang="it-IT" b="0" i="1" smtClean="0">
+                            <a:latin typeface="Cambria Math" panose="02040503050406030204" pitchFamily="18" charset="0"/>
+                          </a:rPr>
+                          <m:t>𝑡</m:t>
+                        </m:r>
+                      </m:sub>
+                    </m:sSub>
                     <m:r>
-                      <a:rPr lang="it-IT" sz="2200" i="1">
-                        <a:solidFill>
-                          <a:schemeClr val="tx1"/>
-                        </a:solidFill>
-                        <a:latin typeface="Cambria Math" charset="0"/>
-                      </a:rPr>
-                      <m:t>𝑉</m:t>
-                    </m:r>
-                    <m:r>
-                      <a:rPr lang="it-IT" sz="2200" i="1">
-                        <a:solidFill>
-                          <a:schemeClr val="tx1"/>
-                        </a:solidFill>
-                        <a:latin typeface="Cambria Math" charset="0"/>
+                      <a:rPr lang="it-IT" i="1">
+                        <a:latin typeface="Cambria Math" panose="02040503050406030204" pitchFamily="18" charset="0"/>
                       </a:rPr>
                       <m:t>=  </m:t>
                     </m:r>
@@ -7575,41 +7634,29 @@
                         <m:chr m:val="∑"/>
                         <m:limLoc m:val="undOvr"/>
                         <m:ctrlPr>
-                          <a:rPr lang="en-US" sz="2200" i="1">
-                            <a:solidFill>
-                              <a:schemeClr val="tx1"/>
-                            </a:solidFill>
-                            <a:latin typeface="Cambria Math" charset="0"/>
+                          <a:rPr lang="it-IT" i="1">
+                            <a:latin typeface="Cambria Math" panose="02040503050406030204" pitchFamily="18" charset="0"/>
                           </a:rPr>
                         </m:ctrlPr>
                       </m:naryPr>
                       <m:sub>
                         <m:r>
-                          <a:rPr lang="it-IT" sz="2200" i="1">
-                            <a:solidFill>
-                              <a:schemeClr val="tx1"/>
-                            </a:solidFill>
-                            <a:latin typeface="Cambria Math" charset="0"/>
+                          <a:rPr lang="it-IT" i="1">
+                            <a:latin typeface="Cambria Math" panose="02040503050406030204" pitchFamily="18" charset="0"/>
                           </a:rPr>
                           <m:t>𝑖</m:t>
                         </m:r>
                         <m:r>
-                          <a:rPr lang="it-IT" sz="2200" i="1">
-                            <a:solidFill>
-                              <a:schemeClr val="tx1"/>
-                            </a:solidFill>
-                            <a:latin typeface="Cambria Math" charset="0"/>
+                          <a:rPr lang="it-IT" i="1">
+                            <a:latin typeface="Cambria Math" panose="02040503050406030204" pitchFamily="18" charset="0"/>
                           </a:rPr>
                           <m:t>=1</m:t>
                         </m:r>
                       </m:sub>
                       <m:sup>
                         <m:r>
-                          <a:rPr lang="it-IT" sz="2200" i="1">
-                            <a:solidFill>
-                              <a:schemeClr val="tx1"/>
-                            </a:solidFill>
-                            <a:latin typeface="Cambria Math" charset="0"/>
+                          <a:rPr lang="it-IT" i="1">
+                            <a:latin typeface="Cambria Math" panose="02040503050406030204" pitchFamily="18" charset="0"/>
                           </a:rPr>
                           <m:t>𝑁</m:t>
                         </m:r>
@@ -7618,63 +7665,45 @@
                         <m:f>
                           <m:fPr>
                             <m:ctrlPr>
-                              <a:rPr lang="en-US" sz="2200" i="1">
-                                <a:solidFill>
-                                  <a:schemeClr val="tx1"/>
-                                </a:solidFill>
-                                <a:latin typeface="Cambria Math" charset="0"/>
+                              <a:rPr lang="it-IT" i="1">
+                                <a:latin typeface="Cambria Math" panose="02040503050406030204" pitchFamily="18" charset="0"/>
                               </a:rPr>
                             </m:ctrlPr>
                           </m:fPr>
                           <m:num>
                             <m:r>
-                              <a:rPr lang="it-IT" sz="2200" i="1">
-                                <a:solidFill>
-                                  <a:schemeClr val="tx1"/>
-                                </a:solidFill>
-                                <a:latin typeface="Cambria Math" charset="0"/>
+                              <a:rPr lang="it-IT" i="1">
+                                <a:latin typeface="Cambria Math" panose="02040503050406030204" pitchFamily="18" charset="0"/>
                               </a:rPr>
                               <m:t>1</m:t>
                             </m:r>
                           </m:num>
                           <m:den>
                             <m:r>
-                              <a:rPr lang="it-IT" sz="2200" i="1">
-                                <a:solidFill>
-                                  <a:schemeClr val="tx1"/>
-                                </a:solidFill>
-                                <a:latin typeface="Cambria Math" charset="0"/>
+                              <a:rPr lang="it-IT" i="1">
+                                <a:latin typeface="Cambria Math" panose="02040503050406030204" pitchFamily="18" charset="0"/>
                               </a:rPr>
                               <m:t>4</m:t>
                             </m:r>
                             <m:r>
-                              <a:rPr lang="it-IT" sz="2200" i="1">
-                                <a:solidFill>
-                                  <a:schemeClr val="tx1"/>
-                                </a:solidFill>
-                                <a:latin typeface="Cambria Math" charset="0"/>
+                              <a:rPr lang="it-IT" i="1">
+                                <a:latin typeface="Cambria Math" panose="02040503050406030204" pitchFamily="18" charset="0"/>
                               </a:rPr>
                               <m:t>𝜋𝜀</m:t>
                             </m:r>
                           </m:den>
                         </m:f>
                         <m:r>
-                          <a:rPr lang="it-IT" sz="2200" i="1">
-                            <a:solidFill>
-                              <a:schemeClr val="tx1"/>
-                            </a:solidFill>
-                            <a:latin typeface="Cambria Math" charset="0"/>
+                          <a:rPr lang="it-IT" i="1">
+                            <a:latin typeface="Cambria Math" panose="02040503050406030204" pitchFamily="18" charset="0"/>
                           </a:rPr>
                           <m:t> </m:t>
                         </m:r>
                         <m:f>
                           <m:fPr>
                             <m:ctrlPr>
-                              <a:rPr lang="en-US" sz="2200" i="1">
-                                <a:solidFill>
-                                  <a:schemeClr val="tx1"/>
-                                </a:solidFill>
-                                <a:latin typeface="Cambria Math" charset="0"/>
+                              <a:rPr lang="it-IT" i="1">
+                                <a:latin typeface="Cambria Math" panose="02040503050406030204" pitchFamily="18" charset="0"/>
                               </a:rPr>
                             </m:ctrlPr>
                           </m:fPr>
@@ -7682,32 +7711,23 @@
                             <m:sSub>
                               <m:sSubPr>
                                 <m:ctrlPr>
-                                  <a:rPr lang="en-US" sz="2200" i="1">
-                                    <a:solidFill>
-                                      <a:schemeClr val="tx1"/>
-                                    </a:solidFill>
-                                    <a:latin typeface="Cambria Math" charset="0"/>
+                                  <a:rPr lang="it-IT" i="1">
+                                    <a:latin typeface="Cambria Math" panose="02040503050406030204" pitchFamily="18" charset="0"/>
                                   </a:rPr>
                                 </m:ctrlPr>
                               </m:sSubPr>
                               <m:e>
                                 <m:r>
-                                  <a:rPr lang="it-IT" sz="2200" i="1">
-                                    <a:solidFill>
-                                      <a:schemeClr val="tx1"/>
-                                    </a:solidFill>
-                                    <a:latin typeface="Cambria Math" charset="0"/>
+                                  <a:rPr lang="it-IT" i="1">
+                                    <a:latin typeface="Cambria Math" panose="02040503050406030204" pitchFamily="18" charset="0"/>
                                   </a:rPr>
                                   <m:t>𝑞</m:t>
                                 </m:r>
                               </m:e>
                               <m:sub>
                                 <m:r>
-                                  <a:rPr lang="it-IT" sz="2200" i="1">
-                                    <a:solidFill>
-                                      <a:schemeClr val="tx1"/>
-                                    </a:solidFill>
-                                    <a:latin typeface="Cambria Math" charset="0"/>
+                                  <a:rPr lang="it-IT" i="1">
+                                    <a:latin typeface="Cambria Math" panose="02040503050406030204" pitchFamily="18" charset="0"/>
                                   </a:rPr>
                                   <m:t>𝑖</m:t>
                                 </m:r>
@@ -7718,32 +7738,23 @@
                             <m:sSub>
                               <m:sSubPr>
                                 <m:ctrlPr>
-                                  <a:rPr lang="en-US" sz="2200" i="1">
-                                    <a:solidFill>
-                                      <a:schemeClr val="tx1"/>
-                                    </a:solidFill>
-                                    <a:latin typeface="Cambria Math" charset="0"/>
+                                  <a:rPr lang="it-IT" i="1">
+                                    <a:latin typeface="Cambria Math" panose="02040503050406030204" pitchFamily="18" charset="0"/>
                                   </a:rPr>
                                 </m:ctrlPr>
                               </m:sSubPr>
                               <m:e>
                                 <m:r>
-                                  <a:rPr lang="it-IT" sz="2200" i="1">
-                                    <a:solidFill>
-                                      <a:schemeClr val="tx1"/>
-                                    </a:solidFill>
-                                    <a:latin typeface="Cambria Math" charset="0"/>
+                                  <a:rPr lang="it-IT" i="1">
+                                    <a:latin typeface="Cambria Math" panose="02040503050406030204" pitchFamily="18" charset="0"/>
                                   </a:rPr>
                                   <m:t>𝑟</m:t>
                                 </m:r>
                               </m:e>
                               <m:sub>
                                 <m:r>
-                                  <a:rPr lang="it-IT" sz="2200" i="1">
-                                    <a:solidFill>
-                                      <a:schemeClr val="tx1"/>
-                                    </a:solidFill>
-                                    <a:latin typeface="Cambria Math" charset="0"/>
+                                  <a:rPr lang="it-IT" i="1">
+                                    <a:latin typeface="Cambria Math" panose="02040503050406030204" pitchFamily="18" charset="0"/>
                                   </a:rPr>
                                   <m:t>𝑖</m:t>
                                 </m:r>
@@ -7754,11 +7765,8 @@
                       </m:e>
                     </m:nary>
                     <m:r>
-                      <a:rPr lang="it-IT" sz="2200" i="1">
-                        <a:solidFill>
-                          <a:schemeClr val="tx1"/>
-                        </a:solidFill>
-                        <a:latin typeface="Cambria Math" charset="0"/>
+                      <a:rPr lang="it-IT" i="1">
+                        <a:latin typeface="Cambria Math" panose="02040503050406030204" pitchFamily="18" charset="0"/>
                       </a:rPr>
                       <m:t>= </m:t>
                     </m:r>
@@ -7767,41 +7775,29 @@
                         <m:chr m:val="∑"/>
                         <m:limLoc m:val="undOvr"/>
                         <m:ctrlPr>
-                          <a:rPr lang="en-US" sz="2200" i="1">
-                            <a:solidFill>
-                              <a:schemeClr val="tx1"/>
-                            </a:solidFill>
-                            <a:latin typeface="Cambria Math" charset="0"/>
+                          <a:rPr lang="it-IT" i="1">
+                            <a:latin typeface="Cambria Math" panose="02040503050406030204" pitchFamily="18" charset="0"/>
                           </a:rPr>
                         </m:ctrlPr>
                       </m:naryPr>
                       <m:sub>
                         <m:r>
-                          <a:rPr lang="it-IT" sz="2200" i="1">
-                            <a:solidFill>
-                              <a:schemeClr val="tx1"/>
-                            </a:solidFill>
-                            <a:latin typeface="Cambria Math" charset="0"/>
+                          <a:rPr lang="it-IT" i="1">
+                            <a:latin typeface="Cambria Math" panose="02040503050406030204" pitchFamily="18" charset="0"/>
                           </a:rPr>
                           <m:t>𝑖</m:t>
                         </m:r>
                         <m:r>
-                          <a:rPr lang="it-IT" sz="2200" i="1">
-                            <a:solidFill>
-                              <a:schemeClr val="tx1"/>
-                            </a:solidFill>
-                            <a:latin typeface="Cambria Math" charset="0"/>
+                          <a:rPr lang="it-IT" i="1">
+                            <a:latin typeface="Cambria Math" panose="02040503050406030204" pitchFamily="18" charset="0"/>
                           </a:rPr>
                           <m:t>=1</m:t>
                         </m:r>
                       </m:sub>
                       <m:sup>
                         <m:r>
-                          <a:rPr lang="it-IT" sz="2200" i="1">
-                            <a:solidFill>
-                              <a:schemeClr val="tx1"/>
-                            </a:solidFill>
-                            <a:latin typeface="Cambria Math" charset="0"/>
+                          <a:rPr lang="it-IT" i="1">
+                            <a:latin typeface="Cambria Math" panose="02040503050406030204" pitchFamily="18" charset="0"/>
                           </a:rPr>
                           <m:t>𝑁</m:t>
                         </m:r>
@@ -7810,63 +7806,45 @@
                         <m:f>
                           <m:fPr>
                             <m:ctrlPr>
-                              <a:rPr lang="en-US" sz="2200" i="1">
-                                <a:solidFill>
-                                  <a:schemeClr val="tx1"/>
-                                </a:solidFill>
-                                <a:latin typeface="Cambria Math" charset="0"/>
+                              <a:rPr lang="it-IT" i="1">
+                                <a:latin typeface="Cambria Math" panose="02040503050406030204" pitchFamily="18" charset="0"/>
                               </a:rPr>
                             </m:ctrlPr>
                           </m:fPr>
                           <m:num>
                             <m:r>
-                              <a:rPr lang="it-IT" sz="2200" i="1">
-                                <a:solidFill>
-                                  <a:schemeClr val="tx1"/>
-                                </a:solidFill>
-                                <a:latin typeface="Cambria Math" charset="0"/>
+                              <a:rPr lang="it-IT" i="1">
+                                <a:latin typeface="Cambria Math" panose="02040503050406030204" pitchFamily="18" charset="0"/>
                               </a:rPr>
                               <m:t>1</m:t>
                             </m:r>
                           </m:num>
                           <m:den>
                             <m:r>
-                              <a:rPr lang="it-IT" sz="2200" i="1">
-                                <a:solidFill>
-                                  <a:schemeClr val="tx1"/>
-                                </a:solidFill>
-                                <a:latin typeface="Cambria Math" charset="0"/>
+                              <a:rPr lang="it-IT" i="1">
+                                <a:latin typeface="Cambria Math" panose="02040503050406030204" pitchFamily="18" charset="0"/>
                               </a:rPr>
                               <m:t>4</m:t>
                             </m:r>
                             <m:r>
-                              <a:rPr lang="it-IT" sz="2200" i="1">
-                                <a:solidFill>
-                                  <a:schemeClr val="tx1"/>
-                                </a:solidFill>
-                                <a:latin typeface="Cambria Math" charset="0"/>
+                              <a:rPr lang="it-IT" i="1">
+                                <a:latin typeface="Cambria Math" panose="02040503050406030204" pitchFamily="18" charset="0"/>
                               </a:rPr>
                               <m:t>𝜋𝜀</m:t>
                             </m:r>
                           </m:den>
                         </m:f>
                         <m:r>
-                          <a:rPr lang="it-IT" sz="2200" i="1">
-                            <a:solidFill>
-                              <a:schemeClr val="tx1"/>
-                            </a:solidFill>
-                            <a:latin typeface="Cambria Math" charset="0"/>
+                          <a:rPr lang="it-IT" i="1">
+                            <a:latin typeface="Cambria Math" panose="02040503050406030204" pitchFamily="18" charset="0"/>
                           </a:rPr>
                           <m:t> </m:t>
                         </m:r>
                         <m:f>
                           <m:fPr>
                             <m:ctrlPr>
-                              <a:rPr lang="en-US" sz="2200" i="1">
-                                <a:solidFill>
-                                  <a:schemeClr val="tx1"/>
-                                </a:solidFill>
-                                <a:latin typeface="Cambria Math" charset="0"/>
+                              <a:rPr lang="it-IT" i="1">
+                                <a:latin typeface="Cambria Math" panose="02040503050406030204" pitchFamily="18" charset="0"/>
                               </a:rPr>
                             </m:ctrlPr>
                           </m:fPr>
@@ -7874,32 +7852,23 @@
                             <m:sSub>
                               <m:sSubPr>
                                 <m:ctrlPr>
-                                  <a:rPr lang="en-US" sz="2200" i="1">
-                                    <a:solidFill>
-                                      <a:schemeClr val="tx1"/>
-                                    </a:solidFill>
-                                    <a:latin typeface="Cambria Math" charset="0"/>
+                                  <a:rPr lang="it-IT" i="1">
+                                    <a:latin typeface="Cambria Math" panose="02040503050406030204" pitchFamily="18" charset="0"/>
                                   </a:rPr>
                                 </m:ctrlPr>
                               </m:sSubPr>
                               <m:e>
                                 <m:r>
-                                  <a:rPr lang="it-IT" sz="2200" i="1">
-                                    <a:solidFill>
-                                      <a:schemeClr val="tx1"/>
-                                    </a:solidFill>
-                                    <a:latin typeface="Cambria Math" charset="0"/>
+                                  <a:rPr lang="it-IT" i="1">
+                                    <a:latin typeface="Cambria Math" panose="02040503050406030204" pitchFamily="18" charset="0"/>
                                   </a:rPr>
                                   <m:t>𝑞</m:t>
                                 </m:r>
                               </m:e>
                               <m:sub>
                                 <m:r>
-                                  <a:rPr lang="it-IT" sz="2200" i="1">
-                                    <a:solidFill>
-                                      <a:schemeClr val="tx1"/>
-                                    </a:solidFill>
-                                    <a:latin typeface="Cambria Math" charset="0"/>
+                                  <a:rPr lang="it-IT" i="1">
+                                    <a:latin typeface="Cambria Math" panose="02040503050406030204" pitchFamily="18" charset="0"/>
                                   </a:rPr>
                                   <m:t>𝑖</m:t>
                                 </m:r>
@@ -7907,73 +7876,76 @@
                             </m:sSub>
                           </m:num>
                           <m:den>
-                            <m:sSub>
-                              <m:sSubPr>
+                            <m:r>
+                              <a:rPr lang="it-IT" b="1" i="1">
+                                <a:latin typeface="Cambria Math" panose="02040503050406030204" pitchFamily="18" charset="0"/>
+                              </a:rPr>
+                              <m:t>||</m:t>
+                            </m:r>
+                            <m:acc>
+                              <m:accPr>
+                                <m:chr m:val="⃗"/>
                                 <m:ctrlPr>
-                                  <a:rPr lang="en-US" sz="2200" i="1">
-                                    <a:solidFill>
-                                      <a:schemeClr val="tx1"/>
-                                    </a:solidFill>
-                                    <a:latin typeface="Cambria Math" charset="0"/>
+                                  <a:rPr lang="it-IT" b="1" i="1">
+                                    <a:latin typeface="Cambria Math" panose="02040503050406030204" pitchFamily="18" charset="0"/>
                                   </a:rPr>
                                 </m:ctrlPr>
-                              </m:sSubPr>
+                              </m:accPr>
                               <m:e>
-                                <m:r>
-                                  <a:rPr lang="it-IT" sz="2200" i="1">
-                                    <a:solidFill>
-                                      <a:schemeClr val="tx1"/>
-                                    </a:solidFill>
-                                    <a:latin typeface="Cambria Math" charset="0"/>
-                                  </a:rPr>
-                                  <m:t>||</m:t>
-                                </m:r>
-                                <m:r>
-                                  <a:rPr lang="it-IT" sz="2200" i="1">
-                                    <a:solidFill>
-                                      <a:schemeClr val="tx1"/>
-                                    </a:solidFill>
-                                    <a:latin typeface="Cambria Math" charset="0"/>
-                                  </a:rPr>
-                                  <m:t>𝒑</m:t>
-                                </m:r>
+                                <m:sSub>
+                                  <m:sSubPr>
+                                    <m:ctrlPr>
+                                      <a:rPr lang="it-IT" b="1" i="1">
+                                        <a:latin typeface="Cambria Math" panose="02040503050406030204" pitchFamily="18" charset="0"/>
+                                      </a:rPr>
+                                    </m:ctrlPr>
+                                  </m:sSubPr>
+                                  <m:e>
+                                    <m:r>
+                                      <a:rPr lang="it-IT" b="1" i="1">
+                                        <a:latin typeface="Cambria Math" panose="02040503050406030204" pitchFamily="18" charset="0"/>
+                                      </a:rPr>
+                                      <m:t>𝒑</m:t>
+                                    </m:r>
+                                  </m:e>
+                                  <m:sub>
+                                    <m:r>
+                                      <a:rPr lang="it-IT" b="1" i="1">
+                                        <a:latin typeface="Cambria Math" panose="02040503050406030204" pitchFamily="18" charset="0"/>
+                                      </a:rPr>
+                                      <m:t>𝒊</m:t>
+                                    </m:r>
+                                  </m:sub>
+                                </m:sSub>
                               </m:e>
-                              <m:sub>
-                                <m:r>
-                                  <a:rPr lang="it-IT" sz="2200" i="1">
-                                    <a:solidFill>
-                                      <a:schemeClr val="tx1"/>
-                                    </a:solidFill>
-                                    <a:latin typeface="Cambria Math" charset="0"/>
-                                  </a:rPr>
-                                  <m:t>𝒊</m:t>
-                                </m:r>
-                              </m:sub>
-                            </m:sSub>
+                            </m:acc>
                             <m:r>
-                              <a:rPr lang="it-IT" sz="2200" i="1">
-                                <a:solidFill>
-                                  <a:schemeClr val="tx1"/>
-                                </a:solidFill>
-                                <a:latin typeface="Cambria Math" charset="0"/>
+                              <a:rPr lang="it-IT" i="1">
+                                <a:latin typeface="Cambria Math" panose="02040503050406030204" pitchFamily="18" charset="0"/>
                               </a:rPr>
                               <m:t>−</m:t>
                             </m:r>
+                            <m:acc>
+                              <m:accPr>
+                                <m:chr m:val="⃗"/>
+                                <m:ctrlPr>
+                                  <a:rPr lang="it-IT" b="1" i="1">
+                                    <a:latin typeface="Cambria Math" panose="02040503050406030204" pitchFamily="18" charset="0"/>
+                                  </a:rPr>
+                                </m:ctrlPr>
+                              </m:accPr>
+                              <m:e>
+                                <m:r>
+                                  <a:rPr lang="it-IT" b="1" i="1">
+                                    <a:latin typeface="Cambria Math" panose="02040503050406030204" pitchFamily="18" charset="0"/>
+                                  </a:rPr>
+                                  <m:t>𝒎</m:t>
+                                </m:r>
+                              </m:e>
+                            </m:acc>
                             <m:r>
-                              <a:rPr lang="it-IT" sz="2200" i="1">
-                                <a:solidFill>
-                                  <a:schemeClr val="tx1"/>
-                                </a:solidFill>
-                                <a:latin typeface="Cambria Math" charset="0"/>
-                              </a:rPr>
-                              <m:t>𝒎</m:t>
-                            </m:r>
-                            <m:r>
-                              <a:rPr lang="it-IT" sz="2200" i="1">
-                                <a:solidFill>
-                                  <a:schemeClr val="tx1"/>
-                                </a:solidFill>
-                                <a:latin typeface="Cambria Math" charset="0"/>
+                              <a:rPr lang="it-IT" i="1">
+                                <a:latin typeface="Cambria Math" panose="02040503050406030204" pitchFamily="18" charset="0"/>
                               </a:rPr>
                               <m:t>||</m:t>
                             </m:r>
@@ -7983,22 +7955,6 @@
                     </m:nary>
                   </m:oMath>
                 </a14:m>
-                <a:r>
-                  <a:rPr lang="en-US" sz="2800" dirty="0">
-                    <a:solidFill>
-                      <a:schemeClr val="tx1"/>
-                    </a:solidFill>
-                    <a:effectLst/>
-                  </a:rPr>
-                  <a:t> </a:t>
-                </a:r>
-                <a:endParaRPr lang="it-IT" sz="2800" dirty="0">
-                  <a:solidFill>
-                    <a:schemeClr val="tx1"/>
-                  </a:solidFill>
-                </a:endParaRPr>
-              </a:p>
-              <a:p>
                 <a:endParaRPr lang="it-IT" dirty="0">
                   <a:solidFill>
                     <a:schemeClr val="tx1"/>
@@ -8024,10 +7980,10 @@
                 <a:off x="1097280" y="1845733"/>
                 <a:ext cx="10058400" cy="4293809"/>
               </a:xfrm>
-              <a:blipFill rotWithShape="0">
+              <a:blipFill>
                 <a:blip r:embed="rId3"/>
                 <a:stretch>
-                  <a:fillRect l="-606" t="-2131"/>
+                  <a:fillRect l="-606" t="-1563" b="-12358"/>
                 </a:stretch>
               </a:blipFill>
             </p:spPr>
@@ -8036,7 +7992,7 @@
               <a:lstStyle/>
               <a:p>
                 <a:r>
-                  <a:rPr lang="en-US">
+                  <a:rPr lang="it-IT">
                     <a:noFill/>
                   </a:rPr>
                   <a:t> </a:t>
@@ -8150,15 +8106,7 @@
                       <a:schemeClr val="tx1"/>
                     </a:solidFill>
                   </a:rPr>
-                  <a:t>Supposte </a:t>
-                </a:r>
-                <a:r>
-                  <a:rPr lang="it-IT" sz="2000" dirty="0" smtClean="0">
-                    <a:solidFill>
-                      <a:schemeClr val="tx1"/>
-                    </a:solidFill>
-                  </a:rPr>
-                  <a:t>tutte le cariche uguali di segno e valore possiamo effettuare una prima normalizzazione sul fattore </a:t>
+                  <a:t>Supposte tutte le cariche uguali di segno e valore possiamo effettuare una prima normalizzazione sul fattore </a:t>
                 </a:r>
                 <a:endParaRPr lang="it-IT" sz="2000" dirty="0">
                   <a:solidFill>
@@ -8175,25 +8123,33 @@
                     <m:f>
                       <m:fPr>
                         <m:ctrlPr>
-                          <a:rPr lang="en-US" sz="2400" i="1"/>
+                          <a:rPr lang="en-US" sz="2400" i="1">
+                            <a:latin typeface="Cambria Math" panose="02040503050406030204" pitchFamily="18" charset="0"/>
+                          </a:rPr>
                         </m:ctrlPr>
                       </m:fPr>
                       <m:num>
                         <m:r>
-                          <a:rPr lang="it-IT" sz="2400"/>
+                          <a:rPr lang="it-IT" sz="2400">
+                            <a:latin typeface="Cambria Math" panose="02040503050406030204" pitchFamily="18" charset="0"/>
+                          </a:rPr>
                           <m:t>1</m:t>
                         </m:r>
                       </m:num>
                       <m:den>
                         <m:r>
-                          <a:rPr lang="it-IT" sz="2400"/>
+                          <a:rPr lang="it-IT" sz="2400">
+                            <a:latin typeface="Cambria Math" panose="02040503050406030204" pitchFamily="18" charset="0"/>
+                          </a:rPr>
                           <m:t>4</m:t>
                         </m:r>
                         <m:r>
                           <m:rPr>
                             <m:sty m:val="p"/>
                           </m:rPr>
-                          <a:rPr lang="it-IT" sz="2400"/>
+                          <a:rPr lang="it-IT" sz="2400">
+                            <a:latin typeface="Cambria Math" panose="02040503050406030204" pitchFamily="18" charset="0"/>
+                          </a:rPr>
                           <m:t>πε</m:t>
                         </m:r>
                       </m:den>
@@ -8202,7 +8158,9 @@
                       <m:rPr>
                         <m:sty m:val="p"/>
                       </m:rPr>
-                      <a:rPr lang="it-IT" sz="2400"/>
+                      <a:rPr lang="it-IT" sz="2400">
+                        <a:latin typeface="Cambria Math" panose="02040503050406030204" pitchFamily="18" charset="0"/>
+                      </a:rPr>
                       <m:t>q</m:t>
                     </m:r>
                   </m:oMath>
@@ -8239,15 +8197,7 @@
                       <a:schemeClr val="tx1"/>
                     </a:solidFill>
                   </a:rPr>
-                  <a:t>Una </a:t>
-                </a:r>
-                <a:r>
-                  <a:rPr lang="it-IT" sz="2000" dirty="0" smtClean="0">
-                    <a:solidFill>
-                      <a:schemeClr val="tx1"/>
-                    </a:solidFill>
-                  </a:rPr>
-                  <a:t>seconda normalizzazione è stata effettuata sulla distanza considerando la massima distanza tra carica e misuratore che risulta essere la diagonale del </a:t>
+                  <a:t>Una seconda normalizzazione è stata effettuata sulla distanza considerando la massima distanza tra carica e misuratore che risulta essere la diagonale del </a:t>
                 </a:r>
                 <a:r>
                   <a:rPr lang="it-IT" sz="2000" dirty="0" err="1" smtClean="0">
@@ -8271,7 +8221,7 @@
                       <a:schemeClr val="tx1"/>
                     </a:solidFill>
                   </a:rPr>
-                  <a:t>2): </a:t>
+                  <a:t>1): </a:t>
                 </a:r>
                 <a14:m>
                   <m:oMath xmlns:m="http://schemas.openxmlformats.org/officeDocument/2006/math">
@@ -8283,6 +8233,7 @@
                             <a:solidFill>
                               <a:schemeClr val="tx1"/>
                             </a:solidFill>
+                            <a:latin typeface="Cambria Math" panose="02040503050406030204" pitchFamily="18" charset="0"/>
                           </a:rPr>
                         </m:ctrlPr>
                       </m:radPr>
@@ -8293,9 +8244,9 @@
                             <a:solidFill>
                               <a:schemeClr val="tx1"/>
                             </a:solidFill>
-                            <a:latin typeface="Cambria Math" charset="0"/>
+                            <a:latin typeface="Cambria Math" panose="02040503050406030204" pitchFamily="18" charset="0"/>
                           </a:rPr>
-                          <m:t>12</m:t>
+                          <m:t>3</m:t>
                         </m:r>
                       </m:e>
                     </m:rad>
@@ -8361,11 +8312,6 @@
                   </a:rPr>
                   <a:t>M</a:t>
                 </a:r>
-                <a:endParaRPr lang="it-IT" sz="2000" i="1" dirty="0">
-                  <a:solidFill>
-                    <a:schemeClr val="tx1"/>
-                  </a:solidFill>
-                </a:endParaRPr>
               </a:p>
             </p:txBody>
           </p:sp>
@@ -8386,7 +8332,7 @@
                 <a:off x="1097280" y="1845734"/>
                 <a:ext cx="10376263" cy="4023360"/>
               </a:xfrm>
-              <a:blipFill rotWithShape="0">
+              <a:blipFill>
                 <a:blip r:embed="rId2"/>
                 <a:stretch>
                   <a:fillRect l="-588" t="-1667" r="-940"/>
@@ -8398,7 +8344,7 @@
               <a:lstStyle/>
               <a:p>
                 <a:r>
-                  <a:rPr lang="en-US">
+                  <a:rPr lang="it-IT">
                     <a:noFill/>
                   </a:rPr>
                   <a:t> </a:t>
@@ -8472,1198 +8418,14 @@
         <mc:Choice xmlns:a14="http://schemas.microsoft.com/office/drawing/2010/main" Requires="a14">
           <p:sp>
             <p:nvSpPr>
-              <p:cNvPr id="4" name="TextBox 3"/>
-              <p:cNvSpPr txBox="1"/>
-              <p:nvPr/>
-            </p:nvSpPr>
-            <p:spPr>
-              <a:xfrm>
-                <a:off x="1097280" y="1894114"/>
-                <a:ext cx="10058400" cy="646331"/>
-              </a:xfrm>
-              <a:prstGeom prst="rect">
-                <a:avLst/>
-              </a:prstGeom>
-              <a:noFill/>
-            </p:spPr>
-            <p:txBody>
-              <a:bodyPr wrap="square" rtlCol="0">
-                <a:spAutoFit/>
-              </a:bodyPr>
-              <a:lstStyle/>
-              <a:p>
-                <a:r>
-                  <a:rPr lang="en-US" dirty="0" smtClean="0">
-                    <a:solidFill>
-                      <a:schemeClr val="tx1"/>
-                    </a:solidFill>
-                  </a:rPr>
-                  <a:t>Possiamo </a:t>
-                </a:r>
-                <a:r>
-                  <a:rPr lang="en-US" dirty="0" err="1" smtClean="0">
-                    <a:solidFill>
-                      <a:schemeClr val="tx1"/>
-                    </a:solidFill>
-                  </a:rPr>
-                  <a:t>definire</a:t>
-                </a:r>
-                <a:r>
-                  <a:rPr lang="en-US" dirty="0" smtClean="0">
-                    <a:solidFill>
-                      <a:schemeClr val="tx1"/>
-                    </a:solidFill>
-                  </a:rPr>
-                  <a:t> la </a:t>
-                </a:r>
-                <a:r>
-                  <a:rPr lang="en-US" dirty="0" err="1" smtClean="0">
-                    <a:solidFill>
-                      <a:schemeClr val="tx1"/>
-                    </a:solidFill>
-                  </a:rPr>
-                  <a:t>funzione</a:t>
-                </a:r>
-                <a:r>
-                  <a:rPr lang="en-US" dirty="0" smtClean="0">
-                    <a:solidFill>
-                      <a:schemeClr val="tx1"/>
-                    </a:solidFill>
-                  </a:rPr>
-                  <a:t>, per </a:t>
-                </a:r>
-                <a:r>
-                  <a:rPr lang="en-US" dirty="0" err="1" smtClean="0">
-                    <a:solidFill>
-                      <a:schemeClr val="tx1"/>
-                    </a:solidFill>
-                  </a:rPr>
-                  <a:t>il</a:t>
-                </a:r>
-                <a:r>
-                  <a:rPr lang="en-US" dirty="0" smtClean="0">
-                    <a:solidFill>
-                      <a:schemeClr val="tx1"/>
-                    </a:solidFill>
-                  </a:rPr>
-                  <a:t> </a:t>
-                </a:r>
-                <a:r>
-                  <a:rPr lang="en-US" dirty="0" err="1" smtClean="0">
-                    <a:solidFill>
-                      <a:schemeClr val="tx1"/>
-                    </a:solidFill>
-                  </a:rPr>
-                  <a:t>misuratore</a:t>
-                </a:r>
-                <a:r>
-                  <a:rPr lang="en-US" dirty="0" smtClean="0">
-                    <a:solidFill>
-                      <a:schemeClr val="tx1"/>
-                    </a:solidFill>
-                  </a:rPr>
-                  <a:t> m-</a:t>
-                </a:r>
-                <a:r>
-                  <a:rPr lang="en-US" dirty="0" err="1" smtClean="0">
-                    <a:solidFill>
-                      <a:schemeClr val="tx1"/>
-                    </a:solidFill>
-                  </a:rPr>
-                  <a:t>esimo</a:t>
-                </a:r>
-                <a:r>
-                  <a:rPr lang="en-US" dirty="0" smtClean="0">
-                    <a:solidFill>
-                      <a:schemeClr val="tx1"/>
-                    </a:solidFill>
-                  </a:rPr>
-                  <a:t>, come </a:t>
-                </a:r>
-                <a:r>
-                  <a:rPr lang="en-US" dirty="0" err="1" smtClean="0">
-                    <a:solidFill>
-                      <a:schemeClr val="tx1"/>
-                    </a:solidFill>
-                  </a:rPr>
-                  <a:t>differenza</a:t>
-                </a:r>
-                <a:r>
-                  <a:rPr lang="en-US" dirty="0" smtClean="0">
-                    <a:solidFill>
-                      <a:schemeClr val="tx1"/>
-                    </a:solidFill>
-                  </a:rPr>
-                  <a:t> </a:t>
-                </a:r>
-                <a:r>
-                  <a:rPr lang="en-US" dirty="0" err="1" smtClean="0">
-                    <a:solidFill>
-                      <a:schemeClr val="tx1"/>
-                    </a:solidFill>
-                  </a:rPr>
-                  <a:t>tra</a:t>
-                </a:r>
-                <a:r>
-                  <a:rPr lang="en-US" dirty="0" smtClean="0">
-                    <a:solidFill>
-                      <a:schemeClr val="tx1"/>
-                    </a:solidFill>
-                  </a:rPr>
-                  <a:t> </a:t>
-                </a:r>
-                <a:r>
-                  <a:rPr lang="en-US" dirty="0" err="1" smtClean="0">
-                    <a:solidFill>
-                      <a:schemeClr val="tx1"/>
-                    </a:solidFill>
-                  </a:rPr>
-                  <a:t>il</a:t>
-                </a:r>
-                <a:r>
-                  <a:rPr lang="en-US" dirty="0" smtClean="0">
-                    <a:solidFill>
-                      <a:schemeClr val="tx1"/>
-                    </a:solidFill>
-                  </a:rPr>
-                  <a:t> </a:t>
-                </a:r>
-                <a:r>
-                  <a:rPr lang="en-US" dirty="0" err="1" smtClean="0">
-                    <a:solidFill>
-                      <a:schemeClr val="tx1"/>
-                    </a:solidFill>
-                  </a:rPr>
-                  <a:t>potenziale</a:t>
-                </a:r>
-                <a:r>
-                  <a:rPr lang="en-US" dirty="0" smtClean="0">
-                    <a:solidFill>
-                      <a:schemeClr val="tx1"/>
-                    </a:solidFill>
-                  </a:rPr>
-                  <a:t> </a:t>
-                </a:r>
-                <a:r>
-                  <a:rPr lang="en-US" dirty="0" err="1" smtClean="0">
-                    <a:solidFill>
-                      <a:schemeClr val="tx1"/>
-                    </a:solidFill>
-                  </a:rPr>
-                  <a:t>misurato</a:t>
-                </a:r>
-                <a:r>
-                  <a:rPr lang="en-US" dirty="0" smtClean="0">
-                    <a:solidFill>
-                      <a:schemeClr val="tx1"/>
-                    </a:solidFill>
-                  </a:rPr>
-                  <a:t> e </a:t>
-                </a:r>
-                <a:r>
-                  <a:rPr lang="en-US" dirty="0" err="1" smtClean="0">
-                    <a:solidFill>
-                      <a:schemeClr val="tx1"/>
-                    </a:solidFill>
-                  </a:rPr>
-                  <a:t>quello</a:t>
-                </a:r>
-                <a:r>
-                  <a:rPr lang="en-US" dirty="0" smtClean="0">
-                    <a:solidFill>
-                      <a:schemeClr val="tx1"/>
-                    </a:solidFill>
-                  </a:rPr>
-                  <a:t> </a:t>
-                </a:r>
-                <a:r>
-                  <a:rPr lang="en-US" dirty="0" err="1" smtClean="0">
-                    <a:solidFill>
-                      <a:schemeClr val="tx1"/>
-                    </a:solidFill>
-                  </a:rPr>
-                  <a:t>calcolato</a:t>
-                </a:r>
-                <a:r>
-                  <a:rPr lang="en-US" dirty="0" smtClean="0">
-                    <a:solidFill>
-                      <a:schemeClr val="tx1"/>
-                    </a:solidFill>
-                  </a:rPr>
-                  <a:t>, </a:t>
-                </a:r>
-                <a:r>
-                  <a:rPr lang="en-US" dirty="0" err="1" smtClean="0">
-                    <a:solidFill>
-                      <a:schemeClr val="tx1"/>
-                    </a:solidFill>
-                  </a:rPr>
-                  <a:t>ipotizzando</a:t>
-                </a:r>
-                <a:r>
-                  <a:rPr lang="en-US" dirty="0" smtClean="0">
-                    <a:solidFill>
-                      <a:schemeClr val="tx1"/>
-                    </a:solidFill>
-                  </a:rPr>
-                  <a:t> </a:t>
-                </a:r>
-                <a:r>
-                  <a:rPr lang="en-US" dirty="0" err="1" smtClean="0">
-                    <a:solidFill>
-                      <a:schemeClr val="tx1"/>
-                    </a:solidFill>
-                  </a:rPr>
-                  <a:t>che</a:t>
-                </a:r>
-                <a:r>
-                  <a:rPr lang="en-US" dirty="0" smtClean="0">
-                    <a:solidFill>
-                      <a:schemeClr val="tx1"/>
-                    </a:solidFill>
-                  </a:rPr>
-                  <a:t> la </a:t>
-                </a:r>
-                <a:r>
-                  <a:rPr lang="en-US" dirty="0" err="1" smtClean="0">
-                    <a:solidFill>
-                      <a:schemeClr val="tx1"/>
-                    </a:solidFill>
-                  </a:rPr>
-                  <a:t>ricarica</a:t>
-                </a:r>
-                <a:r>
-                  <a:rPr lang="en-US" dirty="0" smtClean="0">
-                    <a:solidFill>
-                      <a:schemeClr val="tx1"/>
-                    </a:solidFill>
-                  </a:rPr>
-                  <a:t> </a:t>
-                </a:r>
-                <a:r>
-                  <a:rPr lang="en-US" dirty="0" err="1" smtClean="0">
-                    <a:solidFill>
-                      <a:schemeClr val="tx1"/>
-                    </a:solidFill>
-                  </a:rPr>
-                  <a:t>ignota</a:t>
-                </a:r>
-                <a:r>
-                  <a:rPr lang="en-US" dirty="0" smtClean="0">
-                    <a:solidFill>
-                      <a:schemeClr val="tx1"/>
-                    </a:solidFill>
-                  </a:rPr>
-                  <a:t> </a:t>
-                </a:r>
-                <a:r>
-                  <a:rPr lang="en-US" dirty="0" err="1" smtClean="0">
-                    <a:solidFill>
-                      <a:schemeClr val="tx1"/>
-                    </a:solidFill>
-                  </a:rPr>
-                  <a:t>si</a:t>
-                </a:r>
-                <a:r>
-                  <a:rPr lang="en-US" dirty="0" smtClean="0">
-                    <a:solidFill>
-                      <a:schemeClr val="tx1"/>
-                    </a:solidFill>
-                  </a:rPr>
-                  <a:t> </a:t>
-                </a:r>
-                <a:r>
-                  <a:rPr lang="en-US" dirty="0" err="1" smtClean="0">
-                    <a:solidFill>
-                      <a:schemeClr val="tx1"/>
-                    </a:solidFill>
-                  </a:rPr>
-                  <a:t>trovi</a:t>
-                </a:r>
-                <a:r>
-                  <a:rPr lang="en-US" dirty="0" smtClean="0">
-                    <a:solidFill>
-                      <a:schemeClr val="tx1"/>
-                    </a:solidFill>
-                  </a:rPr>
-                  <a:t> </a:t>
-                </a:r>
-                <a:r>
-                  <a:rPr lang="en-US" dirty="0" err="1" smtClean="0">
-                    <a:solidFill>
-                      <a:schemeClr val="tx1"/>
-                    </a:solidFill>
-                  </a:rPr>
-                  <a:t>nella</a:t>
-                </a:r>
-                <a:r>
-                  <a:rPr lang="en-US" dirty="0" smtClean="0">
-                    <a:solidFill>
-                      <a:schemeClr val="tx1"/>
-                    </a:solidFill>
-                  </a:rPr>
-                  <a:t> </a:t>
-                </a:r>
-                <a:r>
-                  <a:rPr lang="en-US" dirty="0" err="1" smtClean="0">
-                    <a:solidFill>
-                      <a:schemeClr val="tx1"/>
-                    </a:solidFill>
-                  </a:rPr>
-                  <a:t>posizione</a:t>
-                </a:r>
-                <a:r>
-                  <a:rPr lang="en-US" dirty="0" smtClean="0">
-                    <a:solidFill>
-                      <a:schemeClr val="tx1"/>
-                    </a:solidFill>
-                  </a:rPr>
-                  <a:t> </a:t>
-                </a:r>
-                <a14:m>
-                  <m:oMath xmlns:m="http://schemas.openxmlformats.org/officeDocument/2006/math">
-                    <m:sSub>
-                      <m:sSubPr>
-                        <m:ctrlPr>
-                          <a:rPr lang="en-US" i="1">
-                            <a:solidFill>
-                              <a:schemeClr val="tx1"/>
-                            </a:solidFill>
-                            <a:latin typeface="Cambria Math" charset="0"/>
-                          </a:rPr>
-                        </m:ctrlPr>
-                      </m:sSubPr>
-                      <m:e>
-                        <m:r>
-                          <a:rPr lang="en-US" b="1" i="1">
-                            <a:solidFill>
-                              <a:schemeClr val="tx1"/>
-                            </a:solidFill>
-                            <a:latin typeface="Cambria Math" charset="0"/>
-                          </a:rPr>
-                          <m:t>𝒑</m:t>
-                        </m:r>
-                      </m:e>
-                      <m:sub>
-                        <m:r>
-                          <a:rPr lang="en-US" b="1" i="1">
-                            <a:solidFill>
-                              <a:schemeClr val="tx1"/>
-                            </a:solidFill>
-                            <a:latin typeface="Cambria Math" charset="0"/>
-                          </a:rPr>
-                          <m:t>𝒙</m:t>
-                        </m:r>
-                      </m:sub>
-                    </m:sSub>
-                  </m:oMath>
-                </a14:m>
-                <a:endParaRPr lang="en-US" dirty="0"/>
-              </a:p>
-            </p:txBody>
-          </p:sp>
-        </mc:Choice>
-        <mc:Fallback>
-          <p:sp>
-            <p:nvSpPr>
-              <p:cNvPr id="4" name="TextBox 3"/>
-              <p:cNvSpPr txBox="1">
-                <a:spLocks noRot="1" noChangeAspect="1" noMove="1" noResize="1" noEditPoints="1" noAdjustHandles="1" noChangeArrowheads="1" noChangeShapeType="1" noTextEdit="1"/>
-              </p:cNvSpPr>
-              <p:nvPr/>
-            </p:nvSpPr>
-            <p:spPr>
-              <a:xfrm>
-                <a:off x="1097280" y="1894114"/>
-                <a:ext cx="10058400" cy="646331"/>
-              </a:xfrm>
-              <a:prstGeom prst="rect">
-                <a:avLst/>
-              </a:prstGeom>
-              <a:blipFill rotWithShape="0">
-                <a:blip r:embed="rId2"/>
-                <a:stretch>
-                  <a:fillRect l="-485" t="-5660" b="-14151"/>
-                </a:stretch>
-              </a:blipFill>
-            </p:spPr>
-            <p:txBody>
-              <a:bodyPr/>
-              <a:lstStyle/>
-              <a:p>
-                <a:r>
-                  <a:rPr lang="en-US">
-                    <a:noFill/>
-                  </a:rPr>
-                  <a:t> </a:t>
-                </a:r>
-              </a:p>
-            </p:txBody>
-          </p:sp>
-        </mc:Fallback>
-      </mc:AlternateContent>
-      <mc:AlternateContent xmlns:mc="http://schemas.openxmlformats.org/markup-compatibility/2006">
-        <mc:Choice xmlns:a14="http://schemas.microsoft.com/office/drawing/2010/main" Requires="a14">
-          <p:sp>
-            <p:nvSpPr>
-              <p:cNvPr id="5" name="Rectangle 4"/>
-              <p:cNvSpPr/>
-              <p:nvPr/>
-            </p:nvSpPr>
-            <p:spPr>
-              <a:xfrm>
-                <a:off x="2867094" y="2724683"/>
-                <a:ext cx="6518772" cy="474489"/>
-              </a:xfrm>
-              <a:prstGeom prst="rect">
-                <a:avLst/>
-              </a:prstGeom>
-            </p:spPr>
-            <p:txBody>
-              <a:bodyPr wrap="none">
-                <a:spAutoFit/>
-              </a:bodyPr>
-              <a:lstStyle/>
-              <a:p>
-                <a14:m>
-                  <m:oMathPara xmlns:m="http://schemas.openxmlformats.org/officeDocument/2006/math">
-                    <m:oMathParaPr>
-                      <m:jc m:val="centerGroup"/>
-                    </m:oMathParaPr>
-                    <m:oMath xmlns:m="http://schemas.openxmlformats.org/officeDocument/2006/math">
-                      <m:sSub>
-                        <m:sSubPr>
-                          <m:ctrlPr>
-                            <a:rPr lang="en-US" sz="2200">
-                              <a:latin typeface="Cambria Math" charset="0"/>
-                            </a:rPr>
-                          </m:ctrlPr>
-                        </m:sSubPr>
-                        <m:e>
-                          <m:r>
-                            <a:rPr lang="en-US" sz="2200" i="1">
-                              <a:latin typeface="Cambria Math" charset="0"/>
-                            </a:rPr>
-                            <m:t>𝜖</m:t>
-                          </m:r>
-                        </m:e>
-                        <m:sub>
-                          <m:r>
-                            <a:rPr lang="en-US" sz="2200" i="1">
-                              <a:latin typeface="Cambria Math" charset="0"/>
-                            </a:rPr>
-                            <m:t>𝑚</m:t>
-                          </m:r>
-                        </m:sub>
-                      </m:sSub>
-                      <m:d>
-                        <m:dPr>
-                          <m:ctrlPr>
-                            <a:rPr lang="en-US" sz="2200" i="1">
-                              <a:latin typeface="Cambria Math" charset="0"/>
-                            </a:rPr>
-                          </m:ctrlPr>
-                        </m:dPr>
-                        <m:e>
-                          <m:sSub>
-                            <m:sSubPr>
-                              <m:ctrlPr>
-                                <a:rPr lang="en-US" sz="2200" i="1">
-                                  <a:latin typeface="Cambria Math" charset="0"/>
-                                </a:rPr>
-                              </m:ctrlPr>
-                            </m:sSubPr>
-                            <m:e>
-                              <m:r>
-                                <a:rPr lang="en-US" sz="2200" b="1" i="1">
-                                  <a:latin typeface="Cambria Math" charset="0"/>
-                                </a:rPr>
-                                <m:t>𝒑</m:t>
-                              </m:r>
-                            </m:e>
-                            <m:sub>
-                              <m:r>
-                                <a:rPr lang="en-US" sz="2200" b="1" i="1">
-                                  <a:latin typeface="Cambria Math" charset="0"/>
-                                </a:rPr>
-                                <m:t>𝒙</m:t>
-                              </m:r>
-                            </m:sub>
-                          </m:sSub>
-                        </m:e>
-                      </m:d>
-                      <m:r>
-                        <a:rPr lang="en-US" sz="2200" b="0" i="0">
-                          <a:latin typeface="Cambria Math" charset="0"/>
-                        </a:rPr>
-                        <m:t>=</m:t>
-                      </m:r>
-                      <m:d>
-                        <m:dPr>
-                          <m:begChr m:val="|"/>
-                          <m:endChr m:val="|"/>
-                          <m:ctrlPr>
-                            <a:rPr lang="en-US" sz="2200" b="0" i="1">
-                              <a:latin typeface="Cambria Math" charset="0"/>
-                            </a:rPr>
-                          </m:ctrlPr>
-                        </m:dPr>
-                        <m:e>
-                          <m:sSub>
-                            <m:sSubPr>
-                              <m:ctrlPr>
-                                <a:rPr lang="en-US" sz="2200" b="0" i="1">
-                                  <a:latin typeface="Cambria Math" charset="0"/>
-                                </a:rPr>
-                              </m:ctrlPr>
-                            </m:sSubPr>
-                            <m:e>
-                              <m:r>
-                                <a:rPr lang="en-US" sz="2200" b="0" i="1">
-                                  <a:latin typeface="Cambria Math" charset="0"/>
-                                </a:rPr>
-                                <m:t>𝑉</m:t>
-                              </m:r>
-                            </m:e>
-                            <m:sub>
-                              <m:r>
-                                <a:rPr lang="en-US" sz="2200" b="0" i="0">
-                                  <a:latin typeface="Cambria Math" charset="0"/>
-                                </a:rPr>
-                                <m:t>1..</m:t>
-                              </m:r>
-                              <m:r>
-                                <a:rPr lang="en-US" sz="2200" b="0" i="1">
-                                  <a:latin typeface="Cambria Math" charset="0"/>
-                                </a:rPr>
-                                <m:t>𝑁</m:t>
-                              </m:r>
-                            </m:sub>
-                          </m:sSub>
-                          <m:r>
-                            <a:rPr lang="en-US" sz="2200" b="0" i="0">
-                              <a:latin typeface="Cambria Math" charset="0"/>
-                            </a:rPr>
-                            <m:t>−</m:t>
-                          </m:r>
-                          <m:d>
-                            <m:dPr>
-                              <m:ctrlPr>
-                                <a:rPr lang="en-US" sz="2200" b="0" i="1">
-                                  <a:latin typeface="Cambria Math" charset="0"/>
-                                </a:rPr>
-                              </m:ctrlPr>
-                            </m:dPr>
-                            <m:e>
-                              <m:sSub>
-                                <m:sSubPr>
-                                  <m:ctrlPr>
-                                    <a:rPr lang="en-US" sz="2200" b="0" i="1">
-                                      <a:latin typeface="Cambria Math" charset="0"/>
-                                    </a:rPr>
-                                  </m:ctrlPr>
-                                </m:sSubPr>
-                                <m:e>
-                                  <m:r>
-                                    <a:rPr lang="en-US" sz="2200" b="0" i="1">
-                                      <a:latin typeface="Cambria Math" charset="0"/>
-                                    </a:rPr>
-                                    <m:t>𝑉</m:t>
-                                  </m:r>
-                                </m:e>
-                                <m:sub>
-                                  <m:r>
-                                    <a:rPr lang="en-US" sz="2200" b="0" i="0">
-                                      <a:latin typeface="Cambria Math" charset="0"/>
-                                    </a:rPr>
-                                    <m:t>1..</m:t>
-                                  </m:r>
-                                  <m:r>
-                                    <a:rPr lang="en-US" sz="2200" b="0" i="1">
-                                      <a:latin typeface="Cambria Math" charset="0"/>
-                                    </a:rPr>
-                                    <m:t>𝑁</m:t>
-                                  </m:r>
-                                  <m:r>
-                                    <a:rPr lang="en-US" sz="2200" b="0" i="0">
-                                      <a:latin typeface="Cambria Math" charset="0"/>
-                                    </a:rPr>
-                                    <m:t>−1</m:t>
-                                  </m:r>
-                                </m:sub>
-                              </m:sSub>
-                              <m:r>
-                                <a:rPr lang="en-US" sz="2200" b="0" i="0">
-                                  <a:latin typeface="Cambria Math" charset="0"/>
-                                </a:rPr>
-                                <m:t>+</m:t>
-                              </m:r>
-                              <m:r>
-                                <a:rPr lang="en-US" sz="2200" b="0" i="1">
-                                  <a:latin typeface="Cambria Math" charset="0"/>
-                                </a:rPr>
-                                <m:t>𝑉</m:t>
-                              </m:r>
-                              <m:d>
-                                <m:dPr>
-                                  <m:ctrlPr>
-                                    <a:rPr lang="en-US" sz="2200" b="0" i="1">
-                                      <a:latin typeface="Cambria Math" charset="0"/>
-                                    </a:rPr>
-                                  </m:ctrlPr>
-                                </m:dPr>
-                                <m:e>
-                                  <m:sSub>
-                                    <m:sSubPr>
-                                      <m:ctrlPr>
-                                        <a:rPr lang="en-US" sz="2200" b="0" i="1">
-                                          <a:latin typeface="Cambria Math" charset="0"/>
-                                        </a:rPr>
-                                      </m:ctrlPr>
-                                    </m:sSubPr>
-                                    <m:e>
-                                      <m:r>
-                                        <a:rPr lang="en-US" sz="2200" b="1" i="1">
-                                          <a:latin typeface="Cambria Math" charset="0"/>
-                                        </a:rPr>
-                                        <m:t>𝒑</m:t>
-                                      </m:r>
-                                    </m:e>
-                                    <m:sub>
-                                      <m:r>
-                                        <a:rPr lang="en-US" sz="2200" b="1" i="1">
-                                          <a:latin typeface="Cambria Math" charset="0"/>
-                                        </a:rPr>
-                                        <m:t>𝒙</m:t>
-                                      </m:r>
-                                    </m:sub>
-                                  </m:sSub>
-                                </m:e>
-                              </m:d>
-                            </m:e>
-                          </m:d>
-                        </m:e>
-                      </m:d>
-                      <m:r>
-                        <a:rPr lang="en-US" sz="2200" b="0" i="0">
-                          <a:latin typeface="Cambria Math" charset="0"/>
-                        </a:rPr>
-                        <m:t>=|</m:t>
-                      </m:r>
-                      <m:sSub>
-                        <m:sSubPr>
-                          <m:ctrlPr>
-                            <a:rPr lang="en-US" sz="2200" b="0" i="1">
-                              <a:latin typeface="Cambria Math" charset="0"/>
-                            </a:rPr>
-                          </m:ctrlPr>
-                        </m:sSubPr>
-                        <m:e>
-                          <m:r>
-                            <a:rPr lang="en-US" sz="2200" b="0" i="1">
-                              <a:latin typeface="Cambria Math" charset="0"/>
-                            </a:rPr>
-                            <m:t>𝑉</m:t>
-                          </m:r>
-                        </m:e>
-                        <m:sub>
-                          <m:r>
-                            <a:rPr lang="en-US" sz="2200" b="0" i="1">
-                              <a:latin typeface="Cambria Math" charset="0"/>
-                            </a:rPr>
-                            <m:t>𝑁</m:t>
-                          </m:r>
-                        </m:sub>
-                      </m:sSub>
-                      <m:r>
-                        <a:rPr lang="en-US" sz="2200" b="0" i="0">
-                          <a:latin typeface="Cambria Math" charset="0"/>
-                        </a:rPr>
-                        <m:t>−</m:t>
-                      </m:r>
-                      <m:r>
-                        <a:rPr lang="en-US" sz="2200" b="0" i="1">
-                          <a:latin typeface="Cambria Math" charset="0"/>
-                        </a:rPr>
-                        <m:t>𝑉</m:t>
-                      </m:r>
-                      <m:d>
-                        <m:dPr>
-                          <m:ctrlPr>
-                            <a:rPr lang="en-US" sz="2200" b="0" i="1">
-                              <a:latin typeface="Cambria Math" charset="0"/>
-                            </a:rPr>
-                          </m:ctrlPr>
-                        </m:dPr>
-                        <m:e>
-                          <m:sSub>
-                            <m:sSubPr>
-                              <m:ctrlPr>
-                                <a:rPr lang="en-US" sz="2200" b="0" i="1">
-                                  <a:latin typeface="Cambria Math" charset="0"/>
-                                </a:rPr>
-                              </m:ctrlPr>
-                            </m:sSubPr>
-                            <m:e>
-                              <m:r>
-                                <a:rPr lang="en-US" sz="2200" b="1" i="1">
-                                  <a:latin typeface="Cambria Math" charset="0"/>
-                                </a:rPr>
-                                <m:t>𝒑</m:t>
-                              </m:r>
-                            </m:e>
-                            <m:sub>
-                              <m:r>
-                                <a:rPr lang="en-US" sz="2200" b="1" i="1">
-                                  <a:latin typeface="Cambria Math" charset="0"/>
-                                </a:rPr>
-                                <m:t>𝒙</m:t>
-                              </m:r>
-                            </m:sub>
-                          </m:sSub>
-                        </m:e>
-                      </m:d>
-                      <m:r>
-                        <a:rPr lang="en-US" sz="2200" b="0" i="0">
-                          <a:latin typeface="Cambria Math" charset="0"/>
-                        </a:rPr>
-                        <m:t>|</m:t>
-                      </m:r>
-                    </m:oMath>
-                  </m:oMathPara>
-                </a14:m>
-                <a:endParaRPr lang="en-US" sz="2200" dirty="0"/>
-              </a:p>
-            </p:txBody>
-          </p:sp>
-        </mc:Choice>
-        <mc:Fallback>
-          <p:sp>
-            <p:nvSpPr>
-              <p:cNvPr id="5" name="Rectangle 4"/>
-              <p:cNvSpPr>
-                <a:spLocks noRot="1" noChangeAspect="1" noMove="1" noResize="1" noEditPoints="1" noAdjustHandles="1" noChangeArrowheads="1" noChangeShapeType="1" noTextEdit="1"/>
-              </p:cNvSpPr>
-              <p:nvPr/>
-            </p:nvSpPr>
-            <p:spPr>
-              <a:xfrm>
-                <a:off x="2867094" y="2724683"/>
-                <a:ext cx="6518772" cy="474489"/>
-              </a:xfrm>
-              <a:prstGeom prst="rect">
-                <a:avLst/>
-              </a:prstGeom>
-              <a:blipFill rotWithShape="0">
-                <a:blip r:embed="rId3"/>
-                <a:stretch>
-                  <a:fillRect b="-10256"/>
-                </a:stretch>
-              </a:blipFill>
-            </p:spPr>
-            <p:txBody>
-              <a:bodyPr/>
-              <a:lstStyle/>
-              <a:p>
-                <a:r>
-                  <a:rPr lang="en-US">
-                    <a:noFill/>
-                  </a:rPr>
-                  <a:t> </a:t>
-                </a:r>
-              </a:p>
-            </p:txBody>
-          </p:sp>
-        </mc:Fallback>
-      </mc:AlternateContent>
-      <mc:AlternateContent xmlns:mc="http://schemas.openxmlformats.org/markup-compatibility/2006">
-        <mc:Choice xmlns:a14="http://schemas.microsoft.com/office/drawing/2010/main" Requires="a14">
-          <p:sp>
-            <p:nvSpPr>
-              <p:cNvPr id="6" name="Rectangle 5"/>
-              <p:cNvSpPr/>
-              <p:nvPr/>
-            </p:nvSpPr>
-            <p:spPr>
-              <a:xfrm>
-                <a:off x="3475562" y="3413966"/>
-                <a:ext cx="5301836" cy="875432"/>
-              </a:xfrm>
-              <a:prstGeom prst="rect">
-                <a:avLst/>
-              </a:prstGeom>
-            </p:spPr>
-            <p:txBody>
-              <a:bodyPr wrap="none">
-                <a:spAutoFit/>
-              </a:bodyPr>
-              <a:lstStyle/>
-              <a:p>
-                <a14:m>
-                  <m:oMathPara xmlns:m="http://schemas.openxmlformats.org/officeDocument/2006/math">
-                    <m:oMathParaPr>
-                      <m:jc m:val="centerGroup"/>
-                    </m:oMathParaPr>
-                    <m:oMath xmlns:m="http://schemas.openxmlformats.org/officeDocument/2006/math">
-                      <m:sSub>
-                        <m:sSubPr>
-                          <m:ctrlPr>
-                            <a:rPr lang="en-US" sz="2200">
-                              <a:latin typeface="Cambria Math" charset="0"/>
-                            </a:rPr>
-                          </m:ctrlPr>
-                        </m:sSubPr>
-                        <m:e>
-                          <m:r>
-                            <a:rPr lang="en-US" sz="2200" i="1">
-                              <a:latin typeface="Cambria Math" charset="0"/>
-                            </a:rPr>
-                            <m:t>𝜖</m:t>
-                          </m:r>
-                        </m:e>
-                        <m:sub>
-                          <m:r>
-                            <a:rPr lang="en-US" sz="2200" i="1">
-                              <a:latin typeface="Cambria Math" charset="0"/>
-                            </a:rPr>
-                            <m:t>𝑚</m:t>
-                          </m:r>
-                        </m:sub>
-                      </m:sSub>
-                      <m:d>
-                        <m:dPr>
-                          <m:ctrlPr>
-                            <a:rPr lang="en-US" sz="2200" i="1">
-                              <a:latin typeface="Cambria Math" charset="0"/>
-                            </a:rPr>
-                          </m:ctrlPr>
-                        </m:dPr>
-                        <m:e>
-                          <m:sSub>
-                            <m:sSubPr>
-                              <m:ctrlPr>
-                                <a:rPr lang="en-US" sz="2200" i="1">
-                                  <a:latin typeface="Cambria Math" charset="0"/>
-                                </a:rPr>
-                              </m:ctrlPr>
-                            </m:sSubPr>
-                            <m:e>
-                              <m:r>
-                                <a:rPr lang="en-US" sz="2200" b="1" i="1">
-                                  <a:latin typeface="Cambria Math" charset="0"/>
-                                </a:rPr>
-                                <m:t>𝒑</m:t>
-                              </m:r>
-                            </m:e>
-                            <m:sub>
-                              <m:r>
-                                <a:rPr lang="en-US" sz="2200" b="1" i="1">
-                                  <a:latin typeface="Cambria Math" charset="0"/>
-                                </a:rPr>
-                                <m:t>𝒙</m:t>
-                              </m:r>
-                            </m:sub>
-                          </m:sSub>
-                        </m:e>
-                      </m:d>
-                      <m:r>
-                        <a:rPr lang="en-US" sz="2200" b="0" i="0">
-                          <a:latin typeface="Cambria Math" charset="0"/>
-                        </a:rPr>
-                        <m:t>=</m:t>
-                      </m:r>
-                      <m:f>
-                        <m:fPr>
-                          <m:ctrlPr>
-                            <a:rPr lang="en-US" sz="2200" b="0" i="1">
-                              <a:latin typeface="Cambria Math" charset="0"/>
-                            </a:rPr>
-                          </m:ctrlPr>
-                        </m:fPr>
-                        <m:num>
-                          <m:r>
-                            <a:rPr lang="en-US" sz="2200" b="0" i="0">
-                              <a:latin typeface="Cambria Math" charset="0"/>
-                            </a:rPr>
-                            <m:t>1</m:t>
-                          </m:r>
-                        </m:num>
-                        <m:den>
-                          <m:rad>
-                            <m:radPr>
-                              <m:degHide m:val="on"/>
-                              <m:ctrlPr>
-                                <a:rPr lang="en-US" sz="2200" b="0" i="1">
-                                  <a:latin typeface="Cambria Math" charset="0"/>
-                                </a:rPr>
-                              </m:ctrlPr>
-                            </m:radPr>
-                            <m:deg/>
-                            <m:e>
-                              <m:r>
-                                <a:rPr lang="en-US" sz="2200" b="0" i="0">
-                                  <a:latin typeface="Cambria Math" charset="0"/>
-                                </a:rPr>
-                                <m:t>12</m:t>
-                              </m:r>
-                            </m:e>
-                          </m:rad>
-                        </m:den>
-                      </m:f>
-                      <m:d>
-                        <m:dPr>
-                          <m:begChr m:val="|"/>
-                          <m:endChr m:val="|"/>
-                          <m:ctrlPr>
-                            <a:rPr lang="en-US" sz="2200" b="0" i="1">
-                              <a:latin typeface="Cambria Math" charset="0"/>
-                            </a:rPr>
-                          </m:ctrlPr>
-                        </m:dPr>
-                        <m:e>
-                          <m:f>
-                            <m:fPr>
-                              <m:ctrlPr>
-                                <a:rPr lang="en-US" sz="2200" b="0" i="1">
-                                  <a:latin typeface="Cambria Math" charset="0"/>
-                                </a:rPr>
-                              </m:ctrlPr>
-                            </m:fPr>
-                            <m:num>
-                              <m:r>
-                                <a:rPr lang="en-US" sz="2200" b="0" i="0">
-                                  <a:latin typeface="Cambria Math" charset="0"/>
-                                </a:rPr>
-                                <m:t>1</m:t>
-                              </m:r>
-                            </m:num>
-                            <m:den>
-                              <m:r>
-                                <a:rPr lang="en-US" sz="2200" b="0" i="0">
-                                  <a:latin typeface="Cambria Math" charset="0"/>
-                                </a:rPr>
-                                <m:t> </m:t>
-                              </m:r>
-                              <m:d>
-                                <m:dPr>
-                                  <m:begChr m:val="|"/>
-                                  <m:endChr m:val="|"/>
-                                  <m:ctrlPr>
-                                    <a:rPr lang="en-US" sz="2200" b="0" i="1">
-                                      <a:latin typeface="Cambria Math" charset="0"/>
-                                    </a:rPr>
-                                  </m:ctrlPr>
-                                </m:dPr>
-                                <m:e>
-                                  <m:d>
-                                    <m:dPr>
-                                      <m:begChr m:val="|"/>
-                                      <m:endChr m:val="|"/>
-                                      <m:ctrlPr>
-                                        <a:rPr lang="en-US" sz="2200" b="0" i="1">
-                                          <a:latin typeface="Cambria Math" charset="0"/>
-                                        </a:rPr>
-                                      </m:ctrlPr>
-                                    </m:dPr>
-                                    <m:e>
-                                      <m:sSub>
-                                        <m:sSubPr>
-                                          <m:ctrlPr>
-                                            <a:rPr lang="en-US" sz="2200" b="0" i="1">
-                                              <a:latin typeface="Cambria Math" charset="0"/>
-                                            </a:rPr>
-                                          </m:ctrlPr>
-                                        </m:sSubPr>
-                                        <m:e>
-                                          <m:r>
-                                            <a:rPr lang="en-US" sz="2200" b="1" i="1">
-                                              <a:latin typeface="Cambria Math" charset="0"/>
-                                            </a:rPr>
-                                            <m:t>𝒑</m:t>
-                                          </m:r>
-                                        </m:e>
-                                        <m:sub>
-                                          <m:r>
-                                            <a:rPr lang="en-US" sz="2200" b="1" i="1">
-                                              <a:latin typeface="Cambria Math" charset="0"/>
-                                            </a:rPr>
-                                            <m:t>𝑵</m:t>
-                                          </m:r>
-                                        </m:sub>
-                                      </m:sSub>
-                                      <m:r>
-                                        <a:rPr lang="en-US" sz="2200" b="0" i="0">
-                                          <a:latin typeface="Cambria Math" charset="0"/>
-                                        </a:rPr>
-                                        <m:t>−</m:t>
-                                      </m:r>
-                                      <m:r>
-                                        <a:rPr lang="en-US" sz="2200" b="1" i="1">
-                                          <a:latin typeface="Cambria Math" charset="0"/>
-                                        </a:rPr>
-                                        <m:t>𝒎</m:t>
-                                      </m:r>
-                                    </m:e>
-                                  </m:d>
-                                </m:e>
-                              </m:d>
-                            </m:den>
-                          </m:f>
-                          <m:r>
-                            <a:rPr lang="en-US" sz="2200" b="0" i="0">
-                              <a:latin typeface="Cambria Math" charset="0"/>
-                            </a:rPr>
-                            <m:t>− </m:t>
-                          </m:r>
-                          <m:f>
-                            <m:fPr>
-                              <m:ctrlPr>
-                                <a:rPr lang="en-US" sz="2200" b="0" i="1">
-                                  <a:latin typeface="Cambria Math" charset="0"/>
-                                </a:rPr>
-                              </m:ctrlPr>
-                            </m:fPr>
-                            <m:num>
-                              <m:r>
-                                <a:rPr lang="en-US" sz="2200" b="0" i="0">
-                                  <a:latin typeface="Cambria Math" charset="0"/>
-                                </a:rPr>
-                                <m:t>1</m:t>
-                              </m:r>
-                            </m:num>
-                            <m:den>
-                              <m:r>
-                                <a:rPr lang="en-US" sz="2200" b="0" i="0">
-                                  <a:latin typeface="Cambria Math" charset="0"/>
-                                </a:rPr>
-                                <m:t> </m:t>
-                              </m:r>
-                              <m:d>
-                                <m:dPr>
-                                  <m:begChr m:val="|"/>
-                                  <m:endChr m:val="|"/>
-                                  <m:ctrlPr>
-                                    <a:rPr lang="en-US" sz="2200" b="0" i="1">
-                                      <a:latin typeface="Cambria Math" charset="0"/>
-                                    </a:rPr>
-                                  </m:ctrlPr>
-                                </m:dPr>
-                                <m:e>
-                                  <m:d>
-                                    <m:dPr>
-                                      <m:begChr m:val="|"/>
-                                      <m:endChr m:val="|"/>
-                                      <m:ctrlPr>
-                                        <a:rPr lang="en-US" sz="2200" b="0" i="1">
-                                          <a:latin typeface="Cambria Math" charset="0"/>
-                                        </a:rPr>
-                                      </m:ctrlPr>
-                                    </m:dPr>
-                                    <m:e>
-                                      <m:sSub>
-                                        <m:sSubPr>
-                                          <m:ctrlPr>
-                                            <a:rPr lang="en-US" sz="2200" b="0" i="1">
-                                              <a:latin typeface="Cambria Math" charset="0"/>
-                                            </a:rPr>
-                                          </m:ctrlPr>
-                                        </m:sSubPr>
-                                        <m:e>
-                                          <m:r>
-                                            <a:rPr lang="en-US" sz="2200" b="1" i="1">
-                                              <a:latin typeface="Cambria Math" charset="0"/>
-                                            </a:rPr>
-                                            <m:t>𝒑</m:t>
-                                          </m:r>
-                                        </m:e>
-                                        <m:sub>
-                                          <m:r>
-                                            <a:rPr lang="en-US" sz="2200" b="1" i="1">
-                                              <a:latin typeface="Cambria Math" charset="0"/>
-                                            </a:rPr>
-                                            <m:t>𝒙</m:t>
-                                          </m:r>
-                                        </m:sub>
-                                      </m:sSub>
-                                      <m:r>
-                                        <a:rPr lang="en-US" sz="2200" b="0" i="0">
-                                          <a:latin typeface="Cambria Math" charset="0"/>
-                                        </a:rPr>
-                                        <m:t>−</m:t>
-                                      </m:r>
-                                      <m:r>
-                                        <a:rPr lang="en-US" sz="2200" b="1" i="1">
-                                          <a:latin typeface="Cambria Math" charset="0"/>
-                                        </a:rPr>
-                                        <m:t>𝒎</m:t>
-                                      </m:r>
-                                    </m:e>
-                                  </m:d>
-                                </m:e>
-                              </m:d>
-                            </m:den>
-                          </m:f>
-                        </m:e>
-                      </m:d>
-                    </m:oMath>
-                  </m:oMathPara>
-                </a14:m>
-                <a:endParaRPr lang="en-US" sz="2200" dirty="0"/>
-              </a:p>
-            </p:txBody>
-          </p:sp>
-        </mc:Choice>
-        <mc:Fallback>
-          <p:sp>
-            <p:nvSpPr>
-              <p:cNvPr id="6" name="Rectangle 5"/>
-              <p:cNvSpPr>
-                <a:spLocks noRot="1" noChangeAspect="1" noMove="1" noResize="1" noEditPoints="1" noAdjustHandles="1" noChangeArrowheads="1" noChangeShapeType="1" noTextEdit="1"/>
-              </p:cNvSpPr>
-              <p:nvPr/>
-            </p:nvSpPr>
-            <p:spPr>
-              <a:xfrm>
-                <a:off x="3475562" y="3413966"/>
-                <a:ext cx="5301836" cy="875432"/>
-              </a:xfrm>
-              <a:prstGeom prst="rect">
-                <a:avLst/>
-              </a:prstGeom>
-              <a:blipFill rotWithShape="0">
-                <a:blip r:embed="rId4"/>
-                <a:stretch>
-                  <a:fillRect/>
-                </a:stretch>
-              </a:blipFill>
-            </p:spPr>
-            <p:txBody>
-              <a:bodyPr/>
-              <a:lstStyle/>
-              <a:p>
-                <a:r>
-                  <a:rPr lang="en-US">
-                    <a:noFill/>
-                  </a:rPr>
-                  <a:t> </a:t>
-                </a:r>
-              </a:p>
-            </p:txBody>
-          </p:sp>
-        </mc:Fallback>
-      </mc:AlternateContent>
-      <mc:AlternateContent xmlns:mc="http://schemas.openxmlformats.org/markup-compatibility/2006">
-        <mc:Choice xmlns:a14="http://schemas.microsoft.com/office/drawing/2010/main" Requires="a14">
-          <p:sp>
-            <p:nvSpPr>
               <p:cNvPr id="7" name="TextBox 6"/>
               <p:cNvSpPr txBox="1"/>
               <p:nvPr/>
             </p:nvSpPr>
             <p:spPr>
               <a:xfrm>
-                <a:off x="1097280" y="4519226"/>
-                <a:ext cx="9914709" cy="1671098"/>
+                <a:off x="1169125" y="1811195"/>
+                <a:ext cx="9914709" cy="4931158"/>
               </a:xfrm>
               <a:prstGeom prst="rect">
                 <a:avLst/>
@@ -9678,7 +8440,23 @@
               <a:p>
                 <a:r>
                   <a:rPr lang="en-US" dirty="0" err="1" smtClean="0"/>
-                  <a:t>Estendendo</a:t>
+                  <a:t>Detti</a:t>
+                </a:r>
+                <a:r>
+                  <a:rPr lang="en-US" dirty="0" smtClean="0"/>
+                  <a:t> </a:t>
+                </a:r>
+                <a:r>
+                  <a:rPr lang="en-US" dirty="0" err="1" smtClean="0"/>
+                  <a:t>Vt</a:t>
+                </a:r>
+                <a:r>
+                  <a:rPr lang="en-US" dirty="0" smtClean="0"/>
+                  <a:t> e </a:t>
+                </a:r>
+                <a:r>
+                  <a:rPr lang="en-US" dirty="0" err="1" smtClean="0"/>
+                  <a:t>Vn</a:t>
                 </a:r>
                 <a:r>
                   <a:rPr lang="en-US" dirty="0" smtClean="0"/>
@@ -9694,39 +8472,7 @@
                 </a:r>
                 <a:r>
                   <a:rPr lang="en-US" dirty="0" err="1" smtClean="0"/>
-                  <a:t>concetto</a:t>
-                </a:r>
-                <a:r>
-                  <a:rPr lang="en-US" dirty="0" smtClean="0"/>
-                  <a:t> a </a:t>
-                </a:r>
-                <a:r>
-                  <a:rPr lang="en-US" dirty="0" err="1" smtClean="0"/>
-                  <a:t>più</a:t>
-                </a:r>
-                <a:r>
-                  <a:rPr lang="en-US" dirty="0" smtClean="0"/>
-                  <a:t> </a:t>
-                </a:r>
-                <a:r>
-                  <a:rPr lang="en-US" dirty="0" err="1" smtClean="0"/>
-                  <a:t>misuratori</a:t>
-                </a:r>
-                <a:r>
-                  <a:rPr lang="en-US" dirty="0" smtClean="0"/>
-                  <a:t>, la </a:t>
-                </a:r>
-                <a:r>
-                  <a:rPr lang="en-US" dirty="0" err="1" smtClean="0"/>
-                  <a:t>funzione</a:t>
-                </a:r>
-                <a:r>
-                  <a:rPr lang="en-US" dirty="0" smtClean="0"/>
-                  <a:t> di </a:t>
-                </a:r>
-                <a:r>
-                  <a:rPr lang="en-US" dirty="0" err="1" smtClean="0"/>
-                  <a:t>costo</a:t>
+                  <a:t>potenziale</a:t>
                 </a:r>
                 <a:r>
                   <a:rPr lang="en-US" dirty="0" smtClean="0"/>
@@ -9742,7 +8488,23 @@
                 </a:r>
                 <a:r>
                   <a:rPr lang="en-US" dirty="0" err="1" smtClean="0"/>
-                  <a:t>è</a:t>
+                  <a:t>misurato</a:t>
+                </a:r>
+                <a:r>
+                  <a:rPr lang="en-US" dirty="0" smtClean="0"/>
+                  <a:t> dal </a:t>
+                </a:r>
+                <a:r>
+                  <a:rPr lang="en-US" dirty="0" err="1" smtClean="0"/>
+                  <a:t>misuratore</a:t>
+                </a:r>
+                <a:r>
+                  <a:rPr lang="en-US" dirty="0" smtClean="0"/>
+                  <a:t> e </a:t>
+                </a:r>
+                <a:r>
+                  <a:rPr lang="en-US" dirty="0" err="1" smtClean="0"/>
+                  <a:t>quello</a:t>
                 </a:r>
                 <a:r>
                   <a:rPr lang="en-US" dirty="0" smtClean="0"/>
@@ -9750,11 +8512,588 @@
                 </a:r>
                 <a:r>
                   <a:rPr lang="en-US" dirty="0" err="1" smtClean="0"/>
-                  <a:t>pari</a:t>
+                  <a:t>calcolato</a:t>
                 </a:r>
                 <a:r>
                   <a:rPr lang="en-US" dirty="0" smtClean="0"/>
-                  <a:t> a</a:t>
+                  <a:t> </a:t>
+                </a:r>
+                <a:r>
+                  <a:rPr lang="en-US" dirty="0" err="1" smtClean="0"/>
+                  <a:t>analiticamente</a:t>
+                </a:r>
+                <a:r>
+                  <a:rPr lang="en-US" dirty="0" smtClean="0"/>
+                  <a:t> </a:t>
+                </a:r>
+                <a:r>
+                  <a:rPr lang="en-US" dirty="0" err="1" smtClean="0"/>
+                  <a:t>dalle</a:t>
+                </a:r>
+                <a:r>
+                  <a:rPr lang="en-US" dirty="0" smtClean="0"/>
+                  <a:t> </a:t>
+                </a:r>
+                <a:r>
+                  <a:rPr lang="en-US" dirty="0" err="1" smtClean="0"/>
+                  <a:t>cariche</a:t>
+                </a:r>
+                <a:r>
+                  <a:rPr lang="en-US" dirty="0" smtClean="0"/>
+                  <a:t> note </a:t>
+                </a:r>
+                <a:r>
+                  <a:rPr lang="en-US" dirty="0" err="1" smtClean="0"/>
+                  <a:t>rispettivamente</a:t>
+                </a:r>
+                <a:r>
+                  <a:rPr lang="en-US" dirty="0" smtClean="0"/>
+                  <a:t>, </a:t>
+                </a:r>
+                <a:r>
+                  <a:rPr lang="en-US" dirty="0" err="1" smtClean="0"/>
+                  <a:t>il</a:t>
+                </a:r>
+                <a:r>
+                  <a:rPr lang="en-US" dirty="0" smtClean="0"/>
+                  <a:t> </a:t>
+                </a:r>
+                <a:r>
+                  <a:rPr lang="en-US" dirty="0" err="1" smtClean="0"/>
+                  <a:t>potenziale</a:t>
+                </a:r>
+                <a:r>
+                  <a:rPr lang="en-US" dirty="0" smtClean="0"/>
+                  <a:t> </a:t>
+                </a:r>
+                <a:r>
+                  <a:rPr lang="en-US" dirty="0" err="1" smtClean="0"/>
+                  <a:t>della</a:t>
+                </a:r>
+                <a:r>
+                  <a:rPr lang="en-US" dirty="0" smtClean="0"/>
+                  <a:t> </a:t>
+                </a:r>
+                <a:r>
+                  <a:rPr lang="en-US" dirty="0" err="1" smtClean="0"/>
+                  <a:t>carica</a:t>
+                </a:r>
+                <a:r>
+                  <a:rPr lang="en-US" dirty="0" smtClean="0"/>
+                  <a:t> </a:t>
+                </a:r>
+                <a:r>
+                  <a:rPr lang="en-US" dirty="0" err="1" smtClean="0"/>
+                  <a:t>ignota</a:t>
+                </a:r>
+                <a:r>
+                  <a:rPr lang="en-US" dirty="0" smtClean="0"/>
+                  <a:t> </a:t>
+                </a:r>
+                <a:r>
+                  <a:rPr lang="en-US" dirty="0" err="1" smtClean="0"/>
+                  <a:t>sarà</a:t>
+                </a:r>
+                <a:r>
+                  <a:rPr lang="en-US" dirty="0" smtClean="0"/>
+                  <a:t> </a:t>
+                </a:r>
+                <a:r>
+                  <a:rPr lang="en-US" dirty="0" err="1" smtClean="0"/>
+                  <a:t>dunque</a:t>
+                </a:r>
+                <a:endParaRPr lang="en-US" dirty="0" smtClean="0"/>
+              </a:p>
+              <a:p>
+                <a14:m>
+                  <m:oMathPara xmlns:m="http://schemas.openxmlformats.org/officeDocument/2006/math">
+                    <m:oMathParaPr>
+                      <m:jc m:val="centerGroup"/>
+                    </m:oMathParaPr>
+                    <m:oMath xmlns:m="http://schemas.openxmlformats.org/officeDocument/2006/math">
+                      <m:r>
+                        <a:rPr lang="it-IT" i="1"/>
+                        <m:t>4</m:t>
+                      </m:r>
+                      <m:r>
+                        <a:rPr lang="it-IT" i="1"/>
+                        <m:t>𝜋𝜀</m:t>
+                      </m:r>
+                      <m:sSub>
+                        <m:sSubPr>
+                          <m:ctrlPr>
+                            <a:rPr lang="it-IT" i="1"/>
+                          </m:ctrlPr>
+                        </m:sSubPr>
+                        <m:e>
+                          <m:r>
+                            <a:rPr lang="it-IT" i="1"/>
+                            <m:t>𝑉</m:t>
+                          </m:r>
+                        </m:e>
+                        <m:sub>
+                          <m:r>
+                            <a:rPr lang="it-IT" i="1"/>
+                            <m:t>𝑁</m:t>
+                          </m:r>
+                        </m:sub>
+                      </m:sSub>
+                      <m:r>
+                        <a:rPr lang="it-IT" i="1"/>
+                        <m:t>=</m:t>
+                      </m:r>
+                      <m:sSub>
+                        <m:sSubPr>
+                          <m:ctrlPr>
+                            <a:rPr lang="it-IT" i="1"/>
+                          </m:ctrlPr>
+                        </m:sSubPr>
+                        <m:e>
+                          <m:r>
+                            <a:rPr lang="it-IT" i="1"/>
+                            <m:t>4</m:t>
+                          </m:r>
+                          <m:r>
+                            <a:rPr lang="it-IT" i="1"/>
+                            <m:t>𝜋𝜀</m:t>
+                          </m:r>
+                          <m:r>
+                            <a:rPr lang="it-IT" i="1"/>
+                            <m:t> (</m:t>
+                          </m:r>
+                          <m:r>
+                            <a:rPr lang="it-IT" i="1"/>
+                            <m:t>𝑉</m:t>
+                          </m:r>
+                        </m:e>
+                        <m:sub>
+                          <m:r>
+                            <a:rPr lang="it-IT" i="1"/>
+                            <m:t>𝑡</m:t>
+                          </m:r>
+                        </m:sub>
+                      </m:sSub>
+                      <m:r>
+                        <a:rPr lang="it-IT" i="1"/>
+                        <m:t>−</m:t>
+                      </m:r>
+                      <m:sSub>
+                        <m:sSubPr>
+                          <m:ctrlPr>
+                            <a:rPr lang="it-IT" i="1"/>
+                          </m:ctrlPr>
+                        </m:sSubPr>
+                        <m:e>
+                          <m:r>
+                            <a:rPr lang="it-IT" i="1"/>
+                            <m:t>𝑉</m:t>
+                          </m:r>
+                        </m:e>
+                        <m:sub>
+                          <m:r>
+                            <a:rPr lang="it-IT" i="1"/>
+                            <m:t>𝑛</m:t>
+                          </m:r>
+                        </m:sub>
+                      </m:sSub>
+                      <m:r>
+                        <a:rPr lang="it-IT" i="1"/>
+                        <m:t>)=(</m:t>
+                      </m:r>
+                      <m:nary>
+                        <m:naryPr>
+                          <m:chr m:val="∑"/>
+                          <m:limLoc m:val="undOvr"/>
+                          <m:ctrlPr>
+                            <a:rPr lang="it-IT" i="1"/>
+                          </m:ctrlPr>
+                        </m:naryPr>
+                        <m:sub>
+                          <m:r>
+                            <a:rPr lang="it-IT" i="1"/>
+                            <m:t>𝑖</m:t>
+                          </m:r>
+                        </m:sub>
+                        <m:sup>
+                          <m:r>
+                            <a:rPr lang="it-IT" i="1"/>
+                            <m:t>𝑁</m:t>
+                          </m:r>
+                        </m:sup>
+                        <m:e>
+                          <m:f>
+                            <m:fPr>
+                              <m:ctrlPr>
+                                <a:rPr lang="it-IT" i="1"/>
+                              </m:ctrlPr>
+                            </m:fPr>
+                            <m:num>
+                              <m:sSub>
+                                <m:sSubPr>
+                                  <m:ctrlPr>
+                                    <a:rPr lang="it-IT" i="1"/>
+                                  </m:ctrlPr>
+                                </m:sSubPr>
+                                <m:e>
+                                  <m:r>
+                                    <a:rPr lang="it-IT" i="1"/>
+                                    <m:t>𝑞</m:t>
+                                  </m:r>
+                                </m:e>
+                                <m:sub>
+                                  <m:r>
+                                    <a:rPr lang="it-IT" i="1"/>
+                                    <m:t>𝑖</m:t>
+                                  </m:r>
+                                </m:sub>
+                              </m:sSub>
+                            </m:num>
+                            <m:den>
+                              <m:r>
+                                <a:rPr lang="it-IT" i="1"/>
+                                <m:t> </m:t>
+                              </m:r>
+                              <m:d>
+                                <m:dPr>
+                                  <m:begChr m:val="|"/>
+                                  <m:endChr m:val="|"/>
+                                  <m:ctrlPr>
+                                    <a:rPr lang="it-IT" i="1"/>
+                                  </m:ctrlPr>
+                                </m:dPr>
+                                <m:e>
+                                  <m:d>
+                                    <m:dPr>
+                                      <m:begChr m:val="|"/>
+                                      <m:endChr m:val="|"/>
+                                      <m:ctrlPr>
+                                        <a:rPr lang="it-IT" i="1"/>
+                                      </m:ctrlPr>
+                                    </m:dPr>
+                                    <m:e>
+                                      <m:acc>
+                                        <m:accPr>
+                                          <m:chr m:val="⃗"/>
+                                          <m:ctrlPr>
+                                            <a:rPr lang="it-IT" b="1" i="1"/>
+                                          </m:ctrlPr>
+                                        </m:accPr>
+                                        <m:e>
+                                          <m:sSub>
+                                            <m:sSubPr>
+                                              <m:ctrlPr>
+                                                <a:rPr lang="it-IT" b="1" i="1"/>
+                                              </m:ctrlPr>
+                                            </m:sSubPr>
+                                            <m:e>
+                                              <m:r>
+                                                <a:rPr lang="it-IT" b="1" i="1"/>
+                                                <m:t>𝒑</m:t>
+                                              </m:r>
+                                            </m:e>
+                                            <m:sub>
+                                              <m:r>
+                                                <a:rPr lang="it-IT" b="1" i="1"/>
+                                                <m:t>𝒊</m:t>
+                                              </m:r>
+                                            </m:sub>
+                                          </m:sSub>
+                                        </m:e>
+                                      </m:acc>
+                                      <m:r>
+                                        <a:rPr lang="it-IT" i="1"/>
+                                        <m:t>−</m:t>
+                                      </m:r>
+                                      <m:acc>
+                                        <m:accPr>
+                                          <m:chr m:val="⃗"/>
+                                          <m:ctrlPr>
+                                            <a:rPr lang="it-IT" b="1" i="1"/>
+                                          </m:ctrlPr>
+                                        </m:accPr>
+                                        <m:e>
+                                          <m:r>
+                                            <a:rPr lang="it-IT" b="1" i="1"/>
+                                            <m:t>𝒎</m:t>
+                                          </m:r>
+                                        </m:e>
+                                      </m:acc>
+                                    </m:e>
+                                  </m:d>
+                                </m:e>
+                              </m:d>
+                            </m:den>
+                          </m:f>
+                          <m:r>
+                            <a:rPr lang="it-IT" i="1"/>
+                            <m:t> </m:t>
+                          </m:r>
+                        </m:e>
+                      </m:nary>
+                      <m:r>
+                        <a:rPr lang="it-IT" i="1"/>
+                        <m:t>)−(</m:t>
+                      </m:r>
+                      <m:nary>
+                        <m:naryPr>
+                          <m:chr m:val="∑"/>
+                          <m:limLoc m:val="undOvr"/>
+                          <m:ctrlPr>
+                            <a:rPr lang="it-IT" i="1"/>
+                          </m:ctrlPr>
+                        </m:naryPr>
+                        <m:sub>
+                          <m:r>
+                            <a:rPr lang="it-IT" i="1"/>
+                            <m:t>𝑖</m:t>
+                          </m:r>
+                        </m:sub>
+                        <m:sup>
+                          <m:r>
+                            <a:rPr lang="it-IT" i="1"/>
+                            <m:t>𝑁</m:t>
+                          </m:r>
+                          <m:r>
+                            <a:rPr lang="it-IT" i="1"/>
+                            <m:t>−1</m:t>
+                          </m:r>
+                        </m:sup>
+                        <m:e>
+                          <m:f>
+                            <m:fPr>
+                              <m:ctrlPr>
+                                <a:rPr lang="it-IT" i="1"/>
+                              </m:ctrlPr>
+                            </m:fPr>
+                            <m:num>
+                              <m:sSub>
+                                <m:sSubPr>
+                                  <m:ctrlPr>
+                                    <a:rPr lang="it-IT" i="1"/>
+                                  </m:ctrlPr>
+                                </m:sSubPr>
+                                <m:e>
+                                  <m:r>
+                                    <a:rPr lang="it-IT" i="1"/>
+                                    <m:t>𝑞</m:t>
+                                  </m:r>
+                                </m:e>
+                                <m:sub>
+                                  <m:r>
+                                    <a:rPr lang="it-IT" i="1"/>
+                                    <m:t>𝑖</m:t>
+                                  </m:r>
+                                </m:sub>
+                              </m:sSub>
+                            </m:num>
+                            <m:den>
+                              <m:r>
+                                <a:rPr lang="it-IT" i="1"/>
+                                <m:t> </m:t>
+                              </m:r>
+                              <m:d>
+                                <m:dPr>
+                                  <m:begChr m:val="|"/>
+                                  <m:endChr m:val="|"/>
+                                  <m:ctrlPr>
+                                    <a:rPr lang="it-IT" i="1"/>
+                                  </m:ctrlPr>
+                                </m:dPr>
+                                <m:e>
+                                  <m:d>
+                                    <m:dPr>
+                                      <m:begChr m:val="|"/>
+                                      <m:endChr m:val="|"/>
+                                      <m:ctrlPr>
+                                        <a:rPr lang="it-IT" i="1"/>
+                                      </m:ctrlPr>
+                                    </m:dPr>
+                                    <m:e>
+                                      <m:acc>
+                                        <m:accPr>
+                                          <m:chr m:val="⃗"/>
+                                          <m:ctrlPr>
+                                            <a:rPr lang="it-IT" b="1" i="1"/>
+                                          </m:ctrlPr>
+                                        </m:accPr>
+                                        <m:e>
+                                          <m:sSub>
+                                            <m:sSubPr>
+                                              <m:ctrlPr>
+                                                <a:rPr lang="it-IT" b="1" i="1"/>
+                                              </m:ctrlPr>
+                                            </m:sSubPr>
+                                            <m:e>
+                                              <m:r>
+                                                <a:rPr lang="it-IT" b="1" i="1"/>
+                                                <m:t>𝒑</m:t>
+                                              </m:r>
+                                            </m:e>
+                                            <m:sub>
+                                              <m:r>
+                                                <a:rPr lang="it-IT" b="1" i="1"/>
+                                                <m:t>𝒊</m:t>
+                                              </m:r>
+                                            </m:sub>
+                                          </m:sSub>
+                                        </m:e>
+                                      </m:acc>
+                                      <m:r>
+                                        <a:rPr lang="it-IT" i="1"/>
+                                        <m:t>−</m:t>
+                                      </m:r>
+                                      <m:acc>
+                                        <m:accPr>
+                                          <m:chr m:val="⃗"/>
+                                          <m:ctrlPr>
+                                            <a:rPr lang="it-IT" b="1" i="1"/>
+                                          </m:ctrlPr>
+                                        </m:accPr>
+                                        <m:e>
+                                          <m:r>
+                                            <a:rPr lang="it-IT" b="1" i="1"/>
+                                            <m:t>𝒎</m:t>
+                                          </m:r>
+                                        </m:e>
+                                      </m:acc>
+                                    </m:e>
+                                  </m:d>
+                                </m:e>
+                              </m:d>
+                            </m:den>
+                          </m:f>
+                          <m:r>
+                            <a:rPr lang="it-IT" i="1"/>
+                            <m:t> </m:t>
+                          </m:r>
+                        </m:e>
+                      </m:nary>
+                      <m:r>
+                        <a:rPr lang="it-IT" i="1"/>
+                        <m:t> )= </m:t>
+                      </m:r>
+                      <m:f>
+                        <m:fPr>
+                          <m:ctrlPr>
+                            <a:rPr lang="it-IT" i="1"/>
+                          </m:ctrlPr>
+                        </m:fPr>
+                        <m:num>
+                          <m:sSub>
+                            <m:sSubPr>
+                              <m:ctrlPr>
+                                <a:rPr lang="it-IT" i="1"/>
+                              </m:ctrlPr>
+                            </m:sSubPr>
+                            <m:e>
+                              <m:r>
+                                <a:rPr lang="it-IT" i="1"/>
+                                <m:t>𝑞</m:t>
+                              </m:r>
+                            </m:e>
+                            <m:sub>
+                              <m:r>
+                                <a:rPr lang="it-IT" i="1"/>
+                                <m:t>𝑁</m:t>
+                              </m:r>
+                            </m:sub>
+                          </m:sSub>
+                        </m:num>
+                        <m:den>
+                          <m:d>
+                            <m:dPr>
+                              <m:begChr m:val="|"/>
+                              <m:endChr m:val="|"/>
+                              <m:ctrlPr>
+                                <a:rPr lang="it-IT" i="1"/>
+                              </m:ctrlPr>
+                            </m:dPr>
+                            <m:e>
+                              <m:d>
+                                <m:dPr>
+                                  <m:begChr m:val="|"/>
+                                  <m:endChr m:val="|"/>
+                                  <m:ctrlPr>
+                                    <a:rPr lang="it-IT" i="1"/>
+                                  </m:ctrlPr>
+                                </m:dPr>
+                                <m:e>
+                                  <m:acc>
+                                    <m:accPr>
+                                      <m:chr m:val="⃗"/>
+                                      <m:ctrlPr>
+                                        <a:rPr lang="it-IT" b="1" i="1"/>
+                                      </m:ctrlPr>
+                                    </m:accPr>
+                                    <m:e>
+                                      <m:sSub>
+                                        <m:sSubPr>
+                                          <m:ctrlPr>
+                                            <a:rPr lang="it-IT" b="1" i="1"/>
+                                          </m:ctrlPr>
+                                        </m:sSubPr>
+                                        <m:e>
+                                          <m:r>
+                                            <a:rPr lang="it-IT" b="1" i="1"/>
+                                            <m:t>𝒑</m:t>
+                                          </m:r>
+                                        </m:e>
+                                        <m:sub>
+                                          <m:r>
+                                            <a:rPr lang="it-IT" b="1" i="1"/>
+                                            <m:t>𝑵</m:t>
+                                          </m:r>
+                                        </m:sub>
+                                      </m:sSub>
+                                    </m:e>
+                                  </m:acc>
+                                  <m:r>
+                                    <a:rPr lang="it-IT" i="1"/>
+                                    <m:t>−</m:t>
+                                  </m:r>
+                                  <m:acc>
+                                    <m:accPr>
+                                      <m:chr m:val="⃗"/>
+                                      <m:ctrlPr>
+                                        <a:rPr lang="it-IT" b="1" i="1"/>
+                                      </m:ctrlPr>
+                                    </m:accPr>
+                                    <m:e>
+                                      <m:r>
+                                        <a:rPr lang="it-IT" b="1" i="1"/>
+                                        <m:t>𝒎</m:t>
+                                      </m:r>
+                                    </m:e>
+                                  </m:acc>
+                                </m:e>
+                              </m:d>
+                            </m:e>
+                          </m:d>
+                        </m:den>
+                      </m:f>
+                    </m:oMath>
+                  </m:oMathPara>
+                </a14:m>
+                <a:endParaRPr lang="en-US" dirty="0" smtClean="0"/>
+              </a:p>
+              <a:p>
+                <a:endParaRPr lang="it-IT" dirty="0" smtClean="0"/>
+              </a:p>
+              <a:p>
+                <a:endParaRPr lang="it-IT" dirty="0"/>
+              </a:p>
+              <a:p>
+                <a:r>
+                  <a:rPr lang="it-IT" dirty="0" smtClean="0"/>
+                  <a:t>Calcoliamo la differenza di potenziale tra quello della carica ignota e quello di una generica carica </a:t>
+                </a:r>
+                <a:r>
+                  <a:rPr lang="it-IT" b="1" dirty="0"/>
+                  <a:t>q*</a:t>
+                </a:r>
+                <a:r>
+                  <a:rPr lang="it-IT" dirty="0"/>
+                  <a:t>.</a:t>
                 </a:r>
               </a:p>
               <a:p>
@@ -9765,85 +9104,536 @@
                     </m:oMathParaPr>
                     <m:oMath xmlns:m="http://schemas.openxmlformats.org/officeDocument/2006/math">
                       <m:r>
-                        <a:rPr lang="it-IT" sz="2200" i="1"/>
-                        <m:t>𝐸</m:t>
+                        <a:rPr lang="it-IT" i="1"/>
+                        <m:t>4</m:t>
                       </m:r>
-                      <m:d>
-                        <m:dPr>
+                      <m:r>
+                        <a:rPr lang="it-IT" i="1"/>
+                        <m:t>𝜋𝜀</m:t>
+                      </m:r>
+                      <m:r>
+                        <a:rPr lang="it-IT" i="1"/>
+                        <m:t>∆</m:t>
+                      </m:r>
+                      <m:r>
+                        <a:rPr lang="it-IT" i="1"/>
+                        <m:t>𝑉</m:t>
+                      </m:r>
+                      <m:r>
+                        <a:rPr lang="it-IT" i="1"/>
+                        <m:t>=</m:t>
+                      </m:r>
+                      <m:sSub>
+                        <m:sSubPr>
                           <m:ctrlPr>
-                            <a:rPr lang="en-US" sz="2200" i="1"/>
+                            <a:rPr lang="it-IT" i="1"/>
                           </m:ctrlPr>
-                        </m:dPr>
+                        </m:sSubPr>
                         <m:e>
+                          <m:r>
+                            <a:rPr lang="it-IT" i="1"/>
+                            <m:t>4</m:t>
+                          </m:r>
+                          <m:r>
+                            <a:rPr lang="it-IT" i="1"/>
+                            <m:t>𝜋𝜀</m:t>
+                          </m:r>
+                          <m:r>
+                            <a:rPr lang="it-IT" i="1"/>
+                            <m:t> (</m:t>
+                          </m:r>
+                          <m:r>
+                            <a:rPr lang="it-IT" i="1"/>
+                            <m:t>𝑉</m:t>
+                          </m:r>
+                        </m:e>
+                        <m:sub>
+                          <m:r>
+                            <a:rPr lang="it-IT" i="1"/>
+                            <m:t>𝑁</m:t>
+                          </m:r>
+                        </m:sub>
+                      </m:sSub>
+                      <m:r>
+                        <a:rPr lang="it-IT" i="1"/>
+                        <m:t>−</m:t>
+                      </m:r>
+                      <m:sSup>
+                        <m:sSupPr>
+                          <m:ctrlPr>
+                            <a:rPr lang="it-IT" i="1"/>
+                          </m:ctrlPr>
+                        </m:sSupPr>
+                        <m:e>
+                          <m:r>
+                            <a:rPr lang="it-IT" i="1"/>
+                            <m:t>𝑉</m:t>
+                          </m:r>
+                        </m:e>
+                        <m:sup>
+                          <m:r>
+                            <a:rPr lang="it-IT" i="1"/>
+                            <m:t>∗</m:t>
+                          </m:r>
+                        </m:sup>
+                      </m:sSup>
+                      <m:r>
+                        <a:rPr lang="it-IT" i="1"/>
+                        <m:t>)= </m:t>
+                      </m:r>
+                      <m:f>
+                        <m:fPr>
+                          <m:ctrlPr>
+                            <a:rPr lang="it-IT" i="1"/>
+                          </m:ctrlPr>
+                        </m:fPr>
+                        <m:num>
                           <m:sSub>
                             <m:sSubPr>
                               <m:ctrlPr>
-                                <a:rPr lang="en-US" sz="2200" b="1" i="1"/>
+                                <a:rPr lang="it-IT" i="1"/>
                               </m:ctrlPr>
                             </m:sSubPr>
                             <m:e>
                               <m:r>
-                                <a:rPr lang="it-IT" sz="2200" b="1" i="1"/>
-                                <m:t>𝒑</m:t>
+                                <a:rPr lang="it-IT" i="1"/>
+                                <m:t>𝑞</m:t>
                               </m:r>
                             </m:e>
                             <m:sub>
                               <m:r>
-                                <a:rPr lang="it-IT" sz="2200" b="1" i="1"/>
-                                <m:t>𝒙</m:t>
+                                <a:rPr lang="it-IT" i="1"/>
+                                <m:t>𝑁</m:t>
                               </m:r>
                             </m:sub>
                           </m:sSub>
-                        </m:e>
-                      </m:d>
+                        </m:num>
+                        <m:den>
+                          <m:d>
+                            <m:dPr>
+                              <m:begChr m:val="|"/>
+                              <m:endChr m:val="|"/>
+                              <m:ctrlPr>
+                                <a:rPr lang="it-IT" i="1"/>
+                              </m:ctrlPr>
+                            </m:dPr>
+                            <m:e>
+                              <m:d>
+                                <m:dPr>
+                                  <m:begChr m:val="|"/>
+                                  <m:endChr m:val="|"/>
+                                  <m:ctrlPr>
+                                    <a:rPr lang="it-IT" i="1"/>
+                                  </m:ctrlPr>
+                                </m:dPr>
+                                <m:e>
+                                  <m:acc>
+                                    <m:accPr>
+                                      <m:chr m:val="⃗"/>
+                                      <m:ctrlPr>
+                                        <a:rPr lang="it-IT" b="1" i="1"/>
+                                      </m:ctrlPr>
+                                    </m:accPr>
+                                    <m:e>
+                                      <m:sSub>
+                                        <m:sSubPr>
+                                          <m:ctrlPr>
+                                            <a:rPr lang="it-IT" b="1" i="1"/>
+                                          </m:ctrlPr>
+                                        </m:sSubPr>
+                                        <m:e>
+                                          <m:r>
+                                            <a:rPr lang="it-IT" b="1" i="1"/>
+                                            <m:t>𝒑</m:t>
+                                          </m:r>
+                                        </m:e>
+                                        <m:sub>
+                                          <m:r>
+                                            <a:rPr lang="it-IT" b="1" i="1"/>
+                                            <m:t>𝑵</m:t>
+                                          </m:r>
+                                        </m:sub>
+                                      </m:sSub>
+                                    </m:e>
+                                  </m:acc>
+                                  <m:r>
+                                    <a:rPr lang="it-IT" i="1"/>
+                                    <m:t>−</m:t>
+                                  </m:r>
+                                  <m:acc>
+                                    <m:accPr>
+                                      <m:chr m:val="⃗"/>
+                                      <m:ctrlPr>
+                                        <a:rPr lang="it-IT" b="1" i="1"/>
+                                      </m:ctrlPr>
+                                    </m:accPr>
+                                    <m:e>
+                                      <m:r>
+                                        <a:rPr lang="it-IT" b="1" i="1"/>
+                                        <m:t>𝒎</m:t>
+                                      </m:r>
+                                    </m:e>
+                                  </m:acc>
+                                </m:e>
+                              </m:d>
+                            </m:e>
+                          </m:d>
+                        </m:den>
+                      </m:f>
                       <m:r>
-                        <a:rPr lang="it-IT" sz="2200" i="1"/>
-                        <m:t>=</m:t>
+                        <a:rPr lang="it-IT" i="1"/>
+                        <m:t>−</m:t>
                       </m:r>
                       <m:f>
                         <m:fPr>
                           <m:ctrlPr>
-                            <a:rPr lang="en-US" sz="2200" i="1"/>
+                            <a:rPr lang="it-IT" i="1"/>
+                          </m:ctrlPr>
+                        </m:fPr>
+                        <m:num>
+                          <m:sSup>
+                            <m:sSupPr>
+                              <m:ctrlPr>
+                                <a:rPr lang="it-IT" i="1"/>
+                              </m:ctrlPr>
+                            </m:sSupPr>
+                            <m:e>
+                              <m:r>
+                                <a:rPr lang="it-IT" i="1"/>
+                                <m:t>𝑞</m:t>
+                              </m:r>
+                            </m:e>
+                            <m:sup>
+                              <m:r>
+                                <a:rPr lang="it-IT" i="1"/>
+                                <m:t>∗</m:t>
+                              </m:r>
+                            </m:sup>
+                          </m:sSup>
+                        </m:num>
+                        <m:den>
+                          <m:r>
+                            <a:rPr lang="it-IT" i="1"/>
+                            <m:t> </m:t>
+                          </m:r>
+                          <m:d>
+                            <m:dPr>
+                              <m:begChr m:val="|"/>
+                              <m:endChr m:val="|"/>
+                              <m:ctrlPr>
+                                <a:rPr lang="it-IT" i="1"/>
+                              </m:ctrlPr>
+                            </m:dPr>
+                            <m:e>
+                              <m:d>
+                                <m:dPr>
+                                  <m:begChr m:val="|"/>
+                                  <m:endChr m:val="|"/>
+                                  <m:ctrlPr>
+                                    <a:rPr lang="it-IT" i="1"/>
+                                  </m:ctrlPr>
+                                </m:dPr>
+                                <m:e>
+                                  <m:acc>
+                                    <m:accPr>
+                                      <m:chr m:val="⃗"/>
+                                      <m:ctrlPr>
+                                        <a:rPr lang="it-IT" b="1" i="1"/>
+                                      </m:ctrlPr>
+                                    </m:accPr>
+                                    <m:e>
+                                      <m:sSup>
+                                        <m:sSupPr>
+                                          <m:ctrlPr>
+                                            <a:rPr lang="it-IT" b="1" i="1"/>
+                                          </m:ctrlPr>
+                                        </m:sSupPr>
+                                        <m:e>
+                                          <m:r>
+                                            <a:rPr lang="it-IT" b="1" i="1"/>
+                                            <m:t>𝒑</m:t>
+                                          </m:r>
+                                        </m:e>
+                                        <m:sup>
+                                          <m:r>
+                                            <a:rPr lang="it-IT" b="1" i="1"/>
+                                            <m:t>∗</m:t>
+                                          </m:r>
+                                        </m:sup>
+                                      </m:sSup>
+                                    </m:e>
+                                  </m:acc>
+                                  <m:r>
+                                    <a:rPr lang="it-IT" i="1"/>
+                                    <m:t>−</m:t>
+                                  </m:r>
+                                  <m:acc>
+                                    <m:accPr>
+                                      <m:chr m:val="⃗"/>
+                                      <m:ctrlPr>
+                                        <a:rPr lang="it-IT" b="1" i="1"/>
+                                      </m:ctrlPr>
+                                    </m:accPr>
+                                    <m:e>
+                                      <m:r>
+                                        <a:rPr lang="it-IT" b="1" i="1"/>
+                                        <m:t>𝒎</m:t>
+                                      </m:r>
+                                    </m:e>
+                                  </m:acc>
+                                </m:e>
+                              </m:d>
+                            </m:e>
+                          </m:d>
+                        </m:den>
+                      </m:f>
+                      <m:r>
+                        <a:rPr lang="it-IT" i="1"/>
+                        <m:t> </m:t>
+                      </m:r>
+                    </m:oMath>
+                  </m:oMathPara>
+                </a14:m>
+                <a:endParaRPr lang="it-IT" dirty="0" smtClean="0"/>
+              </a:p>
+              <a:p>
+                <a:r>
+                  <a:rPr lang="it-IT" dirty="0" smtClean="0"/>
+                  <a:t>Sommando </a:t>
+                </a:r>
+                <a:r>
+                  <a:rPr lang="it-IT" dirty="0" err="1"/>
+                  <a:t>quadraticamente</a:t>
+                </a:r>
+                <a:r>
+                  <a:rPr lang="it-IT" dirty="0"/>
+                  <a:t> le differenze di potenziale di ognuno degli M misuratori otterremo un sistema il quale ammette un’unica soluzione, tale somma sarà la funzione di costo da minimizzare.</a:t>
+                </a:r>
+              </a:p>
+              <a:p>
+                <a14:m>
+                  <m:oMathPara xmlns:m="http://schemas.openxmlformats.org/officeDocument/2006/math">
+                    <m:oMathParaPr>
+                      <m:jc m:val="centerGroup"/>
+                    </m:oMathParaPr>
+                    <m:oMath xmlns:m="http://schemas.openxmlformats.org/officeDocument/2006/math">
+                      <m:f>
+                        <m:fPr>
+                          <m:ctrlPr>
+                            <a:rPr lang="it-IT" i="1"/>
                           </m:ctrlPr>
                         </m:fPr>
                         <m:num>
                           <m:r>
-                            <a:rPr lang="it-IT" sz="2200" i="1"/>
-                            <m:t>1</m:t>
+                            <a:rPr lang="it-IT" i="1"/>
+                            <m:t>𝐸</m:t>
                           </m:r>
+                          <m:d>
+                            <m:dPr>
+                              <m:ctrlPr>
+                                <a:rPr lang="it-IT" i="1"/>
+                              </m:ctrlPr>
+                            </m:dPr>
+                            <m:e>
+                              <m:sSup>
+                                <m:sSupPr>
+                                  <m:ctrlPr>
+                                    <a:rPr lang="it-IT" i="1"/>
+                                  </m:ctrlPr>
+                                </m:sSupPr>
+                                <m:e>
+                                  <m:r>
+                                    <a:rPr lang="it-IT" i="1"/>
+                                    <m:t>𝑞</m:t>
+                                  </m:r>
+                                </m:e>
+                                <m:sup>
+                                  <m:r>
+                                    <a:rPr lang="it-IT" i="1"/>
+                                    <m:t>∗</m:t>
+                                  </m:r>
+                                </m:sup>
+                              </m:sSup>
+                              <m:r>
+                                <a:rPr lang="it-IT" i="1"/>
+                                <m:t>, </m:t>
+                              </m:r>
+                              <m:acc>
+                                <m:accPr>
+                                  <m:chr m:val="⃗"/>
+                                  <m:ctrlPr>
+                                    <a:rPr lang="it-IT" b="1" i="1"/>
+                                  </m:ctrlPr>
+                                </m:accPr>
+                                <m:e>
+                                  <m:sSup>
+                                    <m:sSupPr>
+                                      <m:ctrlPr>
+                                        <a:rPr lang="it-IT" b="1" i="1"/>
+                                      </m:ctrlPr>
+                                    </m:sSupPr>
+                                    <m:e>
+                                      <m:r>
+                                        <a:rPr lang="it-IT" b="1" i="1"/>
+                                        <m:t>𝒑</m:t>
+                                      </m:r>
+                                    </m:e>
+                                    <m:sup>
+                                      <m:r>
+                                        <a:rPr lang="it-IT" b="1" i="1"/>
+                                        <m:t>∗</m:t>
+                                      </m:r>
+                                    </m:sup>
+                                  </m:sSup>
+                                </m:e>
+                              </m:acc>
+                            </m:e>
+                          </m:d>
                         </m:num>
                         <m:den>
                           <m:r>
-                            <a:rPr lang="it-IT" sz="2200" i="1"/>
+                            <a:rPr lang="it-IT" i="1"/>
                             <m:t>𝑀</m:t>
                           </m:r>
+                          <m:rad>
+                            <m:radPr>
+                              <m:degHide m:val="on"/>
+                              <m:ctrlPr>
+                                <a:rPr lang="it-IT" i="1"/>
+                              </m:ctrlPr>
+                            </m:radPr>
+                            <m:deg/>
+                            <m:e>
+                              <m:r>
+                                <a:rPr lang="it-IT" i="1"/>
+                                <m:t>3</m:t>
+                              </m:r>
+                            </m:e>
+                          </m:rad>
                         </m:den>
                       </m:f>
                       <m:r>
-                        <a:rPr lang="it-IT" sz="2200" i="1"/>
-                        <m:t> </m:t>
+                        <a:rPr lang="it-IT" i="1"/>
+                        <m:t>= </m:t>
                       </m:r>
                       <m:nary>
                         <m:naryPr>
                           <m:chr m:val="∑"/>
                           <m:limLoc m:val="undOvr"/>
                           <m:ctrlPr>
-                            <a:rPr lang="en-US" sz="2200" i="1"/>
+                            <a:rPr lang="it-IT" i="1"/>
                           </m:ctrlPr>
                         </m:naryPr>
                         <m:sub>
                           <m:r>
-                            <a:rPr lang="it-IT" sz="2200" i="1"/>
+                            <a:rPr lang="it-IT" i="1"/>
                             <m:t>𝑗</m:t>
                           </m:r>
                           <m:r>
-                            <a:rPr lang="it-IT" sz="2200" i="1"/>
+                            <a:rPr lang="it-IT" i="1"/>
                             <m:t>=1</m:t>
                           </m:r>
                         </m:sub>
                         <m:sup>
                           <m:r>
-                            <a:rPr lang="it-IT" sz="2200" i="1"/>
+                            <a:rPr lang="it-IT" i="1"/>
+                            <m:t>𝑀</m:t>
+                          </m:r>
+                        </m:sup>
+                        <m:e>
+                          <m:sSubSup>
+                            <m:sSubSupPr>
+                              <m:ctrlPr>
+                                <a:rPr lang="it-IT" i="1"/>
+                              </m:ctrlPr>
+                            </m:sSubSupPr>
+                            <m:e>
+                              <m:d>
+                                <m:dPr>
+                                  <m:begChr m:val=""/>
+                                  <m:endChr m:val="|"/>
+                                  <m:ctrlPr>
+                                    <a:rPr lang="it-IT" i="1"/>
+                                  </m:ctrlPr>
+                                </m:dPr>
+                                <m:e>
+                                  <m:r>
+                                    <a:rPr lang="it-IT" i="1"/>
+                                    <m:t>4</m:t>
+                                  </m:r>
+                                  <m:r>
+                                    <a:rPr lang="it-IT" i="1"/>
+                                    <m:t>𝜋𝜀</m:t>
+                                  </m:r>
+                                  <m:r>
+                                    <a:rPr lang="it-IT" i="1"/>
+                                    <m:t>∆</m:t>
+                                  </m:r>
+                                  <m:r>
+                                    <a:rPr lang="it-IT" i="1"/>
+                                    <m:t>𝑉</m:t>
+                                  </m:r>
+                                </m:e>
+                              </m:d>
+                            </m:e>
+                            <m:sub>
+                              <m:r>
+                                <a:rPr lang="it-IT" i="1"/>
+                                <m:t>𝑚</m:t>
+                              </m:r>
+                              <m:r>
+                                <a:rPr lang="it-IT" i="1"/>
+                                <m:t>=</m:t>
+                              </m:r>
+                              <m:sSub>
+                                <m:sSubPr>
+                                  <m:ctrlPr>
+                                    <a:rPr lang="it-IT" i="1"/>
+                                  </m:ctrlPr>
+                                </m:sSubPr>
+                                <m:e>
+                                  <m:r>
+                                    <a:rPr lang="it-IT" i="1"/>
+                                    <m:t>𝑚</m:t>
+                                  </m:r>
+                                </m:e>
+                                <m:sub>
+                                  <m:r>
+                                    <a:rPr lang="it-IT" i="1"/>
+                                    <m:t>𝑗</m:t>
+                                  </m:r>
+                                </m:sub>
+                              </m:sSub>
+                            </m:sub>
+                            <m:sup/>
+                          </m:sSubSup>
+                        </m:e>
+                      </m:nary>
+                      <m:r>
+                        <a:rPr lang="it-IT" i="1"/>
+                        <m:t>= </m:t>
+                      </m:r>
+                      <m:nary>
+                        <m:naryPr>
+                          <m:chr m:val="∑"/>
+                          <m:limLoc m:val="undOvr"/>
+                          <m:ctrlPr>
+                            <a:rPr lang="it-IT" i="1"/>
+                          </m:ctrlPr>
+                        </m:naryPr>
+                        <m:sub>
+                          <m:r>
+                            <a:rPr lang="it-IT" i="1"/>
+                            <m:t>𝑗</m:t>
+                          </m:r>
+                          <m:r>
+                            <a:rPr lang="it-IT" i="1"/>
+                            <m:t>=1</m:t>
+                          </m:r>
+                        </m:sub>
+                        <m:sup>
+                          <m:r>
+                            <a:rPr lang="it-IT" i="1"/>
                             <m:t>𝑀</m:t>
                           </m:r>
                         </m:sup>
@@ -9851,186 +9641,51 @@
                           <m:sSup>
                             <m:sSupPr>
                               <m:ctrlPr>
-                                <a:rPr lang="en-US" sz="2200" i="1"/>
-                              </m:ctrlPr>
-                            </m:sSupPr>
-                            <m:e>
-                              <m:sSub>
-                                <m:sSubPr>
-                                  <m:ctrlPr>
-                                    <a:rPr lang="en-US" sz="2200" i="1"/>
-                                  </m:ctrlPr>
-                                </m:sSubPr>
-                                <m:e>
-                                  <m:r>
-                                    <a:rPr lang="it-IT" sz="2200" i="1"/>
-                                    <m:t>𝜖</m:t>
-                                  </m:r>
-                                </m:e>
-                                <m:sub>
-                                  <m:sSup>
-                                    <m:sSupPr>
-                                      <m:ctrlPr>
-                                        <a:rPr lang="en-US" sz="2200" i="1"/>
-                                      </m:ctrlPr>
-                                    </m:sSupPr>
-                                    <m:e>
-                                      <m:r>
-                                        <a:rPr lang="en-GB" sz="2200" i="1"/>
-                                        <m:t>𝑚</m:t>
-                                      </m:r>
-                                    </m:e>
-                                    <m:sup>
-                                      <m:r>
-                                        <a:rPr lang="en-GB" sz="2200" i="1"/>
-                                        <m:t>𝑗</m:t>
-                                      </m:r>
-                                    </m:sup>
-                                  </m:sSup>
-                                </m:sub>
-                              </m:sSub>
-                              <m:d>
-                                <m:dPr>
-                                  <m:ctrlPr>
-                                    <a:rPr lang="en-US" sz="2200" i="1"/>
-                                  </m:ctrlPr>
-                                </m:dPr>
-                                <m:e>
-                                  <m:sSub>
-                                    <m:sSubPr>
-                                      <m:ctrlPr>
-                                        <a:rPr lang="en-US" sz="2200" b="1" i="1"/>
-                                      </m:ctrlPr>
-                                    </m:sSubPr>
-                                    <m:e>
-                                      <m:r>
-                                        <a:rPr lang="it-IT" sz="2200" b="1" i="1"/>
-                                        <m:t>𝒑</m:t>
-                                      </m:r>
-                                    </m:e>
-                                    <m:sub>
-                                      <m:r>
-                                        <a:rPr lang="it-IT" sz="2200" b="1" i="1"/>
-                                        <m:t>𝒙</m:t>
-                                      </m:r>
-                                    </m:sub>
-                                  </m:sSub>
-                                </m:e>
-                              </m:d>
-                            </m:e>
-                            <m:sup>
-                              <m:r>
-                                <a:rPr lang="it-IT" sz="2200" i="1"/>
-                                <m:t>2</m:t>
-                              </m:r>
-                            </m:sup>
-                          </m:sSup>
-                        </m:e>
-                      </m:nary>
-                      <m:r>
-                        <a:rPr lang="it-IT" sz="2200" i="1"/>
-                        <m:t>=</m:t>
-                      </m:r>
-                      <m:f>
-                        <m:fPr>
-                          <m:ctrlPr>
-                            <a:rPr lang="en-US" sz="2200" i="1"/>
-                          </m:ctrlPr>
-                        </m:fPr>
-                        <m:num>
-                          <m:r>
-                            <a:rPr lang="it-IT" sz="2200" i="1"/>
-                            <m:t>1</m:t>
-                          </m:r>
-                        </m:num>
-                        <m:den>
-                          <m:r>
-                            <a:rPr lang="it-IT" sz="2200" i="1"/>
-                            <m:t>𝑀</m:t>
-                          </m:r>
-                          <m:rad>
-                            <m:radPr>
-                              <m:degHide m:val="on"/>
-                              <m:ctrlPr>
-                                <a:rPr lang="en-US" sz="2200" i="1"/>
-                              </m:ctrlPr>
-                            </m:radPr>
-                            <m:deg/>
-                            <m:e>
-                              <m:r>
-                                <a:rPr lang="it-IT" sz="2200" i="1"/>
-                                <m:t>3</m:t>
-                              </m:r>
-                            </m:e>
-                          </m:rad>
-                        </m:den>
-                      </m:f>
-                      <m:r>
-                        <a:rPr lang="it-IT" sz="2200" i="1"/>
-                        <m:t> </m:t>
-                      </m:r>
-                      <m:nary>
-                        <m:naryPr>
-                          <m:chr m:val="∑"/>
-                          <m:limLoc m:val="undOvr"/>
-                          <m:ctrlPr>
-                            <a:rPr lang="en-US" sz="2200" i="1"/>
-                          </m:ctrlPr>
-                        </m:naryPr>
-                        <m:sub>
-                          <m:r>
-                            <a:rPr lang="it-IT" sz="2200" i="1"/>
-                            <m:t>𝑗</m:t>
-                          </m:r>
-                          <m:r>
-                            <a:rPr lang="it-IT" sz="2200" i="1"/>
-                            <m:t>=1</m:t>
-                          </m:r>
-                        </m:sub>
-                        <m:sup>
-                          <m:r>
-                            <a:rPr lang="it-IT" sz="2200" i="1"/>
-                            <m:t>𝑀</m:t>
-                          </m:r>
-                        </m:sup>
-                        <m:e>
-                          <m:sSup>
-                            <m:sSupPr>
-                              <m:ctrlPr>
-                                <a:rPr lang="en-US" sz="2200" i="1"/>
+                                <a:rPr lang="it-IT" i="1"/>
                               </m:ctrlPr>
                             </m:sSupPr>
                             <m:e>
                               <m:d>
                                 <m:dPr>
                                   <m:ctrlPr>
-                                    <a:rPr lang="en-US" sz="2200" i="1"/>
+                                    <a:rPr lang="it-IT" i="1"/>
                                   </m:ctrlPr>
                                 </m:dPr>
                                 <m:e>
                                   <m:f>
                                     <m:fPr>
                                       <m:ctrlPr>
-                                        <a:rPr lang="en-US" sz="2200" i="1"/>
+                                        <a:rPr lang="it-IT" i="1"/>
                                       </m:ctrlPr>
                                     </m:fPr>
                                     <m:num>
-                                      <m:r>
-                                        <a:rPr lang="it-IT" sz="2200" i="1"/>
-                                        <m:t>1</m:t>
-                                      </m:r>
+                                      <m:sSub>
+                                        <m:sSubPr>
+                                          <m:ctrlPr>
+                                            <a:rPr lang="it-IT" i="1"/>
+                                          </m:ctrlPr>
+                                        </m:sSubPr>
+                                        <m:e>
+                                          <m:r>
+                                            <a:rPr lang="it-IT" i="1"/>
+                                            <m:t>𝑞</m:t>
+                                          </m:r>
+                                        </m:e>
+                                        <m:sub>
+                                          <m:r>
+                                            <a:rPr lang="it-IT" i="1"/>
+                                            <m:t>𝑁</m:t>
+                                          </m:r>
+                                        </m:sub>
+                                      </m:sSub>
                                     </m:num>
                                     <m:den>
-                                      <m:r>
-                                        <a:rPr lang="it-IT" sz="2200" i="1"/>
-                                        <m:t> </m:t>
-                                      </m:r>
                                       <m:d>
                                         <m:dPr>
                                           <m:begChr m:val="|"/>
                                           <m:endChr m:val="|"/>
                                           <m:ctrlPr>
-                                            <a:rPr lang="en-US" sz="2200" i="1"/>
+                                            <a:rPr lang="it-IT" i="1"/>
                                           </m:ctrlPr>
                                         </m:dPr>
                                         <m:e>
@@ -10039,52 +9694,72 @@
                                               <m:begChr m:val="|"/>
                                               <m:endChr m:val="|"/>
                                               <m:ctrlPr>
-                                                <a:rPr lang="en-US" sz="2200" i="1"/>
+                                                <a:rPr lang="it-IT" i="1"/>
                                               </m:ctrlPr>
                                             </m:dPr>
                                             <m:e>
-                                              <m:sSub>
-                                                <m:sSubPr>
+                                              <m:acc>
+                                                <m:accPr>
+                                                  <m:chr m:val="⃗"/>
                                                   <m:ctrlPr>
-                                                    <a:rPr lang="en-US" sz="2200" b="1" i="1"/>
+                                                    <a:rPr lang="it-IT" b="1" i="1"/>
                                                   </m:ctrlPr>
-                                                </m:sSubPr>
+                                                </m:accPr>
                                                 <m:e>
-                                                  <m:r>
-                                                    <a:rPr lang="it-IT" sz="2200" b="1" i="1"/>
-                                                    <m:t>𝒑</m:t>
-                                                  </m:r>
+                                                  <m:sSub>
+                                                    <m:sSubPr>
+                                                      <m:ctrlPr>
+                                                        <a:rPr lang="it-IT" b="1" i="1"/>
+                                                      </m:ctrlPr>
+                                                    </m:sSubPr>
+                                                    <m:e>
+                                                      <m:r>
+                                                        <a:rPr lang="it-IT" b="1" i="1"/>
+                                                        <m:t>𝒑</m:t>
+                                                      </m:r>
+                                                    </m:e>
+                                                    <m:sub>
+                                                      <m:r>
+                                                        <a:rPr lang="it-IT" b="1" i="1"/>
+                                                        <m:t>𝑵</m:t>
+                                                      </m:r>
+                                                    </m:sub>
+                                                  </m:sSub>
                                                 </m:e>
-                                                <m:sub>
-                                                  <m:r>
-                                                    <a:rPr lang="it-IT" sz="2200" b="1" i="1"/>
-                                                    <m:t>𝑵</m:t>
-                                                  </m:r>
-                                                </m:sub>
-                                              </m:sSub>
+                                              </m:acc>
                                               <m:r>
-                                                <a:rPr lang="it-IT" sz="2200" i="1"/>
+                                                <a:rPr lang="it-IT" i="1"/>
                                                 <m:t>−</m:t>
                                               </m:r>
-                                              <m:sSub>
-                                                <m:sSubPr>
+                                              <m:acc>
+                                                <m:accPr>
+                                                  <m:chr m:val="⃗"/>
                                                   <m:ctrlPr>
-                                                    <a:rPr lang="en-US" sz="2200" b="1" i="1"/>
+                                                    <a:rPr lang="it-IT" b="1" i="1"/>
                                                   </m:ctrlPr>
-                                                </m:sSubPr>
+                                                </m:accPr>
                                                 <m:e>
-                                                  <m:r>
-                                                    <a:rPr lang="it-IT" sz="2200" b="1" i="1"/>
-                                                    <m:t>𝒎</m:t>
-                                                  </m:r>
+                                                  <m:sSub>
+                                                    <m:sSubPr>
+                                                      <m:ctrlPr>
+                                                        <a:rPr lang="it-IT" b="1" i="1"/>
+                                                      </m:ctrlPr>
+                                                    </m:sSubPr>
+                                                    <m:e>
+                                                      <m:r>
+                                                        <a:rPr lang="it-IT" b="1" i="1"/>
+                                                        <m:t>𝒎</m:t>
+                                                      </m:r>
+                                                    </m:e>
+                                                    <m:sub>
+                                                      <m:r>
+                                                        <a:rPr lang="it-IT" b="1" i="1"/>
+                                                        <m:t>𝒋</m:t>
+                                                      </m:r>
+                                                    </m:sub>
+                                                  </m:sSub>
                                                 </m:e>
-                                                <m:sub>
-                                                  <m:r>
-                                                    <a:rPr lang="it-IT" sz="2200" b="1" i="1"/>
-                                                    <m:t>𝒋</m:t>
-                                                  </m:r>
-                                                </m:sub>
-                                              </m:sSub>
+                                              </m:acc>
                                             </m:e>
                                           </m:d>
                                         </m:e>
@@ -10092,24 +9767,39 @@
                                     </m:den>
                                   </m:f>
                                   <m:r>
-                                    <a:rPr lang="it-IT" sz="2200" i="1"/>
-                                    <m:t>− </m:t>
+                                    <a:rPr lang="it-IT" i="1"/>
+                                    <m:t>−</m:t>
                                   </m:r>
                                   <m:f>
                                     <m:fPr>
                                       <m:ctrlPr>
-                                        <a:rPr lang="en-US" sz="2200" i="1"/>
+                                        <a:rPr lang="it-IT" i="1"/>
                                       </m:ctrlPr>
                                     </m:fPr>
                                     <m:num>
-                                      <m:r>
-                                        <a:rPr lang="it-IT" sz="2200" i="1"/>
-                                        <m:t>1</m:t>
-                                      </m:r>
+                                      <m:sSup>
+                                        <m:sSupPr>
+                                          <m:ctrlPr>
+                                            <a:rPr lang="it-IT" i="1"/>
+                                          </m:ctrlPr>
+                                        </m:sSupPr>
+                                        <m:e>
+                                          <m:r>
+                                            <a:rPr lang="it-IT" i="1"/>
+                                            <m:t>𝑞</m:t>
+                                          </m:r>
+                                        </m:e>
+                                        <m:sup>
+                                          <m:r>
+                                            <a:rPr lang="it-IT" i="1"/>
+                                            <m:t>∗</m:t>
+                                          </m:r>
+                                        </m:sup>
+                                      </m:sSup>
                                     </m:num>
                                     <m:den>
                                       <m:r>
-                                        <a:rPr lang="it-IT" sz="2200" i="1"/>
+                                        <a:rPr lang="it-IT" i="1"/>
                                         <m:t> </m:t>
                                       </m:r>
                                       <m:d>
@@ -10117,7 +9807,7 @@
                                           <m:begChr m:val="|"/>
                                           <m:endChr m:val="|"/>
                                           <m:ctrlPr>
-                                            <a:rPr lang="en-US" sz="2200" i="1"/>
+                                            <a:rPr lang="it-IT" i="1"/>
                                           </m:ctrlPr>
                                         </m:dPr>
                                         <m:e>
@@ -10126,64 +9816,88 @@
                                               <m:begChr m:val="|"/>
                                               <m:endChr m:val="|"/>
                                               <m:ctrlPr>
-                                                <a:rPr lang="en-US" sz="2200" i="1"/>
+                                                <a:rPr lang="it-IT" i="1"/>
                                               </m:ctrlPr>
                                             </m:dPr>
                                             <m:e>
-                                              <m:sSub>
-                                                <m:sSubPr>
+                                              <m:acc>
+                                                <m:accPr>
+                                                  <m:chr m:val="⃗"/>
                                                   <m:ctrlPr>
-                                                    <a:rPr lang="en-US" sz="2200" b="1" i="1"/>
+                                                    <a:rPr lang="it-IT" b="1" i="1"/>
                                                   </m:ctrlPr>
-                                                </m:sSubPr>
+                                                </m:accPr>
                                                 <m:e>
-                                                  <m:r>
-                                                    <a:rPr lang="it-IT" sz="2200" b="1" i="1"/>
-                                                    <m:t>𝒑</m:t>
-                                                  </m:r>
+                                                  <m:sSup>
+                                                    <m:sSupPr>
+                                                      <m:ctrlPr>
+                                                        <a:rPr lang="it-IT" b="1" i="1"/>
+                                                      </m:ctrlPr>
+                                                    </m:sSupPr>
+                                                    <m:e>
+                                                      <m:r>
+                                                        <a:rPr lang="it-IT" b="1" i="1"/>
+                                                        <m:t>𝒑</m:t>
+                                                      </m:r>
+                                                    </m:e>
+                                                    <m:sup>
+                                                      <m:r>
+                                                        <a:rPr lang="it-IT" b="1" i="1"/>
+                                                        <m:t>∗</m:t>
+                                                      </m:r>
+                                                    </m:sup>
+                                                  </m:sSup>
                                                 </m:e>
-                                                <m:sub>
-                                                  <m:r>
-                                                    <a:rPr lang="it-IT" sz="2200" b="1" i="1"/>
-                                                    <m:t>𝒙</m:t>
-                                                  </m:r>
-                                                </m:sub>
-                                              </m:sSub>
+                                              </m:acc>
                                               <m:r>
-                                                <a:rPr lang="it-IT" sz="2200" i="1"/>
+                                                <a:rPr lang="it-IT" i="1"/>
                                                 <m:t>−</m:t>
                                               </m:r>
-                                              <m:sSub>
-                                                <m:sSubPr>
+                                              <m:acc>
+                                                <m:accPr>
+                                                  <m:chr m:val="⃗"/>
                                                   <m:ctrlPr>
-                                                    <a:rPr lang="en-US" sz="2200" b="1" i="1"/>
+                                                    <a:rPr lang="it-IT" b="1" i="1"/>
                                                   </m:ctrlPr>
-                                                </m:sSubPr>
+                                                </m:accPr>
                                                 <m:e>
-                                                  <m:r>
-                                                    <a:rPr lang="it-IT" sz="2200" b="1" i="1"/>
-                                                    <m:t>𝒎</m:t>
-                                                  </m:r>
+                                                  <m:sSub>
+                                                    <m:sSubPr>
+                                                      <m:ctrlPr>
+                                                        <a:rPr lang="it-IT" b="1" i="1"/>
+                                                      </m:ctrlPr>
+                                                    </m:sSubPr>
+                                                    <m:e>
+                                                      <m:r>
+                                                        <a:rPr lang="it-IT" b="1" i="1"/>
+                                                        <m:t>𝒎</m:t>
+                                                      </m:r>
+                                                    </m:e>
+                                                    <m:sub>
+                                                      <m:r>
+                                                        <a:rPr lang="it-IT" b="1" i="1"/>
+                                                        <m:t>𝒋</m:t>
+                                                      </m:r>
+                                                    </m:sub>
+                                                  </m:sSub>
                                                 </m:e>
-                                                <m:sub>
-                                                  <m:r>
-                                                    <a:rPr lang="it-IT" sz="2200" b="1" i="1"/>
-                                                    <m:t>𝒋</m:t>
-                                                  </m:r>
-                                                </m:sub>
-                                              </m:sSub>
+                                              </m:acc>
                                             </m:e>
                                           </m:d>
                                         </m:e>
                                       </m:d>
                                     </m:den>
                                   </m:f>
+                                  <m:r>
+                                    <a:rPr lang="it-IT" i="1"/>
+                                    <m:t> </m:t>
+                                  </m:r>
                                 </m:e>
                               </m:d>
                             </m:e>
                             <m:sup>
                               <m:r>
-                                <a:rPr lang="it-IT" sz="2200" i="1"/>
+                                <a:rPr lang="it-IT" i="1"/>
                                 <m:t>2</m:t>
                               </m:r>
                             </m:sup>
@@ -10193,7 +9907,10 @@
                     </m:oMath>
                   </m:oMathPara>
                 </a14:m>
-                <a:endParaRPr lang="en-US" sz="2200" dirty="0"/>
+                <a:endParaRPr lang="it-IT" dirty="0"/>
+              </a:p>
+              <a:p>
+                <a:endParaRPr lang="it-IT" dirty="0"/>
               </a:p>
               <a:p>
                 <a:endParaRPr lang="en-US" dirty="0"/>
@@ -10212,16 +9929,16 @@
             </p:nvSpPr>
             <p:spPr>
               <a:xfrm>
-                <a:off x="1097280" y="4519226"/>
-                <a:ext cx="9914709" cy="1671098"/>
+                <a:off x="1169125" y="1811195"/>
+                <a:ext cx="9914709" cy="4931158"/>
               </a:xfrm>
               <a:prstGeom prst="rect">
                 <a:avLst/>
               </a:prstGeom>
-              <a:blipFill rotWithShape="0">
-                <a:blip r:embed="rId5"/>
+              <a:blipFill>
+                <a:blip r:embed="rId2"/>
                 <a:stretch>
-                  <a:fillRect l="-492" t="-1825"/>
+                  <a:fillRect l="-554" t="-618"/>
                 </a:stretch>
               </a:blipFill>
             </p:spPr>
@@ -10230,7 +9947,7 @@
               <a:lstStyle/>
               <a:p>
                 <a:r>
-                  <a:rPr lang="en-US">
+                  <a:rPr lang="it-IT">
                     <a:noFill/>
                   </a:rPr>
                   <a:t> </a:t>
@@ -10401,21 +10118,12 @@
                   <a:schemeClr val="tx1"/>
                 </a:solidFill>
               </a:rPr>
-              <a:t>Questo algoritmo fa uso del concetto di simplesso, cioè un politopo di N+1 vertici in N </a:t>
-            </a:r>
-            <a:r>
-              <a:rPr lang="it-IT" dirty="0">
-                <a:solidFill>
-                  <a:schemeClr val="tx1"/>
-                </a:solidFill>
-              </a:rPr>
-              <a:t>dimensioni</a:t>
+              <a:t>Questo algoritmo fa uso del concetto di simplesso, cioè un politopo di N+1 vertici in N dimensioni</a:t>
             </a:r>
             <a:r>
               <a:rPr lang="it-IT" dirty="0" smtClean="0"/>
               <a:t>.</a:t>
             </a:r>
-            <a:endParaRPr lang="it-IT" dirty="0" smtClean="0"/>
           </a:p>
         </p:txBody>
       </p:sp>
@@ -10484,7 +10192,6 @@
               <a:rPr lang="it-IT" sz="2000" dirty="0"/>
               <a:t>conservato il vertice migliore.</a:t>
             </a:r>
-            <a:endParaRPr lang="it-IT" sz="2000" dirty="0"/>
           </a:p>
         </p:txBody>
       </p:sp>
@@ -10594,7 +10301,7 @@
           <p:cNvPr id="9" name="Rectangle 8">
             <a:extLst>
               <a:ext uri="{FF2B5EF4-FFF2-40B4-BE49-F238E27FC236}">
-                <a16:creationId xmlns:a16="http://schemas.microsoft.com/office/drawing/2014/main" xmlns="" id="{4E4490D0-3672-446A-AC12-B4830333BDDD}"/>
+                <a16:creationId xmlns:a16="http://schemas.microsoft.com/office/drawing/2014/main" id="{4E4490D0-3672-446A-AC12-B4830333BDDD}"/>
               </a:ext>
             </a:extLst>
           </p:cNvPr>
@@ -10646,7 +10353,7 @@
           <p:cNvPr id="11" name="Rectangle 10">
             <a:extLst>
               <a:ext uri="{FF2B5EF4-FFF2-40B4-BE49-F238E27FC236}">
-                <a16:creationId xmlns:a16="http://schemas.microsoft.com/office/drawing/2014/main" xmlns="" id="{39CB82C2-DF65-4EC1-8280-F201D50F570B}"/>
+                <a16:creationId xmlns:a16="http://schemas.microsoft.com/office/drawing/2014/main" id="{39CB82C2-DF65-4EC1-8280-F201D50F570B}"/>
               </a:ext>
             </a:extLst>
           </p:cNvPr>
@@ -10698,7 +10405,7 @@
           <p:cNvPr id="13" name="Straight Connector 12">
             <a:extLst>
               <a:ext uri="{FF2B5EF4-FFF2-40B4-BE49-F238E27FC236}">
-                <a16:creationId xmlns:a16="http://schemas.microsoft.com/office/drawing/2014/main" xmlns="" id="{7E1D4427-852B-4B37-8E76-0E9F1810BA2A}"/>
+                <a16:creationId xmlns:a16="http://schemas.microsoft.com/office/drawing/2014/main" id="{7E1D4427-852B-4B37-8E76-0E9F1810BA2A}"/>
               </a:ext>
             </a:extLst>
           </p:cNvPr>
@@ -10750,7 +10457,7 @@
           <p:cNvPr id="15" name="Rectangle 14">
             <a:extLst>
               <a:ext uri="{FF2B5EF4-FFF2-40B4-BE49-F238E27FC236}">
-                <a16:creationId xmlns:a16="http://schemas.microsoft.com/office/drawing/2014/main" xmlns="" id="{5A1B47C8-47A0-4A88-8830-6DEA3B5DE392}"/>
+                <a16:creationId xmlns:a16="http://schemas.microsoft.com/office/drawing/2014/main" id="{5A1B47C8-47A0-4A88-8830-6DEA3B5DE392}"/>
               </a:ext>
             </a:extLst>
           </p:cNvPr>
@@ -10839,7 +10546,7 @@
           <p:cNvPr id="17" name="Rectangle 16">
             <a:extLst>
               <a:ext uri="{FF2B5EF4-FFF2-40B4-BE49-F238E27FC236}">
-                <a16:creationId xmlns:a16="http://schemas.microsoft.com/office/drawing/2014/main" xmlns="" id="{984BBFDD-E720-4805-A9C8-129FBBF6DD70}"/>
+                <a16:creationId xmlns:a16="http://schemas.microsoft.com/office/drawing/2014/main" id="{984BBFDD-E720-4805-A9C8-129FBBF6DD70}"/>
               </a:ext>
             </a:extLst>
           </p:cNvPr>
@@ -10891,7 +10598,7 @@
           <p:cNvPr id="19" name="Rectangle 18">
             <a:extLst>
               <a:ext uri="{FF2B5EF4-FFF2-40B4-BE49-F238E27FC236}">
-                <a16:creationId xmlns:a16="http://schemas.microsoft.com/office/drawing/2014/main" xmlns="" id="{5AC4BE46-4A77-42FE-9D15-065CDB2F847C}"/>
+                <a16:creationId xmlns:a16="http://schemas.microsoft.com/office/drawing/2014/main" id="{5AC4BE46-4A77-42FE-9D15-065CDB2F847C}"/>
               </a:ext>
             </a:extLst>
           </p:cNvPr>
@@ -11123,7 +10830,6 @@
               <a:rPr lang="en-US" dirty="0" smtClean="0"/>
               <a:t>:</a:t>
             </a:r>
-            <a:endParaRPr lang="en-US" dirty="0" smtClean="0"/>
           </a:p>
           <a:p>
             <a:pPr marL="201168" lvl="1" indent="0">

--- a/IDENTICAZIONE SISTEMA DI CARICHE PUNTIFORMI DA MISURE DI.pptx
+++ b/IDENTICAZIONE SISTEMA DI CARICHE PUNTIFORMI DA MISURE DI.pptx
@@ -5,7 +5,7 @@
     <p:sldMasterId id="2147484292" r:id="rId1"/>
   </p:sldMasterIdLst>
   <p:notesMasterIdLst>
-    <p:notesMasterId r:id="rId13"/>
+    <p:notesMasterId r:id="rId14"/>
   </p:notesMasterIdLst>
   <p:sldIdLst>
     <p:sldId id="256" r:id="rId2"/>
@@ -13,12 +13,13 @@
     <p:sldId id="258" r:id="rId4"/>
     <p:sldId id="259" r:id="rId5"/>
     <p:sldId id="260" r:id="rId6"/>
-    <p:sldId id="261" r:id="rId7"/>
-    <p:sldId id="262" r:id="rId8"/>
-    <p:sldId id="263" r:id="rId9"/>
-    <p:sldId id="264" r:id="rId10"/>
-    <p:sldId id="265" r:id="rId11"/>
-    <p:sldId id="266" r:id="rId12"/>
+    <p:sldId id="267" r:id="rId7"/>
+    <p:sldId id="261" r:id="rId8"/>
+    <p:sldId id="262" r:id="rId9"/>
+    <p:sldId id="263" r:id="rId10"/>
+    <p:sldId id="264" r:id="rId11"/>
+    <p:sldId id="265" r:id="rId12"/>
+    <p:sldId id="266" r:id="rId13"/>
   </p:sldIdLst>
   <p:sldSz cx="12192000" cy="6858000"/>
   <p:notesSz cx="6858000" cy="9144000"/>
@@ -207,7 +208,7 @@
           <a:p>
             <a:fld id="{0B626E60-15AC-294D-A4F1-F70323F0F9DF}" type="datetimeFigureOut">
               <a:rPr lang="en-US" smtClean="0"/>
-              <a:t>12/1/17</a:t>
+              <a:t>12/3/2017</a:t>
             </a:fld>
             <a:endParaRPr lang="en-US"/>
           </a:p>
@@ -366,7 +367,7 @@
           <a:p>
             <a:fld id="{B84B1DCE-DD70-5840-A766-ADE0E79E6240}" type="slidenum">
               <a:rPr lang="en-US" smtClean="0"/>
-              <a:t>‹#›</a:t>
+              <a:t>‹N›</a:t>
             </a:fld>
             <a:endParaRPr lang="en-US"/>
           </a:p>
@@ -627,6 +628,289 @@
 </p:notes>
 </file>
 
+<file path=ppt/notesSlides/notesSlide2.xml><?xml version="1.0" encoding="utf-8"?>
+<p:notes xmlns:a="http://schemas.openxmlformats.org/drawingml/2006/main" xmlns:r="http://schemas.openxmlformats.org/officeDocument/2006/relationships" xmlns:p="http://schemas.openxmlformats.org/presentationml/2006/main">
+  <p:cSld>
+    <p:spTree>
+      <p:nvGrpSpPr>
+        <p:cNvPr id="1" name=""/>
+        <p:cNvGrpSpPr/>
+        <p:nvPr/>
+      </p:nvGrpSpPr>
+      <p:grpSpPr>
+        <a:xfrm>
+          <a:off x="0" y="0"/>
+          <a:ext cx="0" cy="0"/>
+          <a:chOff x="0" y="0"/>
+          <a:chExt cx="0" cy="0"/>
+        </a:xfrm>
+      </p:grpSpPr>
+      <p:sp>
+        <p:nvSpPr>
+          <p:cNvPr id="2" name="Slide Image Placeholder 1"/>
+          <p:cNvSpPr>
+            <a:spLocks noGrp="1" noRot="1" noChangeAspect="1"/>
+          </p:cNvSpPr>
+          <p:nvPr>
+            <p:ph type="sldImg"/>
+          </p:nvPr>
+        </p:nvSpPr>
+        <p:spPr/>
+      </p:sp>
+      <p:sp>
+        <p:nvSpPr>
+          <p:cNvPr id="3" name="Notes Placeholder 2"/>
+          <p:cNvSpPr>
+            <a:spLocks noGrp="1"/>
+          </p:cNvSpPr>
+          <p:nvPr>
+            <p:ph type="body" idx="1"/>
+          </p:nvPr>
+        </p:nvSpPr>
+        <p:spPr/>
+        <p:txBody>
+          <a:bodyPr/>
+          <a:lstStyle/>
+          <a:p>
+            <a:r>
+              <a:rPr lang="it-IT" b="1" dirty="0" smtClean="0"/>
+              <a:t>Funzione di costo</a:t>
+            </a:r>
+            <a:r>
+              <a:rPr lang="it-IT" dirty="0" smtClean="0"/>
+              <a:t>: considerate le </a:t>
+            </a:r>
+            <a:r>
+              <a:rPr lang="it-IT" dirty="0" err="1" smtClean="0"/>
+              <a:t>N</a:t>
+            </a:r>
+            <a:r>
+              <a:rPr lang="it-IT" dirty="0" smtClean="0"/>
+              <a:t> cariche totali ed il loro potenziale V, calcoliamo il potenziale V’ delle N-1 cariche note più la carica ignota nella posizione generica (x, y, </a:t>
+            </a:r>
+            <a:r>
+              <a:rPr lang="it-IT" dirty="0" err="1" smtClean="0"/>
+              <a:t>z</a:t>
+            </a:r>
+            <a:r>
+              <a:rPr lang="it-IT" dirty="0" smtClean="0"/>
+              <a:t>), la funzione di costo sarà </a:t>
+            </a:r>
+            <a:r>
+              <a:rPr lang="it-IT" dirty="0" err="1" smtClean="0"/>
+              <a:t>abs</a:t>
+            </a:r>
+            <a:r>
+              <a:rPr lang="it-IT" dirty="0" smtClean="0"/>
+              <a:t>(B-B’)^2</a:t>
+            </a:r>
+          </a:p>
+        </p:txBody>
+      </p:sp>
+      <p:sp>
+        <p:nvSpPr>
+          <p:cNvPr id="4" name="Slide Number Placeholder 3"/>
+          <p:cNvSpPr>
+            <a:spLocks noGrp="1"/>
+          </p:cNvSpPr>
+          <p:nvPr>
+            <p:ph type="sldNum" sz="quarter" idx="10"/>
+          </p:nvPr>
+        </p:nvSpPr>
+        <p:spPr/>
+        <p:txBody>
+          <a:bodyPr/>
+          <a:lstStyle/>
+          <a:p>
+            <a:fld id="{B84B1DCE-DD70-5840-A766-ADE0E79E6240}" type="slidenum">
+              <a:rPr lang="en-US" smtClean="0"/>
+              <a:t>4</a:t>
+            </a:fld>
+            <a:endParaRPr lang="en-US"/>
+          </a:p>
+        </p:txBody>
+      </p:sp>
+    </p:spTree>
+    <p:extLst>
+      <p:ext uri="{BB962C8B-B14F-4D97-AF65-F5344CB8AC3E}">
+        <p14:creationId xmlns:p14="http://schemas.microsoft.com/office/powerpoint/2010/main" val="1253712349"/>
+      </p:ext>
+    </p:extLst>
+  </p:cSld>
+  <p:clrMapOvr>
+    <a:masterClrMapping/>
+  </p:clrMapOvr>
+</p:notes>
+</file>
+
+<file path=ppt/notesSlides/notesSlide3.xml><?xml version="1.0" encoding="utf-8"?>
+<p:notes xmlns:a="http://schemas.openxmlformats.org/drawingml/2006/main" xmlns:r="http://schemas.openxmlformats.org/officeDocument/2006/relationships" xmlns:p="http://schemas.openxmlformats.org/presentationml/2006/main">
+  <p:cSld>
+    <p:spTree>
+      <p:nvGrpSpPr>
+        <p:cNvPr id="1" name=""/>
+        <p:cNvGrpSpPr/>
+        <p:nvPr/>
+      </p:nvGrpSpPr>
+      <p:grpSpPr>
+        <a:xfrm>
+          <a:off x="0" y="0"/>
+          <a:ext cx="0" cy="0"/>
+          <a:chOff x="0" y="0"/>
+          <a:chExt cx="0" cy="0"/>
+        </a:xfrm>
+      </p:grpSpPr>
+      <p:sp>
+        <p:nvSpPr>
+          <p:cNvPr id="2" name="Slide Image Placeholder 1"/>
+          <p:cNvSpPr>
+            <a:spLocks noGrp="1" noRot="1" noChangeAspect="1"/>
+          </p:cNvSpPr>
+          <p:nvPr>
+            <p:ph type="sldImg"/>
+          </p:nvPr>
+        </p:nvSpPr>
+        <p:spPr/>
+      </p:sp>
+      <p:sp>
+        <p:nvSpPr>
+          <p:cNvPr id="3" name="Notes Placeholder 2"/>
+          <p:cNvSpPr>
+            <a:spLocks noGrp="1"/>
+          </p:cNvSpPr>
+          <p:nvPr>
+            <p:ph type="body" idx="1"/>
+          </p:nvPr>
+        </p:nvSpPr>
+        <p:spPr/>
+        <p:txBody>
+          <a:bodyPr/>
+          <a:lstStyle/>
+          <a:p>
+            <a:endParaRPr lang="en-US" dirty="0"/>
+          </a:p>
+        </p:txBody>
+      </p:sp>
+      <p:sp>
+        <p:nvSpPr>
+          <p:cNvPr id="4" name="Slide Number Placeholder 3"/>
+          <p:cNvSpPr>
+            <a:spLocks noGrp="1"/>
+          </p:cNvSpPr>
+          <p:nvPr>
+            <p:ph type="sldNum" sz="quarter" idx="10"/>
+          </p:nvPr>
+        </p:nvSpPr>
+        <p:spPr/>
+        <p:txBody>
+          <a:bodyPr/>
+          <a:lstStyle/>
+          <a:p>
+            <a:fld id="{B84B1DCE-DD70-5840-A766-ADE0E79E6240}" type="slidenum">
+              <a:rPr lang="en-US" smtClean="0"/>
+              <a:t>7</a:t>
+            </a:fld>
+            <a:endParaRPr lang="en-US"/>
+          </a:p>
+        </p:txBody>
+      </p:sp>
+    </p:spTree>
+    <p:extLst>
+      <p:ext uri="{BB962C8B-B14F-4D97-AF65-F5344CB8AC3E}">
+        <p14:creationId xmlns:p14="http://schemas.microsoft.com/office/powerpoint/2010/main" val="336484280"/>
+      </p:ext>
+    </p:extLst>
+  </p:cSld>
+  <p:clrMapOvr>
+    <a:masterClrMapping/>
+  </p:clrMapOvr>
+</p:notes>
+</file>
+
+<file path=ppt/notesSlides/notesSlide4.xml><?xml version="1.0" encoding="utf-8"?>
+<p:notes xmlns:a="http://schemas.openxmlformats.org/drawingml/2006/main" xmlns:r="http://schemas.openxmlformats.org/officeDocument/2006/relationships" xmlns:p="http://schemas.openxmlformats.org/presentationml/2006/main">
+  <p:cSld>
+    <p:spTree>
+      <p:nvGrpSpPr>
+        <p:cNvPr id="1" name=""/>
+        <p:cNvGrpSpPr/>
+        <p:nvPr/>
+      </p:nvGrpSpPr>
+      <p:grpSpPr>
+        <a:xfrm>
+          <a:off x="0" y="0"/>
+          <a:ext cx="0" cy="0"/>
+          <a:chOff x="0" y="0"/>
+          <a:chExt cx="0" cy="0"/>
+        </a:xfrm>
+      </p:grpSpPr>
+      <p:sp>
+        <p:nvSpPr>
+          <p:cNvPr id="2" name="Slide Image Placeholder 1"/>
+          <p:cNvSpPr>
+            <a:spLocks noGrp="1" noRot="1" noChangeAspect="1"/>
+          </p:cNvSpPr>
+          <p:nvPr>
+            <p:ph type="sldImg"/>
+          </p:nvPr>
+        </p:nvSpPr>
+        <p:spPr/>
+      </p:sp>
+      <p:sp>
+        <p:nvSpPr>
+          <p:cNvPr id="3" name="Notes Placeholder 2"/>
+          <p:cNvSpPr>
+            <a:spLocks noGrp="1"/>
+          </p:cNvSpPr>
+          <p:nvPr>
+            <p:ph type="body" idx="1"/>
+          </p:nvPr>
+        </p:nvSpPr>
+        <p:spPr/>
+        <p:txBody>
+          <a:bodyPr/>
+          <a:lstStyle/>
+          <a:p>
+            <a:endParaRPr lang="en-US" dirty="0"/>
+          </a:p>
+        </p:txBody>
+      </p:sp>
+      <p:sp>
+        <p:nvSpPr>
+          <p:cNvPr id="4" name="Slide Number Placeholder 3"/>
+          <p:cNvSpPr>
+            <a:spLocks noGrp="1"/>
+          </p:cNvSpPr>
+          <p:nvPr>
+            <p:ph type="sldNum" sz="quarter" idx="10"/>
+          </p:nvPr>
+        </p:nvSpPr>
+        <p:spPr/>
+        <p:txBody>
+          <a:bodyPr/>
+          <a:lstStyle/>
+          <a:p>
+            <a:fld id="{B84B1DCE-DD70-5840-A766-ADE0E79E6240}" type="slidenum">
+              <a:rPr lang="en-US" smtClean="0"/>
+              <a:t>8</a:t>
+            </a:fld>
+            <a:endParaRPr lang="en-US"/>
+          </a:p>
+        </p:txBody>
+      </p:sp>
+    </p:spTree>
+    <p:extLst>
+      <p:ext uri="{BB962C8B-B14F-4D97-AF65-F5344CB8AC3E}">
+        <p14:creationId xmlns:p14="http://schemas.microsoft.com/office/powerpoint/2010/main" val="2108481439"/>
+      </p:ext>
+    </p:extLst>
+  </p:cSld>
+  <p:clrMapOvr>
+    <a:masterClrMapping/>
+  </p:clrMapOvr>
+</p:notes>
+</file>
+
 <file path=ppt/slideLayouts/slideLayout1.xml><?xml version="1.0" encoding="utf-8"?>
 <p:sldLayout xmlns:a="http://schemas.openxmlformats.org/drawingml/2006/main" xmlns:r="http://schemas.openxmlformats.org/officeDocument/2006/relationships" xmlns:p="http://schemas.openxmlformats.org/presentationml/2006/main" showMasterSp="0" type="title" preserve="1">
   <p:cSld name="Title Slide">
@@ -853,7 +1137,7 @@
           <a:p>
             <a:fld id="{D400A843-E78D-45FE-BBE0-0DFBB922583B}" type="datetimeFigureOut">
               <a:rPr lang="it-IT" smtClean="0"/>
-              <a:t>01/12/17</a:t>
+              <a:t>03/12/2017</a:t>
             </a:fld>
             <a:endParaRPr lang="it-IT"/>
           </a:p>
@@ -895,7 +1179,7 @@
           <a:p>
             <a:fld id="{1B29E90A-79A6-4357-BA0E-73A707E87A6D}" type="slidenum">
               <a:rPr lang="it-IT" smtClean="0"/>
-              <a:t>‹#›</a:t>
+              <a:t>‹N›</a:t>
             </a:fld>
             <a:endParaRPr lang="it-IT"/>
           </a:p>
@@ -1056,7 +1340,7 @@
           <a:p>
             <a:fld id="{D400A843-E78D-45FE-BBE0-0DFBB922583B}" type="datetimeFigureOut">
               <a:rPr lang="it-IT" smtClean="0"/>
-              <a:t>01/12/17</a:t>
+              <a:t>03/12/2017</a:t>
             </a:fld>
             <a:endParaRPr lang="it-IT"/>
           </a:p>
@@ -1098,7 +1382,7 @@
           <a:p>
             <a:fld id="{1B29E90A-79A6-4357-BA0E-73A707E87A6D}" type="slidenum">
               <a:rPr lang="it-IT" smtClean="0"/>
-              <a:t>‹#›</a:t>
+              <a:t>‹N›</a:t>
             </a:fld>
             <a:endParaRPr lang="it-IT"/>
           </a:p>
@@ -1307,7 +1591,7 @@
           <a:p>
             <a:fld id="{D400A843-E78D-45FE-BBE0-0DFBB922583B}" type="datetimeFigureOut">
               <a:rPr lang="it-IT" smtClean="0"/>
-              <a:t>01/12/17</a:t>
+              <a:t>03/12/2017</a:t>
             </a:fld>
             <a:endParaRPr lang="it-IT"/>
           </a:p>
@@ -1349,7 +1633,7 @@
           <a:p>
             <a:fld id="{1B29E90A-79A6-4357-BA0E-73A707E87A6D}" type="slidenum">
               <a:rPr lang="it-IT" smtClean="0"/>
-              <a:t>‹#›</a:t>
+              <a:t>‹N›</a:t>
             </a:fld>
             <a:endParaRPr lang="it-IT"/>
           </a:p>
@@ -1476,7 +1760,7 @@
           <a:p>
             <a:fld id="{D400A843-E78D-45FE-BBE0-0DFBB922583B}" type="datetimeFigureOut">
               <a:rPr lang="it-IT" smtClean="0"/>
-              <a:t>01/12/17</a:t>
+              <a:t>03/12/2017</a:t>
             </a:fld>
             <a:endParaRPr lang="it-IT"/>
           </a:p>
@@ -1518,7 +1802,7 @@
           <a:p>
             <a:fld id="{1B29E90A-79A6-4357-BA0E-73A707E87A6D}" type="slidenum">
               <a:rPr lang="it-IT" smtClean="0"/>
-              <a:t>‹#›</a:t>
+              <a:t>‹N›</a:t>
             </a:fld>
             <a:endParaRPr lang="it-IT"/>
           </a:p>
@@ -1814,7 +2098,7 @@
           <a:p>
             <a:fld id="{D400A843-E78D-45FE-BBE0-0DFBB922583B}" type="datetimeFigureOut">
               <a:rPr lang="it-IT" smtClean="0"/>
-              <a:t>01/12/17</a:t>
+              <a:t>03/12/2017</a:t>
             </a:fld>
             <a:endParaRPr lang="it-IT"/>
           </a:p>
@@ -1856,7 +2140,7 @@
           <a:p>
             <a:fld id="{1B29E90A-79A6-4357-BA0E-73A707E87A6D}" type="slidenum">
               <a:rPr lang="it-IT" smtClean="0"/>
-              <a:t>‹#›</a:t>
+              <a:t>‹N›</a:t>
             </a:fld>
             <a:endParaRPr lang="it-IT"/>
           </a:p>
@@ -2084,7 +2368,7 @@
           <a:p>
             <a:fld id="{D400A843-E78D-45FE-BBE0-0DFBB922583B}" type="datetimeFigureOut">
               <a:rPr lang="it-IT" smtClean="0"/>
-              <a:t>01/12/17</a:t>
+              <a:t>03/12/2017</a:t>
             </a:fld>
             <a:endParaRPr lang="it-IT"/>
           </a:p>
@@ -2126,7 +2410,7 @@
           <a:p>
             <a:fld id="{1B29E90A-79A6-4357-BA0E-73A707E87A6D}" type="slidenum">
               <a:rPr lang="it-IT" smtClean="0"/>
-              <a:t>‹#›</a:t>
+              <a:t>‹N›</a:t>
             </a:fld>
             <a:endParaRPr lang="it-IT"/>
           </a:p>
@@ -2458,7 +2742,7 @@
           <a:p>
             <a:fld id="{D400A843-E78D-45FE-BBE0-0DFBB922583B}" type="datetimeFigureOut">
               <a:rPr lang="it-IT" smtClean="0"/>
-              <a:t>01/12/17</a:t>
+              <a:t>03/12/2017</a:t>
             </a:fld>
             <a:endParaRPr lang="it-IT"/>
           </a:p>
@@ -2500,7 +2784,7 @@
           <a:p>
             <a:fld id="{1B29E90A-79A6-4357-BA0E-73A707E87A6D}" type="slidenum">
               <a:rPr lang="it-IT" smtClean="0"/>
-              <a:t>‹#›</a:t>
+              <a:t>‹N›</a:t>
             </a:fld>
             <a:endParaRPr lang="it-IT"/>
           </a:p>
@@ -2571,7 +2855,7 @@
           <a:p>
             <a:fld id="{D400A843-E78D-45FE-BBE0-0DFBB922583B}" type="datetimeFigureOut">
               <a:rPr lang="it-IT" smtClean="0"/>
-              <a:t>01/12/17</a:t>
+              <a:t>03/12/2017</a:t>
             </a:fld>
             <a:endParaRPr lang="it-IT"/>
           </a:p>
@@ -2613,7 +2897,7 @@
           <a:p>
             <a:fld id="{1B29E90A-79A6-4357-BA0E-73A707E87A6D}" type="slidenum">
               <a:rPr lang="it-IT" smtClean="0"/>
-              <a:t>‹#›</a:t>
+              <a:t>‹N›</a:t>
             </a:fld>
             <a:endParaRPr lang="it-IT"/>
           </a:p>
@@ -2737,7 +3021,7 @@
           <a:p>
             <a:fld id="{D400A843-E78D-45FE-BBE0-0DFBB922583B}" type="datetimeFigureOut">
               <a:rPr lang="it-IT" smtClean="0"/>
-              <a:t>01/12/17</a:t>
+              <a:t>03/12/2017</a:t>
             </a:fld>
             <a:endParaRPr lang="it-IT"/>
           </a:p>
@@ -2787,7 +3071,7 @@
           <a:p>
             <a:fld id="{1B29E90A-79A6-4357-BA0E-73A707E87A6D}" type="slidenum">
               <a:rPr lang="it-IT" smtClean="0"/>
-              <a:t>‹#›</a:t>
+              <a:t>‹N›</a:t>
             </a:fld>
             <a:endParaRPr lang="it-IT"/>
           </a:p>
@@ -3086,7 +3370,7 @@
           <a:p>
             <a:fld id="{D400A843-E78D-45FE-BBE0-0DFBB922583B}" type="datetimeFigureOut">
               <a:rPr lang="it-IT" smtClean="0"/>
-              <a:t>01/12/17</a:t>
+              <a:t>03/12/2017</a:t>
             </a:fld>
             <a:endParaRPr lang="it-IT"/>
           </a:p>
@@ -3149,7 +3433,7 @@
           <a:p>
             <a:fld id="{1B29E90A-79A6-4357-BA0E-73A707E87A6D}" type="slidenum">
               <a:rPr lang="it-IT" smtClean="0"/>
-              <a:t>‹#›</a:t>
+              <a:t>‹N›</a:t>
             </a:fld>
             <a:endParaRPr lang="it-IT"/>
           </a:p>
@@ -3460,7 +3744,7 @@
           <a:p>
             <a:fld id="{D400A843-E78D-45FE-BBE0-0DFBB922583B}" type="datetimeFigureOut">
               <a:rPr lang="it-IT" smtClean="0"/>
-              <a:t>01/12/17</a:t>
+              <a:t>03/12/2017</a:t>
             </a:fld>
             <a:endParaRPr lang="it-IT"/>
           </a:p>
@@ -3502,7 +3786,7 @@
           <a:p>
             <a:fld id="{1B29E90A-79A6-4357-BA0E-73A707E87A6D}" type="slidenum">
               <a:rPr lang="it-IT" smtClean="0"/>
-              <a:t>‹#›</a:t>
+              <a:t>‹N›</a:t>
             </a:fld>
             <a:endParaRPr lang="it-IT"/>
           </a:p>
@@ -3742,7 +4026,7 @@
           <a:p>
             <a:fld id="{D400A843-E78D-45FE-BBE0-0DFBB922583B}" type="datetimeFigureOut">
               <a:rPr lang="it-IT" smtClean="0"/>
-              <a:t>01/12/17</a:t>
+              <a:t>03/12/2017</a:t>
             </a:fld>
             <a:endParaRPr lang="it-IT"/>
           </a:p>
@@ -3816,7 +4100,7 @@
           <a:p>
             <a:fld id="{1B29E90A-79A6-4357-BA0E-73A707E87A6D}" type="slidenum">
               <a:rPr lang="it-IT" smtClean="0"/>
-              <a:t>‹#›</a:t>
+              <a:t>‹N›</a:t>
             </a:fld>
             <a:endParaRPr lang="it-IT"/>
           </a:p>
@@ -4326,11 +4610,7 @@
           <a:p>
             <a:r>
               <a:rPr lang="it-IT" dirty="0" smtClean="0"/>
-              <a:t>Corso di Metodi di </a:t>
-            </a:r>
-            <a:r>
-              <a:rPr lang="it-IT" dirty="0" smtClean="0"/>
-              <a:t>Ottimizzazione</a:t>
+              <a:t>Corso di Metodi di Ottimizzazione</a:t>
             </a:r>
           </a:p>
           <a:p>
@@ -4343,7 +4623,6 @@
               <a:rPr lang="it-IT" dirty="0" smtClean="0"/>
               <a:t>. 2017/18</a:t>
             </a:r>
-            <a:endParaRPr lang="it-IT" dirty="0" smtClean="0"/>
           </a:p>
         </p:txBody>
       </p:sp>
@@ -4356,7 +4635,7 @@
         <p:spPr>
           <a:xfrm>
             <a:off x="241264" y="5285678"/>
-            <a:ext cx="1732141" cy="923330"/>
+            <a:ext cx="1803635" cy="923330"/>
           </a:xfrm>
           <a:prstGeom prst="rect">
             <a:avLst/>
@@ -4398,10 +4677,10 @@
               <a:t>Giuseppe </a:t>
             </a:r>
             <a:r>
-              <a:rPr lang="it-IT" dirty="0" err="1" smtClean="0">
+              <a:rPr lang="it-IT" dirty="0" smtClean="0">
                 <a:latin typeface="+mj-lt"/>
               </a:rPr>
-              <a:t>Valleta</a:t>
+              <a:t>Valletta</a:t>
             </a:r>
             <a:endParaRPr lang="it-IT" sz="6600" spc="-50" dirty="0">
               <a:solidFill>
@@ -4471,56 +4750,333 @@
           <a:p>
             <a:r>
               <a:rPr lang="it-IT" dirty="0" smtClean="0"/>
-              <a:t>PROBLEMI</a:t>
+              <a:t>CONDIZIONI DI ARRESTO</a:t>
             </a:r>
             <a:endParaRPr lang="it-IT" dirty="0"/>
           </a:p>
         </p:txBody>
       </p:sp>
-      <p:sp>
-        <p:nvSpPr>
-          <p:cNvPr id="3" name="Segnaposto contenuto 2"/>
-          <p:cNvSpPr>
-            <a:spLocks noGrp="1"/>
-          </p:cNvSpPr>
-          <p:nvPr>
-            <p:ph idx="1"/>
-          </p:nvPr>
+      <mc:AlternateContent xmlns:mc="http://schemas.openxmlformats.org/markup-compatibility/2006" xmlns:a14="http://schemas.microsoft.com/office/drawing/2010/main">
+        <mc:Choice Requires="a14">
+          <p:sp>
+            <p:nvSpPr>
+              <p:cNvPr id="3" name="Segnaposto contenuto 2"/>
+              <p:cNvSpPr>
+                <a:spLocks noGrp="1"/>
+              </p:cNvSpPr>
+              <p:nvPr>
+                <p:ph idx="1"/>
+              </p:nvPr>
+            </p:nvSpPr>
+            <p:spPr>
+              <a:xfrm>
+                <a:off x="1097280" y="2640873"/>
+                <a:ext cx="10058400" cy="3280956"/>
+              </a:xfrm>
+            </p:spPr>
+            <p:txBody>
+              <a:bodyPr>
+                <a:normAutofit/>
+              </a:bodyPr>
+              <a:lstStyle/>
+              <a:p>
+                <a:pPr marL="457200" indent="-457200">
+                  <a:buFont typeface="+mj-lt"/>
+                  <a:buAutoNum type="arabicPeriod"/>
+                </a:pPr>
+                <a:r>
+                  <a:rPr lang="it-IT" dirty="0" smtClean="0"/>
+                  <a:t>Area minima raggiunta dall’ultimo politopo: tale parametro viene settato dall’utente</a:t>
+                </a:r>
+                <a14:m>
+                  <m:oMath xmlns:m="http://schemas.openxmlformats.org/officeDocument/2006/math">
+                    <m:r>
+                      <a:rPr lang="it-IT" b="0" i="0" smtClean="0">
+                        <a:latin typeface="Cambria Math" charset="0"/>
+                      </a:rPr>
+                      <m:t> </m:t>
+                    </m:r>
+                  </m:oMath>
+                </a14:m>
+                <a:endParaRPr lang="it-IT" b="0" i="0" dirty="0" smtClean="0">
+                  <a:latin typeface="Cambria Math" charset="0"/>
+                </a:endParaRPr>
+              </a:p>
+              <a:p>
+                <a:pPr marL="457200" indent="-457200">
+                  <a:buFont typeface="+mj-lt"/>
+                  <a:buAutoNum type="arabicPeriod"/>
+                </a:pPr>
+                <a:endParaRPr lang="it-IT" b="0" i="0" dirty="0" smtClean="0">
+                  <a:latin typeface="Cambria Math" charset="0"/>
+                </a:endParaRPr>
+              </a:p>
+              <a:p>
+                <a:pPr marL="0" indent="0">
+                  <a:buNone/>
+                </a:pPr>
+                <a14:m>
+                  <m:oMathPara xmlns:m="http://schemas.openxmlformats.org/officeDocument/2006/math">
+                    <m:oMathParaPr>
+                      <m:jc m:val="centerGroup"/>
+                    </m:oMathParaPr>
+                    <m:oMath xmlns:m="http://schemas.openxmlformats.org/officeDocument/2006/math">
+                      <m:r>
+                        <a:rPr lang="it-IT" b="0" i="0" smtClean="0">
+                          <a:latin typeface="Cambria Math" charset="0"/>
+                        </a:rPr>
+                        <m:t>4</m:t>
+                      </m:r>
+                      <m:f>
+                        <m:fPr>
+                          <m:ctrlPr>
+                            <a:rPr lang="mr-IN" i="1" smtClean="0">
+                              <a:latin typeface="Cambria Math" panose="02040503050406030204" pitchFamily="18" charset="0"/>
+                            </a:rPr>
+                          </m:ctrlPr>
+                        </m:fPr>
+                        <m:num>
+                          <m:rad>
+                            <m:radPr>
+                              <m:degHide m:val="on"/>
+                              <m:ctrlPr>
+                                <a:rPr lang="mr-IN" i="1" smtClean="0">
+                                  <a:latin typeface="Cambria Math" panose="02040503050406030204" pitchFamily="18" charset="0"/>
+                                </a:rPr>
+                              </m:ctrlPr>
+                            </m:radPr>
+                            <m:deg/>
+                            <m:e>
+                              <m:r>
+                                <a:rPr lang="it-IT" b="0" i="1" smtClean="0">
+                                  <a:latin typeface="Cambria Math" charset="0"/>
+                                </a:rPr>
+                                <m:t>3 </m:t>
+                              </m:r>
+                            </m:e>
+                          </m:rad>
+                          <m:r>
+                            <a:rPr lang="it-IT" b="0" i="1" smtClean="0">
+                              <a:latin typeface="Cambria Math" charset="0"/>
+                            </a:rPr>
+                            <m:t>𝑙</m:t>
+                          </m:r>
+                        </m:num>
+                        <m:den>
+                          <m:r>
+                            <a:rPr lang="it-IT" b="0" i="1" smtClean="0">
+                              <a:latin typeface="Cambria Math" charset="0"/>
+                            </a:rPr>
+                            <m:t>2</m:t>
+                          </m:r>
+                        </m:den>
+                      </m:f>
+                    </m:oMath>
+                  </m:oMathPara>
+                </a14:m>
+                <a:endParaRPr lang="it-IT" dirty="0" smtClean="0"/>
+              </a:p>
+              <a:p>
+                <a:pPr marL="0" indent="0">
+                  <a:buNone/>
+                </a:pPr>
+                <a:endParaRPr lang="it-IT" dirty="0" smtClean="0"/>
+              </a:p>
+              <a:p>
+                <a:pPr marL="457200" indent="-457200">
+                  <a:buFont typeface="+mj-lt"/>
+                  <a:buAutoNum type="arabicPeriod" startAt="2"/>
+                </a:pPr>
+                <a:r>
+                  <a:rPr lang="it-IT" dirty="0" smtClean="0"/>
+                  <a:t>Numero di </a:t>
+                </a:r>
+                <a:r>
+                  <a:rPr lang="it-IT" dirty="0" err="1" smtClean="0"/>
+                  <a:t>flip</a:t>
+                </a:r>
+                <a:r>
+                  <a:rPr lang="it-IT" dirty="0" smtClean="0"/>
+                  <a:t>, o meglio iterazioni effettuate durante l’esecuzione dell’algoritmo. L’esistenza di tale condizione è stata resa necessaria in quanto, l’algoritmo potrebbe proseguire  per un numero molto grande di iterazioni</a:t>
+                </a:r>
+                <a:endParaRPr lang="it-IT" dirty="0"/>
+              </a:p>
+            </p:txBody>
+          </p:sp>
+        </mc:Choice>
+        <mc:Fallback xmlns="">
+          <p:sp>
+            <p:nvSpPr>
+              <p:cNvPr id="3" name="Segnaposto contenuto 2"/>
+              <p:cNvSpPr>
+                <a:spLocks noGrp="1" noRot="1" noChangeAspect="1" noMove="1" noResize="1" noEditPoints="1" noAdjustHandles="1" noChangeArrowheads="1" noChangeShapeType="1" noTextEdit="1"/>
+              </p:cNvSpPr>
+              <p:nvPr>
+                <p:ph idx="1"/>
+              </p:nvPr>
+            </p:nvSpPr>
+            <p:spPr>
+              <a:xfrm>
+                <a:off x="1097280" y="2640873"/>
+                <a:ext cx="10058400" cy="3280956"/>
+              </a:xfrm>
+              <a:blipFill rotWithShape="0">
+                <a:blip r:embed="rId2"/>
+                <a:stretch>
+                  <a:fillRect l="-1576" t="-13011" r="-667"/>
+                </a:stretch>
+              </a:blipFill>
+            </p:spPr>
+            <p:txBody>
+              <a:bodyPr/>
+              <a:lstStyle/>
+              <a:p>
+                <a:r>
+                  <a:rPr lang="en-US">
+                    <a:noFill/>
+                  </a:rPr>
+                  <a:t> </a:t>
+                </a:r>
+              </a:p>
+            </p:txBody>
+          </p:sp>
+        </mc:Fallback>
+      </mc:AlternateContent>
+      <p:sp>
+        <p:nvSpPr>
+          <p:cNvPr id="4" name="TextBox 3"/>
+          <p:cNvSpPr txBox="1"/>
+          <p:nvPr/>
         </p:nvSpPr>
         <p:spPr>
           <a:xfrm>
-            <a:off x="838200" y="1825625"/>
-            <a:ext cx="4440382" cy="4351338"/>
+            <a:off x="1097281" y="2079171"/>
+            <a:ext cx="10058399" cy="400110"/>
           </a:xfrm>
+          <a:prstGeom prst="rect">
+            <a:avLst/>
+          </a:prstGeom>
+          <a:noFill/>
         </p:spPr>
         <p:txBody>
-          <a:bodyPr/>
+          <a:bodyPr wrap="square" rtlCol="0">
+            <a:spAutoFit/>
+          </a:bodyPr>
           <a:lstStyle/>
           <a:p>
             <a:r>
-              <a:rPr lang="it-IT" dirty="0" smtClean="0"/>
-              <a:t>Tutti i vertici del politopo sono fuori dal vincolo</a:t>
-            </a:r>
-          </a:p>
-          <a:p>
-            <a:r>
-              <a:rPr lang="it-IT" dirty="0" smtClean="0"/>
-              <a:t>Grafico quadridimensionale</a:t>
-            </a:r>
-            <a:endParaRPr lang="it-IT" dirty="0"/>
+              <a:rPr lang="en-US" sz="2000" dirty="0" smtClean="0"/>
+              <a:t>Le </a:t>
+            </a:r>
+            <a:r>
+              <a:rPr lang="en-US" sz="2000" dirty="0" err="1" smtClean="0"/>
+              <a:t>condizioni</a:t>
+            </a:r>
+            <a:r>
+              <a:rPr lang="en-US" sz="2000" dirty="0" smtClean="0"/>
+              <a:t> di </a:t>
+            </a:r>
+            <a:r>
+              <a:rPr lang="en-US" sz="2000" dirty="0" err="1" smtClean="0"/>
+              <a:t>arresto</a:t>
+            </a:r>
+            <a:r>
+              <a:rPr lang="en-US" sz="2000" dirty="0" smtClean="0"/>
+              <a:t>, </a:t>
+            </a:r>
+            <a:r>
+              <a:rPr lang="en-US" sz="2000" dirty="0" err="1" smtClean="0"/>
+              <a:t>ovvero</a:t>
+            </a:r>
+            <a:r>
+              <a:rPr lang="en-US" sz="2000" dirty="0" smtClean="0"/>
+              <a:t> </a:t>
+            </a:r>
+            <a:r>
+              <a:rPr lang="en-US" sz="2000" dirty="0" err="1" smtClean="0"/>
+              <a:t>i</a:t>
+            </a:r>
+            <a:r>
+              <a:rPr lang="en-US" sz="2000" dirty="0" smtClean="0"/>
+              <a:t> </a:t>
+            </a:r>
+            <a:r>
+              <a:rPr lang="en-US" sz="2000" dirty="0" err="1" smtClean="0"/>
+              <a:t>criteri</a:t>
+            </a:r>
+            <a:r>
+              <a:rPr lang="en-US" sz="2000" dirty="0" smtClean="0"/>
+              <a:t> </a:t>
+            </a:r>
+            <a:r>
+              <a:rPr lang="en-US" sz="2000" dirty="0" err="1" smtClean="0"/>
+              <a:t>che</a:t>
+            </a:r>
+            <a:r>
+              <a:rPr lang="en-US" sz="2000" dirty="0" smtClean="0"/>
+              <a:t> ci </a:t>
+            </a:r>
+            <a:r>
+              <a:rPr lang="en-US" sz="2000" dirty="0" err="1" smtClean="0"/>
+              <a:t>portano</a:t>
+            </a:r>
+            <a:r>
+              <a:rPr lang="en-US" sz="2000" dirty="0" smtClean="0"/>
+              <a:t> </a:t>
+            </a:r>
+            <a:r>
+              <a:rPr lang="en-US" sz="2000" dirty="0" err="1" smtClean="0"/>
+              <a:t>alla</a:t>
+            </a:r>
+            <a:r>
+              <a:rPr lang="en-US" sz="2000" dirty="0" smtClean="0"/>
+              <a:t> </a:t>
+            </a:r>
+            <a:r>
+              <a:rPr lang="en-US" sz="2000" dirty="0" err="1" smtClean="0"/>
+              <a:t>conclusione</a:t>
+            </a:r>
+            <a:r>
+              <a:rPr lang="en-US" sz="2000" dirty="0" smtClean="0"/>
+              <a:t> </a:t>
+            </a:r>
+            <a:r>
+              <a:rPr lang="en-US" sz="2000" dirty="0" err="1" smtClean="0"/>
+              <a:t>dell’algoritmo</a:t>
+            </a:r>
+            <a:r>
+              <a:rPr lang="en-US" sz="2000" dirty="0" smtClean="0"/>
+              <a:t> </a:t>
+            </a:r>
+            <a:r>
+              <a:rPr lang="en-US" sz="2000" dirty="0" err="1" smtClean="0"/>
+              <a:t>sono</a:t>
+            </a:r>
+            <a:r>
+              <a:rPr lang="en-US" sz="2000" dirty="0" smtClean="0"/>
+              <a:t> due: </a:t>
+            </a:r>
+            <a:endParaRPr lang="en-US" sz="2000" dirty="0"/>
           </a:p>
         </p:txBody>
       </p:sp>
     </p:spTree>
     <p:extLst>
       <p:ext uri="{BB962C8B-B14F-4D97-AF65-F5344CB8AC3E}">
-        <p14:creationId xmlns:p14="http://schemas.microsoft.com/office/powerpoint/2010/main" val="891156659"/>
+        <p14:creationId xmlns:p14="http://schemas.microsoft.com/office/powerpoint/2010/main" val="4037897198"/>
       </p:ext>
     </p:extLst>
   </p:cSld>
   <p:clrMapOvr>
     <a:masterClrMapping/>
   </p:clrMapOvr>
+  <p:timing>
+    <p:tnLst>
+      <p:par>
+        <p:cTn id="1" dur="indefinite" restart="never" nodeType="tmRoot"/>
+      </p:par>
+    </p:tnLst>
+  </p:timing>
 </p:sld>
 </file>
 
@@ -4558,7 +5114,7 @@
           <a:p>
             <a:r>
               <a:rPr lang="it-IT" dirty="0" smtClean="0"/>
-              <a:t>Soluzioni</a:t>
+              <a:t>PROBLEMI</a:t>
             </a:r>
             <a:endParaRPr lang="it-IT" dirty="0"/>
           </a:p>
@@ -4576,32 +5132,324 @@
         </p:nvSpPr>
         <p:spPr>
           <a:xfrm>
-            <a:off x="838200" y="1825625"/>
-            <a:ext cx="4548447" cy="4351338"/>
+            <a:off x="1149530" y="1858284"/>
+            <a:ext cx="10006149" cy="2060574"/>
           </a:xfrm>
         </p:spPr>
         <p:txBody>
+          <a:bodyPr>
+            <a:normAutofit/>
+          </a:bodyPr>
+          <a:lstStyle/>
+          <a:p>
+            <a:r>
+              <a:rPr lang="it-IT" dirty="0" smtClean="0"/>
+              <a:t>I problemi incontrati durante lo sviluppo dell’algoritmo, sono principalmente </a:t>
+            </a:r>
+            <a:r>
+              <a:rPr lang="it-IT" i="1" dirty="0" smtClean="0"/>
+              <a:t>due</a:t>
+            </a:r>
+            <a:r>
+              <a:rPr lang="it-IT" dirty="0" smtClean="0"/>
+              <a:t>:</a:t>
+            </a:r>
+          </a:p>
+          <a:p>
+            <a:endParaRPr lang="it-IT" dirty="0" smtClean="0"/>
+          </a:p>
+          <a:p>
+            <a:r>
+              <a:rPr lang="it-IT" dirty="0" smtClean="0"/>
+              <a:t>Quando parte del politopo esce fuori dal vincolo che è stato imposto, di conseguenza è stato </a:t>
+            </a:r>
+            <a:r>
+              <a:rPr lang="it-IT" dirty="0" smtClean="0"/>
+              <a:t>necessario trovare un approccio che riportasse </a:t>
+            </a:r>
+            <a:r>
+              <a:rPr lang="it-IT" dirty="0" smtClean="0"/>
+              <a:t>il </a:t>
+            </a:r>
+            <a:r>
+              <a:rPr lang="it-IT" dirty="0" smtClean="0"/>
+              <a:t>politopo nuovamente </a:t>
+            </a:r>
+            <a:r>
+              <a:rPr lang="it-IT" dirty="0" smtClean="0"/>
+              <a:t>nella </a:t>
+            </a:r>
+            <a:r>
+              <a:rPr lang="it-IT" dirty="0" smtClean="0"/>
+              <a:t>regione dei punti ammissibili.</a:t>
+            </a:r>
+            <a:endParaRPr lang="it-IT" dirty="0" smtClean="0"/>
+          </a:p>
+        </p:txBody>
+      </p:sp>
+      <p:sp>
+        <p:nvSpPr>
+          <p:cNvPr id="4" name="Rectangle 3"/>
+          <p:cNvSpPr/>
+          <p:nvPr/>
+        </p:nvSpPr>
+        <p:spPr>
+          <a:xfrm>
+            <a:off x="1123405" y="4042007"/>
+            <a:ext cx="10006149" cy="1015663"/>
+          </a:xfrm>
+          <a:prstGeom prst="rect">
+            <a:avLst/>
+          </a:prstGeom>
+        </p:spPr>
+        <p:txBody>
+          <a:bodyPr wrap="square">
+            <a:spAutoFit/>
+          </a:bodyPr>
+          <a:lstStyle/>
+          <a:p>
+            <a:r>
+              <a:rPr lang="it-IT" sz="2000" dirty="0"/>
+              <a:t>Il secondo problema è di natura grafica, in quanto</a:t>
+            </a:r>
+            <a:r>
+              <a:rPr lang="it-IT" sz="2000" dirty="0" smtClean="0"/>
+              <a:t>, lavorando in uno spazio a </a:t>
+            </a:r>
+            <a:r>
+              <a:rPr lang="it-IT" sz="2000" dirty="0" smtClean="0"/>
+              <a:t>3 dimensioni nel quale ogni punto ha un valore, è stato necessario disegnare dei piani sui quali sono rappresentate con colori le linee </a:t>
+            </a:r>
+            <a:r>
+              <a:rPr lang="it-IT" sz="2000" dirty="0" err="1" smtClean="0"/>
+              <a:t>isolivello</a:t>
+            </a:r>
+            <a:endParaRPr lang="it-IT" sz="2000" dirty="0"/>
+          </a:p>
+        </p:txBody>
+      </p:sp>
+    </p:spTree>
+    <p:extLst>
+      <p:ext uri="{BB962C8B-B14F-4D97-AF65-F5344CB8AC3E}">
+        <p14:creationId xmlns:p14="http://schemas.microsoft.com/office/powerpoint/2010/main" val="891156659"/>
+      </p:ext>
+    </p:extLst>
+  </p:cSld>
+  <p:clrMapOvr>
+    <a:masterClrMapping/>
+  </p:clrMapOvr>
+  <p:timing>
+    <p:tnLst>
+      <p:par>
+        <p:cTn id="1" dur="indefinite" restart="never" nodeType="tmRoot"/>
+      </p:par>
+    </p:tnLst>
+  </p:timing>
+</p:sld>
+</file>
+
+<file path=ppt/slides/slide12.xml><?xml version="1.0" encoding="utf-8"?>
+<p:sld xmlns:a="http://schemas.openxmlformats.org/drawingml/2006/main" xmlns:r="http://schemas.openxmlformats.org/officeDocument/2006/relationships" xmlns:p="http://schemas.openxmlformats.org/presentationml/2006/main">
+  <p:cSld>
+    <p:spTree>
+      <p:nvGrpSpPr>
+        <p:cNvPr id="1" name=""/>
+        <p:cNvGrpSpPr/>
+        <p:nvPr/>
+      </p:nvGrpSpPr>
+      <p:grpSpPr>
+        <a:xfrm>
+          <a:off x="0" y="0"/>
+          <a:ext cx="0" cy="0"/>
+          <a:chOff x="0" y="0"/>
+          <a:chExt cx="0" cy="0"/>
+        </a:xfrm>
+      </p:grpSpPr>
+      <p:sp>
+        <p:nvSpPr>
+          <p:cNvPr id="2" name="Titolo 1"/>
+          <p:cNvSpPr>
+            <a:spLocks noGrp="1"/>
+          </p:cNvSpPr>
+          <p:nvPr>
+            <p:ph type="title"/>
+          </p:nvPr>
+        </p:nvSpPr>
+        <p:spPr/>
+        <p:txBody>
           <a:bodyPr/>
           <a:lstStyle/>
           <a:p>
             <a:r>
               <a:rPr lang="it-IT" dirty="0" smtClean="0"/>
-              <a:t>Penalità</a:t>
-            </a:r>
-          </a:p>
-          <a:p>
-            <a:r>
-              <a:rPr lang="it-IT" dirty="0" smtClean="0"/>
-              <a:t>Piani con superfici </a:t>
-            </a:r>
-            <a:r>
-              <a:rPr lang="it-IT" dirty="0" err="1" smtClean="0"/>
+              <a:t>SOLUZIONI</a:t>
+            </a:r>
+            <a:endParaRPr lang="it-IT" dirty="0"/>
+          </a:p>
+        </p:txBody>
+      </p:sp>
+      <p:sp>
+        <p:nvSpPr>
+          <p:cNvPr id="3" name="Segnaposto contenuto 2"/>
+          <p:cNvSpPr>
+            <a:spLocks noGrp="1"/>
+          </p:cNvSpPr>
+          <p:nvPr>
+            <p:ph idx="1"/>
+          </p:nvPr>
+        </p:nvSpPr>
+        <p:spPr>
+          <a:xfrm>
+            <a:off x="1097280" y="1988896"/>
+            <a:ext cx="10058400" cy="950232"/>
+          </a:xfrm>
+        </p:spPr>
+        <p:txBody>
+          <a:bodyPr>
+            <a:normAutofit fontScale="92500" lnSpcReduction="20000"/>
+          </a:bodyPr>
+          <a:lstStyle/>
+          <a:p>
+            <a:r>
+              <a:rPr lang="it-IT" dirty="0" smtClean="0">
+                <a:solidFill>
+                  <a:schemeClr val="tx1"/>
+                </a:solidFill>
+              </a:rPr>
+              <a:t>Il primo problema è stato risolto </a:t>
+            </a:r>
+            <a:r>
+              <a:rPr lang="it-IT" dirty="0" smtClean="0">
+                <a:solidFill>
+                  <a:schemeClr val="tx1"/>
+                </a:solidFill>
+              </a:rPr>
+              <a:t>utilizzando le </a:t>
+            </a:r>
+            <a:r>
+              <a:rPr lang="it-IT" dirty="0" smtClean="0">
+                <a:solidFill>
+                  <a:schemeClr val="tx1"/>
+                </a:solidFill>
+              </a:rPr>
+              <a:t>penalità, </a:t>
+            </a:r>
+            <a:r>
+              <a:rPr lang="it-IT" dirty="0" smtClean="0">
+                <a:solidFill>
+                  <a:schemeClr val="tx1"/>
+                </a:solidFill>
+              </a:rPr>
+              <a:t>il valore </a:t>
+            </a:r>
+            <a:r>
+              <a:rPr lang="it-IT" dirty="0" smtClean="0">
+                <a:solidFill>
+                  <a:schemeClr val="tx1"/>
+                </a:solidFill>
+              </a:rPr>
+              <a:t>della </a:t>
+            </a:r>
+            <a:r>
+              <a:rPr lang="it-IT" dirty="0" smtClean="0">
+                <a:solidFill>
+                  <a:schemeClr val="tx1"/>
+                </a:solidFill>
+              </a:rPr>
+              <a:t>funzione viene penalizzato e dunque aumentato drasticamente per i vertici del politopo che ricadono fuori dal vincolo in modo tale da forzare l’algoritmo alla prossima iterazione a ribaltare il politopo all’interno della regione dei </a:t>
+            </a:r>
+            <a:r>
+              <a:rPr lang="it-IT" smtClean="0">
+                <a:solidFill>
+                  <a:schemeClr val="tx1"/>
+                </a:solidFill>
+              </a:rPr>
+              <a:t>punti ammissibili.</a:t>
+            </a:r>
+            <a:endParaRPr lang="it-IT" dirty="0" smtClean="0">
+              <a:solidFill>
+                <a:schemeClr val="tx1"/>
+              </a:solidFill>
+            </a:endParaRPr>
+          </a:p>
+        </p:txBody>
+      </p:sp>
+      <p:sp>
+        <p:nvSpPr>
+          <p:cNvPr id="4" name="Rectangle 3"/>
+          <p:cNvSpPr/>
+          <p:nvPr/>
+        </p:nvSpPr>
+        <p:spPr>
+          <a:xfrm>
+            <a:off x="1097279" y="3502509"/>
+            <a:ext cx="10058401" cy="707886"/>
+          </a:xfrm>
+          <a:prstGeom prst="rect">
+            <a:avLst/>
+          </a:prstGeom>
+        </p:spPr>
+        <p:txBody>
+          <a:bodyPr wrap="square">
+            <a:spAutoFit/>
+          </a:bodyPr>
+          <a:lstStyle/>
+          <a:p>
+            <a:r>
+              <a:rPr lang="it-IT" sz="2000" dirty="0" smtClean="0"/>
+              <a:t>Per il secondo invece sono stati utilizzati delle superfici </a:t>
+            </a:r>
+            <a:r>
+              <a:rPr lang="it-IT" sz="2000" dirty="0" err="1" smtClean="0"/>
               <a:t>isolivello</a:t>
             </a:r>
-            <a:endParaRPr lang="it-IT" dirty="0"/>
+            <a:r>
+              <a:rPr lang="it-IT" sz="2000" dirty="0" smtClean="0"/>
+              <a:t> </a:t>
+            </a:r>
+          </a:p>
+          <a:p>
+            <a:r>
+              <a:rPr lang="it-IT" sz="2000" dirty="0"/>
+              <a:t>s</a:t>
+            </a:r>
+            <a:r>
+              <a:rPr lang="it-IT" sz="2000" dirty="0" smtClean="0"/>
+              <a:t>u molteplici piani che tagliano in più parti la regione di interesse</a:t>
+            </a:r>
+            <a:endParaRPr lang="it-IT" sz="2000" dirty="0"/>
           </a:p>
         </p:txBody>
       </p:sp>
+      <p:pic>
+        <p:nvPicPr>
+          <p:cNvPr id="8" name="Picture 7"/>
+          <p:cNvPicPr>
+            <a:picLocks noChangeAspect="1"/>
+          </p:cNvPicPr>
+          <p:nvPr/>
+        </p:nvPicPr>
+        <p:blipFill rotWithShape="1">
+          <a:blip r:embed="rId2" cstate="print">
+            <a:extLst>
+              <a:ext uri="{28A0092B-C50C-407E-A947-70E740481C1C}">
+                <a14:useLocalDpi xmlns:a14="http://schemas.microsoft.com/office/drawing/2010/main" val="0"/>
+              </a:ext>
+            </a:extLst>
+          </a:blip>
+          <a:srcRect l="7322" t="3905" r="7109" b="3667"/>
+          <a:stretch/>
+        </p:blipFill>
+        <p:spPr>
+          <a:xfrm>
+            <a:off x="8001000" y="2864122"/>
+            <a:ext cx="3907972" cy="3293366"/>
+          </a:xfrm>
+          <a:prstGeom prst="rect">
+            <a:avLst/>
+          </a:prstGeom>
+        </p:spPr>
+      </p:pic>
     </p:spTree>
     <p:extLst>
       <p:ext uri="{BB962C8B-B14F-4D97-AF65-F5344CB8AC3E}">
@@ -4612,6 +5460,13 @@
   <p:clrMapOvr>
     <a:masterClrMapping/>
   </p:clrMapOvr>
+  <p:timing>
+    <p:tnLst>
+      <p:par>
+        <p:cTn id="1" dur="indefinite" restart="never" nodeType="tmRoot"/>
+      </p:par>
+    </p:tnLst>
+  </p:timing>
 </p:sld>
 </file>
 
@@ -4673,20 +5528,32 @@
         </p:spPr>
         <p:txBody>
           <a:bodyPr>
-            <a:normAutofit/>
+            <a:normAutofit lnSpcReduction="10000"/>
           </a:bodyPr>
           <a:lstStyle/>
           <a:p>
             <a:r>
-              <a:rPr lang="it-IT" dirty="0" smtClean="0"/>
+              <a:rPr lang="it-IT" dirty="0">
+                <a:solidFill>
+                  <a:schemeClr val="tx1"/>
+                </a:solidFill>
+              </a:rPr>
               <a:t>Il sistema è composto da un </a:t>
             </a:r>
             <a:r>
-              <a:rPr lang="it-IT" dirty="0" err="1" smtClean="0"/>
+              <a:rPr lang="it-IT" dirty="0" err="1">
+                <a:solidFill>
+                  <a:schemeClr val="tx1"/>
+                </a:solidFill>
+              </a:rPr>
               <a:t>brick</a:t>
             </a:r>
             <a:r>
-              <a:rPr lang="it-IT" dirty="0" smtClean="0"/>
+              <a:rPr lang="it-IT" dirty="0">
+                <a:solidFill>
+                  <a:schemeClr val="tx1"/>
+                </a:solidFill>
+              </a:rPr>
               <a:t> contente:</a:t>
             </a:r>
           </a:p>
@@ -4696,22 +5563,13 @@
               <a:buChar char="•"/>
             </a:pPr>
             <a:r>
-              <a:rPr lang="it-IT" dirty="0" smtClean="0"/>
-              <a:t> N-1 </a:t>
-            </a:r>
-            <a:r>
-              <a:rPr lang="it-IT" dirty="0" smtClean="0"/>
-              <a:t>cariche </a:t>
-            </a:r>
-            <a:r>
-              <a:rPr lang="it-IT" dirty="0" smtClean="0"/>
-              <a:t>note, di valore </a:t>
-            </a:r>
-            <a:r>
-              <a:rPr lang="it-IT" dirty="0" smtClean="0"/>
-              <a:t>ugual valore</a:t>
-            </a:r>
-            <a:endParaRPr lang="it-IT" dirty="0" smtClean="0"/>
+              <a:rPr lang="it-IT" dirty="0" smtClean="0">
+                <a:solidFill>
+                  <a:schemeClr val="tx1"/>
+                </a:solidFill>
+              </a:rPr>
+              <a:t> N-1 cariche note, di valore ugual valore</a:t>
+            </a:r>
           </a:p>
           <a:p>
             <a:pPr lvl="1">
@@ -4719,42 +5577,37 @@
               <a:buChar char="•"/>
             </a:pPr>
             <a:r>
-              <a:rPr lang="it-IT" dirty="0" smtClean="0"/>
-              <a:t> 1 carica le cui coordinate sono incognite</a:t>
-            </a:r>
-            <a:endParaRPr lang="it-IT" dirty="0"/>
+              <a:rPr lang="it-IT" dirty="0" smtClean="0">
+                <a:solidFill>
+                  <a:schemeClr val="tx1"/>
+                </a:solidFill>
+              </a:rPr>
+              <a:t> 1 carica le cui coordinate </a:t>
+            </a:r>
+            <a:r>
+              <a:rPr lang="it-IT" dirty="0" smtClean="0">
+                <a:solidFill>
+                  <a:schemeClr val="tx1"/>
+                </a:solidFill>
+              </a:rPr>
+              <a:t>x ed y ed il valore della carica sono </a:t>
+            </a:r>
+            <a:r>
+              <a:rPr lang="it-IT" dirty="0" smtClean="0">
+                <a:solidFill>
+                  <a:schemeClr val="tx1"/>
+                </a:solidFill>
+              </a:rPr>
+              <a:t>incognite</a:t>
+            </a:r>
+            <a:endParaRPr lang="it-IT" dirty="0">
+              <a:solidFill>
+                <a:schemeClr val="tx1"/>
+              </a:solidFill>
+            </a:endParaRPr>
           </a:p>
         </p:txBody>
       </p:sp>
-      <p:pic>
-        <p:nvPicPr>
-          <p:cNvPr id="5" name="Picture 4"/>
-          <p:cNvPicPr>
-            <a:picLocks noChangeAspect="1"/>
-          </p:cNvPicPr>
-          <p:nvPr/>
-        </p:nvPicPr>
-        <p:blipFill rotWithShape="1">
-          <a:blip r:embed="rId3">
-            <a:extLst>
-              <a:ext uri="{28A0092B-C50C-407E-A947-70E740481C1C}">
-                <a14:useLocalDpi xmlns:a14="http://schemas.microsoft.com/office/drawing/2010/main" val="0"/>
-              </a:ext>
-            </a:extLst>
-          </a:blip>
-          <a:srcRect r="4789" b="5084"/>
-          <a:stretch/>
-        </p:blipFill>
-        <p:spPr>
-          <a:xfrm>
-            <a:off x="6106887" y="1967138"/>
-            <a:ext cx="5235700" cy="3849463"/>
-          </a:xfrm>
-          <a:prstGeom prst="rect">
-            <a:avLst/>
-          </a:prstGeom>
-        </p:spPr>
-      </p:pic>
       <p:sp>
         <p:nvSpPr>
           <p:cNvPr id="6" name="TextBox 5"/>
@@ -4763,8 +5616,8 @@
         </p:nvSpPr>
         <p:spPr>
           <a:xfrm>
-            <a:off x="892629" y="3430204"/>
-            <a:ext cx="4550228" cy="1292662"/>
+            <a:off x="892628" y="3424884"/>
+            <a:ext cx="4528391" cy="923330"/>
           </a:xfrm>
           <a:prstGeom prst="rect">
             <a:avLst/>
@@ -4777,6 +5630,23 @@
           </a:bodyPr>
           <a:lstStyle/>
           <a:p>
+            <a:pPr marL="91440" indent="-91440">
+              <a:lnSpc>
+                <a:spcPct val="90000"/>
+              </a:lnSpc>
+              <a:spcBef>
+                <a:spcPts val="1200"/>
+              </a:spcBef>
+              <a:spcAft>
+                <a:spcPts val="200"/>
+              </a:spcAft>
+              <a:buClr>
+                <a:schemeClr val="accent1"/>
+              </a:buClr>
+              <a:buSzPct val="100000"/>
+              <a:buFont typeface="Calibri" panose="020F0502020204030204" pitchFamily="34" charset="0"/>
+              <a:buChar char=" "/>
+            </a:pPr>
             <a:r>
               <a:rPr lang="it-IT" sz="2000" dirty="0"/>
               <a:t>Un secondo </a:t>
@@ -4787,27 +5657,13 @@
             </a:r>
             <a:r>
               <a:rPr lang="it-IT" sz="2000" dirty="0"/>
-              <a:t> esterno su cui sono posti M misurati di </a:t>
-            </a:r>
-            <a:r>
-              <a:rPr lang="it-IT" sz="2000" dirty="0" smtClean="0"/>
-              <a:t>potenziale elettrico</a:t>
-            </a:r>
-            <a:r>
-              <a:rPr lang="it-IT" sz="2000" dirty="0"/>
-              <a:t> </a:t>
-            </a:r>
-            <a:r>
-              <a:rPr lang="it-IT" sz="2000" dirty="0" err="1"/>
+              <a:t> esterno su cui sono posti M misurati di potenziale elettrico </a:t>
+            </a:r>
+            <a:r>
+              <a:rPr lang="it-IT" sz="2000" dirty="0" err="1" smtClean="0"/>
               <a:t>equidistanziati</a:t>
             </a:r>
-            <a:r>
-              <a:rPr lang="it-IT" dirty="0"/>
-              <a:t>.</a:t>
-            </a:r>
-          </a:p>
-          <a:p>
-            <a:endParaRPr lang="en-US" dirty="0"/>
+            <a:endParaRPr lang="it-IT" sz="2000" dirty="0"/>
           </a:p>
         </p:txBody>
       </p:sp>
@@ -4819,8 +5675,8 @@
         </p:nvSpPr>
         <p:spPr>
           <a:xfrm>
-            <a:off x="892629" y="4722478"/>
-            <a:ext cx="4415542" cy="707886"/>
+            <a:off x="892628" y="4722478"/>
+            <a:ext cx="4415543" cy="707886"/>
           </a:xfrm>
           <a:prstGeom prst="rect">
             <a:avLst/>
@@ -4834,70 +5690,1094 @@
           <a:lstStyle/>
           <a:p>
             <a:r>
-              <a:rPr lang="en-US" sz="2000" dirty="0" smtClean="0"/>
+              <a:rPr lang="en-US" sz="2000" dirty="0"/>
               <a:t>Il </a:t>
             </a:r>
             <a:r>
-              <a:rPr lang="en-US" sz="2000" dirty="0" err="1" smtClean="0"/>
+              <a:rPr lang="en-US" sz="2000" dirty="0" err="1"/>
               <a:t>nostro</a:t>
             </a:r>
             <a:r>
-              <a:rPr lang="en-US" sz="2000" dirty="0" smtClean="0"/>
+              <a:rPr lang="en-US" sz="2000" dirty="0"/>
               <a:t> </a:t>
             </a:r>
             <a:r>
-              <a:rPr lang="en-US" sz="2000" dirty="0" err="1" smtClean="0"/>
+              <a:rPr lang="en-US" sz="2000" dirty="0" err="1"/>
               <a:t>sistema</a:t>
             </a:r>
             <a:r>
-              <a:rPr lang="en-US" sz="2000" dirty="0" smtClean="0"/>
+              <a:rPr lang="en-US" sz="2000" dirty="0"/>
               <a:t> di </a:t>
             </a:r>
             <a:r>
-              <a:rPr lang="en-US" sz="2000" dirty="0" err="1" smtClean="0"/>
+              <a:rPr lang="en-US" sz="2000" dirty="0" err="1"/>
               <a:t>riferimento</a:t>
             </a:r>
             <a:r>
-              <a:rPr lang="en-US" sz="2000" dirty="0" smtClean="0"/>
+              <a:rPr lang="en-US" sz="2000" dirty="0"/>
               <a:t> </a:t>
             </a:r>
             <a:r>
-              <a:rPr lang="en-US" sz="2000" dirty="0" err="1" smtClean="0"/>
+              <a:rPr lang="en-US" sz="2000" dirty="0" err="1"/>
               <a:t>è</a:t>
             </a:r>
             <a:r>
-              <a:rPr lang="en-US" sz="2000" dirty="0" smtClean="0"/>
+              <a:rPr lang="en-US" sz="2000" dirty="0"/>
               <a:t> </a:t>
             </a:r>
             <a:r>
-              <a:rPr lang="en-US" sz="2000" dirty="0" err="1" smtClean="0"/>
+              <a:rPr lang="en-US" sz="2000" dirty="0" err="1"/>
               <a:t>posto</a:t>
             </a:r>
             <a:r>
-              <a:rPr lang="en-US" sz="2000" dirty="0" smtClean="0"/>
+              <a:rPr lang="en-US" sz="2000" dirty="0"/>
               <a:t> al </a:t>
             </a:r>
             <a:r>
-              <a:rPr lang="en-US" sz="2000" dirty="0" err="1" smtClean="0"/>
+              <a:rPr lang="en-US" sz="2000" dirty="0" err="1"/>
               <a:t>centro</a:t>
             </a:r>
             <a:r>
-              <a:rPr lang="en-US" sz="2000" dirty="0" smtClean="0"/>
+              <a:rPr lang="en-US" sz="2000" dirty="0"/>
               <a:t> del </a:t>
             </a:r>
             <a:r>
-              <a:rPr lang="en-US" sz="2000" dirty="0" err="1" smtClean="0"/>
+              <a:rPr lang="en-US" sz="2000" dirty="0" err="1"/>
               <a:t>nostro</a:t>
             </a:r>
             <a:r>
-              <a:rPr lang="en-US" sz="2000" dirty="0" smtClean="0"/>
+              <a:rPr lang="en-US" sz="2000" dirty="0"/>
               <a:t> </a:t>
             </a:r>
             <a:r>
-              <a:rPr lang="en-US" sz="2000" dirty="0" err="1" smtClean="0"/>
+              <a:rPr lang="en-US" sz="2000" dirty="0" err="1"/>
               <a:t>sistema</a:t>
             </a:r>
             <a:endParaRPr lang="en-US" sz="2000" dirty="0"/>
+          </a:p>
+        </p:txBody>
+      </p:sp>
+      <p:sp>
+        <p:nvSpPr>
+          <p:cNvPr id="8" name="Cube 7"/>
+          <p:cNvSpPr/>
+          <p:nvPr/>
+        </p:nvSpPr>
+        <p:spPr>
+          <a:xfrm>
+            <a:off x="6959631" y="2823737"/>
+            <a:ext cx="3230270" cy="2055552"/>
+          </a:xfrm>
+          <a:prstGeom prst="cube">
+            <a:avLst>
+              <a:gd name="adj" fmla="val 28865"/>
+            </a:avLst>
+          </a:prstGeom>
+        </p:spPr>
+        <p:style>
+          <a:lnRef idx="2">
+            <a:schemeClr val="accent3"/>
+          </a:lnRef>
+          <a:fillRef idx="1">
+            <a:schemeClr val="lt1"/>
+          </a:fillRef>
+          <a:effectRef idx="0">
+            <a:schemeClr val="accent3"/>
+          </a:effectRef>
+          <a:fontRef idx="minor">
+            <a:schemeClr val="dk1"/>
+          </a:fontRef>
+        </p:style>
+        <p:txBody>
+          <a:bodyPr rot="0" spcFirstLastPara="0" vert="horz" wrap="square" lIns="91440" tIns="45720" rIns="91440" bIns="45720" numCol="1" spcCol="0" rtlCol="0" fromWordArt="0" anchor="ctr" anchorCtr="0" forceAA="0" compatLnSpc="1">
+            <a:prstTxWarp prst="textNoShape">
+              <a:avLst/>
+            </a:prstTxWarp>
+            <a:noAutofit/>
+          </a:bodyPr>
+          <a:lstStyle/>
+          <a:p>
+            <a:endParaRPr lang="en-US"/>
+          </a:p>
+        </p:txBody>
+      </p:sp>
+      <p:cxnSp>
+        <p:nvCxnSpPr>
+          <p:cNvPr id="9" name="Straight Arrow Connector 8"/>
+          <p:cNvCxnSpPr/>
+          <p:nvPr/>
+        </p:nvCxnSpPr>
+        <p:spPr>
+          <a:xfrm flipV="1">
+            <a:off x="8321048" y="3558909"/>
+            <a:ext cx="0" cy="571500"/>
+          </a:xfrm>
+          <a:prstGeom prst="straightConnector1">
+            <a:avLst/>
+          </a:prstGeom>
+          <a:ln>
+            <a:tailEnd type="triangle"/>
+          </a:ln>
+        </p:spPr>
+        <p:style>
+          <a:lnRef idx="1">
+            <a:schemeClr val="dk1"/>
+          </a:lnRef>
+          <a:fillRef idx="0">
+            <a:schemeClr val="dk1"/>
+          </a:fillRef>
+          <a:effectRef idx="0">
+            <a:schemeClr val="dk1"/>
+          </a:effectRef>
+          <a:fontRef idx="minor">
+            <a:schemeClr val="tx1"/>
+          </a:fontRef>
+        </p:style>
+      </p:cxnSp>
+      <p:cxnSp>
+        <p:nvCxnSpPr>
+          <p:cNvPr id="10" name="Straight Arrow Connector 9"/>
+          <p:cNvCxnSpPr/>
+          <p:nvPr/>
+        </p:nvCxnSpPr>
+        <p:spPr>
+          <a:xfrm>
+            <a:off x="8325493" y="4141204"/>
+            <a:ext cx="571500" cy="0"/>
+          </a:xfrm>
+          <a:prstGeom prst="straightConnector1">
+            <a:avLst/>
+          </a:prstGeom>
+          <a:ln>
+            <a:tailEnd type="triangle"/>
+          </a:ln>
+        </p:spPr>
+        <p:style>
+          <a:lnRef idx="1">
+            <a:schemeClr val="dk1"/>
+          </a:lnRef>
+          <a:fillRef idx="0">
+            <a:schemeClr val="dk1"/>
+          </a:fillRef>
+          <a:effectRef idx="0">
+            <a:schemeClr val="dk1"/>
+          </a:effectRef>
+          <a:fontRef idx="minor">
+            <a:schemeClr val="tx1"/>
+          </a:fontRef>
+        </p:style>
+      </p:cxnSp>
+      <p:cxnSp>
+        <p:nvCxnSpPr>
+          <p:cNvPr id="11" name="Straight Arrow Connector 10"/>
+          <p:cNvCxnSpPr/>
+          <p:nvPr/>
+        </p:nvCxnSpPr>
+        <p:spPr>
+          <a:xfrm flipV="1">
+            <a:off x="8328033" y="3771634"/>
+            <a:ext cx="342900" cy="342900"/>
+          </a:xfrm>
+          <a:prstGeom prst="straightConnector1">
+            <a:avLst/>
+          </a:prstGeom>
+          <a:ln>
+            <a:tailEnd type="triangle"/>
+          </a:ln>
+        </p:spPr>
+        <p:style>
+          <a:lnRef idx="1">
+            <a:schemeClr val="dk1"/>
+          </a:lnRef>
+          <a:fillRef idx="0">
+            <a:schemeClr val="dk1"/>
+          </a:fillRef>
+          <a:effectRef idx="0">
+            <a:schemeClr val="dk1"/>
+          </a:effectRef>
+          <a:fontRef idx="minor">
+            <a:schemeClr val="tx1"/>
+          </a:fontRef>
+        </p:style>
+      </p:cxnSp>
+      <p:sp>
+        <p:nvSpPr>
+          <p:cNvPr id="12" name="Text Box 6"/>
+          <p:cNvSpPr txBox="1"/>
+          <p:nvPr/>
+        </p:nvSpPr>
+        <p:spPr>
+          <a:xfrm>
+            <a:off x="8790948" y="4113899"/>
+            <a:ext cx="228600" cy="234315"/>
+          </a:xfrm>
+          <a:prstGeom prst="rect">
+            <a:avLst/>
+          </a:prstGeom>
+          <a:noFill/>
+          <a:ln>
+            <a:noFill/>
+          </a:ln>
+          <a:effectLst/>
+        </p:spPr>
+        <p:style>
+          <a:lnRef idx="0">
+            <a:schemeClr val="accent1"/>
+          </a:lnRef>
+          <a:fillRef idx="0">
+            <a:schemeClr val="accent1"/>
+          </a:fillRef>
+          <a:effectRef idx="0">
+            <a:schemeClr val="accent1"/>
+          </a:effectRef>
+          <a:fontRef idx="minor">
+            <a:schemeClr val="dk1"/>
+          </a:fontRef>
+        </p:style>
+        <p:txBody>
+          <a:bodyPr rot="0" spcFirstLastPara="0" vert="horz" wrap="square" lIns="91440" tIns="45720" rIns="91440" bIns="45720" numCol="1" spcCol="0" rtlCol="0" fromWordArt="0" anchor="t" anchorCtr="0" forceAA="0" compatLnSpc="1">
+            <a:prstTxWarp prst="textNoShape">
+              <a:avLst/>
+            </a:prstTxWarp>
+            <a:noAutofit/>
+          </a:bodyPr>
+          <a:lstStyle/>
+          <a:p>
+            <a:pPr marL="0" marR="0">
+              <a:lnSpc>
+                <a:spcPct val="107000"/>
+              </a:lnSpc>
+              <a:spcBef>
+                <a:spcPts val="0"/>
+              </a:spcBef>
+              <a:spcAft>
+                <a:spcPts val="800"/>
+              </a:spcAft>
+            </a:pPr>
+            <a:r>
+              <a:rPr lang="it-IT" sz="1100" dirty="0" smtClean="0">
+                <a:effectLst/>
+                <a:ea typeface="Calibri" charset="0"/>
+                <a:cs typeface="Times New Roman" charset="0"/>
+              </a:rPr>
+              <a:t>x</a:t>
+            </a:r>
+            <a:endParaRPr lang="en-US" sz="1100" dirty="0">
+              <a:effectLst/>
+              <a:ea typeface="Calibri" charset="0"/>
+              <a:cs typeface="Times New Roman" charset="0"/>
+            </a:endParaRPr>
+          </a:p>
+        </p:txBody>
+      </p:sp>
+      <p:sp>
+        <p:nvSpPr>
+          <p:cNvPr id="13" name="Text Box 7"/>
+          <p:cNvSpPr txBox="1"/>
+          <p:nvPr/>
+        </p:nvSpPr>
+        <p:spPr>
+          <a:xfrm>
+            <a:off x="8714748" y="3654159"/>
+            <a:ext cx="228600" cy="234315"/>
+          </a:xfrm>
+          <a:prstGeom prst="rect">
+            <a:avLst/>
+          </a:prstGeom>
+          <a:noFill/>
+          <a:ln>
+            <a:noFill/>
+          </a:ln>
+          <a:effectLst/>
+        </p:spPr>
+        <p:style>
+          <a:lnRef idx="0">
+            <a:schemeClr val="accent1"/>
+          </a:lnRef>
+          <a:fillRef idx="0">
+            <a:schemeClr val="accent1"/>
+          </a:fillRef>
+          <a:effectRef idx="0">
+            <a:schemeClr val="accent1"/>
+          </a:effectRef>
+          <a:fontRef idx="minor">
+            <a:schemeClr val="dk1"/>
+          </a:fontRef>
+        </p:style>
+        <p:txBody>
+          <a:bodyPr rot="0" spcFirstLastPara="0" vert="horz" wrap="square" lIns="91440" tIns="45720" rIns="91440" bIns="45720" numCol="1" spcCol="0" rtlCol="0" fromWordArt="0" anchor="t" anchorCtr="0" forceAA="0" compatLnSpc="1">
+            <a:prstTxWarp prst="textNoShape">
+              <a:avLst/>
+            </a:prstTxWarp>
+            <a:noAutofit/>
+          </a:bodyPr>
+          <a:lstStyle/>
+          <a:p>
+            <a:pPr marL="0" marR="0">
+              <a:lnSpc>
+                <a:spcPct val="107000"/>
+              </a:lnSpc>
+              <a:spcBef>
+                <a:spcPts val="0"/>
+              </a:spcBef>
+              <a:spcAft>
+                <a:spcPts val="800"/>
+              </a:spcAft>
+            </a:pPr>
+            <a:r>
+              <a:rPr lang="it-IT" sz="1100">
+                <a:effectLst/>
+                <a:ea typeface="Calibri" charset="0"/>
+                <a:cs typeface="Times New Roman" charset="0"/>
+              </a:rPr>
+              <a:t>y</a:t>
+            </a:r>
+            <a:endParaRPr lang="en-US" sz="1100">
+              <a:effectLst/>
+              <a:ea typeface="Calibri" charset="0"/>
+              <a:cs typeface="Times New Roman" charset="0"/>
+            </a:endParaRPr>
+          </a:p>
+        </p:txBody>
+      </p:sp>
+      <p:sp>
+        <p:nvSpPr>
+          <p:cNvPr id="14" name="Text Box 8"/>
+          <p:cNvSpPr txBox="1"/>
+          <p:nvPr/>
+        </p:nvSpPr>
+        <p:spPr>
+          <a:xfrm>
+            <a:off x="8308348" y="3356344"/>
+            <a:ext cx="228600" cy="234315"/>
+          </a:xfrm>
+          <a:prstGeom prst="rect">
+            <a:avLst/>
+          </a:prstGeom>
+          <a:noFill/>
+          <a:ln>
+            <a:noFill/>
+          </a:ln>
+          <a:effectLst/>
+        </p:spPr>
+        <p:style>
+          <a:lnRef idx="0">
+            <a:schemeClr val="accent1"/>
+          </a:lnRef>
+          <a:fillRef idx="0">
+            <a:schemeClr val="accent1"/>
+          </a:fillRef>
+          <a:effectRef idx="0">
+            <a:schemeClr val="accent1"/>
+          </a:effectRef>
+          <a:fontRef idx="minor">
+            <a:schemeClr val="dk1"/>
+          </a:fontRef>
+        </p:style>
+        <p:txBody>
+          <a:bodyPr rot="0" spcFirstLastPara="0" vert="horz" wrap="square" lIns="91440" tIns="45720" rIns="91440" bIns="45720" numCol="1" spcCol="0" rtlCol="0" fromWordArt="0" anchor="t" anchorCtr="0" forceAA="0" compatLnSpc="1">
+            <a:prstTxWarp prst="textNoShape">
+              <a:avLst/>
+            </a:prstTxWarp>
+            <a:noAutofit/>
+          </a:bodyPr>
+          <a:lstStyle/>
+          <a:p>
+            <a:pPr marL="0" marR="0">
+              <a:lnSpc>
+                <a:spcPct val="107000"/>
+              </a:lnSpc>
+              <a:spcBef>
+                <a:spcPts val="0"/>
+              </a:spcBef>
+              <a:spcAft>
+                <a:spcPts val="800"/>
+              </a:spcAft>
+            </a:pPr>
+            <a:r>
+              <a:rPr lang="it-IT" sz="1100">
+                <a:effectLst/>
+                <a:ea typeface="Calibri" charset="0"/>
+                <a:cs typeface="Times New Roman" charset="0"/>
+              </a:rPr>
+              <a:t>z</a:t>
+            </a:r>
+            <a:endParaRPr lang="en-US" sz="1100">
+              <a:effectLst/>
+              <a:ea typeface="Calibri" charset="0"/>
+              <a:cs typeface="Times New Roman" charset="0"/>
+            </a:endParaRPr>
+          </a:p>
+        </p:txBody>
+      </p:sp>
+      <p:sp>
+        <p:nvSpPr>
+          <p:cNvPr id="15" name="Oval 14"/>
+          <p:cNvSpPr/>
+          <p:nvPr/>
+        </p:nvSpPr>
+        <p:spPr>
+          <a:xfrm flipV="1">
+            <a:off x="8313536" y="4456033"/>
+            <a:ext cx="49530" cy="46990"/>
+          </a:xfrm>
+          <a:prstGeom prst="ellipse">
+            <a:avLst/>
+          </a:prstGeom>
+        </p:spPr>
+        <p:style>
+          <a:lnRef idx="2">
+            <a:schemeClr val="accent1">
+              <a:shade val="50000"/>
+            </a:schemeClr>
+          </a:lnRef>
+          <a:fillRef idx="1">
+            <a:schemeClr val="accent1"/>
+          </a:fillRef>
+          <a:effectRef idx="0">
+            <a:schemeClr val="accent1"/>
+          </a:effectRef>
+          <a:fontRef idx="minor">
+            <a:schemeClr val="lt1"/>
+          </a:fontRef>
+        </p:style>
+        <p:txBody>
+          <a:bodyPr rot="0" spcFirstLastPara="0" vert="horz" wrap="square" lIns="91440" tIns="45720" rIns="91440" bIns="45720" numCol="1" spcCol="0" rtlCol="0" fromWordArt="0" anchor="ctr" anchorCtr="0" forceAA="0" compatLnSpc="1">
+            <a:prstTxWarp prst="textNoShape">
+              <a:avLst/>
+            </a:prstTxWarp>
+            <a:noAutofit/>
+          </a:bodyPr>
+          <a:lstStyle/>
+          <a:p>
+            <a:endParaRPr lang="en-US"/>
+          </a:p>
+        </p:txBody>
+      </p:sp>
+      <p:sp>
+        <p:nvSpPr>
+          <p:cNvPr id="16" name="Text Box 11"/>
+          <p:cNvSpPr txBox="1"/>
+          <p:nvPr/>
+        </p:nvSpPr>
+        <p:spPr>
+          <a:xfrm>
+            <a:off x="8218921" y="4454763"/>
+            <a:ext cx="315479" cy="267715"/>
+          </a:xfrm>
+          <a:prstGeom prst="rect">
+            <a:avLst/>
+          </a:prstGeom>
+          <a:noFill/>
+          <a:ln>
+            <a:noFill/>
+          </a:ln>
+          <a:effectLst/>
+        </p:spPr>
+        <p:style>
+          <a:lnRef idx="0">
+            <a:schemeClr val="accent1"/>
+          </a:lnRef>
+          <a:fillRef idx="0">
+            <a:schemeClr val="accent1"/>
+          </a:fillRef>
+          <a:effectRef idx="0">
+            <a:schemeClr val="accent1"/>
+          </a:effectRef>
+          <a:fontRef idx="minor">
+            <a:schemeClr val="dk1"/>
+          </a:fontRef>
+        </p:style>
+        <p:txBody>
+          <a:bodyPr rot="0" spcFirstLastPara="0" vert="horz" wrap="square" lIns="91440" tIns="45720" rIns="91440" bIns="45720" numCol="1" spcCol="0" rtlCol="0" fromWordArt="0" anchor="t" anchorCtr="0" forceAA="0" compatLnSpc="1">
+            <a:prstTxWarp prst="textNoShape">
+              <a:avLst/>
+            </a:prstTxWarp>
+            <a:noAutofit/>
+          </a:bodyPr>
+          <a:lstStyle/>
+          <a:p>
+            <a:pPr marL="0" marR="0">
+              <a:lnSpc>
+                <a:spcPct val="107000"/>
+              </a:lnSpc>
+              <a:spcBef>
+                <a:spcPts val="0"/>
+              </a:spcBef>
+              <a:spcAft>
+                <a:spcPts val="800"/>
+              </a:spcAft>
+            </a:pPr>
+            <a:r>
+              <a:rPr lang="it-IT" sz="1100" dirty="0" err="1">
+                <a:effectLst/>
+                <a:ea typeface="Calibri" charset="0"/>
+                <a:cs typeface="Times New Roman" charset="0"/>
+              </a:rPr>
+              <a:t>q</a:t>
+            </a:r>
+            <a:r>
+              <a:rPr lang="it-IT" sz="1100" baseline="-25000" dirty="0" err="1">
+                <a:effectLst/>
+                <a:ea typeface="Calibri" charset="0"/>
+                <a:cs typeface="Times New Roman" charset="0"/>
+              </a:rPr>
+              <a:t>x</a:t>
+            </a:r>
+            <a:endParaRPr lang="en-US" sz="1100" dirty="0">
+              <a:effectLst/>
+              <a:ea typeface="Calibri" charset="0"/>
+              <a:cs typeface="Times New Roman" charset="0"/>
+            </a:endParaRPr>
+          </a:p>
+        </p:txBody>
+      </p:sp>
+      <p:sp>
+        <p:nvSpPr>
+          <p:cNvPr id="17" name="Rounded Rectangle 16"/>
+          <p:cNvSpPr/>
+          <p:nvPr/>
+        </p:nvSpPr>
+        <p:spPr>
+          <a:xfrm>
+            <a:off x="6651650" y="3722517"/>
+            <a:ext cx="153738" cy="128996"/>
+          </a:xfrm>
+          <a:prstGeom prst="roundRect">
+            <a:avLst/>
+          </a:prstGeom>
+        </p:spPr>
+        <p:style>
+          <a:lnRef idx="2">
+            <a:schemeClr val="dk1">
+              <a:shade val="50000"/>
+            </a:schemeClr>
+          </a:lnRef>
+          <a:fillRef idx="1">
+            <a:schemeClr val="dk1"/>
+          </a:fillRef>
+          <a:effectRef idx="0">
+            <a:schemeClr val="dk1"/>
+          </a:effectRef>
+          <a:fontRef idx="minor">
+            <a:schemeClr val="lt1"/>
+          </a:fontRef>
+        </p:style>
+        <p:txBody>
+          <a:bodyPr rot="0" spcFirstLastPara="0" vert="horz" wrap="square" lIns="91440" tIns="45720" rIns="91440" bIns="45720" numCol="1" spcCol="0" rtlCol="0" fromWordArt="0" anchor="ctr" anchorCtr="0" forceAA="0" compatLnSpc="1">
+            <a:prstTxWarp prst="textNoShape">
+              <a:avLst/>
+            </a:prstTxWarp>
+            <a:noAutofit/>
+          </a:bodyPr>
+          <a:lstStyle/>
+          <a:p>
+            <a:endParaRPr lang="en-US"/>
+          </a:p>
+        </p:txBody>
+      </p:sp>
+      <p:sp>
+        <p:nvSpPr>
+          <p:cNvPr id="18" name="Text Box 13"/>
+          <p:cNvSpPr txBox="1"/>
+          <p:nvPr/>
+        </p:nvSpPr>
+        <p:spPr>
+          <a:xfrm>
+            <a:off x="6608469" y="3479312"/>
+            <a:ext cx="302435" cy="265158"/>
+          </a:xfrm>
+          <a:prstGeom prst="rect">
+            <a:avLst/>
+          </a:prstGeom>
+          <a:noFill/>
+          <a:ln>
+            <a:noFill/>
+          </a:ln>
+          <a:effectLst/>
+        </p:spPr>
+        <p:style>
+          <a:lnRef idx="0">
+            <a:schemeClr val="accent1"/>
+          </a:lnRef>
+          <a:fillRef idx="0">
+            <a:schemeClr val="accent1"/>
+          </a:fillRef>
+          <a:effectRef idx="0">
+            <a:schemeClr val="accent1"/>
+          </a:effectRef>
+          <a:fontRef idx="minor">
+            <a:schemeClr val="dk1"/>
+          </a:fontRef>
+        </p:style>
+        <p:txBody>
+          <a:bodyPr rot="0" spcFirstLastPara="0" vert="horz" wrap="square" lIns="91440" tIns="45720" rIns="91440" bIns="45720" numCol="1" spcCol="0" rtlCol="0" fromWordArt="0" anchor="t" anchorCtr="0" forceAA="0" compatLnSpc="1">
+            <a:prstTxWarp prst="textNoShape">
+              <a:avLst/>
+            </a:prstTxWarp>
+            <a:noAutofit/>
+          </a:bodyPr>
+          <a:lstStyle/>
+          <a:p>
+            <a:pPr marL="0" marR="0">
+              <a:lnSpc>
+                <a:spcPct val="107000"/>
+              </a:lnSpc>
+              <a:spcBef>
+                <a:spcPts val="0"/>
+              </a:spcBef>
+              <a:spcAft>
+                <a:spcPts val="800"/>
+              </a:spcAft>
+            </a:pPr>
+            <a:r>
+              <a:rPr lang="it-IT" sz="1100">
+                <a:effectLst/>
+                <a:ea typeface="Calibri" charset="0"/>
+                <a:cs typeface="Times New Roman" charset="0"/>
+              </a:rPr>
+              <a:t>m</a:t>
+            </a:r>
+            <a:endParaRPr lang="en-US" sz="1100" dirty="0">
+              <a:effectLst/>
+              <a:ea typeface="Calibri" charset="0"/>
+              <a:cs typeface="Times New Roman" charset="0"/>
+            </a:endParaRPr>
+          </a:p>
+        </p:txBody>
+      </p:sp>
+      <p:sp>
+        <p:nvSpPr>
+          <p:cNvPr id="19" name="Cube 18"/>
+          <p:cNvSpPr/>
+          <p:nvPr/>
+        </p:nvSpPr>
+        <p:spPr>
+          <a:xfrm>
+            <a:off x="6403594" y="2188785"/>
+            <a:ext cx="4326117" cy="3065443"/>
+          </a:xfrm>
+          <a:prstGeom prst="cube">
+            <a:avLst>
+              <a:gd name="adj" fmla="val 28865"/>
+            </a:avLst>
+          </a:prstGeom>
+          <a:noFill/>
+        </p:spPr>
+        <p:style>
+          <a:lnRef idx="2">
+            <a:schemeClr val="accent3"/>
+          </a:lnRef>
+          <a:fillRef idx="1">
+            <a:schemeClr val="lt1"/>
+          </a:fillRef>
+          <a:effectRef idx="0">
+            <a:schemeClr val="accent3"/>
+          </a:effectRef>
+          <a:fontRef idx="minor">
+            <a:schemeClr val="dk1"/>
+          </a:fontRef>
+        </p:style>
+        <p:txBody>
+          <a:bodyPr rot="0" spcFirstLastPara="0" vert="horz" wrap="square" lIns="91440" tIns="45720" rIns="91440" bIns="45720" numCol="1" spcCol="0" rtlCol="0" fromWordArt="0" anchor="ctr" anchorCtr="0" forceAA="0" compatLnSpc="1">
+            <a:prstTxWarp prst="textNoShape">
+              <a:avLst/>
+            </a:prstTxWarp>
+            <a:noAutofit/>
+          </a:bodyPr>
+          <a:lstStyle/>
+          <a:p>
+            <a:endParaRPr lang="en-US"/>
+          </a:p>
+        </p:txBody>
+      </p:sp>
+      <p:sp>
+        <p:nvSpPr>
+          <p:cNvPr id="4" name="Rectangle 13"/>
+          <p:cNvSpPr>
+            <a:spLocks noChangeArrowheads="1"/>
+          </p:cNvSpPr>
+          <p:nvPr/>
+        </p:nvSpPr>
+        <p:spPr bwMode="auto">
+          <a:xfrm>
+            <a:off x="5308171" y="-3886325"/>
+            <a:ext cx="12192000" cy="457200"/>
+          </a:xfrm>
+          <a:prstGeom prst="rect">
+            <a:avLst/>
+          </a:prstGeom>
+          <a:noFill/>
+          <a:ln>
+            <a:noFill/>
+          </a:ln>
+          <a:effectLst/>
+          <a:extLst>
+            <a:ext uri="{909E8E84-426E-40DD-AFC4-6F175D3DCCD1}">
+              <a14:hiddenFill xmlns:a14="http://schemas.microsoft.com/office/drawing/2010/main">
+                <a:solidFill>
+                  <a:schemeClr val="accent1"/>
+                </a:solidFill>
+              </a14:hiddenFill>
+            </a:ext>
+            <a:ext uri="{91240B29-F687-4F45-9708-019B960494DF}">
+              <a14:hiddenLine xmlns:a14="http://schemas.microsoft.com/office/drawing/2010/main" w="9525">
+                <a:solidFill>
+                  <a:schemeClr val="tx1"/>
+                </a:solidFill>
+                <a:miter lim="800000"/>
+                <a:headEnd/>
+                <a:tailEnd/>
+              </a14:hiddenLine>
+            </a:ext>
+            <a:ext uri="{AF507438-7753-43E0-B8FC-AC1667EBCBE1}">
+              <a14:hiddenEffects xmlns:a14="http://schemas.microsoft.com/office/drawing/2010/main">
+                <a:effectLst>
+                  <a:outerShdw blurRad="63500" dist="38099" dir="2700000" algn="ctr" rotWithShape="0">
+                    <a:schemeClr val="bg2">
+                      <a:alpha val="74998"/>
+                    </a:schemeClr>
+                  </a:outerShdw>
+                </a:effectLst>
+              </a14:hiddenEffects>
+            </a:ext>
+          </a:extLst>
+        </p:spPr>
+        <p:txBody>
+          <a:bodyPr vert="horz" wrap="none" lIns="91440" tIns="45720" rIns="91440" bIns="45720" numCol="1" anchor="ctr" anchorCtr="0" compatLnSpc="1">
+            <a:prstTxWarp prst="textNoShape">
+              <a:avLst/>
+            </a:prstTxWarp>
+            <a:spAutoFit/>
+          </a:bodyPr>
+          <a:lstStyle/>
+          <a:p>
+            <a:endParaRPr lang="en-US"/>
+          </a:p>
+        </p:txBody>
+      </p:sp>
+      <p:sp>
+        <p:nvSpPr>
+          <p:cNvPr id="20" name="Rectangle 14"/>
+          <p:cNvSpPr>
+            <a:spLocks noChangeArrowheads="1"/>
+          </p:cNvSpPr>
+          <p:nvPr/>
+        </p:nvSpPr>
+        <p:spPr bwMode="auto">
+          <a:xfrm>
+            <a:off x="5308171" y="-3429125"/>
+            <a:ext cx="12192000" cy="0"/>
+          </a:xfrm>
+          <a:prstGeom prst="rect">
+            <a:avLst/>
+          </a:prstGeom>
+          <a:noFill/>
+          <a:ln>
+            <a:noFill/>
+          </a:ln>
+          <a:effectLst/>
+          <a:extLst>
+            <a:ext uri="{909E8E84-426E-40DD-AFC4-6F175D3DCCD1}">
+              <a14:hiddenFill xmlns:a14="http://schemas.microsoft.com/office/drawing/2010/main">
+                <a:solidFill>
+                  <a:schemeClr val="accent1"/>
+                </a:solidFill>
+              </a14:hiddenFill>
+            </a:ext>
+            <a:ext uri="{91240B29-F687-4F45-9708-019B960494DF}">
+              <a14:hiddenLine xmlns:a14="http://schemas.microsoft.com/office/drawing/2010/main" w="9525">
+                <a:solidFill>
+                  <a:schemeClr val="tx1"/>
+                </a:solidFill>
+                <a:miter lim="800000"/>
+                <a:headEnd/>
+                <a:tailEnd/>
+              </a14:hiddenLine>
+            </a:ext>
+            <a:ext uri="{AF507438-7753-43E0-B8FC-AC1667EBCBE1}">
+              <a14:hiddenEffects xmlns:a14="http://schemas.microsoft.com/office/drawing/2010/main">
+                <a:effectLst>
+                  <a:outerShdw blurRad="63500" dist="38099" dir="2700000" algn="ctr" rotWithShape="0">
+                    <a:schemeClr val="bg2">
+                      <a:alpha val="74998"/>
+                    </a:schemeClr>
+                  </a:outerShdw>
+                </a:effectLst>
+              </a14:hiddenEffects>
+            </a:ext>
+          </a:extLst>
+        </p:spPr>
+        <p:txBody>
+          <a:bodyPr vert="horz" wrap="none" lIns="91440" tIns="45720" rIns="91440" bIns="45720" numCol="1" anchor="ctr" anchorCtr="0" compatLnSpc="1">
+            <a:prstTxWarp prst="textNoShape">
+              <a:avLst/>
+            </a:prstTxWarp>
+            <a:spAutoFit/>
+          </a:bodyPr>
+          <a:lstStyle/>
+          <a:p>
+            <a:endParaRPr lang="en-US"/>
+          </a:p>
+        </p:txBody>
+      </p:sp>
+      <p:sp>
+        <p:nvSpPr>
+          <p:cNvPr id="21" name="Rectangle 16"/>
+          <p:cNvSpPr>
+            <a:spLocks noChangeArrowheads="1"/>
+          </p:cNvSpPr>
+          <p:nvPr/>
+        </p:nvSpPr>
+        <p:spPr bwMode="auto">
+          <a:xfrm>
+            <a:off x="5308171" y="-3429125"/>
+            <a:ext cx="12192000" cy="0"/>
+          </a:xfrm>
+          <a:prstGeom prst="rect">
+            <a:avLst/>
+          </a:prstGeom>
+          <a:noFill/>
+          <a:ln>
+            <a:noFill/>
+          </a:ln>
+          <a:effectLst/>
+          <a:extLst>
+            <a:ext uri="{909E8E84-426E-40DD-AFC4-6F175D3DCCD1}">
+              <a14:hiddenFill xmlns:a14="http://schemas.microsoft.com/office/drawing/2010/main">
+                <a:solidFill>
+                  <a:schemeClr val="accent1"/>
+                </a:solidFill>
+              </a14:hiddenFill>
+            </a:ext>
+            <a:ext uri="{91240B29-F687-4F45-9708-019B960494DF}">
+              <a14:hiddenLine xmlns:a14="http://schemas.microsoft.com/office/drawing/2010/main" w="9525">
+                <a:solidFill>
+                  <a:schemeClr val="tx1"/>
+                </a:solidFill>
+                <a:miter lim="800000"/>
+                <a:headEnd/>
+                <a:tailEnd/>
+              </a14:hiddenLine>
+            </a:ext>
+            <a:ext uri="{AF507438-7753-43E0-B8FC-AC1667EBCBE1}">
+              <a14:hiddenEffects xmlns:a14="http://schemas.microsoft.com/office/drawing/2010/main">
+                <a:effectLst>
+                  <a:outerShdw blurRad="63500" dist="38099" dir="2700000" algn="ctr" rotWithShape="0">
+                    <a:schemeClr val="bg2">
+                      <a:alpha val="74998"/>
+                    </a:schemeClr>
+                  </a:outerShdw>
+                </a:effectLst>
+              </a14:hiddenEffects>
+            </a:ext>
+          </a:extLst>
+        </p:spPr>
+        <p:txBody>
+          <a:bodyPr vert="horz" wrap="none" lIns="91440" tIns="45720" rIns="91440" bIns="45720" numCol="1" anchor="ctr" anchorCtr="0" compatLnSpc="1">
+            <a:prstTxWarp prst="textNoShape">
+              <a:avLst/>
+            </a:prstTxWarp>
+            <a:spAutoFit/>
+          </a:bodyPr>
+          <a:lstStyle/>
+          <a:p>
+            <a:endParaRPr lang="en-US"/>
+          </a:p>
+        </p:txBody>
+      </p:sp>
+      <p:sp>
+        <p:nvSpPr>
+          <p:cNvPr id="22" name="Rectangle 19"/>
+          <p:cNvSpPr>
+            <a:spLocks noChangeArrowheads="1"/>
+          </p:cNvSpPr>
+          <p:nvPr/>
+        </p:nvSpPr>
+        <p:spPr bwMode="auto">
+          <a:xfrm>
+            <a:off x="5308171" y="-3429125"/>
+            <a:ext cx="12192000" cy="0"/>
+          </a:xfrm>
+          <a:prstGeom prst="rect">
+            <a:avLst/>
+          </a:prstGeom>
+          <a:noFill/>
+          <a:ln>
+            <a:noFill/>
+          </a:ln>
+          <a:effectLst/>
+          <a:extLst>
+            <a:ext uri="{909E8E84-426E-40DD-AFC4-6F175D3DCCD1}">
+              <a14:hiddenFill xmlns:a14="http://schemas.microsoft.com/office/drawing/2010/main">
+                <a:solidFill>
+                  <a:schemeClr val="accent1"/>
+                </a:solidFill>
+              </a14:hiddenFill>
+            </a:ext>
+            <a:ext uri="{91240B29-F687-4F45-9708-019B960494DF}">
+              <a14:hiddenLine xmlns:a14="http://schemas.microsoft.com/office/drawing/2010/main" w="9525">
+                <a:solidFill>
+                  <a:schemeClr val="tx1"/>
+                </a:solidFill>
+                <a:miter lim="800000"/>
+                <a:headEnd/>
+                <a:tailEnd/>
+              </a14:hiddenLine>
+            </a:ext>
+            <a:ext uri="{AF507438-7753-43E0-B8FC-AC1667EBCBE1}">
+              <a14:hiddenEffects xmlns:a14="http://schemas.microsoft.com/office/drawing/2010/main">
+                <a:effectLst>
+                  <a:outerShdw blurRad="63500" dist="38099" dir="2700000" algn="ctr" rotWithShape="0">
+                    <a:schemeClr val="bg2">
+                      <a:alpha val="74998"/>
+                    </a:schemeClr>
+                  </a:outerShdw>
+                </a:effectLst>
+              </a14:hiddenEffects>
+            </a:ext>
+          </a:extLst>
+        </p:spPr>
+        <p:txBody>
+          <a:bodyPr vert="horz" wrap="none" lIns="91440" tIns="45720" rIns="91440" bIns="45720" numCol="1" anchor="ctr" anchorCtr="0" compatLnSpc="1">
+            <a:prstTxWarp prst="textNoShape">
+              <a:avLst/>
+            </a:prstTxWarp>
+            <a:spAutoFit/>
+          </a:bodyPr>
+          <a:lstStyle/>
+          <a:p>
+            <a:endParaRPr lang="en-US"/>
+          </a:p>
+        </p:txBody>
+      </p:sp>
+      <p:sp>
+        <p:nvSpPr>
+          <p:cNvPr id="23" name="Rectangle 21"/>
+          <p:cNvSpPr>
+            <a:spLocks noChangeArrowheads="1"/>
+          </p:cNvSpPr>
+          <p:nvPr/>
+        </p:nvSpPr>
+        <p:spPr bwMode="auto">
+          <a:xfrm>
+            <a:off x="5308171" y="-3429125"/>
+            <a:ext cx="12192000" cy="0"/>
+          </a:xfrm>
+          <a:prstGeom prst="rect">
+            <a:avLst/>
+          </a:prstGeom>
+          <a:noFill/>
+          <a:ln>
+            <a:noFill/>
+          </a:ln>
+          <a:effectLst/>
+          <a:extLst>
+            <a:ext uri="{909E8E84-426E-40DD-AFC4-6F175D3DCCD1}">
+              <a14:hiddenFill xmlns:a14="http://schemas.microsoft.com/office/drawing/2010/main">
+                <a:solidFill>
+                  <a:schemeClr val="accent1"/>
+                </a:solidFill>
+              </a14:hiddenFill>
+            </a:ext>
+            <a:ext uri="{91240B29-F687-4F45-9708-019B960494DF}">
+              <a14:hiddenLine xmlns:a14="http://schemas.microsoft.com/office/drawing/2010/main" w="9525">
+                <a:solidFill>
+                  <a:schemeClr val="tx1"/>
+                </a:solidFill>
+                <a:miter lim="800000"/>
+                <a:headEnd/>
+                <a:tailEnd/>
+              </a14:hiddenLine>
+            </a:ext>
+            <a:ext uri="{AF507438-7753-43E0-B8FC-AC1667EBCBE1}">
+              <a14:hiddenEffects xmlns:a14="http://schemas.microsoft.com/office/drawing/2010/main">
+                <a:effectLst>
+                  <a:outerShdw blurRad="63500" dist="38099" dir="2700000" algn="ctr" rotWithShape="0">
+                    <a:schemeClr val="bg2">
+                      <a:alpha val="74998"/>
+                    </a:schemeClr>
+                  </a:outerShdw>
+                </a:effectLst>
+              </a14:hiddenEffects>
+            </a:ext>
+          </a:extLst>
+        </p:spPr>
+        <p:txBody>
+          <a:bodyPr vert="horz" wrap="none" lIns="91440" tIns="45720" rIns="91440" bIns="45720" numCol="1" anchor="ctr" anchorCtr="0" compatLnSpc="1">
+            <a:prstTxWarp prst="textNoShape">
+              <a:avLst/>
+            </a:prstTxWarp>
+            <a:spAutoFit/>
+          </a:bodyPr>
+          <a:lstStyle/>
+          <a:p>
+            <a:endParaRPr lang="en-US"/>
+          </a:p>
+        </p:txBody>
+      </p:sp>
+      <p:sp>
+        <p:nvSpPr>
+          <p:cNvPr id="24" name="Rectangle 23"/>
+          <p:cNvSpPr>
+            <a:spLocks noChangeArrowheads="1"/>
+          </p:cNvSpPr>
+          <p:nvPr/>
+        </p:nvSpPr>
+        <p:spPr bwMode="auto">
+          <a:xfrm>
+            <a:off x="5308171" y="-3429125"/>
+            <a:ext cx="12192000" cy="0"/>
+          </a:xfrm>
+          <a:prstGeom prst="rect">
+            <a:avLst/>
+          </a:prstGeom>
+          <a:noFill/>
+          <a:ln>
+            <a:noFill/>
+          </a:ln>
+          <a:effectLst/>
+          <a:extLst>
+            <a:ext uri="{909E8E84-426E-40DD-AFC4-6F175D3DCCD1}">
+              <a14:hiddenFill xmlns:a14="http://schemas.microsoft.com/office/drawing/2010/main">
+                <a:solidFill>
+                  <a:schemeClr val="accent1"/>
+                </a:solidFill>
+              </a14:hiddenFill>
+            </a:ext>
+            <a:ext uri="{91240B29-F687-4F45-9708-019B960494DF}">
+              <a14:hiddenLine xmlns:a14="http://schemas.microsoft.com/office/drawing/2010/main" w="9525">
+                <a:solidFill>
+                  <a:schemeClr val="tx1"/>
+                </a:solidFill>
+                <a:miter lim="800000"/>
+                <a:headEnd/>
+                <a:tailEnd/>
+              </a14:hiddenLine>
+            </a:ext>
+            <a:ext uri="{AF507438-7753-43E0-B8FC-AC1667EBCBE1}">
+              <a14:hiddenEffects xmlns:a14="http://schemas.microsoft.com/office/drawing/2010/main">
+                <a:effectLst>
+                  <a:outerShdw blurRad="63500" dist="38099" dir="2700000" algn="ctr" rotWithShape="0">
+                    <a:schemeClr val="bg2">
+                      <a:alpha val="74998"/>
+                    </a:schemeClr>
+                  </a:outerShdw>
+                </a:effectLst>
+              </a14:hiddenEffects>
+            </a:ext>
+          </a:extLst>
+        </p:spPr>
+        <p:txBody>
+          <a:bodyPr vert="horz" wrap="none" lIns="91440" tIns="45720" rIns="91440" bIns="45720" numCol="1" anchor="ctr" anchorCtr="0" compatLnSpc="1">
+            <a:prstTxWarp prst="textNoShape">
+              <a:avLst/>
+            </a:prstTxWarp>
+            <a:spAutoFit/>
+          </a:bodyPr>
+          <a:lstStyle/>
+          <a:p>
+            <a:endParaRPr lang="en-US"/>
           </a:p>
         </p:txBody>
       </p:sp>
@@ -4984,102 +6864,135 @@
         </p:spPr>
         <p:txBody>
           <a:bodyPr>
-            <a:normAutofit/>
+            <a:normAutofit lnSpcReduction="10000"/>
           </a:bodyPr>
           <a:lstStyle/>
           <a:p>
             <a:r>
-              <a:rPr lang="it-IT" dirty="0" smtClean="0"/>
-              <a:t>I </a:t>
-            </a:r>
-            <a:r>
-              <a:rPr lang="it-IT" dirty="0" smtClean="0"/>
-              <a:t>misuratori calcolano il potenziale elettrico totale nella loro </a:t>
-            </a:r>
-            <a:r>
-              <a:rPr lang="it-IT" dirty="0" smtClean="0"/>
-              <a:t>posizione</a:t>
-            </a:r>
-            <a:r>
-              <a:rPr lang="it-IT" dirty="0" smtClean="0"/>
-              <a:t>, quindi quello dato dalle </a:t>
-            </a:r>
-            <a:r>
-              <a:rPr lang="it-IT" dirty="0" err="1" smtClean="0"/>
-              <a:t>N</a:t>
-            </a:r>
-            <a:r>
-              <a:rPr lang="it-IT" dirty="0" smtClean="0"/>
-              <a:t> cariche.</a:t>
-            </a:r>
-          </a:p>
-          <a:p>
-            <a:endParaRPr lang="it-IT" dirty="0" smtClean="0"/>
-          </a:p>
-          <a:p>
-            <a:r>
-              <a:rPr lang="it-IT" dirty="0" smtClean="0"/>
-              <a:t>Sono posizionati </a:t>
-            </a:r>
-            <a:r>
-              <a:rPr lang="it-IT" dirty="0" smtClean="0"/>
-              <a:t>fuori per </a:t>
-            </a:r>
-            <a:r>
-              <a:rPr lang="it-IT" i="1" dirty="0" smtClean="0"/>
+              <a:rPr lang="it-IT" dirty="0" smtClean="0">
+                <a:solidFill>
+                  <a:schemeClr val="tx1"/>
+                </a:solidFill>
+              </a:rPr>
+              <a:t>I misuratori calcolano il potenziale elettrico totale nella loro posizione, quindi quello dato dalle N </a:t>
+            </a:r>
+            <a:r>
+              <a:rPr lang="it-IT" dirty="0" smtClean="0">
+                <a:solidFill>
+                  <a:schemeClr val="tx1"/>
+                </a:solidFill>
+              </a:rPr>
+              <a:t>cariche. Il potenziale delle N-1 cariche è calcolato analiticamente. Risulta semplice ottenere quindi il potenziale della carica ignota. </a:t>
+            </a:r>
+            <a:endParaRPr lang="it-IT" dirty="0" smtClean="0">
+              <a:solidFill>
+                <a:schemeClr val="tx1"/>
+              </a:solidFill>
+            </a:endParaRPr>
+          </a:p>
+          <a:p>
+            <a:endParaRPr lang="it-IT" dirty="0" smtClean="0">
+              <a:solidFill>
+                <a:schemeClr val="tx1"/>
+              </a:solidFill>
+            </a:endParaRPr>
+          </a:p>
+          <a:p>
+            <a:r>
+              <a:rPr lang="it-IT" dirty="0" smtClean="0">
+                <a:solidFill>
+                  <a:schemeClr val="tx1"/>
+                </a:solidFill>
+              </a:rPr>
+              <a:t>Sono posizionati fuori per </a:t>
+            </a:r>
+            <a:r>
+              <a:rPr lang="it-IT" i="1" dirty="0" smtClean="0">
+                <a:solidFill>
+                  <a:schemeClr val="tx1"/>
+                </a:solidFill>
+              </a:rPr>
               <a:t>evitare singolarità </a:t>
             </a:r>
             <a:r>
-              <a:rPr lang="it-IT" dirty="0" smtClean="0"/>
-              <a:t>dovute alle condizioni ideali delle cariche che permetterebbero di avere una distanza nulla tra carica e misuratore</a:t>
-            </a:r>
-            <a:r>
-              <a:rPr lang="it-IT" dirty="0" smtClean="0"/>
-              <a:t>.</a:t>
-            </a:r>
-          </a:p>
-          <a:p>
-            <a:endParaRPr lang="it-IT" dirty="0" smtClean="0"/>
-          </a:p>
-          <a:p>
-            <a:r>
-              <a:rPr lang="it-IT" dirty="0" smtClean="0"/>
+              <a:rPr lang="it-IT" dirty="0" smtClean="0">
+                <a:solidFill>
+                  <a:schemeClr val="tx1"/>
+                </a:solidFill>
+              </a:rPr>
+              <a:t>dovute alle condizioni ideali delle cariche che permetterebbero di avere una distanza nulla tra carica e misuratore.</a:t>
+            </a:r>
+          </a:p>
+          <a:p>
+            <a:endParaRPr lang="it-IT" dirty="0" smtClean="0">
+              <a:solidFill>
+                <a:schemeClr val="tx1"/>
+              </a:solidFill>
+            </a:endParaRPr>
+          </a:p>
+          <a:p>
+            <a:r>
+              <a:rPr lang="it-IT" dirty="0" smtClean="0">
+                <a:solidFill>
+                  <a:schemeClr val="tx1"/>
+                </a:solidFill>
+              </a:rPr>
               <a:t>I misuratori sono collocati su un altro </a:t>
             </a:r>
             <a:r>
-              <a:rPr lang="it-IT" dirty="0" err="1" smtClean="0"/>
+              <a:rPr lang="it-IT" dirty="0" err="1" smtClean="0">
+                <a:solidFill>
+                  <a:schemeClr val="tx1"/>
+                </a:solidFill>
+              </a:rPr>
               <a:t>brick</a:t>
             </a:r>
             <a:r>
-              <a:rPr lang="it-IT" dirty="0" smtClean="0"/>
-              <a:t> esterno per campionare il campo totale prodotto dalle cariche</a:t>
-            </a:r>
-            <a:r>
-              <a:rPr lang="it-IT" dirty="0" smtClean="0"/>
-              <a:t>.</a:t>
-            </a:r>
-          </a:p>
-          <a:p>
-            <a:endParaRPr lang="it-IT" dirty="0" smtClean="0"/>
-          </a:p>
-          <a:p>
-            <a:r>
-              <a:rPr lang="it-IT" dirty="0" smtClean="0"/>
+              <a:rPr lang="it-IT" dirty="0" smtClean="0">
+                <a:solidFill>
+                  <a:schemeClr val="tx1"/>
+                </a:solidFill>
+              </a:rPr>
+              <a:t> esterno per campionare il campo totale prodotto dalle cariche.</a:t>
+            </a:r>
+          </a:p>
+          <a:p>
+            <a:endParaRPr lang="it-IT" dirty="0" smtClean="0">
+              <a:solidFill>
+                <a:schemeClr val="tx1"/>
+              </a:solidFill>
+            </a:endParaRPr>
+          </a:p>
+          <a:p>
+            <a:r>
+              <a:rPr lang="it-IT" dirty="0" smtClean="0">
+                <a:solidFill>
+                  <a:schemeClr val="tx1"/>
+                </a:solidFill>
+              </a:rPr>
               <a:t>Il numero di misuratori sufficienti è pari a </a:t>
             </a:r>
             <a:r>
-              <a:rPr lang="it-IT" i="1" dirty="0" smtClean="0"/>
+              <a:rPr lang="it-IT" i="1" dirty="0" smtClean="0">
+                <a:solidFill>
+                  <a:schemeClr val="tx1"/>
+                </a:solidFill>
+              </a:rPr>
               <a:t>tre </a:t>
             </a:r>
             <a:r>
-              <a:rPr lang="it-IT" dirty="0" smtClean="0"/>
-              <a:t>ma effettuiamo </a:t>
-            </a:r>
-            <a:r>
-              <a:rPr lang="it-IT" dirty="0" smtClean="0"/>
-              <a:t>un campionamento massiccio al fine di ridurre l’errore sulla misura.</a:t>
-            </a:r>
-            <a:endParaRPr lang="it-IT" dirty="0"/>
+              <a:rPr lang="it-IT" dirty="0" smtClean="0">
+                <a:solidFill>
+                  <a:schemeClr val="tx1"/>
+                </a:solidFill>
+              </a:rPr>
+              <a:t>ma effettuiamo un campionamento massiccio al fine di ridurre l’errore sulla misura.</a:t>
+            </a:r>
+            <a:endParaRPr lang="it-IT" dirty="0">
+              <a:solidFill>
+                <a:schemeClr val="tx1"/>
+              </a:solidFill>
+            </a:endParaRPr>
           </a:p>
         </p:txBody>
       </p:sp>
@@ -5137,7 +7050,7 @@
           <a:p>
             <a:r>
               <a:rPr lang="it-IT" dirty="0" smtClean="0"/>
-              <a:t>MODELLO MATEMATICA</a:t>
+              <a:t>MODELLO MATEMATICO</a:t>
             </a:r>
             <a:endParaRPr lang="it-IT" dirty="0"/>
           </a:p>
@@ -5163,24 +7076,24 @@
             </p:spPr>
             <p:txBody>
               <a:bodyPr>
-                <a:normAutofit fontScale="92500" lnSpcReduction="10000"/>
+                <a:normAutofit/>
               </a:bodyPr>
               <a:lstStyle/>
               <a:p>
                 <a:r>
-                  <a:rPr lang="it-IT" dirty="0" smtClean="0"/>
-                  <a:t>Potenziale elettrico </a:t>
+                  <a:rPr lang="it-IT" dirty="0" smtClean="0">
+                    <a:solidFill>
+                      <a:schemeClr val="tx1"/>
+                    </a:solidFill>
+                  </a:rPr>
+                  <a:t>Potenziale elettrico in un punto di una generica carica</a:t>
                 </a:r>
                 <a:r>
-                  <a:rPr lang="it-IT" dirty="0" smtClean="0"/>
-                  <a:t>in un punto di una generica </a:t>
-                </a:r>
-                <a:r>
-                  <a:rPr lang="it-IT" dirty="0" smtClean="0"/>
-                  <a:t>carica</a:t>
-                </a:r>
-                <a:r>
-                  <a:rPr lang="en-US" dirty="0" smtClean="0"/>
+                  <a:rPr lang="en-US" dirty="0" smtClean="0">
+                    <a:solidFill>
+                      <a:schemeClr val="tx1"/>
+                    </a:solidFill>
+                  </a:rPr>
                   <a:t> q</a:t>
                 </a:r>
               </a:p>
@@ -5189,55 +7102,105 @@
                 <a14:m>
                   <m:oMath xmlns:m="http://schemas.openxmlformats.org/officeDocument/2006/math">
                     <m:r>
-                      <a:rPr lang="it-IT" sz="2400" i="1"/>
+                      <a:rPr lang="it-IT" sz="2200" i="1">
+                        <a:solidFill>
+                          <a:schemeClr val="tx1"/>
+                        </a:solidFill>
+                        <a:latin typeface="Cambria Math" charset="0"/>
+                      </a:rPr>
                       <m:t>𝑉</m:t>
                     </m:r>
                     <m:r>
-                      <a:rPr lang="it-IT" sz="2400" i="1"/>
+                      <a:rPr lang="it-IT" sz="2200" i="1">
+                        <a:solidFill>
+                          <a:schemeClr val="tx1"/>
+                        </a:solidFill>
+                        <a:latin typeface="Cambria Math" charset="0"/>
+                      </a:rPr>
                       <m:t>=  </m:t>
                     </m:r>
                     <m:f>
                       <m:fPr>
                         <m:ctrlPr>
-                          <a:rPr lang="en-US" sz="2400" i="1"/>
+                          <a:rPr lang="en-US" sz="2200" i="1">
+                            <a:solidFill>
+                              <a:schemeClr val="tx1"/>
+                            </a:solidFill>
+                            <a:latin typeface="Cambria Math" panose="02040503050406030204" pitchFamily="18" charset="0"/>
+                          </a:rPr>
                         </m:ctrlPr>
                       </m:fPr>
                       <m:num>
                         <m:r>
-                          <a:rPr lang="it-IT" sz="2400" i="1"/>
+                          <a:rPr lang="it-IT" sz="2200" i="1">
+                            <a:solidFill>
+                              <a:schemeClr val="tx1"/>
+                            </a:solidFill>
+                            <a:latin typeface="Cambria Math" charset="0"/>
+                          </a:rPr>
                           <m:t>1</m:t>
                         </m:r>
                       </m:num>
                       <m:den>
                         <m:r>
-                          <a:rPr lang="it-IT" sz="2400" i="1"/>
+                          <a:rPr lang="it-IT" sz="2200" i="1">
+                            <a:solidFill>
+                              <a:schemeClr val="tx1"/>
+                            </a:solidFill>
+                            <a:latin typeface="Cambria Math" charset="0"/>
+                          </a:rPr>
                           <m:t>4</m:t>
                         </m:r>
                         <m:r>
-                          <a:rPr lang="it-IT" sz="2400" i="1"/>
+                          <a:rPr lang="it-IT" sz="2200" i="1">
+                            <a:solidFill>
+                              <a:schemeClr val="tx1"/>
+                            </a:solidFill>
+                            <a:latin typeface="Cambria Math" charset="0"/>
+                          </a:rPr>
                           <m:t>𝜋𝜀</m:t>
                         </m:r>
                       </m:den>
                     </m:f>
                     <m:r>
-                      <a:rPr lang="it-IT" sz="2400" i="1"/>
+                      <a:rPr lang="it-IT" sz="2200" i="1">
+                        <a:solidFill>
+                          <a:schemeClr val="tx1"/>
+                        </a:solidFill>
+                        <a:latin typeface="Cambria Math" charset="0"/>
+                      </a:rPr>
                       <m:t> </m:t>
                     </m:r>
                     <m:f>
                       <m:fPr>
                         <m:ctrlPr>
-                          <a:rPr lang="en-US" sz="2400" i="1"/>
+                          <a:rPr lang="en-US" sz="2200" i="1">
+                            <a:solidFill>
+                              <a:schemeClr val="tx1"/>
+                            </a:solidFill>
+                            <a:latin typeface="Cambria Math" panose="02040503050406030204" pitchFamily="18" charset="0"/>
+                          </a:rPr>
                         </m:ctrlPr>
                       </m:fPr>
                       <m:num>
                         <m:r>
-                          <a:rPr lang="it-IT" sz="2400" i="1"/>
+                          <a:rPr lang="it-IT" sz="2200" i="1">
+                            <a:solidFill>
+                              <a:schemeClr val="tx1"/>
+                            </a:solidFill>
+                            <a:latin typeface="Cambria Math" charset="0"/>
+                          </a:rPr>
                           <m:t>𝑞</m:t>
                         </m:r>
                       </m:num>
                       <m:den>
                         <m:r>
-                          <a:rPr lang="it-IT" sz="2400" b="0" i="1"/>
+                          <a:rPr lang="it-IT" sz="2200" b="0" i="1">
+                            <a:solidFill>
+                              <a:schemeClr val="tx1"/>
+                            </a:solidFill>
+                            <a:latin typeface="Cambria Math" charset="0"/>
+                          </a:rPr>
                           <m:t>𝑟</m:t>
                         </m:r>
                       </m:den>
@@ -5245,31 +7208,391 @@
                   </m:oMath>
                 </a14:m>
                 <a:r>
-                  <a:rPr lang="en-US" sz="2400" dirty="0">
+                  <a:rPr lang="en-US" sz="2200" dirty="0">
+                    <a:solidFill>
+                      <a:schemeClr val="tx1"/>
+                    </a:solidFill>
                     <a:effectLst/>
                   </a:rPr>
                   <a:t> </a:t>
                 </a:r>
-                <a:endParaRPr lang="en-US" sz="2400" dirty="0" smtClean="0">
+                <a:endParaRPr lang="en-US" sz="2200" dirty="0" smtClean="0">
+                  <a:solidFill>
+                    <a:schemeClr val="tx1"/>
+                  </a:solidFill>
                   <a:effectLst/>
                 </a:endParaRPr>
               </a:p>
               <a:p>
+                <a:pPr algn="ctr"/>
+                <a:endParaRPr lang="it-IT" dirty="0"/>
+              </a:p>
+              <a:p>
+                <a:r>
+                  <a:rPr lang="it-IT" dirty="0" smtClean="0">
+                    <a:solidFill>
+                      <a:schemeClr val="tx1"/>
+                    </a:solidFill>
+                  </a:rPr>
+                  <a:t>In </a:t>
+                </a:r>
+                <a:r>
+                  <a:rPr lang="it-IT" dirty="0" smtClean="0">
+                    <a:solidFill>
+                      <a:schemeClr val="tx1"/>
+                    </a:solidFill>
+                  </a:rPr>
+                  <a:t>R</a:t>
+                </a:r>
+                <a:r>
+                  <a:rPr lang="it-IT" baseline="30000" dirty="0" smtClean="0">
+                    <a:solidFill>
+                      <a:schemeClr val="tx1"/>
+                    </a:solidFill>
+                  </a:rPr>
+                  <a:t>3 </a:t>
+                </a:r>
+                <a:r>
+                  <a:rPr lang="it-IT" dirty="0" smtClean="0">
+                    <a:solidFill>
+                      <a:schemeClr val="tx1"/>
+                    </a:solidFill>
+                  </a:rPr>
+                  <a:t>la distanza è </a:t>
+                </a:r>
+                <a:r>
+                  <a:rPr lang="it-IT" dirty="0" smtClean="0">
+                    <a:solidFill>
+                      <a:schemeClr val="tx1"/>
+                    </a:solidFill>
+                  </a:rPr>
+                  <a:t>pari </a:t>
+                </a:r>
+                <a:r>
+                  <a:rPr lang="it-IT" dirty="0" smtClean="0">
+                    <a:solidFill>
+                      <a:schemeClr val="tx1"/>
+                    </a:solidFill>
+                  </a:rPr>
+                  <a:t>a </a:t>
+                </a:r>
+                <a:r>
+                  <a:rPr lang="it-IT" dirty="0" smtClean="0">
+                    <a:solidFill>
+                      <a:schemeClr val="tx1"/>
+                    </a:solidFill>
+                  </a:rPr>
+                  <a:t>  	</a:t>
+                </a:r>
+                <a:endParaRPr lang="it-IT" dirty="0" smtClean="0">
+                  <a:solidFill>
+                    <a:schemeClr val="tx1"/>
+                  </a:solidFill>
+                </a:endParaRPr>
+              </a:p>
+              <a:p>
+                <a:pPr algn="ctr"/>
+                <a14:m>
+                  <m:oMath xmlns:m="http://schemas.openxmlformats.org/officeDocument/2006/math">
+                    <m:r>
+                      <a:rPr lang="it-IT" i="1"/>
+                      <m:t>𝑟</m:t>
+                    </m:r>
+                    <m:r>
+                      <a:rPr lang="it-IT" i="1"/>
+                      <m:t>= ∥</m:t>
+                    </m:r>
+                    <m:acc>
+                      <m:accPr>
+                        <m:chr m:val="⃗"/>
+                        <m:ctrlPr>
+                          <a:rPr lang="it-IT" b="1" i="1"/>
+                        </m:ctrlPr>
+                      </m:accPr>
+                      <m:e>
+                        <m:r>
+                          <a:rPr lang="it-IT" b="1" i="1">
+                            <a:latin typeface="Cambria Math" panose="02040503050406030204" pitchFamily="18" charset="0"/>
+                          </a:rPr>
+                          <m:t>𝒑</m:t>
+                        </m:r>
+                      </m:e>
+                    </m:acc>
+                    <m:r>
+                      <a:rPr lang="it-IT" i="1"/>
+                      <m:t>−</m:t>
+                    </m:r>
+                    <m:acc>
+                      <m:accPr>
+                        <m:chr m:val="⃗"/>
+                        <m:ctrlPr>
+                          <a:rPr lang="it-IT" b="1" i="1"/>
+                        </m:ctrlPr>
+                      </m:accPr>
+                      <m:e>
+                        <m:r>
+                          <a:rPr lang="it-IT" b="1" i="1">
+                            <a:latin typeface="Cambria Math" panose="02040503050406030204" pitchFamily="18" charset="0"/>
+                          </a:rPr>
+                          <m:t>𝒎</m:t>
+                        </m:r>
+                      </m:e>
+                    </m:acc>
+                    <m:r>
+                      <a:rPr lang="it-IT" i="1"/>
+                      <m:t>∥ = </m:t>
+                    </m:r>
+                    <m:rad>
+                      <m:radPr>
+                        <m:degHide m:val="on"/>
+                        <m:ctrlPr>
+                          <a:rPr lang="it-IT" i="1"/>
+                        </m:ctrlPr>
+                      </m:radPr>
+                      <m:deg/>
+                      <m:e>
+                        <m:sSup>
+                          <m:sSupPr>
+                            <m:ctrlPr>
+                              <a:rPr lang="it-IT" i="1"/>
+                            </m:ctrlPr>
+                          </m:sSupPr>
+                          <m:e>
+                            <m:d>
+                              <m:dPr>
+                                <m:ctrlPr>
+                                  <a:rPr lang="it-IT" i="1"/>
+                                </m:ctrlPr>
+                              </m:dPr>
+                              <m:e>
+                                <m:sSub>
+                                  <m:sSubPr>
+                                    <m:ctrlPr>
+                                      <a:rPr lang="it-IT" i="1"/>
+                                    </m:ctrlPr>
+                                  </m:sSubPr>
+                                  <m:e>
+                                    <m:r>
+                                      <a:rPr lang="it-IT" i="1"/>
+                                      <m:t>𝑞</m:t>
+                                    </m:r>
+                                  </m:e>
+                                  <m:sub>
+                                    <m:r>
+                                      <a:rPr lang="it-IT" i="1"/>
+                                      <m:t>𝑥</m:t>
+                                    </m:r>
+                                  </m:sub>
+                                </m:sSub>
+                                <m:r>
+                                  <a:rPr lang="it-IT" i="1"/>
+                                  <m:t>−</m:t>
+                                </m:r>
+                                <m:sSub>
+                                  <m:sSubPr>
+                                    <m:ctrlPr>
+                                      <a:rPr lang="it-IT" i="1"/>
+                                    </m:ctrlPr>
+                                  </m:sSubPr>
+                                  <m:e>
+                                    <m:r>
+                                      <a:rPr lang="it-IT" i="1"/>
+                                      <m:t>𝑚</m:t>
+                                    </m:r>
+                                  </m:e>
+                                  <m:sub>
+                                    <m:r>
+                                      <a:rPr lang="it-IT" i="1"/>
+                                      <m:t>𝑥</m:t>
+                                    </m:r>
+                                  </m:sub>
+                                </m:sSub>
+                              </m:e>
+                            </m:d>
+                          </m:e>
+                          <m:sup>
+                            <m:r>
+                              <a:rPr lang="it-IT" i="1"/>
+                              <m:t>2</m:t>
+                            </m:r>
+                          </m:sup>
+                        </m:sSup>
+                        <m:r>
+                          <a:rPr lang="it-IT" i="1"/>
+                          <m:t>+ </m:t>
+                        </m:r>
+                        <m:sSup>
+                          <m:sSupPr>
+                            <m:ctrlPr>
+                              <a:rPr lang="it-IT" i="1"/>
+                            </m:ctrlPr>
+                          </m:sSupPr>
+                          <m:e>
+                            <m:d>
+                              <m:dPr>
+                                <m:ctrlPr>
+                                  <a:rPr lang="it-IT" i="1"/>
+                                </m:ctrlPr>
+                              </m:dPr>
+                              <m:e>
+                                <m:sSub>
+                                  <m:sSubPr>
+                                    <m:ctrlPr>
+                                      <a:rPr lang="it-IT" i="1"/>
+                                    </m:ctrlPr>
+                                  </m:sSubPr>
+                                  <m:e>
+                                    <m:r>
+                                      <a:rPr lang="it-IT" i="1"/>
+                                      <m:t>𝑞</m:t>
+                                    </m:r>
+                                  </m:e>
+                                  <m:sub>
+                                    <m:r>
+                                      <a:rPr lang="it-IT" i="1"/>
+                                      <m:t>𝑦</m:t>
+                                    </m:r>
+                                  </m:sub>
+                                </m:sSub>
+                                <m:r>
+                                  <a:rPr lang="it-IT" i="1"/>
+                                  <m:t>−</m:t>
+                                </m:r>
+                                <m:sSub>
+                                  <m:sSubPr>
+                                    <m:ctrlPr>
+                                      <a:rPr lang="it-IT" i="1"/>
+                                    </m:ctrlPr>
+                                  </m:sSubPr>
+                                  <m:e>
+                                    <m:r>
+                                      <a:rPr lang="it-IT" i="1"/>
+                                      <m:t>𝑚</m:t>
+                                    </m:r>
+                                  </m:e>
+                                  <m:sub>
+                                    <m:r>
+                                      <a:rPr lang="it-IT" i="1"/>
+                                      <m:t>𝑦</m:t>
+                                    </m:r>
+                                  </m:sub>
+                                </m:sSub>
+                              </m:e>
+                            </m:d>
+                          </m:e>
+                          <m:sup>
+                            <m:r>
+                              <a:rPr lang="it-IT" i="1"/>
+                              <m:t>2</m:t>
+                            </m:r>
+                          </m:sup>
+                        </m:sSup>
+                        <m:r>
+                          <a:rPr lang="it-IT" i="1"/>
+                          <m:t>+</m:t>
+                        </m:r>
+                        <m:sSup>
+                          <m:sSupPr>
+                            <m:ctrlPr>
+                              <a:rPr lang="it-IT" i="1"/>
+                            </m:ctrlPr>
+                          </m:sSupPr>
+                          <m:e>
+                            <m:d>
+                              <m:dPr>
+                                <m:ctrlPr>
+                                  <a:rPr lang="it-IT" i="1"/>
+                                </m:ctrlPr>
+                              </m:dPr>
+                              <m:e>
+                                <m:sSub>
+                                  <m:sSubPr>
+                                    <m:ctrlPr>
+                                      <a:rPr lang="it-IT" i="1"/>
+                                    </m:ctrlPr>
+                                  </m:sSubPr>
+                                  <m:e>
+                                    <m:r>
+                                      <a:rPr lang="it-IT" i="1"/>
+                                      <m:t>𝑞</m:t>
+                                    </m:r>
+                                  </m:e>
+                                  <m:sub>
+                                    <m:r>
+                                      <a:rPr lang="it-IT" i="1"/>
+                                      <m:t>𝑧</m:t>
+                                    </m:r>
+                                  </m:sub>
+                                </m:sSub>
+                                <m:r>
+                                  <a:rPr lang="it-IT" i="1"/>
+                                  <m:t>−</m:t>
+                                </m:r>
+                                <m:sSub>
+                                  <m:sSubPr>
+                                    <m:ctrlPr>
+                                      <a:rPr lang="it-IT" i="1"/>
+                                    </m:ctrlPr>
+                                  </m:sSubPr>
+                                  <m:e>
+                                    <m:r>
+                                      <a:rPr lang="it-IT" i="1"/>
+                                      <m:t>𝑚</m:t>
+                                    </m:r>
+                                  </m:e>
+                                  <m:sub>
+                                    <m:r>
+                                      <a:rPr lang="it-IT" i="1"/>
+                                      <m:t>𝑧</m:t>
+                                    </m:r>
+                                  </m:sub>
+                                </m:sSub>
+                              </m:e>
+                            </m:d>
+                          </m:e>
+                          <m:sup>
+                            <m:r>
+                              <a:rPr lang="it-IT" i="1"/>
+                              <m:t>2</m:t>
+                            </m:r>
+                          </m:sup>
+                        </m:sSup>
+                      </m:e>
+                    </m:rad>
+                  </m:oMath>
+                </a14:m>
                 <a:endParaRPr lang="it-IT" dirty="0" smtClean="0"/>
               </a:p>
               <a:p>
+                <a:pPr algn="ctr"/>
+                <a:endParaRPr lang="it-IT" sz="2400" dirty="0">
+                  <a:solidFill>
+                    <a:schemeClr val="tx1"/>
+                  </a:solidFill>
+                </a:endParaRPr>
+              </a:p>
+              <a:p>
                 <a:r>
-                  <a:rPr lang="it-IT" dirty="0" smtClean="0"/>
-                  <a:t>In R</a:t>
+                  <a:rPr lang="it-IT" dirty="0">
+                    <a:solidFill>
+                      <a:schemeClr val="tx1"/>
+                    </a:solidFill>
+                  </a:rPr>
+                  <a:t>Il potenziale di N </a:t>
                 </a:r>
                 <a:r>
-                  <a:rPr lang="it-IT" baseline="30000" dirty="0" smtClean="0"/>
-                  <a:t>3 </a:t>
+                  <a:rPr lang="it-IT" dirty="0" smtClean="0">
+                    <a:solidFill>
+                      <a:schemeClr val="tx1"/>
+                    </a:solidFill>
+                  </a:rPr>
+                  <a:t>cariche visto da un misuratore</a:t>
                 </a:r>
-                <a:r>
-                  <a:rPr lang="it-IT" dirty="0" smtClean="0"/>
-                  <a:t>la distanza è pari a </a:t>
-                </a:r>
+                <a:endParaRPr lang="en-US" dirty="0">
+                  <a:solidFill>
+                    <a:schemeClr val="tx1"/>
+                  </a:solidFill>
+                </a:endParaRPr>
               </a:p>
               <a:p>
                 <a:pPr algn="ctr"/>
@@ -5278,232 +7601,365 @@
                     <m:sSub>
                       <m:sSubPr>
                         <m:ctrlPr>
-                          <a:rPr lang="en-US" sz="2400" i="1"/>
+                          <a:rPr lang="it-IT" i="1">
+                            <a:latin typeface="Cambria Math" panose="02040503050406030204" pitchFamily="18" charset="0"/>
+                          </a:rPr>
                         </m:ctrlPr>
                       </m:sSubPr>
                       <m:e>
                         <m:r>
-                          <a:rPr lang="it-IT" sz="2400" i="1"/>
-                          <m:t>𝑟</m:t>
+                          <a:rPr lang="it-IT" i="1">
+                            <a:latin typeface="Cambria Math" panose="02040503050406030204" pitchFamily="18" charset="0"/>
+                          </a:rPr>
+                          <m:t>𝑉</m:t>
                         </m:r>
                       </m:e>
                       <m:sub>
                         <m:r>
-                          <a:rPr lang="it-IT" sz="2400" i="1"/>
-                          <m:t>𝑖𝑗</m:t>
+                          <a:rPr lang="it-IT" b="0" i="1" smtClean="0">
+                            <a:latin typeface="Cambria Math" panose="02040503050406030204" pitchFamily="18" charset="0"/>
+                          </a:rPr>
+                          <m:t>𝑡</m:t>
                         </m:r>
                       </m:sub>
                     </m:sSub>
                     <m:r>
-                      <a:rPr lang="it-IT" sz="2400" i="1"/>
-                      <m:t>= ∥</m:t>
+                      <a:rPr lang="it-IT" i="1">
+                        <a:latin typeface="Cambria Math" panose="02040503050406030204" pitchFamily="18" charset="0"/>
+                      </a:rPr>
+                      <m:t>=  </m:t>
                     </m:r>
-                    <m:sSub>
-                      <m:sSubPr>
+                    <m:nary>
+                      <m:naryPr>
+                        <m:chr m:val="∑"/>
+                        <m:limLoc m:val="undOvr"/>
                         <m:ctrlPr>
-                          <a:rPr lang="en-US" sz="2400" i="1"/>
+                          <a:rPr lang="it-IT" i="1">
+                            <a:latin typeface="Cambria Math" panose="02040503050406030204" pitchFamily="18" charset="0"/>
+                          </a:rPr>
                         </m:ctrlPr>
-                      </m:sSubPr>
-                      <m:e>
-                        <m:r>
-                          <a:rPr lang="it-IT" sz="2400" b="1" i="1"/>
-                          <m:t>𝒒</m:t>
-                        </m:r>
-                      </m:e>
+                      </m:naryPr>
                       <m:sub>
                         <m:r>
-                          <a:rPr lang="it-IT" sz="2400" i="1"/>
+                          <a:rPr lang="it-IT" i="1">
+                            <a:latin typeface="Cambria Math" panose="02040503050406030204" pitchFamily="18" charset="0"/>
+                          </a:rPr>
                           <m:t>𝑖</m:t>
                         </m:r>
-                      </m:sub>
-                    </m:sSub>
-                    <m:r>
-                      <a:rPr lang="it-IT" sz="2400" i="1"/>
-                      <m:t>−</m:t>
-                    </m:r>
-                    <m:sSub>
-                      <m:sSubPr>
-                        <m:ctrlPr>
-                          <a:rPr lang="en-US" sz="2400" i="1"/>
-                        </m:ctrlPr>
-                      </m:sSubPr>
-                      <m:e>
                         <m:r>
-                          <a:rPr lang="it-IT" sz="2400" b="1" i="1"/>
-                          <m:t>𝒎</m:t>
-                        </m:r>
-                      </m:e>
-                      <m:sub>
-                        <m:r>
-                          <a:rPr lang="it-IT" sz="2400" i="1"/>
-                          <m:t>𝑗</m:t>
+                          <a:rPr lang="it-IT" i="1">
+                            <a:latin typeface="Cambria Math" panose="02040503050406030204" pitchFamily="18" charset="0"/>
+                          </a:rPr>
+                          <m:t>=1</m:t>
                         </m:r>
                       </m:sub>
-                    </m:sSub>
-                    <m:r>
-                      <a:rPr lang="it-IT" sz="2400" i="1"/>
-                      <m:t>∥ = </m:t>
-                    </m:r>
-                    <m:rad>
-                      <m:radPr>
-                        <m:degHide m:val="on"/>
-                        <m:ctrlPr>
-                          <a:rPr lang="en-US" sz="2400" i="1"/>
-                        </m:ctrlPr>
-                      </m:radPr>
-                      <m:deg/>
+                      <m:sup>
+                        <m:r>
+                          <a:rPr lang="it-IT" i="1">
+                            <a:latin typeface="Cambria Math" panose="02040503050406030204" pitchFamily="18" charset="0"/>
+                          </a:rPr>
+                          <m:t>𝑁</m:t>
+                        </m:r>
+                      </m:sup>
                       <m:e>
-                        <m:nary>
-                          <m:naryPr>
-                            <m:chr m:val="∑"/>
-                            <m:limLoc m:val="undOvr"/>
+                        <m:f>
+                          <m:fPr>
                             <m:ctrlPr>
-                              <a:rPr lang="en-US" sz="2400" i="1"/>
+                              <a:rPr lang="it-IT" i="1">
+                                <a:latin typeface="Cambria Math" panose="02040503050406030204" pitchFamily="18" charset="0"/>
+                              </a:rPr>
                             </m:ctrlPr>
-                          </m:naryPr>
-                          <m:sub>
+                          </m:fPr>
+                          <m:num>
                             <m:r>
-                              <a:rPr lang="it-IT" sz="2400" i="1"/>
-                              <m:t>𝑘</m:t>
+                              <a:rPr lang="it-IT" i="1">
+                                <a:latin typeface="Cambria Math" panose="02040503050406030204" pitchFamily="18" charset="0"/>
+                              </a:rPr>
+                              <m:t>1</m:t>
                             </m:r>
-                          </m:sub>
-                          <m:sup>
+                          </m:num>
+                          <m:den>
                             <m:r>
-                              <a:rPr lang="it-IT" sz="2400" i="1"/>
-                              <m:t>3</m:t>
+                              <a:rPr lang="it-IT" i="1">
+                                <a:latin typeface="Cambria Math" panose="02040503050406030204" pitchFamily="18" charset="0"/>
+                              </a:rPr>
+                              <m:t>4</m:t>
                             </m:r>
-                          </m:sup>
-                          <m:e>
                             <m:r>
-                              <a:rPr lang="it-IT" sz="2400" i="1"/>
-                              <m:t>(</m:t>
+                              <a:rPr lang="it-IT" i="1">
+                                <a:latin typeface="Cambria Math" panose="02040503050406030204" pitchFamily="18" charset="0"/>
+                              </a:rPr>
+                              <m:t>𝜋𝜀</m:t>
                             </m:r>
+                          </m:den>
+                        </m:f>
+                        <m:r>
+                          <a:rPr lang="it-IT" i="1">
+                            <a:latin typeface="Cambria Math" panose="02040503050406030204" pitchFamily="18" charset="0"/>
+                          </a:rPr>
+                          <m:t> </m:t>
+                        </m:r>
+                        <m:f>
+                          <m:fPr>
+                            <m:ctrlPr>
+                              <a:rPr lang="it-IT" i="1">
+                                <a:latin typeface="Cambria Math" panose="02040503050406030204" pitchFamily="18" charset="0"/>
+                              </a:rPr>
+                            </m:ctrlPr>
+                          </m:fPr>
+                          <m:num>
                             <m:sSub>
                               <m:sSubPr>
                                 <m:ctrlPr>
-                                  <a:rPr lang="en-US" sz="2400" i="1"/>
+                                  <a:rPr lang="it-IT" i="1">
+                                    <a:latin typeface="Cambria Math" panose="02040503050406030204" pitchFamily="18" charset="0"/>
+                                  </a:rPr>
                                 </m:ctrlPr>
                               </m:sSubPr>
                               <m:e>
                                 <m:r>
-                                  <a:rPr lang="it-IT" sz="2400" i="1"/>
+                                  <a:rPr lang="it-IT" i="1">
+                                    <a:latin typeface="Cambria Math" panose="02040503050406030204" pitchFamily="18" charset="0"/>
+                                  </a:rPr>
                                   <m:t>𝑞</m:t>
                                 </m:r>
                               </m:e>
                               <m:sub>
                                 <m:r>
-                                  <a:rPr lang="it-IT" sz="2400" i="1"/>
+                                  <a:rPr lang="it-IT" i="1">
+                                    <a:latin typeface="Cambria Math" panose="02040503050406030204" pitchFamily="18" charset="0"/>
+                                  </a:rPr>
                                   <m:t>𝑖</m:t>
-                                </m:r>
-                                <m:r>
-                                  <a:rPr lang="it-IT" sz="2400" i="1"/>
-                                  <m:t>,</m:t>
-                                </m:r>
-                                <m:r>
-                                  <a:rPr lang="it-IT" sz="2400" i="1"/>
-                                  <m:t>𝑘</m:t>
                                 </m:r>
                               </m:sub>
                             </m:sSub>
-                            <m:r>
-                              <a:rPr lang="it-IT" sz="2400" i="1"/>
-                              <m:t>−</m:t>
-                            </m:r>
+                          </m:num>
+                          <m:den>
                             <m:sSub>
                               <m:sSubPr>
                                 <m:ctrlPr>
-                                  <a:rPr lang="en-US" sz="2400" i="1"/>
+                                  <a:rPr lang="it-IT" i="1">
+                                    <a:latin typeface="Cambria Math" panose="02040503050406030204" pitchFamily="18" charset="0"/>
+                                  </a:rPr>
                                 </m:ctrlPr>
                               </m:sSubPr>
                               <m:e>
                                 <m:r>
-                                  <a:rPr lang="it-IT" sz="2400" i="1"/>
-                                  <m:t>𝑚</m:t>
+                                  <a:rPr lang="it-IT" i="1">
+                                    <a:latin typeface="Cambria Math" panose="02040503050406030204" pitchFamily="18" charset="0"/>
+                                  </a:rPr>
+                                  <m:t>𝑟</m:t>
                                 </m:r>
                               </m:e>
                               <m:sub>
                                 <m:r>
-                                  <a:rPr lang="it-IT" sz="2400" i="1"/>
-                                  <m:t>𝑗</m:t>
-                                </m:r>
-                                <m:r>
-                                  <a:rPr lang="it-IT" sz="2400" i="1"/>
-                                  <m:t>,</m:t>
-                                </m:r>
-                                <m:r>
-                                  <a:rPr lang="it-IT" sz="2400" i="1"/>
-                                  <m:t>𝑘</m:t>
+                                  <a:rPr lang="it-IT" i="1">
+                                    <a:latin typeface="Cambria Math" panose="02040503050406030204" pitchFamily="18" charset="0"/>
+                                  </a:rPr>
+                                  <m:t>𝑖</m:t>
                                 </m:r>
                               </m:sub>
                             </m:sSub>
-                          </m:e>
-                        </m:nary>
+                          </m:den>
+                        </m:f>
+                      </m:e>
+                    </m:nary>
+                    <m:r>
+                      <a:rPr lang="it-IT" i="1">
+                        <a:latin typeface="Cambria Math" panose="02040503050406030204" pitchFamily="18" charset="0"/>
+                      </a:rPr>
+                      <m:t>= </m:t>
+                    </m:r>
+                    <m:nary>
+                      <m:naryPr>
+                        <m:chr m:val="∑"/>
+                        <m:limLoc m:val="undOvr"/>
+                        <m:ctrlPr>
+                          <a:rPr lang="it-IT" i="1">
+                            <a:latin typeface="Cambria Math" panose="02040503050406030204" pitchFamily="18" charset="0"/>
+                          </a:rPr>
+                        </m:ctrlPr>
+                      </m:naryPr>
+                      <m:sub>
                         <m:r>
-                          <a:rPr lang="it-IT" sz="2400" i="1"/>
-                          <m:t>)</m:t>
+                          <a:rPr lang="it-IT" i="1">
+                            <a:latin typeface="Cambria Math" panose="02040503050406030204" pitchFamily="18" charset="0"/>
+                          </a:rPr>
+                          <m:t>𝑖</m:t>
                         </m:r>
+                        <m:r>
+                          <a:rPr lang="it-IT" i="1">
+                            <a:latin typeface="Cambria Math" panose="02040503050406030204" pitchFamily="18" charset="0"/>
+                          </a:rPr>
+                          <m:t>=1</m:t>
+                        </m:r>
+                      </m:sub>
+                      <m:sup>
+                        <m:r>
+                          <a:rPr lang="it-IT" i="1">
+                            <a:latin typeface="Cambria Math" panose="02040503050406030204" pitchFamily="18" charset="0"/>
+                          </a:rPr>
+                          <m:t>𝑁</m:t>
+                        </m:r>
+                      </m:sup>
+                      <m:e>
+                        <m:f>
+                          <m:fPr>
+                            <m:ctrlPr>
+                              <a:rPr lang="it-IT" i="1">
+                                <a:latin typeface="Cambria Math" panose="02040503050406030204" pitchFamily="18" charset="0"/>
+                              </a:rPr>
+                            </m:ctrlPr>
+                          </m:fPr>
+                          <m:num>
+                            <m:r>
+                              <a:rPr lang="it-IT" i="1">
+                                <a:latin typeface="Cambria Math" panose="02040503050406030204" pitchFamily="18" charset="0"/>
+                              </a:rPr>
+                              <m:t>1</m:t>
+                            </m:r>
+                          </m:num>
+                          <m:den>
+                            <m:r>
+                              <a:rPr lang="it-IT" i="1">
+                                <a:latin typeface="Cambria Math" panose="02040503050406030204" pitchFamily="18" charset="0"/>
+                              </a:rPr>
+                              <m:t>4</m:t>
+                            </m:r>
+                            <m:r>
+                              <a:rPr lang="it-IT" i="1">
+                                <a:latin typeface="Cambria Math" panose="02040503050406030204" pitchFamily="18" charset="0"/>
+                              </a:rPr>
+                              <m:t>𝜋𝜀</m:t>
+                            </m:r>
+                          </m:den>
+                        </m:f>
+                        <m:r>
+                          <a:rPr lang="it-IT" i="1">
+                            <a:latin typeface="Cambria Math" panose="02040503050406030204" pitchFamily="18" charset="0"/>
+                          </a:rPr>
+                          <m:t> </m:t>
+                        </m:r>
+                        <m:f>
+                          <m:fPr>
+                            <m:ctrlPr>
+                              <a:rPr lang="it-IT" i="1">
+                                <a:latin typeface="Cambria Math" panose="02040503050406030204" pitchFamily="18" charset="0"/>
+                              </a:rPr>
+                            </m:ctrlPr>
+                          </m:fPr>
+                          <m:num>
+                            <m:sSub>
+                              <m:sSubPr>
+                                <m:ctrlPr>
+                                  <a:rPr lang="it-IT" i="1">
+                                    <a:latin typeface="Cambria Math" panose="02040503050406030204" pitchFamily="18" charset="0"/>
+                                  </a:rPr>
+                                </m:ctrlPr>
+                              </m:sSubPr>
+                              <m:e>
+                                <m:r>
+                                  <a:rPr lang="it-IT" i="1">
+                                    <a:latin typeface="Cambria Math" panose="02040503050406030204" pitchFamily="18" charset="0"/>
+                                  </a:rPr>
+                                  <m:t>𝑞</m:t>
+                                </m:r>
+                              </m:e>
+                              <m:sub>
+                                <m:r>
+                                  <a:rPr lang="it-IT" i="1">
+                                    <a:latin typeface="Cambria Math" panose="02040503050406030204" pitchFamily="18" charset="0"/>
+                                  </a:rPr>
+                                  <m:t>𝑖</m:t>
+                                </m:r>
+                              </m:sub>
+                            </m:sSub>
+                          </m:num>
+                          <m:den>
+                            <m:r>
+                              <a:rPr lang="it-IT" b="1" i="1">
+                                <a:latin typeface="Cambria Math" panose="02040503050406030204" pitchFamily="18" charset="0"/>
+                              </a:rPr>
+                              <m:t>||</m:t>
+                            </m:r>
+                            <m:acc>
+                              <m:accPr>
+                                <m:chr m:val="⃗"/>
+                                <m:ctrlPr>
+                                  <a:rPr lang="it-IT" b="1" i="1">
+                                    <a:latin typeface="Cambria Math" panose="02040503050406030204" pitchFamily="18" charset="0"/>
+                                  </a:rPr>
+                                </m:ctrlPr>
+                              </m:accPr>
+                              <m:e>
+                                <m:sSub>
+                                  <m:sSubPr>
+                                    <m:ctrlPr>
+                                      <a:rPr lang="it-IT" b="1" i="1">
+                                        <a:latin typeface="Cambria Math" panose="02040503050406030204" pitchFamily="18" charset="0"/>
+                                      </a:rPr>
+                                    </m:ctrlPr>
+                                  </m:sSubPr>
+                                  <m:e>
+                                    <m:r>
+                                      <a:rPr lang="it-IT" b="1" i="1">
+                                        <a:latin typeface="Cambria Math" panose="02040503050406030204" pitchFamily="18" charset="0"/>
+                                      </a:rPr>
+                                      <m:t>𝒑</m:t>
+                                    </m:r>
+                                  </m:e>
+                                  <m:sub>
+                                    <m:r>
+                                      <a:rPr lang="it-IT" b="1" i="1">
+                                        <a:latin typeface="Cambria Math" panose="02040503050406030204" pitchFamily="18" charset="0"/>
+                                      </a:rPr>
+                                      <m:t>𝒊</m:t>
+                                    </m:r>
+                                  </m:sub>
+                                </m:sSub>
+                              </m:e>
+                            </m:acc>
+                            <m:r>
+                              <a:rPr lang="it-IT" i="1">
+                                <a:latin typeface="Cambria Math" panose="02040503050406030204" pitchFamily="18" charset="0"/>
+                              </a:rPr>
+                              <m:t>−</m:t>
+                            </m:r>
+                            <m:acc>
+                              <m:accPr>
+                                <m:chr m:val="⃗"/>
+                                <m:ctrlPr>
+                                  <a:rPr lang="it-IT" b="1" i="1">
+                                    <a:latin typeface="Cambria Math" panose="02040503050406030204" pitchFamily="18" charset="0"/>
+                                  </a:rPr>
+                                </m:ctrlPr>
+                              </m:accPr>
+                              <m:e>
+                                <m:r>
+                                  <a:rPr lang="it-IT" b="1" i="1">
+                                    <a:latin typeface="Cambria Math" panose="02040503050406030204" pitchFamily="18" charset="0"/>
+                                  </a:rPr>
+                                  <m:t>𝒎</m:t>
+                                </m:r>
+                              </m:e>
+                            </m:acc>
+                            <m:r>
+                              <a:rPr lang="it-IT" i="1">
+                                <a:latin typeface="Cambria Math" panose="02040503050406030204" pitchFamily="18" charset="0"/>
+                              </a:rPr>
+                              <m:t>||</m:t>
+                            </m:r>
+                          </m:den>
+                        </m:f>
                       </m:e>
-                    </m:rad>
+                    </m:nary>
                   </m:oMath>
                 </a14:m>
-                <a:r>
-                  <a:rPr lang="it-IT" sz="2400" baseline="30000" dirty="0"/>
-                  <a:t>2</a:t>
-                </a:r>
-                <a:endParaRPr lang="it-IT" sz="2400" dirty="0"/>
-              </a:p>
-              <a:p>
-                <a:r>
-                  <a:rPr lang="it-IT" dirty="0" smtClean="0"/>
-                  <a:t>Quindi il potenziale visto dal generico misurato è pari a: </a:t>
-                </a:r>
-              </a:p>
-              <a:p>
-                <a:pPr marL="0" indent="0">
-                  <a:buNone/>
-                </a:pPr>
-                <a:endParaRPr lang="it-IT" dirty="0"/>
-              </a:p>
-              <a:p>
-                <a:r>
-                  <a:rPr lang="it-IT" b="1" dirty="0" smtClean="0"/>
-                  <a:t>Funzione </a:t>
-                </a:r>
-                <a:r>
-                  <a:rPr lang="it-IT" b="1" dirty="0" smtClean="0"/>
-                  <a:t>di costo</a:t>
-                </a:r>
-                <a:r>
-                  <a:rPr lang="it-IT" dirty="0" smtClean="0"/>
-                  <a:t>: considerate le N cariche totali ed il loro potenziale </a:t>
-                </a:r>
-                <a:r>
-                  <a:rPr lang="it-IT" dirty="0" smtClean="0"/>
-                  <a:t>V, </a:t>
-                </a:r>
-                <a:r>
-                  <a:rPr lang="it-IT" dirty="0" smtClean="0"/>
-                  <a:t>calcoliamo il potenziale </a:t>
-                </a:r>
-                <a:r>
-                  <a:rPr lang="it-IT" dirty="0" smtClean="0"/>
-                  <a:t>V’ </a:t>
-                </a:r>
-                <a:r>
-                  <a:rPr lang="it-IT" dirty="0" smtClean="0"/>
-                  <a:t>delle N-1 cariche note più la carica ignota nella posizione generica (x, y, z), la funzione di costo sarà </a:t>
-                </a:r>
-                <a:r>
-                  <a:rPr lang="it-IT" dirty="0" err="1" smtClean="0"/>
-                  <a:t>abs</a:t>
-                </a:r>
-                <a:r>
-                  <a:rPr lang="it-IT" dirty="0" smtClean="0"/>
-                  <a:t>(B-B’)^2</a:t>
-                </a:r>
-              </a:p>
-              <a:p>
-                <a:endParaRPr lang="it-IT" dirty="0"/>
+                <a:endParaRPr lang="it-IT" dirty="0">
+                  <a:solidFill>
+                    <a:schemeClr val="tx1"/>
+                  </a:solidFill>
+                </a:endParaRPr>
               </a:p>
             </p:txBody>
           </p:sp>
@@ -5524,10 +7980,10 @@
                 <a:off x="1097280" y="1845733"/>
                 <a:ext cx="10058400" cy="4293809"/>
               </a:xfrm>
-              <a:blipFill rotWithShape="0">
-                <a:blip r:embed="rId2"/>
+              <a:blipFill>
+                <a:blip r:embed="rId3"/>
                 <a:stretch>
-                  <a:fillRect l="-545" t="-1847"/>
+                  <a:fillRect l="-606" t="-1563" b="-12358"/>
                 </a:stretch>
               </a:blipFill>
             </p:spPr>
@@ -5536,7 +7992,7 @@
               <a:lstStyle/>
               <a:p>
                 <a:r>
-                  <a:rPr lang="en-US">
+                  <a:rPr lang="it-IT">
                     <a:noFill/>
                   </a:rPr>
                   <a:t> </a:t>
@@ -5600,71 +8056,304 @@
           <a:p>
             <a:r>
               <a:rPr lang="it-IT" dirty="0" smtClean="0"/>
-              <a:t>Normalizzazioni</a:t>
+              <a:t>NORMALIZZAZIONI</a:t>
             </a:r>
             <a:endParaRPr lang="it-IT" dirty="0"/>
           </a:p>
         </p:txBody>
       </p:sp>
-      <p:sp>
-        <p:nvSpPr>
-          <p:cNvPr id="3" name="Segnaposto contenuto 2"/>
-          <p:cNvSpPr>
-            <a:spLocks noGrp="1"/>
-          </p:cNvSpPr>
-          <p:nvPr>
-            <p:ph idx="1"/>
-          </p:nvPr>
-        </p:nvSpPr>
-        <p:spPr/>
-        <p:txBody>
-          <a:bodyPr/>
-          <a:lstStyle/>
-          <a:p>
-            <a:r>
-              <a:rPr lang="it-IT" dirty="0" smtClean="0"/>
-              <a:t>Supposte tutte le cariche uguali di segno e valore possiamo effettuare una prima normalizzazione sul fattore q/4piE0</a:t>
-            </a:r>
-          </a:p>
-          <a:p>
-            <a:r>
-              <a:rPr lang="it-IT" dirty="0" smtClean="0"/>
-              <a:t>Una seconda normalizzazione è stata effettuata sulla distanza considerando la massima distanza tra carica e misuratore che risulta essere la diagonale del </a:t>
-            </a:r>
-            <a:r>
-              <a:rPr lang="it-IT" dirty="0" err="1" smtClean="0"/>
-              <a:t>brick</a:t>
-            </a:r>
-            <a:r>
-              <a:rPr lang="it-IT" dirty="0" smtClean="0"/>
-              <a:t> (cubico di lato 1): </a:t>
-            </a:r>
-            <a:r>
-              <a:rPr lang="it-IT" dirty="0" err="1" smtClean="0"/>
-              <a:t>sqrt</a:t>
-            </a:r>
-            <a:r>
-              <a:rPr lang="it-IT" dirty="0" smtClean="0"/>
-              <a:t>(3)</a:t>
-            </a:r>
-          </a:p>
-          <a:p>
-            <a:r>
-              <a:rPr lang="it-IT" dirty="0" smtClean="0"/>
-              <a:t>Dunque il potenziale di una carica calcolato in un punto risulta essere 1/(d*</a:t>
-            </a:r>
-            <a:r>
-              <a:rPr lang="it-IT" dirty="0" err="1" smtClean="0"/>
-              <a:t>sqrt</a:t>
-            </a:r>
-            <a:r>
-              <a:rPr lang="it-IT" dirty="0" smtClean="0"/>
-              <a:t>(3))</a:t>
-            </a:r>
-            <a:endParaRPr lang="it-IT" dirty="0"/>
-          </a:p>
-        </p:txBody>
-      </p:sp>
+      <mc:AlternateContent xmlns:mc="http://schemas.openxmlformats.org/markup-compatibility/2006">
+        <mc:Choice xmlns:a14="http://schemas.microsoft.com/office/drawing/2010/main" Requires="a14">
+          <p:sp>
+            <p:nvSpPr>
+              <p:cNvPr id="3" name="Segnaposto contenuto 2"/>
+              <p:cNvSpPr>
+                <a:spLocks noGrp="1"/>
+              </p:cNvSpPr>
+              <p:nvPr>
+                <p:ph idx="1"/>
+              </p:nvPr>
+            </p:nvSpPr>
+            <p:spPr>
+              <a:xfrm>
+                <a:off x="1097280" y="1845734"/>
+                <a:ext cx="10376263" cy="4023360"/>
+              </a:xfrm>
+            </p:spPr>
+            <p:txBody>
+              <a:bodyPr>
+                <a:normAutofit/>
+              </a:bodyPr>
+              <a:lstStyle/>
+              <a:p>
+                <a:r>
+                  <a:rPr lang="it-IT" dirty="0" smtClean="0">
+                    <a:solidFill>
+                      <a:schemeClr val="tx1"/>
+                    </a:solidFill>
+                  </a:rPr>
+                  <a:t>Possiamo effettuare 3 tipi di normalizzazioni: </a:t>
+                </a:r>
+              </a:p>
+              <a:p>
+                <a:pPr lvl="1">
+                  <a:buFont typeface="Arial" charset="0"/>
+                  <a:buChar char="•"/>
+                </a:pPr>
+                <a:r>
+                  <a:rPr lang="it-IT" sz="2000" dirty="0" smtClean="0">
+                    <a:solidFill>
+                      <a:schemeClr val="tx1"/>
+                    </a:solidFill>
+                  </a:rPr>
+                  <a:t>Supposte tutte le cariche uguali di segno e valore possiamo effettuare una prima normalizzazione sul fattore </a:t>
+                </a:r>
+                <a:endParaRPr lang="it-IT" sz="2000" dirty="0">
+                  <a:solidFill>
+                    <a:schemeClr val="tx1"/>
+                  </a:solidFill>
+                </a:endParaRPr>
+              </a:p>
+              <a:p>
+                <a:pPr marL="0" indent="0" algn="ctr">
+                  <a:buNone/>
+                </a:pPr>
+                <a14:m>
+                  <m:oMath xmlns:m="http://schemas.openxmlformats.org/officeDocument/2006/math">
+                    <m:f>
+                      <m:fPr>
+                        <m:ctrlPr>
+                          <a:rPr lang="en-US" sz="2400" i="1">
+                            <a:latin typeface="Cambria Math" panose="02040503050406030204" pitchFamily="18" charset="0"/>
+                          </a:rPr>
+                        </m:ctrlPr>
+                      </m:fPr>
+                      <m:num>
+                        <m:r>
+                          <a:rPr lang="it-IT" sz="2400">
+                            <a:latin typeface="Cambria Math" panose="02040503050406030204" pitchFamily="18" charset="0"/>
+                          </a:rPr>
+                          <m:t>1</m:t>
+                        </m:r>
+                      </m:num>
+                      <m:den>
+                        <m:r>
+                          <a:rPr lang="it-IT" sz="2400">
+                            <a:latin typeface="Cambria Math" panose="02040503050406030204" pitchFamily="18" charset="0"/>
+                          </a:rPr>
+                          <m:t>4</m:t>
+                        </m:r>
+                        <m:r>
+                          <m:rPr>
+                            <m:sty m:val="p"/>
+                          </m:rPr>
+                          <a:rPr lang="it-IT" sz="2400">
+                            <a:latin typeface="Cambria Math" panose="02040503050406030204" pitchFamily="18" charset="0"/>
+                          </a:rPr>
+                          <m:t>πε</m:t>
+                        </m:r>
+                      </m:den>
+                    </m:f>
+                    <m:r>
+                      <m:rPr>
+                        <m:sty m:val="p"/>
+                      </m:rPr>
+                      <a:rPr lang="it-IT" sz="2400">
+                        <a:latin typeface="Cambria Math" panose="02040503050406030204" pitchFamily="18" charset="0"/>
+                      </a:rPr>
+                      <m:t>q</m:t>
+                    </m:r>
+                  </m:oMath>
+                </a14:m>
+                <a:r>
+                  <a:rPr lang="en-US" sz="2400" dirty="0">
+                    <a:effectLst/>
+                  </a:rPr>
+                  <a:t> </a:t>
+                </a:r>
+                <a:endParaRPr lang="en-US" sz="2400" dirty="0" smtClean="0">
+                  <a:effectLst/>
+                </a:endParaRPr>
+              </a:p>
+              <a:p>
+                <a:pPr marL="0" indent="0" algn="ctr">
+                  <a:buNone/>
+                </a:pPr>
+                <a:endParaRPr lang="en-US" sz="2400" dirty="0" smtClean="0">
+                  <a:solidFill>
+                    <a:schemeClr val="tx1"/>
+                  </a:solidFill>
+                  <a:effectLst/>
+                </a:endParaRPr>
+              </a:p>
+              <a:p>
+                <a:pPr lvl="1">
+                  <a:buFont typeface="Arial" charset="0"/>
+                  <a:buChar char="•"/>
+                </a:pPr>
+                <a:r>
+                  <a:rPr lang="it-IT" sz="2000" dirty="0" smtClean="0">
+                    <a:solidFill>
+                      <a:schemeClr val="tx1"/>
+                    </a:solidFill>
+                  </a:rPr>
+                  <a:t>Una seconda normalizzazione è stata effettuata sulla distanza considerando la massima distanza tra carica e misuratore che risulta essere la diagonale del </a:t>
+                </a:r>
+                <a:r>
+                  <a:rPr lang="it-IT" sz="2000" dirty="0" err="1" smtClean="0">
+                    <a:solidFill>
+                      <a:schemeClr val="tx1"/>
+                    </a:solidFill>
+                  </a:rPr>
+                  <a:t>brick</a:t>
+                </a:r>
+                <a:r>
+                  <a:rPr lang="it-IT" sz="2000" dirty="0" smtClean="0">
+                    <a:solidFill>
+                      <a:schemeClr val="tx1"/>
+                    </a:solidFill>
+                  </a:rPr>
+                  <a:t> (cubico di lato </a:t>
+                </a:r>
+                <a:r>
+                  <a:rPr lang="it-IT" sz="2000" dirty="0" smtClean="0">
+                    <a:solidFill>
+                      <a:schemeClr val="tx1"/>
+                    </a:solidFill>
+                  </a:rPr>
+                  <a:t>1): </a:t>
+                </a:r>
+                <a14:m>
+                  <m:oMath xmlns:m="http://schemas.openxmlformats.org/officeDocument/2006/math">
+                    <m:rad>
+                      <m:radPr>
+                        <m:degHide m:val="on"/>
+                        <m:ctrlPr>
+                          <a:rPr lang="en-US" sz="2000" i="1">
+                            <a:solidFill>
+                              <a:schemeClr val="tx1"/>
+                            </a:solidFill>
+                            <a:latin typeface="Cambria Math" panose="02040503050406030204" pitchFamily="18" charset="0"/>
+                          </a:rPr>
+                        </m:ctrlPr>
+                      </m:radPr>
+                      <m:deg/>
+                      <m:e>
+                        <m:r>
+                          <a:rPr lang="it-IT" sz="2000" b="0" i="1" smtClean="0">
+                            <a:solidFill>
+                              <a:schemeClr val="tx1"/>
+                            </a:solidFill>
+                            <a:latin typeface="Cambria Math" panose="02040503050406030204" pitchFamily="18" charset="0"/>
+                          </a:rPr>
+                          <m:t>3</m:t>
+                        </m:r>
+                      </m:e>
+                    </m:rad>
+                  </m:oMath>
+                </a14:m>
+                <a:r>
+                  <a:rPr lang="en-US" dirty="0">
+                    <a:solidFill>
+                      <a:schemeClr val="tx1"/>
+                    </a:solidFill>
+                    <a:effectLst/>
+                  </a:rPr>
+                  <a:t> </a:t>
+                </a:r>
+                <a:endParaRPr lang="en-US" dirty="0" smtClean="0">
+                  <a:solidFill>
+                    <a:schemeClr val="tx1"/>
+                  </a:solidFill>
+                  <a:effectLst/>
+                </a:endParaRPr>
+              </a:p>
+              <a:p>
+                <a:pPr lvl="1">
+                  <a:buFont typeface="Arial" charset="0"/>
+                  <a:buChar char="•"/>
+                </a:pPr>
+                <a:endParaRPr lang="it-IT" dirty="0" smtClean="0"/>
+              </a:p>
+              <a:p>
+                <a:pPr lvl="1">
+                  <a:buFont typeface="Arial" charset="0"/>
+                  <a:buChar char="•"/>
+                </a:pPr>
+                <a:r>
+                  <a:rPr lang="it-IT" sz="2000" dirty="0" smtClean="0">
+                    <a:solidFill>
+                      <a:schemeClr val="tx1"/>
+                    </a:solidFill>
+                  </a:rPr>
+                  <a:t>L’ultima normalizzazione invece è fatta sul numero di misuratori presenti sul </a:t>
+                </a:r>
+                <a:r>
+                  <a:rPr lang="it-IT" sz="2000" dirty="0" err="1" smtClean="0">
+                    <a:solidFill>
+                      <a:schemeClr val="tx1"/>
+                    </a:solidFill>
+                  </a:rPr>
+                  <a:t>brick</a:t>
+                </a:r>
+                <a:r>
+                  <a:rPr lang="it-IT" sz="2000" dirty="0" smtClean="0">
+                    <a:solidFill>
+                      <a:schemeClr val="tx1"/>
+                    </a:solidFill>
+                  </a:rPr>
+                  <a:t> più esterno, pari a </a:t>
+                </a:r>
+                <a:r>
+                  <a:rPr lang="it-IT" sz="2000" i="1" dirty="0">
+                    <a:solidFill>
+                      <a:schemeClr val="tx1"/>
+                    </a:solidFill>
+                  </a:rPr>
+                  <a:t>M</a:t>
+                </a:r>
+              </a:p>
+            </p:txBody>
+          </p:sp>
+        </mc:Choice>
+        <mc:Fallback>
+          <p:sp>
+            <p:nvSpPr>
+              <p:cNvPr id="3" name="Segnaposto contenuto 2"/>
+              <p:cNvSpPr>
+                <a:spLocks noGrp="1" noRot="1" noChangeAspect="1" noMove="1" noResize="1" noEditPoints="1" noAdjustHandles="1" noChangeArrowheads="1" noChangeShapeType="1" noTextEdit="1"/>
+              </p:cNvSpPr>
+              <p:nvPr>
+                <p:ph idx="1"/>
+              </p:nvPr>
+            </p:nvSpPr>
+            <p:spPr>
+              <a:xfrm>
+                <a:off x="1097280" y="1845734"/>
+                <a:ext cx="10376263" cy="4023360"/>
+              </a:xfrm>
+              <a:blipFill>
+                <a:blip r:embed="rId2"/>
+                <a:stretch>
+                  <a:fillRect l="-588" t="-1667" r="-940"/>
+                </a:stretch>
+              </a:blipFill>
+            </p:spPr>
+            <p:txBody>
+              <a:bodyPr/>
+              <a:lstStyle/>
+              <a:p>
+                <a:r>
+                  <a:rPr lang="it-IT">
+                    <a:noFill/>
+                  </a:rPr>
+                  <a:t> </a:t>
+                </a:r>
+              </a:p>
+            </p:txBody>
+          </p:sp>
+        </mc:Fallback>
+      </mc:AlternateContent>
     </p:spTree>
     <p:extLst>
       <p:ext uri="{BB962C8B-B14F-4D97-AF65-F5344CB8AC3E}">
@@ -5704,7 +8393,7 @@
       </p:grpSpPr>
       <p:sp>
         <p:nvSpPr>
-          <p:cNvPr id="2" name="Titolo 1"/>
+          <p:cNvPr id="2" name="Title 1"/>
           <p:cNvSpPr>
             <a:spLocks noGrp="1"/>
           </p:cNvSpPr>
@@ -5718,116 +8407,1560 @@
           <a:lstStyle/>
           <a:p>
             <a:r>
-              <a:rPr lang="it-IT" dirty="0" smtClean="0"/>
-              <a:t>Simplesso</a:t>
-            </a:r>
-            <a:endParaRPr lang="it-IT" dirty="0"/>
+              <a:rPr lang="en-US" dirty="0" smtClean="0"/>
+              <a:t>FUNZIONE DI COSTO</a:t>
+            </a:r>
+            <a:endParaRPr lang="en-US" dirty="0"/>
           </a:p>
         </p:txBody>
       </p:sp>
-      <p:sp>
-        <p:nvSpPr>
-          <p:cNvPr id="3" name="Segnaposto contenuto 2"/>
-          <p:cNvSpPr>
-            <a:spLocks noGrp="1"/>
-          </p:cNvSpPr>
-          <p:nvPr>
-            <p:ph idx="1"/>
-          </p:nvPr>
-        </p:nvSpPr>
-        <p:spPr/>
-        <p:txBody>
-          <a:bodyPr>
-            <a:normAutofit/>
-          </a:bodyPr>
-          <a:lstStyle/>
-          <a:p>
-            <a:r>
-              <a:rPr lang="it-IT" dirty="0" smtClean="0"/>
-              <a:t>Simplesso: </a:t>
-            </a:r>
-            <a:r>
-              <a:rPr lang="it-IT" dirty="0"/>
-              <a:t>L'algoritmo del simplesso, ideato </a:t>
-            </a:r>
-            <a:r>
-              <a:rPr lang="it-IT" dirty="0" smtClean="0"/>
-              <a:t>da</a:t>
-            </a:r>
-            <a:r>
-              <a:rPr lang="it-IT" dirty="0"/>
-              <a:t> George </a:t>
-            </a:r>
-            <a:r>
-              <a:rPr lang="it-IT" dirty="0" smtClean="0"/>
-              <a:t>Dantzig, </a:t>
-            </a:r>
-            <a:r>
-              <a:rPr lang="it-IT" dirty="0"/>
-              <a:t>è un metodo numerico per risolvere problemi di programmazione lineare. </a:t>
-            </a:r>
-          </a:p>
-          <a:p>
-            <a:r>
-              <a:rPr lang="it-IT" dirty="0"/>
-              <a:t>Questo algoritmo fa uso del concetto di simplesso, cioè un politopo di </a:t>
-            </a:r>
-            <a:r>
-              <a:rPr lang="it-IT" i="1" dirty="0"/>
-              <a:t>N+1</a:t>
-            </a:r>
-            <a:r>
-              <a:rPr lang="it-IT" dirty="0"/>
-              <a:t> vertici in </a:t>
-            </a:r>
-            <a:r>
-              <a:rPr lang="it-IT" i="1" dirty="0"/>
-              <a:t>N</a:t>
-            </a:r>
-            <a:r>
-              <a:rPr lang="it-IT" dirty="0"/>
-              <a:t> </a:t>
-            </a:r>
-            <a:r>
-              <a:rPr lang="it-IT" dirty="0" smtClean="0"/>
-              <a:t>dimensioni.</a:t>
-            </a:r>
-          </a:p>
-          <a:p>
-            <a:r>
-              <a:rPr lang="it-IT" dirty="0" smtClean="0"/>
-              <a:t>Politopo: figura geometrica</a:t>
-            </a:r>
-            <a:r>
-              <a:rPr lang="it-IT" dirty="0"/>
-              <a:t> </a:t>
-            </a:r>
-            <a:r>
-              <a:rPr lang="it-IT" i="1" dirty="0"/>
-              <a:t>n</a:t>
-            </a:r>
-            <a:r>
-              <a:rPr lang="it-IT" dirty="0"/>
-              <a:t>-dimensionale col minor numero di vertici. Il simplesso di dimensione zero è un singolo punto, il simplesso bidimensionale un triangolo e quello tridimensionale un tetraedro</a:t>
-            </a:r>
-            <a:r>
-              <a:rPr lang="it-IT" dirty="0" smtClean="0"/>
-              <a:t>.</a:t>
-            </a:r>
-          </a:p>
-          <a:p>
-            <a:r>
-              <a:rPr lang="it-IT" dirty="0" smtClean="0"/>
-              <a:t>Il vertice con valore più grande viene ribaltato e nella situazione in cui avvengono ribaltamenti ripetuti (indice di invecchiamento) si effettua l’operazione di contrazione conservando il vertice migliore.</a:t>
-            </a:r>
-            <a:endParaRPr lang="it-IT" dirty="0"/>
-          </a:p>
-        </p:txBody>
-      </p:sp>
+      <mc:AlternateContent xmlns:mc="http://schemas.openxmlformats.org/markup-compatibility/2006">
+        <mc:Choice xmlns:a14="http://schemas.microsoft.com/office/drawing/2010/main" Requires="a14">
+          <p:sp>
+            <p:nvSpPr>
+              <p:cNvPr id="7" name="TextBox 6"/>
+              <p:cNvSpPr txBox="1"/>
+              <p:nvPr/>
+            </p:nvSpPr>
+            <p:spPr>
+              <a:xfrm>
+                <a:off x="1169125" y="1811195"/>
+                <a:ext cx="9914709" cy="4931158"/>
+              </a:xfrm>
+              <a:prstGeom prst="rect">
+                <a:avLst/>
+              </a:prstGeom>
+              <a:noFill/>
+            </p:spPr>
+            <p:txBody>
+              <a:bodyPr wrap="square" rtlCol="0">
+                <a:spAutoFit/>
+              </a:bodyPr>
+              <a:lstStyle/>
+              <a:p>
+                <a:r>
+                  <a:rPr lang="en-US" dirty="0" err="1" smtClean="0"/>
+                  <a:t>Detti</a:t>
+                </a:r>
+                <a:r>
+                  <a:rPr lang="en-US" dirty="0" smtClean="0"/>
+                  <a:t> </a:t>
+                </a:r>
+                <a:r>
+                  <a:rPr lang="en-US" dirty="0" err="1" smtClean="0"/>
+                  <a:t>Vt</a:t>
+                </a:r>
+                <a:r>
+                  <a:rPr lang="en-US" dirty="0" smtClean="0"/>
+                  <a:t> e </a:t>
+                </a:r>
+                <a:r>
+                  <a:rPr lang="en-US" dirty="0" err="1" smtClean="0"/>
+                  <a:t>Vn</a:t>
+                </a:r>
+                <a:r>
+                  <a:rPr lang="en-US" dirty="0" smtClean="0"/>
+                  <a:t> </a:t>
+                </a:r>
+                <a:r>
+                  <a:rPr lang="en-US" dirty="0" err="1" smtClean="0"/>
+                  <a:t>il</a:t>
+                </a:r>
+                <a:r>
+                  <a:rPr lang="en-US" dirty="0" smtClean="0"/>
+                  <a:t> </a:t>
+                </a:r>
+                <a:r>
+                  <a:rPr lang="en-US" dirty="0" err="1" smtClean="0"/>
+                  <a:t>potenziale</a:t>
+                </a:r>
+                <a:r>
+                  <a:rPr lang="en-US" dirty="0" smtClean="0"/>
+                  <a:t> </a:t>
+                </a:r>
+                <a:r>
+                  <a:rPr lang="en-US" dirty="0" err="1" smtClean="0"/>
+                  <a:t>totale</a:t>
+                </a:r>
+                <a:r>
+                  <a:rPr lang="en-US" dirty="0" smtClean="0"/>
+                  <a:t> </a:t>
+                </a:r>
+                <a:r>
+                  <a:rPr lang="en-US" dirty="0" err="1" smtClean="0"/>
+                  <a:t>misurato</a:t>
+                </a:r>
+                <a:r>
+                  <a:rPr lang="en-US" dirty="0" smtClean="0"/>
+                  <a:t> dal </a:t>
+                </a:r>
+                <a:r>
+                  <a:rPr lang="en-US" dirty="0" err="1" smtClean="0"/>
+                  <a:t>misuratore</a:t>
+                </a:r>
+                <a:r>
+                  <a:rPr lang="en-US" dirty="0" smtClean="0"/>
+                  <a:t> e </a:t>
+                </a:r>
+                <a:r>
+                  <a:rPr lang="en-US" dirty="0" err="1" smtClean="0"/>
+                  <a:t>quello</a:t>
+                </a:r>
+                <a:r>
+                  <a:rPr lang="en-US" dirty="0" smtClean="0"/>
+                  <a:t> </a:t>
+                </a:r>
+                <a:r>
+                  <a:rPr lang="en-US" dirty="0" err="1" smtClean="0"/>
+                  <a:t>calcolato</a:t>
+                </a:r>
+                <a:r>
+                  <a:rPr lang="en-US" dirty="0" smtClean="0"/>
+                  <a:t> </a:t>
+                </a:r>
+                <a:r>
+                  <a:rPr lang="en-US" dirty="0" err="1" smtClean="0"/>
+                  <a:t>analiticamente</a:t>
+                </a:r>
+                <a:r>
+                  <a:rPr lang="en-US" dirty="0" smtClean="0"/>
+                  <a:t> </a:t>
+                </a:r>
+                <a:r>
+                  <a:rPr lang="en-US" dirty="0" err="1" smtClean="0"/>
+                  <a:t>dalle</a:t>
+                </a:r>
+                <a:r>
+                  <a:rPr lang="en-US" dirty="0" smtClean="0"/>
+                  <a:t> </a:t>
+                </a:r>
+                <a:r>
+                  <a:rPr lang="en-US" dirty="0" err="1" smtClean="0"/>
+                  <a:t>cariche</a:t>
+                </a:r>
+                <a:r>
+                  <a:rPr lang="en-US" dirty="0" smtClean="0"/>
+                  <a:t> note </a:t>
+                </a:r>
+                <a:r>
+                  <a:rPr lang="en-US" dirty="0" err="1" smtClean="0"/>
+                  <a:t>rispettivamente</a:t>
+                </a:r>
+                <a:r>
+                  <a:rPr lang="en-US" dirty="0" smtClean="0"/>
+                  <a:t>, </a:t>
+                </a:r>
+                <a:r>
+                  <a:rPr lang="en-US" dirty="0" err="1" smtClean="0"/>
+                  <a:t>il</a:t>
+                </a:r>
+                <a:r>
+                  <a:rPr lang="en-US" dirty="0" smtClean="0"/>
+                  <a:t> </a:t>
+                </a:r>
+                <a:r>
+                  <a:rPr lang="en-US" dirty="0" err="1" smtClean="0"/>
+                  <a:t>potenziale</a:t>
+                </a:r>
+                <a:r>
+                  <a:rPr lang="en-US" dirty="0" smtClean="0"/>
+                  <a:t> </a:t>
+                </a:r>
+                <a:r>
+                  <a:rPr lang="en-US" dirty="0" err="1" smtClean="0"/>
+                  <a:t>della</a:t>
+                </a:r>
+                <a:r>
+                  <a:rPr lang="en-US" dirty="0" smtClean="0"/>
+                  <a:t> </a:t>
+                </a:r>
+                <a:r>
+                  <a:rPr lang="en-US" dirty="0" err="1" smtClean="0"/>
+                  <a:t>carica</a:t>
+                </a:r>
+                <a:r>
+                  <a:rPr lang="en-US" dirty="0" smtClean="0"/>
+                  <a:t> </a:t>
+                </a:r>
+                <a:r>
+                  <a:rPr lang="en-US" dirty="0" err="1" smtClean="0"/>
+                  <a:t>ignota</a:t>
+                </a:r>
+                <a:r>
+                  <a:rPr lang="en-US" dirty="0" smtClean="0"/>
+                  <a:t> </a:t>
+                </a:r>
+                <a:r>
+                  <a:rPr lang="en-US" dirty="0" err="1" smtClean="0"/>
+                  <a:t>sarà</a:t>
+                </a:r>
+                <a:r>
+                  <a:rPr lang="en-US" dirty="0" smtClean="0"/>
+                  <a:t> </a:t>
+                </a:r>
+                <a:r>
+                  <a:rPr lang="en-US" dirty="0" err="1" smtClean="0"/>
+                  <a:t>dunque</a:t>
+                </a:r>
+                <a:endParaRPr lang="en-US" dirty="0" smtClean="0"/>
+              </a:p>
+              <a:p>
+                <a14:m>
+                  <m:oMathPara xmlns:m="http://schemas.openxmlformats.org/officeDocument/2006/math">
+                    <m:oMathParaPr>
+                      <m:jc m:val="centerGroup"/>
+                    </m:oMathParaPr>
+                    <m:oMath xmlns:m="http://schemas.openxmlformats.org/officeDocument/2006/math">
+                      <m:r>
+                        <a:rPr lang="it-IT" i="1"/>
+                        <m:t>4</m:t>
+                      </m:r>
+                      <m:r>
+                        <a:rPr lang="it-IT" i="1"/>
+                        <m:t>𝜋𝜀</m:t>
+                      </m:r>
+                      <m:sSub>
+                        <m:sSubPr>
+                          <m:ctrlPr>
+                            <a:rPr lang="it-IT" i="1"/>
+                          </m:ctrlPr>
+                        </m:sSubPr>
+                        <m:e>
+                          <m:r>
+                            <a:rPr lang="it-IT" i="1"/>
+                            <m:t>𝑉</m:t>
+                          </m:r>
+                        </m:e>
+                        <m:sub>
+                          <m:r>
+                            <a:rPr lang="it-IT" i="1"/>
+                            <m:t>𝑁</m:t>
+                          </m:r>
+                        </m:sub>
+                      </m:sSub>
+                      <m:r>
+                        <a:rPr lang="it-IT" i="1"/>
+                        <m:t>=</m:t>
+                      </m:r>
+                      <m:sSub>
+                        <m:sSubPr>
+                          <m:ctrlPr>
+                            <a:rPr lang="it-IT" i="1"/>
+                          </m:ctrlPr>
+                        </m:sSubPr>
+                        <m:e>
+                          <m:r>
+                            <a:rPr lang="it-IT" i="1"/>
+                            <m:t>4</m:t>
+                          </m:r>
+                          <m:r>
+                            <a:rPr lang="it-IT" i="1"/>
+                            <m:t>𝜋𝜀</m:t>
+                          </m:r>
+                          <m:r>
+                            <a:rPr lang="it-IT" i="1"/>
+                            <m:t> (</m:t>
+                          </m:r>
+                          <m:r>
+                            <a:rPr lang="it-IT" i="1"/>
+                            <m:t>𝑉</m:t>
+                          </m:r>
+                        </m:e>
+                        <m:sub>
+                          <m:r>
+                            <a:rPr lang="it-IT" i="1"/>
+                            <m:t>𝑡</m:t>
+                          </m:r>
+                        </m:sub>
+                      </m:sSub>
+                      <m:r>
+                        <a:rPr lang="it-IT" i="1"/>
+                        <m:t>−</m:t>
+                      </m:r>
+                      <m:sSub>
+                        <m:sSubPr>
+                          <m:ctrlPr>
+                            <a:rPr lang="it-IT" i="1"/>
+                          </m:ctrlPr>
+                        </m:sSubPr>
+                        <m:e>
+                          <m:r>
+                            <a:rPr lang="it-IT" i="1"/>
+                            <m:t>𝑉</m:t>
+                          </m:r>
+                        </m:e>
+                        <m:sub>
+                          <m:r>
+                            <a:rPr lang="it-IT" i="1"/>
+                            <m:t>𝑛</m:t>
+                          </m:r>
+                        </m:sub>
+                      </m:sSub>
+                      <m:r>
+                        <a:rPr lang="it-IT" i="1"/>
+                        <m:t>)=(</m:t>
+                      </m:r>
+                      <m:nary>
+                        <m:naryPr>
+                          <m:chr m:val="∑"/>
+                          <m:limLoc m:val="undOvr"/>
+                          <m:ctrlPr>
+                            <a:rPr lang="it-IT" i="1"/>
+                          </m:ctrlPr>
+                        </m:naryPr>
+                        <m:sub>
+                          <m:r>
+                            <a:rPr lang="it-IT" i="1"/>
+                            <m:t>𝑖</m:t>
+                          </m:r>
+                        </m:sub>
+                        <m:sup>
+                          <m:r>
+                            <a:rPr lang="it-IT" i="1"/>
+                            <m:t>𝑁</m:t>
+                          </m:r>
+                        </m:sup>
+                        <m:e>
+                          <m:f>
+                            <m:fPr>
+                              <m:ctrlPr>
+                                <a:rPr lang="it-IT" i="1"/>
+                              </m:ctrlPr>
+                            </m:fPr>
+                            <m:num>
+                              <m:sSub>
+                                <m:sSubPr>
+                                  <m:ctrlPr>
+                                    <a:rPr lang="it-IT" i="1"/>
+                                  </m:ctrlPr>
+                                </m:sSubPr>
+                                <m:e>
+                                  <m:r>
+                                    <a:rPr lang="it-IT" i="1"/>
+                                    <m:t>𝑞</m:t>
+                                  </m:r>
+                                </m:e>
+                                <m:sub>
+                                  <m:r>
+                                    <a:rPr lang="it-IT" i="1"/>
+                                    <m:t>𝑖</m:t>
+                                  </m:r>
+                                </m:sub>
+                              </m:sSub>
+                            </m:num>
+                            <m:den>
+                              <m:r>
+                                <a:rPr lang="it-IT" i="1"/>
+                                <m:t> </m:t>
+                              </m:r>
+                              <m:d>
+                                <m:dPr>
+                                  <m:begChr m:val="|"/>
+                                  <m:endChr m:val="|"/>
+                                  <m:ctrlPr>
+                                    <a:rPr lang="it-IT" i="1"/>
+                                  </m:ctrlPr>
+                                </m:dPr>
+                                <m:e>
+                                  <m:d>
+                                    <m:dPr>
+                                      <m:begChr m:val="|"/>
+                                      <m:endChr m:val="|"/>
+                                      <m:ctrlPr>
+                                        <a:rPr lang="it-IT" i="1"/>
+                                      </m:ctrlPr>
+                                    </m:dPr>
+                                    <m:e>
+                                      <m:acc>
+                                        <m:accPr>
+                                          <m:chr m:val="⃗"/>
+                                          <m:ctrlPr>
+                                            <a:rPr lang="it-IT" b="1" i="1"/>
+                                          </m:ctrlPr>
+                                        </m:accPr>
+                                        <m:e>
+                                          <m:sSub>
+                                            <m:sSubPr>
+                                              <m:ctrlPr>
+                                                <a:rPr lang="it-IT" b="1" i="1"/>
+                                              </m:ctrlPr>
+                                            </m:sSubPr>
+                                            <m:e>
+                                              <m:r>
+                                                <a:rPr lang="it-IT" b="1" i="1"/>
+                                                <m:t>𝒑</m:t>
+                                              </m:r>
+                                            </m:e>
+                                            <m:sub>
+                                              <m:r>
+                                                <a:rPr lang="it-IT" b="1" i="1"/>
+                                                <m:t>𝒊</m:t>
+                                              </m:r>
+                                            </m:sub>
+                                          </m:sSub>
+                                        </m:e>
+                                      </m:acc>
+                                      <m:r>
+                                        <a:rPr lang="it-IT" i="1"/>
+                                        <m:t>−</m:t>
+                                      </m:r>
+                                      <m:acc>
+                                        <m:accPr>
+                                          <m:chr m:val="⃗"/>
+                                          <m:ctrlPr>
+                                            <a:rPr lang="it-IT" b="1" i="1"/>
+                                          </m:ctrlPr>
+                                        </m:accPr>
+                                        <m:e>
+                                          <m:r>
+                                            <a:rPr lang="it-IT" b="1" i="1"/>
+                                            <m:t>𝒎</m:t>
+                                          </m:r>
+                                        </m:e>
+                                      </m:acc>
+                                    </m:e>
+                                  </m:d>
+                                </m:e>
+                              </m:d>
+                            </m:den>
+                          </m:f>
+                          <m:r>
+                            <a:rPr lang="it-IT" i="1"/>
+                            <m:t> </m:t>
+                          </m:r>
+                        </m:e>
+                      </m:nary>
+                      <m:r>
+                        <a:rPr lang="it-IT" i="1"/>
+                        <m:t>)−(</m:t>
+                      </m:r>
+                      <m:nary>
+                        <m:naryPr>
+                          <m:chr m:val="∑"/>
+                          <m:limLoc m:val="undOvr"/>
+                          <m:ctrlPr>
+                            <a:rPr lang="it-IT" i="1"/>
+                          </m:ctrlPr>
+                        </m:naryPr>
+                        <m:sub>
+                          <m:r>
+                            <a:rPr lang="it-IT" i="1"/>
+                            <m:t>𝑖</m:t>
+                          </m:r>
+                        </m:sub>
+                        <m:sup>
+                          <m:r>
+                            <a:rPr lang="it-IT" i="1"/>
+                            <m:t>𝑁</m:t>
+                          </m:r>
+                          <m:r>
+                            <a:rPr lang="it-IT" i="1"/>
+                            <m:t>−1</m:t>
+                          </m:r>
+                        </m:sup>
+                        <m:e>
+                          <m:f>
+                            <m:fPr>
+                              <m:ctrlPr>
+                                <a:rPr lang="it-IT" i="1"/>
+                              </m:ctrlPr>
+                            </m:fPr>
+                            <m:num>
+                              <m:sSub>
+                                <m:sSubPr>
+                                  <m:ctrlPr>
+                                    <a:rPr lang="it-IT" i="1"/>
+                                  </m:ctrlPr>
+                                </m:sSubPr>
+                                <m:e>
+                                  <m:r>
+                                    <a:rPr lang="it-IT" i="1"/>
+                                    <m:t>𝑞</m:t>
+                                  </m:r>
+                                </m:e>
+                                <m:sub>
+                                  <m:r>
+                                    <a:rPr lang="it-IT" i="1"/>
+                                    <m:t>𝑖</m:t>
+                                  </m:r>
+                                </m:sub>
+                              </m:sSub>
+                            </m:num>
+                            <m:den>
+                              <m:r>
+                                <a:rPr lang="it-IT" i="1"/>
+                                <m:t> </m:t>
+                              </m:r>
+                              <m:d>
+                                <m:dPr>
+                                  <m:begChr m:val="|"/>
+                                  <m:endChr m:val="|"/>
+                                  <m:ctrlPr>
+                                    <a:rPr lang="it-IT" i="1"/>
+                                  </m:ctrlPr>
+                                </m:dPr>
+                                <m:e>
+                                  <m:d>
+                                    <m:dPr>
+                                      <m:begChr m:val="|"/>
+                                      <m:endChr m:val="|"/>
+                                      <m:ctrlPr>
+                                        <a:rPr lang="it-IT" i="1"/>
+                                      </m:ctrlPr>
+                                    </m:dPr>
+                                    <m:e>
+                                      <m:acc>
+                                        <m:accPr>
+                                          <m:chr m:val="⃗"/>
+                                          <m:ctrlPr>
+                                            <a:rPr lang="it-IT" b="1" i="1"/>
+                                          </m:ctrlPr>
+                                        </m:accPr>
+                                        <m:e>
+                                          <m:sSub>
+                                            <m:sSubPr>
+                                              <m:ctrlPr>
+                                                <a:rPr lang="it-IT" b="1" i="1"/>
+                                              </m:ctrlPr>
+                                            </m:sSubPr>
+                                            <m:e>
+                                              <m:r>
+                                                <a:rPr lang="it-IT" b="1" i="1"/>
+                                                <m:t>𝒑</m:t>
+                                              </m:r>
+                                            </m:e>
+                                            <m:sub>
+                                              <m:r>
+                                                <a:rPr lang="it-IT" b="1" i="1"/>
+                                                <m:t>𝒊</m:t>
+                                              </m:r>
+                                            </m:sub>
+                                          </m:sSub>
+                                        </m:e>
+                                      </m:acc>
+                                      <m:r>
+                                        <a:rPr lang="it-IT" i="1"/>
+                                        <m:t>−</m:t>
+                                      </m:r>
+                                      <m:acc>
+                                        <m:accPr>
+                                          <m:chr m:val="⃗"/>
+                                          <m:ctrlPr>
+                                            <a:rPr lang="it-IT" b="1" i="1"/>
+                                          </m:ctrlPr>
+                                        </m:accPr>
+                                        <m:e>
+                                          <m:r>
+                                            <a:rPr lang="it-IT" b="1" i="1"/>
+                                            <m:t>𝒎</m:t>
+                                          </m:r>
+                                        </m:e>
+                                      </m:acc>
+                                    </m:e>
+                                  </m:d>
+                                </m:e>
+                              </m:d>
+                            </m:den>
+                          </m:f>
+                          <m:r>
+                            <a:rPr lang="it-IT" i="1"/>
+                            <m:t> </m:t>
+                          </m:r>
+                        </m:e>
+                      </m:nary>
+                      <m:r>
+                        <a:rPr lang="it-IT" i="1"/>
+                        <m:t> )= </m:t>
+                      </m:r>
+                      <m:f>
+                        <m:fPr>
+                          <m:ctrlPr>
+                            <a:rPr lang="it-IT" i="1"/>
+                          </m:ctrlPr>
+                        </m:fPr>
+                        <m:num>
+                          <m:sSub>
+                            <m:sSubPr>
+                              <m:ctrlPr>
+                                <a:rPr lang="it-IT" i="1"/>
+                              </m:ctrlPr>
+                            </m:sSubPr>
+                            <m:e>
+                              <m:r>
+                                <a:rPr lang="it-IT" i="1"/>
+                                <m:t>𝑞</m:t>
+                              </m:r>
+                            </m:e>
+                            <m:sub>
+                              <m:r>
+                                <a:rPr lang="it-IT" i="1"/>
+                                <m:t>𝑁</m:t>
+                              </m:r>
+                            </m:sub>
+                          </m:sSub>
+                        </m:num>
+                        <m:den>
+                          <m:d>
+                            <m:dPr>
+                              <m:begChr m:val="|"/>
+                              <m:endChr m:val="|"/>
+                              <m:ctrlPr>
+                                <a:rPr lang="it-IT" i="1"/>
+                              </m:ctrlPr>
+                            </m:dPr>
+                            <m:e>
+                              <m:d>
+                                <m:dPr>
+                                  <m:begChr m:val="|"/>
+                                  <m:endChr m:val="|"/>
+                                  <m:ctrlPr>
+                                    <a:rPr lang="it-IT" i="1"/>
+                                  </m:ctrlPr>
+                                </m:dPr>
+                                <m:e>
+                                  <m:acc>
+                                    <m:accPr>
+                                      <m:chr m:val="⃗"/>
+                                      <m:ctrlPr>
+                                        <a:rPr lang="it-IT" b="1" i="1"/>
+                                      </m:ctrlPr>
+                                    </m:accPr>
+                                    <m:e>
+                                      <m:sSub>
+                                        <m:sSubPr>
+                                          <m:ctrlPr>
+                                            <a:rPr lang="it-IT" b="1" i="1"/>
+                                          </m:ctrlPr>
+                                        </m:sSubPr>
+                                        <m:e>
+                                          <m:r>
+                                            <a:rPr lang="it-IT" b="1" i="1"/>
+                                            <m:t>𝒑</m:t>
+                                          </m:r>
+                                        </m:e>
+                                        <m:sub>
+                                          <m:r>
+                                            <a:rPr lang="it-IT" b="1" i="1"/>
+                                            <m:t>𝑵</m:t>
+                                          </m:r>
+                                        </m:sub>
+                                      </m:sSub>
+                                    </m:e>
+                                  </m:acc>
+                                  <m:r>
+                                    <a:rPr lang="it-IT" i="1"/>
+                                    <m:t>−</m:t>
+                                  </m:r>
+                                  <m:acc>
+                                    <m:accPr>
+                                      <m:chr m:val="⃗"/>
+                                      <m:ctrlPr>
+                                        <a:rPr lang="it-IT" b="1" i="1"/>
+                                      </m:ctrlPr>
+                                    </m:accPr>
+                                    <m:e>
+                                      <m:r>
+                                        <a:rPr lang="it-IT" b="1" i="1"/>
+                                        <m:t>𝒎</m:t>
+                                      </m:r>
+                                    </m:e>
+                                  </m:acc>
+                                </m:e>
+                              </m:d>
+                            </m:e>
+                          </m:d>
+                        </m:den>
+                      </m:f>
+                    </m:oMath>
+                  </m:oMathPara>
+                </a14:m>
+                <a:endParaRPr lang="en-US" dirty="0" smtClean="0"/>
+              </a:p>
+              <a:p>
+                <a:endParaRPr lang="it-IT" dirty="0" smtClean="0"/>
+              </a:p>
+              <a:p>
+                <a:endParaRPr lang="it-IT" dirty="0"/>
+              </a:p>
+              <a:p>
+                <a:r>
+                  <a:rPr lang="it-IT" dirty="0" smtClean="0"/>
+                  <a:t>Calcoliamo la differenza di potenziale tra quello della carica ignota e quello di una generica carica </a:t>
+                </a:r>
+                <a:r>
+                  <a:rPr lang="it-IT" b="1" dirty="0"/>
+                  <a:t>q*</a:t>
+                </a:r>
+                <a:r>
+                  <a:rPr lang="it-IT" dirty="0"/>
+                  <a:t>.</a:t>
+                </a:r>
+              </a:p>
+              <a:p>
+                <a14:m>
+                  <m:oMathPara xmlns:m="http://schemas.openxmlformats.org/officeDocument/2006/math">
+                    <m:oMathParaPr>
+                      <m:jc m:val="centerGroup"/>
+                    </m:oMathParaPr>
+                    <m:oMath xmlns:m="http://schemas.openxmlformats.org/officeDocument/2006/math">
+                      <m:r>
+                        <a:rPr lang="it-IT" i="1"/>
+                        <m:t>4</m:t>
+                      </m:r>
+                      <m:r>
+                        <a:rPr lang="it-IT" i="1"/>
+                        <m:t>𝜋𝜀</m:t>
+                      </m:r>
+                      <m:r>
+                        <a:rPr lang="it-IT" i="1"/>
+                        <m:t>∆</m:t>
+                      </m:r>
+                      <m:r>
+                        <a:rPr lang="it-IT" i="1"/>
+                        <m:t>𝑉</m:t>
+                      </m:r>
+                      <m:r>
+                        <a:rPr lang="it-IT" i="1"/>
+                        <m:t>=</m:t>
+                      </m:r>
+                      <m:sSub>
+                        <m:sSubPr>
+                          <m:ctrlPr>
+                            <a:rPr lang="it-IT" i="1"/>
+                          </m:ctrlPr>
+                        </m:sSubPr>
+                        <m:e>
+                          <m:r>
+                            <a:rPr lang="it-IT" i="1"/>
+                            <m:t>4</m:t>
+                          </m:r>
+                          <m:r>
+                            <a:rPr lang="it-IT" i="1"/>
+                            <m:t>𝜋𝜀</m:t>
+                          </m:r>
+                          <m:r>
+                            <a:rPr lang="it-IT" i="1"/>
+                            <m:t> (</m:t>
+                          </m:r>
+                          <m:r>
+                            <a:rPr lang="it-IT" i="1"/>
+                            <m:t>𝑉</m:t>
+                          </m:r>
+                        </m:e>
+                        <m:sub>
+                          <m:r>
+                            <a:rPr lang="it-IT" i="1"/>
+                            <m:t>𝑁</m:t>
+                          </m:r>
+                        </m:sub>
+                      </m:sSub>
+                      <m:r>
+                        <a:rPr lang="it-IT" i="1"/>
+                        <m:t>−</m:t>
+                      </m:r>
+                      <m:sSup>
+                        <m:sSupPr>
+                          <m:ctrlPr>
+                            <a:rPr lang="it-IT" i="1"/>
+                          </m:ctrlPr>
+                        </m:sSupPr>
+                        <m:e>
+                          <m:r>
+                            <a:rPr lang="it-IT" i="1"/>
+                            <m:t>𝑉</m:t>
+                          </m:r>
+                        </m:e>
+                        <m:sup>
+                          <m:r>
+                            <a:rPr lang="it-IT" i="1"/>
+                            <m:t>∗</m:t>
+                          </m:r>
+                        </m:sup>
+                      </m:sSup>
+                      <m:r>
+                        <a:rPr lang="it-IT" i="1"/>
+                        <m:t>)= </m:t>
+                      </m:r>
+                      <m:f>
+                        <m:fPr>
+                          <m:ctrlPr>
+                            <a:rPr lang="it-IT" i="1"/>
+                          </m:ctrlPr>
+                        </m:fPr>
+                        <m:num>
+                          <m:sSub>
+                            <m:sSubPr>
+                              <m:ctrlPr>
+                                <a:rPr lang="it-IT" i="1"/>
+                              </m:ctrlPr>
+                            </m:sSubPr>
+                            <m:e>
+                              <m:r>
+                                <a:rPr lang="it-IT" i="1"/>
+                                <m:t>𝑞</m:t>
+                              </m:r>
+                            </m:e>
+                            <m:sub>
+                              <m:r>
+                                <a:rPr lang="it-IT" i="1"/>
+                                <m:t>𝑁</m:t>
+                              </m:r>
+                            </m:sub>
+                          </m:sSub>
+                        </m:num>
+                        <m:den>
+                          <m:d>
+                            <m:dPr>
+                              <m:begChr m:val="|"/>
+                              <m:endChr m:val="|"/>
+                              <m:ctrlPr>
+                                <a:rPr lang="it-IT" i="1"/>
+                              </m:ctrlPr>
+                            </m:dPr>
+                            <m:e>
+                              <m:d>
+                                <m:dPr>
+                                  <m:begChr m:val="|"/>
+                                  <m:endChr m:val="|"/>
+                                  <m:ctrlPr>
+                                    <a:rPr lang="it-IT" i="1"/>
+                                  </m:ctrlPr>
+                                </m:dPr>
+                                <m:e>
+                                  <m:acc>
+                                    <m:accPr>
+                                      <m:chr m:val="⃗"/>
+                                      <m:ctrlPr>
+                                        <a:rPr lang="it-IT" b="1" i="1"/>
+                                      </m:ctrlPr>
+                                    </m:accPr>
+                                    <m:e>
+                                      <m:sSub>
+                                        <m:sSubPr>
+                                          <m:ctrlPr>
+                                            <a:rPr lang="it-IT" b="1" i="1"/>
+                                          </m:ctrlPr>
+                                        </m:sSubPr>
+                                        <m:e>
+                                          <m:r>
+                                            <a:rPr lang="it-IT" b="1" i="1"/>
+                                            <m:t>𝒑</m:t>
+                                          </m:r>
+                                        </m:e>
+                                        <m:sub>
+                                          <m:r>
+                                            <a:rPr lang="it-IT" b="1" i="1"/>
+                                            <m:t>𝑵</m:t>
+                                          </m:r>
+                                        </m:sub>
+                                      </m:sSub>
+                                    </m:e>
+                                  </m:acc>
+                                  <m:r>
+                                    <a:rPr lang="it-IT" i="1"/>
+                                    <m:t>−</m:t>
+                                  </m:r>
+                                  <m:acc>
+                                    <m:accPr>
+                                      <m:chr m:val="⃗"/>
+                                      <m:ctrlPr>
+                                        <a:rPr lang="it-IT" b="1" i="1"/>
+                                      </m:ctrlPr>
+                                    </m:accPr>
+                                    <m:e>
+                                      <m:r>
+                                        <a:rPr lang="it-IT" b="1" i="1"/>
+                                        <m:t>𝒎</m:t>
+                                      </m:r>
+                                    </m:e>
+                                  </m:acc>
+                                </m:e>
+                              </m:d>
+                            </m:e>
+                          </m:d>
+                        </m:den>
+                      </m:f>
+                      <m:r>
+                        <a:rPr lang="it-IT" i="1"/>
+                        <m:t>−</m:t>
+                      </m:r>
+                      <m:f>
+                        <m:fPr>
+                          <m:ctrlPr>
+                            <a:rPr lang="it-IT" i="1"/>
+                          </m:ctrlPr>
+                        </m:fPr>
+                        <m:num>
+                          <m:sSup>
+                            <m:sSupPr>
+                              <m:ctrlPr>
+                                <a:rPr lang="it-IT" i="1"/>
+                              </m:ctrlPr>
+                            </m:sSupPr>
+                            <m:e>
+                              <m:r>
+                                <a:rPr lang="it-IT" i="1"/>
+                                <m:t>𝑞</m:t>
+                              </m:r>
+                            </m:e>
+                            <m:sup>
+                              <m:r>
+                                <a:rPr lang="it-IT" i="1"/>
+                                <m:t>∗</m:t>
+                              </m:r>
+                            </m:sup>
+                          </m:sSup>
+                        </m:num>
+                        <m:den>
+                          <m:r>
+                            <a:rPr lang="it-IT" i="1"/>
+                            <m:t> </m:t>
+                          </m:r>
+                          <m:d>
+                            <m:dPr>
+                              <m:begChr m:val="|"/>
+                              <m:endChr m:val="|"/>
+                              <m:ctrlPr>
+                                <a:rPr lang="it-IT" i="1"/>
+                              </m:ctrlPr>
+                            </m:dPr>
+                            <m:e>
+                              <m:d>
+                                <m:dPr>
+                                  <m:begChr m:val="|"/>
+                                  <m:endChr m:val="|"/>
+                                  <m:ctrlPr>
+                                    <a:rPr lang="it-IT" i="1"/>
+                                  </m:ctrlPr>
+                                </m:dPr>
+                                <m:e>
+                                  <m:acc>
+                                    <m:accPr>
+                                      <m:chr m:val="⃗"/>
+                                      <m:ctrlPr>
+                                        <a:rPr lang="it-IT" b="1" i="1"/>
+                                      </m:ctrlPr>
+                                    </m:accPr>
+                                    <m:e>
+                                      <m:sSup>
+                                        <m:sSupPr>
+                                          <m:ctrlPr>
+                                            <a:rPr lang="it-IT" b="1" i="1"/>
+                                          </m:ctrlPr>
+                                        </m:sSupPr>
+                                        <m:e>
+                                          <m:r>
+                                            <a:rPr lang="it-IT" b="1" i="1"/>
+                                            <m:t>𝒑</m:t>
+                                          </m:r>
+                                        </m:e>
+                                        <m:sup>
+                                          <m:r>
+                                            <a:rPr lang="it-IT" b="1" i="1"/>
+                                            <m:t>∗</m:t>
+                                          </m:r>
+                                        </m:sup>
+                                      </m:sSup>
+                                    </m:e>
+                                  </m:acc>
+                                  <m:r>
+                                    <a:rPr lang="it-IT" i="1"/>
+                                    <m:t>−</m:t>
+                                  </m:r>
+                                  <m:acc>
+                                    <m:accPr>
+                                      <m:chr m:val="⃗"/>
+                                      <m:ctrlPr>
+                                        <a:rPr lang="it-IT" b="1" i="1"/>
+                                      </m:ctrlPr>
+                                    </m:accPr>
+                                    <m:e>
+                                      <m:r>
+                                        <a:rPr lang="it-IT" b="1" i="1"/>
+                                        <m:t>𝒎</m:t>
+                                      </m:r>
+                                    </m:e>
+                                  </m:acc>
+                                </m:e>
+                              </m:d>
+                            </m:e>
+                          </m:d>
+                        </m:den>
+                      </m:f>
+                      <m:r>
+                        <a:rPr lang="it-IT" i="1"/>
+                        <m:t> </m:t>
+                      </m:r>
+                    </m:oMath>
+                  </m:oMathPara>
+                </a14:m>
+                <a:endParaRPr lang="it-IT" dirty="0" smtClean="0"/>
+              </a:p>
+              <a:p>
+                <a:r>
+                  <a:rPr lang="it-IT" dirty="0" smtClean="0"/>
+                  <a:t>Sommando </a:t>
+                </a:r>
+                <a:r>
+                  <a:rPr lang="it-IT" dirty="0" err="1"/>
+                  <a:t>quadraticamente</a:t>
+                </a:r>
+                <a:r>
+                  <a:rPr lang="it-IT" dirty="0"/>
+                  <a:t> le differenze di potenziale di ognuno degli M misuratori otterremo un sistema il quale ammette un’unica soluzione, tale somma sarà la funzione di costo da minimizzare.</a:t>
+                </a:r>
+              </a:p>
+              <a:p>
+                <a14:m>
+                  <m:oMathPara xmlns:m="http://schemas.openxmlformats.org/officeDocument/2006/math">
+                    <m:oMathParaPr>
+                      <m:jc m:val="centerGroup"/>
+                    </m:oMathParaPr>
+                    <m:oMath xmlns:m="http://schemas.openxmlformats.org/officeDocument/2006/math">
+                      <m:f>
+                        <m:fPr>
+                          <m:ctrlPr>
+                            <a:rPr lang="it-IT" i="1"/>
+                          </m:ctrlPr>
+                        </m:fPr>
+                        <m:num>
+                          <m:r>
+                            <a:rPr lang="it-IT" i="1"/>
+                            <m:t>𝐸</m:t>
+                          </m:r>
+                          <m:d>
+                            <m:dPr>
+                              <m:ctrlPr>
+                                <a:rPr lang="it-IT" i="1"/>
+                              </m:ctrlPr>
+                            </m:dPr>
+                            <m:e>
+                              <m:sSup>
+                                <m:sSupPr>
+                                  <m:ctrlPr>
+                                    <a:rPr lang="it-IT" i="1"/>
+                                  </m:ctrlPr>
+                                </m:sSupPr>
+                                <m:e>
+                                  <m:r>
+                                    <a:rPr lang="it-IT" i="1"/>
+                                    <m:t>𝑞</m:t>
+                                  </m:r>
+                                </m:e>
+                                <m:sup>
+                                  <m:r>
+                                    <a:rPr lang="it-IT" i="1"/>
+                                    <m:t>∗</m:t>
+                                  </m:r>
+                                </m:sup>
+                              </m:sSup>
+                              <m:r>
+                                <a:rPr lang="it-IT" i="1"/>
+                                <m:t>, </m:t>
+                              </m:r>
+                              <m:acc>
+                                <m:accPr>
+                                  <m:chr m:val="⃗"/>
+                                  <m:ctrlPr>
+                                    <a:rPr lang="it-IT" b="1" i="1"/>
+                                  </m:ctrlPr>
+                                </m:accPr>
+                                <m:e>
+                                  <m:sSup>
+                                    <m:sSupPr>
+                                      <m:ctrlPr>
+                                        <a:rPr lang="it-IT" b="1" i="1"/>
+                                      </m:ctrlPr>
+                                    </m:sSupPr>
+                                    <m:e>
+                                      <m:r>
+                                        <a:rPr lang="it-IT" b="1" i="1"/>
+                                        <m:t>𝒑</m:t>
+                                      </m:r>
+                                    </m:e>
+                                    <m:sup>
+                                      <m:r>
+                                        <a:rPr lang="it-IT" b="1" i="1"/>
+                                        <m:t>∗</m:t>
+                                      </m:r>
+                                    </m:sup>
+                                  </m:sSup>
+                                </m:e>
+                              </m:acc>
+                            </m:e>
+                          </m:d>
+                        </m:num>
+                        <m:den>
+                          <m:r>
+                            <a:rPr lang="it-IT" i="1"/>
+                            <m:t>𝑀</m:t>
+                          </m:r>
+                          <m:rad>
+                            <m:radPr>
+                              <m:degHide m:val="on"/>
+                              <m:ctrlPr>
+                                <a:rPr lang="it-IT" i="1"/>
+                              </m:ctrlPr>
+                            </m:radPr>
+                            <m:deg/>
+                            <m:e>
+                              <m:r>
+                                <a:rPr lang="it-IT" i="1"/>
+                                <m:t>3</m:t>
+                              </m:r>
+                            </m:e>
+                          </m:rad>
+                        </m:den>
+                      </m:f>
+                      <m:r>
+                        <a:rPr lang="it-IT" i="1"/>
+                        <m:t>= </m:t>
+                      </m:r>
+                      <m:nary>
+                        <m:naryPr>
+                          <m:chr m:val="∑"/>
+                          <m:limLoc m:val="undOvr"/>
+                          <m:ctrlPr>
+                            <a:rPr lang="it-IT" i="1"/>
+                          </m:ctrlPr>
+                        </m:naryPr>
+                        <m:sub>
+                          <m:r>
+                            <a:rPr lang="it-IT" i="1"/>
+                            <m:t>𝑗</m:t>
+                          </m:r>
+                          <m:r>
+                            <a:rPr lang="it-IT" i="1"/>
+                            <m:t>=1</m:t>
+                          </m:r>
+                        </m:sub>
+                        <m:sup>
+                          <m:r>
+                            <a:rPr lang="it-IT" i="1"/>
+                            <m:t>𝑀</m:t>
+                          </m:r>
+                        </m:sup>
+                        <m:e>
+                          <m:sSubSup>
+                            <m:sSubSupPr>
+                              <m:ctrlPr>
+                                <a:rPr lang="it-IT" i="1"/>
+                              </m:ctrlPr>
+                            </m:sSubSupPr>
+                            <m:e>
+                              <m:d>
+                                <m:dPr>
+                                  <m:begChr m:val=""/>
+                                  <m:endChr m:val="|"/>
+                                  <m:ctrlPr>
+                                    <a:rPr lang="it-IT" i="1"/>
+                                  </m:ctrlPr>
+                                </m:dPr>
+                                <m:e>
+                                  <m:r>
+                                    <a:rPr lang="it-IT" i="1"/>
+                                    <m:t>4</m:t>
+                                  </m:r>
+                                  <m:r>
+                                    <a:rPr lang="it-IT" i="1"/>
+                                    <m:t>𝜋𝜀</m:t>
+                                  </m:r>
+                                  <m:r>
+                                    <a:rPr lang="it-IT" i="1"/>
+                                    <m:t>∆</m:t>
+                                  </m:r>
+                                  <m:r>
+                                    <a:rPr lang="it-IT" i="1"/>
+                                    <m:t>𝑉</m:t>
+                                  </m:r>
+                                </m:e>
+                              </m:d>
+                            </m:e>
+                            <m:sub>
+                              <m:r>
+                                <a:rPr lang="it-IT" i="1"/>
+                                <m:t>𝑚</m:t>
+                              </m:r>
+                              <m:r>
+                                <a:rPr lang="it-IT" i="1"/>
+                                <m:t>=</m:t>
+                              </m:r>
+                              <m:sSub>
+                                <m:sSubPr>
+                                  <m:ctrlPr>
+                                    <a:rPr lang="it-IT" i="1"/>
+                                  </m:ctrlPr>
+                                </m:sSubPr>
+                                <m:e>
+                                  <m:r>
+                                    <a:rPr lang="it-IT" i="1"/>
+                                    <m:t>𝑚</m:t>
+                                  </m:r>
+                                </m:e>
+                                <m:sub>
+                                  <m:r>
+                                    <a:rPr lang="it-IT" i="1"/>
+                                    <m:t>𝑗</m:t>
+                                  </m:r>
+                                </m:sub>
+                              </m:sSub>
+                            </m:sub>
+                            <m:sup/>
+                          </m:sSubSup>
+                        </m:e>
+                      </m:nary>
+                      <m:r>
+                        <a:rPr lang="it-IT" i="1"/>
+                        <m:t>= </m:t>
+                      </m:r>
+                      <m:nary>
+                        <m:naryPr>
+                          <m:chr m:val="∑"/>
+                          <m:limLoc m:val="undOvr"/>
+                          <m:ctrlPr>
+                            <a:rPr lang="it-IT" i="1"/>
+                          </m:ctrlPr>
+                        </m:naryPr>
+                        <m:sub>
+                          <m:r>
+                            <a:rPr lang="it-IT" i="1"/>
+                            <m:t>𝑗</m:t>
+                          </m:r>
+                          <m:r>
+                            <a:rPr lang="it-IT" i="1"/>
+                            <m:t>=1</m:t>
+                          </m:r>
+                        </m:sub>
+                        <m:sup>
+                          <m:r>
+                            <a:rPr lang="it-IT" i="1"/>
+                            <m:t>𝑀</m:t>
+                          </m:r>
+                        </m:sup>
+                        <m:e>
+                          <m:sSup>
+                            <m:sSupPr>
+                              <m:ctrlPr>
+                                <a:rPr lang="it-IT" i="1"/>
+                              </m:ctrlPr>
+                            </m:sSupPr>
+                            <m:e>
+                              <m:d>
+                                <m:dPr>
+                                  <m:ctrlPr>
+                                    <a:rPr lang="it-IT" i="1"/>
+                                  </m:ctrlPr>
+                                </m:dPr>
+                                <m:e>
+                                  <m:f>
+                                    <m:fPr>
+                                      <m:ctrlPr>
+                                        <a:rPr lang="it-IT" i="1"/>
+                                      </m:ctrlPr>
+                                    </m:fPr>
+                                    <m:num>
+                                      <m:sSub>
+                                        <m:sSubPr>
+                                          <m:ctrlPr>
+                                            <a:rPr lang="it-IT" i="1"/>
+                                          </m:ctrlPr>
+                                        </m:sSubPr>
+                                        <m:e>
+                                          <m:r>
+                                            <a:rPr lang="it-IT" i="1"/>
+                                            <m:t>𝑞</m:t>
+                                          </m:r>
+                                        </m:e>
+                                        <m:sub>
+                                          <m:r>
+                                            <a:rPr lang="it-IT" i="1"/>
+                                            <m:t>𝑁</m:t>
+                                          </m:r>
+                                        </m:sub>
+                                      </m:sSub>
+                                    </m:num>
+                                    <m:den>
+                                      <m:d>
+                                        <m:dPr>
+                                          <m:begChr m:val="|"/>
+                                          <m:endChr m:val="|"/>
+                                          <m:ctrlPr>
+                                            <a:rPr lang="it-IT" i="1"/>
+                                          </m:ctrlPr>
+                                        </m:dPr>
+                                        <m:e>
+                                          <m:d>
+                                            <m:dPr>
+                                              <m:begChr m:val="|"/>
+                                              <m:endChr m:val="|"/>
+                                              <m:ctrlPr>
+                                                <a:rPr lang="it-IT" i="1"/>
+                                              </m:ctrlPr>
+                                            </m:dPr>
+                                            <m:e>
+                                              <m:acc>
+                                                <m:accPr>
+                                                  <m:chr m:val="⃗"/>
+                                                  <m:ctrlPr>
+                                                    <a:rPr lang="it-IT" b="1" i="1"/>
+                                                  </m:ctrlPr>
+                                                </m:accPr>
+                                                <m:e>
+                                                  <m:sSub>
+                                                    <m:sSubPr>
+                                                      <m:ctrlPr>
+                                                        <a:rPr lang="it-IT" b="1" i="1"/>
+                                                      </m:ctrlPr>
+                                                    </m:sSubPr>
+                                                    <m:e>
+                                                      <m:r>
+                                                        <a:rPr lang="it-IT" b="1" i="1"/>
+                                                        <m:t>𝒑</m:t>
+                                                      </m:r>
+                                                    </m:e>
+                                                    <m:sub>
+                                                      <m:r>
+                                                        <a:rPr lang="it-IT" b="1" i="1"/>
+                                                        <m:t>𝑵</m:t>
+                                                      </m:r>
+                                                    </m:sub>
+                                                  </m:sSub>
+                                                </m:e>
+                                              </m:acc>
+                                              <m:r>
+                                                <a:rPr lang="it-IT" i="1"/>
+                                                <m:t>−</m:t>
+                                              </m:r>
+                                              <m:acc>
+                                                <m:accPr>
+                                                  <m:chr m:val="⃗"/>
+                                                  <m:ctrlPr>
+                                                    <a:rPr lang="it-IT" b="1" i="1"/>
+                                                  </m:ctrlPr>
+                                                </m:accPr>
+                                                <m:e>
+                                                  <m:sSub>
+                                                    <m:sSubPr>
+                                                      <m:ctrlPr>
+                                                        <a:rPr lang="it-IT" b="1" i="1"/>
+                                                      </m:ctrlPr>
+                                                    </m:sSubPr>
+                                                    <m:e>
+                                                      <m:r>
+                                                        <a:rPr lang="it-IT" b="1" i="1"/>
+                                                        <m:t>𝒎</m:t>
+                                                      </m:r>
+                                                    </m:e>
+                                                    <m:sub>
+                                                      <m:r>
+                                                        <a:rPr lang="it-IT" b="1" i="1"/>
+                                                        <m:t>𝒋</m:t>
+                                                      </m:r>
+                                                    </m:sub>
+                                                  </m:sSub>
+                                                </m:e>
+                                              </m:acc>
+                                            </m:e>
+                                          </m:d>
+                                        </m:e>
+                                      </m:d>
+                                    </m:den>
+                                  </m:f>
+                                  <m:r>
+                                    <a:rPr lang="it-IT" i="1"/>
+                                    <m:t>−</m:t>
+                                  </m:r>
+                                  <m:f>
+                                    <m:fPr>
+                                      <m:ctrlPr>
+                                        <a:rPr lang="it-IT" i="1"/>
+                                      </m:ctrlPr>
+                                    </m:fPr>
+                                    <m:num>
+                                      <m:sSup>
+                                        <m:sSupPr>
+                                          <m:ctrlPr>
+                                            <a:rPr lang="it-IT" i="1"/>
+                                          </m:ctrlPr>
+                                        </m:sSupPr>
+                                        <m:e>
+                                          <m:r>
+                                            <a:rPr lang="it-IT" i="1"/>
+                                            <m:t>𝑞</m:t>
+                                          </m:r>
+                                        </m:e>
+                                        <m:sup>
+                                          <m:r>
+                                            <a:rPr lang="it-IT" i="1"/>
+                                            <m:t>∗</m:t>
+                                          </m:r>
+                                        </m:sup>
+                                      </m:sSup>
+                                    </m:num>
+                                    <m:den>
+                                      <m:r>
+                                        <a:rPr lang="it-IT" i="1"/>
+                                        <m:t> </m:t>
+                                      </m:r>
+                                      <m:d>
+                                        <m:dPr>
+                                          <m:begChr m:val="|"/>
+                                          <m:endChr m:val="|"/>
+                                          <m:ctrlPr>
+                                            <a:rPr lang="it-IT" i="1"/>
+                                          </m:ctrlPr>
+                                        </m:dPr>
+                                        <m:e>
+                                          <m:d>
+                                            <m:dPr>
+                                              <m:begChr m:val="|"/>
+                                              <m:endChr m:val="|"/>
+                                              <m:ctrlPr>
+                                                <a:rPr lang="it-IT" i="1"/>
+                                              </m:ctrlPr>
+                                            </m:dPr>
+                                            <m:e>
+                                              <m:acc>
+                                                <m:accPr>
+                                                  <m:chr m:val="⃗"/>
+                                                  <m:ctrlPr>
+                                                    <a:rPr lang="it-IT" b="1" i="1"/>
+                                                  </m:ctrlPr>
+                                                </m:accPr>
+                                                <m:e>
+                                                  <m:sSup>
+                                                    <m:sSupPr>
+                                                      <m:ctrlPr>
+                                                        <a:rPr lang="it-IT" b="1" i="1"/>
+                                                      </m:ctrlPr>
+                                                    </m:sSupPr>
+                                                    <m:e>
+                                                      <m:r>
+                                                        <a:rPr lang="it-IT" b="1" i="1"/>
+                                                        <m:t>𝒑</m:t>
+                                                      </m:r>
+                                                    </m:e>
+                                                    <m:sup>
+                                                      <m:r>
+                                                        <a:rPr lang="it-IT" b="1" i="1"/>
+                                                        <m:t>∗</m:t>
+                                                      </m:r>
+                                                    </m:sup>
+                                                  </m:sSup>
+                                                </m:e>
+                                              </m:acc>
+                                              <m:r>
+                                                <a:rPr lang="it-IT" i="1"/>
+                                                <m:t>−</m:t>
+                                              </m:r>
+                                              <m:acc>
+                                                <m:accPr>
+                                                  <m:chr m:val="⃗"/>
+                                                  <m:ctrlPr>
+                                                    <a:rPr lang="it-IT" b="1" i="1"/>
+                                                  </m:ctrlPr>
+                                                </m:accPr>
+                                                <m:e>
+                                                  <m:sSub>
+                                                    <m:sSubPr>
+                                                      <m:ctrlPr>
+                                                        <a:rPr lang="it-IT" b="1" i="1"/>
+                                                      </m:ctrlPr>
+                                                    </m:sSubPr>
+                                                    <m:e>
+                                                      <m:r>
+                                                        <a:rPr lang="it-IT" b="1" i="1"/>
+                                                        <m:t>𝒎</m:t>
+                                                      </m:r>
+                                                    </m:e>
+                                                    <m:sub>
+                                                      <m:r>
+                                                        <a:rPr lang="it-IT" b="1" i="1"/>
+                                                        <m:t>𝒋</m:t>
+                                                      </m:r>
+                                                    </m:sub>
+                                                  </m:sSub>
+                                                </m:e>
+                                              </m:acc>
+                                            </m:e>
+                                          </m:d>
+                                        </m:e>
+                                      </m:d>
+                                    </m:den>
+                                  </m:f>
+                                  <m:r>
+                                    <a:rPr lang="it-IT" i="1"/>
+                                    <m:t> </m:t>
+                                  </m:r>
+                                </m:e>
+                              </m:d>
+                            </m:e>
+                            <m:sup>
+                              <m:r>
+                                <a:rPr lang="it-IT" i="1"/>
+                                <m:t>2</m:t>
+                              </m:r>
+                            </m:sup>
+                          </m:sSup>
+                        </m:e>
+                      </m:nary>
+                    </m:oMath>
+                  </m:oMathPara>
+                </a14:m>
+                <a:endParaRPr lang="it-IT" dirty="0"/>
+              </a:p>
+              <a:p>
+                <a:endParaRPr lang="it-IT" dirty="0"/>
+              </a:p>
+              <a:p>
+                <a:endParaRPr lang="en-US" dirty="0"/>
+              </a:p>
+            </p:txBody>
+          </p:sp>
+        </mc:Choice>
+        <mc:Fallback>
+          <p:sp>
+            <p:nvSpPr>
+              <p:cNvPr id="7" name="TextBox 6"/>
+              <p:cNvSpPr txBox="1">
+                <a:spLocks noRot="1" noChangeAspect="1" noMove="1" noResize="1" noEditPoints="1" noAdjustHandles="1" noChangeArrowheads="1" noChangeShapeType="1" noTextEdit="1"/>
+              </p:cNvSpPr>
+              <p:nvPr/>
+            </p:nvSpPr>
+            <p:spPr>
+              <a:xfrm>
+                <a:off x="1169125" y="1811195"/>
+                <a:ext cx="9914709" cy="4931158"/>
+              </a:xfrm>
+              <a:prstGeom prst="rect">
+                <a:avLst/>
+              </a:prstGeom>
+              <a:blipFill>
+                <a:blip r:embed="rId2"/>
+                <a:stretch>
+                  <a:fillRect l="-554" t="-618"/>
+                </a:stretch>
+              </a:blipFill>
+            </p:spPr>
+            <p:txBody>
+              <a:bodyPr/>
+              <a:lstStyle/>
+              <a:p>
+                <a:r>
+                  <a:rPr lang="it-IT">
+                    <a:noFill/>
+                  </a:rPr>
+                  <a:t> </a:t>
+                </a:r>
+              </a:p>
+            </p:txBody>
+          </p:sp>
+        </mc:Fallback>
+      </mc:AlternateContent>
     </p:spTree>
     <p:extLst>
       <p:ext uri="{BB962C8B-B14F-4D97-AF65-F5344CB8AC3E}">
-        <p14:creationId xmlns:p14="http://schemas.microsoft.com/office/powerpoint/2010/main" val="2553655066"/>
+        <p14:creationId xmlns:p14="http://schemas.microsoft.com/office/powerpoint/2010/main" val="1657494358"/>
       </p:ext>
     </p:extLst>
   </p:cSld>
@@ -5871,64 +10004,284 @@
             <p:ph type="title"/>
           </p:nvPr>
         </p:nvSpPr>
-        <p:spPr/>
+        <p:spPr>
+          <a:xfrm>
+            <a:off x="1097280" y="1034143"/>
+            <a:ext cx="10058400" cy="703217"/>
+          </a:xfrm>
+        </p:spPr>
         <p:txBody>
-          <a:bodyPr/>
+          <a:bodyPr>
+            <a:normAutofit fontScale="90000"/>
+          </a:bodyPr>
           <a:lstStyle/>
           <a:p>
             <a:r>
               <a:rPr lang="it-IT" dirty="0" smtClean="0"/>
-              <a:t>UML</a:t>
+              <a:t>SIMPLESSO</a:t>
             </a:r>
             <a:endParaRPr lang="it-IT" dirty="0"/>
           </a:p>
         </p:txBody>
       </p:sp>
-      <p:pic>
-        <p:nvPicPr>
-          <p:cNvPr id="4" name="Segnaposto contenuto 3"/>
-          <p:cNvPicPr>
-            <a:picLocks noGrp="1" noChangeAspect="1"/>
-          </p:cNvPicPr>
+      <p:sp>
+        <p:nvSpPr>
+          <p:cNvPr id="3" name="Segnaposto contenuto 2"/>
+          <p:cNvSpPr>
+            <a:spLocks noGrp="1"/>
+          </p:cNvSpPr>
           <p:nvPr>
             <p:ph idx="1"/>
           </p:nvPr>
+        </p:nvSpPr>
+        <p:spPr>
+          <a:xfrm>
+            <a:off x="1097280" y="1845734"/>
+            <a:ext cx="10058400" cy="1376694"/>
+          </a:xfrm>
+        </p:spPr>
+        <p:txBody>
+          <a:bodyPr>
+            <a:normAutofit/>
+          </a:bodyPr>
+          <a:lstStyle/>
+          <a:p>
+            <a:r>
+              <a:rPr lang="it-IT" dirty="0" smtClean="0">
+                <a:solidFill>
+                  <a:schemeClr val="tx1"/>
+                </a:solidFill>
+              </a:rPr>
+              <a:t>L'algoritmo </a:t>
+            </a:r>
+            <a:r>
+              <a:rPr lang="it-IT" dirty="0">
+                <a:solidFill>
+                  <a:schemeClr val="tx1"/>
+                </a:solidFill>
+              </a:rPr>
+              <a:t>del simplesso, ideato </a:t>
+            </a:r>
+            <a:r>
+              <a:rPr lang="it-IT" dirty="0" smtClean="0">
+                <a:solidFill>
+                  <a:schemeClr val="tx1"/>
+                </a:solidFill>
+              </a:rPr>
+              <a:t>da</a:t>
+            </a:r>
+            <a:r>
+              <a:rPr lang="it-IT" dirty="0">
+                <a:solidFill>
+                  <a:schemeClr val="tx1"/>
+                </a:solidFill>
+              </a:rPr>
+              <a:t> </a:t>
+            </a:r>
+            <a:r>
+              <a:rPr lang="it-IT" i="1" dirty="0">
+                <a:solidFill>
+                  <a:schemeClr val="tx1"/>
+                </a:solidFill>
+              </a:rPr>
+              <a:t>George </a:t>
+            </a:r>
+            <a:r>
+              <a:rPr lang="it-IT" i="1" dirty="0" smtClean="0">
+                <a:solidFill>
+                  <a:schemeClr val="tx1"/>
+                </a:solidFill>
+              </a:rPr>
+              <a:t>Dantzig</a:t>
+            </a:r>
+            <a:r>
+              <a:rPr lang="it-IT" dirty="0" smtClean="0">
+                <a:solidFill>
+                  <a:schemeClr val="tx1"/>
+                </a:solidFill>
+              </a:rPr>
+              <a:t>, </a:t>
+            </a:r>
+            <a:r>
+              <a:rPr lang="it-IT" dirty="0">
+                <a:solidFill>
+                  <a:schemeClr val="tx1"/>
+                </a:solidFill>
+              </a:rPr>
+              <a:t>è un metodo numerico per risolvere problemi di programmazione lineare. </a:t>
+            </a:r>
+          </a:p>
+          <a:p>
+            <a:r>
+              <a:rPr lang="it-IT" dirty="0">
+                <a:solidFill>
+                  <a:schemeClr val="tx1"/>
+                </a:solidFill>
+              </a:rPr>
+              <a:t>Questo algoritmo fa uso del concetto di simplesso, cioè un politopo di N+1 vertici in N dimensioni</a:t>
+            </a:r>
+            <a:r>
+              <a:rPr lang="it-IT" dirty="0" smtClean="0"/>
+              <a:t>.</a:t>
+            </a:r>
+          </a:p>
+        </p:txBody>
+      </p:sp>
+      <p:pic>
+        <p:nvPicPr>
+          <p:cNvPr id="4" name="Picture 3"/>
+          <p:cNvPicPr>
+            <a:picLocks noChangeAspect="1"/>
+          </p:cNvPicPr>
+          <p:nvPr/>
         </p:nvPicPr>
         <p:blipFill>
-          <a:blip r:embed="rId2">
-            <a:extLst>
-              <a:ext uri="{28A0092B-C50C-407E-A947-70E740481C1C}">
-                <a14:useLocalDpi xmlns:a14="http://schemas.microsoft.com/office/drawing/2010/main" val="0"/>
-              </a:ext>
-            </a:extLst>
-          </a:blip>
+          <a:blip r:embed="rId3"/>
           <a:stretch>
             <a:fillRect/>
           </a:stretch>
         </p:blipFill>
         <p:spPr>
           <a:xfrm>
-            <a:off x="4720481" y="1846263"/>
-            <a:ext cx="2811364" cy="4022725"/>
+            <a:off x="9165770" y="2966046"/>
+            <a:ext cx="2518319" cy="1682101"/>
           </a:xfrm>
+          <a:prstGeom prst="rect">
+            <a:avLst/>
+          </a:prstGeom>
         </p:spPr>
       </p:pic>
+      <p:sp>
+        <p:nvSpPr>
+          <p:cNvPr id="5" name="Rectangle 4"/>
+          <p:cNvSpPr/>
+          <p:nvPr/>
+        </p:nvSpPr>
+        <p:spPr>
+          <a:xfrm>
+            <a:off x="1097280" y="4668765"/>
+            <a:ext cx="10058400" cy="1015663"/>
+          </a:xfrm>
+          <a:prstGeom prst="rect">
+            <a:avLst/>
+          </a:prstGeom>
+        </p:spPr>
+        <p:txBody>
+          <a:bodyPr wrap="square">
+            <a:spAutoFit/>
+          </a:bodyPr>
+          <a:lstStyle/>
+          <a:p>
+            <a:r>
+              <a:rPr lang="it-IT" sz="2000" dirty="0"/>
+              <a:t>Il vertice con valore più grande viene ribaltato e nella situazione in cui avvengono ribaltamenti ripetuti (indice di invecchiamento) si effettua </a:t>
+            </a:r>
+            <a:r>
+              <a:rPr lang="it-IT" sz="2000" i="1" dirty="0"/>
+              <a:t>l’operazione di contrazione</a:t>
+            </a:r>
+            <a:r>
+              <a:rPr lang="it-IT" sz="2000" dirty="0"/>
+              <a:t> dove viene</a:t>
+            </a:r>
+            <a:r>
+              <a:rPr lang="it-IT" sz="2000" i="1" dirty="0"/>
+              <a:t> </a:t>
+            </a:r>
+            <a:r>
+              <a:rPr lang="it-IT" sz="2000" dirty="0"/>
+              <a:t>conservato il vertice migliore.</a:t>
+            </a:r>
+          </a:p>
+        </p:txBody>
+      </p:sp>
+      <p:sp>
+        <p:nvSpPr>
+          <p:cNvPr id="6" name="Rectangle 5"/>
+          <p:cNvSpPr/>
+          <p:nvPr/>
+        </p:nvSpPr>
+        <p:spPr>
+          <a:xfrm>
+            <a:off x="1097279" y="3351913"/>
+            <a:ext cx="8068491" cy="1015663"/>
+          </a:xfrm>
+          <a:prstGeom prst="rect">
+            <a:avLst/>
+          </a:prstGeom>
+        </p:spPr>
+        <p:txBody>
+          <a:bodyPr wrap="square">
+            <a:spAutoFit/>
+          </a:bodyPr>
+          <a:lstStyle/>
+          <a:p>
+            <a:r>
+              <a:rPr lang="it-IT" sz="2000" dirty="0" smtClean="0"/>
+              <a:t>Il </a:t>
+            </a:r>
+            <a:r>
+              <a:rPr lang="it-IT" sz="2000" i="1" dirty="0" smtClean="0"/>
+              <a:t>Politopo</a:t>
+            </a:r>
+            <a:r>
+              <a:rPr lang="it-IT" sz="2000" dirty="0" smtClean="0"/>
+              <a:t> è figura </a:t>
+            </a:r>
+            <a:r>
+              <a:rPr lang="it-IT" sz="2000" dirty="0"/>
+              <a:t>geometrica </a:t>
+            </a:r>
+            <a:r>
+              <a:rPr lang="it-IT" sz="2000" i="1" dirty="0" err="1"/>
+              <a:t>n</a:t>
+            </a:r>
+            <a:r>
+              <a:rPr lang="it-IT" sz="2000" dirty="0"/>
+              <a:t>-dimensionale col minor numero di vertici. Il simplesso di dimensione zero è un singolo punto, il simplesso bidimensionale un triangolo e quello tridimensionale un </a:t>
+            </a:r>
+            <a:r>
+              <a:rPr lang="it-IT" sz="2000" b="1" i="1" dirty="0"/>
+              <a:t>tetraedro</a:t>
+            </a:r>
+            <a:r>
+              <a:rPr lang="it-IT" sz="2000" dirty="0"/>
+              <a:t>.</a:t>
+            </a:r>
+          </a:p>
+        </p:txBody>
+      </p:sp>
     </p:spTree>
     <p:extLst>
       <p:ext uri="{BB962C8B-B14F-4D97-AF65-F5344CB8AC3E}">
-        <p14:creationId xmlns:p14="http://schemas.microsoft.com/office/powerpoint/2010/main" val="594327213"/>
+        <p14:creationId xmlns:p14="http://schemas.microsoft.com/office/powerpoint/2010/main" val="2553655066"/>
       </p:ext>
     </p:extLst>
   </p:cSld>
   <p:clrMapOvr>
     <a:masterClrMapping/>
   </p:clrMapOvr>
+  <p:timing>
+    <p:tnLst>
+      <p:par>
+        <p:cTn id="1" dur="indefinite" restart="never" nodeType="tmRoot"/>
+      </p:par>
+    </p:tnLst>
+  </p:timing>
 </p:sld>
 </file>
 
 <file path=ppt/slides/slide8.xml><?xml version="1.0" encoding="utf-8"?>
 <p:sld xmlns:a="http://schemas.openxmlformats.org/drawingml/2006/main" xmlns:r="http://schemas.openxmlformats.org/officeDocument/2006/relationships" xmlns:p="http://schemas.openxmlformats.org/presentationml/2006/main">
   <p:cSld>
+    <p:bg>
+      <p:bgPr>
+        <a:solidFill>
+          <a:schemeClr val="bg1"/>
+        </a:solidFill>
+        <a:effectLst/>
+      </p:bgPr>
+    </p:bg>
     <p:spTree>
       <p:nvGrpSpPr>
         <p:cNvPr id="1" name=""/>
@@ -5945,6 +10298,355 @@
       </p:grpSpPr>
       <p:sp>
         <p:nvSpPr>
+          <p:cNvPr id="9" name="Rectangle 8">
+            <a:extLst>
+              <a:ext uri="{FF2B5EF4-FFF2-40B4-BE49-F238E27FC236}">
+                <a16:creationId xmlns:a16="http://schemas.microsoft.com/office/drawing/2014/main" id="{4E4490D0-3672-446A-AC12-B4830333BDDD}"/>
+              </a:ext>
+            </a:extLst>
+          </p:cNvPr>
+          <p:cNvSpPr>
+            <a:spLocks noGrp="1" noRot="1" noChangeAspect="1" noMove="1" noResize="1" noEditPoints="1" noAdjustHandles="1" noChangeArrowheads="1" noChangeShapeType="1" noTextEdit="1"/>
+          </p:cNvSpPr>
+          <p:nvPr>
+            <p:extLst>
+              <p:ext uri="{386F3935-93C4-4BCD-93E2-E3B085C9AB24}">
+                <p16:designElem xmlns:p16="http://schemas.microsoft.com/office/powerpoint/2015/main" val="1"/>
+              </p:ext>
+            </p:extLst>
+          </p:nvPr>
+        </p:nvSpPr>
+        <p:spPr>
+          <a:xfrm>
+            <a:off x="3175" y="6400800"/>
+            <a:ext cx="12188825" cy="457200"/>
+          </a:xfrm>
+          <a:prstGeom prst="rect">
+            <a:avLst/>
+          </a:prstGeom>
+          <a:solidFill>
+            <a:schemeClr val="accent2"/>
+          </a:solidFill>
+          <a:ln>
+            <a:noFill/>
+          </a:ln>
+        </p:spPr>
+        <p:style>
+          <a:lnRef idx="2">
+            <a:schemeClr val="accent1">
+              <a:shade val="50000"/>
+            </a:schemeClr>
+          </a:lnRef>
+          <a:fillRef idx="1">
+            <a:schemeClr val="accent1"/>
+          </a:fillRef>
+          <a:effectRef idx="0">
+            <a:schemeClr val="accent1"/>
+          </a:effectRef>
+          <a:fontRef idx="minor">
+            <a:schemeClr val="lt1"/>
+          </a:fontRef>
+        </p:style>
+      </p:sp>
+      <p:sp>
+        <p:nvSpPr>
+          <p:cNvPr id="11" name="Rectangle 10">
+            <a:extLst>
+              <a:ext uri="{FF2B5EF4-FFF2-40B4-BE49-F238E27FC236}">
+                <a16:creationId xmlns:a16="http://schemas.microsoft.com/office/drawing/2014/main" id="{39CB82C2-DF65-4EC1-8280-F201D50F570B}"/>
+              </a:ext>
+            </a:extLst>
+          </p:cNvPr>
+          <p:cNvSpPr>
+            <a:spLocks noGrp="1" noRot="1" noChangeAspect="1" noMove="1" noResize="1" noEditPoints="1" noAdjustHandles="1" noChangeArrowheads="1" noChangeShapeType="1" noTextEdit="1"/>
+          </p:cNvSpPr>
+          <p:nvPr>
+            <p:extLst>
+              <p:ext uri="{386F3935-93C4-4BCD-93E2-E3B085C9AB24}">
+                <p16:designElem xmlns:p16="http://schemas.microsoft.com/office/powerpoint/2015/main" val="1"/>
+              </p:ext>
+            </p:extLst>
+          </p:nvPr>
+        </p:nvSpPr>
+        <p:spPr>
+          <a:xfrm>
+            <a:off x="15" y="6334316"/>
+            <a:ext cx="12188825" cy="64008"/>
+          </a:xfrm>
+          <a:prstGeom prst="rect">
+            <a:avLst/>
+          </a:prstGeom>
+          <a:solidFill>
+            <a:schemeClr val="accent1"/>
+          </a:solidFill>
+          <a:ln>
+            <a:noFill/>
+          </a:ln>
+        </p:spPr>
+        <p:style>
+          <a:lnRef idx="2">
+            <a:schemeClr val="accent1">
+              <a:shade val="50000"/>
+            </a:schemeClr>
+          </a:lnRef>
+          <a:fillRef idx="1">
+            <a:schemeClr val="accent1"/>
+          </a:fillRef>
+          <a:effectRef idx="0">
+            <a:schemeClr val="accent1"/>
+          </a:effectRef>
+          <a:fontRef idx="minor">
+            <a:schemeClr val="lt1"/>
+          </a:fontRef>
+        </p:style>
+      </p:sp>
+      <p:cxnSp>
+        <p:nvCxnSpPr>
+          <p:cNvPr id="13" name="Straight Connector 12">
+            <a:extLst>
+              <a:ext uri="{FF2B5EF4-FFF2-40B4-BE49-F238E27FC236}">
+                <a16:creationId xmlns:a16="http://schemas.microsoft.com/office/drawing/2014/main" id="{7E1D4427-852B-4B37-8E76-0E9F1810BA2A}"/>
+              </a:ext>
+            </a:extLst>
+          </p:cNvPr>
+          <p:cNvCxnSpPr>
+            <a:cxnSpLocks noGrp="1" noRot="1" noChangeAspect="1" noMove="1" noResize="1" noEditPoints="1" noAdjustHandles="1" noChangeArrowheads="1" noChangeShapeType="1"/>
+          </p:cNvCxnSpPr>
+          <p:nvPr>
+            <p:extLst>
+              <p:ext uri="{386F3935-93C4-4BCD-93E2-E3B085C9AB24}">
+                <p16:designElem xmlns:p16="http://schemas.microsoft.com/office/powerpoint/2015/main" val="1"/>
+              </p:ext>
+            </p:extLst>
+          </p:nvPr>
+        </p:nvCxnSpPr>
+        <p:spPr>
+          <a:xfrm>
+            <a:off x="1207658" y="4343400"/>
+            <a:ext cx="9875520" cy="0"/>
+          </a:xfrm>
+          <a:prstGeom prst="line">
+            <a:avLst/>
+          </a:prstGeom>
+          <a:ln w="6350">
+            <a:solidFill>
+              <a:schemeClr val="tx1">
+                <a:lumMod val="50000"/>
+                <a:lumOff val="50000"/>
+              </a:schemeClr>
+            </a:solidFill>
+          </a:ln>
+        </p:spPr>
+        <p:style>
+          <a:lnRef idx="1">
+            <a:schemeClr val="accent1"/>
+          </a:lnRef>
+          <a:fillRef idx="0">
+            <a:schemeClr val="accent1"/>
+          </a:fillRef>
+          <a:effectRef idx="0">
+            <a:schemeClr val="accent1"/>
+          </a:effectRef>
+          <a:fontRef idx="minor">
+            <a:schemeClr val="tx1"/>
+          </a:fontRef>
+        </p:style>
+      </p:cxnSp>
+      <p:sp useBgFill="1">
+        <p:nvSpPr>
+          <p:cNvPr id="15" name="Rectangle 14">
+            <a:extLst>
+              <a:ext uri="{FF2B5EF4-FFF2-40B4-BE49-F238E27FC236}">
+                <a16:creationId xmlns:a16="http://schemas.microsoft.com/office/drawing/2014/main" id="{5A1B47C8-47A0-4A88-8830-6DEA3B5DE392}"/>
+              </a:ext>
+            </a:extLst>
+          </p:cNvPr>
+          <p:cNvSpPr>
+            <a:spLocks noGrp="1" noRot="1" noChangeAspect="1" noMove="1" noResize="1" noEditPoints="1" noAdjustHandles="1" noChangeArrowheads="1" noChangeShapeType="1" noTextEdit="1"/>
+          </p:cNvSpPr>
+          <p:nvPr>
+            <p:extLst>
+              <p:ext uri="{386F3935-93C4-4BCD-93E2-E3B085C9AB24}">
+                <p16:designElem xmlns:p16="http://schemas.microsoft.com/office/powerpoint/2015/main" val="1"/>
+              </p:ext>
+            </p:extLst>
+          </p:nvPr>
+        </p:nvSpPr>
+        <p:spPr>
+          <a:xfrm>
+            <a:off x="0" y="0"/>
+            <a:ext cx="12192000" cy="6858000"/>
+          </a:xfrm>
+          <a:prstGeom prst="rect">
+            <a:avLst/>
+          </a:prstGeom>
+          <a:ln>
+            <a:noFill/>
+          </a:ln>
+        </p:spPr>
+        <p:style>
+          <a:lnRef idx="2">
+            <a:schemeClr val="accent1">
+              <a:shade val="50000"/>
+            </a:schemeClr>
+          </a:lnRef>
+          <a:fillRef idx="1001">
+            <a:schemeClr val="lt1"/>
+          </a:fillRef>
+          <a:effectRef idx="0">
+            <a:schemeClr val="accent1"/>
+          </a:effectRef>
+          <a:fontRef idx="minor">
+            <a:schemeClr val="lt1"/>
+          </a:fontRef>
+        </p:style>
+        <p:txBody>
+          <a:bodyPr rtlCol="0" anchor="ctr"/>
+          <a:lstStyle/>
+          <a:p>
+            <a:pPr algn="ctr"/>
+            <a:endParaRPr lang="en-US"/>
+          </a:p>
+        </p:txBody>
+      </p:sp>
+      <p:pic>
+        <p:nvPicPr>
+          <p:cNvPr id="4" name="Segnaposto contenuto 3"/>
+          <p:cNvPicPr>
+            <a:picLocks noGrp="1" noChangeAspect="1"/>
+          </p:cNvPicPr>
+          <p:nvPr>
+            <p:ph idx="1"/>
+          </p:nvPr>
+        </p:nvPicPr>
+        <p:blipFill>
+          <a:blip r:embed="rId3">
+            <a:extLst>
+              <a:ext uri="{28A0092B-C50C-407E-A947-70E740481C1C}">
+                <a14:useLocalDpi xmlns:a14="http://schemas.microsoft.com/office/drawing/2010/main" val="0"/>
+              </a:ext>
+            </a:extLst>
+          </a:blip>
+          <a:stretch>
+            <a:fillRect/>
+          </a:stretch>
+        </p:blipFill>
+        <p:spPr>
+          <a:xfrm>
+            <a:off x="1588296" y="25707"/>
+            <a:ext cx="4774888" cy="6832293"/>
+          </a:xfrm>
+          <a:prstGeom prst="rect">
+            <a:avLst/>
+          </a:prstGeom>
+        </p:spPr>
+      </p:pic>
+      <p:sp>
+        <p:nvSpPr>
+          <p:cNvPr id="17" name="Rectangle 16">
+            <a:extLst>
+              <a:ext uri="{FF2B5EF4-FFF2-40B4-BE49-F238E27FC236}">
+                <a16:creationId xmlns:a16="http://schemas.microsoft.com/office/drawing/2014/main" id="{984BBFDD-E720-4805-A9C8-129FBBF6DD70}"/>
+              </a:ext>
+            </a:extLst>
+          </p:cNvPr>
+          <p:cNvSpPr>
+            <a:spLocks noGrp="1" noRot="1" noChangeAspect="1" noMove="1" noResize="1" noEditPoints="1" noAdjustHandles="1" noChangeArrowheads="1" noChangeShapeType="1" noTextEdit="1"/>
+          </p:cNvSpPr>
+          <p:nvPr>
+            <p:extLst>
+              <p:ext uri="{386F3935-93C4-4BCD-93E2-E3B085C9AB24}">
+                <p16:designElem xmlns:p16="http://schemas.microsoft.com/office/powerpoint/2015/main" val="1"/>
+              </p:ext>
+            </p:extLst>
+          </p:nvPr>
+        </p:nvSpPr>
+        <p:spPr bwMode="white">
+          <a:xfrm>
+            <a:off x="7613486" y="0"/>
+            <a:ext cx="4584734" cy="6858000"/>
+          </a:xfrm>
+          <a:prstGeom prst="rect">
+            <a:avLst/>
+          </a:prstGeom>
+          <a:solidFill>
+            <a:schemeClr val="accent2"/>
+          </a:solidFill>
+          <a:ln>
+            <a:noFill/>
+          </a:ln>
+        </p:spPr>
+        <p:style>
+          <a:lnRef idx="2">
+            <a:schemeClr val="accent1">
+              <a:shade val="50000"/>
+            </a:schemeClr>
+          </a:lnRef>
+          <a:fillRef idx="1">
+            <a:schemeClr val="accent1"/>
+          </a:fillRef>
+          <a:effectRef idx="0">
+            <a:schemeClr val="accent1"/>
+          </a:effectRef>
+          <a:fontRef idx="minor">
+            <a:schemeClr val="lt1"/>
+          </a:fontRef>
+        </p:style>
+      </p:sp>
+      <p:sp>
+        <p:nvSpPr>
+          <p:cNvPr id="19" name="Rectangle 18">
+            <a:extLst>
+              <a:ext uri="{FF2B5EF4-FFF2-40B4-BE49-F238E27FC236}">
+                <a16:creationId xmlns:a16="http://schemas.microsoft.com/office/drawing/2014/main" id="{5AC4BE46-4A77-42FE-9D15-065CDB2F847C}"/>
+              </a:ext>
+            </a:extLst>
+          </p:cNvPr>
+          <p:cNvSpPr>
+            <a:spLocks noGrp="1" noRot="1" noChangeAspect="1" noMove="1" noResize="1" noEditPoints="1" noAdjustHandles="1" noChangeArrowheads="1" noChangeShapeType="1" noTextEdit="1"/>
+          </p:cNvSpPr>
+          <p:nvPr>
+            <p:extLst>
+              <p:ext uri="{386F3935-93C4-4BCD-93E2-E3B085C9AB24}">
+                <p16:designElem xmlns:p16="http://schemas.microsoft.com/office/powerpoint/2015/main" val="1"/>
+              </p:ext>
+            </p:extLst>
+          </p:nvPr>
+        </p:nvSpPr>
+        <p:spPr>
+          <a:xfrm>
+            <a:off x="7556906" y="0"/>
+            <a:ext cx="64008" cy="6858000"/>
+          </a:xfrm>
+          <a:prstGeom prst="rect">
+            <a:avLst/>
+          </a:prstGeom>
+          <a:solidFill>
+            <a:schemeClr val="accent1"/>
+          </a:solidFill>
+          <a:ln>
+            <a:noFill/>
+          </a:ln>
+        </p:spPr>
+        <p:style>
+          <a:lnRef idx="2">
+            <a:schemeClr val="accent1">
+              <a:shade val="50000"/>
+            </a:schemeClr>
+          </a:lnRef>
+          <a:fillRef idx="1">
+            <a:schemeClr val="accent1"/>
+          </a:fillRef>
+          <a:effectRef idx="0">
+            <a:schemeClr val="accent1"/>
+          </a:effectRef>
+          <a:fontRef idx="minor">
+            <a:schemeClr val="lt1"/>
+          </a:fontRef>
+        </p:style>
+      </p:sp>
+      <p:sp>
+        <p:nvSpPr>
           <p:cNvPr id="2" name="Titolo 1"/>
           <p:cNvSpPr>
             <a:spLocks noGrp="1"/>
@@ -5953,503 +10655,46 @@
             <p:ph type="title"/>
           </p:nvPr>
         </p:nvSpPr>
-        <p:spPr/>
+        <p:spPr>
+          <a:xfrm>
+            <a:off x="8096885" y="640080"/>
+            <a:ext cx="3659246" cy="2926080"/>
+          </a:xfrm>
+        </p:spPr>
         <p:txBody>
-          <a:bodyPr/>
-          <a:lstStyle/>
-          <a:p>
-            <a:r>
-              <a:rPr lang="it-IT" dirty="0" smtClean="0"/>
-              <a:t>Implementazione</a:t>
-            </a:r>
-            <a:endParaRPr lang="it-IT" dirty="0"/>
-          </a:p>
-        </p:txBody>
-      </p:sp>
-      <p:sp>
-        <p:nvSpPr>
-          <p:cNvPr id="3" name="Segnaposto contenuto 2"/>
-          <p:cNvSpPr>
-            <a:spLocks noGrp="1"/>
-          </p:cNvSpPr>
-          <p:nvPr>
-            <p:ph idx="1"/>
-          </p:nvPr>
-        </p:nvSpPr>
-        <p:spPr/>
-        <p:txBody>
-          <a:bodyPr>
+          <a:bodyPr vert="horz" lIns="91440" tIns="45720" rIns="91440" bIns="45720" rtlCol="0" anchor="b">
             <a:normAutofit/>
           </a:bodyPr>
           <a:lstStyle/>
           <a:p>
             <a:r>
-              <a:rPr lang="en-US" dirty="0" err="1" smtClean="0"/>
-              <a:t>get_first_triangle</a:t>
-            </a:r>
-            <a:r>
-              <a:rPr lang="en-US" dirty="0" smtClean="0"/>
-              <a:t>: genera </a:t>
-            </a:r>
-            <a:r>
-              <a:rPr lang="en-US" dirty="0" err="1" smtClean="0"/>
-              <a:t>il</a:t>
-            </a:r>
-            <a:r>
-              <a:rPr lang="en-US" dirty="0" smtClean="0"/>
-              <a:t> primo </a:t>
-            </a:r>
-            <a:r>
-              <a:rPr lang="en-US" dirty="0" err="1" smtClean="0"/>
-              <a:t>politopo</a:t>
-            </a:r>
-            <a:r>
-              <a:rPr lang="en-US" dirty="0" smtClean="0"/>
-              <a:t> in </a:t>
-            </a:r>
-            <a:r>
-              <a:rPr lang="en-US" dirty="0" err="1" smtClean="0"/>
-              <a:t>una</a:t>
-            </a:r>
-            <a:r>
-              <a:rPr lang="en-US" dirty="0" smtClean="0"/>
-              <a:t> </a:t>
-            </a:r>
-            <a:r>
-              <a:rPr lang="en-US" dirty="0" err="1" smtClean="0"/>
-              <a:t>posizione</a:t>
-            </a:r>
-            <a:r>
-              <a:rPr lang="en-US" dirty="0" smtClean="0"/>
-              <a:t> random</a:t>
-            </a:r>
-          </a:p>
-          <a:p>
-            <a:r>
-              <a:rPr lang="en-US" dirty="0"/>
-              <a:t>h</a:t>
-            </a:r>
-            <a:r>
-              <a:rPr lang="en-US" dirty="0" smtClean="0"/>
-              <a:t>alve: </a:t>
-            </a:r>
-            <a:r>
-              <a:rPr lang="en-US" dirty="0" err="1" smtClean="0"/>
-              <a:t>effettua</a:t>
-            </a:r>
-            <a:r>
-              <a:rPr lang="en-US" dirty="0" smtClean="0"/>
-              <a:t> la </a:t>
-            </a:r>
-            <a:r>
-              <a:rPr lang="en-US" dirty="0" err="1" smtClean="0"/>
-              <a:t>contrazione</a:t>
-            </a:r>
-            <a:r>
-              <a:rPr lang="en-US" dirty="0" smtClean="0"/>
-              <a:t> del </a:t>
-            </a:r>
-            <a:r>
-              <a:rPr lang="en-US" dirty="0" err="1" smtClean="0"/>
-              <a:t>tetraedro</a:t>
-            </a:r>
-            <a:endParaRPr lang="en-US" dirty="0" smtClean="0"/>
-          </a:p>
-          <a:p>
-            <a:r>
-              <a:rPr lang="en-US" dirty="0" err="1" smtClean="0"/>
-              <a:t>find_maximum</a:t>
-            </a:r>
-            <a:r>
-              <a:rPr lang="en-US" dirty="0" smtClean="0"/>
-              <a:t>: </a:t>
-            </a:r>
-            <a:r>
-              <a:rPr lang="en-US" dirty="0" err="1" smtClean="0"/>
-              <a:t>ritorna</a:t>
-            </a:r>
-            <a:r>
-              <a:rPr lang="en-US" dirty="0" smtClean="0"/>
-              <a:t> </a:t>
-            </a:r>
-            <a:r>
-              <a:rPr lang="en-US" dirty="0" err="1" smtClean="0"/>
-              <a:t>il</a:t>
-            </a:r>
-            <a:r>
-              <a:rPr lang="en-US" dirty="0" smtClean="0"/>
-              <a:t> </a:t>
-            </a:r>
-            <a:r>
-              <a:rPr lang="en-US" dirty="0" err="1" smtClean="0"/>
-              <a:t>vertice</a:t>
-            </a:r>
-            <a:r>
-              <a:rPr lang="en-US" dirty="0" smtClean="0"/>
-              <a:t> del </a:t>
-            </a:r>
-            <a:r>
-              <a:rPr lang="en-US" dirty="0" err="1" smtClean="0"/>
-              <a:t>politopo</a:t>
-            </a:r>
-            <a:r>
-              <a:rPr lang="en-US" dirty="0" smtClean="0"/>
-              <a:t> </a:t>
-            </a:r>
-            <a:r>
-              <a:rPr lang="en-US" dirty="0" err="1" smtClean="0"/>
-              <a:t>il</a:t>
-            </a:r>
-            <a:r>
-              <a:rPr lang="en-US" dirty="0" smtClean="0"/>
-              <a:t> cui </a:t>
-            </a:r>
-            <a:r>
-              <a:rPr lang="en-US" dirty="0" err="1" smtClean="0"/>
-              <a:t>valore</a:t>
-            </a:r>
-            <a:r>
-              <a:rPr lang="en-US" dirty="0" smtClean="0"/>
-              <a:t> </a:t>
-            </a:r>
-            <a:r>
-              <a:rPr lang="en-US" dirty="0" err="1" smtClean="0"/>
-              <a:t>della</a:t>
-            </a:r>
-            <a:r>
-              <a:rPr lang="en-US" dirty="0" smtClean="0"/>
-              <a:t> </a:t>
-            </a:r>
-            <a:r>
-              <a:rPr lang="en-US" dirty="0" err="1" smtClean="0"/>
-              <a:t>funzione</a:t>
-            </a:r>
-            <a:r>
-              <a:rPr lang="en-US" dirty="0" smtClean="0"/>
-              <a:t> di </a:t>
-            </a:r>
-            <a:r>
-              <a:rPr lang="en-US" dirty="0" err="1" smtClean="0"/>
-              <a:t>costo</a:t>
-            </a:r>
-            <a:r>
-              <a:rPr lang="en-US" dirty="0" smtClean="0"/>
-              <a:t> </a:t>
-            </a:r>
-            <a:r>
-              <a:rPr lang="en-US" dirty="0" err="1" smtClean="0"/>
-              <a:t>calcolato</a:t>
-            </a:r>
-            <a:r>
-              <a:rPr lang="en-US" dirty="0" smtClean="0"/>
-              <a:t> </a:t>
-            </a:r>
-            <a:r>
-              <a:rPr lang="en-US" dirty="0" err="1" smtClean="0"/>
-              <a:t>nelle</a:t>
-            </a:r>
-            <a:r>
-              <a:rPr lang="en-US" dirty="0" smtClean="0"/>
-              <a:t> sue coordinate è </a:t>
-            </a:r>
-            <a:r>
-              <a:rPr lang="en-US" dirty="0" err="1" smtClean="0"/>
-              <a:t>massimo</a:t>
-            </a:r>
-            <a:endParaRPr lang="en-US" dirty="0" smtClean="0"/>
-          </a:p>
-          <a:p>
-            <a:r>
-              <a:rPr lang="en-US" dirty="0"/>
-              <a:t>f</a:t>
-            </a:r>
-            <a:r>
-              <a:rPr lang="en-US" dirty="0" smtClean="0"/>
-              <a:t>lip: </a:t>
-            </a:r>
-            <a:r>
-              <a:rPr lang="en-US" dirty="0" err="1" smtClean="0"/>
-              <a:t>ribalta</a:t>
-            </a:r>
-            <a:r>
-              <a:rPr lang="en-US" dirty="0" smtClean="0"/>
-              <a:t> </a:t>
-            </a:r>
-            <a:r>
-              <a:rPr lang="en-US" dirty="0" err="1" smtClean="0"/>
-              <a:t>il</a:t>
-            </a:r>
-            <a:r>
-              <a:rPr lang="en-US" dirty="0" smtClean="0"/>
-              <a:t> </a:t>
-            </a:r>
-            <a:r>
-              <a:rPr lang="en-US" dirty="0" err="1" smtClean="0"/>
-              <a:t>vertice</a:t>
-            </a:r>
-            <a:r>
-              <a:rPr lang="en-US" dirty="0" smtClean="0"/>
-              <a:t> </a:t>
-            </a:r>
-            <a:r>
-              <a:rPr lang="en-US" dirty="0" err="1" smtClean="0"/>
-              <a:t>della</a:t>
-            </a:r>
-            <a:r>
-              <a:rPr lang="en-US" dirty="0" smtClean="0"/>
-              <a:t> </a:t>
-            </a:r>
-            <a:r>
-              <a:rPr lang="en-US" dirty="0" err="1" smtClean="0"/>
-              <a:t>figura</a:t>
-            </a:r>
-            <a:r>
-              <a:rPr lang="en-US" dirty="0" smtClean="0"/>
-              <a:t> </a:t>
-            </a:r>
-            <a:r>
-              <a:rPr lang="en-US" dirty="0" err="1" smtClean="0"/>
-              <a:t>trovato</a:t>
-            </a:r>
-            <a:r>
-              <a:rPr lang="en-US" dirty="0" smtClean="0"/>
-              <a:t> da </a:t>
-            </a:r>
-            <a:r>
-              <a:rPr lang="en-US" dirty="0" err="1" smtClean="0"/>
-              <a:t>find_maximum</a:t>
-            </a:r>
-            <a:r>
-              <a:rPr lang="en-US" dirty="0" smtClean="0"/>
-              <a:t> </a:t>
-            </a:r>
-            <a:r>
-              <a:rPr lang="en-US" dirty="0" err="1" smtClean="0"/>
-              <a:t>generandone</a:t>
-            </a:r>
-            <a:r>
-              <a:rPr lang="en-US" dirty="0" smtClean="0"/>
-              <a:t> </a:t>
-            </a:r>
-            <a:r>
-              <a:rPr lang="en-US" dirty="0" err="1" smtClean="0"/>
-              <a:t>una</a:t>
-            </a:r>
-            <a:r>
-              <a:rPr lang="en-US" dirty="0" smtClean="0"/>
-              <a:t> </a:t>
-            </a:r>
-            <a:r>
-              <a:rPr lang="en-US" dirty="0" err="1" smtClean="0"/>
-              <a:t>nuova</a:t>
-            </a:r>
-            <a:endParaRPr lang="en-US" dirty="0" smtClean="0"/>
-          </a:p>
-          <a:p>
-            <a:r>
-              <a:rPr lang="en-US" dirty="0" err="1" smtClean="0"/>
-              <a:t>get_area</a:t>
-            </a:r>
-            <a:r>
-              <a:rPr lang="en-US" dirty="0" smtClean="0"/>
-              <a:t>: </a:t>
-            </a:r>
-            <a:r>
-              <a:rPr lang="en-US" dirty="0" err="1" smtClean="0"/>
-              <a:t>calcola</a:t>
-            </a:r>
-            <a:r>
-              <a:rPr lang="en-US" dirty="0" smtClean="0"/>
-              <a:t> </a:t>
-            </a:r>
-            <a:r>
-              <a:rPr lang="en-US" dirty="0" err="1" smtClean="0"/>
-              <a:t>l’area</a:t>
-            </a:r>
-            <a:r>
-              <a:rPr lang="en-US" dirty="0" smtClean="0"/>
-              <a:t> </a:t>
-            </a:r>
-            <a:r>
-              <a:rPr lang="en-US" dirty="0" err="1" smtClean="0"/>
-              <a:t>della</a:t>
-            </a:r>
-            <a:r>
-              <a:rPr lang="en-US" dirty="0" smtClean="0"/>
-              <a:t> </a:t>
-            </a:r>
-            <a:r>
-              <a:rPr lang="en-US" dirty="0" err="1" smtClean="0"/>
-              <a:t>figura</a:t>
-            </a:r>
-            <a:r>
-              <a:rPr lang="en-US" dirty="0" smtClean="0"/>
-              <a:t> </a:t>
-            </a:r>
-            <a:r>
-              <a:rPr lang="en-US" dirty="0" err="1" smtClean="0"/>
-              <a:t>tridimensionale</a:t>
-            </a:r>
-            <a:endParaRPr lang="en-US" dirty="0" smtClean="0"/>
-          </a:p>
-          <a:p>
-            <a:r>
-              <a:rPr lang="en-US" dirty="0"/>
-              <a:t>w</a:t>
-            </a:r>
-            <a:r>
-              <a:rPr lang="en-US" dirty="0" smtClean="0"/>
-              <a:t>atchdog: </a:t>
-            </a:r>
-            <a:r>
-              <a:rPr lang="en-US" dirty="0" err="1" smtClean="0"/>
-              <a:t>controlla</a:t>
-            </a:r>
-            <a:r>
-              <a:rPr lang="en-US" dirty="0" smtClean="0"/>
-              <a:t> se </a:t>
-            </a:r>
-            <a:r>
-              <a:rPr lang="en-US" dirty="0" err="1" smtClean="0"/>
-              <a:t>avviene</a:t>
-            </a:r>
-            <a:r>
-              <a:rPr lang="en-US" dirty="0" smtClean="0"/>
-              <a:t> un </a:t>
-            </a:r>
-            <a:r>
-              <a:rPr lang="en-US" dirty="0" err="1" smtClean="0"/>
-              <a:t>ribaltamento</a:t>
-            </a:r>
-            <a:r>
-              <a:rPr lang="en-US" dirty="0" smtClean="0"/>
-              <a:t> </a:t>
-            </a:r>
-            <a:r>
-              <a:rPr lang="en-US" dirty="0" err="1" smtClean="0"/>
-              <a:t>ripetuto</a:t>
-            </a:r>
-            <a:endParaRPr lang="en-US" dirty="0" smtClean="0"/>
-          </a:p>
-          <a:p>
-            <a:r>
-              <a:rPr lang="en-US" dirty="0" err="1"/>
-              <a:t>p</a:t>
-            </a:r>
-            <a:r>
-              <a:rPr lang="en-US" dirty="0" err="1" smtClean="0"/>
-              <a:t>enality</a:t>
-            </a:r>
-            <a:r>
-              <a:rPr lang="en-US" dirty="0" smtClean="0"/>
-              <a:t>: </a:t>
-            </a:r>
-            <a:r>
-              <a:rPr lang="en-US" dirty="0" err="1" smtClean="0"/>
-              <a:t>assegna</a:t>
-            </a:r>
-            <a:r>
-              <a:rPr lang="en-US" dirty="0" smtClean="0"/>
-              <a:t> </a:t>
-            </a:r>
-            <a:r>
-              <a:rPr lang="en-US" dirty="0" err="1" smtClean="0"/>
-              <a:t>ai</a:t>
-            </a:r>
-            <a:r>
-              <a:rPr lang="en-US" dirty="0" smtClean="0"/>
-              <a:t> </a:t>
-            </a:r>
-            <a:r>
-              <a:rPr lang="en-US" dirty="0" err="1" smtClean="0"/>
-              <a:t>vertici</a:t>
-            </a:r>
-            <a:r>
-              <a:rPr lang="en-US" dirty="0" smtClean="0"/>
-              <a:t> </a:t>
-            </a:r>
-            <a:r>
-              <a:rPr lang="en-US" dirty="0" err="1" smtClean="0"/>
-              <a:t>una</a:t>
-            </a:r>
-            <a:r>
-              <a:rPr lang="en-US" dirty="0" smtClean="0"/>
-              <a:t> </a:t>
-            </a:r>
-            <a:r>
-              <a:rPr lang="en-US" dirty="0" err="1" smtClean="0"/>
-              <a:t>penalità</a:t>
-            </a:r>
-            <a:r>
-              <a:rPr lang="en-US" dirty="0" smtClean="0"/>
-              <a:t> </a:t>
-            </a:r>
-            <a:r>
-              <a:rPr lang="en-US" dirty="0" err="1" smtClean="0"/>
-              <a:t>nel</a:t>
-            </a:r>
-            <a:r>
-              <a:rPr lang="en-US" dirty="0" smtClean="0"/>
-              <a:t> </a:t>
-            </a:r>
-            <a:r>
-              <a:rPr lang="en-US" dirty="0" err="1" smtClean="0"/>
-              <a:t>caso</a:t>
-            </a:r>
-            <a:r>
-              <a:rPr lang="en-US" dirty="0" smtClean="0"/>
-              <a:t> in cui </a:t>
-            </a:r>
-            <a:r>
-              <a:rPr lang="en-US" dirty="0" err="1" smtClean="0"/>
-              <a:t>si</a:t>
-            </a:r>
-            <a:r>
-              <a:rPr lang="en-US" dirty="0" smtClean="0"/>
-              <a:t> </a:t>
-            </a:r>
-            <a:r>
-              <a:rPr lang="en-US" dirty="0" err="1" smtClean="0"/>
-              <a:t>trovino</a:t>
-            </a:r>
-            <a:r>
-              <a:rPr lang="en-US" dirty="0" smtClean="0"/>
-              <a:t> </a:t>
-            </a:r>
-            <a:r>
-              <a:rPr lang="en-US" dirty="0" err="1" smtClean="0"/>
-              <a:t>fuori</a:t>
-            </a:r>
-            <a:r>
-              <a:rPr lang="en-US" dirty="0" smtClean="0"/>
-              <a:t> dal volume del </a:t>
-            </a:r>
-            <a:r>
-              <a:rPr lang="en-US" dirty="0" err="1" smtClean="0"/>
-              <a:t>vincolo</a:t>
-            </a:r>
-            <a:r>
-              <a:rPr lang="en-US" dirty="0" smtClean="0"/>
-              <a:t> </a:t>
-            </a:r>
-            <a:r>
-              <a:rPr lang="en-US" dirty="0" err="1" smtClean="0"/>
-              <a:t>tridimensionale</a:t>
-            </a:r>
-            <a:endParaRPr lang="it-IT" dirty="0"/>
+              <a:rPr lang="en-US" sz="4400">
+                <a:solidFill>
+                  <a:srgbClr val="FFFFFF"/>
+                </a:solidFill>
+              </a:rPr>
+              <a:t>UML</a:t>
+            </a:r>
           </a:p>
         </p:txBody>
       </p:sp>
     </p:spTree>
     <p:extLst>
       <p:ext uri="{BB962C8B-B14F-4D97-AF65-F5344CB8AC3E}">
-        <p14:creationId xmlns:p14="http://schemas.microsoft.com/office/powerpoint/2010/main" val="666190858"/>
+        <p14:creationId xmlns:p14="http://schemas.microsoft.com/office/powerpoint/2010/main" val="3815382153"/>
       </p:ext>
     </p:extLst>
   </p:cSld>
   <p:clrMapOvr>
     <a:masterClrMapping/>
   </p:clrMapOvr>
+  <p:timing>
+    <p:tnLst>
+      <p:par>
+        <p:cTn id="1" dur="indefinite" restart="never" nodeType="tmRoot"/>
+      </p:par>
+    </p:tnLst>
+  </p:timing>
 </p:sld>
 </file>
 
@@ -6480,14 +10725,19 @@
             <p:ph type="title"/>
           </p:nvPr>
         </p:nvSpPr>
-        <p:spPr/>
+        <p:spPr>
+          <a:xfrm>
+            <a:off x="1097280" y="1001486"/>
+            <a:ext cx="10058400" cy="735874"/>
+          </a:xfrm>
+        </p:spPr>
         <p:txBody>
           <a:bodyPr/>
           <a:lstStyle/>
           <a:p>
             <a:r>
               <a:rPr lang="it-IT" dirty="0" smtClean="0"/>
-              <a:t>CONDIZIONI DI ARRESTO</a:t>
+              <a:t>IMPLEMENTAZIONE</a:t>
             </a:r>
             <a:endParaRPr lang="it-IT" dirty="0"/>
           </a:p>
@@ -6503,28 +10753,608 @@
             <p:ph idx="1"/>
           </p:nvPr>
         </p:nvSpPr>
-        <p:spPr/>
+        <p:spPr>
+          <a:xfrm>
+            <a:off x="1097280" y="1737360"/>
+            <a:ext cx="10058400" cy="4674419"/>
+          </a:xfrm>
+        </p:spPr>
         <p:txBody>
-          <a:bodyPr/>
+          <a:bodyPr>
+            <a:noAutofit/>
+          </a:bodyPr>
           <a:lstStyle/>
           <a:p>
-            <a:r>
-              <a:rPr lang="it-IT" dirty="0" smtClean="0"/>
-              <a:t>Area minima raggiunta dall’ultimo politopo</a:t>
-            </a:r>
-          </a:p>
-          <a:p>
-            <a:r>
-              <a:rPr lang="it-IT" dirty="0" smtClean="0"/>
-              <a:t>Numero di </a:t>
-            </a:r>
-            <a:r>
-              <a:rPr lang="it-IT" dirty="0" err="1" smtClean="0"/>
-              <a:t>flip</a:t>
-            </a:r>
-            <a:r>
-              <a:rPr lang="it-IT" dirty="0" smtClean="0"/>
-              <a:t> totali effettuati durante l’esecuzione dell’algoritmo</a:t>
+            <a:pPr marL="201168" lvl="1" indent="0">
+              <a:lnSpc>
+                <a:spcPct val="150000"/>
+              </a:lnSpc>
+              <a:spcAft>
+                <a:spcPts val="0"/>
+              </a:spcAft>
+              <a:buNone/>
+            </a:pPr>
+            <a:r>
+              <a:rPr lang="en-US" dirty="0" err="1" smtClean="0"/>
+              <a:t>Analizziamo</a:t>
+            </a:r>
+            <a:r>
+              <a:rPr lang="en-US" dirty="0" smtClean="0"/>
+              <a:t> </a:t>
+            </a:r>
+            <a:r>
+              <a:rPr lang="en-US" dirty="0" err="1" smtClean="0"/>
+              <a:t>più</a:t>
+            </a:r>
+            <a:r>
+              <a:rPr lang="en-US" dirty="0" smtClean="0"/>
+              <a:t> </a:t>
+            </a:r>
+            <a:r>
+              <a:rPr lang="en-US" dirty="0" err="1" smtClean="0"/>
+              <a:t>nel</a:t>
+            </a:r>
+            <a:r>
+              <a:rPr lang="en-US" dirty="0" smtClean="0"/>
+              <a:t> </a:t>
+            </a:r>
+            <a:r>
+              <a:rPr lang="en-US" dirty="0" err="1" smtClean="0"/>
+              <a:t>dettaglio</a:t>
+            </a:r>
+            <a:r>
+              <a:rPr lang="en-US" dirty="0" smtClean="0"/>
+              <a:t> </a:t>
+            </a:r>
+            <a:r>
+              <a:rPr lang="en-US" dirty="0" err="1" smtClean="0"/>
+              <a:t>i</a:t>
+            </a:r>
+            <a:r>
+              <a:rPr lang="en-US" dirty="0" smtClean="0"/>
+              <a:t> </a:t>
+            </a:r>
+            <a:r>
+              <a:rPr lang="en-US" dirty="0" err="1" smtClean="0"/>
+              <a:t>metodi</a:t>
+            </a:r>
+            <a:r>
+              <a:rPr lang="en-US" dirty="0" smtClean="0"/>
+              <a:t> </a:t>
+            </a:r>
+            <a:r>
+              <a:rPr lang="en-US" dirty="0" err="1" smtClean="0"/>
+              <a:t>necessari</a:t>
+            </a:r>
+            <a:r>
+              <a:rPr lang="en-US" dirty="0" smtClean="0"/>
+              <a:t>:</a:t>
+            </a:r>
+          </a:p>
+          <a:p>
+            <a:pPr marL="201168" lvl="1" indent="0">
+              <a:lnSpc>
+                <a:spcPct val="150000"/>
+              </a:lnSpc>
+              <a:spcAft>
+                <a:spcPts val="0"/>
+              </a:spcAft>
+              <a:buNone/>
+            </a:pPr>
+            <a:r>
+              <a:rPr lang="en-US" b="1" i="1" dirty="0" err="1" smtClean="0"/>
+              <a:t>get_first_triangle</a:t>
+            </a:r>
+            <a:r>
+              <a:rPr lang="en-US" dirty="0" smtClean="0"/>
+              <a:t>: genera </a:t>
+            </a:r>
+            <a:r>
+              <a:rPr lang="en-US" dirty="0" err="1" smtClean="0"/>
+              <a:t>il</a:t>
+            </a:r>
+            <a:r>
+              <a:rPr lang="en-US" dirty="0" smtClean="0"/>
+              <a:t> primo </a:t>
+            </a:r>
+            <a:r>
+              <a:rPr lang="en-US" dirty="0" err="1" smtClean="0"/>
+              <a:t>politopo</a:t>
+            </a:r>
+            <a:r>
+              <a:rPr lang="en-US" dirty="0" smtClean="0"/>
+              <a:t> in </a:t>
+            </a:r>
+            <a:r>
+              <a:rPr lang="en-US" dirty="0" err="1" smtClean="0"/>
+              <a:t>una</a:t>
+            </a:r>
+            <a:r>
+              <a:rPr lang="en-US" dirty="0" smtClean="0"/>
+              <a:t> </a:t>
+            </a:r>
+            <a:r>
+              <a:rPr lang="en-US" dirty="0" err="1" smtClean="0"/>
+              <a:t>posizione</a:t>
+            </a:r>
+            <a:r>
+              <a:rPr lang="en-US" dirty="0" smtClean="0"/>
+              <a:t> random</a:t>
+            </a:r>
+          </a:p>
+          <a:p>
+            <a:pPr marL="201168" lvl="1" indent="0">
+              <a:lnSpc>
+                <a:spcPct val="150000"/>
+              </a:lnSpc>
+              <a:spcAft>
+                <a:spcPts val="0"/>
+              </a:spcAft>
+              <a:buNone/>
+            </a:pPr>
+            <a:r>
+              <a:rPr lang="en-US" b="1" i="1" dirty="0"/>
+              <a:t>h</a:t>
+            </a:r>
+            <a:r>
+              <a:rPr lang="en-US" b="1" i="1" dirty="0" smtClean="0"/>
+              <a:t>alve</a:t>
+            </a:r>
+            <a:r>
+              <a:rPr lang="en-US" dirty="0" smtClean="0"/>
+              <a:t>: </a:t>
+            </a:r>
+            <a:r>
+              <a:rPr lang="en-US" dirty="0" err="1" smtClean="0"/>
+              <a:t>effettua</a:t>
+            </a:r>
+            <a:r>
+              <a:rPr lang="en-US" dirty="0" smtClean="0"/>
+              <a:t> la </a:t>
+            </a:r>
+            <a:r>
+              <a:rPr lang="en-US" dirty="0" err="1" smtClean="0"/>
+              <a:t>contrazione</a:t>
+            </a:r>
+            <a:r>
+              <a:rPr lang="en-US" dirty="0" smtClean="0"/>
+              <a:t> del </a:t>
+            </a:r>
+            <a:r>
+              <a:rPr lang="en-US" dirty="0" err="1" smtClean="0"/>
+              <a:t>tetraedro</a:t>
+            </a:r>
+            <a:endParaRPr lang="en-US" dirty="0" smtClean="0"/>
+          </a:p>
+          <a:p>
+            <a:pPr marL="201168" lvl="1" indent="0">
+              <a:lnSpc>
+                <a:spcPct val="150000"/>
+              </a:lnSpc>
+              <a:spcAft>
+                <a:spcPts val="0"/>
+              </a:spcAft>
+              <a:buNone/>
+            </a:pPr>
+            <a:r>
+              <a:rPr lang="en-US" b="1" i="1" dirty="0" err="1" smtClean="0"/>
+              <a:t>find_maximum</a:t>
+            </a:r>
+            <a:r>
+              <a:rPr lang="en-US" dirty="0" smtClean="0"/>
+              <a:t>: </a:t>
+            </a:r>
+            <a:r>
+              <a:rPr lang="en-US" dirty="0" err="1" smtClean="0"/>
+              <a:t>ritorna</a:t>
+            </a:r>
+            <a:r>
+              <a:rPr lang="en-US" dirty="0" smtClean="0"/>
+              <a:t> </a:t>
+            </a:r>
+            <a:r>
+              <a:rPr lang="en-US" dirty="0" err="1" smtClean="0"/>
+              <a:t>il</a:t>
+            </a:r>
+            <a:r>
+              <a:rPr lang="en-US" dirty="0" smtClean="0"/>
+              <a:t> </a:t>
+            </a:r>
+            <a:r>
+              <a:rPr lang="en-US" dirty="0" err="1" smtClean="0"/>
+              <a:t>vertice</a:t>
+            </a:r>
+            <a:r>
+              <a:rPr lang="en-US" dirty="0" smtClean="0"/>
+              <a:t> del </a:t>
+            </a:r>
+            <a:r>
+              <a:rPr lang="en-US" dirty="0" err="1" smtClean="0"/>
+              <a:t>politopo</a:t>
+            </a:r>
+            <a:r>
+              <a:rPr lang="en-US" dirty="0" smtClean="0"/>
+              <a:t> </a:t>
+            </a:r>
+            <a:r>
+              <a:rPr lang="en-US" dirty="0" err="1" smtClean="0"/>
+              <a:t>il</a:t>
+            </a:r>
+            <a:r>
+              <a:rPr lang="en-US" dirty="0" smtClean="0"/>
+              <a:t> cui </a:t>
+            </a:r>
+            <a:r>
+              <a:rPr lang="en-US" dirty="0" err="1" smtClean="0"/>
+              <a:t>valore</a:t>
+            </a:r>
+            <a:r>
+              <a:rPr lang="en-US" dirty="0" smtClean="0"/>
+              <a:t> </a:t>
+            </a:r>
+            <a:r>
+              <a:rPr lang="en-US" dirty="0" err="1" smtClean="0"/>
+              <a:t>della</a:t>
+            </a:r>
+            <a:r>
+              <a:rPr lang="en-US" dirty="0" smtClean="0"/>
+              <a:t> </a:t>
+            </a:r>
+            <a:r>
+              <a:rPr lang="en-US" dirty="0" err="1" smtClean="0"/>
+              <a:t>funzione</a:t>
+            </a:r>
+            <a:r>
+              <a:rPr lang="en-US" dirty="0" smtClean="0"/>
+              <a:t> di </a:t>
+            </a:r>
+            <a:r>
+              <a:rPr lang="en-US" dirty="0" err="1" smtClean="0"/>
+              <a:t>costo</a:t>
+            </a:r>
+            <a:r>
+              <a:rPr lang="en-US" dirty="0" smtClean="0"/>
+              <a:t> </a:t>
+            </a:r>
+            <a:r>
+              <a:rPr lang="en-US" dirty="0" err="1" smtClean="0"/>
+              <a:t>calcolato</a:t>
+            </a:r>
+            <a:r>
+              <a:rPr lang="en-US" dirty="0" smtClean="0"/>
+              <a:t> </a:t>
+            </a:r>
+            <a:r>
+              <a:rPr lang="en-US" dirty="0" err="1" smtClean="0"/>
+              <a:t>nelle</a:t>
+            </a:r>
+            <a:r>
+              <a:rPr lang="en-US" dirty="0" smtClean="0"/>
+              <a:t> sue coordinate è </a:t>
+            </a:r>
+            <a:r>
+              <a:rPr lang="en-US" dirty="0" err="1" smtClean="0"/>
+              <a:t>massimo</a:t>
+            </a:r>
+            <a:endParaRPr lang="en-US" dirty="0" smtClean="0"/>
+          </a:p>
+          <a:p>
+            <a:pPr marL="201168" lvl="1" indent="0">
+              <a:lnSpc>
+                <a:spcPct val="150000"/>
+              </a:lnSpc>
+              <a:spcAft>
+                <a:spcPts val="0"/>
+              </a:spcAft>
+              <a:buNone/>
+            </a:pPr>
+            <a:r>
+              <a:rPr lang="en-US" b="1" i="1" dirty="0"/>
+              <a:t>f</a:t>
+            </a:r>
+            <a:r>
+              <a:rPr lang="en-US" b="1" i="1" dirty="0" smtClean="0"/>
+              <a:t>lip</a:t>
+            </a:r>
+            <a:r>
+              <a:rPr lang="en-US" dirty="0" smtClean="0"/>
+              <a:t>: </a:t>
+            </a:r>
+            <a:r>
+              <a:rPr lang="en-US" dirty="0" err="1" smtClean="0"/>
+              <a:t>ribalta</a:t>
+            </a:r>
+            <a:r>
+              <a:rPr lang="en-US" dirty="0" smtClean="0"/>
+              <a:t> </a:t>
+            </a:r>
+            <a:r>
+              <a:rPr lang="en-US" dirty="0" err="1" smtClean="0"/>
+              <a:t>il</a:t>
+            </a:r>
+            <a:r>
+              <a:rPr lang="en-US" dirty="0" smtClean="0"/>
+              <a:t> </a:t>
+            </a:r>
+            <a:r>
+              <a:rPr lang="en-US" dirty="0" err="1" smtClean="0"/>
+              <a:t>vertice</a:t>
+            </a:r>
+            <a:r>
+              <a:rPr lang="en-US" dirty="0" smtClean="0"/>
+              <a:t> </a:t>
+            </a:r>
+            <a:r>
+              <a:rPr lang="en-US" dirty="0" err="1" smtClean="0"/>
+              <a:t>della</a:t>
+            </a:r>
+            <a:r>
+              <a:rPr lang="en-US" dirty="0" smtClean="0"/>
+              <a:t> </a:t>
+            </a:r>
+            <a:r>
+              <a:rPr lang="en-US" dirty="0" err="1" smtClean="0"/>
+              <a:t>figura</a:t>
+            </a:r>
+            <a:r>
+              <a:rPr lang="en-US" dirty="0" smtClean="0"/>
+              <a:t> </a:t>
+            </a:r>
+            <a:r>
+              <a:rPr lang="en-US" dirty="0" err="1" smtClean="0"/>
+              <a:t>trovato</a:t>
+            </a:r>
+            <a:r>
+              <a:rPr lang="en-US" dirty="0" smtClean="0"/>
+              <a:t> da </a:t>
+            </a:r>
+            <a:r>
+              <a:rPr lang="en-US" dirty="0" err="1" smtClean="0"/>
+              <a:t>find_maximum</a:t>
+            </a:r>
+            <a:r>
+              <a:rPr lang="en-US" dirty="0" smtClean="0"/>
+              <a:t> </a:t>
+            </a:r>
+            <a:r>
+              <a:rPr lang="en-US" dirty="0" err="1" smtClean="0"/>
+              <a:t>generandone</a:t>
+            </a:r>
+            <a:r>
+              <a:rPr lang="en-US" dirty="0" smtClean="0"/>
+              <a:t> </a:t>
+            </a:r>
+            <a:r>
+              <a:rPr lang="en-US" dirty="0" err="1" smtClean="0"/>
+              <a:t>una</a:t>
+            </a:r>
+            <a:r>
+              <a:rPr lang="en-US" dirty="0" smtClean="0"/>
+              <a:t> </a:t>
+            </a:r>
+            <a:r>
+              <a:rPr lang="en-US" dirty="0" err="1" smtClean="0"/>
+              <a:t>nuova</a:t>
+            </a:r>
+            <a:endParaRPr lang="en-US" dirty="0" smtClean="0"/>
+          </a:p>
+          <a:p>
+            <a:pPr marL="201168" lvl="1" indent="0">
+              <a:lnSpc>
+                <a:spcPct val="150000"/>
+              </a:lnSpc>
+              <a:spcAft>
+                <a:spcPts val="0"/>
+              </a:spcAft>
+              <a:buNone/>
+            </a:pPr>
+            <a:r>
+              <a:rPr lang="en-US" b="1" i="1" dirty="0" err="1" smtClean="0"/>
+              <a:t>get_area</a:t>
+            </a:r>
+            <a:r>
+              <a:rPr lang="en-US" dirty="0" smtClean="0"/>
+              <a:t>: </a:t>
+            </a:r>
+            <a:r>
+              <a:rPr lang="en-US" dirty="0" err="1" smtClean="0"/>
+              <a:t>calcola</a:t>
+            </a:r>
+            <a:r>
+              <a:rPr lang="en-US" dirty="0" smtClean="0"/>
+              <a:t> </a:t>
+            </a:r>
+            <a:r>
+              <a:rPr lang="en-US" dirty="0" err="1" smtClean="0"/>
+              <a:t>l’area</a:t>
+            </a:r>
+            <a:r>
+              <a:rPr lang="en-US" dirty="0" smtClean="0"/>
+              <a:t> </a:t>
+            </a:r>
+            <a:r>
+              <a:rPr lang="en-US" dirty="0" err="1" smtClean="0"/>
+              <a:t>della</a:t>
+            </a:r>
+            <a:r>
+              <a:rPr lang="en-US" dirty="0" smtClean="0"/>
+              <a:t> </a:t>
+            </a:r>
+            <a:r>
+              <a:rPr lang="en-US" dirty="0" err="1" smtClean="0"/>
+              <a:t>figura</a:t>
+            </a:r>
+            <a:r>
+              <a:rPr lang="en-US" dirty="0" smtClean="0"/>
+              <a:t> </a:t>
+            </a:r>
+            <a:r>
+              <a:rPr lang="en-US" dirty="0" err="1" smtClean="0"/>
+              <a:t>tridimensionale</a:t>
+            </a:r>
+            <a:endParaRPr lang="en-US" dirty="0" smtClean="0"/>
+          </a:p>
+          <a:p>
+            <a:pPr marL="201168" lvl="1" indent="0">
+              <a:lnSpc>
+                <a:spcPct val="150000"/>
+              </a:lnSpc>
+              <a:spcAft>
+                <a:spcPts val="0"/>
+              </a:spcAft>
+              <a:buNone/>
+            </a:pPr>
+            <a:r>
+              <a:rPr lang="en-US" b="1" i="1" dirty="0"/>
+              <a:t>w</a:t>
+            </a:r>
+            <a:r>
+              <a:rPr lang="en-US" b="1" i="1" dirty="0" smtClean="0"/>
+              <a:t>atchdog</a:t>
+            </a:r>
+            <a:r>
+              <a:rPr lang="en-US" dirty="0" smtClean="0"/>
+              <a:t>: </a:t>
+            </a:r>
+            <a:r>
+              <a:rPr lang="en-US" dirty="0" err="1" smtClean="0"/>
+              <a:t>controlla</a:t>
+            </a:r>
+            <a:r>
+              <a:rPr lang="en-US" dirty="0" smtClean="0"/>
+              <a:t> se </a:t>
+            </a:r>
+            <a:r>
+              <a:rPr lang="en-US" dirty="0" err="1" smtClean="0"/>
+              <a:t>avviene</a:t>
+            </a:r>
+            <a:r>
+              <a:rPr lang="en-US" dirty="0" smtClean="0"/>
+              <a:t> un </a:t>
+            </a:r>
+            <a:r>
+              <a:rPr lang="en-US" dirty="0" err="1" smtClean="0"/>
+              <a:t>ribaltamento</a:t>
+            </a:r>
+            <a:r>
+              <a:rPr lang="en-US" dirty="0" smtClean="0"/>
+              <a:t> </a:t>
+            </a:r>
+            <a:r>
+              <a:rPr lang="en-US" dirty="0" err="1" smtClean="0"/>
+              <a:t>ripetuto</a:t>
+            </a:r>
+            <a:endParaRPr lang="en-US" dirty="0" smtClean="0"/>
+          </a:p>
+          <a:p>
+            <a:pPr marL="201168" lvl="1" indent="0">
+              <a:lnSpc>
+                <a:spcPct val="150000"/>
+              </a:lnSpc>
+              <a:spcAft>
+                <a:spcPts val="0"/>
+              </a:spcAft>
+              <a:buNone/>
+            </a:pPr>
+            <a:r>
+              <a:rPr lang="en-US" b="1" i="1" dirty="0" err="1" smtClean="0"/>
+              <a:t>penality</a:t>
+            </a:r>
+            <a:r>
+              <a:rPr lang="en-US" dirty="0" smtClean="0"/>
+              <a:t>: </a:t>
+            </a:r>
+            <a:r>
+              <a:rPr lang="en-US" dirty="0" err="1" smtClean="0"/>
+              <a:t>assegna</a:t>
+            </a:r>
+            <a:r>
+              <a:rPr lang="en-US" dirty="0" smtClean="0"/>
+              <a:t> </a:t>
+            </a:r>
+            <a:r>
+              <a:rPr lang="en-US" dirty="0" err="1" smtClean="0"/>
+              <a:t>ai</a:t>
+            </a:r>
+            <a:r>
+              <a:rPr lang="en-US" dirty="0" smtClean="0"/>
+              <a:t> </a:t>
+            </a:r>
+            <a:r>
+              <a:rPr lang="en-US" dirty="0" err="1" smtClean="0"/>
+              <a:t>vertici</a:t>
+            </a:r>
+            <a:r>
+              <a:rPr lang="en-US" dirty="0" smtClean="0"/>
+              <a:t> </a:t>
+            </a:r>
+            <a:r>
+              <a:rPr lang="en-US" dirty="0" err="1" smtClean="0"/>
+              <a:t>una</a:t>
+            </a:r>
+            <a:r>
+              <a:rPr lang="en-US" dirty="0" smtClean="0"/>
+              <a:t> </a:t>
+            </a:r>
+            <a:r>
+              <a:rPr lang="en-US" dirty="0" err="1" smtClean="0"/>
+              <a:t>penalità</a:t>
+            </a:r>
+            <a:r>
+              <a:rPr lang="en-US" dirty="0" smtClean="0"/>
+              <a:t> </a:t>
+            </a:r>
+            <a:r>
+              <a:rPr lang="en-US" dirty="0" err="1" smtClean="0"/>
+              <a:t>nel</a:t>
+            </a:r>
+            <a:r>
+              <a:rPr lang="en-US" dirty="0" smtClean="0"/>
+              <a:t> </a:t>
+            </a:r>
+            <a:r>
+              <a:rPr lang="en-US" dirty="0" err="1" smtClean="0"/>
+              <a:t>caso</a:t>
+            </a:r>
+            <a:r>
+              <a:rPr lang="en-US" dirty="0" smtClean="0"/>
+              <a:t> in cui </a:t>
+            </a:r>
+            <a:r>
+              <a:rPr lang="en-US" dirty="0" err="1" smtClean="0"/>
+              <a:t>si</a:t>
+            </a:r>
+            <a:r>
+              <a:rPr lang="en-US" dirty="0" smtClean="0"/>
+              <a:t> </a:t>
+            </a:r>
+            <a:r>
+              <a:rPr lang="en-US" dirty="0" err="1" smtClean="0"/>
+              <a:t>trovino</a:t>
+            </a:r>
+            <a:r>
+              <a:rPr lang="en-US" dirty="0" smtClean="0"/>
+              <a:t> </a:t>
+            </a:r>
+            <a:r>
+              <a:rPr lang="en-US" dirty="0" err="1" smtClean="0"/>
+              <a:t>fuori</a:t>
+            </a:r>
+            <a:r>
+              <a:rPr lang="en-US" dirty="0" smtClean="0"/>
+              <a:t> dal volume del </a:t>
+            </a:r>
+            <a:r>
+              <a:rPr lang="en-US" dirty="0" err="1" smtClean="0"/>
+              <a:t>vincolo</a:t>
+            </a:r>
+            <a:r>
+              <a:rPr lang="en-US" dirty="0" smtClean="0"/>
+              <a:t> </a:t>
+            </a:r>
+            <a:r>
+              <a:rPr lang="en-US" dirty="0" err="1" smtClean="0"/>
+              <a:t>tridimensionale</a:t>
             </a:r>
             <a:endParaRPr lang="it-IT" dirty="0"/>
           </a:p>
@@ -6533,13 +11363,20 @@
     </p:spTree>
     <p:extLst>
       <p:ext uri="{BB962C8B-B14F-4D97-AF65-F5344CB8AC3E}">
-        <p14:creationId xmlns:p14="http://schemas.microsoft.com/office/powerpoint/2010/main" val="4037897198"/>
+        <p14:creationId xmlns:p14="http://schemas.microsoft.com/office/powerpoint/2010/main" val="666190858"/>
       </p:ext>
     </p:extLst>
   </p:cSld>
   <p:clrMapOvr>
     <a:masterClrMapping/>
   </p:clrMapOvr>
+  <p:timing>
+    <p:tnLst>
+      <p:par>
+        <p:cTn id="1" dur="indefinite" restart="never" nodeType="tmRoot"/>
+      </p:par>
+    </p:tnLst>
+  </p:timing>
 </p:sld>
 </file>
 

--- a/IDENTICAZIONE SISTEMA DI CARICHE PUNTIFORMI DA MISURE DI.pptx
+++ b/IDENTICAZIONE SISTEMA DI CARICHE PUNTIFORMI DA MISURE DI.pptx
@@ -208,7 +208,7 @@
           <a:p>
             <a:fld id="{0B626E60-15AC-294D-A4F1-F70323F0F9DF}" type="datetimeFigureOut">
               <a:rPr lang="en-US" smtClean="0"/>
-              <a:t>12/3/2017</a:t>
+              <a:t>12/4/2017</a:t>
             </a:fld>
             <a:endParaRPr lang="en-US"/>
           </a:p>
@@ -1137,7 +1137,7 @@
           <a:p>
             <a:fld id="{D400A843-E78D-45FE-BBE0-0DFBB922583B}" type="datetimeFigureOut">
               <a:rPr lang="it-IT" smtClean="0"/>
-              <a:t>03/12/2017</a:t>
+              <a:t>04/12/2017</a:t>
             </a:fld>
             <a:endParaRPr lang="it-IT"/>
           </a:p>
@@ -1340,7 +1340,7 @@
           <a:p>
             <a:fld id="{D400A843-E78D-45FE-BBE0-0DFBB922583B}" type="datetimeFigureOut">
               <a:rPr lang="it-IT" smtClean="0"/>
-              <a:t>03/12/2017</a:t>
+              <a:t>04/12/2017</a:t>
             </a:fld>
             <a:endParaRPr lang="it-IT"/>
           </a:p>
@@ -1591,7 +1591,7 @@
           <a:p>
             <a:fld id="{D400A843-E78D-45FE-BBE0-0DFBB922583B}" type="datetimeFigureOut">
               <a:rPr lang="it-IT" smtClean="0"/>
-              <a:t>03/12/2017</a:t>
+              <a:t>04/12/2017</a:t>
             </a:fld>
             <a:endParaRPr lang="it-IT"/>
           </a:p>
@@ -1760,7 +1760,7 @@
           <a:p>
             <a:fld id="{D400A843-E78D-45FE-BBE0-0DFBB922583B}" type="datetimeFigureOut">
               <a:rPr lang="it-IT" smtClean="0"/>
-              <a:t>03/12/2017</a:t>
+              <a:t>04/12/2017</a:t>
             </a:fld>
             <a:endParaRPr lang="it-IT"/>
           </a:p>
@@ -2098,7 +2098,7 @@
           <a:p>
             <a:fld id="{D400A843-E78D-45FE-BBE0-0DFBB922583B}" type="datetimeFigureOut">
               <a:rPr lang="it-IT" smtClean="0"/>
-              <a:t>03/12/2017</a:t>
+              <a:t>04/12/2017</a:t>
             </a:fld>
             <a:endParaRPr lang="it-IT"/>
           </a:p>
@@ -2368,7 +2368,7 @@
           <a:p>
             <a:fld id="{D400A843-E78D-45FE-BBE0-0DFBB922583B}" type="datetimeFigureOut">
               <a:rPr lang="it-IT" smtClean="0"/>
-              <a:t>03/12/2017</a:t>
+              <a:t>04/12/2017</a:t>
             </a:fld>
             <a:endParaRPr lang="it-IT"/>
           </a:p>
@@ -2742,7 +2742,7 @@
           <a:p>
             <a:fld id="{D400A843-E78D-45FE-BBE0-0DFBB922583B}" type="datetimeFigureOut">
               <a:rPr lang="it-IT" smtClean="0"/>
-              <a:t>03/12/2017</a:t>
+              <a:t>04/12/2017</a:t>
             </a:fld>
             <a:endParaRPr lang="it-IT"/>
           </a:p>
@@ -2855,7 +2855,7 @@
           <a:p>
             <a:fld id="{D400A843-E78D-45FE-BBE0-0DFBB922583B}" type="datetimeFigureOut">
               <a:rPr lang="it-IT" smtClean="0"/>
-              <a:t>03/12/2017</a:t>
+              <a:t>04/12/2017</a:t>
             </a:fld>
             <a:endParaRPr lang="it-IT"/>
           </a:p>
@@ -3021,7 +3021,7 @@
           <a:p>
             <a:fld id="{D400A843-E78D-45FE-BBE0-0DFBB922583B}" type="datetimeFigureOut">
               <a:rPr lang="it-IT" smtClean="0"/>
-              <a:t>03/12/2017</a:t>
+              <a:t>04/12/2017</a:t>
             </a:fld>
             <a:endParaRPr lang="it-IT"/>
           </a:p>
@@ -3370,7 +3370,7 @@
           <a:p>
             <a:fld id="{D400A843-E78D-45FE-BBE0-0DFBB922583B}" type="datetimeFigureOut">
               <a:rPr lang="it-IT" smtClean="0"/>
-              <a:t>03/12/2017</a:t>
+              <a:t>04/12/2017</a:t>
             </a:fld>
             <a:endParaRPr lang="it-IT"/>
           </a:p>
@@ -3744,7 +3744,7 @@
           <a:p>
             <a:fld id="{D400A843-E78D-45FE-BBE0-0DFBB922583B}" type="datetimeFigureOut">
               <a:rPr lang="it-IT" smtClean="0"/>
-              <a:t>03/12/2017</a:t>
+              <a:t>04/12/2017</a:t>
             </a:fld>
             <a:endParaRPr lang="it-IT"/>
           </a:p>
@@ -4026,7 +4026,7 @@
           <a:p>
             <a:fld id="{D400A843-E78D-45FE-BBE0-0DFBB922583B}" type="datetimeFigureOut">
               <a:rPr lang="it-IT" smtClean="0"/>
-              <a:t>03/12/2017</a:t>
+              <a:t>04/12/2017</a:t>
             </a:fld>
             <a:endParaRPr lang="it-IT"/>
           </a:p>
@@ -4674,13 +4674,7 @@
               <a:rPr lang="it-IT" dirty="0" smtClean="0">
                 <a:latin typeface="+mj-lt"/>
               </a:rPr>
-              <a:t>Giuseppe </a:t>
-            </a:r>
-            <a:r>
-              <a:rPr lang="it-IT" dirty="0" smtClean="0">
-                <a:latin typeface="+mj-lt"/>
-              </a:rPr>
-              <a:t>Valletta</a:t>
+              <a:t>Giuseppe Valletta</a:t>
             </a:r>
             <a:endParaRPr lang="it-IT" sz="6600" spc="-50" dirty="0">
               <a:solidFill>
@@ -5161,29 +5155,8 @@
           <a:p>
             <a:r>
               <a:rPr lang="it-IT" dirty="0" smtClean="0"/>
-              <a:t>Quando parte del politopo esce fuori dal vincolo che è stato imposto, di conseguenza è stato </a:t>
-            </a:r>
-            <a:r>
-              <a:rPr lang="it-IT" dirty="0" smtClean="0"/>
-              <a:t>necessario trovare un approccio che riportasse </a:t>
-            </a:r>
-            <a:r>
-              <a:rPr lang="it-IT" dirty="0" smtClean="0"/>
-              <a:t>il </a:t>
-            </a:r>
-            <a:r>
-              <a:rPr lang="it-IT" dirty="0" smtClean="0"/>
-              <a:t>politopo nuovamente </a:t>
-            </a:r>
-            <a:r>
-              <a:rPr lang="it-IT" dirty="0" smtClean="0"/>
-              <a:t>nella </a:t>
-            </a:r>
-            <a:r>
-              <a:rPr lang="it-IT" dirty="0" smtClean="0"/>
-              <a:t>regione dei punti ammissibili.</a:t>
-            </a:r>
-            <a:endParaRPr lang="it-IT" dirty="0" smtClean="0"/>
+              <a:t>Quando parte del politopo esce fuori dal vincolo che è stato imposto, di conseguenza è stato necessario trovare un approccio che riportasse il politopo nuovamente nella regione dei punti ammissibili.</a:t>
+            </a:r>
           </a:p>
         </p:txBody>
       </p:sp>
@@ -5214,11 +5187,7 @@
             </a:r>
             <a:r>
               <a:rPr lang="it-IT" sz="2000" dirty="0" smtClean="0"/>
-              <a:t>, lavorando in uno spazio a </a:t>
-            </a:r>
-            <a:r>
-              <a:rPr lang="it-IT" sz="2000" dirty="0" smtClean="0"/>
-              <a:t>3 dimensioni nel quale ogni punto ha un valore, è stato necessario disegnare dei piani sui quali sono rappresentate con colori le linee </a:t>
+              <a:t>, lavorando in uno spazio a 3 dimensioni nel quale ogni punto ha un valore, è stato necessario disegnare dei piani sui quali sono rappresentate con colori le linee </a:t>
             </a:r>
             <a:r>
               <a:rPr lang="it-IT" sz="2000" dirty="0" err="1" smtClean="0"/>
@@ -5316,47 +5285,7 @@
                   <a:schemeClr val="tx1"/>
                 </a:solidFill>
               </a:rPr>
-              <a:t>Il primo problema è stato risolto </a:t>
-            </a:r>
-            <a:r>
-              <a:rPr lang="it-IT" dirty="0" smtClean="0">
-                <a:solidFill>
-                  <a:schemeClr val="tx1"/>
-                </a:solidFill>
-              </a:rPr>
-              <a:t>utilizzando le </a:t>
-            </a:r>
-            <a:r>
-              <a:rPr lang="it-IT" dirty="0" smtClean="0">
-                <a:solidFill>
-                  <a:schemeClr val="tx1"/>
-                </a:solidFill>
-              </a:rPr>
-              <a:t>penalità, </a:t>
-            </a:r>
-            <a:r>
-              <a:rPr lang="it-IT" dirty="0" smtClean="0">
-                <a:solidFill>
-                  <a:schemeClr val="tx1"/>
-                </a:solidFill>
-              </a:rPr>
-              <a:t>il valore </a:t>
-            </a:r>
-            <a:r>
-              <a:rPr lang="it-IT" dirty="0" smtClean="0">
-                <a:solidFill>
-                  <a:schemeClr val="tx1"/>
-                </a:solidFill>
-              </a:rPr>
-              <a:t>della </a:t>
-            </a:r>
-            <a:r>
-              <a:rPr lang="it-IT" dirty="0" smtClean="0">
-                <a:solidFill>
-                  <a:schemeClr val="tx1"/>
-                </a:solidFill>
-              </a:rPr>
-              <a:t>funzione viene penalizzato e dunque aumentato drasticamente per i vertici del politopo che ricadono fuori dal vincolo in modo tale da forzare l’algoritmo alla prossima iterazione a ribaltare il politopo all’interno della regione dei </a:t>
+              <a:t>Il primo problema è stato risolto utilizzando le penalità, il valore della funzione viene penalizzato e dunque aumentato drasticamente per i vertici del politopo che ricadono fuori dal vincolo in modo tale da forzare l’algoritmo alla prossima iterazione a ribaltare il politopo all’interno della regione dei </a:t>
             </a:r>
             <a:r>
               <a:rPr lang="it-IT" smtClean="0">
@@ -5582,23 +5511,7 @@
                   <a:schemeClr val="tx1"/>
                 </a:solidFill>
               </a:rPr>
-              <a:t> 1 carica le cui coordinate </a:t>
-            </a:r>
-            <a:r>
-              <a:rPr lang="it-IT" dirty="0" smtClean="0">
-                <a:solidFill>
-                  <a:schemeClr val="tx1"/>
-                </a:solidFill>
-              </a:rPr>
-              <a:t>x ed y ed il valore della carica sono </a:t>
-            </a:r>
-            <a:r>
-              <a:rPr lang="it-IT" dirty="0" smtClean="0">
-                <a:solidFill>
-                  <a:schemeClr val="tx1"/>
-                </a:solidFill>
-              </a:rPr>
-              <a:t>incognite</a:t>
+              <a:t> 1 carica le cui coordinate x ed y ed il valore della carica sono incognite</a:t>
             </a:r>
             <a:endParaRPr lang="it-IT" dirty="0">
               <a:solidFill>
@@ -6874,21 +6787,8 @@
                   <a:schemeClr val="tx1"/>
                 </a:solidFill>
               </a:rPr>
-              <a:t>I misuratori calcolano il potenziale elettrico totale nella loro posizione, quindi quello dato dalle N </a:t>
-            </a:r>
-            <a:r>
-              <a:rPr lang="it-IT" dirty="0" smtClean="0">
-                <a:solidFill>
-                  <a:schemeClr val="tx1"/>
-                </a:solidFill>
-              </a:rPr>
-              <a:t>cariche. Il potenziale delle N-1 cariche è calcolato analiticamente. Risulta semplice ottenere quindi il potenziale della carica ignota. </a:t>
-            </a:r>
-            <a:endParaRPr lang="it-IT" dirty="0" smtClean="0">
-              <a:solidFill>
-                <a:schemeClr val="tx1"/>
-              </a:solidFill>
-            </a:endParaRPr>
+              <a:t>I misuratori calcolano il potenziale elettrico totale nella loro posizione, quindi quello dato dalle N cariche. Il potenziale delle N-1 cariche è calcolato analiticamente. Risulta semplice ottenere quindi il potenziale della carica ignota. </a:t>
+            </a:r>
           </a:p>
           <a:p>
             <a:endParaRPr lang="it-IT" dirty="0" smtClean="0">
@@ -7056,8 +6956,8 @@
           </a:p>
         </p:txBody>
       </p:sp>
-      <mc:AlternateContent xmlns:mc="http://schemas.openxmlformats.org/markup-compatibility/2006">
-        <mc:Choice xmlns:a14="http://schemas.microsoft.com/office/drawing/2010/main" Requires="a14">
+      <mc:AlternateContent xmlns:mc="http://schemas.openxmlformats.org/markup-compatibility/2006" xmlns:a14="http://schemas.microsoft.com/office/drawing/2010/main">
+        <mc:Choice Requires="a14">
           <p:sp>
             <p:nvSpPr>
               <p:cNvPr id="3" name="Segnaposto contenuto 2"/>
@@ -7234,15 +7134,7 @@
                       <a:schemeClr val="tx1"/>
                     </a:solidFill>
                   </a:rPr>
-                  <a:t>In </a:t>
-                </a:r>
-                <a:r>
-                  <a:rPr lang="it-IT" dirty="0" smtClean="0">
-                    <a:solidFill>
-                      <a:schemeClr val="tx1"/>
-                    </a:solidFill>
-                  </a:rPr>
-                  <a:t>R</a:t>
+                  <a:t>In R</a:t>
                 </a:r>
                 <a:r>
                   <a:rPr lang="it-IT" baseline="30000" dirty="0" smtClean="0">
@@ -7258,55 +7150,32 @@
                       <a:schemeClr val="tx1"/>
                     </a:solidFill>
                   </a:rPr>
-                  <a:t>la distanza è </a:t>
+                  <a:t>la distanza è pari a   	</a:t>
                 </a:r>
-                <a:r>
-                  <a:rPr lang="it-IT" dirty="0" smtClean="0">
-                    <a:solidFill>
-                      <a:schemeClr val="tx1"/>
-                    </a:solidFill>
-                  </a:rPr>
-                  <a:t>pari </a:t>
-                </a:r>
-                <a:r>
-                  <a:rPr lang="it-IT" dirty="0" smtClean="0">
-                    <a:solidFill>
-                      <a:schemeClr val="tx1"/>
-                    </a:solidFill>
-                  </a:rPr>
-                  <a:t>a </a:t>
-                </a:r>
-                <a:r>
-                  <a:rPr lang="it-IT" dirty="0" smtClean="0">
-                    <a:solidFill>
-                      <a:schemeClr val="tx1"/>
-                    </a:solidFill>
-                  </a:rPr>
-                  <a:t>  	</a:t>
-                </a:r>
-                <a:endParaRPr lang="it-IT" dirty="0" smtClean="0">
-                  <a:solidFill>
-                    <a:schemeClr val="tx1"/>
-                  </a:solidFill>
-                </a:endParaRPr>
               </a:p>
               <a:p>
                 <a:pPr algn="ctr"/>
                 <a14:m>
                   <m:oMath xmlns:m="http://schemas.openxmlformats.org/officeDocument/2006/math">
                     <m:r>
-                      <a:rPr lang="it-IT" i="1"/>
+                      <a:rPr lang="it-IT" i="1">
+                        <a:latin typeface="Cambria Math" panose="02040503050406030204" pitchFamily="18" charset="0"/>
+                      </a:rPr>
                       <m:t>𝑟</m:t>
                     </m:r>
                     <m:r>
-                      <a:rPr lang="it-IT" i="1"/>
+                      <a:rPr lang="it-IT" i="1">
+                        <a:latin typeface="Cambria Math" panose="02040503050406030204" pitchFamily="18" charset="0"/>
+                      </a:rPr>
                       <m:t>= ∥</m:t>
                     </m:r>
                     <m:acc>
                       <m:accPr>
                         <m:chr m:val="⃗"/>
                         <m:ctrlPr>
-                          <a:rPr lang="it-IT" b="1" i="1"/>
+                          <a:rPr lang="it-IT" b="1" i="1">
+                            <a:latin typeface="Cambria Math" panose="02040503050406030204" pitchFamily="18" charset="0"/>
+                          </a:rPr>
                         </m:ctrlPr>
                       </m:accPr>
                       <m:e>
@@ -7319,14 +7188,18 @@
                       </m:e>
                     </m:acc>
                     <m:r>
-                      <a:rPr lang="it-IT" i="1"/>
+                      <a:rPr lang="it-IT" i="1">
+                        <a:latin typeface="Cambria Math" panose="02040503050406030204" pitchFamily="18" charset="0"/>
+                      </a:rPr>
                       <m:t>−</m:t>
                     </m:r>
                     <m:acc>
                       <m:accPr>
                         <m:chr m:val="⃗"/>
                         <m:ctrlPr>
-                          <a:rPr lang="it-IT" b="1" i="1"/>
+                          <a:rPr lang="it-IT" b="1" i="1">
+                            <a:latin typeface="Cambria Math" panose="02040503050406030204" pitchFamily="18" charset="0"/>
+                          </a:rPr>
                         </m:ctrlPr>
                       </m:accPr>
                       <m:e>
@@ -7339,14 +7212,18 @@
                       </m:e>
                     </m:acc>
                     <m:r>
-                      <a:rPr lang="it-IT" i="1"/>
+                      <a:rPr lang="it-IT" i="1">
+                        <a:latin typeface="Cambria Math" panose="02040503050406030204" pitchFamily="18" charset="0"/>
+                      </a:rPr>
                       <m:t>∥ = </m:t>
                     </m:r>
                     <m:rad>
                       <m:radPr>
                         <m:degHide m:val="on"/>
                         <m:ctrlPr>
-                          <a:rPr lang="it-IT" i="1"/>
+                          <a:rPr lang="it-IT" i="1">
+                            <a:latin typeface="Cambria Math" panose="02040503050406030204" pitchFamily="18" charset="0"/>
+                          </a:rPr>
                         </m:ctrlPr>
                       </m:radPr>
                       <m:deg/>
@@ -7354,55 +7231,73 @@
                         <m:sSup>
                           <m:sSupPr>
                             <m:ctrlPr>
-                              <a:rPr lang="it-IT" i="1"/>
+                              <a:rPr lang="it-IT" i="1">
+                                <a:latin typeface="Cambria Math" panose="02040503050406030204" pitchFamily="18" charset="0"/>
+                              </a:rPr>
                             </m:ctrlPr>
                           </m:sSupPr>
                           <m:e>
                             <m:d>
                               <m:dPr>
                                 <m:ctrlPr>
-                                  <a:rPr lang="it-IT" i="1"/>
+                                  <a:rPr lang="it-IT" i="1">
+                                    <a:latin typeface="Cambria Math" panose="02040503050406030204" pitchFamily="18" charset="0"/>
+                                  </a:rPr>
                                 </m:ctrlPr>
                               </m:dPr>
                               <m:e>
                                 <m:sSub>
                                   <m:sSubPr>
                                     <m:ctrlPr>
-                                      <a:rPr lang="it-IT" i="1"/>
+                                      <a:rPr lang="it-IT" i="1">
+                                        <a:latin typeface="Cambria Math" panose="02040503050406030204" pitchFamily="18" charset="0"/>
+                                      </a:rPr>
                                     </m:ctrlPr>
                                   </m:sSubPr>
                                   <m:e>
                                     <m:r>
-                                      <a:rPr lang="it-IT" i="1"/>
+                                      <a:rPr lang="it-IT" i="1">
+                                        <a:latin typeface="Cambria Math" panose="02040503050406030204" pitchFamily="18" charset="0"/>
+                                      </a:rPr>
                                       <m:t>𝑞</m:t>
                                     </m:r>
                                   </m:e>
                                   <m:sub>
                                     <m:r>
-                                      <a:rPr lang="it-IT" i="1"/>
+                                      <a:rPr lang="it-IT" i="1">
+                                        <a:latin typeface="Cambria Math" panose="02040503050406030204" pitchFamily="18" charset="0"/>
+                                      </a:rPr>
                                       <m:t>𝑥</m:t>
                                     </m:r>
                                   </m:sub>
                                 </m:sSub>
                                 <m:r>
-                                  <a:rPr lang="it-IT" i="1"/>
+                                  <a:rPr lang="it-IT" i="1">
+                                    <a:latin typeface="Cambria Math" panose="02040503050406030204" pitchFamily="18" charset="0"/>
+                                  </a:rPr>
                                   <m:t>−</m:t>
                                 </m:r>
                                 <m:sSub>
                                   <m:sSubPr>
                                     <m:ctrlPr>
-                                      <a:rPr lang="it-IT" i="1"/>
+                                      <a:rPr lang="it-IT" i="1">
+                                        <a:latin typeface="Cambria Math" panose="02040503050406030204" pitchFamily="18" charset="0"/>
+                                      </a:rPr>
                                     </m:ctrlPr>
                                   </m:sSubPr>
                                   <m:e>
                                     <m:r>
-                                      <a:rPr lang="it-IT" i="1"/>
+                                      <a:rPr lang="it-IT" i="1">
+                                        <a:latin typeface="Cambria Math" panose="02040503050406030204" pitchFamily="18" charset="0"/>
+                                      </a:rPr>
                                       <m:t>𝑚</m:t>
                                     </m:r>
                                   </m:e>
                                   <m:sub>
                                     <m:r>
-                                      <a:rPr lang="it-IT" i="1"/>
+                                      <a:rPr lang="it-IT" i="1">
+                                        <a:latin typeface="Cambria Math" panose="02040503050406030204" pitchFamily="18" charset="0"/>
+                                      </a:rPr>
                                       <m:t>𝑥</m:t>
                                     </m:r>
                                   </m:sub>
@@ -7412,67 +7307,89 @@
                           </m:e>
                           <m:sup>
                             <m:r>
-                              <a:rPr lang="it-IT" i="1"/>
+                              <a:rPr lang="it-IT" i="1">
+                                <a:latin typeface="Cambria Math" panose="02040503050406030204" pitchFamily="18" charset="0"/>
+                              </a:rPr>
                               <m:t>2</m:t>
                             </m:r>
                           </m:sup>
                         </m:sSup>
                         <m:r>
-                          <a:rPr lang="it-IT" i="1"/>
+                          <a:rPr lang="it-IT" i="1">
+                            <a:latin typeface="Cambria Math" panose="02040503050406030204" pitchFamily="18" charset="0"/>
+                          </a:rPr>
                           <m:t>+ </m:t>
                         </m:r>
                         <m:sSup>
                           <m:sSupPr>
                             <m:ctrlPr>
-                              <a:rPr lang="it-IT" i="1"/>
+                              <a:rPr lang="it-IT" i="1">
+                                <a:latin typeface="Cambria Math" panose="02040503050406030204" pitchFamily="18" charset="0"/>
+                              </a:rPr>
                             </m:ctrlPr>
                           </m:sSupPr>
                           <m:e>
                             <m:d>
                               <m:dPr>
                                 <m:ctrlPr>
-                                  <a:rPr lang="it-IT" i="1"/>
+                                  <a:rPr lang="it-IT" i="1">
+                                    <a:latin typeface="Cambria Math" panose="02040503050406030204" pitchFamily="18" charset="0"/>
+                                  </a:rPr>
                                 </m:ctrlPr>
                               </m:dPr>
                               <m:e>
                                 <m:sSub>
                                   <m:sSubPr>
                                     <m:ctrlPr>
-                                      <a:rPr lang="it-IT" i="1"/>
+                                      <a:rPr lang="it-IT" i="1">
+                                        <a:latin typeface="Cambria Math" panose="02040503050406030204" pitchFamily="18" charset="0"/>
+                                      </a:rPr>
                                     </m:ctrlPr>
                                   </m:sSubPr>
                                   <m:e>
                                     <m:r>
-                                      <a:rPr lang="it-IT" i="1"/>
+                                      <a:rPr lang="it-IT" i="1">
+                                        <a:latin typeface="Cambria Math" panose="02040503050406030204" pitchFamily="18" charset="0"/>
+                                      </a:rPr>
                                       <m:t>𝑞</m:t>
                                     </m:r>
                                   </m:e>
                                   <m:sub>
                                     <m:r>
-                                      <a:rPr lang="it-IT" i="1"/>
+                                      <a:rPr lang="it-IT" i="1">
+                                        <a:latin typeface="Cambria Math" panose="02040503050406030204" pitchFamily="18" charset="0"/>
+                                      </a:rPr>
                                       <m:t>𝑦</m:t>
                                     </m:r>
                                   </m:sub>
                                 </m:sSub>
                                 <m:r>
-                                  <a:rPr lang="it-IT" i="1"/>
+                                  <a:rPr lang="it-IT" i="1">
+                                    <a:latin typeface="Cambria Math" panose="02040503050406030204" pitchFamily="18" charset="0"/>
+                                  </a:rPr>
                                   <m:t>−</m:t>
                                 </m:r>
                                 <m:sSub>
                                   <m:sSubPr>
                                     <m:ctrlPr>
-                                      <a:rPr lang="it-IT" i="1"/>
+                                      <a:rPr lang="it-IT" i="1">
+                                        <a:latin typeface="Cambria Math" panose="02040503050406030204" pitchFamily="18" charset="0"/>
+                                      </a:rPr>
                                     </m:ctrlPr>
                                   </m:sSubPr>
                                   <m:e>
                                     <m:r>
-                                      <a:rPr lang="it-IT" i="1"/>
+                                      <a:rPr lang="it-IT" i="1">
+                                        <a:latin typeface="Cambria Math" panose="02040503050406030204" pitchFamily="18" charset="0"/>
+                                      </a:rPr>
                                       <m:t>𝑚</m:t>
                                     </m:r>
                                   </m:e>
                                   <m:sub>
                                     <m:r>
-                                      <a:rPr lang="it-IT" i="1"/>
+                                      <a:rPr lang="it-IT" i="1">
+                                        <a:latin typeface="Cambria Math" panose="02040503050406030204" pitchFamily="18" charset="0"/>
+                                      </a:rPr>
                                       <m:t>𝑦</m:t>
                                     </m:r>
                                   </m:sub>
@@ -7482,67 +7399,89 @@
                           </m:e>
                           <m:sup>
                             <m:r>
-                              <a:rPr lang="it-IT" i="1"/>
+                              <a:rPr lang="it-IT" i="1">
+                                <a:latin typeface="Cambria Math" panose="02040503050406030204" pitchFamily="18" charset="0"/>
+                              </a:rPr>
                               <m:t>2</m:t>
                             </m:r>
                           </m:sup>
                         </m:sSup>
                         <m:r>
-                          <a:rPr lang="it-IT" i="1"/>
+                          <a:rPr lang="it-IT" i="1">
+                            <a:latin typeface="Cambria Math" panose="02040503050406030204" pitchFamily="18" charset="0"/>
+                          </a:rPr>
                           <m:t>+</m:t>
                         </m:r>
                         <m:sSup>
                           <m:sSupPr>
                             <m:ctrlPr>
-                              <a:rPr lang="it-IT" i="1"/>
+                              <a:rPr lang="it-IT" i="1">
+                                <a:latin typeface="Cambria Math" panose="02040503050406030204" pitchFamily="18" charset="0"/>
+                              </a:rPr>
                             </m:ctrlPr>
                           </m:sSupPr>
                           <m:e>
                             <m:d>
                               <m:dPr>
                                 <m:ctrlPr>
-                                  <a:rPr lang="it-IT" i="1"/>
+                                  <a:rPr lang="it-IT" i="1">
+                                    <a:latin typeface="Cambria Math" panose="02040503050406030204" pitchFamily="18" charset="0"/>
+                                  </a:rPr>
                                 </m:ctrlPr>
                               </m:dPr>
                               <m:e>
                                 <m:sSub>
                                   <m:sSubPr>
                                     <m:ctrlPr>
-                                      <a:rPr lang="it-IT" i="1"/>
+                                      <a:rPr lang="it-IT" i="1">
+                                        <a:latin typeface="Cambria Math" panose="02040503050406030204" pitchFamily="18" charset="0"/>
+                                      </a:rPr>
                                     </m:ctrlPr>
                                   </m:sSubPr>
                                   <m:e>
                                     <m:r>
-                                      <a:rPr lang="it-IT" i="1"/>
+                                      <a:rPr lang="it-IT" i="1">
+                                        <a:latin typeface="Cambria Math" panose="02040503050406030204" pitchFamily="18" charset="0"/>
+                                      </a:rPr>
                                       <m:t>𝑞</m:t>
                                     </m:r>
                                   </m:e>
                                   <m:sub>
                                     <m:r>
-                                      <a:rPr lang="it-IT" i="1"/>
+                                      <a:rPr lang="it-IT" i="1">
+                                        <a:latin typeface="Cambria Math" panose="02040503050406030204" pitchFamily="18" charset="0"/>
+                                      </a:rPr>
                                       <m:t>𝑧</m:t>
                                     </m:r>
                                   </m:sub>
                                 </m:sSub>
                                 <m:r>
-                                  <a:rPr lang="it-IT" i="1"/>
+                                  <a:rPr lang="it-IT" i="1">
+                                    <a:latin typeface="Cambria Math" panose="02040503050406030204" pitchFamily="18" charset="0"/>
+                                  </a:rPr>
                                   <m:t>−</m:t>
                                 </m:r>
                                 <m:sSub>
                                   <m:sSubPr>
                                     <m:ctrlPr>
-                                      <a:rPr lang="it-IT" i="1"/>
+                                      <a:rPr lang="it-IT" i="1">
+                                        <a:latin typeface="Cambria Math" panose="02040503050406030204" pitchFamily="18" charset="0"/>
+                                      </a:rPr>
                                     </m:ctrlPr>
                                   </m:sSubPr>
                                   <m:e>
                                     <m:r>
-                                      <a:rPr lang="it-IT" i="1"/>
+                                      <a:rPr lang="it-IT" i="1">
+                                        <a:latin typeface="Cambria Math" panose="02040503050406030204" pitchFamily="18" charset="0"/>
+                                      </a:rPr>
                                       <m:t>𝑚</m:t>
                                     </m:r>
                                   </m:e>
                                   <m:sub>
                                     <m:r>
-                                      <a:rPr lang="it-IT" i="1"/>
+                                      <a:rPr lang="it-IT" i="1">
+                                        <a:latin typeface="Cambria Math" panose="02040503050406030204" pitchFamily="18" charset="0"/>
+                                      </a:rPr>
                                       <m:t>𝑧</m:t>
                                     </m:r>
                                   </m:sub>
@@ -7552,7 +7491,9 @@
                           </m:e>
                           <m:sup>
                             <m:r>
-                              <a:rPr lang="it-IT" i="1"/>
+                              <a:rPr lang="it-IT" i="1">
+                                <a:latin typeface="Cambria Math" panose="02040503050406030204" pitchFamily="18" charset="0"/>
+                              </a:rPr>
                               <m:t>2</m:t>
                             </m:r>
                           </m:sup>
@@ -7964,7 +7905,7 @@
             </p:txBody>
           </p:sp>
         </mc:Choice>
-        <mc:Fallback>
+        <mc:Fallback xmlns="">
           <p:sp>
             <p:nvSpPr>
               <p:cNvPr id="3" name="Segnaposto contenuto 2"/>
@@ -8062,8 +8003,8 @@
           </a:p>
         </p:txBody>
       </p:sp>
-      <mc:AlternateContent xmlns:mc="http://schemas.openxmlformats.org/markup-compatibility/2006">
-        <mc:Choice xmlns:a14="http://schemas.microsoft.com/office/drawing/2010/main" Requires="a14">
+      <mc:AlternateContent xmlns:mc="http://schemas.openxmlformats.org/markup-compatibility/2006" xmlns:a14="http://schemas.microsoft.com/office/drawing/2010/main">
+        <mc:Choice Requires="a14">
           <p:sp>
             <p:nvSpPr>
               <p:cNvPr id="3" name="Segnaposto contenuto 2"/>
@@ -8213,15 +8154,7 @@
                       <a:schemeClr val="tx1"/>
                     </a:solidFill>
                   </a:rPr>
-                  <a:t> (cubico di lato </a:t>
-                </a:r>
-                <a:r>
-                  <a:rPr lang="it-IT" sz="2000" dirty="0" smtClean="0">
-                    <a:solidFill>
-                      <a:schemeClr val="tx1"/>
-                    </a:solidFill>
-                  </a:rPr>
-                  <a:t>1): </a:t>
+                  <a:t> (cubico di lato 1): </a:t>
                 </a:r>
                 <a14:m>
                   <m:oMath xmlns:m="http://schemas.openxmlformats.org/officeDocument/2006/math">
@@ -8316,7 +8249,7 @@
             </p:txBody>
           </p:sp>
         </mc:Choice>
-        <mc:Fallback>
+        <mc:Fallback xmlns="">
           <p:sp>
             <p:nvSpPr>
               <p:cNvPr id="3" name="Segnaposto contenuto 2"/>
@@ -8414,8 +8347,8 @@
           </a:p>
         </p:txBody>
       </p:sp>
-      <mc:AlternateContent xmlns:mc="http://schemas.openxmlformats.org/markup-compatibility/2006">
-        <mc:Choice xmlns:a14="http://schemas.microsoft.com/office/drawing/2010/main" Requires="a14">
+      <mc:AlternateContent xmlns:mc="http://schemas.openxmlformats.org/markup-compatibility/2006" xmlns:a14="http://schemas.microsoft.com/office/drawing/2010/main">
+        <mc:Choice Requires="a14">
           <p:sp>
             <p:nvSpPr>
               <p:cNvPr id="7" name="TextBox 6"/>
@@ -8605,6 +8538,7 @@
                 <a:endParaRPr lang="en-US" dirty="0" smtClean="0"/>
               </a:p>
               <a:p>
+                <a:pPr/>
                 <a14:m>
                   <m:oMathPara xmlns:m="http://schemas.openxmlformats.org/officeDocument/2006/math">
                     <m:oMathParaPr>
@@ -8612,92 +8546,126 @@
                     </m:oMathParaPr>
                     <m:oMath xmlns:m="http://schemas.openxmlformats.org/officeDocument/2006/math">
                       <m:r>
-                        <a:rPr lang="it-IT" i="1"/>
+                        <a:rPr lang="it-IT" i="1">
+                          <a:latin typeface="Cambria Math" panose="02040503050406030204" pitchFamily="18" charset="0"/>
+                        </a:rPr>
                         <m:t>4</m:t>
                       </m:r>
                       <m:r>
-                        <a:rPr lang="it-IT" i="1"/>
+                        <a:rPr lang="it-IT" i="1">
+                          <a:latin typeface="Cambria Math" panose="02040503050406030204" pitchFamily="18" charset="0"/>
+                        </a:rPr>
                         <m:t>𝜋𝜀</m:t>
                       </m:r>
                       <m:sSub>
                         <m:sSubPr>
                           <m:ctrlPr>
-                            <a:rPr lang="it-IT" i="1"/>
+                            <a:rPr lang="it-IT" i="1">
+                              <a:latin typeface="Cambria Math" panose="02040503050406030204" pitchFamily="18" charset="0"/>
+                            </a:rPr>
                           </m:ctrlPr>
                         </m:sSubPr>
                         <m:e>
                           <m:r>
-                            <a:rPr lang="it-IT" i="1"/>
+                            <a:rPr lang="it-IT" i="1">
+                              <a:latin typeface="Cambria Math" panose="02040503050406030204" pitchFamily="18" charset="0"/>
+                            </a:rPr>
                             <m:t>𝑉</m:t>
                           </m:r>
                         </m:e>
                         <m:sub>
                           <m:r>
-                            <a:rPr lang="it-IT" i="1"/>
+                            <a:rPr lang="it-IT" i="1">
+                              <a:latin typeface="Cambria Math" panose="02040503050406030204" pitchFamily="18" charset="0"/>
+                            </a:rPr>
                             <m:t>𝑁</m:t>
                           </m:r>
                         </m:sub>
                       </m:sSub>
                       <m:r>
-                        <a:rPr lang="it-IT" i="1"/>
+                        <a:rPr lang="it-IT" i="1">
+                          <a:latin typeface="Cambria Math" panose="02040503050406030204" pitchFamily="18" charset="0"/>
+                        </a:rPr>
                         <m:t>=</m:t>
                       </m:r>
                       <m:sSub>
                         <m:sSubPr>
                           <m:ctrlPr>
-                            <a:rPr lang="it-IT" i="1"/>
+                            <a:rPr lang="it-IT" i="1">
+                              <a:latin typeface="Cambria Math" panose="02040503050406030204" pitchFamily="18" charset="0"/>
+                            </a:rPr>
                           </m:ctrlPr>
                         </m:sSubPr>
                         <m:e>
                           <m:r>
-                            <a:rPr lang="it-IT" i="1"/>
+                            <a:rPr lang="it-IT" i="1">
+                              <a:latin typeface="Cambria Math" panose="02040503050406030204" pitchFamily="18" charset="0"/>
+                            </a:rPr>
                             <m:t>4</m:t>
                           </m:r>
                           <m:r>
-                            <a:rPr lang="it-IT" i="1"/>
+                            <a:rPr lang="it-IT" i="1">
+                              <a:latin typeface="Cambria Math" panose="02040503050406030204" pitchFamily="18" charset="0"/>
+                            </a:rPr>
                             <m:t>𝜋𝜀</m:t>
                           </m:r>
                           <m:r>
-                            <a:rPr lang="it-IT" i="1"/>
+                            <a:rPr lang="it-IT" i="1">
+                              <a:latin typeface="Cambria Math" panose="02040503050406030204" pitchFamily="18" charset="0"/>
+                            </a:rPr>
                             <m:t> (</m:t>
                           </m:r>
                           <m:r>
-                            <a:rPr lang="it-IT" i="1"/>
+                            <a:rPr lang="it-IT" i="1">
+                              <a:latin typeface="Cambria Math" panose="02040503050406030204" pitchFamily="18" charset="0"/>
+                            </a:rPr>
                             <m:t>𝑉</m:t>
                           </m:r>
                         </m:e>
                         <m:sub>
                           <m:r>
-                            <a:rPr lang="it-IT" i="1"/>
+                            <a:rPr lang="it-IT" i="1">
+                              <a:latin typeface="Cambria Math" panose="02040503050406030204" pitchFamily="18" charset="0"/>
+                            </a:rPr>
                             <m:t>𝑡</m:t>
                           </m:r>
                         </m:sub>
                       </m:sSub>
                       <m:r>
-                        <a:rPr lang="it-IT" i="1"/>
+                        <a:rPr lang="it-IT" i="1">
+                          <a:latin typeface="Cambria Math" panose="02040503050406030204" pitchFamily="18" charset="0"/>
+                        </a:rPr>
                         <m:t>−</m:t>
                       </m:r>
                       <m:sSub>
                         <m:sSubPr>
                           <m:ctrlPr>
-                            <a:rPr lang="it-IT" i="1"/>
+                            <a:rPr lang="it-IT" i="1">
+                              <a:latin typeface="Cambria Math" panose="02040503050406030204" pitchFamily="18" charset="0"/>
+                            </a:rPr>
                           </m:ctrlPr>
                         </m:sSubPr>
                         <m:e>
                           <m:r>
-                            <a:rPr lang="it-IT" i="1"/>
+                            <a:rPr lang="it-IT" i="1">
+                              <a:latin typeface="Cambria Math" panose="02040503050406030204" pitchFamily="18" charset="0"/>
+                            </a:rPr>
                             <m:t>𝑉</m:t>
                           </m:r>
                         </m:e>
                         <m:sub>
                           <m:r>
-                            <a:rPr lang="it-IT" i="1"/>
+                            <a:rPr lang="it-IT" i="1">
+                              <a:latin typeface="Cambria Math" panose="02040503050406030204" pitchFamily="18" charset="0"/>
+                            </a:rPr>
                             <m:t>𝑛</m:t>
                           </m:r>
                         </m:sub>
                       </m:sSub>
                       <m:r>
-                        <a:rPr lang="it-IT" i="1"/>
+                        <a:rPr lang="it-IT" i="1">
+                          <a:latin typeface="Cambria Math" panose="02040503050406030204" pitchFamily="18" charset="0"/>
+                        </a:rPr>
                         <m:t>)=(</m:t>
                       </m:r>
                       <m:nary>
@@ -8705,18 +8673,24 @@
                           <m:chr m:val="∑"/>
                           <m:limLoc m:val="undOvr"/>
                           <m:ctrlPr>
-                            <a:rPr lang="it-IT" i="1"/>
+                            <a:rPr lang="it-IT" i="1">
+                              <a:latin typeface="Cambria Math" panose="02040503050406030204" pitchFamily="18" charset="0"/>
+                            </a:rPr>
                           </m:ctrlPr>
                         </m:naryPr>
                         <m:sub>
                           <m:r>
-                            <a:rPr lang="it-IT" i="1"/>
+                            <a:rPr lang="it-IT" i="1">
+                              <a:latin typeface="Cambria Math" panose="02040503050406030204" pitchFamily="18" charset="0"/>
+                            </a:rPr>
                             <m:t>𝑖</m:t>
                           </m:r>
                         </m:sub>
                         <m:sup>
                           <m:r>
-                            <a:rPr lang="it-IT" i="1"/>
+                            <a:rPr lang="it-IT" i="1">
+                              <a:latin typeface="Cambria Math" panose="02040503050406030204" pitchFamily="18" charset="0"/>
+                            </a:rPr>
                             <m:t>𝑁</m:t>
                           </m:r>
                         </m:sup>
@@ -8724,25 +8698,33 @@
                           <m:f>
                             <m:fPr>
                               <m:ctrlPr>
-                                <a:rPr lang="it-IT" i="1"/>
+                                <a:rPr lang="it-IT" i="1">
+                                  <a:latin typeface="Cambria Math" panose="02040503050406030204" pitchFamily="18" charset="0"/>
+                                </a:rPr>
                               </m:ctrlPr>
                             </m:fPr>
                             <m:num>
                               <m:sSub>
                                 <m:sSubPr>
                                   <m:ctrlPr>
-                                    <a:rPr lang="it-IT" i="1"/>
+                                    <a:rPr lang="it-IT" i="1">
+                                      <a:latin typeface="Cambria Math" panose="02040503050406030204" pitchFamily="18" charset="0"/>
+                                    </a:rPr>
                                   </m:ctrlPr>
                                 </m:sSubPr>
                                 <m:e>
                                   <m:r>
-                                    <a:rPr lang="it-IT" i="1"/>
+                                    <a:rPr lang="it-IT" i="1">
+                                      <a:latin typeface="Cambria Math" panose="02040503050406030204" pitchFamily="18" charset="0"/>
+                                    </a:rPr>
                                     <m:t>𝑞</m:t>
                                   </m:r>
                                 </m:e>
                                 <m:sub>
                                   <m:r>
-                                    <a:rPr lang="it-IT" i="1"/>
+                                    <a:rPr lang="it-IT" i="1">
+                                      <a:latin typeface="Cambria Math" panose="02040503050406030204" pitchFamily="18" charset="0"/>
+                                    </a:rPr>
                                     <m:t>𝑖</m:t>
                                   </m:r>
                                 </m:sub>
@@ -8750,7 +8732,9 @@
                             </m:num>
                             <m:den>
                               <m:r>
-                                <a:rPr lang="it-IT" i="1"/>
+                                <a:rPr lang="it-IT" i="1">
+                                  <a:latin typeface="Cambria Math" panose="02040503050406030204" pitchFamily="18" charset="0"/>
+                                </a:rPr>
                                 <m:t> </m:t>
                               </m:r>
                               <m:d>
@@ -8758,7 +8742,9 @@
                                   <m:begChr m:val="|"/>
                                   <m:endChr m:val="|"/>
                                   <m:ctrlPr>
-                                    <a:rPr lang="it-IT" i="1"/>
+                                    <a:rPr lang="it-IT" i="1">
+                                      <a:latin typeface="Cambria Math" panose="02040503050406030204" pitchFamily="18" charset="0"/>
+                                    </a:rPr>
                                   </m:ctrlPr>
                                 </m:dPr>
                                 <m:e>
@@ -8767,7 +8753,9 @@
                                       <m:begChr m:val="|"/>
                                       <m:endChr m:val="|"/>
                                       <m:ctrlPr>
-                                        <a:rPr lang="it-IT" i="1"/>
+                                        <a:rPr lang="it-IT" i="1">
+                                          <a:latin typeface="Cambria Math" panose="02040503050406030204" pitchFamily="18" charset="0"/>
+                                        </a:rPr>
                                       </m:ctrlPr>
                                     </m:dPr>
                                     <m:e>
@@ -8775,25 +8763,33 @@
                                         <m:accPr>
                                           <m:chr m:val="⃗"/>
                                           <m:ctrlPr>
-                                            <a:rPr lang="it-IT" b="1" i="1"/>
+                                            <a:rPr lang="it-IT" b="1" i="1">
+                                              <a:latin typeface="Cambria Math" panose="02040503050406030204" pitchFamily="18" charset="0"/>
+                                            </a:rPr>
                                           </m:ctrlPr>
                                         </m:accPr>
                                         <m:e>
                                           <m:sSub>
                                             <m:sSubPr>
                                               <m:ctrlPr>
-                                                <a:rPr lang="it-IT" b="1" i="1"/>
+                                                <a:rPr lang="it-IT" b="1" i="1">
+                                                  <a:latin typeface="Cambria Math" panose="02040503050406030204" pitchFamily="18" charset="0"/>
+                                                </a:rPr>
                                               </m:ctrlPr>
                                             </m:sSubPr>
                                             <m:e>
                                               <m:r>
-                                                <a:rPr lang="it-IT" b="1" i="1"/>
+                                                <a:rPr lang="it-IT" b="1" i="1">
+                                                  <a:latin typeface="Cambria Math" panose="02040503050406030204" pitchFamily="18" charset="0"/>
+                                                </a:rPr>
                                                 <m:t>𝒑</m:t>
                                               </m:r>
                                             </m:e>
                                             <m:sub>
                                               <m:r>
-                                                <a:rPr lang="it-IT" b="1" i="1"/>
+                                                <a:rPr lang="it-IT" b="1" i="1">
+                                                  <a:latin typeface="Cambria Math" panose="02040503050406030204" pitchFamily="18" charset="0"/>
+                                                </a:rPr>
                                                 <m:t>𝒊</m:t>
                                               </m:r>
                                             </m:sub>
@@ -8801,19 +8797,25 @@
                                         </m:e>
                                       </m:acc>
                                       <m:r>
-                                        <a:rPr lang="it-IT" i="1"/>
+                                        <a:rPr lang="it-IT" i="1">
+                                          <a:latin typeface="Cambria Math" panose="02040503050406030204" pitchFamily="18" charset="0"/>
+                                        </a:rPr>
                                         <m:t>−</m:t>
                                       </m:r>
                                       <m:acc>
                                         <m:accPr>
                                           <m:chr m:val="⃗"/>
                                           <m:ctrlPr>
-                                            <a:rPr lang="it-IT" b="1" i="1"/>
+                                            <a:rPr lang="it-IT" b="1" i="1">
+                                              <a:latin typeface="Cambria Math" panose="02040503050406030204" pitchFamily="18" charset="0"/>
+                                            </a:rPr>
                                           </m:ctrlPr>
                                         </m:accPr>
                                         <m:e>
                                           <m:r>
-                                            <a:rPr lang="it-IT" b="1" i="1"/>
+                                            <a:rPr lang="it-IT" b="1" i="1">
+                                              <a:latin typeface="Cambria Math" panose="02040503050406030204" pitchFamily="18" charset="0"/>
+                                            </a:rPr>
                                             <m:t>𝒎</m:t>
                                           </m:r>
                                         </m:e>
@@ -8825,13 +8827,17 @@
                             </m:den>
                           </m:f>
                           <m:r>
-                            <a:rPr lang="it-IT" i="1"/>
+                            <a:rPr lang="it-IT" i="1">
+                              <a:latin typeface="Cambria Math" panose="02040503050406030204" pitchFamily="18" charset="0"/>
+                            </a:rPr>
                             <m:t> </m:t>
                           </m:r>
                         </m:e>
                       </m:nary>
                       <m:r>
-                        <a:rPr lang="it-IT" i="1"/>
+                        <a:rPr lang="it-IT" i="1">
+                          <a:latin typeface="Cambria Math" panose="02040503050406030204" pitchFamily="18" charset="0"/>
+                        </a:rPr>
                         <m:t>)−(</m:t>
                       </m:r>
                       <m:nary>
@@ -8839,22 +8845,30 @@
                           <m:chr m:val="∑"/>
                           <m:limLoc m:val="undOvr"/>
                           <m:ctrlPr>
-                            <a:rPr lang="it-IT" i="1"/>
+                            <a:rPr lang="it-IT" i="1">
+                              <a:latin typeface="Cambria Math" panose="02040503050406030204" pitchFamily="18" charset="0"/>
+                            </a:rPr>
                           </m:ctrlPr>
                         </m:naryPr>
                         <m:sub>
                           <m:r>
-                            <a:rPr lang="it-IT" i="1"/>
+                            <a:rPr lang="it-IT" i="1">
+                              <a:latin typeface="Cambria Math" panose="02040503050406030204" pitchFamily="18" charset="0"/>
+                            </a:rPr>
                             <m:t>𝑖</m:t>
                           </m:r>
                         </m:sub>
                         <m:sup>
                           <m:r>
-                            <a:rPr lang="it-IT" i="1"/>
+                            <a:rPr lang="it-IT" i="1">
+                              <a:latin typeface="Cambria Math" panose="02040503050406030204" pitchFamily="18" charset="0"/>
+                            </a:rPr>
                             <m:t>𝑁</m:t>
                           </m:r>
                           <m:r>
-                            <a:rPr lang="it-IT" i="1"/>
+                            <a:rPr lang="it-IT" i="1">
+                              <a:latin typeface="Cambria Math" panose="02040503050406030204" pitchFamily="18" charset="0"/>
+                            </a:rPr>
                             <m:t>−1</m:t>
                           </m:r>
                         </m:sup>
@@ -8862,25 +8876,33 @@
                           <m:f>
                             <m:fPr>
                               <m:ctrlPr>
-                                <a:rPr lang="it-IT" i="1"/>
+                                <a:rPr lang="it-IT" i="1">
+                                  <a:latin typeface="Cambria Math" panose="02040503050406030204" pitchFamily="18" charset="0"/>
+                                </a:rPr>
                               </m:ctrlPr>
                             </m:fPr>
                             <m:num>
                               <m:sSub>
                                 <m:sSubPr>
                                   <m:ctrlPr>
-                                    <a:rPr lang="it-IT" i="1"/>
+                                    <a:rPr lang="it-IT" i="1">
+                                      <a:latin typeface="Cambria Math" panose="02040503050406030204" pitchFamily="18" charset="0"/>
+                                    </a:rPr>
                                   </m:ctrlPr>
                                 </m:sSubPr>
                                 <m:e>
                                   <m:r>
-                                    <a:rPr lang="it-IT" i="1"/>
+                                    <a:rPr lang="it-IT" i="1">
+                                      <a:latin typeface="Cambria Math" panose="02040503050406030204" pitchFamily="18" charset="0"/>
+                                    </a:rPr>
                                     <m:t>𝑞</m:t>
                                   </m:r>
                                 </m:e>
                                 <m:sub>
                                   <m:r>
-                                    <a:rPr lang="it-IT" i="1"/>
+                                    <a:rPr lang="it-IT" i="1">
+                                      <a:latin typeface="Cambria Math" panose="02040503050406030204" pitchFamily="18" charset="0"/>
+                                    </a:rPr>
                                     <m:t>𝑖</m:t>
                                   </m:r>
                                 </m:sub>
@@ -8888,7 +8910,9 @@
                             </m:num>
                             <m:den>
                               <m:r>
-                                <a:rPr lang="it-IT" i="1"/>
+                                <a:rPr lang="it-IT" i="1">
+                                  <a:latin typeface="Cambria Math" panose="02040503050406030204" pitchFamily="18" charset="0"/>
+                                </a:rPr>
                                 <m:t> </m:t>
                               </m:r>
                               <m:d>
@@ -8896,7 +8920,9 @@
                                   <m:begChr m:val="|"/>
                                   <m:endChr m:val="|"/>
                                   <m:ctrlPr>
-                                    <a:rPr lang="it-IT" i="1"/>
+                                    <a:rPr lang="it-IT" i="1">
+                                      <a:latin typeface="Cambria Math" panose="02040503050406030204" pitchFamily="18" charset="0"/>
+                                    </a:rPr>
                                   </m:ctrlPr>
                                 </m:dPr>
                                 <m:e>
@@ -8905,7 +8931,9 @@
                                       <m:begChr m:val="|"/>
                                       <m:endChr m:val="|"/>
                                       <m:ctrlPr>
-                                        <a:rPr lang="it-IT" i="1"/>
+                                        <a:rPr lang="it-IT" i="1">
+                                          <a:latin typeface="Cambria Math" panose="02040503050406030204" pitchFamily="18" charset="0"/>
+                                        </a:rPr>
                                       </m:ctrlPr>
                                     </m:dPr>
                                     <m:e>
@@ -8913,25 +8941,33 @@
                                         <m:accPr>
                                           <m:chr m:val="⃗"/>
                                           <m:ctrlPr>
-                                            <a:rPr lang="it-IT" b="1" i="1"/>
+                                            <a:rPr lang="it-IT" b="1" i="1">
+                                              <a:latin typeface="Cambria Math" panose="02040503050406030204" pitchFamily="18" charset="0"/>
+                                            </a:rPr>
                                           </m:ctrlPr>
                                         </m:accPr>
                                         <m:e>
                                           <m:sSub>
                                             <m:sSubPr>
                                               <m:ctrlPr>
-                                                <a:rPr lang="it-IT" b="1" i="1"/>
+                                                <a:rPr lang="it-IT" b="1" i="1">
+                                                  <a:latin typeface="Cambria Math" panose="02040503050406030204" pitchFamily="18" charset="0"/>
+                                                </a:rPr>
                                               </m:ctrlPr>
                                             </m:sSubPr>
                                             <m:e>
                                               <m:r>
-                                                <a:rPr lang="it-IT" b="1" i="1"/>
+                                                <a:rPr lang="it-IT" b="1" i="1">
+                                                  <a:latin typeface="Cambria Math" panose="02040503050406030204" pitchFamily="18" charset="0"/>
+                                                </a:rPr>
                                                 <m:t>𝒑</m:t>
                                               </m:r>
                                             </m:e>
                                             <m:sub>
                                               <m:r>
-                                                <a:rPr lang="it-IT" b="1" i="1"/>
+                                                <a:rPr lang="it-IT" b="1" i="1">
+                                                  <a:latin typeface="Cambria Math" panose="02040503050406030204" pitchFamily="18" charset="0"/>
+                                                </a:rPr>
                                                 <m:t>𝒊</m:t>
                                               </m:r>
                                             </m:sub>
@@ -8939,19 +8975,25 @@
                                         </m:e>
                                       </m:acc>
                                       <m:r>
-                                        <a:rPr lang="it-IT" i="1"/>
+                                        <a:rPr lang="it-IT" i="1">
+                                          <a:latin typeface="Cambria Math" panose="02040503050406030204" pitchFamily="18" charset="0"/>
+                                        </a:rPr>
                                         <m:t>−</m:t>
                                       </m:r>
                                       <m:acc>
                                         <m:accPr>
                                           <m:chr m:val="⃗"/>
                                           <m:ctrlPr>
-                                            <a:rPr lang="it-IT" b="1" i="1"/>
+                                            <a:rPr lang="it-IT" b="1" i="1">
+                                              <a:latin typeface="Cambria Math" panose="02040503050406030204" pitchFamily="18" charset="0"/>
+                                            </a:rPr>
                                           </m:ctrlPr>
                                         </m:accPr>
                                         <m:e>
                                           <m:r>
-                                            <a:rPr lang="it-IT" b="1" i="1"/>
+                                            <a:rPr lang="it-IT" b="1" i="1">
+                                              <a:latin typeface="Cambria Math" panose="02040503050406030204" pitchFamily="18" charset="0"/>
+                                            </a:rPr>
                                             <m:t>𝒎</m:t>
                                           </m:r>
                                         </m:e>
@@ -8963,37 +9005,49 @@
                             </m:den>
                           </m:f>
                           <m:r>
-                            <a:rPr lang="it-IT" i="1"/>
+                            <a:rPr lang="it-IT" i="1">
+                              <a:latin typeface="Cambria Math" panose="02040503050406030204" pitchFamily="18" charset="0"/>
+                            </a:rPr>
                             <m:t> </m:t>
                           </m:r>
                         </m:e>
                       </m:nary>
                       <m:r>
-                        <a:rPr lang="it-IT" i="1"/>
+                        <a:rPr lang="it-IT" i="1">
+                          <a:latin typeface="Cambria Math" panose="02040503050406030204" pitchFamily="18" charset="0"/>
+                        </a:rPr>
                         <m:t> )= </m:t>
                       </m:r>
                       <m:f>
                         <m:fPr>
                           <m:ctrlPr>
-                            <a:rPr lang="it-IT" i="1"/>
+                            <a:rPr lang="it-IT" i="1">
+                              <a:latin typeface="Cambria Math" panose="02040503050406030204" pitchFamily="18" charset="0"/>
+                            </a:rPr>
                           </m:ctrlPr>
                         </m:fPr>
                         <m:num>
                           <m:sSub>
                             <m:sSubPr>
                               <m:ctrlPr>
-                                <a:rPr lang="it-IT" i="1"/>
+                                <a:rPr lang="it-IT" i="1">
+                                  <a:latin typeface="Cambria Math" panose="02040503050406030204" pitchFamily="18" charset="0"/>
+                                </a:rPr>
                               </m:ctrlPr>
                             </m:sSubPr>
                             <m:e>
                               <m:r>
-                                <a:rPr lang="it-IT" i="1"/>
+                                <a:rPr lang="it-IT" i="1">
+                                  <a:latin typeface="Cambria Math" panose="02040503050406030204" pitchFamily="18" charset="0"/>
+                                </a:rPr>
                                 <m:t>𝑞</m:t>
                               </m:r>
                             </m:e>
                             <m:sub>
                               <m:r>
-                                <a:rPr lang="it-IT" i="1"/>
+                                <a:rPr lang="it-IT" i="1">
+                                  <a:latin typeface="Cambria Math" panose="02040503050406030204" pitchFamily="18" charset="0"/>
+                                </a:rPr>
                                 <m:t>𝑁</m:t>
                               </m:r>
                             </m:sub>
@@ -9005,7 +9059,9 @@
                               <m:begChr m:val="|"/>
                               <m:endChr m:val="|"/>
                               <m:ctrlPr>
-                                <a:rPr lang="it-IT" i="1"/>
+                                <a:rPr lang="it-IT" i="1">
+                                  <a:latin typeface="Cambria Math" panose="02040503050406030204" pitchFamily="18" charset="0"/>
+                                </a:rPr>
                               </m:ctrlPr>
                             </m:dPr>
                             <m:e>
@@ -9014,7 +9070,9 @@
                                   <m:begChr m:val="|"/>
                                   <m:endChr m:val="|"/>
                                   <m:ctrlPr>
-                                    <a:rPr lang="it-IT" i="1"/>
+                                    <a:rPr lang="it-IT" i="1">
+                                      <a:latin typeface="Cambria Math" panose="02040503050406030204" pitchFamily="18" charset="0"/>
+                                    </a:rPr>
                                   </m:ctrlPr>
                                 </m:dPr>
                                 <m:e>
@@ -9022,25 +9080,33 @@
                                     <m:accPr>
                                       <m:chr m:val="⃗"/>
                                       <m:ctrlPr>
-                                        <a:rPr lang="it-IT" b="1" i="1"/>
+                                        <a:rPr lang="it-IT" b="1" i="1">
+                                          <a:latin typeface="Cambria Math" panose="02040503050406030204" pitchFamily="18" charset="0"/>
+                                        </a:rPr>
                                       </m:ctrlPr>
                                     </m:accPr>
                                     <m:e>
                                       <m:sSub>
                                         <m:sSubPr>
                                           <m:ctrlPr>
-                                            <a:rPr lang="it-IT" b="1" i="1"/>
+                                            <a:rPr lang="it-IT" b="1" i="1">
+                                              <a:latin typeface="Cambria Math" panose="02040503050406030204" pitchFamily="18" charset="0"/>
+                                            </a:rPr>
                                           </m:ctrlPr>
                                         </m:sSubPr>
                                         <m:e>
                                           <m:r>
-                                            <a:rPr lang="it-IT" b="1" i="1"/>
+                                            <a:rPr lang="it-IT" b="1" i="1">
+                                              <a:latin typeface="Cambria Math" panose="02040503050406030204" pitchFamily="18" charset="0"/>
+                                            </a:rPr>
                                             <m:t>𝒑</m:t>
                                           </m:r>
                                         </m:e>
                                         <m:sub>
                                           <m:r>
-                                            <a:rPr lang="it-IT" b="1" i="1"/>
+                                            <a:rPr lang="it-IT" b="1" i="1">
+                                              <a:latin typeface="Cambria Math" panose="02040503050406030204" pitchFamily="18" charset="0"/>
+                                            </a:rPr>
                                             <m:t>𝑵</m:t>
                                           </m:r>
                                         </m:sub>
@@ -9048,19 +9114,25 @@
                                     </m:e>
                                   </m:acc>
                                   <m:r>
-                                    <a:rPr lang="it-IT" i="1"/>
+                                    <a:rPr lang="it-IT" i="1">
+                                      <a:latin typeface="Cambria Math" panose="02040503050406030204" pitchFamily="18" charset="0"/>
+                                    </a:rPr>
                                     <m:t>−</m:t>
                                   </m:r>
                                   <m:acc>
                                     <m:accPr>
                                       <m:chr m:val="⃗"/>
                                       <m:ctrlPr>
-                                        <a:rPr lang="it-IT" b="1" i="1"/>
+                                        <a:rPr lang="it-IT" b="1" i="1">
+                                          <a:latin typeface="Cambria Math" panose="02040503050406030204" pitchFamily="18" charset="0"/>
+                                        </a:rPr>
                                       </m:ctrlPr>
                                     </m:accPr>
                                     <m:e>
                                       <m:r>
-                                        <a:rPr lang="it-IT" b="1" i="1"/>
+                                        <a:rPr lang="it-IT" b="1" i="1">
+                                          <a:latin typeface="Cambria Math" panose="02040503050406030204" pitchFamily="18" charset="0"/>
+                                        </a:rPr>
                                         <m:t>𝒎</m:t>
                                       </m:r>
                                     </m:e>
@@ -9097,6 +9169,7 @@
                 </a:r>
               </a:p>
               <a:p>
+                <a:pPr/>
                 <a14:m>
                   <m:oMathPara xmlns:m="http://schemas.openxmlformats.org/officeDocument/2006/math">
                     <m:oMathParaPr>
@@ -9104,105 +9177,145 @@
                     </m:oMathParaPr>
                     <m:oMath xmlns:m="http://schemas.openxmlformats.org/officeDocument/2006/math">
                       <m:r>
-                        <a:rPr lang="it-IT" i="1"/>
+                        <a:rPr lang="it-IT" i="1">
+                          <a:latin typeface="Cambria Math" panose="02040503050406030204" pitchFamily="18" charset="0"/>
+                        </a:rPr>
                         <m:t>4</m:t>
                       </m:r>
                       <m:r>
-                        <a:rPr lang="it-IT" i="1"/>
+                        <a:rPr lang="it-IT" i="1">
+                          <a:latin typeface="Cambria Math" panose="02040503050406030204" pitchFamily="18" charset="0"/>
+                        </a:rPr>
                         <m:t>𝜋𝜀</m:t>
                       </m:r>
                       <m:r>
-                        <a:rPr lang="it-IT" i="1"/>
+                        <a:rPr lang="it-IT" i="1">
+                          <a:latin typeface="Cambria Math" panose="02040503050406030204" pitchFamily="18" charset="0"/>
+                        </a:rPr>
                         <m:t>∆</m:t>
                       </m:r>
                       <m:r>
-                        <a:rPr lang="it-IT" i="1"/>
+                        <a:rPr lang="it-IT" i="1">
+                          <a:latin typeface="Cambria Math" panose="02040503050406030204" pitchFamily="18" charset="0"/>
+                        </a:rPr>
                         <m:t>𝑉</m:t>
                       </m:r>
                       <m:r>
-                        <a:rPr lang="it-IT" i="1"/>
+                        <a:rPr lang="it-IT" i="1">
+                          <a:latin typeface="Cambria Math" panose="02040503050406030204" pitchFamily="18" charset="0"/>
+                        </a:rPr>
                         <m:t>=</m:t>
                       </m:r>
                       <m:sSub>
                         <m:sSubPr>
                           <m:ctrlPr>
-                            <a:rPr lang="it-IT" i="1"/>
+                            <a:rPr lang="it-IT" i="1">
+                              <a:latin typeface="Cambria Math" panose="02040503050406030204" pitchFamily="18" charset="0"/>
+                            </a:rPr>
                           </m:ctrlPr>
                         </m:sSubPr>
                         <m:e>
                           <m:r>
-                            <a:rPr lang="it-IT" i="1"/>
+                            <a:rPr lang="it-IT" i="1">
+                              <a:latin typeface="Cambria Math" panose="02040503050406030204" pitchFamily="18" charset="0"/>
+                            </a:rPr>
                             <m:t>4</m:t>
                           </m:r>
                           <m:r>
-                            <a:rPr lang="it-IT" i="1"/>
+                            <a:rPr lang="it-IT" i="1">
+                              <a:latin typeface="Cambria Math" panose="02040503050406030204" pitchFamily="18" charset="0"/>
+                            </a:rPr>
                             <m:t>𝜋𝜀</m:t>
                           </m:r>
                           <m:r>
-                            <a:rPr lang="it-IT" i="1"/>
+                            <a:rPr lang="it-IT" i="1">
+                              <a:latin typeface="Cambria Math" panose="02040503050406030204" pitchFamily="18" charset="0"/>
+                            </a:rPr>
                             <m:t> (</m:t>
                           </m:r>
                           <m:r>
-                            <a:rPr lang="it-IT" i="1"/>
+                            <a:rPr lang="it-IT" i="1">
+                              <a:latin typeface="Cambria Math" panose="02040503050406030204" pitchFamily="18" charset="0"/>
+                            </a:rPr>
                             <m:t>𝑉</m:t>
                           </m:r>
                         </m:e>
                         <m:sub>
                           <m:r>
-                            <a:rPr lang="it-IT" i="1"/>
+                            <a:rPr lang="it-IT" i="1">
+                              <a:latin typeface="Cambria Math" panose="02040503050406030204" pitchFamily="18" charset="0"/>
+                            </a:rPr>
                             <m:t>𝑁</m:t>
                           </m:r>
                         </m:sub>
                       </m:sSub>
                       <m:r>
-                        <a:rPr lang="it-IT" i="1"/>
+                        <a:rPr lang="it-IT" i="1">
+                          <a:latin typeface="Cambria Math" panose="02040503050406030204" pitchFamily="18" charset="0"/>
+                        </a:rPr>
                         <m:t>−</m:t>
                       </m:r>
                       <m:sSup>
                         <m:sSupPr>
                           <m:ctrlPr>
-                            <a:rPr lang="it-IT" i="1"/>
+                            <a:rPr lang="it-IT" i="1">
+                              <a:latin typeface="Cambria Math" panose="02040503050406030204" pitchFamily="18" charset="0"/>
+                            </a:rPr>
                           </m:ctrlPr>
                         </m:sSupPr>
                         <m:e>
                           <m:r>
-                            <a:rPr lang="it-IT" i="1"/>
+                            <a:rPr lang="it-IT" i="1">
+                              <a:latin typeface="Cambria Math" panose="02040503050406030204" pitchFamily="18" charset="0"/>
+                            </a:rPr>
                             <m:t>𝑉</m:t>
                           </m:r>
                         </m:e>
                         <m:sup>
                           <m:r>
-                            <a:rPr lang="it-IT" i="1"/>
+                            <a:rPr lang="it-IT" i="1">
+                              <a:latin typeface="Cambria Math" panose="02040503050406030204" pitchFamily="18" charset="0"/>
+                            </a:rPr>
                             <m:t>∗</m:t>
                           </m:r>
                         </m:sup>
                       </m:sSup>
                       <m:r>
-                        <a:rPr lang="it-IT" i="1"/>
+                        <a:rPr lang="it-IT" i="1">
+                          <a:latin typeface="Cambria Math" panose="02040503050406030204" pitchFamily="18" charset="0"/>
+                        </a:rPr>
                         <m:t>)= </m:t>
                       </m:r>
                       <m:f>
                         <m:fPr>
                           <m:ctrlPr>
-                            <a:rPr lang="it-IT" i="1"/>
+                            <a:rPr lang="it-IT" i="1">
+                              <a:latin typeface="Cambria Math" panose="02040503050406030204" pitchFamily="18" charset="0"/>
+                            </a:rPr>
                           </m:ctrlPr>
                         </m:fPr>
                         <m:num>
                           <m:sSub>
                             <m:sSubPr>
                               <m:ctrlPr>
-                                <a:rPr lang="it-IT" i="1"/>
+                                <a:rPr lang="it-IT" i="1">
+                                  <a:latin typeface="Cambria Math" panose="02040503050406030204" pitchFamily="18" charset="0"/>
+                                </a:rPr>
                               </m:ctrlPr>
                             </m:sSubPr>
                             <m:e>
                               <m:r>
-                                <a:rPr lang="it-IT" i="1"/>
+                                <a:rPr lang="it-IT" i="1">
+                                  <a:latin typeface="Cambria Math" panose="02040503050406030204" pitchFamily="18" charset="0"/>
+                                </a:rPr>
                                 <m:t>𝑞</m:t>
                               </m:r>
                             </m:e>
                             <m:sub>
                               <m:r>
-                                <a:rPr lang="it-IT" i="1"/>
+                                <a:rPr lang="it-IT" i="1">
+                                  <a:latin typeface="Cambria Math" panose="02040503050406030204" pitchFamily="18" charset="0"/>
+                                </a:rPr>
                                 <m:t>𝑁</m:t>
                               </m:r>
                             </m:sub>
@@ -9214,7 +9327,9 @@
                               <m:begChr m:val="|"/>
                               <m:endChr m:val="|"/>
                               <m:ctrlPr>
-                                <a:rPr lang="it-IT" i="1"/>
+                                <a:rPr lang="it-IT" i="1">
+                                  <a:latin typeface="Cambria Math" panose="02040503050406030204" pitchFamily="18" charset="0"/>
+                                </a:rPr>
                               </m:ctrlPr>
                             </m:dPr>
                             <m:e>
@@ -9223,7 +9338,9 @@
                                   <m:begChr m:val="|"/>
                                   <m:endChr m:val="|"/>
                                   <m:ctrlPr>
-                                    <a:rPr lang="it-IT" i="1"/>
+                                    <a:rPr lang="it-IT" i="1">
+                                      <a:latin typeface="Cambria Math" panose="02040503050406030204" pitchFamily="18" charset="0"/>
+                                    </a:rPr>
                                   </m:ctrlPr>
                                 </m:dPr>
                                 <m:e>
@@ -9231,25 +9348,33 @@
                                     <m:accPr>
                                       <m:chr m:val="⃗"/>
                                       <m:ctrlPr>
-                                        <a:rPr lang="it-IT" b="1" i="1"/>
+                                        <a:rPr lang="it-IT" b="1" i="1">
+                                          <a:latin typeface="Cambria Math" panose="02040503050406030204" pitchFamily="18" charset="0"/>
+                                        </a:rPr>
                                       </m:ctrlPr>
                                     </m:accPr>
                                     <m:e>
                                       <m:sSub>
                                         <m:sSubPr>
                                           <m:ctrlPr>
-                                            <a:rPr lang="it-IT" b="1" i="1"/>
+                                            <a:rPr lang="it-IT" b="1" i="1">
+                                              <a:latin typeface="Cambria Math" panose="02040503050406030204" pitchFamily="18" charset="0"/>
+                                            </a:rPr>
                                           </m:ctrlPr>
                                         </m:sSubPr>
                                         <m:e>
                                           <m:r>
-                                            <a:rPr lang="it-IT" b="1" i="1"/>
+                                            <a:rPr lang="it-IT" b="1" i="1">
+                                              <a:latin typeface="Cambria Math" panose="02040503050406030204" pitchFamily="18" charset="0"/>
+                                            </a:rPr>
                                             <m:t>𝒑</m:t>
                                           </m:r>
                                         </m:e>
                                         <m:sub>
                                           <m:r>
-                                            <a:rPr lang="it-IT" b="1" i="1"/>
+                                            <a:rPr lang="it-IT" b="1" i="1">
+                                              <a:latin typeface="Cambria Math" panose="02040503050406030204" pitchFamily="18" charset="0"/>
+                                            </a:rPr>
                                             <m:t>𝑵</m:t>
                                           </m:r>
                                         </m:sub>
@@ -9257,19 +9382,25 @@
                                     </m:e>
                                   </m:acc>
                                   <m:r>
-                                    <a:rPr lang="it-IT" i="1"/>
+                                    <a:rPr lang="it-IT" i="1">
+                                      <a:latin typeface="Cambria Math" panose="02040503050406030204" pitchFamily="18" charset="0"/>
+                                    </a:rPr>
                                     <m:t>−</m:t>
                                   </m:r>
                                   <m:acc>
                                     <m:accPr>
                                       <m:chr m:val="⃗"/>
                                       <m:ctrlPr>
-                                        <a:rPr lang="it-IT" b="1" i="1"/>
+                                        <a:rPr lang="it-IT" b="1" i="1">
+                                          <a:latin typeface="Cambria Math" panose="02040503050406030204" pitchFamily="18" charset="0"/>
+                                        </a:rPr>
                                       </m:ctrlPr>
                                     </m:accPr>
                                     <m:e>
                                       <m:r>
-                                        <a:rPr lang="it-IT" b="1" i="1"/>
+                                        <a:rPr lang="it-IT" b="1" i="1">
+                                          <a:latin typeface="Cambria Math" panose="02040503050406030204" pitchFamily="18" charset="0"/>
+                                        </a:rPr>
                                         <m:t>𝒎</m:t>
                                       </m:r>
                                     </m:e>
@@ -9281,31 +9412,41 @@
                         </m:den>
                       </m:f>
                       <m:r>
-                        <a:rPr lang="it-IT" i="1"/>
+                        <a:rPr lang="it-IT" i="1">
+                          <a:latin typeface="Cambria Math" panose="02040503050406030204" pitchFamily="18" charset="0"/>
+                        </a:rPr>
                         <m:t>−</m:t>
                       </m:r>
                       <m:f>
                         <m:fPr>
                           <m:ctrlPr>
-                            <a:rPr lang="it-IT" i="1"/>
+                            <a:rPr lang="it-IT" i="1">
+                              <a:latin typeface="Cambria Math" panose="02040503050406030204" pitchFamily="18" charset="0"/>
+                            </a:rPr>
                           </m:ctrlPr>
                         </m:fPr>
                         <m:num>
                           <m:sSup>
                             <m:sSupPr>
                               <m:ctrlPr>
-                                <a:rPr lang="it-IT" i="1"/>
+                                <a:rPr lang="it-IT" i="1">
+                                  <a:latin typeface="Cambria Math" panose="02040503050406030204" pitchFamily="18" charset="0"/>
+                                </a:rPr>
                               </m:ctrlPr>
                             </m:sSupPr>
                             <m:e>
                               <m:r>
-                                <a:rPr lang="it-IT" i="1"/>
+                                <a:rPr lang="it-IT" i="1">
+                                  <a:latin typeface="Cambria Math" panose="02040503050406030204" pitchFamily="18" charset="0"/>
+                                </a:rPr>
                                 <m:t>𝑞</m:t>
                               </m:r>
                             </m:e>
                             <m:sup>
                               <m:r>
-                                <a:rPr lang="it-IT" i="1"/>
+                                <a:rPr lang="it-IT" i="1">
+                                  <a:latin typeface="Cambria Math" panose="02040503050406030204" pitchFamily="18" charset="0"/>
+                                </a:rPr>
                                 <m:t>∗</m:t>
                               </m:r>
                             </m:sup>
@@ -9313,7 +9454,9 @@
                         </m:num>
                         <m:den>
                           <m:r>
-                            <a:rPr lang="it-IT" i="1"/>
+                            <a:rPr lang="it-IT" i="1">
+                              <a:latin typeface="Cambria Math" panose="02040503050406030204" pitchFamily="18" charset="0"/>
+                            </a:rPr>
                             <m:t> </m:t>
                           </m:r>
                           <m:d>
@@ -9321,7 +9464,9 @@
                               <m:begChr m:val="|"/>
                               <m:endChr m:val="|"/>
                               <m:ctrlPr>
-                                <a:rPr lang="it-IT" i="1"/>
+                                <a:rPr lang="it-IT" i="1">
+                                  <a:latin typeface="Cambria Math" panose="02040503050406030204" pitchFamily="18" charset="0"/>
+                                </a:rPr>
                               </m:ctrlPr>
                             </m:dPr>
                             <m:e>
@@ -9330,7 +9475,9 @@
                                   <m:begChr m:val="|"/>
                                   <m:endChr m:val="|"/>
                                   <m:ctrlPr>
-                                    <a:rPr lang="it-IT" i="1"/>
+                                    <a:rPr lang="it-IT" i="1">
+                                      <a:latin typeface="Cambria Math" panose="02040503050406030204" pitchFamily="18" charset="0"/>
+                                    </a:rPr>
                                   </m:ctrlPr>
                                 </m:dPr>
                                 <m:e>
@@ -9338,25 +9485,33 @@
                                     <m:accPr>
                                       <m:chr m:val="⃗"/>
                                       <m:ctrlPr>
-                                        <a:rPr lang="it-IT" b="1" i="1"/>
+                                        <a:rPr lang="it-IT" b="1" i="1">
+                                          <a:latin typeface="Cambria Math" panose="02040503050406030204" pitchFamily="18" charset="0"/>
+                                        </a:rPr>
                                       </m:ctrlPr>
                                     </m:accPr>
                                     <m:e>
                                       <m:sSup>
                                         <m:sSupPr>
                                           <m:ctrlPr>
-                                            <a:rPr lang="it-IT" b="1" i="1"/>
+                                            <a:rPr lang="it-IT" b="1" i="1">
+                                              <a:latin typeface="Cambria Math" panose="02040503050406030204" pitchFamily="18" charset="0"/>
+                                            </a:rPr>
                                           </m:ctrlPr>
                                         </m:sSupPr>
                                         <m:e>
                                           <m:r>
-                                            <a:rPr lang="it-IT" b="1" i="1"/>
+                                            <a:rPr lang="it-IT" b="1" i="1">
+                                              <a:latin typeface="Cambria Math" panose="02040503050406030204" pitchFamily="18" charset="0"/>
+                                            </a:rPr>
                                             <m:t>𝒑</m:t>
                                           </m:r>
                                         </m:e>
                                         <m:sup>
                                           <m:r>
-                                            <a:rPr lang="it-IT" b="1" i="1"/>
+                                            <a:rPr lang="it-IT" b="1" i="1">
+                                              <a:latin typeface="Cambria Math" panose="02040503050406030204" pitchFamily="18" charset="0"/>
+                                            </a:rPr>
                                             <m:t>∗</m:t>
                                           </m:r>
                                         </m:sup>
@@ -9364,19 +9519,25 @@
                                     </m:e>
                                   </m:acc>
                                   <m:r>
-                                    <a:rPr lang="it-IT" i="1"/>
+                                    <a:rPr lang="it-IT" i="1">
+                                      <a:latin typeface="Cambria Math" panose="02040503050406030204" pitchFamily="18" charset="0"/>
+                                    </a:rPr>
                                     <m:t>−</m:t>
                                   </m:r>
                                   <m:acc>
                                     <m:accPr>
                                       <m:chr m:val="⃗"/>
                                       <m:ctrlPr>
-                                        <a:rPr lang="it-IT" b="1" i="1"/>
+                                        <a:rPr lang="it-IT" b="1" i="1">
+                                          <a:latin typeface="Cambria Math" panose="02040503050406030204" pitchFamily="18" charset="0"/>
+                                        </a:rPr>
                                       </m:ctrlPr>
                                     </m:accPr>
                                     <m:e>
                                       <m:r>
-                                        <a:rPr lang="it-IT" b="1" i="1"/>
+                                        <a:rPr lang="it-IT" b="1" i="1">
+                                          <a:latin typeface="Cambria Math" panose="02040503050406030204" pitchFamily="18" charset="0"/>
+                                        </a:rPr>
                                         <m:t>𝒎</m:t>
                                       </m:r>
                                     </m:e>
@@ -9388,7 +9549,9 @@
                         </m:den>
                       </m:f>
                       <m:r>
-                        <a:rPr lang="it-IT" i="1"/>
+                        <a:rPr lang="it-IT" i="1">
+                          <a:latin typeface="Cambria Math" panose="02040503050406030204" pitchFamily="18" charset="0"/>
+                        </a:rPr>
                         <m:t> </m:t>
                       </m:r>
                     </m:oMath>
@@ -9411,6 +9574,7 @@
                 </a:r>
               </a:p>
               <a:p>
+                <a:pPr/>
                 <a14:m>
                   <m:oMathPara xmlns:m="http://schemas.openxmlformats.org/officeDocument/2006/math">
                     <m:oMathParaPr>
@@ -9420,67 +9584,89 @@
                       <m:f>
                         <m:fPr>
                           <m:ctrlPr>
-                            <a:rPr lang="it-IT" i="1"/>
+                            <a:rPr lang="it-IT" i="1">
+                              <a:latin typeface="Cambria Math" panose="02040503050406030204" pitchFamily="18" charset="0"/>
+                            </a:rPr>
                           </m:ctrlPr>
                         </m:fPr>
                         <m:num>
                           <m:r>
-                            <a:rPr lang="it-IT" i="1"/>
+                            <a:rPr lang="it-IT" i="1">
+                              <a:latin typeface="Cambria Math" panose="02040503050406030204" pitchFamily="18" charset="0"/>
+                            </a:rPr>
                             <m:t>𝐸</m:t>
                           </m:r>
                           <m:d>
                             <m:dPr>
                               <m:ctrlPr>
-                                <a:rPr lang="it-IT" i="1"/>
+                                <a:rPr lang="it-IT" i="1">
+                                  <a:latin typeface="Cambria Math" panose="02040503050406030204" pitchFamily="18" charset="0"/>
+                                </a:rPr>
                               </m:ctrlPr>
                             </m:dPr>
                             <m:e>
                               <m:sSup>
                                 <m:sSupPr>
                                   <m:ctrlPr>
-                                    <a:rPr lang="it-IT" i="1"/>
+                                    <a:rPr lang="it-IT" i="1">
+                                      <a:latin typeface="Cambria Math" panose="02040503050406030204" pitchFamily="18" charset="0"/>
+                                    </a:rPr>
                                   </m:ctrlPr>
                                 </m:sSupPr>
                                 <m:e>
                                   <m:r>
-                                    <a:rPr lang="it-IT" i="1"/>
+                                    <a:rPr lang="it-IT" i="1">
+                                      <a:latin typeface="Cambria Math" panose="02040503050406030204" pitchFamily="18" charset="0"/>
+                                    </a:rPr>
                                     <m:t>𝑞</m:t>
                                   </m:r>
                                 </m:e>
                                 <m:sup>
                                   <m:r>
-                                    <a:rPr lang="it-IT" i="1"/>
+                                    <a:rPr lang="it-IT" i="1">
+                                      <a:latin typeface="Cambria Math" panose="02040503050406030204" pitchFamily="18" charset="0"/>
+                                    </a:rPr>
                                     <m:t>∗</m:t>
                                   </m:r>
                                 </m:sup>
                               </m:sSup>
                               <m:r>
-                                <a:rPr lang="it-IT" i="1"/>
+                                <a:rPr lang="it-IT" i="1">
+                                  <a:latin typeface="Cambria Math" panose="02040503050406030204" pitchFamily="18" charset="0"/>
+                                </a:rPr>
                                 <m:t>, </m:t>
                               </m:r>
                               <m:acc>
                                 <m:accPr>
                                   <m:chr m:val="⃗"/>
                                   <m:ctrlPr>
-                                    <a:rPr lang="it-IT" b="1" i="1"/>
+                                    <a:rPr lang="it-IT" b="1" i="1">
+                                      <a:latin typeface="Cambria Math" panose="02040503050406030204" pitchFamily="18" charset="0"/>
+                                    </a:rPr>
                                   </m:ctrlPr>
                                 </m:accPr>
                                 <m:e>
                                   <m:sSup>
                                     <m:sSupPr>
                                       <m:ctrlPr>
-                                        <a:rPr lang="it-IT" b="1" i="1"/>
+                                        <a:rPr lang="it-IT" b="1" i="1">
+                                          <a:latin typeface="Cambria Math" panose="02040503050406030204" pitchFamily="18" charset="0"/>
+                                        </a:rPr>
                                       </m:ctrlPr>
                                     </m:sSupPr>
                                     <m:e>
                                       <m:r>
-                                        <a:rPr lang="it-IT" b="1" i="1"/>
+                                        <a:rPr lang="it-IT" b="1" i="1">
+                                          <a:latin typeface="Cambria Math" panose="02040503050406030204" pitchFamily="18" charset="0"/>
+                                        </a:rPr>
                                         <m:t>𝒑</m:t>
                                       </m:r>
                                     </m:e>
                                     <m:sup>
                                       <m:r>
-                                        <a:rPr lang="it-IT" b="1" i="1"/>
+                                        <a:rPr lang="it-IT" b="1" i="1">
+                                          <a:latin typeface="Cambria Math" panose="02040503050406030204" pitchFamily="18" charset="0"/>
+                                        </a:rPr>
                                         <m:t>∗</m:t>
                                       </m:r>
                                     </m:sup>
@@ -9492,20 +9678,26 @@
                         </m:num>
                         <m:den>
                           <m:r>
-                            <a:rPr lang="it-IT" i="1"/>
+                            <a:rPr lang="it-IT" i="1">
+                              <a:latin typeface="Cambria Math" panose="02040503050406030204" pitchFamily="18" charset="0"/>
+                            </a:rPr>
                             <m:t>𝑀</m:t>
                           </m:r>
                           <m:rad>
                             <m:radPr>
                               <m:degHide m:val="on"/>
                               <m:ctrlPr>
-                                <a:rPr lang="it-IT" i="1"/>
+                                <a:rPr lang="it-IT" i="1">
+                                  <a:latin typeface="Cambria Math" panose="02040503050406030204" pitchFamily="18" charset="0"/>
+                                </a:rPr>
                               </m:ctrlPr>
                             </m:radPr>
                             <m:deg/>
                             <m:e>
                               <m:r>
-                                <a:rPr lang="it-IT" i="1"/>
+                                <a:rPr lang="it-IT" i="1">
+                                  <a:latin typeface="Cambria Math" panose="02040503050406030204" pitchFamily="18" charset="0"/>
+                                </a:rPr>
                                 <m:t>3</m:t>
                               </m:r>
                             </m:e>
@@ -9513,7 +9705,9 @@
                         </m:den>
                       </m:f>
                       <m:r>
-                        <a:rPr lang="it-IT" i="1"/>
+                        <a:rPr lang="it-IT" i="1">
+                          <a:latin typeface="Cambria Math" panose="02040503050406030204" pitchFamily="18" charset="0"/>
+                        </a:rPr>
                         <m:t>= </m:t>
                       </m:r>
                       <m:nary>
@@ -9521,22 +9715,30 @@
                           <m:chr m:val="∑"/>
                           <m:limLoc m:val="undOvr"/>
                           <m:ctrlPr>
-                            <a:rPr lang="it-IT" i="1"/>
+                            <a:rPr lang="it-IT" i="1">
+                              <a:latin typeface="Cambria Math" panose="02040503050406030204" pitchFamily="18" charset="0"/>
+                            </a:rPr>
                           </m:ctrlPr>
                         </m:naryPr>
                         <m:sub>
                           <m:r>
-                            <a:rPr lang="it-IT" i="1"/>
+                            <a:rPr lang="it-IT" i="1">
+                              <a:latin typeface="Cambria Math" panose="02040503050406030204" pitchFamily="18" charset="0"/>
+                            </a:rPr>
                             <m:t>𝑗</m:t>
                           </m:r>
                           <m:r>
-                            <a:rPr lang="it-IT" i="1"/>
+                            <a:rPr lang="it-IT" i="1">
+                              <a:latin typeface="Cambria Math" panose="02040503050406030204" pitchFamily="18" charset="0"/>
+                            </a:rPr>
                             <m:t>=1</m:t>
                           </m:r>
                         </m:sub>
                         <m:sup>
                           <m:r>
-                            <a:rPr lang="it-IT" i="1"/>
+                            <a:rPr lang="it-IT" i="1">
+                              <a:latin typeface="Cambria Math" panose="02040503050406030204" pitchFamily="18" charset="0"/>
+                            </a:rPr>
                             <m:t>𝑀</m:t>
                           </m:r>
                         </m:sup>
@@ -9544,7 +9746,9 @@
                           <m:sSubSup>
                             <m:sSubSupPr>
                               <m:ctrlPr>
-                                <a:rPr lang="it-IT" i="1"/>
+                                <a:rPr lang="it-IT" i="1">
+                                  <a:latin typeface="Cambria Math" panose="02040503050406030204" pitchFamily="18" charset="0"/>
+                                </a:rPr>
                               </m:ctrlPr>
                             </m:sSubSupPr>
                             <m:e>
@@ -9553,24 +9757,34 @@
                                   <m:begChr m:val=""/>
                                   <m:endChr m:val="|"/>
                                   <m:ctrlPr>
-                                    <a:rPr lang="it-IT" i="1"/>
+                                    <a:rPr lang="it-IT" i="1">
+                                      <a:latin typeface="Cambria Math" panose="02040503050406030204" pitchFamily="18" charset="0"/>
+                                    </a:rPr>
                                   </m:ctrlPr>
                                 </m:dPr>
                                 <m:e>
                                   <m:r>
-                                    <a:rPr lang="it-IT" i="1"/>
+                                    <a:rPr lang="it-IT" i="1">
+                                      <a:latin typeface="Cambria Math" panose="02040503050406030204" pitchFamily="18" charset="0"/>
+                                    </a:rPr>
                                     <m:t>4</m:t>
                                   </m:r>
                                   <m:r>
-                                    <a:rPr lang="it-IT" i="1"/>
+                                    <a:rPr lang="it-IT" i="1">
+                                      <a:latin typeface="Cambria Math" panose="02040503050406030204" pitchFamily="18" charset="0"/>
+                                    </a:rPr>
                                     <m:t>𝜋𝜀</m:t>
                                   </m:r>
                                   <m:r>
-                                    <a:rPr lang="it-IT" i="1"/>
+                                    <a:rPr lang="it-IT" i="1">
+                                      <a:latin typeface="Cambria Math" panose="02040503050406030204" pitchFamily="18" charset="0"/>
+                                    </a:rPr>
                                     <m:t>∆</m:t>
                                   </m:r>
                                   <m:r>
-                                    <a:rPr lang="it-IT" i="1"/>
+                                    <a:rPr lang="it-IT" i="1">
+                                      <a:latin typeface="Cambria Math" panose="02040503050406030204" pitchFamily="18" charset="0"/>
+                                    </a:rPr>
                                     <m:t>𝑉</m:t>
                                   </m:r>
                                 </m:e>
@@ -9578,28 +9792,38 @@
                             </m:e>
                             <m:sub>
                               <m:r>
-                                <a:rPr lang="it-IT" i="1"/>
+                                <a:rPr lang="it-IT" i="1">
+                                  <a:latin typeface="Cambria Math" panose="02040503050406030204" pitchFamily="18" charset="0"/>
+                                </a:rPr>
                                 <m:t>𝑚</m:t>
                               </m:r>
                               <m:r>
-                                <a:rPr lang="it-IT" i="1"/>
+                                <a:rPr lang="it-IT" i="1">
+                                  <a:latin typeface="Cambria Math" panose="02040503050406030204" pitchFamily="18" charset="0"/>
+                                </a:rPr>
                                 <m:t>=</m:t>
                               </m:r>
                               <m:sSub>
                                 <m:sSubPr>
                                   <m:ctrlPr>
-                                    <a:rPr lang="it-IT" i="1"/>
+                                    <a:rPr lang="it-IT" i="1">
+                                      <a:latin typeface="Cambria Math" panose="02040503050406030204" pitchFamily="18" charset="0"/>
+                                    </a:rPr>
                                   </m:ctrlPr>
                                 </m:sSubPr>
                                 <m:e>
                                   <m:r>
-                                    <a:rPr lang="it-IT" i="1"/>
+                                    <a:rPr lang="it-IT" i="1">
+                                      <a:latin typeface="Cambria Math" panose="02040503050406030204" pitchFamily="18" charset="0"/>
+                                    </a:rPr>
                                     <m:t>𝑚</m:t>
                                   </m:r>
                                 </m:e>
                                 <m:sub>
                                   <m:r>
-                                    <a:rPr lang="it-IT" i="1"/>
+                                    <a:rPr lang="it-IT" i="1">
+                                      <a:latin typeface="Cambria Math" panose="02040503050406030204" pitchFamily="18" charset="0"/>
+                                    </a:rPr>
                                     <m:t>𝑗</m:t>
                                   </m:r>
                                 </m:sub>
@@ -9610,7 +9834,9 @@
                         </m:e>
                       </m:nary>
                       <m:r>
-                        <a:rPr lang="it-IT" i="1"/>
+                        <a:rPr lang="it-IT" i="1">
+                          <a:latin typeface="Cambria Math" panose="02040503050406030204" pitchFamily="18" charset="0"/>
+                        </a:rPr>
                         <m:t>= </m:t>
                       </m:r>
                       <m:nary>
@@ -9618,22 +9844,30 @@
                           <m:chr m:val="∑"/>
                           <m:limLoc m:val="undOvr"/>
                           <m:ctrlPr>
-                            <a:rPr lang="it-IT" i="1"/>
+                            <a:rPr lang="it-IT" i="1">
+                              <a:latin typeface="Cambria Math" panose="02040503050406030204" pitchFamily="18" charset="0"/>
+                            </a:rPr>
                           </m:ctrlPr>
                         </m:naryPr>
                         <m:sub>
                           <m:r>
-                            <a:rPr lang="it-IT" i="1"/>
+                            <a:rPr lang="it-IT" i="1">
+                              <a:latin typeface="Cambria Math" panose="02040503050406030204" pitchFamily="18" charset="0"/>
+                            </a:rPr>
                             <m:t>𝑗</m:t>
                           </m:r>
                           <m:r>
-                            <a:rPr lang="it-IT" i="1"/>
+                            <a:rPr lang="it-IT" i="1">
+                              <a:latin typeface="Cambria Math" panose="02040503050406030204" pitchFamily="18" charset="0"/>
+                            </a:rPr>
                             <m:t>=1</m:t>
                           </m:r>
                         </m:sub>
                         <m:sup>
                           <m:r>
-                            <a:rPr lang="it-IT" i="1"/>
+                            <a:rPr lang="it-IT" i="1">
+                              <a:latin typeface="Cambria Math" panose="02040503050406030204" pitchFamily="18" charset="0"/>
+                            </a:rPr>
                             <m:t>𝑀</m:t>
                           </m:r>
                         </m:sup>
@@ -9641,39 +9875,51 @@
                           <m:sSup>
                             <m:sSupPr>
                               <m:ctrlPr>
-                                <a:rPr lang="it-IT" i="1"/>
+                                <a:rPr lang="it-IT" i="1">
+                                  <a:latin typeface="Cambria Math" panose="02040503050406030204" pitchFamily="18" charset="0"/>
+                                </a:rPr>
                               </m:ctrlPr>
                             </m:sSupPr>
                             <m:e>
                               <m:d>
                                 <m:dPr>
                                   <m:ctrlPr>
-                                    <a:rPr lang="it-IT" i="1"/>
+                                    <a:rPr lang="it-IT" i="1">
+                                      <a:latin typeface="Cambria Math" panose="02040503050406030204" pitchFamily="18" charset="0"/>
+                                    </a:rPr>
                                   </m:ctrlPr>
                                 </m:dPr>
                                 <m:e>
                                   <m:f>
                                     <m:fPr>
                                       <m:ctrlPr>
-                                        <a:rPr lang="it-IT" i="1"/>
+                                        <a:rPr lang="it-IT" i="1">
+                                          <a:latin typeface="Cambria Math" panose="02040503050406030204" pitchFamily="18" charset="0"/>
+                                        </a:rPr>
                                       </m:ctrlPr>
                                     </m:fPr>
                                     <m:num>
                                       <m:sSub>
                                         <m:sSubPr>
                                           <m:ctrlPr>
-                                            <a:rPr lang="it-IT" i="1"/>
+                                            <a:rPr lang="it-IT" i="1">
+                                              <a:latin typeface="Cambria Math" panose="02040503050406030204" pitchFamily="18" charset="0"/>
+                                            </a:rPr>
                                           </m:ctrlPr>
                                         </m:sSubPr>
                                         <m:e>
                                           <m:r>
-                                            <a:rPr lang="it-IT" i="1"/>
+                                            <a:rPr lang="it-IT" i="1">
+                                              <a:latin typeface="Cambria Math" panose="02040503050406030204" pitchFamily="18" charset="0"/>
+                                            </a:rPr>
                                             <m:t>𝑞</m:t>
                                           </m:r>
                                         </m:e>
                                         <m:sub>
                                           <m:r>
-                                            <a:rPr lang="it-IT" i="1"/>
+                                            <a:rPr lang="it-IT" i="1">
+                                              <a:latin typeface="Cambria Math" panose="02040503050406030204" pitchFamily="18" charset="0"/>
+                                            </a:rPr>
                                             <m:t>𝑁</m:t>
                                           </m:r>
                                         </m:sub>
@@ -9685,7 +9931,9 @@
                                           <m:begChr m:val="|"/>
                                           <m:endChr m:val="|"/>
                                           <m:ctrlPr>
-                                            <a:rPr lang="it-IT" i="1"/>
+                                            <a:rPr lang="it-IT" i="1">
+                                              <a:latin typeface="Cambria Math" panose="02040503050406030204" pitchFamily="18" charset="0"/>
+                                            </a:rPr>
                                           </m:ctrlPr>
                                         </m:dPr>
                                         <m:e>
@@ -9694,7 +9942,9 @@
                                               <m:begChr m:val="|"/>
                                               <m:endChr m:val="|"/>
                                               <m:ctrlPr>
-                                                <a:rPr lang="it-IT" i="1"/>
+                                                <a:rPr lang="it-IT" i="1">
+                                                  <a:latin typeface="Cambria Math" panose="02040503050406030204" pitchFamily="18" charset="0"/>
+                                                </a:rPr>
                                               </m:ctrlPr>
                                             </m:dPr>
                                             <m:e>
@@ -9702,25 +9952,33 @@
                                                 <m:accPr>
                                                   <m:chr m:val="⃗"/>
                                                   <m:ctrlPr>
-                                                    <a:rPr lang="it-IT" b="1" i="1"/>
+                                                    <a:rPr lang="it-IT" b="1" i="1">
+                                                      <a:latin typeface="Cambria Math" panose="02040503050406030204" pitchFamily="18" charset="0"/>
+                                                    </a:rPr>
                                                   </m:ctrlPr>
                                                 </m:accPr>
                                                 <m:e>
                                                   <m:sSub>
                                                     <m:sSubPr>
                                                       <m:ctrlPr>
-                                                        <a:rPr lang="it-IT" b="1" i="1"/>
+                                                        <a:rPr lang="it-IT" b="1" i="1">
+                                                          <a:latin typeface="Cambria Math" panose="02040503050406030204" pitchFamily="18" charset="0"/>
+                                                        </a:rPr>
                                                       </m:ctrlPr>
                                                     </m:sSubPr>
                                                     <m:e>
                                                       <m:r>
-                                                        <a:rPr lang="it-IT" b="1" i="1"/>
+                                                        <a:rPr lang="it-IT" b="1" i="1">
+                                                          <a:latin typeface="Cambria Math" panose="02040503050406030204" pitchFamily="18" charset="0"/>
+                                                        </a:rPr>
                                                         <m:t>𝒑</m:t>
                                                       </m:r>
                                                     </m:e>
                                                     <m:sub>
                                                       <m:r>
-                                                        <a:rPr lang="it-IT" b="1" i="1"/>
+                                                        <a:rPr lang="it-IT" b="1" i="1">
+                                                          <a:latin typeface="Cambria Math" panose="02040503050406030204" pitchFamily="18" charset="0"/>
+                                                        </a:rPr>
                                                         <m:t>𝑵</m:t>
                                                       </m:r>
                                                     </m:sub>
@@ -9728,32 +9986,42 @@
                                                 </m:e>
                                               </m:acc>
                                               <m:r>
-                                                <a:rPr lang="it-IT" i="1"/>
+                                                <a:rPr lang="it-IT" i="1">
+                                                  <a:latin typeface="Cambria Math" panose="02040503050406030204" pitchFamily="18" charset="0"/>
+                                                </a:rPr>
                                                 <m:t>−</m:t>
                                               </m:r>
                                               <m:acc>
                                                 <m:accPr>
                                                   <m:chr m:val="⃗"/>
                                                   <m:ctrlPr>
-                                                    <a:rPr lang="it-IT" b="1" i="1"/>
+                                                    <a:rPr lang="it-IT" b="1" i="1">
+                                                      <a:latin typeface="Cambria Math" panose="02040503050406030204" pitchFamily="18" charset="0"/>
+                                                    </a:rPr>
                                                   </m:ctrlPr>
                                                 </m:accPr>
                                                 <m:e>
                                                   <m:sSub>
                                                     <m:sSubPr>
                                                       <m:ctrlPr>
-                                                        <a:rPr lang="it-IT" b="1" i="1"/>
+                                                        <a:rPr lang="it-IT" b="1" i="1">
+                                                          <a:latin typeface="Cambria Math" panose="02040503050406030204" pitchFamily="18" charset="0"/>
+                                                        </a:rPr>
                                                       </m:ctrlPr>
                                                     </m:sSubPr>
                                                     <m:e>
                                                       <m:r>
-                                                        <a:rPr lang="it-IT" b="1" i="1"/>
+                                                        <a:rPr lang="it-IT" b="1" i="1">
+                                                          <a:latin typeface="Cambria Math" panose="02040503050406030204" pitchFamily="18" charset="0"/>
+                                                        </a:rPr>
                                                         <m:t>𝒎</m:t>
                                                       </m:r>
                                                     </m:e>
                                                     <m:sub>
                                                       <m:r>
-                                                        <a:rPr lang="it-IT" b="1" i="1"/>
+                                                        <a:rPr lang="it-IT" b="1" i="1">
+                                                          <a:latin typeface="Cambria Math" panose="02040503050406030204" pitchFamily="18" charset="0"/>
+                                                        </a:rPr>
                                                         <m:t>𝒋</m:t>
                                                       </m:r>
                                                     </m:sub>
@@ -9767,31 +10035,41 @@
                                     </m:den>
                                   </m:f>
                                   <m:r>
-                                    <a:rPr lang="it-IT" i="1"/>
+                                    <a:rPr lang="it-IT" i="1">
+                                      <a:latin typeface="Cambria Math" panose="02040503050406030204" pitchFamily="18" charset="0"/>
+                                    </a:rPr>
                                     <m:t>−</m:t>
                                   </m:r>
                                   <m:f>
                                     <m:fPr>
                                       <m:ctrlPr>
-                                        <a:rPr lang="it-IT" i="1"/>
+                                        <a:rPr lang="it-IT" i="1">
+                                          <a:latin typeface="Cambria Math" panose="02040503050406030204" pitchFamily="18" charset="0"/>
+                                        </a:rPr>
                                       </m:ctrlPr>
                                     </m:fPr>
                                     <m:num>
                                       <m:sSup>
                                         <m:sSupPr>
                                           <m:ctrlPr>
-                                            <a:rPr lang="it-IT" i="1"/>
+                                            <a:rPr lang="it-IT" i="1">
+                                              <a:latin typeface="Cambria Math" panose="02040503050406030204" pitchFamily="18" charset="0"/>
+                                            </a:rPr>
                                           </m:ctrlPr>
                                         </m:sSupPr>
                                         <m:e>
                                           <m:r>
-                                            <a:rPr lang="it-IT" i="1"/>
+                                            <a:rPr lang="it-IT" i="1">
+                                              <a:latin typeface="Cambria Math" panose="02040503050406030204" pitchFamily="18" charset="0"/>
+                                            </a:rPr>
                                             <m:t>𝑞</m:t>
                                           </m:r>
                                         </m:e>
                                         <m:sup>
                                           <m:r>
-                                            <a:rPr lang="it-IT" i="1"/>
+                                            <a:rPr lang="it-IT" i="1">
+                                              <a:latin typeface="Cambria Math" panose="02040503050406030204" pitchFamily="18" charset="0"/>
+                                            </a:rPr>
                                             <m:t>∗</m:t>
                                           </m:r>
                                         </m:sup>
@@ -9799,7 +10077,9 @@
                                     </m:num>
                                     <m:den>
                                       <m:r>
-                                        <a:rPr lang="it-IT" i="1"/>
+                                        <a:rPr lang="it-IT" i="1">
+                                          <a:latin typeface="Cambria Math" panose="02040503050406030204" pitchFamily="18" charset="0"/>
+                                        </a:rPr>
                                         <m:t> </m:t>
                                       </m:r>
                                       <m:d>
@@ -9807,7 +10087,9 @@
                                           <m:begChr m:val="|"/>
                                           <m:endChr m:val="|"/>
                                           <m:ctrlPr>
-                                            <a:rPr lang="it-IT" i="1"/>
+                                            <a:rPr lang="it-IT" i="1">
+                                              <a:latin typeface="Cambria Math" panose="02040503050406030204" pitchFamily="18" charset="0"/>
+                                            </a:rPr>
                                           </m:ctrlPr>
                                         </m:dPr>
                                         <m:e>
@@ -9816,7 +10098,9 @@
                                               <m:begChr m:val="|"/>
                                               <m:endChr m:val="|"/>
                                               <m:ctrlPr>
-                                                <a:rPr lang="it-IT" i="1"/>
+                                                <a:rPr lang="it-IT" i="1">
+                                                  <a:latin typeface="Cambria Math" panose="02040503050406030204" pitchFamily="18" charset="0"/>
+                                                </a:rPr>
                                               </m:ctrlPr>
                                             </m:dPr>
                                             <m:e>
@@ -9824,25 +10108,33 @@
                                                 <m:accPr>
                                                   <m:chr m:val="⃗"/>
                                                   <m:ctrlPr>
-                                                    <a:rPr lang="it-IT" b="1" i="1"/>
+                                                    <a:rPr lang="it-IT" b="1" i="1">
+                                                      <a:latin typeface="Cambria Math" panose="02040503050406030204" pitchFamily="18" charset="0"/>
+                                                    </a:rPr>
                                                   </m:ctrlPr>
                                                 </m:accPr>
                                                 <m:e>
                                                   <m:sSup>
                                                     <m:sSupPr>
                                                       <m:ctrlPr>
-                                                        <a:rPr lang="it-IT" b="1" i="1"/>
+                                                        <a:rPr lang="it-IT" b="1" i="1">
+                                                          <a:latin typeface="Cambria Math" panose="02040503050406030204" pitchFamily="18" charset="0"/>
+                                                        </a:rPr>
                                                       </m:ctrlPr>
                                                     </m:sSupPr>
                                                     <m:e>
                                                       <m:r>
-                                                        <a:rPr lang="it-IT" b="1" i="1"/>
+                                                        <a:rPr lang="it-IT" b="1" i="1">
+                                                          <a:latin typeface="Cambria Math" panose="02040503050406030204" pitchFamily="18" charset="0"/>
+                                                        </a:rPr>
                                                         <m:t>𝒑</m:t>
                                                       </m:r>
                                                     </m:e>
                                                     <m:sup>
                                                       <m:r>
-                                                        <a:rPr lang="it-IT" b="1" i="1"/>
+                                                        <a:rPr lang="it-IT" b="1" i="1">
+                                                          <a:latin typeface="Cambria Math" panose="02040503050406030204" pitchFamily="18" charset="0"/>
+                                                        </a:rPr>
                                                         <m:t>∗</m:t>
                                                       </m:r>
                                                     </m:sup>
@@ -9850,32 +10142,42 @@
                                                 </m:e>
                                               </m:acc>
                                               <m:r>
-                                                <a:rPr lang="it-IT" i="1"/>
+                                                <a:rPr lang="it-IT" i="1">
+                                                  <a:latin typeface="Cambria Math" panose="02040503050406030204" pitchFamily="18" charset="0"/>
+                                                </a:rPr>
                                                 <m:t>−</m:t>
                                               </m:r>
                                               <m:acc>
                                                 <m:accPr>
                                                   <m:chr m:val="⃗"/>
                                                   <m:ctrlPr>
-                                                    <a:rPr lang="it-IT" b="1" i="1"/>
+                                                    <a:rPr lang="it-IT" b="1" i="1">
+                                                      <a:latin typeface="Cambria Math" panose="02040503050406030204" pitchFamily="18" charset="0"/>
+                                                    </a:rPr>
                                                   </m:ctrlPr>
                                                 </m:accPr>
                                                 <m:e>
                                                   <m:sSub>
                                                     <m:sSubPr>
                                                       <m:ctrlPr>
-                                                        <a:rPr lang="it-IT" b="1" i="1"/>
+                                                        <a:rPr lang="it-IT" b="1" i="1">
+                                                          <a:latin typeface="Cambria Math" panose="02040503050406030204" pitchFamily="18" charset="0"/>
+                                                        </a:rPr>
                                                       </m:ctrlPr>
                                                     </m:sSubPr>
                                                     <m:e>
                                                       <m:r>
-                                                        <a:rPr lang="it-IT" b="1" i="1"/>
+                                                        <a:rPr lang="it-IT" b="1" i="1">
+                                                          <a:latin typeface="Cambria Math" panose="02040503050406030204" pitchFamily="18" charset="0"/>
+                                                        </a:rPr>
                                                         <m:t>𝒎</m:t>
                                                       </m:r>
                                                     </m:e>
                                                     <m:sub>
                                                       <m:r>
-                                                        <a:rPr lang="it-IT" b="1" i="1"/>
+                                                        <a:rPr lang="it-IT" b="1" i="1">
+                                                          <a:latin typeface="Cambria Math" panose="02040503050406030204" pitchFamily="18" charset="0"/>
+                                                        </a:rPr>
                                                         <m:t>𝒋</m:t>
                                                       </m:r>
                                                     </m:sub>
@@ -9889,7 +10191,9 @@
                                     </m:den>
                                   </m:f>
                                   <m:r>
-                                    <a:rPr lang="it-IT" i="1"/>
+                                    <a:rPr lang="it-IT" i="1">
+                                      <a:latin typeface="Cambria Math" panose="02040503050406030204" pitchFamily="18" charset="0"/>
+                                    </a:rPr>
                                     <m:t> </m:t>
                                   </m:r>
                                 </m:e>
@@ -9897,7 +10201,9 @@
                             </m:e>
                             <m:sup>
                               <m:r>
-                                <a:rPr lang="it-IT" i="1"/>
+                                <a:rPr lang="it-IT" i="1">
+                                  <a:latin typeface="Cambria Math" panose="02040503050406030204" pitchFamily="18" charset="0"/>
+                                </a:rPr>
                                 <m:t>2</m:t>
                               </m:r>
                             </m:sup>
@@ -9918,7 +10224,7 @@
             </p:txBody>
           </p:sp>
         </mc:Choice>
-        <mc:Fallback>
+        <mc:Fallback xmlns="">
           <p:sp>
             <p:nvSpPr>
               <p:cNvPr id="7" name="TextBox 6"/>

--- a/IDENTICAZIONE SISTEMA DI CARICHE PUNTIFORMI DA MISURE DI.pptx
+++ b/IDENTICAZIONE SISTEMA DI CARICHE PUNTIFORMI DA MISURE DI.pptx
@@ -5,7 +5,7 @@
     <p:sldMasterId id="2147484292" r:id="rId1"/>
   </p:sldMasterIdLst>
   <p:notesMasterIdLst>
-    <p:notesMasterId r:id="rId14"/>
+    <p:notesMasterId r:id="rId17"/>
   </p:notesMasterIdLst>
   <p:sldIdLst>
     <p:sldId id="256" r:id="rId2"/>
@@ -20,6 +20,9 @@
     <p:sldId id="264" r:id="rId11"/>
     <p:sldId id="265" r:id="rId12"/>
     <p:sldId id="266" r:id="rId13"/>
+    <p:sldId id="268" r:id="rId14"/>
+    <p:sldId id="269" r:id="rId15"/>
+    <p:sldId id="270" r:id="rId16"/>
   </p:sldIdLst>
   <p:sldSz cx="12192000" cy="6858000"/>
   <p:notesSz cx="6858000" cy="9144000"/>
@@ -5383,6 +5386,1110 @@
     <p:extLst>
       <p:ext uri="{BB962C8B-B14F-4D97-AF65-F5344CB8AC3E}">
         <p14:creationId xmlns:p14="http://schemas.microsoft.com/office/powerpoint/2010/main" val="2935635592"/>
+      </p:ext>
+    </p:extLst>
+  </p:cSld>
+  <p:clrMapOvr>
+    <a:masterClrMapping/>
+  </p:clrMapOvr>
+  <p:timing>
+    <p:tnLst>
+      <p:par>
+        <p:cTn id="1" dur="indefinite" restart="never" nodeType="tmRoot"/>
+      </p:par>
+    </p:tnLst>
+  </p:timing>
+</p:sld>
+</file>
+
+<file path=ppt/slides/slide13.xml><?xml version="1.0" encoding="utf-8"?>
+<p:sld xmlns:a="http://schemas.openxmlformats.org/drawingml/2006/main" xmlns:r="http://schemas.openxmlformats.org/officeDocument/2006/relationships" xmlns:p="http://schemas.openxmlformats.org/presentationml/2006/main">
+  <p:cSld>
+    <p:spTree>
+      <p:nvGrpSpPr>
+        <p:cNvPr id="1" name=""/>
+        <p:cNvGrpSpPr/>
+        <p:nvPr/>
+      </p:nvGrpSpPr>
+      <p:grpSpPr>
+        <a:xfrm>
+          <a:off x="0" y="0"/>
+          <a:ext cx="0" cy="0"/>
+          <a:chOff x="0" y="0"/>
+          <a:chExt cx="0" cy="0"/>
+        </a:xfrm>
+      </p:grpSpPr>
+      <p:sp>
+        <p:nvSpPr>
+          <p:cNvPr id="2" name="Titolo 1"/>
+          <p:cNvSpPr>
+            <a:spLocks noGrp="1"/>
+          </p:cNvSpPr>
+          <p:nvPr>
+            <p:ph type="title"/>
+          </p:nvPr>
+        </p:nvSpPr>
+        <p:spPr/>
+        <p:txBody>
+          <a:bodyPr/>
+          <a:lstStyle/>
+          <a:p>
+            <a:r>
+              <a:rPr lang="it-IT" dirty="0" smtClean="0"/>
+              <a:t>RISULTATO SENZA VINCOLO</a:t>
+            </a:r>
+            <a:endParaRPr lang="it-IT" dirty="0"/>
+          </a:p>
+        </p:txBody>
+      </p:sp>
+      <p:sp>
+        <p:nvSpPr>
+          <p:cNvPr id="3" name="Segnaposto contenuto 2"/>
+          <p:cNvSpPr>
+            <a:spLocks noGrp="1"/>
+          </p:cNvSpPr>
+          <p:nvPr>
+            <p:ph idx="1"/>
+          </p:nvPr>
+        </p:nvSpPr>
+        <p:spPr>
+          <a:xfrm>
+            <a:off x="1097280" y="1988896"/>
+            <a:ext cx="10058400" cy="950232"/>
+          </a:xfrm>
+        </p:spPr>
+        <p:txBody>
+          <a:bodyPr>
+            <a:normAutofit/>
+          </a:bodyPr>
+          <a:lstStyle/>
+          <a:p>
+            <a:r>
+              <a:rPr lang="it-IT" dirty="0"/>
+              <a:t>Simplex(@</a:t>
+            </a:r>
+            <a:r>
+              <a:rPr lang="it-IT" dirty="0" err="1"/>
+              <a:t>cost_function</a:t>
+            </a:r>
+            <a:r>
+              <a:rPr lang="it-IT" dirty="0"/>
+              <a:t>, { }, [-.2 .5 .3], .3, </a:t>
+            </a:r>
+            <a:r>
+              <a:rPr lang="it-IT" dirty="0" smtClean="0"/>
+              <a:t>1e-5, 500);</a:t>
+            </a:r>
+            <a:endParaRPr lang="it-IT" dirty="0"/>
+          </a:p>
+        </p:txBody>
+      </p:sp>
+      <p:sp>
+        <p:nvSpPr>
+          <p:cNvPr id="4" name="Rectangle 3"/>
+          <p:cNvSpPr/>
+          <p:nvPr/>
+        </p:nvSpPr>
+        <p:spPr>
+          <a:xfrm>
+            <a:off x="1097280" y="2464012"/>
+            <a:ext cx="5199018" cy="1754326"/>
+          </a:xfrm>
+          <a:prstGeom prst="rect">
+            <a:avLst/>
+          </a:prstGeom>
+        </p:spPr>
+        <p:txBody>
+          <a:bodyPr wrap="square">
+            <a:spAutoFit/>
+          </a:bodyPr>
+          <a:lstStyle/>
+          <a:p>
+            <a:pPr marL="285750" indent="-285750">
+              <a:buFont typeface="Arial" panose="020B0604020202020204" pitchFamily="34" charset="0"/>
+              <a:buChar char="•"/>
+            </a:pPr>
+            <a:r>
+              <a:rPr lang="it-IT" dirty="0"/>
+              <a:t>Valore nell’ultimo vertice = 1.6150e-06</a:t>
+            </a:r>
+          </a:p>
+          <a:p>
+            <a:pPr marL="285750" indent="-285750">
+              <a:buFont typeface="Arial" panose="020B0604020202020204" pitchFamily="34" charset="0"/>
+              <a:buChar char="•"/>
+            </a:pPr>
+            <a:r>
+              <a:rPr lang="it-IT" dirty="0"/>
+              <a:t>risultato =  -0.2799    0.3995    0.4000</a:t>
+            </a:r>
+          </a:p>
+          <a:p>
+            <a:pPr marL="285750" indent="-285750">
+              <a:buFont typeface="Arial" panose="020B0604020202020204" pitchFamily="34" charset="0"/>
+              <a:buChar char="•"/>
+            </a:pPr>
+            <a:r>
+              <a:rPr lang="it-IT" dirty="0"/>
+              <a:t>iterazioni = 500</a:t>
+            </a:r>
+          </a:p>
+          <a:p>
+            <a:pPr marL="285750" indent="-285750">
+              <a:buFont typeface="Arial" panose="020B0604020202020204" pitchFamily="34" charset="0"/>
+              <a:buChar char="•"/>
+            </a:pPr>
+            <a:r>
+              <a:rPr lang="it-IT" dirty="0"/>
+              <a:t>dimezzamenti = 13</a:t>
+            </a:r>
+          </a:p>
+          <a:p>
+            <a:pPr marL="285750" indent="-285750">
+              <a:buFont typeface="Arial" panose="020B0604020202020204" pitchFamily="34" charset="0"/>
+              <a:buChar char="•"/>
+            </a:pPr>
+            <a:r>
+              <a:rPr lang="it-IT" dirty="0"/>
+              <a:t>superficie finale = 7.7591e-04</a:t>
+            </a:r>
+          </a:p>
+          <a:p>
+            <a:pPr marL="285750" indent="-285750">
+              <a:buFont typeface="Arial" panose="020B0604020202020204" pitchFamily="34" charset="0"/>
+              <a:buChar char="•"/>
+            </a:pPr>
+            <a:r>
+              <a:rPr lang="it-IT" dirty="0"/>
+              <a:t>errore = 0.0201    0.0005    0.0000</a:t>
+            </a:r>
+          </a:p>
+        </p:txBody>
+      </p:sp>
+      <p:pic>
+        <p:nvPicPr>
+          <p:cNvPr id="6" name="Immagine 5"/>
+          <p:cNvPicPr/>
+          <p:nvPr/>
+        </p:nvPicPr>
+        <p:blipFill>
+          <a:blip r:embed="rId2"/>
+          <a:stretch>
+            <a:fillRect/>
+          </a:stretch>
+        </p:blipFill>
+        <p:spPr>
+          <a:xfrm>
+            <a:off x="8116037" y="330389"/>
+            <a:ext cx="3552632" cy="3317013"/>
+          </a:xfrm>
+          <a:prstGeom prst="rect">
+            <a:avLst/>
+          </a:prstGeom>
+        </p:spPr>
+      </p:pic>
+      <p:pic>
+        <p:nvPicPr>
+          <p:cNvPr id="5" name="Immagine 4"/>
+          <p:cNvPicPr>
+            <a:picLocks noChangeAspect="1"/>
+          </p:cNvPicPr>
+          <p:nvPr/>
+        </p:nvPicPr>
+        <p:blipFill>
+          <a:blip r:embed="rId3"/>
+          <a:stretch>
+            <a:fillRect/>
+          </a:stretch>
+        </p:blipFill>
+        <p:spPr>
+          <a:xfrm>
+            <a:off x="5780723" y="3414244"/>
+            <a:ext cx="3454717" cy="2906085"/>
+          </a:xfrm>
+          <a:prstGeom prst="rect">
+            <a:avLst/>
+          </a:prstGeom>
+        </p:spPr>
+      </p:pic>
+    </p:spTree>
+    <p:extLst>
+      <p:ext uri="{BB962C8B-B14F-4D97-AF65-F5344CB8AC3E}">
+        <p14:creationId xmlns:p14="http://schemas.microsoft.com/office/powerpoint/2010/main" val="2421135861"/>
+      </p:ext>
+    </p:extLst>
+  </p:cSld>
+  <p:clrMapOvr>
+    <a:masterClrMapping/>
+  </p:clrMapOvr>
+  <p:timing>
+    <p:tnLst>
+      <p:par>
+        <p:cTn id="1" dur="indefinite" restart="never" nodeType="tmRoot"/>
+      </p:par>
+    </p:tnLst>
+  </p:timing>
+</p:sld>
+</file>
+
+<file path=ppt/slides/slide14.xml><?xml version="1.0" encoding="utf-8"?>
+<p:sld xmlns:a="http://schemas.openxmlformats.org/drawingml/2006/main" xmlns:r="http://schemas.openxmlformats.org/officeDocument/2006/relationships" xmlns:p="http://schemas.openxmlformats.org/presentationml/2006/main">
+  <p:cSld>
+    <p:spTree>
+      <p:nvGrpSpPr>
+        <p:cNvPr id="1" name=""/>
+        <p:cNvGrpSpPr/>
+        <p:nvPr/>
+      </p:nvGrpSpPr>
+      <p:grpSpPr>
+        <a:xfrm>
+          <a:off x="0" y="0"/>
+          <a:ext cx="0" cy="0"/>
+          <a:chOff x="0" y="0"/>
+          <a:chExt cx="0" cy="0"/>
+        </a:xfrm>
+      </p:grpSpPr>
+      <p:sp>
+        <p:nvSpPr>
+          <p:cNvPr id="2" name="Titolo 1"/>
+          <p:cNvSpPr>
+            <a:spLocks noGrp="1"/>
+          </p:cNvSpPr>
+          <p:nvPr>
+            <p:ph type="title"/>
+          </p:nvPr>
+        </p:nvSpPr>
+        <p:spPr/>
+        <p:txBody>
+          <a:bodyPr/>
+          <a:lstStyle/>
+          <a:p>
+            <a:r>
+              <a:rPr lang="it-IT" dirty="0" smtClean="0"/>
+              <a:t>RISULTATO CON VINCOLO</a:t>
+            </a:r>
+            <a:endParaRPr lang="it-IT" dirty="0"/>
+          </a:p>
+        </p:txBody>
+      </p:sp>
+      <p:sp>
+        <p:nvSpPr>
+          <p:cNvPr id="3" name="Segnaposto contenuto 2"/>
+          <p:cNvSpPr>
+            <a:spLocks noGrp="1"/>
+          </p:cNvSpPr>
+          <p:nvPr>
+            <p:ph idx="1"/>
+          </p:nvPr>
+        </p:nvSpPr>
+        <p:spPr>
+          <a:xfrm>
+            <a:off x="1097280" y="1988896"/>
+            <a:ext cx="10058400" cy="950232"/>
+          </a:xfrm>
+        </p:spPr>
+        <p:txBody>
+          <a:bodyPr>
+            <a:normAutofit/>
+          </a:bodyPr>
+          <a:lstStyle/>
+          <a:p>
+            <a:r>
+              <a:rPr lang="it-IT" dirty="0"/>
+              <a:t>Simplex(@</a:t>
+            </a:r>
+            <a:r>
+              <a:rPr lang="it-IT" dirty="0" err="1"/>
+              <a:t>cost_function</a:t>
+            </a:r>
+            <a:r>
+              <a:rPr lang="it-IT" dirty="0"/>
+              <a:t>, { }, [-.2 .5 .3], .3, </a:t>
+            </a:r>
+            <a:r>
+              <a:rPr lang="it-IT" dirty="0" smtClean="0"/>
+              <a:t>1e-5, 500);</a:t>
+            </a:r>
+            <a:endParaRPr lang="it-IT" dirty="0"/>
+          </a:p>
+        </p:txBody>
+      </p:sp>
+      <p:sp>
+        <p:nvSpPr>
+          <p:cNvPr id="4" name="Rectangle 3"/>
+          <p:cNvSpPr/>
+          <p:nvPr/>
+        </p:nvSpPr>
+        <p:spPr>
+          <a:xfrm>
+            <a:off x="1097280" y="3872872"/>
+            <a:ext cx="5199018" cy="1754326"/>
+          </a:xfrm>
+          <a:prstGeom prst="rect">
+            <a:avLst/>
+          </a:prstGeom>
+        </p:spPr>
+        <p:txBody>
+          <a:bodyPr wrap="square">
+            <a:spAutoFit/>
+          </a:bodyPr>
+          <a:lstStyle/>
+          <a:p>
+            <a:pPr marL="285750" indent="-285750">
+              <a:buFont typeface="Arial" panose="020B0604020202020204" pitchFamily="34" charset="0"/>
+              <a:buChar char="•"/>
+            </a:pPr>
+            <a:r>
+              <a:rPr lang="it-IT" dirty="0"/>
+              <a:t>Valore nell’ultimo vertice = 0.0012</a:t>
+            </a:r>
+          </a:p>
+          <a:p>
+            <a:pPr marL="285750" indent="-285750">
+              <a:buFont typeface="Arial" panose="020B0604020202020204" pitchFamily="34" charset="0"/>
+              <a:buChar char="•"/>
+            </a:pPr>
+            <a:r>
+              <a:rPr lang="it-IT" dirty="0"/>
+              <a:t>risultato =   -0.2946    0.4021    0.3999</a:t>
+            </a:r>
+          </a:p>
+          <a:p>
+            <a:pPr marL="285750" indent="-285750">
+              <a:buFont typeface="Arial" panose="020B0604020202020204" pitchFamily="34" charset="0"/>
+              <a:buChar char="•"/>
+            </a:pPr>
+            <a:r>
+              <a:rPr lang="it-IT" dirty="0"/>
+              <a:t>iterazioni = 500</a:t>
+            </a:r>
+          </a:p>
+          <a:p>
+            <a:pPr marL="285750" indent="-285750">
+              <a:buFont typeface="Arial" panose="020B0604020202020204" pitchFamily="34" charset="0"/>
+              <a:buChar char="•"/>
+            </a:pPr>
+            <a:r>
+              <a:rPr lang="it-IT" dirty="0"/>
+              <a:t>dimezzamenti = 13</a:t>
+            </a:r>
+          </a:p>
+          <a:p>
+            <a:pPr marL="285750" indent="-285750">
+              <a:buFont typeface="Arial" panose="020B0604020202020204" pitchFamily="34" charset="0"/>
+              <a:buChar char="•"/>
+            </a:pPr>
+            <a:r>
+              <a:rPr lang="it-IT" dirty="0"/>
+              <a:t>superficie finale = 7.5929e-04</a:t>
+            </a:r>
+          </a:p>
+          <a:p>
+            <a:pPr marL="285750" indent="-285750">
+              <a:buFont typeface="Arial" panose="020B0604020202020204" pitchFamily="34" charset="0"/>
+              <a:buChar char="•"/>
+            </a:pPr>
+            <a:r>
+              <a:rPr lang="it-IT" dirty="0"/>
+              <a:t>errore = 0.0054    0.0021    0.0001</a:t>
+            </a:r>
+          </a:p>
+        </p:txBody>
+      </p:sp>
+      <mc:AlternateContent xmlns:mc="http://schemas.openxmlformats.org/markup-compatibility/2006">
+        <mc:Choice xmlns:a14="http://schemas.microsoft.com/office/drawing/2010/main" Requires="a14">
+          <p:sp>
+            <p:nvSpPr>
+              <p:cNvPr id="7" name="Segnaposto contenuto 2"/>
+              <p:cNvSpPr txBox="1">
+                <a:spLocks/>
+              </p:cNvSpPr>
+              <p:nvPr/>
+            </p:nvSpPr>
+            <p:spPr>
+              <a:xfrm>
+                <a:off x="1097280" y="2671104"/>
+                <a:ext cx="10058400" cy="950232"/>
+              </a:xfrm>
+              <a:prstGeom prst="rect">
+                <a:avLst/>
+              </a:prstGeom>
+            </p:spPr>
+            <p:txBody>
+              <a:bodyPr vert="horz" lIns="0" tIns="45720" rIns="0" bIns="45720" rtlCol="0">
+                <a:normAutofit/>
+              </a:bodyPr>
+              <a:lstStyle>
+                <a:lvl1pPr marL="91440" indent="-91440" algn="l" defTabSz="914400" rtl="0" eaLnBrk="1" latinLnBrk="0" hangingPunct="1">
+                  <a:lnSpc>
+                    <a:spcPct val="90000"/>
+                  </a:lnSpc>
+                  <a:spcBef>
+                    <a:spcPts val="1200"/>
+                  </a:spcBef>
+                  <a:spcAft>
+                    <a:spcPts val="200"/>
+                  </a:spcAft>
+                  <a:buClr>
+                    <a:schemeClr val="accent1"/>
+                  </a:buClr>
+                  <a:buSzPct val="100000"/>
+                  <a:buFont typeface="Calibri" panose="020F0502020204030204" pitchFamily="34" charset="0"/>
+                  <a:buChar char=" "/>
+                  <a:defRPr sz="2000" kern="1200">
+                    <a:solidFill>
+                      <a:schemeClr val="tx1">
+                        <a:lumMod val="75000"/>
+                        <a:lumOff val="25000"/>
+                      </a:schemeClr>
+                    </a:solidFill>
+                    <a:latin typeface="+mn-lt"/>
+                    <a:ea typeface="+mn-ea"/>
+                    <a:cs typeface="+mn-cs"/>
+                  </a:defRPr>
+                </a:lvl1pPr>
+                <a:lvl2pPr marL="384048" indent="-182880" algn="l" defTabSz="914400" rtl="0" eaLnBrk="1" latinLnBrk="0" hangingPunct="1">
+                  <a:lnSpc>
+                    <a:spcPct val="90000"/>
+                  </a:lnSpc>
+                  <a:spcBef>
+                    <a:spcPts val="200"/>
+                  </a:spcBef>
+                  <a:spcAft>
+                    <a:spcPts val="400"/>
+                  </a:spcAft>
+                  <a:buClr>
+                    <a:schemeClr val="accent1"/>
+                  </a:buClr>
+                  <a:buFont typeface="Calibri" pitchFamily="34" charset="0"/>
+                  <a:buChar char="◦"/>
+                  <a:defRPr sz="1800" kern="1200">
+                    <a:solidFill>
+                      <a:schemeClr val="tx1">
+                        <a:lumMod val="75000"/>
+                        <a:lumOff val="25000"/>
+                      </a:schemeClr>
+                    </a:solidFill>
+                    <a:latin typeface="+mn-lt"/>
+                    <a:ea typeface="+mn-ea"/>
+                    <a:cs typeface="+mn-cs"/>
+                  </a:defRPr>
+                </a:lvl2pPr>
+                <a:lvl3pPr marL="566928" indent="-182880" algn="l" defTabSz="914400" rtl="0" eaLnBrk="1" latinLnBrk="0" hangingPunct="1">
+                  <a:lnSpc>
+                    <a:spcPct val="90000"/>
+                  </a:lnSpc>
+                  <a:spcBef>
+                    <a:spcPts val="200"/>
+                  </a:spcBef>
+                  <a:spcAft>
+                    <a:spcPts val="400"/>
+                  </a:spcAft>
+                  <a:buClr>
+                    <a:schemeClr val="accent1"/>
+                  </a:buClr>
+                  <a:buFont typeface="Calibri" pitchFamily="34" charset="0"/>
+                  <a:buChar char="◦"/>
+                  <a:defRPr sz="1400" kern="1200">
+                    <a:solidFill>
+                      <a:schemeClr val="tx1">
+                        <a:lumMod val="75000"/>
+                        <a:lumOff val="25000"/>
+                      </a:schemeClr>
+                    </a:solidFill>
+                    <a:latin typeface="+mn-lt"/>
+                    <a:ea typeface="+mn-ea"/>
+                    <a:cs typeface="+mn-cs"/>
+                  </a:defRPr>
+                </a:lvl3pPr>
+                <a:lvl4pPr marL="749808" indent="-182880" algn="l" defTabSz="914400" rtl="0" eaLnBrk="1" latinLnBrk="0" hangingPunct="1">
+                  <a:lnSpc>
+                    <a:spcPct val="90000"/>
+                  </a:lnSpc>
+                  <a:spcBef>
+                    <a:spcPts val="200"/>
+                  </a:spcBef>
+                  <a:spcAft>
+                    <a:spcPts val="400"/>
+                  </a:spcAft>
+                  <a:buClr>
+                    <a:schemeClr val="accent1"/>
+                  </a:buClr>
+                  <a:buFont typeface="Calibri" pitchFamily="34" charset="0"/>
+                  <a:buChar char="◦"/>
+                  <a:defRPr sz="1400" kern="1200">
+                    <a:solidFill>
+                      <a:schemeClr val="tx1">
+                        <a:lumMod val="75000"/>
+                        <a:lumOff val="25000"/>
+                      </a:schemeClr>
+                    </a:solidFill>
+                    <a:latin typeface="+mn-lt"/>
+                    <a:ea typeface="+mn-ea"/>
+                    <a:cs typeface="+mn-cs"/>
+                  </a:defRPr>
+                </a:lvl4pPr>
+                <a:lvl5pPr marL="932688" indent="-182880" algn="l" defTabSz="914400" rtl="0" eaLnBrk="1" latinLnBrk="0" hangingPunct="1">
+                  <a:lnSpc>
+                    <a:spcPct val="90000"/>
+                  </a:lnSpc>
+                  <a:spcBef>
+                    <a:spcPts val="200"/>
+                  </a:spcBef>
+                  <a:spcAft>
+                    <a:spcPts val="400"/>
+                  </a:spcAft>
+                  <a:buClr>
+                    <a:schemeClr val="accent1"/>
+                  </a:buClr>
+                  <a:buFont typeface="Calibri" pitchFamily="34" charset="0"/>
+                  <a:buChar char="◦"/>
+                  <a:defRPr sz="1400" kern="1200">
+                    <a:solidFill>
+                      <a:schemeClr val="tx1">
+                        <a:lumMod val="75000"/>
+                        <a:lumOff val="25000"/>
+                      </a:schemeClr>
+                    </a:solidFill>
+                    <a:latin typeface="+mn-lt"/>
+                    <a:ea typeface="+mn-ea"/>
+                    <a:cs typeface="+mn-cs"/>
+                  </a:defRPr>
+                </a:lvl5pPr>
+                <a:lvl6pPr marL="1100000" indent="-228600" algn="l" defTabSz="914400" rtl="0" eaLnBrk="1" latinLnBrk="0" hangingPunct="1">
+                  <a:lnSpc>
+                    <a:spcPct val="90000"/>
+                  </a:lnSpc>
+                  <a:spcBef>
+                    <a:spcPts val="200"/>
+                  </a:spcBef>
+                  <a:spcAft>
+                    <a:spcPts val="400"/>
+                  </a:spcAft>
+                  <a:buClr>
+                    <a:schemeClr val="accent1"/>
+                  </a:buClr>
+                  <a:buFont typeface="Calibri" pitchFamily="34" charset="0"/>
+                  <a:buChar char="◦"/>
+                  <a:defRPr sz="1400" kern="1200">
+                    <a:solidFill>
+                      <a:schemeClr val="tx1">
+                        <a:lumMod val="75000"/>
+                        <a:lumOff val="25000"/>
+                      </a:schemeClr>
+                    </a:solidFill>
+                    <a:latin typeface="+mn-lt"/>
+                    <a:ea typeface="+mn-ea"/>
+                    <a:cs typeface="+mn-cs"/>
+                  </a:defRPr>
+                </a:lvl6pPr>
+                <a:lvl7pPr marL="1300000" indent="-228600" algn="l" defTabSz="914400" rtl="0" eaLnBrk="1" latinLnBrk="0" hangingPunct="1">
+                  <a:lnSpc>
+                    <a:spcPct val="90000"/>
+                  </a:lnSpc>
+                  <a:spcBef>
+                    <a:spcPts val="200"/>
+                  </a:spcBef>
+                  <a:spcAft>
+                    <a:spcPts val="400"/>
+                  </a:spcAft>
+                  <a:buClr>
+                    <a:schemeClr val="accent1"/>
+                  </a:buClr>
+                  <a:buFont typeface="Calibri" pitchFamily="34" charset="0"/>
+                  <a:buChar char="◦"/>
+                  <a:defRPr sz="1400" kern="1200">
+                    <a:solidFill>
+                      <a:schemeClr val="tx1">
+                        <a:lumMod val="75000"/>
+                        <a:lumOff val="25000"/>
+                      </a:schemeClr>
+                    </a:solidFill>
+                    <a:latin typeface="+mn-lt"/>
+                    <a:ea typeface="+mn-ea"/>
+                    <a:cs typeface="+mn-cs"/>
+                  </a:defRPr>
+                </a:lvl7pPr>
+                <a:lvl8pPr marL="1500000" indent="-228600" algn="l" defTabSz="914400" rtl="0" eaLnBrk="1" latinLnBrk="0" hangingPunct="1">
+                  <a:lnSpc>
+                    <a:spcPct val="90000"/>
+                  </a:lnSpc>
+                  <a:spcBef>
+                    <a:spcPts val="200"/>
+                  </a:spcBef>
+                  <a:spcAft>
+                    <a:spcPts val="400"/>
+                  </a:spcAft>
+                  <a:buClr>
+                    <a:schemeClr val="accent1"/>
+                  </a:buClr>
+                  <a:buFont typeface="Calibri" pitchFamily="34" charset="0"/>
+                  <a:buChar char="◦"/>
+                  <a:defRPr sz="1400" kern="1200">
+                    <a:solidFill>
+                      <a:schemeClr val="tx1">
+                        <a:lumMod val="75000"/>
+                        <a:lumOff val="25000"/>
+                      </a:schemeClr>
+                    </a:solidFill>
+                    <a:latin typeface="+mn-lt"/>
+                    <a:ea typeface="+mn-ea"/>
+                    <a:cs typeface="+mn-cs"/>
+                  </a:defRPr>
+                </a:lvl8pPr>
+                <a:lvl9pPr marL="1700000" indent="-228600" algn="l" defTabSz="914400" rtl="0" eaLnBrk="1" latinLnBrk="0" hangingPunct="1">
+                  <a:lnSpc>
+                    <a:spcPct val="90000"/>
+                  </a:lnSpc>
+                  <a:spcBef>
+                    <a:spcPts val="200"/>
+                  </a:spcBef>
+                  <a:spcAft>
+                    <a:spcPts val="400"/>
+                  </a:spcAft>
+                  <a:buClr>
+                    <a:schemeClr val="accent1"/>
+                  </a:buClr>
+                  <a:buFont typeface="Calibri" pitchFamily="34" charset="0"/>
+                  <a:buChar char="◦"/>
+                  <a:defRPr sz="1400" kern="1200">
+                    <a:solidFill>
+                      <a:schemeClr val="tx1">
+                        <a:lumMod val="75000"/>
+                        <a:lumOff val="25000"/>
+                      </a:schemeClr>
+                    </a:solidFill>
+                    <a:latin typeface="+mn-lt"/>
+                    <a:ea typeface="+mn-ea"/>
+                    <a:cs typeface="+mn-cs"/>
+                  </a:defRPr>
+                </a:lvl9pPr>
+              </a:lstStyle>
+              <a:p>
+                <a:r>
+                  <a:rPr lang="it-IT" dirty="0" smtClean="0"/>
+                  <a:t>Vincolo:</a:t>
+                </a:r>
+              </a:p>
+              <a:p>
+                <a14:m>
+                  <m:oMath xmlns:m="http://schemas.openxmlformats.org/officeDocument/2006/math">
+                    <m:sSup>
+                      <m:sSupPr>
+                        <m:ctrlPr>
+                          <a:rPr lang="it-IT" i="1" smtClean="0"/>
+                        </m:ctrlPr>
+                      </m:sSupPr>
+                      <m:e>
+                        <m:d>
+                          <m:dPr>
+                            <m:ctrlPr>
+                              <a:rPr lang="it-IT" i="1"/>
+                            </m:ctrlPr>
+                          </m:dPr>
+                          <m:e>
+                            <m:r>
+                              <a:rPr lang="it-IT" i="1"/>
+                              <m:t>𝑥</m:t>
+                            </m:r>
+                            <m:r>
+                              <a:rPr lang="it-IT" i="1"/>
+                              <m:t>+0.6</m:t>
+                            </m:r>
+                          </m:e>
+                        </m:d>
+                      </m:e>
+                      <m:sup>
+                        <m:r>
+                          <a:rPr lang="it-IT" i="1"/>
+                          <m:t>2</m:t>
+                        </m:r>
+                      </m:sup>
+                    </m:sSup>
+                    <m:r>
+                      <a:rPr lang="it-IT" i="1"/>
+                      <m:t>+</m:t>
+                    </m:r>
+                    <m:sSup>
+                      <m:sSupPr>
+                        <m:ctrlPr>
+                          <a:rPr lang="it-IT" i="1"/>
+                        </m:ctrlPr>
+                      </m:sSupPr>
+                      <m:e>
+                        <m:d>
+                          <m:dPr>
+                            <m:ctrlPr>
+                              <a:rPr lang="it-IT" i="1"/>
+                            </m:ctrlPr>
+                          </m:dPr>
+                          <m:e>
+                            <m:r>
+                              <a:rPr lang="it-IT" i="1"/>
+                              <m:t>𝑦</m:t>
+                            </m:r>
+                            <m:r>
+                              <a:rPr lang="it-IT" i="1"/>
+                              <m:t>−0.6</m:t>
+                            </m:r>
+                          </m:e>
+                        </m:d>
+                      </m:e>
+                      <m:sup>
+                        <m:r>
+                          <a:rPr lang="it-IT" i="1"/>
+                          <m:t>2</m:t>
+                        </m:r>
+                      </m:sup>
+                    </m:sSup>
+                    <m:r>
+                      <a:rPr lang="it-IT" i="1"/>
+                      <m:t>+</m:t>
+                    </m:r>
+                    <m:sSup>
+                      <m:sSupPr>
+                        <m:ctrlPr>
+                          <a:rPr lang="it-IT" i="1"/>
+                        </m:ctrlPr>
+                      </m:sSupPr>
+                      <m:e>
+                        <m:d>
+                          <m:dPr>
+                            <m:ctrlPr>
+                              <a:rPr lang="it-IT" i="1"/>
+                            </m:ctrlPr>
+                          </m:dPr>
+                          <m:e>
+                            <m:r>
+                              <a:rPr lang="it-IT" i="1"/>
+                              <m:t>𝑧</m:t>
+                            </m:r>
+                            <m:r>
+                              <a:rPr lang="it-IT" i="1"/>
+                              <m:t>−0.5</m:t>
+                            </m:r>
+                          </m:e>
+                        </m:d>
+                      </m:e>
+                      <m:sup>
+                        <m:r>
+                          <a:rPr lang="it-IT" i="1"/>
+                          <m:t>2</m:t>
+                        </m:r>
+                      </m:sup>
+                    </m:sSup>
+                    <m:r>
+                      <a:rPr lang="it-IT" i="1"/>
+                      <m:t>−</m:t>
+                    </m:r>
+                    <m:sSup>
+                      <m:sSupPr>
+                        <m:ctrlPr>
+                          <a:rPr lang="it-IT" i="1"/>
+                        </m:ctrlPr>
+                      </m:sSupPr>
+                      <m:e>
+                        <m:r>
+                          <a:rPr lang="it-IT" i="1"/>
+                          <m:t>1.2</m:t>
+                        </m:r>
+                      </m:e>
+                      <m:sup>
+                        <m:r>
+                          <a:rPr lang="it-IT" i="1"/>
+                          <m:t>2</m:t>
+                        </m:r>
+                      </m:sup>
+                    </m:sSup>
+                    <m:r>
+                      <a:rPr lang="it-IT" i="1"/>
+                      <m:t>&lt;0 </m:t>
+                    </m:r>
+                  </m:oMath>
+                </a14:m>
+                <a:endParaRPr lang="it-IT" dirty="0"/>
+              </a:p>
+            </p:txBody>
+          </p:sp>
+        </mc:Choice>
+        <mc:Fallback>
+          <p:sp>
+            <p:nvSpPr>
+              <p:cNvPr id="7" name="Segnaposto contenuto 2"/>
+              <p:cNvSpPr txBox="1">
+                <a:spLocks noRot="1" noChangeAspect="1" noMove="1" noResize="1" noEditPoints="1" noAdjustHandles="1" noChangeArrowheads="1" noChangeShapeType="1" noTextEdit="1"/>
+              </p:cNvSpPr>
+              <p:nvPr/>
+            </p:nvSpPr>
+            <p:spPr>
+              <a:xfrm>
+                <a:off x="1097280" y="2671104"/>
+                <a:ext cx="10058400" cy="950232"/>
+              </a:xfrm>
+              <a:prstGeom prst="rect">
+                <a:avLst/>
+              </a:prstGeom>
+              <a:blipFill>
+                <a:blip r:embed="rId2"/>
+                <a:stretch>
+                  <a:fillRect l="-606" t="-6410"/>
+                </a:stretch>
+              </a:blipFill>
+            </p:spPr>
+            <p:txBody>
+              <a:bodyPr/>
+              <a:lstStyle/>
+              <a:p>
+                <a:r>
+                  <a:rPr lang="it-IT">
+                    <a:noFill/>
+                  </a:rPr>
+                  <a:t> </a:t>
+                </a:r>
+              </a:p>
+            </p:txBody>
+          </p:sp>
+        </mc:Fallback>
+      </mc:AlternateContent>
+      <p:pic>
+        <p:nvPicPr>
+          <p:cNvPr id="8" name="Immagine 7"/>
+          <p:cNvPicPr/>
+          <p:nvPr/>
+        </p:nvPicPr>
+        <p:blipFill>
+          <a:blip r:embed="rId3"/>
+          <a:stretch>
+            <a:fillRect/>
+          </a:stretch>
+        </p:blipFill>
+        <p:spPr>
+          <a:xfrm>
+            <a:off x="7169150" y="1737360"/>
+            <a:ext cx="5022850" cy="4549775"/>
+          </a:xfrm>
+          <a:prstGeom prst="rect">
+            <a:avLst/>
+          </a:prstGeom>
+        </p:spPr>
+      </p:pic>
+    </p:spTree>
+    <p:extLst>
+      <p:ext uri="{BB962C8B-B14F-4D97-AF65-F5344CB8AC3E}">
+        <p14:creationId xmlns:p14="http://schemas.microsoft.com/office/powerpoint/2010/main" val="610352970"/>
+      </p:ext>
+    </p:extLst>
+  </p:cSld>
+  <p:clrMapOvr>
+    <a:masterClrMapping/>
+  </p:clrMapOvr>
+  <p:timing>
+    <p:tnLst>
+      <p:par>
+        <p:cTn id="1" dur="indefinite" restart="never" nodeType="tmRoot"/>
+      </p:par>
+    </p:tnLst>
+  </p:timing>
+</p:sld>
+</file>
+
+<file path=ppt/slides/slide15.xml><?xml version="1.0" encoding="utf-8"?>
+<p:sld xmlns:a="http://schemas.openxmlformats.org/drawingml/2006/main" xmlns:r="http://schemas.openxmlformats.org/officeDocument/2006/relationships" xmlns:p="http://schemas.openxmlformats.org/presentationml/2006/main">
+  <p:cSld>
+    <p:spTree>
+      <p:nvGrpSpPr>
+        <p:cNvPr id="1" name=""/>
+        <p:cNvGrpSpPr/>
+        <p:nvPr/>
+      </p:nvGrpSpPr>
+      <p:grpSpPr>
+        <a:xfrm>
+          <a:off x="0" y="0"/>
+          <a:ext cx="0" cy="0"/>
+          <a:chOff x="0" y="0"/>
+          <a:chExt cx="0" cy="0"/>
+        </a:xfrm>
+      </p:grpSpPr>
+      <p:sp>
+        <p:nvSpPr>
+          <p:cNvPr id="2" name="Titolo 1"/>
+          <p:cNvSpPr>
+            <a:spLocks noGrp="1"/>
+          </p:cNvSpPr>
+          <p:nvPr>
+            <p:ph type="title"/>
+          </p:nvPr>
+        </p:nvSpPr>
+        <p:spPr/>
+        <p:txBody>
+          <a:bodyPr/>
+          <a:lstStyle/>
+          <a:p>
+            <a:r>
+              <a:rPr lang="it-IT" dirty="0" smtClean="0"/>
+              <a:t>RISULTATO CRIMINE INVERSO</a:t>
+            </a:r>
+            <a:endParaRPr lang="it-IT" dirty="0"/>
+          </a:p>
+        </p:txBody>
+      </p:sp>
+      <p:sp>
+        <p:nvSpPr>
+          <p:cNvPr id="3" name="Segnaposto contenuto 2"/>
+          <p:cNvSpPr>
+            <a:spLocks noGrp="1"/>
+          </p:cNvSpPr>
+          <p:nvPr>
+            <p:ph idx="1"/>
+          </p:nvPr>
+        </p:nvSpPr>
+        <p:spPr>
+          <a:xfrm>
+            <a:off x="1097280" y="1988896"/>
+            <a:ext cx="10058400" cy="950232"/>
+          </a:xfrm>
+        </p:spPr>
+        <p:txBody>
+          <a:bodyPr>
+            <a:normAutofit/>
+          </a:bodyPr>
+          <a:lstStyle/>
+          <a:p>
+            <a:r>
+              <a:rPr lang="it-IT" dirty="0"/>
+              <a:t>Simplex(@</a:t>
+            </a:r>
+            <a:r>
+              <a:rPr lang="it-IT" dirty="0" err="1"/>
+              <a:t>cost_function</a:t>
+            </a:r>
+            <a:r>
+              <a:rPr lang="it-IT" dirty="0"/>
+              <a:t>, </a:t>
+            </a:r>
+            <a:r>
+              <a:rPr lang="it-IT" dirty="0"/>
+              <a:t>{</a:t>
+            </a:r>
+            <a:r>
+              <a:rPr lang="it-IT" dirty="0" smtClean="0"/>
+              <a:t>}, [-.3 .4 .4], .</a:t>
+            </a:r>
+            <a:r>
+              <a:rPr lang="it-IT" dirty="0"/>
+              <a:t>3, 1e-5, 500);</a:t>
+            </a:r>
+          </a:p>
+        </p:txBody>
+      </p:sp>
+      <p:sp>
+        <p:nvSpPr>
+          <p:cNvPr id="4" name="Rectangle 3"/>
+          <p:cNvSpPr/>
+          <p:nvPr/>
+        </p:nvSpPr>
+        <p:spPr>
+          <a:xfrm>
+            <a:off x="1097280" y="2858805"/>
+            <a:ext cx="5199018" cy="1754326"/>
+          </a:xfrm>
+          <a:prstGeom prst="rect">
+            <a:avLst/>
+          </a:prstGeom>
+        </p:spPr>
+        <p:txBody>
+          <a:bodyPr wrap="square">
+            <a:spAutoFit/>
+          </a:bodyPr>
+          <a:lstStyle/>
+          <a:p>
+            <a:pPr marL="285750" indent="-285750">
+              <a:buFont typeface="Arial" panose="020B0604020202020204" pitchFamily="34" charset="0"/>
+              <a:buChar char="•"/>
+            </a:pPr>
+            <a:r>
+              <a:rPr lang="it-IT" dirty="0"/>
+              <a:t>Valore nell’ultimo vertice = 0</a:t>
+            </a:r>
+          </a:p>
+          <a:p>
+            <a:pPr marL="285750" indent="-285750">
+              <a:buFont typeface="Arial" panose="020B0604020202020204" pitchFamily="34" charset="0"/>
+              <a:buChar char="•"/>
+            </a:pPr>
+            <a:r>
+              <a:rPr lang="it-IT" dirty="0"/>
+              <a:t>Risultato  = -0.3000    0.4000    0.4000</a:t>
+            </a:r>
+          </a:p>
+          <a:p>
+            <a:pPr marL="285750" indent="-285750">
+              <a:buFont typeface="Arial" panose="020B0604020202020204" pitchFamily="34" charset="0"/>
+              <a:buChar char="•"/>
+            </a:pPr>
+            <a:r>
+              <a:rPr lang="it-IT" dirty="0"/>
+              <a:t>iterazioni = 35</a:t>
+            </a:r>
+          </a:p>
+          <a:p>
+            <a:pPr marL="285750" indent="-285750">
+              <a:buFont typeface="Arial" panose="020B0604020202020204" pitchFamily="34" charset="0"/>
+              <a:buChar char="•"/>
+            </a:pPr>
+            <a:r>
+              <a:rPr lang="it-IT" dirty="0"/>
+              <a:t>dimezzamenti = 20</a:t>
+            </a:r>
+          </a:p>
+          <a:p>
+            <a:pPr marL="285750" indent="-285750">
+              <a:buFont typeface="Arial" panose="020B0604020202020204" pitchFamily="34" charset="0"/>
+              <a:buChar char="•"/>
+            </a:pPr>
+            <a:r>
+              <a:rPr lang="it-IT" dirty="0"/>
+              <a:t>superficie finale = 6.7356e-06</a:t>
+            </a:r>
+          </a:p>
+          <a:p>
+            <a:pPr marL="285750" indent="-285750">
+              <a:buFont typeface="Arial" panose="020B0604020202020204" pitchFamily="34" charset="0"/>
+              <a:buChar char="•"/>
+            </a:pPr>
+            <a:r>
+              <a:rPr lang="it-IT" dirty="0"/>
+              <a:t>errore = 0     0     0</a:t>
+            </a:r>
+          </a:p>
+        </p:txBody>
+      </p:sp>
+      <p:pic>
+        <p:nvPicPr>
+          <p:cNvPr id="9" name="Immagine 8"/>
+          <p:cNvPicPr/>
+          <p:nvPr/>
+        </p:nvPicPr>
+        <p:blipFill>
+          <a:blip r:embed="rId2"/>
+          <a:stretch>
+            <a:fillRect/>
+          </a:stretch>
+        </p:blipFill>
+        <p:spPr>
+          <a:xfrm>
+            <a:off x="6788537" y="1737360"/>
+            <a:ext cx="5403463" cy="4592320"/>
+          </a:xfrm>
+          <a:prstGeom prst="rect">
+            <a:avLst/>
+          </a:prstGeom>
+        </p:spPr>
+      </p:pic>
+    </p:spTree>
+    <p:extLst>
+      <p:ext uri="{BB962C8B-B14F-4D97-AF65-F5344CB8AC3E}">
+        <p14:creationId xmlns:p14="http://schemas.microsoft.com/office/powerpoint/2010/main" val="1840755104"/>
       </p:ext>
     </p:extLst>
   </p:cSld>

--- a/IDENTICAZIONE SISTEMA DI CARICHE PUNTIFORMI DA MISURE DI.pptx
+++ b/IDENTICAZIONE SISTEMA DI CARICHE PUNTIFORMI DA MISURE DI.pptx
@@ -211,7 +211,7 @@
           <a:p>
             <a:fld id="{0B626E60-15AC-294D-A4F1-F70323F0F9DF}" type="datetimeFigureOut">
               <a:rPr lang="en-US" smtClean="0"/>
-              <a:t>12/4/2017</a:t>
+              <a:t>12/4/17</a:t>
             </a:fld>
             <a:endParaRPr lang="en-US"/>
           </a:p>
@@ -370,7 +370,7 @@
           <a:p>
             <a:fld id="{B84B1DCE-DD70-5840-A766-ADE0E79E6240}" type="slidenum">
               <a:rPr lang="en-US" smtClean="0"/>
-              <a:t>‹N›</a:t>
+              <a:t>‹#›</a:t>
             </a:fld>
             <a:endParaRPr lang="en-US"/>
           </a:p>
@@ -1140,7 +1140,7 @@
           <a:p>
             <a:fld id="{D400A843-E78D-45FE-BBE0-0DFBB922583B}" type="datetimeFigureOut">
               <a:rPr lang="it-IT" smtClean="0"/>
-              <a:t>04/12/2017</a:t>
+              <a:t>04/12/17</a:t>
             </a:fld>
             <a:endParaRPr lang="it-IT"/>
           </a:p>
@@ -1182,7 +1182,7 @@
           <a:p>
             <a:fld id="{1B29E90A-79A6-4357-BA0E-73A707E87A6D}" type="slidenum">
               <a:rPr lang="it-IT" smtClean="0"/>
-              <a:t>‹N›</a:t>
+              <a:t>‹#›</a:t>
             </a:fld>
             <a:endParaRPr lang="it-IT"/>
           </a:p>
@@ -1343,7 +1343,7 @@
           <a:p>
             <a:fld id="{D400A843-E78D-45FE-BBE0-0DFBB922583B}" type="datetimeFigureOut">
               <a:rPr lang="it-IT" smtClean="0"/>
-              <a:t>04/12/2017</a:t>
+              <a:t>04/12/17</a:t>
             </a:fld>
             <a:endParaRPr lang="it-IT"/>
           </a:p>
@@ -1385,7 +1385,7 @@
           <a:p>
             <a:fld id="{1B29E90A-79A6-4357-BA0E-73A707E87A6D}" type="slidenum">
               <a:rPr lang="it-IT" smtClean="0"/>
-              <a:t>‹N›</a:t>
+              <a:t>‹#›</a:t>
             </a:fld>
             <a:endParaRPr lang="it-IT"/>
           </a:p>
@@ -1594,7 +1594,7 @@
           <a:p>
             <a:fld id="{D400A843-E78D-45FE-BBE0-0DFBB922583B}" type="datetimeFigureOut">
               <a:rPr lang="it-IT" smtClean="0"/>
-              <a:t>04/12/2017</a:t>
+              <a:t>04/12/17</a:t>
             </a:fld>
             <a:endParaRPr lang="it-IT"/>
           </a:p>
@@ -1636,7 +1636,7 @@
           <a:p>
             <a:fld id="{1B29E90A-79A6-4357-BA0E-73A707E87A6D}" type="slidenum">
               <a:rPr lang="it-IT" smtClean="0"/>
-              <a:t>‹N›</a:t>
+              <a:t>‹#›</a:t>
             </a:fld>
             <a:endParaRPr lang="it-IT"/>
           </a:p>
@@ -1763,7 +1763,7 @@
           <a:p>
             <a:fld id="{D400A843-E78D-45FE-BBE0-0DFBB922583B}" type="datetimeFigureOut">
               <a:rPr lang="it-IT" smtClean="0"/>
-              <a:t>04/12/2017</a:t>
+              <a:t>04/12/17</a:t>
             </a:fld>
             <a:endParaRPr lang="it-IT"/>
           </a:p>
@@ -1805,7 +1805,7 @@
           <a:p>
             <a:fld id="{1B29E90A-79A6-4357-BA0E-73A707E87A6D}" type="slidenum">
               <a:rPr lang="it-IT" smtClean="0"/>
-              <a:t>‹N›</a:t>
+              <a:t>‹#›</a:t>
             </a:fld>
             <a:endParaRPr lang="it-IT"/>
           </a:p>
@@ -2101,7 +2101,7 @@
           <a:p>
             <a:fld id="{D400A843-E78D-45FE-BBE0-0DFBB922583B}" type="datetimeFigureOut">
               <a:rPr lang="it-IT" smtClean="0"/>
-              <a:t>04/12/2017</a:t>
+              <a:t>04/12/17</a:t>
             </a:fld>
             <a:endParaRPr lang="it-IT"/>
           </a:p>
@@ -2143,7 +2143,7 @@
           <a:p>
             <a:fld id="{1B29E90A-79A6-4357-BA0E-73A707E87A6D}" type="slidenum">
               <a:rPr lang="it-IT" smtClean="0"/>
-              <a:t>‹N›</a:t>
+              <a:t>‹#›</a:t>
             </a:fld>
             <a:endParaRPr lang="it-IT"/>
           </a:p>
@@ -2371,7 +2371,7 @@
           <a:p>
             <a:fld id="{D400A843-E78D-45FE-BBE0-0DFBB922583B}" type="datetimeFigureOut">
               <a:rPr lang="it-IT" smtClean="0"/>
-              <a:t>04/12/2017</a:t>
+              <a:t>04/12/17</a:t>
             </a:fld>
             <a:endParaRPr lang="it-IT"/>
           </a:p>
@@ -2413,7 +2413,7 @@
           <a:p>
             <a:fld id="{1B29E90A-79A6-4357-BA0E-73A707E87A6D}" type="slidenum">
               <a:rPr lang="it-IT" smtClean="0"/>
-              <a:t>‹N›</a:t>
+              <a:t>‹#›</a:t>
             </a:fld>
             <a:endParaRPr lang="it-IT"/>
           </a:p>
@@ -2745,7 +2745,7 @@
           <a:p>
             <a:fld id="{D400A843-E78D-45FE-BBE0-0DFBB922583B}" type="datetimeFigureOut">
               <a:rPr lang="it-IT" smtClean="0"/>
-              <a:t>04/12/2017</a:t>
+              <a:t>04/12/17</a:t>
             </a:fld>
             <a:endParaRPr lang="it-IT"/>
           </a:p>
@@ -2787,7 +2787,7 @@
           <a:p>
             <a:fld id="{1B29E90A-79A6-4357-BA0E-73A707E87A6D}" type="slidenum">
               <a:rPr lang="it-IT" smtClean="0"/>
-              <a:t>‹N›</a:t>
+              <a:t>‹#›</a:t>
             </a:fld>
             <a:endParaRPr lang="it-IT"/>
           </a:p>
@@ -2858,7 +2858,7 @@
           <a:p>
             <a:fld id="{D400A843-E78D-45FE-BBE0-0DFBB922583B}" type="datetimeFigureOut">
               <a:rPr lang="it-IT" smtClean="0"/>
-              <a:t>04/12/2017</a:t>
+              <a:t>04/12/17</a:t>
             </a:fld>
             <a:endParaRPr lang="it-IT"/>
           </a:p>
@@ -2900,7 +2900,7 @@
           <a:p>
             <a:fld id="{1B29E90A-79A6-4357-BA0E-73A707E87A6D}" type="slidenum">
               <a:rPr lang="it-IT" smtClean="0"/>
-              <a:t>‹N›</a:t>
+              <a:t>‹#›</a:t>
             </a:fld>
             <a:endParaRPr lang="it-IT"/>
           </a:p>
@@ -3024,7 +3024,7 @@
           <a:p>
             <a:fld id="{D400A843-E78D-45FE-BBE0-0DFBB922583B}" type="datetimeFigureOut">
               <a:rPr lang="it-IT" smtClean="0"/>
-              <a:t>04/12/2017</a:t>
+              <a:t>04/12/17</a:t>
             </a:fld>
             <a:endParaRPr lang="it-IT"/>
           </a:p>
@@ -3074,7 +3074,7 @@
           <a:p>
             <a:fld id="{1B29E90A-79A6-4357-BA0E-73A707E87A6D}" type="slidenum">
               <a:rPr lang="it-IT" smtClean="0"/>
-              <a:t>‹N›</a:t>
+              <a:t>‹#›</a:t>
             </a:fld>
             <a:endParaRPr lang="it-IT"/>
           </a:p>
@@ -3373,7 +3373,7 @@
           <a:p>
             <a:fld id="{D400A843-E78D-45FE-BBE0-0DFBB922583B}" type="datetimeFigureOut">
               <a:rPr lang="it-IT" smtClean="0"/>
-              <a:t>04/12/2017</a:t>
+              <a:t>04/12/17</a:t>
             </a:fld>
             <a:endParaRPr lang="it-IT"/>
           </a:p>
@@ -3436,7 +3436,7 @@
           <a:p>
             <a:fld id="{1B29E90A-79A6-4357-BA0E-73A707E87A6D}" type="slidenum">
               <a:rPr lang="it-IT" smtClean="0"/>
-              <a:t>‹N›</a:t>
+              <a:t>‹#›</a:t>
             </a:fld>
             <a:endParaRPr lang="it-IT"/>
           </a:p>
@@ -3747,7 +3747,7 @@
           <a:p>
             <a:fld id="{D400A843-E78D-45FE-BBE0-0DFBB922583B}" type="datetimeFigureOut">
               <a:rPr lang="it-IT" smtClean="0"/>
-              <a:t>04/12/2017</a:t>
+              <a:t>04/12/17</a:t>
             </a:fld>
             <a:endParaRPr lang="it-IT"/>
           </a:p>
@@ -3789,7 +3789,7 @@
           <a:p>
             <a:fld id="{1B29E90A-79A6-4357-BA0E-73A707E87A6D}" type="slidenum">
               <a:rPr lang="it-IT" smtClean="0"/>
-              <a:t>‹N›</a:t>
+              <a:t>‹#›</a:t>
             </a:fld>
             <a:endParaRPr lang="it-IT"/>
           </a:p>
@@ -4029,7 +4029,7 @@
           <a:p>
             <a:fld id="{D400A843-E78D-45FE-BBE0-0DFBB922583B}" type="datetimeFigureOut">
               <a:rPr lang="it-IT" smtClean="0"/>
-              <a:t>04/12/2017</a:t>
+              <a:t>04/12/17</a:t>
             </a:fld>
             <a:endParaRPr lang="it-IT"/>
           </a:p>
@@ -4103,7 +4103,7 @@
           <a:p>
             <a:fld id="{1B29E90A-79A6-4357-BA0E-73A707E87A6D}" type="slidenum">
               <a:rPr lang="it-IT" smtClean="0"/>
-              <a:t>‹N›</a:t>
+              <a:t>‹#›</a:t>
             </a:fld>
             <a:endParaRPr lang="it-IT"/>
           </a:p>
@@ -4828,7 +4828,7 @@
                         <m:fPr>
                           <m:ctrlPr>
                             <a:rPr lang="mr-IN" i="1" smtClean="0">
-                              <a:latin typeface="Cambria Math" panose="02040503050406030204" pitchFamily="18" charset="0"/>
+                              <a:latin typeface="Cambria Math" charset="0"/>
                             </a:rPr>
                           </m:ctrlPr>
                         </m:fPr>
@@ -4838,7 +4838,7 @@
                               <m:degHide m:val="on"/>
                               <m:ctrlPr>
                                 <a:rPr lang="mr-IN" i="1" smtClean="0">
-                                  <a:latin typeface="Cambria Math" panose="02040503050406030204" pitchFamily="18" charset="0"/>
+                                  <a:latin typeface="Cambria Math" charset="0"/>
                                 </a:rPr>
                               </m:ctrlPr>
                             </m:radPr>
@@ -5273,12 +5273,12 @@
         <p:spPr>
           <a:xfrm>
             <a:off x="1097280" y="1988896"/>
-            <a:ext cx="10058400" cy="950232"/>
+            <a:ext cx="10058400" cy="1359946"/>
           </a:xfrm>
         </p:spPr>
         <p:txBody>
           <a:bodyPr>
-            <a:normAutofit fontScale="92500" lnSpcReduction="20000"/>
+            <a:normAutofit/>
           </a:bodyPr>
           <a:lstStyle/>
           <a:p>
@@ -5288,21 +5288,8 @@
                   <a:schemeClr val="tx1"/>
                 </a:solidFill>
               </a:rPr>
-              <a:t>Il primo problema è stato risolto utilizzando le penalità, il valore della funzione viene penalizzato e dunque aumentato drasticamente per i vertici del politopo che ricadono fuori dal vincolo in modo tale da forzare l’algoritmo alla prossima iterazione a ribaltare il politopo all’interno della regione dei </a:t>
-            </a:r>
-            <a:r>
-              <a:rPr lang="it-IT" smtClean="0">
-                <a:solidFill>
-                  <a:schemeClr val="tx1"/>
-                </a:solidFill>
-              </a:rPr>
-              <a:t>punti ammissibili.</a:t>
-            </a:r>
-            <a:endParaRPr lang="it-IT" dirty="0" smtClean="0">
-              <a:solidFill>
-                <a:schemeClr val="tx1"/>
-              </a:solidFill>
-            </a:endParaRPr>
+              <a:t>Il primo problema è stato risolto utilizzando le penalità, il valore della funzione viene penalizzato e dunque aumentato drasticamente per i vertici del politopo che ricadono fuori dal vincolo in modo tale da forzare l’algoritmo alla prossima iterazione a ribaltare il politopo all’interno della regione dei punti ammissibili.</a:t>
+            </a:r>
           </a:p>
         </p:txBody>
       </p:sp>
@@ -5314,8 +5301,8 @@
         </p:nvSpPr>
         <p:spPr>
           <a:xfrm>
-            <a:off x="1097279" y="3502509"/>
-            <a:ext cx="10058401" cy="707886"/>
+            <a:off x="1097280" y="3930020"/>
+            <a:ext cx="7001692" cy="707886"/>
           </a:xfrm>
           <a:prstGeom prst="rect">
             <a:avLst/>
@@ -5374,7 +5361,7 @@
         </p:blipFill>
         <p:spPr>
           <a:xfrm>
-            <a:off x="8001000" y="2864122"/>
+            <a:off x="8001000" y="2887872"/>
             <a:ext cx="3907972" cy="3293366"/>
           </a:xfrm>
           <a:prstGeom prst="rect">
@@ -5444,56 +5431,14 @@
       </p:sp>
       <p:sp>
         <p:nvSpPr>
-          <p:cNvPr id="3" name="Segnaposto contenuto 2"/>
-          <p:cNvSpPr>
-            <a:spLocks noGrp="1"/>
-          </p:cNvSpPr>
-          <p:nvPr>
-            <p:ph idx="1"/>
-          </p:nvPr>
-        </p:nvSpPr>
-        <p:spPr>
-          <a:xfrm>
-            <a:off x="1097280" y="1988896"/>
-            <a:ext cx="10058400" cy="950232"/>
-          </a:xfrm>
-        </p:spPr>
-        <p:txBody>
-          <a:bodyPr>
-            <a:normAutofit/>
-          </a:bodyPr>
-          <a:lstStyle/>
-          <a:p>
-            <a:r>
-              <a:rPr lang="it-IT" dirty="0"/>
-              <a:t>Simplex(@</a:t>
-            </a:r>
-            <a:r>
-              <a:rPr lang="it-IT" dirty="0" err="1"/>
-              <a:t>cost_function</a:t>
-            </a:r>
-            <a:r>
-              <a:rPr lang="it-IT" dirty="0"/>
-              <a:t>, { }, [-.2 .5 .3], .3, </a:t>
-            </a:r>
-            <a:r>
-              <a:rPr lang="it-IT" dirty="0" smtClean="0"/>
-              <a:t>1e-5, 500);</a:t>
-            </a:r>
-            <a:endParaRPr lang="it-IT" dirty="0"/>
-          </a:p>
-        </p:txBody>
-      </p:sp>
-      <p:sp>
-        <p:nvSpPr>
           <p:cNvPr id="4" name="Rectangle 3"/>
           <p:cNvSpPr/>
           <p:nvPr/>
         </p:nvSpPr>
         <p:spPr>
           <a:xfrm>
-            <a:off x="1097280" y="2464012"/>
-            <a:ext cx="5199018" cy="1754326"/>
+            <a:off x="1156527" y="2717948"/>
+            <a:ext cx="5199018" cy="1938992"/>
           </a:xfrm>
           <a:prstGeom prst="rect">
             <a:avLst/>
@@ -5510,7 +5455,7 @@
               <a:buChar char="•"/>
             </a:pPr>
             <a:r>
-              <a:rPr lang="it-IT" dirty="0"/>
+              <a:rPr lang="it-IT" sz="2000" dirty="0"/>
               <a:t>Valore nell’ultimo vertice = 1.6150e-06</a:t>
             </a:r>
           </a:p>
@@ -5520,7 +5465,7 @@
               <a:buChar char="•"/>
             </a:pPr>
             <a:r>
-              <a:rPr lang="it-IT" dirty="0"/>
+              <a:rPr lang="it-IT" sz="2000" dirty="0"/>
               <a:t>risultato =  -0.2799    0.3995    0.4000</a:t>
             </a:r>
           </a:p>
@@ -5530,7 +5475,7 @@
               <a:buChar char="•"/>
             </a:pPr>
             <a:r>
-              <a:rPr lang="it-IT" dirty="0"/>
+              <a:rPr lang="it-IT" sz="2000" dirty="0"/>
               <a:t>iterazioni = 500</a:t>
             </a:r>
           </a:p>
@@ -5540,7 +5485,7 @@
               <a:buChar char="•"/>
             </a:pPr>
             <a:r>
-              <a:rPr lang="it-IT" dirty="0"/>
+              <a:rPr lang="it-IT" sz="2000" dirty="0"/>
               <a:t>dimezzamenti = 13</a:t>
             </a:r>
           </a:p>
@@ -5550,7 +5495,7 @@
               <a:buChar char="•"/>
             </a:pPr>
             <a:r>
-              <a:rPr lang="it-IT" dirty="0"/>
+              <a:rPr lang="it-IT" sz="2000" dirty="0"/>
               <a:t>superficie finale = 7.7591e-04</a:t>
             </a:r>
           </a:p>
@@ -5560,7 +5505,7 @@
               <a:buChar char="•"/>
             </a:pPr>
             <a:r>
-              <a:rPr lang="it-IT" dirty="0"/>
+              <a:rPr lang="it-IT" sz="2000" dirty="0"/>
               <a:t>errore = 0.0201    0.0005    0.0000</a:t>
             </a:r>
           </a:p>
@@ -5572,16 +5517,21 @@
           <p:cNvPicPr/>
           <p:nvPr/>
         </p:nvPicPr>
-        <p:blipFill>
-          <a:blip r:embed="rId2"/>
-          <a:stretch>
-            <a:fillRect/>
-          </a:stretch>
+        <p:blipFill rotWithShape="1">
+          <a:blip r:embed="rId2">
+            <a:extLst>
+              <a:ext uri="{28A0092B-C50C-407E-A947-70E740481C1C}">
+                <a14:useLocalDpi xmlns:a14="http://schemas.microsoft.com/office/drawing/2010/main" val="0"/>
+              </a:ext>
+            </a:extLst>
+          </a:blip>
+          <a:srcRect l="19652" t="5769" r="17563" b="4000"/>
+          <a:stretch/>
         </p:blipFill>
         <p:spPr>
           <a:xfrm>
-            <a:off x="8116037" y="330389"/>
-            <a:ext cx="3552632" cy="3317013"/>
+            <a:off x="5420686" y="3315723"/>
+            <a:ext cx="2928136" cy="2706444"/>
           </a:xfrm>
           <a:prstGeom prst="rect">
             <a:avLst/>
@@ -5596,22 +5546,107 @@
           </p:cNvPicPr>
           <p:nvPr/>
         </p:nvPicPr>
-        <p:blipFill>
-          <a:blip r:embed="rId3"/>
-          <a:stretch>
-            <a:fillRect/>
-          </a:stretch>
+        <p:blipFill rotWithShape="1">
+          <a:blip r:embed="rId3">
+            <a:extLst>
+              <a:ext uri="{28A0092B-C50C-407E-A947-70E740481C1C}">
+                <a14:useLocalDpi xmlns:a14="http://schemas.microsoft.com/office/drawing/2010/main" val="0"/>
+              </a:ext>
+            </a:extLst>
+          </a:blip>
+          <a:srcRect l="17031" t="10633" r="14866" b="3846"/>
+          <a:stretch/>
         </p:blipFill>
         <p:spPr>
           <a:xfrm>
-            <a:off x="5780723" y="3414244"/>
-            <a:ext cx="3454717" cy="2906085"/>
+            <a:off x="8479326" y="3315723"/>
+            <a:ext cx="3712674" cy="2772347"/>
           </a:xfrm>
           <a:prstGeom prst="rect">
             <a:avLst/>
           </a:prstGeom>
         </p:spPr>
       </p:pic>
+      <p:sp>
+        <p:nvSpPr>
+          <p:cNvPr id="8" name="Rectangle 7"/>
+          <p:cNvSpPr/>
+          <p:nvPr/>
+        </p:nvSpPr>
+        <p:spPr>
+          <a:xfrm>
+            <a:off x="1156527" y="1916020"/>
+            <a:ext cx="9261469" cy="400110"/>
+          </a:xfrm>
+          <a:prstGeom prst="rect">
+            <a:avLst/>
+          </a:prstGeom>
+        </p:spPr>
+        <p:txBody>
+          <a:bodyPr wrap="square">
+            <a:spAutoFit/>
+          </a:bodyPr>
+          <a:lstStyle/>
+          <a:p>
+            <a:r>
+              <a:rPr lang="en-US" sz="2000" dirty="0">
+                <a:latin typeface="Courier" charset="0"/>
+              </a:rPr>
+              <a:t>Simplex(@</a:t>
+            </a:r>
+            <a:r>
+              <a:rPr lang="en-US" sz="2000" dirty="0" err="1">
+                <a:latin typeface="Courier" charset="0"/>
+              </a:rPr>
+              <a:t>cost_function</a:t>
+            </a:r>
+            <a:r>
+              <a:rPr lang="en-US" sz="2000" dirty="0">
+                <a:latin typeface="Courier" charset="0"/>
+              </a:rPr>
+              <a:t>, { }, [-.2 .5 .3], .3, 1e-5, 500);</a:t>
+            </a:r>
+            <a:endParaRPr lang="en-US" sz="2000" dirty="0">
+              <a:effectLst/>
+              <a:latin typeface="Courier" charset="0"/>
+            </a:endParaRPr>
+          </a:p>
+        </p:txBody>
+      </p:sp>
+      <p:sp>
+        <p:nvSpPr>
+          <p:cNvPr id="11" name="TextBox 10"/>
+          <p:cNvSpPr txBox="1"/>
+          <p:nvPr/>
+        </p:nvSpPr>
+        <p:spPr>
+          <a:xfrm>
+            <a:off x="1156527" y="2348616"/>
+            <a:ext cx="1097801" cy="400110"/>
+          </a:xfrm>
+          <a:prstGeom prst="rect">
+            <a:avLst/>
+          </a:prstGeom>
+          <a:noFill/>
+        </p:spPr>
+        <p:txBody>
+          <a:bodyPr wrap="none" rtlCol="0">
+            <a:spAutoFit/>
+          </a:bodyPr>
+          <a:lstStyle/>
+          <a:p>
+            <a:r>
+              <a:rPr lang="en-US" sz="2000" dirty="0" err="1" smtClean="0"/>
+              <a:t>Risultati</a:t>
+            </a:r>
+            <a:r>
+              <a:rPr lang="en-US" sz="2000" dirty="0" smtClean="0"/>
+              <a:t>:</a:t>
+            </a:r>
+            <a:endParaRPr lang="en-US" sz="2000" dirty="0"/>
+          </a:p>
+        </p:txBody>
+      </p:sp>
     </p:spTree>
     <p:extLst>
       <p:ext uri="{BB962C8B-B14F-4D97-AF65-F5344CB8AC3E}">
@@ -5674,48 +5709,6 @@
       </p:sp>
       <p:sp>
         <p:nvSpPr>
-          <p:cNvPr id="3" name="Segnaposto contenuto 2"/>
-          <p:cNvSpPr>
-            <a:spLocks noGrp="1"/>
-          </p:cNvSpPr>
-          <p:nvPr>
-            <p:ph idx="1"/>
-          </p:nvPr>
-        </p:nvSpPr>
-        <p:spPr>
-          <a:xfrm>
-            <a:off x="1097280" y="1988896"/>
-            <a:ext cx="10058400" cy="950232"/>
-          </a:xfrm>
-        </p:spPr>
-        <p:txBody>
-          <a:bodyPr>
-            <a:normAutofit/>
-          </a:bodyPr>
-          <a:lstStyle/>
-          <a:p>
-            <a:r>
-              <a:rPr lang="it-IT" dirty="0"/>
-              <a:t>Simplex(@</a:t>
-            </a:r>
-            <a:r>
-              <a:rPr lang="it-IT" dirty="0" err="1"/>
-              <a:t>cost_function</a:t>
-            </a:r>
-            <a:r>
-              <a:rPr lang="it-IT" dirty="0"/>
-              <a:t>, { }, [-.2 .5 .3], .3, </a:t>
-            </a:r>
-            <a:r>
-              <a:rPr lang="it-IT" dirty="0" smtClean="0"/>
-              <a:t>1e-5, 500);</a:t>
-            </a:r>
-            <a:endParaRPr lang="it-IT" dirty="0"/>
-          </a:p>
-        </p:txBody>
-      </p:sp>
-      <p:sp>
-        <p:nvSpPr>
           <p:cNvPr id="4" name="Rectangle 3"/>
           <p:cNvSpPr/>
           <p:nvPr/>
@@ -5723,7 +5716,7 @@
         <p:spPr>
           <a:xfrm>
             <a:off x="1097280" y="3872872"/>
-            <a:ext cx="5199018" cy="1754326"/>
+            <a:ext cx="5199018" cy="1938992"/>
           </a:xfrm>
           <a:prstGeom prst="rect">
             <a:avLst/>
@@ -5740,7 +5733,7 @@
               <a:buChar char="•"/>
             </a:pPr>
             <a:r>
-              <a:rPr lang="it-IT" dirty="0"/>
+              <a:rPr lang="it-IT" sz="2000" dirty="0"/>
               <a:t>Valore nell’ultimo vertice = 0.0012</a:t>
             </a:r>
           </a:p>
@@ -5750,7 +5743,7 @@
               <a:buChar char="•"/>
             </a:pPr>
             <a:r>
-              <a:rPr lang="it-IT" dirty="0"/>
+              <a:rPr lang="it-IT" sz="2000" dirty="0"/>
               <a:t>risultato =   -0.2946    0.4021    0.3999</a:t>
             </a:r>
           </a:p>
@@ -5760,7 +5753,7 @@
               <a:buChar char="•"/>
             </a:pPr>
             <a:r>
-              <a:rPr lang="it-IT" dirty="0"/>
+              <a:rPr lang="it-IT" sz="2000" dirty="0"/>
               <a:t>iterazioni = 500</a:t>
             </a:r>
           </a:p>
@@ -5770,7 +5763,7 @@
               <a:buChar char="•"/>
             </a:pPr>
             <a:r>
-              <a:rPr lang="it-IT" dirty="0"/>
+              <a:rPr lang="it-IT" sz="2000" dirty="0"/>
               <a:t>dimezzamenti = 13</a:t>
             </a:r>
           </a:p>
@@ -5780,7 +5773,7 @@
               <a:buChar char="•"/>
             </a:pPr>
             <a:r>
-              <a:rPr lang="it-IT" dirty="0"/>
+              <a:rPr lang="it-IT" sz="2000" dirty="0"/>
               <a:t>superficie finale = 7.5929e-04</a:t>
             </a:r>
           </a:p>
@@ -5790,7 +5783,7 @@
               <a:buChar char="•"/>
             </a:pPr>
             <a:r>
-              <a:rPr lang="it-IT" dirty="0"/>
+              <a:rPr lang="it-IT" sz="2000" dirty="0"/>
               <a:t>errore = 0.0054    0.0021    0.0001</a:t>
             </a:r>
           </a:p>
@@ -5808,8 +5801,8 @@
             </p:nvSpPr>
             <p:spPr>
               <a:xfrm>
-                <a:off x="1097280" y="2671104"/>
-                <a:ext cx="10058400" cy="950232"/>
+                <a:off x="1156527" y="2494790"/>
+                <a:ext cx="5505530" cy="950232"/>
               </a:xfrm>
               <a:prstGeom prst="rect">
                 <a:avLst/>
@@ -6077,23 +6070,31 @@
                     <m:sSup>
                       <m:sSupPr>
                         <m:ctrlPr>
-                          <a:rPr lang="it-IT" i="1" smtClean="0"/>
+                          <a:rPr lang="it-IT" i="1" smtClean="0">
+                            <a:latin typeface="Cambria Math" charset="0"/>
+                          </a:rPr>
                         </m:ctrlPr>
                       </m:sSupPr>
                       <m:e>
                         <m:d>
                           <m:dPr>
                             <m:ctrlPr>
-                              <a:rPr lang="it-IT" i="1"/>
+                              <a:rPr lang="it-IT" i="1">
+                                <a:latin typeface="Cambria Math" charset="0"/>
+                              </a:rPr>
                             </m:ctrlPr>
                           </m:dPr>
                           <m:e>
                             <m:r>
-                              <a:rPr lang="it-IT" i="1"/>
+                              <a:rPr lang="it-IT" i="1">
+                                <a:latin typeface="Cambria Math" charset="0"/>
+                              </a:rPr>
                               <m:t>𝑥</m:t>
                             </m:r>
                             <m:r>
-                              <a:rPr lang="it-IT" i="1"/>
+                              <a:rPr lang="it-IT" i="1">
+                                <a:latin typeface="Cambria Math" charset="0"/>
+                              </a:rPr>
                               <m:t>+0.6</m:t>
                             </m:r>
                           </m:e>
@@ -6101,35 +6102,47 @@
                       </m:e>
                       <m:sup>
                         <m:r>
-                          <a:rPr lang="it-IT" i="1"/>
+                          <a:rPr lang="it-IT" i="1">
+                            <a:latin typeface="Cambria Math" charset="0"/>
+                          </a:rPr>
                           <m:t>2</m:t>
                         </m:r>
                       </m:sup>
                     </m:sSup>
                     <m:r>
-                      <a:rPr lang="it-IT" i="1"/>
+                      <a:rPr lang="it-IT" i="1">
+                        <a:latin typeface="Cambria Math" charset="0"/>
+                      </a:rPr>
                       <m:t>+</m:t>
                     </m:r>
                     <m:sSup>
                       <m:sSupPr>
                         <m:ctrlPr>
-                          <a:rPr lang="it-IT" i="1"/>
+                          <a:rPr lang="it-IT" i="1">
+                            <a:latin typeface="Cambria Math" charset="0"/>
+                          </a:rPr>
                         </m:ctrlPr>
                       </m:sSupPr>
                       <m:e>
                         <m:d>
                           <m:dPr>
                             <m:ctrlPr>
-                              <a:rPr lang="it-IT" i="1"/>
+                              <a:rPr lang="it-IT" i="1">
+                                <a:latin typeface="Cambria Math" charset="0"/>
+                              </a:rPr>
                             </m:ctrlPr>
                           </m:dPr>
                           <m:e>
                             <m:r>
-                              <a:rPr lang="it-IT" i="1"/>
+                              <a:rPr lang="it-IT" i="1">
+                                <a:latin typeface="Cambria Math" charset="0"/>
+                              </a:rPr>
                               <m:t>𝑦</m:t>
                             </m:r>
                             <m:r>
-                              <a:rPr lang="it-IT" i="1"/>
+                              <a:rPr lang="it-IT" i="1">
+                                <a:latin typeface="Cambria Math" charset="0"/>
+                              </a:rPr>
                               <m:t>−0.6</m:t>
                             </m:r>
                           </m:e>
@@ -6137,35 +6150,47 @@
                       </m:e>
                       <m:sup>
                         <m:r>
-                          <a:rPr lang="it-IT" i="1"/>
+                          <a:rPr lang="it-IT" i="1">
+                            <a:latin typeface="Cambria Math" charset="0"/>
+                          </a:rPr>
                           <m:t>2</m:t>
                         </m:r>
                       </m:sup>
                     </m:sSup>
                     <m:r>
-                      <a:rPr lang="it-IT" i="1"/>
+                      <a:rPr lang="it-IT" i="1">
+                        <a:latin typeface="Cambria Math" charset="0"/>
+                      </a:rPr>
                       <m:t>+</m:t>
                     </m:r>
                     <m:sSup>
                       <m:sSupPr>
                         <m:ctrlPr>
-                          <a:rPr lang="it-IT" i="1"/>
+                          <a:rPr lang="it-IT" i="1">
+                            <a:latin typeface="Cambria Math" charset="0"/>
+                          </a:rPr>
                         </m:ctrlPr>
                       </m:sSupPr>
                       <m:e>
                         <m:d>
                           <m:dPr>
                             <m:ctrlPr>
-                              <a:rPr lang="it-IT" i="1"/>
+                              <a:rPr lang="it-IT" i="1">
+                                <a:latin typeface="Cambria Math" charset="0"/>
+                              </a:rPr>
                             </m:ctrlPr>
                           </m:dPr>
                           <m:e>
                             <m:r>
-                              <a:rPr lang="it-IT" i="1"/>
+                              <a:rPr lang="it-IT" i="1">
+                                <a:latin typeface="Cambria Math" charset="0"/>
+                              </a:rPr>
                               <m:t>𝑧</m:t>
                             </m:r>
                             <m:r>
-                              <a:rPr lang="it-IT" i="1"/>
+                              <a:rPr lang="it-IT" i="1">
+                                <a:latin typeface="Cambria Math" charset="0"/>
+                              </a:rPr>
                               <m:t>−0.5</m:t>
                             </m:r>
                           </m:e>
@@ -6173,36 +6198,48 @@
                       </m:e>
                       <m:sup>
                         <m:r>
-                          <a:rPr lang="it-IT" i="1"/>
+                          <a:rPr lang="it-IT" i="1">
+                            <a:latin typeface="Cambria Math" charset="0"/>
+                          </a:rPr>
                           <m:t>2</m:t>
                         </m:r>
                       </m:sup>
                     </m:sSup>
                     <m:r>
-                      <a:rPr lang="it-IT" i="1"/>
+                      <a:rPr lang="it-IT" i="1">
+                        <a:latin typeface="Cambria Math" charset="0"/>
+                      </a:rPr>
                       <m:t>−</m:t>
                     </m:r>
                     <m:sSup>
                       <m:sSupPr>
                         <m:ctrlPr>
-                          <a:rPr lang="it-IT" i="1"/>
+                          <a:rPr lang="it-IT" i="1">
+                            <a:latin typeface="Cambria Math" charset="0"/>
+                          </a:rPr>
                         </m:ctrlPr>
                       </m:sSupPr>
                       <m:e>
                         <m:r>
-                          <a:rPr lang="it-IT" i="1"/>
+                          <a:rPr lang="it-IT" i="1">
+                            <a:latin typeface="Cambria Math" charset="0"/>
+                          </a:rPr>
                           <m:t>1.2</m:t>
                         </m:r>
                       </m:e>
                       <m:sup>
                         <m:r>
-                          <a:rPr lang="it-IT" i="1"/>
+                          <a:rPr lang="it-IT" i="1">
+                            <a:latin typeface="Cambria Math" charset="0"/>
+                          </a:rPr>
                           <m:t>2</m:t>
                         </m:r>
                       </m:sup>
                     </m:sSup>
                     <m:r>
-                      <a:rPr lang="it-IT" i="1"/>
+                      <a:rPr lang="it-IT" i="1">
+                        <a:latin typeface="Cambria Math" charset="0"/>
+                      </a:rPr>
                       <m:t>&lt;0 </m:t>
                     </m:r>
                   </m:oMath>
@@ -6223,16 +6260,16 @@
             </p:nvSpPr>
             <p:spPr>
               <a:xfrm>
-                <a:off x="1097280" y="2671104"/>
-                <a:ext cx="10058400" cy="950232"/>
+                <a:off x="1156527" y="2494790"/>
+                <a:ext cx="5505530" cy="950232"/>
               </a:xfrm>
               <a:prstGeom prst="rect">
                 <a:avLst/>
               </a:prstGeom>
-              <a:blipFill>
+              <a:blipFill rotWithShape="0">
                 <a:blip r:embed="rId2"/>
                 <a:stretch>
-                  <a:fillRect l="-606" t="-6410"/>
+                  <a:fillRect l="-1218" t="-6410" b="-39744"/>
                 </a:stretch>
               </a:blipFill>
             </p:spPr>
@@ -6241,7 +6278,7 @@
               <a:lstStyle/>
               <a:p>
                 <a:r>
-                  <a:rPr lang="it-IT">
+                  <a:rPr lang="en-US">
                     <a:noFill/>
                   </a:rPr>
                   <a:t> </a:t>
@@ -6258,21 +6295,107 @@
           <p:nvPr/>
         </p:nvPicPr>
         <p:blipFill>
-          <a:blip r:embed="rId3"/>
+          <a:blip r:embed="rId3">
+            <a:extLst>
+              <a:ext uri="{28A0092B-C50C-407E-A947-70E740481C1C}">
+                <a14:useLocalDpi xmlns:a14="http://schemas.microsoft.com/office/drawing/2010/main" val="0"/>
+              </a:ext>
+            </a:extLst>
+          </a:blip>
           <a:stretch>
             <a:fillRect/>
           </a:stretch>
         </p:blipFill>
         <p:spPr>
           <a:xfrm>
-            <a:off x="7169150" y="1737360"/>
-            <a:ext cx="5022850" cy="4549775"/>
+            <a:off x="6804561" y="2588822"/>
+            <a:ext cx="5078681" cy="3681350"/>
           </a:xfrm>
           <a:prstGeom prst="rect">
             <a:avLst/>
           </a:prstGeom>
         </p:spPr>
       </p:pic>
+      <p:sp>
+        <p:nvSpPr>
+          <p:cNvPr id="9" name="Rectangle 8"/>
+          <p:cNvSpPr/>
+          <p:nvPr/>
+        </p:nvSpPr>
+        <p:spPr>
+          <a:xfrm>
+            <a:off x="1156527" y="1916020"/>
+            <a:ext cx="9261469" cy="400110"/>
+          </a:xfrm>
+          <a:prstGeom prst="rect">
+            <a:avLst/>
+          </a:prstGeom>
+        </p:spPr>
+        <p:txBody>
+          <a:bodyPr wrap="square">
+            <a:spAutoFit/>
+          </a:bodyPr>
+          <a:lstStyle/>
+          <a:p>
+            <a:r>
+              <a:rPr lang="en-US" sz="2000" dirty="0">
+                <a:latin typeface="Courier" charset="0"/>
+              </a:rPr>
+              <a:t>Simplex(@</a:t>
+            </a:r>
+            <a:r>
+              <a:rPr lang="en-US" sz="2000" dirty="0" err="1">
+                <a:latin typeface="Courier" charset="0"/>
+              </a:rPr>
+              <a:t>cost_function</a:t>
+            </a:r>
+            <a:r>
+              <a:rPr lang="en-US" sz="2000" dirty="0">
+                <a:latin typeface="Courier" charset="0"/>
+              </a:rPr>
+              <a:t>, { }, [-.2 .5 .3], .3, 1e-5, 500);</a:t>
+            </a:r>
+            <a:endParaRPr lang="en-US" sz="2000" dirty="0">
+              <a:effectLst/>
+              <a:latin typeface="Courier" charset="0"/>
+            </a:endParaRPr>
+          </a:p>
+        </p:txBody>
+      </p:sp>
+      <p:sp>
+        <p:nvSpPr>
+          <p:cNvPr id="6" name="TextBox 5"/>
+          <p:cNvSpPr txBox="1"/>
+          <p:nvPr/>
+        </p:nvSpPr>
+        <p:spPr>
+          <a:xfrm>
+            <a:off x="1156527" y="3545722"/>
+            <a:ext cx="1097801" cy="400110"/>
+          </a:xfrm>
+          <a:prstGeom prst="rect">
+            <a:avLst/>
+          </a:prstGeom>
+          <a:noFill/>
+        </p:spPr>
+        <p:txBody>
+          <a:bodyPr wrap="none" rtlCol="0">
+            <a:spAutoFit/>
+          </a:bodyPr>
+          <a:lstStyle/>
+          <a:p>
+            <a:r>
+              <a:rPr lang="en-US" sz="2000" dirty="0" err="1" smtClean="0"/>
+              <a:t>Risultati</a:t>
+            </a:r>
+            <a:r>
+              <a:rPr lang="en-US" sz="2000" dirty="0" smtClean="0"/>
+              <a:t>:</a:t>
+            </a:r>
+            <a:endParaRPr lang="en-US" sz="2000" dirty="0"/>
+          </a:p>
+        </p:txBody>
+      </p:sp>
     </p:spTree>
     <p:extLst>
       <p:ext uri="{BB962C8B-B14F-4D97-AF65-F5344CB8AC3E}">
@@ -6335,63 +6458,14 @@
       </p:sp>
       <p:sp>
         <p:nvSpPr>
-          <p:cNvPr id="3" name="Segnaposto contenuto 2"/>
-          <p:cNvSpPr>
-            <a:spLocks noGrp="1"/>
-          </p:cNvSpPr>
-          <p:nvPr>
-            <p:ph idx="1"/>
-          </p:nvPr>
-        </p:nvSpPr>
-        <p:spPr>
-          <a:xfrm>
-            <a:off x="1097280" y="1988896"/>
-            <a:ext cx="10058400" cy="950232"/>
-          </a:xfrm>
-        </p:spPr>
-        <p:txBody>
-          <a:bodyPr>
-            <a:normAutofit/>
-          </a:bodyPr>
-          <a:lstStyle/>
-          <a:p>
-            <a:r>
-              <a:rPr lang="it-IT" dirty="0"/>
-              <a:t>Simplex(@</a:t>
-            </a:r>
-            <a:r>
-              <a:rPr lang="it-IT" dirty="0" err="1"/>
-              <a:t>cost_function</a:t>
-            </a:r>
-            <a:r>
-              <a:rPr lang="it-IT" dirty="0"/>
-              <a:t>, </a:t>
-            </a:r>
-            <a:r>
-              <a:rPr lang="it-IT" dirty="0"/>
-              <a:t>{</a:t>
-            </a:r>
-            <a:r>
-              <a:rPr lang="it-IT" dirty="0" smtClean="0"/>
-              <a:t>}, [-.3 .4 .4], .</a:t>
-            </a:r>
-            <a:r>
-              <a:rPr lang="it-IT" dirty="0"/>
-              <a:t>3, 1e-5, 500);</a:t>
-            </a:r>
-          </a:p>
-        </p:txBody>
-      </p:sp>
-      <p:sp>
-        <p:nvSpPr>
           <p:cNvPr id="4" name="Rectangle 3"/>
           <p:cNvSpPr/>
           <p:nvPr/>
         </p:nvSpPr>
         <p:spPr>
           <a:xfrm>
-            <a:off x="1097280" y="2858805"/>
-            <a:ext cx="5199018" cy="1754326"/>
+            <a:off x="1097279" y="3238815"/>
+            <a:ext cx="4887884" cy="1938992"/>
           </a:xfrm>
           <a:prstGeom prst="rect">
             <a:avLst/>
@@ -6408,7 +6482,7 @@
               <a:buChar char="•"/>
             </a:pPr>
             <a:r>
-              <a:rPr lang="it-IT" dirty="0"/>
+              <a:rPr lang="it-IT" sz="2000" dirty="0"/>
               <a:t>Valore nell’ultimo vertice = 0</a:t>
             </a:r>
           </a:p>
@@ -6418,7 +6492,7 @@
               <a:buChar char="•"/>
             </a:pPr>
             <a:r>
-              <a:rPr lang="it-IT" dirty="0"/>
+              <a:rPr lang="it-IT" sz="2000" dirty="0"/>
               <a:t>Risultato  = -0.3000    0.4000    0.4000</a:t>
             </a:r>
           </a:p>
@@ -6428,7 +6502,7 @@
               <a:buChar char="•"/>
             </a:pPr>
             <a:r>
-              <a:rPr lang="it-IT" dirty="0"/>
+              <a:rPr lang="it-IT" sz="2000" dirty="0"/>
               <a:t>iterazioni = 35</a:t>
             </a:r>
           </a:p>
@@ -6438,7 +6512,7 @@
               <a:buChar char="•"/>
             </a:pPr>
             <a:r>
-              <a:rPr lang="it-IT" dirty="0"/>
+              <a:rPr lang="it-IT" sz="2000" dirty="0"/>
               <a:t>dimezzamenti = 20</a:t>
             </a:r>
           </a:p>
@@ -6448,7 +6522,7 @@
               <a:buChar char="•"/>
             </a:pPr>
             <a:r>
-              <a:rPr lang="it-IT" dirty="0"/>
+              <a:rPr lang="it-IT" sz="2000" dirty="0"/>
               <a:t>superficie finale = 6.7356e-06</a:t>
             </a:r>
           </a:p>
@@ -6458,7 +6532,7 @@
               <a:buChar char="•"/>
             </a:pPr>
             <a:r>
-              <a:rPr lang="it-IT" dirty="0"/>
+              <a:rPr lang="it-IT" sz="2000" dirty="0"/>
               <a:t>errore = 0     0     0</a:t>
             </a:r>
           </a:p>
@@ -6470,22 +6544,119 @@
           <p:cNvPicPr/>
           <p:nvPr/>
         </p:nvPicPr>
-        <p:blipFill>
-          <a:blip r:embed="rId2"/>
-          <a:stretch>
-            <a:fillRect/>
-          </a:stretch>
+        <p:blipFill rotWithShape="1">
+          <a:blip r:embed="rId2">
+            <a:extLst>
+              <a:ext uri="{28A0092B-C50C-407E-A947-70E740481C1C}">
+                <a14:useLocalDpi xmlns:a14="http://schemas.microsoft.com/office/drawing/2010/main" val="0"/>
+              </a:ext>
+            </a:extLst>
+          </a:blip>
+          <a:srcRect l="16081" t="8764" r="15127" b="4562"/>
+          <a:stretch/>
         </p:blipFill>
         <p:spPr>
           <a:xfrm>
-            <a:off x="6788537" y="1737360"/>
-            <a:ext cx="5403463" cy="4592320"/>
+            <a:off x="7274299" y="2660071"/>
+            <a:ext cx="4161637" cy="3431969"/>
           </a:xfrm>
           <a:prstGeom prst="rect">
             <a:avLst/>
           </a:prstGeom>
         </p:spPr>
       </p:pic>
+      <p:sp>
+        <p:nvSpPr>
+          <p:cNvPr id="5" name="Rectangle 4"/>
+          <p:cNvSpPr/>
+          <p:nvPr/>
+        </p:nvSpPr>
+        <p:spPr>
+          <a:xfrm>
+            <a:off x="1097279" y="1887043"/>
+            <a:ext cx="8794865" cy="400110"/>
+          </a:xfrm>
+          <a:prstGeom prst="rect">
+            <a:avLst/>
+          </a:prstGeom>
+        </p:spPr>
+        <p:txBody>
+          <a:bodyPr wrap="square">
+            <a:spAutoFit/>
+          </a:bodyPr>
+          <a:lstStyle/>
+          <a:p>
+            <a:r>
+              <a:rPr lang="en-US" sz="2000" dirty="0">
+                <a:latin typeface="Courier" charset="0"/>
+              </a:rPr>
+              <a:t>Simplex(@</a:t>
+            </a:r>
+            <a:r>
+              <a:rPr lang="en-US" sz="2000" dirty="0" err="1" smtClean="0">
+                <a:latin typeface="Courier" charset="0"/>
+              </a:rPr>
+              <a:t>cost_function</a:t>
+            </a:r>
+            <a:r>
+              <a:rPr lang="en-US" sz="2000" dirty="0" smtClean="0">
+                <a:latin typeface="Courier" charset="0"/>
+              </a:rPr>
+              <a:t>, </a:t>
+            </a:r>
+            <a:r>
+              <a:rPr lang="en-US" sz="2000" dirty="0">
+                <a:latin typeface="Courier" charset="0"/>
+              </a:rPr>
+              <a:t>{}, [-.3 .4 .4], .3, 1e-5, 500</a:t>
+            </a:r>
+            <a:r>
+              <a:rPr lang="en-US" sz="2000" dirty="0" smtClean="0">
+                <a:latin typeface="Courier" charset="0"/>
+              </a:rPr>
+              <a:t>); </a:t>
+            </a:r>
+            <a:endParaRPr lang="en-US" sz="2000" dirty="0">
+              <a:effectLst/>
+              <a:latin typeface="Courier" charset="0"/>
+            </a:endParaRPr>
+          </a:p>
+        </p:txBody>
+      </p:sp>
+      <p:sp>
+        <p:nvSpPr>
+          <p:cNvPr id="7" name="TextBox 6"/>
+          <p:cNvSpPr txBox="1"/>
+          <p:nvPr/>
+        </p:nvSpPr>
+        <p:spPr>
+          <a:xfrm>
+            <a:off x="1097279" y="2893563"/>
+            <a:ext cx="1155509" cy="400110"/>
+          </a:xfrm>
+          <a:prstGeom prst="rect">
+            <a:avLst/>
+          </a:prstGeom>
+          <a:noFill/>
+        </p:spPr>
+        <p:txBody>
+          <a:bodyPr wrap="none" rtlCol="0">
+            <a:spAutoFit/>
+          </a:bodyPr>
+          <a:lstStyle/>
+          <a:p>
+            <a:r>
+              <a:rPr lang="en-US" sz="2000" dirty="0" err="1" smtClean="0"/>
+              <a:t>Risultati</a:t>
+            </a:r>
+            <a:r>
+              <a:rPr lang="en-US" sz="2000" dirty="0" smtClean="0"/>
+              <a:t>: </a:t>
+            </a:r>
+            <a:endParaRPr lang="en-US" sz="2000" dirty="0"/>
+          </a:p>
+        </p:txBody>
+      </p:sp>
     </p:spTree>
     <p:extLst>
       <p:ext uri="{BB962C8B-B14F-4D97-AF65-F5344CB8AC3E}">
@@ -8133,7 +8304,7 @@
                             <a:solidFill>
                               <a:schemeClr val="tx1"/>
                             </a:solidFill>
-                            <a:latin typeface="Cambria Math" panose="02040503050406030204" pitchFamily="18" charset="0"/>
+                            <a:latin typeface="Cambria Math" charset="0"/>
                           </a:rPr>
                         </m:ctrlPr>
                       </m:fPr>
@@ -8185,7 +8356,7 @@
                             <a:solidFill>
                               <a:schemeClr val="tx1"/>
                             </a:solidFill>
-                            <a:latin typeface="Cambria Math" panose="02040503050406030204" pitchFamily="18" charset="0"/>
+                            <a:latin typeface="Cambria Math" charset="0"/>
                           </a:rPr>
                         </m:ctrlPr>
                       </m:fPr>
@@ -8281,7 +8452,7 @@
                         <m:chr m:val="⃗"/>
                         <m:ctrlPr>
                           <a:rPr lang="it-IT" b="1" i="1">
-                            <a:latin typeface="Cambria Math" panose="02040503050406030204" pitchFamily="18" charset="0"/>
+                            <a:latin typeface="Cambria Math" charset="0"/>
                           </a:rPr>
                         </m:ctrlPr>
                       </m:accPr>
@@ -8305,7 +8476,7 @@
                         <m:chr m:val="⃗"/>
                         <m:ctrlPr>
                           <a:rPr lang="it-IT" b="1" i="1">
-                            <a:latin typeface="Cambria Math" panose="02040503050406030204" pitchFamily="18" charset="0"/>
+                            <a:latin typeface="Cambria Math" charset="0"/>
                           </a:rPr>
                         </m:ctrlPr>
                       </m:accPr>
@@ -8329,7 +8500,7 @@
                         <m:degHide m:val="on"/>
                         <m:ctrlPr>
                           <a:rPr lang="it-IT" i="1">
-                            <a:latin typeface="Cambria Math" panose="02040503050406030204" pitchFamily="18" charset="0"/>
+                            <a:latin typeface="Cambria Math" charset="0"/>
                           </a:rPr>
                         </m:ctrlPr>
                       </m:radPr>
@@ -8339,7 +8510,7 @@
                           <m:sSupPr>
                             <m:ctrlPr>
                               <a:rPr lang="it-IT" i="1">
-                                <a:latin typeface="Cambria Math" panose="02040503050406030204" pitchFamily="18" charset="0"/>
+                                <a:latin typeface="Cambria Math" charset="0"/>
                               </a:rPr>
                             </m:ctrlPr>
                           </m:sSupPr>
@@ -8348,7 +8519,7 @@
                               <m:dPr>
                                 <m:ctrlPr>
                                   <a:rPr lang="it-IT" i="1">
-                                    <a:latin typeface="Cambria Math" panose="02040503050406030204" pitchFamily="18" charset="0"/>
+                                    <a:latin typeface="Cambria Math" charset="0"/>
                                   </a:rPr>
                                 </m:ctrlPr>
                               </m:dPr>
@@ -8357,7 +8528,7 @@
                                   <m:sSubPr>
                                     <m:ctrlPr>
                                       <a:rPr lang="it-IT" i="1">
-                                        <a:latin typeface="Cambria Math" panose="02040503050406030204" pitchFamily="18" charset="0"/>
+                                        <a:latin typeface="Cambria Math" charset="0"/>
                                       </a:rPr>
                                     </m:ctrlPr>
                                   </m:sSubPr>
@@ -8388,7 +8559,7 @@
                                   <m:sSubPr>
                                     <m:ctrlPr>
                                       <a:rPr lang="it-IT" i="1">
-                                        <a:latin typeface="Cambria Math" panose="02040503050406030204" pitchFamily="18" charset="0"/>
+                                        <a:latin typeface="Cambria Math" charset="0"/>
                                       </a:rPr>
                                     </m:ctrlPr>
                                   </m:sSubPr>
@@ -8431,7 +8602,7 @@
                           <m:sSupPr>
                             <m:ctrlPr>
                               <a:rPr lang="it-IT" i="1">
-                                <a:latin typeface="Cambria Math" panose="02040503050406030204" pitchFamily="18" charset="0"/>
+                                <a:latin typeface="Cambria Math" charset="0"/>
                               </a:rPr>
                             </m:ctrlPr>
                           </m:sSupPr>
@@ -8440,7 +8611,7 @@
                               <m:dPr>
                                 <m:ctrlPr>
                                   <a:rPr lang="it-IT" i="1">
-                                    <a:latin typeface="Cambria Math" panose="02040503050406030204" pitchFamily="18" charset="0"/>
+                                    <a:latin typeface="Cambria Math" charset="0"/>
                                   </a:rPr>
                                 </m:ctrlPr>
                               </m:dPr>
@@ -8449,7 +8620,7 @@
                                   <m:sSubPr>
                                     <m:ctrlPr>
                                       <a:rPr lang="it-IT" i="1">
-                                        <a:latin typeface="Cambria Math" panose="02040503050406030204" pitchFamily="18" charset="0"/>
+                                        <a:latin typeface="Cambria Math" charset="0"/>
                                       </a:rPr>
                                     </m:ctrlPr>
                                   </m:sSubPr>
@@ -8480,7 +8651,7 @@
                                   <m:sSubPr>
                                     <m:ctrlPr>
                                       <a:rPr lang="it-IT" i="1">
-                                        <a:latin typeface="Cambria Math" panose="02040503050406030204" pitchFamily="18" charset="0"/>
+                                        <a:latin typeface="Cambria Math" charset="0"/>
                                       </a:rPr>
                                     </m:ctrlPr>
                                   </m:sSubPr>
@@ -8523,7 +8694,7 @@
                           <m:sSupPr>
                             <m:ctrlPr>
                               <a:rPr lang="it-IT" i="1">
-                                <a:latin typeface="Cambria Math" panose="02040503050406030204" pitchFamily="18" charset="0"/>
+                                <a:latin typeface="Cambria Math" charset="0"/>
                               </a:rPr>
                             </m:ctrlPr>
                           </m:sSupPr>
@@ -8532,7 +8703,7 @@
                               <m:dPr>
                                 <m:ctrlPr>
                                   <a:rPr lang="it-IT" i="1">
-                                    <a:latin typeface="Cambria Math" panose="02040503050406030204" pitchFamily="18" charset="0"/>
+                                    <a:latin typeface="Cambria Math" charset="0"/>
                                   </a:rPr>
                                 </m:ctrlPr>
                               </m:dPr>
@@ -8541,7 +8712,7 @@
                                   <m:sSubPr>
                                     <m:ctrlPr>
                                       <a:rPr lang="it-IT" i="1">
-                                        <a:latin typeface="Cambria Math" panose="02040503050406030204" pitchFamily="18" charset="0"/>
+                                        <a:latin typeface="Cambria Math" charset="0"/>
                                       </a:rPr>
                                     </m:ctrlPr>
                                   </m:sSubPr>
@@ -8572,7 +8743,7 @@
                                   <m:sSubPr>
                                     <m:ctrlPr>
                                       <a:rPr lang="it-IT" i="1">
-                                        <a:latin typeface="Cambria Math" panose="02040503050406030204" pitchFamily="18" charset="0"/>
+                                        <a:latin typeface="Cambria Math" charset="0"/>
                                       </a:rPr>
                                     </m:ctrlPr>
                                   </m:sSubPr>
@@ -8650,7 +8821,7 @@
                       <m:sSubPr>
                         <m:ctrlPr>
                           <a:rPr lang="it-IT" i="1">
-                            <a:latin typeface="Cambria Math" panose="02040503050406030204" pitchFamily="18" charset="0"/>
+                            <a:latin typeface="Cambria Math" charset="0"/>
                           </a:rPr>
                         </m:ctrlPr>
                       </m:sSubPr>
@@ -8683,7 +8854,7 @@
                         <m:limLoc m:val="undOvr"/>
                         <m:ctrlPr>
                           <a:rPr lang="it-IT" i="1">
-                            <a:latin typeface="Cambria Math" panose="02040503050406030204" pitchFamily="18" charset="0"/>
+                            <a:latin typeface="Cambria Math" charset="0"/>
                           </a:rPr>
                         </m:ctrlPr>
                       </m:naryPr>
@@ -8714,7 +8885,7 @@
                           <m:fPr>
                             <m:ctrlPr>
                               <a:rPr lang="it-IT" i="1">
-                                <a:latin typeface="Cambria Math" panose="02040503050406030204" pitchFamily="18" charset="0"/>
+                                <a:latin typeface="Cambria Math" charset="0"/>
                               </a:rPr>
                             </m:ctrlPr>
                           </m:fPr>
@@ -8751,7 +8922,7 @@
                           <m:fPr>
                             <m:ctrlPr>
                               <a:rPr lang="it-IT" i="1">
-                                <a:latin typeface="Cambria Math" panose="02040503050406030204" pitchFamily="18" charset="0"/>
+                                <a:latin typeface="Cambria Math" charset="0"/>
                               </a:rPr>
                             </m:ctrlPr>
                           </m:fPr>
@@ -8760,7 +8931,7 @@
                               <m:sSubPr>
                                 <m:ctrlPr>
                                   <a:rPr lang="it-IT" i="1">
-                                    <a:latin typeface="Cambria Math" panose="02040503050406030204" pitchFamily="18" charset="0"/>
+                                    <a:latin typeface="Cambria Math" charset="0"/>
                                   </a:rPr>
                                 </m:ctrlPr>
                               </m:sSubPr>
@@ -8787,7 +8958,7 @@
                               <m:sSubPr>
                                 <m:ctrlPr>
                                   <a:rPr lang="it-IT" i="1">
-                                    <a:latin typeface="Cambria Math" panose="02040503050406030204" pitchFamily="18" charset="0"/>
+                                    <a:latin typeface="Cambria Math" charset="0"/>
                                   </a:rPr>
                                 </m:ctrlPr>
                               </m:sSubPr>
@@ -8824,7 +8995,7 @@
                         <m:limLoc m:val="undOvr"/>
                         <m:ctrlPr>
                           <a:rPr lang="it-IT" i="1">
-                            <a:latin typeface="Cambria Math" panose="02040503050406030204" pitchFamily="18" charset="0"/>
+                            <a:latin typeface="Cambria Math" charset="0"/>
                           </a:rPr>
                         </m:ctrlPr>
                       </m:naryPr>
@@ -8855,7 +9026,7 @@
                           <m:fPr>
                             <m:ctrlPr>
                               <a:rPr lang="it-IT" i="1">
-                                <a:latin typeface="Cambria Math" panose="02040503050406030204" pitchFamily="18" charset="0"/>
+                                <a:latin typeface="Cambria Math" charset="0"/>
                               </a:rPr>
                             </m:ctrlPr>
                           </m:fPr>
@@ -8892,7 +9063,7 @@
                           <m:fPr>
                             <m:ctrlPr>
                               <a:rPr lang="it-IT" i="1">
-                                <a:latin typeface="Cambria Math" panose="02040503050406030204" pitchFamily="18" charset="0"/>
+                                <a:latin typeface="Cambria Math" charset="0"/>
                               </a:rPr>
                             </m:ctrlPr>
                           </m:fPr>
@@ -8901,7 +9072,7 @@
                               <m:sSubPr>
                                 <m:ctrlPr>
                                   <a:rPr lang="it-IT" i="1">
-                                    <a:latin typeface="Cambria Math" panose="02040503050406030204" pitchFamily="18" charset="0"/>
+                                    <a:latin typeface="Cambria Math" charset="0"/>
                                   </a:rPr>
                                 </m:ctrlPr>
                               </m:sSubPr>
@@ -8935,7 +9106,7 @@
                                 <m:chr m:val="⃗"/>
                                 <m:ctrlPr>
                                   <a:rPr lang="it-IT" b="1" i="1">
-                                    <a:latin typeface="Cambria Math" panose="02040503050406030204" pitchFamily="18" charset="0"/>
+                                    <a:latin typeface="Cambria Math" charset="0"/>
                                   </a:rPr>
                                 </m:ctrlPr>
                               </m:accPr>
@@ -8944,7 +9115,7 @@
                                   <m:sSubPr>
                                     <m:ctrlPr>
                                       <a:rPr lang="it-IT" b="1" i="1">
-                                        <a:latin typeface="Cambria Math" panose="02040503050406030204" pitchFamily="18" charset="0"/>
+                                        <a:latin typeface="Cambria Math" charset="0"/>
                                       </a:rPr>
                                     </m:ctrlPr>
                                   </m:sSubPr>
@@ -8978,7 +9149,7 @@
                                 <m:chr m:val="⃗"/>
                                 <m:ctrlPr>
                                   <a:rPr lang="it-IT" b="1" i="1">
-                                    <a:latin typeface="Cambria Math" panose="02040503050406030204" pitchFamily="18" charset="0"/>
+                                    <a:latin typeface="Cambria Math" charset="0"/>
                                   </a:rPr>
                                 </m:ctrlPr>
                               </m:accPr>
@@ -9172,7 +9343,7 @@
                       <m:fPr>
                         <m:ctrlPr>
                           <a:rPr lang="en-US" sz="2400" i="1">
-                            <a:latin typeface="Cambria Math" panose="02040503050406030204" pitchFamily="18" charset="0"/>
+                            <a:latin typeface="Cambria Math" charset="0"/>
                           </a:rPr>
                         </m:ctrlPr>
                       </m:fPr>
@@ -9273,7 +9444,7 @@
                             <a:solidFill>
                               <a:schemeClr val="tx1"/>
                             </a:solidFill>
-                            <a:latin typeface="Cambria Math" panose="02040503050406030204" pitchFamily="18" charset="0"/>
+                            <a:latin typeface="Cambria Math" charset="0"/>
                           </a:rPr>
                         </m:ctrlPr>
                       </m:radPr>
@@ -9668,7 +9839,7 @@
                         <m:sSubPr>
                           <m:ctrlPr>
                             <a:rPr lang="it-IT" i="1">
-                              <a:latin typeface="Cambria Math" panose="02040503050406030204" pitchFamily="18" charset="0"/>
+                              <a:latin typeface="Cambria Math" charset="0"/>
                             </a:rPr>
                           </m:ctrlPr>
                         </m:sSubPr>
@@ -9699,7 +9870,7 @@
                         <m:sSubPr>
                           <m:ctrlPr>
                             <a:rPr lang="it-IT" i="1">
-                              <a:latin typeface="Cambria Math" panose="02040503050406030204" pitchFamily="18" charset="0"/>
+                              <a:latin typeface="Cambria Math" charset="0"/>
                             </a:rPr>
                           </m:ctrlPr>
                         </m:sSubPr>
@@ -9748,7 +9919,7 @@
                         <m:sSubPr>
                           <m:ctrlPr>
                             <a:rPr lang="it-IT" i="1">
-                              <a:latin typeface="Cambria Math" panose="02040503050406030204" pitchFamily="18" charset="0"/>
+                              <a:latin typeface="Cambria Math" charset="0"/>
                             </a:rPr>
                           </m:ctrlPr>
                         </m:sSubPr>
@@ -9781,7 +9952,7 @@
                           <m:limLoc m:val="undOvr"/>
                           <m:ctrlPr>
                             <a:rPr lang="it-IT" i="1">
-                              <a:latin typeface="Cambria Math" panose="02040503050406030204" pitchFamily="18" charset="0"/>
+                              <a:latin typeface="Cambria Math" charset="0"/>
                             </a:rPr>
                           </m:ctrlPr>
                         </m:naryPr>
@@ -9806,7 +9977,7 @@
                             <m:fPr>
                               <m:ctrlPr>
                                 <a:rPr lang="it-IT" i="1">
-                                  <a:latin typeface="Cambria Math" panose="02040503050406030204" pitchFamily="18" charset="0"/>
+                                  <a:latin typeface="Cambria Math" charset="0"/>
                                 </a:rPr>
                               </m:ctrlPr>
                             </m:fPr>
@@ -9815,7 +9986,7 @@
                                 <m:sSubPr>
                                   <m:ctrlPr>
                                     <a:rPr lang="it-IT" i="1">
-                                      <a:latin typeface="Cambria Math" panose="02040503050406030204" pitchFamily="18" charset="0"/>
+                                      <a:latin typeface="Cambria Math" charset="0"/>
                                     </a:rPr>
                                   </m:ctrlPr>
                                 </m:sSubPr>
@@ -9850,7 +10021,7 @@
                                   <m:endChr m:val="|"/>
                                   <m:ctrlPr>
                                     <a:rPr lang="it-IT" i="1">
-                                      <a:latin typeface="Cambria Math" panose="02040503050406030204" pitchFamily="18" charset="0"/>
+                                      <a:latin typeface="Cambria Math" charset="0"/>
                                     </a:rPr>
                                   </m:ctrlPr>
                                 </m:dPr>
@@ -9861,7 +10032,7 @@
                                       <m:endChr m:val="|"/>
                                       <m:ctrlPr>
                                         <a:rPr lang="it-IT" i="1">
-                                          <a:latin typeface="Cambria Math" panose="02040503050406030204" pitchFamily="18" charset="0"/>
+                                          <a:latin typeface="Cambria Math" charset="0"/>
                                         </a:rPr>
                                       </m:ctrlPr>
                                     </m:dPr>
@@ -9871,7 +10042,7 @@
                                           <m:chr m:val="⃗"/>
                                           <m:ctrlPr>
                                             <a:rPr lang="it-IT" b="1" i="1">
-                                              <a:latin typeface="Cambria Math" panose="02040503050406030204" pitchFamily="18" charset="0"/>
+                                              <a:latin typeface="Cambria Math" charset="0"/>
                                             </a:rPr>
                                           </m:ctrlPr>
                                         </m:accPr>
@@ -9880,7 +10051,7 @@
                                             <m:sSubPr>
                                               <m:ctrlPr>
                                                 <a:rPr lang="it-IT" b="1" i="1">
-                                                  <a:latin typeface="Cambria Math" panose="02040503050406030204" pitchFamily="18" charset="0"/>
+                                                  <a:latin typeface="Cambria Math" charset="0"/>
                                                 </a:rPr>
                                               </m:ctrlPr>
                                             </m:sSubPr>
@@ -9914,7 +10085,7 @@
                                           <m:chr m:val="⃗"/>
                                           <m:ctrlPr>
                                             <a:rPr lang="it-IT" b="1" i="1">
-                                              <a:latin typeface="Cambria Math" panose="02040503050406030204" pitchFamily="18" charset="0"/>
+                                              <a:latin typeface="Cambria Math" charset="0"/>
                                             </a:rPr>
                                           </m:ctrlPr>
                                         </m:accPr>
@@ -9953,7 +10124,7 @@
                           <m:limLoc m:val="undOvr"/>
                           <m:ctrlPr>
                             <a:rPr lang="it-IT" i="1">
-                              <a:latin typeface="Cambria Math" panose="02040503050406030204" pitchFamily="18" charset="0"/>
+                              <a:latin typeface="Cambria Math" charset="0"/>
                             </a:rPr>
                           </m:ctrlPr>
                         </m:naryPr>
@@ -9984,7 +10155,7 @@
                             <m:fPr>
                               <m:ctrlPr>
                                 <a:rPr lang="it-IT" i="1">
-                                  <a:latin typeface="Cambria Math" panose="02040503050406030204" pitchFamily="18" charset="0"/>
+                                  <a:latin typeface="Cambria Math" charset="0"/>
                                 </a:rPr>
                               </m:ctrlPr>
                             </m:fPr>
@@ -9993,7 +10164,7 @@
                                 <m:sSubPr>
                                   <m:ctrlPr>
                                     <a:rPr lang="it-IT" i="1">
-                                      <a:latin typeface="Cambria Math" panose="02040503050406030204" pitchFamily="18" charset="0"/>
+                                      <a:latin typeface="Cambria Math" charset="0"/>
                                     </a:rPr>
                                   </m:ctrlPr>
                                 </m:sSubPr>
@@ -10028,7 +10199,7 @@
                                   <m:endChr m:val="|"/>
                                   <m:ctrlPr>
                                     <a:rPr lang="it-IT" i="1">
-                                      <a:latin typeface="Cambria Math" panose="02040503050406030204" pitchFamily="18" charset="0"/>
+                                      <a:latin typeface="Cambria Math" charset="0"/>
                                     </a:rPr>
                                   </m:ctrlPr>
                                 </m:dPr>
@@ -10039,7 +10210,7 @@
                                       <m:endChr m:val="|"/>
                                       <m:ctrlPr>
                                         <a:rPr lang="it-IT" i="1">
-                                          <a:latin typeface="Cambria Math" panose="02040503050406030204" pitchFamily="18" charset="0"/>
+                                          <a:latin typeface="Cambria Math" charset="0"/>
                                         </a:rPr>
                                       </m:ctrlPr>
                                     </m:dPr>
@@ -10049,7 +10220,7 @@
                                           <m:chr m:val="⃗"/>
                                           <m:ctrlPr>
                                             <a:rPr lang="it-IT" b="1" i="1">
-                                              <a:latin typeface="Cambria Math" panose="02040503050406030204" pitchFamily="18" charset="0"/>
+                                              <a:latin typeface="Cambria Math" charset="0"/>
                                             </a:rPr>
                                           </m:ctrlPr>
                                         </m:accPr>
@@ -10058,7 +10229,7 @@
                                             <m:sSubPr>
                                               <m:ctrlPr>
                                                 <a:rPr lang="it-IT" b="1" i="1">
-                                                  <a:latin typeface="Cambria Math" panose="02040503050406030204" pitchFamily="18" charset="0"/>
+                                                  <a:latin typeface="Cambria Math" charset="0"/>
                                                 </a:rPr>
                                               </m:ctrlPr>
                                             </m:sSubPr>
@@ -10092,7 +10263,7 @@
                                           <m:chr m:val="⃗"/>
                                           <m:ctrlPr>
                                             <a:rPr lang="it-IT" b="1" i="1">
-                                              <a:latin typeface="Cambria Math" panose="02040503050406030204" pitchFamily="18" charset="0"/>
+                                              <a:latin typeface="Cambria Math" charset="0"/>
                                             </a:rPr>
                                           </m:ctrlPr>
                                         </m:accPr>
@@ -10129,7 +10300,7 @@
                         <m:fPr>
                           <m:ctrlPr>
                             <a:rPr lang="it-IT" i="1">
-                              <a:latin typeface="Cambria Math" panose="02040503050406030204" pitchFamily="18" charset="0"/>
+                              <a:latin typeface="Cambria Math" charset="0"/>
                             </a:rPr>
                           </m:ctrlPr>
                         </m:fPr>
@@ -10138,7 +10309,7 @@
                             <m:sSubPr>
                               <m:ctrlPr>
                                 <a:rPr lang="it-IT" i="1">
-                                  <a:latin typeface="Cambria Math" panose="02040503050406030204" pitchFamily="18" charset="0"/>
+                                  <a:latin typeface="Cambria Math" charset="0"/>
                                 </a:rPr>
                               </m:ctrlPr>
                             </m:sSubPr>
@@ -10167,7 +10338,7 @@
                               <m:endChr m:val="|"/>
                               <m:ctrlPr>
                                 <a:rPr lang="it-IT" i="1">
-                                  <a:latin typeface="Cambria Math" panose="02040503050406030204" pitchFamily="18" charset="0"/>
+                                  <a:latin typeface="Cambria Math" charset="0"/>
                                 </a:rPr>
                               </m:ctrlPr>
                             </m:dPr>
@@ -10178,7 +10349,7 @@
                                   <m:endChr m:val="|"/>
                                   <m:ctrlPr>
                                     <a:rPr lang="it-IT" i="1">
-                                      <a:latin typeface="Cambria Math" panose="02040503050406030204" pitchFamily="18" charset="0"/>
+                                      <a:latin typeface="Cambria Math" charset="0"/>
                                     </a:rPr>
                                   </m:ctrlPr>
                                 </m:dPr>
@@ -10188,7 +10359,7 @@
                                       <m:chr m:val="⃗"/>
                                       <m:ctrlPr>
                                         <a:rPr lang="it-IT" b="1" i="1">
-                                          <a:latin typeface="Cambria Math" panose="02040503050406030204" pitchFamily="18" charset="0"/>
+                                          <a:latin typeface="Cambria Math" charset="0"/>
                                         </a:rPr>
                                       </m:ctrlPr>
                                     </m:accPr>
@@ -10197,7 +10368,7 @@
                                         <m:sSubPr>
                                           <m:ctrlPr>
                                             <a:rPr lang="it-IT" b="1" i="1">
-                                              <a:latin typeface="Cambria Math" panose="02040503050406030204" pitchFamily="18" charset="0"/>
+                                              <a:latin typeface="Cambria Math" charset="0"/>
                                             </a:rPr>
                                           </m:ctrlPr>
                                         </m:sSubPr>
@@ -10231,7 +10402,7 @@
                                       <m:chr m:val="⃗"/>
                                       <m:ctrlPr>
                                         <a:rPr lang="it-IT" b="1" i="1">
-                                          <a:latin typeface="Cambria Math" panose="02040503050406030204" pitchFamily="18" charset="0"/>
+                                          <a:latin typeface="Cambria Math" charset="0"/>
                                         </a:rPr>
                                       </m:ctrlPr>
                                     </m:accPr>
@@ -10317,7 +10488,7 @@
                         <m:sSubPr>
                           <m:ctrlPr>
                             <a:rPr lang="it-IT" i="1">
-                              <a:latin typeface="Cambria Math" panose="02040503050406030204" pitchFamily="18" charset="0"/>
+                              <a:latin typeface="Cambria Math" charset="0"/>
                             </a:rPr>
                           </m:ctrlPr>
                         </m:sSubPr>
@@ -10366,7 +10537,7 @@
                         <m:sSupPr>
                           <m:ctrlPr>
                             <a:rPr lang="it-IT" i="1">
-                              <a:latin typeface="Cambria Math" panose="02040503050406030204" pitchFamily="18" charset="0"/>
+                              <a:latin typeface="Cambria Math" charset="0"/>
                             </a:rPr>
                           </m:ctrlPr>
                         </m:sSupPr>
@@ -10397,7 +10568,7 @@
                         <m:fPr>
                           <m:ctrlPr>
                             <a:rPr lang="it-IT" i="1">
-                              <a:latin typeface="Cambria Math" panose="02040503050406030204" pitchFamily="18" charset="0"/>
+                              <a:latin typeface="Cambria Math" charset="0"/>
                             </a:rPr>
                           </m:ctrlPr>
                         </m:fPr>
@@ -10406,7 +10577,7 @@
                             <m:sSubPr>
                               <m:ctrlPr>
                                 <a:rPr lang="it-IT" i="1">
-                                  <a:latin typeface="Cambria Math" panose="02040503050406030204" pitchFamily="18" charset="0"/>
+                                  <a:latin typeface="Cambria Math" charset="0"/>
                                 </a:rPr>
                               </m:ctrlPr>
                             </m:sSubPr>
@@ -10435,7 +10606,7 @@
                               <m:endChr m:val="|"/>
                               <m:ctrlPr>
                                 <a:rPr lang="it-IT" i="1">
-                                  <a:latin typeface="Cambria Math" panose="02040503050406030204" pitchFamily="18" charset="0"/>
+                                  <a:latin typeface="Cambria Math" charset="0"/>
                                 </a:rPr>
                               </m:ctrlPr>
                             </m:dPr>
@@ -10446,7 +10617,7 @@
                                   <m:endChr m:val="|"/>
                                   <m:ctrlPr>
                                     <a:rPr lang="it-IT" i="1">
-                                      <a:latin typeface="Cambria Math" panose="02040503050406030204" pitchFamily="18" charset="0"/>
+                                      <a:latin typeface="Cambria Math" charset="0"/>
                                     </a:rPr>
                                   </m:ctrlPr>
                                 </m:dPr>
@@ -10456,7 +10627,7 @@
                                       <m:chr m:val="⃗"/>
                                       <m:ctrlPr>
                                         <a:rPr lang="it-IT" b="1" i="1">
-                                          <a:latin typeface="Cambria Math" panose="02040503050406030204" pitchFamily="18" charset="0"/>
+                                          <a:latin typeface="Cambria Math" charset="0"/>
                                         </a:rPr>
                                       </m:ctrlPr>
                                     </m:accPr>
@@ -10465,7 +10636,7 @@
                                         <m:sSubPr>
                                           <m:ctrlPr>
                                             <a:rPr lang="it-IT" b="1" i="1">
-                                              <a:latin typeface="Cambria Math" panose="02040503050406030204" pitchFamily="18" charset="0"/>
+                                              <a:latin typeface="Cambria Math" charset="0"/>
                                             </a:rPr>
                                           </m:ctrlPr>
                                         </m:sSubPr>
@@ -10499,7 +10670,7 @@
                                       <m:chr m:val="⃗"/>
                                       <m:ctrlPr>
                                         <a:rPr lang="it-IT" b="1" i="1">
-                                          <a:latin typeface="Cambria Math" panose="02040503050406030204" pitchFamily="18" charset="0"/>
+                                          <a:latin typeface="Cambria Math" charset="0"/>
                                         </a:rPr>
                                       </m:ctrlPr>
                                     </m:accPr>
@@ -10528,7 +10699,7 @@
                         <m:fPr>
                           <m:ctrlPr>
                             <a:rPr lang="it-IT" i="1">
-                              <a:latin typeface="Cambria Math" panose="02040503050406030204" pitchFamily="18" charset="0"/>
+                              <a:latin typeface="Cambria Math" charset="0"/>
                             </a:rPr>
                           </m:ctrlPr>
                         </m:fPr>
@@ -10537,7 +10708,7 @@
                             <m:sSupPr>
                               <m:ctrlPr>
                                 <a:rPr lang="it-IT" i="1">
-                                  <a:latin typeface="Cambria Math" panose="02040503050406030204" pitchFamily="18" charset="0"/>
+                                  <a:latin typeface="Cambria Math" charset="0"/>
                                 </a:rPr>
                               </m:ctrlPr>
                             </m:sSupPr>
@@ -10572,7 +10743,7 @@
                               <m:endChr m:val="|"/>
                               <m:ctrlPr>
                                 <a:rPr lang="it-IT" i="1">
-                                  <a:latin typeface="Cambria Math" panose="02040503050406030204" pitchFamily="18" charset="0"/>
+                                  <a:latin typeface="Cambria Math" charset="0"/>
                                 </a:rPr>
                               </m:ctrlPr>
                             </m:dPr>
@@ -10583,7 +10754,7 @@
                                   <m:endChr m:val="|"/>
                                   <m:ctrlPr>
                                     <a:rPr lang="it-IT" i="1">
-                                      <a:latin typeface="Cambria Math" panose="02040503050406030204" pitchFamily="18" charset="0"/>
+                                      <a:latin typeface="Cambria Math" charset="0"/>
                                     </a:rPr>
                                   </m:ctrlPr>
                                 </m:dPr>
@@ -10593,7 +10764,7 @@
                                       <m:chr m:val="⃗"/>
                                       <m:ctrlPr>
                                         <a:rPr lang="it-IT" b="1" i="1">
-                                          <a:latin typeface="Cambria Math" panose="02040503050406030204" pitchFamily="18" charset="0"/>
+                                          <a:latin typeface="Cambria Math" charset="0"/>
                                         </a:rPr>
                                       </m:ctrlPr>
                                     </m:accPr>
@@ -10602,7 +10773,7 @@
                                         <m:sSupPr>
                                           <m:ctrlPr>
                                             <a:rPr lang="it-IT" b="1" i="1">
-                                              <a:latin typeface="Cambria Math" panose="02040503050406030204" pitchFamily="18" charset="0"/>
+                                              <a:latin typeface="Cambria Math" charset="0"/>
                                             </a:rPr>
                                           </m:ctrlPr>
                                         </m:sSupPr>
@@ -10636,7 +10807,7 @@
                                       <m:chr m:val="⃗"/>
                                       <m:ctrlPr>
                                         <a:rPr lang="it-IT" b="1" i="1">
-                                          <a:latin typeface="Cambria Math" panose="02040503050406030204" pitchFamily="18" charset="0"/>
+                                          <a:latin typeface="Cambria Math" charset="0"/>
                                         </a:rPr>
                                       </m:ctrlPr>
                                     </m:accPr>
@@ -10692,7 +10863,7 @@
                         <m:fPr>
                           <m:ctrlPr>
                             <a:rPr lang="it-IT" i="1">
-                              <a:latin typeface="Cambria Math" panose="02040503050406030204" pitchFamily="18" charset="0"/>
+                              <a:latin typeface="Cambria Math" charset="0"/>
                             </a:rPr>
                           </m:ctrlPr>
                         </m:fPr>
@@ -10707,7 +10878,7 @@
                             <m:dPr>
                               <m:ctrlPr>
                                 <a:rPr lang="it-IT" i="1">
-                                  <a:latin typeface="Cambria Math" panose="02040503050406030204" pitchFamily="18" charset="0"/>
+                                  <a:latin typeface="Cambria Math" charset="0"/>
                                 </a:rPr>
                               </m:ctrlPr>
                             </m:dPr>
@@ -10716,7 +10887,7 @@
                                 <m:sSupPr>
                                   <m:ctrlPr>
                                     <a:rPr lang="it-IT" i="1">
-                                      <a:latin typeface="Cambria Math" panose="02040503050406030204" pitchFamily="18" charset="0"/>
+                                      <a:latin typeface="Cambria Math" charset="0"/>
                                     </a:rPr>
                                   </m:ctrlPr>
                                 </m:sSupPr>
@@ -10748,7 +10919,7 @@
                                   <m:chr m:val="⃗"/>
                                   <m:ctrlPr>
                                     <a:rPr lang="it-IT" b="1" i="1">
-                                      <a:latin typeface="Cambria Math" panose="02040503050406030204" pitchFamily="18" charset="0"/>
+                                      <a:latin typeface="Cambria Math" charset="0"/>
                                     </a:rPr>
                                   </m:ctrlPr>
                                 </m:accPr>
@@ -10757,7 +10928,7 @@
                                     <m:sSupPr>
                                       <m:ctrlPr>
                                         <a:rPr lang="it-IT" b="1" i="1">
-                                          <a:latin typeface="Cambria Math" panose="02040503050406030204" pitchFamily="18" charset="0"/>
+                                          <a:latin typeface="Cambria Math" charset="0"/>
                                         </a:rPr>
                                       </m:ctrlPr>
                                     </m:sSupPr>
@@ -10795,7 +10966,7 @@
                               <m:degHide m:val="on"/>
                               <m:ctrlPr>
                                 <a:rPr lang="it-IT" i="1">
-                                  <a:latin typeface="Cambria Math" panose="02040503050406030204" pitchFamily="18" charset="0"/>
+                                  <a:latin typeface="Cambria Math" charset="0"/>
                                 </a:rPr>
                               </m:ctrlPr>
                             </m:radPr>
@@ -10823,7 +10994,7 @@
                           <m:limLoc m:val="undOvr"/>
                           <m:ctrlPr>
                             <a:rPr lang="it-IT" i="1">
-                              <a:latin typeface="Cambria Math" panose="02040503050406030204" pitchFamily="18" charset="0"/>
+                              <a:latin typeface="Cambria Math" charset="0"/>
                             </a:rPr>
                           </m:ctrlPr>
                         </m:naryPr>
@@ -10854,7 +11025,7 @@
                             <m:sSubSupPr>
                               <m:ctrlPr>
                                 <a:rPr lang="it-IT" i="1">
-                                  <a:latin typeface="Cambria Math" panose="02040503050406030204" pitchFamily="18" charset="0"/>
+                                  <a:latin typeface="Cambria Math" charset="0"/>
                                 </a:rPr>
                               </m:ctrlPr>
                             </m:sSubSupPr>
@@ -10865,7 +11036,7 @@
                                   <m:endChr m:val="|"/>
                                   <m:ctrlPr>
                                     <a:rPr lang="it-IT" i="1">
-                                      <a:latin typeface="Cambria Math" panose="02040503050406030204" pitchFamily="18" charset="0"/>
+                                      <a:latin typeface="Cambria Math" charset="0"/>
                                     </a:rPr>
                                   </m:ctrlPr>
                                 </m:dPr>
@@ -10914,7 +11085,7 @@
                                 <m:sSubPr>
                                   <m:ctrlPr>
                                     <a:rPr lang="it-IT" i="1">
-                                      <a:latin typeface="Cambria Math" panose="02040503050406030204" pitchFamily="18" charset="0"/>
+                                      <a:latin typeface="Cambria Math" charset="0"/>
                                     </a:rPr>
                                   </m:ctrlPr>
                                 </m:sSubPr>
@@ -10952,7 +11123,7 @@
                           <m:limLoc m:val="undOvr"/>
                           <m:ctrlPr>
                             <a:rPr lang="it-IT" i="1">
-                              <a:latin typeface="Cambria Math" panose="02040503050406030204" pitchFamily="18" charset="0"/>
+                              <a:latin typeface="Cambria Math" charset="0"/>
                             </a:rPr>
                           </m:ctrlPr>
                         </m:naryPr>
@@ -10983,7 +11154,7 @@
                             <m:sSupPr>
                               <m:ctrlPr>
                                 <a:rPr lang="it-IT" i="1">
-                                  <a:latin typeface="Cambria Math" panose="02040503050406030204" pitchFamily="18" charset="0"/>
+                                  <a:latin typeface="Cambria Math" charset="0"/>
                                 </a:rPr>
                               </m:ctrlPr>
                             </m:sSupPr>
@@ -10992,7 +11163,7 @@
                                 <m:dPr>
                                   <m:ctrlPr>
                                     <a:rPr lang="it-IT" i="1">
-                                      <a:latin typeface="Cambria Math" panose="02040503050406030204" pitchFamily="18" charset="0"/>
+                                      <a:latin typeface="Cambria Math" charset="0"/>
                                     </a:rPr>
                                   </m:ctrlPr>
                                 </m:dPr>
@@ -11001,7 +11172,7 @@
                                     <m:fPr>
                                       <m:ctrlPr>
                                         <a:rPr lang="it-IT" i="1">
-                                          <a:latin typeface="Cambria Math" panose="02040503050406030204" pitchFamily="18" charset="0"/>
+                                          <a:latin typeface="Cambria Math" charset="0"/>
                                         </a:rPr>
                                       </m:ctrlPr>
                                     </m:fPr>
@@ -11010,7 +11181,7 @@
                                         <m:sSubPr>
                                           <m:ctrlPr>
                                             <a:rPr lang="it-IT" i="1">
-                                              <a:latin typeface="Cambria Math" panose="02040503050406030204" pitchFamily="18" charset="0"/>
+                                              <a:latin typeface="Cambria Math" charset="0"/>
                                             </a:rPr>
                                           </m:ctrlPr>
                                         </m:sSubPr>
@@ -11039,7 +11210,7 @@
                                           <m:endChr m:val="|"/>
                                           <m:ctrlPr>
                                             <a:rPr lang="it-IT" i="1">
-                                              <a:latin typeface="Cambria Math" panose="02040503050406030204" pitchFamily="18" charset="0"/>
+                                              <a:latin typeface="Cambria Math" charset="0"/>
                                             </a:rPr>
                                           </m:ctrlPr>
                                         </m:dPr>
@@ -11050,7 +11221,7 @@
                                               <m:endChr m:val="|"/>
                                               <m:ctrlPr>
                                                 <a:rPr lang="it-IT" i="1">
-                                                  <a:latin typeface="Cambria Math" panose="02040503050406030204" pitchFamily="18" charset="0"/>
+                                                  <a:latin typeface="Cambria Math" charset="0"/>
                                                 </a:rPr>
                                               </m:ctrlPr>
                                             </m:dPr>
@@ -11060,7 +11231,7 @@
                                                   <m:chr m:val="⃗"/>
                                                   <m:ctrlPr>
                                                     <a:rPr lang="it-IT" b="1" i="1">
-                                                      <a:latin typeface="Cambria Math" panose="02040503050406030204" pitchFamily="18" charset="0"/>
+                                                      <a:latin typeface="Cambria Math" charset="0"/>
                                                     </a:rPr>
                                                   </m:ctrlPr>
                                                 </m:accPr>
@@ -11069,7 +11240,7 @@
                                                     <m:sSubPr>
                                                       <m:ctrlPr>
                                                         <a:rPr lang="it-IT" b="1" i="1">
-                                                          <a:latin typeface="Cambria Math" panose="02040503050406030204" pitchFamily="18" charset="0"/>
+                                                          <a:latin typeface="Cambria Math" charset="0"/>
                                                         </a:rPr>
                                                       </m:ctrlPr>
                                                     </m:sSubPr>
@@ -11103,7 +11274,7 @@
                                                   <m:chr m:val="⃗"/>
                                                   <m:ctrlPr>
                                                     <a:rPr lang="it-IT" b="1" i="1">
-                                                      <a:latin typeface="Cambria Math" panose="02040503050406030204" pitchFamily="18" charset="0"/>
+                                                      <a:latin typeface="Cambria Math" charset="0"/>
                                                     </a:rPr>
                                                   </m:ctrlPr>
                                                 </m:accPr>
@@ -11112,7 +11283,7 @@
                                                     <m:sSubPr>
                                                       <m:ctrlPr>
                                                         <a:rPr lang="it-IT" b="1" i="1">
-                                                          <a:latin typeface="Cambria Math" panose="02040503050406030204" pitchFamily="18" charset="0"/>
+                                                          <a:latin typeface="Cambria Math" charset="0"/>
                                                         </a:rPr>
                                                       </m:ctrlPr>
                                                     </m:sSubPr>
@@ -11151,7 +11322,7 @@
                                     <m:fPr>
                                       <m:ctrlPr>
                                         <a:rPr lang="it-IT" i="1">
-                                          <a:latin typeface="Cambria Math" panose="02040503050406030204" pitchFamily="18" charset="0"/>
+                                          <a:latin typeface="Cambria Math" charset="0"/>
                                         </a:rPr>
                                       </m:ctrlPr>
                                     </m:fPr>
@@ -11160,7 +11331,7 @@
                                         <m:sSupPr>
                                           <m:ctrlPr>
                                             <a:rPr lang="it-IT" i="1">
-                                              <a:latin typeface="Cambria Math" panose="02040503050406030204" pitchFamily="18" charset="0"/>
+                                              <a:latin typeface="Cambria Math" charset="0"/>
                                             </a:rPr>
                                           </m:ctrlPr>
                                         </m:sSupPr>
@@ -11195,7 +11366,7 @@
                                           <m:endChr m:val="|"/>
                                           <m:ctrlPr>
                                             <a:rPr lang="it-IT" i="1">
-                                              <a:latin typeface="Cambria Math" panose="02040503050406030204" pitchFamily="18" charset="0"/>
+                                              <a:latin typeface="Cambria Math" charset="0"/>
                                             </a:rPr>
                                           </m:ctrlPr>
                                         </m:dPr>
@@ -11206,7 +11377,7 @@
                                               <m:endChr m:val="|"/>
                                               <m:ctrlPr>
                                                 <a:rPr lang="it-IT" i="1">
-                                                  <a:latin typeface="Cambria Math" panose="02040503050406030204" pitchFamily="18" charset="0"/>
+                                                  <a:latin typeface="Cambria Math" charset="0"/>
                                                 </a:rPr>
                                               </m:ctrlPr>
                                             </m:dPr>
@@ -11216,7 +11387,7 @@
                                                   <m:chr m:val="⃗"/>
                                                   <m:ctrlPr>
                                                     <a:rPr lang="it-IT" b="1" i="1">
-                                                      <a:latin typeface="Cambria Math" panose="02040503050406030204" pitchFamily="18" charset="0"/>
+                                                      <a:latin typeface="Cambria Math" charset="0"/>
                                                     </a:rPr>
                                                   </m:ctrlPr>
                                                 </m:accPr>
@@ -11225,7 +11396,7 @@
                                                     <m:sSupPr>
                                                       <m:ctrlPr>
                                                         <a:rPr lang="it-IT" b="1" i="1">
-                                                          <a:latin typeface="Cambria Math" panose="02040503050406030204" pitchFamily="18" charset="0"/>
+                                                          <a:latin typeface="Cambria Math" charset="0"/>
                                                         </a:rPr>
                                                       </m:ctrlPr>
                                                     </m:sSupPr>
@@ -11259,7 +11430,7 @@
                                                   <m:chr m:val="⃗"/>
                                                   <m:ctrlPr>
                                                     <a:rPr lang="it-IT" b="1" i="1">
-                                                      <a:latin typeface="Cambria Math" panose="02040503050406030204" pitchFamily="18" charset="0"/>
+                                                      <a:latin typeface="Cambria Math" charset="0"/>
                                                     </a:rPr>
                                                   </m:ctrlPr>
                                                 </m:accPr>
@@ -11268,7 +11439,7 @@
                                                     <m:sSubPr>
                                                       <m:ctrlPr>
                                                         <a:rPr lang="it-IT" b="1" i="1">
-                                                          <a:latin typeface="Cambria Math" panose="02040503050406030204" pitchFamily="18" charset="0"/>
+                                                          <a:latin typeface="Cambria Math" charset="0"/>
                                                         </a:rPr>
                                                       </m:ctrlPr>
                                                     </m:sSubPr>
@@ -11714,7 +11885,7 @@
           <p:cNvPr id="9" name="Rectangle 8">
             <a:extLst>
               <a:ext uri="{FF2B5EF4-FFF2-40B4-BE49-F238E27FC236}">
-                <a16:creationId xmlns:a16="http://schemas.microsoft.com/office/drawing/2014/main" id="{4E4490D0-3672-446A-AC12-B4830333BDDD}"/>
+                <a16:creationId xmlns:a16="http://schemas.microsoft.com/office/drawing/2014/main" xmlns="" id="{4E4490D0-3672-446A-AC12-B4830333BDDD}"/>
               </a:ext>
             </a:extLst>
           </p:cNvPr>
@@ -11766,7 +11937,7 @@
           <p:cNvPr id="11" name="Rectangle 10">
             <a:extLst>
               <a:ext uri="{FF2B5EF4-FFF2-40B4-BE49-F238E27FC236}">
-                <a16:creationId xmlns:a16="http://schemas.microsoft.com/office/drawing/2014/main" id="{39CB82C2-DF65-4EC1-8280-F201D50F570B}"/>
+                <a16:creationId xmlns:a16="http://schemas.microsoft.com/office/drawing/2014/main" xmlns="" id="{39CB82C2-DF65-4EC1-8280-F201D50F570B}"/>
               </a:ext>
             </a:extLst>
           </p:cNvPr>
@@ -11818,7 +11989,7 @@
           <p:cNvPr id="13" name="Straight Connector 12">
             <a:extLst>
               <a:ext uri="{FF2B5EF4-FFF2-40B4-BE49-F238E27FC236}">
-                <a16:creationId xmlns:a16="http://schemas.microsoft.com/office/drawing/2014/main" id="{7E1D4427-852B-4B37-8E76-0E9F1810BA2A}"/>
+                <a16:creationId xmlns:a16="http://schemas.microsoft.com/office/drawing/2014/main" xmlns="" id="{7E1D4427-852B-4B37-8E76-0E9F1810BA2A}"/>
               </a:ext>
             </a:extLst>
           </p:cNvPr>
@@ -11870,7 +12041,7 @@
           <p:cNvPr id="15" name="Rectangle 14">
             <a:extLst>
               <a:ext uri="{FF2B5EF4-FFF2-40B4-BE49-F238E27FC236}">
-                <a16:creationId xmlns:a16="http://schemas.microsoft.com/office/drawing/2014/main" id="{5A1B47C8-47A0-4A88-8830-6DEA3B5DE392}"/>
+                <a16:creationId xmlns:a16="http://schemas.microsoft.com/office/drawing/2014/main" xmlns="" id="{5A1B47C8-47A0-4A88-8830-6DEA3B5DE392}"/>
               </a:ext>
             </a:extLst>
           </p:cNvPr>
@@ -11959,7 +12130,7 @@
           <p:cNvPr id="17" name="Rectangle 16">
             <a:extLst>
               <a:ext uri="{FF2B5EF4-FFF2-40B4-BE49-F238E27FC236}">
-                <a16:creationId xmlns:a16="http://schemas.microsoft.com/office/drawing/2014/main" id="{984BBFDD-E720-4805-A9C8-129FBBF6DD70}"/>
+                <a16:creationId xmlns:a16="http://schemas.microsoft.com/office/drawing/2014/main" xmlns="" id="{984BBFDD-E720-4805-A9C8-129FBBF6DD70}"/>
               </a:ext>
             </a:extLst>
           </p:cNvPr>
@@ -12011,7 +12182,7 @@
           <p:cNvPr id="19" name="Rectangle 18">
             <a:extLst>
               <a:ext uri="{FF2B5EF4-FFF2-40B4-BE49-F238E27FC236}">
-                <a16:creationId xmlns:a16="http://schemas.microsoft.com/office/drawing/2014/main" id="{5AC4BE46-4A77-42FE-9D15-065CDB2F847C}"/>
+                <a16:creationId xmlns:a16="http://schemas.microsoft.com/office/drawing/2014/main" xmlns="" id="{5AC4BE46-4A77-42FE-9D15-065CDB2F847C}"/>
               </a:ext>
             </a:extLst>
           </p:cNvPr>

--- a/IDENTICAZIONE SISTEMA DI CARICHE PUNTIFORMI DA MISURE DI.pptx
+++ b/IDENTICAZIONE SISTEMA DI CARICHE PUNTIFORMI DA MISURE DI.pptx
@@ -5,7 +5,7 @@
     <p:sldMasterId id="2147484292" r:id="rId1"/>
   </p:sldMasterIdLst>
   <p:notesMasterIdLst>
-    <p:notesMasterId r:id="rId17"/>
+    <p:notesMasterId r:id="rId19"/>
   </p:notesMasterIdLst>
   <p:sldIdLst>
     <p:sldId id="256" r:id="rId2"/>
@@ -23,6 +23,8 @@
     <p:sldId id="268" r:id="rId14"/>
     <p:sldId id="269" r:id="rId15"/>
     <p:sldId id="270" r:id="rId16"/>
+    <p:sldId id="271" r:id="rId17"/>
+    <p:sldId id="272" r:id="rId18"/>
   </p:sldIdLst>
   <p:sldSz cx="12192000" cy="6858000"/>
   <p:notesSz cx="6858000" cy="9144000"/>
@@ -211,7 +213,7 @@
           <a:p>
             <a:fld id="{0B626E60-15AC-294D-A4F1-F70323F0F9DF}" type="datetimeFigureOut">
               <a:rPr lang="en-US" smtClean="0"/>
-              <a:t>12/4/17</a:t>
+              <a:t>12/4/2017</a:t>
             </a:fld>
             <a:endParaRPr lang="en-US"/>
           </a:p>
@@ -370,7 +372,7 @@
           <a:p>
             <a:fld id="{B84B1DCE-DD70-5840-A766-ADE0E79E6240}" type="slidenum">
               <a:rPr lang="en-US" smtClean="0"/>
-              <a:t>‹#›</a:t>
+              <a:t>‹N›</a:t>
             </a:fld>
             <a:endParaRPr lang="en-US"/>
           </a:p>
@@ -1140,7 +1142,7 @@
           <a:p>
             <a:fld id="{D400A843-E78D-45FE-BBE0-0DFBB922583B}" type="datetimeFigureOut">
               <a:rPr lang="it-IT" smtClean="0"/>
-              <a:t>04/12/17</a:t>
+              <a:t>04/12/2017</a:t>
             </a:fld>
             <a:endParaRPr lang="it-IT"/>
           </a:p>
@@ -1182,7 +1184,7 @@
           <a:p>
             <a:fld id="{1B29E90A-79A6-4357-BA0E-73A707E87A6D}" type="slidenum">
               <a:rPr lang="it-IT" smtClean="0"/>
-              <a:t>‹#›</a:t>
+              <a:t>‹N›</a:t>
             </a:fld>
             <a:endParaRPr lang="it-IT"/>
           </a:p>
@@ -1343,7 +1345,7 @@
           <a:p>
             <a:fld id="{D400A843-E78D-45FE-BBE0-0DFBB922583B}" type="datetimeFigureOut">
               <a:rPr lang="it-IT" smtClean="0"/>
-              <a:t>04/12/17</a:t>
+              <a:t>04/12/2017</a:t>
             </a:fld>
             <a:endParaRPr lang="it-IT"/>
           </a:p>
@@ -1385,7 +1387,7 @@
           <a:p>
             <a:fld id="{1B29E90A-79A6-4357-BA0E-73A707E87A6D}" type="slidenum">
               <a:rPr lang="it-IT" smtClean="0"/>
-              <a:t>‹#›</a:t>
+              <a:t>‹N›</a:t>
             </a:fld>
             <a:endParaRPr lang="it-IT"/>
           </a:p>
@@ -1594,7 +1596,7 @@
           <a:p>
             <a:fld id="{D400A843-E78D-45FE-BBE0-0DFBB922583B}" type="datetimeFigureOut">
               <a:rPr lang="it-IT" smtClean="0"/>
-              <a:t>04/12/17</a:t>
+              <a:t>04/12/2017</a:t>
             </a:fld>
             <a:endParaRPr lang="it-IT"/>
           </a:p>
@@ -1636,7 +1638,7 @@
           <a:p>
             <a:fld id="{1B29E90A-79A6-4357-BA0E-73A707E87A6D}" type="slidenum">
               <a:rPr lang="it-IT" smtClean="0"/>
-              <a:t>‹#›</a:t>
+              <a:t>‹N›</a:t>
             </a:fld>
             <a:endParaRPr lang="it-IT"/>
           </a:p>
@@ -1763,7 +1765,7 @@
           <a:p>
             <a:fld id="{D400A843-E78D-45FE-BBE0-0DFBB922583B}" type="datetimeFigureOut">
               <a:rPr lang="it-IT" smtClean="0"/>
-              <a:t>04/12/17</a:t>
+              <a:t>04/12/2017</a:t>
             </a:fld>
             <a:endParaRPr lang="it-IT"/>
           </a:p>
@@ -1805,7 +1807,7 @@
           <a:p>
             <a:fld id="{1B29E90A-79A6-4357-BA0E-73A707E87A6D}" type="slidenum">
               <a:rPr lang="it-IT" smtClean="0"/>
-              <a:t>‹#›</a:t>
+              <a:t>‹N›</a:t>
             </a:fld>
             <a:endParaRPr lang="it-IT"/>
           </a:p>
@@ -2101,7 +2103,7 @@
           <a:p>
             <a:fld id="{D400A843-E78D-45FE-BBE0-0DFBB922583B}" type="datetimeFigureOut">
               <a:rPr lang="it-IT" smtClean="0"/>
-              <a:t>04/12/17</a:t>
+              <a:t>04/12/2017</a:t>
             </a:fld>
             <a:endParaRPr lang="it-IT"/>
           </a:p>
@@ -2143,7 +2145,7 @@
           <a:p>
             <a:fld id="{1B29E90A-79A6-4357-BA0E-73A707E87A6D}" type="slidenum">
               <a:rPr lang="it-IT" smtClean="0"/>
-              <a:t>‹#›</a:t>
+              <a:t>‹N›</a:t>
             </a:fld>
             <a:endParaRPr lang="it-IT"/>
           </a:p>
@@ -2371,7 +2373,7 @@
           <a:p>
             <a:fld id="{D400A843-E78D-45FE-BBE0-0DFBB922583B}" type="datetimeFigureOut">
               <a:rPr lang="it-IT" smtClean="0"/>
-              <a:t>04/12/17</a:t>
+              <a:t>04/12/2017</a:t>
             </a:fld>
             <a:endParaRPr lang="it-IT"/>
           </a:p>
@@ -2413,7 +2415,7 @@
           <a:p>
             <a:fld id="{1B29E90A-79A6-4357-BA0E-73A707E87A6D}" type="slidenum">
               <a:rPr lang="it-IT" smtClean="0"/>
-              <a:t>‹#›</a:t>
+              <a:t>‹N›</a:t>
             </a:fld>
             <a:endParaRPr lang="it-IT"/>
           </a:p>
@@ -2745,7 +2747,7 @@
           <a:p>
             <a:fld id="{D400A843-E78D-45FE-BBE0-0DFBB922583B}" type="datetimeFigureOut">
               <a:rPr lang="it-IT" smtClean="0"/>
-              <a:t>04/12/17</a:t>
+              <a:t>04/12/2017</a:t>
             </a:fld>
             <a:endParaRPr lang="it-IT"/>
           </a:p>
@@ -2787,7 +2789,7 @@
           <a:p>
             <a:fld id="{1B29E90A-79A6-4357-BA0E-73A707E87A6D}" type="slidenum">
               <a:rPr lang="it-IT" smtClean="0"/>
-              <a:t>‹#›</a:t>
+              <a:t>‹N›</a:t>
             </a:fld>
             <a:endParaRPr lang="it-IT"/>
           </a:p>
@@ -2858,7 +2860,7 @@
           <a:p>
             <a:fld id="{D400A843-E78D-45FE-BBE0-0DFBB922583B}" type="datetimeFigureOut">
               <a:rPr lang="it-IT" smtClean="0"/>
-              <a:t>04/12/17</a:t>
+              <a:t>04/12/2017</a:t>
             </a:fld>
             <a:endParaRPr lang="it-IT"/>
           </a:p>
@@ -2900,7 +2902,7 @@
           <a:p>
             <a:fld id="{1B29E90A-79A6-4357-BA0E-73A707E87A6D}" type="slidenum">
               <a:rPr lang="it-IT" smtClean="0"/>
-              <a:t>‹#›</a:t>
+              <a:t>‹N›</a:t>
             </a:fld>
             <a:endParaRPr lang="it-IT"/>
           </a:p>
@@ -3024,7 +3026,7 @@
           <a:p>
             <a:fld id="{D400A843-E78D-45FE-BBE0-0DFBB922583B}" type="datetimeFigureOut">
               <a:rPr lang="it-IT" smtClean="0"/>
-              <a:t>04/12/17</a:t>
+              <a:t>04/12/2017</a:t>
             </a:fld>
             <a:endParaRPr lang="it-IT"/>
           </a:p>
@@ -3074,7 +3076,7 @@
           <a:p>
             <a:fld id="{1B29E90A-79A6-4357-BA0E-73A707E87A6D}" type="slidenum">
               <a:rPr lang="it-IT" smtClean="0"/>
-              <a:t>‹#›</a:t>
+              <a:t>‹N›</a:t>
             </a:fld>
             <a:endParaRPr lang="it-IT"/>
           </a:p>
@@ -3373,7 +3375,7 @@
           <a:p>
             <a:fld id="{D400A843-E78D-45FE-BBE0-0DFBB922583B}" type="datetimeFigureOut">
               <a:rPr lang="it-IT" smtClean="0"/>
-              <a:t>04/12/17</a:t>
+              <a:t>04/12/2017</a:t>
             </a:fld>
             <a:endParaRPr lang="it-IT"/>
           </a:p>
@@ -3436,7 +3438,7 @@
           <a:p>
             <a:fld id="{1B29E90A-79A6-4357-BA0E-73A707E87A6D}" type="slidenum">
               <a:rPr lang="it-IT" smtClean="0"/>
-              <a:t>‹#›</a:t>
+              <a:t>‹N›</a:t>
             </a:fld>
             <a:endParaRPr lang="it-IT"/>
           </a:p>
@@ -3747,7 +3749,7 @@
           <a:p>
             <a:fld id="{D400A843-E78D-45FE-BBE0-0DFBB922583B}" type="datetimeFigureOut">
               <a:rPr lang="it-IT" smtClean="0"/>
-              <a:t>04/12/17</a:t>
+              <a:t>04/12/2017</a:t>
             </a:fld>
             <a:endParaRPr lang="it-IT"/>
           </a:p>
@@ -3789,7 +3791,7 @@
           <a:p>
             <a:fld id="{1B29E90A-79A6-4357-BA0E-73A707E87A6D}" type="slidenum">
               <a:rPr lang="it-IT" smtClean="0"/>
-              <a:t>‹#›</a:t>
+              <a:t>‹N›</a:t>
             </a:fld>
             <a:endParaRPr lang="it-IT"/>
           </a:p>
@@ -4029,7 +4031,7 @@
           <a:p>
             <a:fld id="{D400A843-E78D-45FE-BBE0-0DFBB922583B}" type="datetimeFigureOut">
               <a:rPr lang="it-IT" smtClean="0"/>
-              <a:t>04/12/17</a:t>
+              <a:t>04/12/2017</a:t>
             </a:fld>
             <a:endParaRPr lang="it-IT"/>
           </a:p>
@@ -4103,7 +4105,7 @@
           <a:p>
             <a:fld id="{1B29E90A-79A6-4357-BA0E-73A707E87A6D}" type="slidenum">
               <a:rPr lang="it-IT" smtClean="0"/>
-              <a:t>‹#›</a:t>
+              <a:t>‹N›</a:t>
             </a:fld>
             <a:endParaRPr lang="it-IT"/>
           </a:p>
@@ -4828,7 +4830,7 @@
                         <m:fPr>
                           <m:ctrlPr>
                             <a:rPr lang="mr-IN" i="1" smtClean="0">
-                              <a:latin typeface="Cambria Math" charset="0"/>
+                              <a:latin typeface="Cambria Math" panose="02040503050406030204" pitchFamily="18" charset="0"/>
                             </a:rPr>
                           </m:ctrlPr>
                         </m:fPr>
@@ -4838,7 +4840,7 @@
                               <m:degHide m:val="on"/>
                               <m:ctrlPr>
                                 <a:rPr lang="mr-IN" i="1" smtClean="0">
-                                  <a:latin typeface="Cambria Math" charset="0"/>
+                                  <a:latin typeface="Cambria Math" panose="02040503050406030204" pitchFamily="18" charset="0"/>
                                 </a:rPr>
                               </m:ctrlPr>
                             </m:radPr>
@@ -5273,12 +5275,12 @@
         <p:spPr>
           <a:xfrm>
             <a:off x="1097280" y="1988896"/>
-            <a:ext cx="10058400" cy="1359946"/>
+            <a:ext cx="10058400" cy="950232"/>
           </a:xfrm>
         </p:spPr>
         <p:txBody>
           <a:bodyPr>
-            <a:normAutofit/>
+            <a:normAutofit fontScale="92500" lnSpcReduction="20000"/>
           </a:bodyPr>
           <a:lstStyle/>
           <a:p>
@@ -5288,8 +5290,21 @@
                   <a:schemeClr val="tx1"/>
                 </a:solidFill>
               </a:rPr>
-              <a:t>Il primo problema è stato risolto utilizzando le penalità, il valore della funzione viene penalizzato e dunque aumentato drasticamente per i vertici del politopo che ricadono fuori dal vincolo in modo tale da forzare l’algoritmo alla prossima iterazione a ribaltare il politopo all’interno della regione dei punti ammissibili.</a:t>
-            </a:r>
+              <a:t>Il primo problema è stato risolto utilizzando le penalità, il valore della funzione viene penalizzato e dunque aumentato drasticamente per i vertici del politopo che ricadono fuori dal vincolo in modo tale da forzare l’algoritmo alla prossima iterazione a ribaltare il politopo all’interno della regione dei </a:t>
+            </a:r>
+            <a:r>
+              <a:rPr lang="it-IT" smtClean="0">
+                <a:solidFill>
+                  <a:schemeClr val="tx1"/>
+                </a:solidFill>
+              </a:rPr>
+              <a:t>punti ammissibili.</a:t>
+            </a:r>
+            <a:endParaRPr lang="it-IT" dirty="0" smtClean="0">
+              <a:solidFill>
+                <a:schemeClr val="tx1"/>
+              </a:solidFill>
+            </a:endParaRPr>
           </a:p>
         </p:txBody>
       </p:sp>
@@ -5301,8 +5316,8 @@
         </p:nvSpPr>
         <p:spPr>
           <a:xfrm>
-            <a:off x="1097280" y="3930020"/>
-            <a:ext cx="7001692" cy="707886"/>
+            <a:off x="1097279" y="3502509"/>
+            <a:ext cx="10058401" cy="707886"/>
           </a:xfrm>
           <a:prstGeom prst="rect">
             <a:avLst/>
@@ -5361,7 +5376,7 @@
         </p:blipFill>
         <p:spPr>
           <a:xfrm>
-            <a:off x="8001000" y="2887872"/>
+            <a:off x="8001000" y="2864122"/>
             <a:ext cx="3907972" cy="3293366"/>
           </a:xfrm>
           <a:prstGeom prst="rect">
@@ -5431,14 +5446,56 @@
       </p:sp>
       <p:sp>
         <p:nvSpPr>
+          <p:cNvPr id="3" name="Segnaposto contenuto 2"/>
+          <p:cNvSpPr>
+            <a:spLocks noGrp="1"/>
+          </p:cNvSpPr>
+          <p:nvPr>
+            <p:ph idx="1"/>
+          </p:nvPr>
+        </p:nvSpPr>
+        <p:spPr>
+          <a:xfrm>
+            <a:off x="1097280" y="1988896"/>
+            <a:ext cx="10058400" cy="950232"/>
+          </a:xfrm>
+        </p:spPr>
+        <p:txBody>
+          <a:bodyPr>
+            <a:normAutofit/>
+          </a:bodyPr>
+          <a:lstStyle/>
+          <a:p>
+            <a:r>
+              <a:rPr lang="it-IT" dirty="0"/>
+              <a:t>Simplex(@</a:t>
+            </a:r>
+            <a:r>
+              <a:rPr lang="it-IT" dirty="0" err="1"/>
+              <a:t>cost_function</a:t>
+            </a:r>
+            <a:r>
+              <a:rPr lang="it-IT" dirty="0"/>
+              <a:t>, { }, [-.2 .5 .3], .3, </a:t>
+            </a:r>
+            <a:r>
+              <a:rPr lang="it-IT" dirty="0" smtClean="0"/>
+              <a:t>1e-5, 500);</a:t>
+            </a:r>
+            <a:endParaRPr lang="it-IT" dirty="0"/>
+          </a:p>
+        </p:txBody>
+      </p:sp>
+      <p:sp>
+        <p:nvSpPr>
           <p:cNvPr id="4" name="Rectangle 3"/>
           <p:cNvSpPr/>
           <p:nvPr/>
         </p:nvSpPr>
         <p:spPr>
           <a:xfrm>
-            <a:off x="1156527" y="2717948"/>
-            <a:ext cx="5199018" cy="1938992"/>
+            <a:off x="1097280" y="2464012"/>
+            <a:ext cx="5199018" cy="1754326"/>
           </a:xfrm>
           <a:prstGeom prst="rect">
             <a:avLst/>
@@ -5455,7 +5512,7 @@
               <a:buChar char="•"/>
             </a:pPr>
             <a:r>
-              <a:rPr lang="it-IT" sz="2000" dirty="0"/>
+              <a:rPr lang="it-IT" dirty="0"/>
               <a:t>Valore nell’ultimo vertice = 1.6150e-06</a:t>
             </a:r>
           </a:p>
@@ -5465,7 +5522,7 @@
               <a:buChar char="•"/>
             </a:pPr>
             <a:r>
-              <a:rPr lang="it-IT" sz="2000" dirty="0"/>
+              <a:rPr lang="it-IT" dirty="0"/>
               <a:t>risultato =  -0.2799    0.3995    0.4000</a:t>
             </a:r>
           </a:p>
@@ -5475,7 +5532,7 @@
               <a:buChar char="•"/>
             </a:pPr>
             <a:r>
-              <a:rPr lang="it-IT" sz="2000" dirty="0"/>
+              <a:rPr lang="it-IT" dirty="0"/>
               <a:t>iterazioni = 500</a:t>
             </a:r>
           </a:p>
@@ -5485,7 +5542,7 @@
               <a:buChar char="•"/>
             </a:pPr>
             <a:r>
-              <a:rPr lang="it-IT" sz="2000" dirty="0"/>
+              <a:rPr lang="it-IT" dirty="0"/>
               <a:t>dimezzamenti = 13</a:t>
             </a:r>
           </a:p>
@@ -5495,7 +5552,7 @@
               <a:buChar char="•"/>
             </a:pPr>
             <a:r>
-              <a:rPr lang="it-IT" sz="2000" dirty="0"/>
+              <a:rPr lang="it-IT" dirty="0"/>
               <a:t>superficie finale = 7.7591e-04</a:t>
             </a:r>
           </a:p>
@@ -5505,7 +5562,7 @@
               <a:buChar char="•"/>
             </a:pPr>
             <a:r>
-              <a:rPr lang="it-IT" sz="2000" dirty="0"/>
+              <a:rPr lang="it-IT" dirty="0"/>
               <a:t>errore = 0.0201    0.0005    0.0000</a:t>
             </a:r>
           </a:p>
@@ -5517,21 +5574,16 @@
           <p:cNvPicPr/>
           <p:nvPr/>
         </p:nvPicPr>
-        <p:blipFill rotWithShape="1">
-          <a:blip r:embed="rId2">
-            <a:extLst>
-              <a:ext uri="{28A0092B-C50C-407E-A947-70E740481C1C}">
-                <a14:useLocalDpi xmlns:a14="http://schemas.microsoft.com/office/drawing/2010/main" val="0"/>
-              </a:ext>
-            </a:extLst>
-          </a:blip>
-          <a:srcRect l="19652" t="5769" r="17563" b="4000"/>
-          <a:stretch/>
+        <p:blipFill>
+          <a:blip r:embed="rId2"/>
+          <a:stretch>
+            <a:fillRect/>
+          </a:stretch>
         </p:blipFill>
         <p:spPr>
           <a:xfrm>
-            <a:off x="5420686" y="3315723"/>
-            <a:ext cx="2928136" cy="2706444"/>
+            <a:off x="8116037" y="330389"/>
+            <a:ext cx="3552632" cy="3317013"/>
           </a:xfrm>
           <a:prstGeom prst="rect">
             <a:avLst/>
@@ -5546,107 +5598,22 @@
           </p:cNvPicPr>
           <p:nvPr/>
         </p:nvPicPr>
-        <p:blipFill rotWithShape="1">
-          <a:blip r:embed="rId3">
-            <a:extLst>
-              <a:ext uri="{28A0092B-C50C-407E-A947-70E740481C1C}">
-                <a14:useLocalDpi xmlns:a14="http://schemas.microsoft.com/office/drawing/2010/main" val="0"/>
-              </a:ext>
-            </a:extLst>
-          </a:blip>
-          <a:srcRect l="17031" t="10633" r="14866" b="3846"/>
-          <a:stretch/>
+        <p:blipFill>
+          <a:blip r:embed="rId3"/>
+          <a:stretch>
+            <a:fillRect/>
+          </a:stretch>
         </p:blipFill>
         <p:spPr>
           <a:xfrm>
-            <a:off x="8479326" y="3315723"/>
-            <a:ext cx="3712674" cy="2772347"/>
+            <a:off x="5780723" y="3414244"/>
+            <a:ext cx="3454717" cy="2906085"/>
           </a:xfrm>
           <a:prstGeom prst="rect">
             <a:avLst/>
           </a:prstGeom>
         </p:spPr>
       </p:pic>
-      <p:sp>
-        <p:nvSpPr>
-          <p:cNvPr id="8" name="Rectangle 7"/>
-          <p:cNvSpPr/>
-          <p:nvPr/>
-        </p:nvSpPr>
-        <p:spPr>
-          <a:xfrm>
-            <a:off x="1156527" y="1916020"/>
-            <a:ext cx="9261469" cy="400110"/>
-          </a:xfrm>
-          <a:prstGeom prst="rect">
-            <a:avLst/>
-          </a:prstGeom>
-        </p:spPr>
-        <p:txBody>
-          <a:bodyPr wrap="square">
-            <a:spAutoFit/>
-          </a:bodyPr>
-          <a:lstStyle/>
-          <a:p>
-            <a:r>
-              <a:rPr lang="en-US" sz="2000" dirty="0">
-                <a:latin typeface="Courier" charset="0"/>
-              </a:rPr>
-              <a:t>Simplex(@</a:t>
-            </a:r>
-            <a:r>
-              <a:rPr lang="en-US" sz="2000" dirty="0" err="1">
-                <a:latin typeface="Courier" charset="0"/>
-              </a:rPr>
-              <a:t>cost_function</a:t>
-            </a:r>
-            <a:r>
-              <a:rPr lang="en-US" sz="2000" dirty="0">
-                <a:latin typeface="Courier" charset="0"/>
-              </a:rPr>
-              <a:t>, { }, [-.2 .5 .3], .3, 1e-5, 500);</a:t>
-            </a:r>
-            <a:endParaRPr lang="en-US" sz="2000" dirty="0">
-              <a:effectLst/>
-              <a:latin typeface="Courier" charset="0"/>
-            </a:endParaRPr>
-          </a:p>
-        </p:txBody>
-      </p:sp>
-      <p:sp>
-        <p:nvSpPr>
-          <p:cNvPr id="11" name="TextBox 10"/>
-          <p:cNvSpPr txBox="1"/>
-          <p:nvPr/>
-        </p:nvSpPr>
-        <p:spPr>
-          <a:xfrm>
-            <a:off x="1156527" y="2348616"/>
-            <a:ext cx="1097801" cy="400110"/>
-          </a:xfrm>
-          <a:prstGeom prst="rect">
-            <a:avLst/>
-          </a:prstGeom>
-          <a:noFill/>
-        </p:spPr>
-        <p:txBody>
-          <a:bodyPr wrap="none" rtlCol="0">
-            <a:spAutoFit/>
-          </a:bodyPr>
-          <a:lstStyle/>
-          <a:p>
-            <a:r>
-              <a:rPr lang="en-US" sz="2000" dirty="0" err="1" smtClean="0"/>
-              <a:t>Risultati</a:t>
-            </a:r>
-            <a:r>
-              <a:rPr lang="en-US" sz="2000" dirty="0" smtClean="0"/>
-              <a:t>:</a:t>
-            </a:r>
-            <a:endParaRPr lang="en-US" sz="2000" dirty="0"/>
-          </a:p>
-        </p:txBody>
-      </p:sp>
     </p:spTree>
     <p:extLst>
       <p:ext uri="{BB962C8B-B14F-4D97-AF65-F5344CB8AC3E}">
@@ -5709,6 +5676,48 @@
       </p:sp>
       <p:sp>
         <p:nvSpPr>
+          <p:cNvPr id="3" name="Segnaposto contenuto 2"/>
+          <p:cNvSpPr>
+            <a:spLocks noGrp="1"/>
+          </p:cNvSpPr>
+          <p:nvPr>
+            <p:ph idx="1"/>
+          </p:nvPr>
+        </p:nvSpPr>
+        <p:spPr>
+          <a:xfrm>
+            <a:off x="1097280" y="1988896"/>
+            <a:ext cx="10058400" cy="950232"/>
+          </a:xfrm>
+        </p:spPr>
+        <p:txBody>
+          <a:bodyPr>
+            <a:normAutofit/>
+          </a:bodyPr>
+          <a:lstStyle/>
+          <a:p>
+            <a:r>
+              <a:rPr lang="it-IT" dirty="0"/>
+              <a:t>Simplex(@</a:t>
+            </a:r>
+            <a:r>
+              <a:rPr lang="it-IT" dirty="0" err="1"/>
+              <a:t>cost_function</a:t>
+            </a:r>
+            <a:r>
+              <a:rPr lang="it-IT" dirty="0"/>
+              <a:t>, { }, [-.2 .5 .3], .3, </a:t>
+            </a:r>
+            <a:r>
+              <a:rPr lang="it-IT" dirty="0" smtClean="0"/>
+              <a:t>1e-5, 500);</a:t>
+            </a:r>
+            <a:endParaRPr lang="it-IT" dirty="0"/>
+          </a:p>
+        </p:txBody>
+      </p:sp>
+      <p:sp>
+        <p:nvSpPr>
           <p:cNvPr id="4" name="Rectangle 3"/>
           <p:cNvSpPr/>
           <p:nvPr/>
@@ -5716,7 +5725,7 @@
         <p:spPr>
           <a:xfrm>
             <a:off x="1097280" y="3872872"/>
-            <a:ext cx="5199018" cy="1938992"/>
+            <a:ext cx="5199018" cy="1754326"/>
           </a:xfrm>
           <a:prstGeom prst="rect">
             <a:avLst/>
@@ -5733,7 +5742,7 @@
               <a:buChar char="•"/>
             </a:pPr>
             <a:r>
-              <a:rPr lang="it-IT" sz="2000" dirty="0"/>
+              <a:rPr lang="it-IT" dirty="0"/>
               <a:t>Valore nell’ultimo vertice = 0.0012</a:t>
             </a:r>
           </a:p>
@@ -5743,7 +5752,7 @@
               <a:buChar char="•"/>
             </a:pPr>
             <a:r>
-              <a:rPr lang="it-IT" sz="2000" dirty="0"/>
+              <a:rPr lang="it-IT" dirty="0"/>
               <a:t>risultato =   -0.2946    0.4021    0.3999</a:t>
             </a:r>
           </a:p>
@@ -5753,7 +5762,7 @@
               <a:buChar char="•"/>
             </a:pPr>
             <a:r>
-              <a:rPr lang="it-IT" sz="2000" dirty="0"/>
+              <a:rPr lang="it-IT" dirty="0"/>
               <a:t>iterazioni = 500</a:t>
             </a:r>
           </a:p>
@@ -5763,7 +5772,7 @@
               <a:buChar char="•"/>
             </a:pPr>
             <a:r>
-              <a:rPr lang="it-IT" sz="2000" dirty="0"/>
+              <a:rPr lang="it-IT" dirty="0"/>
               <a:t>dimezzamenti = 13</a:t>
             </a:r>
           </a:p>
@@ -5773,7 +5782,7 @@
               <a:buChar char="•"/>
             </a:pPr>
             <a:r>
-              <a:rPr lang="it-IT" sz="2000" dirty="0"/>
+              <a:rPr lang="it-IT" dirty="0"/>
               <a:t>superficie finale = 7.5929e-04</a:t>
             </a:r>
           </a:p>
@@ -5783,14 +5792,14 @@
               <a:buChar char="•"/>
             </a:pPr>
             <a:r>
-              <a:rPr lang="it-IT" sz="2000" dirty="0"/>
+              <a:rPr lang="it-IT" dirty="0"/>
               <a:t>errore = 0.0054    0.0021    0.0001</a:t>
             </a:r>
           </a:p>
         </p:txBody>
       </p:sp>
-      <mc:AlternateContent xmlns:mc="http://schemas.openxmlformats.org/markup-compatibility/2006">
-        <mc:Choice xmlns:a14="http://schemas.microsoft.com/office/drawing/2010/main" Requires="a14">
+      <mc:AlternateContent xmlns:mc="http://schemas.openxmlformats.org/markup-compatibility/2006" xmlns:a14="http://schemas.microsoft.com/office/drawing/2010/main">
+        <mc:Choice Requires="a14">
           <p:sp>
             <p:nvSpPr>
               <p:cNvPr id="7" name="Segnaposto contenuto 2"/>
@@ -5801,8 +5810,8 @@
             </p:nvSpPr>
             <p:spPr>
               <a:xfrm>
-                <a:off x="1156527" y="2494790"/>
-                <a:ext cx="5505530" cy="950232"/>
+                <a:off x="1097280" y="2671104"/>
+                <a:ext cx="10058400" cy="950232"/>
               </a:xfrm>
               <a:prstGeom prst="rect">
                 <a:avLst/>
@@ -6071,7 +6080,7 @@
                       <m:sSupPr>
                         <m:ctrlPr>
                           <a:rPr lang="it-IT" i="1" smtClean="0">
-                            <a:latin typeface="Cambria Math" charset="0"/>
+                            <a:latin typeface="Cambria Math" panose="02040503050406030204" pitchFamily="18" charset="0"/>
                           </a:rPr>
                         </m:ctrlPr>
                       </m:sSupPr>
@@ -6080,20 +6089,20 @@
                           <m:dPr>
                             <m:ctrlPr>
                               <a:rPr lang="it-IT" i="1">
-                                <a:latin typeface="Cambria Math" charset="0"/>
+                                <a:latin typeface="Cambria Math" panose="02040503050406030204" pitchFamily="18" charset="0"/>
                               </a:rPr>
                             </m:ctrlPr>
                           </m:dPr>
                           <m:e>
                             <m:r>
                               <a:rPr lang="it-IT" i="1">
-                                <a:latin typeface="Cambria Math" charset="0"/>
+                                <a:latin typeface="Cambria Math" panose="02040503050406030204" pitchFamily="18" charset="0"/>
                               </a:rPr>
                               <m:t>𝑥</m:t>
                             </m:r>
                             <m:r>
                               <a:rPr lang="it-IT" i="1">
-                                <a:latin typeface="Cambria Math" charset="0"/>
+                                <a:latin typeface="Cambria Math" panose="02040503050406030204" pitchFamily="18" charset="0"/>
                               </a:rPr>
                               <m:t>+0.6</m:t>
                             </m:r>
@@ -6103,7 +6112,7 @@
                       <m:sup>
                         <m:r>
                           <a:rPr lang="it-IT" i="1">
-                            <a:latin typeface="Cambria Math" charset="0"/>
+                            <a:latin typeface="Cambria Math" panose="02040503050406030204" pitchFamily="18" charset="0"/>
                           </a:rPr>
                           <m:t>2</m:t>
                         </m:r>
@@ -6111,7 +6120,7 @@
                     </m:sSup>
                     <m:r>
                       <a:rPr lang="it-IT" i="1">
-                        <a:latin typeface="Cambria Math" charset="0"/>
+                        <a:latin typeface="Cambria Math" panose="02040503050406030204" pitchFamily="18" charset="0"/>
                       </a:rPr>
                       <m:t>+</m:t>
                     </m:r>
@@ -6119,7 +6128,7 @@
                       <m:sSupPr>
                         <m:ctrlPr>
                           <a:rPr lang="it-IT" i="1">
-                            <a:latin typeface="Cambria Math" charset="0"/>
+                            <a:latin typeface="Cambria Math" panose="02040503050406030204" pitchFamily="18" charset="0"/>
                           </a:rPr>
                         </m:ctrlPr>
                       </m:sSupPr>
@@ -6128,20 +6137,20 @@
                           <m:dPr>
                             <m:ctrlPr>
                               <a:rPr lang="it-IT" i="1">
-                                <a:latin typeface="Cambria Math" charset="0"/>
+                                <a:latin typeface="Cambria Math" panose="02040503050406030204" pitchFamily="18" charset="0"/>
                               </a:rPr>
                             </m:ctrlPr>
                           </m:dPr>
                           <m:e>
                             <m:r>
                               <a:rPr lang="it-IT" i="1">
-                                <a:latin typeface="Cambria Math" charset="0"/>
+                                <a:latin typeface="Cambria Math" panose="02040503050406030204" pitchFamily="18" charset="0"/>
                               </a:rPr>
                               <m:t>𝑦</m:t>
                             </m:r>
                             <m:r>
                               <a:rPr lang="it-IT" i="1">
-                                <a:latin typeface="Cambria Math" charset="0"/>
+                                <a:latin typeface="Cambria Math" panose="02040503050406030204" pitchFamily="18" charset="0"/>
                               </a:rPr>
                               <m:t>−0.6</m:t>
                             </m:r>
@@ -6151,7 +6160,7 @@
                       <m:sup>
                         <m:r>
                           <a:rPr lang="it-IT" i="1">
-                            <a:latin typeface="Cambria Math" charset="0"/>
+                            <a:latin typeface="Cambria Math" panose="02040503050406030204" pitchFamily="18" charset="0"/>
                           </a:rPr>
                           <m:t>2</m:t>
                         </m:r>
@@ -6159,7 +6168,7 @@
                     </m:sSup>
                     <m:r>
                       <a:rPr lang="it-IT" i="1">
-                        <a:latin typeface="Cambria Math" charset="0"/>
+                        <a:latin typeface="Cambria Math" panose="02040503050406030204" pitchFamily="18" charset="0"/>
                       </a:rPr>
                       <m:t>+</m:t>
                     </m:r>
@@ -6167,7 +6176,7 @@
                       <m:sSupPr>
                         <m:ctrlPr>
                           <a:rPr lang="it-IT" i="1">
-                            <a:latin typeface="Cambria Math" charset="0"/>
+                            <a:latin typeface="Cambria Math" panose="02040503050406030204" pitchFamily="18" charset="0"/>
                           </a:rPr>
                         </m:ctrlPr>
                       </m:sSupPr>
@@ -6176,20 +6185,20 @@
                           <m:dPr>
                             <m:ctrlPr>
                               <a:rPr lang="it-IT" i="1">
-                                <a:latin typeface="Cambria Math" charset="0"/>
+                                <a:latin typeface="Cambria Math" panose="02040503050406030204" pitchFamily="18" charset="0"/>
                               </a:rPr>
                             </m:ctrlPr>
                           </m:dPr>
                           <m:e>
                             <m:r>
                               <a:rPr lang="it-IT" i="1">
-                                <a:latin typeface="Cambria Math" charset="0"/>
+                                <a:latin typeface="Cambria Math" panose="02040503050406030204" pitchFamily="18" charset="0"/>
                               </a:rPr>
                               <m:t>𝑧</m:t>
                             </m:r>
                             <m:r>
                               <a:rPr lang="it-IT" i="1">
-                                <a:latin typeface="Cambria Math" charset="0"/>
+                                <a:latin typeface="Cambria Math" panose="02040503050406030204" pitchFamily="18" charset="0"/>
                               </a:rPr>
                               <m:t>−0.5</m:t>
                             </m:r>
@@ -6199,7 +6208,7 @@
                       <m:sup>
                         <m:r>
                           <a:rPr lang="it-IT" i="1">
-                            <a:latin typeface="Cambria Math" charset="0"/>
+                            <a:latin typeface="Cambria Math" panose="02040503050406030204" pitchFamily="18" charset="0"/>
                           </a:rPr>
                           <m:t>2</m:t>
                         </m:r>
@@ -6207,7 +6216,7 @@
                     </m:sSup>
                     <m:r>
                       <a:rPr lang="it-IT" i="1">
-                        <a:latin typeface="Cambria Math" charset="0"/>
+                        <a:latin typeface="Cambria Math" panose="02040503050406030204" pitchFamily="18" charset="0"/>
                       </a:rPr>
                       <m:t>−</m:t>
                     </m:r>
@@ -6215,14 +6224,14 @@
                       <m:sSupPr>
                         <m:ctrlPr>
                           <a:rPr lang="it-IT" i="1">
-                            <a:latin typeface="Cambria Math" charset="0"/>
+                            <a:latin typeface="Cambria Math" panose="02040503050406030204" pitchFamily="18" charset="0"/>
                           </a:rPr>
                         </m:ctrlPr>
                       </m:sSupPr>
                       <m:e>
                         <m:r>
                           <a:rPr lang="it-IT" i="1">
-                            <a:latin typeface="Cambria Math" charset="0"/>
+                            <a:latin typeface="Cambria Math" panose="02040503050406030204" pitchFamily="18" charset="0"/>
                           </a:rPr>
                           <m:t>1.2</m:t>
                         </m:r>
@@ -6230,7 +6239,7 @@
                       <m:sup>
                         <m:r>
                           <a:rPr lang="it-IT" i="1">
-                            <a:latin typeface="Cambria Math" charset="0"/>
+                            <a:latin typeface="Cambria Math" panose="02040503050406030204" pitchFamily="18" charset="0"/>
                           </a:rPr>
                           <m:t>2</m:t>
                         </m:r>
@@ -6238,7 +6247,7 @@
                     </m:sSup>
                     <m:r>
                       <a:rPr lang="it-IT" i="1">
-                        <a:latin typeface="Cambria Math" charset="0"/>
+                        <a:latin typeface="Cambria Math" panose="02040503050406030204" pitchFamily="18" charset="0"/>
                       </a:rPr>
                       <m:t>&lt;0 </m:t>
                     </m:r>
@@ -6249,7 +6258,7 @@
             </p:txBody>
           </p:sp>
         </mc:Choice>
-        <mc:Fallback>
+        <mc:Fallback xmlns="">
           <p:sp>
             <p:nvSpPr>
               <p:cNvPr id="7" name="Segnaposto contenuto 2"/>
@@ -6260,16 +6269,16 @@
             </p:nvSpPr>
             <p:spPr>
               <a:xfrm>
-                <a:off x="1156527" y="2494790"/>
-                <a:ext cx="5505530" cy="950232"/>
+                <a:off x="1097280" y="2671104"/>
+                <a:ext cx="10058400" cy="950232"/>
               </a:xfrm>
               <a:prstGeom prst="rect">
                 <a:avLst/>
               </a:prstGeom>
-              <a:blipFill rotWithShape="0">
+              <a:blipFill>
                 <a:blip r:embed="rId2"/>
                 <a:stretch>
-                  <a:fillRect l="-1218" t="-6410" b="-39744"/>
+                  <a:fillRect l="-606" t="-6410"/>
                 </a:stretch>
               </a:blipFill>
             </p:spPr>
@@ -6278,7 +6287,7 @@
               <a:lstStyle/>
               <a:p>
                 <a:r>
-                  <a:rPr lang="en-US">
+                  <a:rPr lang="it-IT">
                     <a:noFill/>
                   </a:rPr>
                   <a:t> </a:t>
@@ -6295,107 +6304,21 @@
           <p:nvPr/>
         </p:nvPicPr>
         <p:blipFill>
-          <a:blip r:embed="rId3">
-            <a:extLst>
-              <a:ext uri="{28A0092B-C50C-407E-A947-70E740481C1C}">
-                <a14:useLocalDpi xmlns:a14="http://schemas.microsoft.com/office/drawing/2010/main" val="0"/>
-              </a:ext>
-            </a:extLst>
-          </a:blip>
+          <a:blip r:embed="rId3"/>
           <a:stretch>
             <a:fillRect/>
           </a:stretch>
         </p:blipFill>
         <p:spPr>
           <a:xfrm>
-            <a:off x="6804561" y="2588822"/>
-            <a:ext cx="5078681" cy="3681350"/>
+            <a:off x="7169150" y="1737360"/>
+            <a:ext cx="5022850" cy="4549775"/>
           </a:xfrm>
           <a:prstGeom prst="rect">
             <a:avLst/>
           </a:prstGeom>
         </p:spPr>
       </p:pic>
-      <p:sp>
-        <p:nvSpPr>
-          <p:cNvPr id="9" name="Rectangle 8"/>
-          <p:cNvSpPr/>
-          <p:nvPr/>
-        </p:nvSpPr>
-        <p:spPr>
-          <a:xfrm>
-            <a:off x="1156527" y="1916020"/>
-            <a:ext cx="9261469" cy="400110"/>
-          </a:xfrm>
-          <a:prstGeom prst="rect">
-            <a:avLst/>
-          </a:prstGeom>
-        </p:spPr>
-        <p:txBody>
-          <a:bodyPr wrap="square">
-            <a:spAutoFit/>
-          </a:bodyPr>
-          <a:lstStyle/>
-          <a:p>
-            <a:r>
-              <a:rPr lang="en-US" sz="2000" dirty="0">
-                <a:latin typeface="Courier" charset="0"/>
-              </a:rPr>
-              <a:t>Simplex(@</a:t>
-            </a:r>
-            <a:r>
-              <a:rPr lang="en-US" sz="2000" dirty="0" err="1">
-                <a:latin typeface="Courier" charset="0"/>
-              </a:rPr>
-              <a:t>cost_function</a:t>
-            </a:r>
-            <a:r>
-              <a:rPr lang="en-US" sz="2000" dirty="0">
-                <a:latin typeface="Courier" charset="0"/>
-              </a:rPr>
-              <a:t>, { }, [-.2 .5 .3], .3, 1e-5, 500);</a:t>
-            </a:r>
-            <a:endParaRPr lang="en-US" sz="2000" dirty="0">
-              <a:effectLst/>
-              <a:latin typeface="Courier" charset="0"/>
-            </a:endParaRPr>
-          </a:p>
-        </p:txBody>
-      </p:sp>
-      <p:sp>
-        <p:nvSpPr>
-          <p:cNvPr id="6" name="TextBox 5"/>
-          <p:cNvSpPr txBox="1"/>
-          <p:nvPr/>
-        </p:nvSpPr>
-        <p:spPr>
-          <a:xfrm>
-            <a:off x="1156527" y="3545722"/>
-            <a:ext cx="1097801" cy="400110"/>
-          </a:xfrm>
-          <a:prstGeom prst="rect">
-            <a:avLst/>
-          </a:prstGeom>
-          <a:noFill/>
-        </p:spPr>
-        <p:txBody>
-          <a:bodyPr wrap="none" rtlCol="0">
-            <a:spAutoFit/>
-          </a:bodyPr>
-          <a:lstStyle/>
-          <a:p>
-            <a:r>
-              <a:rPr lang="en-US" sz="2000" dirty="0" err="1" smtClean="0"/>
-              <a:t>Risultati</a:t>
-            </a:r>
-            <a:r>
-              <a:rPr lang="en-US" sz="2000" dirty="0" smtClean="0"/>
-              <a:t>:</a:t>
-            </a:r>
-            <a:endParaRPr lang="en-US" sz="2000" dirty="0"/>
-          </a:p>
-        </p:txBody>
-      </p:sp>
     </p:spTree>
     <p:extLst>
       <p:ext uri="{BB962C8B-B14F-4D97-AF65-F5344CB8AC3E}">
@@ -6458,14 +6381,59 @@
       </p:sp>
       <p:sp>
         <p:nvSpPr>
+          <p:cNvPr id="3" name="Segnaposto contenuto 2"/>
+          <p:cNvSpPr>
+            <a:spLocks noGrp="1"/>
+          </p:cNvSpPr>
+          <p:nvPr>
+            <p:ph idx="1"/>
+          </p:nvPr>
+        </p:nvSpPr>
+        <p:spPr>
+          <a:xfrm>
+            <a:off x="1097280" y="1988896"/>
+            <a:ext cx="10058400" cy="950232"/>
+          </a:xfrm>
+        </p:spPr>
+        <p:txBody>
+          <a:bodyPr>
+            <a:normAutofit/>
+          </a:bodyPr>
+          <a:lstStyle/>
+          <a:p>
+            <a:r>
+              <a:rPr lang="it-IT" dirty="0"/>
+              <a:t>Simplex(@</a:t>
+            </a:r>
+            <a:r>
+              <a:rPr lang="it-IT" dirty="0" err="1"/>
+              <a:t>cost_function</a:t>
+            </a:r>
+            <a:r>
+              <a:rPr lang="it-IT" dirty="0"/>
+              <a:t>, {</a:t>
+            </a:r>
+            <a:r>
+              <a:rPr lang="it-IT" dirty="0" smtClean="0"/>
+              <a:t>}, [-.3 .4 .4], .</a:t>
+            </a:r>
+            <a:r>
+              <a:rPr lang="it-IT" dirty="0"/>
+              <a:t>3, 1e-5, 500);</a:t>
+            </a:r>
+          </a:p>
+        </p:txBody>
+      </p:sp>
+      <p:sp>
+        <p:nvSpPr>
           <p:cNvPr id="4" name="Rectangle 3"/>
           <p:cNvSpPr/>
           <p:nvPr/>
         </p:nvSpPr>
         <p:spPr>
           <a:xfrm>
-            <a:off x="1097279" y="3238815"/>
-            <a:ext cx="4887884" cy="1938992"/>
+            <a:off x="1097280" y="2858805"/>
+            <a:ext cx="5199018" cy="1754326"/>
           </a:xfrm>
           <a:prstGeom prst="rect">
             <a:avLst/>
@@ -6482,7 +6450,7 @@
               <a:buChar char="•"/>
             </a:pPr>
             <a:r>
-              <a:rPr lang="it-IT" sz="2000" dirty="0"/>
+              <a:rPr lang="it-IT" dirty="0"/>
               <a:t>Valore nell’ultimo vertice = 0</a:t>
             </a:r>
           </a:p>
@@ -6492,7 +6460,7 @@
               <a:buChar char="•"/>
             </a:pPr>
             <a:r>
-              <a:rPr lang="it-IT" sz="2000" dirty="0"/>
+              <a:rPr lang="it-IT" dirty="0"/>
               <a:t>Risultato  = -0.3000    0.4000    0.4000</a:t>
             </a:r>
           </a:p>
@@ -6502,7 +6470,7 @@
               <a:buChar char="•"/>
             </a:pPr>
             <a:r>
-              <a:rPr lang="it-IT" sz="2000" dirty="0"/>
+              <a:rPr lang="it-IT" dirty="0"/>
               <a:t>iterazioni = 35</a:t>
             </a:r>
           </a:p>
@@ -6512,7 +6480,7 @@
               <a:buChar char="•"/>
             </a:pPr>
             <a:r>
-              <a:rPr lang="it-IT" sz="2000" dirty="0"/>
+              <a:rPr lang="it-IT" dirty="0"/>
               <a:t>dimezzamenti = 20</a:t>
             </a:r>
           </a:p>
@@ -6522,7 +6490,7 @@
               <a:buChar char="•"/>
             </a:pPr>
             <a:r>
-              <a:rPr lang="it-IT" sz="2000" dirty="0"/>
+              <a:rPr lang="it-IT" dirty="0"/>
               <a:t>superficie finale = 6.7356e-06</a:t>
             </a:r>
           </a:p>
@@ -6532,7 +6500,7 @@
               <a:buChar char="•"/>
             </a:pPr>
             <a:r>
-              <a:rPr lang="it-IT" sz="2000" dirty="0"/>
+              <a:rPr lang="it-IT" dirty="0"/>
               <a:t>errore = 0     0     0</a:t>
             </a:r>
           </a:p>
@@ -6544,37 +6512,122 @@
           <p:cNvPicPr/>
           <p:nvPr/>
         </p:nvPicPr>
-        <p:blipFill rotWithShape="1">
-          <a:blip r:embed="rId2">
-            <a:extLst>
-              <a:ext uri="{28A0092B-C50C-407E-A947-70E740481C1C}">
-                <a14:useLocalDpi xmlns:a14="http://schemas.microsoft.com/office/drawing/2010/main" val="0"/>
-              </a:ext>
-            </a:extLst>
-          </a:blip>
-          <a:srcRect l="16081" t="8764" r="15127" b="4562"/>
-          <a:stretch/>
+        <p:blipFill>
+          <a:blip r:embed="rId2"/>
+          <a:stretch>
+            <a:fillRect/>
+          </a:stretch>
         </p:blipFill>
         <p:spPr>
           <a:xfrm>
-            <a:off x="7274299" y="2660071"/>
-            <a:ext cx="4161637" cy="3431969"/>
+            <a:off x="6788537" y="1737360"/>
+            <a:ext cx="5403463" cy="4592320"/>
           </a:xfrm>
           <a:prstGeom prst="rect">
             <a:avLst/>
           </a:prstGeom>
         </p:spPr>
       </p:pic>
-      <p:sp>
-        <p:nvSpPr>
-          <p:cNvPr id="5" name="Rectangle 4"/>
+    </p:spTree>
+    <p:extLst>
+      <p:ext uri="{BB962C8B-B14F-4D97-AF65-F5344CB8AC3E}">
+        <p14:creationId xmlns:p14="http://schemas.microsoft.com/office/powerpoint/2010/main" val="1840755104"/>
+      </p:ext>
+    </p:extLst>
+  </p:cSld>
+  <p:clrMapOvr>
+    <a:masterClrMapping/>
+  </p:clrMapOvr>
+  <p:timing>
+    <p:tnLst>
+      <p:par>
+        <p:cTn id="1" dur="indefinite" restart="never" nodeType="tmRoot"/>
+      </p:par>
+    </p:tnLst>
+  </p:timing>
+</p:sld>
+</file>
+
+<file path=ppt/slides/slide16.xml><?xml version="1.0" encoding="utf-8"?>
+<p:sld xmlns:a="http://schemas.openxmlformats.org/drawingml/2006/main" xmlns:r="http://schemas.openxmlformats.org/officeDocument/2006/relationships" xmlns:p="http://schemas.openxmlformats.org/presentationml/2006/main">
+  <p:cSld>
+    <p:spTree>
+      <p:nvGrpSpPr>
+        <p:cNvPr id="1" name=""/>
+        <p:cNvGrpSpPr/>
+        <p:nvPr/>
+      </p:nvGrpSpPr>
+      <p:grpSpPr>
+        <a:xfrm>
+          <a:off x="0" y="0"/>
+          <a:ext cx="0" cy="0"/>
+          <a:chOff x="0" y="0"/>
+          <a:chExt cx="0" cy="0"/>
+        </a:xfrm>
+      </p:grpSpPr>
+      <p:sp>
+        <p:nvSpPr>
+          <p:cNvPr id="2" name="Titolo 1"/>
+          <p:cNvSpPr>
+            <a:spLocks noGrp="1"/>
+          </p:cNvSpPr>
+          <p:nvPr>
+            <p:ph type="title"/>
+          </p:nvPr>
+        </p:nvSpPr>
+        <p:spPr/>
+        <p:txBody>
+          <a:bodyPr/>
+          <a:lstStyle/>
+          <a:p>
+            <a:r>
+              <a:rPr lang="it-IT" dirty="0" smtClean="0"/>
+              <a:t>CONSIDERAZIONI</a:t>
+            </a:r>
+            <a:endParaRPr lang="it-IT" dirty="0"/>
+          </a:p>
+        </p:txBody>
+      </p:sp>
+      <p:sp>
+        <p:nvSpPr>
+          <p:cNvPr id="3" name="Segnaposto contenuto 2"/>
+          <p:cNvSpPr>
+            <a:spLocks noGrp="1"/>
+          </p:cNvSpPr>
+          <p:nvPr>
+            <p:ph idx="1"/>
+          </p:nvPr>
+        </p:nvSpPr>
+        <p:spPr>
+          <a:xfrm>
+            <a:off x="1149530" y="1858284"/>
+            <a:ext cx="10006149" cy="2060574"/>
+          </a:xfrm>
+        </p:spPr>
+        <p:txBody>
+          <a:bodyPr>
+            <a:normAutofit/>
+          </a:bodyPr>
+          <a:lstStyle/>
+          <a:p>
+            <a:r>
+              <a:rPr lang="it-IT" dirty="0" smtClean="0"/>
+              <a:t>Il simplesso è un algoritmo di ordine zero, volendo utilizzare un algoritmo di ordine uno e osservando che la funzione di costo nel nostro caso presenta un solo minimo zero, potremmo utilizzare il metodo Quasi-Newton nel quale usufruiamo dell’informazione sulla pendenza grazie al calcolo della matrice Hessiana della funzione obiettivo.</a:t>
+            </a:r>
+            <a:endParaRPr lang="it-IT" dirty="0" smtClean="0"/>
+          </a:p>
+        </p:txBody>
+      </p:sp>
+      <p:sp>
+        <p:nvSpPr>
+          <p:cNvPr id="4" name="Rectangle 3"/>
           <p:cNvSpPr/>
           <p:nvPr/>
         </p:nvSpPr>
         <p:spPr>
           <a:xfrm>
-            <a:off x="1097279" y="1887043"/>
-            <a:ext cx="8794865" cy="400110"/>
+            <a:off x="1123405" y="4042007"/>
+            <a:ext cx="10006149" cy="1631216"/>
           </a:xfrm>
           <a:prstGeom prst="rect">
             <a:avLst/>
@@ -6587,80 +6640,332 @@
           <a:lstStyle/>
           <a:p>
             <a:r>
-              <a:rPr lang="en-US" sz="2000" dirty="0">
-                <a:latin typeface="Courier" charset="0"/>
-              </a:rPr>
-              <a:t>Simplex(@</a:t>
-            </a:r>
-            <a:r>
-              <a:rPr lang="en-US" sz="2000" dirty="0" err="1" smtClean="0">
-                <a:latin typeface="Courier" charset="0"/>
-              </a:rPr>
-              <a:t>cost_function</a:t>
-            </a:r>
-            <a:r>
-              <a:rPr lang="en-US" sz="2000" dirty="0" smtClean="0">
-                <a:latin typeface="Courier" charset="0"/>
-              </a:rPr>
-              <a:t>, </a:t>
-            </a:r>
-            <a:r>
-              <a:rPr lang="en-US" sz="2000" dirty="0">
-                <a:latin typeface="Courier" charset="0"/>
-              </a:rPr>
-              <a:t>{}, [-.3 .4 .4], .3, 1e-5, 500</a:t>
-            </a:r>
-            <a:r>
-              <a:rPr lang="en-US" sz="2000" dirty="0" smtClean="0">
-                <a:latin typeface="Courier" charset="0"/>
-              </a:rPr>
-              <a:t>); </a:t>
-            </a:r>
-            <a:endParaRPr lang="en-US" sz="2000" dirty="0">
-              <a:effectLst/>
-              <a:latin typeface="Courier" charset="0"/>
-            </a:endParaRPr>
+              <a:rPr lang="it-IT" sz="2000" dirty="0" smtClean="0"/>
+              <a:t>Il numero minimo di misuratori deve essere pari al numero di incognite del nostro problema per far si che il sistema sia determinato. Nonostante ciò ci serviamo di molti più misuratori nell’eventualità non ideale che le misurazioni siano affette da rumore al fine di minimizzare correttamente come se stessimo filtrando tale rumore grazie alla media delle misurazioni in fase di normalizzazione.</a:t>
+            </a:r>
+            <a:endParaRPr lang="it-IT" sz="2000" dirty="0"/>
           </a:p>
         </p:txBody>
       </p:sp>
-      <p:sp>
-        <p:nvSpPr>
-          <p:cNvPr id="7" name="TextBox 6"/>
-          <p:cNvSpPr txBox="1"/>
-          <p:nvPr/>
+    </p:spTree>
+    <p:extLst>
+      <p:ext uri="{BB962C8B-B14F-4D97-AF65-F5344CB8AC3E}">
+        <p14:creationId xmlns:p14="http://schemas.microsoft.com/office/powerpoint/2010/main" val="85395014"/>
+      </p:ext>
+    </p:extLst>
+  </p:cSld>
+  <p:clrMapOvr>
+    <a:masterClrMapping/>
+  </p:clrMapOvr>
+  <p:timing>
+    <p:tnLst>
+      <p:par>
+        <p:cTn id="1" dur="indefinite" restart="never" nodeType="tmRoot"/>
+      </p:par>
+    </p:tnLst>
+  </p:timing>
+</p:sld>
+</file>
+
+<file path=ppt/slides/slide17.xml><?xml version="1.0" encoding="utf-8"?>
+<p:sld xmlns:a="http://schemas.openxmlformats.org/drawingml/2006/main" xmlns:r="http://schemas.openxmlformats.org/officeDocument/2006/relationships" xmlns:p="http://schemas.openxmlformats.org/presentationml/2006/main">
+  <p:cSld>
+    <p:spTree>
+      <p:nvGrpSpPr>
+        <p:cNvPr id="1" name=""/>
+        <p:cNvGrpSpPr/>
+        <p:nvPr/>
+      </p:nvGrpSpPr>
+      <p:grpSpPr>
+        <a:xfrm>
+          <a:off x="0" y="0"/>
+          <a:ext cx="0" cy="0"/>
+          <a:chOff x="0" y="0"/>
+          <a:chExt cx="0" cy="0"/>
+        </a:xfrm>
+      </p:grpSpPr>
+      <p:sp>
+        <p:nvSpPr>
+          <p:cNvPr id="2" name="Titolo 1"/>
+          <p:cNvSpPr>
+            <a:spLocks noGrp="1"/>
+          </p:cNvSpPr>
+          <p:nvPr>
+            <p:ph type="title"/>
+          </p:nvPr>
         </p:nvSpPr>
         <p:spPr>
           <a:xfrm>
-            <a:off x="1097279" y="2893563"/>
-            <a:ext cx="1155509" cy="400110"/>
+            <a:off x="1097280" y="286604"/>
+            <a:ext cx="10058400" cy="797614"/>
+          </a:xfrm>
+        </p:spPr>
+        <p:txBody>
+          <a:bodyPr/>
+          <a:lstStyle/>
+          <a:p>
+            <a:r>
+              <a:rPr lang="it-IT" dirty="0" smtClean="0"/>
+              <a:t>CONSIDERAZIONI (PARAMETRI INIZIALI)</a:t>
+            </a:r>
+            <a:endParaRPr lang="it-IT" dirty="0"/>
+          </a:p>
+        </p:txBody>
+      </p:sp>
+      <p:sp>
+        <p:nvSpPr>
+          <p:cNvPr id="5" name="Rettangolo 4"/>
+          <p:cNvSpPr/>
+          <p:nvPr/>
+        </p:nvSpPr>
+        <p:spPr>
+          <a:xfrm>
+            <a:off x="770709" y="1541417"/>
+            <a:ext cx="10802982" cy="548640"/>
           </a:xfrm>
           <a:prstGeom prst="rect">
             <a:avLst/>
           </a:prstGeom>
-          <a:noFill/>
+          <a:ln>
+            <a:solidFill>
+              <a:schemeClr val="bg1"/>
+            </a:solidFill>
+          </a:ln>
+        </p:spPr>
+        <p:style>
+          <a:lnRef idx="2">
+            <a:schemeClr val="dk1"/>
+          </a:lnRef>
+          <a:fillRef idx="1">
+            <a:schemeClr val="lt1"/>
+          </a:fillRef>
+          <a:effectRef idx="0">
+            <a:schemeClr val="dk1"/>
+          </a:effectRef>
+          <a:fontRef idx="minor">
+            <a:schemeClr val="dk1"/>
+          </a:fontRef>
+        </p:style>
+        <p:txBody>
+          <a:bodyPr rtlCol="0" anchor="ctr"/>
+          <a:lstStyle/>
+          <a:p>
+            <a:pPr algn="ctr"/>
+            <a:endParaRPr lang="it-IT"/>
+          </a:p>
+        </p:txBody>
+      </p:sp>
+      <p:sp>
+        <p:nvSpPr>
+          <p:cNvPr id="3" name="Segnaposto contenuto 2"/>
+          <p:cNvSpPr>
+            <a:spLocks noGrp="1"/>
+          </p:cNvSpPr>
+          <p:nvPr>
+            <p:ph idx="1"/>
+          </p:nvPr>
+        </p:nvSpPr>
+        <p:spPr>
+          <a:xfrm>
+            <a:off x="1149531" y="1214846"/>
+            <a:ext cx="10006149" cy="4911634"/>
+          </a:xfrm>
         </p:spPr>
         <p:txBody>
-          <a:bodyPr wrap="none" rtlCol="0">
-            <a:spAutoFit/>
+          <a:bodyPr>
+            <a:normAutofit fontScale="92500" lnSpcReduction="20000"/>
           </a:bodyPr>
           <a:lstStyle/>
           <a:p>
-            <a:r>
-              <a:rPr lang="en-US" sz="2000" dirty="0" err="1" smtClean="0"/>
-              <a:t>Risultati</a:t>
-            </a:r>
-            <a:r>
-              <a:rPr lang="en-US" sz="2000" dirty="0" smtClean="0"/>
-              <a:t>: </a:t>
-            </a:r>
-            <a:endParaRPr lang="en-US" sz="2000" dirty="0"/>
+            <a:pPr>
+              <a:buFont typeface="Arial" panose="020B0604020202020204" pitchFamily="34" charset="0"/>
+              <a:buChar char="•"/>
+            </a:pPr>
+            <a:r>
+              <a:rPr lang="it-IT" dirty="0" smtClean="0"/>
+              <a:t>Superficie iniziale del politopo</a:t>
+            </a:r>
+          </a:p>
+          <a:p>
+            <a:pPr lvl="1">
+              <a:buFont typeface="Arial" panose="020B0604020202020204" pitchFamily="34" charset="0"/>
+              <a:buChar char="•"/>
+            </a:pPr>
+            <a:r>
+              <a:rPr lang="it-IT" dirty="0" smtClean="0"/>
+              <a:t>Diminuzione: </a:t>
+            </a:r>
+          </a:p>
+          <a:p>
+            <a:pPr lvl="2">
+              <a:buFont typeface="Arial" panose="020B0604020202020204" pitchFamily="34" charset="0"/>
+              <a:buChar char="•"/>
+            </a:pPr>
+            <a:r>
+              <a:rPr lang="it-IT" dirty="0" smtClean="0"/>
+              <a:t>Aumentano le iterazioni necessarie ad avvicinarsi al minimo</a:t>
+            </a:r>
+          </a:p>
+          <a:p>
+            <a:pPr lvl="2">
+              <a:buFont typeface="Arial" panose="020B0604020202020204" pitchFamily="34" charset="0"/>
+              <a:buChar char="•"/>
+            </a:pPr>
+            <a:r>
+              <a:rPr lang="it-IT" dirty="0" smtClean="0"/>
+              <a:t>Veloce se il politopo parte vicino al minimo</a:t>
+            </a:r>
+          </a:p>
+          <a:p>
+            <a:pPr lvl="2">
+              <a:buFont typeface="Arial" panose="020B0604020202020204" pitchFamily="34" charset="0"/>
+              <a:buChar char="•"/>
+            </a:pPr>
+            <a:r>
+              <a:rPr lang="it-IT" dirty="0" smtClean="0"/>
+              <a:t>Lento se il politopo parte lontano dal minimo</a:t>
+            </a:r>
+          </a:p>
+          <a:p>
+            <a:pPr lvl="1">
+              <a:buFont typeface="Arial" panose="020B0604020202020204" pitchFamily="34" charset="0"/>
+              <a:buChar char="•"/>
+            </a:pPr>
+            <a:r>
+              <a:rPr lang="it-IT" dirty="0" smtClean="0"/>
+              <a:t>Aumento:</a:t>
+            </a:r>
+          </a:p>
+          <a:p>
+            <a:pPr lvl="2">
+              <a:buFont typeface="Arial" panose="020B0604020202020204" pitchFamily="34" charset="0"/>
+              <a:buChar char="•"/>
+            </a:pPr>
+            <a:r>
+              <a:rPr lang="it-IT" dirty="0" smtClean="0"/>
+              <a:t>Aumentano le iterazioni dovute al rilevamento della condizione di dimezzamento con ribaltamenti inutili</a:t>
+            </a:r>
+          </a:p>
+          <a:p>
+            <a:pPr lvl="2">
+              <a:buFont typeface="Arial" panose="020B0604020202020204" pitchFamily="34" charset="0"/>
+              <a:buChar char="•"/>
+            </a:pPr>
+            <a:r>
+              <a:rPr lang="it-IT" dirty="0" smtClean="0"/>
+              <a:t>Veloce se il politopo parte lontano dal minimo, i dimezzamenti sul pivot (vertice minimo) permettono spostamento veloci</a:t>
+            </a:r>
+          </a:p>
+          <a:p>
+            <a:pPr lvl="2">
+              <a:buFont typeface="Arial" panose="020B0604020202020204" pitchFamily="34" charset="0"/>
+              <a:buChar char="•"/>
+            </a:pPr>
+            <a:r>
+              <a:rPr lang="it-IT" dirty="0" smtClean="0"/>
+              <a:t>Lento se il politopo parte vicino al minimo, il numero di dimezzamenti e dunque di ribaltamenti inutili è maggiore</a:t>
+            </a:r>
+          </a:p>
+          <a:p>
+            <a:pPr>
+              <a:buFont typeface="Arial" panose="020B0604020202020204" pitchFamily="34" charset="0"/>
+              <a:buChar char="•"/>
+            </a:pPr>
+            <a:r>
+              <a:rPr lang="it-IT" dirty="0" smtClean="0"/>
+              <a:t>Posizione iniziale</a:t>
+            </a:r>
+          </a:p>
+          <a:p>
+            <a:pPr lvl="1">
+              <a:buFont typeface="Arial" panose="020B0604020202020204" pitchFamily="34" charset="0"/>
+              <a:buChar char="•"/>
+            </a:pPr>
+            <a:r>
+              <a:rPr lang="it-IT" dirty="0" smtClean="0"/>
+              <a:t>L’algoritmo converge più lentamente al minimo se è lontano da questo</a:t>
+            </a:r>
+          </a:p>
+          <a:p>
+            <a:pPr>
+              <a:buFont typeface="Arial" panose="020B0604020202020204" pitchFamily="34" charset="0"/>
+              <a:buChar char="•"/>
+            </a:pPr>
+            <a:r>
+              <a:rPr lang="it-IT" dirty="0" smtClean="0"/>
+              <a:t>Condizione di arresto sulla superficie minima del politopo</a:t>
+            </a:r>
+          </a:p>
+          <a:p>
+            <a:pPr lvl="1">
+              <a:buFont typeface="Arial" panose="020B0604020202020204" pitchFamily="34" charset="0"/>
+              <a:buChar char="•"/>
+            </a:pPr>
+            <a:r>
+              <a:rPr lang="it-IT" dirty="0" smtClean="0"/>
+              <a:t>Condiziona la precisione dell’approssimazione se troppo alto</a:t>
+            </a:r>
+          </a:p>
+          <a:p>
+            <a:pPr lvl="1">
+              <a:buFont typeface="Arial" panose="020B0604020202020204" pitchFamily="34" charset="0"/>
+              <a:buChar char="•"/>
+            </a:pPr>
+            <a:r>
+              <a:rPr lang="it-IT" dirty="0" smtClean="0"/>
+              <a:t>Se troppo basso causa un numero eccessivo di iterazioni, inutili se non si ha bisogno di approssimazioni raffinate</a:t>
+            </a:r>
+          </a:p>
+          <a:p>
+            <a:pPr>
+              <a:buFont typeface="Arial" panose="020B0604020202020204" pitchFamily="34" charset="0"/>
+              <a:buChar char="•"/>
+            </a:pPr>
+            <a:r>
+              <a:rPr lang="it-IT" dirty="0" smtClean="0"/>
+              <a:t>Condizione di arresto su numero di iterazioni</a:t>
+            </a:r>
+          </a:p>
+          <a:p>
+            <a:pPr lvl="1">
+              <a:buFont typeface="Arial" panose="020B0604020202020204" pitchFamily="34" charset="0"/>
+              <a:buChar char="•"/>
+            </a:pPr>
+            <a:r>
+              <a:rPr lang="it-IT" dirty="0" smtClean="0"/>
+              <a:t>Condiziona la precisione dell’approssimazione se troppo basso</a:t>
+            </a:r>
+          </a:p>
+          <a:p>
+            <a:pPr lvl="1">
+              <a:buFont typeface="Arial" panose="020B0604020202020204" pitchFamily="34" charset="0"/>
+              <a:buChar char="•"/>
+            </a:pPr>
+            <a:r>
+              <a:rPr lang="it-IT" dirty="0" smtClean="0"/>
+              <a:t>Può rallentare inutilmente l’algoritmo se troppo alto</a:t>
+            </a:r>
+          </a:p>
+          <a:p>
+            <a:pPr>
+              <a:buFont typeface="Arial" panose="020B0604020202020204" pitchFamily="34" charset="0"/>
+              <a:buChar char="•"/>
+            </a:pPr>
+            <a:endParaRPr lang="it-IT" dirty="0" smtClean="0"/>
+          </a:p>
+          <a:p>
+            <a:pPr>
+              <a:buFont typeface="Arial" panose="020B0604020202020204" pitchFamily="34" charset="0"/>
+              <a:buChar char="•"/>
+            </a:pPr>
+            <a:endParaRPr lang="it-IT" dirty="0" smtClean="0"/>
           </a:p>
         </p:txBody>
       </p:sp>
     </p:spTree>
     <p:extLst>
       <p:ext uri="{BB962C8B-B14F-4D97-AF65-F5344CB8AC3E}">
-        <p14:creationId xmlns:p14="http://schemas.microsoft.com/office/powerpoint/2010/main" val="1840755104"/>
+        <p14:creationId xmlns:p14="http://schemas.microsoft.com/office/powerpoint/2010/main" val="3102846494"/>
       </p:ext>
     </p:extLst>
   </p:cSld>
@@ -8304,7 +8609,7 @@
                             <a:solidFill>
                               <a:schemeClr val="tx1"/>
                             </a:solidFill>
-                            <a:latin typeface="Cambria Math" charset="0"/>
+                            <a:latin typeface="Cambria Math" panose="02040503050406030204" pitchFamily="18" charset="0"/>
                           </a:rPr>
                         </m:ctrlPr>
                       </m:fPr>
@@ -8356,7 +8661,7 @@
                             <a:solidFill>
                               <a:schemeClr val="tx1"/>
                             </a:solidFill>
-                            <a:latin typeface="Cambria Math" charset="0"/>
+                            <a:latin typeface="Cambria Math" panose="02040503050406030204" pitchFamily="18" charset="0"/>
                           </a:rPr>
                         </m:ctrlPr>
                       </m:fPr>
@@ -8452,7 +8757,7 @@
                         <m:chr m:val="⃗"/>
                         <m:ctrlPr>
                           <a:rPr lang="it-IT" b="1" i="1">
-                            <a:latin typeface="Cambria Math" charset="0"/>
+                            <a:latin typeface="Cambria Math" panose="02040503050406030204" pitchFamily="18" charset="0"/>
                           </a:rPr>
                         </m:ctrlPr>
                       </m:accPr>
@@ -8476,7 +8781,7 @@
                         <m:chr m:val="⃗"/>
                         <m:ctrlPr>
                           <a:rPr lang="it-IT" b="1" i="1">
-                            <a:latin typeface="Cambria Math" charset="0"/>
+                            <a:latin typeface="Cambria Math" panose="02040503050406030204" pitchFamily="18" charset="0"/>
                           </a:rPr>
                         </m:ctrlPr>
                       </m:accPr>
@@ -8500,7 +8805,7 @@
                         <m:degHide m:val="on"/>
                         <m:ctrlPr>
                           <a:rPr lang="it-IT" i="1">
-                            <a:latin typeface="Cambria Math" charset="0"/>
+                            <a:latin typeface="Cambria Math" panose="02040503050406030204" pitchFamily="18" charset="0"/>
                           </a:rPr>
                         </m:ctrlPr>
                       </m:radPr>
@@ -8510,7 +8815,7 @@
                           <m:sSupPr>
                             <m:ctrlPr>
                               <a:rPr lang="it-IT" i="1">
-                                <a:latin typeface="Cambria Math" charset="0"/>
+                                <a:latin typeface="Cambria Math" panose="02040503050406030204" pitchFamily="18" charset="0"/>
                               </a:rPr>
                             </m:ctrlPr>
                           </m:sSupPr>
@@ -8519,7 +8824,7 @@
                               <m:dPr>
                                 <m:ctrlPr>
                                   <a:rPr lang="it-IT" i="1">
-                                    <a:latin typeface="Cambria Math" charset="0"/>
+                                    <a:latin typeface="Cambria Math" panose="02040503050406030204" pitchFamily="18" charset="0"/>
                                   </a:rPr>
                                 </m:ctrlPr>
                               </m:dPr>
@@ -8528,7 +8833,7 @@
                                   <m:sSubPr>
                                     <m:ctrlPr>
                                       <a:rPr lang="it-IT" i="1">
-                                        <a:latin typeface="Cambria Math" charset="0"/>
+                                        <a:latin typeface="Cambria Math" panose="02040503050406030204" pitchFamily="18" charset="0"/>
                                       </a:rPr>
                                     </m:ctrlPr>
                                   </m:sSubPr>
@@ -8559,7 +8864,7 @@
                                   <m:sSubPr>
                                     <m:ctrlPr>
                                       <a:rPr lang="it-IT" i="1">
-                                        <a:latin typeface="Cambria Math" charset="0"/>
+                                        <a:latin typeface="Cambria Math" panose="02040503050406030204" pitchFamily="18" charset="0"/>
                                       </a:rPr>
                                     </m:ctrlPr>
                                   </m:sSubPr>
@@ -8602,7 +8907,7 @@
                           <m:sSupPr>
                             <m:ctrlPr>
                               <a:rPr lang="it-IT" i="1">
-                                <a:latin typeface="Cambria Math" charset="0"/>
+                                <a:latin typeface="Cambria Math" panose="02040503050406030204" pitchFamily="18" charset="0"/>
                               </a:rPr>
                             </m:ctrlPr>
                           </m:sSupPr>
@@ -8611,7 +8916,7 @@
                               <m:dPr>
                                 <m:ctrlPr>
                                   <a:rPr lang="it-IT" i="1">
-                                    <a:latin typeface="Cambria Math" charset="0"/>
+                                    <a:latin typeface="Cambria Math" panose="02040503050406030204" pitchFamily="18" charset="0"/>
                                   </a:rPr>
                                 </m:ctrlPr>
                               </m:dPr>
@@ -8620,7 +8925,7 @@
                                   <m:sSubPr>
                                     <m:ctrlPr>
                                       <a:rPr lang="it-IT" i="1">
-                                        <a:latin typeface="Cambria Math" charset="0"/>
+                                        <a:latin typeface="Cambria Math" panose="02040503050406030204" pitchFamily="18" charset="0"/>
                                       </a:rPr>
                                     </m:ctrlPr>
                                   </m:sSubPr>
@@ -8651,7 +8956,7 @@
                                   <m:sSubPr>
                                     <m:ctrlPr>
                                       <a:rPr lang="it-IT" i="1">
-                                        <a:latin typeface="Cambria Math" charset="0"/>
+                                        <a:latin typeface="Cambria Math" panose="02040503050406030204" pitchFamily="18" charset="0"/>
                                       </a:rPr>
                                     </m:ctrlPr>
                                   </m:sSubPr>
@@ -8694,7 +8999,7 @@
                           <m:sSupPr>
                             <m:ctrlPr>
                               <a:rPr lang="it-IT" i="1">
-                                <a:latin typeface="Cambria Math" charset="0"/>
+                                <a:latin typeface="Cambria Math" panose="02040503050406030204" pitchFamily="18" charset="0"/>
                               </a:rPr>
                             </m:ctrlPr>
                           </m:sSupPr>
@@ -8703,7 +9008,7 @@
                               <m:dPr>
                                 <m:ctrlPr>
                                   <a:rPr lang="it-IT" i="1">
-                                    <a:latin typeface="Cambria Math" charset="0"/>
+                                    <a:latin typeface="Cambria Math" panose="02040503050406030204" pitchFamily="18" charset="0"/>
                                   </a:rPr>
                                 </m:ctrlPr>
                               </m:dPr>
@@ -8712,7 +9017,7 @@
                                   <m:sSubPr>
                                     <m:ctrlPr>
                                       <a:rPr lang="it-IT" i="1">
-                                        <a:latin typeface="Cambria Math" charset="0"/>
+                                        <a:latin typeface="Cambria Math" panose="02040503050406030204" pitchFamily="18" charset="0"/>
                                       </a:rPr>
                                     </m:ctrlPr>
                                   </m:sSubPr>
@@ -8743,7 +9048,7 @@
                                   <m:sSubPr>
                                     <m:ctrlPr>
                                       <a:rPr lang="it-IT" i="1">
-                                        <a:latin typeface="Cambria Math" charset="0"/>
+                                        <a:latin typeface="Cambria Math" panose="02040503050406030204" pitchFamily="18" charset="0"/>
                                       </a:rPr>
                                     </m:ctrlPr>
                                   </m:sSubPr>
@@ -8821,7 +9126,7 @@
                       <m:sSubPr>
                         <m:ctrlPr>
                           <a:rPr lang="it-IT" i="1">
-                            <a:latin typeface="Cambria Math" charset="0"/>
+                            <a:latin typeface="Cambria Math" panose="02040503050406030204" pitchFamily="18" charset="0"/>
                           </a:rPr>
                         </m:ctrlPr>
                       </m:sSubPr>
@@ -8854,7 +9159,7 @@
                         <m:limLoc m:val="undOvr"/>
                         <m:ctrlPr>
                           <a:rPr lang="it-IT" i="1">
-                            <a:latin typeface="Cambria Math" charset="0"/>
+                            <a:latin typeface="Cambria Math" panose="02040503050406030204" pitchFamily="18" charset="0"/>
                           </a:rPr>
                         </m:ctrlPr>
                       </m:naryPr>
@@ -8885,7 +9190,7 @@
                           <m:fPr>
                             <m:ctrlPr>
                               <a:rPr lang="it-IT" i="1">
-                                <a:latin typeface="Cambria Math" charset="0"/>
+                                <a:latin typeface="Cambria Math" panose="02040503050406030204" pitchFamily="18" charset="0"/>
                               </a:rPr>
                             </m:ctrlPr>
                           </m:fPr>
@@ -8922,7 +9227,7 @@
                           <m:fPr>
                             <m:ctrlPr>
                               <a:rPr lang="it-IT" i="1">
-                                <a:latin typeface="Cambria Math" charset="0"/>
+                                <a:latin typeface="Cambria Math" panose="02040503050406030204" pitchFamily="18" charset="0"/>
                               </a:rPr>
                             </m:ctrlPr>
                           </m:fPr>
@@ -8931,7 +9236,7 @@
                               <m:sSubPr>
                                 <m:ctrlPr>
                                   <a:rPr lang="it-IT" i="1">
-                                    <a:latin typeface="Cambria Math" charset="0"/>
+                                    <a:latin typeface="Cambria Math" panose="02040503050406030204" pitchFamily="18" charset="0"/>
                                   </a:rPr>
                                 </m:ctrlPr>
                               </m:sSubPr>
@@ -8958,7 +9263,7 @@
                               <m:sSubPr>
                                 <m:ctrlPr>
                                   <a:rPr lang="it-IT" i="1">
-                                    <a:latin typeface="Cambria Math" charset="0"/>
+                                    <a:latin typeface="Cambria Math" panose="02040503050406030204" pitchFamily="18" charset="0"/>
                                   </a:rPr>
                                 </m:ctrlPr>
                               </m:sSubPr>
@@ -8995,7 +9300,7 @@
                         <m:limLoc m:val="undOvr"/>
                         <m:ctrlPr>
                           <a:rPr lang="it-IT" i="1">
-                            <a:latin typeface="Cambria Math" charset="0"/>
+                            <a:latin typeface="Cambria Math" panose="02040503050406030204" pitchFamily="18" charset="0"/>
                           </a:rPr>
                         </m:ctrlPr>
                       </m:naryPr>
@@ -9026,7 +9331,7 @@
                           <m:fPr>
                             <m:ctrlPr>
                               <a:rPr lang="it-IT" i="1">
-                                <a:latin typeface="Cambria Math" charset="0"/>
+                                <a:latin typeface="Cambria Math" panose="02040503050406030204" pitchFamily="18" charset="0"/>
                               </a:rPr>
                             </m:ctrlPr>
                           </m:fPr>
@@ -9063,7 +9368,7 @@
                           <m:fPr>
                             <m:ctrlPr>
                               <a:rPr lang="it-IT" i="1">
-                                <a:latin typeface="Cambria Math" charset="0"/>
+                                <a:latin typeface="Cambria Math" panose="02040503050406030204" pitchFamily="18" charset="0"/>
                               </a:rPr>
                             </m:ctrlPr>
                           </m:fPr>
@@ -9072,7 +9377,7 @@
                               <m:sSubPr>
                                 <m:ctrlPr>
                                   <a:rPr lang="it-IT" i="1">
-                                    <a:latin typeface="Cambria Math" charset="0"/>
+                                    <a:latin typeface="Cambria Math" panose="02040503050406030204" pitchFamily="18" charset="0"/>
                                   </a:rPr>
                                 </m:ctrlPr>
                               </m:sSubPr>
@@ -9106,7 +9411,7 @@
                                 <m:chr m:val="⃗"/>
                                 <m:ctrlPr>
                                   <a:rPr lang="it-IT" b="1" i="1">
-                                    <a:latin typeface="Cambria Math" charset="0"/>
+                                    <a:latin typeface="Cambria Math" panose="02040503050406030204" pitchFamily="18" charset="0"/>
                                   </a:rPr>
                                 </m:ctrlPr>
                               </m:accPr>
@@ -9115,7 +9420,7 @@
                                   <m:sSubPr>
                                     <m:ctrlPr>
                                       <a:rPr lang="it-IT" b="1" i="1">
-                                        <a:latin typeface="Cambria Math" charset="0"/>
+                                        <a:latin typeface="Cambria Math" panose="02040503050406030204" pitchFamily="18" charset="0"/>
                                       </a:rPr>
                                     </m:ctrlPr>
                                   </m:sSubPr>
@@ -9149,7 +9454,7 @@
                                 <m:chr m:val="⃗"/>
                                 <m:ctrlPr>
                                   <a:rPr lang="it-IT" b="1" i="1">
-                                    <a:latin typeface="Cambria Math" charset="0"/>
+                                    <a:latin typeface="Cambria Math" panose="02040503050406030204" pitchFamily="18" charset="0"/>
                                   </a:rPr>
                                 </m:ctrlPr>
                               </m:accPr>
@@ -9343,7 +9648,7 @@
                       <m:fPr>
                         <m:ctrlPr>
                           <a:rPr lang="en-US" sz="2400" i="1">
-                            <a:latin typeface="Cambria Math" charset="0"/>
+                            <a:latin typeface="Cambria Math" panose="02040503050406030204" pitchFamily="18" charset="0"/>
                           </a:rPr>
                         </m:ctrlPr>
                       </m:fPr>
@@ -9444,7 +9749,7 @@
                             <a:solidFill>
                               <a:schemeClr val="tx1"/>
                             </a:solidFill>
-                            <a:latin typeface="Cambria Math" charset="0"/>
+                            <a:latin typeface="Cambria Math" panose="02040503050406030204" pitchFamily="18" charset="0"/>
                           </a:rPr>
                         </m:ctrlPr>
                       </m:radPr>
@@ -9839,7 +10144,7 @@
                         <m:sSubPr>
                           <m:ctrlPr>
                             <a:rPr lang="it-IT" i="1">
-                              <a:latin typeface="Cambria Math" charset="0"/>
+                              <a:latin typeface="Cambria Math" panose="02040503050406030204" pitchFamily="18" charset="0"/>
                             </a:rPr>
                           </m:ctrlPr>
                         </m:sSubPr>
@@ -9870,7 +10175,7 @@
                         <m:sSubPr>
                           <m:ctrlPr>
                             <a:rPr lang="it-IT" i="1">
-                              <a:latin typeface="Cambria Math" charset="0"/>
+                              <a:latin typeface="Cambria Math" panose="02040503050406030204" pitchFamily="18" charset="0"/>
                             </a:rPr>
                           </m:ctrlPr>
                         </m:sSubPr>
@@ -9919,7 +10224,7 @@
                         <m:sSubPr>
                           <m:ctrlPr>
                             <a:rPr lang="it-IT" i="1">
-                              <a:latin typeface="Cambria Math" charset="0"/>
+                              <a:latin typeface="Cambria Math" panose="02040503050406030204" pitchFamily="18" charset="0"/>
                             </a:rPr>
                           </m:ctrlPr>
                         </m:sSubPr>
@@ -9952,7 +10257,7 @@
                           <m:limLoc m:val="undOvr"/>
                           <m:ctrlPr>
                             <a:rPr lang="it-IT" i="1">
-                              <a:latin typeface="Cambria Math" charset="0"/>
+                              <a:latin typeface="Cambria Math" panose="02040503050406030204" pitchFamily="18" charset="0"/>
                             </a:rPr>
                           </m:ctrlPr>
                         </m:naryPr>
@@ -9977,7 +10282,7 @@
                             <m:fPr>
                               <m:ctrlPr>
                                 <a:rPr lang="it-IT" i="1">
-                                  <a:latin typeface="Cambria Math" charset="0"/>
+                                  <a:latin typeface="Cambria Math" panose="02040503050406030204" pitchFamily="18" charset="0"/>
                                 </a:rPr>
                               </m:ctrlPr>
                             </m:fPr>
@@ -9986,7 +10291,7 @@
                                 <m:sSubPr>
                                   <m:ctrlPr>
                                     <a:rPr lang="it-IT" i="1">
-                                      <a:latin typeface="Cambria Math" charset="0"/>
+                                      <a:latin typeface="Cambria Math" panose="02040503050406030204" pitchFamily="18" charset="0"/>
                                     </a:rPr>
                                   </m:ctrlPr>
                                 </m:sSubPr>
@@ -10021,7 +10326,7 @@
                                   <m:endChr m:val="|"/>
                                   <m:ctrlPr>
                                     <a:rPr lang="it-IT" i="1">
-                                      <a:latin typeface="Cambria Math" charset="0"/>
+                                      <a:latin typeface="Cambria Math" panose="02040503050406030204" pitchFamily="18" charset="0"/>
                                     </a:rPr>
                                   </m:ctrlPr>
                                 </m:dPr>
@@ -10032,7 +10337,7 @@
                                       <m:endChr m:val="|"/>
                                       <m:ctrlPr>
                                         <a:rPr lang="it-IT" i="1">
-                                          <a:latin typeface="Cambria Math" charset="0"/>
+                                          <a:latin typeface="Cambria Math" panose="02040503050406030204" pitchFamily="18" charset="0"/>
                                         </a:rPr>
                                       </m:ctrlPr>
                                     </m:dPr>
@@ -10042,7 +10347,7 @@
                                           <m:chr m:val="⃗"/>
                                           <m:ctrlPr>
                                             <a:rPr lang="it-IT" b="1" i="1">
-                                              <a:latin typeface="Cambria Math" charset="0"/>
+                                              <a:latin typeface="Cambria Math" panose="02040503050406030204" pitchFamily="18" charset="0"/>
                                             </a:rPr>
                                           </m:ctrlPr>
                                         </m:accPr>
@@ -10051,7 +10356,7 @@
                                             <m:sSubPr>
                                               <m:ctrlPr>
                                                 <a:rPr lang="it-IT" b="1" i="1">
-                                                  <a:latin typeface="Cambria Math" charset="0"/>
+                                                  <a:latin typeface="Cambria Math" panose="02040503050406030204" pitchFamily="18" charset="0"/>
                                                 </a:rPr>
                                               </m:ctrlPr>
                                             </m:sSubPr>
@@ -10085,7 +10390,7 @@
                                           <m:chr m:val="⃗"/>
                                           <m:ctrlPr>
                                             <a:rPr lang="it-IT" b="1" i="1">
-                                              <a:latin typeface="Cambria Math" charset="0"/>
+                                              <a:latin typeface="Cambria Math" panose="02040503050406030204" pitchFamily="18" charset="0"/>
                                             </a:rPr>
                                           </m:ctrlPr>
                                         </m:accPr>
@@ -10124,7 +10429,7 @@
                           <m:limLoc m:val="undOvr"/>
                           <m:ctrlPr>
                             <a:rPr lang="it-IT" i="1">
-                              <a:latin typeface="Cambria Math" charset="0"/>
+                              <a:latin typeface="Cambria Math" panose="02040503050406030204" pitchFamily="18" charset="0"/>
                             </a:rPr>
                           </m:ctrlPr>
                         </m:naryPr>
@@ -10155,7 +10460,7 @@
                             <m:fPr>
                               <m:ctrlPr>
                                 <a:rPr lang="it-IT" i="1">
-                                  <a:latin typeface="Cambria Math" charset="0"/>
+                                  <a:latin typeface="Cambria Math" panose="02040503050406030204" pitchFamily="18" charset="0"/>
                                 </a:rPr>
                               </m:ctrlPr>
                             </m:fPr>
@@ -10164,7 +10469,7 @@
                                 <m:sSubPr>
                                   <m:ctrlPr>
                                     <a:rPr lang="it-IT" i="1">
-                                      <a:latin typeface="Cambria Math" charset="0"/>
+                                      <a:latin typeface="Cambria Math" panose="02040503050406030204" pitchFamily="18" charset="0"/>
                                     </a:rPr>
                                   </m:ctrlPr>
                                 </m:sSubPr>
@@ -10199,7 +10504,7 @@
                                   <m:endChr m:val="|"/>
                                   <m:ctrlPr>
                                     <a:rPr lang="it-IT" i="1">
-                                      <a:latin typeface="Cambria Math" charset="0"/>
+                                      <a:latin typeface="Cambria Math" panose="02040503050406030204" pitchFamily="18" charset="0"/>
                                     </a:rPr>
                                   </m:ctrlPr>
                                 </m:dPr>
@@ -10210,7 +10515,7 @@
                                       <m:endChr m:val="|"/>
                                       <m:ctrlPr>
                                         <a:rPr lang="it-IT" i="1">
-                                          <a:latin typeface="Cambria Math" charset="0"/>
+                                          <a:latin typeface="Cambria Math" panose="02040503050406030204" pitchFamily="18" charset="0"/>
                                         </a:rPr>
                                       </m:ctrlPr>
                                     </m:dPr>
@@ -10220,7 +10525,7 @@
                                           <m:chr m:val="⃗"/>
                                           <m:ctrlPr>
                                             <a:rPr lang="it-IT" b="1" i="1">
-                                              <a:latin typeface="Cambria Math" charset="0"/>
+                                              <a:latin typeface="Cambria Math" panose="02040503050406030204" pitchFamily="18" charset="0"/>
                                             </a:rPr>
                                           </m:ctrlPr>
                                         </m:accPr>
@@ -10229,7 +10534,7 @@
                                             <m:sSubPr>
                                               <m:ctrlPr>
                                                 <a:rPr lang="it-IT" b="1" i="1">
-                                                  <a:latin typeface="Cambria Math" charset="0"/>
+                                                  <a:latin typeface="Cambria Math" panose="02040503050406030204" pitchFamily="18" charset="0"/>
                                                 </a:rPr>
                                               </m:ctrlPr>
                                             </m:sSubPr>
@@ -10263,7 +10568,7 @@
                                           <m:chr m:val="⃗"/>
                                           <m:ctrlPr>
                                             <a:rPr lang="it-IT" b="1" i="1">
-                                              <a:latin typeface="Cambria Math" charset="0"/>
+                                              <a:latin typeface="Cambria Math" panose="02040503050406030204" pitchFamily="18" charset="0"/>
                                             </a:rPr>
                                           </m:ctrlPr>
                                         </m:accPr>
@@ -10300,7 +10605,7 @@
                         <m:fPr>
                           <m:ctrlPr>
                             <a:rPr lang="it-IT" i="1">
-                              <a:latin typeface="Cambria Math" charset="0"/>
+                              <a:latin typeface="Cambria Math" panose="02040503050406030204" pitchFamily="18" charset="0"/>
                             </a:rPr>
                           </m:ctrlPr>
                         </m:fPr>
@@ -10309,7 +10614,7 @@
                             <m:sSubPr>
                               <m:ctrlPr>
                                 <a:rPr lang="it-IT" i="1">
-                                  <a:latin typeface="Cambria Math" charset="0"/>
+                                  <a:latin typeface="Cambria Math" panose="02040503050406030204" pitchFamily="18" charset="0"/>
                                 </a:rPr>
                               </m:ctrlPr>
                             </m:sSubPr>
@@ -10338,7 +10643,7 @@
                               <m:endChr m:val="|"/>
                               <m:ctrlPr>
                                 <a:rPr lang="it-IT" i="1">
-                                  <a:latin typeface="Cambria Math" charset="0"/>
+                                  <a:latin typeface="Cambria Math" panose="02040503050406030204" pitchFamily="18" charset="0"/>
                                 </a:rPr>
                               </m:ctrlPr>
                             </m:dPr>
@@ -10349,7 +10654,7 @@
                                   <m:endChr m:val="|"/>
                                   <m:ctrlPr>
                                     <a:rPr lang="it-IT" i="1">
-                                      <a:latin typeface="Cambria Math" charset="0"/>
+                                      <a:latin typeface="Cambria Math" panose="02040503050406030204" pitchFamily="18" charset="0"/>
                                     </a:rPr>
                                   </m:ctrlPr>
                                 </m:dPr>
@@ -10359,7 +10664,7 @@
                                       <m:chr m:val="⃗"/>
                                       <m:ctrlPr>
                                         <a:rPr lang="it-IT" b="1" i="1">
-                                          <a:latin typeface="Cambria Math" charset="0"/>
+                                          <a:latin typeface="Cambria Math" panose="02040503050406030204" pitchFamily="18" charset="0"/>
                                         </a:rPr>
                                       </m:ctrlPr>
                                     </m:accPr>
@@ -10368,7 +10673,7 @@
                                         <m:sSubPr>
                                           <m:ctrlPr>
                                             <a:rPr lang="it-IT" b="1" i="1">
-                                              <a:latin typeface="Cambria Math" charset="0"/>
+                                              <a:latin typeface="Cambria Math" panose="02040503050406030204" pitchFamily="18" charset="0"/>
                                             </a:rPr>
                                           </m:ctrlPr>
                                         </m:sSubPr>
@@ -10402,7 +10707,7 @@
                                       <m:chr m:val="⃗"/>
                                       <m:ctrlPr>
                                         <a:rPr lang="it-IT" b="1" i="1">
-                                          <a:latin typeface="Cambria Math" charset="0"/>
+                                          <a:latin typeface="Cambria Math" panose="02040503050406030204" pitchFamily="18" charset="0"/>
                                         </a:rPr>
                                       </m:ctrlPr>
                                     </m:accPr>
@@ -10488,7 +10793,7 @@
                         <m:sSubPr>
                           <m:ctrlPr>
                             <a:rPr lang="it-IT" i="1">
-                              <a:latin typeface="Cambria Math" charset="0"/>
+                              <a:latin typeface="Cambria Math" panose="02040503050406030204" pitchFamily="18" charset="0"/>
                             </a:rPr>
                           </m:ctrlPr>
                         </m:sSubPr>
@@ -10537,7 +10842,7 @@
                         <m:sSupPr>
                           <m:ctrlPr>
                             <a:rPr lang="it-IT" i="1">
-                              <a:latin typeface="Cambria Math" charset="0"/>
+                              <a:latin typeface="Cambria Math" panose="02040503050406030204" pitchFamily="18" charset="0"/>
                             </a:rPr>
                           </m:ctrlPr>
                         </m:sSupPr>
@@ -10568,7 +10873,7 @@
                         <m:fPr>
                           <m:ctrlPr>
                             <a:rPr lang="it-IT" i="1">
-                              <a:latin typeface="Cambria Math" charset="0"/>
+                              <a:latin typeface="Cambria Math" panose="02040503050406030204" pitchFamily="18" charset="0"/>
                             </a:rPr>
                           </m:ctrlPr>
                         </m:fPr>
@@ -10577,7 +10882,7 @@
                             <m:sSubPr>
                               <m:ctrlPr>
                                 <a:rPr lang="it-IT" i="1">
-                                  <a:latin typeface="Cambria Math" charset="0"/>
+                                  <a:latin typeface="Cambria Math" panose="02040503050406030204" pitchFamily="18" charset="0"/>
                                 </a:rPr>
                               </m:ctrlPr>
                             </m:sSubPr>
@@ -10606,7 +10911,7 @@
                               <m:endChr m:val="|"/>
                               <m:ctrlPr>
                                 <a:rPr lang="it-IT" i="1">
-                                  <a:latin typeface="Cambria Math" charset="0"/>
+                                  <a:latin typeface="Cambria Math" panose="02040503050406030204" pitchFamily="18" charset="0"/>
                                 </a:rPr>
                               </m:ctrlPr>
                             </m:dPr>
@@ -10617,7 +10922,7 @@
                                   <m:endChr m:val="|"/>
                                   <m:ctrlPr>
                                     <a:rPr lang="it-IT" i="1">
-                                      <a:latin typeface="Cambria Math" charset="0"/>
+                                      <a:latin typeface="Cambria Math" panose="02040503050406030204" pitchFamily="18" charset="0"/>
                                     </a:rPr>
                                   </m:ctrlPr>
                                 </m:dPr>
@@ -10627,7 +10932,7 @@
                                       <m:chr m:val="⃗"/>
                                       <m:ctrlPr>
                                         <a:rPr lang="it-IT" b="1" i="1">
-                                          <a:latin typeface="Cambria Math" charset="0"/>
+                                          <a:latin typeface="Cambria Math" panose="02040503050406030204" pitchFamily="18" charset="0"/>
                                         </a:rPr>
                                       </m:ctrlPr>
                                     </m:accPr>
@@ -10636,7 +10941,7 @@
                                         <m:sSubPr>
                                           <m:ctrlPr>
                                             <a:rPr lang="it-IT" b="1" i="1">
-                                              <a:latin typeface="Cambria Math" charset="0"/>
+                                              <a:latin typeface="Cambria Math" panose="02040503050406030204" pitchFamily="18" charset="0"/>
                                             </a:rPr>
                                           </m:ctrlPr>
                                         </m:sSubPr>
@@ -10670,7 +10975,7 @@
                                       <m:chr m:val="⃗"/>
                                       <m:ctrlPr>
                                         <a:rPr lang="it-IT" b="1" i="1">
-                                          <a:latin typeface="Cambria Math" charset="0"/>
+                                          <a:latin typeface="Cambria Math" panose="02040503050406030204" pitchFamily="18" charset="0"/>
                                         </a:rPr>
                                       </m:ctrlPr>
                                     </m:accPr>
@@ -10699,7 +11004,7 @@
                         <m:fPr>
                           <m:ctrlPr>
                             <a:rPr lang="it-IT" i="1">
-                              <a:latin typeface="Cambria Math" charset="0"/>
+                              <a:latin typeface="Cambria Math" panose="02040503050406030204" pitchFamily="18" charset="0"/>
                             </a:rPr>
                           </m:ctrlPr>
                         </m:fPr>
@@ -10708,7 +11013,7 @@
                             <m:sSupPr>
                               <m:ctrlPr>
                                 <a:rPr lang="it-IT" i="1">
-                                  <a:latin typeface="Cambria Math" charset="0"/>
+                                  <a:latin typeface="Cambria Math" panose="02040503050406030204" pitchFamily="18" charset="0"/>
                                 </a:rPr>
                               </m:ctrlPr>
                             </m:sSupPr>
@@ -10743,7 +11048,7 @@
                               <m:endChr m:val="|"/>
                               <m:ctrlPr>
                                 <a:rPr lang="it-IT" i="1">
-                                  <a:latin typeface="Cambria Math" charset="0"/>
+                                  <a:latin typeface="Cambria Math" panose="02040503050406030204" pitchFamily="18" charset="0"/>
                                 </a:rPr>
                               </m:ctrlPr>
                             </m:dPr>
@@ -10754,7 +11059,7 @@
                                   <m:endChr m:val="|"/>
                                   <m:ctrlPr>
                                     <a:rPr lang="it-IT" i="1">
-                                      <a:latin typeface="Cambria Math" charset="0"/>
+                                      <a:latin typeface="Cambria Math" panose="02040503050406030204" pitchFamily="18" charset="0"/>
                                     </a:rPr>
                                   </m:ctrlPr>
                                 </m:dPr>
@@ -10764,7 +11069,7 @@
                                       <m:chr m:val="⃗"/>
                                       <m:ctrlPr>
                                         <a:rPr lang="it-IT" b="1" i="1">
-                                          <a:latin typeface="Cambria Math" charset="0"/>
+                                          <a:latin typeface="Cambria Math" panose="02040503050406030204" pitchFamily="18" charset="0"/>
                                         </a:rPr>
                                       </m:ctrlPr>
                                     </m:accPr>
@@ -10773,7 +11078,7 @@
                                         <m:sSupPr>
                                           <m:ctrlPr>
                                             <a:rPr lang="it-IT" b="1" i="1">
-                                              <a:latin typeface="Cambria Math" charset="0"/>
+                                              <a:latin typeface="Cambria Math" panose="02040503050406030204" pitchFamily="18" charset="0"/>
                                             </a:rPr>
                                           </m:ctrlPr>
                                         </m:sSupPr>
@@ -10807,7 +11112,7 @@
                                       <m:chr m:val="⃗"/>
                                       <m:ctrlPr>
                                         <a:rPr lang="it-IT" b="1" i="1">
-                                          <a:latin typeface="Cambria Math" charset="0"/>
+                                          <a:latin typeface="Cambria Math" panose="02040503050406030204" pitchFamily="18" charset="0"/>
                                         </a:rPr>
                                       </m:ctrlPr>
                                     </m:accPr>
@@ -10863,7 +11168,7 @@
                         <m:fPr>
                           <m:ctrlPr>
                             <a:rPr lang="it-IT" i="1">
-                              <a:latin typeface="Cambria Math" charset="0"/>
+                              <a:latin typeface="Cambria Math" panose="02040503050406030204" pitchFamily="18" charset="0"/>
                             </a:rPr>
                           </m:ctrlPr>
                         </m:fPr>
@@ -10878,7 +11183,7 @@
                             <m:dPr>
                               <m:ctrlPr>
                                 <a:rPr lang="it-IT" i="1">
-                                  <a:latin typeface="Cambria Math" charset="0"/>
+                                  <a:latin typeface="Cambria Math" panose="02040503050406030204" pitchFamily="18" charset="0"/>
                                 </a:rPr>
                               </m:ctrlPr>
                             </m:dPr>
@@ -10887,7 +11192,7 @@
                                 <m:sSupPr>
                                   <m:ctrlPr>
                                     <a:rPr lang="it-IT" i="1">
-                                      <a:latin typeface="Cambria Math" charset="0"/>
+                                      <a:latin typeface="Cambria Math" panose="02040503050406030204" pitchFamily="18" charset="0"/>
                                     </a:rPr>
                                   </m:ctrlPr>
                                 </m:sSupPr>
@@ -10919,7 +11224,7 @@
                                   <m:chr m:val="⃗"/>
                                   <m:ctrlPr>
                                     <a:rPr lang="it-IT" b="1" i="1">
-                                      <a:latin typeface="Cambria Math" charset="0"/>
+                                      <a:latin typeface="Cambria Math" panose="02040503050406030204" pitchFamily="18" charset="0"/>
                                     </a:rPr>
                                   </m:ctrlPr>
                                 </m:accPr>
@@ -10928,7 +11233,7 @@
                                     <m:sSupPr>
                                       <m:ctrlPr>
                                         <a:rPr lang="it-IT" b="1" i="1">
-                                          <a:latin typeface="Cambria Math" charset="0"/>
+                                          <a:latin typeface="Cambria Math" panose="02040503050406030204" pitchFamily="18" charset="0"/>
                                         </a:rPr>
                                       </m:ctrlPr>
                                     </m:sSupPr>
@@ -10966,7 +11271,7 @@
                               <m:degHide m:val="on"/>
                               <m:ctrlPr>
                                 <a:rPr lang="it-IT" i="1">
-                                  <a:latin typeface="Cambria Math" charset="0"/>
+                                  <a:latin typeface="Cambria Math" panose="02040503050406030204" pitchFamily="18" charset="0"/>
                                 </a:rPr>
                               </m:ctrlPr>
                             </m:radPr>
@@ -10994,7 +11299,7 @@
                           <m:limLoc m:val="undOvr"/>
                           <m:ctrlPr>
                             <a:rPr lang="it-IT" i="1">
-                              <a:latin typeface="Cambria Math" charset="0"/>
+                              <a:latin typeface="Cambria Math" panose="02040503050406030204" pitchFamily="18" charset="0"/>
                             </a:rPr>
                           </m:ctrlPr>
                         </m:naryPr>
@@ -11025,7 +11330,7 @@
                             <m:sSubSupPr>
                               <m:ctrlPr>
                                 <a:rPr lang="it-IT" i="1">
-                                  <a:latin typeface="Cambria Math" charset="0"/>
+                                  <a:latin typeface="Cambria Math" panose="02040503050406030204" pitchFamily="18" charset="0"/>
                                 </a:rPr>
                               </m:ctrlPr>
                             </m:sSubSupPr>
@@ -11036,7 +11341,7 @@
                                   <m:endChr m:val="|"/>
                                   <m:ctrlPr>
                                     <a:rPr lang="it-IT" i="1">
-                                      <a:latin typeface="Cambria Math" charset="0"/>
+                                      <a:latin typeface="Cambria Math" panose="02040503050406030204" pitchFamily="18" charset="0"/>
                                     </a:rPr>
                                   </m:ctrlPr>
                                 </m:dPr>
@@ -11085,7 +11390,7 @@
                                 <m:sSubPr>
                                   <m:ctrlPr>
                                     <a:rPr lang="it-IT" i="1">
-                                      <a:latin typeface="Cambria Math" charset="0"/>
+                                      <a:latin typeface="Cambria Math" panose="02040503050406030204" pitchFamily="18" charset="0"/>
                                     </a:rPr>
                                   </m:ctrlPr>
                                 </m:sSubPr>
@@ -11123,7 +11428,7 @@
                           <m:limLoc m:val="undOvr"/>
                           <m:ctrlPr>
                             <a:rPr lang="it-IT" i="1">
-                              <a:latin typeface="Cambria Math" charset="0"/>
+                              <a:latin typeface="Cambria Math" panose="02040503050406030204" pitchFamily="18" charset="0"/>
                             </a:rPr>
                           </m:ctrlPr>
                         </m:naryPr>
@@ -11154,7 +11459,7 @@
                             <m:sSupPr>
                               <m:ctrlPr>
                                 <a:rPr lang="it-IT" i="1">
-                                  <a:latin typeface="Cambria Math" charset="0"/>
+                                  <a:latin typeface="Cambria Math" panose="02040503050406030204" pitchFamily="18" charset="0"/>
                                 </a:rPr>
                               </m:ctrlPr>
                             </m:sSupPr>
@@ -11163,7 +11468,7 @@
                                 <m:dPr>
                                   <m:ctrlPr>
                                     <a:rPr lang="it-IT" i="1">
-                                      <a:latin typeface="Cambria Math" charset="0"/>
+                                      <a:latin typeface="Cambria Math" panose="02040503050406030204" pitchFamily="18" charset="0"/>
                                     </a:rPr>
                                   </m:ctrlPr>
                                 </m:dPr>
@@ -11172,7 +11477,7 @@
                                     <m:fPr>
                                       <m:ctrlPr>
                                         <a:rPr lang="it-IT" i="1">
-                                          <a:latin typeface="Cambria Math" charset="0"/>
+                                          <a:latin typeface="Cambria Math" panose="02040503050406030204" pitchFamily="18" charset="0"/>
                                         </a:rPr>
                                       </m:ctrlPr>
                                     </m:fPr>
@@ -11181,7 +11486,7 @@
                                         <m:sSubPr>
                                           <m:ctrlPr>
                                             <a:rPr lang="it-IT" i="1">
-                                              <a:latin typeface="Cambria Math" charset="0"/>
+                                              <a:latin typeface="Cambria Math" panose="02040503050406030204" pitchFamily="18" charset="0"/>
                                             </a:rPr>
                                           </m:ctrlPr>
                                         </m:sSubPr>
@@ -11210,7 +11515,7 @@
                                           <m:endChr m:val="|"/>
                                           <m:ctrlPr>
                                             <a:rPr lang="it-IT" i="1">
-                                              <a:latin typeface="Cambria Math" charset="0"/>
+                                              <a:latin typeface="Cambria Math" panose="02040503050406030204" pitchFamily="18" charset="0"/>
                                             </a:rPr>
                                           </m:ctrlPr>
                                         </m:dPr>
@@ -11221,7 +11526,7 @@
                                               <m:endChr m:val="|"/>
                                               <m:ctrlPr>
                                                 <a:rPr lang="it-IT" i="1">
-                                                  <a:latin typeface="Cambria Math" charset="0"/>
+                                                  <a:latin typeface="Cambria Math" panose="02040503050406030204" pitchFamily="18" charset="0"/>
                                                 </a:rPr>
                                               </m:ctrlPr>
                                             </m:dPr>
@@ -11231,7 +11536,7 @@
                                                   <m:chr m:val="⃗"/>
                                                   <m:ctrlPr>
                                                     <a:rPr lang="it-IT" b="1" i="1">
-                                                      <a:latin typeface="Cambria Math" charset="0"/>
+                                                      <a:latin typeface="Cambria Math" panose="02040503050406030204" pitchFamily="18" charset="0"/>
                                                     </a:rPr>
                                                   </m:ctrlPr>
                                                 </m:accPr>
@@ -11240,7 +11545,7 @@
                                                     <m:sSubPr>
                                                       <m:ctrlPr>
                                                         <a:rPr lang="it-IT" b="1" i="1">
-                                                          <a:latin typeface="Cambria Math" charset="0"/>
+                                                          <a:latin typeface="Cambria Math" panose="02040503050406030204" pitchFamily="18" charset="0"/>
                                                         </a:rPr>
                                                       </m:ctrlPr>
                                                     </m:sSubPr>
@@ -11274,7 +11579,7 @@
                                                   <m:chr m:val="⃗"/>
                                                   <m:ctrlPr>
                                                     <a:rPr lang="it-IT" b="1" i="1">
-                                                      <a:latin typeface="Cambria Math" charset="0"/>
+                                                      <a:latin typeface="Cambria Math" panose="02040503050406030204" pitchFamily="18" charset="0"/>
                                                     </a:rPr>
                                                   </m:ctrlPr>
                                                 </m:accPr>
@@ -11283,7 +11588,7 @@
                                                     <m:sSubPr>
                                                       <m:ctrlPr>
                                                         <a:rPr lang="it-IT" b="1" i="1">
-                                                          <a:latin typeface="Cambria Math" charset="0"/>
+                                                          <a:latin typeface="Cambria Math" panose="02040503050406030204" pitchFamily="18" charset="0"/>
                                                         </a:rPr>
                                                       </m:ctrlPr>
                                                     </m:sSubPr>
@@ -11322,7 +11627,7 @@
                                     <m:fPr>
                                       <m:ctrlPr>
                                         <a:rPr lang="it-IT" i="1">
-                                          <a:latin typeface="Cambria Math" charset="0"/>
+                                          <a:latin typeface="Cambria Math" panose="02040503050406030204" pitchFamily="18" charset="0"/>
                                         </a:rPr>
                                       </m:ctrlPr>
                                     </m:fPr>
@@ -11331,7 +11636,7 @@
                                         <m:sSupPr>
                                           <m:ctrlPr>
                                             <a:rPr lang="it-IT" i="1">
-                                              <a:latin typeface="Cambria Math" charset="0"/>
+                                              <a:latin typeface="Cambria Math" panose="02040503050406030204" pitchFamily="18" charset="0"/>
                                             </a:rPr>
                                           </m:ctrlPr>
                                         </m:sSupPr>
@@ -11366,7 +11671,7 @@
                                           <m:endChr m:val="|"/>
                                           <m:ctrlPr>
                                             <a:rPr lang="it-IT" i="1">
-                                              <a:latin typeface="Cambria Math" charset="0"/>
+                                              <a:latin typeface="Cambria Math" panose="02040503050406030204" pitchFamily="18" charset="0"/>
                                             </a:rPr>
                                           </m:ctrlPr>
                                         </m:dPr>
@@ -11377,7 +11682,7 @@
                                               <m:endChr m:val="|"/>
                                               <m:ctrlPr>
                                                 <a:rPr lang="it-IT" i="1">
-                                                  <a:latin typeface="Cambria Math" charset="0"/>
+                                                  <a:latin typeface="Cambria Math" panose="02040503050406030204" pitchFamily="18" charset="0"/>
                                                 </a:rPr>
                                               </m:ctrlPr>
                                             </m:dPr>
@@ -11387,7 +11692,7 @@
                                                   <m:chr m:val="⃗"/>
                                                   <m:ctrlPr>
                                                     <a:rPr lang="it-IT" b="1" i="1">
-                                                      <a:latin typeface="Cambria Math" charset="0"/>
+                                                      <a:latin typeface="Cambria Math" panose="02040503050406030204" pitchFamily="18" charset="0"/>
                                                     </a:rPr>
                                                   </m:ctrlPr>
                                                 </m:accPr>
@@ -11396,7 +11701,7 @@
                                                     <m:sSupPr>
                                                       <m:ctrlPr>
                                                         <a:rPr lang="it-IT" b="1" i="1">
-                                                          <a:latin typeface="Cambria Math" charset="0"/>
+                                                          <a:latin typeface="Cambria Math" panose="02040503050406030204" pitchFamily="18" charset="0"/>
                                                         </a:rPr>
                                                       </m:ctrlPr>
                                                     </m:sSupPr>
@@ -11430,7 +11735,7 @@
                                                   <m:chr m:val="⃗"/>
                                                   <m:ctrlPr>
                                                     <a:rPr lang="it-IT" b="1" i="1">
-                                                      <a:latin typeface="Cambria Math" charset="0"/>
+                                                      <a:latin typeface="Cambria Math" panose="02040503050406030204" pitchFamily="18" charset="0"/>
                                                     </a:rPr>
                                                   </m:ctrlPr>
                                                 </m:accPr>
@@ -11439,7 +11744,7 @@
                                                     <m:sSubPr>
                                                       <m:ctrlPr>
                                                         <a:rPr lang="it-IT" b="1" i="1">
-                                                          <a:latin typeface="Cambria Math" charset="0"/>
+                                                          <a:latin typeface="Cambria Math" panose="02040503050406030204" pitchFamily="18" charset="0"/>
                                                         </a:rPr>
                                                       </m:ctrlPr>
                                                     </m:sSubPr>
@@ -11885,7 +12190,7 @@
           <p:cNvPr id="9" name="Rectangle 8">
             <a:extLst>
               <a:ext uri="{FF2B5EF4-FFF2-40B4-BE49-F238E27FC236}">
-                <a16:creationId xmlns:a16="http://schemas.microsoft.com/office/drawing/2014/main" xmlns="" id="{4E4490D0-3672-446A-AC12-B4830333BDDD}"/>
+                <a16:creationId xmlns:a16="http://schemas.microsoft.com/office/drawing/2014/main" id="{4E4490D0-3672-446A-AC12-B4830333BDDD}"/>
               </a:ext>
             </a:extLst>
           </p:cNvPr>
@@ -11937,7 +12242,7 @@
           <p:cNvPr id="11" name="Rectangle 10">
             <a:extLst>
               <a:ext uri="{FF2B5EF4-FFF2-40B4-BE49-F238E27FC236}">
-                <a16:creationId xmlns:a16="http://schemas.microsoft.com/office/drawing/2014/main" xmlns="" id="{39CB82C2-DF65-4EC1-8280-F201D50F570B}"/>
+                <a16:creationId xmlns:a16="http://schemas.microsoft.com/office/drawing/2014/main" id="{39CB82C2-DF65-4EC1-8280-F201D50F570B}"/>
               </a:ext>
             </a:extLst>
           </p:cNvPr>
@@ -11989,7 +12294,7 @@
           <p:cNvPr id="13" name="Straight Connector 12">
             <a:extLst>
               <a:ext uri="{FF2B5EF4-FFF2-40B4-BE49-F238E27FC236}">
-                <a16:creationId xmlns:a16="http://schemas.microsoft.com/office/drawing/2014/main" xmlns="" id="{7E1D4427-852B-4B37-8E76-0E9F1810BA2A}"/>
+                <a16:creationId xmlns:a16="http://schemas.microsoft.com/office/drawing/2014/main" id="{7E1D4427-852B-4B37-8E76-0E9F1810BA2A}"/>
               </a:ext>
             </a:extLst>
           </p:cNvPr>
@@ -12041,7 +12346,7 @@
           <p:cNvPr id="15" name="Rectangle 14">
             <a:extLst>
               <a:ext uri="{FF2B5EF4-FFF2-40B4-BE49-F238E27FC236}">
-                <a16:creationId xmlns:a16="http://schemas.microsoft.com/office/drawing/2014/main" xmlns="" id="{5A1B47C8-47A0-4A88-8830-6DEA3B5DE392}"/>
+                <a16:creationId xmlns:a16="http://schemas.microsoft.com/office/drawing/2014/main" id="{5A1B47C8-47A0-4A88-8830-6DEA3B5DE392}"/>
               </a:ext>
             </a:extLst>
           </p:cNvPr>
@@ -12130,7 +12435,7 @@
           <p:cNvPr id="17" name="Rectangle 16">
             <a:extLst>
               <a:ext uri="{FF2B5EF4-FFF2-40B4-BE49-F238E27FC236}">
-                <a16:creationId xmlns:a16="http://schemas.microsoft.com/office/drawing/2014/main" xmlns="" id="{984BBFDD-E720-4805-A9C8-129FBBF6DD70}"/>
+                <a16:creationId xmlns:a16="http://schemas.microsoft.com/office/drawing/2014/main" id="{984BBFDD-E720-4805-A9C8-129FBBF6DD70}"/>
               </a:ext>
             </a:extLst>
           </p:cNvPr>
@@ -12182,7 +12487,7 @@
           <p:cNvPr id="19" name="Rectangle 18">
             <a:extLst>
               <a:ext uri="{FF2B5EF4-FFF2-40B4-BE49-F238E27FC236}">
-                <a16:creationId xmlns:a16="http://schemas.microsoft.com/office/drawing/2014/main" xmlns="" id="{5AC4BE46-4A77-42FE-9D15-065CDB2F847C}"/>
+                <a16:creationId xmlns:a16="http://schemas.microsoft.com/office/drawing/2014/main" id="{5AC4BE46-4A77-42FE-9D15-065CDB2F847C}"/>
               </a:ext>
             </a:extLst>
           </p:cNvPr>

--- a/IDENTICAZIONE SISTEMA DI CARICHE PUNTIFORMI DA MISURE DI.pptx
+++ b/IDENTICAZIONE SISTEMA DI CARICHE PUNTIFORMI DA MISURE DI.pptx
@@ -5,26 +5,27 @@
     <p:sldMasterId id="2147484292" r:id="rId1"/>
   </p:sldMasterIdLst>
   <p:notesMasterIdLst>
-    <p:notesMasterId r:id="rId19"/>
+    <p:notesMasterId r:id="rId20"/>
   </p:notesMasterIdLst>
   <p:sldIdLst>
     <p:sldId id="256" r:id="rId2"/>
-    <p:sldId id="257" r:id="rId3"/>
-    <p:sldId id="258" r:id="rId4"/>
-    <p:sldId id="259" r:id="rId5"/>
-    <p:sldId id="260" r:id="rId6"/>
-    <p:sldId id="267" r:id="rId7"/>
-    <p:sldId id="261" r:id="rId8"/>
-    <p:sldId id="262" r:id="rId9"/>
-    <p:sldId id="263" r:id="rId10"/>
-    <p:sldId id="264" r:id="rId11"/>
-    <p:sldId id="265" r:id="rId12"/>
-    <p:sldId id="266" r:id="rId13"/>
-    <p:sldId id="268" r:id="rId14"/>
-    <p:sldId id="269" r:id="rId15"/>
-    <p:sldId id="270" r:id="rId16"/>
-    <p:sldId id="271" r:id="rId17"/>
-    <p:sldId id="272" r:id="rId18"/>
+    <p:sldId id="273" r:id="rId3"/>
+    <p:sldId id="257" r:id="rId4"/>
+    <p:sldId id="258" r:id="rId5"/>
+    <p:sldId id="259" r:id="rId6"/>
+    <p:sldId id="260" r:id="rId7"/>
+    <p:sldId id="267" r:id="rId8"/>
+    <p:sldId id="261" r:id="rId9"/>
+    <p:sldId id="262" r:id="rId10"/>
+    <p:sldId id="263" r:id="rId11"/>
+    <p:sldId id="272" r:id="rId12"/>
+    <p:sldId id="264" r:id="rId13"/>
+    <p:sldId id="265" r:id="rId14"/>
+    <p:sldId id="266" r:id="rId15"/>
+    <p:sldId id="268" r:id="rId16"/>
+    <p:sldId id="269" r:id="rId17"/>
+    <p:sldId id="270" r:id="rId18"/>
+    <p:sldId id="271" r:id="rId19"/>
   </p:sldIdLst>
   <p:sldSz cx="12192000" cy="6858000"/>
   <p:notesSz cx="6858000" cy="9144000"/>
@@ -213,7 +214,7 @@
           <a:p>
             <a:fld id="{0B626E60-15AC-294D-A4F1-F70323F0F9DF}" type="datetimeFigureOut">
               <a:rPr lang="en-US" smtClean="0"/>
-              <a:t>12/4/2017</a:t>
+              <a:t>12/6/2017</a:t>
             </a:fld>
             <a:endParaRPr lang="en-US"/>
           </a:p>
@@ -623,7 +624,7 @@
     </p:spTree>
     <p:extLst>
       <p:ext uri="{BB962C8B-B14F-4D97-AF65-F5344CB8AC3E}">
-        <p14:creationId xmlns:p14="http://schemas.microsoft.com/office/powerpoint/2010/main" val="218800734"/>
+        <p14:creationId xmlns:p14="http://schemas.microsoft.com/office/powerpoint/2010/main" val="3358281016"/>
       </p:ext>
     </p:extLst>
   </p:cSld>
@@ -678,37 +679,74 @@
           <a:lstStyle/>
           <a:p>
             <a:r>
-              <a:rPr lang="it-IT" b="1" dirty="0" smtClean="0"/>
-              <a:t>Funzione di costo</a:t>
-            </a:r>
-            <a:r>
-              <a:rPr lang="it-IT" dirty="0" smtClean="0"/>
-              <a:t>: considerate le </a:t>
-            </a:r>
-            <a:r>
-              <a:rPr lang="it-IT" dirty="0" err="1" smtClean="0"/>
-              <a:t>N</a:t>
-            </a:r>
-            <a:r>
-              <a:rPr lang="it-IT" dirty="0" smtClean="0"/>
-              <a:t> cariche totali ed il loro potenziale V, calcoliamo il potenziale V’ delle N-1 cariche note più la carica ignota nella posizione generica (x, y, </a:t>
-            </a:r>
-            <a:r>
-              <a:rPr lang="it-IT" dirty="0" err="1" smtClean="0"/>
-              <a:t>z</a:t>
-            </a:r>
-            <a:r>
-              <a:rPr lang="it-IT" dirty="0" smtClean="0"/>
-              <a:t>), la funzione di costo sarà </a:t>
-            </a:r>
-            <a:r>
-              <a:rPr lang="it-IT" dirty="0" err="1" smtClean="0"/>
-              <a:t>abs</a:t>
-            </a:r>
-            <a:r>
-              <a:rPr lang="it-IT" dirty="0" smtClean="0"/>
-              <a:t>(B-B’)^2</a:t>
-            </a:r>
+              <a:rPr lang="en-US" dirty="0" smtClean="0"/>
+              <a:t>Da </a:t>
+            </a:r>
+            <a:r>
+              <a:rPr lang="en-US" dirty="0" err="1" smtClean="0"/>
+              <a:t>cambiare</a:t>
+            </a:r>
+            <a:r>
+              <a:rPr lang="en-US" dirty="0" smtClean="0"/>
+              <a:t> </a:t>
+            </a:r>
+            <a:r>
+              <a:rPr lang="en-US" dirty="0" err="1" smtClean="0"/>
+              <a:t>l’immagine</a:t>
+            </a:r>
+            <a:r>
+              <a:rPr lang="en-US" dirty="0" smtClean="0"/>
+              <a:t> con </a:t>
+            </a:r>
+            <a:r>
+              <a:rPr lang="en-US" dirty="0" err="1" smtClean="0"/>
+              <a:t>quella</a:t>
+            </a:r>
+            <a:r>
+              <a:rPr lang="en-US" baseline="0" dirty="0" smtClean="0"/>
+              <a:t> di word, </a:t>
+            </a:r>
+            <a:r>
+              <a:rPr lang="en-US" baseline="0" dirty="0" err="1" smtClean="0"/>
+              <a:t>così</a:t>
+            </a:r>
+            <a:r>
+              <a:rPr lang="en-US" baseline="0" dirty="0" smtClean="0"/>
+              <a:t> </a:t>
+            </a:r>
+            <a:r>
+              <a:rPr lang="en-US" baseline="0" dirty="0" err="1" smtClean="0"/>
+              <a:t>è</a:t>
+            </a:r>
+            <a:r>
+              <a:rPr lang="en-US" baseline="0" dirty="0" smtClean="0"/>
+              <a:t> </a:t>
+            </a:r>
+            <a:r>
+              <a:rPr lang="en-US" baseline="0" dirty="0" err="1" smtClean="0"/>
+              <a:t>possibile</a:t>
+            </a:r>
+            <a:r>
+              <a:rPr lang="en-US" baseline="0" dirty="0" smtClean="0"/>
+              <a:t> fare </a:t>
+            </a:r>
+            <a:r>
+              <a:rPr lang="en-US" baseline="0" dirty="0" err="1" smtClean="0"/>
+              <a:t>un’animazione</a:t>
+            </a:r>
+            <a:r>
+              <a:rPr lang="en-US" baseline="0" dirty="0" smtClean="0"/>
+              <a:t> </a:t>
+            </a:r>
+            <a:r>
+              <a:rPr lang="en-US" baseline="0" dirty="0" err="1" smtClean="0"/>
+              <a:t>sul</a:t>
+            </a:r>
+            <a:r>
+              <a:rPr lang="en-US" baseline="0" dirty="0" smtClean="0"/>
+              <a:t> secondo brick</a:t>
+            </a:r>
+            <a:endParaRPr lang="en-US" dirty="0"/>
           </a:p>
         </p:txBody>
       </p:sp>
@@ -729,7 +767,7 @@
           <a:p>
             <a:fld id="{B84B1DCE-DD70-5840-A766-ADE0E79E6240}" type="slidenum">
               <a:rPr lang="en-US" smtClean="0"/>
-              <a:t>4</a:t>
+              <a:t>3</a:t>
             </a:fld>
             <a:endParaRPr lang="en-US"/>
           </a:p>
@@ -738,7 +776,7 @@
     </p:spTree>
     <p:extLst>
       <p:ext uri="{BB962C8B-B14F-4D97-AF65-F5344CB8AC3E}">
-        <p14:creationId xmlns:p14="http://schemas.microsoft.com/office/powerpoint/2010/main" val="1253712349"/>
+        <p14:creationId xmlns:p14="http://schemas.microsoft.com/office/powerpoint/2010/main" val="218800734"/>
       </p:ext>
     </p:extLst>
   </p:cSld>
@@ -792,7 +830,38 @@
           <a:bodyPr/>
           <a:lstStyle/>
           <a:p>
-            <a:endParaRPr lang="en-US" dirty="0"/>
+            <a:r>
+              <a:rPr lang="it-IT" b="1" dirty="0" smtClean="0"/>
+              <a:t>Funzione di costo</a:t>
+            </a:r>
+            <a:r>
+              <a:rPr lang="it-IT" dirty="0" smtClean="0"/>
+              <a:t>: considerate le </a:t>
+            </a:r>
+            <a:r>
+              <a:rPr lang="it-IT" dirty="0" err="1" smtClean="0"/>
+              <a:t>N</a:t>
+            </a:r>
+            <a:r>
+              <a:rPr lang="it-IT" dirty="0" smtClean="0"/>
+              <a:t> cariche totali ed il loro potenziale V, calcoliamo il potenziale V’ delle N-1 cariche note più la carica ignota nella posizione generica (x, y, </a:t>
+            </a:r>
+            <a:r>
+              <a:rPr lang="it-IT" dirty="0" err="1" smtClean="0"/>
+              <a:t>z</a:t>
+            </a:r>
+            <a:r>
+              <a:rPr lang="it-IT" dirty="0" smtClean="0"/>
+              <a:t>), la funzione di costo sarà </a:t>
+            </a:r>
+            <a:r>
+              <a:rPr lang="it-IT" dirty="0" err="1" smtClean="0"/>
+              <a:t>abs</a:t>
+            </a:r>
+            <a:r>
+              <a:rPr lang="it-IT" dirty="0" smtClean="0"/>
+              <a:t>(B-B’)^2</a:t>
+            </a:r>
           </a:p>
         </p:txBody>
       </p:sp>
@@ -813,7 +882,7 @@
           <a:p>
             <a:fld id="{B84B1DCE-DD70-5840-A766-ADE0E79E6240}" type="slidenum">
               <a:rPr lang="en-US" smtClean="0"/>
-              <a:t>7</a:t>
+              <a:t>5</a:t>
             </a:fld>
             <a:endParaRPr lang="en-US"/>
           </a:p>
@@ -822,7 +891,7 @@
     </p:spTree>
     <p:extLst>
       <p:ext uri="{BB962C8B-B14F-4D97-AF65-F5344CB8AC3E}">
-        <p14:creationId xmlns:p14="http://schemas.microsoft.com/office/powerpoint/2010/main" val="336484280"/>
+        <p14:creationId xmlns:p14="http://schemas.microsoft.com/office/powerpoint/2010/main" val="1253712349"/>
       </p:ext>
     </p:extLst>
   </p:cSld>
@@ -898,6 +967,90 @@
             <a:fld id="{B84B1DCE-DD70-5840-A766-ADE0E79E6240}" type="slidenum">
               <a:rPr lang="en-US" smtClean="0"/>
               <a:t>8</a:t>
+            </a:fld>
+            <a:endParaRPr lang="en-US"/>
+          </a:p>
+        </p:txBody>
+      </p:sp>
+    </p:spTree>
+    <p:extLst>
+      <p:ext uri="{BB962C8B-B14F-4D97-AF65-F5344CB8AC3E}">
+        <p14:creationId xmlns:p14="http://schemas.microsoft.com/office/powerpoint/2010/main" val="336484280"/>
+      </p:ext>
+    </p:extLst>
+  </p:cSld>
+  <p:clrMapOvr>
+    <a:masterClrMapping/>
+  </p:clrMapOvr>
+</p:notes>
+</file>
+
+<file path=ppt/notesSlides/notesSlide5.xml><?xml version="1.0" encoding="utf-8"?>
+<p:notes xmlns:a="http://schemas.openxmlformats.org/drawingml/2006/main" xmlns:r="http://schemas.openxmlformats.org/officeDocument/2006/relationships" xmlns:p="http://schemas.openxmlformats.org/presentationml/2006/main">
+  <p:cSld>
+    <p:spTree>
+      <p:nvGrpSpPr>
+        <p:cNvPr id="1" name=""/>
+        <p:cNvGrpSpPr/>
+        <p:nvPr/>
+      </p:nvGrpSpPr>
+      <p:grpSpPr>
+        <a:xfrm>
+          <a:off x="0" y="0"/>
+          <a:ext cx="0" cy="0"/>
+          <a:chOff x="0" y="0"/>
+          <a:chExt cx="0" cy="0"/>
+        </a:xfrm>
+      </p:grpSpPr>
+      <p:sp>
+        <p:nvSpPr>
+          <p:cNvPr id="2" name="Slide Image Placeholder 1"/>
+          <p:cNvSpPr>
+            <a:spLocks noGrp="1" noRot="1" noChangeAspect="1"/>
+          </p:cNvSpPr>
+          <p:nvPr>
+            <p:ph type="sldImg"/>
+          </p:nvPr>
+        </p:nvSpPr>
+        <p:spPr/>
+      </p:sp>
+      <p:sp>
+        <p:nvSpPr>
+          <p:cNvPr id="3" name="Notes Placeholder 2"/>
+          <p:cNvSpPr>
+            <a:spLocks noGrp="1"/>
+          </p:cNvSpPr>
+          <p:nvPr>
+            <p:ph type="body" idx="1"/>
+          </p:nvPr>
+        </p:nvSpPr>
+        <p:spPr/>
+        <p:txBody>
+          <a:bodyPr/>
+          <a:lstStyle/>
+          <a:p>
+            <a:endParaRPr lang="en-US" dirty="0"/>
+          </a:p>
+        </p:txBody>
+      </p:sp>
+      <p:sp>
+        <p:nvSpPr>
+          <p:cNvPr id="4" name="Slide Number Placeholder 3"/>
+          <p:cNvSpPr>
+            <a:spLocks noGrp="1"/>
+          </p:cNvSpPr>
+          <p:nvPr>
+            <p:ph type="sldNum" sz="quarter" idx="10"/>
+          </p:nvPr>
+        </p:nvSpPr>
+        <p:spPr/>
+        <p:txBody>
+          <a:bodyPr/>
+          <a:lstStyle/>
+          <a:p>
+            <a:fld id="{B84B1DCE-DD70-5840-A766-ADE0E79E6240}" type="slidenum">
+              <a:rPr lang="en-US" smtClean="0"/>
+              <a:t>9</a:t>
             </a:fld>
             <a:endParaRPr lang="en-US"/>
           </a:p>
@@ -1142,7 +1295,7 @@
           <a:p>
             <a:fld id="{D400A843-E78D-45FE-BBE0-0DFBB922583B}" type="datetimeFigureOut">
               <a:rPr lang="it-IT" smtClean="0"/>
-              <a:t>04/12/2017</a:t>
+              <a:t>06/12/2017</a:t>
             </a:fld>
             <a:endParaRPr lang="it-IT"/>
           </a:p>
@@ -1345,7 +1498,7 @@
           <a:p>
             <a:fld id="{D400A843-E78D-45FE-BBE0-0DFBB922583B}" type="datetimeFigureOut">
               <a:rPr lang="it-IT" smtClean="0"/>
-              <a:t>04/12/2017</a:t>
+              <a:t>06/12/2017</a:t>
             </a:fld>
             <a:endParaRPr lang="it-IT"/>
           </a:p>
@@ -1596,7 +1749,7 @@
           <a:p>
             <a:fld id="{D400A843-E78D-45FE-BBE0-0DFBB922583B}" type="datetimeFigureOut">
               <a:rPr lang="it-IT" smtClean="0"/>
-              <a:t>04/12/2017</a:t>
+              <a:t>06/12/2017</a:t>
             </a:fld>
             <a:endParaRPr lang="it-IT"/>
           </a:p>
@@ -1765,7 +1918,7 @@
           <a:p>
             <a:fld id="{D400A843-E78D-45FE-BBE0-0DFBB922583B}" type="datetimeFigureOut">
               <a:rPr lang="it-IT" smtClean="0"/>
-              <a:t>04/12/2017</a:t>
+              <a:t>06/12/2017</a:t>
             </a:fld>
             <a:endParaRPr lang="it-IT"/>
           </a:p>
@@ -2103,7 +2256,7 @@
           <a:p>
             <a:fld id="{D400A843-E78D-45FE-BBE0-0DFBB922583B}" type="datetimeFigureOut">
               <a:rPr lang="it-IT" smtClean="0"/>
-              <a:t>04/12/2017</a:t>
+              <a:t>06/12/2017</a:t>
             </a:fld>
             <a:endParaRPr lang="it-IT"/>
           </a:p>
@@ -2373,7 +2526,7 @@
           <a:p>
             <a:fld id="{D400A843-E78D-45FE-BBE0-0DFBB922583B}" type="datetimeFigureOut">
               <a:rPr lang="it-IT" smtClean="0"/>
-              <a:t>04/12/2017</a:t>
+              <a:t>06/12/2017</a:t>
             </a:fld>
             <a:endParaRPr lang="it-IT"/>
           </a:p>
@@ -2747,7 +2900,7 @@
           <a:p>
             <a:fld id="{D400A843-E78D-45FE-BBE0-0DFBB922583B}" type="datetimeFigureOut">
               <a:rPr lang="it-IT" smtClean="0"/>
-              <a:t>04/12/2017</a:t>
+              <a:t>06/12/2017</a:t>
             </a:fld>
             <a:endParaRPr lang="it-IT"/>
           </a:p>
@@ -2860,7 +3013,7 @@
           <a:p>
             <a:fld id="{D400A843-E78D-45FE-BBE0-0DFBB922583B}" type="datetimeFigureOut">
               <a:rPr lang="it-IT" smtClean="0"/>
-              <a:t>04/12/2017</a:t>
+              <a:t>06/12/2017</a:t>
             </a:fld>
             <a:endParaRPr lang="it-IT"/>
           </a:p>
@@ -3026,7 +3179,7 @@
           <a:p>
             <a:fld id="{D400A843-E78D-45FE-BBE0-0DFBB922583B}" type="datetimeFigureOut">
               <a:rPr lang="it-IT" smtClean="0"/>
-              <a:t>04/12/2017</a:t>
+              <a:t>06/12/2017</a:t>
             </a:fld>
             <a:endParaRPr lang="it-IT"/>
           </a:p>
@@ -3375,7 +3528,7 @@
           <a:p>
             <a:fld id="{D400A843-E78D-45FE-BBE0-0DFBB922583B}" type="datetimeFigureOut">
               <a:rPr lang="it-IT" smtClean="0"/>
-              <a:t>04/12/2017</a:t>
+              <a:t>06/12/2017</a:t>
             </a:fld>
             <a:endParaRPr lang="it-IT"/>
           </a:p>
@@ -3749,7 +3902,7 @@
           <a:p>
             <a:fld id="{D400A843-E78D-45FE-BBE0-0DFBB922583B}" type="datetimeFigureOut">
               <a:rPr lang="it-IT" smtClean="0"/>
-              <a:t>04/12/2017</a:t>
+              <a:t>06/12/2017</a:t>
             </a:fld>
             <a:endParaRPr lang="it-IT"/>
           </a:p>
@@ -4031,7 +4184,7 @@
           <a:p>
             <a:fld id="{D400A843-E78D-45FE-BBE0-0DFBB922583B}" type="datetimeFigureOut">
               <a:rPr lang="it-IT" smtClean="0"/>
-              <a:t>04/12/2017</a:t>
+              <a:t>06/12/2017</a:t>
             </a:fld>
             <a:endParaRPr lang="it-IT"/>
           </a:p>
@@ -4742,327 +4895,645 @@
             <p:ph type="title"/>
           </p:nvPr>
         </p:nvSpPr>
-        <p:spPr/>
+        <p:spPr>
+          <a:xfrm>
+            <a:off x="1097280" y="1001486"/>
+            <a:ext cx="10058400" cy="735874"/>
+          </a:xfrm>
+        </p:spPr>
         <p:txBody>
           <a:bodyPr/>
           <a:lstStyle/>
           <a:p>
             <a:r>
               <a:rPr lang="it-IT" dirty="0" smtClean="0"/>
-              <a:t>CONDIZIONI DI ARRESTO</a:t>
+              <a:t>IMPLEMENTAZIONE</a:t>
             </a:r>
             <a:endParaRPr lang="it-IT" dirty="0"/>
           </a:p>
         </p:txBody>
       </p:sp>
-      <mc:AlternateContent xmlns:mc="http://schemas.openxmlformats.org/markup-compatibility/2006" xmlns:a14="http://schemas.microsoft.com/office/drawing/2010/main">
-        <mc:Choice Requires="a14">
-          <p:sp>
-            <p:nvSpPr>
-              <p:cNvPr id="3" name="Segnaposto contenuto 2"/>
-              <p:cNvSpPr>
-                <a:spLocks noGrp="1"/>
-              </p:cNvSpPr>
-              <p:nvPr>
-                <p:ph idx="1"/>
-              </p:nvPr>
-            </p:nvSpPr>
-            <p:spPr>
-              <a:xfrm>
-                <a:off x="1097280" y="2640873"/>
-                <a:ext cx="10058400" cy="3280956"/>
-              </a:xfrm>
-            </p:spPr>
-            <p:txBody>
-              <a:bodyPr>
-                <a:normAutofit/>
-              </a:bodyPr>
-              <a:lstStyle/>
-              <a:p>
-                <a:pPr marL="457200" indent="-457200">
-                  <a:buFont typeface="+mj-lt"/>
-                  <a:buAutoNum type="arabicPeriod"/>
-                </a:pPr>
-                <a:r>
-                  <a:rPr lang="it-IT" dirty="0" smtClean="0"/>
-                  <a:t>Area minima raggiunta dall’ultimo politopo: tale parametro viene settato dall’utente</a:t>
-                </a:r>
-                <a14:m>
-                  <m:oMath xmlns:m="http://schemas.openxmlformats.org/officeDocument/2006/math">
-                    <m:r>
-                      <a:rPr lang="it-IT" b="0" i="0" smtClean="0">
-                        <a:latin typeface="Cambria Math" charset="0"/>
-                      </a:rPr>
-                      <m:t> </m:t>
-                    </m:r>
-                  </m:oMath>
-                </a14:m>
-                <a:endParaRPr lang="it-IT" b="0" i="0" dirty="0" smtClean="0">
-                  <a:latin typeface="Cambria Math" charset="0"/>
-                </a:endParaRPr>
-              </a:p>
-              <a:p>
-                <a:pPr marL="457200" indent="-457200">
-                  <a:buFont typeface="+mj-lt"/>
-                  <a:buAutoNum type="arabicPeriod"/>
-                </a:pPr>
-                <a:endParaRPr lang="it-IT" b="0" i="0" dirty="0" smtClean="0">
-                  <a:latin typeface="Cambria Math" charset="0"/>
-                </a:endParaRPr>
-              </a:p>
-              <a:p>
-                <a:pPr marL="0" indent="0">
-                  <a:buNone/>
-                </a:pPr>
-                <a14:m>
-                  <m:oMathPara xmlns:m="http://schemas.openxmlformats.org/officeDocument/2006/math">
-                    <m:oMathParaPr>
-                      <m:jc m:val="centerGroup"/>
-                    </m:oMathParaPr>
-                    <m:oMath xmlns:m="http://schemas.openxmlformats.org/officeDocument/2006/math">
-                      <m:r>
-                        <a:rPr lang="it-IT" b="0" i="0" smtClean="0">
-                          <a:latin typeface="Cambria Math" charset="0"/>
-                        </a:rPr>
-                        <m:t>4</m:t>
-                      </m:r>
-                      <m:f>
-                        <m:fPr>
-                          <m:ctrlPr>
-                            <a:rPr lang="mr-IN" i="1" smtClean="0">
-                              <a:latin typeface="Cambria Math" panose="02040503050406030204" pitchFamily="18" charset="0"/>
-                            </a:rPr>
-                          </m:ctrlPr>
-                        </m:fPr>
-                        <m:num>
-                          <m:rad>
-                            <m:radPr>
-                              <m:degHide m:val="on"/>
-                              <m:ctrlPr>
-                                <a:rPr lang="mr-IN" i="1" smtClean="0">
-                                  <a:latin typeface="Cambria Math" panose="02040503050406030204" pitchFamily="18" charset="0"/>
-                                </a:rPr>
-                              </m:ctrlPr>
-                            </m:radPr>
-                            <m:deg/>
-                            <m:e>
-                              <m:r>
-                                <a:rPr lang="it-IT" b="0" i="1" smtClean="0">
-                                  <a:latin typeface="Cambria Math" charset="0"/>
-                                </a:rPr>
-                                <m:t>3 </m:t>
-                              </m:r>
-                            </m:e>
-                          </m:rad>
-                          <m:r>
-                            <a:rPr lang="it-IT" b="0" i="1" smtClean="0">
-                              <a:latin typeface="Cambria Math" charset="0"/>
-                            </a:rPr>
-                            <m:t>𝑙</m:t>
-                          </m:r>
-                        </m:num>
-                        <m:den>
-                          <m:r>
-                            <a:rPr lang="it-IT" b="0" i="1" smtClean="0">
-                              <a:latin typeface="Cambria Math" charset="0"/>
-                            </a:rPr>
-                            <m:t>2</m:t>
-                          </m:r>
-                        </m:den>
-                      </m:f>
-                    </m:oMath>
-                  </m:oMathPara>
-                </a14:m>
-                <a:endParaRPr lang="it-IT" dirty="0" smtClean="0"/>
-              </a:p>
-              <a:p>
-                <a:pPr marL="0" indent="0">
-                  <a:buNone/>
-                </a:pPr>
-                <a:endParaRPr lang="it-IT" dirty="0" smtClean="0"/>
-              </a:p>
-              <a:p>
-                <a:pPr marL="457200" indent="-457200">
-                  <a:buFont typeface="+mj-lt"/>
-                  <a:buAutoNum type="arabicPeriod" startAt="2"/>
-                </a:pPr>
-                <a:r>
-                  <a:rPr lang="it-IT" dirty="0" smtClean="0"/>
-                  <a:t>Numero di </a:t>
-                </a:r>
-                <a:r>
-                  <a:rPr lang="it-IT" dirty="0" err="1" smtClean="0"/>
-                  <a:t>flip</a:t>
-                </a:r>
-                <a:r>
-                  <a:rPr lang="it-IT" dirty="0" smtClean="0"/>
-                  <a:t>, o meglio iterazioni effettuate durante l’esecuzione dell’algoritmo. L’esistenza di tale condizione è stata resa necessaria in quanto, l’algoritmo potrebbe proseguire  per un numero molto grande di iterazioni</a:t>
-                </a:r>
-                <a:endParaRPr lang="it-IT" dirty="0"/>
-              </a:p>
-            </p:txBody>
-          </p:sp>
-        </mc:Choice>
-        <mc:Fallback xmlns="">
-          <p:sp>
-            <p:nvSpPr>
-              <p:cNvPr id="3" name="Segnaposto contenuto 2"/>
-              <p:cNvSpPr>
-                <a:spLocks noGrp="1" noRot="1" noChangeAspect="1" noMove="1" noResize="1" noEditPoints="1" noAdjustHandles="1" noChangeArrowheads="1" noChangeShapeType="1" noTextEdit="1"/>
-              </p:cNvSpPr>
-              <p:nvPr>
-                <p:ph idx="1"/>
-              </p:nvPr>
-            </p:nvSpPr>
-            <p:spPr>
-              <a:xfrm>
-                <a:off x="1097280" y="2640873"/>
-                <a:ext cx="10058400" cy="3280956"/>
-              </a:xfrm>
-              <a:blipFill rotWithShape="0">
-                <a:blip r:embed="rId2"/>
-                <a:stretch>
-                  <a:fillRect l="-1576" t="-13011" r="-667"/>
-                </a:stretch>
-              </a:blipFill>
-            </p:spPr>
-            <p:txBody>
-              <a:bodyPr/>
-              <a:lstStyle/>
-              <a:p>
-                <a:r>
-                  <a:rPr lang="en-US">
-                    <a:noFill/>
-                  </a:rPr>
-                  <a:t> </a:t>
-                </a:r>
-              </a:p>
-            </p:txBody>
-          </p:sp>
-        </mc:Fallback>
-      </mc:AlternateContent>
-      <p:sp>
-        <p:nvSpPr>
-          <p:cNvPr id="4" name="TextBox 3"/>
-          <p:cNvSpPr txBox="1"/>
-          <p:nvPr/>
+      <p:sp>
+        <p:nvSpPr>
+          <p:cNvPr id="3" name="Segnaposto contenuto 2"/>
+          <p:cNvSpPr>
+            <a:spLocks noGrp="1"/>
+          </p:cNvSpPr>
+          <p:nvPr>
+            <p:ph idx="1"/>
+          </p:nvPr>
         </p:nvSpPr>
         <p:spPr>
           <a:xfrm>
-            <a:off x="1097281" y="2079171"/>
-            <a:ext cx="10058399" cy="400110"/>
+            <a:off x="1097280" y="1737360"/>
+            <a:ext cx="10058400" cy="4674419"/>
           </a:xfrm>
-          <a:prstGeom prst="rect">
-            <a:avLst/>
-          </a:prstGeom>
-          <a:noFill/>
         </p:spPr>
         <p:txBody>
-          <a:bodyPr wrap="square" rtlCol="0">
-            <a:spAutoFit/>
+          <a:bodyPr>
+            <a:noAutofit/>
           </a:bodyPr>
           <a:lstStyle/>
           <a:p>
-            <a:r>
-              <a:rPr lang="en-US" sz="2000" dirty="0" smtClean="0"/>
-              <a:t>Le </a:t>
-            </a:r>
-            <a:r>
-              <a:rPr lang="en-US" sz="2000" dirty="0" err="1" smtClean="0"/>
-              <a:t>condizioni</a:t>
-            </a:r>
-            <a:r>
-              <a:rPr lang="en-US" sz="2000" dirty="0" smtClean="0"/>
+            <a:pPr marL="201168" lvl="1" indent="0">
+              <a:lnSpc>
+                <a:spcPct val="150000"/>
+              </a:lnSpc>
+              <a:spcAft>
+                <a:spcPts val="0"/>
+              </a:spcAft>
+              <a:buNone/>
+            </a:pPr>
+            <a:r>
+              <a:rPr lang="en-US" dirty="0" err="1" smtClean="0"/>
+              <a:t>Analizziamo</a:t>
+            </a:r>
+            <a:r>
+              <a:rPr lang="en-US" dirty="0" smtClean="0"/>
+              <a:t> </a:t>
+            </a:r>
+            <a:r>
+              <a:rPr lang="en-US" dirty="0" err="1" smtClean="0"/>
+              <a:t>più</a:t>
+            </a:r>
+            <a:r>
+              <a:rPr lang="en-US" dirty="0" smtClean="0"/>
+              <a:t> </a:t>
+            </a:r>
+            <a:r>
+              <a:rPr lang="en-US" dirty="0" err="1" smtClean="0"/>
+              <a:t>nel</a:t>
+            </a:r>
+            <a:r>
+              <a:rPr lang="en-US" dirty="0" smtClean="0"/>
+              <a:t> </a:t>
+            </a:r>
+            <a:r>
+              <a:rPr lang="en-US" dirty="0" err="1" smtClean="0"/>
+              <a:t>dettaglio</a:t>
+            </a:r>
+            <a:r>
+              <a:rPr lang="en-US" dirty="0" smtClean="0"/>
+              <a:t> </a:t>
+            </a:r>
+            <a:r>
+              <a:rPr lang="en-US" dirty="0" err="1" smtClean="0"/>
+              <a:t>i</a:t>
+            </a:r>
+            <a:r>
+              <a:rPr lang="en-US" dirty="0" smtClean="0"/>
+              <a:t> </a:t>
+            </a:r>
+            <a:r>
+              <a:rPr lang="en-US" dirty="0" err="1" smtClean="0"/>
+              <a:t>metodi</a:t>
+            </a:r>
+            <a:r>
+              <a:rPr lang="en-US" dirty="0" smtClean="0"/>
+              <a:t> </a:t>
+            </a:r>
+            <a:r>
+              <a:rPr lang="en-US" dirty="0" err="1" smtClean="0"/>
+              <a:t>necessari</a:t>
+            </a:r>
+            <a:r>
+              <a:rPr lang="en-US" dirty="0" smtClean="0"/>
+              <a:t>:</a:t>
+            </a:r>
+          </a:p>
+          <a:p>
+            <a:pPr marL="201168" lvl="1" indent="0">
+              <a:lnSpc>
+                <a:spcPct val="150000"/>
+              </a:lnSpc>
+              <a:spcAft>
+                <a:spcPts val="0"/>
+              </a:spcAft>
+              <a:buNone/>
+            </a:pPr>
+            <a:r>
+              <a:rPr lang="en-US" b="1" i="1" dirty="0" err="1" smtClean="0"/>
+              <a:t>get_first_triangle</a:t>
+            </a:r>
+            <a:r>
+              <a:rPr lang="en-US" dirty="0" smtClean="0"/>
+              <a:t>: genera </a:t>
+            </a:r>
+            <a:r>
+              <a:rPr lang="en-US" dirty="0" err="1" smtClean="0"/>
+              <a:t>il</a:t>
+            </a:r>
+            <a:r>
+              <a:rPr lang="en-US" dirty="0" smtClean="0"/>
+              <a:t> primo </a:t>
+            </a:r>
+            <a:r>
+              <a:rPr lang="en-US" dirty="0" err="1" smtClean="0"/>
+              <a:t>politopo</a:t>
+            </a:r>
+            <a:r>
+              <a:rPr lang="en-US" dirty="0" smtClean="0"/>
+              <a:t> in </a:t>
+            </a:r>
+            <a:r>
+              <a:rPr lang="en-US" dirty="0" err="1" smtClean="0"/>
+              <a:t>una</a:t>
+            </a:r>
+            <a:r>
+              <a:rPr lang="en-US" dirty="0" smtClean="0"/>
+              <a:t> </a:t>
+            </a:r>
+            <a:r>
+              <a:rPr lang="en-US" dirty="0" err="1" smtClean="0"/>
+              <a:t>posizione</a:t>
+            </a:r>
+            <a:r>
+              <a:rPr lang="en-US" dirty="0" smtClean="0"/>
+              <a:t> random</a:t>
+            </a:r>
+          </a:p>
+          <a:p>
+            <a:pPr marL="201168" lvl="1" indent="0">
+              <a:lnSpc>
+                <a:spcPct val="150000"/>
+              </a:lnSpc>
+              <a:spcAft>
+                <a:spcPts val="0"/>
+              </a:spcAft>
+              <a:buNone/>
+            </a:pPr>
+            <a:r>
+              <a:rPr lang="en-US" b="1" i="1" dirty="0"/>
+              <a:t>h</a:t>
+            </a:r>
+            <a:r>
+              <a:rPr lang="en-US" b="1" i="1" dirty="0" smtClean="0"/>
+              <a:t>alve</a:t>
+            </a:r>
+            <a:r>
+              <a:rPr lang="en-US" dirty="0" smtClean="0"/>
+              <a:t>: </a:t>
+            </a:r>
+            <a:r>
+              <a:rPr lang="en-US" dirty="0" err="1" smtClean="0"/>
+              <a:t>effettua</a:t>
+            </a:r>
+            <a:r>
+              <a:rPr lang="en-US" dirty="0" smtClean="0"/>
+              <a:t> la </a:t>
+            </a:r>
+            <a:r>
+              <a:rPr lang="en-US" dirty="0" err="1" smtClean="0"/>
+              <a:t>contrazione</a:t>
+            </a:r>
+            <a:r>
+              <a:rPr lang="en-US" dirty="0" smtClean="0"/>
+              <a:t> del </a:t>
+            </a:r>
+            <a:r>
+              <a:rPr lang="en-US" dirty="0" err="1" smtClean="0"/>
+              <a:t>tetraedro</a:t>
+            </a:r>
+            <a:endParaRPr lang="en-US" dirty="0" smtClean="0"/>
+          </a:p>
+          <a:p>
+            <a:pPr marL="201168" lvl="1" indent="0">
+              <a:lnSpc>
+                <a:spcPct val="150000"/>
+              </a:lnSpc>
+              <a:spcAft>
+                <a:spcPts val="0"/>
+              </a:spcAft>
+              <a:buNone/>
+            </a:pPr>
+            <a:r>
+              <a:rPr lang="en-US" b="1" i="1" dirty="0" err="1" smtClean="0"/>
+              <a:t>find_maximum</a:t>
+            </a:r>
+            <a:r>
+              <a:rPr lang="en-US" dirty="0" smtClean="0"/>
+              <a:t>: </a:t>
+            </a:r>
+            <a:r>
+              <a:rPr lang="en-US" dirty="0" err="1" smtClean="0"/>
+              <a:t>ritorna</a:t>
+            </a:r>
+            <a:r>
+              <a:rPr lang="en-US" dirty="0" smtClean="0"/>
+              <a:t> </a:t>
+            </a:r>
+            <a:r>
+              <a:rPr lang="en-US" dirty="0" err="1" smtClean="0"/>
+              <a:t>il</a:t>
+            </a:r>
+            <a:r>
+              <a:rPr lang="en-US" dirty="0" smtClean="0"/>
+              <a:t> </a:t>
+            </a:r>
+            <a:r>
+              <a:rPr lang="en-US" dirty="0" err="1" smtClean="0"/>
+              <a:t>vertice</a:t>
+            </a:r>
+            <a:r>
+              <a:rPr lang="en-US" dirty="0" smtClean="0"/>
+              <a:t> del </a:t>
+            </a:r>
+            <a:r>
+              <a:rPr lang="en-US" dirty="0" err="1" smtClean="0"/>
+              <a:t>politopo</a:t>
+            </a:r>
+            <a:r>
+              <a:rPr lang="en-US" dirty="0" smtClean="0"/>
+              <a:t> </a:t>
+            </a:r>
+            <a:r>
+              <a:rPr lang="en-US" dirty="0" err="1" smtClean="0"/>
+              <a:t>il</a:t>
+            </a:r>
+            <a:r>
+              <a:rPr lang="en-US" dirty="0" smtClean="0"/>
+              <a:t> cui </a:t>
+            </a:r>
+            <a:r>
+              <a:rPr lang="en-US" dirty="0" err="1" smtClean="0"/>
+              <a:t>valore</a:t>
+            </a:r>
+            <a:r>
+              <a:rPr lang="en-US" dirty="0" smtClean="0"/>
+              <a:t> </a:t>
+            </a:r>
+            <a:r>
+              <a:rPr lang="en-US" dirty="0" err="1" smtClean="0"/>
+              <a:t>della</a:t>
+            </a:r>
+            <a:r>
+              <a:rPr lang="en-US" dirty="0" smtClean="0"/>
+              <a:t> </a:t>
+            </a:r>
+            <a:r>
+              <a:rPr lang="en-US" dirty="0" err="1" smtClean="0"/>
+              <a:t>funzione</a:t>
+            </a:r>
+            <a:r>
+              <a:rPr lang="en-US" dirty="0" smtClean="0"/>
               <a:t> di </a:t>
             </a:r>
             <a:r>
-              <a:rPr lang="en-US" sz="2000" dirty="0" err="1" smtClean="0"/>
-              <a:t>arresto</a:t>
-            </a:r>
-            <a:r>
-              <a:rPr lang="en-US" sz="2000" dirty="0" smtClean="0"/>
-              <a:t>, </a:t>
-            </a:r>
-            <a:r>
-              <a:rPr lang="en-US" sz="2000" dirty="0" err="1" smtClean="0"/>
-              <a:t>ovvero</a:t>
-            </a:r>
-            <a:r>
-              <a:rPr lang="en-US" sz="2000" dirty="0" smtClean="0"/>
+              <a:rPr lang="en-US" dirty="0" err="1" smtClean="0"/>
+              <a:t>costo</a:t>
+            </a:r>
+            <a:r>
+              <a:rPr lang="en-US" dirty="0" smtClean="0"/>
               <a:t> </a:t>
             </a:r>
             <a:r>
-              <a:rPr lang="en-US" sz="2000" dirty="0" err="1" smtClean="0"/>
-              <a:t>i</a:t>
-            </a:r>
-            <a:r>
-              <a:rPr lang="en-US" sz="2000" dirty="0" smtClean="0"/>
+              <a:rPr lang="en-US" dirty="0" err="1" smtClean="0"/>
+              <a:t>calcolato</a:t>
+            </a:r>
+            <a:r>
+              <a:rPr lang="en-US" dirty="0" smtClean="0"/>
               <a:t> </a:t>
             </a:r>
             <a:r>
-              <a:rPr lang="en-US" sz="2000" dirty="0" err="1" smtClean="0"/>
-              <a:t>criteri</a:t>
-            </a:r>
-            <a:r>
-              <a:rPr lang="en-US" sz="2000" dirty="0" smtClean="0"/>
+              <a:rPr lang="en-US" dirty="0" err="1" smtClean="0"/>
+              <a:t>nelle</a:t>
+            </a:r>
+            <a:r>
+              <a:rPr lang="en-US" dirty="0" smtClean="0"/>
+              <a:t> sue coordinate è </a:t>
+            </a:r>
+            <a:r>
+              <a:rPr lang="en-US" dirty="0" err="1" smtClean="0"/>
+              <a:t>massimo</a:t>
+            </a:r>
+            <a:endParaRPr lang="en-US" dirty="0" smtClean="0"/>
+          </a:p>
+          <a:p>
+            <a:pPr marL="201168" lvl="1" indent="0">
+              <a:lnSpc>
+                <a:spcPct val="150000"/>
+              </a:lnSpc>
+              <a:spcAft>
+                <a:spcPts val="0"/>
+              </a:spcAft>
+              <a:buNone/>
+            </a:pPr>
+            <a:r>
+              <a:rPr lang="en-US" b="1" i="1" dirty="0"/>
+              <a:t>f</a:t>
+            </a:r>
+            <a:r>
+              <a:rPr lang="en-US" b="1" i="1" dirty="0" smtClean="0"/>
+              <a:t>lip</a:t>
+            </a:r>
+            <a:r>
+              <a:rPr lang="en-US" dirty="0" smtClean="0"/>
+              <a:t>: </a:t>
+            </a:r>
+            <a:r>
+              <a:rPr lang="en-US" dirty="0" err="1" smtClean="0"/>
+              <a:t>ribalta</a:t>
+            </a:r>
+            <a:r>
+              <a:rPr lang="en-US" dirty="0" smtClean="0"/>
               <a:t> </a:t>
             </a:r>
             <a:r>
-              <a:rPr lang="en-US" sz="2000" dirty="0" err="1" smtClean="0"/>
-              <a:t>che</a:t>
-            </a:r>
-            <a:r>
-              <a:rPr lang="en-US" sz="2000" dirty="0" smtClean="0"/>
-              <a:t> ci </a:t>
-            </a:r>
-            <a:r>
-              <a:rPr lang="en-US" sz="2000" dirty="0" err="1" smtClean="0"/>
-              <a:t>portano</a:t>
-            </a:r>
-            <a:r>
-              <a:rPr lang="en-US" sz="2000" dirty="0" smtClean="0"/>
+              <a:rPr lang="en-US" dirty="0" err="1" smtClean="0"/>
+              <a:t>il</a:t>
+            </a:r>
+            <a:r>
+              <a:rPr lang="en-US" dirty="0" smtClean="0"/>
               <a:t> </a:t>
             </a:r>
             <a:r>
-              <a:rPr lang="en-US" sz="2000" dirty="0" err="1" smtClean="0"/>
-              <a:t>alla</a:t>
-            </a:r>
-            <a:r>
-              <a:rPr lang="en-US" sz="2000" dirty="0" smtClean="0"/>
+              <a:rPr lang="en-US" dirty="0" err="1" smtClean="0"/>
+              <a:t>vertice</a:t>
+            </a:r>
+            <a:r>
+              <a:rPr lang="en-US" dirty="0" smtClean="0"/>
               <a:t> </a:t>
             </a:r>
             <a:r>
-              <a:rPr lang="en-US" sz="2000" dirty="0" err="1" smtClean="0"/>
-              <a:t>conclusione</a:t>
-            </a:r>
-            <a:r>
-              <a:rPr lang="en-US" sz="2000" dirty="0" smtClean="0"/>
+              <a:rPr lang="en-US" dirty="0" err="1" smtClean="0"/>
+              <a:t>della</a:t>
+            </a:r>
+            <a:r>
+              <a:rPr lang="en-US" dirty="0" smtClean="0"/>
               <a:t> </a:t>
             </a:r>
             <a:r>
-              <a:rPr lang="en-US" sz="2000" dirty="0" err="1" smtClean="0"/>
-              <a:t>dell’algoritmo</a:t>
-            </a:r>
-            <a:r>
-              <a:rPr lang="en-US" sz="2000" dirty="0" smtClean="0"/>
+              <a:rPr lang="en-US" dirty="0" err="1" smtClean="0"/>
+              <a:t>figura</a:t>
+            </a:r>
+            <a:r>
+              <a:rPr lang="en-US" dirty="0" smtClean="0"/>
               <a:t> </a:t>
             </a:r>
             <a:r>
-              <a:rPr lang="en-US" sz="2000" dirty="0" err="1" smtClean="0"/>
-              <a:t>sono</a:t>
-            </a:r>
-            <a:r>
-              <a:rPr lang="en-US" sz="2000" dirty="0" smtClean="0"/>
-              <a:t> due: </a:t>
-            </a:r>
-            <a:endParaRPr lang="en-US" sz="2000" dirty="0"/>
+              <a:rPr lang="en-US" dirty="0" err="1" smtClean="0"/>
+              <a:t>trovato</a:t>
+            </a:r>
+            <a:r>
+              <a:rPr lang="en-US" dirty="0" smtClean="0"/>
+              <a:t> da </a:t>
+            </a:r>
+            <a:r>
+              <a:rPr lang="en-US" dirty="0" err="1" smtClean="0"/>
+              <a:t>find_maximum</a:t>
+            </a:r>
+            <a:r>
+              <a:rPr lang="en-US" dirty="0" smtClean="0"/>
+              <a:t> </a:t>
+            </a:r>
+            <a:r>
+              <a:rPr lang="en-US" dirty="0" err="1" smtClean="0"/>
+              <a:t>generandone</a:t>
+            </a:r>
+            <a:r>
+              <a:rPr lang="en-US" dirty="0" smtClean="0"/>
+              <a:t> </a:t>
+            </a:r>
+            <a:r>
+              <a:rPr lang="en-US" dirty="0" err="1" smtClean="0"/>
+              <a:t>una</a:t>
+            </a:r>
+            <a:r>
+              <a:rPr lang="en-US" dirty="0" smtClean="0"/>
+              <a:t> </a:t>
+            </a:r>
+            <a:r>
+              <a:rPr lang="en-US" dirty="0" err="1" smtClean="0"/>
+              <a:t>nuova</a:t>
+            </a:r>
+            <a:endParaRPr lang="en-US" dirty="0" smtClean="0"/>
+          </a:p>
+          <a:p>
+            <a:pPr marL="201168" lvl="1" indent="0">
+              <a:lnSpc>
+                <a:spcPct val="150000"/>
+              </a:lnSpc>
+              <a:spcAft>
+                <a:spcPts val="0"/>
+              </a:spcAft>
+              <a:buNone/>
+            </a:pPr>
+            <a:r>
+              <a:rPr lang="en-US" b="1" i="1" dirty="0" err="1" smtClean="0"/>
+              <a:t>get_area</a:t>
+            </a:r>
+            <a:r>
+              <a:rPr lang="en-US" dirty="0" smtClean="0"/>
+              <a:t>: </a:t>
+            </a:r>
+            <a:r>
+              <a:rPr lang="en-US" dirty="0" err="1" smtClean="0"/>
+              <a:t>calcola</a:t>
+            </a:r>
+            <a:r>
+              <a:rPr lang="en-US" dirty="0" smtClean="0"/>
+              <a:t> </a:t>
+            </a:r>
+            <a:r>
+              <a:rPr lang="en-US" dirty="0" err="1" smtClean="0"/>
+              <a:t>l’area</a:t>
+            </a:r>
+            <a:r>
+              <a:rPr lang="en-US" dirty="0" smtClean="0"/>
+              <a:t> </a:t>
+            </a:r>
+            <a:r>
+              <a:rPr lang="en-US" dirty="0" err="1" smtClean="0"/>
+              <a:t>della</a:t>
+            </a:r>
+            <a:r>
+              <a:rPr lang="en-US" dirty="0" smtClean="0"/>
+              <a:t> </a:t>
+            </a:r>
+            <a:r>
+              <a:rPr lang="en-US" dirty="0" err="1" smtClean="0"/>
+              <a:t>figura</a:t>
+            </a:r>
+            <a:r>
+              <a:rPr lang="en-US" dirty="0" smtClean="0"/>
+              <a:t> </a:t>
+            </a:r>
+            <a:r>
+              <a:rPr lang="en-US" dirty="0" err="1" smtClean="0"/>
+              <a:t>tridimensionale</a:t>
+            </a:r>
+            <a:endParaRPr lang="en-US" dirty="0" smtClean="0"/>
+          </a:p>
+          <a:p>
+            <a:pPr marL="201168" lvl="1" indent="0">
+              <a:lnSpc>
+                <a:spcPct val="150000"/>
+              </a:lnSpc>
+              <a:spcAft>
+                <a:spcPts val="0"/>
+              </a:spcAft>
+              <a:buNone/>
+            </a:pPr>
+            <a:r>
+              <a:rPr lang="en-US" b="1" i="1" dirty="0"/>
+              <a:t>w</a:t>
+            </a:r>
+            <a:r>
+              <a:rPr lang="en-US" b="1" i="1" dirty="0" smtClean="0"/>
+              <a:t>atchdog</a:t>
+            </a:r>
+            <a:r>
+              <a:rPr lang="en-US" dirty="0" smtClean="0"/>
+              <a:t>: </a:t>
+            </a:r>
+            <a:r>
+              <a:rPr lang="en-US" dirty="0" err="1" smtClean="0"/>
+              <a:t>controlla</a:t>
+            </a:r>
+            <a:r>
+              <a:rPr lang="en-US" dirty="0" smtClean="0"/>
+              <a:t> se </a:t>
+            </a:r>
+            <a:r>
+              <a:rPr lang="en-US" dirty="0" err="1" smtClean="0"/>
+              <a:t>avviene</a:t>
+            </a:r>
+            <a:r>
+              <a:rPr lang="en-US" dirty="0" smtClean="0"/>
+              <a:t> un </a:t>
+            </a:r>
+            <a:r>
+              <a:rPr lang="en-US" dirty="0" err="1" smtClean="0"/>
+              <a:t>ribaltamento</a:t>
+            </a:r>
+            <a:r>
+              <a:rPr lang="en-US" dirty="0" smtClean="0"/>
+              <a:t> </a:t>
+            </a:r>
+            <a:r>
+              <a:rPr lang="en-US" dirty="0" err="1" smtClean="0"/>
+              <a:t>ripetuto</a:t>
+            </a:r>
+            <a:endParaRPr lang="en-US" dirty="0" smtClean="0"/>
+          </a:p>
+          <a:p>
+            <a:pPr marL="201168" lvl="1" indent="0">
+              <a:lnSpc>
+                <a:spcPct val="150000"/>
+              </a:lnSpc>
+              <a:spcAft>
+                <a:spcPts val="0"/>
+              </a:spcAft>
+              <a:buNone/>
+            </a:pPr>
+            <a:r>
+              <a:rPr lang="en-US" b="1" i="1" dirty="0" err="1" smtClean="0"/>
+              <a:t>penality</a:t>
+            </a:r>
+            <a:r>
+              <a:rPr lang="en-US" dirty="0" smtClean="0"/>
+              <a:t>: </a:t>
+            </a:r>
+            <a:r>
+              <a:rPr lang="en-US" dirty="0" err="1" smtClean="0"/>
+              <a:t>assegna</a:t>
+            </a:r>
+            <a:r>
+              <a:rPr lang="en-US" dirty="0" smtClean="0"/>
+              <a:t> </a:t>
+            </a:r>
+            <a:r>
+              <a:rPr lang="en-US" dirty="0" err="1" smtClean="0"/>
+              <a:t>ai</a:t>
+            </a:r>
+            <a:r>
+              <a:rPr lang="en-US" dirty="0" smtClean="0"/>
+              <a:t> </a:t>
+            </a:r>
+            <a:r>
+              <a:rPr lang="en-US" dirty="0" err="1" smtClean="0"/>
+              <a:t>vertici</a:t>
+            </a:r>
+            <a:r>
+              <a:rPr lang="en-US" dirty="0" smtClean="0"/>
+              <a:t> </a:t>
+            </a:r>
+            <a:r>
+              <a:rPr lang="en-US" dirty="0" err="1" smtClean="0"/>
+              <a:t>una</a:t>
+            </a:r>
+            <a:r>
+              <a:rPr lang="en-US" dirty="0" smtClean="0"/>
+              <a:t> </a:t>
+            </a:r>
+            <a:r>
+              <a:rPr lang="en-US" dirty="0" err="1" smtClean="0"/>
+              <a:t>penalità</a:t>
+            </a:r>
+            <a:r>
+              <a:rPr lang="en-US" dirty="0" smtClean="0"/>
+              <a:t> </a:t>
+            </a:r>
+            <a:r>
+              <a:rPr lang="en-US" dirty="0" err="1" smtClean="0"/>
+              <a:t>nel</a:t>
+            </a:r>
+            <a:r>
+              <a:rPr lang="en-US" dirty="0" smtClean="0"/>
+              <a:t> </a:t>
+            </a:r>
+            <a:r>
+              <a:rPr lang="en-US" dirty="0" err="1" smtClean="0"/>
+              <a:t>caso</a:t>
+            </a:r>
+            <a:r>
+              <a:rPr lang="en-US" dirty="0" smtClean="0"/>
+              <a:t> in cui </a:t>
+            </a:r>
+            <a:r>
+              <a:rPr lang="en-US" dirty="0" err="1" smtClean="0"/>
+              <a:t>si</a:t>
+            </a:r>
+            <a:r>
+              <a:rPr lang="en-US" dirty="0" smtClean="0"/>
+              <a:t> </a:t>
+            </a:r>
+            <a:r>
+              <a:rPr lang="en-US" dirty="0" err="1" smtClean="0"/>
+              <a:t>trovino</a:t>
+            </a:r>
+            <a:r>
+              <a:rPr lang="en-US" dirty="0" smtClean="0"/>
+              <a:t> </a:t>
+            </a:r>
+            <a:r>
+              <a:rPr lang="en-US" dirty="0" err="1" smtClean="0"/>
+              <a:t>fuori</a:t>
+            </a:r>
+            <a:r>
+              <a:rPr lang="en-US" dirty="0" smtClean="0"/>
+              <a:t> dal volume del </a:t>
+            </a:r>
+            <a:r>
+              <a:rPr lang="en-US" dirty="0" err="1" smtClean="0"/>
+              <a:t>vincolo</a:t>
+            </a:r>
+            <a:r>
+              <a:rPr lang="en-US" dirty="0" smtClean="0"/>
+              <a:t> </a:t>
+            </a:r>
+            <a:r>
+              <a:rPr lang="en-US" dirty="0" err="1" smtClean="0"/>
+              <a:t>tridimensionale</a:t>
+            </a:r>
+            <a:endParaRPr lang="it-IT" dirty="0"/>
           </a:p>
         </p:txBody>
       </p:sp>
     </p:spTree>
     <p:extLst>
       <p:ext uri="{BB962C8B-B14F-4D97-AF65-F5344CB8AC3E}">
-        <p14:creationId xmlns:p14="http://schemas.microsoft.com/office/powerpoint/2010/main" val="4037897198"/>
+        <p14:creationId xmlns:p14="http://schemas.microsoft.com/office/powerpoint/2010/main" val="666190858"/>
       </p:ext>
     </p:extLst>
   </p:cSld>
@@ -5106,16 +5577,64 @@
             <p:ph type="title"/>
           </p:nvPr>
         </p:nvSpPr>
-        <p:spPr/>
+        <p:spPr>
+          <a:xfrm>
+            <a:off x="1097280" y="286604"/>
+            <a:ext cx="10058400" cy="797614"/>
+          </a:xfrm>
+        </p:spPr>
         <p:txBody>
           <a:bodyPr/>
           <a:lstStyle/>
           <a:p>
             <a:r>
               <a:rPr lang="it-IT" dirty="0" smtClean="0"/>
-              <a:t>PROBLEMI</a:t>
+              <a:t>CONSIDERAZIONI (PARAMETRI INIZIALI)</a:t>
             </a:r>
             <a:endParaRPr lang="it-IT" dirty="0"/>
+          </a:p>
+        </p:txBody>
+      </p:sp>
+      <p:sp>
+        <p:nvSpPr>
+          <p:cNvPr id="5" name="Rettangolo 4"/>
+          <p:cNvSpPr/>
+          <p:nvPr/>
+        </p:nvSpPr>
+        <p:spPr>
+          <a:xfrm>
+            <a:off x="770709" y="1541417"/>
+            <a:ext cx="10802982" cy="548640"/>
+          </a:xfrm>
+          <a:prstGeom prst="rect">
+            <a:avLst/>
+          </a:prstGeom>
+          <a:ln>
+            <a:solidFill>
+              <a:schemeClr val="bg1"/>
+            </a:solidFill>
+          </a:ln>
+        </p:spPr>
+        <p:style>
+          <a:lnRef idx="2">
+            <a:schemeClr val="dk1"/>
+          </a:lnRef>
+          <a:fillRef idx="1">
+            <a:schemeClr val="lt1"/>
+          </a:fillRef>
+          <a:effectRef idx="0">
+            <a:schemeClr val="dk1"/>
+          </a:effectRef>
+          <a:fontRef idx="minor">
+            <a:schemeClr val="dk1"/>
+          </a:fontRef>
+        </p:style>
+        <p:txBody>
+          <a:bodyPr rtlCol="0" anchor="ctr"/>
+          <a:lstStyle/>
+          <a:p>
+            <a:pPr algn="ctr"/>
+            <a:endParaRPr lang="it-IT"/>
           </a:p>
         </p:txBody>
       </p:sp>
@@ -5131,81 +5650,205 @@
         </p:nvSpPr>
         <p:spPr>
           <a:xfrm>
-            <a:off x="1149530" y="1858284"/>
-            <a:ext cx="10006149" cy="2060574"/>
+            <a:off x="1149531" y="1214846"/>
+            <a:ext cx="10006149" cy="4911634"/>
           </a:xfrm>
         </p:spPr>
         <p:txBody>
           <a:bodyPr>
-            <a:normAutofit/>
+            <a:normAutofit fontScale="92500" lnSpcReduction="20000"/>
           </a:bodyPr>
           <a:lstStyle/>
           <a:p>
+            <a:pPr>
+              <a:buFont typeface="Arial" panose="020B0604020202020204" pitchFamily="34" charset="0"/>
+              <a:buChar char="•"/>
+            </a:pPr>
             <a:r>
               <a:rPr lang="it-IT" dirty="0" smtClean="0"/>
-              <a:t>I problemi incontrati durante lo sviluppo dell’algoritmo, sono principalmente </a:t>
-            </a:r>
-            <a:r>
-              <a:rPr lang="it-IT" i="1" dirty="0" smtClean="0"/>
-              <a:t>due</a:t>
-            </a:r>
+              <a:t>Superficie iniziale del politopo</a:t>
+            </a:r>
+          </a:p>
+          <a:p>
+            <a:pPr lvl="1">
+              <a:buFont typeface="Arial" panose="020B0604020202020204" pitchFamily="34" charset="0"/>
+              <a:buChar char="•"/>
+            </a:pPr>
             <a:r>
               <a:rPr lang="it-IT" dirty="0" smtClean="0"/>
-              <a:t>:</a:t>
-            </a:r>
-          </a:p>
-          <a:p>
+              <a:t>Diminuzione: </a:t>
+            </a:r>
+          </a:p>
+          <a:p>
+            <a:pPr lvl="2">
+              <a:buFont typeface="Arial" panose="020B0604020202020204" pitchFamily="34" charset="0"/>
+              <a:buChar char="•"/>
+            </a:pPr>
+            <a:r>
+              <a:rPr lang="it-IT" dirty="0" smtClean="0"/>
+              <a:t>Aumentano le iterazioni necessarie ad avvicinarsi al minimo</a:t>
+            </a:r>
+          </a:p>
+          <a:p>
+            <a:pPr lvl="2">
+              <a:buFont typeface="Arial" panose="020B0604020202020204" pitchFamily="34" charset="0"/>
+              <a:buChar char="•"/>
+            </a:pPr>
+            <a:r>
+              <a:rPr lang="it-IT" dirty="0" smtClean="0"/>
+              <a:t>Veloce se il politopo parte vicino al minimo</a:t>
+            </a:r>
+          </a:p>
+          <a:p>
+            <a:pPr lvl="2">
+              <a:buFont typeface="Arial" panose="020B0604020202020204" pitchFamily="34" charset="0"/>
+              <a:buChar char="•"/>
+            </a:pPr>
+            <a:r>
+              <a:rPr lang="it-IT" dirty="0" smtClean="0"/>
+              <a:t>Lento se il politopo parte lontano dal minimo</a:t>
+            </a:r>
+          </a:p>
+          <a:p>
+            <a:pPr lvl="1">
+              <a:buFont typeface="Arial" panose="020B0604020202020204" pitchFamily="34" charset="0"/>
+              <a:buChar char="•"/>
+            </a:pPr>
+            <a:r>
+              <a:rPr lang="it-IT" dirty="0" smtClean="0"/>
+              <a:t>Aumento:</a:t>
+            </a:r>
+          </a:p>
+          <a:p>
+            <a:pPr lvl="2">
+              <a:buFont typeface="Arial" panose="020B0604020202020204" pitchFamily="34" charset="0"/>
+              <a:buChar char="•"/>
+            </a:pPr>
+            <a:r>
+              <a:rPr lang="it-IT" dirty="0" smtClean="0"/>
+              <a:t>Aumentano le iterazioni dovute al rilevamento della condizione di dimezzamento con ribaltamenti inutili</a:t>
+            </a:r>
+          </a:p>
+          <a:p>
+            <a:pPr lvl="2">
+              <a:buFont typeface="Arial" panose="020B0604020202020204" pitchFamily="34" charset="0"/>
+              <a:buChar char="•"/>
+            </a:pPr>
+            <a:r>
+              <a:rPr lang="it-IT" dirty="0" smtClean="0"/>
+              <a:t>Veloce se il politopo parte lontano dal minimo, i dimezzamenti sul pivot (vertice minimo) permettono spostamento veloci</a:t>
+            </a:r>
+          </a:p>
+          <a:p>
+            <a:pPr lvl="2">
+              <a:buFont typeface="Arial" panose="020B0604020202020204" pitchFamily="34" charset="0"/>
+              <a:buChar char="•"/>
+            </a:pPr>
+            <a:r>
+              <a:rPr lang="it-IT" dirty="0" smtClean="0"/>
+              <a:t>Lento se il politopo parte vicino al minimo, il numero di dimezzamenti e dunque di ribaltamenti inutili è maggiore</a:t>
+            </a:r>
+          </a:p>
+          <a:p>
+            <a:pPr>
+              <a:buFont typeface="Arial" panose="020B0604020202020204" pitchFamily="34" charset="0"/>
+              <a:buChar char="•"/>
+            </a:pPr>
+            <a:r>
+              <a:rPr lang="it-IT" dirty="0" smtClean="0"/>
+              <a:t>Posizione iniziale</a:t>
+            </a:r>
+          </a:p>
+          <a:p>
+            <a:pPr lvl="1">
+              <a:buFont typeface="Arial" panose="020B0604020202020204" pitchFamily="34" charset="0"/>
+              <a:buChar char="•"/>
+            </a:pPr>
+            <a:r>
+              <a:rPr lang="it-IT" dirty="0" smtClean="0"/>
+              <a:t>L’algoritmo converge più lentamente al minimo se è lontano da questo</a:t>
+            </a:r>
+          </a:p>
+          <a:p>
+            <a:pPr>
+              <a:buFont typeface="Arial" panose="020B0604020202020204" pitchFamily="34" charset="0"/>
+              <a:buChar char="•"/>
+            </a:pPr>
+            <a:r>
+              <a:rPr lang="it-IT" dirty="0" smtClean="0"/>
+              <a:t>Condizione di arresto sulla superficie minima del politopo</a:t>
+            </a:r>
+          </a:p>
+          <a:p>
+            <a:pPr lvl="1">
+              <a:buFont typeface="Arial" panose="020B0604020202020204" pitchFamily="34" charset="0"/>
+              <a:buChar char="•"/>
+            </a:pPr>
+            <a:r>
+              <a:rPr lang="it-IT" dirty="0" smtClean="0"/>
+              <a:t>Condiziona la precisione dell’approssimazione se troppo alto</a:t>
+            </a:r>
+          </a:p>
+          <a:p>
+            <a:pPr lvl="1">
+              <a:buFont typeface="Arial" panose="020B0604020202020204" pitchFamily="34" charset="0"/>
+              <a:buChar char="•"/>
+            </a:pPr>
+            <a:r>
+              <a:rPr lang="it-IT" dirty="0" smtClean="0"/>
+              <a:t>Se troppo basso causa un numero eccessivo di iterazioni, inutili se non si ha bisogno di approssimazioni raffinate</a:t>
+            </a:r>
+          </a:p>
+          <a:p>
+            <a:pPr>
+              <a:buFont typeface="Arial" panose="020B0604020202020204" pitchFamily="34" charset="0"/>
+              <a:buChar char="•"/>
+            </a:pPr>
+            <a:r>
+              <a:rPr lang="it-IT" dirty="0" smtClean="0"/>
+              <a:t>Condizione di arresto su numero di iterazioni</a:t>
+            </a:r>
+          </a:p>
+          <a:p>
+            <a:pPr lvl="1">
+              <a:buFont typeface="Arial" panose="020B0604020202020204" pitchFamily="34" charset="0"/>
+              <a:buChar char="•"/>
+            </a:pPr>
+            <a:r>
+              <a:rPr lang="it-IT" dirty="0" smtClean="0"/>
+              <a:t>Condiziona la precisione dell’approssimazione se troppo basso</a:t>
+            </a:r>
+          </a:p>
+          <a:p>
+            <a:pPr lvl="1">
+              <a:buFont typeface="Arial" panose="020B0604020202020204" pitchFamily="34" charset="0"/>
+              <a:buChar char="•"/>
+            </a:pPr>
+            <a:r>
+              <a:rPr lang="it-IT" dirty="0" smtClean="0"/>
+              <a:t>Può rallentare inutilmente l’algoritmo se troppo alto</a:t>
+            </a:r>
+          </a:p>
+          <a:p>
+            <a:pPr>
+              <a:buFont typeface="Arial" panose="020B0604020202020204" pitchFamily="34" charset="0"/>
+              <a:buChar char="•"/>
+            </a:pPr>
             <a:endParaRPr lang="it-IT" dirty="0" smtClean="0"/>
           </a:p>
           <a:p>
-            <a:r>
-              <a:rPr lang="it-IT" dirty="0" smtClean="0"/>
-              <a:t>Quando parte del politopo esce fuori dal vincolo che è stato imposto, di conseguenza è stato necessario trovare un approccio che riportasse il politopo nuovamente nella regione dei punti ammissibili.</a:t>
-            </a:r>
-          </a:p>
-        </p:txBody>
-      </p:sp>
-      <p:sp>
-        <p:nvSpPr>
-          <p:cNvPr id="4" name="Rectangle 3"/>
-          <p:cNvSpPr/>
-          <p:nvPr/>
-        </p:nvSpPr>
-        <p:spPr>
-          <a:xfrm>
-            <a:off x="1123405" y="4042007"/>
-            <a:ext cx="10006149" cy="1015663"/>
-          </a:xfrm>
-          <a:prstGeom prst="rect">
-            <a:avLst/>
-          </a:prstGeom>
-        </p:spPr>
-        <p:txBody>
-          <a:bodyPr wrap="square">
-            <a:spAutoFit/>
-          </a:bodyPr>
-          <a:lstStyle/>
-          <a:p>
-            <a:r>
-              <a:rPr lang="it-IT" sz="2000" dirty="0"/>
-              <a:t>Il secondo problema è di natura grafica, in quanto</a:t>
-            </a:r>
-            <a:r>
-              <a:rPr lang="it-IT" sz="2000" dirty="0" smtClean="0"/>
-              <a:t>, lavorando in uno spazio a 3 dimensioni nel quale ogni punto ha un valore, è stato necessario disegnare dei piani sui quali sono rappresentate con colori le linee </a:t>
-            </a:r>
-            <a:r>
-              <a:rPr lang="it-IT" sz="2000" dirty="0" err="1" smtClean="0"/>
-              <a:t>isolivello</a:t>
-            </a:r>
-            <a:endParaRPr lang="it-IT" sz="2000" dirty="0"/>
+            <a:pPr>
+              <a:buFont typeface="Arial" panose="020B0604020202020204" pitchFamily="34" charset="0"/>
+              <a:buChar char="•"/>
+            </a:pPr>
+            <a:endParaRPr lang="it-IT" dirty="0" smtClean="0"/>
           </a:p>
         </p:txBody>
       </p:sp>
     </p:spTree>
     <p:extLst>
       <p:ext uri="{BB962C8B-B14F-4D97-AF65-F5344CB8AC3E}">
-        <p14:creationId xmlns:p14="http://schemas.microsoft.com/office/powerpoint/2010/main" val="891156659"/>
+        <p14:creationId xmlns:p14="http://schemas.microsoft.com/office/powerpoint/2010/main" val="3102846494"/>
       </p:ext>
     </p:extLst>
   </p:cSld>
@@ -5256,7 +5899,7 @@
           <a:p>
             <a:r>
               <a:rPr lang="it-IT" dirty="0" smtClean="0"/>
-              <a:t>SOLUZIONI</a:t>
+              <a:t>CONDIZIONI DI ARRESTO</a:t>
             </a:r>
             <a:endParaRPr lang="it-IT" dirty="0"/>
           </a:p>
@@ -5274,84 +5917,262 @@
         </p:nvSpPr>
         <p:spPr>
           <a:xfrm>
+            <a:off x="1097280" y="2314302"/>
+            <a:ext cx="10058400" cy="3280956"/>
+          </a:xfrm>
+        </p:spPr>
+        <p:txBody>
+          <a:bodyPr>
+            <a:normAutofit/>
+          </a:bodyPr>
+          <a:lstStyle/>
+          <a:p>
+            <a:pPr marL="457200" indent="-457200">
+              <a:buFont typeface="+mj-lt"/>
+              <a:buAutoNum type="arabicPeriod"/>
+            </a:pPr>
+            <a:r>
+              <a:rPr lang="it-IT" sz="3600" dirty="0" smtClean="0"/>
+              <a:t>Lato minimo del politopo raggiunto dopo un certo numero di iterazioni</a:t>
+            </a:r>
+            <a:endParaRPr lang="it-IT" sz="3600" dirty="0" smtClean="0"/>
+          </a:p>
+          <a:p>
+            <a:pPr marL="0" indent="0">
+              <a:buNone/>
+            </a:pPr>
+            <a:endParaRPr lang="it-IT" sz="3600" dirty="0" smtClean="0"/>
+          </a:p>
+          <a:p>
+            <a:pPr marL="457200" indent="-457200">
+              <a:buFont typeface="+mj-lt"/>
+              <a:buAutoNum type="arabicPeriod" startAt="2"/>
+            </a:pPr>
+            <a:r>
+              <a:rPr lang="it-IT" sz="3600" dirty="0" smtClean="0"/>
+              <a:t>Numero </a:t>
+            </a:r>
+            <a:r>
+              <a:rPr lang="it-IT" sz="3600" dirty="0" smtClean="0"/>
+              <a:t>di iterazioni effettuate</a:t>
+            </a:r>
+            <a:endParaRPr lang="it-IT" sz="3600" dirty="0"/>
+          </a:p>
+        </p:txBody>
+      </p:sp>
+    </p:spTree>
+    <p:extLst>
+      <p:ext uri="{BB962C8B-B14F-4D97-AF65-F5344CB8AC3E}">
+        <p14:creationId xmlns:p14="http://schemas.microsoft.com/office/powerpoint/2010/main" val="4037897198"/>
+      </p:ext>
+    </p:extLst>
+  </p:cSld>
+  <p:clrMapOvr>
+    <a:masterClrMapping/>
+  </p:clrMapOvr>
+  <p:timing>
+    <p:tnLst>
+      <p:par>
+        <p:cTn id="1" dur="indefinite" restart="never" nodeType="tmRoot"/>
+      </p:par>
+    </p:tnLst>
+  </p:timing>
+</p:sld>
+</file>
+
+<file path=ppt/slides/slide13.xml><?xml version="1.0" encoding="utf-8"?>
+<p:sld xmlns:a="http://schemas.openxmlformats.org/drawingml/2006/main" xmlns:r="http://schemas.openxmlformats.org/officeDocument/2006/relationships" xmlns:p="http://schemas.openxmlformats.org/presentationml/2006/main">
+  <p:cSld>
+    <p:spTree>
+      <p:nvGrpSpPr>
+        <p:cNvPr id="1" name=""/>
+        <p:cNvGrpSpPr/>
+        <p:nvPr/>
+      </p:nvGrpSpPr>
+      <p:grpSpPr>
+        <a:xfrm>
+          <a:off x="0" y="0"/>
+          <a:ext cx="0" cy="0"/>
+          <a:chOff x="0" y="0"/>
+          <a:chExt cx="0" cy="0"/>
+        </a:xfrm>
+      </p:grpSpPr>
+      <p:sp>
+        <p:nvSpPr>
+          <p:cNvPr id="2" name="Titolo 1"/>
+          <p:cNvSpPr>
+            <a:spLocks noGrp="1"/>
+          </p:cNvSpPr>
+          <p:nvPr>
+            <p:ph type="title"/>
+          </p:nvPr>
+        </p:nvSpPr>
+        <p:spPr/>
+        <p:txBody>
+          <a:bodyPr/>
+          <a:lstStyle/>
+          <a:p>
+            <a:r>
+              <a:rPr lang="it-IT" dirty="0" smtClean="0"/>
+              <a:t>PROBLEMI</a:t>
+            </a:r>
+            <a:endParaRPr lang="it-IT" dirty="0"/>
+          </a:p>
+        </p:txBody>
+      </p:sp>
+      <p:sp>
+        <p:nvSpPr>
+          <p:cNvPr id="3" name="Segnaposto contenuto 2"/>
+          <p:cNvSpPr>
+            <a:spLocks noGrp="1"/>
+          </p:cNvSpPr>
+          <p:nvPr>
+            <p:ph idx="1"/>
+          </p:nvPr>
+        </p:nvSpPr>
+        <p:spPr>
+          <a:xfrm>
+            <a:off x="1149530" y="1858284"/>
+            <a:ext cx="10006149" cy="4176756"/>
+          </a:xfrm>
+        </p:spPr>
+        <p:txBody>
+          <a:bodyPr>
+            <a:normAutofit/>
+          </a:bodyPr>
+          <a:lstStyle/>
+          <a:p>
+            <a:pPr>
+              <a:buFont typeface="Arial" panose="020B0604020202020204" pitchFamily="34" charset="0"/>
+              <a:buChar char="•"/>
+            </a:pPr>
+            <a:r>
+              <a:rPr lang="it-IT" sz="3600" dirty="0" smtClean="0"/>
+              <a:t> Il politopo non rispetta il vincolo imposto uscendo dalla sua frontiera.</a:t>
+            </a:r>
+          </a:p>
+          <a:p>
+            <a:pPr>
+              <a:buFont typeface="Arial" panose="020B0604020202020204" pitchFamily="34" charset="0"/>
+              <a:buChar char="•"/>
+            </a:pPr>
+            <a:endParaRPr lang="it-IT" sz="3600" dirty="0" smtClean="0"/>
+          </a:p>
+          <a:p>
+            <a:pPr>
+              <a:buFont typeface="Arial" panose="020B0604020202020204" pitchFamily="34" charset="0"/>
+              <a:buChar char="•"/>
+            </a:pPr>
+            <a:r>
+              <a:rPr lang="it-IT" sz="3600" dirty="0" smtClean="0"/>
+              <a:t> Necessità di disegnare un grafico quadridimensionale</a:t>
+            </a:r>
+            <a:endParaRPr lang="it-IT" sz="3600" dirty="0"/>
+          </a:p>
+          <a:p>
+            <a:endParaRPr lang="it-IT" sz="3600" dirty="0" smtClean="0"/>
+          </a:p>
+        </p:txBody>
+      </p:sp>
+    </p:spTree>
+    <p:extLst>
+      <p:ext uri="{BB962C8B-B14F-4D97-AF65-F5344CB8AC3E}">
+        <p14:creationId xmlns:p14="http://schemas.microsoft.com/office/powerpoint/2010/main" val="891156659"/>
+      </p:ext>
+    </p:extLst>
+  </p:cSld>
+  <p:clrMapOvr>
+    <a:masterClrMapping/>
+  </p:clrMapOvr>
+  <p:timing>
+    <p:tnLst>
+      <p:par>
+        <p:cTn id="1" dur="indefinite" restart="never" nodeType="tmRoot"/>
+      </p:par>
+    </p:tnLst>
+  </p:timing>
+</p:sld>
+</file>
+
+<file path=ppt/slides/slide14.xml><?xml version="1.0" encoding="utf-8"?>
+<p:sld xmlns:a="http://schemas.openxmlformats.org/drawingml/2006/main" xmlns:r="http://schemas.openxmlformats.org/officeDocument/2006/relationships" xmlns:p="http://schemas.openxmlformats.org/presentationml/2006/main">
+  <p:cSld>
+    <p:spTree>
+      <p:nvGrpSpPr>
+        <p:cNvPr id="1" name=""/>
+        <p:cNvGrpSpPr/>
+        <p:nvPr/>
+      </p:nvGrpSpPr>
+      <p:grpSpPr>
+        <a:xfrm>
+          <a:off x="0" y="0"/>
+          <a:ext cx="0" cy="0"/>
+          <a:chOff x="0" y="0"/>
+          <a:chExt cx="0" cy="0"/>
+        </a:xfrm>
+      </p:grpSpPr>
+      <p:sp>
+        <p:nvSpPr>
+          <p:cNvPr id="2" name="Titolo 1"/>
+          <p:cNvSpPr>
+            <a:spLocks noGrp="1"/>
+          </p:cNvSpPr>
+          <p:nvPr>
+            <p:ph type="title"/>
+          </p:nvPr>
+        </p:nvSpPr>
+        <p:spPr/>
+        <p:txBody>
+          <a:bodyPr/>
+          <a:lstStyle/>
+          <a:p>
+            <a:r>
+              <a:rPr lang="it-IT" dirty="0" smtClean="0"/>
+              <a:t>SOLUZIONI</a:t>
+            </a:r>
+            <a:endParaRPr lang="it-IT" dirty="0"/>
+          </a:p>
+        </p:txBody>
+      </p:sp>
+      <p:sp>
+        <p:nvSpPr>
+          <p:cNvPr id="3" name="Segnaposto contenuto 2"/>
+          <p:cNvSpPr>
+            <a:spLocks noGrp="1"/>
+          </p:cNvSpPr>
+          <p:nvPr>
+            <p:ph idx="1"/>
+          </p:nvPr>
+        </p:nvSpPr>
+        <p:spPr>
+          <a:xfrm>
             <a:off x="1097280" y="1988896"/>
             <a:ext cx="10058400" cy="950232"/>
           </a:xfrm>
         </p:spPr>
         <p:txBody>
           <a:bodyPr>
-            <a:normAutofit fontScale="92500" lnSpcReduction="20000"/>
+            <a:normAutofit/>
           </a:bodyPr>
           <a:lstStyle/>
           <a:p>
-            <a:r>
-              <a:rPr lang="it-IT" dirty="0" smtClean="0">
+            <a:pPr>
+              <a:buFont typeface="Arial" panose="020B0604020202020204" pitchFamily="34" charset="0"/>
+              <a:buChar char="•"/>
+            </a:pPr>
+            <a:r>
+              <a:rPr lang="it-IT" sz="3600" dirty="0" smtClean="0">
                 <a:solidFill>
                   <a:schemeClr val="tx1"/>
                 </a:solidFill>
               </a:rPr>
-              <a:t>Il primo problema è stato risolto utilizzando le penalità, il valore della funzione viene penalizzato e dunque aumentato drasticamente per i vertici del politopo che ricadono fuori dal vincolo in modo tale da forzare l’algoritmo alla prossima iterazione a ribaltare il politopo all’interno della regione dei </a:t>
-            </a:r>
-            <a:r>
-              <a:rPr lang="it-IT" smtClean="0">
-                <a:solidFill>
-                  <a:schemeClr val="tx1"/>
-                </a:solidFill>
-              </a:rPr>
-              <a:t>punti ammissibili.</a:t>
-            </a:r>
-            <a:endParaRPr lang="it-IT" dirty="0" smtClean="0">
+              <a:t> Implementazione del metodo delle penalità</a:t>
+            </a:r>
+            <a:endParaRPr lang="it-IT" sz="3600" dirty="0" smtClean="0">
               <a:solidFill>
                 <a:schemeClr val="tx1"/>
               </a:solidFill>
             </a:endParaRPr>
-          </a:p>
-        </p:txBody>
-      </p:sp>
-      <p:sp>
-        <p:nvSpPr>
-          <p:cNvPr id="4" name="Rectangle 3"/>
-          <p:cNvSpPr/>
-          <p:nvPr/>
-        </p:nvSpPr>
-        <p:spPr>
-          <a:xfrm>
-            <a:off x="1097279" y="3502509"/>
-            <a:ext cx="10058401" cy="707886"/>
-          </a:xfrm>
-          <a:prstGeom prst="rect">
-            <a:avLst/>
-          </a:prstGeom>
-        </p:spPr>
-        <p:txBody>
-          <a:bodyPr wrap="square">
-            <a:spAutoFit/>
-          </a:bodyPr>
-          <a:lstStyle/>
-          <a:p>
-            <a:r>
-              <a:rPr lang="it-IT" sz="2000" dirty="0" smtClean="0"/>
-              <a:t>Per il secondo invece sono stati utilizzati delle superfici </a:t>
-            </a:r>
-            <a:r>
-              <a:rPr lang="it-IT" sz="2000" dirty="0" err="1" smtClean="0"/>
-              <a:t>isolivello</a:t>
-            </a:r>
-            <a:r>
-              <a:rPr lang="it-IT" sz="2000" dirty="0" smtClean="0"/>
-              <a:t> </a:t>
-            </a:r>
-          </a:p>
-          <a:p>
-            <a:r>
-              <a:rPr lang="it-IT" sz="2000" dirty="0"/>
-              <a:t>s</a:t>
-            </a:r>
-            <a:r>
-              <a:rPr lang="it-IT" sz="2000" dirty="0" smtClean="0"/>
-              <a:t>u molteplici piani che tagliano in più parti la regione di interesse</a:t>
-            </a:r>
-            <a:endParaRPr lang="it-IT" sz="2000" dirty="0"/>
           </a:p>
         </p:txBody>
       </p:sp>
@@ -5384,6 +6205,307 @@
           </a:prstGeom>
         </p:spPr>
       </p:pic>
+      <p:sp>
+        <p:nvSpPr>
+          <p:cNvPr id="7" name="Segnaposto contenuto 2"/>
+          <p:cNvSpPr txBox="1">
+            <a:spLocks/>
+          </p:cNvSpPr>
+          <p:nvPr/>
+        </p:nvSpPr>
+        <p:spPr>
+          <a:xfrm>
+            <a:off x="1097280" y="3502509"/>
+            <a:ext cx="10058400" cy="950232"/>
+          </a:xfrm>
+          <a:prstGeom prst="rect">
+            <a:avLst/>
+          </a:prstGeom>
+        </p:spPr>
+        <p:txBody>
+          <a:bodyPr vert="horz" lIns="0" tIns="45720" rIns="0" bIns="45720" rtlCol="0">
+            <a:noAutofit/>
+          </a:bodyPr>
+          <a:lstStyle>
+            <a:lvl1pPr marL="91440" indent="-91440" algn="l" defTabSz="914400" rtl="0" eaLnBrk="1" latinLnBrk="0" hangingPunct="1">
+              <a:lnSpc>
+                <a:spcPct val="90000"/>
+              </a:lnSpc>
+              <a:spcBef>
+                <a:spcPts val="1200"/>
+              </a:spcBef>
+              <a:spcAft>
+                <a:spcPts val="200"/>
+              </a:spcAft>
+              <a:buClr>
+                <a:schemeClr val="accent1"/>
+              </a:buClr>
+              <a:buSzPct val="100000"/>
+              <a:buFont typeface="Calibri" panose="020F0502020204030204" pitchFamily="34" charset="0"/>
+              <a:buChar char=" "/>
+              <a:defRPr sz="2000" kern="1200">
+                <a:solidFill>
+                  <a:schemeClr val="tx1">
+                    <a:lumMod val="75000"/>
+                    <a:lumOff val="25000"/>
+                  </a:schemeClr>
+                </a:solidFill>
+                <a:latin typeface="+mn-lt"/>
+                <a:ea typeface="+mn-ea"/>
+                <a:cs typeface="+mn-cs"/>
+              </a:defRPr>
+            </a:lvl1pPr>
+            <a:lvl2pPr marL="384048" indent="-182880" algn="l" defTabSz="914400" rtl="0" eaLnBrk="1" latinLnBrk="0" hangingPunct="1">
+              <a:lnSpc>
+                <a:spcPct val="90000"/>
+              </a:lnSpc>
+              <a:spcBef>
+                <a:spcPts val="200"/>
+              </a:spcBef>
+              <a:spcAft>
+                <a:spcPts val="400"/>
+              </a:spcAft>
+              <a:buClr>
+                <a:schemeClr val="accent1"/>
+              </a:buClr>
+              <a:buFont typeface="Calibri" pitchFamily="34" charset="0"/>
+              <a:buChar char="◦"/>
+              <a:defRPr sz="1800" kern="1200">
+                <a:solidFill>
+                  <a:schemeClr val="tx1">
+                    <a:lumMod val="75000"/>
+                    <a:lumOff val="25000"/>
+                  </a:schemeClr>
+                </a:solidFill>
+                <a:latin typeface="+mn-lt"/>
+                <a:ea typeface="+mn-ea"/>
+                <a:cs typeface="+mn-cs"/>
+              </a:defRPr>
+            </a:lvl2pPr>
+            <a:lvl3pPr marL="566928" indent="-182880" algn="l" defTabSz="914400" rtl="0" eaLnBrk="1" latinLnBrk="0" hangingPunct="1">
+              <a:lnSpc>
+                <a:spcPct val="90000"/>
+              </a:lnSpc>
+              <a:spcBef>
+                <a:spcPts val="200"/>
+              </a:spcBef>
+              <a:spcAft>
+                <a:spcPts val="400"/>
+              </a:spcAft>
+              <a:buClr>
+                <a:schemeClr val="accent1"/>
+              </a:buClr>
+              <a:buFont typeface="Calibri" pitchFamily="34" charset="0"/>
+              <a:buChar char="◦"/>
+              <a:defRPr sz="1400" kern="1200">
+                <a:solidFill>
+                  <a:schemeClr val="tx1">
+                    <a:lumMod val="75000"/>
+                    <a:lumOff val="25000"/>
+                  </a:schemeClr>
+                </a:solidFill>
+                <a:latin typeface="+mn-lt"/>
+                <a:ea typeface="+mn-ea"/>
+                <a:cs typeface="+mn-cs"/>
+              </a:defRPr>
+            </a:lvl3pPr>
+            <a:lvl4pPr marL="749808" indent="-182880" algn="l" defTabSz="914400" rtl="0" eaLnBrk="1" latinLnBrk="0" hangingPunct="1">
+              <a:lnSpc>
+                <a:spcPct val="90000"/>
+              </a:lnSpc>
+              <a:spcBef>
+                <a:spcPts val="200"/>
+              </a:spcBef>
+              <a:spcAft>
+                <a:spcPts val="400"/>
+              </a:spcAft>
+              <a:buClr>
+                <a:schemeClr val="accent1"/>
+              </a:buClr>
+              <a:buFont typeface="Calibri" pitchFamily="34" charset="0"/>
+              <a:buChar char="◦"/>
+              <a:defRPr sz="1400" kern="1200">
+                <a:solidFill>
+                  <a:schemeClr val="tx1">
+                    <a:lumMod val="75000"/>
+                    <a:lumOff val="25000"/>
+                  </a:schemeClr>
+                </a:solidFill>
+                <a:latin typeface="+mn-lt"/>
+                <a:ea typeface="+mn-ea"/>
+                <a:cs typeface="+mn-cs"/>
+              </a:defRPr>
+            </a:lvl4pPr>
+            <a:lvl5pPr marL="932688" indent="-182880" algn="l" defTabSz="914400" rtl="0" eaLnBrk="1" latinLnBrk="0" hangingPunct="1">
+              <a:lnSpc>
+                <a:spcPct val="90000"/>
+              </a:lnSpc>
+              <a:spcBef>
+                <a:spcPts val="200"/>
+              </a:spcBef>
+              <a:spcAft>
+                <a:spcPts val="400"/>
+              </a:spcAft>
+              <a:buClr>
+                <a:schemeClr val="accent1"/>
+              </a:buClr>
+              <a:buFont typeface="Calibri" pitchFamily="34" charset="0"/>
+              <a:buChar char="◦"/>
+              <a:defRPr sz="1400" kern="1200">
+                <a:solidFill>
+                  <a:schemeClr val="tx1">
+                    <a:lumMod val="75000"/>
+                    <a:lumOff val="25000"/>
+                  </a:schemeClr>
+                </a:solidFill>
+                <a:latin typeface="+mn-lt"/>
+                <a:ea typeface="+mn-ea"/>
+                <a:cs typeface="+mn-cs"/>
+              </a:defRPr>
+            </a:lvl5pPr>
+            <a:lvl6pPr marL="1100000" indent="-228600" algn="l" defTabSz="914400" rtl="0" eaLnBrk="1" latinLnBrk="0" hangingPunct="1">
+              <a:lnSpc>
+                <a:spcPct val="90000"/>
+              </a:lnSpc>
+              <a:spcBef>
+                <a:spcPts val="200"/>
+              </a:spcBef>
+              <a:spcAft>
+                <a:spcPts val="400"/>
+              </a:spcAft>
+              <a:buClr>
+                <a:schemeClr val="accent1"/>
+              </a:buClr>
+              <a:buFont typeface="Calibri" pitchFamily="34" charset="0"/>
+              <a:buChar char="◦"/>
+              <a:defRPr sz="1400" kern="1200">
+                <a:solidFill>
+                  <a:schemeClr val="tx1">
+                    <a:lumMod val="75000"/>
+                    <a:lumOff val="25000"/>
+                  </a:schemeClr>
+                </a:solidFill>
+                <a:latin typeface="+mn-lt"/>
+                <a:ea typeface="+mn-ea"/>
+                <a:cs typeface="+mn-cs"/>
+              </a:defRPr>
+            </a:lvl6pPr>
+            <a:lvl7pPr marL="1300000" indent="-228600" algn="l" defTabSz="914400" rtl="0" eaLnBrk="1" latinLnBrk="0" hangingPunct="1">
+              <a:lnSpc>
+                <a:spcPct val="90000"/>
+              </a:lnSpc>
+              <a:spcBef>
+                <a:spcPts val="200"/>
+              </a:spcBef>
+              <a:spcAft>
+                <a:spcPts val="400"/>
+              </a:spcAft>
+              <a:buClr>
+                <a:schemeClr val="accent1"/>
+              </a:buClr>
+              <a:buFont typeface="Calibri" pitchFamily="34" charset="0"/>
+              <a:buChar char="◦"/>
+              <a:defRPr sz="1400" kern="1200">
+                <a:solidFill>
+                  <a:schemeClr val="tx1">
+                    <a:lumMod val="75000"/>
+                    <a:lumOff val="25000"/>
+                  </a:schemeClr>
+                </a:solidFill>
+                <a:latin typeface="+mn-lt"/>
+                <a:ea typeface="+mn-ea"/>
+                <a:cs typeface="+mn-cs"/>
+              </a:defRPr>
+            </a:lvl7pPr>
+            <a:lvl8pPr marL="1500000" indent="-228600" algn="l" defTabSz="914400" rtl="0" eaLnBrk="1" latinLnBrk="0" hangingPunct="1">
+              <a:lnSpc>
+                <a:spcPct val="90000"/>
+              </a:lnSpc>
+              <a:spcBef>
+                <a:spcPts val="200"/>
+              </a:spcBef>
+              <a:spcAft>
+                <a:spcPts val="400"/>
+              </a:spcAft>
+              <a:buClr>
+                <a:schemeClr val="accent1"/>
+              </a:buClr>
+              <a:buFont typeface="Calibri" pitchFamily="34" charset="0"/>
+              <a:buChar char="◦"/>
+              <a:defRPr sz="1400" kern="1200">
+                <a:solidFill>
+                  <a:schemeClr val="tx1">
+                    <a:lumMod val="75000"/>
+                    <a:lumOff val="25000"/>
+                  </a:schemeClr>
+                </a:solidFill>
+                <a:latin typeface="+mn-lt"/>
+                <a:ea typeface="+mn-ea"/>
+                <a:cs typeface="+mn-cs"/>
+              </a:defRPr>
+            </a:lvl8pPr>
+            <a:lvl9pPr marL="1700000" indent="-228600" algn="l" defTabSz="914400" rtl="0" eaLnBrk="1" latinLnBrk="0" hangingPunct="1">
+              <a:lnSpc>
+                <a:spcPct val="90000"/>
+              </a:lnSpc>
+              <a:spcBef>
+                <a:spcPts val="200"/>
+              </a:spcBef>
+              <a:spcAft>
+                <a:spcPts val="400"/>
+              </a:spcAft>
+              <a:buClr>
+                <a:schemeClr val="accent1"/>
+              </a:buClr>
+              <a:buFont typeface="Calibri" pitchFamily="34" charset="0"/>
+              <a:buChar char="◦"/>
+              <a:defRPr sz="1400" kern="1200">
+                <a:solidFill>
+                  <a:schemeClr val="tx1">
+                    <a:lumMod val="75000"/>
+                    <a:lumOff val="25000"/>
+                  </a:schemeClr>
+                </a:solidFill>
+                <a:latin typeface="+mn-lt"/>
+                <a:ea typeface="+mn-ea"/>
+                <a:cs typeface="+mn-cs"/>
+              </a:defRPr>
+            </a:lvl9pPr>
+          </a:lstStyle>
+          <a:p>
+            <a:pPr>
+              <a:buFont typeface="Arial" panose="020B0604020202020204" pitchFamily="34" charset="0"/>
+              <a:buChar char="•"/>
+            </a:pPr>
+            <a:r>
+              <a:rPr lang="it-IT" sz="3600" dirty="0" smtClean="0"/>
+              <a:t> Suddivisione </a:t>
+            </a:r>
+            <a:r>
+              <a:rPr lang="it-IT" sz="3600" dirty="0"/>
+              <a:t>dello spazio in piani </a:t>
+            </a:r>
+          </a:p>
+          <a:p>
+            <a:pPr marL="0" indent="0">
+              <a:buNone/>
+            </a:pPr>
+            <a:r>
+              <a:rPr lang="it-IT" sz="3600" dirty="0" smtClean="0"/>
+              <a:t>colorati </a:t>
+            </a:r>
+            <a:r>
+              <a:rPr lang="it-IT" sz="3600" dirty="0"/>
+              <a:t>da linee </a:t>
+            </a:r>
+            <a:r>
+              <a:rPr lang="it-IT" sz="3600" dirty="0" err="1"/>
+              <a:t>isolivello</a:t>
+            </a:r>
+            <a:endParaRPr lang="it-IT" sz="3600" dirty="0"/>
+          </a:p>
+        </p:txBody>
+      </p:sp>
     </p:spTree>
     <p:extLst>
       <p:ext uri="{BB962C8B-B14F-4D97-AF65-F5344CB8AC3E}">
@@ -5404,7 +6526,7 @@
 </p:sld>
 </file>
 
-<file path=ppt/slides/slide13.xml><?xml version="1.0" encoding="utf-8"?>
+<file path=ppt/slides/slide15.xml><?xml version="1.0" encoding="utf-8"?>
 <p:sld xmlns:a="http://schemas.openxmlformats.org/drawingml/2006/main" xmlns:r="http://schemas.openxmlformats.org/officeDocument/2006/relationships" xmlns:p="http://schemas.openxmlformats.org/presentationml/2006/main">
   <p:cSld>
     <p:spTree>
@@ -5634,7 +6756,7 @@
 </p:sld>
 </file>
 
-<file path=ppt/slides/slide14.xml><?xml version="1.0" encoding="utf-8"?>
+<file path=ppt/slides/slide16.xml><?xml version="1.0" encoding="utf-8"?>
 <p:sld xmlns:a="http://schemas.openxmlformats.org/drawingml/2006/main" xmlns:r="http://schemas.openxmlformats.org/officeDocument/2006/relationships" xmlns:p="http://schemas.openxmlformats.org/presentationml/2006/main">
   <p:cSld>
     <p:spTree>
@@ -6339,7 +7461,7 @@
 </p:sld>
 </file>
 
-<file path=ppt/slides/slide15.xml><?xml version="1.0" encoding="utf-8"?>
+<file path=ppt/slides/slide17.xml><?xml version="1.0" encoding="utf-8"?>
 <p:sld xmlns:a="http://schemas.openxmlformats.org/drawingml/2006/main" xmlns:r="http://schemas.openxmlformats.org/officeDocument/2006/relationships" xmlns:p="http://schemas.openxmlformats.org/presentationml/2006/main">
   <p:cSld>
     <p:spTree>
@@ -6548,7 +7670,7 @@
 </p:sld>
 </file>
 
-<file path=ppt/slides/slide16.xml><?xml version="1.0" encoding="utf-8"?>
+<file path=ppt/slides/slide18.xml><?xml version="1.0" encoding="utf-8"?>
 <p:sld xmlns:a="http://schemas.openxmlformats.org/drawingml/2006/main" xmlns:r="http://schemas.openxmlformats.org/officeDocument/2006/relationships" xmlns:p="http://schemas.openxmlformats.org/presentationml/2006/main">
   <p:cSld>
     <p:spTree>
@@ -6614,7 +7736,6 @@
               <a:rPr lang="it-IT" dirty="0" smtClean="0"/>
               <a:t>Il simplesso è un algoritmo di ordine zero, volendo utilizzare un algoritmo di ordine uno e osservando che la funzione di costo nel nostro caso presenta un solo minimo zero, potremmo utilizzare il metodo Quasi-Newton nel quale usufruiamo dell’informazione sulla pendenza grazie al calcolo della matrice Hessiana della funzione obiettivo.</a:t>
             </a:r>
-            <a:endParaRPr lang="it-IT" dirty="0" smtClean="0"/>
           </a:p>
         </p:txBody>
       </p:sp>
@@ -6651,321 +7772,6 @@
     <p:extLst>
       <p:ext uri="{BB962C8B-B14F-4D97-AF65-F5344CB8AC3E}">
         <p14:creationId xmlns:p14="http://schemas.microsoft.com/office/powerpoint/2010/main" val="85395014"/>
-      </p:ext>
-    </p:extLst>
-  </p:cSld>
-  <p:clrMapOvr>
-    <a:masterClrMapping/>
-  </p:clrMapOvr>
-  <p:timing>
-    <p:tnLst>
-      <p:par>
-        <p:cTn id="1" dur="indefinite" restart="never" nodeType="tmRoot"/>
-      </p:par>
-    </p:tnLst>
-  </p:timing>
-</p:sld>
-</file>
-
-<file path=ppt/slides/slide17.xml><?xml version="1.0" encoding="utf-8"?>
-<p:sld xmlns:a="http://schemas.openxmlformats.org/drawingml/2006/main" xmlns:r="http://schemas.openxmlformats.org/officeDocument/2006/relationships" xmlns:p="http://schemas.openxmlformats.org/presentationml/2006/main">
-  <p:cSld>
-    <p:spTree>
-      <p:nvGrpSpPr>
-        <p:cNvPr id="1" name=""/>
-        <p:cNvGrpSpPr/>
-        <p:nvPr/>
-      </p:nvGrpSpPr>
-      <p:grpSpPr>
-        <a:xfrm>
-          <a:off x="0" y="0"/>
-          <a:ext cx="0" cy="0"/>
-          <a:chOff x="0" y="0"/>
-          <a:chExt cx="0" cy="0"/>
-        </a:xfrm>
-      </p:grpSpPr>
-      <p:sp>
-        <p:nvSpPr>
-          <p:cNvPr id="2" name="Titolo 1"/>
-          <p:cNvSpPr>
-            <a:spLocks noGrp="1"/>
-          </p:cNvSpPr>
-          <p:nvPr>
-            <p:ph type="title"/>
-          </p:nvPr>
-        </p:nvSpPr>
-        <p:spPr>
-          <a:xfrm>
-            <a:off x="1097280" y="286604"/>
-            <a:ext cx="10058400" cy="797614"/>
-          </a:xfrm>
-        </p:spPr>
-        <p:txBody>
-          <a:bodyPr/>
-          <a:lstStyle/>
-          <a:p>
-            <a:r>
-              <a:rPr lang="it-IT" dirty="0" smtClean="0"/>
-              <a:t>CONSIDERAZIONI (PARAMETRI INIZIALI)</a:t>
-            </a:r>
-            <a:endParaRPr lang="it-IT" dirty="0"/>
-          </a:p>
-        </p:txBody>
-      </p:sp>
-      <p:sp>
-        <p:nvSpPr>
-          <p:cNvPr id="5" name="Rettangolo 4"/>
-          <p:cNvSpPr/>
-          <p:nvPr/>
-        </p:nvSpPr>
-        <p:spPr>
-          <a:xfrm>
-            <a:off x="770709" y="1541417"/>
-            <a:ext cx="10802982" cy="548640"/>
-          </a:xfrm>
-          <a:prstGeom prst="rect">
-            <a:avLst/>
-          </a:prstGeom>
-          <a:ln>
-            <a:solidFill>
-              <a:schemeClr val="bg1"/>
-            </a:solidFill>
-          </a:ln>
-        </p:spPr>
-        <p:style>
-          <a:lnRef idx="2">
-            <a:schemeClr val="dk1"/>
-          </a:lnRef>
-          <a:fillRef idx="1">
-            <a:schemeClr val="lt1"/>
-          </a:fillRef>
-          <a:effectRef idx="0">
-            <a:schemeClr val="dk1"/>
-          </a:effectRef>
-          <a:fontRef idx="minor">
-            <a:schemeClr val="dk1"/>
-          </a:fontRef>
-        </p:style>
-        <p:txBody>
-          <a:bodyPr rtlCol="0" anchor="ctr"/>
-          <a:lstStyle/>
-          <a:p>
-            <a:pPr algn="ctr"/>
-            <a:endParaRPr lang="it-IT"/>
-          </a:p>
-        </p:txBody>
-      </p:sp>
-      <p:sp>
-        <p:nvSpPr>
-          <p:cNvPr id="3" name="Segnaposto contenuto 2"/>
-          <p:cNvSpPr>
-            <a:spLocks noGrp="1"/>
-          </p:cNvSpPr>
-          <p:nvPr>
-            <p:ph idx="1"/>
-          </p:nvPr>
-        </p:nvSpPr>
-        <p:spPr>
-          <a:xfrm>
-            <a:off x="1149531" y="1214846"/>
-            <a:ext cx="10006149" cy="4911634"/>
-          </a:xfrm>
-        </p:spPr>
-        <p:txBody>
-          <a:bodyPr>
-            <a:normAutofit fontScale="92500" lnSpcReduction="20000"/>
-          </a:bodyPr>
-          <a:lstStyle/>
-          <a:p>
-            <a:pPr>
-              <a:buFont typeface="Arial" panose="020B0604020202020204" pitchFamily="34" charset="0"/>
-              <a:buChar char="•"/>
-            </a:pPr>
-            <a:r>
-              <a:rPr lang="it-IT" dirty="0" smtClean="0"/>
-              <a:t>Superficie iniziale del politopo</a:t>
-            </a:r>
-          </a:p>
-          <a:p>
-            <a:pPr lvl="1">
-              <a:buFont typeface="Arial" panose="020B0604020202020204" pitchFamily="34" charset="0"/>
-              <a:buChar char="•"/>
-            </a:pPr>
-            <a:r>
-              <a:rPr lang="it-IT" dirty="0" smtClean="0"/>
-              <a:t>Diminuzione: </a:t>
-            </a:r>
-          </a:p>
-          <a:p>
-            <a:pPr lvl="2">
-              <a:buFont typeface="Arial" panose="020B0604020202020204" pitchFamily="34" charset="0"/>
-              <a:buChar char="•"/>
-            </a:pPr>
-            <a:r>
-              <a:rPr lang="it-IT" dirty="0" smtClean="0"/>
-              <a:t>Aumentano le iterazioni necessarie ad avvicinarsi al minimo</a:t>
-            </a:r>
-          </a:p>
-          <a:p>
-            <a:pPr lvl="2">
-              <a:buFont typeface="Arial" panose="020B0604020202020204" pitchFamily="34" charset="0"/>
-              <a:buChar char="•"/>
-            </a:pPr>
-            <a:r>
-              <a:rPr lang="it-IT" dirty="0" smtClean="0"/>
-              <a:t>Veloce se il politopo parte vicino al minimo</a:t>
-            </a:r>
-          </a:p>
-          <a:p>
-            <a:pPr lvl="2">
-              <a:buFont typeface="Arial" panose="020B0604020202020204" pitchFamily="34" charset="0"/>
-              <a:buChar char="•"/>
-            </a:pPr>
-            <a:r>
-              <a:rPr lang="it-IT" dirty="0" smtClean="0"/>
-              <a:t>Lento se il politopo parte lontano dal minimo</a:t>
-            </a:r>
-          </a:p>
-          <a:p>
-            <a:pPr lvl="1">
-              <a:buFont typeface="Arial" panose="020B0604020202020204" pitchFamily="34" charset="0"/>
-              <a:buChar char="•"/>
-            </a:pPr>
-            <a:r>
-              <a:rPr lang="it-IT" dirty="0" smtClean="0"/>
-              <a:t>Aumento:</a:t>
-            </a:r>
-          </a:p>
-          <a:p>
-            <a:pPr lvl="2">
-              <a:buFont typeface="Arial" panose="020B0604020202020204" pitchFamily="34" charset="0"/>
-              <a:buChar char="•"/>
-            </a:pPr>
-            <a:r>
-              <a:rPr lang="it-IT" dirty="0" smtClean="0"/>
-              <a:t>Aumentano le iterazioni dovute al rilevamento della condizione di dimezzamento con ribaltamenti inutili</a:t>
-            </a:r>
-          </a:p>
-          <a:p>
-            <a:pPr lvl="2">
-              <a:buFont typeface="Arial" panose="020B0604020202020204" pitchFamily="34" charset="0"/>
-              <a:buChar char="•"/>
-            </a:pPr>
-            <a:r>
-              <a:rPr lang="it-IT" dirty="0" smtClean="0"/>
-              <a:t>Veloce se il politopo parte lontano dal minimo, i dimezzamenti sul pivot (vertice minimo) permettono spostamento veloci</a:t>
-            </a:r>
-          </a:p>
-          <a:p>
-            <a:pPr lvl="2">
-              <a:buFont typeface="Arial" panose="020B0604020202020204" pitchFamily="34" charset="0"/>
-              <a:buChar char="•"/>
-            </a:pPr>
-            <a:r>
-              <a:rPr lang="it-IT" dirty="0" smtClean="0"/>
-              <a:t>Lento se il politopo parte vicino al minimo, il numero di dimezzamenti e dunque di ribaltamenti inutili è maggiore</a:t>
-            </a:r>
-          </a:p>
-          <a:p>
-            <a:pPr>
-              <a:buFont typeface="Arial" panose="020B0604020202020204" pitchFamily="34" charset="0"/>
-              <a:buChar char="•"/>
-            </a:pPr>
-            <a:r>
-              <a:rPr lang="it-IT" dirty="0" smtClean="0"/>
-              <a:t>Posizione iniziale</a:t>
-            </a:r>
-          </a:p>
-          <a:p>
-            <a:pPr lvl="1">
-              <a:buFont typeface="Arial" panose="020B0604020202020204" pitchFamily="34" charset="0"/>
-              <a:buChar char="•"/>
-            </a:pPr>
-            <a:r>
-              <a:rPr lang="it-IT" dirty="0" smtClean="0"/>
-              <a:t>L’algoritmo converge più lentamente al minimo se è lontano da questo</a:t>
-            </a:r>
-          </a:p>
-          <a:p>
-            <a:pPr>
-              <a:buFont typeface="Arial" panose="020B0604020202020204" pitchFamily="34" charset="0"/>
-              <a:buChar char="•"/>
-            </a:pPr>
-            <a:r>
-              <a:rPr lang="it-IT" dirty="0" smtClean="0"/>
-              <a:t>Condizione di arresto sulla superficie minima del politopo</a:t>
-            </a:r>
-          </a:p>
-          <a:p>
-            <a:pPr lvl="1">
-              <a:buFont typeface="Arial" panose="020B0604020202020204" pitchFamily="34" charset="0"/>
-              <a:buChar char="•"/>
-            </a:pPr>
-            <a:r>
-              <a:rPr lang="it-IT" dirty="0" smtClean="0"/>
-              <a:t>Condiziona la precisione dell’approssimazione se troppo alto</a:t>
-            </a:r>
-          </a:p>
-          <a:p>
-            <a:pPr lvl="1">
-              <a:buFont typeface="Arial" panose="020B0604020202020204" pitchFamily="34" charset="0"/>
-              <a:buChar char="•"/>
-            </a:pPr>
-            <a:r>
-              <a:rPr lang="it-IT" dirty="0" smtClean="0"/>
-              <a:t>Se troppo basso causa un numero eccessivo di iterazioni, inutili se non si ha bisogno di approssimazioni raffinate</a:t>
-            </a:r>
-          </a:p>
-          <a:p>
-            <a:pPr>
-              <a:buFont typeface="Arial" panose="020B0604020202020204" pitchFamily="34" charset="0"/>
-              <a:buChar char="•"/>
-            </a:pPr>
-            <a:r>
-              <a:rPr lang="it-IT" dirty="0" smtClean="0"/>
-              <a:t>Condizione di arresto su numero di iterazioni</a:t>
-            </a:r>
-          </a:p>
-          <a:p>
-            <a:pPr lvl="1">
-              <a:buFont typeface="Arial" panose="020B0604020202020204" pitchFamily="34" charset="0"/>
-              <a:buChar char="•"/>
-            </a:pPr>
-            <a:r>
-              <a:rPr lang="it-IT" dirty="0" smtClean="0"/>
-              <a:t>Condiziona la precisione dell’approssimazione se troppo basso</a:t>
-            </a:r>
-          </a:p>
-          <a:p>
-            <a:pPr lvl="1">
-              <a:buFont typeface="Arial" panose="020B0604020202020204" pitchFamily="34" charset="0"/>
-              <a:buChar char="•"/>
-            </a:pPr>
-            <a:r>
-              <a:rPr lang="it-IT" dirty="0" smtClean="0"/>
-              <a:t>Può rallentare inutilmente l’algoritmo se troppo alto</a:t>
-            </a:r>
-          </a:p>
-          <a:p>
-            <a:pPr>
-              <a:buFont typeface="Arial" panose="020B0604020202020204" pitchFamily="34" charset="0"/>
-              <a:buChar char="•"/>
-            </a:pPr>
-            <a:endParaRPr lang="it-IT" dirty="0" smtClean="0"/>
-          </a:p>
-          <a:p>
-            <a:pPr>
-              <a:buFont typeface="Arial" panose="020B0604020202020204" pitchFamily="34" charset="0"/>
-              <a:buChar char="•"/>
-            </a:pPr>
-            <a:endParaRPr lang="it-IT" dirty="0" smtClean="0"/>
-          </a:p>
-        </p:txBody>
-      </p:sp>
-    </p:spTree>
-    <p:extLst>
-      <p:ext uri="{BB962C8B-B14F-4D97-AF65-F5344CB8AC3E}">
-        <p14:creationId xmlns:p14="http://schemas.microsoft.com/office/powerpoint/2010/main" val="3102846494"/>
       </p:ext>
     </p:extLst>
   </p:cSld>
@@ -7016,7 +7822,7 @@
           <a:p>
             <a:r>
               <a:rPr lang="it-IT" dirty="0" smtClean="0"/>
-              <a:t>PROBLEMA - IDENTIFICAZIONE</a:t>
+              <a:t>INDICE</a:t>
             </a:r>
             <a:endParaRPr lang="it-IT" dirty="0"/>
           </a:p>
@@ -7034,58 +7840,90 @@
         </p:nvSpPr>
         <p:spPr>
           <a:xfrm>
-            <a:off x="892629" y="1967137"/>
-            <a:ext cx="4433256" cy="1385663"/>
+            <a:off x="1097280" y="1967137"/>
+            <a:ext cx="10058399" cy="4057145"/>
           </a:xfrm>
         </p:spPr>
         <p:txBody>
           <a:bodyPr>
-            <a:normAutofit lnSpcReduction="10000"/>
+            <a:normAutofit fontScale="92500" lnSpcReduction="20000"/>
           </a:bodyPr>
           <a:lstStyle/>
           <a:p>
+            <a:pPr>
+              <a:buFont typeface="Arial" panose="020B0604020202020204" pitchFamily="34" charset="0"/>
+              <a:buChar char="•"/>
+            </a:pPr>
+            <a:r>
+              <a:rPr lang="it-IT" dirty="0" smtClean="0">
+                <a:solidFill>
+                  <a:schemeClr val="tx1"/>
+                </a:solidFill>
+              </a:rPr>
+              <a:t> 1. Introduzione al problema</a:t>
+            </a:r>
+          </a:p>
+          <a:p>
+            <a:pPr>
+              <a:buFont typeface="Arial" panose="020B0604020202020204" pitchFamily="34" charset="0"/>
+              <a:buChar char="•"/>
+            </a:pPr>
+            <a:r>
+              <a:rPr lang="it-IT" dirty="0" smtClean="0">
+                <a:solidFill>
+                  <a:schemeClr val="tx1"/>
+                </a:solidFill>
+              </a:rPr>
+              <a:t> 2 Modello del problema</a:t>
+            </a:r>
+          </a:p>
+          <a:p>
+            <a:pPr lvl="1">
+              <a:buFont typeface="Arial" panose="020B0604020202020204" pitchFamily="34" charset="0"/>
+              <a:buChar char="•"/>
+            </a:pPr>
             <a:r>
               <a:rPr lang="it-IT" dirty="0">
                 <a:solidFill>
                   <a:schemeClr val="tx1"/>
                 </a:solidFill>
               </a:rPr>
-              <a:t>Il sistema è composto da un </a:t>
-            </a:r>
-            <a:r>
-              <a:rPr lang="it-IT" dirty="0" err="1">
+              <a:t> </a:t>
+            </a:r>
+            <a:r>
+              <a:rPr lang="it-IT" dirty="0" smtClean="0">
                 <a:solidFill>
                   <a:schemeClr val="tx1"/>
                 </a:solidFill>
               </a:rPr>
-              <a:t>brick</a:t>
-            </a:r>
+              <a:t>2.1 Formule matematiche</a:t>
+            </a:r>
+          </a:p>
+          <a:p>
+            <a:pPr lvl="1">
+              <a:buFont typeface="Arial" panose="020B0604020202020204" pitchFamily="34" charset="0"/>
+              <a:buChar char="•"/>
+            </a:pPr>
             <a:r>
               <a:rPr lang="it-IT" dirty="0">
                 <a:solidFill>
                   <a:schemeClr val="tx1"/>
                 </a:solidFill>
               </a:rPr>
-              <a:t> contente:</a:t>
-            </a:r>
-          </a:p>
-          <a:p>
-            <a:pPr lvl="1">
-              <a:buFont typeface="Arial" charset="0"/>
-              <a:buChar char="•"/>
-            </a:pPr>
+              <a:t> </a:t>
+            </a:r>
             <a:r>
               <a:rPr lang="it-IT" dirty="0" smtClean="0">
                 <a:solidFill>
                   <a:schemeClr val="tx1"/>
                 </a:solidFill>
               </a:rPr>
-              <a:t> N-1 cariche note, di valore ugual valore</a:t>
-            </a:r>
-          </a:p>
-          <a:p>
-            <a:pPr lvl="1">
-              <a:buFont typeface="Arial" charset="0"/>
+              <a:t>2.2 Funzione di costo</a:t>
+            </a:r>
+          </a:p>
+          <a:p>
+            <a:pPr>
+              <a:buFont typeface="Arial" panose="020B0604020202020204" pitchFamily="34" charset="0"/>
               <a:buChar char="•"/>
             </a:pPr>
             <a:r>
@@ -7094,8 +7932,179 @@
                   <a:schemeClr val="tx1"/>
                 </a:solidFill>
               </a:rPr>
-              <a:t> 1 carica le cui coordinate x ed y ed il valore della carica sono incognite</a:t>
-            </a:r>
+              <a:t> 3 Algoritmo ed implementazione</a:t>
+            </a:r>
+          </a:p>
+          <a:p>
+            <a:pPr lvl="1">
+              <a:buFont typeface="Arial" panose="020B0604020202020204" pitchFamily="34" charset="0"/>
+              <a:buChar char="•"/>
+            </a:pPr>
+            <a:r>
+              <a:rPr lang="it-IT" dirty="0">
+                <a:solidFill>
+                  <a:schemeClr val="tx1"/>
+                </a:solidFill>
+              </a:rPr>
+              <a:t> </a:t>
+            </a:r>
+            <a:r>
+              <a:rPr lang="it-IT" dirty="0" smtClean="0">
+                <a:solidFill>
+                  <a:schemeClr val="tx1"/>
+                </a:solidFill>
+              </a:rPr>
+              <a:t>3.1 UML</a:t>
+            </a:r>
+          </a:p>
+          <a:p>
+            <a:pPr lvl="1">
+              <a:buFont typeface="Arial" panose="020B0604020202020204" pitchFamily="34" charset="0"/>
+              <a:buChar char="•"/>
+            </a:pPr>
+            <a:r>
+              <a:rPr lang="it-IT" dirty="0">
+                <a:solidFill>
+                  <a:schemeClr val="tx1"/>
+                </a:solidFill>
+              </a:rPr>
+              <a:t> </a:t>
+            </a:r>
+            <a:r>
+              <a:rPr lang="it-IT" dirty="0" smtClean="0">
+                <a:solidFill>
+                  <a:schemeClr val="tx1"/>
+                </a:solidFill>
+              </a:rPr>
+              <a:t>3.2 </a:t>
+            </a:r>
+            <a:r>
+              <a:rPr lang="it-IT" dirty="0" smtClean="0">
+                <a:solidFill>
+                  <a:schemeClr val="tx1"/>
+                </a:solidFill>
+              </a:rPr>
+              <a:t>Parametri iniziali</a:t>
+            </a:r>
+          </a:p>
+          <a:p>
+            <a:pPr lvl="1">
+              <a:buFont typeface="Arial" panose="020B0604020202020204" pitchFamily="34" charset="0"/>
+              <a:buChar char="•"/>
+            </a:pPr>
+            <a:r>
+              <a:rPr lang="it-IT" dirty="0" smtClean="0">
+                <a:solidFill>
+                  <a:schemeClr val="tx1"/>
+                </a:solidFill>
+              </a:rPr>
+              <a:t> 3.3 Condizioni di arresto</a:t>
+            </a:r>
+            <a:endParaRPr lang="it-IT" dirty="0" smtClean="0">
+              <a:solidFill>
+                <a:schemeClr val="tx1"/>
+              </a:solidFill>
+            </a:endParaRPr>
+          </a:p>
+          <a:p>
+            <a:pPr>
+              <a:buFont typeface="Arial" panose="020B0604020202020204" pitchFamily="34" charset="0"/>
+              <a:buChar char="•"/>
+            </a:pPr>
+            <a:r>
+              <a:rPr lang="it-IT" dirty="0" smtClean="0">
+                <a:solidFill>
+                  <a:schemeClr val="tx1"/>
+                </a:solidFill>
+              </a:rPr>
+              <a:t> 4 Risultati</a:t>
+            </a:r>
+          </a:p>
+          <a:p>
+            <a:pPr lvl="1">
+              <a:buFont typeface="Arial" panose="020B0604020202020204" pitchFamily="34" charset="0"/>
+              <a:buChar char="•"/>
+            </a:pPr>
+            <a:r>
+              <a:rPr lang="it-IT" dirty="0" smtClean="0">
+                <a:solidFill>
+                  <a:schemeClr val="tx1"/>
+                </a:solidFill>
+              </a:rPr>
+              <a:t> 4.1 Identificazione non vincolata</a:t>
+            </a:r>
+          </a:p>
+          <a:p>
+            <a:pPr lvl="1">
+              <a:buFont typeface="Arial" panose="020B0604020202020204" pitchFamily="34" charset="0"/>
+              <a:buChar char="•"/>
+            </a:pPr>
+            <a:r>
+              <a:rPr lang="it-IT" dirty="0">
+                <a:solidFill>
+                  <a:schemeClr val="tx1"/>
+                </a:solidFill>
+              </a:rPr>
+              <a:t> </a:t>
+            </a:r>
+            <a:r>
+              <a:rPr lang="it-IT" dirty="0" smtClean="0">
+                <a:solidFill>
+                  <a:schemeClr val="tx1"/>
+                </a:solidFill>
+              </a:rPr>
+              <a:t>4.2 </a:t>
+            </a:r>
+            <a:r>
+              <a:rPr lang="it-IT" dirty="0">
+                <a:solidFill>
+                  <a:schemeClr val="tx1"/>
+                </a:solidFill>
+              </a:rPr>
+              <a:t>Identificazione</a:t>
+            </a:r>
+            <a:r>
+              <a:rPr lang="it-IT" dirty="0" smtClean="0">
+                <a:solidFill>
+                  <a:schemeClr val="tx1"/>
+                </a:solidFill>
+              </a:rPr>
+              <a:t> vincolata</a:t>
+            </a:r>
+          </a:p>
+          <a:p>
+            <a:pPr lvl="1">
+              <a:buFont typeface="Arial" panose="020B0604020202020204" pitchFamily="34" charset="0"/>
+              <a:buChar char="•"/>
+            </a:pPr>
+            <a:r>
+              <a:rPr lang="it-IT" dirty="0" smtClean="0">
+                <a:solidFill>
+                  <a:schemeClr val="tx1"/>
+                </a:solidFill>
+              </a:rPr>
+              <a:t> 4.3 Crimine inverso</a:t>
+            </a:r>
+          </a:p>
+          <a:p>
+            <a:pPr>
+              <a:buFont typeface="Arial" panose="020B0604020202020204" pitchFamily="34" charset="0"/>
+              <a:buChar char="•"/>
+            </a:pPr>
+            <a:r>
+              <a:rPr lang="it-IT" dirty="0" smtClean="0">
+                <a:solidFill>
+                  <a:schemeClr val="tx1"/>
+                </a:solidFill>
+              </a:rPr>
+              <a:t> 5 Considerazioni</a:t>
+            </a:r>
+          </a:p>
+          <a:p>
+            <a:pPr>
+              <a:buFont typeface="Arial" panose="020B0604020202020204" pitchFamily="34" charset="0"/>
+              <a:buChar char="•"/>
+            </a:pPr>
             <a:endParaRPr lang="it-IT" dirty="0">
               <a:solidFill>
                 <a:schemeClr val="tx1"/>
@@ -7106,13 +8115,468 @@
       </p:sp>
       <p:sp>
         <p:nvSpPr>
+          <p:cNvPr id="4" name="Rectangle 13"/>
+          <p:cNvSpPr>
+            <a:spLocks noChangeArrowheads="1"/>
+          </p:cNvSpPr>
+          <p:nvPr/>
+        </p:nvSpPr>
+        <p:spPr bwMode="auto">
+          <a:xfrm>
+            <a:off x="5308171" y="-3886325"/>
+            <a:ext cx="12192000" cy="457200"/>
+          </a:xfrm>
+          <a:prstGeom prst="rect">
+            <a:avLst/>
+          </a:prstGeom>
+          <a:noFill/>
+          <a:ln>
+            <a:noFill/>
+          </a:ln>
+          <a:effectLst/>
+          <a:extLst>
+            <a:ext uri="{909E8E84-426E-40DD-AFC4-6F175D3DCCD1}">
+              <a14:hiddenFill xmlns:a14="http://schemas.microsoft.com/office/drawing/2010/main">
+                <a:solidFill>
+                  <a:schemeClr val="accent1"/>
+                </a:solidFill>
+              </a14:hiddenFill>
+            </a:ext>
+            <a:ext uri="{91240B29-F687-4F45-9708-019B960494DF}">
+              <a14:hiddenLine xmlns:a14="http://schemas.microsoft.com/office/drawing/2010/main" w="9525">
+                <a:solidFill>
+                  <a:schemeClr val="tx1"/>
+                </a:solidFill>
+                <a:miter lim="800000"/>
+                <a:headEnd/>
+                <a:tailEnd/>
+              </a14:hiddenLine>
+            </a:ext>
+            <a:ext uri="{AF507438-7753-43E0-B8FC-AC1667EBCBE1}">
+              <a14:hiddenEffects xmlns:a14="http://schemas.microsoft.com/office/drawing/2010/main">
+                <a:effectLst>
+                  <a:outerShdw blurRad="63500" dist="38099" dir="2700000" algn="ctr" rotWithShape="0">
+                    <a:schemeClr val="bg2">
+                      <a:alpha val="74998"/>
+                    </a:schemeClr>
+                  </a:outerShdw>
+                </a:effectLst>
+              </a14:hiddenEffects>
+            </a:ext>
+          </a:extLst>
+        </p:spPr>
+        <p:txBody>
+          <a:bodyPr vert="horz" wrap="none" lIns="91440" tIns="45720" rIns="91440" bIns="45720" numCol="1" anchor="ctr" anchorCtr="0" compatLnSpc="1">
+            <a:prstTxWarp prst="textNoShape">
+              <a:avLst/>
+            </a:prstTxWarp>
+            <a:spAutoFit/>
+          </a:bodyPr>
+          <a:lstStyle/>
+          <a:p>
+            <a:endParaRPr lang="en-US"/>
+          </a:p>
+        </p:txBody>
+      </p:sp>
+      <p:sp>
+        <p:nvSpPr>
+          <p:cNvPr id="20" name="Rectangle 14"/>
+          <p:cNvSpPr>
+            <a:spLocks noChangeArrowheads="1"/>
+          </p:cNvSpPr>
+          <p:nvPr/>
+        </p:nvSpPr>
+        <p:spPr bwMode="auto">
+          <a:xfrm>
+            <a:off x="5308171" y="-3429125"/>
+            <a:ext cx="12192000" cy="0"/>
+          </a:xfrm>
+          <a:prstGeom prst="rect">
+            <a:avLst/>
+          </a:prstGeom>
+          <a:noFill/>
+          <a:ln>
+            <a:noFill/>
+          </a:ln>
+          <a:effectLst/>
+          <a:extLst>
+            <a:ext uri="{909E8E84-426E-40DD-AFC4-6F175D3DCCD1}">
+              <a14:hiddenFill xmlns:a14="http://schemas.microsoft.com/office/drawing/2010/main">
+                <a:solidFill>
+                  <a:schemeClr val="accent1"/>
+                </a:solidFill>
+              </a14:hiddenFill>
+            </a:ext>
+            <a:ext uri="{91240B29-F687-4F45-9708-019B960494DF}">
+              <a14:hiddenLine xmlns:a14="http://schemas.microsoft.com/office/drawing/2010/main" w="9525">
+                <a:solidFill>
+                  <a:schemeClr val="tx1"/>
+                </a:solidFill>
+                <a:miter lim="800000"/>
+                <a:headEnd/>
+                <a:tailEnd/>
+              </a14:hiddenLine>
+            </a:ext>
+            <a:ext uri="{AF507438-7753-43E0-B8FC-AC1667EBCBE1}">
+              <a14:hiddenEffects xmlns:a14="http://schemas.microsoft.com/office/drawing/2010/main">
+                <a:effectLst>
+                  <a:outerShdw blurRad="63500" dist="38099" dir="2700000" algn="ctr" rotWithShape="0">
+                    <a:schemeClr val="bg2">
+                      <a:alpha val="74998"/>
+                    </a:schemeClr>
+                  </a:outerShdw>
+                </a:effectLst>
+              </a14:hiddenEffects>
+            </a:ext>
+          </a:extLst>
+        </p:spPr>
+        <p:txBody>
+          <a:bodyPr vert="horz" wrap="none" lIns="91440" tIns="45720" rIns="91440" bIns="45720" numCol="1" anchor="ctr" anchorCtr="0" compatLnSpc="1">
+            <a:prstTxWarp prst="textNoShape">
+              <a:avLst/>
+            </a:prstTxWarp>
+            <a:spAutoFit/>
+          </a:bodyPr>
+          <a:lstStyle/>
+          <a:p>
+            <a:endParaRPr lang="en-US"/>
+          </a:p>
+        </p:txBody>
+      </p:sp>
+      <p:sp>
+        <p:nvSpPr>
+          <p:cNvPr id="21" name="Rectangle 16"/>
+          <p:cNvSpPr>
+            <a:spLocks noChangeArrowheads="1"/>
+          </p:cNvSpPr>
+          <p:nvPr/>
+        </p:nvSpPr>
+        <p:spPr bwMode="auto">
+          <a:xfrm>
+            <a:off x="5308171" y="-3429125"/>
+            <a:ext cx="12192000" cy="0"/>
+          </a:xfrm>
+          <a:prstGeom prst="rect">
+            <a:avLst/>
+          </a:prstGeom>
+          <a:noFill/>
+          <a:ln>
+            <a:noFill/>
+          </a:ln>
+          <a:effectLst/>
+          <a:extLst>
+            <a:ext uri="{909E8E84-426E-40DD-AFC4-6F175D3DCCD1}">
+              <a14:hiddenFill xmlns:a14="http://schemas.microsoft.com/office/drawing/2010/main">
+                <a:solidFill>
+                  <a:schemeClr val="accent1"/>
+                </a:solidFill>
+              </a14:hiddenFill>
+            </a:ext>
+            <a:ext uri="{91240B29-F687-4F45-9708-019B960494DF}">
+              <a14:hiddenLine xmlns:a14="http://schemas.microsoft.com/office/drawing/2010/main" w="9525">
+                <a:solidFill>
+                  <a:schemeClr val="tx1"/>
+                </a:solidFill>
+                <a:miter lim="800000"/>
+                <a:headEnd/>
+                <a:tailEnd/>
+              </a14:hiddenLine>
+            </a:ext>
+            <a:ext uri="{AF507438-7753-43E0-B8FC-AC1667EBCBE1}">
+              <a14:hiddenEffects xmlns:a14="http://schemas.microsoft.com/office/drawing/2010/main">
+                <a:effectLst>
+                  <a:outerShdw blurRad="63500" dist="38099" dir="2700000" algn="ctr" rotWithShape="0">
+                    <a:schemeClr val="bg2">
+                      <a:alpha val="74998"/>
+                    </a:schemeClr>
+                  </a:outerShdw>
+                </a:effectLst>
+              </a14:hiddenEffects>
+            </a:ext>
+          </a:extLst>
+        </p:spPr>
+        <p:txBody>
+          <a:bodyPr vert="horz" wrap="none" lIns="91440" tIns="45720" rIns="91440" bIns="45720" numCol="1" anchor="ctr" anchorCtr="0" compatLnSpc="1">
+            <a:prstTxWarp prst="textNoShape">
+              <a:avLst/>
+            </a:prstTxWarp>
+            <a:spAutoFit/>
+          </a:bodyPr>
+          <a:lstStyle/>
+          <a:p>
+            <a:endParaRPr lang="en-US"/>
+          </a:p>
+        </p:txBody>
+      </p:sp>
+      <p:sp>
+        <p:nvSpPr>
+          <p:cNvPr id="22" name="Rectangle 19"/>
+          <p:cNvSpPr>
+            <a:spLocks noChangeArrowheads="1"/>
+          </p:cNvSpPr>
+          <p:nvPr/>
+        </p:nvSpPr>
+        <p:spPr bwMode="auto">
+          <a:xfrm>
+            <a:off x="5308171" y="-3429125"/>
+            <a:ext cx="12192000" cy="0"/>
+          </a:xfrm>
+          <a:prstGeom prst="rect">
+            <a:avLst/>
+          </a:prstGeom>
+          <a:noFill/>
+          <a:ln>
+            <a:noFill/>
+          </a:ln>
+          <a:effectLst/>
+          <a:extLst>
+            <a:ext uri="{909E8E84-426E-40DD-AFC4-6F175D3DCCD1}">
+              <a14:hiddenFill xmlns:a14="http://schemas.microsoft.com/office/drawing/2010/main">
+                <a:solidFill>
+                  <a:schemeClr val="accent1"/>
+                </a:solidFill>
+              </a14:hiddenFill>
+            </a:ext>
+            <a:ext uri="{91240B29-F687-4F45-9708-019B960494DF}">
+              <a14:hiddenLine xmlns:a14="http://schemas.microsoft.com/office/drawing/2010/main" w="9525">
+                <a:solidFill>
+                  <a:schemeClr val="tx1"/>
+                </a:solidFill>
+                <a:miter lim="800000"/>
+                <a:headEnd/>
+                <a:tailEnd/>
+              </a14:hiddenLine>
+            </a:ext>
+            <a:ext uri="{AF507438-7753-43E0-B8FC-AC1667EBCBE1}">
+              <a14:hiddenEffects xmlns:a14="http://schemas.microsoft.com/office/drawing/2010/main">
+                <a:effectLst>
+                  <a:outerShdw blurRad="63500" dist="38099" dir="2700000" algn="ctr" rotWithShape="0">
+                    <a:schemeClr val="bg2">
+                      <a:alpha val="74998"/>
+                    </a:schemeClr>
+                  </a:outerShdw>
+                </a:effectLst>
+              </a14:hiddenEffects>
+            </a:ext>
+          </a:extLst>
+        </p:spPr>
+        <p:txBody>
+          <a:bodyPr vert="horz" wrap="none" lIns="91440" tIns="45720" rIns="91440" bIns="45720" numCol="1" anchor="ctr" anchorCtr="0" compatLnSpc="1">
+            <a:prstTxWarp prst="textNoShape">
+              <a:avLst/>
+            </a:prstTxWarp>
+            <a:spAutoFit/>
+          </a:bodyPr>
+          <a:lstStyle/>
+          <a:p>
+            <a:endParaRPr lang="en-US"/>
+          </a:p>
+        </p:txBody>
+      </p:sp>
+      <p:sp>
+        <p:nvSpPr>
+          <p:cNvPr id="23" name="Rectangle 21"/>
+          <p:cNvSpPr>
+            <a:spLocks noChangeArrowheads="1"/>
+          </p:cNvSpPr>
+          <p:nvPr/>
+        </p:nvSpPr>
+        <p:spPr bwMode="auto">
+          <a:xfrm>
+            <a:off x="5308171" y="-3429125"/>
+            <a:ext cx="12192000" cy="0"/>
+          </a:xfrm>
+          <a:prstGeom prst="rect">
+            <a:avLst/>
+          </a:prstGeom>
+          <a:noFill/>
+          <a:ln>
+            <a:noFill/>
+          </a:ln>
+          <a:effectLst/>
+          <a:extLst>
+            <a:ext uri="{909E8E84-426E-40DD-AFC4-6F175D3DCCD1}">
+              <a14:hiddenFill xmlns:a14="http://schemas.microsoft.com/office/drawing/2010/main">
+                <a:solidFill>
+                  <a:schemeClr val="accent1"/>
+                </a:solidFill>
+              </a14:hiddenFill>
+            </a:ext>
+            <a:ext uri="{91240B29-F687-4F45-9708-019B960494DF}">
+              <a14:hiddenLine xmlns:a14="http://schemas.microsoft.com/office/drawing/2010/main" w="9525">
+                <a:solidFill>
+                  <a:schemeClr val="tx1"/>
+                </a:solidFill>
+                <a:miter lim="800000"/>
+                <a:headEnd/>
+                <a:tailEnd/>
+              </a14:hiddenLine>
+            </a:ext>
+            <a:ext uri="{AF507438-7753-43E0-B8FC-AC1667EBCBE1}">
+              <a14:hiddenEffects xmlns:a14="http://schemas.microsoft.com/office/drawing/2010/main">
+                <a:effectLst>
+                  <a:outerShdw blurRad="63500" dist="38099" dir="2700000" algn="ctr" rotWithShape="0">
+                    <a:schemeClr val="bg2">
+                      <a:alpha val="74998"/>
+                    </a:schemeClr>
+                  </a:outerShdw>
+                </a:effectLst>
+              </a14:hiddenEffects>
+            </a:ext>
+          </a:extLst>
+        </p:spPr>
+        <p:txBody>
+          <a:bodyPr vert="horz" wrap="none" lIns="91440" tIns="45720" rIns="91440" bIns="45720" numCol="1" anchor="ctr" anchorCtr="0" compatLnSpc="1">
+            <a:prstTxWarp prst="textNoShape">
+              <a:avLst/>
+            </a:prstTxWarp>
+            <a:spAutoFit/>
+          </a:bodyPr>
+          <a:lstStyle/>
+          <a:p>
+            <a:endParaRPr lang="en-US"/>
+          </a:p>
+        </p:txBody>
+      </p:sp>
+      <p:sp>
+        <p:nvSpPr>
+          <p:cNvPr id="24" name="Rectangle 23"/>
+          <p:cNvSpPr>
+            <a:spLocks noChangeArrowheads="1"/>
+          </p:cNvSpPr>
+          <p:nvPr/>
+        </p:nvSpPr>
+        <p:spPr bwMode="auto">
+          <a:xfrm>
+            <a:off x="5308171" y="-3429125"/>
+            <a:ext cx="12192000" cy="0"/>
+          </a:xfrm>
+          <a:prstGeom prst="rect">
+            <a:avLst/>
+          </a:prstGeom>
+          <a:noFill/>
+          <a:ln>
+            <a:noFill/>
+          </a:ln>
+          <a:effectLst/>
+          <a:extLst>
+            <a:ext uri="{909E8E84-426E-40DD-AFC4-6F175D3DCCD1}">
+              <a14:hiddenFill xmlns:a14="http://schemas.microsoft.com/office/drawing/2010/main">
+                <a:solidFill>
+                  <a:schemeClr val="accent1"/>
+                </a:solidFill>
+              </a14:hiddenFill>
+            </a:ext>
+            <a:ext uri="{91240B29-F687-4F45-9708-019B960494DF}">
+              <a14:hiddenLine xmlns:a14="http://schemas.microsoft.com/office/drawing/2010/main" w="9525">
+                <a:solidFill>
+                  <a:schemeClr val="tx1"/>
+                </a:solidFill>
+                <a:miter lim="800000"/>
+                <a:headEnd/>
+                <a:tailEnd/>
+              </a14:hiddenLine>
+            </a:ext>
+            <a:ext uri="{AF507438-7753-43E0-B8FC-AC1667EBCBE1}">
+              <a14:hiddenEffects xmlns:a14="http://schemas.microsoft.com/office/drawing/2010/main">
+                <a:effectLst>
+                  <a:outerShdw blurRad="63500" dist="38099" dir="2700000" algn="ctr" rotWithShape="0">
+                    <a:schemeClr val="bg2">
+                      <a:alpha val="74998"/>
+                    </a:schemeClr>
+                  </a:outerShdw>
+                </a:effectLst>
+              </a14:hiddenEffects>
+            </a:ext>
+          </a:extLst>
+        </p:spPr>
+        <p:txBody>
+          <a:bodyPr vert="horz" wrap="none" lIns="91440" tIns="45720" rIns="91440" bIns="45720" numCol="1" anchor="ctr" anchorCtr="0" compatLnSpc="1">
+            <a:prstTxWarp prst="textNoShape">
+              <a:avLst/>
+            </a:prstTxWarp>
+            <a:spAutoFit/>
+          </a:bodyPr>
+          <a:lstStyle/>
+          <a:p>
+            <a:endParaRPr lang="en-US"/>
+          </a:p>
+        </p:txBody>
+      </p:sp>
+    </p:spTree>
+    <p:extLst>
+      <p:ext uri="{BB962C8B-B14F-4D97-AF65-F5344CB8AC3E}">
+        <p14:creationId xmlns:p14="http://schemas.microsoft.com/office/powerpoint/2010/main" val="3166130465"/>
+      </p:ext>
+    </p:extLst>
+  </p:cSld>
+  <p:clrMapOvr>
+    <a:masterClrMapping/>
+  </p:clrMapOvr>
+  <p:timing>
+    <p:tnLst>
+      <p:par>
+        <p:cTn id="1" dur="indefinite" restart="never" nodeType="tmRoot"/>
+      </p:par>
+    </p:tnLst>
+  </p:timing>
+</p:sld>
+</file>
+
+<file path=ppt/slides/slide3.xml><?xml version="1.0" encoding="utf-8"?>
+<p:sld xmlns:a="http://schemas.openxmlformats.org/drawingml/2006/main" xmlns:r="http://schemas.openxmlformats.org/officeDocument/2006/relationships" xmlns:p="http://schemas.openxmlformats.org/presentationml/2006/main">
+  <p:cSld>
+    <p:spTree>
+      <p:nvGrpSpPr>
+        <p:cNvPr id="1" name=""/>
+        <p:cNvGrpSpPr/>
+        <p:nvPr/>
+      </p:nvGrpSpPr>
+      <p:grpSpPr>
+        <a:xfrm>
+          <a:off x="0" y="0"/>
+          <a:ext cx="0" cy="0"/>
+          <a:chOff x="0" y="0"/>
+          <a:chExt cx="0" cy="0"/>
+        </a:xfrm>
+      </p:grpSpPr>
+      <p:sp>
+        <p:nvSpPr>
+          <p:cNvPr id="2" name="Titolo 1"/>
+          <p:cNvSpPr>
+            <a:spLocks noGrp="1"/>
+          </p:cNvSpPr>
+          <p:nvPr>
+            <p:ph type="title"/>
+          </p:nvPr>
+        </p:nvSpPr>
+        <p:spPr>
+          <a:xfrm>
+            <a:off x="1097279" y="286603"/>
+            <a:ext cx="10426849" cy="1450757"/>
+          </a:xfrm>
+        </p:spPr>
+        <p:txBody>
+          <a:bodyPr/>
+          <a:lstStyle/>
+          <a:p>
+            <a:r>
+              <a:rPr lang="it-IT" dirty="0" smtClean="0"/>
+              <a:t>Descrizione del problema di identificazione</a:t>
+            </a:r>
+            <a:endParaRPr lang="it-IT" dirty="0"/>
+          </a:p>
+        </p:txBody>
+      </p:sp>
+      <p:sp>
+        <p:nvSpPr>
           <p:cNvPr id="6" name="TextBox 5"/>
           <p:cNvSpPr txBox="1"/>
           <p:nvPr/>
         </p:nvSpPr>
         <p:spPr>
           <a:xfrm>
-            <a:off x="892628" y="3424884"/>
+            <a:off x="838019" y="3993098"/>
             <a:ext cx="4528391" cy="923330"/>
           </a:xfrm>
           <a:prstGeom prst="rect">
@@ -7144,112 +8608,18 @@
               <a:buChar char=" "/>
             </a:pPr>
             <a:r>
-              <a:rPr lang="it-IT" sz="2000" dirty="0"/>
-              <a:t>Un secondo </a:t>
-            </a:r>
-            <a:r>
-              <a:rPr lang="it-IT" sz="2000" dirty="0" err="1"/>
+              <a:rPr lang="it-IT" sz="2000" dirty="0" smtClean="0"/>
+              <a:t>Le N cariche si trovano in un </a:t>
+            </a:r>
+            <a:r>
+              <a:rPr lang="it-IT" sz="2000" dirty="0" err="1" smtClean="0"/>
               <a:t>brick</a:t>
             </a:r>
             <a:r>
-              <a:rPr lang="it-IT" sz="2000" dirty="0"/>
-              <a:t> esterno su cui sono posti M misurati di potenziale elettrico </a:t>
-            </a:r>
-            <a:r>
-              <a:rPr lang="it-IT" sz="2000" dirty="0" err="1" smtClean="0"/>
-              <a:t>equidistanziati</a:t>
+              <a:rPr lang="it-IT" sz="2000" dirty="0" smtClean="0"/>
+              <a:t> interno, su uno esterno effettuiamo le M misurazioni del potenziale totale.</a:t>
             </a:r>
             <a:endParaRPr lang="it-IT" sz="2000" dirty="0"/>
-          </a:p>
-        </p:txBody>
-      </p:sp>
-      <p:sp>
-        <p:nvSpPr>
-          <p:cNvPr id="7" name="TextBox 6"/>
-          <p:cNvSpPr txBox="1"/>
-          <p:nvPr/>
-        </p:nvSpPr>
-        <p:spPr>
-          <a:xfrm>
-            <a:off x="892628" y="4722478"/>
-            <a:ext cx="4415543" cy="707886"/>
-          </a:xfrm>
-          <a:prstGeom prst="rect">
-            <a:avLst/>
-          </a:prstGeom>
-          <a:noFill/>
-        </p:spPr>
-        <p:txBody>
-          <a:bodyPr wrap="square" rtlCol="0">
-            <a:spAutoFit/>
-          </a:bodyPr>
-          <a:lstStyle/>
-          <a:p>
-            <a:r>
-              <a:rPr lang="en-US" sz="2000" dirty="0"/>
-              <a:t>Il </a:t>
-            </a:r>
-            <a:r>
-              <a:rPr lang="en-US" sz="2000" dirty="0" err="1"/>
-              <a:t>nostro</a:t>
-            </a:r>
-            <a:r>
-              <a:rPr lang="en-US" sz="2000" dirty="0"/>
-              <a:t> </a:t>
-            </a:r>
-            <a:r>
-              <a:rPr lang="en-US" sz="2000" dirty="0" err="1"/>
-              <a:t>sistema</a:t>
-            </a:r>
-            <a:r>
-              <a:rPr lang="en-US" sz="2000" dirty="0"/>
-              <a:t> di </a:t>
-            </a:r>
-            <a:r>
-              <a:rPr lang="en-US" sz="2000" dirty="0" err="1"/>
-              <a:t>riferimento</a:t>
-            </a:r>
-            <a:r>
-              <a:rPr lang="en-US" sz="2000" dirty="0"/>
-              <a:t> </a:t>
-            </a:r>
-            <a:r>
-              <a:rPr lang="en-US" sz="2000" dirty="0" err="1"/>
-              <a:t>è</a:t>
-            </a:r>
-            <a:r>
-              <a:rPr lang="en-US" sz="2000" dirty="0"/>
-              <a:t> </a:t>
-            </a:r>
-            <a:r>
-              <a:rPr lang="en-US" sz="2000" dirty="0" err="1"/>
-              <a:t>posto</a:t>
-            </a:r>
-            <a:r>
-              <a:rPr lang="en-US" sz="2000" dirty="0"/>
-              <a:t> al </a:t>
-            </a:r>
-            <a:r>
-              <a:rPr lang="en-US" sz="2000" dirty="0" err="1"/>
-              <a:t>centro</a:t>
-            </a:r>
-            <a:r>
-              <a:rPr lang="en-US" sz="2000" dirty="0"/>
-              <a:t> del </a:t>
-            </a:r>
-            <a:r>
-              <a:rPr lang="en-US" sz="2000" dirty="0" err="1"/>
-              <a:t>nostro</a:t>
-            </a:r>
-            <a:r>
-              <a:rPr lang="en-US" sz="2000" dirty="0"/>
-              <a:t> </a:t>
-            </a:r>
-            <a:r>
-              <a:rPr lang="en-US" sz="2000" dirty="0" err="1"/>
-              <a:t>sistema</a:t>
-            </a:r>
-            <a:endParaRPr lang="en-US" sz="2000" dirty="0"/>
           </a:p>
         </p:txBody>
       </p:sp>
@@ -8277,92 +9647,273 @@
           </a:p>
         </p:txBody>
       </p:sp>
-    </p:spTree>
-    <p:extLst>
-      <p:ext uri="{BB962C8B-B14F-4D97-AF65-F5344CB8AC3E}">
-        <p14:creationId xmlns:p14="http://schemas.microsoft.com/office/powerpoint/2010/main" val="1221369986"/>
-      </p:ext>
-    </p:extLst>
-  </p:cSld>
-  <p:clrMapOvr>
-    <a:masterClrMapping/>
-  </p:clrMapOvr>
-  <p:timing>
-    <p:tnLst>
-      <p:par>
-        <p:cTn id="1" dur="indefinite" restart="never" nodeType="tmRoot"/>
-      </p:par>
-    </p:tnLst>
-  </p:timing>
-</p:sld>
-</file>
-
-<file path=ppt/slides/slide3.xml><?xml version="1.0" encoding="utf-8"?>
-<p:sld xmlns:a="http://schemas.openxmlformats.org/drawingml/2006/main" xmlns:r="http://schemas.openxmlformats.org/officeDocument/2006/relationships" xmlns:p="http://schemas.openxmlformats.org/presentationml/2006/main">
-  <p:cSld>
-    <p:spTree>
-      <p:nvGrpSpPr>
-        <p:cNvPr id="1" name=""/>
-        <p:cNvGrpSpPr/>
-        <p:nvPr/>
-      </p:nvGrpSpPr>
-      <p:grpSpPr>
-        <a:xfrm>
-          <a:off x="0" y="0"/>
-          <a:ext cx="0" cy="0"/>
-          <a:chOff x="0" y="0"/>
-          <a:chExt cx="0" cy="0"/>
-        </a:xfrm>
-      </p:grpSpPr>
-      <p:sp>
-        <p:nvSpPr>
-          <p:cNvPr id="2" name="Titolo 1"/>
-          <p:cNvSpPr>
-            <a:spLocks noGrp="1"/>
+      <p:sp>
+        <p:nvSpPr>
+          <p:cNvPr id="25" name="Segnaposto contenuto 2"/>
+          <p:cNvSpPr txBox="1">
+            <a:spLocks/>
           </p:cNvSpPr>
-          <p:nvPr>
-            <p:ph type="title"/>
-          </p:nvPr>
+          <p:nvPr/>
         </p:nvSpPr>
         <p:spPr>
           <a:xfrm>
-            <a:off x="1097280" y="729343"/>
-            <a:ext cx="10058400" cy="986246"/>
+            <a:off x="984106" y="1970681"/>
+            <a:ext cx="4433256" cy="1800953"/>
           </a:xfrm>
+          <a:prstGeom prst="rect">
+            <a:avLst/>
+          </a:prstGeom>
         </p:spPr>
         <p:txBody>
-          <a:bodyPr/>
-          <a:lstStyle/>
-          <a:p>
-            <a:r>
-              <a:rPr lang="it-IT" dirty="0" smtClean="0"/>
-              <a:t>APPROCCIO DEL PROBLEMA</a:t>
-            </a:r>
-            <a:endParaRPr lang="it-IT" dirty="0"/>
-          </a:p>
-        </p:txBody>
-      </p:sp>
-      <p:sp>
-        <p:nvSpPr>
-          <p:cNvPr id="3" name="Segnaposto contenuto 2"/>
-          <p:cNvSpPr>
-            <a:spLocks noGrp="1"/>
-          </p:cNvSpPr>
-          <p:nvPr>
-            <p:ph idx="1"/>
-          </p:nvPr>
-        </p:nvSpPr>
-        <p:spPr>
-          <a:xfrm>
-            <a:off x="1097280" y="1845733"/>
-            <a:ext cx="10058400" cy="4304695"/>
-          </a:xfrm>
-        </p:spPr>
-        <p:txBody>
-          <a:bodyPr>
-            <a:normAutofit lnSpcReduction="10000"/>
+          <a:bodyPr vert="horz" lIns="0" tIns="45720" rIns="0" bIns="45720" rtlCol="0">
+            <a:normAutofit/>
           </a:bodyPr>
-          <a:lstStyle/>
+          <a:lstStyle>
+            <a:lvl1pPr marL="91440" indent="-91440" algn="l" defTabSz="914400" rtl="0" eaLnBrk="1" latinLnBrk="0" hangingPunct="1">
+              <a:lnSpc>
+                <a:spcPct val="90000"/>
+              </a:lnSpc>
+              <a:spcBef>
+                <a:spcPts val="1200"/>
+              </a:spcBef>
+              <a:spcAft>
+                <a:spcPts val="200"/>
+              </a:spcAft>
+              <a:buClr>
+                <a:schemeClr val="accent1"/>
+              </a:buClr>
+              <a:buSzPct val="100000"/>
+              <a:buFont typeface="Calibri" panose="020F0502020204030204" pitchFamily="34" charset="0"/>
+              <a:buChar char=" "/>
+              <a:defRPr sz="2000" kern="1200">
+                <a:solidFill>
+                  <a:schemeClr val="tx1">
+                    <a:lumMod val="75000"/>
+                    <a:lumOff val="25000"/>
+                  </a:schemeClr>
+                </a:solidFill>
+                <a:latin typeface="+mn-lt"/>
+                <a:ea typeface="+mn-ea"/>
+                <a:cs typeface="+mn-cs"/>
+              </a:defRPr>
+            </a:lvl1pPr>
+            <a:lvl2pPr marL="384048" indent="-182880" algn="l" defTabSz="914400" rtl="0" eaLnBrk="1" latinLnBrk="0" hangingPunct="1">
+              <a:lnSpc>
+                <a:spcPct val="90000"/>
+              </a:lnSpc>
+              <a:spcBef>
+                <a:spcPts val="200"/>
+              </a:spcBef>
+              <a:spcAft>
+                <a:spcPts val="400"/>
+              </a:spcAft>
+              <a:buClr>
+                <a:schemeClr val="accent1"/>
+              </a:buClr>
+              <a:buFont typeface="Calibri" pitchFamily="34" charset="0"/>
+              <a:buChar char="◦"/>
+              <a:defRPr sz="1800" kern="1200">
+                <a:solidFill>
+                  <a:schemeClr val="tx1">
+                    <a:lumMod val="75000"/>
+                    <a:lumOff val="25000"/>
+                  </a:schemeClr>
+                </a:solidFill>
+                <a:latin typeface="+mn-lt"/>
+                <a:ea typeface="+mn-ea"/>
+                <a:cs typeface="+mn-cs"/>
+              </a:defRPr>
+            </a:lvl2pPr>
+            <a:lvl3pPr marL="566928" indent="-182880" algn="l" defTabSz="914400" rtl="0" eaLnBrk="1" latinLnBrk="0" hangingPunct="1">
+              <a:lnSpc>
+                <a:spcPct val="90000"/>
+              </a:lnSpc>
+              <a:spcBef>
+                <a:spcPts val="200"/>
+              </a:spcBef>
+              <a:spcAft>
+                <a:spcPts val="400"/>
+              </a:spcAft>
+              <a:buClr>
+                <a:schemeClr val="accent1"/>
+              </a:buClr>
+              <a:buFont typeface="Calibri" pitchFamily="34" charset="0"/>
+              <a:buChar char="◦"/>
+              <a:defRPr sz="1400" kern="1200">
+                <a:solidFill>
+                  <a:schemeClr val="tx1">
+                    <a:lumMod val="75000"/>
+                    <a:lumOff val="25000"/>
+                  </a:schemeClr>
+                </a:solidFill>
+                <a:latin typeface="+mn-lt"/>
+                <a:ea typeface="+mn-ea"/>
+                <a:cs typeface="+mn-cs"/>
+              </a:defRPr>
+            </a:lvl3pPr>
+            <a:lvl4pPr marL="749808" indent="-182880" algn="l" defTabSz="914400" rtl="0" eaLnBrk="1" latinLnBrk="0" hangingPunct="1">
+              <a:lnSpc>
+                <a:spcPct val="90000"/>
+              </a:lnSpc>
+              <a:spcBef>
+                <a:spcPts val="200"/>
+              </a:spcBef>
+              <a:spcAft>
+                <a:spcPts val="400"/>
+              </a:spcAft>
+              <a:buClr>
+                <a:schemeClr val="accent1"/>
+              </a:buClr>
+              <a:buFont typeface="Calibri" pitchFamily="34" charset="0"/>
+              <a:buChar char="◦"/>
+              <a:defRPr sz="1400" kern="1200">
+                <a:solidFill>
+                  <a:schemeClr val="tx1">
+                    <a:lumMod val="75000"/>
+                    <a:lumOff val="25000"/>
+                  </a:schemeClr>
+                </a:solidFill>
+                <a:latin typeface="+mn-lt"/>
+                <a:ea typeface="+mn-ea"/>
+                <a:cs typeface="+mn-cs"/>
+              </a:defRPr>
+            </a:lvl4pPr>
+            <a:lvl5pPr marL="932688" indent="-182880" algn="l" defTabSz="914400" rtl="0" eaLnBrk="1" latinLnBrk="0" hangingPunct="1">
+              <a:lnSpc>
+                <a:spcPct val="90000"/>
+              </a:lnSpc>
+              <a:spcBef>
+                <a:spcPts val="200"/>
+              </a:spcBef>
+              <a:spcAft>
+                <a:spcPts val="400"/>
+              </a:spcAft>
+              <a:buClr>
+                <a:schemeClr val="accent1"/>
+              </a:buClr>
+              <a:buFont typeface="Calibri" pitchFamily="34" charset="0"/>
+              <a:buChar char="◦"/>
+              <a:defRPr sz="1400" kern="1200">
+                <a:solidFill>
+                  <a:schemeClr val="tx1">
+                    <a:lumMod val="75000"/>
+                    <a:lumOff val="25000"/>
+                  </a:schemeClr>
+                </a:solidFill>
+                <a:latin typeface="+mn-lt"/>
+                <a:ea typeface="+mn-ea"/>
+                <a:cs typeface="+mn-cs"/>
+              </a:defRPr>
+            </a:lvl5pPr>
+            <a:lvl6pPr marL="1100000" indent="-228600" algn="l" defTabSz="914400" rtl="0" eaLnBrk="1" latinLnBrk="0" hangingPunct="1">
+              <a:lnSpc>
+                <a:spcPct val="90000"/>
+              </a:lnSpc>
+              <a:spcBef>
+                <a:spcPts val="200"/>
+              </a:spcBef>
+              <a:spcAft>
+                <a:spcPts val="400"/>
+              </a:spcAft>
+              <a:buClr>
+                <a:schemeClr val="accent1"/>
+              </a:buClr>
+              <a:buFont typeface="Calibri" pitchFamily="34" charset="0"/>
+              <a:buChar char="◦"/>
+              <a:defRPr sz="1400" kern="1200">
+                <a:solidFill>
+                  <a:schemeClr val="tx1">
+                    <a:lumMod val="75000"/>
+                    <a:lumOff val="25000"/>
+                  </a:schemeClr>
+                </a:solidFill>
+                <a:latin typeface="+mn-lt"/>
+                <a:ea typeface="+mn-ea"/>
+                <a:cs typeface="+mn-cs"/>
+              </a:defRPr>
+            </a:lvl6pPr>
+            <a:lvl7pPr marL="1300000" indent="-228600" algn="l" defTabSz="914400" rtl="0" eaLnBrk="1" latinLnBrk="0" hangingPunct="1">
+              <a:lnSpc>
+                <a:spcPct val="90000"/>
+              </a:lnSpc>
+              <a:spcBef>
+                <a:spcPts val="200"/>
+              </a:spcBef>
+              <a:spcAft>
+                <a:spcPts val="400"/>
+              </a:spcAft>
+              <a:buClr>
+                <a:schemeClr val="accent1"/>
+              </a:buClr>
+              <a:buFont typeface="Calibri" pitchFamily="34" charset="0"/>
+              <a:buChar char="◦"/>
+              <a:defRPr sz="1400" kern="1200">
+                <a:solidFill>
+                  <a:schemeClr val="tx1">
+                    <a:lumMod val="75000"/>
+                    <a:lumOff val="25000"/>
+                  </a:schemeClr>
+                </a:solidFill>
+                <a:latin typeface="+mn-lt"/>
+                <a:ea typeface="+mn-ea"/>
+                <a:cs typeface="+mn-cs"/>
+              </a:defRPr>
+            </a:lvl7pPr>
+            <a:lvl8pPr marL="1500000" indent="-228600" algn="l" defTabSz="914400" rtl="0" eaLnBrk="1" latinLnBrk="0" hangingPunct="1">
+              <a:lnSpc>
+                <a:spcPct val="90000"/>
+              </a:lnSpc>
+              <a:spcBef>
+                <a:spcPts val="200"/>
+              </a:spcBef>
+              <a:spcAft>
+                <a:spcPts val="400"/>
+              </a:spcAft>
+              <a:buClr>
+                <a:schemeClr val="accent1"/>
+              </a:buClr>
+              <a:buFont typeface="Calibri" pitchFamily="34" charset="0"/>
+              <a:buChar char="◦"/>
+              <a:defRPr sz="1400" kern="1200">
+                <a:solidFill>
+                  <a:schemeClr val="tx1">
+                    <a:lumMod val="75000"/>
+                    <a:lumOff val="25000"/>
+                  </a:schemeClr>
+                </a:solidFill>
+                <a:latin typeface="+mn-lt"/>
+                <a:ea typeface="+mn-ea"/>
+                <a:cs typeface="+mn-cs"/>
+              </a:defRPr>
+            </a:lvl8pPr>
+            <a:lvl9pPr marL="1700000" indent="-228600" algn="l" defTabSz="914400" rtl="0" eaLnBrk="1" latinLnBrk="0" hangingPunct="1">
+              <a:lnSpc>
+                <a:spcPct val="90000"/>
+              </a:lnSpc>
+              <a:spcBef>
+                <a:spcPts val="200"/>
+              </a:spcBef>
+              <a:spcAft>
+                <a:spcPts val="400"/>
+              </a:spcAft>
+              <a:buClr>
+                <a:schemeClr val="accent1"/>
+              </a:buClr>
+              <a:buFont typeface="Calibri" pitchFamily="34" charset="0"/>
+              <a:buChar char="◦"/>
+              <a:defRPr sz="1400" kern="1200">
+                <a:solidFill>
+                  <a:schemeClr val="tx1">
+                    <a:lumMod val="75000"/>
+                    <a:lumOff val="25000"/>
+                  </a:schemeClr>
+                </a:solidFill>
+                <a:latin typeface="+mn-lt"/>
+                <a:ea typeface="+mn-ea"/>
+                <a:cs typeface="+mn-cs"/>
+              </a:defRPr>
+            </a:lvl9pPr>
+          </a:lstStyle>
           <a:p>
             <a:r>
               <a:rPr lang="it-IT" dirty="0" smtClean="0">
@@ -8370,107 +9921,68 @@
                   <a:schemeClr val="tx1"/>
                 </a:solidFill>
               </a:rPr>
-              <a:t>I misuratori calcolano il potenziale elettrico totale nella loro posizione, quindi quello dato dalle N cariche. Il potenziale delle N-1 cariche è calcolato analiticamente. Risulta semplice ottenere quindi il potenziale della carica ignota. </a:t>
-            </a:r>
-          </a:p>
-          <a:p>
-            <a:endParaRPr lang="it-IT" dirty="0" smtClean="0">
-              <a:solidFill>
-                <a:schemeClr val="tx1"/>
-              </a:solidFill>
-            </a:endParaRPr>
-          </a:p>
-          <a:p>
+              <a:t>Sistema:</a:t>
+            </a:r>
+          </a:p>
+          <a:p>
+            <a:pPr lvl="1"/>
             <a:r>
               <a:rPr lang="it-IT" dirty="0" smtClean="0">
                 <a:solidFill>
                   <a:schemeClr val="tx1"/>
                 </a:solidFill>
               </a:rPr>
-              <a:t>Sono posizionati fuori per </a:t>
-            </a:r>
-            <a:r>
-              <a:rPr lang="it-IT" i="1" dirty="0" smtClean="0">
+              <a:t>#N cariche:</a:t>
+            </a:r>
+          </a:p>
+          <a:p>
+            <a:pPr lvl="2"/>
+            <a:r>
+              <a:rPr lang="it-IT" sz="1800" dirty="0">
                 <a:solidFill>
                   <a:schemeClr val="tx1"/>
                 </a:solidFill>
               </a:rPr>
-              <a:t>evitare singolarità </a:t>
-            </a:r>
-            <a:r>
-              <a:rPr lang="it-IT" dirty="0" smtClean="0">
+              <a:t>#</a:t>
+            </a:r>
+            <a:r>
+              <a:rPr lang="it-IT" sz="1800" b="1" dirty="0" smtClean="0">
                 <a:solidFill>
                   <a:schemeClr val="tx1"/>
                 </a:solidFill>
               </a:rPr>
-              <a:t>dovute alle condizioni ideali delle cariche che permetterebbero di avere una distanza nulla tra carica e misuratore.</a:t>
-            </a:r>
-          </a:p>
-          <a:p>
-            <a:endParaRPr lang="it-IT" dirty="0" smtClean="0">
-              <a:solidFill>
-                <a:schemeClr val="tx1"/>
-              </a:solidFill>
-            </a:endParaRPr>
-          </a:p>
-          <a:p>
-            <a:r>
-              <a:rPr lang="it-IT" dirty="0" smtClean="0">
+              <a:t>N-1 note </a:t>
+            </a:r>
+            <a:r>
+              <a:rPr lang="it-IT" sz="1800" dirty="0" smtClean="0">
                 <a:solidFill>
                   <a:schemeClr val="tx1"/>
                 </a:solidFill>
               </a:rPr>
-              <a:t>I misuratori sono collocati su un altro </a:t>
-            </a:r>
-            <a:r>
-              <a:rPr lang="it-IT" dirty="0" err="1" smtClean="0">
+              <a:t>(posizione, carica)</a:t>
+            </a:r>
+          </a:p>
+          <a:p>
+            <a:pPr lvl="2"/>
+            <a:r>
+              <a:rPr lang="it-IT" sz="1800" dirty="0" smtClean="0">
                 <a:solidFill>
                   <a:schemeClr val="tx1"/>
                 </a:solidFill>
               </a:rPr>
-              <a:t>brick</a:t>
-            </a:r>
-            <a:r>
-              <a:rPr lang="it-IT" dirty="0" smtClean="0">
+              <a:t>#</a:t>
+            </a:r>
+            <a:r>
+              <a:rPr lang="it-IT" sz="1800" b="1" dirty="0" smtClean="0">
                 <a:solidFill>
                   <a:schemeClr val="tx1"/>
                 </a:solidFill>
               </a:rPr>
-              <a:t> esterno per campionare il campo totale prodotto dalle cariche.</a:t>
-            </a:r>
-          </a:p>
-          <a:p>
-            <a:endParaRPr lang="it-IT" dirty="0" smtClean="0">
-              <a:solidFill>
-                <a:schemeClr val="tx1"/>
-              </a:solidFill>
-            </a:endParaRPr>
-          </a:p>
-          <a:p>
-            <a:r>
-              <a:rPr lang="it-IT" dirty="0" smtClean="0">
-                <a:solidFill>
-                  <a:schemeClr val="tx1"/>
-                </a:solidFill>
-              </a:rPr>
-              <a:t>Il numero di misuratori sufficienti è pari a </a:t>
-            </a:r>
-            <a:r>
-              <a:rPr lang="it-IT" i="1" dirty="0" smtClean="0">
-                <a:solidFill>
-                  <a:schemeClr val="tx1"/>
-                </a:solidFill>
-              </a:rPr>
-              <a:t>tre </a:t>
-            </a:r>
-            <a:r>
-              <a:rPr lang="it-IT" dirty="0" smtClean="0">
-                <a:solidFill>
-                  <a:schemeClr val="tx1"/>
-                </a:solidFill>
-              </a:rPr>
-              <a:t>ma effettuiamo un campionamento massiccio al fine di ridurre l’errore sulla misura.</a:t>
-            </a:r>
+              <a:t>1 non nota</a:t>
+            </a:r>
+          </a:p>
+          <a:p>
+            <a:pPr lvl="1"/>
             <a:endParaRPr lang="it-IT" dirty="0">
               <a:solidFill>
                 <a:schemeClr val="tx1"/>
@@ -8482,7 +9994,7 @@
     </p:spTree>
     <p:extLst>
       <p:ext uri="{BB962C8B-B14F-4D97-AF65-F5344CB8AC3E}">
-        <p14:creationId xmlns:p14="http://schemas.microsoft.com/office/powerpoint/2010/main" val="3274221772"/>
+        <p14:creationId xmlns:p14="http://schemas.microsoft.com/office/powerpoint/2010/main" val="1221369986"/>
       </p:ext>
     </p:extLst>
   </p:cSld>
@@ -8526,21 +10038,523 @@
             <p:ph type="title"/>
           </p:nvPr>
         </p:nvSpPr>
-        <p:spPr/>
+        <p:spPr>
+          <a:xfrm>
+            <a:off x="1097280" y="729343"/>
+            <a:ext cx="10058400" cy="986246"/>
+          </a:xfrm>
+        </p:spPr>
         <p:txBody>
           <a:bodyPr/>
           <a:lstStyle/>
           <a:p>
             <a:r>
               <a:rPr lang="it-IT" dirty="0" smtClean="0"/>
+              <a:t>APPROCCIO DEL PROBLEMA</a:t>
+            </a:r>
+            <a:endParaRPr lang="it-IT" dirty="0"/>
+          </a:p>
+        </p:txBody>
+      </p:sp>
+      <mc:AlternateContent xmlns:mc="http://schemas.openxmlformats.org/markup-compatibility/2006">
+        <mc:Choice xmlns:a14="http://schemas.microsoft.com/office/drawing/2010/main" Requires="a14">
+          <p:sp>
+            <p:nvSpPr>
+              <p:cNvPr id="3" name="Segnaposto contenuto 2"/>
+              <p:cNvSpPr>
+                <a:spLocks noGrp="1"/>
+              </p:cNvSpPr>
+              <p:nvPr>
+                <p:ph idx="1"/>
+              </p:nvPr>
+            </p:nvSpPr>
+            <p:spPr>
+              <a:xfrm>
+                <a:off x="1097280" y="1845733"/>
+                <a:ext cx="10058400" cy="4304695"/>
+              </a:xfrm>
+            </p:spPr>
+            <p:txBody>
+              <a:bodyPr>
+                <a:normAutofit/>
+              </a:bodyPr>
+              <a:lstStyle/>
+              <a:p>
+                <a:pPr>
+                  <a:buFont typeface="Arial" panose="020B0604020202020204" pitchFamily="34" charset="0"/>
+                  <a:buChar char="•"/>
+                </a:pPr>
+                <a:r>
+                  <a:rPr lang="it-IT" dirty="0" smtClean="0">
+                    <a:solidFill>
+                      <a:schemeClr val="tx1"/>
+                    </a:solidFill>
+                  </a:rPr>
+                  <a:t> Il </a:t>
+                </a:r>
+                <a:r>
+                  <a:rPr lang="it-IT" b="1" dirty="0" smtClean="0">
+                    <a:solidFill>
+                      <a:schemeClr val="tx1"/>
+                    </a:solidFill>
+                  </a:rPr>
+                  <a:t>potenziale totale</a:t>
+                </a:r>
+                <a:r>
+                  <a:rPr lang="it-IT" dirty="0" smtClean="0">
+                    <a:solidFill>
+                      <a:schemeClr val="tx1"/>
+                    </a:solidFill>
+                  </a:rPr>
+                  <a:t> </a:t>
+                </a:r>
+                <a14:m>
+                  <m:oMath xmlns:m="http://schemas.openxmlformats.org/officeDocument/2006/math">
+                    <m:sSub>
+                      <m:sSubPr>
+                        <m:ctrlPr>
+                          <a:rPr lang="it-IT" i="1"/>
+                        </m:ctrlPr>
+                      </m:sSubPr>
+                      <m:e>
+                        <m:r>
+                          <a:rPr lang="it-IT" i="1"/>
+                          <m:t>𝑉</m:t>
+                        </m:r>
+                      </m:e>
+                      <m:sub>
+                        <m:r>
+                          <a:rPr lang="it-IT" b="0" i="1" smtClean="0">
+                            <a:latin typeface="Cambria Math" panose="02040503050406030204" pitchFamily="18" charset="0"/>
+                          </a:rPr>
+                          <m:t>𝑡</m:t>
+                        </m:r>
+                      </m:sub>
+                    </m:sSub>
+                  </m:oMath>
+                </a14:m>
+                <a:r>
+                  <a:rPr lang="it-IT" dirty="0" smtClean="0">
+                    <a:solidFill>
+                      <a:schemeClr val="tx1"/>
+                    </a:solidFill>
+                  </a:rPr>
+                  <a:t> è noto dai misurati</a:t>
+                </a:r>
+              </a:p>
+              <a:p>
+                <a:pPr>
+                  <a:buFont typeface="Arial" panose="020B0604020202020204" pitchFamily="34" charset="0"/>
+                  <a:buChar char="•"/>
+                </a:pPr>
+                <a:r>
+                  <a:rPr lang="it-IT" dirty="0" smtClean="0">
+                    <a:solidFill>
+                      <a:schemeClr val="tx1"/>
+                    </a:solidFill>
+                  </a:rPr>
+                  <a:t> Il </a:t>
+                </a:r>
+                <a:r>
+                  <a:rPr lang="it-IT" b="1" dirty="0" smtClean="0">
+                    <a:solidFill>
+                      <a:schemeClr val="tx1"/>
+                    </a:solidFill>
+                  </a:rPr>
+                  <a:t>potenziale delle N-1 cariche </a:t>
+                </a:r>
+                <a:r>
+                  <a:rPr lang="it-IT" dirty="0" smtClean="0">
+                    <a:solidFill>
+                      <a:schemeClr val="tx1"/>
+                    </a:solidFill>
+                  </a:rPr>
+                  <a:t>note </a:t>
+                </a:r>
+                <a14:m>
+                  <m:oMath xmlns:m="http://schemas.openxmlformats.org/officeDocument/2006/math">
+                    <m:sSub>
+                      <m:sSubPr>
+                        <m:ctrlPr>
+                          <a:rPr lang="it-IT" i="1">
+                            <a:latin typeface="Cambria Math" panose="02040503050406030204" pitchFamily="18" charset="0"/>
+                          </a:rPr>
+                        </m:ctrlPr>
+                      </m:sSubPr>
+                      <m:e>
+                        <m:r>
+                          <a:rPr lang="it-IT" i="1">
+                            <a:latin typeface="Cambria Math" panose="02040503050406030204" pitchFamily="18" charset="0"/>
+                          </a:rPr>
+                          <m:t>𝑉</m:t>
+                        </m:r>
+                      </m:e>
+                      <m:sub>
+                        <m:r>
+                          <a:rPr lang="it-IT" i="1">
+                            <a:latin typeface="Cambria Math" panose="02040503050406030204" pitchFamily="18" charset="0"/>
+                          </a:rPr>
+                          <m:t>𝑛</m:t>
+                        </m:r>
+                      </m:sub>
+                    </m:sSub>
+                  </m:oMath>
+                </a14:m>
+                <a:r>
+                  <a:rPr lang="it-IT" dirty="0" smtClean="0">
+                    <a:solidFill>
+                      <a:schemeClr val="tx1"/>
+                    </a:solidFill>
+                  </a:rPr>
+                  <a:t> è calcolato analiticamente</a:t>
+                </a:r>
+              </a:p>
+              <a:p>
+                <a:pPr>
+                  <a:buFont typeface="Arial" panose="020B0604020202020204" pitchFamily="34" charset="0"/>
+                  <a:buChar char="•"/>
+                </a:pPr>
+                <a:r>
+                  <a:rPr lang="it-IT" dirty="0" smtClean="0">
+                    <a:solidFill>
+                      <a:schemeClr val="tx1"/>
+                    </a:solidFill>
+                  </a:rPr>
+                  <a:t> Il </a:t>
+                </a:r>
+                <a:r>
+                  <a:rPr lang="it-IT" b="1" dirty="0" smtClean="0">
+                    <a:solidFill>
+                      <a:schemeClr val="tx1"/>
+                    </a:solidFill>
+                  </a:rPr>
+                  <a:t>potenziale della carica ignota </a:t>
+                </a:r>
+                <a14:m>
+                  <m:oMath xmlns:m="http://schemas.openxmlformats.org/officeDocument/2006/math">
+                    <m:sSub>
+                      <m:sSubPr>
+                        <m:ctrlPr>
+                          <a:rPr lang="it-IT" i="1">
+                            <a:latin typeface="Cambria Math" panose="02040503050406030204" pitchFamily="18" charset="0"/>
+                          </a:rPr>
+                        </m:ctrlPr>
+                      </m:sSubPr>
+                      <m:e>
+                        <m:r>
+                          <a:rPr lang="it-IT" i="1">
+                            <a:latin typeface="Cambria Math" panose="02040503050406030204" pitchFamily="18" charset="0"/>
+                          </a:rPr>
+                          <m:t>𝑉</m:t>
+                        </m:r>
+                      </m:e>
+                      <m:sub>
+                        <m:r>
+                          <a:rPr lang="it-IT" i="1">
+                            <a:latin typeface="Cambria Math" panose="02040503050406030204" pitchFamily="18" charset="0"/>
+                          </a:rPr>
+                          <m:t>𝑁</m:t>
+                        </m:r>
+                      </m:sub>
+                    </m:sSub>
+                  </m:oMath>
+                </a14:m>
+                <a:r>
+                  <a:rPr lang="it-IT" dirty="0" smtClean="0">
+                    <a:solidFill>
+                      <a:schemeClr val="tx1"/>
+                    </a:solidFill>
+                  </a:rPr>
+                  <a:t> è calcolato grazie al principio di sovrapposizione per differenza tra </a:t>
+                </a:r>
+                <a14:m>
+                  <m:oMath xmlns:m="http://schemas.openxmlformats.org/officeDocument/2006/math">
+                    <m:sSub>
+                      <m:sSubPr>
+                        <m:ctrlPr>
+                          <a:rPr lang="it-IT" i="1">
+                            <a:latin typeface="Cambria Math" panose="02040503050406030204" pitchFamily="18" charset="0"/>
+                          </a:rPr>
+                        </m:ctrlPr>
+                      </m:sSubPr>
+                      <m:e>
+                        <m:r>
+                          <a:rPr lang="it-IT" i="1">
+                            <a:latin typeface="Cambria Math" panose="02040503050406030204" pitchFamily="18" charset="0"/>
+                          </a:rPr>
+                          <m:t>𝑉</m:t>
+                        </m:r>
+                      </m:e>
+                      <m:sub>
+                        <m:r>
+                          <a:rPr lang="it-IT" b="0" i="1" smtClean="0">
+                            <a:latin typeface="Cambria Math" panose="02040503050406030204" pitchFamily="18" charset="0"/>
+                          </a:rPr>
+                          <m:t>𝑡</m:t>
+                        </m:r>
+                      </m:sub>
+                    </m:sSub>
+                  </m:oMath>
+                </a14:m>
+                <a:r>
+                  <a:rPr lang="it-IT" dirty="0" smtClean="0">
+                    <a:solidFill>
+                      <a:schemeClr val="tx1"/>
+                    </a:solidFill>
+                  </a:rPr>
+                  <a:t> e </a:t>
+                </a:r>
+                <a14:m>
+                  <m:oMath xmlns:m="http://schemas.openxmlformats.org/officeDocument/2006/math">
+                    <m:sSub>
+                      <m:sSubPr>
+                        <m:ctrlPr>
+                          <a:rPr lang="it-IT" i="1">
+                            <a:latin typeface="Cambria Math" panose="02040503050406030204" pitchFamily="18" charset="0"/>
+                          </a:rPr>
+                        </m:ctrlPr>
+                      </m:sSubPr>
+                      <m:e>
+                        <m:r>
+                          <a:rPr lang="it-IT" i="1">
+                            <a:latin typeface="Cambria Math" panose="02040503050406030204" pitchFamily="18" charset="0"/>
+                          </a:rPr>
+                          <m:t>𝑉</m:t>
+                        </m:r>
+                      </m:e>
+                      <m:sub>
+                        <m:r>
+                          <a:rPr lang="it-IT" i="1">
+                            <a:latin typeface="Cambria Math" panose="02040503050406030204" pitchFamily="18" charset="0"/>
+                          </a:rPr>
+                          <m:t>𝑛</m:t>
+                        </m:r>
+                      </m:sub>
+                    </m:sSub>
+                  </m:oMath>
+                </a14:m>
+                <a:endParaRPr lang="it-IT" dirty="0" smtClean="0">
+                  <a:solidFill>
+                    <a:schemeClr val="tx1"/>
+                  </a:solidFill>
+                </a:endParaRPr>
+              </a:p>
+              <a:p>
+                <a:pPr>
+                  <a:buFont typeface="Arial" panose="020B0604020202020204" pitchFamily="34" charset="0"/>
+                  <a:buChar char="•"/>
+                </a:pPr>
+                <a:r>
+                  <a:rPr lang="it-IT" dirty="0" smtClean="0">
+                    <a:solidFill>
+                      <a:schemeClr val="tx1"/>
+                    </a:solidFill>
+                  </a:rPr>
+                  <a:t> I misuratori si trovano all’esterno del </a:t>
+                </a:r>
+                <a:r>
+                  <a:rPr lang="it-IT" i="1" dirty="0" err="1" smtClean="0">
+                    <a:solidFill>
+                      <a:schemeClr val="tx1"/>
+                    </a:solidFill>
+                  </a:rPr>
+                  <a:t>brick</a:t>
+                </a:r>
+                <a:r>
+                  <a:rPr lang="it-IT" dirty="0" smtClean="0">
+                    <a:solidFill>
+                      <a:schemeClr val="tx1"/>
+                    </a:solidFill>
+                  </a:rPr>
+                  <a:t> contente le cariche per </a:t>
+                </a:r>
+                <a:r>
+                  <a:rPr lang="it-IT" dirty="0" smtClean="0">
+                    <a:solidFill>
+                      <a:schemeClr val="tx1"/>
+                    </a:solidFill>
+                  </a:rPr>
+                  <a:t>evitare </a:t>
+                </a:r>
+                <a:r>
+                  <a:rPr lang="it-IT" dirty="0" smtClean="0">
+                    <a:solidFill>
+                      <a:schemeClr val="tx1"/>
+                    </a:solidFill>
+                  </a:rPr>
+                  <a:t>singolarit</a:t>
+                </a:r>
+                <a:r>
+                  <a:rPr lang="it-IT" dirty="0" smtClean="0">
+                    <a:solidFill>
+                      <a:schemeClr val="tx1"/>
+                    </a:solidFill>
+                  </a:rPr>
+                  <a:t>à</a:t>
+                </a:r>
+                <a:endParaRPr lang="it-IT" dirty="0" smtClean="0">
+                  <a:solidFill>
+                    <a:schemeClr val="tx1"/>
+                  </a:solidFill>
+                </a:endParaRPr>
+              </a:p>
+              <a:p>
+                <a:pPr>
+                  <a:buFont typeface="Arial" panose="020B0604020202020204" pitchFamily="34" charset="0"/>
+                  <a:buChar char="•"/>
+                </a:pPr>
+                <a:r>
+                  <a:rPr lang="it-IT" dirty="0" smtClean="0">
+                    <a:solidFill>
+                      <a:schemeClr val="tx1"/>
+                    </a:solidFill>
+                  </a:rPr>
+                  <a:t> I </a:t>
+                </a:r>
+                <a:r>
+                  <a:rPr lang="it-IT" dirty="0" smtClean="0">
+                    <a:solidFill>
+                      <a:schemeClr val="tx1"/>
+                    </a:solidFill>
+                  </a:rPr>
+                  <a:t>misuratori </a:t>
+                </a:r>
+                <a:r>
+                  <a:rPr lang="it-IT" dirty="0" smtClean="0">
+                    <a:solidFill>
+                      <a:schemeClr val="tx1"/>
+                    </a:solidFill>
+                  </a:rPr>
+                  <a:t>rilevano il potenziale totale delle N cariche</a:t>
+                </a:r>
+                <a:endParaRPr lang="it-IT" dirty="0" smtClean="0">
+                  <a:solidFill>
+                    <a:schemeClr val="tx1"/>
+                  </a:solidFill>
+                </a:endParaRPr>
+              </a:p>
+              <a:p>
+                <a:pPr>
+                  <a:buFont typeface="Arial" panose="020B0604020202020204" pitchFamily="34" charset="0"/>
+                  <a:buChar char="•"/>
+                </a:pPr>
+                <a:r>
+                  <a:rPr lang="it-IT" dirty="0" smtClean="0">
+                    <a:solidFill>
+                      <a:schemeClr val="tx1"/>
+                    </a:solidFill>
+                  </a:rPr>
+                  <a:t> Qual è il numero minimo di misuratori necessari?</a:t>
+                </a:r>
+                <a:endParaRPr lang="it-IT" dirty="0">
+                  <a:solidFill>
+                    <a:schemeClr val="tx1"/>
+                  </a:solidFill>
+                </a:endParaRPr>
+              </a:p>
+            </p:txBody>
+          </p:sp>
+        </mc:Choice>
+        <mc:Fallback>
+          <p:sp>
+            <p:nvSpPr>
+              <p:cNvPr id="3" name="Segnaposto contenuto 2"/>
+              <p:cNvSpPr>
+                <a:spLocks noGrp="1" noRot="1" noChangeAspect="1" noMove="1" noResize="1" noEditPoints="1" noAdjustHandles="1" noChangeArrowheads="1" noChangeShapeType="1" noTextEdit="1"/>
+              </p:cNvSpPr>
+              <p:nvPr>
+                <p:ph idx="1"/>
+              </p:nvPr>
+            </p:nvSpPr>
+            <p:spPr>
+              <a:xfrm>
+                <a:off x="1097280" y="1845733"/>
+                <a:ext cx="10058400" cy="4304695"/>
+              </a:xfrm>
+              <a:blipFill>
+                <a:blip r:embed="rId2"/>
+                <a:stretch>
+                  <a:fillRect l="-1455" t="-1558"/>
+                </a:stretch>
+              </a:blipFill>
+            </p:spPr>
+            <p:txBody>
+              <a:bodyPr/>
+              <a:lstStyle/>
+              <a:p>
+                <a:r>
+                  <a:rPr lang="it-IT">
+                    <a:noFill/>
+                  </a:rPr>
+                  <a:t> </a:t>
+                </a:r>
+              </a:p>
+            </p:txBody>
+          </p:sp>
+        </mc:Fallback>
+      </mc:AlternateContent>
+    </p:spTree>
+    <p:extLst>
+      <p:ext uri="{BB962C8B-B14F-4D97-AF65-F5344CB8AC3E}">
+        <p14:creationId xmlns:p14="http://schemas.microsoft.com/office/powerpoint/2010/main" val="3274221772"/>
+      </p:ext>
+    </p:extLst>
+  </p:cSld>
+  <p:clrMapOvr>
+    <a:masterClrMapping/>
+  </p:clrMapOvr>
+  <p:timing>
+    <p:tnLst>
+      <p:par>
+        <p:cTn id="1" dur="indefinite" restart="never" nodeType="tmRoot"/>
+      </p:par>
+    </p:tnLst>
+  </p:timing>
+</p:sld>
+</file>
+
+<file path=ppt/slides/slide5.xml><?xml version="1.0" encoding="utf-8"?>
+<p:sld xmlns:a="http://schemas.openxmlformats.org/drawingml/2006/main" xmlns:r="http://schemas.openxmlformats.org/officeDocument/2006/relationships" xmlns:p="http://schemas.openxmlformats.org/presentationml/2006/main">
+  <p:cSld>
+    <p:spTree>
+      <p:nvGrpSpPr>
+        <p:cNvPr id="1" name=""/>
+        <p:cNvGrpSpPr/>
+        <p:nvPr/>
+      </p:nvGrpSpPr>
+      <p:grpSpPr>
+        <a:xfrm>
+          <a:off x="0" y="0"/>
+          <a:ext cx="0" cy="0"/>
+          <a:chOff x="0" y="0"/>
+          <a:chExt cx="0" cy="0"/>
+        </a:xfrm>
+      </p:grpSpPr>
+      <p:sp>
+        <p:nvSpPr>
+          <p:cNvPr id="2" name="Titolo 1"/>
+          <p:cNvSpPr>
+            <a:spLocks noGrp="1"/>
+          </p:cNvSpPr>
+          <p:nvPr>
+            <p:ph type="title"/>
+          </p:nvPr>
+        </p:nvSpPr>
+        <p:spPr/>
+        <p:txBody>
+          <a:bodyPr/>
+          <a:lstStyle/>
+          <a:p>
+            <a:r>
+              <a:rPr lang="it-IT" dirty="0" smtClean="0"/>
               <a:t>MODELLO MATEMATICO</a:t>
             </a:r>
             <a:endParaRPr lang="it-IT" dirty="0"/>
           </a:p>
         </p:txBody>
       </p:sp>
-      <mc:AlternateContent xmlns:mc="http://schemas.openxmlformats.org/markup-compatibility/2006" xmlns:a14="http://schemas.microsoft.com/office/drawing/2010/main">
-        <mc:Choice Requires="a14">
+      <mc:AlternateContent xmlns:mc="http://schemas.openxmlformats.org/markup-compatibility/2006">
+        <mc:Choice xmlns:a14="http://schemas.microsoft.com/office/drawing/2010/main" Requires="a14">
           <p:sp>
             <p:nvSpPr>
               <p:cNvPr id="3" name="Segnaposto contenuto 2"/>
@@ -8569,16 +10583,13 @@
                       <a:schemeClr val="tx1"/>
                     </a:solidFill>
                   </a:rPr>
-                  <a:t>Potenziale elettrico in un punto di una generica carica</a:t>
+                  <a:t>Potenziale generica carica</a:t>
                 </a:r>
-                <a:r>
-                  <a:rPr lang="en-US" dirty="0" smtClean="0">
-                    <a:solidFill>
-                      <a:schemeClr val="tx1"/>
-                    </a:solidFill>
-                  </a:rPr>
-                  <a:t> q</a:t>
-                </a:r>
+                <a:endParaRPr lang="en-US" dirty="0" smtClean="0">
+                  <a:solidFill>
+                    <a:schemeClr val="tx1"/>
+                  </a:solidFill>
+                </a:endParaRPr>
               </a:p>
               <a:p>
                 <a:pPr algn="ctr"/>
@@ -8707,388 +10718,9 @@
                 </a:endParaRPr>
               </a:p>
               <a:p>
-                <a:pPr algn="ctr"/>
-                <a:endParaRPr lang="it-IT" dirty="0"/>
-              </a:p>
-              <a:p>
-                <a:r>
-                  <a:rPr lang="it-IT" dirty="0" smtClean="0">
-                    <a:solidFill>
-                      <a:schemeClr val="tx1"/>
-                    </a:solidFill>
-                  </a:rPr>
-                  <a:t>In R</a:t>
-                </a:r>
-                <a:r>
-                  <a:rPr lang="it-IT" baseline="30000" dirty="0" smtClean="0">
-                    <a:solidFill>
-                      <a:schemeClr val="tx1"/>
-                    </a:solidFill>
-                  </a:rPr>
-                  <a:t>3 </a:t>
-                </a:r>
-                <a:r>
-                  <a:rPr lang="it-IT" dirty="0" smtClean="0">
-                    <a:solidFill>
-                      <a:schemeClr val="tx1"/>
-                    </a:solidFill>
-                  </a:rPr>
-                  <a:t>la distanza è pari a   	</a:t>
-                </a:r>
-              </a:p>
-              <a:p>
-                <a:pPr algn="ctr"/>
-                <a14:m>
-                  <m:oMath xmlns:m="http://schemas.openxmlformats.org/officeDocument/2006/math">
-                    <m:r>
-                      <a:rPr lang="it-IT" i="1">
-                        <a:latin typeface="Cambria Math" panose="02040503050406030204" pitchFamily="18" charset="0"/>
-                      </a:rPr>
-                      <m:t>𝑟</m:t>
-                    </m:r>
-                    <m:r>
-                      <a:rPr lang="it-IT" i="1">
-                        <a:latin typeface="Cambria Math" panose="02040503050406030204" pitchFamily="18" charset="0"/>
-                      </a:rPr>
-                      <m:t>= ∥</m:t>
-                    </m:r>
-                    <m:acc>
-                      <m:accPr>
-                        <m:chr m:val="⃗"/>
-                        <m:ctrlPr>
-                          <a:rPr lang="it-IT" b="1" i="1">
-                            <a:latin typeface="Cambria Math" panose="02040503050406030204" pitchFamily="18" charset="0"/>
-                          </a:rPr>
-                        </m:ctrlPr>
-                      </m:accPr>
-                      <m:e>
-                        <m:r>
-                          <a:rPr lang="it-IT" b="1" i="1">
-                            <a:latin typeface="Cambria Math" panose="02040503050406030204" pitchFamily="18" charset="0"/>
-                          </a:rPr>
-                          <m:t>𝒑</m:t>
-                        </m:r>
-                      </m:e>
-                    </m:acc>
-                    <m:r>
-                      <a:rPr lang="it-IT" i="1">
-                        <a:latin typeface="Cambria Math" panose="02040503050406030204" pitchFamily="18" charset="0"/>
-                      </a:rPr>
-                      <m:t>−</m:t>
-                    </m:r>
-                    <m:acc>
-                      <m:accPr>
-                        <m:chr m:val="⃗"/>
-                        <m:ctrlPr>
-                          <a:rPr lang="it-IT" b="1" i="1">
-                            <a:latin typeface="Cambria Math" panose="02040503050406030204" pitchFamily="18" charset="0"/>
-                          </a:rPr>
-                        </m:ctrlPr>
-                      </m:accPr>
-                      <m:e>
-                        <m:r>
-                          <a:rPr lang="it-IT" b="1" i="1">
-                            <a:latin typeface="Cambria Math" panose="02040503050406030204" pitchFamily="18" charset="0"/>
-                          </a:rPr>
-                          <m:t>𝒎</m:t>
-                        </m:r>
-                      </m:e>
-                    </m:acc>
-                    <m:r>
-                      <a:rPr lang="it-IT" i="1">
-                        <a:latin typeface="Cambria Math" panose="02040503050406030204" pitchFamily="18" charset="0"/>
-                      </a:rPr>
-                      <m:t>∥ = </m:t>
-                    </m:r>
-                    <m:rad>
-                      <m:radPr>
-                        <m:degHide m:val="on"/>
-                        <m:ctrlPr>
-                          <a:rPr lang="it-IT" i="1">
-                            <a:latin typeface="Cambria Math" panose="02040503050406030204" pitchFamily="18" charset="0"/>
-                          </a:rPr>
-                        </m:ctrlPr>
-                      </m:radPr>
-                      <m:deg/>
-                      <m:e>
-                        <m:sSup>
-                          <m:sSupPr>
-                            <m:ctrlPr>
-                              <a:rPr lang="it-IT" i="1">
-                                <a:latin typeface="Cambria Math" panose="02040503050406030204" pitchFamily="18" charset="0"/>
-                              </a:rPr>
-                            </m:ctrlPr>
-                          </m:sSupPr>
-                          <m:e>
-                            <m:d>
-                              <m:dPr>
-                                <m:ctrlPr>
-                                  <a:rPr lang="it-IT" i="1">
-                                    <a:latin typeface="Cambria Math" panose="02040503050406030204" pitchFamily="18" charset="0"/>
-                                  </a:rPr>
-                                </m:ctrlPr>
-                              </m:dPr>
-                              <m:e>
-                                <m:sSub>
-                                  <m:sSubPr>
-                                    <m:ctrlPr>
-                                      <a:rPr lang="it-IT" i="1">
-                                        <a:latin typeface="Cambria Math" panose="02040503050406030204" pitchFamily="18" charset="0"/>
-                                      </a:rPr>
-                                    </m:ctrlPr>
-                                  </m:sSubPr>
-                                  <m:e>
-                                    <m:r>
-                                      <a:rPr lang="it-IT" i="1">
-                                        <a:latin typeface="Cambria Math" panose="02040503050406030204" pitchFamily="18" charset="0"/>
-                                      </a:rPr>
-                                      <m:t>𝑞</m:t>
-                                    </m:r>
-                                  </m:e>
-                                  <m:sub>
-                                    <m:r>
-                                      <a:rPr lang="it-IT" i="1">
-                                        <a:latin typeface="Cambria Math" panose="02040503050406030204" pitchFamily="18" charset="0"/>
-                                      </a:rPr>
-                                      <m:t>𝑥</m:t>
-                                    </m:r>
-                                  </m:sub>
-                                </m:sSub>
-                                <m:r>
-                                  <a:rPr lang="it-IT" i="1">
-                                    <a:latin typeface="Cambria Math" panose="02040503050406030204" pitchFamily="18" charset="0"/>
-                                  </a:rPr>
-                                  <m:t>−</m:t>
-                                </m:r>
-                                <m:sSub>
-                                  <m:sSubPr>
-                                    <m:ctrlPr>
-                                      <a:rPr lang="it-IT" i="1">
-                                        <a:latin typeface="Cambria Math" panose="02040503050406030204" pitchFamily="18" charset="0"/>
-                                      </a:rPr>
-                                    </m:ctrlPr>
-                                  </m:sSubPr>
-                                  <m:e>
-                                    <m:r>
-                                      <a:rPr lang="it-IT" i="1">
-                                        <a:latin typeface="Cambria Math" panose="02040503050406030204" pitchFamily="18" charset="0"/>
-                                      </a:rPr>
-                                      <m:t>𝑚</m:t>
-                                    </m:r>
-                                  </m:e>
-                                  <m:sub>
-                                    <m:r>
-                                      <a:rPr lang="it-IT" i="1">
-                                        <a:latin typeface="Cambria Math" panose="02040503050406030204" pitchFamily="18" charset="0"/>
-                                      </a:rPr>
-                                      <m:t>𝑥</m:t>
-                                    </m:r>
-                                  </m:sub>
-                                </m:sSub>
-                              </m:e>
-                            </m:d>
-                          </m:e>
-                          <m:sup>
-                            <m:r>
-                              <a:rPr lang="it-IT" i="1">
-                                <a:latin typeface="Cambria Math" panose="02040503050406030204" pitchFamily="18" charset="0"/>
-                              </a:rPr>
-                              <m:t>2</m:t>
-                            </m:r>
-                          </m:sup>
-                        </m:sSup>
-                        <m:r>
-                          <a:rPr lang="it-IT" i="1">
-                            <a:latin typeface="Cambria Math" panose="02040503050406030204" pitchFamily="18" charset="0"/>
-                          </a:rPr>
-                          <m:t>+ </m:t>
-                        </m:r>
-                        <m:sSup>
-                          <m:sSupPr>
-                            <m:ctrlPr>
-                              <a:rPr lang="it-IT" i="1">
-                                <a:latin typeface="Cambria Math" panose="02040503050406030204" pitchFamily="18" charset="0"/>
-                              </a:rPr>
-                            </m:ctrlPr>
-                          </m:sSupPr>
-                          <m:e>
-                            <m:d>
-                              <m:dPr>
-                                <m:ctrlPr>
-                                  <a:rPr lang="it-IT" i="1">
-                                    <a:latin typeface="Cambria Math" panose="02040503050406030204" pitchFamily="18" charset="0"/>
-                                  </a:rPr>
-                                </m:ctrlPr>
-                              </m:dPr>
-                              <m:e>
-                                <m:sSub>
-                                  <m:sSubPr>
-                                    <m:ctrlPr>
-                                      <a:rPr lang="it-IT" i="1">
-                                        <a:latin typeface="Cambria Math" panose="02040503050406030204" pitchFamily="18" charset="0"/>
-                                      </a:rPr>
-                                    </m:ctrlPr>
-                                  </m:sSubPr>
-                                  <m:e>
-                                    <m:r>
-                                      <a:rPr lang="it-IT" i="1">
-                                        <a:latin typeface="Cambria Math" panose="02040503050406030204" pitchFamily="18" charset="0"/>
-                                      </a:rPr>
-                                      <m:t>𝑞</m:t>
-                                    </m:r>
-                                  </m:e>
-                                  <m:sub>
-                                    <m:r>
-                                      <a:rPr lang="it-IT" i="1">
-                                        <a:latin typeface="Cambria Math" panose="02040503050406030204" pitchFamily="18" charset="0"/>
-                                      </a:rPr>
-                                      <m:t>𝑦</m:t>
-                                    </m:r>
-                                  </m:sub>
-                                </m:sSub>
-                                <m:r>
-                                  <a:rPr lang="it-IT" i="1">
-                                    <a:latin typeface="Cambria Math" panose="02040503050406030204" pitchFamily="18" charset="0"/>
-                                  </a:rPr>
-                                  <m:t>−</m:t>
-                                </m:r>
-                                <m:sSub>
-                                  <m:sSubPr>
-                                    <m:ctrlPr>
-                                      <a:rPr lang="it-IT" i="1">
-                                        <a:latin typeface="Cambria Math" panose="02040503050406030204" pitchFamily="18" charset="0"/>
-                                      </a:rPr>
-                                    </m:ctrlPr>
-                                  </m:sSubPr>
-                                  <m:e>
-                                    <m:r>
-                                      <a:rPr lang="it-IT" i="1">
-                                        <a:latin typeface="Cambria Math" panose="02040503050406030204" pitchFamily="18" charset="0"/>
-                                      </a:rPr>
-                                      <m:t>𝑚</m:t>
-                                    </m:r>
-                                  </m:e>
-                                  <m:sub>
-                                    <m:r>
-                                      <a:rPr lang="it-IT" i="1">
-                                        <a:latin typeface="Cambria Math" panose="02040503050406030204" pitchFamily="18" charset="0"/>
-                                      </a:rPr>
-                                      <m:t>𝑦</m:t>
-                                    </m:r>
-                                  </m:sub>
-                                </m:sSub>
-                              </m:e>
-                            </m:d>
-                          </m:e>
-                          <m:sup>
-                            <m:r>
-                              <a:rPr lang="it-IT" i="1">
-                                <a:latin typeface="Cambria Math" panose="02040503050406030204" pitchFamily="18" charset="0"/>
-                              </a:rPr>
-                              <m:t>2</m:t>
-                            </m:r>
-                          </m:sup>
-                        </m:sSup>
-                        <m:r>
-                          <a:rPr lang="it-IT" i="1">
-                            <a:latin typeface="Cambria Math" panose="02040503050406030204" pitchFamily="18" charset="0"/>
-                          </a:rPr>
-                          <m:t>+</m:t>
-                        </m:r>
-                        <m:sSup>
-                          <m:sSupPr>
-                            <m:ctrlPr>
-                              <a:rPr lang="it-IT" i="1">
-                                <a:latin typeface="Cambria Math" panose="02040503050406030204" pitchFamily="18" charset="0"/>
-                              </a:rPr>
-                            </m:ctrlPr>
-                          </m:sSupPr>
-                          <m:e>
-                            <m:d>
-                              <m:dPr>
-                                <m:ctrlPr>
-                                  <a:rPr lang="it-IT" i="1">
-                                    <a:latin typeface="Cambria Math" panose="02040503050406030204" pitchFamily="18" charset="0"/>
-                                  </a:rPr>
-                                </m:ctrlPr>
-                              </m:dPr>
-                              <m:e>
-                                <m:sSub>
-                                  <m:sSubPr>
-                                    <m:ctrlPr>
-                                      <a:rPr lang="it-IT" i="1">
-                                        <a:latin typeface="Cambria Math" panose="02040503050406030204" pitchFamily="18" charset="0"/>
-                                      </a:rPr>
-                                    </m:ctrlPr>
-                                  </m:sSubPr>
-                                  <m:e>
-                                    <m:r>
-                                      <a:rPr lang="it-IT" i="1">
-                                        <a:latin typeface="Cambria Math" panose="02040503050406030204" pitchFamily="18" charset="0"/>
-                                      </a:rPr>
-                                      <m:t>𝑞</m:t>
-                                    </m:r>
-                                  </m:e>
-                                  <m:sub>
-                                    <m:r>
-                                      <a:rPr lang="it-IT" i="1">
-                                        <a:latin typeface="Cambria Math" panose="02040503050406030204" pitchFamily="18" charset="0"/>
-                                      </a:rPr>
-                                      <m:t>𝑧</m:t>
-                                    </m:r>
-                                  </m:sub>
-                                </m:sSub>
-                                <m:r>
-                                  <a:rPr lang="it-IT" i="1">
-                                    <a:latin typeface="Cambria Math" panose="02040503050406030204" pitchFamily="18" charset="0"/>
-                                  </a:rPr>
-                                  <m:t>−</m:t>
-                                </m:r>
-                                <m:sSub>
-                                  <m:sSubPr>
-                                    <m:ctrlPr>
-                                      <a:rPr lang="it-IT" i="1">
-                                        <a:latin typeface="Cambria Math" panose="02040503050406030204" pitchFamily="18" charset="0"/>
-                                      </a:rPr>
-                                    </m:ctrlPr>
-                                  </m:sSubPr>
-                                  <m:e>
-                                    <m:r>
-                                      <a:rPr lang="it-IT" i="1">
-                                        <a:latin typeface="Cambria Math" panose="02040503050406030204" pitchFamily="18" charset="0"/>
-                                      </a:rPr>
-                                      <m:t>𝑚</m:t>
-                                    </m:r>
-                                  </m:e>
-                                  <m:sub>
-                                    <m:r>
-                                      <a:rPr lang="it-IT" i="1">
-                                        <a:latin typeface="Cambria Math" panose="02040503050406030204" pitchFamily="18" charset="0"/>
-                                      </a:rPr>
-                                      <m:t>𝑧</m:t>
-                                    </m:r>
-                                  </m:sub>
-                                </m:sSub>
-                              </m:e>
-                            </m:d>
-                          </m:e>
-                          <m:sup>
-                            <m:r>
-                              <a:rPr lang="it-IT" i="1">
-                                <a:latin typeface="Cambria Math" panose="02040503050406030204" pitchFamily="18" charset="0"/>
-                              </a:rPr>
-                              <m:t>2</m:t>
-                            </m:r>
-                          </m:sup>
-                        </m:sSup>
-                      </m:e>
-                    </m:rad>
-                  </m:oMath>
-                </a14:m>
-                <a:endParaRPr lang="it-IT" dirty="0" smtClean="0"/>
-              </a:p>
-              <a:p>
-                <a:pPr algn="ctr"/>
+                <a:pPr marL="0" indent="0" algn="ctr">
+                  <a:buNone/>
+                </a:pPr>
                 <a:endParaRPr lang="it-IT" sz="2400" dirty="0">
                   <a:solidFill>
                     <a:schemeClr val="tx1"/>
@@ -9151,7 +10783,44 @@
                       <a:rPr lang="it-IT" i="1">
                         <a:latin typeface="Cambria Math" panose="02040503050406030204" pitchFamily="18" charset="0"/>
                       </a:rPr>
-                      <m:t>=  </m:t>
+                      <m:t>=</m:t>
+                    </m:r>
+                    <m:f>
+                      <m:fPr>
+                        <m:ctrlPr>
+                          <a:rPr lang="it-IT" i="1">
+                            <a:latin typeface="Cambria Math" panose="02040503050406030204" pitchFamily="18" charset="0"/>
+                          </a:rPr>
+                        </m:ctrlPr>
+                      </m:fPr>
+                      <m:num>
+                        <m:r>
+                          <a:rPr lang="it-IT" i="1">
+                            <a:latin typeface="Cambria Math" panose="02040503050406030204" pitchFamily="18" charset="0"/>
+                          </a:rPr>
+                          <m:t>1</m:t>
+                        </m:r>
+                      </m:num>
+                      <m:den>
+                        <m:r>
+                          <a:rPr lang="it-IT" i="1">
+                            <a:latin typeface="Cambria Math" panose="02040503050406030204" pitchFamily="18" charset="0"/>
+                          </a:rPr>
+                          <m:t>4</m:t>
+                        </m:r>
+                        <m:r>
+                          <a:rPr lang="it-IT" i="1">
+                            <a:latin typeface="Cambria Math" panose="02040503050406030204" pitchFamily="18" charset="0"/>
+                          </a:rPr>
+                          <m:t>𝜋𝜀</m:t>
+                        </m:r>
+                      </m:den>
+                    </m:f>
+                    <m:r>
+                      <a:rPr lang="it-IT" b="0" i="1" smtClean="0">
+                        <a:latin typeface="Cambria Math" panose="02040503050406030204" pitchFamily="18" charset="0"/>
+                      </a:rPr>
+                      <m:t> </m:t>
                     </m:r>
                     <m:nary>
                       <m:naryPr>
@@ -9186,184 +10855,6 @@
                         </m:r>
                       </m:sup>
                       <m:e>
-                        <m:f>
-                          <m:fPr>
-                            <m:ctrlPr>
-                              <a:rPr lang="it-IT" i="1">
-                                <a:latin typeface="Cambria Math" panose="02040503050406030204" pitchFamily="18" charset="0"/>
-                              </a:rPr>
-                            </m:ctrlPr>
-                          </m:fPr>
-                          <m:num>
-                            <m:r>
-                              <a:rPr lang="it-IT" i="1">
-                                <a:latin typeface="Cambria Math" panose="02040503050406030204" pitchFamily="18" charset="0"/>
-                              </a:rPr>
-                              <m:t>1</m:t>
-                            </m:r>
-                          </m:num>
-                          <m:den>
-                            <m:r>
-                              <a:rPr lang="it-IT" i="1">
-                                <a:latin typeface="Cambria Math" panose="02040503050406030204" pitchFamily="18" charset="0"/>
-                              </a:rPr>
-                              <m:t>4</m:t>
-                            </m:r>
-                            <m:r>
-                              <a:rPr lang="it-IT" i="1">
-                                <a:latin typeface="Cambria Math" panose="02040503050406030204" pitchFamily="18" charset="0"/>
-                              </a:rPr>
-                              <m:t>𝜋𝜀</m:t>
-                            </m:r>
-                          </m:den>
-                        </m:f>
-                        <m:r>
-                          <a:rPr lang="it-IT" i="1">
-                            <a:latin typeface="Cambria Math" panose="02040503050406030204" pitchFamily="18" charset="0"/>
-                          </a:rPr>
-                          <m:t> </m:t>
-                        </m:r>
-                        <m:f>
-                          <m:fPr>
-                            <m:ctrlPr>
-                              <a:rPr lang="it-IT" i="1">
-                                <a:latin typeface="Cambria Math" panose="02040503050406030204" pitchFamily="18" charset="0"/>
-                              </a:rPr>
-                            </m:ctrlPr>
-                          </m:fPr>
-                          <m:num>
-                            <m:sSub>
-                              <m:sSubPr>
-                                <m:ctrlPr>
-                                  <a:rPr lang="it-IT" i="1">
-                                    <a:latin typeface="Cambria Math" panose="02040503050406030204" pitchFamily="18" charset="0"/>
-                                  </a:rPr>
-                                </m:ctrlPr>
-                              </m:sSubPr>
-                              <m:e>
-                                <m:r>
-                                  <a:rPr lang="it-IT" i="1">
-                                    <a:latin typeface="Cambria Math" panose="02040503050406030204" pitchFamily="18" charset="0"/>
-                                  </a:rPr>
-                                  <m:t>𝑞</m:t>
-                                </m:r>
-                              </m:e>
-                              <m:sub>
-                                <m:r>
-                                  <a:rPr lang="it-IT" i="1">
-                                    <a:latin typeface="Cambria Math" panose="02040503050406030204" pitchFamily="18" charset="0"/>
-                                  </a:rPr>
-                                  <m:t>𝑖</m:t>
-                                </m:r>
-                              </m:sub>
-                            </m:sSub>
-                          </m:num>
-                          <m:den>
-                            <m:sSub>
-                              <m:sSubPr>
-                                <m:ctrlPr>
-                                  <a:rPr lang="it-IT" i="1">
-                                    <a:latin typeface="Cambria Math" panose="02040503050406030204" pitchFamily="18" charset="0"/>
-                                  </a:rPr>
-                                </m:ctrlPr>
-                              </m:sSubPr>
-                              <m:e>
-                                <m:r>
-                                  <a:rPr lang="it-IT" i="1">
-                                    <a:latin typeface="Cambria Math" panose="02040503050406030204" pitchFamily="18" charset="0"/>
-                                  </a:rPr>
-                                  <m:t>𝑟</m:t>
-                                </m:r>
-                              </m:e>
-                              <m:sub>
-                                <m:r>
-                                  <a:rPr lang="it-IT" i="1">
-                                    <a:latin typeface="Cambria Math" panose="02040503050406030204" pitchFamily="18" charset="0"/>
-                                  </a:rPr>
-                                  <m:t>𝑖</m:t>
-                                </m:r>
-                              </m:sub>
-                            </m:sSub>
-                          </m:den>
-                        </m:f>
-                      </m:e>
-                    </m:nary>
-                    <m:r>
-                      <a:rPr lang="it-IT" i="1">
-                        <a:latin typeface="Cambria Math" panose="02040503050406030204" pitchFamily="18" charset="0"/>
-                      </a:rPr>
-                      <m:t>= </m:t>
-                    </m:r>
-                    <m:nary>
-                      <m:naryPr>
-                        <m:chr m:val="∑"/>
-                        <m:limLoc m:val="undOvr"/>
-                        <m:ctrlPr>
-                          <a:rPr lang="it-IT" i="1">
-                            <a:latin typeface="Cambria Math" panose="02040503050406030204" pitchFamily="18" charset="0"/>
-                          </a:rPr>
-                        </m:ctrlPr>
-                      </m:naryPr>
-                      <m:sub>
-                        <m:r>
-                          <a:rPr lang="it-IT" i="1">
-                            <a:latin typeface="Cambria Math" panose="02040503050406030204" pitchFamily="18" charset="0"/>
-                          </a:rPr>
-                          <m:t>𝑖</m:t>
-                        </m:r>
-                        <m:r>
-                          <a:rPr lang="it-IT" i="1">
-                            <a:latin typeface="Cambria Math" panose="02040503050406030204" pitchFamily="18" charset="0"/>
-                          </a:rPr>
-                          <m:t>=1</m:t>
-                        </m:r>
-                      </m:sub>
-                      <m:sup>
-                        <m:r>
-                          <a:rPr lang="it-IT" i="1">
-                            <a:latin typeface="Cambria Math" panose="02040503050406030204" pitchFamily="18" charset="0"/>
-                          </a:rPr>
-                          <m:t>𝑁</m:t>
-                        </m:r>
-                      </m:sup>
-                      <m:e>
-                        <m:f>
-                          <m:fPr>
-                            <m:ctrlPr>
-                              <a:rPr lang="it-IT" i="1">
-                                <a:latin typeface="Cambria Math" panose="02040503050406030204" pitchFamily="18" charset="0"/>
-                              </a:rPr>
-                            </m:ctrlPr>
-                          </m:fPr>
-                          <m:num>
-                            <m:r>
-                              <a:rPr lang="it-IT" i="1">
-                                <a:latin typeface="Cambria Math" panose="02040503050406030204" pitchFamily="18" charset="0"/>
-                              </a:rPr>
-                              <m:t>1</m:t>
-                            </m:r>
-                          </m:num>
-                          <m:den>
-                            <m:r>
-                              <a:rPr lang="it-IT" i="1">
-                                <a:latin typeface="Cambria Math" panose="02040503050406030204" pitchFamily="18" charset="0"/>
-                              </a:rPr>
-                              <m:t>4</m:t>
-                            </m:r>
-                            <m:r>
-                              <a:rPr lang="it-IT" i="1">
-                                <a:latin typeface="Cambria Math" panose="02040503050406030204" pitchFamily="18" charset="0"/>
-                              </a:rPr>
-                              <m:t>𝜋𝜀</m:t>
-                            </m:r>
-                          </m:den>
-                        </m:f>
-                        <m:r>
-                          <a:rPr lang="it-IT" i="1">
-                            <a:latin typeface="Cambria Math" panose="02040503050406030204" pitchFamily="18" charset="0"/>
-                          </a:rPr>
-                          <m:t> </m:t>
-                        </m:r>
                         <m:f>
                           <m:fPr>
                             <m:ctrlPr>
@@ -9488,7 +10979,7 @@
             </p:txBody>
           </p:sp>
         </mc:Choice>
-        <mc:Fallback xmlns="">
+        <mc:Fallback>
           <p:sp>
             <p:nvSpPr>
               <p:cNvPr id="3" name="Segnaposto contenuto 2"/>
@@ -9507,7 +10998,7 @@
               <a:blipFill>
                 <a:blip r:embed="rId3"/>
                 <a:stretch>
-                  <a:fillRect l="-606" t="-1563" b="-12358"/>
+                  <a:fillRect l="-606" t="-1563"/>
                 </a:stretch>
               </a:blipFill>
             </p:spPr>
@@ -9546,7 +11037,7 @@
 </p:sld>
 </file>
 
-<file path=ppt/slides/slide5.xml><?xml version="1.0" encoding="utf-8"?>
+<file path=ppt/slides/slide6.xml><?xml version="1.0" encoding="utf-8"?>
 <p:sld xmlns:a="http://schemas.openxmlformats.org/drawingml/2006/main" xmlns:r="http://schemas.openxmlformats.org/officeDocument/2006/relationships" xmlns:p="http://schemas.openxmlformats.org/presentationml/2006/main">
   <p:cSld>
     <p:spTree>
@@ -9586,8 +11077,8 @@
           </a:p>
         </p:txBody>
       </p:sp>
-      <mc:AlternateContent xmlns:mc="http://schemas.openxmlformats.org/markup-compatibility/2006" xmlns:a14="http://schemas.microsoft.com/office/drawing/2010/main">
-        <mc:Choice Requires="a14">
+      <mc:AlternateContent xmlns:mc="http://schemas.openxmlformats.org/markup-compatibility/2006">
+        <mc:Choice xmlns:a14="http://schemas.microsoft.com/office/drawing/2010/main" Requires="a14">
           <p:sp>
             <p:nvSpPr>
               <p:cNvPr id="3" name="Segnaposto contenuto 2"/>
@@ -9616,8 +11107,36 @@
                       <a:schemeClr val="tx1"/>
                     </a:solidFill>
                   </a:rPr>
-                  <a:t>Possiamo effettuare 3 tipi di normalizzazioni: </a:t>
+                  <a:t>Possiamo effettuare </a:t>
                 </a:r>
+                <a:r>
+                  <a:rPr lang="it-IT" dirty="0" smtClean="0">
+                    <a:solidFill>
+                      <a:schemeClr val="tx1"/>
+                    </a:solidFill>
+                  </a:rPr>
+                  <a:t>2 </a:t>
+                </a:r>
+                <a:r>
+                  <a:rPr lang="it-IT" dirty="0" smtClean="0">
+                    <a:solidFill>
+                      <a:schemeClr val="tx1"/>
+                    </a:solidFill>
+                  </a:rPr>
+                  <a:t>tipi di normalizzazioni: </a:t>
+                </a:r>
+                <a:endParaRPr lang="it-IT" dirty="0" smtClean="0">
+                  <a:solidFill>
+                    <a:schemeClr val="tx1"/>
+                  </a:solidFill>
+                </a:endParaRPr>
+              </a:p>
+              <a:p>
+                <a:endParaRPr lang="it-IT" dirty="0" smtClean="0">
+                  <a:solidFill>
+                    <a:schemeClr val="tx1"/>
+                  </a:solidFill>
+                </a:endParaRPr>
               </a:p>
               <a:p>
                 <a:pPr lvl="1">
@@ -9630,7 +11149,7 @@
                       <a:schemeClr val="tx1"/>
                     </a:solidFill>
                   </a:rPr>
-                  <a:t>Supposte tutte le cariche uguali di segno e valore possiamo effettuare una prima normalizzazione sul fattore </a:t>
+                  <a:t>Possiamo normalizzare la costante moltiplicativa </a:t>
                 </a:r>
                 <a:endParaRPr lang="it-IT" sz="2000" dirty="0">
                   <a:solidFill>
@@ -9678,15 +11197,6 @@
                         </m:r>
                       </m:den>
                     </m:f>
-                    <m:r>
-                      <m:rPr>
-                        <m:sty m:val="p"/>
-                      </m:rPr>
-                      <a:rPr lang="it-IT" sz="2400">
-                        <a:latin typeface="Cambria Math" panose="02040503050406030204" pitchFamily="18" charset="0"/>
-                      </a:rPr>
-                      <m:t>q</m:t>
-                    </m:r>
                   </m:oMath>
                 </a14:m>
                 <a:r>
@@ -9700,83 +11210,9 @@
                 </a:endParaRPr>
               </a:p>
               <a:p>
-                <a:pPr marL="0" indent="0" algn="ctr">
+                <a:pPr marL="201168" lvl="1" indent="0">
                   <a:buNone/>
                 </a:pPr>
-                <a:endParaRPr lang="en-US" sz="2400" dirty="0" smtClean="0">
-                  <a:solidFill>
-                    <a:schemeClr val="tx1"/>
-                  </a:solidFill>
-                  <a:effectLst/>
-                </a:endParaRPr>
-              </a:p>
-              <a:p>
-                <a:pPr lvl="1">
-                  <a:buFont typeface="Arial" charset="0"/>
-                  <a:buChar char="•"/>
-                </a:pPr>
-                <a:r>
-                  <a:rPr lang="it-IT" sz="2000" dirty="0" smtClean="0">
-                    <a:solidFill>
-                      <a:schemeClr val="tx1"/>
-                    </a:solidFill>
-                  </a:rPr>
-                  <a:t>Una seconda normalizzazione è stata effettuata sulla distanza considerando la massima distanza tra carica e misuratore che risulta essere la diagonale del </a:t>
-                </a:r>
-                <a:r>
-                  <a:rPr lang="it-IT" sz="2000" dirty="0" err="1" smtClean="0">
-                    <a:solidFill>
-                      <a:schemeClr val="tx1"/>
-                    </a:solidFill>
-                  </a:rPr>
-                  <a:t>brick</a:t>
-                </a:r>
-                <a:r>
-                  <a:rPr lang="it-IT" sz="2000" dirty="0" smtClean="0">
-                    <a:solidFill>
-                      <a:schemeClr val="tx1"/>
-                    </a:solidFill>
-                  </a:rPr>
-                  <a:t> (cubico di lato 1): </a:t>
-                </a:r>
-                <a14:m>
-                  <m:oMath xmlns:m="http://schemas.openxmlformats.org/officeDocument/2006/math">
-                    <m:rad>
-                      <m:radPr>
-                        <m:degHide m:val="on"/>
-                        <m:ctrlPr>
-                          <a:rPr lang="en-US" sz="2000" i="1">
-                            <a:solidFill>
-                              <a:schemeClr val="tx1"/>
-                            </a:solidFill>
-                            <a:latin typeface="Cambria Math" panose="02040503050406030204" pitchFamily="18" charset="0"/>
-                          </a:rPr>
-                        </m:ctrlPr>
-                      </m:radPr>
-                      <m:deg/>
-                      <m:e>
-                        <m:r>
-                          <a:rPr lang="it-IT" sz="2000" b="0" i="1" smtClean="0">
-                            <a:solidFill>
-                              <a:schemeClr val="tx1"/>
-                            </a:solidFill>
-                            <a:latin typeface="Cambria Math" panose="02040503050406030204" pitchFamily="18" charset="0"/>
-                          </a:rPr>
-                          <m:t>3</m:t>
-                        </m:r>
-                      </m:e>
-                    </m:rad>
-                  </m:oMath>
-                </a14:m>
-                <a:r>
-                  <a:rPr lang="en-US" dirty="0">
-                    <a:solidFill>
-                      <a:schemeClr val="tx1"/>
-                    </a:solidFill>
-                    <a:effectLst/>
-                  </a:rPr>
-                  <a:t> </a:t>
-                </a:r>
                 <a:endParaRPr lang="en-US" dirty="0" smtClean="0">
                   <a:solidFill>
                     <a:schemeClr val="tx1"/>
@@ -9802,37 +11238,18 @@
                       <a:schemeClr val="tx1"/>
                     </a:solidFill>
                   </a:rPr>
-                  <a:t>L’ultima normalizzazione invece è fatta sul numero di misuratori presenti sul </a:t>
+                  <a:t>Normalizziamo sul numero M di misurazioni effettuate </a:t>
                 </a:r>
-                <a:r>
-                  <a:rPr lang="it-IT" sz="2000" dirty="0" err="1" smtClean="0">
-                    <a:solidFill>
-                      <a:schemeClr val="tx1"/>
-                    </a:solidFill>
-                  </a:rPr>
-                  <a:t>brick</a:t>
-                </a:r>
-                <a:r>
-                  <a:rPr lang="it-IT" sz="2000" dirty="0" smtClean="0">
-                    <a:solidFill>
-                      <a:schemeClr val="tx1"/>
-                    </a:solidFill>
-                  </a:rPr>
-                  <a:t> più esterno, pari a </a:t>
-                </a:r>
-                <a:r>
-                  <a:rPr lang="it-IT" sz="2000" i="1" dirty="0">
-                    <a:solidFill>
-                      <a:schemeClr val="tx1"/>
-                    </a:solidFill>
-                  </a:rPr>
-                  <a:t>M</a:t>
-                </a:r>
+                <a:endParaRPr lang="it-IT" sz="2000" i="1" dirty="0">
+                  <a:solidFill>
+                    <a:schemeClr val="tx1"/>
+                  </a:solidFill>
+                </a:endParaRPr>
               </a:p>
             </p:txBody>
           </p:sp>
         </mc:Choice>
-        <mc:Fallback xmlns="">
+        <mc:Fallback>
           <p:sp>
             <p:nvSpPr>
               <p:cNvPr id="3" name="Segnaposto contenuto 2"/>
@@ -9851,7 +11268,7 @@
               <a:blipFill>
                 <a:blip r:embed="rId2"/>
                 <a:stretch>
-                  <a:fillRect l="-588" t="-1667" r="-940"/>
+                  <a:fillRect l="-588" t="-1667"/>
                 </a:stretch>
               </a:blipFill>
             </p:spPr>
@@ -9890,7 +11307,7 @@
 </p:sld>
 </file>
 
-<file path=ppt/slides/slide6.xml><?xml version="1.0" encoding="utf-8"?>
+<file path=ppt/slides/slide7.xml><?xml version="1.0" encoding="utf-8"?>
 <p:sld xmlns:a="http://schemas.openxmlformats.org/drawingml/2006/main" xmlns:r="http://schemas.openxmlformats.org/officeDocument/2006/relationships" xmlns:p="http://schemas.openxmlformats.org/presentationml/2006/main">
   <p:cSld>
     <p:spTree>
@@ -9924,14 +11341,18 @@
           <a:p>
             <a:r>
               <a:rPr lang="en-US" dirty="0" smtClean="0"/>
-              <a:t>FUNZIONE DI COSTO</a:t>
+              <a:t>FUNZIONE </a:t>
+            </a:r>
+            <a:r>
+              <a:rPr lang="en-US" dirty="0" smtClean="0"/>
+              <a:t>OBIETTIVO</a:t>
             </a:r>
             <a:endParaRPr lang="en-US" dirty="0"/>
           </a:p>
         </p:txBody>
       </p:sp>
-      <mc:AlternateContent xmlns:mc="http://schemas.openxmlformats.org/markup-compatibility/2006" xmlns:a14="http://schemas.microsoft.com/office/drawing/2010/main">
-        <mc:Choice Requires="a14">
+      <mc:AlternateContent xmlns:mc="http://schemas.openxmlformats.org/markup-compatibility/2006">
+        <mc:Choice xmlns:a14="http://schemas.microsoft.com/office/drawing/2010/main" Requires="a14">
           <p:sp>
             <p:nvSpPr>
               <p:cNvPr id="7" name="TextBox 6"/>
@@ -9941,7 +11362,7 @@
             <p:spPr>
               <a:xfrm>
                 <a:off x="1169125" y="1811195"/>
-                <a:ext cx="9914709" cy="4931158"/>
+                <a:ext cx="9914709" cy="3876831"/>
               </a:xfrm>
               <a:prstGeom prst="rect">
                 <a:avLst/>
@@ -9955,8 +11376,45 @@
               <a:lstStyle/>
               <a:p>
                 <a:r>
+                  <a:rPr lang="en-US" dirty="0" smtClean="0"/>
+                  <a:t>Ricavando </a:t>
+                </a:r>
+                <a14:m>
+                  <m:oMath xmlns:m="http://schemas.openxmlformats.org/officeDocument/2006/math">
+                    <m:sSub>
+                      <m:sSubPr>
+                        <m:ctrlPr>
+                          <a:rPr lang="it-IT" i="1">
+                            <a:latin typeface="Cambria Math" panose="02040503050406030204" pitchFamily="18" charset="0"/>
+                          </a:rPr>
+                        </m:ctrlPr>
+                      </m:sSubPr>
+                      <m:e>
+                        <m:r>
+                          <a:rPr lang="it-IT" i="1">
+                            <a:latin typeface="Cambria Math" panose="02040503050406030204" pitchFamily="18" charset="0"/>
+                          </a:rPr>
+                          <m:t>𝑉</m:t>
+                        </m:r>
+                      </m:e>
+                      <m:sub>
+                        <m:r>
+                          <a:rPr lang="it-IT" i="1">
+                            <a:latin typeface="Cambria Math" panose="02040503050406030204" pitchFamily="18" charset="0"/>
+                          </a:rPr>
+                          <m:t>𝑁</m:t>
+                        </m:r>
+                      </m:sub>
+                    </m:sSub>
+                  </m:oMath>
+                </a14:m>
+                <a:r>
+                  <a:rPr lang="en-US" dirty="0" smtClean="0"/>
+                  <a:t> </a:t>
+                </a:r>
+                <a:r>
                   <a:rPr lang="en-US" dirty="0" err="1" smtClean="0"/>
-                  <a:t>Detti</a:t>
+                  <a:t>dalla</a:t>
                 </a:r>
                 <a:r>
                   <a:rPr lang="en-US" dirty="0" smtClean="0"/>
@@ -9964,160 +11422,74 @@
                 </a:r>
                 <a:r>
                   <a:rPr lang="en-US" dirty="0" err="1" smtClean="0"/>
-                  <a:t>Vt</a:t>
-                </a:r>
-                <a:r>
-                  <a:rPr lang="en-US" dirty="0" smtClean="0"/>
-                  <a:t> e </a:t>
-                </a:r>
-                <a:r>
-                  <a:rPr lang="en-US" dirty="0" err="1" smtClean="0"/>
-                  <a:t>Vn</a:t>
+                  <a:t>differenza</a:t>
                 </a:r>
                 <a:r>
                   <a:rPr lang="en-US" dirty="0" smtClean="0"/>
                   <a:t> </a:t>
                 </a:r>
-                <a:r>
-                  <a:rPr lang="en-US" dirty="0" err="1" smtClean="0"/>
-                  <a:t>il</a:t>
-                </a:r>
-                <a:r>
-                  <a:rPr lang="en-US" dirty="0" smtClean="0"/>
-                  <a:t> </a:t>
-                </a:r>
-                <a:r>
-                  <a:rPr lang="en-US" dirty="0" err="1" smtClean="0"/>
-                  <a:t>potenziale</a:t>
-                </a:r>
-                <a:r>
-                  <a:rPr lang="en-US" dirty="0" smtClean="0"/>
-                  <a:t> </a:t>
-                </a:r>
-                <a:r>
-                  <a:rPr lang="en-US" dirty="0" err="1" smtClean="0"/>
-                  <a:t>totale</a:t>
-                </a:r>
-                <a:r>
-                  <a:rPr lang="en-US" dirty="0" smtClean="0"/>
-                  <a:t> </a:t>
-                </a:r>
-                <a:r>
-                  <a:rPr lang="en-US" dirty="0" err="1" smtClean="0"/>
-                  <a:t>misurato</a:t>
-                </a:r>
-                <a:r>
-                  <a:rPr lang="en-US" dirty="0" smtClean="0"/>
-                  <a:t> dal </a:t>
-                </a:r>
-                <a:r>
-                  <a:rPr lang="en-US" dirty="0" err="1" smtClean="0"/>
-                  <a:t>misuratore</a:t>
-                </a:r>
+                <a14:m>
+                  <m:oMath xmlns:m="http://schemas.openxmlformats.org/officeDocument/2006/math">
+                    <m:sSub>
+                      <m:sSubPr>
+                        <m:ctrlPr>
+                          <a:rPr lang="it-IT" i="1" smtClean="0">
+                            <a:latin typeface="Cambria Math" panose="02040503050406030204" pitchFamily="18" charset="0"/>
+                          </a:rPr>
+                        </m:ctrlPr>
+                      </m:sSubPr>
+                      <m:e>
+                        <m:r>
+                          <a:rPr lang="it-IT" i="1">
+                            <a:latin typeface="Cambria Math" panose="02040503050406030204" pitchFamily="18" charset="0"/>
+                          </a:rPr>
+                          <m:t>𝑉</m:t>
+                        </m:r>
+                      </m:e>
+                      <m:sub>
+                        <m:r>
+                          <a:rPr lang="it-IT" b="0" i="1" smtClean="0">
+                            <a:latin typeface="Cambria Math" panose="02040503050406030204" pitchFamily="18" charset="0"/>
+                          </a:rPr>
+                          <m:t>𝑡</m:t>
+                        </m:r>
+                      </m:sub>
+                    </m:sSub>
+                  </m:oMath>
+                </a14:m>
                 <a:r>
                   <a:rPr lang="en-US" dirty="0" smtClean="0"/>
                   <a:t> e </a:t>
                 </a:r>
-                <a:r>
-                  <a:rPr lang="en-US" dirty="0" err="1" smtClean="0"/>
-                  <a:t>quello</a:t>
-                </a:r>
-                <a:r>
-                  <a:rPr lang="en-US" dirty="0" smtClean="0"/>
-                  <a:t> </a:t>
-                </a:r>
-                <a:r>
-                  <a:rPr lang="en-US" dirty="0" err="1" smtClean="0"/>
-                  <a:t>calcolato</a:t>
-                </a:r>
-                <a:r>
-                  <a:rPr lang="en-US" dirty="0" smtClean="0"/>
-                  <a:t> </a:t>
-                </a:r>
-                <a:r>
-                  <a:rPr lang="en-US" dirty="0" err="1" smtClean="0"/>
-                  <a:t>analiticamente</a:t>
-                </a:r>
-                <a:r>
-                  <a:rPr lang="en-US" dirty="0" smtClean="0"/>
-                  <a:t> </a:t>
-                </a:r>
-                <a:r>
-                  <a:rPr lang="en-US" dirty="0" err="1" smtClean="0"/>
-                  <a:t>dalle</a:t>
-                </a:r>
-                <a:r>
-                  <a:rPr lang="en-US" dirty="0" smtClean="0"/>
-                  <a:t> </a:t>
-                </a:r>
-                <a:r>
-                  <a:rPr lang="en-US" dirty="0" err="1" smtClean="0"/>
-                  <a:t>cariche</a:t>
-                </a:r>
-                <a:r>
-                  <a:rPr lang="en-US" dirty="0" smtClean="0"/>
-                  <a:t> note </a:t>
-                </a:r>
-                <a:r>
-                  <a:rPr lang="en-US" dirty="0" err="1" smtClean="0"/>
-                  <a:t>rispettivamente</a:t>
-                </a:r>
-                <a:r>
-                  <a:rPr lang="en-US" dirty="0" smtClean="0"/>
-                  <a:t>, </a:t>
-                </a:r>
-                <a:r>
-                  <a:rPr lang="en-US" dirty="0" err="1" smtClean="0"/>
-                  <a:t>il</a:t>
-                </a:r>
-                <a:r>
-                  <a:rPr lang="en-US" dirty="0" smtClean="0"/>
-                  <a:t> </a:t>
-                </a:r>
-                <a:r>
-                  <a:rPr lang="en-US" dirty="0" err="1" smtClean="0"/>
-                  <a:t>potenziale</a:t>
-                </a:r>
-                <a:r>
-                  <a:rPr lang="en-US" dirty="0" smtClean="0"/>
-                  <a:t> </a:t>
-                </a:r>
-                <a:r>
-                  <a:rPr lang="en-US" dirty="0" err="1" smtClean="0"/>
-                  <a:t>della</a:t>
-                </a:r>
-                <a:r>
-                  <a:rPr lang="en-US" dirty="0" smtClean="0"/>
-                  <a:t> </a:t>
-                </a:r>
-                <a:r>
-                  <a:rPr lang="en-US" dirty="0" err="1" smtClean="0"/>
-                  <a:t>carica</a:t>
-                </a:r>
-                <a:r>
-                  <a:rPr lang="en-US" dirty="0" smtClean="0"/>
-                  <a:t> </a:t>
-                </a:r>
-                <a:r>
-                  <a:rPr lang="en-US" dirty="0" err="1" smtClean="0"/>
-                  <a:t>ignota</a:t>
-                </a:r>
-                <a:r>
-                  <a:rPr lang="en-US" dirty="0" smtClean="0"/>
-                  <a:t> </a:t>
-                </a:r>
-                <a:r>
-                  <a:rPr lang="en-US" dirty="0" err="1" smtClean="0"/>
-                  <a:t>sarà</a:t>
-                </a:r>
-                <a:r>
-                  <a:rPr lang="en-US" dirty="0" smtClean="0"/>
-                  <a:t> </a:t>
-                </a:r>
-                <a:r>
-                  <a:rPr lang="en-US" dirty="0" err="1" smtClean="0"/>
-                  <a:t>dunque</a:t>
-                </a:r>
+                <a14:m>
+                  <m:oMath xmlns:m="http://schemas.openxmlformats.org/officeDocument/2006/math">
+                    <m:sSub>
+                      <m:sSubPr>
+                        <m:ctrlPr>
+                          <a:rPr lang="it-IT" i="1">
+                            <a:latin typeface="Cambria Math" panose="02040503050406030204" pitchFamily="18" charset="0"/>
+                          </a:rPr>
+                        </m:ctrlPr>
+                      </m:sSubPr>
+                      <m:e>
+                        <m:r>
+                          <a:rPr lang="it-IT" i="1">
+                            <a:latin typeface="Cambria Math" panose="02040503050406030204" pitchFamily="18" charset="0"/>
+                          </a:rPr>
+                          <m:t>𝑉</m:t>
+                        </m:r>
+                      </m:e>
+                      <m:sub>
+                        <m:r>
+                          <a:rPr lang="it-IT" b="0" i="1" smtClean="0">
+                            <a:latin typeface="Cambria Math" panose="02040503050406030204" pitchFamily="18" charset="0"/>
+                          </a:rPr>
+                          <m:t>𝑛</m:t>
+                        </m:r>
+                      </m:sub>
+                    </m:sSub>
+                  </m:oMath>
+                </a14:m>
                 <a:endParaRPr lang="en-US" dirty="0" smtClean="0"/>
               </a:p>
               <a:p>
@@ -10249,357 +11621,7 @@
                         <a:rPr lang="it-IT" i="1">
                           <a:latin typeface="Cambria Math" panose="02040503050406030204" pitchFamily="18" charset="0"/>
                         </a:rPr>
-                        <m:t>)=(</m:t>
-                      </m:r>
-                      <m:nary>
-                        <m:naryPr>
-                          <m:chr m:val="∑"/>
-                          <m:limLoc m:val="undOvr"/>
-                          <m:ctrlPr>
-                            <a:rPr lang="it-IT" i="1">
-                              <a:latin typeface="Cambria Math" panose="02040503050406030204" pitchFamily="18" charset="0"/>
-                            </a:rPr>
-                          </m:ctrlPr>
-                        </m:naryPr>
-                        <m:sub>
-                          <m:r>
-                            <a:rPr lang="it-IT" i="1">
-                              <a:latin typeface="Cambria Math" panose="02040503050406030204" pitchFamily="18" charset="0"/>
-                            </a:rPr>
-                            <m:t>𝑖</m:t>
-                          </m:r>
-                        </m:sub>
-                        <m:sup>
-                          <m:r>
-                            <a:rPr lang="it-IT" i="1">
-                              <a:latin typeface="Cambria Math" panose="02040503050406030204" pitchFamily="18" charset="0"/>
-                            </a:rPr>
-                            <m:t>𝑁</m:t>
-                          </m:r>
-                        </m:sup>
-                        <m:e>
-                          <m:f>
-                            <m:fPr>
-                              <m:ctrlPr>
-                                <a:rPr lang="it-IT" i="1">
-                                  <a:latin typeface="Cambria Math" panose="02040503050406030204" pitchFamily="18" charset="0"/>
-                                </a:rPr>
-                              </m:ctrlPr>
-                            </m:fPr>
-                            <m:num>
-                              <m:sSub>
-                                <m:sSubPr>
-                                  <m:ctrlPr>
-                                    <a:rPr lang="it-IT" i="1">
-                                      <a:latin typeface="Cambria Math" panose="02040503050406030204" pitchFamily="18" charset="0"/>
-                                    </a:rPr>
-                                  </m:ctrlPr>
-                                </m:sSubPr>
-                                <m:e>
-                                  <m:r>
-                                    <a:rPr lang="it-IT" i="1">
-                                      <a:latin typeface="Cambria Math" panose="02040503050406030204" pitchFamily="18" charset="0"/>
-                                    </a:rPr>
-                                    <m:t>𝑞</m:t>
-                                  </m:r>
-                                </m:e>
-                                <m:sub>
-                                  <m:r>
-                                    <a:rPr lang="it-IT" i="1">
-                                      <a:latin typeface="Cambria Math" panose="02040503050406030204" pitchFamily="18" charset="0"/>
-                                    </a:rPr>
-                                    <m:t>𝑖</m:t>
-                                  </m:r>
-                                </m:sub>
-                              </m:sSub>
-                            </m:num>
-                            <m:den>
-                              <m:r>
-                                <a:rPr lang="it-IT" i="1">
-                                  <a:latin typeface="Cambria Math" panose="02040503050406030204" pitchFamily="18" charset="0"/>
-                                </a:rPr>
-                                <m:t> </m:t>
-                              </m:r>
-                              <m:d>
-                                <m:dPr>
-                                  <m:begChr m:val="|"/>
-                                  <m:endChr m:val="|"/>
-                                  <m:ctrlPr>
-                                    <a:rPr lang="it-IT" i="1">
-                                      <a:latin typeface="Cambria Math" panose="02040503050406030204" pitchFamily="18" charset="0"/>
-                                    </a:rPr>
-                                  </m:ctrlPr>
-                                </m:dPr>
-                                <m:e>
-                                  <m:d>
-                                    <m:dPr>
-                                      <m:begChr m:val="|"/>
-                                      <m:endChr m:val="|"/>
-                                      <m:ctrlPr>
-                                        <a:rPr lang="it-IT" i="1">
-                                          <a:latin typeface="Cambria Math" panose="02040503050406030204" pitchFamily="18" charset="0"/>
-                                        </a:rPr>
-                                      </m:ctrlPr>
-                                    </m:dPr>
-                                    <m:e>
-                                      <m:acc>
-                                        <m:accPr>
-                                          <m:chr m:val="⃗"/>
-                                          <m:ctrlPr>
-                                            <a:rPr lang="it-IT" b="1" i="1">
-                                              <a:latin typeface="Cambria Math" panose="02040503050406030204" pitchFamily="18" charset="0"/>
-                                            </a:rPr>
-                                          </m:ctrlPr>
-                                        </m:accPr>
-                                        <m:e>
-                                          <m:sSub>
-                                            <m:sSubPr>
-                                              <m:ctrlPr>
-                                                <a:rPr lang="it-IT" b="1" i="1">
-                                                  <a:latin typeface="Cambria Math" panose="02040503050406030204" pitchFamily="18" charset="0"/>
-                                                </a:rPr>
-                                              </m:ctrlPr>
-                                            </m:sSubPr>
-                                            <m:e>
-                                              <m:r>
-                                                <a:rPr lang="it-IT" b="1" i="1">
-                                                  <a:latin typeface="Cambria Math" panose="02040503050406030204" pitchFamily="18" charset="0"/>
-                                                </a:rPr>
-                                                <m:t>𝒑</m:t>
-                                              </m:r>
-                                            </m:e>
-                                            <m:sub>
-                                              <m:r>
-                                                <a:rPr lang="it-IT" b="1" i="1">
-                                                  <a:latin typeface="Cambria Math" panose="02040503050406030204" pitchFamily="18" charset="0"/>
-                                                </a:rPr>
-                                                <m:t>𝒊</m:t>
-                                              </m:r>
-                                            </m:sub>
-                                          </m:sSub>
-                                        </m:e>
-                                      </m:acc>
-                                      <m:r>
-                                        <a:rPr lang="it-IT" i="1">
-                                          <a:latin typeface="Cambria Math" panose="02040503050406030204" pitchFamily="18" charset="0"/>
-                                        </a:rPr>
-                                        <m:t>−</m:t>
-                                      </m:r>
-                                      <m:acc>
-                                        <m:accPr>
-                                          <m:chr m:val="⃗"/>
-                                          <m:ctrlPr>
-                                            <a:rPr lang="it-IT" b="1" i="1">
-                                              <a:latin typeface="Cambria Math" panose="02040503050406030204" pitchFamily="18" charset="0"/>
-                                            </a:rPr>
-                                          </m:ctrlPr>
-                                        </m:accPr>
-                                        <m:e>
-                                          <m:r>
-                                            <a:rPr lang="it-IT" b="1" i="1">
-                                              <a:latin typeface="Cambria Math" panose="02040503050406030204" pitchFamily="18" charset="0"/>
-                                            </a:rPr>
-                                            <m:t>𝒎</m:t>
-                                          </m:r>
-                                        </m:e>
-                                      </m:acc>
-                                    </m:e>
-                                  </m:d>
-                                </m:e>
-                              </m:d>
-                            </m:den>
-                          </m:f>
-                          <m:r>
-                            <a:rPr lang="it-IT" i="1">
-                              <a:latin typeface="Cambria Math" panose="02040503050406030204" pitchFamily="18" charset="0"/>
-                            </a:rPr>
-                            <m:t> </m:t>
-                          </m:r>
-                        </m:e>
-                      </m:nary>
-                      <m:r>
-                        <a:rPr lang="it-IT" i="1">
-                          <a:latin typeface="Cambria Math" panose="02040503050406030204" pitchFamily="18" charset="0"/>
-                        </a:rPr>
-                        <m:t>)−(</m:t>
-                      </m:r>
-                      <m:nary>
-                        <m:naryPr>
-                          <m:chr m:val="∑"/>
-                          <m:limLoc m:val="undOvr"/>
-                          <m:ctrlPr>
-                            <a:rPr lang="it-IT" i="1">
-                              <a:latin typeface="Cambria Math" panose="02040503050406030204" pitchFamily="18" charset="0"/>
-                            </a:rPr>
-                          </m:ctrlPr>
-                        </m:naryPr>
-                        <m:sub>
-                          <m:r>
-                            <a:rPr lang="it-IT" i="1">
-                              <a:latin typeface="Cambria Math" panose="02040503050406030204" pitchFamily="18" charset="0"/>
-                            </a:rPr>
-                            <m:t>𝑖</m:t>
-                          </m:r>
-                        </m:sub>
-                        <m:sup>
-                          <m:r>
-                            <a:rPr lang="it-IT" i="1">
-                              <a:latin typeface="Cambria Math" panose="02040503050406030204" pitchFamily="18" charset="0"/>
-                            </a:rPr>
-                            <m:t>𝑁</m:t>
-                          </m:r>
-                          <m:r>
-                            <a:rPr lang="it-IT" i="1">
-                              <a:latin typeface="Cambria Math" panose="02040503050406030204" pitchFamily="18" charset="0"/>
-                            </a:rPr>
-                            <m:t>−1</m:t>
-                          </m:r>
-                        </m:sup>
-                        <m:e>
-                          <m:f>
-                            <m:fPr>
-                              <m:ctrlPr>
-                                <a:rPr lang="it-IT" i="1">
-                                  <a:latin typeface="Cambria Math" panose="02040503050406030204" pitchFamily="18" charset="0"/>
-                                </a:rPr>
-                              </m:ctrlPr>
-                            </m:fPr>
-                            <m:num>
-                              <m:sSub>
-                                <m:sSubPr>
-                                  <m:ctrlPr>
-                                    <a:rPr lang="it-IT" i="1">
-                                      <a:latin typeface="Cambria Math" panose="02040503050406030204" pitchFamily="18" charset="0"/>
-                                    </a:rPr>
-                                  </m:ctrlPr>
-                                </m:sSubPr>
-                                <m:e>
-                                  <m:r>
-                                    <a:rPr lang="it-IT" i="1">
-                                      <a:latin typeface="Cambria Math" panose="02040503050406030204" pitchFamily="18" charset="0"/>
-                                    </a:rPr>
-                                    <m:t>𝑞</m:t>
-                                  </m:r>
-                                </m:e>
-                                <m:sub>
-                                  <m:r>
-                                    <a:rPr lang="it-IT" i="1">
-                                      <a:latin typeface="Cambria Math" panose="02040503050406030204" pitchFamily="18" charset="0"/>
-                                    </a:rPr>
-                                    <m:t>𝑖</m:t>
-                                  </m:r>
-                                </m:sub>
-                              </m:sSub>
-                            </m:num>
-                            <m:den>
-                              <m:r>
-                                <a:rPr lang="it-IT" i="1">
-                                  <a:latin typeface="Cambria Math" panose="02040503050406030204" pitchFamily="18" charset="0"/>
-                                </a:rPr>
-                                <m:t> </m:t>
-                              </m:r>
-                              <m:d>
-                                <m:dPr>
-                                  <m:begChr m:val="|"/>
-                                  <m:endChr m:val="|"/>
-                                  <m:ctrlPr>
-                                    <a:rPr lang="it-IT" i="1">
-                                      <a:latin typeface="Cambria Math" panose="02040503050406030204" pitchFamily="18" charset="0"/>
-                                    </a:rPr>
-                                  </m:ctrlPr>
-                                </m:dPr>
-                                <m:e>
-                                  <m:d>
-                                    <m:dPr>
-                                      <m:begChr m:val="|"/>
-                                      <m:endChr m:val="|"/>
-                                      <m:ctrlPr>
-                                        <a:rPr lang="it-IT" i="1">
-                                          <a:latin typeface="Cambria Math" panose="02040503050406030204" pitchFamily="18" charset="0"/>
-                                        </a:rPr>
-                                      </m:ctrlPr>
-                                    </m:dPr>
-                                    <m:e>
-                                      <m:acc>
-                                        <m:accPr>
-                                          <m:chr m:val="⃗"/>
-                                          <m:ctrlPr>
-                                            <a:rPr lang="it-IT" b="1" i="1">
-                                              <a:latin typeface="Cambria Math" panose="02040503050406030204" pitchFamily="18" charset="0"/>
-                                            </a:rPr>
-                                          </m:ctrlPr>
-                                        </m:accPr>
-                                        <m:e>
-                                          <m:sSub>
-                                            <m:sSubPr>
-                                              <m:ctrlPr>
-                                                <a:rPr lang="it-IT" b="1" i="1">
-                                                  <a:latin typeface="Cambria Math" panose="02040503050406030204" pitchFamily="18" charset="0"/>
-                                                </a:rPr>
-                                              </m:ctrlPr>
-                                            </m:sSubPr>
-                                            <m:e>
-                                              <m:r>
-                                                <a:rPr lang="it-IT" b="1" i="1">
-                                                  <a:latin typeface="Cambria Math" panose="02040503050406030204" pitchFamily="18" charset="0"/>
-                                                </a:rPr>
-                                                <m:t>𝒑</m:t>
-                                              </m:r>
-                                            </m:e>
-                                            <m:sub>
-                                              <m:r>
-                                                <a:rPr lang="it-IT" b="1" i="1">
-                                                  <a:latin typeface="Cambria Math" panose="02040503050406030204" pitchFamily="18" charset="0"/>
-                                                </a:rPr>
-                                                <m:t>𝒊</m:t>
-                                              </m:r>
-                                            </m:sub>
-                                          </m:sSub>
-                                        </m:e>
-                                      </m:acc>
-                                      <m:r>
-                                        <a:rPr lang="it-IT" i="1">
-                                          <a:latin typeface="Cambria Math" panose="02040503050406030204" pitchFamily="18" charset="0"/>
-                                        </a:rPr>
-                                        <m:t>−</m:t>
-                                      </m:r>
-                                      <m:acc>
-                                        <m:accPr>
-                                          <m:chr m:val="⃗"/>
-                                          <m:ctrlPr>
-                                            <a:rPr lang="it-IT" b="1" i="1">
-                                              <a:latin typeface="Cambria Math" panose="02040503050406030204" pitchFamily="18" charset="0"/>
-                                            </a:rPr>
-                                          </m:ctrlPr>
-                                        </m:accPr>
-                                        <m:e>
-                                          <m:r>
-                                            <a:rPr lang="it-IT" b="1" i="1">
-                                              <a:latin typeface="Cambria Math" panose="02040503050406030204" pitchFamily="18" charset="0"/>
-                                            </a:rPr>
-                                            <m:t>𝒎</m:t>
-                                          </m:r>
-                                        </m:e>
-                                      </m:acc>
-                                    </m:e>
-                                  </m:d>
-                                </m:e>
-                              </m:d>
-                            </m:den>
-                          </m:f>
-                          <m:r>
-                            <a:rPr lang="it-IT" i="1">
-                              <a:latin typeface="Cambria Math" panose="02040503050406030204" pitchFamily="18" charset="0"/>
-                            </a:rPr>
-                            <m:t> </m:t>
-                          </m:r>
-                        </m:e>
-                      </m:nary>
-                      <m:r>
-                        <a:rPr lang="it-IT" i="1">
-                          <a:latin typeface="Cambria Math" panose="02040503050406030204" pitchFamily="18" charset="0"/>
-                        </a:rPr>
-                        <m:t> )= </m:t>
+                        <m:t>)= </m:t>
                       </m:r>
                       <m:f>
                         <m:fPr>
@@ -10732,15 +11754,49 @@
                 <a:endParaRPr lang="en-US" dirty="0" smtClean="0"/>
               </a:p>
               <a:p>
-                <a:endParaRPr lang="it-IT" dirty="0" smtClean="0"/>
-              </a:p>
-              <a:p>
                 <a:endParaRPr lang="it-IT" dirty="0"/>
               </a:p>
               <a:p>
                 <a:r>
                   <a:rPr lang="it-IT" dirty="0" smtClean="0"/>
-                  <a:t>Calcoliamo la differenza di potenziale tra quello della carica ignota e quello di una generica carica </a:t>
+                  <a:t>Calcoliamo la differenza di potenziale tra </a:t>
+                </a:r>
+                <a14:m>
+                  <m:oMath xmlns:m="http://schemas.openxmlformats.org/officeDocument/2006/math">
+                    <m:sSub>
+                      <m:sSubPr>
+                        <m:ctrlPr>
+                          <a:rPr lang="it-IT" i="1">
+                            <a:latin typeface="Cambria Math" panose="02040503050406030204" pitchFamily="18" charset="0"/>
+                          </a:rPr>
+                        </m:ctrlPr>
+                      </m:sSubPr>
+                      <m:e>
+                        <m:r>
+                          <a:rPr lang="it-IT" i="1">
+                            <a:latin typeface="Cambria Math" panose="02040503050406030204" pitchFamily="18" charset="0"/>
+                          </a:rPr>
+                          <m:t>𝑉</m:t>
+                        </m:r>
+                      </m:e>
+                      <m:sub>
+                        <m:r>
+                          <a:rPr lang="it-IT" i="1">
+                            <a:latin typeface="Cambria Math" panose="02040503050406030204" pitchFamily="18" charset="0"/>
+                          </a:rPr>
+                          <m:t>𝑁</m:t>
+                        </m:r>
+                      </m:sub>
+                    </m:sSub>
+                  </m:oMath>
+                </a14:m>
+                <a:r>
+                  <a:rPr lang="it-IT" dirty="0" smtClean="0"/>
+                  <a:t> </a:t>
+                </a:r>
+                <a:r>
+                  <a:rPr lang="it-IT" dirty="0" smtClean="0"/>
+                  <a:t>e quello di una generica carica </a:t>
                 </a:r>
                 <a:r>
                   <a:rPr lang="it-IT" b="1" dirty="0"/>
@@ -10867,133 +11923,33 @@
                         <a:rPr lang="it-IT" i="1">
                           <a:latin typeface="Cambria Math" panose="02040503050406030204" pitchFamily="18" charset="0"/>
                         </a:rPr>
-                        <m:t>)= </m:t>
+                        <m:t>)=</m:t>
                       </m:r>
-                      <m:f>
-                        <m:fPr>
+                      <m:sSub>
+                        <m:sSubPr>
                           <m:ctrlPr>
                             <a:rPr lang="it-IT" i="1">
                               <a:latin typeface="Cambria Math" panose="02040503050406030204" pitchFamily="18" charset="0"/>
                             </a:rPr>
                           </m:ctrlPr>
-                        </m:fPr>
-                        <m:num>
-                          <m:sSub>
-                            <m:sSubPr>
-                              <m:ctrlPr>
-                                <a:rPr lang="it-IT" i="1">
-                                  <a:latin typeface="Cambria Math" panose="02040503050406030204" pitchFamily="18" charset="0"/>
-                                </a:rPr>
-                              </m:ctrlPr>
-                            </m:sSubPr>
-                            <m:e>
-                              <m:r>
-                                <a:rPr lang="it-IT" i="1">
-                                  <a:latin typeface="Cambria Math" panose="02040503050406030204" pitchFamily="18" charset="0"/>
-                                </a:rPr>
-                                <m:t>𝑞</m:t>
-                              </m:r>
-                            </m:e>
-                            <m:sub>
-                              <m:r>
-                                <a:rPr lang="it-IT" i="1">
-                                  <a:latin typeface="Cambria Math" panose="02040503050406030204" pitchFamily="18" charset="0"/>
-                                </a:rPr>
-                                <m:t>𝑁</m:t>
-                              </m:r>
-                            </m:sub>
-                          </m:sSub>
-                        </m:num>
-                        <m:den>
-                          <m:d>
-                            <m:dPr>
-                              <m:begChr m:val="|"/>
-                              <m:endChr m:val="|"/>
-                              <m:ctrlPr>
-                                <a:rPr lang="it-IT" i="1">
-                                  <a:latin typeface="Cambria Math" panose="02040503050406030204" pitchFamily="18" charset="0"/>
-                                </a:rPr>
-                              </m:ctrlPr>
-                            </m:dPr>
-                            <m:e>
-                              <m:d>
-                                <m:dPr>
-                                  <m:begChr m:val="|"/>
-                                  <m:endChr m:val="|"/>
-                                  <m:ctrlPr>
-                                    <a:rPr lang="it-IT" i="1">
-                                      <a:latin typeface="Cambria Math" panose="02040503050406030204" pitchFamily="18" charset="0"/>
-                                    </a:rPr>
-                                  </m:ctrlPr>
-                                </m:dPr>
-                                <m:e>
-                                  <m:acc>
-                                    <m:accPr>
-                                      <m:chr m:val="⃗"/>
-                                      <m:ctrlPr>
-                                        <a:rPr lang="it-IT" b="1" i="1">
-                                          <a:latin typeface="Cambria Math" panose="02040503050406030204" pitchFamily="18" charset="0"/>
-                                        </a:rPr>
-                                      </m:ctrlPr>
-                                    </m:accPr>
-                                    <m:e>
-                                      <m:sSub>
-                                        <m:sSubPr>
-                                          <m:ctrlPr>
-                                            <a:rPr lang="it-IT" b="1" i="1">
-                                              <a:latin typeface="Cambria Math" panose="02040503050406030204" pitchFamily="18" charset="0"/>
-                                            </a:rPr>
-                                          </m:ctrlPr>
-                                        </m:sSubPr>
-                                        <m:e>
-                                          <m:r>
-                                            <a:rPr lang="it-IT" b="1" i="1">
-                                              <a:latin typeface="Cambria Math" panose="02040503050406030204" pitchFamily="18" charset="0"/>
-                                            </a:rPr>
-                                            <m:t>𝒑</m:t>
-                                          </m:r>
-                                        </m:e>
-                                        <m:sub>
-                                          <m:r>
-                                            <a:rPr lang="it-IT" b="1" i="1">
-                                              <a:latin typeface="Cambria Math" panose="02040503050406030204" pitchFamily="18" charset="0"/>
-                                            </a:rPr>
-                                            <m:t>𝑵</m:t>
-                                          </m:r>
-                                        </m:sub>
-                                      </m:sSub>
-                                    </m:e>
-                                  </m:acc>
-                                  <m:r>
-                                    <a:rPr lang="it-IT" i="1">
-                                      <a:latin typeface="Cambria Math" panose="02040503050406030204" pitchFamily="18" charset="0"/>
-                                    </a:rPr>
-                                    <m:t>−</m:t>
-                                  </m:r>
-                                  <m:acc>
-                                    <m:accPr>
-                                      <m:chr m:val="⃗"/>
-                                      <m:ctrlPr>
-                                        <a:rPr lang="it-IT" b="1" i="1">
-                                          <a:latin typeface="Cambria Math" panose="02040503050406030204" pitchFamily="18" charset="0"/>
-                                        </a:rPr>
-                                      </m:ctrlPr>
-                                    </m:accPr>
-                                    <m:e>
-                                      <m:r>
-                                        <a:rPr lang="it-IT" b="1" i="1">
-                                          <a:latin typeface="Cambria Math" panose="02040503050406030204" pitchFamily="18" charset="0"/>
-                                        </a:rPr>
-                                        <m:t>𝒎</m:t>
-                                      </m:r>
-                                    </m:e>
-                                  </m:acc>
-                                </m:e>
-                              </m:d>
-                            </m:e>
-                          </m:d>
-                        </m:den>
-                      </m:f>
+                        </m:sSubPr>
+                        <m:e>
+                          <m:r>
+                            <a:rPr lang="it-IT" i="1">
+                              <a:latin typeface="Cambria Math" panose="02040503050406030204" pitchFamily="18" charset="0"/>
+                            </a:rPr>
+                            <m:t>𝑉</m:t>
+                          </m:r>
+                        </m:e>
+                        <m:sub>
+                          <m:r>
+                            <a:rPr lang="it-IT" i="1">
+                              <a:latin typeface="Cambria Math" panose="02040503050406030204" pitchFamily="18" charset="0"/>
+                            </a:rPr>
+                            <m:t>𝑁</m:t>
+                          </m:r>
+                        </m:sub>
+                      </m:sSub>
                       <m:r>
                         <a:rPr lang="it-IT" i="1">
                           <a:latin typeface="Cambria Math" panose="02040503050406030204" pitchFamily="18" charset="0"/>
@@ -11145,16 +12101,17 @@
               <a:p>
                 <a:r>
                   <a:rPr lang="it-IT" dirty="0" smtClean="0"/>
-                  <a:t>Sommando </a:t>
+                  <a:t>La funzione </a:t>
                 </a:r>
                 <a:r>
-                  <a:rPr lang="it-IT" dirty="0" err="1"/>
-                  <a:t>quadraticamente</a:t>
+                  <a:rPr lang="it-IT" dirty="0" smtClean="0"/>
+                  <a:t>obiettivo </a:t>
                 </a:r>
                 <a:r>
-                  <a:rPr lang="it-IT" dirty="0"/>
-                  <a:t> le differenze di potenziale di ognuno degli M misuratori otterremo un sistema il quale ammette un’unica soluzione, tale somma sarà la funzione di costo da minimizzare.</a:t>
+                  <a:rPr lang="it-IT" dirty="0" smtClean="0"/>
+                  <a:t>è somma quadratica delle differenze di potenziale viste da ogni misuratore</a:t>
                 </a:r>
+                <a:endParaRPr lang="it-IT" dirty="0"/>
               </a:p>
               <a:p>
                 <a:pPr/>
@@ -11266,25 +12223,6 @@
                             </a:rPr>
                             <m:t>𝑀</m:t>
                           </m:r>
-                          <m:rad>
-                            <m:radPr>
-                              <m:degHide m:val="on"/>
-                              <m:ctrlPr>
-                                <a:rPr lang="it-IT" i="1">
-                                  <a:latin typeface="Cambria Math" panose="02040503050406030204" pitchFamily="18" charset="0"/>
-                                </a:rPr>
-                              </m:ctrlPr>
-                            </m:radPr>
-                            <m:deg/>
-                            <m:e>
-                              <m:r>
-                                <a:rPr lang="it-IT" i="1">
-                                  <a:latin typeface="Cambria Math" panose="02040503050406030204" pitchFamily="18" charset="0"/>
-                                </a:rPr>
-                                <m:t>3</m:t>
-                              </m:r>
-                            </m:e>
-                          </m:rad>
                         </m:den>
                       </m:f>
                       <m:r>
@@ -11473,150 +12411,37 @@
                                   </m:ctrlPr>
                                 </m:dPr>
                                 <m:e>
-                                  <m:f>
-                                    <m:fPr>
+                                  <m:sSub>
+                                    <m:sSubPr>
                                       <m:ctrlPr>
                                         <a:rPr lang="it-IT" i="1">
                                           <a:latin typeface="Cambria Math" panose="02040503050406030204" pitchFamily="18" charset="0"/>
                                         </a:rPr>
                                       </m:ctrlPr>
-                                    </m:fPr>
-                                    <m:num>
-                                      <m:sSub>
-                                        <m:sSubPr>
-                                          <m:ctrlPr>
-                                            <a:rPr lang="it-IT" i="1">
-                                              <a:latin typeface="Cambria Math" panose="02040503050406030204" pitchFamily="18" charset="0"/>
-                                            </a:rPr>
-                                          </m:ctrlPr>
-                                        </m:sSubPr>
-                                        <m:e>
-                                          <m:r>
-                                            <a:rPr lang="it-IT" i="1">
-                                              <a:latin typeface="Cambria Math" panose="02040503050406030204" pitchFamily="18" charset="0"/>
-                                            </a:rPr>
-                                            <m:t>𝑞</m:t>
-                                          </m:r>
-                                        </m:e>
-                                        <m:sub>
-                                          <m:r>
-                                            <a:rPr lang="it-IT" i="1">
-                                              <a:latin typeface="Cambria Math" panose="02040503050406030204" pitchFamily="18" charset="0"/>
-                                            </a:rPr>
-                                            <m:t>𝑁</m:t>
-                                          </m:r>
-                                        </m:sub>
-                                      </m:sSub>
-                                    </m:num>
-                                    <m:den>
-                                      <m:d>
-                                        <m:dPr>
-                                          <m:begChr m:val="|"/>
-                                          <m:endChr m:val="|"/>
-                                          <m:ctrlPr>
-                                            <a:rPr lang="it-IT" i="1">
-                                              <a:latin typeface="Cambria Math" panose="02040503050406030204" pitchFamily="18" charset="0"/>
-                                            </a:rPr>
-                                          </m:ctrlPr>
-                                        </m:dPr>
-                                        <m:e>
-                                          <m:d>
-                                            <m:dPr>
-                                              <m:begChr m:val="|"/>
-                                              <m:endChr m:val="|"/>
-                                              <m:ctrlPr>
-                                                <a:rPr lang="it-IT" i="1">
-                                                  <a:latin typeface="Cambria Math" panose="02040503050406030204" pitchFamily="18" charset="0"/>
-                                                </a:rPr>
-                                              </m:ctrlPr>
-                                            </m:dPr>
-                                            <m:e>
-                                              <m:acc>
-                                                <m:accPr>
-                                                  <m:chr m:val="⃗"/>
-                                                  <m:ctrlPr>
-                                                    <a:rPr lang="it-IT" b="1" i="1">
-                                                      <a:latin typeface="Cambria Math" panose="02040503050406030204" pitchFamily="18" charset="0"/>
-                                                    </a:rPr>
-                                                  </m:ctrlPr>
-                                                </m:accPr>
-                                                <m:e>
-                                                  <m:sSub>
-                                                    <m:sSubPr>
-                                                      <m:ctrlPr>
-                                                        <a:rPr lang="it-IT" b="1" i="1">
-                                                          <a:latin typeface="Cambria Math" panose="02040503050406030204" pitchFamily="18" charset="0"/>
-                                                        </a:rPr>
-                                                      </m:ctrlPr>
-                                                    </m:sSubPr>
-                                                    <m:e>
-                                                      <m:r>
-                                                        <a:rPr lang="it-IT" b="1" i="1">
-                                                          <a:latin typeface="Cambria Math" panose="02040503050406030204" pitchFamily="18" charset="0"/>
-                                                        </a:rPr>
-                                                        <m:t>𝒑</m:t>
-                                                      </m:r>
-                                                    </m:e>
-                                                    <m:sub>
-                                                      <m:r>
-                                                        <a:rPr lang="it-IT" b="1" i="1">
-                                                          <a:latin typeface="Cambria Math" panose="02040503050406030204" pitchFamily="18" charset="0"/>
-                                                        </a:rPr>
-                                                        <m:t>𝑵</m:t>
-                                                      </m:r>
-                                                    </m:sub>
-                                                  </m:sSub>
-                                                </m:e>
-                                              </m:acc>
-                                              <m:r>
-                                                <a:rPr lang="it-IT" i="1">
-                                                  <a:latin typeface="Cambria Math" panose="02040503050406030204" pitchFamily="18" charset="0"/>
-                                                </a:rPr>
-                                                <m:t>−</m:t>
-                                              </m:r>
-                                              <m:acc>
-                                                <m:accPr>
-                                                  <m:chr m:val="⃗"/>
-                                                  <m:ctrlPr>
-                                                    <a:rPr lang="it-IT" b="1" i="1">
-                                                      <a:latin typeface="Cambria Math" panose="02040503050406030204" pitchFamily="18" charset="0"/>
-                                                    </a:rPr>
-                                                  </m:ctrlPr>
-                                                </m:accPr>
-                                                <m:e>
-                                                  <m:sSub>
-                                                    <m:sSubPr>
-                                                      <m:ctrlPr>
-                                                        <a:rPr lang="it-IT" b="1" i="1">
-                                                          <a:latin typeface="Cambria Math" panose="02040503050406030204" pitchFamily="18" charset="0"/>
-                                                        </a:rPr>
-                                                      </m:ctrlPr>
-                                                    </m:sSubPr>
-                                                    <m:e>
-                                                      <m:r>
-                                                        <a:rPr lang="it-IT" b="1" i="1">
-                                                          <a:latin typeface="Cambria Math" panose="02040503050406030204" pitchFamily="18" charset="0"/>
-                                                        </a:rPr>
-                                                        <m:t>𝒎</m:t>
-                                                      </m:r>
-                                                    </m:e>
-                                                    <m:sub>
-                                                      <m:r>
-                                                        <a:rPr lang="it-IT" b="1" i="1">
-                                                          <a:latin typeface="Cambria Math" panose="02040503050406030204" pitchFamily="18" charset="0"/>
-                                                        </a:rPr>
-                                                        <m:t>𝒋</m:t>
-                                                      </m:r>
-                                                    </m:sub>
-                                                  </m:sSub>
-                                                </m:e>
-                                              </m:acc>
-                                            </m:e>
-                                          </m:d>
-                                        </m:e>
-                                      </m:d>
-                                    </m:den>
-                                  </m:f>
+                                    </m:sSubPr>
+                                    <m:e>
+                                      <m:r>
+                                        <a:rPr lang="it-IT" i="1">
+                                          <a:latin typeface="Cambria Math" panose="02040503050406030204" pitchFamily="18" charset="0"/>
+                                        </a:rPr>
+                                        <m:t>𝑉</m:t>
+                                      </m:r>
+                                    </m:e>
+                                    <m:sub>
+                                      <m:r>
+                                        <a:rPr lang="it-IT" i="1">
+                                          <a:latin typeface="Cambria Math" panose="02040503050406030204" pitchFamily="18" charset="0"/>
+                                        </a:rPr>
+                                        <m:t>𝑁</m:t>
+                                      </m:r>
+                                      <m:r>
+                                        <a:rPr lang="it-IT" b="0" i="1" smtClean="0">
+                                          <a:latin typeface="Cambria Math" panose="02040503050406030204" pitchFamily="18" charset="0"/>
+                                        </a:rPr>
+                                        <m:t>𝑗</m:t>
+                                      </m:r>
+                                    </m:sub>
+                                  </m:sSub>
                                   <m:r>
                                     <a:rPr lang="it-IT" i="1">
                                       <a:latin typeface="Cambria Math" panose="02040503050406030204" pitchFamily="18" charset="0"/>
@@ -11807,7 +12632,7 @@
             </p:txBody>
           </p:sp>
         </mc:Choice>
-        <mc:Fallback xmlns="">
+        <mc:Fallback>
           <p:sp>
             <p:nvSpPr>
               <p:cNvPr id="7" name="TextBox 6"/>
@@ -11819,7 +12644,7 @@
             <p:spPr>
               <a:xfrm>
                 <a:off x="1169125" y="1811195"/>
-                <a:ext cx="9914709" cy="4931158"/>
+                <a:ext cx="9914709" cy="3876831"/>
               </a:xfrm>
               <a:prstGeom prst="rect">
                 <a:avLst/>
@@ -11827,7 +12652,7 @@
               <a:blipFill>
                 <a:blip r:embed="rId2"/>
                 <a:stretch>
-                  <a:fillRect l="-554" t="-618"/>
+                  <a:fillRect l="-554" t="-786"/>
                 </a:stretch>
               </a:blipFill>
             </p:spPr>
@@ -11866,7 +12691,7 @@
 </p:sld>
 </file>
 
-<file path=ppt/slides/slide7.xml><?xml version="1.0" encoding="utf-8"?>
+<file path=ppt/slides/slide8.xml><?xml version="1.0" encoding="utf-8"?>
 <p:sld xmlns:a="http://schemas.openxmlformats.org/drawingml/2006/main" xmlns:r="http://schemas.openxmlformats.org/officeDocument/2006/relationships" xmlns:p="http://schemas.openxmlformats.org/presentationml/2006/main">
   <p:cSld>
     <p:spTree>
@@ -11926,7 +12751,7 @@
         <p:spPr>
           <a:xfrm>
             <a:off x="1097280" y="1845734"/>
-            <a:ext cx="10058400" cy="1376694"/>
+            <a:ext cx="10058400" cy="839741"/>
           </a:xfrm>
         </p:spPr>
         <p:txBody>
@@ -11949,7 +12774,7 @@
                   <a:schemeClr val="tx1"/>
                 </a:solidFill>
               </a:rPr>
-              <a:t>del simplesso, ideato </a:t>
+              <a:t>del </a:t>
             </a:r>
             <a:r>
               <a:rPr lang="it-IT" dirty="0" smtClean="0">
@@ -11957,7 +12782,7 @@
                   <a:schemeClr val="tx1"/>
                 </a:solidFill>
               </a:rPr>
-              <a:t>da</a:t>
+              <a:t>simplesso è </a:t>
             </a:r>
             <a:r>
               <a:rPr lang="it-IT" dirty="0">
@@ -11965,54 +12790,9 @@
                   <a:schemeClr val="tx1"/>
                 </a:solidFill>
               </a:rPr>
-              <a:t> </a:t>
-            </a:r>
-            <a:r>
-              <a:rPr lang="it-IT" i="1" dirty="0">
-                <a:solidFill>
-                  <a:schemeClr val="tx1"/>
-                </a:solidFill>
-              </a:rPr>
-              <a:t>George </a:t>
-            </a:r>
-            <a:r>
-              <a:rPr lang="it-IT" i="1" dirty="0" smtClean="0">
-                <a:solidFill>
-                  <a:schemeClr val="tx1"/>
-                </a:solidFill>
-              </a:rPr>
-              <a:t>Dantzig</a:t>
-            </a:r>
-            <a:r>
-              <a:rPr lang="it-IT" dirty="0" smtClean="0">
-                <a:solidFill>
-                  <a:schemeClr val="tx1"/>
-                </a:solidFill>
-              </a:rPr>
-              <a:t>, </a:t>
-            </a:r>
-            <a:r>
-              <a:rPr lang="it-IT" dirty="0">
-                <a:solidFill>
-                  <a:schemeClr val="tx1"/>
-                </a:solidFill>
-              </a:rPr>
-              <a:t>è un metodo numerico per risolvere problemi di programmazione lineare. </a:t>
-            </a:r>
-          </a:p>
-          <a:p>
-            <a:r>
-              <a:rPr lang="it-IT" dirty="0">
-                <a:solidFill>
-                  <a:schemeClr val="tx1"/>
-                </a:solidFill>
-              </a:rPr>
-              <a:t>Questo algoritmo fa uso del concetto di simplesso, cioè un politopo di N+1 vertici in N dimensioni</a:t>
-            </a:r>
-            <a:r>
-              <a:rPr lang="it-IT" dirty="0" smtClean="0"/>
-              <a:t>.</a:t>
-            </a:r>
+              <a:t>un metodo numerico per risolvere problemi di programmazione lineare. </a:t>
+            </a:r>
+            <a:endParaRPr lang="it-IT" dirty="0" smtClean="0"/>
           </a:p>
         </p:txBody>
       </p:sp>
@@ -12063,7 +12843,23 @@
           <a:p>
             <a:r>
               <a:rPr lang="it-IT" sz="2000" dirty="0"/>
-              <a:t>Il vertice con valore più grande viene ribaltato e nella situazione in cui avvengono ribaltamenti ripetuti (indice di invecchiamento) si effettua </a:t>
+              <a:t>Il vertice con valore più grande viene </a:t>
+            </a:r>
+            <a:r>
+              <a:rPr lang="it-IT" sz="2000" dirty="0" smtClean="0"/>
+              <a:t>ribaltat</a:t>
+            </a:r>
+            <a:r>
+              <a:rPr lang="it-IT" sz="2000" dirty="0" smtClean="0"/>
+              <a:t>o creando un nuovo politopo. In caso di ribaltamenti ripetuti attorno ad un minimo </a:t>
+            </a:r>
+            <a:r>
+              <a:rPr lang="it-IT" sz="2000" dirty="0" smtClean="0"/>
+              <a:t>si </a:t>
+            </a:r>
+            <a:r>
+              <a:rPr lang="it-IT" sz="2000" dirty="0"/>
+              <a:t>effettua </a:t>
             </a:r>
             <a:r>
               <a:rPr lang="it-IT" sz="2000" i="1" dirty="0"/>
@@ -12092,8 +12888,8 @@
         </p:nvSpPr>
         <p:spPr>
           <a:xfrm>
-            <a:off x="1097279" y="3351913"/>
-            <a:ext cx="8068491" cy="1015663"/>
+            <a:off x="1097279" y="3273535"/>
+            <a:ext cx="8068491" cy="707886"/>
           </a:xfrm>
           <a:prstGeom prst="rect">
             <a:avLst/>
@@ -12122,21 +12918,18 @@
               <a:t>geometrica </a:t>
             </a:r>
             <a:r>
-              <a:rPr lang="it-IT" sz="2000" i="1" dirty="0" err="1"/>
+              <a:rPr lang="it-IT" sz="2000" i="1" dirty="0"/>
               <a:t>n</a:t>
             </a:r>
             <a:r>
               <a:rPr lang="it-IT" sz="2000" dirty="0"/>
-              <a:t>-dimensionale col minor numero di vertici. Il simplesso di dimensione zero è un singolo punto, il simplesso bidimensionale un triangolo e quello tridimensionale un </a:t>
-            </a:r>
-            <a:r>
-              <a:rPr lang="it-IT" sz="2000" b="1" i="1" dirty="0"/>
-              <a:t>tetraedro</a:t>
-            </a:r>
-            <a:r>
-              <a:rPr lang="it-IT" sz="2000" dirty="0"/>
-              <a:t>.</a:t>
-            </a:r>
+              <a:t>-dimensionale </a:t>
+            </a:r>
+            <a:r>
+              <a:rPr lang="it-IT" sz="2000" dirty="0" smtClean="0"/>
+              <a:t>col numero di vertici pari ad n+1. In uno spazio a tre dimensioni è un tetraedro.</a:t>
+            </a:r>
+            <a:endParaRPr lang="it-IT" sz="2000" dirty="0"/>
           </a:p>
         </p:txBody>
       </p:sp>
@@ -12160,7 +12953,7 @@
 </p:sld>
 </file>
 
-<file path=ppt/slides/slide8.xml><?xml version="1.0" encoding="utf-8"?>
+<file path=ppt/slides/slide9.xml><?xml version="1.0" encoding="utf-8"?>
 <p:sld xmlns:a="http://schemas.openxmlformats.org/drawingml/2006/main" xmlns:r="http://schemas.openxmlformats.org/officeDocument/2006/relationships" xmlns:p="http://schemas.openxmlformats.org/presentationml/2006/main">
   <p:cSld>
     <p:bg>
@@ -12571,688 +13364,6 @@
     <p:extLst>
       <p:ext uri="{BB962C8B-B14F-4D97-AF65-F5344CB8AC3E}">
         <p14:creationId xmlns:p14="http://schemas.microsoft.com/office/powerpoint/2010/main" val="3815382153"/>
-      </p:ext>
-    </p:extLst>
-  </p:cSld>
-  <p:clrMapOvr>
-    <a:masterClrMapping/>
-  </p:clrMapOvr>
-  <p:timing>
-    <p:tnLst>
-      <p:par>
-        <p:cTn id="1" dur="indefinite" restart="never" nodeType="tmRoot"/>
-      </p:par>
-    </p:tnLst>
-  </p:timing>
-</p:sld>
-</file>
-
-<file path=ppt/slides/slide9.xml><?xml version="1.0" encoding="utf-8"?>
-<p:sld xmlns:a="http://schemas.openxmlformats.org/drawingml/2006/main" xmlns:r="http://schemas.openxmlformats.org/officeDocument/2006/relationships" xmlns:p="http://schemas.openxmlformats.org/presentationml/2006/main">
-  <p:cSld>
-    <p:spTree>
-      <p:nvGrpSpPr>
-        <p:cNvPr id="1" name=""/>
-        <p:cNvGrpSpPr/>
-        <p:nvPr/>
-      </p:nvGrpSpPr>
-      <p:grpSpPr>
-        <a:xfrm>
-          <a:off x="0" y="0"/>
-          <a:ext cx="0" cy="0"/>
-          <a:chOff x="0" y="0"/>
-          <a:chExt cx="0" cy="0"/>
-        </a:xfrm>
-      </p:grpSpPr>
-      <p:sp>
-        <p:nvSpPr>
-          <p:cNvPr id="2" name="Titolo 1"/>
-          <p:cNvSpPr>
-            <a:spLocks noGrp="1"/>
-          </p:cNvSpPr>
-          <p:nvPr>
-            <p:ph type="title"/>
-          </p:nvPr>
-        </p:nvSpPr>
-        <p:spPr>
-          <a:xfrm>
-            <a:off x="1097280" y="1001486"/>
-            <a:ext cx="10058400" cy="735874"/>
-          </a:xfrm>
-        </p:spPr>
-        <p:txBody>
-          <a:bodyPr/>
-          <a:lstStyle/>
-          <a:p>
-            <a:r>
-              <a:rPr lang="it-IT" dirty="0" smtClean="0"/>
-              <a:t>IMPLEMENTAZIONE</a:t>
-            </a:r>
-            <a:endParaRPr lang="it-IT" dirty="0"/>
-          </a:p>
-        </p:txBody>
-      </p:sp>
-      <p:sp>
-        <p:nvSpPr>
-          <p:cNvPr id="3" name="Segnaposto contenuto 2"/>
-          <p:cNvSpPr>
-            <a:spLocks noGrp="1"/>
-          </p:cNvSpPr>
-          <p:nvPr>
-            <p:ph idx="1"/>
-          </p:nvPr>
-        </p:nvSpPr>
-        <p:spPr>
-          <a:xfrm>
-            <a:off x="1097280" y="1737360"/>
-            <a:ext cx="10058400" cy="4674419"/>
-          </a:xfrm>
-        </p:spPr>
-        <p:txBody>
-          <a:bodyPr>
-            <a:noAutofit/>
-          </a:bodyPr>
-          <a:lstStyle/>
-          <a:p>
-            <a:pPr marL="201168" lvl="1" indent="0">
-              <a:lnSpc>
-                <a:spcPct val="150000"/>
-              </a:lnSpc>
-              <a:spcAft>
-                <a:spcPts val="0"/>
-              </a:spcAft>
-              <a:buNone/>
-            </a:pPr>
-            <a:r>
-              <a:rPr lang="en-US" dirty="0" err="1" smtClean="0"/>
-              <a:t>Analizziamo</a:t>
-            </a:r>
-            <a:r>
-              <a:rPr lang="en-US" dirty="0" smtClean="0"/>
-              <a:t> </a:t>
-            </a:r>
-            <a:r>
-              <a:rPr lang="en-US" dirty="0" err="1" smtClean="0"/>
-              <a:t>più</a:t>
-            </a:r>
-            <a:r>
-              <a:rPr lang="en-US" dirty="0" smtClean="0"/>
-              <a:t> </a:t>
-            </a:r>
-            <a:r>
-              <a:rPr lang="en-US" dirty="0" err="1" smtClean="0"/>
-              <a:t>nel</a:t>
-            </a:r>
-            <a:r>
-              <a:rPr lang="en-US" dirty="0" smtClean="0"/>
-              <a:t> </a:t>
-            </a:r>
-            <a:r>
-              <a:rPr lang="en-US" dirty="0" err="1" smtClean="0"/>
-              <a:t>dettaglio</a:t>
-            </a:r>
-            <a:r>
-              <a:rPr lang="en-US" dirty="0" smtClean="0"/>
-              <a:t> </a:t>
-            </a:r>
-            <a:r>
-              <a:rPr lang="en-US" dirty="0" err="1" smtClean="0"/>
-              <a:t>i</a:t>
-            </a:r>
-            <a:r>
-              <a:rPr lang="en-US" dirty="0" smtClean="0"/>
-              <a:t> </a:t>
-            </a:r>
-            <a:r>
-              <a:rPr lang="en-US" dirty="0" err="1" smtClean="0"/>
-              <a:t>metodi</a:t>
-            </a:r>
-            <a:r>
-              <a:rPr lang="en-US" dirty="0" smtClean="0"/>
-              <a:t> </a:t>
-            </a:r>
-            <a:r>
-              <a:rPr lang="en-US" dirty="0" err="1" smtClean="0"/>
-              <a:t>necessari</a:t>
-            </a:r>
-            <a:r>
-              <a:rPr lang="en-US" dirty="0" smtClean="0"/>
-              <a:t>:</a:t>
-            </a:r>
-          </a:p>
-          <a:p>
-            <a:pPr marL="201168" lvl="1" indent="0">
-              <a:lnSpc>
-                <a:spcPct val="150000"/>
-              </a:lnSpc>
-              <a:spcAft>
-                <a:spcPts val="0"/>
-              </a:spcAft>
-              <a:buNone/>
-            </a:pPr>
-            <a:r>
-              <a:rPr lang="en-US" b="1" i="1" dirty="0" err="1" smtClean="0"/>
-              <a:t>get_first_triangle</a:t>
-            </a:r>
-            <a:r>
-              <a:rPr lang="en-US" dirty="0" smtClean="0"/>
-              <a:t>: genera </a:t>
-            </a:r>
-            <a:r>
-              <a:rPr lang="en-US" dirty="0" err="1" smtClean="0"/>
-              <a:t>il</a:t>
-            </a:r>
-            <a:r>
-              <a:rPr lang="en-US" dirty="0" smtClean="0"/>
-              <a:t> primo </a:t>
-            </a:r>
-            <a:r>
-              <a:rPr lang="en-US" dirty="0" err="1" smtClean="0"/>
-              <a:t>politopo</a:t>
-            </a:r>
-            <a:r>
-              <a:rPr lang="en-US" dirty="0" smtClean="0"/>
-              <a:t> in </a:t>
-            </a:r>
-            <a:r>
-              <a:rPr lang="en-US" dirty="0" err="1" smtClean="0"/>
-              <a:t>una</a:t>
-            </a:r>
-            <a:r>
-              <a:rPr lang="en-US" dirty="0" smtClean="0"/>
-              <a:t> </a:t>
-            </a:r>
-            <a:r>
-              <a:rPr lang="en-US" dirty="0" err="1" smtClean="0"/>
-              <a:t>posizione</a:t>
-            </a:r>
-            <a:r>
-              <a:rPr lang="en-US" dirty="0" smtClean="0"/>
-              <a:t> random</a:t>
-            </a:r>
-          </a:p>
-          <a:p>
-            <a:pPr marL="201168" lvl="1" indent="0">
-              <a:lnSpc>
-                <a:spcPct val="150000"/>
-              </a:lnSpc>
-              <a:spcAft>
-                <a:spcPts val="0"/>
-              </a:spcAft>
-              <a:buNone/>
-            </a:pPr>
-            <a:r>
-              <a:rPr lang="en-US" b="1" i="1" dirty="0"/>
-              <a:t>h</a:t>
-            </a:r>
-            <a:r>
-              <a:rPr lang="en-US" b="1" i="1" dirty="0" smtClean="0"/>
-              <a:t>alve</a:t>
-            </a:r>
-            <a:r>
-              <a:rPr lang="en-US" dirty="0" smtClean="0"/>
-              <a:t>: </a:t>
-            </a:r>
-            <a:r>
-              <a:rPr lang="en-US" dirty="0" err="1" smtClean="0"/>
-              <a:t>effettua</a:t>
-            </a:r>
-            <a:r>
-              <a:rPr lang="en-US" dirty="0" smtClean="0"/>
-              <a:t> la </a:t>
-            </a:r>
-            <a:r>
-              <a:rPr lang="en-US" dirty="0" err="1" smtClean="0"/>
-              <a:t>contrazione</a:t>
-            </a:r>
-            <a:r>
-              <a:rPr lang="en-US" dirty="0" smtClean="0"/>
-              <a:t> del </a:t>
-            </a:r>
-            <a:r>
-              <a:rPr lang="en-US" dirty="0" err="1" smtClean="0"/>
-              <a:t>tetraedro</a:t>
-            </a:r>
-            <a:endParaRPr lang="en-US" dirty="0" smtClean="0"/>
-          </a:p>
-          <a:p>
-            <a:pPr marL="201168" lvl="1" indent="0">
-              <a:lnSpc>
-                <a:spcPct val="150000"/>
-              </a:lnSpc>
-              <a:spcAft>
-                <a:spcPts val="0"/>
-              </a:spcAft>
-              <a:buNone/>
-            </a:pPr>
-            <a:r>
-              <a:rPr lang="en-US" b="1" i="1" dirty="0" err="1" smtClean="0"/>
-              <a:t>find_maximum</a:t>
-            </a:r>
-            <a:r>
-              <a:rPr lang="en-US" dirty="0" smtClean="0"/>
-              <a:t>: </a:t>
-            </a:r>
-            <a:r>
-              <a:rPr lang="en-US" dirty="0" err="1" smtClean="0"/>
-              <a:t>ritorna</a:t>
-            </a:r>
-            <a:r>
-              <a:rPr lang="en-US" dirty="0" smtClean="0"/>
-              <a:t> </a:t>
-            </a:r>
-            <a:r>
-              <a:rPr lang="en-US" dirty="0" err="1" smtClean="0"/>
-              <a:t>il</a:t>
-            </a:r>
-            <a:r>
-              <a:rPr lang="en-US" dirty="0" smtClean="0"/>
-              <a:t> </a:t>
-            </a:r>
-            <a:r>
-              <a:rPr lang="en-US" dirty="0" err="1" smtClean="0"/>
-              <a:t>vertice</a:t>
-            </a:r>
-            <a:r>
-              <a:rPr lang="en-US" dirty="0" smtClean="0"/>
-              <a:t> del </a:t>
-            </a:r>
-            <a:r>
-              <a:rPr lang="en-US" dirty="0" err="1" smtClean="0"/>
-              <a:t>politopo</a:t>
-            </a:r>
-            <a:r>
-              <a:rPr lang="en-US" dirty="0" smtClean="0"/>
-              <a:t> </a:t>
-            </a:r>
-            <a:r>
-              <a:rPr lang="en-US" dirty="0" err="1" smtClean="0"/>
-              <a:t>il</a:t>
-            </a:r>
-            <a:r>
-              <a:rPr lang="en-US" dirty="0" smtClean="0"/>
-              <a:t> cui </a:t>
-            </a:r>
-            <a:r>
-              <a:rPr lang="en-US" dirty="0" err="1" smtClean="0"/>
-              <a:t>valore</a:t>
-            </a:r>
-            <a:r>
-              <a:rPr lang="en-US" dirty="0" smtClean="0"/>
-              <a:t> </a:t>
-            </a:r>
-            <a:r>
-              <a:rPr lang="en-US" dirty="0" err="1" smtClean="0"/>
-              <a:t>della</a:t>
-            </a:r>
-            <a:r>
-              <a:rPr lang="en-US" dirty="0" smtClean="0"/>
-              <a:t> </a:t>
-            </a:r>
-            <a:r>
-              <a:rPr lang="en-US" dirty="0" err="1" smtClean="0"/>
-              <a:t>funzione</a:t>
-            </a:r>
-            <a:r>
-              <a:rPr lang="en-US" dirty="0" smtClean="0"/>
-              <a:t> di </a:t>
-            </a:r>
-            <a:r>
-              <a:rPr lang="en-US" dirty="0" err="1" smtClean="0"/>
-              <a:t>costo</a:t>
-            </a:r>
-            <a:r>
-              <a:rPr lang="en-US" dirty="0" smtClean="0"/>
-              <a:t> </a:t>
-            </a:r>
-            <a:r>
-              <a:rPr lang="en-US" dirty="0" err="1" smtClean="0"/>
-              <a:t>calcolato</a:t>
-            </a:r>
-            <a:r>
-              <a:rPr lang="en-US" dirty="0" smtClean="0"/>
-              <a:t> </a:t>
-            </a:r>
-            <a:r>
-              <a:rPr lang="en-US" dirty="0" err="1" smtClean="0"/>
-              <a:t>nelle</a:t>
-            </a:r>
-            <a:r>
-              <a:rPr lang="en-US" dirty="0" smtClean="0"/>
-              <a:t> sue coordinate è </a:t>
-            </a:r>
-            <a:r>
-              <a:rPr lang="en-US" dirty="0" err="1" smtClean="0"/>
-              <a:t>massimo</a:t>
-            </a:r>
-            <a:endParaRPr lang="en-US" dirty="0" smtClean="0"/>
-          </a:p>
-          <a:p>
-            <a:pPr marL="201168" lvl="1" indent="0">
-              <a:lnSpc>
-                <a:spcPct val="150000"/>
-              </a:lnSpc>
-              <a:spcAft>
-                <a:spcPts val="0"/>
-              </a:spcAft>
-              <a:buNone/>
-            </a:pPr>
-            <a:r>
-              <a:rPr lang="en-US" b="1" i="1" dirty="0"/>
-              <a:t>f</a:t>
-            </a:r>
-            <a:r>
-              <a:rPr lang="en-US" b="1" i="1" dirty="0" smtClean="0"/>
-              <a:t>lip</a:t>
-            </a:r>
-            <a:r>
-              <a:rPr lang="en-US" dirty="0" smtClean="0"/>
-              <a:t>: </a:t>
-            </a:r>
-            <a:r>
-              <a:rPr lang="en-US" dirty="0" err="1" smtClean="0"/>
-              <a:t>ribalta</a:t>
-            </a:r>
-            <a:r>
-              <a:rPr lang="en-US" dirty="0" smtClean="0"/>
-              <a:t> </a:t>
-            </a:r>
-            <a:r>
-              <a:rPr lang="en-US" dirty="0" err="1" smtClean="0"/>
-              <a:t>il</a:t>
-            </a:r>
-            <a:r>
-              <a:rPr lang="en-US" dirty="0" smtClean="0"/>
-              <a:t> </a:t>
-            </a:r>
-            <a:r>
-              <a:rPr lang="en-US" dirty="0" err="1" smtClean="0"/>
-              <a:t>vertice</a:t>
-            </a:r>
-            <a:r>
-              <a:rPr lang="en-US" dirty="0" smtClean="0"/>
-              <a:t> </a:t>
-            </a:r>
-            <a:r>
-              <a:rPr lang="en-US" dirty="0" err="1" smtClean="0"/>
-              <a:t>della</a:t>
-            </a:r>
-            <a:r>
-              <a:rPr lang="en-US" dirty="0" smtClean="0"/>
-              <a:t> </a:t>
-            </a:r>
-            <a:r>
-              <a:rPr lang="en-US" dirty="0" err="1" smtClean="0"/>
-              <a:t>figura</a:t>
-            </a:r>
-            <a:r>
-              <a:rPr lang="en-US" dirty="0" smtClean="0"/>
-              <a:t> </a:t>
-            </a:r>
-            <a:r>
-              <a:rPr lang="en-US" dirty="0" err="1" smtClean="0"/>
-              <a:t>trovato</a:t>
-            </a:r>
-            <a:r>
-              <a:rPr lang="en-US" dirty="0" smtClean="0"/>
-              <a:t> da </a:t>
-            </a:r>
-            <a:r>
-              <a:rPr lang="en-US" dirty="0" err="1" smtClean="0"/>
-              <a:t>find_maximum</a:t>
-            </a:r>
-            <a:r>
-              <a:rPr lang="en-US" dirty="0" smtClean="0"/>
-              <a:t> </a:t>
-            </a:r>
-            <a:r>
-              <a:rPr lang="en-US" dirty="0" err="1" smtClean="0"/>
-              <a:t>generandone</a:t>
-            </a:r>
-            <a:r>
-              <a:rPr lang="en-US" dirty="0" smtClean="0"/>
-              <a:t> </a:t>
-            </a:r>
-            <a:r>
-              <a:rPr lang="en-US" dirty="0" err="1" smtClean="0"/>
-              <a:t>una</a:t>
-            </a:r>
-            <a:r>
-              <a:rPr lang="en-US" dirty="0" smtClean="0"/>
-              <a:t> </a:t>
-            </a:r>
-            <a:r>
-              <a:rPr lang="en-US" dirty="0" err="1" smtClean="0"/>
-              <a:t>nuova</a:t>
-            </a:r>
-            <a:endParaRPr lang="en-US" dirty="0" smtClean="0"/>
-          </a:p>
-          <a:p>
-            <a:pPr marL="201168" lvl="1" indent="0">
-              <a:lnSpc>
-                <a:spcPct val="150000"/>
-              </a:lnSpc>
-              <a:spcAft>
-                <a:spcPts val="0"/>
-              </a:spcAft>
-              <a:buNone/>
-            </a:pPr>
-            <a:r>
-              <a:rPr lang="en-US" b="1" i="1" dirty="0" err="1" smtClean="0"/>
-              <a:t>get_area</a:t>
-            </a:r>
-            <a:r>
-              <a:rPr lang="en-US" dirty="0" smtClean="0"/>
-              <a:t>: </a:t>
-            </a:r>
-            <a:r>
-              <a:rPr lang="en-US" dirty="0" err="1" smtClean="0"/>
-              <a:t>calcola</a:t>
-            </a:r>
-            <a:r>
-              <a:rPr lang="en-US" dirty="0" smtClean="0"/>
-              <a:t> </a:t>
-            </a:r>
-            <a:r>
-              <a:rPr lang="en-US" dirty="0" err="1" smtClean="0"/>
-              <a:t>l’area</a:t>
-            </a:r>
-            <a:r>
-              <a:rPr lang="en-US" dirty="0" smtClean="0"/>
-              <a:t> </a:t>
-            </a:r>
-            <a:r>
-              <a:rPr lang="en-US" dirty="0" err="1" smtClean="0"/>
-              <a:t>della</a:t>
-            </a:r>
-            <a:r>
-              <a:rPr lang="en-US" dirty="0" smtClean="0"/>
-              <a:t> </a:t>
-            </a:r>
-            <a:r>
-              <a:rPr lang="en-US" dirty="0" err="1" smtClean="0"/>
-              <a:t>figura</a:t>
-            </a:r>
-            <a:r>
-              <a:rPr lang="en-US" dirty="0" smtClean="0"/>
-              <a:t> </a:t>
-            </a:r>
-            <a:r>
-              <a:rPr lang="en-US" dirty="0" err="1" smtClean="0"/>
-              <a:t>tridimensionale</a:t>
-            </a:r>
-            <a:endParaRPr lang="en-US" dirty="0" smtClean="0"/>
-          </a:p>
-          <a:p>
-            <a:pPr marL="201168" lvl="1" indent="0">
-              <a:lnSpc>
-                <a:spcPct val="150000"/>
-              </a:lnSpc>
-              <a:spcAft>
-                <a:spcPts val="0"/>
-              </a:spcAft>
-              <a:buNone/>
-            </a:pPr>
-            <a:r>
-              <a:rPr lang="en-US" b="1" i="1" dirty="0"/>
-              <a:t>w</a:t>
-            </a:r>
-            <a:r>
-              <a:rPr lang="en-US" b="1" i="1" dirty="0" smtClean="0"/>
-              <a:t>atchdog</a:t>
-            </a:r>
-            <a:r>
-              <a:rPr lang="en-US" dirty="0" smtClean="0"/>
-              <a:t>: </a:t>
-            </a:r>
-            <a:r>
-              <a:rPr lang="en-US" dirty="0" err="1" smtClean="0"/>
-              <a:t>controlla</a:t>
-            </a:r>
-            <a:r>
-              <a:rPr lang="en-US" dirty="0" smtClean="0"/>
-              <a:t> se </a:t>
-            </a:r>
-            <a:r>
-              <a:rPr lang="en-US" dirty="0" err="1" smtClean="0"/>
-              <a:t>avviene</a:t>
-            </a:r>
-            <a:r>
-              <a:rPr lang="en-US" dirty="0" smtClean="0"/>
-              <a:t> un </a:t>
-            </a:r>
-            <a:r>
-              <a:rPr lang="en-US" dirty="0" err="1" smtClean="0"/>
-              <a:t>ribaltamento</a:t>
-            </a:r>
-            <a:r>
-              <a:rPr lang="en-US" dirty="0" smtClean="0"/>
-              <a:t> </a:t>
-            </a:r>
-            <a:r>
-              <a:rPr lang="en-US" dirty="0" err="1" smtClean="0"/>
-              <a:t>ripetuto</a:t>
-            </a:r>
-            <a:endParaRPr lang="en-US" dirty="0" smtClean="0"/>
-          </a:p>
-          <a:p>
-            <a:pPr marL="201168" lvl="1" indent="0">
-              <a:lnSpc>
-                <a:spcPct val="150000"/>
-              </a:lnSpc>
-              <a:spcAft>
-                <a:spcPts val="0"/>
-              </a:spcAft>
-              <a:buNone/>
-            </a:pPr>
-            <a:r>
-              <a:rPr lang="en-US" b="1" i="1" dirty="0" err="1" smtClean="0"/>
-              <a:t>penality</a:t>
-            </a:r>
-            <a:r>
-              <a:rPr lang="en-US" dirty="0" smtClean="0"/>
-              <a:t>: </a:t>
-            </a:r>
-            <a:r>
-              <a:rPr lang="en-US" dirty="0" err="1" smtClean="0"/>
-              <a:t>assegna</a:t>
-            </a:r>
-            <a:r>
-              <a:rPr lang="en-US" dirty="0" smtClean="0"/>
-              <a:t> </a:t>
-            </a:r>
-            <a:r>
-              <a:rPr lang="en-US" dirty="0" err="1" smtClean="0"/>
-              <a:t>ai</a:t>
-            </a:r>
-            <a:r>
-              <a:rPr lang="en-US" dirty="0" smtClean="0"/>
-              <a:t> </a:t>
-            </a:r>
-            <a:r>
-              <a:rPr lang="en-US" dirty="0" err="1" smtClean="0"/>
-              <a:t>vertici</a:t>
-            </a:r>
-            <a:r>
-              <a:rPr lang="en-US" dirty="0" smtClean="0"/>
-              <a:t> </a:t>
-            </a:r>
-            <a:r>
-              <a:rPr lang="en-US" dirty="0" err="1" smtClean="0"/>
-              <a:t>una</a:t>
-            </a:r>
-            <a:r>
-              <a:rPr lang="en-US" dirty="0" smtClean="0"/>
-              <a:t> </a:t>
-            </a:r>
-            <a:r>
-              <a:rPr lang="en-US" dirty="0" err="1" smtClean="0"/>
-              <a:t>penalità</a:t>
-            </a:r>
-            <a:r>
-              <a:rPr lang="en-US" dirty="0" smtClean="0"/>
-              <a:t> </a:t>
-            </a:r>
-            <a:r>
-              <a:rPr lang="en-US" dirty="0" err="1" smtClean="0"/>
-              <a:t>nel</a:t>
-            </a:r>
-            <a:r>
-              <a:rPr lang="en-US" dirty="0" smtClean="0"/>
-              <a:t> </a:t>
-            </a:r>
-            <a:r>
-              <a:rPr lang="en-US" dirty="0" err="1" smtClean="0"/>
-              <a:t>caso</a:t>
-            </a:r>
-            <a:r>
-              <a:rPr lang="en-US" dirty="0" smtClean="0"/>
-              <a:t> in cui </a:t>
-            </a:r>
-            <a:r>
-              <a:rPr lang="en-US" dirty="0" err="1" smtClean="0"/>
-              <a:t>si</a:t>
-            </a:r>
-            <a:r>
-              <a:rPr lang="en-US" dirty="0" smtClean="0"/>
-              <a:t> </a:t>
-            </a:r>
-            <a:r>
-              <a:rPr lang="en-US" dirty="0" err="1" smtClean="0"/>
-              <a:t>trovino</a:t>
-            </a:r>
-            <a:r>
-              <a:rPr lang="en-US" dirty="0" smtClean="0"/>
-              <a:t> </a:t>
-            </a:r>
-            <a:r>
-              <a:rPr lang="en-US" dirty="0" err="1" smtClean="0"/>
-              <a:t>fuori</a:t>
-            </a:r>
-            <a:r>
-              <a:rPr lang="en-US" dirty="0" smtClean="0"/>
-              <a:t> dal volume del </a:t>
-            </a:r>
-            <a:r>
-              <a:rPr lang="en-US" dirty="0" err="1" smtClean="0"/>
-              <a:t>vincolo</a:t>
-            </a:r>
-            <a:r>
-              <a:rPr lang="en-US" dirty="0" smtClean="0"/>
-              <a:t> </a:t>
-            </a:r>
-            <a:r>
-              <a:rPr lang="en-US" dirty="0" err="1" smtClean="0"/>
-              <a:t>tridimensionale</a:t>
-            </a:r>
-            <a:endParaRPr lang="it-IT" dirty="0"/>
-          </a:p>
-        </p:txBody>
-      </p:sp>
-    </p:spTree>
-    <p:extLst>
-      <p:ext uri="{BB962C8B-B14F-4D97-AF65-F5344CB8AC3E}">
-        <p14:creationId xmlns:p14="http://schemas.microsoft.com/office/powerpoint/2010/main" val="666190858"/>
       </p:ext>
     </p:extLst>
   </p:cSld>

--- a/IDENTICAZIONE SISTEMA DI CARICHE PUNTIFORMI DA MISURE DI.pptx
+++ b/IDENTICAZIONE SISTEMA DI CARICHE PUNTIFORMI DA MISURE DI.pptx
@@ -214,7 +214,7 @@
           <a:p>
             <a:fld id="{0B626E60-15AC-294D-A4F1-F70323F0F9DF}" type="datetimeFigureOut">
               <a:rPr lang="en-US" smtClean="0"/>
-              <a:t>12/6/2017</a:t>
+              <a:t>12/8/17</a:t>
             </a:fld>
             <a:endParaRPr lang="en-US"/>
           </a:p>
@@ -373,7 +373,7 @@
           <a:p>
             <a:fld id="{B84B1DCE-DD70-5840-A766-ADE0E79E6240}" type="slidenum">
               <a:rPr lang="en-US" smtClean="0"/>
-              <a:t>‹N›</a:t>
+              <a:t>‹#›</a:t>
             </a:fld>
             <a:endParaRPr lang="en-US"/>
           </a:p>
@@ -1295,7 +1295,7 @@
           <a:p>
             <a:fld id="{D400A843-E78D-45FE-BBE0-0DFBB922583B}" type="datetimeFigureOut">
               <a:rPr lang="it-IT" smtClean="0"/>
-              <a:t>06/12/2017</a:t>
+              <a:t>08/12/17</a:t>
             </a:fld>
             <a:endParaRPr lang="it-IT"/>
           </a:p>
@@ -1337,7 +1337,7 @@
           <a:p>
             <a:fld id="{1B29E90A-79A6-4357-BA0E-73A707E87A6D}" type="slidenum">
               <a:rPr lang="it-IT" smtClean="0"/>
-              <a:t>‹N›</a:t>
+              <a:t>‹#›</a:t>
             </a:fld>
             <a:endParaRPr lang="it-IT"/>
           </a:p>
@@ -1498,7 +1498,7 @@
           <a:p>
             <a:fld id="{D400A843-E78D-45FE-BBE0-0DFBB922583B}" type="datetimeFigureOut">
               <a:rPr lang="it-IT" smtClean="0"/>
-              <a:t>06/12/2017</a:t>
+              <a:t>08/12/17</a:t>
             </a:fld>
             <a:endParaRPr lang="it-IT"/>
           </a:p>
@@ -1540,7 +1540,7 @@
           <a:p>
             <a:fld id="{1B29E90A-79A6-4357-BA0E-73A707E87A6D}" type="slidenum">
               <a:rPr lang="it-IT" smtClean="0"/>
-              <a:t>‹N›</a:t>
+              <a:t>‹#›</a:t>
             </a:fld>
             <a:endParaRPr lang="it-IT"/>
           </a:p>
@@ -1749,7 +1749,7 @@
           <a:p>
             <a:fld id="{D400A843-E78D-45FE-BBE0-0DFBB922583B}" type="datetimeFigureOut">
               <a:rPr lang="it-IT" smtClean="0"/>
-              <a:t>06/12/2017</a:t>
+              <a:t>08/12/17</a:t>
             </a:fld>
             <a:endParaRPr lang="it-IT"/>
           </a:p>
@@ -1791,7 +1791,7 @@
           <a:p>
             <a:fld id="{1B29E90A-79A6-4357-BA0E-73A707E87A6D}" type="slidenum">
               <a:rPr lang="it-IT" smtClean="0"/>
-              <a:t>‹N›</a:t>
+              <a:t>‹#›</a:t>
             </a:fld>
             <a:endParaRPr lang="it-IT"/>
           </a:p>
@@ -1918,7 +1918,7 @@
           <a:p>
             <a:fld id="{D400A843-E78D-45FE-BBE0-0DFBB922583B}" type="datetimeFigureOut">
               <a:rPr lang="it-IT" smtClean="0"/>
-              <a:t>06/12/2017</a:t>
+              <a:t>08/12/17</a:t>
             </a:fld>
             <a:endParaRPr lang="it-IT"/>
           </a:p>
@@ -1960,7 +1960,7 @@
           <a:p>
             <a:fld id="{1B29E90A-79A6-4357-BA0E-73A707E87A6D}" type="slidenum">
               <a:rPr lang="it-IT" smtClean="0"/>
-              <a:t>‹N›</a:t>
+              <a:t>‹#›</a:t>
             </a:fld>
             <a:endParaRPr lang="it-IT"/>
           </a:p>
@@ -2256,7 +2256,7 @@
           <a:p>
             <a:fld id="{D400A843-E78D-45FE-BBE0-0DFBB922583B}" type="datetimeFigureOut">
               <a:rPr lang="it-IT" smtClean="0"/>
-              <a:t>06/12/2017</a:t>
+              <a:t>08/12/17</a:t>
             </a:fld>
             <a:endParaRPr lang="it-IT"/>
           </a:p>
@@ -2298,7 +2298,7 @@
           <a:p>
             <a:fld id="{1B29E90A-79A6-4357-BA0E-73A707E87A6D}" type="slidenum">
               <a:rPr lang="it-IT" smtClean="0"/>
-              <a:t>‹N›</a:t>
+              <a:t>‹#›</a:t>
             </a:fld>
             <a:endParaRPr lang="it-IT"/>
           </a:p>
@@ -2526,7 +2526,7 @@
           <a:p>
             <a:fld id="{D400A843-E78D-45FE-BBE0-0DFBB922583B}" type="datetimeFigureOut">
               <a:rPr lang="it-IT" smtClean="0"/>
-              <a:t>06/12/2017</a:t>
+              <a:t>08/12/17</a:t>
             </a:fld>
             <a:endParaRPr lang="it-IT"/>
           </a:p>
@@ -2568,7 +2568,7 @@
           <a:p>
             <a:fld id="{1B29E90A-79A6-4357-BA0E-73A707E87A6D}" type="slidenum">
               <a:rPr lang="it-IT" smtClean="0"/>
-              <a:t>‹N›</a:t>
+              <a:t>‹#›</a:t>
             </a:fld>
             <a:endParaRPr lang="it-IT"/>
           </a:p>
@@ -2900,7 +2900,7 @@
           <a:p>
             <a:fld id="{D400A843-E78D-45FE-BBE0-0DFBB922583B}" type="datetimeFigureOut">
               <a:rPr lang="it-IT" smtClean="0"/>
-              <a:t>06/12/2017</a:t>
+              <a:t>08/12/17</a:t>
             </a:fld>
             <a:endParaRPr lang="it-IT"/>
           </a:p>
@@ -2942,7 +2942,7 @@
           <a:p>
             <a:fld id="{1B29E90A-79A6-4357-BA0E-73A707E87A6D}" type="slidenum">
               <a:rPr lang="it-IT" smtClean="0"/>
-              <a:t>‹N›</a:t>
+              <a:t>‹#›</a:t>
             </a:fld>
             <a:endParaRPr lang="it-IT"/>
           </a:p>
@@ -3013,7 +3013,7 @@
           <a:p>
             <a:fld id="{D400A843-E78D-45FE-BBE0-0DFBB922583B}" type="datetimeFigureOut">
               <a:rPr lang="it-IT" smtClean="0"/>
-              <a:t>06/12/2017</a:t>
+              <a:t>08/12/17</a:t>
             </a:fld>
             <a:endParaRPr lang="it-IT"/>
           </a:p>
@@ -3055,7 +3055,7 @@
           <a:p>
             <a:fld id="{1B29E90A-79A6-4357-BA0E-73A707E87A6D}" type="slidenum">
               <a:rPr lang="it-IT" smtClean="0"/>
-              <a:t>‹N›</a:t>
+              <a:t>‹#›</a:t>
             </a:fld>
             <a:endParaRPr lang="it-IT"/>
           </a:p>
@@ -3179,7 +3179,7 @@
           <a:p>
             <a:fld id="{D400A843-E78D-45FE-BBE0-0DFBB922583B}" type="datetimeFigureOut">
               <a:rPr lang="it-IT" smtClean="0"/>
-              <a:t>06/12/2017</a:t>
+              <a:t>08/12/17</a:t>
             </a:fld>
             <a:endParaRPr lang="it-IT"/>
           </a:p>
@@ -3229,7 +3229,7 @@
           <a:p>
             <a:fld id="{1B29E90A-79A6-4357-BA0E-73A707E87A6D}" type="slidenum">
               <a:rPr lang="it-IT" smtClean="0"/>
-              <a:t>‹N›</a:t>
+              <a:t>‹#›</a:t>
             </a:fld>
             <a:endParaRPr lang="it-IT"/>
           </a:p>
@@ -3528,7 +3528,7 @@
           <a:p>
             <a:fld id="{D400A843-E78D-45FE-BBE0-0DFBB922583B}" type="datetimeFigureOut">
               <a:rPr lang="it-IT" smtClean="0"/>
-              <a:t>06/12/2017</a:t>
+              <a:t>08/12/17</a:t>
             </a:fld>
             <a:endParaRPr lang="it-IT"/>
           </a:p>
@@ -3591,7 +3591,7 @@
           <a:p>
             <a:fld id="{1B29E90A-79A6-4357-BA0E-73A707E87A6D}" type="slidenum">
               <a:rPr lang="it-IT" smtClean="0"/>
-              <a:t>‹N›</a:t>
+              <a:t>‹#›</a:t>
             </a:fld>
             <a:endParaRPr lang="it-IT"/>
           </a:p>
@@ -3902,7 +3902,7 @@
           <a:p>
             <a:fld id="{D400A843-E78D-45FE-BBE0-0DFBB922583B}" type="datetimeFigureOut">
               <a:rPr lang="it-IT" smtClean="0"/>
-              <a:t>06/12/2017</a:t>
+              <a:t>08/12/17</a:t>
             </a:fld>
             <a:endParaRPr lang="it-IT"/>
           </a:p>
@@ -3944,7 +3944,7 @@
           <a:p>
             <a:fld id="{1B29E90A-79A6-4357-BA0E-73A707E87A6D}" type="slidenum">
               <a:rPr lang="it-IT" smtClean="0"/>
-              <a:t>‹N›</a:t>
+              <a:t>‹#›</a:t>
             </a:fld>
             <a:endParaRPr lang="it-IT"/>
           </a:p>
@@ -4184,7 +4184,7 @@
           <a:p>
             <a:fld id="{D400A843-E78D-45FE-BBE0-0DFBB922583B}" type="datetimeFigureOut">
               <a:rPr lang="it-IT" smtClean="0"/>
-              <a:t>06/12/2017</a:t>
+              <a:t>08/12/17</a:t>
             </a:fld>
             <a:endParaRPr lang="it-IT"/>
           </a:p>
@@ -4258,7 +4258,7 @@
           <a:p>
             <a:fld id="{1B29E90A-79A6-4357-BA0E-73A707E87A6D}" type="slidenum">
               <a:rPr lang="it-IT" smtClean="0"/>
-              <a:t>‹N›</a:t>
+              <a:t>‹#›</a:t>
             </a:fld>
             <a:endParaRPr lang="it-IT"/>
           </a:p>
@@ -5935,7 +5935,6 @@
               <a:rPr lang="it-IT" sz="3600" dirty="0" smtClean="0"/>
               <a:t>Lato minimo del politopo raggiunto dopo un certo numero di iterazioni</a:t>
             </a:r>
-            <a:endParaRPr lang="it-IT" sz="3600" dirty="0" smtClean="0"/>
           </a:p>
           <a:p>
             <a:pPr marL="0" indent="0">
@@ -5950,11 +5949,7 @@
             </a:pPr>
             <a:r>
               <a:rPr lang="it-IT" sz="3600" dirty="0" smtClean="0"/>
-              <a:t>Numero </a:t>
-            </a:r>
-            <a:r>
-              <a:rPr lang="it-IT" sz="3600" dirty="0" smtClean="0"/>
-              <a:t>di iterazioni effettuate</a:t>
+              <a:t>Numero di iterazioni effettuate</a:t>
             </a:r>
             <a:endParaRPr lang="it-IT" sz="3600" dirty="0"/>
           </a:p>
@@ -6168,11 +6163,6 @@
               </a:rPr>
               <a:t> Implementazione del metodo delle penalità</a:t>
             </a:r>
-            <a:endParaRPr lang="it-IT" sz="3600" dirty="0" smtClean="0">
-              <a:solidFill>
-                <a:schemeClr val="tx1"/>
-              </a:solidFill>
-            </a:endParaRPr>
           </a:p>
         </p:txBody>
       </p:sp>
@@ -6568,56 +6558,14 @@
       </p:sp>
       <p:sp>
         <p:nvSpPr>
-          <p:cNvPr id="3" name="Segnaposto contenuto 2"/>
-          <p:cNvSpPr>
-            <a:spLocks noGrp="1"/>
-          </p:cNvSpPr>
-          <p:nvPr>
-            <p:ph idx="1"/>
-          </p:nvPr>
+          <p:cNvPr id="8" name="Rectangle 7"/>
+          <p:cNvSpPr/>
+          <p:nvPr/>
         </p:nvSpPr>
         <p:spPr>
           <a:xfrm>
-            <a:off x="1097280" y="1988896"/>
-            <a:ext cx="10058400" cy="950232"/>
-          </a:xfrm>
-        </p:spPr>
-        <p:txBody>
-          <a:bodyPr>
-            <a:normAutofit/>
-          </a:bodyPr>
-          <a:lstStyle/>
-          <a:p>
-            <a:r>
-              <a:rPr lang="it-IT" dirty="0"/>
-              <a:t>Simplex(@</a:t>
-            </a:r>
-            <a:r>
-              <a:rPr lang="it-IT" dirty="0" err="1"/>
-              <a:t>cost_function</a:t>
-            </a:r>
-            <a:r>
-              <a:rPr lang="it-IT" dirty="0"/>
-              <a:t>, { }, [-.2 .5 .3], .3, </a:t>
-            </a:r>
-            <a:r>
-              <a:rPr lang="it-IT" dirty="0" smtClean="0"/>
-              <a:t>1e-5, 500);</a:t>
-            </a:r>
-            <a:endParaRPr lang="it-IT" dirty="0"/>
-          </a:p>
-        </p:txBody>
-      </p:sp>
-      <p:sp>
-        <p:nvSpPr>
-          <p:cNvPr id="4" name="Rectangle 3"/>
-          <p:cNvSpPr/>
-          <p:nvPr/>
-        </p:nvSpPr>
-        <p:spPr>
-          <a:xfrm>
-            <a:off x="1097280" y="2464012"/>
-            <a:ext cx="5199018" cy="1754326"/>
+            <a:off x="1156527" y="2717948"/>
+            <a:ext cx="5199018" cy="1938992"/>
           </a:xfrm>
           <a:prstGeom prst="rect">
             <a:avLst/>
@@ -6634,7 +6582,7 @@
               <a:buChar char="•"/>
             </a:pPr>
             <a:r>
-              <a:rPr lang="it-IT" dirty="0"/>
+              <a:rPr lang="it-IT" sz="2000" dirty="0"/>
               <a:t>Valore nell’ultimo vertice = 1.6150e-06</a:t>
             </a:r>
           </a:p>
@@ -6644,7 +6592,7 @@
               <a:buChar char="•"/>
             </a:pPr>
             <a:r>
-              <a:rPr lang="it-IT" dirty="0"/>
+              <a:rPr lang="it-IT" sz="2000" dirty="0"/>
               <a:t>risultato =  -0.2799    0.3995    0.4000</a:t>
             </a:r>
           </a:p>
@@ -6654,7 +6602,7 @@
               <a:buChar char="•"/>
             </a:pPr>
             <a:r>
-              <a:rPr lang="it-IT" dirty="0"/>
+              <a:rPr lang="it-IT" sz="2000" dirty="0"/>
               <a:t>iterazioni = 500</a:t>
             </a:r>
           </a:p>
@@ -6664,7 +6612,7 @@
               <a:buChar char="•"/>
             </a:pPr>
             <a:r>
-              <a:rPr lang="it-IT" dirty="0"/>
+              <a:rPr lang="it-IT" sz="2000" dirty="0"/>
               <a:t>dimezzamenti = 13</a:t>
             </a:r>
           </a:p>
@@ -6674,7 +6622,7 @@
               <a:buChar char="•"/>
             </a:pPr>
             <a:r>
-              <a:rPr lang="it-IT" dirty="0"/>
+              <a:rPr lang="it-IT" sz="2000" dirty="0"/>
               <a:t>superficie finale = 7.7591e-04</a:t>
             </a:r>
           </a:p>
@@ -6684,7 +6632,7 @@
               <a:buChar char="•"/>
             </a:pPr>
             <a:r>
-              <a:rPr lang="it-IT" dirty="0"/>
+              <a:rPr lang="it-IT" sz="2000" dirty="0"/>
               <a:t>errore = 0.0201    0.0005    0.0000</a:t>
             </a:r>
           </a:p>
@@ -6692,20 +6640,25 @@
       </p:sp>
       <p:pic>
         <p:nvPicPr>
-          <p:cNvPr id="6" name="Immagine 5"/>
+          <p:cNvPr id="9" name="Immagine 5"/>
           <p:cNvPicPr/>
           <p:nvPr/>
         </p:nvPicPr>
-        <p:blipFill>
-          <a:blip r:embed="rId2"/>
-          <a:stretch>
-            <a:fillRect/>
-          </a:stretch>
+        <p:blipFill rotWithShape="1">
+          <a:blip r:embed="rId2">
+            <a:extLst>
+              <a:ext uri="{28A0092B-C50C-407E-A947-70E740481C1C}">
+                <a14:useLocalDpi xmlns:a14="http://schemas.microsoft.com/office/drawing/2010/main" val="0"/>
+              </a:ext>
+            </a:extLst>
+          </a:blip>
+          <a:srcRect l="19652" t="5769" r="17563" b="4000"/>
+          <a:stretch/>
         </p:blipFill>
         <p:spPr>
           <a:xfrm>
-            <a:off x="8116037" y="330389"/>
-            <a:ext cx="3552632" cy="3317013"/>
+            <a:off x="5420686" y="3315723"/>
+            <a:ext cx="2928136" cy="2706444"/>
           </a:xfrm>
           <a:prstGeom prst="rect">
             <a:avLst/>
@@ -6714,28 +6667,113 @@
       </p:pic>
       <p:pic>
         <p:nvPicPr>
-          <p:cNvPr id="5" name="Immagine 4"/>
+          <p:cNvPr id="10" name="Immagine 4"/>
           <p:cNvPicPr>
             <a:picLocks noChangeAspect="1"/>
           </p:cNvPicPr>
           <p:nvPr/>
         </p:nvPicPr>
-        <p:blipFill>
-          <a:blip r:embed="rId3"/>
-          <a:stretch>
-            <a:fillRect/>
-          </a:stretch>
+        <p:blipFill rotWithShape="1">
+          <a:blip r:embed="rId3">
+            <a:extLst>
+              <a:ext uri="{28A0092B-C50C-407E-A947-70E740481C1C}">
+                <a14:useLocalDpi xmlns:a14="http://schemas.microsoft.com/office/drawing/2010/main" val="0"/>
+              </a:ext>
+            </a:extLst>
+          </a:blip>
+          <a:srcRect l="17031" t="10633" r="14866" b="3846"/>
+          <a:stretch/>
         </p:blipFill>
         <p:spPr>
           <a:xfrm>
-            <a:off x="5780723" y="3414244"/>
-            <a:ext cx="3454717" cy="2906085"/>
+            <a:off x="8479326" y="3315723"/>
+            <a:ext cx="3712674" cy="2772347"/>
           </a:xfrm>
           <a:prstGeom prst="rect">
             <a:avLst/>
           </a:prstGeom>
         </p:spPr>
       </p:pic>
+      <p:sp>
+        <p:nvSpPr>
+          <p:cNvPr id="11" name="Rectangle 10"/>
+          <p:cNvSpPr/>
+          <p:nvPr/>
+        </p:nvSpPr>
+        <p:spPr>
+          <a:xfrm>
+            <a:off x="1156527" y="1916020"/>
+            <a:ext cx="9261469" cy="400110"/>
+          </a:xfrm>
+          <a:prstGeom prst="rect">
+            <a:avLst/>
+          </a:prstGeom>
+        </p:spPr>
+        <p:txBody>
+          <a:bodyPr wrap="square">
+            <a:spAutoFit/>
+          </a:bodyPr>
+          <a:lstStyle/>
+          <a:p>
+            <a:r>
+              <a:rPr lang="en-US" sz="2000" dirty="0">
+                <a:latin typeface="Courier" charset="0"/>
+              </a:rPr>
+              <a:t>Simplex(@</a:t>
+            </a:r>
+            <a:r>
+              <a:rPr lang="en-US" sz="2000" dirty="0" err="1">
+                <a:latin typeface="Courier" charset="0"/>
+              </a:rPr>
+              <a:t>cost_function</a:t>
+            </a:r>
+            <a:r>
+              <a:rPr lang="en-US" sz="2000" dirty="0">
+                <a:latin typeface="Courier" charset="0"/>
+              </a:rPr>
+              <a:t>, { }, [-.2 .5 .3], .3, 1e-5, 500);</a:t>
+            </a:r>
+            <a:endParaRPr lang="en-US" sz="2000" dirty="0">
+              <a:effectLst/>
+              <a:latin typeface="Courier" charset="0"/>
+            </a:endParaRPr>
+          </a:p>
+        </p:txBody>
+      </p:sp>
+      <p:sp>
+        <p:nvSpPr>
+          <p:cNvPr id="12" name="TextBox 11"/>
+          <p:cNvSpPr txBox="1"/>
+          <p:nvPr/>
+        </p:nvSpPr>
+        <p:spPr>
+          <a:xfrm>
+            <a:off x="1156527" y="2348616"/>
+            <a:ext cx="1097801" cy="400110"/>
+          </a:xfrm>
+          <a:prstGeom prst="rect">
+            <a:avLst/>
+          </a:prstGeom>
+          <a:noFill/>
+        </p:spPr>
+        <p:txBody>
+          <a:bodyPr wrap="none" rtlCol="0">
+            <a:spAutoFit/>
+          </a:bodyPr>
+          <a:lstStyle/>
+          <a:p>
+            <a:r>
+              <a:rPr lang="en-US" sz="2000" dirty="0" err="1" smtClean="0"/>
+              <a:t>Risultati</a:t>
+            </a:r>
+            <a:r>
+              <a:rPr lang="en-US" sz="2000" dirty="0" smtClean="0"/>
+              <a:t>:</a:t>
+            </a:r>
+            <a:endParaRPr lang="en-US" sz="2000" dirty="0"/>
+          </a:p>
+        </p:txBody>
+      </p:sp>
     </p:spTree>
     <p:extLst>
       <p:ext uri="{BB962C8B-B14F-4D97-AF65-F5344CB8AC3E}">
@@ -6798,56 +6836,14 @@
       </p:sp>
       <p:sp>
         <p:nvSpPr>
-          <p:cNvPr id="3" name="Segnaposto contenuto 2"/>
-          <p:cNvSpPr>
-            <a:spLocks noGrp="1"/>
-          </p:cNvSpPr>
-          <p:nvPr>
-            <p:ph idx="1"/>
-          </p:nvPr>
-        </p:nvSpPr>
-        <p:spPr>
-          <a:xfrm>
-            <a:off x="1097280" y="1988896"/>
-            <a:ext cx="10058400" cy="950232"/>
-          </a:xfrm>
-        </p:spPr>
-        <p:txBody>
-          <a:bodyPr>
-            <a:normAutofit/>
-          </a:bodyPr>
-          <a:lstStyle/>
-          <a:p>
-            <a:r>
-              <a:rPr lang="it-IT" dirty="0"/>
-              <a:t>Simplex(@</a:t>
-            </a:r>
-            <a:r>
-              <a:rPr lang="it-IT" dirty="0" err="1"/>
-              <a:t>cost_function</a:t>
-            </a:r>
-            <a:r>
-              <a:rPr lang="it-IT" dirty="0"/>
-              <a:t>, { }, [-.2 .5 .3], .3, </a:t>
-            </a:r>
-            <a:r>
-              <a:rPr lang="it-IT" dirty="0" smtClean="0"/>
-              <a:t>1e-5, 500);</a:t>
-            </a:r>
-            <a:endParaRPr lang="it-IT" dirty="0"/>
-          </a:p>
-        </p:txBody>
-      </p:sp>
-      <p:sp>
-        <p:nvSpPr>
-          <p:cNvPr id="4" name="Rectangle 3"/>
+          <p:cNvPr id="9" name="Rectangle 8"/>
           <p:cNvSpPr/>
           <p:nvPr/>
         </p:nvSpPr>
         <p:spPr>
           <a:xfrm>
             <a:off x="1097280" y="3872872"/>
-            <a:ext cx="5199018" cy="1754326"/>
+            <a:ext cx="5199018" cy="1938992"/>
           </a:xfrm>
           <a:prstGeom prst="rect">
             <a:avLst/>
@@ -6864,7 +6860,7 @@
               <a:buChar char="•"/>
             </a:pPr>
             <a:r>
-              <a:rPr lang="it-IT" dirty="0"/>
+              <a:rPr lang="it-IT" sz="2000" dirty="0"/>
               <a:t>Valore nell’ultimo vertice = 0.0012</a:t>
             </a:r>
           </a:p>
@@ -6874,7 +6870,7 @@
               <a:buChar char="•"/>
             </a:pPr>
             <a:r>
-              <a:rPr lang="it-IT" dirty="0"/>
+              <a:rPr lang="it-IT" sz="2000" dirty="0"/>
               <a:t>risultato =   -0.2946    0.4021    0.3999</a:t>
             </a:r>
           </a:p>
@@ -6884,7 +6880,7 @@
               <a:buChar char="•"/>
             </a:pPr>
             <a:r>
-              <a:rPr lang="it-IT" dirty="0"/>
+              <a:rPr lang="it-IT" sz="2000" dirty="0"/>
               <a:t>iterazioni = 500</a:t>
             </a:r>
           </a:p>
@@ -6894,7 +6890,7 @@
               <a:buChar char="•"/>
             </a:pPr>
             <a:r>
-              <a:rPr lang="it-IT" dirty="0"/>
+              <a:rPr lang="it-IT" sz="2000" dirty="0"/>
               <a:t>dimezzamenti = 13</a:t>
             </a:r>
           </a:p>
@@ -6904,7 +6900,7 @@
               <a:buChar char="•"/>
             </a:pPr>
             <a:r>
-              <a:rPr lang="it-IT" dirty="0"/>
+              <a:rPr lang="it-IT" sz="2000" dirty="0"/>
               <a:t>superficie finale = 7.5929e-04</a:t>
             </a:r>
           </a:p>
@@ -6914,17 +6910,17 @@
               <a:buChar char="•"/>
             </a:pPr>
             <a:r>
-              <a:rPr lang="it-IT" dirty="0"/>
+              <a:rPr lang="it-IT" sz="2000" dirty="0"/>
               <a:t>errore = 0.0054    0.0021    0.0001</a:t>
             </a:r>
           </a:p>
         </p:txBody>
       </p:sp>
-      <mc:AlternateContent xmlns:mc="http://schemas.openxmlformats.org/markup-compatibility/2006" xmlns:a14="http://schemas.microsoft.com/office/drawing/2010/main">
-        <mc:Choice Requires="a14">
+      <mc:AlternateContent xmlns:mc="http://schemas.openxmlformats.org/markup-compatibility/2006">
+        <mc:Choice xmlns:a14="http://schemas.microsoft.com/office/drawing/2010/main" Requires="a14">
           <p:sp>
             <p:nvSpPr>
-              <p:cNvPr id="7" name="Segnaposto contenuto 2"/>
+              <p:cNvPr id="10" name="Segnaposto contenuto 2"/>
               <p:cNvSpPr txBox="1">
                 <a:spLocks/>
               </p:cNvSpPr>
@@ -6932,8 +6928,8 @@
             </p:nvSpPr>
             <p:spPr>
               <a:xfrm>
-                <a:off x="1097280" y="2671104"/>
-                <a:ext cx="10058400" cy="950232"/>
+                <a:off x="1156527" y="2494790"/>
+                <a:ext cx="5505530" cy="950232"/>
               </a:xfrm>
               <a:prstGeom prst="rect">
                 <a:avLst/>
@@ -7202,7 +7198,7 @@
                       <m:sSupPr>
                         <m:ctrlPr>
                           <a:rPr lang="it-IT" i="1" smtClean="0">
-                            <a:latin typeface="Cambria Math" panose="02040503050406030204" pitchFamily="18" charset="0"/>
+                            <a:latin typeface="Cambria Math" charset="0"/>
                           </a:rPr>
                         </m:ctrlPr>
                       </m:sSupPr>
@@ -7211,20 +7207,20 @@
                           <m:dPr>
                             <m:ctrlPr>
                               <a:rPr lang="it-IT" i="1">
-                                <a:latin typeface="Cambria Math" panose="02040503050406030204" pitchFamily="18" charset="0"/>
+                                <a:latin typeface="Cambria Math" charset="0"/>
                               </a:rPr>
                             </m:ctrlPr>
                           </m:dPr>
                           <m:e>
                             <m:r>
                               <a:rPr lang="it-IT" i="1">
-                                <a:latin typeface="Cambria Math" panose="02040503050406030204" pitchFamily="18" charset="0"/>
+                                <a:latin typeface="Cambria Math" charset="0"/>
                               </a:rPr>
                               <m:t>𝑥</m:t>
                             </m:r>
                             <m:r>
                               <a:rPr lang="it-IT" i="1">
-                                <a:latin typeface="Cambria Math" panose="02040503050406030204" pitchFamily="18" charset="0"/>
+                                <a:latin typeface="Cambria Math" charset="0"/>
                               </a:rPr>
                               <m:t>+0.6</m:t>
                             </m:r>
@@ -7234,7 +7230,7 @@
                       <m:sup>
                         <m:r>
                           <a:rPr lang="it-IT" i="1">
-                            <a:latin typeface="Cambria Math" panose="02040503050406030204" pitchFamily="18" charset="0"/>
+                            <a:latin typeface="Cambria Math" charset="0"/>
                           </a:rPr>
                           <m:t>2</m:t>
                         </m:r>
@@ -7242,7 +7238,7 @@
                     </m:sSup>
                     <m:r>
                       <a:rPr lang="it-IT" i="1">
-                        <a:latin typeface="Cambria Math" panose="02040503050406030204" pitchFamily="18" charset="0"/>
+                        <a:latin typeface="Cambria Math" charset="0"/>
                       </a:rPr>
                       <m:t>+</m:t>
                     </m:r>
@@ -7250,7 +7246,7 @@
                       <m:sSupPr>
                         <m:ctrlPr>
                           <a:rPr lang="it-IT" i="1">
-                            <a:latin typeface="Cambria Math" panose="02040503050406030204" pitchFamily="18" charset="0"/>
+                            <a:latin typeface="Cambria Math" charset="0"/>
                           </a:rPr>
                         </m:ctrlPr>
                       </m:sSupPr>
@@ -7259,20 +7255,20 @@
                           <m:dPr>
                             <m:ctrlPr>
                               <a:rPr lang="it-IT" i="1">
-                                <a:latin typeface="Cambria Math" panose="02040503050406030204" pitchFamily="18" charset="0"/>
+                                <a:latin typeface="Cambria Math" charset="0"/>
                               </a:rPr>
                             </m:ctrlPr>
                           </m:dPr>
                           <m:e>
                             <m:r>
                               <a:rPr lang="it-IT" i="1">
-                                <a:latin typeface="Cambria Math" panose="02040503050406030204" pitchFamily="18" charset="0"/>
+                                <a:latin typeface="Cambria Math" charset="0"/>
                               </a:rPr>
                               <m:t>𝑦</m:t>
                             </m:r>
                             <m:r>
                               <a:rPr lang="it-IT" i="1">
-                                <a:latin typeface="Cambria Math" panose="02040503050406030204" pitchFamily="18" charset="0"/>
+                                <a:latin typeface="Cambria Math" charset="0"/>
                               </a:rPr>
                               <m:t>−0.6</m:t>
                             </m:r>
@@ -7282,7 +7278,7 @@
                       <m:sup>
                         <m:r>
                           <a:rPr lang="it-IT" i="1">
-                            <a:latin typeface="Cambria Math" panose="02040503050406030204" pitchFamily="18" charset="0"/>
+                            <a:latin typeface="Cambria Math" charset="0"/>
                           </a:rPr>
                           <m:t>2</m:t>
                         </m:r>
@@ -7290,7 +7286,7 @@
                     </m:sSup>
                     <m:r>
                       <a:rPr lang="it-IT" i="1">
-                        <a:latin typeface="Cambria Math" panose="02040503050406030204" pitchFamily="18" charset="0"/>
+                        <a:latin typeface="Cambria Math" charset="0"/>
                       </a:rPr>
                       <m:t>+</m:t>
                     </m:r>
@@ -7298,7 +7294,7 @@
                       <m:sSupPr>
                         <m:ctrlPr>
                           <a:rPr lang="it-IT" i="1">
-                            <a:latin typeface="Cambria Math" panose="02040503050406030204" pitchFamily="18" charset="0"/>
+                            <a:latin typeface="Cambria Math" charset="0"/>
                           </a:rPr>
                         </m:ctrlPr>
                       </m:sSupPr>
@@ -7307,20 +7303,20 @@
                           <m:dPr>
                             <m:ctrlPr>
                               <a:rPr lang="it-IT" i="1">
-                                <a:latin typeface="Cambria Math" panose="02040503050406030204" pitchFamily="18" charset="0"/>
+                                <a:latin typeface="Cambria Math" charset="0"/>
                               </a:rPr>
                             </m:ctrlPr>
                           </m:dPr>
                           <m:e>
                             <m:r>
                               <a:rPr lang="it-IT" i="1">
-                                <a:latin typeface="Cambria Math" panose="02040503050406030204" pitchFamily="18" charset="0"/>
+                                <a:latin typeface="Cambria Math" charset="0"/>
                               </a:rPr>
                               <m:t>𝑧</m:t>
                             </m:r>
                             <m:r>
                               <a:rPr lang="it-IT" i="1">
-                                <a:latin typeface="Cambria Math" panose="02040503050406030204" pitchFamily="18" charset="0"/>
+                                <a:latin typeface="Cambria Math" charset="0"/>
                               </a:rPr>
                               <m:t>−0.5</m:t>
                             </m:r>
@@ -7330,7 +7326,7 @@
                       <m:sup>
                         <m:r>
                           <a:rPr lang="it-IT" i="1">
-                            <a:latin typeface="Cambria Math" panose="02040503050406030204" pitchFamily="18" charset="0"/>
+                            <a:latin typeface="Cambria Math" charset="0"/>
                           </a:rPr>
                           <m:t>2</m:t>
                         </m:r>
@@ -7338,7 +7334,7 @@
                     </m:sSup>
                     <m:r>
                       <a:rPr lang="it-IT" i="1">
-                        <a:latin typeface="Cambria Math" panose="02040503050406030204" pitchFamily="18" charset="0"/>
+                        <a:latin typeface="Cambria Math" charset="0"/>
                       </a:rPr>
                       <m:t>−</m:t>
                     </m:r>
@@ -7346,14 +7342,14 @@
                       <m:sSupPr>
                         <m:ctrlPr>
                           <a:rPr lang="it-IT" i="1">
-                            <a:latin typeface="Cambria Math" panose="02040503050406030204" pitchFamily="18" charset="0"/>
+                            <a:latin typeface="Cambria Math" charset="0"/>
                           </a:rPr>
                         </m:ctrlPr>
                       </m:sSupPr>
                       <m:e>
                         <m:r>
                           <a:rPr lang="it-IT" i="1">
-                            <a:latin typeface="Cambria Math" panose="02040503050406030204" pitchFamily="18" charset="0"/>
+                            <a:latin typeface="Cambria Math" charset="0"/>
                           </a:rPr>
                           <m:t>1.2</m:t>
                         </m:r>
@@ -7361,7 +7357,7 @@
                       <m:sup>
                         <m:r>
                           <a:rPr lang="it-IT" i="1">
-                            <a:latin typeface="Cambria Math" panose="02040503050406030204" pitchFamily="18" charset="0"/>
+                            <a:latin typeface="Cambria Math" charset="0"/>
                           </a:rPr>
                           <m:t>2</m:t>
                         </m:r>
@@ -7369,7 +7365,7 @@
                     </m:sSup>
                     <m:r>
                       <a:rPr lang="it-IT" i="1">
-                        <a:latin typeface="Cambria Math" panose="02040503050406030204" pitchFamily="18" charset="0"/>
+                        <a:latin typeface="Cambria Math" charset="0"/>
                       </a:rPr>
                       <m:t>&lt;0 </m:t>
                     </m:r>
@@ -7380,10 +7376,10 @@
             </p:txBody>
           </p:sp>
         </mc:Choice>
-        <mc:Fallback xmlns="">
+        <mc:Fallback>
           <p:sp>
             <p:nvSpPr>
-              <p:cNvPr id="7" name="Segnaposto contenuto 2"/>
+              <p:cNvPr id="10" name="Segnaposto contenuto 2"/>
               <p:cNvSpPr txBox="1">
                 <a:spLocks noRot="1" noChangeAspect="1" noMove="1" noResize="1" noEditPoints="1" noAdjustHandles="1" noChangeArrowheads="1" noChangeShapeType="1" noTextEdit="1"/>
               </p:cNvSpPr>
@@ -7391,16 +7387,16 @@
             </p:nvSpPr>
             <p:spPr>
               <a:xfrm>
-                <a:off x="1097280" y="2671104"/>
-                <a:ext cx="10058400" cy="950232"/>
+                <a:off x="1156527" y="2494790"/>
+                <a:ext cx="5505530" cy="950232"/>
               </a:xfrm>
               <a:prstGeom prst="rect">
                 <a:avLst/>
               </a:prstGeom>
-              <a:blipFill>
+              <a:blipFill rotWithShape="0">
                 <a:blip r:embed="rId2"/>
                 <a:stretch>
-                  <a:fillRect l="-606" t="-6410"/>
+                  <a:fillRect l="-1218" t="-6410" b="-39744"/>
                 </a:stretch>
               </a:blipFill>
             </p:spPr>
@@ -7409,7 +7405,7 @@
               <a:lstStyle/>
               <a:p>
                 <a:r>
-                  <a:rPr lang="it-IT">
+                  <a:rPr lang="en-US">
                     <a:noFill/>
                   </a:rPr>
                   <a:t> </a:t>
@@ -7421,26 +7417,112 @@
       </mc:AlternateContent>
       <p:pic>
         <p:nvPicPr>
-          <p:cNvPr id="8" name="Immagine 7"/>
+          <p:cNvPr id="11" name="Immagine 7"/>
           <p:cNvPicPr/>
           <p:nvPr/>
         </p:nvPicPr>
         <p:blipFill>
-          <a:blip r:embed="rId3"/>
+          <a:blip r:embed="rId3">
+            <a:extLst>
+              <a:ext uri="{28A0092B-C50C-407E-A947-70E740481C1C}">
+                <a14:useLocalDpi xmlns:a14="http://schemas.microsoft.com/office/drawing/2010/main" val="0"/>
+              </a:ext>
+            </a:extLst>
+          </a:blip>
           <a:stretch>
             <a:fillRect/>
           </a:stretch>
         </p:blipFill>
         <p:spPr>
           <a:xfrm>
-            <a:off x="7169150" y="1737360"/>
-            <a:ext cx="5022850" cy="4549775"/>
+            <a:off x="6804561" y="2588822"/>
+            <a:ext cx="5078681" cy="3681350"/>
           </a:xfrm>
           <a:prstGeom prst="rect">
             <a:avLst/>
           </a:prstGeom>
         </p:spPr>
       </p:pic>
+      <p:sp>
+        <p:nvSpPr>
+          <p:cNvPr id="12" name="Rectangle 11"/>
+          <p:cNvSpPr/>
+          <p:nvPr/>
+        </p:nvSpPr>
+        <p:spPr>
+          <a:xfrm>
+            <a:off x="1156527" y="1916020"/>
+            <a:ext cx="9261469" cy="400110"/>
+          </a:xfrm>
+          <a:prstGeom prst="rect">
+            <a:avLst/>
+          </a:prstGeom>
+        </p:spPr>
+        <p:txBody>
+          <a:bodyPr wrap="square">
+            <a:spAutoFit/>
+          </a:bodyPr>
+          <a:lstStyle/>
+          <a:p>
+            <a:r>
+              <a:rPr lang="en-US" sz="2000" dirty="0">
+                <a:latin typeface="Courier" charset="0"/>
+              </a:rPr>
+              <a:t>Simplex(@</a:t>
+            </a:r>
+            <a:r>
+              <a:rPr lang="en-US" sz="2000" dirty="0" err="1">
+                <a:latin typeface="Courier" charset="0"/>
+              </a:rPr>
+              <a:t>cost_function</a:t>
+            </a:r>
+            <a:r>
+              <a:rPr lang="en-US" sz="2000" dirty="0">
+                <a:latin typeface="Courier" charset="0"/>
+              </a:rPr>
+              <a:t>, { }, [-.2 .5 .3], .3, 1e-5, 500);</a:t>
+            </a:r>
+            <a:endParaRPr lang="en-US" sz="2000" dirty="0">
+              <a:effectLst/>
+              <a:latin typeface="Courier" charset="0"/>
+            </a:endParaRPr>
+          </a:p>
+        </p:txBody>
+      </p:sp>
+      <p:sp>
+        <p:nvSpPr>
+          <p:cNvPr id="13" name="TextBox 12"/>
+          <p:cNvSpPr txBox="1"/>
+          <p:nvPr/>
+        </p:nvSpPr>
+        <p:spPr>
+          <a:xfrm>
+            <a:off x="1156527" y="3545722"/>
+            <a:ext cx="1097801" cy="400110"/>
+          </a:xfrm>
+          <a:prstGeom prst="rect">
+            <a:avLst/>
+          </a:prstGeom>
+          <a:noFill/>
+        </p:spPr>
+        <p:txBody>
+          <a:bodyPr wrap="none" rtlCol="0">
+            <a:spAutoFit/>
+          </a:bodyPr>
+          <a:lstStyle/>
+          <a:p>
+            <a:r>
+              <a:rPr lang="en-US" sz="2000" dirty="0" err="1" smtClean="0"/>
+              <a:t>Risultati</a:t>
+            </a:r>
+            <a:r>
+              <a:rPr lang="en-US" sz="2000" dirty="0" smtClean="0"/>
+              <a:t>:</a:t>
+            </a:r>
+            <a:endParaRPr lang="en-US" sz="2000" dirty="0"/>
+          </a:p>
+        </p:txBody>
+      </p:sp>
     </p:spTree>
     <p:extLst>
       <p:ext uri="{BB962C8B-B14F-4D97-AF65-F5344CB8AC3E}">
@@ -7503,59 +7585,14 @@
       </p:sp>
       <p:sp>
         <p:nvSpPr>
-          <p:cNvPr id="3" name="Segnaposto contenuto 2"/>
-          <p:cNvSpPr>
-            <a:spLocks noGrp="1"/>
-          </p:cNvSpPr>
-          <p:nvPr>
-            <p:ph idx="1"/>
-          </p:nvPr>
+          <p:cNvPr id="7" name="Rectangle 6"/>
+          <p:cNvSpPr/>
+          <p:nvPr/>
         </p:nvSpPr>
         <p:spPr>
           <a:xfrm>
-            <a:off x="1097280" y="1988896"/>
-            <a:ext cx="10058400" cy="950232"/>
-          </a:xfrm>
-        </p:spPr>
-        <p:txBody>
-          <a:bodyPr>
-            <a:normAutofit/>
-          </a:bodyPr>
-          <a:lstStyle/>
-          <a:p>
-            <a:r>
-              <a:rPr lang="it-IT" dirty="0"/>
-              <a:t>Simplex(@</a:t>
-            </a:r>
-            <a:r>
-              <a:rPr lang="it-IT" dirty="0" err="1"/>
-              <a:t>cost_function</a:t>
-            </a:r>
-            <a:r>
-              <a:rPr lang="it-IT" dirty="0"/>
-              <a:t>, {</a:t>
-            </a:r>
-            <a:r>
-              <a:rPr lang="it-IT" dirty="0" smtClean="0"/>
-              <a:t>}, [-.3 .4 .4], .</a:t>
-            </a:r>
-            <a:r>
-              <a:rPr lang="it-IT" dirty="0"/>
-              <a:t>3, 1e-5, 500);</a:t>
-            </a:r>
-          </a:p>
-        </p:txBody>
-      </p:sp>
-      <p:sp>
-        <p:nvSpPr>
-          <p:cNvPr id="4" name="Rectangle 3"/>
-          <p:cNvSpPr/>
-          <p:nvPr/>
-        </p:nvSpPr>
-        <p:spPr>
-          <a:xfrm>
-            <a:off x="1097280" y="2858805"/>
-            <a:ext cx="5199018" cy="1754326"/>
+            <a:off x="1097279" y="3238815"/>
+            <a:ext cx="4887884" cy="1938992"/>
           </a:xfrm>
           <a:prstGeom prst="rect">
             <a:avLst/>
@@ -7572,7 +7609,7 @@
               <a:buChar char="•"/>
             </a:pPr>
             <a:r>
-              <a:rPr lang="it-IT" dirty="0"/>
+              <a:rPr lang="it-IT" sz="2000" dirty="0"/>
               <a:t>Valore nell’ultimo vertice = 0</a:t>
             </a:r>
           </a:p>
@@ -7582,7 +7619,7 @@
               <a:buChar char="•"/>
             </a:pPr>
             <a:r>
-              <a:rPr lang="it-IT" dirty="0"/>
+              <a:rPr lang="it-IT" sz="2000" dirty="0"/>
               <a:t>Risultato  = -0.3000    0.4000    0.4000</a:t>
             </a:r>
           </a:p>
@@ -7592,7 +7629,7 @@
               <a:buChar char="•"/>
             </a:pPr>
             <a:r>
-              <a:rPr lang="it-IT" dirty="0"/>
+              <a:rPr lang="it-IT" sz="2000" dirty="0"/>
               <a:t>iterazioni = 35</a:t>
             </a:r>
           </a:p>
@@ -7602,7 +7639,7 @@
               <a:buChar char="•"/>
             </a:pPr>
             <a:r>
-              <a:rPr lang="it-IT" dirty="0"/>
+              <a:rPr lang="it-IT" sz="2000" dirty="0"/>
               <a:t>dimezzamenti = 20</a:t>
             </a:r>
           </a:p>
@@ -7612,7 +7649,7 @@
               <a:buChar char="•"/>
             </a:pPr>
             <a:r>
-              <a:rPr lang="it-IT" dirty="0"/>
+              <a:rPr lang="it-IT" sz="2000" dirty="0"/>
               <a:t>superficie finale = 6.7356e-06</a:t>
             </a:r>
           </a:p>
@@ -7622,7 +7659,7 @@
               <a:buChar char="•"/>
             </a:pPr>
             <a:r>
-              <a:rPr lang="it-IT" dirty="0"/>
+              <a:rPr lang="it-IT" sz="2000" dirty="0"/>
               <a:t>errore = 0     0     0</a:t>
             </a:r>
           </a:p>
@@ -7630,26 +7667,123 @@
       </p:sp>
       <p:pic>
         <p:nvPicPr>
-          <p:cNvPr id="9" name="Immagine 8"/>
+          <p:cNvPr id="8" name="Immagine 8"/>
           <p:cNvPicPr/>
           <p:nvPr/>
         </p:nvPicPr>
-        <p:blipFill>
-          <a:blip r:embed="rId2"/>
-          <a:stretch>
-            <a:fillRect/>
-          </a:stretch>
+        <p:blipFill rotWithShape="1">
+          <a:blip r:embed="rId2">
+            <a:extLst>
+              <a:ext uri="{28A0092B-C50C-407E-A947-70E740481C1C}">
+                <a14:useLocalDpi xmlns:a14="http://schemas.microsoft.com/office/drawing/2010/main" val="0"/>
+              </a:ext>
+            </a:extLst>
+          </a:blip>
+          <a:srcRect l="16081" t="8764" r="15127" b="4562"/>
+          <a:stretch/>
         </p:blipFill>
         <p:spPr>
           <a:xfrm>
-            <a:off x="6788537" y="1737360"/>
-            <a:ext cx="5403463" cy="4592320"/>
+            <a:off x="7274299" y="2660071"/>
+            <a:ext cx="4161637" cy="3431969"/>
           </a:xfrm>
           <a:prstGeom prst="rect">
             <a:avLst/>
           </a:prstGeom>
         </p:spPr>
       </p:pic>
+      <p:sp>
+        <p:nvSpPr>
+          <p:cNvPr id="10" name="Rectangle 9"/>
+          <p:cNvSpPr/>
+          <p:nvPr/>
+        </p:nvSpPr>
+        <p:spPr>
+          <a:xfrm>
+            <a:off x="1097279" y="1887043"/>
+            <a:ext cx="8794865" cy="400110"/>
+          </a:xfrm>
+          <a:prstGeom prst="rect">
+            <a:avLst/>
+          </a:prstGeom>
+        </p:spPr>
+        <p:txBody>
+          <a:bodyPr wrap="square">
+            <a:spAutoFit/>
+          </a:bodyPr>
+          <a:lstStyle/>
+          <a:p>
+            <a:r>
+              <a:rPr lang="en-US" sz="2000" dirty="0">
+                <a:latin typeface="Courier" charset="0"/>
+              </a:rPr>
+              <a:t>Simplex(@</a:t>
+            </a:r>
+            <a:r>
+              <a:rPr lang="en-US" sz="2000" dirty="0" err="1" smtClean="0">
+                <a:latin typeface="Courier" charset="0"/>
+              </a:rPr>
+              <a:t>cost_function</a:t>
+            </a:r>
+            <a:r>
+              <a:rPr lang="en-US" sz="2000" dirty="0" smtClean="0">
+                <a:latin typeface="Courier" charset="0"/>
+              </a:rPr>
+              <a:t>, </a:t>
+            </a:r>
+            <a:r>
+              <a:rPr lang="en-US" sz="2000" dirty="0">
+                <a:latin typeface="Courier" charset="0"/>
+              </a:rPr>
+              <a:t>{}, [-.3 .4 .4], .3, 1e-5, 500</a:t>
+            </a:r>
+            <a:r>
+              <a:rPr lang="en-US" sz="2000" dirty="0" smtClean="0">
+                <a:latin typeface="Courier" charset="0"/>
+              </a:rPr>
+              <a:t>); </a:t>
+            </a:r>
+            <a:endParaRPr lang="en-US" sz="2000" dirty="0">
+              <a:effectLst/>
+              <a:latin typeface="Courier" charset="0"/>
+            </a:endParaRPr>
+          </a:p>
+        </p:txBody>
+      </p:sp>
+      <p:sp>
+        <p:nvSpPr>
+          <p:cNvPr id="11" name="TextBox 10"/>
+          <p:cNvSpPr txBox="1"/>
+          <p:nvPr/>
+        </p:nvSpPr>
+        <p:spPr>
+          <a:xfrm>
+            <a:off x="1097279" y="2893563"/>
+            <a:ext cx="1155509" cy="400110"/>
+          </a:xfrm>
+          <a:prstGeom prst="rect">
+            <a:avLst/>
+          </a:prstGeom>
+          <a:noFill/>
+        </p:spPr>
+        <p:txBody>
+          <a:bodyPr wrap="none" rtlCol="0">
+            <a:spAutoFit/>
+          </a:bodyPr>
+          <a:lstStyle/>
+          <a:p>
+            <a:r>
+              <a:rPr lang="en-US" sz="2000" dirty="0" err="1" smtClean="0"/>
+              <a:t>Risultati</a:t>
+            </a:r>
+            <a:r>
+              <a:rPr lang="en-US" sz="2000" dirty="0" smtClean="0"/>
+              <a:t>: </a:t>
+            </a:r>
+            <a:endParaRPr lang="en-US" sz="2000" dirty="0"/>
+          </a:p>
+        </p:txBody>
+      </p:sp>
     </p:spTree>
     <p:extLst>
       <p:ext uri="{BB962C8B-B14F-4D97-AF65-F5344CB8AC3E}">
@@ -7976,15 +8110,7 @@
                   <a:schemeClr val="tx1"/>
                 </a:solidFill>
               </a:rPr>
-              <a:t>3.2 </a:t>
-            </a:r>
-            <a:r>
-              <a:rPr lang="it-IT" dirty="0" smtClean="0">
-                <a:solidFill>
-                  <a:schemeClr val="tx1"/>
-                </a:solidFill>
-              </a:rPr>
-              <a:t>Parametri iniziali</a:t>
+              <a:t>3.2 Parametri iniziali</a:t>
             </a:r>
           </a:p>
           <a:p>
@@ -8000,11 +8126,6 @@
               </a:rPr>
               <a:t> 3.3 Condizioni di arresto</a:t>
             </a:r>
-            <a:endParaRPr lang="it-IT" dirty="0" smtClean="0">
-              <a:solidFill>
-                <a:schemeClr val="tx1"/>
-              </a:solidFill>
-            </a:endParaRPr>
           </a:p>
           <a:p>
             <a:pPr>
@@ -10056,8 +10177,8 @@
           </a:p>
         </p:txBody>
       </p:sp>
-      <mc:AlternateContent xmlns:mc="http://schemas.openxmlformats.org/markup-compatibility/2006">
-        <mc:Choice xmlns:a14="http://schemas.microsoft.com/office/drawing/2010/main" Requires="a14">
+      <mc:AlternateContent xmlns:mc="http://schemas.openxmlformats.org/markup-compatibility/2006" xmlns:a14="http://schemas.microsoft.com/office/drawing/2010/main">
+        <mc:Choice Requires="a14">
           <p:sp>
             <p:nvSpPr>
               <p:cNvPr id="3" name="Segnaposto contenuto 2"/>
@@ -10113,12 +10234,16 @@
                     <m:sSub>
                       <m:sSubPr>
                         <m:ctrlPr>
-                          <a:rPr lang="it-IT" i="1"/>
+                          <a:rPr lang="it-IT" i="1">
+                            <a:latin typeface="Cambria Math" charset="0"/>
+                          </a:rPr>
                         </m:ctrlPr>
                       </m:sSubPr>
                       <m:e>
                         <m:r>
-                          <a:rPr lang="it-IT" i="1"/>
+                          <a:rPr lang="it-IT" i="1">
+                            <a:latin typeface="Cambria Math" charset="0"/>
+                          </a:rPr>
                           <m:t>𝑉</m:t>
                         </m:r>
                       </m:e>
@@ -10177,7 +10302,7 @@
                       <m:sSubPr>
                         <m:ctrlPr>
                           <a:rPr lang="it-IT" i="1">
-                            <a:latin typeface="Cambria Math" panose="02040503050406030204" pitchFamily="18" charset="0"/>
+                            <a:latin typeface="Cambria Math" charset="0"/>
                           </a:rPr>
                         </m:ctrlPr>
                       </m:sSubPr>
@@ -10236,7 +10361,7 @@
                       <m:sSubPr>
                         <m:ctrlPr>
                           <a:rPr lang="it-IT" i="1">
-                            <a:latin typeface="Cambria Math" panose="02040503050406030204" pitchFamily="18" charset="0"/>
+                            <a:latin typeface="Cambria Math" charset="0"/>
                           </a:rPr>
                         </m:ctrlPr>
                       </m:sSubPr>
@@ -10273,7 +10398,7 @@
                       <m:sSubPr>
                         <m:ctrlPr>
                           <a:rPr lang="it-IT" i="1">
-                            <a:latin typeface="Cambria Math" panose="02040503050406030204" pitchFamily="18" charset="0"/>
+                            <a:latin typeface="Cambria Math" charset="0"/>
                           </a:rPr>
                         </m:ctrlPr>
                       </m:sSubPr>
@@ -10310,7 +10435,7 @@
                       <m:sSubPr>
                         <m:ctrlPr>
                           <a:rPr lang="it-IT" i="1">
-                            <a:latin typeface="Cambria Math" panose="02040503050406030204" pitchFamily="18" charset="0"/>
+                            <a:latin typeface="Cambria Math" charset="0"/>
                           </a:rPr>
                         </m:ctrlPr>
                       </m:sSubPr>
@@ -10366,37 +10491,8 @@
                       <a:schemeClr val="tx1"/>
                     </a:solidFill>
                   </a:rPr>
-                  <a:t> contente le cariche per </a:t>
+                  <a:t> contente le cariche per evitare singolarità</a:t>
                 </a:r>
-                <a:r>
-                  <a:rPr lang="it-IT" dirty="0" smtClean="0">
-                    <a:solidFill>
-                      <a:schemeClr val="tx1"/>
-                    </a:solidFill>
-                  </a:rPr>
-                  <a:t>evitare </a:t>
-                </a:r>
-                <a:r>
-                  <a:rPr lang="it-IT" dirty="0" smtClean="0">
-                    <a:solidFill>
-                      <a:schemeClr val="tx1"/>
-                    </a:solidFill>
-                  </a:rPr>
-                  <a:t>singolarit</a:t>
-                </a:r>
-                <a:r>
-                  <a:rPr lang="it-IT" dirty="0" smtClean="0">
-                    <a:solidFill>
-                      <a:schemeClr val="tx1"/>
-                    </a:solidFill>
-                  </a:rPr>
-                  <a:t>à</a:t>
-                </a:r>
-                <a:endParaRPr lang="it-IT" dirty="0" smtClean="0">
-                  <a:solidFill>
-                    <a:schemeClr val="tx1"/>
-                  </a:solidFill>
-                </a:endParaRPr>
               </a:p>
               <a:p>
                 <a:pPr>
@@ -10409,29 +10505,8 @@
                       <a:schemeClr val="tx1"/>
                     </a:solidFill>
                   </a:rPr>
-                  <a:t> I </a:t>
+                  <a:t> I misuratori rilevano il potenziale totale delle N cariche</a:t>
                 </a:r>
-                <a:r>
-                  <a:rPr lang="it-IT" dirty="0" smtClean="0">
-                    <a:solidFill>
-                      <a:schemeClr val="tx1"/>
-                    </a:solidFill>
-                  </a:rPr>
-                  <a:t>misuratori </a:t>
-                </a:r>
-                <a:r>
-                  <a:rPr lang="it-IT" dirty="0" smtClean="0">
-                    <a:solidFill>
-                      <a:schemeClr val="tx1"/>
-                    </a:solidFill>
-                  </a:rPr>
-                  <a:t>rilevano il potenziale totale delle N cariche</a:t>
-                </a:r>
-                <a:endParaRPr lang="it-IT" dirty="0" smtClean="0">
-                  <a:solidFill>
-                    <a:schemeClr val="tx1"/>
-                  </a:solidFill>
-                </a:endParaRPr>
               </a:p>
               <a:p>
                 <a:pPr>
@@ -10455,7 +10530,7 @@
             </p:txBody>
           </p:sp>
         </mc:Choice>
-        <mc:Fallback>
+        <mc:Fallback xmlns="">
           <p:sp>
             <p:nvSpPr>
               <p:cNvPr id="3" name="Segnaposto contenuto 2"/>
@@ -10553,8 +10628,8 @@
           </a:p>
         </p:txBody>
       </p:sp>
-      <mc:AlternateContent xmlns:mc="http://schemas.openxmlformats.org/markup-compatibility/2006">
-        <mc:Choice xmlns:a14="http://schemas.microsoft.com/office/drawing/2010/main" Requires="a14">
+      <mc:AlternateContent xmlns:mc="http://schemas.openxmlformats.org/markup-compatibility/2006" xmlns:a14="http://schemas.microsoft.com/office/drawing/2010/main">
+        <mc:Choice Requires="a14">
           <p:sp>
             <p:nvSpPr>
               <p:cNvPr id="3" name="Segnaposto contenuto 2"/>
@@ -10620,7 +10695,7 @@
                             <a:solidFill>
                               <a:schemeClr val="tx1"/>
                             </a:solidFill>
-                            <a:latin typeface="Cambria Math" panose="02040503050406030204" pitchFamily="18" charset="0"/>
+                            <a:latin typeface="Cambria Math" charset="0"/>
                           </a:rPr>
                         </m:ctrlPr>
                       </m:fPr>
@@ -10672,7 +10747,7 @@
                             <a:solidFill>
                               <a:schemeClr val="tx1"/>
                             </a:solidFill>
-                            <a:latin typeface="Cambria Math" panose="02040503050406030204" pitchFamily="18" charset="0"/>
+                            <a:latin typeface="Cambria Math" charset="0"/>
                           </a:rPr>
                         </m:ctrlPr>
                       </m:fPr>
@@ -10758,7 +10833,7 @@
                       <m:sSubPr>
                         <m:ctrlPr>
                           <a:rPr lang="it-IT" i="1">
-                            <a:latin typeface="Cambria Math" panose="02040503050406030204" pitchFamily="18" charset="0"/>
+                            <a:latin typeface="Cambria Math" charset="0"/>
                           </a:rPr>
                         </m:ctrlPr>
                       </m:sSubPr>
@@ -10789,7 +10864,7 @@
                       <m:fPr>
                         <m:ctrlPr>
                           <a:rPr lang="it-IT" i="1">
-                            <a:latin typeface="Cambria Math" panose="02040503050406030204" pitchFamily="18" charset="0"/>
+                            <a:latin typeface="Cambria Math" charset="0"/>
                           </a:rPr>
                         </m:ctrlPr>
                       </m:fPr>
@@ -10828,7 +10903,7 @@
                         <m:limLoc m:val="undOvr"/>
                         <m:ctrlPr>
                           <a:rPr lang="it-IT" i="1">
-                            <a:latin typeface="Cambria Math" panose="02040503050406030204" pitchFamily="18" charset="0"/>
+                            <a:latin typeface="Cambria Math" charset="0"/>
                           </a:rPr>
                         </m:ctrlPr>
                       </m:naryPr>
@@ -10859,7 +10934,7 @@
                           <m:fPr>
                             <m:ctrlPr>
                               <a:rPr lang="it-IT" i="1">
-                                <a:latin typeface="Cambria Math" panose="02040503050406030204" pitchFamily="18" charset="0"/>
+                                <a:latin typeface="Cambria Math" charset="0"/>
                               </a:rPr>
                             </m:ctrlPr>
                           </m:fPr>
@@ -10868,7 +10943,7 @@
                               <m:sSubPr>
                                 <m:ctrlPr>
                                   <a:rPr lang="it-IT" i="1">
-                                    <a:latin typeface="Cambria Math" panose="02040503050406030204" pitchFamily="18" charset="0"/>
+                                    <a:latin typeface="Cambria Math" charset="0"/>
                                   </a:rPr>
                                 </m:ctrlPr>
                               </m:sSubPr>
@@ -10902,7 +10977,7 @@
                                 <m:chr m:val="⃗"/>
                                 <m:ctrlPr>
                                   <a:rPr lang="it-IT" b="1" i="1">
-                                    <a:latin typeface="Cambria Math" panose="02040503050406030204" pitchFamily="18" charset="0"/>
+                                    <a:latin typeface="Cambria Math" charset="0"/>
                                   </a:rPr>
                                 </m:ctrlPr>
                               </m:accPr>
@@ -10911,7 +10986,7 @@
                                   <m:sSubPr>
                                     <m:ctrlPr>
                                       <a:rPr lang="it-IT" b="1" i="1">
-                                        <a:latin typeface="Cambria Math" panose="02040503050406030204" pitchFamily="18" charset="0"/>
+                                        <a:latin typeface="Cambria Math" charset="0"/>
                                       </a:rPr>
                                     </m:ctrlPr>
                                   </m:sSubPr>
@@ -10945,7 +11020,7 @@
                                 <m:chr m:val="⃗"/>
                                 <m:ctrlPr>
                                   <a:rPr lang="it-IT" b="1" i="1">
-                                    <a:latin typeface="Cambria Math" panose="02040503050406030204" pitchFamily="18" charset="0"/>
+                                    <a:latin typeface="Cambria Math" charset="0"/>
                                   </a:rPr>
                                 </m:ctrlPr>
                               </m:accPr>
@@ -10979,7 +11054,7 @@
             </p:txBody>
           </p:sp>
         </mc:Choice>
-        <mc:Fallback>
+        <mc:Fallback xmlns="">
           <p:sp>
             <p:nvSpPr>
               <p:cNvPr id="3" name="Segnaposto contenuto 2"/>
@@ -11077,8 +11152,8 @@
           </a:p>
         </p:txBody>
       </p:sp>
-      <mc:AlternateContent xmlns:mc="http://schemas.openxmlformats.org/markup-compatibility/2006">
-        <mc:Choice xmlns:a14="http://schemas.microsoft.com/office/drawing/2010/main" Requires="a14">
+      <mc:AlternateContent xmlns:mc="http://schemas.openxmlformats.org/markup-compatibility/2006" xmlns:a14="http://schemas.microsoft.com/office/drawing/2010/main">
+        <mc:Choice Requires="a14">
           <p:sp>
             <p:nvSpPr>
               <p:cNvPr id="3" name="Segnaposto contenuto 2"/>
@@ -11107,29 +11182,8 @@
                       <a:schemeClr val="tx1"/>
                     </a:solidFill>
                   </a:rPr>
-                  <a:t>Possiamo effettuare </a:t>
+                  <a:t>Possiamo effettuare 2 tipi di normalizzazioni: </a:t>
                 </a:r>
-                <a:r>
-                  <a:rPr lang="it-IT" dirty="0" smtClean="0">
-                    <a:solidFill>
-                      <a:schemeClr val="tx1"/>
-                    </a:solidFill>
-                  </a:rPr>
-                  <a:t>2 </a:t>
-                </a:r>
-                <a:r>
-                  <a:rPr lang="it-IT" dirty="0" smtClean="0">
-                    <a:solidFill>
-                      <a:schemeClr val="tx1"/>
-                    </a:solidFill>
-                  </a:rPr>
-                  <a:t>tipi di normalizzazioni: </a:t>
-                </a:r>
-                <a:endParaRPr lang="it-IT" dirty="0" smtClean="0">
-                  <a:solidFill>
-                    <a:schemeClr val="tx1"/>
-                  </a:solidFill>
-                </a:endParaRPr>
               </a:p>
               <a:p>
                 <a:endParaRPr lang="it-IT" dirty="0" smtClean="0">
@@ -11167,7 +11221,7 @@
                       <m:fPr>
                         <m:ctrlPr>
                           <a:rPr lang="en-US" sz="2400" i="1">
-                            <a:latin typeface="Cambria Math" panose="02040503050406030204" pitchFamily="18" charset="0"/>
+                            <a:latin typeface="Cambria Math" charset="0"/>
                           </a:rPr>
                         </m:ctrlPr>
                       </m:fPr>
@@ -11249,7 +11303,7 @@
             </p:txBody>
           </p:sp>
         </mc:Choice>
-        <mc:Fallback>
+        <mc:Fallback xmlns="">
           <p:sp>
             <p:nvSpPr>
               <p:cNvPr id="3" name="Segnaposto contenuto 2"/>
@@ -11341,18 +11395,14 @@
           <a:p>
             <a:r>
               <a:rPr lang="en-US" dirty="0" smtClean="0"/>
-              <a:t>FUNZIONE </a:t>
-            </a:r>
-            <a:r>
-              <a:rPr lang="en-US" dirty="0" smtClean="0"/>
-              <a:t>OBIETTIVO</a:t>
+              <a:t>FUNZIONE OBIETTIVO</a:t>
             </a:r>
             <a:endParaRPr lang="en-US" dirty="0"/>
           </a:p>
         </p:txBody>
       </p:sp>
-      <mc:AlternateContent xmlns:mc="http://schemas.openxmlformats.org/markup-compatibility/2006">
-        <mc:Choice xmlns:a14="http://schemas.microsoft.com/office/drawing/2010/main" Requires="a14">
+      <mc:AlternateContent xmlns:mc="http://schemas.openxmlformats.org/markup-compatibility/2006" xmlns:a14="http://schemas.microsoft.com/office/drawing/2010/main">
+        <mc:Choice Requires="a14">
           <p:sp>
             <p:nvSpPr>
               <p:cNvPr id="7" name="TextBox 6"/>
@@ -11385,7 +11435,7 @@
                       <m:sSubPr>
                         <m:ctrlPr>
                           <a:rPr lang="it-IT" i="1">
-                            <a:latin typeface="Cambria Math" panose="02040503050406030204" pitchFamily="18" charset="0"/>
+                            <a:latin typeface="Cambria Math" charset="0"/>
                           </a:rPr>
                         </m:ctrlPr>
                       </m:sSubPr>
@@ -11434,7 +11484,7 @@
                       <m:sSubPr>
                         <m:ctrlPr>
                           <a:rPr lang="it-IT" i="1" smtClean="0">
-                            <a:latin typeface="Cambria Math" panose="02040503050406030204" pitchFamily="18" charset="0"/>
+                            <a:latin typeface="Cambria Math" charset="0"/>
                           </a:rPr>
                         </m:ctrlPr>
                       </m:sSubPr>
@@ -11467,7 +11517,7 @@
                       <m:sSubPr>
                         <m:ctrlPr>
                           <a:rPr lang="it-IT" i="1">
-                            <a:latin typeface="Cambria Math" panose="02040503050406030204" pitchFamily="18" charset="0"/>
+                            <a:latin typeface="Cambria Math" charset="0"/>
                           </a:rPr>
                         </m:ctrlPr>
                       </m:sSubPr>
@@ -11516,7 +11566,7 @@
                         <m:sSubPr>
                           <m:ctrlPr>
                             <a:rPr lang="it-IT" i="1">
-                              <a:latin typeface="Cambria Math" panose="02040503050406030204" pitchFamily="18" charset="0"/>
+                              <a:latin typeface="Cambria Math" charset="0"/>
                             </a:rPr>
                           </m:ctrlPr>
                         </m:sSubPr>
@@ -11547,7 +11597,7 @@
                         <m:sSubPr>
                           <m:ctrlPr>
                             <a:rPr lang="it-IT" i="1">
-                              <a:latin typeface="Cambria Math" panose="02040503050406030204" pitchFamily="18" charset="0"/>
+                              <a:latin typeface="Cambria Math" charset="0"/>
                             </a:rPr>
                           </m:ctrlPr>
                         </m:sSubPr>
@@ -11596,7 +11646,7 @@
                         <m:sSubPr>
                           <m:ctrlPr>
                             <a:rPr lang="it-IT" i="1">
-                              <a:latin typeface="Cambria Math" panose="02040503050406030204" pitchFamily="18" charset="0"/>
+                              <a:latin typeface="Cambria Math" charset="0"/>
                             </a:rPr>
                           </m:ctrlPr>
                         </m:sSubPr>
@@ -11627,7 +11677,7 @@
                         <m:fPr>
                           <m:ctrlPr>
                             <a:rPr lang="it-IT" i="1">
-                              <a:latin typeface="Cambria Math" panose="02040503050406030204" pitchFamily="18" charset="0"/>
+                              <a:latin typeface="Cambria Math" charset="0"/>
                             </a:rPr>
                           </m:ctrlPr>
                         </m:fPr>
@@ -11636,7 +11686,7 @@
                             <m:sSubPr>
                               <m:ctrlPr>
                                 <a:rPr lang="it-IT" i="1">
-                                  <a:latin typeface="Cambria Math" panose="02040503050406030204" pitchFamily="18" charset="0"/>
+                                  <a:latin typeface="Cambria Math" charset="0"/>
                                 </a:rPr>
                               </m:ctrlPr>
                             </m:sSubPr>
@@ -11665,7 +11715,7 @@
                               <m:endChr m:val="|"/>
                               <m:ctrlPr>
                                 <a:rPr lang="it-IT" i="1">
-                                  <a:latin typeface="Cambria Math" panose="02040503050406030204" pitchFamily="18" charset="0"/>
+                                  <a:latin typeface="Cambria Math" charset="0"/>
                                 </a:rPr>
                               </m:ctrlPr>
                             </m:dPr>
@@ -11676,7 +11726,7 @@
                                   <m:endChr m:val="|"/>
                                   <m:ctrlPr>
                                     <a:rPr lang="it-IT" i="1">
-                                      <a:latin typeface="Cambria Math" panose="02040503050406030204" pitchFamily="18" charset="0"/>
+                                      <a:latin typeface="Cambria Math" charset="0"/>
                                     </a:rPr>
                                   </m:ctrlPr>
                                 </m:dPr>
@@ -11686,7 +11736,7 @@
                                       <m:chr m:val="⃗"/>
                                       <m:ctrlPr>
                                         <a:rPr lang="it-IT" b="1" i="1">
-                                          <a:latin typeface="Cambria Math" panose="02040503050406030204" pitchFamily="18" charset="0"/>
+                                          <a:latin typeface="Cambria Math" charset="0"/>
                                         </a:rPr>
                                       </m:ctrlPr>
                                     </m:accPr>
@@ -11695,7 +11745,7 @@
                                         <m:sSubPr>
                                           <m:ctrlPr>
                                             <a:rPr lang="it-IT" b="1" i="1">
-                                              <a:latin typeface="Cambria Math" panose="02040503050406030204" pitchFamily="18" charset="0"/>
+                                              <a:latin typeface="Cambria Math" charset="0"/>
                                             </a:rPr>
                                           </m:ctrlPr>
                                         </m:sSubPr>
@@ -11729,7 +11779,7 @@
                                       <m:chr m:val="⃗"/>
                                       <m:ctrlPr>
                                         <a:rPr lang="it-IT" b="1" i="1">
-                                          <a:latin typeface="Cambria Math" panose="02040503050406030204" pitchFamily="18" charset="0"/>
+                                          <a:latin typeface="Cambria Math" charset="0"/>
                                         </a:rPr>
                                       </m:ctrlPr>
                                     </m:accPr>
@@ -11767,7 +11817,7 @@
                       <m:sSubPr>
                         <m:ctrlPr>
                           <a:rPr lang="it-IT" i="1">
-                            <a:latin typeface="Cambria Math" panose="02040503050406030204" pitchFamily="18" charset="0"/>
+                            <a:latin typeface="Cambria Math" charset="0"/>
                           </a:rPr>
                         </m:ctrlPr>
                       </m:sSubPr>
@@ -11792,11 +11842,7 @@
                 </a14:m>
                 <a:r>
                   <a:rPr lang="it-IT" dirty="0" smtClean="0"/>
-                  <a:t> </a:t>
-                </a:r>
-                <a:r>
-                  <a:rPr lang="it-IT" dirty="0" smtClean="0"/>
-                  <a:t>e quello di una generica carica </a:t>
+                  <a:t> e quello di una generica carica </a:t>
                 </a:r>
                 <a:r>
                   <a:rPr lang="it-IT" b="1" dirty="0"/>
@@ -11849,7 +11895,7 @@
                         <m:sSubPr>
                           <m:ctrlPr>
                             <a:rPr lang="it-IT" i="1">
-                              <a:latin typeface="Cambria Math" panose="02040503050406030204" pitchFamily="18" charset="0"/>
+                              <a:latin typeface="Cambria Math" charset="0"/>
                             </a:rPr>
                           </m:ctrlPr>
                         </m:sSubPr>
@@ -11898,7 +11944,7 @@
                         <m:sSupPr>
                           <m:ctrlPr>
                             <a:rPr lang="it-IT" i="1">
-                              <a:latin typeface="Cambria Math" panose="02040503050406030204" pitchFamily="18" charset="0"/>
+                              <a:latin typeface="Cambria Math" charset="0"/>
                             </a:rPr>
                           </m:ctrlPr>
                         </m:sSupPr>
@@ -11929,7 +11975,7 @@
                         <m:sSubPr>
                           <m:ctrlPr>
                             <a:rPr lang="it-IT" i="1">
-                              <a:latin typeface="Cambria Math" panose="02040503050406030204" pitchFamily="18" charset="0"/>
+                              <a:latin typeface="Cambria Math" charset="0"/>
                             </a:rPr>
                           </m:ctrlPr>
                         </m:sSubPr>
@@ -11960,7 +12006,7 @@
                         <m:fPr>
                           <m:ctrlPr>
                             <a:rPr lang="it-IT" i="1">
-                              <a:latin typeface="Cambria Math" panose="02040503050406030204" pitchFamily="18" charset="0"/>
+                              <a:latin typeface="Cambria Math" charset="0"/>
                             </a:rPr>
                           </m:ctrlPr>
                         </m:fPr>
@@ -11969,7 +12015,7 @@
                             <m:sSupPr>
                               <m:ctrlPr>
                                 <a:rPr lang="it-IT" i="1">
-                                  <a:latin typeface="Cambria Math" panose="02040503050406030204" pitchFamily="18" charset="0"/>
+                                  <a:latin typeface="Cambria Math" charset="0"/>
                                 </a:rPr>
                               </m:ctrlPr>
                             </m:sSupPr>
@@ -12004,7 +12050,7 @@
                               <m:endChr m:val="|"/>
                               <m:ctrlPr>
                                 <a:rPr lang="it-IT" i="1">
-                                  <a:latin typeface="Cambria Math" panose="02040503050406030204" pitchFamily="18" charset="0"/>
+                                  <a:latin typeface="Cambria Math" charset="0"/>
                                 </a:rPr>
                               </m:ctrlPr>
                             </m:dPr>
@@ -12015,7 +12061,7 @@
                                   <m:endChr m:val="|"/>
                                   <m:ctrlPr>
                                     <a:rPr lang="it-IT" i="1">
-                                      <a:latin typeface="Cambria Math" panose="02040503050406030204" pitchFamily="18" charset="0"/>
+                                      <a:latin typeface="Cambria Math" charset="0"/>
                                     </a:rPr>
                                   </m:ctrlPr>
                                 </m:dPr>
@@ -12025,7 +12071,7 @@
                                       <m:chr m:val="⃗"/>
                                       <m:ctrlPr>
                                         <a:rPr lang="it-IT" b="1" i="1">
-                                          <a:latin typeface="Cambria Math" panose="02040503050406030204" pitchFamily="18" charset="0"/>
+                                          <a:latin typeface="Cambria Math" charset="0"/>
                                         </a:rPr>
                                       </m:ctrlPr>
                                     </m:accPr>
@@ -12034,7 +12080,7 @@
                                         <m:sSupPr>
                                           <m:ctrlPr>
                                             <a:rPr lang="it-IT" b="1" i="1">
-                                              <a:latin typeface="Cambria Math" panose="02040503050406030204" pitchFamily="18" charset="0"/>
+                                              <a:latin typeface="Cambria Math" charset="0"/>
                                             </a:rPr>
                                           </m:ctrlPr>
                                         </m:sSupPr>
@@ -12068,7 +12114,7 @@
                                       <m:chr m:val="⃗"/>
                                       <m:ctrlPr>
                                         <a:rPr lang="it-IT" b="1" i="1">
-                                          <a:latin typeface="Cambria Math" panose="02040503050406030204" pitchFamily="18" charset="0"/>
+                                          <a:latin typeface="Cambria Math" charset="0"/>
                                         </a:rPr>
                                       </m:ctrlPr>
                                     </m:accPr>
@@ -12101,15 +12147,7 @@
               <a:p>
                 <a:r>
                   <a:rPr lang="it-IT" dirty="0" smtClean="0"/>
-                  <a:t>La funzione </a:t>
-                </a:r>
-                <a:r>
-                  <a:rPr lang="it-IT" dirty="0" smtClean="0"/>
-                  <a:t>obiettivo </a:t>
-                </a:r>
-                <a:r>
-                  <a:rPr lang="it-IT" dirty="0" smtClean="0"/>
-                  <a:t>è somma quadratica delle differenze di potenziale viste da ogni misuratore</a:t>
+                  <a:t>La funzione obiettivo è somma quadratica delle differenze di potenziale viste da ogni misuratore</a:t>
                 </a:r>
                 <a:endParaRPr lang="it-IT" dirty="0"/>
               </a:p>
@@ -12125,7 +12163,7 @@
                         <m:fPr>
                           <m:ctrlPr>
                             <a:rPr lang="it-IT" i="1">
-                              <a:latin typeface="Cambria Math" panose="02040503050406030204" pitchFamily="18" charset="0"/>
+                              <a:latin typeface="Cambria Math" charset="0"/>
                             </a:rPr>
                           </m:ctrlPr>
                         </m:fPr>
@@ -12140,7 +12178,7 @@
                             <m:dPr>
                               <m:ctrlPr>
                                 <a:rPr lang="it-IT" i="1">
-                                  <a:latin typeface="Cambria Math" panose="02040503050406030204" pitchFamily="18" charset="0"/>
+                                  <a:latin typeface="Cambria Math" charset="0"/>
                                 </a:rPr>
                               </m:ctrlPr>
                             </m:dPr>
@@ -12149,7 +12187,7 @@
                                 <m:sSupPr>
                                   <m:ctrlPr>
                                     <a:rPr lang="it-IT" i="1">
-                                      <a:latin typeface="Cambria Math" panose="02040503050406030204" pitchFamily="18" charset="0"/>
+                                      <a:latin typeface="Cambria Math" charset="0"/>
                                     </a:rPr>
                                   </m:ctrlPr>
                                 </m:sSupPr>
@@ -12181,7 +12219,7 @@
                                   <m:chr m:val="⃗"/>
                                   <m:ctrlPr>
                                     <a:rPr lang="it-IT" b="1" i="1">
-                                      <a:latin typeface="Cambria Math" panose="02040503050406030204" pitchFamily="18" charset="0"/>
+                                      <a:latin typeface="Cambria Math" charset="0"/>
                                     </a:rPr>
                                   </m:ctrlPr>
                                 </m:accPr>
@@ -12190,7 +12228,7 @@
                                     <m:sSupPr>
                                       <m:ctrlPr>
                                         <a:rPr lang="it-IT" b="1" i="1">
-                                          <a:latin typeface="Cambria Math" panose="02040503050406030204" pitchFamily="18" charset="0"/>
+                                          <a:latin typeface="Cambria Math" charset="0"/>
                                         </a:rPr>
                                       </m:ctrlPr>
                                     </m:sSupPr>
@@ -12237,7 +12275,7 @@
                           <m:limLoc m:val="undOvr"/>
                           <m:ctrlPr>
                             <a:rPr lang="it-IT" i="1">
-                              <a:latin typeface="Cambria Math" panose="02040503050406030204" pitchFamily="18" charset="0"/>
+                              <a:latin typeface="Cambria Math" charset="0"/>
                             </a:rPr>
                           </m:ctrlPr>
                         </m:naryPr>
@@ -12268,7 +12306,7 @@
                             <m:sSubSupPr>
                               <m:ctrlPr>
                                 <a:rPr lang="it-IT" i="1">
-                                  <a:latin typeface="Cambria Math" panose="02040503050406030204" pitchFamily="18" charset="0"/>
+                                  <a:latin typeface="Cambria Math" charset="0"/>
                                 </a:rPr>
                               </m:ctrlPr>
                             </m:sSubSupPr>
@@ -12279,7 +12317,7 @@
                                   <m:endChr m:val="|"/>
                                   <m:ctrlPr>
                                     <a:rPr lang="it-IT" i="1">
-                                      <a:latin typeface="Cambria Math" panose="02040503050406030204" pitchFamily="18" charset="0"/>
+                                      <a:latin typeface="Cambria Math" charset="0"/>
                                     </a:rPr>
                                   </m:ctrlPr>
                                 </m:dPr>
@@ -12328,7 +12366,7 @@
                                 <m:sSubPr>
                                   <m:ctrlPr>
                                     <a:rPr lang="it-IT" i="1">
-                                      <a:latin typeface="Cambria Math" panose="02040503050406030204" pitchFamily="18" charset="0"/>
+                                      <a:latin typeface="Cambria Math" charset="0"/>
                                     </a:rPr>
                                   </m:ctrlPr>
                                 </m:sSubPr>
@@ -12366,7 +12404,7 @@
                           <m:limLoc m:val="undOvr"/>
                           <m:ctrlPr>
                             <a:rPr lang="it-IT" i="1">
-                              <a:latin typeface="Cambria Math" panose="02040503050406030204" pitchFamily="18" charset="0"/>
+                              <a:latin typeface="Cambria Math" charset="0"/>
                             </a:rPr>
                           </m:ctrlPr>
                         </m:naryPr>
@@ -12397,7 +12435,7 @@
                             <m:sSupPr>
                               <m:ctrlPr>
                                 <a:rPr lang="it-IT" i="1">
-                                  <a:latin typeface="Cambria Math" panose="02040503050406030204" pitchFamily="18" charset="0"/>
+                                  <a:latin typeface="Cambria Math" charset="0"/>
                                 </a:rPr>
                               </m:ctrlPr>
                             </m:sSupPr>
@@ -12406,7 +12444,7 @@
                                 <m:dPr>
                                   <m:ctrlPr>
                                     <a:rPr lang="it-IT" i="1">
-                                      <a:latin typeface="Cambria Math" panose="02040503050406030204" pitchFamily="18" charset="0"/>
+                                      <a:latin typeface="Cambria Math" charset="0"/>
                                     </a:rPr>
                                   </m:ctrlPr>
                                 </m:dPr>
@@ -12415,7 +12453,7 @@
                                     <m:sSubPr>
                                       <m:ctrlPr>
                                         <a:rPr lang="it-IT" i="1">
-                                          <a:latin typeface="Cambria Math" panose="02040503050406030204" pitchFamily="18" charset="0"/>
+                                          <a:latin typeface="Cambria Math" charset="0"/>
                                         </a:rPr>
                                       </m:ctrlPr>
                                     </m:sSubPr>
@@ -12452,7 +12490,7 @@
                                     <m:fPr>
                                       <m:ctrlPr>
                                         <a:rPr lang="it-IT" i="1">
-                                          <a:latin typeface="Cambria Math" panose="02040503050406030204" pitchFamily="18" charset="0"/>
+                                          <a:latin typeface="Cambria Math" charset="0"/>
                                         </a:rPr>
                                       </m:ctrlPr>
                                     </m:fPr>
@@ -12461,7 +12499,7 @@
                                         <m:sSupPr>
                                           <m:ctrlPr>
                                             <a:rPr lang="it-IT" i="1">
-                                              <a:latin typeface="Cambria Math" panose="02040503050406030204" pitchFamily="18" charset="0"/>
+                                              <a:latin typeface="Cambria Math" charset="0"/>
                                             </a:rPr>
                                           </m:ctrlPr>
                                         </m:sSupPr>
@@ -12496,7 +12534,7 @@
                                           <m:endChr m:val="|"/>
                                           <m:ctrlPr>
                                             <a:rPr lang="it-IT" i="1">
-                                              <a:latin typeface="Cambria Math" panose="02040503050406030204" pitchFamily="18" charset="0"/>
+                                              <a:latin typeface="Cambria Math" charset="0"/>
                                             </a:rPr>
                                           </m:ctrlPr>
                                         </m:dPr>
@@ -12507,7 +12545,7 @@
                                               <m:endChr m:val="|"/>
                                               <m:ctrlPr>
                                                 <a:rPr lang="it-IT" i="1">
-                                                  <a:latin typeface="Cambria Math" panose="02040503050406030204" pitchFamily="18" charset="0"/>
+                                                  <a:latin typeface="Cambria Math" charset="0"/>
                                                 </a:rPr>
                                               </m:ctrlPr>
                                             </m:dPr>
@@ -12517,7 +12555,7 @@
                                                   <m:chr m:val="⃗"/>
                                                   <m:ctrlPr>
                                                     <a:rPr lang="it-IT" b="1" i="1">
-                                                      <a:latin typeface="Cambria Math" panose="02040503050406030204" pitchFamily="18" charset="0"/>
+                                                      <a:latin typeface="Cambria Math" charset="0"/>
                                                     </a:rPr>
                                                   </m:ctrlPr>
                                                 </m:accPr>
@@ -12526,7 +12564,7 @@
                                                     <m:sSupPr>
                                                       <m:ctrlPr>
                                                         <a:rPr lang="it-IT" b="1" i="1">
-                                                          <a:latin typeface="Cambria Math" panose="02040503050406030204" pitchFamily="18" charset="0"/>
+                                                          <a:latin typeface="Cambria Math" charset="0"/>
                                                         </a:rPr>
                                                       </m:ctrlPr>
                                                     </m:sSupPr>
@@ -12560,7 +12598,7 @@
                                                   <m:chr m:val="⃗"/>
                                                   <m:ctrlPr>
                                                     <a:rPr lang="it-IT" b="1" i="1">
-                                                      <a:latin typeface="Cambria Math" panose="02040503050406030204" pitchFamily="18" charset="0"/>
+                                                      <a:latin typeface="Cambria Math" charset="0"/>
                                                     </a:rPr>
                                                   </m:ctrlPr>
                                                 </m:accPr>
@@ -12569,7 +12607,7 @@
                                                     <m:sSubPr>
                                                       <m:ctrlPr>
                                                         <a:rPr lang="it-IT" b="1" i="1">
-                                                          <a:latin typeface="Cambria Math" panose="02040503050406030204" pitchFamily="18" charset="0"/>
+                                                          <a:latin typeface="Cambria Math" charset="0"/>
                                                         </a:rPr>
                                                       </m:ctrlPr>
                                                     </m:sSubPr>
@@ -12632,7 +12670,7 @@
             </p:txBody>
           </p:sp>
         </mc:Choice>
-        <mc:Fallback>
+        <mc:Fallback xmlns="">
           <p:sp>
             <p:nvSpPr>
               <p:cNvPr id="7" name="TextBox 6"/>
@@ -12847,15 +12885,7 @@
             </a:r>
             <a:r>
               <a:rPr lang="it-IT" sz="2000" dirty="0" smtClean="0"/>
-              <a:t>ribaltat</a:t>
-            </a:r>
-            <a:r>
-              <a:rPr lang="it-IT" sz="2000" dirty="0" smtClean="0"/>
-              <a:t>o creando un nuovo politopo. In caso di ribaltamenti ripetuti attorno ad un minimo </a:t>
-            </a:r>
-            <a:r>
-              <a:rPr lang="it-IT" sz="2000" dirty="0" smtClean="0"/>
-              <a:t>si </a:t>
+              <a:t>ribaltato creando un nuovo politopo. In caso di ribaltamenti ripetuti attorno ad un minimo si </a:t>
             </a:r>
             <a:r>
               <a:rPr lang="it-IT" sz="2000" dirty="0"/>
@@ -12983,7 +13013,7 @@
           <p:cNvPr id="9" name="Rectangle 8">
             <a:extLst>
               <a:ext uri="{FF2B5EF4-FFF2-40B4-BE49-F238E27FC236}">
-                <a16:creationId xmlns:a16="http://schemas.microsoft.com/office/drawing/2014/main" id="{4E4490D0-3672-446A-AC12-B4830333BDDD}"/>
+                <a16:creationId xmlns:a16="http://schemas.microsoft.com/office/drawing/2014/main" xmlns="" id="{4E4490D0-3672-446A-AC12-B4830333BDDD}"/>
               </a:ext>
             </a:extLst>
           </p:cNvPr>
@@ -13035,7 +13065,7 @@
           <p:cNvPr id="11" name="Rectangle 10">
             <a:extLst>
               <a:ext uri="{FF2B5EF4-FFF2-40B4-BE49-F238E27FC236}">
-                <a16:creationId xmlns:a16="http://schemas.microsoft.com/office/drawing/2014/main" id="{39CB82C2-DF65-4EC1-8280-F201D50F570B}"/>
+                <a16:creationId xmlns:a16="http://schemas.microsoft.com/office/drawing/2014/main" xmlns="" id="{39CB82C2-DF65-4EC1-8280-F201D50F570B}"/>
               </a:ext>
             </a:extLst>
           </p:cNvPr>
@@ -13087,7 +13117,7 @@
           <p:cNvPr id="13" name="Straight Connector 12">
             <a:extLst>
               <a:ext uri="{FF2B5EF4-FFF2-40B4-BE49-F238E27FC236}">
-                <a16:creationId xmlns:a16="http://schemas.microsoft.com/office/drawing/2014/main" id="{7E1D4427-852B-4B37-8E76-0E9F1810BA2A}"/>
+                <a16:creationId xmlns:a16="http://schemas.microsoft.com/office/drawing/2014/main" xmlns="" id="{7E1D4427-852B-4B37-8E76-0E9F1810BA2A}"/>
               </a:ext>
             </a:extLst>
           </p:cNvPr>
@@ -13139,7 +13169,7 @@
           <p:cNvPr id="15" name="Rectangle 14">
             <a:extLst>
               <a:ext uri="{FF2B5EF4-FFF2-40B4-BE49-F238E27FC236}">
-                <a16:creationId xmlns:a16="http://schemas.microsoft.com/office/drawing/2014/main" id="{5A1B47C8-47A0-4A88-8830-6DEA3B5DE392}"/>
+                <a16:creationId xmlns:a16="http://schemas.microsoft.com/office/drawing/2014/main" xmlns="" id="{5A1B47C8-47A0-4A88-8830-6DEA3B5DE392}"/>
               </a:ext>
             </a:extLst>
           </p:cNvPr>
@@ -13228,7 +13258,7 @@
           <p:cNvPr id="17" name="Rectangle 16">
             <a:extLst>
               <a:ext uri="{FF2B5EF4-FFF2-40B4-BE49-F238E27FC236}">
-                <a16:creationId xmlns:a16="http://schemas.microsoft.com/office/drawing/2014/main" id="{984BBFDD-E720-4805-A9C8-129FBBF6DD70}"/>
+                <a16:creationId xmlns:a16="http://schemas.microsoft.com/office/drawing/2014/main" xmlns="" id="{984BBFDD-E720-4805-A9C8-129FBBF6DD70}"/>
               </a:ext>
             </a:extLst>
           </p:cNvPr>
@@ -13280,7 +13310,7 @@
           <p:cNvPr id="19" name="Rectangle 18">
             <a:extLst>
               <a:ext uri="{FF2B5EF4-FFF2-40B4-BE49-F238E27FC236}">
-                <a16:creationId xmlns:a16="http://schemas.microsoft.com/office/drawing/2014/main" id="{5AC4BE46-4A77-42FE-9D15-065CDB2F847C}"/>
+                <a16:creationId xmlns:a16="http://schemas.microsoft.com/office/drawing/2014/main" xmlns="" id="{5AC4BE46-4A77-42FE-9D15-065CDB2F847C}"/>
               </a:ext>
             </a:extLst>
           </p:cNvPr>

--- a/IDENTICAZIONE SISTEMA DI CARICHE PUNTIFORMI DA MISURE DI.pptx
+++ b/IDENTICAZIONE SISTEMA DI CARICHE PUNTIFORMI DA MISURE DI.pptx
@@ -214,7 +214,7 @@
           <a:p>
             <a:fld id="{0B626E60-15AC-294D-A4F1-F70323F0F9DF}" type="datetimeFigureOut">
               <a:rPr lang="en-US" smtClean="0"/>
-              <a:t>12/8/17</a:t>
+              <a:t>12/11/2017</a:t>
             </a:fld>
             <a:endParaRPr lang="en-US"/>
           </a:p>
@@ -373,7 +373,7 @@
           <a:p>
             <a:fld id="{B84B1DCE-DD70-5840-A766-ADE0E79E6240}" type="slidenum">
               <a:rPr lang="en-US" smtClean="0"/>
-              <a:t>‹#›</a:t>
+              <a:t>‹N›</a:t>
             </a:fld>
             <a:endParaRPr lang="en-US"/>
           </a:p>
@@ -1295,7 +1295,7 @@
           <a:p>
             <a:fld id="{D400A843-E78D-45FE-BBE0-0DFBB922583B}" type="datetimeFigureOut">
               <a:rPr lang="it-IT" smtClean="0"/>
-              <a:t>08/12/17</a:t>
+              <a:t>11/12/2017</a:t>
             </a:fld>
             <a:endParaRPr lang="it-IT"/>
           </a:p>
@@ -1337,7 +1337,7 @@
           <a:p>
             <a:fld id="{1B29E90A-79A6-4357-BA0E-73A707E87A6D}" type="slidenum">
               <a:rPr lang="it-IT" smtClean="0"/>
-              <a:t>‹#›</a:t>
+              <a:t>‹N›</a:t>
             </a:fld>
             <a:endParaRPr lang="it-IT"/>
           </a:p>
@@ -1498,7 +1498,7 @@
           <a:p>
             <a:fld id="{D400A843-E78D-45FE-BBE0-0DFBB922583B}" type="datetimeFigureOut">
               <a:rPr lang="it-IT" smtClean="0"/>
-              <a:t>08/12/17</a:t>
+              <a:t>11/12/2017</a:t>
             </a:fld>
             <a:endParaRPr lang="it-IT"/>
           </a:p>
@@ -1540,7 +1540,7 @@
           <a:p>
             <a:fld id="{1B29E90A-79A6-4357-BA0E-73A707E87A6D}" type="slidenum">
               <a:rPr lang="it-IT" smtClean="0"/>
-              <a:t>‹#›</a:t>
+              <a:t>‹N›</a:t>
             </a:fld>
             <a:endParaRPr lang="it-IT"/>
           </a:p>
@@ -1749,7 +1749,7 @@
           <a:p>
             <a:fld id="{D400A843-E78D-45FE-BBE0-0DFBB922583B}" type="datetimeFigureOut">
               <a:rPr lang="it-IT" smtClean="0"/>
-              <a:t>08/12/17</a:t>
+              <a:t>11/12/2017</a:t>
             </a:fld>
             <a:endParaRPr lang="it-IT"/>
           </a:p>
@@ -1791,7 +1791,7 @@
           <a:p>
             <a:fld id="{1B29E90A-79A6-4357-BA0E-73A707E87A6D}" type="slidenum">
               <a:rPr lang="it-IT" smtClean="0"/>
-              <a:t>‹#›</a:t>
+              <a:t>‹N›</a:t>
             </a:fld>
             <a:endParaRPr lang="it-IT"/>
           </a:p>
@@ -1918,7 +1918,7 @@
           <a:p>
             <a:fld id="{D400A843-E78D-45FE-BBE0-0DFBB922583B}" type="datetimeFigureOut">
               <a:rPr lang="it-IT" smtClean="0"/>
-              <a:t>08/12/17</a:t>
+              <a:t>11/12/2017</a:t>
             </a:fld>
             <a:endParaRPr lang="it-IT"/>
           </a:p>
@@ -1960,7 +1960,7 @@
           <a:p>
             <a:fld id="{1B29E90A-79A6-4357-BA0E-73A707E87A6D}" type="slidenum">
               <a:rPr lang="it-IT" smtClean="0"/>
-              <a:t>‹#›</a:t>
+              <a:t>‹N›</a:t>
             </a:fld>
             <a:endParaRPr lang="it-IT"/>
           </a:p>
@@ -2256,7 +2256,7 @@
           <a:p>
             <a:fld id="{D400A843-E78D-45FE-BBE0-0DFBB922583B}" type="datetimeFigureOut">
               <a:rPr lang="it-IT" smtClean="0"/>
-              <a:t>08/12/17</a:t>
+              <a:t>11/12/2017</a:t>
             </a:fld>
             <a:endParaRPr lang="it-IT"/>
           </a:p>
@@ -2298,7 +2298,7 @@
           <a:p>
             <a:fld id="{1B29E90A-79A6-4357-BA0E-73A707E87A6D}" type="slidenum">
               <a:rPr lang="it-IT" smtClean="0"/>
-              <a:t>‹#›</a:t>
+              <a:t>‹N›</a:t>
             </a:fld>
             <a:endParaRPr lang="it-IT"/>
           </a:p>
@@ -2526,7 +2526,7 @@
           <a:p>
             <a:fld id="{D400A843-E78D-45FE-BBE0-0DFBB922583B}" type="datetimeFigureOut">
               <a:rPr lang="it-IT" smtClean="0"/>
-              <a:t>08/12/17</a:t>
+              <a:t>11/12/2017</a:t>
             </a:fld>
             <a:endParaRPr lang="it-IT"/>
           </a:p>
@@ -2568,7 +2568,7 @@
           <a:p>
             <a:fld id="{1B29E90A-79A6-4357-BA0E-73A707E87A6D}" type="slidenum">
               <a:rPr lang="it-IT" smtClean="0"/>
-              <a:t>‹#›</a:t>
+              <a:t>‹N›</a:t>
             </a:fld>
             <a:endParaRPr lang="it-IT"/>
           </a:p>
@@ -2900,7 +2900,7 @@
           <a:p>
             <a:fld id="{D400A843-E78D-45FE-BBE0-0DFBB922583B}" type="datetimeFigureOut">
               <a:rPr lang="it-IT" smtClean="0"/>
-              <a:t>08/12/17</a:t>
+              <a:t>11/12/2017</a:t>
             </a:fld>
             <a:endParaRPr lang="it-IT"/>
           </a:p>
@@ -2942,7 +2942,7 @@
           <a:p>
             <a:fld id="{1B29E90A-79A6-4357-BA0E-73A707E87A6D}" type="slidenum">
               <a:rPr lang="it-IT" smtClean="0"/>
-              <a:t>‹#›</a:t>
+              <a:t>‹N›</a:t>
             </a:fld>
             <a:endParaRPr lang="it-IT"/>
           </a:p>
@@ -3013,7 +3013,7 @@
           <a:p>
             <a:fld id="{D400A843-E78D-45FE-BBE0-0DFBB922583B}" type="datetimeFigureOut">
               <a:rPr lang="it-IT" smtClean="0"/>
-              <a:t>08/12/17</a:t>
+              <a:t>11/12/2017</a:t>
             </a:fld>
             <a:endParaRPr lang="it-IT"/>
           </a:p>
@@ -3055,7 +3055,7 @@
           <a:p>
             <a:fld id="{1B29E90A-79A6-4357-BA0E-73A707E87A6D}" type="slidenum">
               <a:rPr lang="it-IT" smtClean="0"/>
-              <a:t>‹#›</a:t>
+              <a:t>‹N›</a:t>
             </a:fld>
             <a:endParaRPr lang="it-IT"/>
           </a:p>
@@ -3179,7 +3179,7 @@
           <a:p>
             <a:fld id="{D400A843-E78D-45FE-BBE0-0DFBB922583B}" type="datetimeFigureOut">
               <a:rPr lang="it-IT" smtClean="0"/>
-              <a:t>08/12/17</a:t>
+              <a:t>11/12/2017</a:t>
             </a:fld>
             <a:endParaRPr lang="it-IT"/>
           </a:p>
@@ -3229,7 +3229,7 @@
           <a:p>
             <a:fld id="{1B29E90A-79A6-4357-BA0E-73A707E87A6D}" type="slidenum">
               <a:rPr lang="it-IT" smtClean="0"/>
-              <a:t>‹#›</a:t>
+              <a:t>‹N›</a:t>
             </a:fld>
             <a:endParaRPr lang="it-IT"/>
           </a:p>
@@ -3528,7 +3528,7 @@
           <a:p>
             <a:fld id="{D400A843-E78D-45FE-BBE0-0DFBB922583B}" type="datetimeFigureOut">
               <a:rPr lang="it-IT" smtClean="0"/>
-              <a:t>08/12/17</a:t>
+              <a:t>11/12/2017</a:t>
             </a:fld>
             <a:endParaRPr lang="it-IT"/>
           </a:p>
@@ -3591,7 +3591,7 @@
           <a:p>
             <a:fld id="{1B29E90A-79A6-4357-BA0E-73A707E87A6D}" type="slidenum">
               <a:rPr lang="it-IT" smtClean="0"/>
-              <a:t>‹#›</a:t>
+              <a:t>‹N›</a:t>
             </a:fld>
             <a:endParaRPr lang="it-IT"/>
           </a:p>
@@ -3902,7 +3902,7 @@
           <a:p>
             <a:fld id="{D400A843-E78D-45FE-BBE0-0DFBB922583B}" type="datetimeFigureOut">
               <a:rPr lang="it-IT" smtClean="0"/>
-              <a:t>08/12/17</a:t>
+              <a:t>11/12/2017</a:t>
             </a:fld>
             <a:endParaRPr lang="it-IT"/>
           </a:p>
@@ -3944,7 +3944,7 @@
           <a:p>
             <a:fld id="{1B29E90A-79A6-4357-BA0E-73A707E87A6D}" type="slidenum">
               <a:rPr lang="it-IT" smtClean="0"/>
-              <a:t>‹#›</a:t>
+              <a:t>‹N›</a:t>
             </a:fld>
             <a:endParaRPr lang="it-IT"/>
           </a:p>
@@ -4184,7 +4184,7 @@
           <a:p>
             <a:fld id="{D400A843-E78D-45FE-BBE0-0DFBB922583B}" type="datetimeFigureOut">
               <a:rPr lang="it-IT" smtClean="0"/>
-              <a:t>08/12/17</a:t>
+              <a:t>11/12/2017</a:t>
             </a:fld>
             <a:endParaRPr lang="it-IT"/>
           </a:p>
@@ -4258,7 +4258,7 @@
           <a:p>
             <a:fld id="{1B29E90A-79A6-4357-BA0E-73A707E87A6D}" type="slidenum">
               <a:rPr lang="it-IT" smtClean="0"/>
-              <a:t>‹#›</a:t>
+              <a:t>‹N›</a:t>
             </a:fld>
             <a:endParaRPr lang="it-IT"/>
           </a:p>
@@ -4793,7 +4793,7 @@
         <p:spPr>
           <a:xfrm>
             <a:off x="241264" y="5285678"/>
-            <a:ext cx="1803635" cy="923330"/>
+            <a:ext cx="2412840" cy="923330"/>
           </a:xfrm>
           <a:prstGeom prst="rect">
             <a:avLst/>
@@ -4807,16 +4807,10 @@
           <a:lstStyle/>
           <a:p>
             <a:r>
-              <a:rPr lang="it-IT" dirty="0">
-                <a:latin typeface="+mj-lt"/>
-              </a:rPr>
-              <a:t>Mario </a:t>
-            </a:r>
-            <a:r>
               <a:rPr lang="it-IT" dirty="0" smtClean="0">
                 <a:latin typeface="+mj-lt"/>
               </a:rPr>
-              <a:t>Baldi</a:t>
+              <a:t>Luigi Previdente</a:t>
             </a:r>
           </a:p>
           <a:p>
@@ -4824,7 +4818,7 @@
               <a:rPr lang="it-IT" dirty="0" smtClean="0">
                 <a:latin typeface="+mj-lt"/>
               </a:rPr>
-              <a:t>Luigi Previdente</a:t>
+              <a:t>Giuseppe Valletta </a:t>
             </a:r>
           </a:p>
           <a:p>
@@ -4832,7 +4826,155 @@
               <a:rPr lang="it-IT" dirty="0" smtClean="0">
                 <a:latin typeface="+mj-lt"/>
               </a:rPr>
-              <a:t>Giuseppe Valletta</a:t>
+              <a:t>Mario Baldi </a:t>
+            </a:r>
+            <a:r>
+              <a:rPr lang="it-IT" dirty="0"/>
+              <a:t>A18000260</a:t>
+            </a:r>
+            <a:endParaRPr lang="it-IT" sz="6600" spc="-50" dirty="0">
+              <a:solidFill>
+                <a:schemeClr val="tx1">
+                  <a:lumMod val="85000"/>
+                  <a:lumOff val="15000"/>
+                </a:schemeClr>
+              </a:solidFill>
+              <a:latin typeface="+mj-lt"/>
+              <a:ea typeface="+mj-ea"/>
+              <a:cs typeface="+mj-cs"/>
+            </a:endParaRPr>
+          </a:p>
+        </p:txBody>
+      </p:sp>
+      <p:pic>
+        <p:nvPicPr>
+          <p:cNvPr id="1028" name="Picture 4" descr="https://www.unina2.it/doc/img/logo_Luigi-Vanvitelli.png"/>
+          <p:cNvPicPr>
+            <a:picLocks noChangeAspect="1" noChangeArrowheads="1"/>
+          </p:cNvPicPr>
+          <p:nvPr/>
+        </p:nvPicPr>
+        <p:blipFill>
+          <a:blip r:embed="rId2" cstate="print">
+            <a:extLst>
+              <a:ext uri="{28A0092B-C50C-407E-A947-70E740481C1C}">
+                <a14:useLocalDpi xmlns:a14="http://schemas.microsoft.com/office/drawing/2010/main" val="0"/>
+              </a:ext>
+            </a:extLst>
+          </a:blip>
+          <a:srcRect/>
+          <a:stretch>
+            <a:fillRect/>
+          </a:stretch>
+        </p:blipFill>
+        <p:spPr bwMode="auto">
+          <a:xfrm>
+            <a:off x="139899" y="16321"/>
+            <a:ext cx="3874291" cy="1380925"/>
+          </a:xfrm>
+          <a:prstGeom prst="rect">
+            <a:avLst/>
+          </a:prstGeom>
+          <a:noFill/>
+          <a:extLst>
+            <a:ext uri="{909E8E84-426E-40DD-AFC4-6F175D3DCCD1}">
+              <a14:hiddenFill xmlns:a14="http://schemas.microsoft.com/office/drawing/2010/main">
+                <a:solidFill>
+                  <a:srgbClr val="FFFFFF"/>
+                </a:solidFill>
+              </a14:hiddenFill>
+            </a:ext>
+          </a:extLst>
+        </p:spPr>
+      </p:pic>
+      <p:sp>
+        <p:nvSpPr>
+          <p:cNvPr id="7" name="Titolo 1"/>
+          <p:cNvSpPr txBox="1">
+            <a:spLocks/>
+          </p:cNvSpPr>
+          <p:nvPr/>
+        </p:nvSpPr>
+        <p:spPr>
+          <a:xfrm>
+            <a:off x="9906000" y="139700"/>
+            <a:ext cx="2108200" cy="889000"/>
+          </a:xfrm>
+          <a:prstGeom prst="rect">
+            <a:avLst/>
+          </a:prstGeom>
+        </p:spPr>
+        <p:txBody>
+          <a:bodyPr vert="horz" lIns="91440" tIns="45720" rIns="91440" bIns="45720" rtlCol="0" anchor="b">
+            <a:normAutofit fontScale="92500" lnSpcReduction="10000"/>
+          </a:bodyPr>
+          <a:lstStyle>
+            <a:lvl1pPr algn="l" defTabSz="914400" rtl="0" eaLnBrk="1" latinLnBrk="0" hangingPunct="1">
+              <a:lnSpc>
+                <a:spcPct val="85000"/>
+              </a:lnSpc>
+              <a:spcBef>
+                <a:spcPct val="0"/>
+              </a:spcBef>
+              <a:buNone/>
+              <a:defRPr sz="8000" kern="1200" spc="-50" baseline="0">
+                <a:solidFill>
+                  <a:schemeClr val="tx1">
+                    <a:lumMod val="85000"/>
+                    <a:lumOff val="15000"/>
+                  </a:schemeClr>
+                </a:solidFill>
+                <a:latin typeface="+mj-lt"/>
+                <a:ea typeface="+mj-ea"/>
+                <a:cs typeface="+mj-cs"/>
+              </a:defRPr>
+            </a:lvl1pPr>
+          </a:lstStyle>
+          <a:p>
+            <a:pPr algn="ctr"/>
+            <a:r>
+              <a:rPr lang="it-IT" sz="1800" dirty="0"/>
+              <a:t>DIPARTIMENTO DI INGEGNERIA INDUSTRIALE E DELL'INFORMAZIONE</a:t>
+            </a:r>
+            <a:endParaRPr lang="it-IT" sz="1800" dirty="0"/>
+          </a:p>
+        </p:txBody>
+      </p:sp>
+      <p:sp>
+        <p:nvSpPr>
+          <p:cNvPr id="8" name="TextBox 4"/>
+          <p:cNvSpPr txBox="1"/>
+          <p:nvPr/>
+        </p:nvSpPr>
+        <p:spPr>
+          <a:xfrm>
+            <a:off x="10060975" y="5421086"/>
+            <a:ext cx="1798249" cy="646331"/>
+          </a:xfrm>
+          <a:prstGeom prst="rect">
+            <a:avLst/>
+          </a:prstGeom>
+          <a:noFill/>
+        </p:spPr>
+        <p:txBody>
+          <a:bodyPr wrap="none" rtlCol="0">
+            <a:spAutoFit/>
+          </a:bodyPr>
+          <a:lstStyle/>
+          <a:p>
+            <a:r>
+              <a:rPr lang="it-IT" dirty="0" smtClean="0">
+                <a:latin typeface="+mj-lt"/>
+              </a:rPr>
+              <a:t>Ch.mo Prof. </a:t>
+            </a:r>
+          </a:p>
+          <a:p>
+            <a:r>
+              <a:rPr lang="it-IT" dirty="0" smtClean="0">
+                <a:latin typeface="+mj-lt"/>
+              </a:rPr>
+              <a:t>Raffaele Martone</a:t>
             </a:r>
             <a:endParaRPr lang="it-IT" sz="6600" spc="-50" dirty="0">
               <a:solidFill>
@@ -4925,8 +5067,8 @@
         </p:nvSpPr>
         <p:spPr>
           <a:xfrm>
-            <a:off x="1097280" y="1737360"/>
-            <a:ext cx="10058400" cy="4674419"/>
+            <a:off x="2971800" y="1737360"/>
+            <a:ext cx="8183880" cy="4674419"/>
           </a:xfrm>
         </p:spPr>
         <p:txBody>
@@ -5527,6 +5669,474 @@
               <a:t>tridimensionale</a:t>
             </a:r>
             <a:endParaRPr lang="it-IT" dirty="0"/>
+          </a:p>
+        </p:txBody>
+      </p:sp>
+      <p:sp>
+        <p:nvSpPr>
+          <p:cNvPr id="4" name="Segnaposto contenuto 2"/>
+          <p:cNvSpPr txBox="1">
+            <a:spLocks/>
+          </p:cNvSpPr>
+          <p:nvPr/>
+        </p:nvSpPr>
+        <p:spPr>
+          <a:xfrm>
+            <a:off x="119313" y="1834632"/>
+            <a:ext cx="2750820" cy="4375668"/>
+          </a:xfrm>
+          <a:prstGeom prst="rect">
+            <a:avLst/>
+          </a:prstGeom>
+          <a:solidFill>
+            <a:schemeClr val="accent1">
+              <a:lumMod val="20000"/>
+              <a:lumOff val="80000"/>
+            </a:schemeClr>
+          </a:solidFill>
+        </p:spPr>
+        <p:txBody>
+          <a:bodyPr vert="horz" lIns="0" tIns="45720" rIns="0" bIns="45720" rtlCol="0">
+            <a:normAutofit fontScale="85000" lnSpcReduction="10000"/>
+          </a:bodyPr>
+          <a:lstStyle>
+            <a:lvl1pPr marL="91440" indent="-91440" algn="l" defTabSz="914400" rtl="0" eaLnBrk="1" latinLnBrk="0" hangingPunct="1">
+              <a:lnSpc>
+                <a:spcPct val="90000"/>
+              </a:lnSpc>
+              <a:spcBef>
+                <a:spcPts val="1200"/>
+              </a:spcBef>
+              <a:spcAft>
+                <a:spcPts val="200"/>
+              </a:spcAft>
+              <a:buClr>
+                <a:schemeClr val="accent1"/>
+              </a:buClr>
+              <a:buSzPct val="100000"/>
+              <a:buFont typeface="Calibri" panose="020F0502020204030204" pitchFamily="34" charset="0"/>
+              <a:buChar char=" "/>
+              <a:defRPr sz="2000" kern="1200">
+                <a:solidFill>
+                  <a:schemeClr val="tx1">
+                    <a:lumMod val="75000"/>
+                    <a:lumOff val="25000"/>
+                  </a:schemeClr>
+                </a:solidFill>
+                <a:latin typeface="+mn-lt"/>
+                <a:ea typeface="+mn-ea"/>
+                <a:cs typeface="+mn-cs"/>
+              </a:defRPr>
+            </a:lvl1pPr>
+            <a:lvl2pPr marL="384048" indent="-182880" algn="l" defTabSz="914400" rtl="0" eaLnBrk="1" latinLnBrk="0" hangingPunct="1">
+              <a:lnSpc>
+                <a:spcPct val="90000"/>
+              </a:lnSpc>
+              <a:spcBef>
+                <a:spcPts val="200"/>
+              </a:spcBef>
+              <a:spcAft>
+                <a:spcPts val="400"/>
+              </a:spcAft>
+              <a:buClr>
+                <a:schemeClr val="accent1"/>
+              </a:buClr>
+              <a:buFont typeface="Calibri" pitchFamily="34" charset="0"/>
+              <a:buChar char="◦"/>
+              <a:defRPr sz="1800" kern="1200">
+                <a:solidFill>
+                  <a:schemeClr val="tx1">
+                    <a:lumMod val="75000"/>
+                    <a:lumOff val="25000"/>
+                  </a:schemeClr>
+                </a:solidFill>
+                <a:latin typeface="+mn-lt"/>
+                <a:ea typeface="+mn-ea"/>
+                <a:cs typeface="+mn-cs"/>
+              </a:defRPr>
+            </a:lvl2pPr>
+            <a:lvl3pPr marL="566928" indent="-182880" algn="l" defTabSz="914400" rtl="0" eaLnBrk="1" latinLnBrk="0" hangingPunct="1">
+              <a:lnSpc>
+                <a:spcPct val="90000"/>
+              </a:lnSpc>
+              <a:spcBef>
+                <a:spcPts val="200"/>
+              </a:spcBef>
+              <a:spcAft>
+                <a:spcPts val="400"/>
+              </a:spcAft>
+              <a:buClr>
+                <a:schemeClr val="accent1"/>
+              </a:buClr>
+              <a:buFont typeface="Calibri" pitchFamily="34" charset="0"/>
+              <a:buChar char="◦"/>
+              <a:defRPr sz="1400" kern="1200">
+                <a:solidFill>
+                  <a:schemeClr val="tx1">
+                    <a:lumMod val="75000"/>
+                    <a:lumOff val="25000"/>
+                  </a:schemeClr>
+                </a:solidFill>
+                <a:latin typeface="+mn-lt"/>
+                <a:ea typeface="+mn-ea"/>
+                <a:cs typeface="+mn-cs"/>
+              </a:defRPr>
+            </a:lvl3pPr>
+            <a:lvl4pPr marL="749808" indent="-182880" algn="l" defTabSz="914400" rtl="0" eaLnBrk="1" latinLnBrk="0" hangingPunct="1">
+              <a:lnSpc>
+                <a:spcPct val="90000"/>
+              </a:lnSpc>
+              <a:spcBef>
+                <a:spcPts val="200"/>
+              </a:spcBef>
+              <a:spcAft>
+                <a:spcPts val="400"/>
+              </a:spcAft>
+              <a:buClr>
+                <a:schemeClr val="accent1"/>
+              </a:buClr>
+              <a:buFont typeface="Calibri" pitchFamily="34" charset="0"/>
+              <a:buChar char="◦"/>
+              <a:defRPr sz="1400" kern="1200">
+                <a:solidFill>
+                  <a:schemeClr val="tx1">
+                    <a:lumMod val="75000"/>
+                    <a:lumOff val="25000"/>
+                  </a:schemeClr>
+                </a:solidFill>
+                <a:latin typeface="+mn-lt"/>
+                <a:ea typeface="+mn-ea"/>
+                <a:cs typeface="+mn-cs"/>
+              </a:defRPr>
+            </a:lvl4pPr>
+            <a:lvl5pPr marL="932688" indent="-182880" algn="l" defTabSz="914400" rtl="0" eaLnBrk="1" latinLnBrk="0" hangingPunct="1">
+              <a:lnSpc>
+                <a:spcPct val="90000"/>
+              </a:lnSpc>
+              <a:spcBef>
+                <a:spcPts val="200"/>
+              </a:spcBef>
+              <a:spcAft>
+                <a:spcPts val="400"/>
+              </a:spcAft>
+              <a:buClr>
+                <a:schemeClr val="accent1"/>
+              </a:buClr>
+              <a:buFont typeface="Calibri" pitchFamily="34" charset="0"/>
+              <a:buChar char="◦"/>
+              <a:defRPr sz="1400" kern="1200">
+                <a:solidFill>
+                  <a:schemeClr val="tx1">
+                    <a:lumMod val="75000"/>
+                    <a:lumOff val="25000"/>
+                  </a:schemeClr>
+                </a:solidFill>
+                <a:latin typeface="+mn-lt"/>
+                <a:ea typeface="+mn-ea"/>
+                <a:cs typeface="+mn-cs"/>
+              </a:defRPr>
+            </a:lvl5pPr>
+            <a:lvl6pPr marL="1100000" indent="-228600" algn="l" defTabSz="914400" rtl="0" eaLnBrk="1" latinLnBrk="0" hangingPunct="1">
+              <a:lnSpc>
+                <a:spcPct val="90000"/>
+              </a:lnSpc>
+              <a:spcBef>
+                <a:spcPts val="200"/>
+              </a:spcBef>
+              <a:spcAft>
+                <a:spcPts val="400"/>
+              </a:spcAft>
+              <a:buClr>
+                <a:schemeClr val="accent1"/>
+              </a:buClr>
+              <a:buFont typeface="Calibri" pitchFamily="34" charset="0"/>
+              <a:buChar char="◦"/>
+              <a:defRPr sz="1400" kern="1200">
+                <a:solidFill>
+                  <a:schemeClr val="tx1">
+                    <a:lumMod val="75000"/>
+                    <a:lumOff val="25000"/>
+                  </a:schemeClr>
+                </a:solidFill>
+                <a:latin typeface="+mn-lt"/>
+                <a:ea typeface="+mn-ea"/>
+                <a:cs typeface="+mn-cs"/>
+              </a:defRPr>
+            </a:lvl6pPr>
+            <a:lvl7pPr marL="1300000" indent="-228600" algn="l" defTabSz="914400" rtl="0" eaLnBrk="1" latinLnBrk="0" hangingPunct="1">
+              <a:lnSpc>
+                <a:spcPct val="90000"/>
+              </a:lnSpc>
+              <a:spcBef>
+                <a:spcPts val="200"/>
+              </a:spcBef>
+              <a:spcAft>
+                <a:spcPts val="400"/>
+              </a:spcAft>
+              <a:buClr>
+                <a:schemeClr val="accent1"/>
+              </a:buClr>
+              <a:buFont typeface="Calibri" pitchFamily="34" charset="0"/>
+              <a:buChar char="◦"/>
+              <a:defRPr sz="1400" kern="1200">
+                <a:solidFill>
+                  <a:schemeClr val="tx1">
+                    <a:lumMod val="75000"/>
+                    <a:lumOff val="25000"/>
+                  </a:schemeClr>
+                </a:solidFill>
+                <a:latin typeface="+mn-lt"/>
+                <a:ea typeface="+mn-ea"/>
+                <a:cs typeface="+mn-cs"/>
+              </a:defRPr>
+            </a:lvl7pPr>
+            <a:lvl8pPr marL="1500000" indent="-228600" algn="l" defTabSz="914400" rtl="0" eaLnBrk="1" latinLnBrk="0" hangingPunct="1">
+              <a:lnSpc>
+                <a:spcPct val="90000"/>
+              </a:lnSpc>
+              <a:spcBef>
+                <a:spcPts val="200"/>
+              </a:spcBef>
+              <a:spcAft>
+                <a:spcPts val="400"/>
+              </a:spcAft>
+              <a:buClr>
+                <a:schemeClr val="accent1"/>
+              </a:buClr>
+              <a:buFont typeface="Calibri" pitchFamily="34" charset="0"/>
+              <a:buChar char="◦"/>
+              <a:defRPr sz="1400" kern="1200">
+                <a:solidFill>
+                  <a:schemeClr val="tx1">
+                    <a:lumMod val="75000"/>
+                    <a:lumOff val="25000"/>
+                  </a:schemeClr>
+                </a:solidFill>
+                <a:latin typeface="+mn-lt"/>
+                <a:ea typeface="+mn-ea"/>
+                <a:cs typeface="+mn-cs"/>
+              </a:defRPr>
+            </a:lvl8pPr>
+            <a:lvl9pPr marL="1700000" indent="-228600" algn="l" defTabSz="914400" rtl="0" eaLnBrk="1" latinLnBrk="0" hangingPunct="1">
+              <a:lnSpc>
+                <a:spcPct val="90000"/>
+              </a:lnSpc>
+              <a:spcBef>
+                <a:spcPts val="200"/>
+              </a:spcBef>
+              <a:spcAft>
+                <a:spcPts val="400"/>
+              </a:spcAft>
+              <a:buClr>
+                <a:schemeClr val="accent1"/>
+              </a:buClr>
+              <a:buFont typeface="Calibri" pitchFamily="34" charset="0"/>
+              <a:buChar char="◦"/>
+              <a:defRPr sz="1400" kern="1200">
+                <a:solidFill>
+                  <a:schemeClr val="tx1">
+                    <a:lumMod val="75000"/>
+                    <a:lumOff val="25000"/>
+                  </a:schemeClr>
+                </a:solidFill>
+                <a:latin typeface="+mn-lt"/>
+                <a:ea typeface="+mn-ea"/>
+                <a:cs typeface="+mn-cs"/>
+              </a:defRPr>
+            </a:lvl9pPr>
+          </a:lstStyle>
+          <a:p>
+            <a:pPr>
+              <a:buFont typeface="Arial" panose="020B0604020202020204" pitchFamily="34" charset="0"/>
+              <a:buChar char="•"/>
+            </a:pPr>
+            <a:r>
+              <a:rPr lang="it-IT" dirty="0" smtClean="0">
+                <a:solidFill>
+                  <a:schemeClr val="tx1"/>
+                </a:solidFill>
+              </a:rPr>
+              <a:t> 1. Introduzione al problema</a:t>
+            </a:r>
+          </a:p>
+          <a:p>
+            <a:pPr>
+              <a:buFont typeface="Arial" panose="020B0604020202020204" pitchFamily="34" charset="0"/>
+              <a:buChar char="•"/>
+            </a:pPr>
+            <a:r>
+              <a:rPr lang="it-IT" dirty="0" smtClean="0">
+                <a:solidFill>
+                  <a:schemeClr val="tx1"/>
+                </a:solidFill>
+              </a:rPr>
+              <a:t> 2 Modello del problema</a:t>
+            </a:r>
+          </a:p>
+          <a:p>
+            <a:pPr lvl="1">
+              <a:buFont typeface="Arial" panose="020B0604020202020204" pitchFamily="34" charset="0"/>
+              <a:buChar char="•"/>
+            </a:pPr>
+            <a:r>
+              <a:rPr lang="it-IT" dirty="0" smtClean="0">
+                <a:solidFill>
+                  <a:schemeClr val="tx1"/>
+                </a:solidFill>
+              </a:rPr>
+              <a:t> 2.1 Formule matematiche</a:t>
+            </a:r>
+          </a:p>
+          <a:p>
+            <a:pPr lvl="1">
+              <a:buFont typeface="Arial" panose="020B0604020202020204" pitchFamily="34" charset="0"/>
+              <a:buChar char="•"/>
+            </a:pPr>
+            <a:r>
+              <a:rPr lang="it-IT" dirty="0" smtClean="0">
+                <a:solidFill>
+                  <a:schemeClr val="tx1"/>
+                </a:solidFill>
+              </a:rPr>
+              <a:t> 2.2 Funzione di costo</a:t>
+            </a:r>
+          </a:p>
+          <a:p>
+            <a:pPr>
+              <a:buFont typeface="Arial" panose="020B0604020202020204" pitchFamily="34" charset="0"/>
+              <a:buChar char="•"/>
+            </a:pPr>
+            <a:r>
+              <a:rPr lang="it-IT" dirty="0" smtClean="0">
+                <a:solidFill>
+                  <a:schemeClr val="tx1"/>
+                </a:solidFill>
+              </a:rPr>
+              <a:t> 3 Algoritmo ed implementazione</a:t>
+            </a:r>
+          </a:p>
+          <a:p>
+            <a:pPr lvl="1">
+              <a:buFont typeface="Arial" panose="020B0604020202020204" pitchFamily="34" charset="0"/>
+              <a:buChar char="•"/>
+            </a:pPr>
+            <a:r>
+              <a:rPr lang="it-IT" dirty="0" smtClean="0">
+                <a:solidFill>
+                  <a:schemeClr val="tx1"/>
+                </a:solidFill>
+              </a:rPr>
+              <a:t> 3.1 UML</a:t>
+            </a:r>
+          </a:p>
+          <a:p>
+            <a:pPr lvl="1">
+              <a:buFont typeface="Arial" panose="020B0604020202020204" pitchFamily="34" charset="0"/>
+              <a:buChar char="•"/>
+            </a:pPr>
+            <a:r>
+              <a:rPr lang="it-IT" dirty="0" smtClean="0">
+                <a:solidFill>
+                  <a:schemeClr val="tx1"/>
+                </a:solidFill>
+              </a:rPr>
+              <a:t> 3.2 Parametri iniziali</a:t>
+            </a:r>
+          </a:p>
+          <a:p>
+            <a:pPr lvl="1">
+              <a:buFont typeface="Arial" panose="020B0604020202020204" pitchFamily="34" charset="0"/>
+              <a:buChar char="•"/>
+            </a:pPr>
+            <a:r>
+              <a:rPr lang="it-IT" dirty="0" smtClean="0">
+                <a:solidFill>
+                  <a:schemeClr val="tx1"/>
+                </a:solidFill>
+              </a:rPr>
+              <a:t> 3.3 Condizioni di arresto</a:t>
+            </a:r>
+          </a:p>
+          <a:p>
+            <a:pPr>
+              <a:buFont typeface="Arial" panose="020B0604020202020204" pitchFamily="34" charset="0"/>
+              <a:buChar char="•"/>
+            </a:pPr>
+            <a:r>
+              <a:rPr lang="it-IT" dirty="0" smtClean="0">
+                <a:solidFill>
+                  <a:schemeClr val="tx1"/>
+                </a:solidFill>
+              </a:rPr>
+              <a:t> 4 Risultati</a:t>
+            </a:r>
+          </a:p>
+          <a:p>
+            <a:pPr lvl="1">
+              <a:buFont typeface="Arial" panose="020B0604020202020204" pitchFamily="34" charset="0"/>
+              <a:buChar char="•"/>
+            </a:pPr>
+            <a:r>
+              <a:rPr lang="it-IT" dirty="0" smtClean="0">
+                <a:solidFill>
+                  <a:schemeClr val="tx1"/>
+                </a:solidFill>
+              </a:rPr>
+              <a:t> 4.1 Identificazione non vincolata</a:t>
+            </a:r>
+          </a:p>
+          <a:p>
+            <a:pPr lvl="1">
+              <a:buFont typeface="Arial" panose="020B0604020202020204" pitchFamily="34" charset="0"/>
+              <a:buChar char="•"/>
+            </a:pPr>
+            <a:r>
+              <a:rPr lang="it-IT" dirty="0" smtClean="0">
+                <a:solidFill>
+                  <a:schemeClr val="tx1"/>
+                </a:solidFill>
+              </a:rPr>
+              <a:t> 4.2 Identificazione vincolata</a:t>
+            </a:r>
+          </a:p>
+          <a:p>
+            <a:pPr lvl="1">
+              <a:buFont typeface="Arial" panose="020B0604020202020204" pitchFamily="34" charset="0"/>
+              <a:buChar char="•"/>
+            </a:pPr>
+            <a:r>
+              <a:rPr lang="it-IT" dirty="0" smtClean="0">
+                <a:solidFill>
+                  <a:schemeClr val="tx1"/>
+                </a:solidFill>
+              </a:rPr>
+              <a:t> 4.3 Crimine inverso</a:t>
+            </a:r>
+          </a:p>
+          <a:p>
+            <a:pPr>
+              <a:buFont typeface="Arial" panose="020B0604020202020204" pitchFamily="34" charset="0"/>
+              <a:buChar char="•"/>
+            </a:pPr>
+            <a:r>
+              <a:rPr lang="it-IT" dirty="0" smtClean="0">
+                <a:solidFill>
+                  <a:schemeClr val="tx1"/>
+                </a:solidFill>
+              </a:rPr>
+              <a:t> 5 Considerazioni</a:t>
+            </a:r>
+          </a:p>
+          <a:p>
+            <a:pPr>
+              <a:buFont typeface="Arial" panose="020B0604020202020204" pitchFamily="34" charset="0"/>
+              <a:buChar char="•"/>
+            </a:pPr>
+            <a:endParaRPr lang="it-IT" dirty="0">
+              <a:solidFill>
+                <a:schemeClr val="tx1"/>
+              </a:solidFill>
+            </a:endParaRPr>
           </a:p>
         </p:txBody>
       </p:sp>
@@ -5597,49 +6207,6 @@
       </p:sp>
       <p:sp>
         <p:nvSpPr>
-          <p:cNvPr id="5" name="Rettangolo 4"/>
-          <p:cNvSpPr/>
-          <p:nvPr/>
-        </p:nvSpPr>
-        <p:spPr>
-          <a:xfrm>
-            <a:off x="770709" y="1541417"/>
-            <a:ext cx="10802982" cy="548640"/>
-          </a:xfrm>
-          <a:prstGeom prst="rect">
-            <a:avLst/>
-          </a:prstGeom>
-          <a:ln>
-            <a:solidFill>
-              <a:schemeClr val="bg1"/>
-            </a:solidFill>
-          </a:ln>
-        </p:spPr>
-        <p:style>
-          <a:lnRef idx="2">
-            <a:schemeClr val="dk1"/>
-          </a:lnRef>
-          <a:fillRef idx="1">
-            <a:schemeClr val="lt1"/>
-          </a:fillRef>
-          <a:effectRef idx="0">
-            <a:schemeClr val="dk1"/>
-          </a:effectRef>
-          <a:fontRef idx="minor">
-            <a:schemeClr val="dk1"/>
-          </a:fontRef>
-        </p:style>
-        <p:txBody>
-          <a:bodyPr rtlCol="0" anchor="ctr"/>
-          <a:lstStyle/>
-          <a:p>
-            <a:pPr algn="ctr"/>
-            <a:endParaRPr lang="it-IT"/>
-          </a:p>
-        </p:txBody>
-      </p:sp>
-      <p:sp>
-        <p:nvSpPr>
           <p:cNvPr id="3" name="Segnaposto contenuto 2"/>
           <p:cNvSpPr>
             <a:spLocks noGrp="1"/>
@@ -5650,13 +6217,13 @@
         </p:nvSpPr>
         <p:spPr>
           <a:xfrm>
-            <a:off x="1149531" y="1214846"/>
-            <a:ext cx="10006149" cy="4911634"/>
+            <a:off x="3048000" y="1834632"/>
+            <a:ext cx="8107680" cy="4291848"/>
           </a:xfrm>
         </p:spPr>
         <p:txBody>
           <a:bodyPr>
-            <a:normAutofit fontScale="92500" lnSpcReduction="20000"/>
+            <a:normAutofit fontScale="77500" lnSpcReduction="20000"/>
           </a:bodyPr>
           <a:lstStyle/>
           <a:p>
@@ -5842,6 +6409,474 @@
               <a:buChar char="•"/>
             </a:pPr>
             <a:endParaRPr lang="it-IT" dirty="0" smtClean="0"/>
+          </a:p>
+        </p:txBody>
+      </p:sp>
+      <p:sp>
+        <p:nvSpPr>
+          <p:cNvPr id="6" name="Segnaposto contenuto 2"/>
+          <p:cNvSpPr txBox="1">
+            <a:spLocks/>
+          </p:cNvSpPr>
+          <p:nvPr/>
+        </p:nvSpPr>
+        <p:spPr>
+          <a:xfrm>
+            <a:off x="119313" y="1834632"/>
+            <a:ext cx="2750820" cy="4401068"/>
+          </a:xfrm>
+          <a:prstGeom prst="rect">
+            <a:avLst/>
+          </a:prstGeom>
+          <a:solidFill>
+            <a:schemeClr val="accent1">
+              <a:lumMod val="20000"/>
+              <a:lumOff val="80000"/>
+            </a:schemeClr>
+          </a:solidFill>
+        </p:spPr>
+        <p:txBody>
+          <a:bodyPr vert="horz" lIns="0" tIns="45720" rIns="0" bIns="45720" rtlCol="0">
+            <a:normAutofit fontScale="85000" lnSpcReduction="10000"/>
+          </a:bodyPr>
+          <a:lstStyle>
+            <a:lvl1pPr marL="91440" indent="-91440" algn="l" defTabSz="914400" rtl="0" eaLnBrk="1" latinLnBrk="0" hangingPunct="1">
+              <a:lnSpc>
+                <a:spcPct val="90000"/>
+              </a:lnSpc>
+              <a:spcBef>
+                <a:spcPts val="1200"/>
+              </a:spcBef>
+              <a:spcAft>
+                <a:spcPts val="200"/>
+              </a:spcAft>
+              <a:buClr>
+                <a:schemeClr val="accent1"/>
+              </a:buClr>
+              <a:buSzPct val="100000"/>
+              <a:buFont typeface="Calibri" panose="020F0502020204030204" pitchFamily="34" charset="0"/>
+              <a:buChar char=" "/>
+              <a:defRPr sz="2000" kern="1200">
+                <a:solidFill>
+                  <a:schemeClr val="tx1">
+                    <a:lumMod val="75000"/>
+                    <a:lumOff val="25000"/>
+                  </a:schemeClr>
+                </a:solidFill>
+                <a:latin typeface="+mn-lt"/>
+                <a:ea typeface="+mn-ea"/>
+                <a:cs typeface="+mn-cs"/>
+              </a:defRPr>
+            </a:lvl1pPr>
+            <a:lvl2pPr marL="384048" indent="-182880" algn="l" defTabSz="914400" rtl="0" eaLnBrk="1" latinLnBrk="0" hangingPunct="1">
+              <a:lnSpc>
+                <a:spcPct val="90000"/>
+              </a:lnSpc>
+              <a:spcBef>
+                <a:spcPts val="200"/>
+              </a:spcBef>
+              <a:spcAft>
+                <a:spcPts val="400"/>
+              </a:spcAft>
+              <a:buClr>
+                <a:schemeClr val="accent1"/>
+              </a:buClr>
+              <a:buFont typeface="Calibri" pitchFamily="34" charset="0"/>
+              <a:buChar char="◦"/>
+              <a:defRPr sz="1800" kern="1200">
+                <a:solidFill>
+                  <a:schemeClr val="tx1">
+                    <a:lumMod val="75000"/>
+                    <a:lumOff val="25000"/>
+                  </a:schemeClr>
+                </a:solidFill>
+                <a:latin typeface="+mn-lt"/>
+                <a:ea typeface="+mn-ea"/>
+                <a:cs typeface="+mn-cs"/>
+              </a:defRPr>
+            </a:lvl2pPr>
+            <a:lvl3pPr marL="566928" indent="-182880" algn="l" defTabSz="914400" rtl="0" eaLnBrk="1" latinLnBrk="0" hangingPunct="1">
+              <a:lnSpc>
+                <a:spcPct val="90000"/>
+              </a:lnSpc>
+              <a:spcBef>
+                <a:spcPts val="200"/>
+              </a:spcBef>
+              <a:spcAft>
+                <a:spcPts val="400"/>
+              </a:spcAft>
+              <a:buClr>
+                <a:schemeClr val="accent1"/>
+              </a:buClr>
+              <a:buFont typeface="Calibri" pitchFamily="34" charset="0"/>
+              <a:buChar char="◦"/>
+              <a:defRPr sz="1400" kern="1200">
+                <a:solidFill>
+                  <a:schemeClr val="tx1">
+                    <a:lumMod val="75000"/>
+                    <a:lumOff val="25000"/>
+                  </a:schemeClr>
+                </a:solidFill>
+                <a:latin typeface="+mn-lt"/>
+                <a:ea typeface="+mn-ea"/>
+                <a:cs typeface="+mn-cs"/>
+              </a:defRPr>
+            </a:lvl3pPr>
+            <a:lvl4pPr marL="749808" indent="-182880" algn="l" defTabSz="914400" rtl="0" eaLnBrk="1" latinLnBrk="0" hangingPunct="1">
+              <a:lnSpc>
+                <a:spcPct val="90000"/>
+              </a:lnSpc>
+              <a:spcBef>
+                <a:spcPts val="200"/>
+              </a:spcBef>
+              <a:spcAft>
+                <a:spcPts val="400"/>
+              </a:spcAft>
+              <a:buClr>
+                <a:schemeClr val="accent1"/>
+              </a:buClr>
+              <a:buFont typeface="Calibri" pitchFamily="34" charset="0"/>
+              <a:buChar char="◦"/>
+              <a:defRPr sz="1400" kern="1200">
+                <a:solidFill>
+                  <a:schemeClr val="tx1">
+                    <a:lumMod val="75000"/>
+                    <a:lumOff val="25000"/>
+                  </a:schemeClr>
+                </a:solidFill>
+                <a:latin typeface="+mn-lt"/>
+                <a:ea typeface="+mn-ea"/>
+                <a:cs typeface="+mn-cs"/>
+              </a:defRPr>
+            </a:lvl4pPr>
+            <a:lvl5pPr marL="932688" indent="-182880" algn="l" defTabSz="914400" rtl="0" eaLnBrk="1" latinLnBrk="0" hangingPunct="1">
+              <a:lnSpc>
+                <a:spcPct val="90000"/>
+              </a:lnSpc>
+              <a:spcBef>
+                <a:spcPts val="200"/>
+              </a:spcBef>
+              <a:spcAft>
+                <a:spcPts val="400"/>
+              </a:spcAft>
+              <a:buClr>
+                <a:schemeClr val="accent1"/>
+              </a:buClr>
+              <a:buFont typeface="Calibri" pitchFamily="34" charset="0"/>
+              <a:buChar char="◦"/>
+              <a:defRPr sz="1400" kern="1200">
+                <a:solidFill>
+                  <a:schemeClr val="tx1">
+                    <a:lumMod val="75000"/>
+                    <a:lumOff val="25000"/>
+                  </a:schemeClr>
+                </a:solidFill>
+                <a:latin typeface="+mn-lt"/>
+                <a:ea typeface="+mn-ea"/>
+                <a:cs typeface="+mn-cs"/>
+              </a:defRPr>
+            </a:lvl5pPr>
+            <a:lvl6pPr marL="1100000" indent="-228600" algn="l" defTabSz="914400" rtl="0" eaLnBrk="1" latinLnBrk="0" hangingPunct="1">
+              <a:lnSpc>
+                <a:spcPct val="90000"/>
+              </a:lnSpc>
+              <a:spcBef>
+                <a:spcPts val="200"/>
+              </a:spcBef>
+              <a:spcAft>
+                <a:spcPts val="400"/>
+              </a:spcAft>
+              <a:buClr>
+                <a:schemeClr val="accent1"/>
+              </a:buClr>
+              <a:buFont typeface="Calibri" pitchFamily="34" charset="0"/>
+              <a:buChar char="◦"/>
+              <a:defRPr sz="1400" kern="1200">
+                <a:solidFill>
+                  <a:schemeClr val="tx1">
+                    <a:lumMod val="75000"/>
+                    <a:lumOff val="25000"/>
+                  </a:schemeClr>
+                </a:solidFill>
+                <a:latin typeface="+mn-lt"/>
+                <a:ea typeface="+mn-ea"/>
+                <a:cs typeface="+mn-cs"/>
+              </a:defRPr>
+            </a:lvl6pPr>
+            <a:lvl7pPr marL="1300000" indent="-228600" algn="l" defTabSz="914400" rtl="0" eaLnBrk="1" latinLnBrk="0" hangingPunct="1">
+              <a:lnSpc>
+                <a:spcPct val="90000"/>
+              </a:lnSpc>
+              <a:spcBef>
+                <a:spcPts val="200"/>
+              </a:spcBef>
+              <a:spcAft>
+                <a:spcPts val="400"/>
+              </a:spcAft>
+              <a:buClr>
+                <a:schemeClr val="accent1"/>
+              </a:buClr>
+              <a:buFont typeface="Calibri" pitchFamily="34" charset="0"/>
+              <a:buChar char="◦"/>
+              <a:defRPr sz="1400" kern="1200">
+                <a:solidFill>
+                  <a:schemeClr val="tx1">
+                    <a:lumMod val="75000"/>
+                    <a:lumOff val="25000"/>
+                  </a:schemeClr>
+                </a:solidFill>
+                <a:latin typeface="+mn-lt"/>
+                <a:ea typeface="+mn-ea"/>
+                <a:cs typeface="+mn-cs"/>
+              </a:defRPr>
+            </a:lvl7pPr>
+            <a:lvl8pPr marL="1500000" indent="-228600" algn="l" defTabSz="914400" rtl="0" eaLnBrk="1" latinLnBrk="0" hangingPunct="1">
+              <a:lnSpc>
+                <a:spcPct val="90000"/>
+              </a:lnSpc>
+              <a:spcBef>
+                <a:spcPts val="200"/>
+              </a:spcBef>
+              <a:spcAft>
+                <a:spcPts val="400"/>
+              </a:spcAft>
+              <a:buClr>
+                <a:schemeClr val="accent1"/>
+              </a:buClr>
+              <a:buFont typeface="Calibri" pitchFamily="34" charset="0"/>
+              <a:buChar char="◦"/>
+              <a:defRPr sz="1400" kern="1200">
+                <a:solidFill>
+                  <a:schemeClr val="tx1">
+                    <a:lumMod val="75000"/>
+                    <a:lumOff val="25000"/>
+                  </a:schemeClr>
+                </a:solidFill>
+                <a:latin typeface="+mn-lt"/>
+                <a:ea typeface="+mn-ea"/>
+                <a:cs typeface="+mn-cs"/>
+              </a:defRPr>
+            </a:lvl8pPr>
+            <a:lvl9pPr marL="1700000" indent="-228600" algn="l" defTabSz="914400" rtl="0" eaLnBrk="1" latinLnBrk="0" hangingPunct="1">
+              <a:lnSpc>
+                <a:spcPct val="90000"/>
+              </a:lnSpc>
+              <a:spcBef>
+                <a:spcPts val="200"/>
+              </a:spcBef>
+              <a:spcAft>
+                <a:spcPts val="400"/>
+              </a:spcAft>
+              <a:buClr>
+                <a:schemeClr val="accent1"/>
+              </a:buClr>
+              <a:buFont typeface="Calibri" pitchFamily="34" charset="0"/>
+              <a:buChar char="◦"/>
+              <a:defRPr sz="1400" kern="1200">
+                <a:solidFill>
+                  <a:schemeClr val="tx1">
+                    <a:lumMod val="75000"/>
+                    <a:lumOff val="25000"/>
+                  </a:schemeClr>
+                </a:solidFill>
+                <a:latin typeface="+mn-lt"/>
+                <a:ea typeface="+mn-ea"/>
+                <a:cs typeface="+mn-cs"/>
+              </a:defRPr>
+            </a:lvl9pPr>
+          </a:lstStyle>
+          <a:p>
+            <a:pPr>
+              <a:buFont typeface="Arial" panose="020B0604020202020204" pitchFamily="34" charset="0"/>
+              <a:buChar char="•"/>
+            </a:pPr>
+            <a:r>
+              <a:rPr lang="it-IT" dirty="0" smtClean="0">
+                <a:solidFill>
+                  <a:schemeClr val="tx1"/>
+                </a:solidFill>
+              </a:rPr>
+              <a:t> 1. Introduzione al problema</a:t>
+            </a:r>
+          </a:p>
+          <a:p>
+            <a:pPr>
+              <a:buFont typeface="Arial" panose="020B0604020202020204" pitchFamily="34" charset="0"/>
+              <a:buChar char="•"/>
+            </a:pPr>
+            <a:r>
+              <a:rPr lang="it-IT" dirty="0" smtClean="0">
+                <a:solidFill>
+                  <a:schemeClr val="tx1"/>
+                </a:solidFill>
+              </a:rPr>
+              <a:t> 2 Modello del problema</a:t>
+            </a:r>
+          </a:p>
+          <a:p>
+            <a:pPr lvl="1">
+              <a:buFont typeface="Arial" panose="020B0604020202020204" pitchFamily="34" charset="0"/>
+              <a:buChar char="•"/>
+            </a:pPr>
+            <a:r>
+              <a:rPr lang="it-IT" dirty="0" smtClean="0">
+                <a:solidFill>
+                  <a:schemeClr val="tx1"/>
+                </a:solidFill>
+              </a:rPr>
+              <a:t> 2.1 Formule matematiche</a:t>
+            </a:r>
+          </a:p>
+          <a:p>
+            <a:pPr lvl="1">
+              <a:buFont typeface="Arial" panose="020B0604020202020204" pitchFamily="34" charset="0"/>
+              <a:buChar char="•"/>
+            </a:pPr>
+            <a:r>
+              <a:rPr lang="it-IT" dirty="0" smtClean="0">
+                <a:solidFill>
+                  <a:schemeClr val="tx1"/>
+                </a:solidFill>
+              </a:rPr>
+              <a:t> 2.2 Funzione di costo</a:t>
+            </a:r>
+          </a:p>
+          <a:p>
+            <a:pPr>
+              <a:buFont typeface="Arial" panose="020B0604020202020204" pitchFamily="34" charset="0"/>
+              <a:buChar char="•"/>
+            </a:pPr>
+            <a:r>
+              <a:rPr lang="it-IT" dirty="0" smtClean="0">
+                <a:solidFill>
+                  <a:schemeClr val="tx1"/>
+                </a:solidFill>
+              </a:rPr>
+              <a:t> 3 Algoritmo ed implementazione</a:t>
+            </a:r>
+          </a:p>
+          <a:p>
+            <a:pPr lvl="1">
+              <a:buFont typeface="Arial" panose="020B0604020202020204" pitchFamily="34" charset="0"/>
+              <a:buChar char="•"/>
+            </a:pPr>
+            <a:r>
+              <a:rPr lang="it-IT" dirty="0" smtClean="0">
+                <a:solidFill>
+                  <a:schemeClr val="tx1"/>
+                </a:solidFill>
+              </a:rPr>
+              <a:t> 3.1 UML</a:t>
+            </a:r>
+          </a:p>
+          <a:p>
+            <a:pPr lvl="1">
+              <a:buFont typeface="Arial" panose="020B0604020202020204" pitchFamily="34" charset="0"/>
+              <a:buChar char="•"/>
+            </a:pPr>
+            <a:r>
+              <a:rPr lang="it-IT" dirty="0" smtClean="0">
+                <a:solidFill>
+                  <a:schemeClr val="tx1"/>
+                </a:solidFill>
+              </a:rPr>
+              <a:t> 3.2 Parametri iniziali</a:t>
+            </a:r>
+          </a:p>
+          <a:p>
+            <a:pPr lvl="1">
+              <a:buFont typeface="Arial" panose="020B0604020202020204" pitchFamily="34" charset="0"/>
+              <a:buChar char="•"/>
+            </a:pPr>
+            <a:r>
+              <a:rPr lang="it-IT" dirty="0" smtClean="0">
+                <a:solidFill>
+                  <a:schemeClr val="tx1"/>
+                </a:solidFill>
+              </a:rPr>
+              <a:t> 3.3 Condizioni di arresto</a:t>
+            </a:r>
+          </a:p>
+          <a:p>
+            <a:pPr>
+              <a:buFont typeface="Arial" panose="020B0604020202020204" pitchFamily="34" charset="0"/>
+              <a:buChar char="•"/>
+            </a:pPr>
+            <a:r>
+              <a:rPr lang="it-IT" dirty="0" smtClean="0">
+                <a:solidFill>
+                  <a:schemeClr val="tx1"/>
+                </a:solidFill>
+              </a:rPr>
+              <a:t> 4 Risultati</a:t>
+            </a:r>
+          </a:p>
+          <a:p>
+            <a:pPr lvl="1">
+              <a:buFont typeface="Arial" panose="020B0604020202020204" pitchFamily="34" charset="0"/>
+              <a:buChar char="•"/>
+            </a:pPr>
+            <a:r>
+              <a:rPr lang="it-IT" dirty="0" smtClean="0">
+                <a:solidFill>
+                  <a:schemeClr val="tx1"/>
+                </a:solidFill>
+              </a:rPr>
+              <a:t> 4.1 Identificazione non vincolata</a:t>
+            </a:r>
+          </a:p>
+          <a:p>
+            <a:pPr lvl="1">
+              <a:buFont typeface="Arial" panose="020B0604020202020204" pitchFamily="34" charset="0"/>
+              <a:buChar char="•"/>
+            </a:pPr>
+            <a:r>
+              <a:rPr lang="it-IT" dirty="0" smtClean="0">
+                <a:solidFill>
+                  <a:schemeClr val="tx1"/>
+                </a:solidFill>
+              </a:rPr>
+              <a:t> 4.2 Identificazione vincolata</a:t>
+            </a:r>
+          </a:p>
+          <a:p>
+            <a:pPr lvl="1">
+              <a:buFont typeface="Arial" panose="020B0604020202020204" pitchFamily="34" charset="0"/>
+              <a:buChar char="•"/>
+            </a:pPr>
+            <a:r>
+              <a:rPr lang="it-IT" dirty="0" smtClean="0">
+                <a:solidFill>
+                  <a:schemeClr val="tx1"/>
+                </a:solidFill>
+              </a:rPr>
+              <a:t> 4.3 Crimine inverso</a:t>
+            </a:r>
+          </a:p>
+          <a:p>
+            <a:pPr>
+              <a:buFont typeface="Arial" panose="020B0604020202020204" pitchFamily="34" charset="0"/>
+              <a:buChar char="•"/>
+            </a:pPr>
+            <a:r>
+              <a:rPr lang="it-IT" dirty="0" smtClean="0">
+                <a:solidFill>
+                  <a:schemeClr val="tx1"/>
+                </a:solidFill>
+              </a:rPr>
+              <a:t> 5 Considerazioni</a:t>
+            </a:r>
+          </a:p>
+          <a:p>
+            <a:pPr>
+              <a:buFont typeface="Arial" panose="020B0604020202020204" pitchFamily="34" charset="0"/>
+              <a:buChar char="•"/>
+            </a:pPr>
+            <a:endParaRPr lang="it-IT" dirty="0">
+              <a:solidFill>
+                <a:schemeClr val="tx1"/>
+              </a:solidFill>
+            </a:endParaRPr>
           </a:p>
         </p:txBody>
       </p:sp>
@@ -5917,8 +6952,8 @@
         </p:nvSpPr>
         <p:spPr>
           <a:xfrm>
-            <a:off x="1097280" y="2314302"/>
-            <a:ext cx="10058400" cy="3280956"/>
+            <a:off x="3086100" y="1834632"/>
+            <a:ext cx="8069580" cy="3760626"/>
           </a:xfrm>
         </p:spPr>
         <p:txBody>
@@ -5952,6 +6987,474 @@
               <a:t>Numero di iterazioni effettuate</a:t>
             </a:r>
             <a:endParaRPr lang="it-IT" sz="3600" dirty="0"/>
+          </a:p>
+        </p:txBody>
+      </p:sp>
+      <p:sp>
+        <p:nvSpPr>
+          <p:cNvPr id="4" name="Segnaposto contenuto 2"/>
+          <p:cNvSpPr txBox="1">
+            <a:spLocks/>
+          </p:cNvSpPr>
+          <p:nvPr/>
+        </p:nvSpPr>
+        <p:spPr>
+          <a:xfrm>
+            <a:off x="119313" y="1834632"/>
+            <a:ext cx="2750820" cy="4324868"/>
+          </a:xfrm>
+          <a:prstGeom prst="rect">
+            <a:avLst/>
+          </a:prstGeom>
+          <a:solidFill>
+            <a:schemeClr val="accent1">
+              <a:lumMod val="20000"/>
+              <a:lumOff val="80000"/>
+            </a:schemeClr>
+          </a:solidFill>
+        </p:spPr>
+        <p:txBody>
+          <a:bodyPr vert="horz" lIns="0" tIns="45720" rIns="0" bIns="45720" rtlCol="0">
+            <a:normAutofit fontScale="85000" lnSpcReduction="20000"/>
+          </a:bodyPr>
+          <a:lstStyle>
+            <a:lvl1pPr marL="91440" indent="-91440" algn="l" defTabSz="914400" rtl="0" eaLnBrk="1" latinLnBrk="0" hangingPunct="1">
+              <a:lnSpc>
+                <a:spcPct val="90000"/>
+              </a:lnSpc>
+              <a:spcBef>
+                <a:spcPts val="1200"/>
+              </a:spcBef>
+              <a:spcAft>
+                <a:spcPts val="200"/>
+              </a:spcAft>
+              <a:buClr>
+                <a:schemeClr val="accent1"/>
+              </a:buClr>
+              <a:buSzPct val="100000"/>
+              <a:buFont typeface="Calibri" panose="020F0502020204030204" pitchFamily="34" charset="0"/>
+              <a:buChar char=" "/>
+              <a:defRPr sz="2000" kern="1200">
+                <a:solidFill>
+                  <a:schemeClr val="tx1">
+                    <a:lumMod val="75000"/>
+                    <a:lumOff val="25000"/>
+                  </a:schemeClr>
+                </a:solidFill>
+                <a:latin typeface="+mn-lt"/>
+                <a:ea typeface="+mn-ea"/>
+                <a:cs typeface="+mn-cs"/>
+              </a:defRPr>
+            </a:lvl1pPr>
+            <a:lvl2pPr marL="384048" indent="-182880" algn="l" defTabSz="914400" rtl="0" eaLnBrk="1" latinLnBrk="0" hangingPunct="1">
+              <a:lnSpc>
+                <a:spcPct val="90000"/>
+              </a:lnSpc>
+              <a:spcBef>
+                <a:spcPts val="200"/>
+              </a:spcBef>
+              <a:spcAft>
+                <a:spcPts val="400"/>
+              </a:spcAft>
+              <a:buClr>
+                <a:schemeClr val="accent1"/>
+              </a:buClr>
+              <a:buFont typeface="Calibri" pitchFamily="34" charset="0"/>
+              <a:buChar char="◦"/>
+              <a:defRPr sz="1800" kern="1200">
+                <a:solidFill>
+                  <a:schemeClr val="tx1">
+                    <a:lumMod val="75000"/>
+                    <a:lumOff val="25000"/>
+                  </a:schemeClr>
+                </a:solidFill>
+                <a:latin typeface="+mn-lt"/>
+                <a:ea typeface="+mn-ea"/>
+                <a:cs typeface="+mn-cs"/>
+              </a:defRPr>
+            </a:lvl2pPr>
+            <a:lvl3pPr marL="566928" indent="-182880" algn="l" defTabSz="914400" rtl="0" eaLnBrk="1" latinLnBrk="0" hangingPunct="1">
+              <a:lnSpc>
+                <a:spcPct val="90000"/>
+              </a:lnSpc>
+              <a:spcBef>
+                <a:spcPts val="200"/>
+              </a:spcBef>
+              <a:spcAft>
+                <a:spcPts val="400"/>
+              </a:spcAft>
+              <a:buClr>
+                <a:schemeClr val="accent1"/>
+              </a:buClr>
+              <a:buFont typeface="Calibri" pitchFamily="34" charset="0"/>
+              <a:buChar char="◦"/>
+              <a:defRPr sz="1400" kern="1200">
+                <a:solidFill>
+                  <a:schemeClr val="tx1">
+                    <a:lumMod val="75000"/>
+                    <a:lumOff val="25000"/>
+                  </a:schemeClr>
+                </a:solidFill>
+                <a:latin typeface="+mn-lt"/>
+                <a:ea typeface="+mn-ea"/>
+                <a:cs typeface="+mn-cs"/>
+              </a:defRPr>
+            </a:lvl3pPr>
+            <a:lvl4pPr marL="749808" indent="-182880" algn="l" defTabSz="914400" rtl="0" eaLnBrk="1" latinLnBrk="0" hangingPunct="1">
+              <a:lnSpc>
+                <a:spcPct val="90000"/>
+              </a:lnSpc>
+              <a:spcBef>
+                <a:spcPts val="200"/>
+              </a:spcBef>
+              <a:spcAft>
+                <a:spcPts val="400"/>
+              </a:spcAft>
+              <a:buClr>
+                <a:schemeClr val="accent1"/>
+              </a:buClr>
+              <a:buFont typeface="Calibri" pitchFamily="34" charset="0"/>
+              <a:buChar char="◦"/>
+              <a:defRPr sz="1400" kern="1200">
+                <a:solidFill>
+                  <a:schemeClr val="tx1">
+                    <a:lumMod val="75000"/>
+                    <a:lumOff val="25000"/>
+                  </a:schemeClr>
+                </a:solidFill>
+                <a:latin typeface="+mn-lt"/>
+                <a:ea typeface="+mn-ea"/>
+                <a:cs typeface="+mn-cs"/>
+              </a:defRPr>
+            </a:lvl4pPr>
+            <a:lvl5pPr marL="932688" indent="-182880" algn="l" defTabSz="914400" rtl="0" eaLnBrk="1" latinLnBrk="0" hangingPunct="1">
+              <a:lnSpc>
+                <a:spcPct val="90000"/>
+              </a:lnSpc>
+              <a:spcBef>
+                <a:spcPts val="200"/>
+              </a:spcBef>
+              <a:spcAft>
+                <a:spcPts val="400"/>
+              </a:spcAft>
+              <a:buClr>
+                <a:schemeClr val="accent1"/>
+              </a:buClr>
+              <a:buFont typeface="Calibri" pitchFamily="34" charset="0"/>
+              <a:buChar char="◦"/>
+              <a:defRPr sz="1400" kern="1200">
+                <a:solidFill>
+                  <a:schemeClr val="tx1">
+                    <a:lumMod val="75000"/>
+                    <a:lumOff val="25000"/>
+                  </a:schemeClr>
+                </a:solidFill>
+                <a:latin typeface="+mn-lt"/>
+                <a:ea typeface="+mn-ea"/>
+                <a:cs typeface="+mn-cs"/>
+              </a:defRPr>
+            </a:lvl5pPr>
+            <a:lvl6pPr marL="1100000" indent="-228600" algn="l" defTabSz="914400" rtl="0" eaLnBrk="1" latinLnBrk="0" hangingPunct="1">
+              <a:lnSpc>
+                <a:spcPct val="90000"/>
+              </a:lnSpc>
+              <a:spcBef>
+                <a:spcPts val="200"/>
+              </a:spcBef>
+              <a:spcAft>
+                <a:spcPts val="400"/>
+              </a:spcAft>
+              <a:buClr>
+                <a:schemeClr val="accent1"/>
+              </a:buClr>
+              <a:buFont typeface="Calibri" pitchFamily="34" charset="0"/>
+              <a:buChar char="◦"/>
+              <a:defRPr sz="1400" kern="1200">
+                <a:solidFill>
+                  <a:schemeClr val="tx1">
+                    <a:lumMod val="75000"/>
+                    <a:lumOff val="25000"/>
+                  </a:schemeClr>
+                </a:solidFill>
+                <a:latin typeface="+mn-lt"/>
+                <a:ea typeface="+mn-ea"/>
+                <a:cs typeface="+mn-cs"/>
+              </a:defRPr>
+            </a:lvl6pPr>
+            <a:lvl7pPr marL="1300000" indent="-228600" algn="l" defTabSz="914400" rtl="0" eaLnBrk="1" latinLnBrk="0" hangingPunct="1">
+              <a:lnSpc>
+                <a:spcPct val="90000"/>
+              </a:lnSpc>
+              <a:spcBef>
+                <a:spcPts val="200"/>
+              </a:spcBef>
+              <a:spcAft>
+                <a:spcPts val="400"/>
+              </a:spcAft>
+              <a:buClr>
+                <a:schemeClr val="accent1"/>
+              </a:buClr>
+              <a:buFont typeface="Calibri" pitchFamily="34" charset="0"/>
+              <a:buChar char="◦"/>
+              <a:defRPr sz="1400" kern="1200">
+                <a:solidFill>
+                  <a:schemeClr val="tx1">
+                    <a:lumMod val="75000"/>
+                    <a:lumOff val="25000"/>
+                  </a:schemeClr>
+                </a:solidFill>
+                <a:latin typeface="+mn-lt"/>
+                <a:ea typeface="+mn-ea"/>
+                <a:cs typeface="+mn-cs"/>
+              </a:defRPr>
+            </a:lvl7pPr>
+            <a:lvl8pPr marL="1500000" indent="-228600" algn="l" defTabSz="914400" rtl="0" eaLnBrk="1" latinLnBrk="0" hangingPunct="1">
+              <a:lnSpc>
+                <a:spcPct val="90000"/>
+              </a:lnSpc>
+              <a:spcBef>
+                <a:spcPts val="200"/>
+              </a:spcBef>
+              <a:spcAft>
+                <a:spcPts val="400"/>
+              </a:spcAft>
+              <a:buClr>
+                <a:schemeClr val="accent1"/>
+              </a:buClr>
+              <a:buFont typeface="Calibri" pitchFamily="34" charset="0"/>
+              <a:buChar char="◦"/>
+              <a:defRPr sz="1400" kern="1200">
+                <a:solidFill>
+                  <a:schemeClr val="tx1">
+                    <a:lumMod val="75000"/>
+                    <a:lumOff val="25000"/>
+                  </a:schemeClr>
+                </a:solidFill>
+                <a:latin typeface="+mn-lt"/>
+                <a:ea typeface="+mn-ea"/>
+                <a:cs typeface="+mn-cs"/>
+              </a:defRPr>
+            </a:lvl8pPr>
+            <a:lvl9pPr marL="1700000" indent="-228600" algn="l" defTabSz="914400" rtl="0" eaLnBrk="1" latinLnBrk="0" hangingPunct="1">
+              <a:lnSpc>
+                <a:spcPct val="90000"/>
+              </a:lnSpc>
+              <a:spcBef>
+                <a:spcPts val="200"/>
+              </a:spcBef>
+              <a:spcAft>
+                <a:spcPts val="400"/>
+              </a:spcAft>
+              <a:buClr>
+                <a:schemeClr val="accent1"/>
+              </a:buClr>
+              <a:buFont typeface="Calibri" pitchFamily="34" charset="0"/>
+              <a:buChar char="◦"/>
+              <a:defRPr sz="1400" kern="1200">
+                <a:solidFill>
+                  <a:schemeClr val="tx1">
+                    <a:lumMod val="75000"/>
+                    <a:lumOff val="25000"/>
+                  </a:schemeClr>
+                </a:solidFill>
+                <a:latin typeface="+mn-lt"/>
+                <a:ea typeface="+mn-ea"/>
+                <a:cs typeface="+mn-cs"/>
+              </a:defRPr>
+            </a:lvl9pPr>
+          </a:lstStyle>
+          <a:p>
+            <a:pPr>
+              <a:buFont typeface="Arial" panose="020B0604020202020204" pitchFamily="34" charset="0"/>
+              <a:buChar char="•"/>
+            </a:pPr>
+            <a:r>
+              <a:rPr lang="it-IT" dirty="0" smtClean="0">
+                <a:solidFill>
+                  <a:schemeClr val="tx1"/>
+                </a:solidFill>
+              </a:rPr>
+              <a:t> 1. Introduzione al problema</a:t>
+            </a:r>
+          </a:p>
+          <a:p>
+            <a:pPr>
+              <a:buFont typeface="Arial" panose="020B0604020202020204" pitchFamily="34" charset="0"/>
+              <a:buChar char="•"/>
+            </a:pPr>
+            <a:r>
+              <a:rPr lang="it-IT" dirty="0" smtClean="0">
+                <a:solidFill>
+                  <a:schemeClr val="tx1"/>
+                </a:solidFill>
+              </a:rPr>
+              <a:t> 2 Modello del problema</a:t>
+            </a:r>
+          </a:p>
+          <a:p>
+            <a:pPr lvl="1">
+              <a:buFont typeface="Arial" panose="020B0604020202020204" pitchFamily="34" charset="0"/>
+              <a:buChar char="•"/>
+            </a:pPr>
+            <a:r>
+              <a:rPr lang="it-IT" dirty="0" smtClean="0">
+                <a:solidFill>
+                  <a:schemeClr val="tx1"/>
+                </a:solidFill>
+              </a:rPr>
+              <a:t> 2.1 Formule matematiche</a:t>
+            </a:r>
+          </a:p>
+          <a:p>
+            <a:pPr lvl="1">
+              <a:buFont typeface="Arial" panose="020B0604020202020204" pitchFamily="34" charset="0"/>
+              <a:buChar char="•"/>
+            </a:pPr>
+            <a:r>
+              <a:rPr lang="it-IT" dirty="0" smtClean="0">
+                <a:solidFill>
+                  <a:schemeClr val="tx1"/>
+                </a:solidFill>
+              </a:rPr>
+              <a:t> 2.2 Funzione di costo</a:t>
+            </a:r>
+          </a:p>
+          <a:p>
+            <a:pPr>
+              <a:buFont typeface="Arial" panose="020B0604020202020204" pitchFamily="34" charset="0"/>
+              <a:buChar char="•"/>
+            </a:pPr>
+            <a:r>
+              <a:rPr lang="it-IT" dirty="0" smtClean="0">
+                <a:solidFill>
+                  <a:schemeClr val="tx1"/>
+                </a:solidFill>
+              </a:rPr>
+              <a:t> 3 Algoritmo ed implementazione</a:t>
+            </a:r>
+          </a:p>
+          <a:p>
+            <a:pPr lvl="1">
+              <a:buFont typeface="Arial" panose="020B0604020202020204" pitchFamily="34" charset="0"/>
+              <a:buChar char="•"/>
+            </a:pPr>
+            <a:r>
+              <a:rPr lang="it-IT" dirty="0" smtClean="0">
+                <a:solidFill>
+                  <a:schemeClr val="tx1"/>
+                </a:solidFill>
+              </a:rPr>
+              <a:t> 3.1 UML</a:t>
+            </a:r>
+          </a:p>
+          <a:p>
+            <a:pPr lvl="1">
+              <a:buFont typeface="Arial" panose="020B0604020202020204" pitchFamily="34" charset="0"/>
+              <a:buChar char="•"/>
+            </a:pPr>
+            <a:r>
+              <a:rPr lang="it-IT" dirty="0" smtClean="0">
+                <a:solidFill>
+                  <a:schemeClr val="tx1"/>
+                </a:solidFill>
+              </a:rPr>
+              <a:t> 3.2 Parametri iniziali</a:t>
+            </a:r>
+          </a:p>
+          <a:p>
+            <a:pPr lvl="1">
+              <a:buFont typeface="Arial" panose="020B0604020202020204" pitchFamily="34" charset="0"/>
+              <a:buChar char="•"/>
+            </a:pPr>
+            <a:r>
+              <a:rPr lang="it-IT" dirty="0" smtClean="0">
+                <a:solidFill>
+                  <a:schemeClr val="tx1"/>
+                </a:solidFill>
+              </a:rPr>
+              <a:t> 3.3 Condizioni di arresto</a:t>
+            </a:r>
+          </a:p>
+          <a:p>
+            <a:pPr>
+              <a:buFont typeface="Arial" panose="020B0604020202020204" pitchFamily="34" charset="0"/>
+              <a:buChar char="•"/>
+            </a:pPr>
+            <a:r>
+              <a:rPr lang="it-IT" dirty="0" smtClean="0">
+                <a:solidFill>
+                  <a:schemeClr val="tx1"/>
+                </a:solidFill>
+              </a:rPr>
+              <a:t> 4 Risultati</a:t>
+            </a:r>
+          </a:p>
+          <a:p>
+            <a:pPr lvl="1">
+              <a:buFont typeface="Arial" panose="020B0604020202020204" pitchFamily="34" charset="0"/>
+              <a:buChar char="•"/>
+            </a:pPr>
+            <a:r>
+              <a:rPr lang="it-IT" dirty="0" smtClean="0">
+                <a:solidFill>
+                  <a:schemeClr val="tx1"/>
+                </a:solidFill>
+              </a:rPr>
+              <a:t> 4.1 Identificazione non vincolata</a:t>
+            </a:r>
+          </a:p>
+          <a:p>
+            <a:pPr lvl="1">
+              <a:buFont typeface="Arial" panose="020B0604020202020204" pitchFamily="34" charset="0"/>
+              <a:buChar char="•"/>
+            </a:pPr>
+            <a:r>
+              <a:rPr lang="it-IT" dirty="0" smtClean="0">
+                <a:solidFill>
+                  <a:schemeClr val="tx1"/>
+                </a:solidFill>
+              </a:rPr>
+              <a:t> 4.2 Identificazione vincolata</a:t>
+            </a:r>
+          </a:p>
+          <a:p>
+            <a:pPr lvl="1">
+              <a:buFont typeface="Arial" panose="020B0604020202020204" pitchFamily="34" charset="0"/>
+              <a:buChar char="•"/>
+            </a:pPr>
+            <a:r>
+              <a:rPr lang="it-IT" dirty="0" smtClean="0">
+                <a:solidFill>
+                  <a:schemeClr val="tx1"/>
+                </a:solidFill>
+              </a:rPr>
+              <a:t> 4.3 Crimine inverso</a:t>
+            </a:r>
+          </a:p>
+          <a:p>
+            <a:pPr>
+              <a:buFont typeface="Arial" panose="020B0604020202020204" pitchFamily="34" charset="0"/>
+              <a:buChar char="•"/>
+            </a:pPr>
+            <a:r>
+              <a:rPr lang="it-IT" dirty="0" smtClean="0">
+                <a:solidFill>
+                  <a:schemeClr val="tx1"/>
+                </a:solidFill>
+              </a:rPr>
+              <a:t> 5 Considerazioni</a:t>
+            </a:r>
+          </a:p>
+          <a:p>
+            <a:pPr>
+              <a:buFont typeface="Arial" panose="020B0604020202020204" pitchFamily="34" charset="0"/>
+              <a:buChar char="•"/>
+            </a:pPr>
+            <a:endParaRPr lang="it-IT" dirty="0">
+              <a:solidFill>
+                <a:schemeClr val="tx1"/>
+              </a:solidFill>
+            </a:endParaRPr>
           </a:p>
         </p:txBody>
       </p:sp>
@@ -6027,8 +7530,8 @@
         </p:nvSpPr>
         <p:spPr>
           <a:xfrm>
-            <a:off x="1149530" y="1858284"/>
-            <a:ext cx="10006149" cy="4176756"/>
+            <a:off x="2997200" y="1858284"/>
+            <a:ext cx="8158479" cy="4176756"/>
           </a:xfrm>
         </p:spPr>
         <p:txBody>
@@ -6066,6 +7569,474 @@
           </a:p>
           <a:p>
             <a:endParaRPr lang="it-IT" sz="3600" dirty="0" smtClean="0"/>
+          </a:p>
+        </p:txBody>
+      </p:sp>
+      <p:sp>
+        <p:nvSpPr>
+          <p:cNvPr id="4" name="Segnaposto contenuto 2"/>
+          <p:cNvSpPr txBox="1">
+            <a:spLocks/>
+          </p:cNvSpPr>
+          <p:nvPr/>
+        </p:nvSpPr>
+        <p:spPr>
+          <a:xfrm>
+            <a:off x="119313" y="1834632"/>
+            <a:ext cx="2750820" cy="4350268"/>
+          </a:xfrm>
+          <a:prstGeom prst="rect">
+            <a:avLst/>
+          </a:prstGeom>
+          <a:solidFill>
+            <a:schemeClr val="accent1">
+              <a:lumMod val="20000"/>
+              <a:lumOff val="80000"/>
+            </a:schemeClr>
+          </a:solidFill>
+        </p:spPr>
+        <p:txBody>
+          <a:bodyPr vert="horz" lIns="0" tIns="45720" rIns="0" bIns="45720" rtlCol="0">
+            <a:normAutofit fontScale="85000" lnSpcReduction="10000"/>
+          </a:bodyPr>
+          <a:lstStyle>
+            <a:lvl1pPr marL="91440" indent="-91440" algn="l" defTabSz="914400" rtl="0" eaLnBrk="1" latinLnBrk="0" hangingPunct="1">
+              <a:lnSpc>
+                <a:spcPct val="90000"/>
+              </a:lnSpc>
+              <a:spcBef>
+                <a:spcPts val="1200"/>
+              </a:spcBef>
+              <a:spcAft>
+                <a:spcPts val="200"/>
+              </a:spcAft>
+              <a:buClr>
+                <a:schemeClr val="accent1"/>
+              </a:buClr>
+              <a:buSzPct val="100000"/>
+              <a:buFont typeface="Calibri" panose="020F0502020204030204" pitchFamily="34" charset="0"/>
+              <a:buChar char=" "/>
+              <a:defRPr sz="2000" kern="1200">
+                <a:solidFill>
+                  <a:schemeClr val="tx1">
+                    <a:lumMod val="75000"/>
+                    <a:lumOff val="25000"/>
+                  </a:schemeClr>
+                </a:solidFill>
+                <a:latin typeface="+mn-lt"/>
+                <a:ea typeface="+mn-ea"/>
+                <a:cs typeface="+mn-cs"/>
+              </a:defRPr>
+            </a:lvl1pPr>
+            <a:lvl2pPr marL="384048" indent="-182880" algn="l" defTabSz="914400" rtl="0" eaLnBrk="1" latinLnBrk="0" hangingPunct="1">
+              <a:lnSpc>
+                <a:spcPct val="90000"/>
+              </a:lnSpc>
+              <a:spcBef>
+                <a:spcPts val="200"/>
+              </a:spcBef>
+              <a:spcAft>
+                <a:spcPts val="400"/>
+              </a:spcAft>
+              <a:buClr>
+                <a:schemeClr val="accent1"/>
+              </a:buClr>
+              <a:buFont typeface="Calibri" pitchFamily="34" charset="0"/>
+              <a:buChar char="◦"/>
+              <a:defRPr sz="1800" kern="1200">
+                <a:solidFill>
+                  <a:schemeClr val="tx1">
+                    <a:lumMod val="75000"/>
+                    <a:lumOff val="25000"/>
+                  </a:schemeClr>
+                </a:solidFill>
+                <a:latin typeface="+mn-lt"/>
+                <a:ea typeface="+mn-ea"/>
+                <a:cs typeface="+mn-cs"/>
+              </a:defRPr>
+            </a:lvl2pPr>
+            <a:lvl3pPr marL="566928" indent="-182880" algn="l" defTabSz="914400" rtl="0" eaLnBrk="1" latinLnBrk="0" hangingPunct="1">
+              <a:lnSpc>
+                <a:spcPct val="90000"/>
+              </a:lnSpc>
+              <a:spcBef>
+                <a:spcPts val="200"/>
+              </a:spcBef>
+              <a:spcAft>
+                <a:spcPts val="400"/>
+              </a:spcAft>
+              <a:buClr>
+                <a:schemeClr val="accent1"/>
+              </a:buClr>
+              <a:buFont typeface="Calibri" pitchFamily="34" charset="0"/>
+              <a:buChar char="◦"/>
+              <a:defRPr sz="1400" kern="1200">
+                <a:solidFill>
+                  <a:schemeClr val="tx1">
+                    <a:lumMod val="75000"/>
+                    <a:lumOff val="25000"/>
+                  </a:schemeClr>
+                </a:solidFill>
+                <a:latin typeface="+mn-lt"/>
+                <a:ea typeface="+mn-ea"/>
+                <a:cs typeface="+mn-cs"/>
+              </a:defRPr>
+            </a:lvl3pPr>
+            <a:lvl4pPr marL="749808" indent="-182880" algn="l" defTabSz="914400" rtl="0" eaLnBrk="1" latinLnBrk="0" hangingPunct="1">
+              <a:lnSpc>
+                <a:spcPct val="90000"/>
+              </a:lnSpc>
+              <a:spcBef>
+                <a:spcPts val="200"/>
+              </a:spcBef>
+              <a:spcAft>
+                <a:spcPts val="400"/>
+              </a:spcAft>
+              <a:buClr>
+                <a:schemeClr val="accent1"/>
+              </a:buClr>
+              <a:buFont typeface="Calibri" pitchFamily="34" charset="0"/>
+              <a:buChar char="◦"/>
+              <a:defRPr sz="1400" kern="1200">
+                <a:solidFill>
+                  <a:schemeClr val="tx1">
+                    <a:lumMod val="75000"/>
+                    <a:lumOff val="25000"/>
+                  </a:schemeClr>
+                </a:solidFill>
+                <a:latin typeface="+mn-lt"/>
+                <a:ea typeface="+mn-ea"/>
+                <a:cs typeface="+mn-cs"/>
+              </a:defRPr>
+            </a:lvl4pPr>
+            <a:lvl5pPr marL="932688" indent="-182880" algn="l" defTabSz="914400" rtl="0" eaLnBrk="1" latinLnBrk="0" hangingPunct="1">
+              <a:lnSpc>
+                <a:spcPct val="90000"/>
+              </a:lnSpc>
+              <a:spcBef>
+                <a:spcPts val="200"/>
+              </a:spcBef>
+              <a:spcAft>
+                <a:spcPts val="400"/>
+              </a:spcAft>
+              <a:buClr>
+                <a:schemeClr val="accent1"/>
+              </a:buClr>
+              <a:buFont typeface="Calibri" pitchFamily="34" charset="0"/>
+              <a:buChar char="◦"/>
+              <a:defRPr sz="1400" kern="1200">
+                <a:solidFill>
+                  <a:schemeClr val="tx1">
+                    <a:lumMod val="75000"/>
+                    <a:lumOff val="25000"/>
+                  </a:schemeClr>
+                </a:solidFill>
+                <a:latin typeface="+mn-lt"/>
+                <a:ea typeface="+mn-ea"/>
+                <a:cs typeface="+mn-cs"/>
+              </a:defRPr>
+            </a:lvl5pPr>
+            <a:lvl6pPr marL="1100000" indent="-228600" algn="l" defTabSz="914400" rtl="0" eaLnBrk="1" latinLnBrk="0" hangingPunct="1">
+              <a:lnSpc>
+                <a:spcPct val="90000"/>
+              </a:lnSpc>
+              <a:spcBef>
+                <a:spcPts val="200"/>
+              </a:spcBef>
+              <a:spcAft>
+                <a:spcPts val="400"/>
+              </a:spcAft>
+              <a:buClr>
+                <a:schemeClr val="accent1"/>
+              </a:buClr>
+              <a:buFont typeface="Calibri" pitchFamily="34" charset="0"/>
+              <a:buChar char="◦"/>
+              <a:defRPr sz="1400" kern="1200">
+                <a:solidFill>
+                  <a:schemeClr val="tx1">
+                    <a:lumMod val="75000"/>
+                    <a:lumOff val="25000"/>
+                  </a:schemeClr>
+                </a:solidFill>
+                <a:latin typeface="+mn-lt"/>
+                <a:ea typeface="+mn-ea"/>
+                <a:cs typeface="+mn-cs"/>
+              </a:defRPr>
+            </a:lvl6pPr>
+            <a:lvl7pPr marL="1300000" indent="-228600" algn="l" defTabSz="914400" rtl="0" eaLnBrk="1" latinLnBrk="0" hangingPunct="1">
+              <a:lnSpc>
+                <a:spcPct val="90000"/>
+              </a:lnSpc>
+              <a:spcBef>
+                <a:spcPts val="200"/>
+              </a:spcBef>
+              <a:spcAft>
+                <a:spcPts val="400"/>
+              </a:spcAft>
+              <a:buClr>
+                <a:schemeClr val="accent1"/>
+              </a:buClr>
+              <a:buFont typeface="Calibri" pitchFamily="34" charset="0"/>
+              <a:buChar char="◦"/>
+              <a:defRPr sz="1400" kern="1200">
+                <a:solidFill>
+                  <a:schemeClr val="tx1">
+                    <a:lumMod val="75000"/>
+                    <a:lumOff val="25000"/>
+                  </a:schemeClr>
+                </a:solidFill>
+                <a:latin typeface="+mn-lt"/>
+                <a:ea typeface="+mn-ea"/>
+                <a:cs typeface="+mn-cs"/>
+              </a:defRPr>
+            </a:lvl7pPr>
+            <a:lvl8pPr marL="1500000" indent="-228600" algn="l" defTabSz="914400" rtl="0" eaLnBrk="1" latinLnBrk="0" hangingPunct="1">
+              <a:lnSpc>
+                <a:spcPct val="90000"/>
+              </a:lnSpc>
+              <a:spcBef>
+                <a:spcPts val="200"/>
+              </a:spcBef>
+              <a:spcAft>
+                <a:spcPts val="400"/>
+              </a:spcAft>
+              <a:buClr>
+                <a:schemeClr val="accent1"/>
+              </a:buClr>
+              <a:buFont typeface="Calibri" pitchFamily="34" charset="0"/>
+              <a:buChar char="◦"/>
+              <a:defRPr sz="1400" kern="1200">
+                <a:solidFill>
+                  <a:schemeClr val="tx1">
+                    <a:lumMod val="75000"/>
+                    <a:lumOff val="25000"/>
+                  </a:schemeClr>
+                </a:solidFill>
+                <a:latin typeface="+mn-lt"/>
+                <a:ea typeface="+mn-ea"/>
+                <a:cs typeface="+mn-cs"/>
+              </a:defRPr>
+            </a:lvl8pPr>
+            <a:lvl9pPr marL="1700000" indent="-228600" algn="l" defTabSz="914400" rtl="0" eaLnBrk="1" latinLnBrk="0" hangingPunct="1">
+              <a:lnSpc>
+                <a:spcPct val="90000"/>
+              </a:lnSpc>
+              <a:spcBef>
+                <a:spcPts val="200"/>
+              </a:spcBef>
+              <a:spcAft>
+                <a:spcPts val="400"/>
+              </a:spcAft>
+              <a:buClr>
+                <a:schemeClr val="accent1"/>
+              </a:buClr>
+              <a:buFont typeface="Calibri" pitchFamily="34" charset="0"/>
+              <a:buChar char="◦"/>
+              <a:defRPr sz="1400" kern="1200">
+                <a:solidFill>
+                  <a:schemeClr val="tx1">
+                    <a:lumMod val="75000"/>
+                    <a:lumOff val="25000"/>
+                  </a:schemeClr>
+                </a:solidFill>
+                <a:latin typeface="+mn-lt"/>
+                <a:ea typeface="+mn-ea"/>
+                <a:cs typeface="+mn-cs"/>
+              </a:defRPr>
+            </a:lvl9pPr>
+          </a:lstStyle>
+          <a:p>
+            <a:pPr>
+              <a:buFont typeface="Arial" panose="020B0604020202020204" pitchFamily="34" charset="0"/>
+              <a:buChar char="•"/>
+            </a:pPr>
+            <a:r>
+              <a:rPr lang="it-IT" smtClean="0">
+                <a:solidFill>
+                  <a:schemeClr val="tx1"/>
+                </a:solidFill>
+              </a:rPr>
+              <a:t> 1. Introduzione al problema</a:t>
+            </a:r>
+          </a:p>
+          <a:p>
+            <a:pPr>
+              <a:buFont typeface="Arial" panose="020B0604020202020204" pitchFamily="34" charset="0"/>
+              <a:buChar char="•"/>
+            </a:pPr>
+            <a:r>
+              <a:rPr lang="it-IT" smtClean="0">
+                <a:solidFill>
+                  <a:schemeClr val="tx1"/>
+                </a:solidFill>
+              </a:rPr>
+              <a:t> 2 Modello del problema</a:t>
+            </a:r>
+          </a:p>
+          <a:p>
+            <a:pPr lvl="1">
+              <a:buFont typeface="Arial" panose="020B0604020202020204" pitchFamily="34" charset="0"/>
+              <a:buChar char="•"/>
+            </a:pPr>
+            <a:r>
+              <a:rPr lang="it-IT" smtClean="0">
+                <a:solidFill>
+                  <a:schemeClr val="tx1"/>
+                </a:solidFill>
+              </a:rPr>
+              <a:t> 2.1 Formule matematiche</a:t>
+            </a:r>
+          </a:p>
+          <a:p>
+            <a:pPr lvl="1">
+              <a:buFont typeface="Arial" panose="020B0604020202020204" pitchFamily="34" charset="0"/>
+              <a:buChar char="•"/>
+            </a:pPr>
+            <a:r>
+              <a:rPr lang="it-IT" smtClean="0">
+                <a:solidFill>
+                  <a:schemeClr val="tx1"/>
+                </a:solidFill>
+              </a:rPr>
+              <a:t> 2.2 Funzione di costo</a:t>
+            </a:r>
+          </a:p>
+          <a:p>
+            <a:pPr>
+              <a:buFont typeface="Arial" panose="020B0604020202020204" pitchFamily="34" charset="0"/>
+              <a:buChar char="•"/>
+            </a:pPr>
+            <a:r>
+              <a:rPr lang="it-IT" smtClean="0">
+                <a:solidFill>
+                  <a:schemeClr val="tx1"/>
+                </a:solidFill>
+              </a:rPr>
+              <a:t> 3 Algoritmo ed implementazione</a:t>
+            </a:r>
+          </a:p>
+          <a:p>
+            <a:pPr lvl="1">
+              <a:buFont typeface="Arial" panose="020B0604020202020204" pitchFamily="34" charset="0"/>
+              <a:buChar char="•"/>
+            </a:pPr>
+            <a:r>
+              <a:rPr lang="it-IT" smtClean="0">
+                <a:solidFill>
+                  <a:schemeClr val="tx1"/>
+                </a:solidFill>
+              </a:rPr>
+              <a:t> 3.1 UML</a:t>
+            </a:r>
+          </a:p>
+          <a:p>
+            <a:pPr lvl="1">
+              <a:buFont typeface="Arial" panose="020B0604020202020204" pitchFamily="34" charset="0"/>
+              <a:buChar char="•"/>
+            </a:pPr>
+            <a:r>
+              <a:rPr lang="it-IT" smtClean="0">
+                <a:solidFill>
+                  <a:schemeClr val="tx1"/>
+                </a:solidFill>
+              </a:rPr>
+              <a:t> 3.2 Parametri iniziali</a:t>
+            </a:r>
+          </a:p>
+          <a:p>
+            <a:pPr lvl="1">
+              <a:buFont typeface="Arial" panose="020B0604020202020204" pitchFamily="34" charset="0"/>
+              <a:buChar char="•"/>
+            </a:pPr>
+            <a:r>
+              <a:rPr lang="it-IT" smtClean="0">
+                <a:solidFill>
+                  <a:schemeClr val="tx1"/>
+                </a:solidFill>
+              </a:rPr>
+              <a:t> 3.3 Condizioni di arresto</a:t>
+            </a:r>
+          </a:p>
+          <a:p>
+            <a:pPr>
+              <a:buFont typeface="Arial" panose="020B0604020202020204" pitchFamily="34" charset="0"/>
+              <a:buChar char="•"/>
+            </a:pPr>
+            <a:r>
+              <a:rPr lang="it-IT" smtClean="0">
+                <a:solidFill>
+                  <a:schemeClr val="tx1"/>
+                </a:solidFill>
+              </a:rPr>
+              <a:t> 4 Risultati</a:t>
+            </a:r>
+          </a:p>
+          <a:p>
+            <a:pPr lvl="1">
+              <a:buFont typeface="Arial" panose="020B0604020202020204" pitchFamily="34" charset="0"/>
+              <a:buChar char="•"/>
+            </a:pPr>
+            <a:r>
+              <a:rPr lang="it-IT" smtClean="0">
+                <a:solidFill>
+                  <a:schemeClr val="tx1"/>
+                </a:solidFill>
+              </a:rPr>
+              <a:t> 4.1 Identificazione non vincolata</a:t>
+            </a:r>
+          </a:p>
+          <a:p>
+            <a:pPr lvl="1">
+              <a:buFont typeface="Arial" panose="020B0604020202020204" pitchFamily="34" charset="0"/>
+              <a:buChar char="•"/>
+            </a:pPr>
+            <a:r>
+              <a:rPr lang="it-IT" smtClean="0">
+                <a:solidFill>
+                  <a:schemeClr val="tx1"/>
+                </a:solidFill>
+              </a:rPr>
+              <a:t> 4.2 Identificazione vincolata</a:t>
+            </a:r>
+          </a:p>
+          <a:p>
+            <a:pPr lvl="1">
+              <a:buFont typeface="Arial" panose="020B0604020202020204" pitchFamily="34" charset="0"/>
+              <a:buChar char="•"/>
+            </a:pPr>
+            <a:r>
+              <a:rPr lang="it-IT" smtClean="0">
+                <a:solidFill>
+                  <a:schemeClr val="tx1"/>
+                </a:solidFill>
+              </a:rPr>
+              <a:t> 4.3 Crimine inverso</a:t>
+            </a:r>
+          </a:p>
+          <a:p>
+            <a:pPr>
+              <a:buFont typeface="Arial" panose="020B0604020202020204" pitchFamily="34" charset="0"/>
+              <a:buChar char="•"/>
+            </a:pPr>
+            <a:r>
+              <a:rPr lang="it-IT" smtClean="0">
+                <a:solidFill>
+                  <a:schemeClr val="tx1"/>
+                </a:solidFill>
+              </a:rPr>
+              <a:t> 5 Considerazioni</a:t>
+            </a:r>
+          </a:p>
+          <a:p>
+            <a:pPr>
+              <a:buFont typeface="Arial" panose="020B0604020202020204" pitchFamily="34" charset="0"/>
+              <a:buChar char="•"/>
+            </a:pPr>
+            <a:endParaRPr lang="it-IT" dirty="0">
+              <a:solidFill>
+                <a:schemeClr val="tx1"/>
+              </a:solidFill>
+            </a:endParaRPr>
           </a:p>
         </p:txBody>
       </p:sp>
@@ -6141,13 +8112,13 @@
         </p:nvSpPr>
         <p:spPr>
           <a:xfrm>
-            <a:off x="1097280" y="1988896"/>
-            <a:ext cx="10058400" cy="950232"/>
+            <a:off x="3124200" y="1988896"/>
+            <a:ext cx="8031480" cy="950232"/>
           </a:xfrm>
         </p:spPr>
         <p:txBody>
           <a:bodyPr>
-            <a:normAutofit/>
+            <a:normAutofit fontScale="92500"/>
           </a:bodyPr>
           <a:lstStyle/>
           <a:p>
@@ -6156,45 +8127,12 @@
               <a:buChar char="•"/>
             </a:pPr>
             <a:r>
-              <a:rPr lang="it-IT" sz="3600" dirty="0" smtClean="0">
-                <a:solidFill>
-                  <a:schemeClr val="tx1"/>
-                </a:solidFill>
-              </a:rPr>
+              <a:rPr lang="it-IT" sz="3600" dirty="0" smtClean="0"/>
               <a:t> Implementazione del metodo delle penalità</a:t>
             </a:r>
           </a:p>
         </p:txBody>
       </p:sp>
-      <p:pic>
-        <p:nvPicPr>
-          <p:cNvPr id="8" name="Picture 7"/>
-          <p:cNvPicPr>
-            <a:picLocks noChangeAspect="1"/>
-          </p:cNvPicPr>
-          <p:nvPr/>
-        </p:nvPicPr>
-        <p:blipFill rotWithShape="1">
-          <a:blip r:embed="rId2" cstate="print">
-            <a:extLst>
-              <a:ext uri="{28A0092B-C50C-407E-A947-70E740481C1C}">
-                <a14:useLocalDpi xmlns:a14="http://schemas.microsoft.com/office/drawing/2010/main" val="0"/>
-              </a:ext>
-            </a:extLst>
-          </a:blip>
-          <a:srcRect l="7322" t="3905" r="7109" b="3667"/>
-          <a:stretch/>
-        </p:blipFill>
-        <p:spPr>
-          <a:xfrm>
-            <a:off x="8001000" y="2864122"/>
-            <a:ext cx="3907972" cy="3293366"/>
-          </a:xfrm>
-          <a:prstGeom prst="rect">
-            <a:avLst/>
-          </a:prstGeom>
-        </p:spPr>
-      </p:pic>
       <p:sp>
         <p:nvSpPr>
           <p:cNvPr id="7" name="Segnaposto contenuto 2"/>
@@ -6205,8 +8143,8 @@
         </p:nvSpPr>
         <p:spPr>
           <a:xfrm>
-            <a:off x="1097280" y="3502509"/>
-            <a:ext cx="10058400" cy="950232"/>
+            <a:off x="3022600" y="3502509"/>
+            <a:ext cx="4521200" cy="2389268"/>
           </a:xfrm>
           <a:prstGeom prst="rect">
             <a:avLst/>
@@ -6475,11 +8413,6 @@
               <a:rPr lang="it-IT" sz="3600" dirty="0"/>
               <a:t>dello spazio in piani </a:t>
             </a:r>
-          </a:p>
-          <a:p>
-            <a:pPr marL="0" indent="0">
-              <a:buNone/>
-            </a:pPr>
             <a:r>
               <a:rPr lang="it-IT" sz="3600" dirty="0" smtClean="0"/>
               <a:t>colorati </a:t>
@@ -6496,6 +8429,503 @@
           </a:p>
         </p:txBody>
       </p:sp>
+      <p:sp>
+        <p:nvSpPr>
+          <p:cNvPr id="6" name="Segnaposto contenuto 2"/>
+          <p:cNvSpPr txBox="1">
+            <a:spLocks/>
+          </p:cNvSpPr>
+          <p:nvPr/>
+        </p:nvSpPr>
+        <p:spPr>
+          <a:xfrm>
+            <a:off x="119313" y="1834632"/>
+            <a:ext cx="2750820" cy="4426468"/>
+          </a:xfrm>
+          <a:prstGeom prst="rect">
+            <a:avLst/>
+          </a:prstGeom>
+          <a:solidFill>
+            <a:schemeClr val="accent1">
+              <a:lumMod val="20000"/>
+              <a:lumOff val="80000"/>
+            </a:schemeClr>
+          </a:solidFill>
+        </p:spPr>
+        <p:txBody>
+          <a:bodyPr vert="horz" lIns="0" tIns="45720" rIns="0" bIns="45720" rtlCol="0">
+            <a:normAutofit fontScale="85000" lnSpcReduction="10000"/>
+          </a:bodyPr>
+          <a:lstStyle>
+            <a:lvl1pPr marL="91440" indent="-91440" algn="l" defTabSz="914400" rtl="0" eaLnBrk="1" latinLnBrk="0" hangingPunct="1">
+              <a:lnSpc>
+                <a:spcPct val="90000"/>
+              </a:lnSpc>
+              <a:spcBef>
+                <a:spcPts val="1200"/>
+              </a:spcBef>
+              <a:spcAft>
+                <a:spcPts val="200"/>
+              </a:spcAft>
+              <a:buClr>
+                <a:schemeClr val="accent1"/>
+              </a:buClr>
+              <a:buSzPct val="100000"/>
+              <a:buFont typeface="Calibri" panose="020F0502020204030204" pitchFamily="34" charset="0"/>
+              <a:buChar char=" "/>
+              <a:defRPr sz="2000" kern="1200">
+                <a:solidFill>
+                  <a:schemeClr val="tx1">
+                    <a:lumMod val="75000"/>
+                    <a:lumOff val="25000"/>
+                  </a:schemeClr>
+                </a:solidFill>
+                <a:latin typeface="+mn-lt"/>
+                <a:ea typeface="+mn-ea"/>
+                <a:cs typeface="+mn-cs"/>
+              </a:defRPr>
+            </a:lvl1pPr>
+            <a:lvl2pPr marL="384048" indent="-182880" algn="l" defTabSz="914400" rtl="0" eaLnBrk="1" latinLnBrk="0" hangingPunct="1">
+              <a:lnSpc>
+                <a:spcPct val="90000"/>
+              </a:lnSpc>
+              <a:spcBef>
+                <a:spcPts val="200"/>
+              </a:spcBef>
+              <a:spcAft>
+                <a:spcPts val="400"/>
+              </a:spcAft>
+              <a:buClr>
+                <a:schemeClr val="accent1"/>
+              </a:buClr>
+              <a:buFont typeface="Calibri" pitchFamily="34" charset="0"/>
+              <a:buChar char="◦"/>
+              <a:defRPr sz="1800" kern="1200">
+                <a:solidFill>
+                  <a:schemeClr val="tx1">
+                    <a:lumMod val="75000"/>
+                    <a:lumOff val="25000"/>
+                  </a:schemeClr>
+                </a:solidFill>
+                <a:latin typeface="+mn-lt"/>
+                <a:ea typeface="+mn-ea"/>
+                <a:cs typeface="+mn-cs"/>
+              </a:defRPr>
+            </a:lvl2pPr>
+            <a:lvl3pPr marL="566928" indent="-182880" algn="l" defTabSz="914400" rtl="0" eaLnBrk="1" latinLnBrk="0" hangingPunct="1">
+              <a:lnSpc>
+                <a:spcPct val="90000"/>
+              </a:lnSpc>
+              <a:spcBef>
+                <a:spcPts val="200"/>
+              </a:spcBef>
+              <a:spcAft>
+                <a:spcPts val="400"/>
+              </a:spcAft>
+              <a:buClr>
+                <a:schemeClr val="accent1"/>
+              </a:buClr>
+              <a:buFont typeface="Calibri" pitchFamily="34" charset="0"/>
+              <a:buChar char="◦"/>
+              <a:defRPr sz="1400" kern="1200">
+                <a:solidFill>
+                  <a:schemeClr val="tx1">
+                    <a:lumMod val="75000"/>
+                    <a:lumOff val="25000"/>
+                  </a:schemeClr>
+                </a:solidFill>
+                <a:latin typeface="+mn-lt"/>
+                <a:ea typeface="+mn-ea"/>
+                <a:cs typeface="+mn-cs"/>
+              </a:defRPr>
+            </a:lvl3pPr>
+            <a:lvl4pPr marL="749808" indent="-182880" algn="l" defTabSz="914400" rtl="0" eaLnBrk="1" latinLnBrk="0" hangingPunct="1">
+              <a:lnSpc>
+                <a:spcPct val="90000"/>
+              </a:lnSpc>
+              <a:spcBef>
+                <a:spcPts val="200"/>
+              </a:spcBef>
+              <a:spcAft>
+                <a:spcPts val="400"/>
+              </a:spcAft>
+              <a:buClr>
+                <a:schemeClr val="accent1"/>
+              </a:buClr>
+              <a:buFont typeface="Calibri" pitchFamily="34" charset="0"/>
+              <a:buChar char="◦"/>
+              <a:defRPr sz="1400" kern="1200">
+                <a:solidFill>
+                  <a:schemeClr val="tx1">
+                    <a:lumMod val="75000"/>
+                    <a:lumOff val="25000"/>
+                  </a:schemeClr>
+                </a:solidFill>
+                <a:latin typeface="+mn-lt"/>
+                <a:ea typeface="+mn-ea"/>
+                <a:cs typeface="+mn-cs"/>
+              </a:defRPr>
+            </a:lvl4pPr>
+            <a:lvl5pPr marL="932688" indent="-182880" algn="l" defTabSz="914400" rtl="0" eaLnBrk="1" latinLnBrk="0" hangingPunct="1">
+              <a:lnSpc>
+                <a:spcPct val="90000"/>
+              </a:lnSpc>
+              <a:spcBef>
+                <a:spcPts val="200"/>
+              </a:spcBef>
+              <a:spcAft>
+                <a:spcPts val="400"/>
+              </a:spcAft>
+              <a:buClr>
+                <a:schemeClr val="accent1"/>
+              </a:buClr>
+              <a:buFont typeface="Calibri" pitchFamily="34" charset="0"/>
+              <a:buChar char="◦"/>
+              <a:defRPr sz="1400" kern="1200">
+                <a:solidFill>
+                  <a:schemeClr val="tx1">
+                    <a:lumMod val="75000"/>
+                    <a:lumOff val="25000"/>
+                  </a:schemeClr>
+                </a:solidFill>
+                <a:latin typeface="+mn-lt"/>
+                <a:ea typeface="+mn-ea"/>
+                <a:cs typeface="+mn-cs"/>
+              </a:defRPr>
+            </a:lvl5pPr>
+            <a:lvl6pPr marL="1100000" indent="-228600" algn="l" defTabSz="914400" rtl="0" eaLnBrk="1" latinLnBrk="0" hangingPunct="1">
+              <a:lnSpc>
+                <a:spcPct val="90000"/>
+              </a:lnSpc>
+              <a:spcBef>
+                <a:spcPts val="200"/>
+              </a:spcBef>
+              <a:spcAft>
+                <a:spcPts val="400"/>
+              </a:spcAft>
+              <a:buClr>
+                <a:schemeClr val="accent1"/>
+              </a:buClr>
+              <a:buFont typeface="Calibri" pitchFamily="34" charset="0"/>
+              <a:buChar char="◦"/>
+              <a:defRPr sz="1400" kern="1200">
+                <a:solidFill>
+                  <a:schemeClr val="tx1">
+                    <a:lumMod val="75000"/>
+                    <a:lumOff val="25000"/>
+                  </a:schemeClr>
+                </a:solidFill>
+                <a:latin typeface="+mn-lt"/>
+                <a:ea typeface="+mn-ea"/>
+                <a:cs typeface="+mn-cs"/>
+              </a:defRPr>
+            </a:lvl6pPr>
+            <a:lvl7pPr marL="1300000" indent="-228600" algn="l" defTabSz="914400" rtl="0" eaLnBrk="1" latinLnBrk="0" hangingPunct="1">
+              <a:lnSpc>
+                <a:spcPct val="90000"/>
+              </a:lnSpc>
+              <a:spcBef>
+                <a:spcPts val="200"/>
+              </a:spcBef>
+              <a:spcAft>
+                <a:spcPts val="400"/>
+              </a:spcAft>
+              <a:buClr>
+                <a:schemeClr val="accent1"/>
+              </a:buClr>
+              <a:buFont typeface="Calibri" pitchFamily="34" charset="0"/>
+              <a:buChar char="◦"/>
+              <a:defRPr sz="1400" kern="1200">
+                <a:solidFill>
+                  <a:schemeClr val="tx1">
+                    <a:lumMod val="75000"/>
+                    <a:lumOff val="25000"/>
+                  </a:schemeClr>
+                </a:solidFill>
+                <a:latin typeface="+mn-lt"/>
+                <a:ea typeface="+mn-ea"/>
+                <a:cs typeface="+mn-cs"/>
+              </a:defRPr>
+            </a:lvl7pPr>
+            <a:lvl8pPr marL="1500000" indent="-228600" algn="l" defTabSz="914400" rtl="0" eaLnBrk="1" latinLnBrk="0" hangingPunct="1">
+              <a:lnSpc>
+                <a:spcPct val="90000"/>
+              </a:lnSpc>
+              <a:spcBef>
+                <a:spcPts val="200"/>
+              </a:spcBef>
+              <a:spcAft>
+                <a:spcPts val="400"/>
+              </a:spcAft>
+              <a:buClr>
+                <a:schemeClr val="accent1"/>
+              </a:buClr>
+              <a:buFont typeface="Calibri" pitchFamily="34" charset="0"/>
+              <a:buChar char="◦"/>
+              <a:defRPr sz="1400" kern="1200">
+                <a:solidFill>
+                  <a:schemeClr val="tx1">
+                    <a:lumMod val="75000"/>
+                    <a:lumOff val="25000"/>
+                  </a:schemeClr>
+                </a:solidFill>
+                <a:latin typeface="+mn-lt"/>
+                <a:ea typeface="+mn-ea"/>
+                <a:cs typeface="+mn-cs"/>
+              </a:defRPr>
+            </a:lvl8pPr>
+            <a:lvl9pPr marL="1700000" indent="-228600" algn="l" defTabSz="914400" rtl="0" eaLnBrk="1" latinLnBrk="0" hangingPunct="1">
+              <a:lnSpc>
+                <a:spcPct val="90000"/>
+              </a:lnSpc>
+              <a:spcBef>
+                <a:spcPts val="200"/>
+              </a:spcBef>
+              <a:spcAft>
+                <a:spcPts val="400"/>
+              </a:spcAft>
+              <a:buClr>
+                <a:schemeClr val="accent1"/>
+              </a:buClr>
+              <a:buFont typeface="Calibri" pitchFamily="34" charset="0"/>
+              <a:buChar char="◦"/>
+              <a:defRPr sz="1400" kern="1200">
+                <a:solidFill>
+                  <a:schemeClr val="tx1">
+                    <a:lumMod val="75000"/>
+                    <a:lumOff val="25000"/>
+                  </a:schemeClr>
+                </a:solidFill>
+                <a:latin typeface="+mn-lt"/>
+                <a:ea typeface="+mn-ea"/>
+                <a:cs typeface="+mn-cs"/>
+              </a:defRPr>
+            </a:lvl9pPr>
+          </a:lstStyle>
+          <a:p>
+            <a:pPr>
+              <a:buFont typeface="Arial" panose="020B0604020202020204" pitchFamily="34" charset="0"/>
+              <a:buChar char="•"/>
+            </a:pPr>
+            <a:r>
+              <a:rPr lang="it-IT" dirty="0" smtClean="0">
+                <a:solidFill>
+                  <a:schemeClr val="tx1"/>
+                </a:solidFill>
+              </a:rPr>
+              <a:t> 1. Introduzione al problema</a:t>
+            </a:r>
+          </a:p>
+          <a:p>
+            <a:pPr>
+              <a:buFont typeface="Arial" panose="020B0604020202020204" pitchFamily="34" charset="0"/>
+              <a:buChar char="•"/>
+            </a:pPr>
+            <a:r>
+              <a:rPr lang="it-IT" dirty="0" smtClean="0">
+                <a:solidFill>
+                  <a:schemeClr val="tx1"/>
+                </a:solidFill>
+              </a:rPr>
+              <a:t> 2 Modello del problema</a:t>
+            </a:r>
+          </a:p>
+          <a:p>
+            <a:pPr lvl="1">
+              <a:buFont typeface="Arial" panose="020B0604020202020204" pitchFamily="34" charset="0"/>
+              <a:buChar char="•"/>
+            </a:pPr>
+            <a:r>
+              <a:rPr lang="it-IT" dirty="0" smtClean="0">
+                <a:solidFill>
+                  <a:schemeClr val="tx1"/>
+                </a:solidFill>
+              </a:rPr>
+              <a:t> 2.1 Formule matematiche</a:t>
+            </a:r>
+          </a:p>
+          <a:p>
+            <a:pPr lvl="1">
+              <a:buFont typeface="Arial" panose="020B0604020202020204" pitchFamily="34" charset="0"/>
+              <a:buChar char="•"/>
+            </a:pPr>
+            <a:r>
+              <a:rPr lang="it-IT" dirty="0" smtClean="0">
+                <a:solidFill>
+                  <a:schemeClr val="tx1"/>
+                </a:solidFill>
+              </a:rPr>
+              <a:t> 2.2 Funzione di costo</a:t>
+            </a:r>
+          </a:p>
+          <a:p>
+            <a:pPr>
+              <a:buFont typeface="Arial" panose="020B0604020202020204" pitchFamily="34" charset="0"/>
+              <a:buChar char="•"/>
+            </a:pPr>
+            <a:r>
+              <a:rPr lang="it-IT" dirty="0" smtClean="0">
+                <a:solidFill>
+                  <a:schemeClr val="tx1"/>
+                </a:solidFill>
+              </a:rPr>
+              <a:t> 3 Algoritmo ed implementazione</a:t>
+            </a:r>
+          </a:p>
+          <a:p>
+            <a:pPr lvl="1">
+              <a:buFont typeface="Arial" panose="020B0604020202020204" pitchFamily="34" charset="0"/>
+              <a:buChar char="•"/>
+            </a:pPr>
+            <a:r>
+              <a:rPr lang="it-IT" dirty="0" smtClean="0">
+                <a:solidFill>
+                  <a:schemeClr val="tx1"/>
+                </a:solidFill>
+              </a:rPr>
+              <a:t> 3.1 UML</a:t>
+            </a:r>
+          </a:p>
+          <a:p>
+            <a:pPr lvl="1">
+              <a:buFont typeface="Arial" panose="020B0604020202020204" pitchFamily="34" charset="0"/>
+              <a:buChar char="•"/>
+            </a:pPr>
+            <a:r>
+              <a:rPr lang="it-IT" dirty="0" smtClean="0">
+                <a:solidFill>
+                  <a:schemeClr val="tx1"/>
+                </a:solidFill>
+              </a:rPr>
+              <a:t> 3.2 Parametri iniziali</a:t>
+            </a:r>
+          </a:p>
+          <a:p>
+            <a:pPr lvl="1">
+              <a:buFont typeface="Arial" panose="020B0604020202020204" pitchFamily="34" charset="0"/>
+              <a:buChar char="•"/>
+            </a:pPr>
+            <a:r>
+              <a:rPr lang="it-IT" dirty="0" smtClean="0">
+                <a:solidFill>
+                  <a:schemeClr val="tx1"/>
+                </a:solidFill>
+              </a:rPr>
+              <a:t> 3.3 Condizioni di arresto</a:t>
+            </a:r>
+          </a:p>
+          <a:p>
+            <a:pPr>
+              <a:buFont typeface="Arial" panose="020B0604020202020204" pitchFamily="34" charset="0"/>
+              <a:buChar char="•"/>
+            </a:pPr>
+            <a:r>
+              <a:rPr lang="it-IT" dirty="0" smtClean="0">
+                <a:solidFill>
+                  <a:schemeClr val="tx1"/>
+                </a:solidFill>
+              </a:rPr>
+              <a:t> 4 Risultati</a:t>
+            </a:r>
+          </a:p>
+          <a:p>
+            <a:pPr lvl="1">
+              <a:buFont typeface="Arial" panose="020B0604020202020204" pitchFamily="34" charset="0"/>
+              <a:buChar char="•"/>
+            </a:pPr>
+            <a:r>
+              <a:rPr lang="it-IT" dirty="0" smtClean="0">
+                <a:solidFill>
+                  <a:schemeClr val="tx1"/>
+                </a:solidFill>
+              </a:rPr>
+              <a:t> 4.1 Identificazione non vincolata</a:t>
+            </a:r>
+          </a:p>
+          <a:p>
+            <a:pPr lvl="1">
+              <a:buFont typeface="Arial" panose="020B0604020202020204" pitchFamily="34" charset="0"/>
+              <a:buChar char="•"/>
+            </a:pPr>
+            <a:r>
+              <a:rPr lang="it-IT" dirty="0" smtClean="0">
+                <a:solidFill>
+                  <a:schemeClr val="tx1"/>
+                </a:solidFill>
+              </a:rPr>
+              <a:t> 4.2 Identificazione vincolata</a:t>
+            </a:r>
+          </a:p>
+          <a:p>
+            <a:pPr lvl="1">
+              <a:buFont typeface="Arial" panose="020B0604020202020204" pitchFamily="34" charset="0"/>
+              <a:buChar char="•"/>
+            </a:pPr>
+            <a:r>
+              <a:rPr lang="it-IT" dirty="0" smtClean="0">
+                <a:solidFill>
+                  <a:schemeClr val="tx1"/>
+                </a:solidFill>
+              </a:rPr>
+              <a:t> 4.3 Crimine inverso</a:t>
+            </a:r>
+          </a:p>
+          <a:p>
+            <a:pPr>
+              <a:buFont typeface="Arial" panose="020B0604020202020204" pitchFamily="34" charset="0"/>
+              <a:buChar char="•"/>
+            </a:pPr>
+            <a:r>
+              <a:rPr lang="it-IT" dirty="0" smtClean="0">
+                <a:solidFill>
+                  <a:schemeClr val="tx1"/>
+                </a:solidFill>
+              </a:rPr>
+              <a:t> 5 Considerazioni</a:t>
+            </a:r>
+          </a:p>
+          <a:p>
+            <a:pPr>
+              <a:buFont typeface="Arial" panose="020B0604020202020204" pitchFamily="34" charset="0"/>
+              <a:buChar char="•"/>
+            </a:pPr>
+            <a:endParaRPr lang="it-IT" dirty="0">
+              <a:solidFill>
+                <a:schemeClr val="tx1"/>
+              </a:solidFill>
+            </a:endParaRPr>
+          </a:p>
+        </p:txBody>
+      </p:sp>
+      <p:pic>
+        <p:nvPicPr>
+          <p:cNvPr id="9" name="Picture 7"/>
+          <p:cNvPicPr>
+            <a:picLocks noChangeAspect="1"/>
+          </p:cNvPicPr>
+          <p:nvPr/>
+        </p:nvPicPr>
+        <p:blipFill rotWithShape="1">
+          <a:blip r:embed="rId2" cstate="print">
+            <a:extLst>
+              <a:ext uri="{28A0092B-C50C-407E-A947-70E740481C1C}">
+                <a14:useLocalDpi xmlns:a14="http://schemas.microsoft.com/office/drawing/2010/main" val="0"/>
+              </a:ext>
+            </a:extLst>
+          </a:blip>
+          <a:srcRect l="7322" t="3905" r="7109" b="3667"/>
+          <a:stretch/>
+        </p:blipFill>
+        <p:spPr>
+          <a:xfrm>
+            <a:off x="7696267" y="2607314"/>
+            <a:ext cx="4212705" cy="3550174"/>
+          </a:xfrm>
+          <a:prstGeom prst="rect">
+            <a:avLst/>
+          </a:prstGeom>
+        </p:spPr>
+      </p:pic>
     </p:spTree>
     <p:extLst>
       <p:ext uri="{BB962C8B-B14F-4D97-AF65-F5344CB8AC3E}">
@@ -6564,8 +8994,8 @@
         </p:nvSpPr>
         <p:spPr>
           <a:xfrm>
-            <a:off x="1156527" y="2717948"/>
-            <a:ext cx="5199018" cy="1938992"/>
+            <a:off x="3000637" y="2717948"/>
+            <a:ext cx="3354908" cy="3170099"/>
           </a:xfrm>
           <a:prstGeom prst="rect">
             <a:avLst/>
@@ -6593,7 +9023,26 @@
             </a:pPr>
             <a:r>
               <a:rPr lang="it-IT" sz="2000" dirty="0"/>
-              <a:t>risultato =  -0.2799    0.3995    0.4000</a:t>
+              <a:t>risultato =  </a:t>
+            </a:r>
+            <a:r>
+              <a:rPr lang="it-IT" sz="2000" dirty="0"/>
+              <a:t>x</a:t>
+            </a:r>
+            <a:r>
+              <a:rPr lang="it-IT" sz="2000" dirty="0" smtClean="0"/>
+              <a:t>: -0.2799    </a:t>
+            </a:r>
+            <a:br>
+              <a:rPr lang="it-IT" sz="2000" dirty="0" smtClean="0"/>
+            </a:br>
+            <a:r>
+              <a:rPr lang="it-IT" sz="2000" dirty="0" smtClean="0"/>
+              <a:t>y: 0.3995   q: </a:t>
+            </a:r>
+            <a:r>
+              <a:rPr lang="it-IT" sz="2000" dirty="0"/>
+              <a:t>0.4000</a:t>
             </a:r>
           </a:p>
           <a:p>
@@ -6623,8 +9072,20 @@
             </a:pPr>
             <a:r>
               <a:rPr lang="it-IT" sz="2000" dirty="0"/>
-              <a:t>superficie finale = 7.7591e-04</a:t>
-            </a:r>
+              <a:t>superficie finale = </a:t>
+            </a:r>
+            <a:r>
+              <a:rPr lang="it-IT" sz="2000" dirty="0" smtClean="0"/>
+              <a:t/>
+            </a:r>
+            <a:br>
+              <a:rPr lang="it-IT" sz="2000" dirty="0" smtClean="0"/>
+            </a:br>
+            <a:r>
+              <a:rPr lang="it-IT" sz="2000" dirty="0" smtClean="0"/>
+              <a:t>7.7591e-04</a:t>
+            </a:r>
+            <a:endParaRPr lang="it-IT" sz="2000" dirty="0"/>
           </a:p>
           <a:p>
             <a:pPr marL="285750" indent="-285750">
@@ -6633,8 +9094,20 @@
             </a:pPr>
             <a:r>
               <a:rPr lang="it-IT" sz="2000" dirty="0"/>
-              <a:t>errore = 0.0201    0.0005    0.0000</a:t>
-            </a:r>
+              <a:t>errore = </a:t>
+            </a:r>
+            <a:r>
+              <a:rPr lang="it-IT" sz="2000" dirty="0" smtClean="0"/>
+              <a:t>x: 0.0201    </a:t>
+            </a:r>
+            <a:br>
+              <a:rPr lang="it-IT" sz="2000" dirty="0" smtClean="0"/>
+            </a:br>
+            <a:r>
+              <a:rPr lang="it-IT" sz="2000" dirty="0" smtClean="0"/>
+              <a:t>y: 0.0005    q: 0.0000</a:t>
+            </a:r>
+            <a:endParaRPr lang="it-IT" sz="2000" dirty="0"/>
           </a:p>
         </p:txBody>
       </p:sp>
@@ -6645,7 +9118,7 @@
           <p:nvPr/>
         </p:nvPicPr>
         <p:blipFill rotWithShape="1">
-          <a:blip r:embed="rId2">
+          <a:blip r:embed="rId2" cstate="print">
             <a:extLst>
               <a:ext uri="{28A0092B-C50C-407E-A947-70E740481C1C}">
                 <a14:useLocalDpi xmlns:a14="http://schemas.microsoft.com/office/drawing/2010/main" val="0"/>
@@ -6657,7 +9130,7 @@
         </p:blipFill>
         <p:spPr>
           <a:xfrm>
-            <a:off x="5420686" y="3315723"/>
+            <a:off x="6486049" y="3315723"/>
             <a:ext cx="2928136" cy="2706444"/>
           </a:xfrm>
           <a:prstGeom prst="rect">
@@ -6674,7 +9147,7 @@
           <p:nvPr/>
         </p:nvPicPr>
         <p:blipFill rotWithShape="1">
-          <a:blip r:embed="rId3">
+          <a:blip r:embed="rId3" cstate="print">
             <a:extLst>
               <a:ext uri="{28A0092B-C50C-407E-A947-70E740481C1C}">
                 <a14:useLocalDpi xmlns:a14="http://schemas.microsoft.com/office/drawing/2010/main" val="0"/>
@@ -6686,8 +9159,8 @@
         </p:blipFill>
         <p:spPr>
           <a:xfrm>
-            <a:off x="8479326" y="3315723"/>
-            <a:ext cx="3712674" cy="2772347"/>
+            <a:off x="9266726" y="2285352"/>
+            <a:ext cx="2719845" cy="2030977"/>
           </a:xfrm>
           <a:prstGeom prst="rect">
             <a:avLst/>
@@ -6702,8 +9175,8 @@
         </p:nvSpPr>
         <p:spPr>
           <a:xfrm>
-            <a:off x="1156527" y="1916020"/>
-            <a:ext cx="9261469" cy="400110"/>
+            <a:off x="3149600" y="1916020"/>
+            <a:ext cx="8006080" cy="369332"/>
           </a:xfrm>
           <a:prstGeom prst="rect">
             <a:avLst/>
@@ -6716,24 +9189,24 @@
           <a:lstStyle/>
           <a:p>
             <a:r>
-              <a:rPr lang="en-US" sz="2000" dirty="0">
+              <a:rPr lang="en-US" dirty="0">
                 <a:latin typeface="Courier" charset="0"/>
               </a:rPr>
               <a:t>Simplex(@</a:t>
             </a:r>
             <a:r>
-              <a:rPr lang="en-US" sz="2000" dirty="0" err="1">
+              <a:rPr lang="en-US" dirty="0" err="1">
                 <a:latin typeface="Courier" charset="0"/>
               </a:rPr>
               <a:t>cost_function</a:t>
             </a:r>
             <a:r>
-              <a:rPr lang="en-US" sz="2000" dirty="0">
+              <a:rPr lang="en-US" dirty="0">
                 <a:latin typeface="Courier" charset="0"/>
               </a:rPr>
               <a:t>, { }, [-.2 .5 .3], .3, 1e-5, 500);</a:t>
             </a:r>
-            <a:endParaRPr lang="en-US" sz="2000" dirty="0">
+            <a:endParaRPr lang="en-US" dirty="0">
               <a:effectLst/>
               <a:latin typeface="Courier" charset="0"/>
             </a:endParaRPr>
@@ -6771,6 +9244,284 @@
               <a:t>:</a:t>
             </a:r>
             <a:endParaRPr lang="en-US" sz="2000" dirty="0"/>
+          </a:p>
+        </p:txBody>
+      </p:sp>
+      <p:sp>
+        <p:nvSpPr>
+          <p:cNvPr id="13" name="Segnaposto contenuto 2"/>
+          <p:cNvSpPr>
+            <a:spLocks noGrp="1"/>
+          </p:cNvSpPr>
+          <p:nvPr>
+            <p:ph idx="1"/>
+          </p:nvPr>
+        </p:nvSpPr>
+        <p:spPr>
+          <a:xfrm>
+            <a:off x="119313" y="1834632"/>
+            <a:ext cx="2750820" cy="4375668"/>
+          </a:xfrm>
+          <a:solidFill>
+            <a:schemeClr val="accent1">
+              <a:lumMod val="20000"/>
+              <a:lumOff val="80000"/>
+            </a:schemeClr>
+          </a:solidFill>
+        </p:spPr>
+        <p:txBody>
+          <a:bodyPr>
+            <a:normAutofit fontScale="85000" lnSpcReduction="10000"/>
+          </a:bodyPr>
+          <a:lstStyle/>
+          <a:p>
+            <a:pPr>
+              <a:buFont typeface="Arial" panose="020B0604020202020204" pitchFamily="34" charset="0"/>
+              <a:buChar char="•"/>
+            </a:pPr>
+            <a:r>
+              <a:rPr lang="it-IT" dirty="0" smtClean="0">
+                <a:solidFill>
+                  <a:schemeClr val="tx1"/>
+                </a:solidFill>
+              </a:rPr>
+              <a:t> 1. Introduzione al problema</a:t>
+            </a:r>
+          </a:p>
+          <a:p>
+            <a:pPr>
+              <a:buFont typeface="Arial" panose="020B0604020202020204" pitchFamily="34" charset="0"/>
+              <a:buChar char="•"/>
+            </a:pPr>
+            <a:r>
+              <a:rPr lang="it-IT" dirty="0" smtClean="0">
+                <a:solidFill>
+                  <a:schemeClr val="tx1"/>
+                </a:solidFill>
+              </a:rPr>
+              <a:t> 2 Modello del problema</a:t>
+            </a:r>
+          </a:p>
+          <a:p>
+            <a:pPr lvl="1">
+              <a:buFont typeface="Arial" panose="020B0604020202020204" pitchFamily="34" charset="0"/>
+              <a:buChar char="•"/>
+            </a:pPr>
+            <a:r>
+              <a:rPr lang="it-IT" dirty="0">
+                <a:solidFill>
+                  <a:schemeClr val="tx1"/>
+                </a:solidFill>
+              </a:rPr>
+              <a:t> </a:t>
+            </a:r>
+            <a:r>
+              <a:rPr lang="it-IT" dirty="0" smtClean="0">
+                <a:solidFill>
+                  <a:schemeClr val="tx1"/>
+                </a:solidFill>
+              </a:rPr>
+              <a:t>2.1 Formule matematiche</a:t>
+            </a:r>
+          </a:p>
+          <a:p>
+            <a:pPr lvl="1">
+              <a:buFont typeface="Arial" panose="020B0604020202020204" pitchFamily="34" charset="0"/>
+              <a:buChar char="•"/>
+            </a:pPr>
+            <a:r>
+              <a:rPr lang="it-IT" dirty="0">
+                <a:solidFill>
+                  <a:schemeClr val="tx1"/>
+                </a:solidFill>
+              </a:rPr>
+              <a:t> </a:t>
+            </a:r>
+            <a:r>
+              <a:rPr lang="it-IT" dirty="0" smtClean="0">
+                <a:solidFill>
+                  <a:schemeClr val="tx1"/>
+                </a:solidFill>
+              </a:rPr>
+              <a:t>2.2 Funzione di costo</a:t>
+            </a:r>
+          </a:p>
+          <a:p>
+            <a:pPr>
+              <a:buFont typeface="Arial" panose="020B0604020202020204" pitchFamily="34" charset="0"/>
+              <a:buChar char="•"/>
+            </a:pPr>
+            <a:r>
+              <a:rPr lang="it-IT" dirty="0" smtClean="0">
+                <a:solidFill>
+                  <a:schemeClr val="tx1"/>
+                </a:solidFill>
+              </a:rPr>
+              <a:t> 3 Algoritmo ed implementazione</a:t>
+            </a:r>
+          </a:p>
+          <a:p>
+            <a:pPr lvl="1">
+              <a:buFont typeface="Arial" panose="020B0604020202020204" pitchFamily="34" charset="0"/>
+              <a:buChar char="•"/>
+            </a:pPr>
+            <a:r>
+              <a:rPr lang="it-IT" dirty="0">
+                <a:solidFill>
+                  <a:schemeClr val="tx1"/>
+                </a:solidFill>
+              </a:rPr>
+              <a:t> </a:t>
+            </a:r>
+            <a:r>
+              <a:rPr lang="it-IT" dirty="0" smtClean="0">
+                <a:solidFill>
+                  <a:schemeClr val="tx1"/>
+                </a:solidFill>
+              </a:rPr>
+              <a:t>3.1 UML</a:t>
+            </a:r>
+          </a:p>
+          <a:p>
+            <a:pPr lvl="1">
+              <a:buFont typeface="Arial" panose="020B0604020202020204" pitchFamily="34" charset="0"/>
+              <a:buChar char="•"/>
+            </a:pPr>
+            <a:r>
+              <a:rPr lang="it-IT" dirty="0">
+                <a:solidFill>
+                  <a:schemeClr val="tx1"/>
+                </a:solidFill>
+              </a:rPr>
+              <a:t> </a:t>
+            </a:r>
+            <a:r>
+              <a:rPr lang="it-IT" dirty="0" smtClean="0">
+                <a:solidFill>
+                  <a:schemeClr val="tx1"/>
+                </a:solidFill>
+              </a:rPr>
+              <a:t>3.2 Parametri iniziali</a:t>
+            </a:r>
+          </a:p>
+          <a:p>
+            <a:pPr lvl="1">
+              <a:buFont typeface="Arial" panose="020B0604020202020204" pitchFamily="34" charset="0"/>
+              <a:buChar char="•"/>
+            </a:pPr>
+            <a:r>
+              <a:rPr lang="it-IT" dirty="0" smtClean="0">
+                <a:solidFill>
+                  <a:schemeClr val="tx1"/>
+                </a:solidFill>
+              </a:rPr>
+              <a:t> 3.3 Condizioni di arresto</a:t>
+            </a:r>
+          </a:p>
+          <a:p>
+            <a:pPr>
+              <a:buFont typeface="Arial" panose="020B0604020202020204" pitchFamily="34" charset="0"/>
+              <a:buChar char="•"/>
+            </a:pPr>
+            <a:r>
+              <a:rPr lang="it-IT" dirty="0" smtClean="0">
+                <a:solidFill>
+                  <a:schemeClr val="tx1"/>
+                </a:solidFill>
+              </a:rPr>
+              <a:t> 4 Risultati</a:t>
+            </a:r>
+          </a:p>
+          <a:p>
+            <a:pPr lvl="1">
+              <a:buFont typeface="Arial" panose="020B0604020202020204" pitchFamily="34" charset="0"/>
+              <a:buChar char="•"/>
+            </a:pPr>
+            <a:r>
+              <a:rPr lang="it-IT" dirty="0" smtClean="0">
+                <a:solidFill>
+                  <a:schemeClr val="tx1"/>
+                </a:solidFill>
+              </a:rPr>
+              <a:t> 4.1 Identificazione non vincolata</a:t>
+            </a:r>
+          </a:p>
+          <a:p>
+            <a:pPr lvl="1">
+              <a:buFont typeface="Arial" panose="020B0604020202020204" pitchFamily="34" charset="0"/>
+              <a:buChar char="•"/>
+            </a:pPr>
+            <a:r>
+              <a:rPr lang="it-IT" dirty="0">
+                <a:solidFill>
+                  <a:schemeClr val="tx1"/>
+                </a:solidFill>
+              </a:rPr>
+              <a:t> </a:t>
+            </a:r>
+            <a:r>
+              <a:rPr lang="it-IT" dirty="0" smtClean="0">
+                <a:solidFill>
+                  <a:schemeClr val="tx1"/>
+                </a:solidFill>
+              </a:rPr>
+              <a:t>4.2 </a:t>
+            </a:r>
+            <a:r>
+              <a:rPr lang="it-IT" dirty="0">
+                <a:solidFill>
+                  <a:schemeClr val="tx1"/>
+                </a:solidFill>
+              </a:rPr>
+              <a:t>Identificazione</a:t>
+            </a:r>
+            <a:r>
+              <a:rPr lang="it-IT" dirty="0" smtClean="0">
+                <a:solidFill>
+                  <a:schemeClr val="tx1"/>
+                </a:solidFill>
+              </a:rPr>
+              <a:t> vincolata</a:t>
+            </a:r>
+          </a:p>
+          <a:p>
+            <a:pPr lvl="1">
+              <a:buFont typeface="Arial" panose="020B0604020202020204" pitchFamily="34" charset="0"/>
+              <a:buChar char="•"/>
+            </a:pPr>
+            <a:r>
+              <a:rPr lang="it-IT" dirty="0" smtClean="0">
+                <a:solidFill>
+                  <a:schemeClr val="tx1"/>
+                </a:solidFill>
+              </a:rPr>
+              <a:t> 4.3 Crimine inverso</a:t>
+            </a:r>
+          </a:p>
+          <a:p>
+            <a:pPr>
+              <a:buFont typeface="Arial" panose="020B0604020202020204" pitchFamily="34" charset="0"/>
+              <a:buChar char="•"/>
+            </a:pPr>
+            <a:r>
+              <a:rPr lang="it-IT" dirty="0" smtClean="0">
+                <a:solidFill>
+                  <a:schemeClr val="tx1"/>
+                </a:solidFill>
+              </a:rPr>
+              <a:t> 5 Considerazioni</a:t>
+            </a:r>
+          </a:p>
+          <a:p>
+            <a:pPr>
+              <a:buFont typeface="Arial" panose="020B0604020202020204" pitchFamily="34" charset="0"/>
+              <a:buChar char="•"/>
+            </a:pPr>
+            <a:endParaRPr lang="it-IT" dirty="0">
+              <a:solidFill>
+                <a:schemeClr val="tx1"/>
+              </a:solidFill>
+            </a:endParaRPr>
           </a:p>
         </p:txBody>
       </p:sp>
@@ -6842,8 +9593,8 @@
         </p:nvSpPr>
         <p:spPr>
           <a:xfrm>
-            <a:off x="1097280" y="3872872"/>
-            <a:ext cx="5199018" cy="1938992"/>
+            <a:off x="3073399" y="3445022"/>
+            <a:ext cx="4140200" cy="2862322"/>
           </a:xfrm>
           <a:prstGeom prst="rect">
             <a:avLst/>
@@ -6855,13 +9606,23 @@
           </a:bodyPr>
           <a:lstStyle/>
           <a:p>
+            <a:r>
+              <a:rPr lang="it-IT" sz="2000" dirty="0" smtClean="0"/>
+              <a:t>Risultati</a:t>
+            </a:r>
+          </a:p>
+          <a:p>
             <a:pPr marL="285750" indent="-285750">
               <a:buFont typeface="Arial" panose="020B0604020202020204" pitchFamily="34" charset="0"/>
               <a:buChar char="•"/>
             </a:pPr>
             <a:r>
+              <a:rPr lang="it-IT" sz="2000" dirty="0" smtClean="0"/>
+              <a:t>Valore </a:t>
+            </a:r>
+            <a:r>
               <a:rPr lang="it-IT" sz="2000" dirty="0"/>
-              <a:t>Valore nell’ultimo vertice = 0.0012</a:t>
+              <a:t>nell’ultimo vertice = 0.0012</a:t>
             </a:r>
           </a:p>
           <a:p>
@@ -6871,8 +9632,13 @@
             </a:pPr>
             <a:r>
               <a:rPr lang="it-IT" sz="2000" dirty="0"/>
-              <a:t>risultato =   -0.2946    0.4021    0.3999</a:t>
-            </a:r>
+              <a:t>risultato =   </a:t>
+            </a:r>
+            <a:r>
+              <a:rPr lang="it-IT" sz="2000" dirty="0" smtClean="0"/>
+              <a:t>x: -0.2946    y: 0.4021    q: 0.3999</a:t>
+            </a:r>
+            <a:endParaRPr lang="it-IT" sz="2000" dirty="0"/>
           </a:p>
           <a:p>
             <a:pPr marL="285750" indent="-285750">
@@ -6911,8 +9677,20 @@
             </a:pPr>
             <a:r>
               <a:rPr lang="it-IT" sz="2000" dirty="0"/>
-              <a:t>errore = 0.0054    0.0021    0.0001</a:t>
-            </a:r>
+              <a:t>errore = </a:t>
+            </a:r>
+            <a:r>
+              <a:rPr lang="it-IT" sz="2000" dirty="0" smtClean="0"/>
+              <a:t>x: 0.0054  y: 0.0021  </a:t>
+            </a:r>
+            <a:br>
+              <a:rPr lang="it-IT" sz="2000" dirty="0" smtClean="0"/>
+            </a:br>
+            <a:r>
+              <a:rPr lang="it-IT" sz="2000" dirty="0" smtClean="0"/>
+              <a:t>q: 0.0001</a:t>
+            </a:r>
+            <a:endParaRPr lang="it-IT" sz="2000" dirty="0"/>
           </a:p>
         </p:txBody>
       </p:sp>
@@ -6928,8 +9706,8 @@
             </p:nvSpPr>
             <p:spPr>
               <a:xfrm>
-                <a:off x="1156527" y="2494790"/>
-                <a:ext cx="5505530" cy="950232"/>
+                <a:off x="3149599" y="2494790"/>
+                <a:ext cx="3987801" cy="950232"/>
               </a:xfrm>
               <a:prstGeom prst="rect">
                 <a:avLst/>
@@ -7197,8 +9975,8 @@
                     <m:sSup>
                       <m:sSupPr>
                         <m:ctrlPr>
-                          <a:rPr lang="it-IT" i="1" smtClean="0">
-                            <a:latin typeface="Cambria Math" charset="0"/>
+                          <a:rPr lang="it-IT" sz="1400" i="1" smtClean="0">
+                            <a:latin typeface="Cambria Math" panose="02040503050406030204" pitchFamily="18" charset="0"/>
                           </a:rPr>
                         </m:ctrlPr>
                       </m:sSupPr>
@@ -7206,20 +9984,20 @@
                         <m:d>
                           <m:dPr>
                             <m:ctrlPr>
-                              <a:rPr lang="it-IT" i="1">
-                                <a:latin typeface="Cambria Math" charset="0"/>
+                              <a:rPr lang="it-IT" sz="1400" i="1">
+                                <a:latin typeface="Cambria Math" panose="02040503050406030204" pitchFamily="18" charset="0"/>
                               </a:rPr>
                             </m:ctrlPr>
                           </m:dPr>
                           <m:e>
                             <m:r>
-                              <a:rPr lang="it-IT" i="1">
+                              <a:rPr lang="it-IT" sz="1400" i="1">
                                 <a:latin typeface="Cambria Math" charset="0"/>
                               </a:rPr>
                               <m:t>𝑥</m:t>
                             </m:r>
                             <m:r>
-                              <a:rPr lang="it-IT" i="1">
+                              <a:rPr lang="it-IT" sz="1400" i="1">
                                 <a:latin typeface="Cambria Math" charset="0"/>
                               </a:rPr>
                               <m:t>+0.6</m:t>
@@ -7229,7 +10007,7 @@
                       </m:e>
                       <m:sup>
                         <m:r>
-                          <a:rPr lang="it-IT" i="1">
+                          <a:rPr lang="it-IT" sz="1400" i="1">
                             <a:latin typeface="Cambria Math" charset="0"/>
                           </a:rPr>
                           <m:t>2</m:t>
@@ -7237,7 +10015,7 @@
                       </m:sup>
                     </m:sSup>
                     <m:r>
-                      <a:rPr lang="it-IT" i="1">
+                      <a:rPr lang="it-IT" sz="1400" i="1">
                         <a:latin typeface="Cambria Math" charset="0"/>
                       </a:rPr>
                       <m:t>+</m:t>
@@ -7245,8 +10023,8 @@
                     <m:sSup>
                       <m:sSupPr>
                         <m:ctrlPr>
-                          <a:rPr lang="it-IT" i="1">
-                            <a:latin typeface="Cambria Math" charset="0"/>
+                          <a:rPr lang="it-IT" sz="1400" i="1">
+                            <a:latin typeface="Cambria Math" panose="02040503050406030204" pitchFamily="18" charset="0"/>
                           </a:rPr>
                         </m:ctrlPr>
                       </m:sSupPr>
@@ -7254,20 +10032,20 @@
                         <m:d>
                           <m:dPr>
                             <m:ctrlPr>
-                              <a:rPr lang="it-IT" i="1">
-                                <a:latin typeface="Cambria Math" charset="0"/>
+                              <a:rPr lang="it-IT" sz="1400" i="1">
+                                <a:latin typeface="Cambria Math" panose="02040503050406030204" pitchFamily="18" charset="0"/>
                               </a:rPr>
                             </m:ctrlPr>
                           </m:dPr>
                           <m:e>
                             <m:r>
-                              <a:rPr lang="it-IT" i="1">
+                              <a:rPr lang="it-IT" sz="1400" i="1">
                                 <a:latin typeface="Cambria Math" charset="0"/>
                               </a:rPr>
                               <m:t>𝑦</m:t>
                             </m:r>
                             <m:r>
-                              <a:rPr lang="it-IT" i="1">
+                              <a:rPr lang="it-IT" sz="1400" i="1">
                                 <a:latin typeface="Cambria Math" charset="0"/>
                               </a:rPr>
                               <m:t>−0.6</m:t>
@@ -7277,7 +10055,7 @@
                       </m:e>
                       <m:sup>
                         <m:r>
-                          <a:rPr lang="it-IT" i="1">
+                          <a:rPr lang="it-IT" sz="1400" i="1">
                             <a:latin typeface="Cambria Math" charset="0"/>
                           </a:rPr>
                           <m:t>2</m:t>
@@ -7285,7 +10063,7 @@
                       </m:sup>
                     </m:sSup>
                     <m:r>
-                      <a:rPr lang="it-IT" i="1">
+                      <a:rPr lang="it-IT" sz="1400" i="1">
                         <a:latin typeface="Cambria Math" charset="0"/>
                       </a:rPr>
                       <m:t>+</m:t>
@@ -7293,8 +10071,8 @@
                     <m:sSup>
                       <m:sSupPr>
                         <m:ctrlPr>
-                          <a:rPr lang="it-IT" i="1">
-                            <a:latin typeface="Cambria Math" charset="0"/>
+                          <a:rPr lang="it-IT" sz="1400" i="1">
+                            <a:latin typeface="Cambria Math" panose="02040503050406030204" pitchFamily="18" charset="0"/>
                           </a:rPr>
                         </m:ctrlPr>
                       </m:sSupPr>
@@ -7302,20 +10080,20 @@
                         <m:d>
                           <m:dPr>
                             <m:ctrlPr>
-                              <a:rPr lang="it-IT" i="1">
-                                <a:latin typeface="Cambria Math" charset="0"/>
+                              <a:rPr lang="it-IT" sz="1400" i="1">
+                                <a:latin typeface="Cambria Math" panose="02040503050406030204" pitchFamily="18" charset="0"/>
                               </a:rPr>
                             </m:ctrlPr>
                           </m:dPr>
                           <m:e>
                             <m:r>
-                              <a:rPr lang="it-IT" i="1">
+                              <a:rPr lang="it-IT" sz="1400" i="1">
                                 <a:latin typeface="Cambria Math" charset="0"/>
                               </a:rPr>
                               <m:t>𝑧</m:t>
                             </m:r>
                             <m:r>
-                              <a:rPr lang="it-IT" i="1">
+                              <a:rPr lang="it-IT" sz="1400" i="1">
                                 <a:latin typeface="Cambria Math" charset="0"/>
                               </a:rPr>
                               <m:t>−0.5</m:t>
@@ -7325,7 +10103,7 @@
                       </m:e>
                       <m:sup>
                         <m:r>
-                          <a:rPr lang="it-IT" i="1">
+                          <a:rPr lang="it-IT" sz="1400" i="1">
                             <a:latin typeface="Cambria Math" charset="0"/>
                           </a:rPr>
                           <m:t>2</m:t>
@@ -7333,7 +10111,7 @@
                       </m:sup>
                     </m:sSup>
                     <m:r>
-                      <a:rPr lang="it-IT" i="1">
+                      <a:rPr lang="it-IT" sz="1400" i="1">
                         <a:latin typeface="Cambria Math" charset="0"/>
                       </a:rPr>
                       <m:t>−</m:t>
@@ -7341,14 +10119,14 @@
                     <m:sSup>
                       <m:sSupPr>
                         <m:ctrlPr>
-                          <a:rPr lang="it-IT" i="1">
-                            <a:latin typeface="Cambria Math" charset="0"/>
+                          <a:rPr lang="it-IT" sz="1400" i="1">
+                            <a:latin typeface="Cambria Math" panose="02040503050406030204" pitchFamily="18" charset="0"/>
                           </a:rPr>
                         </m:ctrlPr>
                       </m:sSupPr>
                       <m:e>
                         <m:r>
-                          <a:rPr lang="it-IT" i="1">
+                          <a:rPr lang="it-IT" sz="1400" i="1">
                             <a:latin typeface="Cambria Math" charset="0"/>
                           </a:rPr>
                           <m:t>1.2</m:t>
@@ -7356,7 +10134,7 @@
                       </m:e>
                       <m:sup>
                         <m:r>
-                          <a:rPr lang="it-IT" i="1">
+                          <a:rPr lang="it-IT" sz="1400" i="1">
                             <a:latin typeface="Cambria Math" charset="0"/>
                           </a:rPr>
                           <m:t>2</m:t>
@@ -7364,14 +10142,14 @@
                       </m:sup>
                     </m:sSup>
                     <m:r>
-                      <a:rPr lang="it-IT" i="1">
+                      <a:rPr lang="it-IT" sz="1400" i="1">
                         <a:latin typeface="Cambria Math" charset="0"/>
                       </a:rPr>
                       <m:t>&lt;0 </m:t>
                     </m:r>
                   </m:oMath>
                 </a14:m>
-                <a:endParaRPr lang="it-IT" dirty="0"/>
+                <a:endParaRPr lang="it-IT" sz="1400" dirty="0"/>
               </a:p>
             </p:txBody>
           </p:sp>
@@ -7387,16 +10165,16 @@
             </p:nvSpPr>
             <p:spPr>
               <a:xfrm>
-                <a:off x="1156527" y="2494790"/>
-                <a:ext cx="5505530" cy="950232"/>
+                <a:off x="3149599" y="2494790"/>
+                <a:ext cx="3987801" cy="950232"/>
               </a:xfrm>
               <a:prstGeom prst="rect">
                 <a:avLst/>
               </a:prstGeom>
-              <a:blipFill rotWithShape="0">
+              <a:blipFill>
                 <a:blip r:embed="rId2"/>
                 <a:stretch>
-                  <a:fillRect l="-1218" t="-6410" b="-39744"/>
+                  <a:fillRect l="-1682" t="-6410"/>
                 </a:stretch>
               </a:blipFill>
             </p:spPr>
@@ -7405,7 +10183,7 @@
               <a:lstStyle/>
               <a:p>
                 <a:r>
-                  <a:rPr lang="en-US">
+                  <a:rPr lang="it-IT">
                     <a:noFill/>
                   </a:rPr>
                   <a:t> </a:t>
@@ -7435,8 +10213,8 @@
         </p:blipFill>
         <p:spPr>
           <a:xfrm>
-            <a:off x="6804561" y="2588822"/>
-            <a:ext cx="5078681" cy="3681350"/>
+            <a:off x="7027323" y="2588822"/>
+            <a:ext cx="4855919" cy="3519878"/>
           </a:xfrm>
           <a:prstGeom prst="rect">
             <a:avLst/>
@@ -7451,8 +10229,8 @@
         </p:nvSpPr>
         <p:spPr>
           <a:xfrm>
-            <a:off x="1156527" y="1916020"/>
-            <a:ext cx="9261469" cy="400110"/>
+            <a:off x="2997200" y="1916020"/>
+            <a:ext cx="8158480" cy="369332"/>
           </a:xfrm>
           <a:prstGeom prst="rect">
             <a:avLst/>
@@ -7465,24 +10243,24 @@
           <a:lstStyle/>
           <a:p>
             <a:r>
-              <a:rPr lang="en-US" sz="2000" dirty="0">
+              <a:rPr lang="en-US" dirty="0">
                 <a:latin typeface="Courier" charset="0"/>
               </a:rPr>
               <a:t>Simplex(@</a:t>
             </a:r>
             <a:r>
-              <a:rPr lang="en-US" sz="2000" dirty="0" err="1">
+              <a:rPr lang="en-US" dirty="0" err="1">
                 <a:latin typeface="Courier" charset="0"/>
               </a:rPr>
               <a:t>cost_function</a:t>
             </a:r>
             <a:r>
-              <a:rPr lang="en-US" sz="2000" dirty="0">
+              <a:rPr lang="en-US" dirty="0">
                 <a:latin typeface="Courier" charset="0"/>
               </a:rPr>
               <a:t>, { }, [-.2 .5 .3], .3, 1e-5, 500);</a:t>
             </a:r>
-            <a:endParaRPr lang="en-US" sz="2000" dirty="0">
+            <a:endParaRPr lang="en-US" dirty="0">
               <a:effectLst/>
               <a:latin typeface="Courier" charset="0"/>
             </a:endParaRPr>
@@ -7520,6 +10298,284 @@
               <a:t>:</a:t>
             </a:r>
             <a:endParaRPr lang="en-US" sz="2000" dirty="0"/>
+          </a:p>
+        </p:txBody>
+      </p:sp>
+      <p:sp>
+        <p:nvSpPr>
+          <p:cNvPr id="8" name="Segnaposto contenuto 2"/>
+          <p:cNvSpPr>
+            <a:spLocks noGrp="1"/>
+          </p:cNvSpPr>
+          <p:nvPr>
+            <p:ph idx="1"/>
+          </p:nvPr>
+        </p:nvSpPr>
+        <p:spPr>
+          <a:xfrm>
+            <a:off x="119313" y="1834632"/>
+            <a:ext cx="2750820" cy="4362968"/>
+          </a:xfrm>
+          <a:solidFill>
+            <a:schemeClr val="accent1">
+              <a:lumMod val="20000"/>
+              <a:lumOff val="80000"/>
+            </a:schemeClr>
+          </a:solidFill>
+        </p:spPr>
+        <p:txBody>
+          <a:bodyPr>
+            <a:normAutofit fontScale="85000" lnSpcReduction="10000"/>
+          </a:bodyPr>
+          <a:lstStyle/>
+          <a:p>
+            <a:pPr>
+              <a:buFont typeface="Arial" panose="020B0604020202020204" pitchFamily="34" charset="0"/>
+              <a:buChar char="•"/>
+            </a:pPr>
+            <a:r>
+              <a:rPr lang="it-IT" dirty="0" smtClean="0">
+                <a:solidFill>
+                  <a:schemeClr val="tx1"/>
+                </a:solidFill>
+              </a:rPr>
+              <a:t> 1. Introduzione al problema</a:t>
+            </a:r>
+          </a:p>
+          <a:p>
+            <a:pPr>
+              <a:buFont typeface="Arial" panose="020B0604020202020204" pitchFamily="34" charset="0"/>
+              <a:buChar char="•"/>
+            </a:pPr>
+            <a:r>
+              <a:rPr lang="it-IT" dirty="0" smtClean="0">
+                <a:solidFill>
+                  <a:schemeClr val="tx1"/>
+                </a:solidFill>
+              </a:rPr>
+              <a:t> 2 Modello del problema</a:t>
+            </a:r>
+          </a:p>
+          <a:p>
+            <a:pPr lvl="1">
+              <a:buFont typeface="Arial" panose="020B0604020202020204" pitchFamily="34" charset="0"/>
+              <a:buChar char="•"/>
+            </a:pPr>
+            <a:r>
+              <a:rPr lang="it-IT" dirty="0">
+                <a:solidFill>
+                  <a:schemeClr val="tx1"/>
+                </a:solidFill>
+              </a:rPr>
+              <a:t> </a:t>
+            </a:r>
+            <a:r>
+              <a:rPr lang="it-IT" dirty="0" smtClean="0">
+                <a:solidFill>
+                  <a:schemeClr val="tx1"/>
+                </a:solidFill>
+              </a:rPr>
+              <a:t>2.1 Formule matematiche</a:t>
+            </a:r>
+          </a:p>
+          <a:p>
+            <a:pPr lvl="1">
+              <a:buFont typeface="Arial" panose="020B0604020202020204" pitchFamily="34" charset="0"/>
+              <a:buChar char="•"/>
+            </a:pPr>
+            <a:r>
+              <a:rPr lang="it-IT" dirty="0">
+                <a:solidFill>
+                  <a:schemeClr val="tx1"/>
+                </a:solidFill>
+              </a:rPr>
+              <a:t> </a:t>
+            </a:r>
+            <a:r>
+              <a:rPr lang="it-IT" dirty="0" smtClean="0">
+                <a:solidFill>
+                  <a:schemeClr val="tx1"/>
+                </a:solidFill>
+              </a:rPr>
+              <a:t>2.2 Funzione di costo</a:t>
+            </a:r>
+          </a:p>
+          <a:p>
+            <a:pPr>
+              <a:buFont typeface="Arial" panose="020B0604020202020204" pitchFamily="34" charset="0"/>
+              <a:buChar char="•"/>
+            </a:pPr>
+            <a:r>
+              <a:rPr lang="it-IT" dirty="0" smtClean="0">
+                <a:solidFill>
+                  <a:schemeClr val="tx1"/>
+                </a:solidFill>
+              </a:rPr>
+              <a:t> 3 Algoritmo ed implementazione</a:t>
+            </a:r>
+          </a:p>
+          <a:p>
+            <a:pPr lvl="1">
+              <a:buFont typeface="Arial" panose="020B0604020202020204" pitchFamily="34" charset="0"/>
+              <a:buChar char="•"/>
+            </a:pPr>
+            <a:r>
+              <a:rPr lang="it-IT" dirty="0">
+                <a:solidFill>
+                  <a:schemeClr val="tx1"/>
+                </a:solidFill>
+              </a:rPr>
+              <a:t> </a:t>
+            </a:r>
+            <a:r>
+              <a:rPr lang="it-IT" dirty="0" smtClean="0">
+                <a:solidFill>
+                  <a:schemeClr val="tx1"/>
+                </a:solidFill>
+              </a:rPr>
+              <a:t>3.1 UML</a:t>
+            </a:r>
+          </a:p>
+          <a:p>
+            <a:pPr lvl="1">
+              <a:buFont typeface="Arial" panose="020B0604020202020204" pitchFamily="34" charset="0"/>
+              <a:buChar char="•"/>
+            </a:pPr>
+            <a:r>
+              <a:rPr lang="it-IT" dirty="0">
+                <a:solidFill>
+                  <a:schemeClr val="tx1"/>
+                </a:solidFill>
+              </a:rPr>
+              <a:t> </a:t>
+            </a:r>
+            <a:r>
+              <a:rPr lang="it-IT" dirty="0" smtClean="0">
+                <a:solidFill>
+                  <a:schemeClr val="tx1"/>
+                </a:solidFill>
+              </a:rPr>
+              <a:t>3.2 Parametri iniziali</a:t>
+            </a:r>
+          </a:p>
+          <a:p>
+            <a:pPr lvl="1">
+              <a:buFont typeface="Arial" panose="020B0604020202020204" pitchFamily="34" charset="0"/>
+              <a:buChar char="•"/>
+            </a:pPr>
+            <a:r>
+              <a:rPr lang="it-IT" dirty="0" smtClean="0">
+                <a:solidFill>
+                  <a:schemeClr val="tx1"/>
+                </a:solidFill>
+              </a:rPr>
+              <a:t> 3.3 Condizioni di arresto</a:t>
+            </a:r>
+          </a:p>
+          <a:p>
+            <a:pPr>
+              <a:buFont typeface="Arial" panose="020B0604020202020204" pitchFamily="34" charset="0"/>
+              <a:buChar char="•"/>
+            </a:pPr>
+            <a:r>
+              <a:rPr lang="it-IT" dirty="0" smtClean="0">
+                <a:solidFill>
+                  <a:schemeClr val="tx1"/>
+                </a:solidFill>
+              </a:rPr>
+              <a:t> 4 Risultati</a:t>
+            </a:r>
+          </a:p>
+          <a:p>
+            <a:pPr lvl="1">
+              <a:buFont typeface="Arial" panose="020B0604020202020204" pitchFamily="34" charset="0"/>
+              <a:buChar char="•"/>
+            </a:pPr>
+            <a:r>
+              <a:rPr lang="it-IT" dirty="0" smtClean="0">
+                <a:solidFill>
+                  <a:schemeClr val="tx1"/>
+                </a:solidFill>
+              </a:rPr>
+              <a:t> 4.1 Identificazione non vincolata</a:t>
+            </a:r>
+          </a:p>
+          <a:p>
+            <a:pPr lvl="1">
+              <a:buFont typeface="Arial" panose="020B0604020202020204" pitchFamily="34" charset="0"/>
+              <a:buChar char="•"/>
+            </a:pPr>
+            <a:r>
+              <a:rPr lang="it-IT" dirty="0">
+                <a:solidFill>
+                  <a:schemeClr val="tx1"/>
+                </a:solidFill>
+              </a:rPr>
+              <a:t> </a:t>
+            </a:r>
+            <a:r>
+              <a:rPr lang="it-IT" dirty="0" smtClean="0">
+                <a:solidFill>
+                  <a:schemeClr val="tx1"/>
+                </a:solidFill>
+              </a:rPr>
+              <a:t>4.2 </a:t>
+            </a:r>
+            <a:r>
+              <a:rPr lang="it-IT" dirty="0">
+                <a:solidFill>
+                  <a:schemeClr val="tx1"/>
+                </a:solidFill>
+              </a:rPr>
+              <a:t>Identificazione</a:t>
+            </a:r>
+            <a:r>
+              <a:rPr lang="it-IT" dirty="0" smtClean="0">
+                <a:solidFill>
+                  <a:schemeClr val="tx1"/>
+                </a:solidFill>
+              </a:rPr>
+              <a:t> vincolata</a:t>
+            </a:r>
+          </a:p>
+          <a:p>
+            <a:pPr lvl="1">
+              <a:buFont typeface="Arial" panose="020B0604020202020204" pitchFamily="34" charset="0"/>
+              <a:buChar char="•"/>
+            </a:pPr>
+            <a:r>
+              <a:rPr lang="it-IT" dirty="0" smtClean="0">
+                <a:solidFill>
+                  <a:schemeClr val="tx1"/>
+                </a:solidFill>
+              </a:rPr>
+              <a:t> 4.3 Crimine inverso</a:t>
+            </a:r>
+          </a:p>
+          <a:p>
+            <a:pPr>
+              <a:buFont typeface="Arial" panose="020B0604020202020204" pitchFamily="34" charset="0"/>
+              <a:buChar char="•"/>
+            </a:pPr>
+            <a:r>
+              <a:rPr lang="it-IT" dirty="0" smtClean="0">
+                <a:solidFill>
+                  <a:schemeClr val="tx1"/>
+                </a:solidFill>
+              </a:rPr>
+              <a:t> 5 Considerazioni</a:t>
+            </a:r>
+          </a:p>
+          <a:p>
+            <a:pPr>
+              <a:buFont typeface="Arial" panose="020B0604020202020204" pitchFamily="34" charset="0"/>
+              <a:buChar char="•"/>
+            </a:pPr>
+            <a:endParaRPr lang="it-IT" dirty="0">
+              <a:solidFill>
+                <a:schemeClr val="tx1"/>
+              </a:solidFill>
+            </a:endParaRPr>
           </a:p>
         </p:txBody>
       </p:sp>
@@ -7591,8 +10647,8 @@
         </p:nvSpPr>
         <p:spPr>
           <a:xfrm>
-            <a:off x="1097279" y="3238815"/>
-            <a:ext cx="4887884" cy="1938992"/>
+            <a:off x="3047999" y="3238815"/>
+            <a:ext cx="4226300" cy="2554545"/>
           </a:xfrm>
           <a:prstGeom prst="rect">
             <a:avLst/>
@@ -7620,8 +10676,13 @@
             </a:pPr>
             <a:r>
               <a:rPr lang="it-IT" sz="2000" dirty="0"/>
-              <a:t>Risultato  = -0.3000    0.4000    0.4000</a:t>
-            </a:r>
+              <a:t>Risultato  = </a:t>
+            </a:r>
+            <a:r>
+              <a:rPr lang="it-IT" sz="2000" dirty="0" smtClean="0"/>
+              <a:t>x: -0.3000    y: 0.4000    q: 0.4000</a:t>
+            </a:r>
+            <a:endParaRPr lang="it-IT" sz="2000" dirty="0"/>
           </a:p>
           <a:p>
             <a:pPr marL="285750" indent="-285750">
@@ -7660,8 +10721,20 @@
             </a:pPr>
             <a:r>
               <a:rPr lang="it-IT" sz="2000" dirty="0"/>
-              <a:t>errore = 0     0     0</a:t>
-            </a:r>
+              <a:t>errore = </a:t>
+            </a:r>
+            <a:r>
+              <a:rPr lang="it-IT" sz="2000" dirty="0" smtClean="0"/>
+              <a:t>x: 0.0000     y: 0.0000     </a:t>
+            </a:r>
+            <a:br>
+              <a:rPr lang="it-IT" sz="2000" dirty="0" smtClean="0"/>
+            </a:br>
+            <a:r>
+              <a:rPr lang="it-IT" sz="2000" dirty="0" smtClean="0"/>
+              <a:t>q: 0.000</a:t>
+            </a:r>
+            <a:endParaRPr lang="it-IT" sz="2000" dirty="0"/>
           </a:p>
         </p:txBody>
       </p:sp>
@@ -7700,8 +10773,8 @@
         </p:nvSpPr>
         <p:spPr>
           <a:xfrm>
-            <a:off x="1097279" y="1887043"/>
-            <a:ext cx="8794865" cy="400110"/>
+            <a:off x="3048000" y="1887043"/>
+            <a:ext cx="8242300" cy="369332"/>
           </a:xfrm>
           <a:prstGeom prst="rect">
             <a:avLst/>
@@ -7714,36 +10787,36 @@
           <a:lstStyle/>
           <a:p>
             <a:r>
-              <a:rPr lang="en-US" sz="2000" dirty="0">
+              <a:rPr lang="en-US" dirty="0">
                 <a:latin typeface="Courier" charset="0"/>
               </a:rPr>
               <a:t>Simplex(@</a:t>
             </a:r>
             <a:r>
-              <a:rPr lang="en-US" sz="2000" dirty="0" err="1" smtClean="0">
+              <a:rPr lang="en-US" dirty="0" err="1" smtClean="0">
                 <a:latin typeface="Courier" charset="0"/>
               </a:rPr>
               <a:t>cost_function</a:t>
             </a:r>
             <a:r>
-              <a:rPr lang="en-US" sz="2000" dirty="0" smtClean="0">
+              <a:rPr lang="en-US" dirty="0" smtClean="0">
                 <a:latin typeface="Courier" charset="0"/>
               </a:rPr>
               <a:t>, </a:t>
             </a:r>
             <a:r>
-              <a:rPr lang="en-US" sz="2000" dirty="0">
+              <a:rPr lang="en-US" dirty="0">
                 <a:latin typeface="Courier" charset="0"/>
               </a:rPr>
               <a:t>{}, [-.3 .4 .4], .3, 1e-5, 500</a:t>
             </a:r>
             <a:r>
-              <a:rPr lang="en-US" sz="2000" dirty="0" smtClean="0">
+              <a:rPr lang="en-US" dirty="0" smtClean="0">
                 <a:latin typeface="Courier" charset="0"/>
               </a:rPr>
               <a:t>); </a:t>
             </a:r>
-            <a:endParaRPr lang="en-US" sz="2000" dirty="0">
+            <a:endParaRPr lang="en-US" dirty="0">
               <a:effectLst/>
               <a:latin typeface="Courier" charset="0"/>
             </a:endParaRPr>
@@ -7781,6 +10854,284 @@
               <a:t>: </a:t>
             </a:r>
             <a:endParaRPr lang="en-US" sz="2000" dirty="0"/>
+          </a:p>
+        </p:txBody>
+      </p:sp>
+      <p:sp>
+        <p:nvSpPr>
+          <p:cNvPr id="9" name="Segnaposto contenuto 2"/>
+          <p:cNvSpPr>
+            <a:spLocks noGrp="1"/>
+          </p:cNvSpPr>
+          <p:nvPr>
+            <p:ph idx="1"/>
+          </p:nvPr>
+        </p:nvSpPr>
+        <p:spPr>
+          <a:xfrm>
+            <a:off x="119313" y="1834632"/>
+            <a:ext cx="2750820" cy="4362968"/>
+          </a:xfrm>
+          <a:solidFill>
+            <a:schemeClr val="accent1">
+              <a:lumMod val="20000"/>
+              <a:lumOff val="80000"/>
+            </a:schemeClr>
+          </a:solidFill>
+        </p:spPr>
+        <p:txBody>
+          <a:bodyPr>
+            <a:normAutofit fontScale="85000" lnSpcReduction="10000"/>
+          </a:bodyPr>
+          <a:lstStyle/>
+          <a:p>
+            <a:pPr>
+              <a:buFont typeface="Arial" panose="020B0604020202020204" pitchFamily="34" charset="0"/>
+              <a:buChar char="•"/>
+            </a:pPr>
+            <a:r>
+              <a:rPr lang="it-IT" dirty="0" smtClean="0">
+                <a:solidFill>
+                  <a:schemeClr val="tx1"/>
+                </a:solidFill>
+              </a:rPr>
+              <a:t> 1. Introduzione al problema</a:t>
+            </a:r>
+          </a:p>
+          <a:p>
+            <a:pPr>
+              <a:buFont typeface="Arial" panose="020B0604020202020204" pitchFamily="34" charset="0"/>
+              <a:buChar char="•"/>
+            </a:pPr>
+            <a:r>
+              <a:rPr lang="it-IT" dirty="0" smtClean="0">
+                <a:solidFill>
+                  <a:schemeClr val="tx1"/>
+                </a:solidFill>
+              </a:rPr>
+              <a:t> 2 Modello del problema</a:t>
+            </a:r>
+          </a:p>
+          <a:p>
+            <a:pPr lvl="1">
+              <a:buFont typeface="Arial" panose="020B0604020202020204" pitchFamily="34" charset="0"/>
+              <a:buChar char="•"/>
+            </a:pPr>
+            <a:r>
+              <a:rPr lang="it-IT" dirty="0">
+                <a:solidFill>
+                  <a:schemeClr val="tx1"/>
+                </a:solidFill>
+              </a:rPr>
+              <a:t> </a:t>
+            </a:r>